--- a/assets/form/matrix.pptx
+++ b/assets/form/matrix.pptx
@@ -7,6 +7,7 @@
   <p:sldIdLst>
     <p:sldId id="256" r:id="rId2"/>
     <p:sldId id="257" r:id="rId3"/>
+    <p:sldId id="258" r:id="rId4"/>
   </p:sldIdLst>
   <p:sldSz cx="12192000" cy="6858000"/>
   <p:notesSz cx="6858000" cy="9144000"/>
@@ -105,6 +106,11 @@
       </a:defRPr>
     </a:lvl9pPr>
   </p:defaultTextStyle>
+  <p:extLst>
+    <p:ext uri="{EFAFB233-063F-42B5-8137-9DF3F51BA10A}">
+      <p15:sldGuideLst xmlns:p15="http://schemas.microsoft.com/office/powerpoint/2012/main"/>
+    </p:ext>
+  </p:extLst>
 </p:presentation>
 </file>
 
@@ -255,7 +261,7 @@
           <a:p>
             <a:fld id="{C33B33F7-DDCE-4A4A-93D2-3E7ADEC868BC}" type="datetimeFigureOut">
               <a:rPr lang="ko-KR" altLang="en-US" smtClean="0"/>
-              <a:t>2019-07-19</a:t>
+              <a:t>2019-07-22</a:t>
             </a:fld>
             <a:endParaRPr lang="ko-KR" altLang="en-US"/>
           </a:p>
@@ -453,7 +459,7 @@
           <a:p>
             <a:fld id="{C33B33F7-DDCE-4A4A-93D2-3E7ADEC868BC}" type="datetimeFigureOut">
               <a:rPr lang="ko-KR" altLang="en-US" smtClean="0"/>
-              <a:t>2019-07-19</a:t>
+              <a:t>2019-07-22</a:t>
             </a:fld>
             <a:endParaRPr lang="ko-KR" altLang="en-US"/>
           </a:p>
@@ -661,7 +667,7 @@
           <a:p>
             <a:fld id="{C33B33F7-DDCE-4A4A-93D2-3E7ADEC868BC}" type="datetimeFigureOut">
               <a:rPr lang="ko-KR" altLang="en-US" smtClean="0"/>
-              <a:t>2019-07-19</a:t>
+              <a:t>2019-07-22</a:t>
             </a:fld>
             <a:endParaRPr lang="ko-KR" altLang="en-US"/>
           </a:p>
@@ -859,7 +865,7 @@
           <a:p>
             <a:fld id="{C33B33F7-DDCE-4A4A-93D2-3E7ADEC868BC}" type="datetimeFigureOut">
               <a:rPr lang="ko-KR" altLang="en-US" smtClean="0"/>
-              <a:t>2019-07-19</a:t>
+              <a:t>2019-07-22</a:t>
             </a:fld>
             <a:endParaRPr lang="ko-KR" altLang="en-US"/>
           </a:p>
@@ -1134,7 +1140,7 @@
           <a:p>
             <a:fld id="{C33B33F7-DDCE-4A4A-93D2-3E7ADEC868BC}" type="datetimeFigureOut">
               <a:rPr lang="ko-KR" altLang="en-US" smtClean="0"/>
-              <a:t>2019-07-19</a:t>
+              <a:t>2019-07-22</a:t>
             </a:fld>
             <a:endParaRPr lang="ko-KR" altLang="en-US"/>
           </a:p>
@@ -1399,7 +1405,7 @@
           <a:p>
             <a:fld id="{C33B33F7-DDCE-4A4A-93D2-3E7ADEC868BC}" type="datetimeFigureOut">
               <a:rPr lang="ko-KR" altLang="en-US" smtClean="0"/>
-              <a:t>2019-07-19</a:t>
+              <a:t>2019-07-22</a:t>
             </a:fld>
             <a:endParaRPr lang="ko-KR" altLang="en-US"/>
           </a:p>
@@ -1811,7 +1817,7 @@
           <a:p>
             <a:fld id="{C33B33F7-DDCE-4A4A-93D2-3E7ADEC868BC}" type="datetimeFigureOut">
               <a:rPr lang="ko-KR" altLang="en-US" smtClean="0"/>
-              <a:t>2019-07-19</a:t>
+              <a:t>2019-07-22</a:t>
             </a:fld>
             <a:endParaRPr lang="ko-KR" altLang="en-US"/>
           </a:p>
@@ -1952,7 +1958,7 @@
           <a:p>
             <a:fld id="{C33B33F7-DDCE-4A4A-93D2-3E7ADEC868BC}" type="datetimeFigureOut">
               <a:rPr lang="ko-KR" altLang="en-US" smtClean="0"/>
-              <a:t>2019-07-19</a:t>
+              <a:t>2019-07-22</a:t>
             </a:fld>
             <a:endParaRPr lang="ko-KR" altLang="en-US"/>
           </a:p>
@@ -2065,7 +2071,7 @@
           <a:p>
             <a:fld id="{C33B33F7-DDCE-4A4A-93D2-3E7ADEC868BC}" type="datetimeFigureOut">
               <a:rPr lang="ko-KR" altLang="en-US" smtClean="0"/>
-              <a:t>2019-07-19</a:t>
+              <a:t>2019-07-22</a:t>
             </a:fld>
             <a:endParaRPr lang="ko-KR" altLang="en-US"/>
           </a:p>
@@ -2376,7 +2382,7 @@
           <a:p>
             <a:fld id="{C33B33F7-DDCE-4A4A-93D2-3E7ADEC868BC}" type="datetimeFigureOut">
               <a:rPr lang="ko-KR" altLang="en-US" smtClean="0"/>
-              <a:t>2019-07-19</a:t>
+              <a:t>2019-07-22</a:t>
             </a:fld>
             <a:endParaRPr lang="ko-KR" altLang="en-US"/>
           </a:p>
@@ -2664,7 +2670,7 @@
           <a:p>
             <a:fld id="{C33B33F7-DDCE-4A4A-93D2-3E7ADEC868BC}" type="datetimeFigureOut">
               <a:rPr lang="ko-KR" altLang="en-US" smtClean="0"/>
-              <a:t>2019-07-19</a:t>
+              <a:t>2019-07-22</a:t>
             </a:fld>
             <a:endParaRPr lang="ko-KR" altLang="en-US"/>
           </a:p>
@@ -2905,7 +2911,7 @@
           <a:p>
             <a:fld id="{C33B33F7-DDCE-4A4A-93D2-3E7ADEC868BC}" type="datetimeFigureOut">
               <a:rPr lang="ko-KR" altLang="en-US" smtClean="0"/>
-              <a:t>2019-07-19</a:t>
+              <a:t>2019-07-22</a:t>
             </a:fld>
             <a:endParaRPr lang="ko-KR" altLang="en-US"/>
           </a:p>
@@ -13980,6 +13986,3067 @@
 </p:sld>
 </file>
 
+<file path=ppt/slides/slide3.xml><?xml version="1.0" encoding="utf-8"?>
+<p:sld xmlns:a="http://schemas.openxmlformats.org/drawingml/2006/main" xmlns:r="http://schemas.openxmlformats.org/officeDocument/2006/relationships" xmlns:p="http://schemas.openxmlformats.org/presentationml/2006/main">
+  <p:cSld>
+    <p:spTree>
+      <p:nvGrpSpPr>
+        <p:cNvPr id="1" name=""/>
+        <p:cNvGrpSpPr/>
+        <p:nvPr/>
+      </p:nvGrpSpPr>
+      <p:grpSpPr>
+        <a:xfrm>
+          <a:off x="0" y="0"/>
+          <a:ext cx="0" cy="0"/>
+          <a:chOff x="0" y="0"/>
+          <a:chExt cx="0" cy="0"/>
+        </a:xfrm>
+      </p:grpSpPr>
+      <p:graphicFrame>
+        <p:nvGraphicFramePr>
+          <p:cNvPr id="5" name="표 4">
+            <a:extLst>
+              <a:ext uri="{FF2B5EF4-FFF2-40B4-BE49-F238E27FC236}">
+                <a16:creationId xmlns:a16="http://schemas.microsoft.com/office/drawing/2014/main" id="{129F4C33-81EE-4333-922B-C4A7890A2846}"/>
+              </a:ext>
+            </a:extLst>
+          </p:cNvPr>
+          <p:cNvGraphicFramePr>
+            <a:graphicFrameLocks noGrp="1"/>
+          </p:cNvGraphicFramePr>
+          <p:nvPr>
+            <p:extLst>
+              <p:ext uri="{D42A27DB-BD31-4B8C-83A1-F6EECF244321}">
+                <p14:modId xmlns:p14="http://schemas.microsoft.com/office/powerpoint/2010/main" val="2858930000"/>
+              </p:ext>
+            </p:extLst>
+          </p:nvPr>
+        </p:nvGraphicFramePr>
+        <p:xfrm>
+          <a:off x="2032001" y="2415116"/>
+          <a:ext cx="2367360" cy="3708400"/>
+        </p:xfrm>
+        <a:graphic>
+          <a:graphicData uri="http://schemas.openxmlformats.org/drawingml/2006/table">
+            <a:tbl>
+              <a:tblPr firstRow="1" bandRow="1">
+                <a:tableStyleId>{5C22544A-7EE6-4342-B048-85BDC9FD1C3A}</a:tableStyleId>
+              </a:tblPr>
+              <a:tblGrid>
+                <a:gridCol w="473472">
+                  <a:extLst>
+                    <a:ext uri="{9D8B030D-6E8A-4147-A177-3AD203B41FA5}">
+                      <a16:colId xmlns:a16="http://schemas.microsoft.com/office/drawing/2014/main" val="3345459212"/>
+                    </a:ext>
+                  </a:extLst>
+                </a:gridCol>
+                <a:gridCol w="473472">
+                  <a:extLst>
+                    <a:ext uri="{9D8B030D-6E8A-4147-A177-3AD203B41FA5}">
+                      <a16:colId xmlns:a16="http://schemas.microsoft.com/office/drawing/2014/main" val="3061974768"/>
+                    </a:ext>
+                  </a:extLst>
+                </a:gridCol>
+                <a:gridCol w="473472">
+                  <a:extLst>
+                    <a:ext uri="{9D8B030D-6E8A-4147-A177-3AD203B41FA5}">
+                      <a16:colId xmlns:a16="http://schemas.microsoft.com/office/drawing/2014/main" val="284153145"/>
+                    </a:ext>
+                  </a:extLst>
+                </a:gridCol>
+                <a:gridCol w="473472">
+                  <a:extLst>
+                    <a:ext uri="{9D8B030D-6E8A-4147-A177-3AD203B41FA5}">
+                      <a16:colId xmlns:a16="http://schemas.microsoft.com/office/drawing/2014/main" val="2948392488"/>
+                    </a:ext>
+                  </a:extLst>
+                </a:gridCol>
+                <a:gridCol w="473472">
+                  <a:extLst>
+                    <a:ext uri="{9D8B030D-6E8A-4147-A177-3AD203B41FA5}">
+                      <a16:colId xmlns:a16="http://schemas.microsoft.com/office/drawing/2014/main" val="1729085481"/>
+                    </a:ext>
+                  </a:extLst>
+                </a:gridCol>
+              </a:tblGrid>
+              <a:tr h="370840">
+                <a:tc>
+                  <a:txBody>
+                    <a:bodyPr/>
+                    <a:lstStyle/>
+                    <a:p>
+                      <a:pPr algn="ctr" latinLnBrk="1"/>
+                      <a:endParaRPr lang="ko-KR" altLang="en-US" sz="1400" b="0" dirty="0">
+                        <a:solidFill>
+                          <a:schemeClr val="tx1"/>
+                        </a:solidFill>
+                      </a:endParaRPr>
+                    </a:p>
+                  </a:txBody>
+                  <a:tcPr anchor="ctr">
+                    <a:lnL w="12700" cmpd="sng">
+                      <a:noFill/>
+                    </a:lnL>
+                    <a:lnR w="12700" cmpd="sng">
+                      <a:noFill/>
+                    </a:lnR>
+                    <a:lnT w="12700" cmpd="sng">
+                      <a:noFill/>
+                    </a:lnT>
+                    <a:lnB w="38100" cmpd="sng">
+                      <a:noFill/>
+                    </a:lnB>
+                    <a:lnTlToBr w="12700" cmpd="sng">
+                      <a:noFill/>
+                      <a:prstDash val="solid"/>
+                    </a:lnTlToBr>
+                    <a:lnBlToTr w="12700" cmpd="sng">
+                      <a:noFill/>
+                      <a:prstDash val="solid"/>
+                    </a:lnBlToTr>
+                    <a:noFill/>
+                  </a:tcPr>
+                </a:tc>
+                <a:tc>
+                  <a:txBody>
+                    <a:bodyPr/>
+                    <a:lstStyle/>
+                    <a:p>
+                      <a:pPr algn="ctr" latinLnBrk="1"/>
+                      <a:endParaRPr lang="ko-KR" altLang="en-US" sz="1400" b="0" dirty="0">
+                        <a:solidFill>
+                          <a:schemeClr val="tx1"/>
+                        </a:solidFill>
+                      </a:endParaRPr>
+                    </a:p>
+                  </a:txBody>
+                  <a:tcPr anchor="ctr">
+                    <a:lnL w="12700" cmpd="sng">
+                      <a:noFill/>
+                    </a:lnL>
+                    <a:lnR w="12700" cmpd="sng">
+                      <a:noFill/>
+                    </a:lnR>
+                    <a:lnT w="12700" cmpd="sng">
+                      <a:noFill/>
+                    </a:lnT>
+                    <a:lnB w="38100" cmpd="sng">
+                      <a:noFill/>
+                    </a:lnB>
+                    <a:lnTlToBr w="12700" cmpd="sng">
+                      <a:noFill/>
+                      <a:prstDash val="solid"/>
+                    </a:lnTlToBr>
+                    <a:lnBlToTr w="12700" cmpd="sng">
+                      <a:noFill/>
+                      <a:prstDash val="solid"/>
+                    </a:lnBlToTr>
+                    <a:noFill/>
+                  </a:tcPr>
+                </a:tc>
+                <a:tc>
+                  <a:txBody>
+                    <a:bodyPr/>
+                    <a:lstStyle/>
+                    <a:p>
+                      <a:pPr algn="ctr" latinLnBrk="1"/>
+                      <a:r>
+                        <a:rPr lang="en-US" altLang="ko-KR" sz="1400" b="0" dirty="0">
+                          <a:solidFill>
+                            <a:schemeClr val="tx1"/>
+                          </a:solidFill>
+                        </a:rPr>
+                        <a:t>[0]</a:t>
+                      </a:r>
+                      <a:endParaRPr lang="ko-KR" altLang="en-US" sz="1400" b="0" dirty="0">
+                        <a:solidFill>
+                          <a:schemeClr val="tx1"/>
+                        </a:solidFill>
+                      </a:endParaRPr>
+                    </a:p>
+                  </a:txBody>
+                  <a:tcPr anchor="ctr">
+                    <a:lnL w="12700" cmpd="sng">
+                      <a:noFill/>
+                    </a:lnL>
+                    <a:lnR w="12700" cmpd="sng">
+                      <a:noFill/>
+                    </a:lnR>
+                    <a:lnT w="12700" cmpd="sng">
+                      <a:noFill/>
+                    </a:lnT>
+                    <a:lnB w="12700" cap="flat" cmpd="sng" algn="ctr">
+                      <a:solidFill>
+                        <a:schemeClr val="tx1"/>
+                      </a:solidFill>
+                      <a:prstDash val="solid"/>
+                      <a:round/>
+                      <a:headEnd type="none" w="med" len="med"/>
+                      <a:tailEnd type="none" w="med" len="med"/>
+                    </a:lnB>
+                    <a:lnTlToBr w="12700" cmpd="sng">
+                      <a:noFill/>
+                      <a:prstDash val="solid"/>
+                    </a:lnTlToBr>
+                    <a:lnBlToTr w="12700" cmpd="sng">
+                      <a:noFill/>
+                      <a:prstDash val="solid"/>
+                    </a:lnBlToTr>
+                    <a:noFill/>
+                  </a:tcPr>
+                </a:tc>
+                <a:tc>
+                  <a:txBody>
+                    <a:bodyPr/>
+                    <a:lstStyle/>
+                    <a:p>
+                      <a:pPr algn="ctr" latinLnBrk="1"/>
+                      <a:r>
+                        <a:rPr lang="en-US" altLang="ko-KR" sz="1400" b="0" dirty="0">
+                          <a:solidFill>
+                            <a:schemeClr val="tx1"/>
+                          </a:solidFill>
+                        </a:rPr>
+                        <a:t>[1]</a:t>
+                      </a:r>
+                      <a:endParaRPr lang="ko-KR" altLang="en-US" sz="1400" b="0" dirty="0">
+                        <a:solidFill>
+                          <a:schemeClr val="tx1"/>
+                        </a:solidFill>
+                      </a:endParaRPr>
+                    </a:p>
+                  </a:txBody>
+                  <a:tcPr anchor="ctr">
+                    <a:lnL w="12700" cmpd="sng">
+                      <a:noFill/>
+                    </a:lnL>
+                    <a:lnR w="12700" cmpd="sng">
+                      <a:noFill/>
+                    </a:lnR>
+                    <a:lnT w="12700" cmpd="sng">
+                      <a:noFill/>
+                    </a:lnT>
+                    <a:lnB w="12700" cap="flat" cmpd="sng" algn="ctr">
+                      <a:solidFill>
+                        <a:schemeClr val="tx1"/>
+                      </a:solidFill>
+                      <a:prstDash val="solid"/>
+                      <a:round/>
+                      <a:headEnd type="none" w="med" len="med"/>
+                      <a:tailEnd type="none" w="med" len="med"/>
+                    </a:lnB>
+                    <a:lnTlToBr w="12700" cmpd="sng">
+                      <a:noFill/>
+                      <a:prstDash val="solid"/>
+                    </a:lnTlToBr>
+                    <a:lnBlToTr w="12700" cmpd="sng">
+                      <a:noFill/>
+                      <a:prstDash val="solid"/>
+                    </a:lnBlToTr>
+                    <a:noFill/>
+                  </a:tcPr>
+                </a:tc>
+                <a:tc>
+                  <a:txBody>
+                    <a:bodyPr/>
+                    <a:lstStyle/>
+                    <a:p>
+                      <a:pPr algn="ctr" latinLnBrk="1"/>
+                      <a:r>
+                        <a:rPr lang="en-US" altLang="ko-KR" sz="1400" b="0" dirty="0">
+                          <a:solidFill>
+                            <a:schemeClr val="tx1"/>
+                          </a:solidFill>
+                        </a:rPr>
+                        <a:t>[2]</a:t>
+                      </a:r>
+                      <a:endParaRPr lang="ko-KR" altLang="en-US" sz="1400" b="0" dirty="0">
+                        <a:solidFill>
+                          <a:schemeClr val="tx1"/>
+                        </a:solidFill>
+                      </a:endParaRPr>
+                    </a:p>
+                  </a:txBody>
+                  <a:tcPr anchor="ctr">
+                    <a:lnL w="12700" cmpd="sng">
+                      <a:noFill/>
+                    </a:lnL>
+                    <a:lnR w="12700" cmpd="sng">
+                      <a:noFill/>
+                    </a:lnR>
+                    <a:lnT w="12700" cmpd="sng">
+                      <a:noFill/>
+                    </a:lnT>
+                    <a:lnB w="12700" cap="flat" cmpd="sng" algn="ctr">
+                      <a:solidFill>
+                        <a:schemeClr val="tx1"/>
+                      </a:solidFill>
+                      <a:prstDash val="solid"/>
+                      <a:round/>
+                      <a:headEnd type="none" w="med" len="med"/>
+                      <a:tailEnd type="none" w="med" len="med"/>
+                    </a:lnB>
+                    <a:lnTlToBr w="12700" cmpd="sng">
+                      <a:noFill/>
+                      <a:prstDash val="solid"/>
+                    </a:lnTlToBr>
+                    <a:lnBlToTr w="12700" cmpd="sng">
+                      <a:noFill/>
+                      <a:prstDash val="solid"/>
+                    </a:lnBlToTr>
+                    <a:noFill/>
+                  </a:tcPr>
+                </a:tc>
+                <a:extLst>
+                  <a:ext uri="{0D108BD9-81ED-4DB2-BD59-A6C34878D82A}">
+                    <a16:rowId xmlns:a16="http://schemas.microsoft.com/office/drawing/2014/main" val="733048539"/>
+                  </a:ext>
+                </a:extLst>
+              </a:tr>
+              <a:tr h="370840">
+                <a:tc>
+                  <a:txBody>
+                    <a:bodyPr/>
+                    <a:lstStyle/>
+                    <a:p>
+                      <a:pPr algn="ctr" latinLnBrk="1"/>
+                      <a:r>
+                        <a:rPr lang="en-US" altLang="ko-KR" sz="1400" b="0" dirty="0">
+                          <a:solidFill>
+                            <a:schemeClr val="tx1"/>
+                          </a:solidFill>
+                        </a:rPr>
+                        <a:t>d</a:t>
+                      </a:r>
+                      <a:endParaRPr lang="ko-KR" altLang="en-US" sz="1400" b="0" dirty="0">
+                        <a:solidFill>
+                          <a:schemeClr val="tx1"/>
+                        </a:solidFill>
+                      </a:endParaRPr>
+                    </a:p>
+                  </a:txBody>
+                  <a:tcPr anchor="ctr">
+                    <a:lnL w="12700" cmpd="sng">
+                      <a:noFill/>
+                    </a:lnL>
+                    <a:lnR w="12700" cmpd="sng">
+                      <a:noFill/>
+                    </a:lnR>
+                    <a:lnT w="38100" cmpd="sng">
+                      <a:noFill/>
+                    </a:lnT>
+                    <a:lnB w="12700" cmpd="sng">
+                      <a:noFill/>
+                    </a:lnB>
+                    <a:lnTlToBr w="12700" cmpd="sng">
+                      <a:noFill/>
+                      <a:prstDash val="solid"/>
+                    </a:lnTlToBr>
+                    <a:lnBlToTr w="12700" cmpd="sng">
+                      <a:noFill/>
+                      <a:prstDash val="solid"/>
+                    </a:lnBlToTr>
+                    <a:noFill/>
+                  </a:tcPr>
+                </a:tc>
+                <a:tc>
+                  <a:txBody>
+                    <a:bodyPr/>
+                    <a:lstStyle/>
+                    <a:p>
+                      <a:pPr algn="ctr" latinLnBrk="1"/>
+                      <a:r>
+                        <a:rPr lang="en-US" altLang="ko-KR" sz="1400" b="0" dirty="0">
+                          <a:solidFill>
+                            <a:schemeClr val="tx1"/>
+                          </a:solidFill>
+                        </a:rPr>
+                        <a:t>[0]</a:t>
+                      </a:r>
+                      <a:endParaRPr lang="ko-KR" altLang="en-US" sz="1400" b="0" dirty="0">
+                        <a:solidFill>
+                          <a:schemeClr val="tx1"/>
+                        </a:solidFill>
+                      </a:endParaRPr>
+                    </a:p>
+                  </a:txBody>
+                  <a:tcPr anchor="ctr">
+                    <a:lnL w="12700" cmpd="sng">
+                      <a:noFill/>
+                    </a:lnL>
+                    <a:lnR w="12700" cap="flat" cmpd="sng" algn="ctr">
+                      <a:solidFill>
+                        <a:schemeClr val="tx1"/>
+                      </a:solidFill>
+                      <a:prstDash val="solid"/>
+                      <a:round/>
+                      <a:headEnd type="none" w="med" len="med"/>
+                      <a:tailEnd type="none" w="med" len="med"/>
+                    </a:lnR>
+                    <a:lnT w="38100" cmpd="sng">
+                      <a:noFill/>
+                    </a:lnT>
+                    <a:lnB w="12700" cmpd="sng">
+                      <a:noFill/>
+                    </a:lnB>
+                    <a:lnTlToBr w="12700" cmpd="sng">
+                      <a:noFill/>
+                      <a:prstDash val="solid"/>
+                    </a:lnTlToBr>
+                    <a:lnBlToTr w="12700" cmpd="sng">
+                      <a:noFill/>
+                      <a:prstDash val="solid"/>
+                    </a:lnBlToTr>
+                    <a:noFill/>
+                  </a:tcPr>
+                </a:tc>
+                <a:tc>
+                  <a:txBody>
+                    <a:bodyPr/>
+                    <a:lstStyle/>
+                    <a:p>
+                      <a:pPr algn="ctr" latinLnBrk="1"/>
+                      <a:r>
+                        <a:rPr lang="en-US" altLang="ko-KR" sz="1400" b="0" dirty="0">
+                          <a:solidFill>
+                            <a:schemeClr val="tx1"/>
+                          </a:solidFill>
+                        </a:rPr>
+                        <a:t>6</a:t>
+                      </a:r>
+                      <a:endParaRPr lang="ko-KR" altLang="en-US" sz="1400" b="0" dirty="0">
+                        <a:solidFill>
+                          <a:schemeClr val="tx1"/>
+                        </a:solidFill>
+                      </a:endParaRPr>
+                    </a:p>
+                  </a:txBody>
+                  <a:tcPr anchor="ctr">
+                    <a:lnL w="12700" cap="flat" cmpd="sng" algn="ctr">
+                      <a:solidFill>
+                        <a:schemeClr val="tx1"/>
+                      </a:solidFill>
+                      <a:prstDash val="solid"/>
+                      <a:round/>
+                      <a:headEnd type="none" w="med" len="med"/>
+                      <a:tailEnd type="none" w="med" len="med"/>
+                    </a:lnL>
+                    <a:lnR w="12700" cap="flat" cmpd="sng" algn="ctr">
+                      <a:solidFill>
+                        <a:schemeClr val="tx1"/>
+                      </a:solidFill>
+                      <a:prstDash val="solid"/>
+                      <a:round/>
+                      <a:headEnd type="none" w="med" len="med"/>
+                      <a:tailEnd type="none" w="med" len="med"/>
+                    </a:lnR>
+                    <a:lnT w="12700" cap="flat" cmpd="sng" algn="ctr">
+                      <a:solidFill>
+                        <a:schemeClr val="tx1"/>
+                      </a:solidFill>
+                      <a:prstDash val="solid"/>
+                      <a:round/>
+                      <a:headEnd type="none" w="med" len="med"/>
+                      <a:tailEnd type="none" w="med" len="med"/>
+                    </a:lnT>
+                    <a:lnB w="12700" cap="flat" cmpd="sng" algn="ctr">
+                      <a:solidFill>
+                        <a:schemeClr val="tx1"/>
+                      </a:solidFill>
+                      <a:prstDash val="solid"/>
+                      <a:round/>
+                      <a:headEnd type="none" w="med" len="med"/>
+                      <a:tailEnd type="none" w="med" len="med"/>
+                    </a:lnB>
+                    <a:lnTlToBr w="12700" cmpd="sng">
+                      <a:noFill/>
+                      <a:prstDash val="solid"/>
+                    </a:lnTlToBr>
+                    <a:lnBlToTr w="12700" cmpd="sng">
+                      <a:noFill/>
+                      <a:prstDash val="solid"/>
+                    </a:lnBlToTr>
+                    <a:noFill/>
+                  </a:tcPr>
+                </a:tc>
+                <a:tc>
+                  <a:txBody>
+                    <a:bodyPr/>
+                    <a:lstStyle/>
+                    <a:p>
+                      <a:pPr algn="ctr" latinLnBrk="1"/>
+                      <a:r>
+                        <a:rPr lang="en-US" altLang="ko-KR" sz="1400" b="0" dirty="0">
+                          <a:solidFill>
+                            <a:schemeClr val="tx1"/>
+                          </a:solidFill>
+                        </a:rPr>
+                        <a:t>7</a:t>
+                      </a:r>
+                      <a:endParaRPr lang="ko-KR" altLang="en-US" sz="1400" b="0" dirty="0">
+                        <a:solidFill>
+                          <a:schemeClr val="tx1"/>
+                        </a:solidFill>
+                      </a:endParaRPr>
+                    </a:p>
+                  </a:txBody>
+                  <a:tcPr anchor="ctr">
+                    <a:lnL w="12700" cap="flat" cmpd="sng" algn="ctr">
+                      <a:solidFill>
+                        <a:schemeClr val="tx1"/>
+                      </a:solidFill>
+                      <a:prstDash val="solid"/>
+                      <a:round/>
+                      <a:headEnd type="none" w="med" len="med"/>
+                      <a:tailEnd type="none" w="med" len="med"/>
+                    </a:lnL>
+                    <a:lnR w="12700" cap="flat" cmpd="sng" algn="ctr">
+                      <a:solidFill>
+                        <a:schemeClr val="tx1"/>
+                      </a:solidFill>
+                      <a:prstDash val="solid"/>
+                      <a:round/>
+                      <a:headEnd type="none" w="med" len="med"/>
+                      <a:tailEnd type="none" w="med" len="med"/>
+                    </a:lnR>
+                    <a:lnT w="12700" cap="flat" cmpd="sng" algn="ctr">
+                      <a:solidFill>
+                        <a:schemeClr val="tx1"/>
+                      </a:solidFill>
+                      <a:prstDash val="solid"/>
+                      <a:round/>
+                      <a:headEnd type="none" w="med" len="med"/>
+                      <a:tailEnd type="none" w="med" len="med"/>
+                    </a:lnT>
+                    <a:lnB w="12700" cap="flat" cmpd="sng" algn="ctr">
+                      <a:solidFill>
+                        <a:schemeClr val="tx1"/>
+                      </a:solidFill>
+                      <a:prstDash val="solid"/>
+                      <a:round/>
+                      <a:headEnd type="none" w="med" len="med"/>
+                      <a:tailEnd type="none" w="med" len="med"/>
+                    </a:lnB>
+                    <a:lnTlToBr w="12700" cmpd="sng">
+                      <a:noFill/>
+                      <a:prstDash val="solid"/>
+                    </a:lnTlToBr>
+                    <a:lnBlToTr w="12700" cmpd="sng">
+                      <a:noFill/>
+                      <a:prstDash val="solid"/>
+                    </a:lnBlToTr>
+                    <a:noFill/>
+                  </a:tcPr>
+                </a:tc>
+                <a:tc>
+                  <a:txBody>
+                    <a:bodyPr/>
+                    <a:lstStyle/>
+                    <a:p>
+                      <a:pPr algn="ctr" latinLnBrk="1"/>
+                      <a:r>
+                        <a:rPr lang="en-US" altLang="ko-KR" sz="1400" b="0" dirty="0">
+                          <a:solidFill>
+                            <a:schemeClr val="tx1"/>
+                          </a:solidFill>
+                        </a:rPr>
+                        <a:t>8</a:t>
+                      </a:r>
+                      <a:endParaRPr lang="ko-KR" altLang="en-US" sz="1400" b="0" dirty="0">
+                        <a:solidFill>
+                          <a:schemeClr val="tx1"/>
+                        </a:solidFill>
+                      </a:endParaRPr>
+                    </a:p>
+                  </a:txBody>
+                  <a:tcPr anchor="ctr">
+                    <a:lnL w="12700" cap="flat" cmpd="sng" algn="ctr">
+                      <a:solidFill>
+                        <a:schemeClr val="tx1"/>
+                      </a:solidFill>
+                      <a:prstDash val="solid"/>
+                      <a:round/>
+                      <a:headEnd type="none" w="med" len="med"/>
+                      <a:tailEnd type="none" w="med" len="med"/>
+                    </a:lnL>
+                    <a:lnR w="12700" cap="flat" cmpd="sng" algn="ctr">
+                      <a:solidFill>
+                        <a:schemeClr val="tx1"/>
+                      </a:solidFill>
+                      <a:prstDash val="solid"/>
+                      <a:round/>
+                      <a:headEnd type="none" w="med" len="med"/>
+                      <a:tailEnd type="none" w="med" len="med"/>
+                    </a:lnR>
+                    <a:lnT w="12700" cap="flat" cmpd="sng" algn="ctr">
+                      <a:solidFill>
+                        <a:schemeClr val="tx1"/>
+                      </a:solidFill>
+                      <a:prstDash val="solid"/>
+                      <a:round/>
+                      <a:headEnd type="none" w="med" len="med"/>
+                      <a:tailEnd type="none" w="med" len="med"/>
+                    </a:lnT>
+                    <a:lnB w="12700" cap="flat" cmpd="sng" algn="ctr">
+                      <a:solidFill>
+                        <a:schemeClr val="tx1"/>
+                      </a:solidFill>
+                      <a:prstDash val="solid"/>
+                      <a:round/>
+                      <a:headEnd type="none" w="med" len="med"/>
+                      <a:tailEnd type="none" w="med" len="med"/>
+                    </a:lnB>
+                    <a:lnTlToBr w="12700" cmpd="sng">
+                      <a:noFill/>
+                      <a:prstDash val="solid"/>
+                    </a:lnTlToBr>
+                    <a:lnBlToTr w="12700" cmpd="sng">
+                      <a:noFill/>
+                      <a:prstDash val="solid"/>
+                    </a:lnBlToTr>
+                    <a:noFill/>
+                  </a:tcPr>
+                </a:tc>
+                <a:extLst>
+                  <a:ext uri="{0D108BD9-81ED-4DB2-BD59-A6C34878D82A}">
+                    <a16:rowId xmlns:a16="http://schemas.microsoft.com/office/drawing/2014/main" val="2774386873"/>
+                  </a:ext>
+                </a:extLst>
+              </a:tr>
+              <a:tr h="370840">
+                <a:tc>
+                  <a:txBody>
+                    <a:bodyPr/>
+                    <a:lstStyle/>
+                    <a:p>
+                      <a:pPr algn="ctr" latinLnBrk="1"/>
+                      <a:endParaRPr lang="ko-KR" altLang="en-US" sz="1400" b="0" dirty="0">
+                        <a:solidFill>
+                          <a:schemeClr val="tx1"/>
+                        </a:solidFill>
+                      </a:endParaRPr>
+                    </a:p>
+                  </a:txBody>
+                  <a:tcPr anchor="ctr">
+                    <a:lnL w="12700" cmpd="sng">
+                      <a:noFill/>
+                    </a:lnL>
+                    <a:lnR w="12700" cmpd="sng">
+                      <a:noFill/>
+                    </a:lnR>
+                    <a:lnT w="12700" cmpd="sng">
+                      <a:noFill/>
+                    </a:lnT>
+                    <a:lnB w="12700" cmpd="sng">
+                      <a:noFill/>
+                    </a:lnB>
+                    <a:lnTlToBr w="12700" cmpd="sng">
+                      <a:noFill/>
+                      <a:prstDash val="solid"/>
+                    </a:lnTlToBr>
+                    <a:lnBlToTr w="12700" cmpd="sng">
+                      <a:noFill/>
+                      <a:prstDash val="solid"/>
+                    </a:lnBlToTr>
+                    <a:noFill/>
+                  </a:tcPr>
+                </a:tc>
+                <a:tc>
+                  <a:txBody>
+                    <a:bodyPr/>
+                    <a:lstStyle/>
+                    <a:p>
+                      <a:pPr algn="ctr" latinLnBrk="1"/>
+                      <a:r>
+                        <a:rPr lang="en-US" altLang="ko-KR" sz="1400" b="0" dirty="0">
+                          <a:solidFill>
+                            <a:schemeClr val="tx1"/>
+                          </a:solidFill>
+                        </a:rPr>
+                        <a:t>[1]</a:t>
+                      </a:r>
+                      <a:endParaRPr lang="ko-KR" altLang="en-US" sz="1400" b="0" dirty="0">
+                        <a:solidFill>
+                          <a:schemeClr val="tx1"/>
+                        </a:solidFill>
+                      </a:endParaRPr>
+                    </a:p>
+                  </a:txBody>
+                  <a:tcPr anchor="ctr">
+                    <a:lnL w="12700" cmpd="sng">
+                      <a:noFill/>
+                    </a:lnL>
+                    <a:lnR w="12700" cap="flat" cmpd="sng" algn="ctr">
+                      <a:solidFill>
+                        <a:schemeClr val="tx1"/>
+                      </a:solidFill>
+                      <a:prstDash val="solid"/>
+                      <a:round/>
+                      <a:headEnd type="none" w="med" len="med"/>
+                      <a:tailEnd type="none" w="med" len="med"/>
+                    </a:lnR>
+                    <a:lnT w="12700" cmpd="sng">
+                      <a:noFill/>
+                    </a:lnT>
+                    <a:lnB w="12700" cmpd="sng">
+                      <a:noFill/>
+                    </a:lnB>
+                    <a:lnTlToBr w="12700" cmpd="sng">
+                      <a:noFill/>
+                      <a:prstDash val="solid"/>
+                    </a:lnTlToBr>
+                    <a:lnBlToTr w="12700" cmpd="sng">
+                      <a:noFill/>
+                      <a:prstDash val="solid"/>
+                    </a:lnBlToTr>
+                    <a:noFill/>
+                  </a:tcPr>
+                </a:tc>
+                <a:tc>
+                  <a:txBody>
+                    <a:bodyPr/>
+                    <a:lstStyle/>
+                    <a:p>
+                      <a:pPr algn="ctr" latinLnBrk="1"/>
+                      <a:r>
+                        <a:rPr lang="en-US" altLang="ko-KR" sz="1400" b="0" dirty="0">
+                          <a:solidFill>
+                            <a:schemeClr val="tx1"/>
+                          </a:solidFill>
+                        </a:rPr>
+                        <a:t>0</a:t>
+                      </a:r>
+                      <a:endParaRPr lang="ko-KR" altLang="en-US" sz="1400" b="0" dirty="0">
+                        <a:solidFill>
+                          <a:schemeClr val="tx1"/>
+                        </a:solidFill>
+                      </a:endParaRPr>
+                    </a:p>
+                  </a:txBody>
+                  <a:tcPr anchor="ctr">
+                    <a:lnL w="12700" cap="flat" cmpd="sng" algn="ctr">
+                      <a:solidFill>
+                        <a:schemeClr val="tx1"/>
+                      </a:solidFill>
+                      <a:prstDash val="solid"/>
+                      <a:round/>
+                      <a:headEnd type="none" w="med" len="med"/>
+                      <a:tailEnd type="none" w="med" len="med"/>
+                    </a:lnL>
+                    <a:lnR w="12700" cap="flat" cmpd="sng" algn="ctr">
+                      <a:solidFill>
+                        <a:schemeClr val="tx1"/>
+                      </a:solidFill>
+                      <a:prstDash val="solid"/>
+                      <a:round/>
+                      <a:headEnd type="none" w="med" len="med"/>
+                      <a:tailEnd type="none" w="med" len="med"/>
+                    </a:lnR>
+                    <a:lnT w="12700" cap="flat" cmpd="sng" algn="ctr">
+                      <a:solidFill>
+                        <a:schemeClr val="tx1"/>
+                      </a:solidFill>
+                      <a:prstDash val="solid"/>
+                      <a:round/>
+                      <a:headEnd type="none" w="med" len="med"/>
+                      <a:tailEnd type="none" w="med" len="med"/>
+                    </a:lnT>
+                    <a:lnB w="12700" cap="flat" cmpd="sng" algn="ctr">
+                      <a:solidFill>
+                        <a:schemeClr val="tx1"/>
+                      </a:solidFill>
+                      <a:prstDash val="solid"/>
+                      <a:round/>
+                      <a:headEnd type="none" w="med" len="med"/>
+                      <a:tailEnd type="none" w="med" len="med"/>
+                    </a:lnB>
+                    <a:lnTlToBr w="12700" cmpd="sng">
+                      <a:noFill/>
+                      <a:prstDash val="solid"/>
+                    </a:lnTlToBr>
+                    <a:lnBlToTr w="12700" cmpd="sng">
+                      <a:noFill/>
+                      <a:prstDash val="solid"/>
+                    </a:lnBlToTr>
+                    <a:noFill/>
+                  </a:tcPr>
+                </a:tc>
+                <a:tc>
+                  <a:txBody>
+                    <a:bodyPr/>
+                    <a:lstStyle/>
+                    <a:p>
+                      <a:pPr algn="ctr" latinLnBrk="1"/>
+                      <a:r>
+                        <a:rPr lang="en-US" altLang="ko-KR" sz="1400" b="0" dirty="0">
+                          <a:solidFill>
+                            <a:schemeClr val="tx1"/>
+                          </a:solidFill>
+                        </a:rPr>
+                        <a:t>0</a:t>
+                      </a:r>
+                      <a:endParaRPr lang="ko-KR" altLang="en-US" sz="1400" b="0" dirty="0">
+                        <a:solidFill>
+                          <a:schemeClr val="tx1"/>
+                        </a:solidFill>
+                      </a:endParaRPr>
+                    </a:p>
+                  </a:txBody>
+                  <a:tcPr anchor="ctr">
+                    <a:lnL w="12700" cap="flat" cmpd="sng" algn="ctr">
+                      <a:solidFill>
+                        <a:schemeClr val="tx1"/>
+                      </a:solidFill>
+                      <a:prstDash val="solid"/>
+                      <a:round/>
+                      <a:headEnd type="none" w="med" len="med"/>
+                      <a:tailEnd type="none" w="med" len="med"/>
+                    </a:lnL>
+                    <a:lnR w="12700" cap="flat" cmpd="sng" algn="ctr">
+                      <a:solidFill>
+                        <a:schemeClr val="tx1"/>
+                      </a:solidFill>
+                      <a:prstDash val="solid"/>
+                      <a:round/>
+                      <a:headEnd type="none" w="med" len="med"/>
+                      <a:tailEnd type="none" w="med" len="med"/>
+                    </a:lnR>
+                    <a:lnT w="12700" cap="flat" cmpd="sng" algn="ctr">
+                      <a:solidFill>
+                        <a:schemeClr val="tx1"/>
+                      </a:solidFill>
+                      <a:prstDash val="solid"/>
+                      <a:round/>
+                      <a:headEnd type="none" w="med" len="med"/>
+                      <a:tailEnd type="none" w="med" len="med"/>
+                    </a:lnT>
+                    <a:lnB w="12700" cap="flat" cmpd="sng" algn="ctr">
+                      <a:solidFill>
+                        <a:schemeClr val="tx1"/>
+                      </a:solidFill>
+                      <a:prstDash val="solid"/>
+                      <a:round/>
+                      <a:headEnd type="none" w="med" len="med"/>
+                      <a:tailEnd type="none" w="med" len="med"/>
+                    </a:lnB>
+                    <a:lnTlToBr w="12700" cmpd="sng">
+                      <a:noFill/>
+                      <a:prstDash val="solid"/>
+                    </a:lnTlToBr>
+                    <a:lnBlToTr w="12700" cmpd="sng">
+                      <a:noFill/>
+                      <a:prstDash val="solid"/>
+                    </a:lnBlToTr>
+                    <a:noFill/>
+                  </a:tcPr>
+                </a:tc>
+                <a:tc>
+                  <a:txBody>
+                    <a:bodyPr/>
+                    <a:lstStyle/>
+                    <a:p>
+                      <a:pPr algn="ctr" latinLnBrk="1"/>
+                      <a:r>
+                        <a:rPr lang="en-US" altLang="ko-KR" sz="1400" b="0" dirty="0">
+                          <a:solidFill>
+                            <a:schemeClr val="tx1"/>
+                          </a:solidFill>
+                        </a:rPr>
+                        <a:t>76</a:t>
+                      </a:r>
+                      <a:endParaRPr lang="ko-KR" altLang="en-US" sz="1400" b="0" dirty="0">
+                        <a:solidFill>
+                          <a:schemeClr val="tx1"/>
+                        </a:solidFill>
+                      </a:endParaRPr>
+                    </a:p>
+                  </a:txBody>
+                  <a:tcPr anchor="ctr">
+                    <a:lnL w="12700" cap="flat" cmpd="sng" algn="ctr">
+                      <a:solidFill>
+                        <a:schemeClr val="tx1"/>
+                      </a:solidFill>
+                      <a:prstDash val="solid"/>
+                      <a:round/>
+                      <a:headEnd type="none" w="med" len="med"/>
+                      <a:tailEnd type="none" w="med" len="med"/>
+                    </a:lnL>
+                    <a:lnR w="12700" cap="flat" cmpd="sng" algn="ctr">
+                      <a:solidFill>
+                        <a:schemeClr val="tx1"/>
+                      </a:solidFill>
+                      <a:prstDash val="solid"/>
+                      <a:round/>
+                      <a:headEnd type="none" w="med" len="med"/>
+                      <a:tailEnd type="none" w="med" len="med"/>
+                    </a:lnR>
+                    <a:lnT w="12700" cap="flat" cmpd="sng" algn="ctr">
+                      <a:solidFill>
+                        <a:schemeClr val="tx1"/>
+                      </a:solidFill>
+                      <a:prstDash val="solid"/>
+                      <a:round/>
+                      <a:headEnd type="none" w="med" len="med"/>
+                      <a:tailEnd type="none" w="med" len="med"/>
+                    </a:lnT>
+                    <a:lnB w="12700" cap="flat" cmpd="sng" algn="ctr">
+                      <a:solidFill>
+                        <a:schemeClr val="tx1"/>
+                      </a:solidFill>
+                      <a:prstDash val="solid"/>
+                      <a:round/>
+                      <a:headEnd type="none" w="med" len="med"/>
+                      <a:tailEnd type="none" w="med" len="med"/>
+                    </a:lnB>
+                    <a:lnTlToBr w="12700" cmpd="sng">
+                      <a:noFill/>
+                      <a:prstDash val="solid"/>
+                    </a:lnTlToBr>
+                    <a:lnBlToTr w="12700" cmpd="sng">
+                      <a:noFill/>
+                      <a:prstDash val="solid"/>
+                    </a:lnBlToTr>
+                    <a:noFill/>
+                  </a:tcPr>
+                </a:tc>
+                <a:extLst>
+                  <a:ext uri="{0D108BD9-81ED-4DB2-BD59-A6C34878D82A}">
+                    <a16:rowId xmlns:a16="http://schemas.microsoft.com/office/drawing/2014/main" val="2637984921"/>
+                  </a:ext>
+                </a:extLst>
+              </a:tr>
+              <a:tr h="370840">
+                <a:tc>
+                  <a:txBody>
+                    <a:bodyPr/>
+                    <a:lstStyle/>
+                    <a:p>
+                      <a:pPr algn="ctr" latinLnBrk="1"/>
+                      <a:endParaRPr lang="ko-KR" altLang="en-US" sz="1400" b="0" dirty="0">
+                        <a:solidFill>
+                          <a:schemeClr val="tx1"/>
+                        </a:solidFill>
+                      </a:endParaRPr>
+                    </a:p>
+                  </a:txBody>
+                  <a:tcPr anchor="ctr">
+                    <a:lnL w="12700" cmpd="sng">
+                      <a:noFill/>
+                    </a:lnL>
+                    <a:lnR w="12700" cmpd="sng">
+                      <a:noFill/>
+                    </a:lnR>
+                    <a:lnT w="12700" cmpd="sng">
+                      <a:noFill/>
+                    </a:lnT>
+                    <a:lnB w="12700" cmpd="sng">
+                      <a:noFill/>
+                    </a:lnB>
+                    <a:lnTlToBr w="12700" cmpd="sng">
+                      <a:noFill/>
+                      <a:prstDash val="solid"/>
+                    </a:lnTlToBr>
+                    <a:lnBlToTr w="12700" cmpd="sng">
+                      <a:noFill/>
+                      <a:prstDash val="solid"/>
+                    </a:lnBlToTr>
+                    <a:noFill/>
+                  </a:tcPr>
+                </a:tc>
+                <a:tc>
+                  <a:txBody>
+                    <a:bodyPr/>
+                    <a:lstStyle/>
+                    <a:p>
+                      <a:pPr algn="ctr" latinLnBrk="1"/>
+                      <a:r>
+                        <a:rPr lang="en-US" altLang="ko-KR" sz="1400" b="0" dirty="0">
+                          <a:solidFill>
+                            <a:schemeClr val="tx1"/>
+                          </a:solidFill>
+                        </a:rPr>
+                        <a:t>[2]</a:t>
+                      </a:r>
+                      <a:endParaRPr lang="ko-KR" altLang="en-US" sz="1400" b="0" dirty="0">
+                        <a:solidFill>
+                          <a:schemeClr val="tx1"/>
+                        </a:solidFill>
+                      </a:endParaRPr>
+                    </a:p>
+                  </a:txBody>
+                  <a:tcPr anchor="ctr">
+                    <a:lnL w="12700" cmpd="sng">
+                      <a:noFill/>
+                    </a:lnL>
+                    <a:lnR w="12700" cap="flat" cmpd="sng" algn="ctr">
+                      <a:solidFill>
+                        <a:schemeClr val="tx1"/>
+                      </a:solidFill>
+                      <a:prstDash val="solid"/>
+                      <a:round/>
+                      <a:headEnd type="none" w="med" len="med"/>
+                      <a:tailEnd type="none" w="med" len="med"/>
+                    </a:lnR>
+                    <a:lnT w="12700" cmpd="sng">
+                      <a:noFill/>
+                    </a:lnT>
+                    <a:lnB w="12700" cmpd="sng">
+                      <a:noFill/>
+                    </a:lnB>
+                    <a:lnTlToBr w="12700" cmpd="sng">
+                      <a:noFill/>
+                      <a:prstDash val="solid"/>
+                    </a:lnTlToBr>
+                    <a:lnBlToTr w="12700" cmpd="sng">
+                      <a:noFill/>
+                      <a:prstDash val="solid"/>
+                    </a:lnBlToTr>
+                    <a:noFill/>
+                  </a:tcPr>
+                </a:tc>
+                <a:tc>
+                  <a:txBody>
+                    <a:bodyPr/>
+                    <a:lstStyle/>
+                    <a:p>
+                      <a:pPr algn="ctr" latinLnBrk="1"/>
+                      <a:r>
+                        <a:rPr lang="en-US" altLang="ko-KR" sz="1400" b="0" dirty="0">
+                          <a:solidFill>
+                            <a:schemeClr val="tx1"/>
+                          </a:solidFill>
+                        </a:rPr>
+                        <a:t>0</a:t>
+                      </a:r>
+                      <a:endParaRPr lang="ko-KR" altLang="en-US" sz="1400" b="0" dirty="0">
+                        <a:solidFill>
+                          <a:schemeClr val="tx1"/>
+                        </a:solidFill>
+                      </a:endParaRPr>
+                    </a:p>
+                  </a:txBody>
+                  <a:tcPr anchor="ctr">
+                    <a:lnL w="12700" cap="flat" cmpd="sng" algn="ctr">
+                      <a:solidFill>
+                        <a:schemeClr val="tx1"/>
+                      </a:solidFill>
+                      <a:prstDash val="solid"/>
+                      <a:round/>
+                      <a:headEnd type="none" w="med" len="med"/>
+                      <a:tailEnd type="none" w="med" len="med"/>
+                    </a:lnL>
+                    <a:lnR w="12700" cap="flat" cmpd="sng" algn="ctr">
+                      <a:solidFill>
+                        <a:schemeClr val="tx1"/>
+                      </a:solidFill>
+                      <a:prstDash val="solid"/>
+                      <a:round/>
+                      <a:headEnd type="none" w="med" len="med"/>
+                      <a:tailEnd type="none" w="med" len="med"/>
+                    </a:lnR>
+                    <a:lnT w="12700" cap="flat" cmpd="sng" algn="ctr">
+                      <a:solidFill>
+                        <a:schemeClr val="tx1"/>
+                      </a:solidFill>
+                      <a:prstDash val="solid"/>
+                      <a:round/>
+                      <a:headEnd type="none" w="med" len="med"/>
+                      <a:tailEnd type="none" w="med" len="med"/>
+                    </a:lnT>
+                    <a:lnB w="12700" cap="flat" cmpd="sng" algn="ctr">
+                      <a:solidFill>
+                        <a:schemeClr val="tx1"/>
+                      </a:solidFill>
+                      <a:prstDash val="solid"/>
+                      <a:round/>
+                      <a:headEnd type="none" w="med" len="med"/>
+                      <a:tailEnd type="none" w="med" len="med"/>
+                    </a:lnB>
+                    <a:lnTlToBr w="12700" cmpd="sng">
+                      <a:noFill/>
+                      <a:prstDash val="solid"/>
+                    </a:lnTlToBr>
+                    <a:lnBlToTr w="12700" cmpd="sng">
+                      <a:noFill/>
+                      <a:prstDash val="solid"/>
+                    </a:lnBlToTr>
+                    <a:noFill/>
+                  </a:tcPr>
+                </a:tc>
+                <a:tc>
+                  <a:txBody>
+                    <a:bodyPr/>
+                    <a:lstStyle/>
+                    <a:p>
+                      <a:pPr algn="ctr" latinLnBrk="1"/>
+                      <a:r>
+                        <a:rPr lang="en-US" altLang="ko-KR" sz="1400" b="0" dirty="0">
+                          <a:solidFill>
+                            <a:schemeClr val="tx1"/>
+                          </a:solidFill>
+                        </a:rPr>
+                        <a:t>4</a:t>
+                      </a:r>
+                      <a:endParaRPr lang="ko-KR" altLang="en-US" sz="1400" b="0" dirty="0">
+                        <a:solidFill>
+                          <a:schemeClr val="tx1"/>
+                        </a:solidFill>
+                      </a:endParaRPr>
+                    </a:p>
+                  </a:txBody>
+                  <a:tcPr anchor="ctr">
+                    <a:lnL w="12700" cap="flat" cmpd="sng" algn="ctr">
+                      <a:solidFill>
+                        <a:schemeClr val="tx1"/>
+                      </a:solidFill>
+                      <a:prstDash val="solid"/>
+                      <a:round/>
+                      <a:headEnd type="none" w="med" len="med"/>
+                      <a:tailEnd type="none" w="med" len="med"/>
+                    </a:lnL>
+                    <a:lnR w="12700" cap="flat" cmpd="sng" algn="ctr">
+                      <a:solidFill>
+                        <a:schemeClr val="tx1"/>
+                      </a:solidFill>
+                      <a:prstDash val="solid"/>
+                      <a:round/>
+                      <a:headEnd type="none" w="med" len="med"/>
+                      <a:tailEnd type="none" w="med" len="med"/>
+                    </a:lnR>
+                    <a:lnT w="12700" cap="flat" cmpd="sng" algn="ctr">
+                      <a:solidFill>
+                        <a:schemeClr val="tx1"/>
+                      </a:solidFill>
+                      <a:prstDash val="solid"/>
+                      <a:round/>
+                      <a:headEnd type="none" w="med" len="med"/>
+                      <a:tailEnd type="none" w="med" len="med"/>
+                    </a:lnT>
+                    <a:lnB w="12700" cap="flat" cmpd="sng" algn="ctr">
+                      <a:solidFill>
+                        <a:schemeClr val="tx1"/>
+                      </a:solidFill>
+                      <a:prstDash val="solid"/>
+                      <a:round/>
+                      <a:headEnd type="none" w="med" len="med"/>
+                      <a:tailEnd type="none" w="med" len="med"/>
+                    </a:lnB>
+                    <a:lnTlToBr w="12700" cmpd="sng">
+                      <a:noFill/>
+                      <a:prstDash val="solid"/>
+                    </a:lnTlToBr>
+                    <a:lnBlToTr w="12700" cmpd="sng">
+                      <a:noFill/>
+                      <a:prstDash val="solid"/>
+                    </a:lnBlToTr>
+                    <a:noFill/>
+                  </a:tcPr>
+                </a:tc>
+                <a:tc>
+                  <a:txBody>
+                    <a:bodyPr/>
+                    <a:lstStyle/>
+                    <a:p>
+                      <a:pPr algn="ctr" latinLnBrk="1"/>
+                      <a:r>
+                        <a:rPr lang="en-US" altLang="ko-KR" sz="1400" b="0" dirty="0">
+                          <a:solidFill>
+                            <a:schemeClr val="tx1"/>
+                          </a:solidFill>
+                        </a:rPr>
+                        <a:t>-19</a:t>
+                      </a:r>
+                      <a:endParaRPr lang="ko-KR" altLang="en-US" sz="1400" b="0" dirty="0">
+                        <a:solidFill>
+                          <a:schemeClr val="tx1"/>
+                        </a:solidFill>
+                      </a:endParaRPr>
+                    </a:p>
+                  </a:txBody>
+                  <a:tcPr anchor="ctr">
+                    <a:lnL w="12700" cap="flat" cmpd="sng" algn="ctr">
+                      <a:solidFill>
+                        <a:schemeClr val="tx1"/>
+                      </a:solidFill>
+                      <a:prstDash val="solid"/>
+                      <a:round/>
+                      <a:headEnd type="none" w="med" len="med"/>
+                      <a:tailEnd type="none" w="med" len="med"/>
+                    </a:lnL>
+                    <a:lnR w="12700" cap="flat" cmpd="sng" algn="ctr">
+                      <a:solidFill>
+                        <a:schemeClr val="tx1"/>
+                      </a:solidFill>
+                      <a:prstDash val="solid"/>
+                      <a:round/>
+                      <a:headEnd type="none" w="med" len="med"/>
+                      <a:tailEnd type="none" w="med" len="med"/>
+                    </a:lnR>
+                    <a:lnT w="12700" cap="flat" cmpd="sng" algn="ctr">
+                      <a:solidFill>
+                        <a:schemeClr val="tx1"/>
+                      </a:solidFill>
+                      <a:prstDash val="solid"/>
+                      <a:round/>
+                      <a:headEnd type="none" w="med" len="med"/>
+                      <a:tailEnd type="none" w="med" len="med"/>
+                    </a:lnT>
+                    <a:lnB w="12700" cap="flat" cmpd="sng" algn="ctr">
+                      <a:solidFill>
+                        <a:schemeClr val="tx1"/>
+                      </a:solidFill>
+                      <a:prstDash val="solid"/>
+                      <a:round/>
+                      <a:headEnd type="none" w="med" len="med"/>
+                      <a:tailEnd type="none" w="med" len="med"/>
+                    </a:lnB>
+                    <a:lnTlToBr w="12700" cmpd="sng">
+                      <a:noFill/>
+                      <a:prstDash val="solid"/>
+                    </a:lnTlToBr>
+                    <a:lnBlToTr w="12700" cmpd="sng">
+                      <a:noFill/>
+                      <a:prstDash val="solid"/>
+                    </a:lnBlToTr>
+                    <a:noFill/>
+                  </a:tcPr>
+                </a:tc>
+                <a:extLst>
+                  <a:ext uri="{0D108BD9-81ED-4DB2-BD59-A6C34878D82A}">
+                    <a16:rowId xmlns:a16="http://schemas.microsoft.com/office/drawing/2014/main" val="2814225442"/>
+                  </a:ext>
+                </a:extLst>
+              </a:tr>
+              <a:tr h="370840">
+                <a:tc>
+                  <a:txBody>
+                    <a:bodyPr/>
+                    <a:lstStyle/>
+                    <a:p>
+                      <a:pPr algn="ctr" latinLnBrk="1"/>
+                      <a:endParaRPr lang="ko-KR" altLang="en-US" sz="1400" b="0" dirty="0">
+                        <a:solidFill>
+                          <a:schemeClr val="tx1"/>
+                        </a:solidFill>
+                      </a:endParaRPr>
+                    </a:p>
+                  </a:txBody>
+                  <a:tcPr anchor="ctr">
+                    <a:lnL w="12700" cmpd="sng">
+                      <a:noFill/>
+                    </a:lnL>
+                    <a:lnR w="12700" cmpd="sng">
+                      <a:noFill/>
+                    </a:lnR>
+                    <a:lnT w="12700" cmpd="sng">
+                      <a:noFill/>
+                    </a:lnT>
+                    <a:lnB w="12700" cmpd="sng">
+                      <a:noFill/>
+                    </a:lnB>
+                    <a:lnTlToBr w="12700" cmpd="sng">
+                      <a:noFill/>
+                      <a:prstDash val="solid"/>
+                    </a:lnTlToBr>
+                    <a:lnBlToTr w="12700" cmpd="sng">
+                      <a:noFill/>
+                      <a:prstDash val="solid"/>
+                    </a:lnBlToTr>
+                    <a:noFill/>
+                  </a:tcPr>
+                </a:tc>
+                <a:tc>
+                  <a:txBody>
+                    <a:bodyPr/>
+                    <a:lstStyle/>
+                    <a:p>
+                      <a:pPr algn="ctr" latinLnBrk="1"/>
+                      <a:r>
+                        <a:rPr lang="en-US" altLang="ko-KR" sz="1400" b="0" dirty="0">
+                          <a:solidFill>
+                            <a:schemeClr val="tx1"/>
+                          </a:solidFill>
+                        </a:rPr>
+                        <a:t>[3]</a:t>
+                      </a:r>
+                      <a:endParaRPr lang="ko-KR" altLang="en-US" sz="1400" b="0" dirty="0">
+                        <a:solidFill>
+                          <a:schemeClr val="tx1"/>
+                        </a:solidFill>
+                      </a:endParaRPr>
+                    </a:p>
+                  </a:txBody>
+                  <a:tcPr anchor="ctr">
+                    <a:lnL w="12700" cmpd="sng">
+                      <a:noFill/>
+                    </a:lnL>
+                    <a:lnR w="12700" cap="flat" cmpd="sng" algn="ctr">
+                      <a:solidFill>
+                        <a:schemeClr val="tx1"/>
+                      </a:solidFill>
+                      <a:prstDash val="solid"/>
+                      <a:round/>
+                      <a:headEnd type="none" w="med" len="med"/>
+                      <a:tailEnd type="none" w="med" len="med"/>
+                    </a:lnR>
+                    <a:lnT w="12700" cmpd="sng">
+                      <a:noFill/>
+                    </a:lnT>
+                    <a:lnB w="12700" cmpd="sng">
+                      <a:noFill/>
+                    </a:lnB>
+                    <a:lnTlToBr w="12700" cmpd="sng">
+                      <a:noFill/>
+                      <a:prstDash val="solid"/>
+                    </a:lnTlToBr>
+                    <a:lnBlToTr w="12700" cmpd="sng">
+                      <a:noFill/>
+                      <a:prstDash val="solid"/>
+                    </a:lnBlToTr>
+                    <a:noFill/>
+                  </a:tcPr>
+                </a:tc>
+                <a:tc>
+                  <a:txBody>
+                    <a:bodyPr/>
+                    <a:lstStyle/>
+                    <a:p>
+                      <a:pPr algn="ctr" latinLnBrk="1"/>
+                      <a:r>
+                        <a:rPr lang="en-US" altLang="ko-KR" sz="1400" b="0" dirty="0">
+                          <a:solidFill>
+                            <a:schemeClr val="tx1"/>
+                          </a:solidFill>
+                        </a:rPr>
+                        <a:t>1</a:t>
+                      </a:r>
+                      <a:endParaRPr lang="ko-KR" altLang="en-US" sz="1400" b="0" dirty="0">
+                        <a:solidFill>
+                          <a:schemeClr val="tx1"/>
+                        </a:solidFill>
+                      </a:endParaRPr>
+                    </a:p>
+                  </a:txBody>
+                  <a:tcPr anchor="ctr">
+                    <a:lnL w="12700" cap="flat" cmpd="sng" algn="ctr">
+                      <a:solidFill>
+                        <a:schemeClr val="tx1"/>
+                      </a:solidFill>
+                      <a:prstDash val="solid"/>
+                      <a:round/>
+                      <a:headEnd type="none" w="med" len="med"/>
+                      <a:tailEnd type="none" w="med" len="med"/>
+                    </a:lnL>
+                    <a:lnR w="12700" cap="flat" cmpd="sng" algn="ctr">
+                      <a:solidFill>
+                        <a:schemeClr val="tx1"/>
+                      </a:solidFill>
+                      <a:prstDash val="solid"/>
+                      <a:round/>
+                      <a:headEnd type="none" w="med" len="med"/>
+                      <a:tailEnd type="none" w="med" len="med"/>
+                    </a:lnR>
+                    <a:lnT w="12700" cap="flat" cmpd="sng" algn="ctr">
+                      <a:solidFill>
+                        <a:schemeClr val="tx1"/>
+                      </a:solidFill>
+                      <a:prstDash val="solid"/>
+                      <a:round/>
+                      <a:headEnd type="none" w="med" len="med"/>
+                      <a:tailEnd type="none" w="med" len="med"/>
+                    </a:lnT>
+                    <a:lnB w="12700" cap="flat" cmpd="sng" algn="ctr">
+                      <a:solidFill>
+                        <a:schemeClr val="tx1"/>
+                      </a:solidFill>
+                      <a:prstDash val="solid"/>
+                      <a:round/>
+                      <a:headEnd type="none" w="med" len="med"/>
+                      <a:tailEnd type="none" w="med" len="med"/>
+                    </a:lnB>
+                    <a:lnTlToBr w="12700" cmpd="sng">
+                      <a:noFill/>
+                      <a:prstDash val="solid"/>
+                    </a:lnTlToBr>
+                    <a:lnBlToTr w="12700" cmpd="sng">
+                      <a:noFill/>
+                      <a:prstDash val="solid"/>
+                    </a:lnBlToTr>
+                    <a:noFill/>
+                  </a:tcPr>
+                </a:tc>
+                <a:tc>
+                  <a:txBody>
+                    <a:bodyPr/>
+                    <a:lstStyle/>
+                    <a:p>
+                      <a:pPr algn="ctr" latinLnBrk="1"/>
+                      <a:r>
+                        <a:rPr lang="en-US" altLang="ko-KR" sz="1400" b="0" dirty="0">
+                          <a:solidFill>
+                            <a:schemeClr val="tx1"/>
+                          </a:solidFill>
+                        </a:rPr>
+                        <a:t>3</a:t>
+                      </a:r>
+                      <a:endParaRPr lang="ko-KR" altLang="en-US" sz="1400" b="0" dirty="0">
+                        <a:solidFill>
+                          <a:schemeClr val="tx1"/>
+                        </a:solidFill>
+                      </a:endParaRPr>
+                    </a:p>
+                  </a:txBody>
+                  <a:tcPr anchor="ctr">
+                    <a:lnL w="12700" cap="flat" cmpd="sng" algn="ctr">
+                      <a:solidFill>
+                        <a:schemeClr val="tx1"/>
+                      </a:solidFill>
+                      <a:prstDash val="solid"/>
+                      <a:round/>
+                      <a:headEnd type="none" w="med" len="med"/>
+                      <a:tailEnd type="none" w="med" len="med"/>
+                    </a:lnL>
+                    <a:lnR w="12700" cap="flat" cmpd="sng" algn="ctr">
+                      <a:solidFill>
+                        <a:schemeClr val="tx1"/>
+                      </a:solidFill>
+                      <a:prstDash val="solid"/>
+                      <a:round/>
+                      <a:headEnd type="none" w="med" len="med"/>
+                      <a:tailEnd type="none" w="med" len="med"/>
+                    </a:lnR>
+                    <a:lnT w="12700" cap="flat" cmpd="sng" algn="ctr">
+                      <a:solidFill>
+                        <a:schemeClr val="tx1"/>
+                      </a:solidFill>
+                      <a:prstDash val="solid"/>
+                      <a:round/>
+                      <a:headEnd type="none" w="med" len="med"/>
+                      <a:tailEnd type="none" w="med" len="med"/>
+                    </a:lnT>
+                    <a:lnB w="12700" cap="flat" cmpd="sng" algn="ctr">
+                      <a:solidFill>
+                        <a:schemeClr val="tx1"/>
+                      </a:solidFill>
+                      <a:prstDash val="solid"/>
+                      <a:round/>
+                      <a:headEnd type="none" w="med" len="med"/>
+                      <a:tailEnd type="none" w="med" len="med"/>
+                    </a:lnB>
+                    <a:lnTlToBr w="12700" cmpd="sng">
+                      <a:noFill/>
+                      <a:prstDash val="solid"/>
+                    </a:lnTlToBr>
+                    <a:lnBlToTr w="12700" cmpd="sng">
+                      <a:noFill/>
+                      <a:prstDash val="solid"/>
+                    </a:lnBlToTr>
+                    <a:noFill/>
+                  </a:tcPr>
+                </a:tc>
+                <a:tc>
+                  <a:txBody>
+                    <a:bodyPr/>
+                    <a:lstStyle/>
+                    <a:p>
+                      <a:pPr algn="ctr" latinLnBrk="1"/>
+                      <a:r>
+                        <a:rPr lang="en-US" altLang="ko-KR" sz="1400" b="0" dirty="0">
+                          <a:solidFill>
+                            <a:schemeClr val="tx1"/>
+                          </a:solidFill>
+                        </a:rPr>
+                        <a:t>25</a:t>
+                      </a:r>
+                      <a:endParaRPr lang="ko-KR" altLang="en-US" sz="1400" b="0" dirty="0">
+                        <a:solidFill>
+                          <a:schemeClr val="tx1"/>
+                        </a:solidFill>
+                      </a:endParaRPr>
+                    </a:p>
+                  </a:txBody>
+                  <a:tcPr anchor="ctr">
+                    <a:lnL w="12700" cap="flat" cmpd="sng" algn="ctr">
+                      <a:solidFill>
+                        <a:schemeClr val="tx1"/>
+                      </a:solidFill>
+                      <a:prstDash val="solid"/>
+                      <a:round/>
+                      <a:headEnd type="none" w="med" len="med"/>
+                      <a:tailEnd type="none" w="med" len="med"/>
+                    </a:lnL>
+                    <a:lnR w="12700" cap="flat" cmpd="sng" algn="ctr">
+                      <a:solidFill>
+                        <a:schemeClr val="tx1"/>
+                      </a:solidFill>
+                      <a:prstDash val="solid"/>
+                      <a:round/>
+                      <a:headEnd type="none" w="med" len="med"/>
+                      <a:tailEnd type="none" w="med" len="med"/>
+                    </a:lnR>
+                    <a:lnT w="12700" cap="flat" cmpd="sng" algn="ctr">
+                      <a:solidFill>
+                        <a:schemeClr val="tx1"/>
+                      </a:solidFill>
+                      <a:prstDash val="solid"/>
+                      <a:round/>
+                      <a:headEnd type="none" w="med" len="med"/>
+                      <a:tailEnd type="none" w="med" len="med"/>
+                    </a:lnT>
+                    <a:lnB w="12700" cap="flat" cmpd="sng" algn="ctr">
+                      <a:solidFill>
+                        <a:schemeClr val="tx1"/>
+                      </a:solidFill>
+                      <a:prstDash val="solid"/>
+                      <a:round/>
+                      <a:headEnd type="none" w="med" len="med"/>
+                      <a:tailEnd type="none" w="med" len="med"/>
+                    </a:lnB>
+                    <a:lnTlToBr w="12700" cmpd="sng">
+                      <a:noFill/>
+                      <a:prstDash val="solid"/>
+                    </a:lnTlToBr>
+                    <a:lnBlToTr w="12700" cmpd="sng">
+                      <a:noFill/>
+                      <a:prstDash val="solid"/>
+                    </a:lnBlToTr>
+                    <a:noFill/>
+                  </a:tcPr>
+                </a:tc>
+                <a:extLst>
+                  <a:ext uri="{0D108BD9-81ED-4DB2-BD59-A6C34878D82A}">
+                    <a16:rowId xmlns:a16="http://schemas.microsoft.com/office/drawing/2014/main" val="3444125436"/>
+                  </a:ext>
+                </a:extLst>
+              </a:tr>
+              <a:tr h="370840">
+                <a:tc>
+                  <a:txBody>
+                    <a:bodyPr/>
+                    <a:lstStyle/>
+                    <a:p>
+                      <a:pPr algn="ctr" latinLnBrk="1"/>
+                      <a:endParaRPr lang="ko-KR" altLang="en-US" sz="1400" b="0" dirty="0">
+                        <a:solidFill>
+                          <a:schemeClr val="tx1"/>
+                        </a:solidFill>
+                      </a:endParaRPr>
+                    </a:p>
+                  </a:txBody>
+                  <a:tcPr anchor="ctr">
+                    <a:lnL w="12700" cmpd="sng">
+                      <a:noFill/>
+                    </a:lnL>
+                    <a:lnR w="12700" cmpd="sng">
+                      <a:noFill/>
+                    </a:lnR>
+                    <a:lnT w="12700" cmpd="sng">
+                      <a:noFill/>
+                    </a:lnT>
+                    <a:lnB w="12700" cmpd="sng">
+                      <a:noFill/>
+                    </a:lnB>
+                    <a:lnTlToBr w="12700" cmpd="sng">
+                      <a:noFill/>
+                      <a:prstDash val="solid"/>
+                    </a:lnTlToBr>
+                    <a:lnBlToTr w="12700" cmpd="sng">
+                      <a:noFill/>
+                      <a:prstDash val="solid"/>
+                    </a:lnBlToTr>
+                    <a:noFill/>
+                  </a:tcPr>
+                </a:tc>
+                <a:tc>
+                  <a:txBody>
+                    <a:bodyPr/>
+                    <a:lstStyle/>
+                    <a:p>
+                      <a:pPr algn="ctr" latinLnBrk="1"/>
+                      <a:r>
+                        <a:rPr lang="en-US" altLang="ko-KR" sz="1400" b="0" dirty="0">
+                          <a:solidFill>
+                            <a:schemeClr val="tx1"/>
+                          </a:solidFill>
+                        </a:rPr>
+                        <a:t>[4]</a:t>
+                      </a:r>
+                      <a:endParaRPr lang="ko-KR" altLang="en-US" sz="1400" b="0" dirty="0">
+                        <a:solidFill>
+                          <a:schemeClr val="tx1"/>
+                        </a:solidFill>
+                      </a:endParaRPr>
+                    </a:p>
+                  </a:txBody>
+                  <a:tcPr anchor="ctr">
+                    <a:lnL w="12700" cmpd="sng">
+                      <a:noFill/>
+                    </a:lnL>
+                    <a:lnR w="12700" cap="flat" cmpd="sng" algn="ctr">
+                      <a:solidFill>
+                        <a:schemeClr val="tx1"/>
+                      </a:solidFill>
+                      <a:prstDash val="solid"/>
+                      <a:round/>
+                      <a:headEnd type="none" w="med" len="med"/>
+                      <a:tailEnd type="none" w="med" len="med"/>
+                    </a:lnR>
+                    <a:lnT w="12700" cmpd="sng">
+                      <a:noFill/>
+                    </a:lnT>
+                    <a:lnB w="12700" cmpd="sng">
+                      <a:noFill/>
+                    </a:lnB>
+                    <a:lnTlToBr w="12700" cmpd="sng">
+                      <a:noFill/>
+                      <a:prstDash val="solid"/>
+                    </a:lnTlToBr>
+                    <a:lnBlToTr w="12700" cmpd="sng">
+                      <a:noFill/>
+                      <a:prstDash val="solid"/>
+                    </a:lnBlToTr>
+                    <a:noFill/>
+                  </a:tcPr>
+                </a:tc>
+                <a:tc>
+                  <a:txBody>
+                    <a:bodyPr/>
+                    <a:lstStyle/>
+                    <a:p>
+                      <a:pPr algn="ctr" latinLnBrk="1"/>
+                      <a:r>
+                        <a:rPr lang="en-US" altLang="ko-KR" sz="1400" b="0" dirty="0">
+                          <a:solidFill>
+                            <a:schemeClr val="tx1"/>
+                          </a:solidFill>
+                        </a:rPr>
+                        <a:t>2</a:t>
+                      </a:r>
+                      <a:endParaRPr lang="ko-KR" altLang="en-US" sz="1400" b="0" dirty="0">
+                        <a:solidFill>
+                          <a:schemeClr val="tx1"/>
+                        </a:solidFill>
+                      </a:endParaRPr>
+                    </a:p>
+                  </a:txBody>
+                  <a:tcPr anchor="ctr">
+                    <a:lnL w="12700" cap="flat" cmpd="sng" algn="ctr">
+                      <a:solidFill>
+                        <a:schemeClr val="tx1"/>
+                      </a:solidFill>
+                      <a:prstDash val="solid"/>
+                      <a:round/>
+                      <a:headEnd type="none" w="med" len="med"/>
+                      <a:tailEnd type="none" w="med" len="med"/>
+                    </a:lnL>
+                    <a:lnR w="12700" cap="flat" cmpd="sng" algn="ctr">
+                      <a:solidFill>
+                        <a:schemeClr val="tx1"/>
+                      </a:solidFill>
+                      <a:prstDash val="solid"/>
+                      <a:round/>
+                      <a:headEnd type="none" w="med" len="med"/>
+                      <a:tailEnd type="none" w="med" len="med"/>
+                    </a:lnR>
+                    <a:lnT w="12700" cap="flat" cmpd="sng" algn="ctr">
+                      <a:solidFill>
+                        <a:schemeClr val="tx1"/>
+                      </a:solidFill>
+                      <a:prstDash val="solid"/>
+                      <a:round/>
+                      <a:headEnd type="none" w="med" len="med"/>
+                      <a:tailEnd type="none" w="med" len="med"/>
+                    </a:lnT>
+                    <a:lnB w="12700" cap="flat" cmpd="sng" algn="ctr">
+                      <a:solidFill>
+                        <a:schemeClr val="tx1"/>
+                      </a:solidFill>
+                      <a:prstDash val="solid"/>
+                      <a:round/>
+                      <a:headEnd type="none" w="med" len="med"/>
+                      <a:tailEnd type="none" w="med" len="med"/>
+                    </a:lnB>
+                    <a:lnTlToBr w="12700" cmpd="sng">
+                      <a:noFill/>
+                      <a:prstDash val="solid"/>
+                    </a:lnTlToBr>
+                    <a:lnBlToTr w="12700" cmpd="sng">
+                      <a:noFill/>
+                      <a:prstDash val="solid"/>
+                    </a:lnBlToTr>
+                    <a:noFill/>
+                  </a:tcPr>
+                </a:tc>
+                <a:tc>
+                  <a:txBody>
+                    <a:bodyPr/>
+                    <a:lstStyle/>
+                    <a:p>
+                      <a:pPr algn="ctr" latinLnBrk="1"/>
+                      <a:r>
+                        <a:rPr lang="en-US" altLang="ko-KR" sz="1400" b="0" dirty="0">
+                          <a:solidFill>
+                            <a:schemeClr val="tx1"/>
+                          </a:solidFill>
+                        </a:rPr>
+                        <a:t>6</a:t>
+                      </a:r>
+                      <a:endParaRPr lang="ko-KR" altLang="en-US" sz="1400" b="0" dirty="0">
+                        <a:solidFill>
+                          <a:schemeClr val="tx1"/>
+                        </a:solidFill>
+                      </a:endParaRPr>
+                    </a:p>
+                  </a:txBody>
+                  <a:tcPr anchor="ctr">
+                    <a:lnL w="12700" cap="flat" cmpd="sng" algn="ctr">
+                      <a:solidFill>
+                        <a:schemeClr val="tx1"/>
+                      </a:solidFill>
+                      <a:prstDash val="solid"/>
+                      <a:round/>
+                      <a:headEnd type="none" w="med" len="med"/>
+                      <a:tailEnd type="none" w="med" len="med"/>
+                    </a:lnL>
+                    <a:lnR w="12700" cap="flat" cmpd="sng" algn="ctr">
+                      <a:solidFill>
+                        <a:schemeClr val="tx1"/>
+                      </a:solidFill>
+                      <a:prstDash val="solid"/>
+                      <a:round/>
+                      <a:headEnd type="none" w="med" len="med"/>
+                      <a:tailEnd type="none" w="med" len="med"/>
+                    </a:lnR>
+                    <a:lnT w="12700" cap="flat" cmpd="sng" algn="ctr">
+                      <a:solidFill>
+                        <a:schemeClr val="tx1"/>
+                      </a:solidFill>
+                      <a:prstDash val="solid"/>
+                      <a:round/>
+                      <a:headEnd type="none" w="med" len="med"/>
+                      <a:tailEnd type="none" w="med" len="med"/>
+                    </a:lnT>
+                    <a:lnB w="12700" cap="flat" cmpd="sng" algn="ctr">
+                      <a:solidFill>
+                        <a:schemeClr val="tx1"/>
+                      </a:solidFill>
+                      <a:prstDash val="solid"/>
+                      <a:round/>
+                      <a:headEnd type="none" w="med" len="med"/>
+                      <a:tailEnd type="none" w="med" len="med"/>
+                    </a:lnB>
+                    <a:lnTlToBr w="12700" cmpd="sng">
+                      <a:noFill/>
+                      <a:prstDash val="solid"/>
+                    </a:lnTlToBr>
+                    <a:lnBlToTr w="12700" cmpd="sng">
+                      <a:noFill/>
+                      <a:prstDash val="solid"/>
+                    </a:lnBlToTr>
+                    <a:noFill/>
+                  </a:tcPr>
+                </a:tc>
+                <a:tc>
+                  <a:txBody>
+                    <a:bodyPr/>
+                    <a:lstStyle/>
+                    <a:p>
+                      <a:pPr algn="ctr" latinLnBrk="1"/>
+                      <a:r>
+                        <a:rPr lang="en-US" altLang="ko-KR" sz="1400" b="0" dirty="0">
+                          <a:solidFill>
+                            <a:schemeClr val="tx1"/>
+                          </a:solidFill>
+                        </a:rPr>
+                        <a:t>3</a:t>
+                      </a:r>
+                      <a:endParaRPr lang="ko-KR" altLang="en-US" sz="1400" b="0" dirty="0">
+                        <a:solidFill>
+                          <a:schemeClr val="tx1"/>
+                        </a:solidFill>
+                      </a:endParaRPr>
+                    </a:p>
+                  </a:txBody>
+                  <a:tcPr anchor="ctr">
+                    <a:lnL w="12700" cap="flat" cmpd="sng" algn="ctr">
+                      <a:solidFill>
+                        <a:schemeClr val="tx1"/>
+                      </a:solidFill>
+                      <a:prstDash val="solid"/>
+                      <a:round/>
+                      <a:headEnd type="none" w="med" len="med"/>
+                      <a:tailEnd type="none" w="med" len="med"/>
+                    </a:lnL>
+                    <a:lnR w="12700" cap="flat" cmpd="sng" algn="ctr">
+                      <a:solidFill>
+                        <a:schemeClr val="tx1"/>
+                      </a:solidFill>
+                      <a:prstDash val="solid"/>
+                      <a:round/>
+                      <a:headEnd type="none" w="med" len="med"/>
+                      <a:tailEnd type="none" w="med" len="med"/>
+                    </a:lnR>
+                    <a:lnT w="12700" cap="flat" cmpd="sng" algn="ctr">
+                      <a:solidFill>
+                        <a:schemeClr val="tx1"/>
+                      </a:solidFill>
+                      <a:prstDash val="solid"/>
+                      <a:round/>
+                      <a:headEnd type="none" w="med" len="med"/>
+                      <a:tailEnd type="none" w="med" len="med"/>
+                    </a:lnT>
+                    <a:lnB w="12700" cap="flat" cmpd="sng" algn="ctr">
+                      <a:solidFill>
+                        <a:schemeClr val="tx1"/>
+                      </a:solidFill>
+                      <a:prstDash val="solid"/>
+                      <a:round/>
+                      <a:headEnd type="none" w="med" len="med"/>
+                      <a:tailEnd type="none" w="med" len="med"/>
+                    </a:lnB>
+                    <a:lnTlToBr w="12700" cmpd="sng">
+                      <a:noFill/>
+                      <a:prstDash val="solid"/>
+                    </a:lnTlToBr>
+                    <a:lnBlToTr w="12700" cmpd="sng">
+                      <a:noFill/>
+                      <a:prstDash val="solid"/>
+                    </a:lnBlToTr>
+                    <a:noFill/>
+                  </a:tcPr>
+                </a:tc>
+                <a:extLst>
+                  <a:ext uri="{0D108BD9-81ED-4DB2-BD59-A6C34878D82A}">
+                    <a16:rowId xmlns:a16="http://schemas.microsoft.com/office/drawing/2014/main" val="161690541"/>
+                  </a:ext>
+                </a:extLst>
+              </a:tr>
+              <a:tr h="370840">
+                <a:tc>
+                  <a:txBody>
+                    <a:bodyPr/>
+                    <a:lstStyle/>
+                    <a:p>
+                      <a:pPr algn="ctr" latinLnBrk="1"/>
+                      <a:endParaRPr lang="ko-KR" altLang="en-US" sz="1400" b="0" dirty="0">
+                        <a:solidFill>
+                          <a:schemeClr val="tx1"/>
+                        </a:solidFill>
+                      </a:endParaRPr>
+                    </a:p>
+                  </a:txBody>
+                  <a:tcPr anchor="ctr">
+                    <a:lnL w="12700" cmpd="sng">
+                      <a:noFill/>
+                    </a:lnL>
+                    <a:lnR w="12700" cmpd="sng">
+                      <a:noFill/>
+                    </a:lnR>
+                    <a:lnT w="12700" cmpd="sng">
+                      <a:noFill/>
+                    </a:lnT>
+                    <a:lnB w="12700" cmpd="sng">
+                      <a:noFill/>
+                    </a:lnB>
+                    <a:lnTlToBr w="12700" cmpd="sng">
+                      <a:noFill/>
+                      <a:prstDash val="solid"/>
+                    </a:lnTlToBr>
+                    <a:lnBlToTr w="12700" cmpd="sng">
+                      <a:noFill/>
+                      <a:prstDash val="solid"/>
+                    </a:lnBlToTr>
+                    <a:noFill/>
+                  </a:tcPr>
+                </a:tc>
+                <a:tc>
+                  <a:txBody>
+                    <a:bodyPr/>
+                    <a:lstStyle/>
+                    <a:p>
+                      <a:pPr algn="ctr" latinLnBrk="1"/>
+                      <a:r>
+                        <a:rPr lang="en-US" altLang="ko-KR" sz="1400" b="0" dirty="0">
+                          <a:solidFill>
+                            <a:schemeClr val="tx1"/>
+                          </a:solidFill>
+                        </a:rPr>
+                        <a:t>[5]</a:t>
+                      </a:r>
+                      <a:endParaRPr lang="ko-KR" altLang="en-US" sz="1400" b="0" dirty="0">
+                        <a:solidFill>
+                          <a:schemeClr val="tx1"/>
+                        </a:solidFill>
+                      </a:endParaRPr>
+                    </a:p>
+                  </a:txBody>
+                  <a:tcPr anchor="ctr">
+                    <a:lnL w="12700" cmpd="sng">
+                      <a:noFill/>
+                    </a:lnL>
+                    <a:lnR w="12700" cap="flat" cmpd="sng" algn="ctr">
+                      <a:solidFill>
+                        <a:schemeClr val="tx1"/>
+                      </a:solidFill>
+                      <a:prstDash val="solid"/>
+                      <a:round/>
+                      <a:headEnd type="none" w="med" len="med"/>
+                      <a:tailEnd type="none" w="med" len="med"/>
+                    </a:lnR>
+                    <a:lnT w="12700" cmpd="sng">
+                      <a:noFill/>
+                    </a:lnT>
+                    <a:lnB w="12700" cmpd="sng">
+                      <a:noFill/>
+                    </a:lnB>
+                    <a:lnTlToBr w="12700" cmpd="sng">
+                      <a:noFill/>
+                      <a:prstDash val="solid"/>
+                    </a:lnTlToBr>
+                    <a:lnBlToTr w="12700" cmpd="sng">
+                      <a:noFill/>
+                      <a:prstDash val="solid"/>
+                    </a:lnBlToTr>
+                    <a:noFill/>
+                  </a:tcPr>
+                </a:tc>
+                <a:tc>
+                  <a:txBody>
+                    <a:bodyPr/>
+                    <a:lstStyle/>
+                    <a:p>
+                      <a:pPr algn="ctr" latinLnBrk="1"/>
+                      <a:r>
+                        <a:rPr lang="en-US" altLang="ko-KR" sz="1400" b="0" dirty="0">
+                          <a:solidFill>
+                            <a:schemeClr val="tx1"/>
+                          </a:solidFill>
+                        </a:rPr>
+                        <a:t>3</a:t>
+                      </a:r>
+                      <a:endParaRPr lang="ko-KR" altLang="en-US" sz="1400" b="0" dirty="0">
+                        <a:solidFill>
+                          <a:schemeClr val="tx1"/>
+                        </a:solidFill>
+                      </a:endParaRPr>
+                    </a:p>
+                  </a:txBody>
+                  <a:tcPr anchor="ctr">
+                    <a:lnL w="12700" cap="flat" cmpd="sng" algn="ctr">
+                      <a:solidFill>
+                        <a:schemeClr val="tx1"/>
+                      </a:solidFill>
+                      <a:prstDash val="solid"/>
+                      <a:round/>
+                      <a:headEnd type="none" w="med" len="med"/>
+                      <a:tailEnd type="none" w="med" len="med"/>
+                    </a:lnL>
+                    <a:lnR w="12700" cap="flat" cmpd="sng" algn="ctr">
+                      <a:solidFill>
+                        <a:schemeClr val="tx1"/>
+                      </a:solidFill>
+                      <a:prstDash val="solid"/>
+                      <a:round/>
+                      <a:headEnd type="none" w="med" len="med"/>
+                      <a:tailEnd type="none" w="med" len="med"/>
+                    </a:lnR>
+                    <a:lnT w="12700" cap="flat" cmpd="sng" algn="ctr">
+                      <a:solidFill>
+                        <a:schemeClr val="tx1"/>
+                      </a:solidFill>
+                      <a:prstDash val="solid"/>
+                      <a:round/>
+                      <a:headEnd type="none" w="med" len="med"/>
+                      <a:tailEnd type="none" w="med" len="med"/>
+                    </a:lnT>
+                    <a:lnB w="12700" cap="flat" cmpd="sng" algn="ctr">
+                      <a:solidFill>
+                        <a:schemeClr val="tx1"/>
+                      </a:solidFill>
+                      <a:prstDash val="solid"/>
+                      <a:round/>
+                      <a:headEnd type="none" w="med" len="med"/>
+                      <a:tailEnd type="none" w="med" len="med"/>
+                    </a:lnB>
+                    <a:lnTlToBr w="12700" cmpd="sng">
+                      <a:noFill/>
+                      <a:prstDash val="solid"/>
+                    </a:lnTlToBr>
+                    <a:lnBlToTr w="12700" cmpd="sng">
+                      <a:noFill/>
+                      <a:prstDash val="solid"/>
+                    </a:lnBlToTr>
+                    <a:noFill/>
+                  </a:tcPr>
+                </a:tc>
+                <a:tc>
+                  <a:txBody>
+                    <a:bodyPr/>
+                    <a:lstStyle/>
+                    <a:p>
+                      <a:pPr algn="ctr" latinLnBrk="1"/>
+                      <a:r>
+                        <a:rPr lang="en-US" altLang="ko-KR" sz="1400" b="0" dirty="0">
+                          <a:solidFill>
+                            <a:schemeClr val="tx1"/>
+                          </a:solidFill>
+                        </a:rPr>
+                        <a:t>4</a:t>
+                      </a:r>
+                      <a:endParaRPr lang="ko-KR" altLang="en-US" sz="1400" b="0" dirty="0">
+                        <a:solidFill>
+                          <a:schemeClr val="tx1"/>
+                        </a:solidFill>
+                      </a:endParaRPr>
+                    </a:p>
+                  </a:txBody>
+                  <a:tcPr anchor="ctr">
+                    <a:lnL w="12700" cap="flat" cmpd="sng" algn="ctr">
+                      <a:solidFill>
+                        <a:schemeClr val="tx1"/>
+                      </a:solidFill>
+                      <a:prstDash val="solid"/>
+                      <a:round/>
+                      <a:headEnd type="none" w="med" len="med"/>
+                      <a:tailEnd type="none" w="med" len="med"/>
+                    </a:lnL>
+                    <a:lnR w="12700" cap="flat" cmpd="sng" algn="ctr">
+                      <a:solidFill>
+                        <a:schemeClr val="tx1"/>
+                      </a:solidFill>
+                      <a:prstDash val="solid"/>
+                      <a:round/>
+                      <a:headEnd type="none" w="med" len="med"/>
+                      <a:tailEnd type="none" w="med" len="med"/>
+                    </a:lnR>
+                    <a:lnT w="12700" cap="flat" cmpd="sng" algn="ctr">
+                      <a:solidFill>
+                        <a:schemeClr val="tx1"/>
+                      </a:solidFill>
+                      <a:prstDash val="solid"/>
+                      <a:round/>
+                      <a:headEnd type="none" w="med" len="med"/>
+                      <a:tailEnd type="none" w="med" len="med"/>
+                    </a:lnT>
+                    <a:lnB w="12700" cap="flat" cmpd="sng" algn="ctr">
+                      <a:solidFill>
+                        <a:schemeClr val="tx1"/>
+                      </a:solidFill>
+                      <a:prstDash val="solid"/>
+                      <a:round/>
+                      <a:headEnd type="none" w="med" len="med"/>
+                      <a:tailEnd type="none" w="med" len="med"/>
+                    </a:lnB>
+                    <a:lnTlToBr w="12700" cmpd="sng">
+                      <a:noFill/>
+                      <a:prstDash val="solid"/>
+                    </a:lnTlToBr>
+                    <a:lnBlToTr w="12700" cmpd="sng">
+                      <a:noFill/>
+                      <a:prstDash val="solid"/>
+                    </a:lnBlToTr>
+                    <a:noFill/>
+                  </a:tcPr>
+                </a:tc>
+                <a:tc>
+                  <a:txBody>
+                    <a:bodyPr/>
+                    <a:lstStyle/>
+                    <a:p>
+                      <a:pPr algn="ctr" latinLnBrk="1"/>
+                      <a:r>
+                        <a:rPr lang="en-US" altLang="ko-KR" sz="1400" b="0" dirty="0">
+                          <a:solidFill>
+                            <a:schemeClr val="tx1"/>
+                          </a:solidFill>
+                        </a:rPr>
+                        <a:t>56</a:t>
+                      </a:r>
+                      <a:endParaRPr lang="ko-KR" altLang="en-US" sz="1400" b="0" dirty="0">
+                        <a:solidFill>
+                          <a:schemeClr val="tx1"/>
+                        </a:solidFill>
+                      </a:endParaRPr>
+                    </a:p>
+                  </a:txBody>
+                  <a:tcPr anchor="ctr">
+                    <a:lnL w="12700" cap="flat" cmpd="sng" algn="ctr">
+                      <a:solidFill>
+                        <a:schemeClr val="tx1"/>
+                      </a:solidFill>
+                      <a:prstDash val="solid"/>
+                      <a:round/>
+                      <a:headEnd type="none" w="med" len="med"/>
+                      <a:tailEnd type="none" w="med" len="med"/>
+                    </a:lnL>
+                    <a:lnR w="12700" cap="flat" cmpd="sng" algn="ctr">
+                      <a:solidFill>
+                        <a:schemeClr val="tx1"/>
+                      </a:solidFill>
+                      <a:prstDash val="solid"/>
+                      <a:round/>
+                      <a:headEnd type="none" w="med" len="med"/>
+                      <a:tailEnd type="none" w="med" len="med"/>
+                    </a:lnR>
+                    <a:lnT w="12700" cap="flat" cmpd="sng" algn="ctr">
+                      <a:solidFill>
+                        <a:schemeClr val="tx1"/>
+                      </a:solidFill>
+                      <a:prstDash val="solid"/>
+                      <a:round/>
+                      <a:headEnd type="none" w="med" len="med"/>
+                      <a:tailEnd type="none" w="med" len="med"/>
+                    </a:lnT>
+                    <a:lnB w="12700" cap="flat" cmpd="sng" algn="ctr">
+                      <a:solidFill>
+                        <a:schemeClr val="tx1"/>
+                      </a:solidFill>
+                      <a:prstDash val="solid"/>
+                      <a:round/>
+                      <a:headEnd type="none" w="med" len="med"/>
+                      <a:tailEnd type="none" w="med" len="med"/>
+                    </a:lnB>
+                    <a:lnTlToBr w="12700" cmpd="sng">
+                      <a:noFill/>
+                      <a:prstDash val="solid"/>
+                    </a:lnTlToBr>
+                    <a:lnBlToTr w="12700" cmpd="sng">
+                      <a:noFill/>
+                      <a:prstDash val="solid"/>
+                    </a:lnBlToTr>
+                    <a:noFill/>
+                  </a:tcPr>
+                </a:tc>
+                <a:extLst>
+                  <a:ext uri="{0D108BD9-81ED-4DB2-BD59-A6C34878D82A}">
+                    <a16:rowId xmlns:a16="http://schemas.microsoft.com/office/drawing/2014/main" val="170930089"/>
+                  </a:ext>
+                </a:extLst>
+              </a:tr>
+              <a:tr h="370840">
+                <a:tc>
+                  <a:txBody>
+                    <a:bodyPr/>
+                    <a:lstStyle/>
+                    <a:p>
+                      <a:pPr algn="ctr" latinLnBrk="1"/>
+                      <a:endParaRPr lang="ko-KR" altLang="en-US" sz="1400" b="0" dirty="0">
+                        <a:solidFill>
+                          <a:schemeClr val="tx1"/>
+                        </a:solidFill>
+                      </a:endParaRPr>
+                    </a:p>
+                  </a:txBody>
+                  <a:tcPr anchor="ctr">
+                    <a:lnL w="12700" cmpd="sng">
+                      <a:noFill/>
+                    </a:lnL>
+                    <a:lnR w="12700" cmpd="sng">
+                      <a:noFill/>
+                    </a:lnR>
+                    <a:lnT w="12700" cmpd="sng">
+                      <a:noFill/>
+                    </a:lnT>
+                    <a:lnB w="12700" cmpd="sng">
+                      <a:noFill/>
+                    </a:lnB>
+                    <a:lnTlToBr w="12700" cmpd="sng">
+                      <a:noFill/>
+                      <a:prstDash val="solid"/>
+                    </a:lnTlToBr>
+                    <a:lnBlToTr w="12700" cmpd="sng">
+                      <a:noFill/>
+                      <a:prstDash val="solid"/>
+                    </a:lnBlToTr>
+                    <a:noFill/>
+                  </a:tcPr>
+                </a:tc>
+                <a:tc>
+                  <a:txBody>
+                    <a:bodyPr/>
+                    <a:lstStyle/>
+                    <a:p>
+                      <a:pPr algn="ctr" latinLnBrk="1"/>
+                      <a:r>
+                        <a:rPr lang="en-US" altLang="ko-KR" sz="1400" b="0" dirty="0">
+                          <a:solidFill>
+                            <a:schemeClr val="tx1"/>
+                          </a:solidFill>
+                        </a:rPr>
+                        <a:t>[6]</a:t>
+                      </a:r>
+                      <a:endParaRPr lang="ko-KR" altLang="en-US" sz="1400" b="0" dirty="0">
+                        <a:solidFill>
+                          <a:schemeClr val="tx1"/>
+                        </a:solidFill>
+                      </a:endParaRPr>
+                    </a:p>
+                  </a:txBody>
+                  <a:tcPr anchor="ctr">
+                    <a:lnL w="12700" cmpd="sng">
+                      <a:noFill/>
+                    </a:lnL>
+                    <a:lnR w="12700" cap="flat" cmpd="sng" algn="ctr">
+                      <a:solidFill>
+                        <a:schemeClr val="tx1"/>
+                      </a:solidFill>
+                      <a:prstDash val="solid"/>
+                      <a:round/>
+                      <a:headEnd type="none" w="med" len="med"/>
+                      <a:tailEnd type="none" w="med" len="med"/>
+                    </a:lnR>
+                    <a:lnT w="12700" cmpd="sng">
+                      <a:noFill/>
+                    </a:lnT>
+                    <a:lnB w="12700" cmpd="sng">
+                      <a:noFill/>
+                    </a:lnB>
+                    <a:lnTlToBr w="12700" cmpd="sng">
+                      <a:noFill/>
+                      <a:prstDash val="solid"/>
+                    </a:lnTlToBr>
+                    <a:lnBlToTr w="12700" cmpd="sng">
+                      <a:noFill/>
+                      <a:prstDash val="solid"/>
+                    </a:lnBlToTr>
+                    <a:noFill/>
+                  </a:tcPr>
+                </a:tc>
+                <a:tc>
+                  <a:txBody>
+                    <a:bodyPr/>
+                    <a:lstStyle/>
+                    <a:p>
+                      <a:pPr algn="ctr" latinLnBrk="1"/>
+                      <a:r>
+                        <a:rPr lang="en-US" altLang="ko-KR" sz="1400" b="0" dirty="0">
+                          <a:solidFill>
+                            <a:schemeClr val="tx1"/>
+                          </a:solidFill>
+                        </a:rPr>
+                        <a:t>4</a:t>
+                      </a:r>
+                      <a:endParaRPr lang="ko-KR" altLang="en-US" sz="1400" b="0" dirty="0">
+                        <a:solidFill>
+                          <a:schemeClr val="tx1"/>
+                        </a:solidFill>
+                      </a:endParaRPr>
+                    </a:p>
+                  </a:txBody>
+                  <a:tcPr anchor="ctr">
+                    <a:lnL w="12700" cap="flat" cmpd="sng" algn="ctr">
+                      <a:solidFill>
+                        <a:schemeClr val="tx1"/>
+                      </a:solidFill>
+                      <a:prstDash val="solid"/>
+                      <a:round/>
+                      <a:headEnd type="none" w="med" len="med"/>
+                      <a:tailEnd type="none" w="med" len="med"/>
+                    </a:lnL>
+                    <a:lnR w="12700" cap="flat" cmpd="sng" algn="ctr">
+                      <a:solidFill>
+                        <a:schemeClr val="tx1"/>
+                      </a:solidFill>
+                      <a:prstDash val="solid"/>
+                      <a:round/>
+                      <a:headEnd type="none" w="med" len="med"/>
+                      <a:tailEnd type="none" w="med" len="med"/>
+                    </a:lnR>
+                    <a:lnT w="12700" cap="flat" cmpd="sng" algn="ctr">
+                      <a:solidFill>
+                        <a:schemeClr val="tx1"/>
+                      </a:solidFill>
+                      <a:prstDash val="solid"/>
+                      <a:round/>
+                      <a:headEnd type="none" w="med" len="med"/>
+                      <a:tailEnd type="none" w="med" len="med"/>
+                    </a:lnT>
+                    <a:lnB w="12700" cap="flat" cmpd="sng" algn="ctr">
+                      <a:solidFill>
+                        <a:schemeClr val="tx1"/>
+                      </a:solidFill>
+                      <a:prstDash val="solid"/>
+                      <a:round/>
+                      <a:headEnd type="none" w="med" len="med"/>
+                      <a:tailEnd type="none" w="med" len="med"/>
+                    </a:lnB>
+                    <a:lnTlToBr w="12700" cmpd="sng">
+                      <a:noFill/>
+                      <a:prstDash val="solid"/>
+                    </a:lnTlToBr>
+                    <a:lnBlToTr w="12700" cmpd="sng">
+                      <a:noFill/>
+                      <a:prstDash val="solid"/>
+                    </a:lnBlToTr>
+                    <a:noFill/>
+                  </a:tcPr>
+                </a:tc>
+                <a:tc>
+                  <a:txBody>
+                    <a:bodyPr/>
+                    <a:lstStyle/>
+                    <a:p>
+                      <a:pPr algn="ctr" latinLnBrk="1"/>
+                      <a:r>
+                        <a:rPr lang="en-US" altLang="ko-KR" sz="1400" b="0" dirty="0">
+                          <a:solidFill>
+                            <a:schemeClr val="tx1"/>
+                          </a:solidFill>
+                        </a:rPr>
+                        <a:t>0</a:t>
+                      </a:r>
+                      <a:endParaRPr lang="ko-KR" altLang="en-US" sz="1400" b="0" dirty="0">
+                        <a:solidFill>
+                          <a:schemeClr val="tx1"/>
+                        </a:solidFill>
+                      </a:endParaRPr>
+                    </a:p>
+                  </a:txBody>
+                  <a:tcPr anchor="ctr">
+                    <a:lnL w="12700" cap="flat" cmpd="sng" algn="ctr">
+                      <a:solidFill>
+                        <a:schemeClr val="tx1"/>
+                      </a:solidFill>
+                      <a:prstDash val="solid"/>
+                      <a:round/>
+                      <a:headEnd type="none" w="med" len="med"/>
+                      <a:tailEnd type="none" w="med" len="med"/>
+                    </a:lnL>
+                    <a:lnR w="12700" cap="flat" cmpd="sng" algn="ctr">
+                      <a:solidFill>
+                        <a:schemeClr val="tx1"/>
+                      </a:solidFill>
+                      <a:prstDash val="solid"/>
+                      <a:round/>
+                      <a:headEnd type="none" w="med" len="med"/>
+                      <a:tailEnd type="none" w="med" len="med"/>
+                    </a:lnR>
+                    <a:lnT w="12700" cap="flat" cmpd="sng" algn="ctr">
+                      <a:solidFill>
+                        <a:schemeClr val="tx1"/>
+                      </a:solidFill>
+                      <a:prstDash val="solid"/>
+                      <a:round/>
+                      <a:headEnd type="none" w="med" len="med"/>
+                      <a:tailEnd type="none" w="med" len="med"/>
+                    </a:lnT>
+                    <a:lnB w="12700" cap="flat" cmpd="sng" algn="ctr">
+                      <a:solidFill>
+                        <a:schemeClr val="tx1"/>
+                      </a:solidFill>
+                      <a:prstDash val="solid"/>
+                      <a:round/>
+                      <a:headEnd type="none" w="med" len="med"/>
+                      <a:tailEnd type="none" w="med" len="med"/>
+                    </a:lnB>
+                    <a:lnTlToBr w="12700" cmpd="sng">
+                      <a:noFill/>
+                      <a:prstDash val="solid"/>
+                    </a:lnTlToBr>
+                    <a:lnBlToTr w="12700" cmpd="sng">
+                      <a:noFill/>
+                      <a:prstDash val="solid"/>
+                    </a:lnBlToTr>
+                    <a:noFill/>
+                  </a:tcPr>
+                </a:tc>
+                <a:tc>
+                  <a:txBody>
+                    <a:bodyPr/>
+                    <a:lstStyle/>
+                    <a:p>
+                      <a:pPr algn="ctr" latinLnBrk="1"/>
+                      <a:r>
+                        <a:rPr lang="en-US" altLang="ko-KR" sz="1400" b="0" dirty="0">
+                          <a:solidFill>
+                            <a:schemeClr val="tx1"/>
+                          </a:solidFill>
+                        </a:rPr>
+                        <a:t>13</a:t>
+                      </a:r>
+                      <a:endParaRPr lang="ko-KR" altLang="en-US" sz="1400" b="0" dirty="0">
+                        <a:solidFill>
+                          <a:schemeClr val="tx1"/>
+                        </a:solidFill>
+                      </a:endParaRPr>
+                    </a:p>
+                  </a:txBody>
+                  <a:tcPr anchor="ctr">
+                    <a:lnL w="12700" cap="flat" cmpd="sng" algn="ctr">
+                      <a:solidFill>
+                        <a:schemeClr val="tx1"/>
+                      </a:solidFill>
+                      <a:prstDash val="solid"/>
+                      <a:round/>
+                      <a:headEnd type="none" w="med" len="med"/>
+                      <a:tailEnd type="none" w="med" len="med"/>
+                    </a:lnL>
+                    <a:lnR w="12700" cap="flat" cmpd="sng" algn="ctr">
+                      <a:solidFill>
+                        <a:schemeClr val="tx1"/>
+                      </a:solidFill>
+                      <a:prstDash val="solid"/>
+                      <a:round/>
+                      <a:headEnd type="none" w="med" len="med"/>
+                      <a:tailEnd type="none" w="med" len="med"/>
+                    </a:lnR>
+                    <a:lnT w="12700" cap="flat" cmpd="sng" algn="ctr">
+                      <a:solidFill>
+                        <a:schemeClr val="tx1"/>
+                      </a:solidFill>
+                      <a:prstDash val="solid"/>
+                      <a:round/>
+                      <a:headEnd type="none" w="med" len="med"/>
+                      <a:tailEnd type="none" w="med" len="med"/>
+                    </a:lnT>
+                    <a:lnB w="12700" cap="flat" cmpd="sng" algn="ctr">
+                      <a:solidFill>
+                        <a:schemeClr val="tx1"/>
+                      </a:solidFill>
+                      <a:prstDash val="solid"/>
+                      <a:round/>
+                      <a:headEnd type="none" w="med" len="med"/>
+                      <a:tailEnd type="none" w="med" len="med"/>
+                    </a:lnB>
+                    <a:lnTlToBr w="12700" cmpd="sng">
+                      <a:noFill/>
+                      <a:prstDash val="solid"/>
+                    </a:lnTlToBr>
+                    <a:lnBlToTr w="12700" cmpd="sng">
+                      <a:noFill/>
+                      <a:prstDash val="solid"/>
+                    </a:lnBlToTr>
+                    <a:noFill/>
+                  </a:tcPr>
+                </a:tc>
+                <a:extLst>
+                  <a:ext uri="{0D108BD9-81ED-4DB2-BD59-A6C34878D82A}">
+                    <a16:rowId xmlns:a16="http://schemas.microsoft.com/office/drawing/2014/main" val="161262533"/>
+                  </a:ext>
+                </a:extLst>
+              </a:tr>
+              <a:tr h="370840">
+                <a:tc>
+                  <a:txBody>
+                    <a:bodyPr/>
+                    <a:lstStyle/>
+                    <a:p>
+                      <a:pPr algn="ctr" latinLnBrk="1"/>
+                      <a:endParaRPr lang="ko-KR" altLang="en-US" sz="1400" b="0" dirty="0">
+                        <a:solidFill>
+                          <a:schemeClr val="tx1"/>
+                        </a:solidFill>
+                      </a:endParaRPr>
+                    </a:p>
+                  </a:txBody>
+                  <a:tcPr anchor="ctr">
+                    <a:lnL w="12700" cmpd="sng">
+                      <a:noFill/>
+                    </a:lnL>
+                    <a:lnR w="12700" cmpd="sng">
+                      <a:noFill/>
+                    </a:lnR>
+                    <a:lnT w="12700" cmpd="sng">
+                      <a:noFill/>
+                    </a:lnT>
+                    <a:lnB w="12700" cmpd="sng">
+                      <a:noFill/>
+                    </a:lnB>
+                    <a:lnTlToBr w="12700" cmpd="sng">
+                      <a:noFill/>
+                      <a:prstDash val="solid"/>
+                    </a:lnTlToBr>
+                    <a:lnBlToTr w="12700" cmpd="sng">
+                      <a:noFill/>
+                      <a:prstDash val="solid"/>
+                    </a:lnBlToTr>
+                    <a:noFill/>
+                  </a:tcPr>
+                </a:tc>
+                <a:tc>
+                  <a:txBody>
+                    <a:bodyPr/>
+                    <a:lstStyle/>
+                    <a:p>
+                      <a:pPr algn="ctr" latinLnBrk="1"/>
+                      <a:r>
+                        <a:rPr lang="en-US" altLang="ko-KR" sz="1400" b="0" dirty="0">
+                          <a:solidFill>
+                            <a:schemeClr val="tx1"/>
+                          </a:solidFill>
+                        </a:rPr>
+                        <a:t>[7]</a:t>
+                      </a:r>
+                      <a:endParaRPr lang="ko-KR" altLang="en-US" sz="1400" b="0" dirty="0">
+                        <a:solidFill>
+                          <a:schemeClr val="tx1"/>
+                        </a:solidFill>
+                      </a:endParaRPr>
+                    </a:p>
+                  </a:txBody>
+                  <a:tcPr anchor="ctr">
+                    <a:lnL w="12700" cmpd="sng">
+                      <a:noFill/>
+                    </a:lnL>
+                    <a:lnR w="12700" cap="flat" cmpd="sng" algn="ctr">
+                      <a:solidFill>
+                        <a:schemeClr val="tx1"/>
+                      </a:solidFill>
+                      <a:prstDash val="solid"/>
+                      <a:round/>
+                      <a:headEnd type="none" w="med" len="med"/>
+                      <a:tailEnd type="none" w="med" len="med"/>
+                    </a:lnR>
+                    <a:lnT w="12700" cmpd="sng">
+                      <a:noFill/>
+                    </a:lnT>
+                    <a:lnB w="12700" cmpd="sng">
+                      <a:noFill/>
+                    </a:lnB>
+                    <a:lnTlToBr w="12700" cmpd="sng">
+                      <a:noFill/>
+                      <a:prstDash val="solid"/>
+                    </a:lnTlToBr>
+                    <a:lnBlToTr w="12700" cmpd="sng">
+                      <a:noFill/>
+                      <a:prstDash val="solid"/>
+                    </a:lnBlToTr>
+                    <a:noFill/>
+                  </a:tcPr>
+                </a:tc>
+                <a:tc>
+                  <a:txBody>
+                    <a:bodyPr/>
+                    <a:lstStyle/>
+                    <a:p>
+                      <a:pPr algn="ctr" latinLnBrk="1"/>
+                      <a:r>
+                        <a:rPr lang="en-US" altLang="ko-KR" sz="1400" b="0" dirty="0">
+                          <a:solidFill>
+                            <a:schemeClr val="tx1"/>
+                          </a:solidFill>
+                        </a:rPr>
+                        <a:t>5</a:t>
+                      </a:r>
+                      <a:endParaRPr lang="ko-KR" altLang="en-US" sz="1400" b="0" dirty="0">
+                        <a:solidFill>
+                          <a:schemeClr val="tx1"/>
+                        </a:solidFill>
+                      </a:endParaRPr>
+                    </a:p>
+                  </a:txBody>
+                  <a:tcPr anchor="ctr">
+                    <a:lnL w="12700" cap="flat" cmpd="sng" algn="ctr">
+                      <a:solidFill>
+                        <a:schemeClr val="tx1"/>
+                      </a:solidFill>
+                      <a:prstDash val="solid"/>
+                      <a:round/>
+                      <a:headEnd type="none" w="med" len="med"/>
+                      <a:tailEnd type="none" w="med" len="med"/>
+                    </a:lnL>
+                    <a:lnR w="12700" cap="flat" cmpd="sng" algn="ctr">
+                      <a:solidFill>
+                        <a:schemeClr val="tx1"/>
+                      </a:solidFill>
+                      <a:prstDash val="solid"/>
+                      <a:round/>
+                      <a:headEnd type="none" w="med" len="med"/>
+                      <a:tailEnd type="none" w="med" len="med"/>
+                    </a:lnR>
+                    <a:lnT w="12700" cap="flat" cmpd="sng" algn="ctr">
+                      <a:solidFill>
+                        <a:schemeClr val="tx1"/>
+                      </a:solidFill>
+                      <a:prstDash val="solid"/>
+                      <a:round/>
+                      <a:headEnd type="none" w="med" len="med"/>
+                      <a:tailEnd type="none" w="med" len="med"/>
+                    </a:lnT>
+                    <a:lnB w="12700" cap="flat" cmpd="sng" algn="ctr">
+                      <a:solidFill>
+                        <a:schemeClr val="tx1"/>
+                      </a:solidFill>
+                      <a:prstDash val="solid"/>
+                      <a:round/>
+                      <a:headEnd type="none" w="med" len="med"/>
+                      <a:tailEnd type="none" w="med" len="med"/>
+                    </a:lnB>
+                    <a:lnTlToBr w="12700" cmpd="sng">
+                      <a:noFill/>
+                      <a:prstDash val="solid"/>
+                    </a:lnTlToBr>
+                    <a:lnBlToTr w="12700" cmpd="sng">
+                      <a:noFill/>
+                      <a:prstDash val="solid"/>
+                    </a:lnBlToTr>
+                    <a:noFill/>
+                  </a:tcPr>
+                </a:tc>
+                <a:tc>
+                  <a:txBody>
+                    <a:bodyPr/>
+                    <a:lstStyle/>
+                    <a:p>
+                      <a:pPr algn="ctr" latinLnBrk="1"/>
+                      <a:r>
+                        <a:rPr lang="en-US" altLang="ko-KR" sz="1400" b="0" dirty="0">
+                          <a:solidFill>
+                            <a:schemeClr val="tx1"/>
+                          </a:solidFill>
+                        </a:rPr>
+                        <a:t>2</a:t>
+                      </a:r>
+                      <a:endParaRPr lang="ko-KR" altLang="en-US" sz="1400" b="0" dirty="0">
+                        <a:solidFill>
+                          <a:schemeClr val="tx1"/>
+                        </a:solidFill>
+                      </a:endParaRPr>
+                    </a:p>
+                  </a:txBody>
+                  <a:tcPr anchor="ctr">
+                    <a:lnL w="12700" cap="flat" cmpd="sng" algn="ctr">
+                      <a:solidFill>
+                        <a:schemeClr val="tx1"/>
+                      </a:solidFill>
+                      <a:prstDash val="solid"/>
+                      <a:round/>
+                      <a:headEnd type="none" w="med" len="med"/>
+                      <a:tailEnd type="none" w="med" len="med"/>
+                    </a:lnL>
+                    <a:lnR w="12700" cap="flat" cmpd="sng" algn="ctr">
+                      <a:solidFill>
+                        <a:schemeClr val="tx1"/>
+                      </a:solidFill>
+                      <a:prstDash val="solid"/>
+                      <a:round/>
+                      <a:headEnd type="none" w="med" len="med"/>
+                      <a:tailEnd type="none" w="med" len="med"/>
+                    </a:lnR>
+                    <a:lnT w="12700" cap="flat" cmpd="sng" algn="ctr">
+                      <a:solidFill>
+                        <a:schemeClr val="tx1"/>
+                      </a:solidFill>
+                      <a:prstDash val="solid"/>
+                      <a:round/>
+                      <a:headEnd type="none" w="med" len="med"/>
+                      <a:tailEnd type="none" w="med" len="med"/>
+                    </a:lnT>
+                    <a:lnB w="12700" cap="flat" cmpd="sng" algn="ctr">
+                      <a:solidFill>
+                        <a:schemeClr val="tx1"/>
+                      </a:solidFill>
+                      <a:prstDash val="solid"/>
+                      <a:round/>
+                      <a:headEnd type="none" w="med" len="med"/>
+                      <a:tailEnd type="none" w="med" len="med"/>
+                    </a:lnB>
+                    <a:lnTlToBr w="12700" cmpd="sng">
+                      <a:noFill/>
+                      <a:prstDash val="solid"/>
+                    </a:lnTlToBr>
+                    <a:lnBlToTr w="12700" cmpd="sng">
+                      <a:noFill/>
+                      <a:prstDash val="solid"/>
+                    </a:lnBlToTr>
+                    <a:noFill/>
+                  </a:tcPr>
+                </a:tc>
+                <a:tc>
+                  <a:txBody>
+                    <a:bodyPr/>
+                    <a:lstStyle/>
+                    <a:p>
+                      <a:pPr algn="ctr" latinLnBrk="1"/>
+                      <a:r>
+                        <a:rPr lang="en-US" altLang="ko-KR" sz="1400" b="0" dirty="0">
+                          <a:solidFill>
+                            <a:schemeClr val="tx1"/>
+                          </a:solidFill>
+                        </a:rPr>
+                        <a:t>3</a:t>
+                      </a:r>
+                      <a:endParaRPr lang="ko-KR" altLang="en-US" sz="1400" b="0" dirty="0">
+                        <a:solidFill>
+                          <a:schemeClr val="tx1"/>
+                        </a:solidFill>
+                      </a:endParaRPr>
+                    </a:p>
+                  </a:txBody>
+                  <a:tcPr anchor="ctr">
+                    <a:lnL w="12700" cap="flat" cmpd="sng" algn="ctr">
+                      <a:solidFill>
+                        <a:schemeClr val="tx1"/>
+                      </a:solidFill>
+                      <a:prstDash val="solid"/>
+                      <a:round/>
+                      <a:headEnd type="none" w="med" len="med"/>
+                      <a:tailEnd type="none" w="med" len="med"/>
+                    </a:lnL>
+                    <a:lnR w="12700" cap="flat" cmpd="sng" algn="ctr">
+                      <a:solidFill>
+                        <a:schemeClr val="tx1"/>
+                      </a:solidFill>
+                      <a:prstDash val="solid"/>
+                      <a:round/>
+                      <a:headEnd type="none" w="med" len="med"/>
+                      <a:tailEnd type="none" w="med" len="med"/>
+                    </a:lnR>
+                    <a:lnT w="12700" cap="flat" cmpd="sng" algn="ctr">
+                      <a:solidFill>
+                        <a:schemeClr val="tx1"/>
+                      </a:solidFill>
+                      <a:prstDash val="solid"/>
+                      <a:round/>
+                      <a:headEnd type="none" w="med" len="med"/>
+                      <a:tailEnd type="none" w="med" len="med"/>
+                    </a:lnT>
+                    <a:lnB w="12700" cap="flat" cmpd="sng" algn="ctr">
+                      <a:solidFill>
+                        <a:schemeClr val="tx1"/>
+                      </a:solidFill>
+                      <a:prstDash val="solid"/>
+                      <a:round/>
+                      <a:headEnd type="none" w="med" len="med"/>
+                      <a:tailEnd type="none" w="med" len="med"/>
+                    </a:lnB>
+                    <a:lnTlToBr w="12700" cmpd="sng">
+                      <a:noFill/>
+                      <a:prstDash val="solid"/>
+                    </a:lnTlToBr>
+                    <a:lnBlToTr w="12700" cmpd="sng">
+                      <a:noFill/>
+                      <a:prstDash val="solid"/>
+                    </a:lnBlToTr>
+                    <a:noFill/>
+                  </a:tcPr>
+                </a:tc>
+                <a:extLst>
+                  <a:ext uri="{0D108BD9-81ED-4DB2-BD59-A6C34878D82A}">
+                    <a16:rowId xmlns:a16="http://schemas.microsoft.com/office/drawing/2014/main" val="3739279753"/>
+                  </a:ext>
+                </a:extLst>
+              </a:tr>
+              <a:tr h="370840">
+                <a:tc>
+                  <a:txBody>
+                    <a:bodyPr/>
+                    <a:lstStyle/>
+                    <a:p>
+                      <a:pPr algn="ctr" latinLnBrk="1"/>
+                      <a:endParaRPr lang="ko-KR" altLang="en-US" sz="1400" b="0" dirty="0">
+                        <a:solidFill>
+                          <a:schemeClr val="tx1"/>
+                        </a:solidFill>
+                      </a:endParaRPr>
+                    </a:p>
+                  </a:txBody>
+                  <a:tcPr anchor="ctr">
+                    <a:lnL w="12700" cmpd="sng">
+                      <a:noFill/>
+                    </a:lnL>
+                    <a:lnR w="12700" cmpd="sng">
+                      <a:noFill/>
+                    </a:lnR>
+                    <a:lnT w="12700" cmpd="sng">
+                      <a:noFill/>
+                    </a:lnT>
+                    <a:lnB w="12700" cmpd="sng">
+                      <a:noFill/>
+                    </a:lnB>
+                    <a:lnTlToBr w="12700" cmpd="sng">
+                      <a:noFill/>
+                      <a:prstDash val="solid"/>
+                    </a:lnTlToBr>
+                    <a:lnBlToTr w="12700" cmpd="sng">
+                      <a:noFill/>
+                      <a:prstDash val="solid"/>
+                    </a:lnBlToTr>
+                    <a:noFill/>
+                  </a:tcPr>
+                </a:tc>
+                <a:tc>
+                  <a:txBody>
+                    <a:bodyPr/>
+                    <a:lstStyle/>
+                    <a:p>
+                      <a:pPr algn="ctr" latinLnBrk="1"/>
+                      <a:r>
+                        <a:rPr lang="en-US" altLang="ko-KR" sz="1400" b="0" dirty="0">
+                          <a:solidFill>
+                            <a:schemeClr val="tx1"/>
+                          </a:solidFill>
+                        </a:rPr>
+                        <a:t>[8]</a:t>
+                      </a:r>
+                      <a:endParaRPr lang="ko-KR" altLang="en-US" sz="1400" b="0" dirty="0">
+                        <a:solidFill>
+                          <a:schemeClr val="tx1"/>
+                        </a:solidFill>
+                      </a:endParaRPr>
+                    </a:p>
+                  </a:txBody>
+                  <a:tcPr anchor="ctr">
+                    <a:lnL w="12700" cmpd="sng">
+                      <a:noFill/>
+                    </a:lnL>
+                    <a:lnR w="12700" cap="flat" cmpd="sng" algn="ctr">
+                      <a:solidFill>
+                        <a:schemeClr val="tx1"/>
+                      </a:solidFill>
+                      <a:prstDash val="solid"/>
+                      <a:round/>
+                      <a:headEnd type="none" w="med" len="med"/>
+                      <a:tailEnd type="none" w="med" len="med"/>
+                    </a:lnR>
+                    <a:lnT w="12700" cmpd="sng">
+                      <a:noFill/>
+                    </a:lnT>
+                    <a:lnB w="12700" cmpd="sng">
+                      <a:noFill/>
+                    </a:lnB>
+                    <a:lnTlToBr w="12700" cmpd="sng">
+                      <a:noFill/>
+                      <a:prstDash val="solid"/>
+                    </a:lnTlToBr>
+                    <a:lnBlToTr w="12700" cmpd="sng">
+                      <a:noFill/>
+                      <a:prstDash val="solid"/>
+                    </a:lnBlToTr>
+                    <a:noFill/>
+                  </a:tcPr>
+                </a:tc>
+                <a:tc>
+                  <a:txBody>
+                    <a:bodyPr/>
+                    <a:lstStyle/>
+                    <a:p>
+                      <a:pPr algn="ctr" latinLnBrk="1"/>
+                      <a:r>
+                        <a:rPr lang="en-US" altLang="ko-KR" sz="1400" b="0" dirty="0">
+                          <a:solidFill>
+                            <a:schemeClr val="tx1"/>
+                          </a:solidFill>
+                        </a:rPr>
+                        <a:t>5</a:t>
+                      </a:r>
+                      <a:endParaRPr lang="ko-KR" altLang="en-US" sz="1400" b="0" dirty="0">
+                        <a:solidFill>
+                          <a:schemeClr val="tx1"/>
+                        </a:solidFill>
+                      </a:endParaRPr>
+                    </a:p>
+                  </a:txBody>
+                  <a:tcPr anchor="ctr">
+                    <a:lnL w="12700" cap="flat" cmpd="sng" algn="ctr">
+                      <a:solidFill>
+                        <a:schemeClr val="tx1"/>
+                      </a:solidFill>
+                      <a:prstDash val="solid"/>
+                      <a:round/>
+                      <a:headEnd type="none" w="med" len="med"/>
+                      <a:tailEnd type="none" w="med" len="med"/>
+                    </a:lnL>
+                    <a:lnR w="12700" cap="flat" cmpd="sng" algn="ctr">
+                      <a:solidFill>
+                        <a:schemeClr val="tx1"/>
+                      </a:solidFill>
+                      <a:prstDash val="solid"/>
+                      <a:round/>
+                      <a:headEnd type="none" w="med" len="med"/>
+                      <a:tailEnd type="none" w="med" len="med"/>
+                    </a:lnR>
+                    <a:lnT w="12700" cap="flat" cmpd="sng" algn="ctr">
+                      <a:solidFill>
+                        <a:schemeClr val="tx1"/>
+                      </a:solidFill>
+                      <a:prstDash val="solid"/>
+                      <a:round/>
+                      <a:headEnd type="none" w="med" len="med"/>
+                      <a:tailEnd type="none" w="med" len="med"/>
+                    </a:lnT>
+                    <a:lnB w="12700" cap="flat" cmpd="sng" algn="ctr">
+                      <a:solidFill>
+                        <a:schemeClr val="tx1"/>
+                      </a:solidFill>
+                      <a:prstDash val="solid"/>
+                      <a:round/>
+                      <a:headEnd type="none" w="med" len="med"/>
+                      <a:tailEnd type="none" w="med" len="med"/>
+                    </a:lnB>
+                    <a:lnTlToBr w="12700" cmpd="sng">
+                      <a:noFill/>
+                      <a:prstDash val="solid"/>
+                    </a:lnTlToBr>
+                    <a:lnBlToTr w="12700" cmpd="sng">
+                      <a:noFill/>
+                      <a:prstDash val="solid"/>
+                    </a:lnBlToTr>
+                    <a:noFill/>
+                  </a:tcPr>
+                </a:tc>
+                <a:tc>
+                  <a:txBody>
+                    <a:bodyPr/>
+                    <a:lstStyle/>
+                    <a:p>
+                      <a:pPr algn="ctr" latinLnBrk="1"/>
+                      <a:r>
+                        <a:rPr lang="en-US" altLang="ko-KR" sz="1400" b="0" dirty="0">
+                          <a:solidFill>
+                            <a:schemeClr val="tx1"/>
+                          </a:solidFill>
+                        </a:rPr>
+                        <a:t>5</a:t>
+                      </a:r>
+                      <a:endParaRPr lang="ko-KR" altLang="en-US" sz="1400" b="0" dirty="0">
+                        <a:solidFill>
+                          <a:schemeClr val="tx1"/>
+                        </a:solidFill>
+                      </a:endParaRPr>
+                    </a:p>
+                  </a:txBody>
+                  <a:tcPr anchor="ctr">
+                    <a:lnL w="12700" cap="flat" cmpd="sng" algn="ctr">
+                      <a:solidFill>
+                        <a:schemeClr val="tx1"/>
+                      </a:solidFill>
+                      <a:prstDash val="solid"/>
+                      <a:round/>
+                      <a:headEnd type="none" w="med" len="med"/>
+                      <a:tailEnd type="none" w="med" len="med"/>
+                    </a:lnL>
+                    <a:lnR w="12700" cap="flat" cmpd="sng" algn="ctr">
+                      <a:solidFill>
+                        <a:schemeClr val="tx1"/>
+                      </a:solidFill>
+                      <a:prstDash val="solid"/>
+                      <a:round/>
+                      <a:headEnd type="none" w="med" len="med"/>
+                      <a:tailEnd type="none" w="med" len="med"/>
+                    </a:lnR>
+                    <a:lnT w="12700" cap="flat" cmpd="sng" algn="ctr">
+                      <a:solidFill>
+                        <a:schemeClr val="tx1"/>
+                      </a:solidFill>
+                      <a:prstDash val="solid"/>
+                      <a:round/>
+                      <a:headEnd type="none" w="med" len="med"/>
+                      <a:tailEnd type="none" w="med" len="med"/>
+                    </a:lnT>
+                    <a:lnB w="12700" cap="flat" cmpd="sng" algn="ctr">
+                      <a:solidFill>
+                        <a:schemeClr val="tx1"/>
+                      </a:solidFill>
+                      <a:prstDash val="solid"/>
+                      <a:round/>
+                      <a:headEnd type="none" w="med" len="med"/>
+                      <a:tailEnd type="none" w="med" len="med"/>
+                    </a:lnB>
+                    <a:lnTlToBr w="12700" cmpd="sng">
+                      <a:noFill/>
+                      <a:prstDash val="solid"/>
+                    </a:lnTlToBr>
+                    <a:lnBlToTr w="12700" cmpd="sng">
+                      <a:noFill/>
+                      <a:prstDash val="solid"/>
+                    </a:lnBlToTr>
+                    <a:noFill/>
+                  </a:tcPr>
+                </a:tc>
+                <a:tc>
+                  <a:txBody>
+                    <a:bodyPr/>
+                    <a:lstStyle/>
+                    <a:p>
+                      <a:pPr algn="ctr" latinLnBrk="1"/>
+                      <a:r>
+                        <a:rPr lang="en-US" altLang="ko-KR" sz="1400" b="0" dirty="0">
+                          <a:solidFill>
+                            <a:schemeClr val="tx1"/>
+                          </a:solidFill>
+                        </a:rPr>
+                        <a:t>13</a:t>
+                      </a:r>
+                      <a:endParaRPr lang="ko-KR" altLang="en-US" sz="1400" b="0" dirty="0">
+                        <a:solidFill>
+                          <a:schemeClr val="tx1"/>
+                        </a:solidFill>
+                      </a:endParaRPr>
+                    </a:p>
+                  </a:txBody>
+                  <a:tcPr anchor="ctr">
+                    <a:lnL w="12700" cap="flat" cmpd="sng" algn="ctr">
+                      <a:solidFill>
+                        <a:schemeClr val="tx1"/>
+                      </a:solidFill>
+                      <a:prstDash val="solid"/>
+                      <a:round/>
+                      <a:headEnd type="none" w="med" len="med"/>
+                      <a:tailEnd type="none" w="med" len="med"/>
+                    </a:lnL>
+                    <a:lnR w="12700" cap="flat" cmpd="sng" algn="ctr">
+                      <a:solidFill>
+                        <a:schemeClr val="tx1"/>
+                      </a:solidFill>
+                      <a:prstDash val="solid"/>
+                      <a:round/>
+                      <a:headEnd type="none" w="med" len="med"/>
+                      <a:tailEnd type="none" w="med" len="med"/>
+                    </a:lnR>
+                    <a:lnT w="12700" cap="flat" cmpd="sng" algn="ctr">
+                      <a:solidFill>
+                        <a:schemeClr val="tx1"/>
+                      </a:solidFill>
+                      <a:prstDash val="solid"/>
+                      <a:round/>
+                      <a:headEnd type="none" w="med" len="med"/>
+                      <a:tailEnd type="none" w="med" len="med"/>
+                    </a:lnT>
+                    <a:lnB w="12700" cap="flat" cmpd="sng" algn="ctr">
+                      <a:solidFill>
+                        <a:schemeClr val="tx1"/>
+                      </a:solidFill>
+                      <a:prstDash val="solid"/>
+                      <a:round/>
+                      <a:headEnd type="none" w="med" len="med"/>
+                      <a:tailEnd type="none" w="med" len="med"/>
+                    </a:lnB>
+                    <a:lnTlToBr w="12700" cmpd="sng">
+                      <a:noFill/>
+                      <a:prstDash val="solid"/>
+                    </a:lnTlToBr>
+                    <a:lnBlToTr w="12700" cmpd="sng">
+                      <a:noFill/>
+                      <a:prstDash val="solid"/>
+                    </a:lnBlToTr>
+                    <a:noFill/>
+                  </a:tcPr>
+                </a:tc>
+                <a:extLst>
+                  <a:ext uri="{0D108BD9-81ED-4DB2-BD59-A6C34878D82A}">
+                    <a16:rowId xmlns:a16="http://schemas.microsoft.com/office/drawing/2014/main" val="3078451788"/>
+                  </a:ext>
+                </a:extLst>
+              </a:tr>
+            </a:tbl>
+          </a:graphicData>
+        </a:graphic>
+      </p:graphicFrame>
+    </p:spTree>
+    <p:extLst>
+      <p:ext uri="{BB962C8B-B14F-4D97-AF65-F5344CB8AC3E}">
+        <p14:creationId xmlns:p14="http://schemas.microsoft.com/office/powerpoint/2010/main" val="2801462730"/>
+      </p:ext>
+    </p:extLst>
+  </p:cSld>
+  <p:clrMapOvr>
+    <a:masterClrMapping/>
+  </p:clrMapOvr>
+</p:sld>
+</file>
+
 <file path=ppt/theme/theme1.xml><?xml version="1.0" encoding="utf-8"?>
 <a:theme xmlns:a="http://schemas.openxmlformats.org/drawingml/2006/main" name="Office 테마">
   <a:themeElements>

--- a/assets/form/matrix.pptx
+++ b/assets/form/matrix.pptx
@@ -7,7 +7,8 @@
   <p:sldIdLst>
     <p:sldId id="256" r:id="rId2"/>
     <p:sldId id="257" r:id="rId3"/>
-    <p:sldId id="258" r:id="rId4"/>
+    <p:sldId id="259" r:id="rId4"/>
+    <p:sldId id="258" r:id="rId5"/>
   </p:sldIdLst>
   <p:sldSz cx="12192000" cy="6858000"/>
   <p:notesSz cx="6858000" cy="9144000"/>
@@ -261,9 +262,9 @@
           <a:p>
             <a:fld id="{C33B33F7-DDCE-4A4A-93D2-3E7ADEC868BC}" type="datetimeFigureOut">
               <a:rPr lang="ko-KR" altLang="en-US" smtClean="0"/>
-              <a:t>2019-07-22</a:t>
+              <a:t>2019-07-24</a:t>
             </a:fld>
-            <a:endParaRPr lang="ko-KR" altLang="en-US"/>
+            <a:endParaRPr lang="ko-KR" altLang="en-US" dirty="0"/>
           </a:p>
         </p:txBody>
       </p:sp>
@@ -288,7 +289,7 @@
           <a:bodyPr/>
           <a:lstStyle/>
           <a:p>
-            <a:endParaRPr lang="ko-KR" altLang="en-US"/>
+            <a:endParaRPr lang="ko-KR" altLang="en-US" dirty="0"/>
           </a:p>
         </p:txBody>
       </p:sp>
@@ -317,7 +318,7 @@
               <a:rPr lang="ko-KR" altLang="en-US" smtClean="0"/>
               <a:t>‹#›</a:t>
             </a:fld>
-            <a:endParaRPr lang="ko-KR" altLang="en-US"/>
+            <a:endParaRPr lang="ko-KR" altLang="en-US" dirty="0"/>
           </a:p>
         </p:txBody>
       </p:sp>
@@ -459,9 +460,9 @@
           <a:p>
             <a:fld id="{C33B33F7-DDCE-4A4A-93D2-3E7ADEC868BC}" type="datetimeFigureOut">
               <a:rPr lang="ko-KR" altLang="en-US" smtClean="0"/>
-              <a:t>2019-07-22</a:t>
+              <a:t>2019-07-24</a:t>
             </a:fld>
-            <a:endParaRPr lang="ko-KR" altLang="en-US"/>
+            <a:endParaRPr lang="ko-KR" altLang="en-US" dirty="0"/>
           </a:p>
         </p:txBody>
       </p:sp>
@@ -486,7 +487,7 @@
           <a:bodyPr/>
           <a:lstStyle/>
           <a:p>
-            <a:endParaRPr lang="ko-KR" altLang="en-US"/>
+            <a:endParaRPr lang="ko-KR" altLang="en-US" dirty="0"/>
           </a:p>
         </p:txBody>
       </p:sp>
@@ -515,7 +516,7 @@
               <a:rPr lang="ko-KR" altLang="en-US" smtClean="0"/>
               <a:t>‹#›</a:t>
             </a:fld>
-            <a:endParaRPr lang="ko-KR" altLang="en-US"/>
+            <a:endParaRPr lang="ko-KR" altLang="en-US" dirty="0"/>
           </a:p>
         </p:txBody>
       </p:sp>
@@ -667,9 +668,9 @@
           <a:p>
             <a:fld id="{C33B33F7-DDCE-4A4A-93D2-3E7ADEC868BC}" type="datetimeFigureOut">
               <a:rPr lang="ko-KR" altLang="en-US" smtClean="0"/>
-              <a:t>2019-07-22</a:t>
+              <a:t>2019-07-24</a:t>
             </a:fld>
-            <a:endParaRPr lang="ko-KR" altLang="en-US"/>
+            <a:endParaRPr lang="ko-KR" altLang="en-US" dirty="0"/>
           </a:p>
         </p:txBody>
       </p:sp>
@@ -694,7 +695,7 @@
           <a:bodyPr/>
           <a:lstStyle/>
           <a:p>
-            <a:endParaRPr lang="ko-KR" altLang="en-US"/>
+            <a:endParaRPr lang="ko-KR" altLang="en-US" dirty="0"/>
           </a:p>
         </p:txBody>
       </p:sp>
@@ -723,7 +724,7 @@
               <a:rPr lang="ko-KR" altLang="en-US" smtClean="0"/>
               <a:t>‹#›</a:t>
             </a:fld>
-            <a:endParaRPr lang="ko-KR" altLang="en-US"/>
+            <a:endParaRPr lang="ko-KR" altLang="en-US" dirty="0"/>
           </a:p>
         </p:txBody>
       </p:sp>
@@ -865,9 +866,9 @@
           <a:p>
             <a:fld id="{C33B33F7-DDCE-4A4A-93D2-3E7ADEC868BC}" type="datetimeFigureOut">
               <a:rPr lang="ko-KR" altLang="en-US" smtClean="0"/>
-              <a:t>2019-07-22</a:t>
+              <a:t>2019-07-24</a:t>
             </a:fld>
-            <a:endParaRPr lang="ko-KR" altLang="en-US"/>
+            <a:endParaRPr lang="ko-KR" altLang="en-US" dirty="0"/>
           </a:p>
         </p:txBody>
       </p:sp>
@@ -892,7 +893,7 @@
           <a:bodyPr/>
           <a:lstStyle/>
           <a:p>
-            <a:endParaRPr lang="ko-KR" altLang="en-US"/>
+            <a:endParaRPr lang="ko-KR" altLang="en-US" dirty="0"/>
           </a:p>
         </p:txBody>
       </p:sp>
@@ -921,7 +922,7 @@
               <a:rPr lang="ko-KR" altLang="en-US" smtClean="0"/>
               <a:t>‹#›</a:t>
             </a:fld>
-            <a:endParaRPr lang="ko-KR" altLang="en-US"/>
+            <a:endParaRPr lang="ko-KR" altLang="en-US" dirty="0"/>
           </a:p>
         </p:txBody>
       </p:sp>
@@ -1140,9 +1141,9 @@
           <a:p>
             <a:fld id="{C33B33F7-DDCE-4A4A-93D2-3E7ADEC868BC}" type="datetimeFigureOut">
               <a:rPr lang="ko-KR" altLang="en-US" smtClean="0"/>
-              <a:t>2019-07-22</a:t>
+              <a:t>2019-07-24</a:t>
             </a:fld>
-            <a:endParaRPr lang="ko-KR" altLang="en-US"/>
+            <a:endParaRPr lang="ko-KR" altLang="en-US" dirty="0"/>
           </a:p>
         </p:txBody>
       </p:sp>
@@ -1167,7 +1168,7 @@
           <a:bodyPr/>
           <a:lstStyle/>
           <a:p>
-            <a:endParaRPr lang="ko-KR" altLang="en-US"/>
+            <a:endParaRPr lang="ko-KR" altLang="en-US" dirty="0"/>
           </a:p>
         </p:txBody>
       </p:sp>
@@ -1196,7 +1197,7 @@
               <a:rPr lang="ko-KR" altLang="en-US" smtClean="0"/>
               <a:t>‹#›</a:t>
             </a:fld>
-            <a:endParaRPr lang="ko-KR" altLang="en-US"/>
+            <a:endParaRPr lang="ko-KR" altLang="en-US" dirty="0"/>
           </a:p>
         </p:txBody>
       </p:sp>
@@ -1405,9 +1406,9 @@
           <a:p>
             <a:fld id="{C33B33F7-DDCE-4A4A-93D2-3E7ADEC868BC}" type="datetimeFigureOut">
               <a:rPr lang="ko-KR" altLang="en-US" smtClean="0"/>
-              <a:t>2019-07-22</a:t>
+              <a:t>2019-07-24</a:t>
             </a:fld>
-            <a:endParaRPr lang="ko-KR" altLang="en-US"/>
+            <a:endParaRPr lang="ko-KR" altLang="en-US" dirty="0"/>
           </a:p>
         </p:txBody>
       </p:sp>
@@ -1432,7 +1433,7 @@
           <a:bodyPr/>
           <a:lstStyle/>
           <a:p>
-            <a:endParaRPr lang="ko-KR" altLang="en-US"/>
+            <a:endParaRPr lang="ko-KR" altLang="en-US" dirty="0"/>
           </a:p>
         </p:txBody>
       </p:sp>
@@ -1461,7 +1462,7 @@
               <a:rPr lang="ko-KR" altLang="en-US" smtClean="0"/>
               <a:t>‹#›</a:t>
             </a:fld>
-            <a:endParaRPr lang="ko-KR" altLang="en-US"/>
+            <a:endParaRPr lang="ko-KR" altLang="en-US" dirty="0"/>
           </a:p>
         </p:txBody>
       </p:sp>
@@ -1817,9 +1818,9 @@
           <a:p>
             <a:fld id="{C33B33F7-DDCE-4A4A-93D2-3E7ADEC868BC}" type="datetimeFigureOut">
               <a:rPr lang="ko-KR" altLang="en-US" smtClean="0"/>
-              <a:t>2019-07-22</a:t>
+              <a:t>2019-07-24</a:t>
             </a:fld>
-            <a:endParaRPr lang="ko-KR" altLang="en-US"/>
+            <a:endParaRPr lang="ko-KR" altLang="en-US" dirty="0"/>
           </a:p>
         </p:txBody>
       </p:sp>
@@ -1844,7 +1845,7 @@
           <a:bodyPr/>
           <a:lstStyle/>
           <a:p>
-            <a:endParaRPr lang="ko-KR" altLang="en-US"/>
+            <a:endParaRPr lang="ko-KR" altLang="en-US" dirty="0"/>
           </a:p>
         </p:txBody>
       </p:sp>
@@ -1873,7 +1874,7 @@
               <a:rPr lang="ko-KR" altLang="en-US" smtClean="0"/>
               <a:t>‹#›</a:t>
             </a:fld>
-            <a:endParaRPr lang="ko-KR" altLang="en-US"/>
+            <a:endParaRPr lang="ko-KR" altLang="en-US" dirty="0"/>
           </a:p>
         </p:txBody>
       </p:sp>
@@ -1958,9 +1959,9 @@
           <a:p>
             <a:fld id="{C33B33F7-DDCE-4A4A-93D2-3E7ADEC868BC}" type="datetimeFigureOut">
               <a:rPr lang="ko-KR" altLang="en-US" smtClean="0"/>
-              <a:t>2019-07-22</a:t>
+              <a:t>2019-07-24</a:t>
             </a:fld>
-            <a:endParaRPr lang="ko-KR" altLang="en-US"/>
+            <a:endParaRPr lang="ko-KR" altLang="en-US" dirty="0"/>
           </a:p>
         </p:txBody>
       </p:sp>
@@ -1985,7 +1986,7 @@
           <a:bodyPr/>
           <a:lstStyle/>
           <a:p>
-            <a:endParaRPr lang="ko-KR" altLang="en-US"/>
+            <a:endParaRPr lang="ko-KR" altLang="en-US" dirty="0"/>
           </a:p>
         </p:txBody>
       </p:sp>
@@ -2014,7 +2015,7 @@
               <a:rPr lang="ko-KR" altLang="en-US" smtClean="0"/>
               <a:t>‹#›</a:t>
             </a:fld>
-            <a:endParaRPr lang="ko-KR" altLang="en-US"/>
+            <a:endParaRPr lang="ko-KR" altLang="en-US" dirty="0"/>
           </a:p>
         </p:txBody>
       </p:sp>
@@ -2071,9 +2072,9 @@
           <a:p>
             <a:fld id="{C33B33F7-DDCE-4A4A-93D2-3E7ADEC868BC}" type="datetimeFigureOut">
               <a:rPr lang="ko-KR" altLang="en-US" smtClean="0"/>
-              <a:t>2019-07-22</a:t>
+              <a:t>2019-07-24</a:t>
             </a:fld>
-            <a:endParaRPr lang="ko-KR" altLang="en-US"/>
+            <a:endParaRPr lang="ko-KR" altLang="en-US" dirty="0"/>
           </a:p>
         </p:txBody>
       </p:sp>
@@ -2098,7 +2099,7 @@
           <a:bodyPr/>
           <a:lstStyle/>
           <a:p>
-            <a:endParaRPr lang="ko-KR" altLang="en-US"/>
+            <a:endParaRPr lang="ko-KR" altLang="en-US" dirty="0"/>
           </a:p>
         </p:txBody>
       </p:sp>
@@ -2127,7 +2128,7 @@
               <a:rPr lang="ko-KR" altLang="en-US" smtClean="0"/>
               <a:t>‹#›</a:t>
             </a:fld>
-            <a:endParaRPr lang="ko-KR" altLang="en-US"/>
+            <a:endParaRPr lang="ko-KR" altLang="en-US" dirty="0"/>
           </a:p>
         </p:txBody>
       </p:sp>
@@ -2382,9 +2383,9 @@
           <a:p>
             <a:fld id="{C33B33F7-DDCE-4A4A-93D2-3E7ADEC868BC}" type="datetimeFigureOut">
               <a:rPr lang="ko-KR" altLang="en-US" smtClean="0"/>
-              <a:t>2019-07-22</a:t>
+              <a:t>2019-07-24</a:t>
             </a:fld>
-            <a:endParaRPr lang="ko-KR" altLang="en-US"/>
+            <a:endParaRPr lang="ko-KR" altLang="en-US" dirty="0"/>
           </a:p>
         </p:txBody>
       </p:sp>
@@ -2409,7 +2410,7 @@
           <a:bodyPr/>
           <a:lstStyle/>
           <a:p>
-            <a:endParaRPr lang="ko-KR" altLang="en-US"/>
+            <a:endParaRPr lang="ko-KR" altLang="en-US" dirty="0"/>
           </a:p>
         </p:txBody>
       </p:sp>
@@ -2438,7 +2439,7 @@
               <a:rPr lang="ko-KR" altLang="en-US" smtClean="0"/>
               <a:t>‹#›</a:t>
             </a:fld>
-            <a:endParaRPr lang="ko-KR" altLang="en-US"/>
+            <a:endParaRPr lang="ko-KR" altLang="en-US" dirty="0"/>
           </a:p>
         </p:txBody>
       </p:sp>
@@ -2572,7 +2573,7 @@
             </a:lvl9pPr>
           </a:lstStyle>
           <a:p>
-            <a:endParaRPr lang="ko-KR" altLang="en-US"/>
+            <a:endParaRPr lang="ko-KR" altLang="en-US" dirty="0"/>
           </a:p>
         </p:txBody>
       </p:sp>
@@ -2670,9 +2671,9 @@
           <a:p>
             <a:fld id="{C33B33F7-DDCE-4A4A-93D2-3E7ADEC868BC}" type="datetimeFigureOut">
               <a:rPr lang="ko-KR" altLang="en-US" smtClean="0"/>
-              <a:t>2019-07-22</a:t>
+              <a:t>2019-07-24</a:t>
             </a:fld>
-            <a:endParaRPr lang="ko-KR" altLang="en-US"/>
+            <a:endParaRPr lang="ko-KR" altLang="en-US" dirty="0"/>
           </a:p>
         </p:txBody>
       </p:sp>
@@ -2697,7 +2698,7 @@
           <a:bodyPr/>
           <a:lstStyle/>
           <a:p>
-            <a:endParaRPr lang="ko-KR" altLang="en-US"/>
+            <a:endParaRPr lang="ko-KR" altLang="en-US" dirty="0"/>
           </a:p>
         </p:txBody>
       </p:sp>
@@ -2726,7 +2727,7 @@
               <a:rPr lang="ko-KR" altLang="en-US" smtClean="0"/>
               <a:t>‹#›</a:t>
             </a:fld>
-            <a:endParaRPr lang="ko-KR" altLang="en-US"/>
+            <a:endParaRPr lang="ko-KR" altLang="en-US" dirty="0"/>
           </a:p>
         </p:txBody>
       </p:sp>
@@ -2911,9 +2912,9 @@
           <a:p>
             <a:fld id="{C33B33F7-DDCE-4A4A-93D2-3E7ADEC868BC}" type="datetimeFigureOut">
               <a:rPr lang="ko-KR" altLang="en-US" smtClean="0"/>
-              <a:t>2019-07-22</a:t>
+              <a:t>2019-07-24</a:t>
             </a:fld>
-            <a:endParaRPr lang="ko-KR" altLang="en-US"/>
+            <a:endParaRPr lang="ko-KR" altLang="en-US" dirty="0"/>
           </a:p>
         </p:txBody>
       </p:sp>
@@ -2956,7 +2957,7 @@
             </a:lvl1pPr>
           </a:lstStyle>
           <a:p>
-            <a:endParaRPr lang="ko-KR" altLang="en-US"/>
+            <a:endParaRPr lang="ko-KR" altLang="en-US" dirty="0"/>
           </a:p>
         </p:txBody>
       </p:sp>
@@ -3003,7 +3004,7 @@
               <a:rPr lang="ko-KR" altLang="en-US" smtClean="0"/>
               <a:t>‹#›</a:t>
             </a:fld>
-            <a:endParaRPr lang="ko-KR" altLang="en-US"/>
+            <a:endParaRPr lang="ko-KR" altLang="en-US" dirty="0"/>
           </a:p>
         </p:txBody>
       </p:sp>
@@ -14018,6 +14019,2396 @@
           <p:nvPr>
             <p:extLst>
               <p:ext uri="{D42A27DB-BD31-4B8C-83A1-F6EECF244321}">
+                <p14:modId xmlns:p14="http://schemas.microsoft.com/office/powerpoint/2010/main" val="3501958476"/>
+              </p:ext>
+            </p:extLst>
+          </p:nvPr>
+        </p:nvGraphicFramePr>
+        <p:xfrm>
+          <a:off x="2032000" y="2415116"/>
+          <a:ext cx="4692648" cy="2225040"/>
+        </p:xfrm>
+        <a:graphic>
+          <a:graphicData uri="http://schemas.openxmlformats.org/drawingml/2006/table">
+            <a:tbl>
+              <a:tblPr firstRow="1" bandRow="1">
+                <a:tableStyleId>{5C22544A-7EE6-4342-B048-85BDC9FD1C3A}</a:tableStyleId>
+              </a:tblPr>
+              <a:tblGrid>
+                <a:gridCol w="782108">
+                  <a:extLst>
+                    <a:ext uri="{9D8B030D-6E8A-4147-A177-3AD203B41FA5}">
+                      <a16:colId xmlns:a16="http://schemas.microsoft.com/office/drawing/2014/main" val="284153145"/>
+                    </a:ext>
+                  </a:extLst>
+                </a:gridCol>
+                <a:gridCol w="782108">
+                  <a:extLst>
+                    <a:ext uri="{9D8B030D-6E8A-4147-A177-3AD203B41FA5}">
+                      <a16:colId xmlns:a16="http://schemas.microsoft.com/office/drawing/2014/main" val="2948392488"/>
+                    </a:ext>
+                  </a:extLst>
+                </a:gridCol>
+                <a:gridCol w="782108">
+                  <a:extLst>
+                    <a:ext uri="{9D8B030D-6E8A-4147-A177-3AD203B41FA5}">
+                      <a16:colId xmlns:a16="http://schemas.microsoft.com/office/drawing/2014/main" val="1729085481"/>
+                    </a:ext>
+                  </a:extLst>
+                </a:gridCol>
+                <a:gridCol w="782108">
+                  <a:extLst>
+                    <a:ext uri="{9D8B030D-6E8A-4147-A177-3AD203B41FA5}">
+                      <a16:colId xmlns:a16="http://schemas.microsoft.com/office/drawing/2014/main" val="1298742676"/>
+                    </a:ext>
+                  </a:extLst>
+                </a:gridCol>
+                <a:gridCol w="782108">
+                  <a:extLst>
+                    <a:ext uri="{9D8B030D-6E8A-4147-A177-3AD203B41FA5}">
+                      <a16:colId xmlns:a16="http://schemas.microsoft.com/office/drawing/2014/main" val="1374484407"/>
+                    </a:ext>
+                  </a:extLst>
+                </a:gridCol>
+                <a:gridCol w="782108">
+                  <a:extLst>
+                    <a:ext uri="{9D8B030D-6E8A-4147-A177-3AD203B41FA5}">
+                      <a16:colId xmlns:a16="http://schemas.microsoft.com/office/drawing/2014/main" val="698852505"/>
+                    </a:ext>
+                  </a:extLst>
+                </a:gridCol>
+              </a:tblGrid>
+              <a:tr h="370840">
+                <a:tc>
+                  <a:txBody>
+                    <a:bodyPr/>
+                    <a:lstStyle/>
+                    <a:p>
+                      <a:pPr algn="ctr" latinLnBrk="1"/>
+                      <a:r>
+                        <a:rPr lang="en-US" altLang="ko-KR" sz="1400" b="0" dirty="0">
+                          <a:solidFill>
+                            <a:schemeClr val="tx1"/>
+                          </a:solidFill>
+                        </a:rPr>
+                        <a:t>Cho</a:t>
+                      </a:r>
+                      <a:endParaRPr lang="ko-KR" altLang="en-US" sz="1400" b="0" dirty="0">
+                        <a:solidFill>
+                          <a:schemeClr val="tx1"/>
+                        </a:solidFill>
+                      </a:endParaRPr>
+                    </a:p>
+                  </a:txBody>
+                  <a:tcPr anchor="ctr">
+                    <a:lnL w="12700" cap="flat" cmpd="sng" algn="ctr">
+                      <a:solidFill>
+                        <a:schemeClr val="tx1"/>
+                      </a:solidFill>
+                      <a:prstDash val="solid"/>
+                      <a:round/>
+                      <a:headEnd type="none" w="med" len="med"/>
+                      <a:tailEnd type="none" w="med" len="med"/>
+                    </a:lnL>
+                    <a:lnR w="12700" cap="flat" cmpd="sng" algn="ctr">
+                      <a:solidFill>
+                        <a:schemeClr val="tx1"/>
+                      </a:solidFill>
+                      <a:prstDash val="solid"/>
+                      <a:round/>
+                      <a:headEnd type="none" w="med" len="med"/>
+                      <a:tailEnd type="none" w="med" len="med"/>
+                    </a:lnR>
+                    <a:lnT w="12700" cap="flat" cmpd="sng" algn="ctr">
+                      <a:solidFill>
+                        <a:schemeClr val="tx1"/>
+                      </a:solidFill>
+                      <a:prstDash val="solid"/>
+                      <a:round/>
+                      <a:headEnd type="none" w="med" len="med"/>
+                      <a:tailEnd type="none" w="med" len="med"/>
+                    </a:lnT>
+                    <a:lnB w="12700" cap="flat" cmpd="sng" algn="ctr">
+                      <a:solidFill>
+                        <a:schemeClr val="tx1"/>
+                      </a:solidFill>
+                      <a:prstDash val="solid"/>
+                      <a:round/>
+                      <a:headEnd type="none" w="med" len="med"/>
+                      <a:tailEnd type="none" w="med" len="med"/>
+                    </a:lnB>
+                    <a:lnTlToBr w="12700" cmpd="sng">
+                      <a:noFill/>
+                      <a:prstDash val="solid"/>
+                    </a:lnTlToBr>
+                    <a:lnBlToTr w="12700" cmpd="sng">
+                      <a:noFill/>
+                      <a:prstDash val="solid"/>
+                    </a:lnBlToTr>
+                    <a:noFill/>
+                  </a:tcPr>
+                </a:tc>
+                <a:tc>
+                  <a:txBody>
+                    <a:bodyPr/>
+                    <a:lstStyle/>
+                    <a:p>
+                      <a:pPr algn="ctr" latinLnBrk="1"/>
+                      <a:r>
+                        <a:rPr lang="en-US" altLang="ko-KR" sz="1400" b="0" dirty="0">
+                          <a:solidFill>
+                            <a:schemeClr val="tx1"/>
+                          </a:solidFill>
+                        </a:rPr>
+                        <a:t>Kim</a:t>
+                      </a:r>
+                      <a:endParaRPr lang="ko-KR" altLang="en-US" sz="1400" b="0" dirty="0">
+                        <a:solidFill>
+                          <a:schemeClr val="tx1"/>
+                        </a:solidFill>
+                      </a:endParaRPr>
+                    </a:p>
+                  </a:txBody>
+                  <a:tcPr anchor="ctr">
+                    <a:lnL w="12700" cap="flat" cmpd="sng" algn="ctr">
+                      <a:solidFill>
+                        <a:schemeClr val="tx1"/>
+                      </a:solidFill>
+                      <a:prstDash val="solid"/>
+                      <a:round/>
+                      <a:headEnd type="none" w="med" len="med"/>
+                      <a:tailEnd type="none" w="med" len="med"/>
+                    </a:lnL>
+                    <a:lnR w="12700" cap="flat" cmpd="sng" algn="ctr">
+                      <a:solidFill>
+                        <a:schemeClr val="tx1"/>
+                      </a:solidFill>
+                      <a:prstDash val="solid"/>
+                      <a:round/>
+                      <a:headEnd type="none" w="med" len="med"/>
+                      <a:tailEnd type="none" w="med" len="med"/>
+                    </a:lnR>
+                    <a:lnT w="12700" cap="flat" cmpd="sng" algn="ctr">
+                      <a:solidFill>
+                        <a:schemeClr val="tx1"/>
+                      </a:solidFill>
+                      <a:prstDash val="solid"/>
+                      <a:round/>
+                      <a:headEnd type="none" w="med" len="med"/>
+                      <a:tailEnd type="none" w="med" len="med"/>
+                    </a:lnT>
+                    <a:lnB w="12700" cap="flat" cmpd="sng" algn="ctr">
+                      <a:solidFill>
+                        <a:schemeClr val="tx1"/>
+                      </a:solidFill>
+                      <a:prstDash val="solid"/>
+                      <a:round/>
+                      <a:headEnd type="none" w="med" len="med"/>
+                      <a:tailEnd type="none" w="med" len="med"/>
+                    </a:lnB>
+                    <a:lnTlToBr w="12700" cmpd="sng">
+                      <a:noFill/>
+                      <a:prstDash val="solid"/>
+                    </a:lnTlToBr>
+                    <a:lnBlToTr w="12700" cmpd="sng">
+                      <a:noFill/>
+                      <a:prstDash val="solid"/>
+                    </a:lnBlToTr>
+                    <a:noFill/>
+                  </a:tcPr>
+                </a:tc>
+                <a:tc>
+                  <a:txBody>
+                    <a:bodyPr/>
+                    <a:lstStyle/>
+                    <a:p>
+                      <a:pPr algn="ctr" latinLnBrk="1"/>
+                      <a:r>
+                        <a:rPr lang="en-US" altLang="ko-KR" sz="1400" b="0" dirty="0">
+                          <a:solidFill>
+                            <a:schemeClr val="tx1"/>
+                          </a:solidFill>
+                        </a:rPr>
+                        <a:t>Lee</a:t>
+                      </a:r>
+                      <a:endParaRPr lang="ko-KR" altLang="en-US" sz="1400" b="0" dirty="0">
+                        <a:solidFill>
+                          <a:schemeClr val="tx1"/>
+                        </a:solidFill>
+                      </a:endParaRPr>
+                    </a:p>
+                  </a:txBody>
+                  <a:tcPr anchor="ctr">
+                    <a:lnL w="12700" cap="flat" cmpd="sng" algn="ctr">
+                      <a:solidFill>
+                        <a:schemeClr val="tx1"/>
+                      </a:solidFill>
+                      <a:prstDash val="solid"/>
+                      <a:round/>
+                      <a:headEnd type="none" w="med" len="med"/>
+                      <a:tailEnd type="none" w="med" len="med"/>
+                    </a:lnL>
+                    <a:lnR w="12700" cap="flat" cmpd="sng" algn="ctr">
+                      <a:solidFill>
+                        <a:schemeClr val="tx1"/>
+                      </a:solidFill>
+                      <a:prstDash val="solid"/>
+                      <a:round/>
+                      <a:headEnd type="none" w="med" len="med"/>
+                      <a:tailEnd type="none" w="med" len="med"/>
+                    </a:lnR>
+                    <a:lnT w="12700" cap="flat" cmpd="sng" algn="ctr">
+                      <a:solidFill>
+                        <a:schemeClr val="tx1"/>
+                      </a:solidFill>
+                      <a:prstDash val="solid"/>
+                      <a:round/>
+                      <a:headEnd type="none" w="med" len="med"/>
+                      <a:tailEnd type="none" w="med" len="med"/>
+                    </a:lnT>
+                    <a:lnB w="12700" cap="flat" cmpd="sng" algn="ctr">
+                      <a:solidFill>
+                        <a:schemeClr val="tx1"/>
+                      </a:solidFill>
+                      <a:prstDash val="solid"/>
+                      <a:round/>
+                      <a:headEnd type="none" w="med" len="med"/>
+                      <a:tailEnd type="none" w="med" len="med"/>
+                    </a:lnB>
+                    <a:lnTlToBr w="12700" cmpd="sng">
+                      <a:noFill/>
+                      <a:prstDash val="solid"/>
+                    </a:lnTlToBr>
+                    <a:lnBlToTr w="12700" cmpd="sng">
+                      <a:noFill/>
+                      <a:prstDash val="solid"/>
+                    </a:lnBlToTr>
+                    <a:noFill/>
+                  </a:tcPr>
+                </a:tc>
+                <a:tc>
+                  <a:txBody>
+                    <a:bodyPr/>
+                    <a:lstStyle/>
+                    <a:p>
+                      <a:pPr algn="ctr" latinLnBrk="1"/>
+                      <a:r>
+                        <a:rPr lang="en-US" altLang="ko-KR" sz="1400" b="0" dirty="0">
+                          <a:solidFill>
+                            <a:schemeClr val="tx1"/>
+                          </a:solidFill>
+                        </a:rPr>
+                        <a:t>Park</a:t>
+                      </a:r>
+                      <a:endParaRPr lang="ko-KR" altLang="en-US" sz="1400" b="0" dirty="0">
+                        <a:solidFill>
+                          <a:schemeClr val="tx1"/>
+                        </a:solidFill>
+                      </a:endParaRPr>
+                    </a:p>
+                  </a:txBody>
+                  <a:tcPr anchor="ctr">
+                    <a:lnL w="12700" cap="flat" cmpd="sng" algn="ctr">
+                      <a:solidFill>
+                        <a:schemeClr val="tx1"/>
+                      </a:solidFill>
+                      <a:prstDash val="solid"/>
+                      <a:round/>
+                      <a:headEnd type="none" w="med" len="med"/>
+                      <a:tailEnd type="none" w="med" len="med"/>
+                    </a:lnL>
+                    <a:lnR w="12700" cap="flat" cmpd="sng" algn="ctr">
+                      <a:solidFill>
+                        <a:schemeClr val="tx1"/>
+                      </a:solidFill>
+                      <a:prstDash val="solid"/>
+                      <a:round/>
+                      <a:headEnd type="none" w="med" len="med"/>
+                      <a:tailEnd type="none" w="med" len="med"/>
+                    </a:lnR>
+                    <a:lnT w="12700" cap="flat" cmpd="sng" algn="ctr">
+                      <a:solidFill>
+                        <a:schemeClr val="tx1"/>
+                      </a:solidFill>
+                      <a:prstDash val="solid"/>
+                      <a:round/>
+                      <a:headEnd type="none" w="med" len="med"/>
+                      <a:tailEnd type="none" w="med" len="med"/>
+                    </a:lnT>
+                    <a:lnB w="12700" cap="flat" cmpd="sng" algn="ctr">
+                      <a:solidFill>
+                        <a:schemeClr val="tx1"/>
+                      </a:solidFill>
+                      <a:prstDash val="solid"/>
+                      <a:round/>
+                      <a:headEnd type="none" w="med" len="med"/>
+                      <a:tailEnd type="none" w="med" len="med"/>
+                    </a:lnB>
+                    <a:lnTlToBr w="12700" cmpd="sng">
+                      <a:noFill/>
+                      <a:prstDash val="solid"/>
+                    </a:lnTlToBr>
+                    <a:lnBlToTr w="12700" cmpd="sng">
+                      <a:noFill/>
+                      <a:prstDash val="solid"/>
+                    </a:lnBlToTr>
+                    <a:noFill/>
+                  </a:tcPr>
+                </a:tc>
+                <a:tc>
+                  <a:txBody>
+                    <a:bodyPr/>
+                    <a:lstStyle/>
+                    <a:p>
+                      <a:pPr algn="ctr" latinLnBrk="1"/>
+                      <a:r>
+                        <a:rPr lang="en-US" altLang="ko-KR" sz="1400" b="0" dirty="0">
+                          <a:solidFill>
+                            <a:schemeClr val="tx1"/>
+                          </a:solidFill>
+                        </a:rPr>
+                        <a:t>Yoo</a:t>
+                      </a:r>
+                      <a:endParaRPr lang="ko-KR" altLang="en-US" sz="1400" b="0" dirty="0">
+                        <a:solidFill>
+                          <a:schemeClr val="tx1"/>
+                        </a:solidFill>
+                      </a:endParaRPr>
+                    </a:p>
+                  </a:txBody>
+                  <a:tcPr anchor="ctr">
+                    <a:lnL w="12700" cap="flat" cmpd="sng" algn="ctr">
+                      <a:solidFill>
+                        <a:schemeClr val="tx1"/>
+                      </a:solidFill>
+                      <a:prstDash val="solid"/>
+                      <a:round/>
+                      <a:headEnd type="none" w="med" len="med"/>
+                      <a:tailEnd type="none" w="med" len="med"/>
+                    </a:lnL>
+                    <a:lnR w="12700" cap="flat" cmpd="sng" algn="ctr">
+                      <a:solidFill>
+                        <a:schemeClr val="tx1"/>
+                      </a:solidFill>
+                      <a:prstDash val="solid"/>
+                      <a:round/>
+                      <a:headEnd type="none" w="med" len="med"/>
+                      <a:tailEnd type="none" w="med" len="med"/>
+                    </a:lnR>
+                    <a:lnT w="12700" cap="flat" cmpd="sng" algn="ctr">
+                      <a:solidFill>
+                        <a:schemeClr val="tx1"/>
+                      </a:solidFill>
+                      <a:prstDash val="solid"/>
+                      <a:round/>
+                      <a:headEnd type="none" w="med" len="med"/>
+                      <a:tailEnd type="none" w="med" len="med"/>
+                    </a:lnT>
+                    <a:lnB w="12700" cap="flat" cmpd="sng" algn="ctr">
+                      <a:solidFill>
+                        <a:schemeClr val="tx1"/>
+                      </a:solidFill>
+                      <a:prstDash val="solid"/>
+                      <a:round/>
+                      <a:headEnd type="none" w="med" len="med"/>
+                      <a:tailEnd type="none" w="med" len="med"/>
+                    </a:lnB>
+                    <a:lnTlToBr w="12700" cmpd="sng">
+                      <a:noFill/>
+                      <a:prstDash val="solid"/>
+                    </a:lnTlToBr>
+                    <a:lnBlToTr w="12700" cmpd="sng">
+                      <a:noFill/>
+                      <a:prstDash val="solid"/>
+                    </a:lnBlToTr>
+                    <a:noFill/>
+                  </a:tcPr>
+                </a:tc>
+                <a:tc>
+                  <a:txBody>
+                    <a:bodyPr/>
+                    <a:lstStyle/>
+                    <a:p>
+                      <a:pPr algn="ctr" latinLnBrk="1"/>
+                      <a:endParaRPr lang="ko-KR" altLang="en-US" sz="1400" b="0" dirty="0">
+                        <a:solidFill>
+                          <a:schemeClr val="tx1"/>
+                        </a:solidFill>
+                      </a:endParaRPr>
+                    </a:p>
+                  </a:txBody>
+                  <a:tcPr anchor="ctr">
+                    <a:lnL w="12700" cap="flat" cmpd="sng" algn="ctr">
+                      <a:solidFill>
+                        <a:schemeClr val="tx1"/>
+                      </a:solidFill>
+                      <a:prstDash val="solid"/>
+                      <a:round/>
+                      <a:headEnd type="none" w="med" len="med"/>
+                      <a:tailEnd type="none" w="med" len="med"/>
+                    </a:lnL>
+                    <a:lnR w="12700" cap="flat" cmpd="sng" algn="ctr">
+                      <a:solidFill>
+                        <a:schemeClr val="tx1"/>
+                      </a:solidFill>
+                      <a:prstDash val="solid"/>
+                      <a:round/>
+                      <a:headEnd type="none" w="med" len="med"/>
+                      <a:tailEnd type="none" w="med" len="med"/>
+                    </a:lnR>
+                    <a:lnT w="12700" cap="flat" cmpd="sng" algn="ctr">
+                      <a:solidFill>
+                        <a:schemeClr val="tx1"/>
+                      </a:solidFill>
+                      <a:prstDash val="solid"/>
+                      <a:round/>
+                      <a:headEnd type="none" w="med" len="med"/>
+                      <a:tailEnd type="none" w="med" len="med"/>
+                    </a:lnT>
+                    <a:lnB w="12700" cap="flat" cmpd="sng" algn="ctr">
+                      <a:solidFill>
+                        <a:schemeClr val="tx1"/>
+                      </a:solidFill>
+                      <a:prstDash val="solid"/>
+                      <a:round/>
+                      <a:headEnd type="none" w="med" len="med"/>
+                      <a:tailEnd type="none" w="med" len="med"/>
+                    </a:lnB>
+                    <a:lnTlToBr w="12700" cmpd="sng">
+                      <a:noFill/>
+                      <a:prstDash val="solid"/>
+                    </a:lnTlToBr>
+                    <a:lnBlToTr w="12700" cmpd="sng">
+                      <a:noFill/>
+                      <a:prstDash val="solid"/>
+                    </a:lnBlToTr>
+                    <a:noFill/>
+                  </a:tcPr>
+                </a:tc>
+                <a:extLst>
+                  <a:ext uri="{0D108BD9-81ED-4DB2-BD59-A6C34878D82A}">
+                    <a16:rowId xmlns:a16="http://schemas.microsoft.com/office/drawing/2014/main" val="646180486"/>
+                  </a:ext>
+                </a:extLst>
+              </a:tr>
+              <a:tr h="370840">
+                <a:tc>
+                  <a:txBody>
+                    <a:bodyPr/>
+                    <a:lstStyle/>
+                    <a:p>
+                      <a:pPr algn="ctr" latinLnBrk="1"/>
+                      <a:r>
+                        <a:rPr lang="en-US" altLang="ko-KR" sz="1400" b="0" dirty="0">
+                          <a:solidFill>
+                            <a:schemeClr val="tx1"/>
+                          </a:solidFill>
+                        </a:rPr>
+                        <a:t>L[0]</a:t>
+                      </a:r>
+                      <a:endParaRPr lang="ko-KR" altLang="en-US" sz="1400" b="0" dirty="0">
+                        <a:solidFill>
+                          <a:schemeClr val="tx1"/>
+                        </a:solidFill>
+                      </a:endParaRPr>
+                    </a:p>
+                  </a:txBody>
+                  <a:tcPr anchor="ctr">
+                    <a:lnL w="12700" cap="flat" cmpd="sng" algn="ctr">
+                      <a:noFill/>
+                      <a:prstDash val="solid"/>
+                      <a:round/>
+                      <a:headEnd type="none" w="med" len="med"/>
+                      <a:tailEnd type="none" w="med" len="med"/>
+                    </a:lnL>
+                    <a:lnR w="12700" cap="flat" cmpd="sng" algn="ctr">
+                      <a:noFill/>
+                      <a:prstDash val="solid"/>
+                      <a:round/>
+                      <a:headEnd type="none" w="med" len="med"/>
+                      <a:tailEnd type="none" w="med" len="med"/>
+                    </a:lnR>
+                    <a:lnT w="12700" cap="flat" cmpd="sng" algn="ctr">
+                      <a:solidFill>
+                        <a:schemeClr val="tx1"/>
+                      </a:solidFill>
+                      <a:prstDash val="solid"/>
+                      <a:round/>
+                      <a:headEnd type="none" w="med" len="med"/>
+                      <a:tailEnd type="none" w="med" len="med"/>
+                    </a:lnT>
+                    <a:lnB w="12700" cap="flat" cmpd="sng" algn="ctr">
+                      <a:noFill/>
+                      <a:prstDash val="solid"/>
+                      <a:round/>
+                      <a:headEnd type="none" w="med" len="med"/>
+                      <a:tailEnd type="none" w="med" len="med"/>
+                    </a:lnB>
+                    <a:lnTlToBr w="12700" cmpd="sng">
+                      <a:noFill/>
+                      <a:prstDash val="solid"/>
+                    </a:lnTlToBr>
+                    <a:lnBlToTr w="12700" cmpd="sng">
+                      <a:noFill/>
+                      <a:prstDash val="solid"/>
+                    </a:lnBlToTr>
+                    <a:noFill/>
+                  </a:tcPr>
+                </a:tc>
+                <a:tc>
+                  <a:txBody>
+                    <a:bodyPr/>
+                    <a:lstStyle/>
+                    <a:p>
+                      <a:pPr algn="ctr" latinLnBrk="1"/>
+                      <a:r>
+                        <a:rPr lang="en-US" altLang="ko-KR" sz="1400" b="0" dirty="0">
+                          <a:solidFill>
+                            <a:schemeClr val="tx1"/>
+                          </a:solidFill>
+                        </a:rPr>
+                        <a:t>L[1]</a:t>
+                      </a:r>
+                      <a:endParaRPr lang="ko-KR" altLang="en-US" sz="1400" b="0" dirty="0">
+                        <a:solidFill>
+                          <a:schemeClr val="tx1"/>
+                        </a:solidFill>
+                      </a:endParaRPr>
+                    </a:p>
+                  </a:txBody>
+                  <a:tcPr anchor="ctr">
+                    <a:lnL w="12700" cap="flat" cmpd="sng" algn="ctr">
+                      <a:noFill/>
+                      <a:prstDash val="solid"/>
+                      <a:round/>
+                      <a:headEnd type="none" w="med" len="med"/>
+                      <a:tailEnd type="none" w="med" len="med"/>
+                    </a:lnL>
+                    <a:lnR w="12700" cap="flat" cmpd="sng" algn="ctr">
+                      <a:noFill/>
+                      <a:prstDash val="solid"/>
+                      <a:round/>
+                      <a:headEnd type="none" w="med" len="med"/>
+                      <a:tailEnd type="none" w="med" len="med"/>
+                    </a:lnR>
+                    <a:lnT w="12700" cap="flat" cmpd="sng" algn="ctr">
+                      <a:solidFill>
+                        <a:schemeClr val="tx1"/>
+                      </a:solidFill>
+                      <a:prstDash val="solid"/>
+                      <a:round/>
+                      <a:headEnd type="none" w="med" len="med"/>
+                      <a:tailEnd type="none" w="med" len="med"/>
+                    </a:lnT>
+                    <a:lnB w="12700" cap="flat" cmpd="sng" algn="ctr">
+                      <a:noFill/>
+                      <a:prstDash val="solid"/>
+                      <a:round/>
+                      <a:headEnd type="none" w="med" len="med"/>
+                      <a:tailEnd type="none" w="med" len="med"/>
+                    </a:lnB>
+                    <a:lnTlToBr w="12700" cmpd="sng">
+                      <a:noFill/>
+                      <a:prstDash val="solid"/>
+                    </a:lnTlToBr>
+                    <a:lnBlToTr w="12700" cmpd="sng">
+                      <a:noFill/>
+                      <a:prstDash val="solid"/>
+                    </a:lnBlToTr>
+                    <a:noFill/>
+                  </a:tcPr>
+                </a:tc>
+                <a:tc>
+                  <a:txBody>
+                    <a:bodyPr/>
+                    <a:lstStyle/>
+                    <a:p>
+                      <a:pPr algn="ctr" latinLnBrk="1"/>
+                      <a:r>
+                        <a:rPr lang="en-US" altLang="ko-KR" sz="1400" b="0" dirty="0">
+                          <a:solidFill>
+                            <a:schemeClr val="tx1"/>
+                          </a:solidFill>
+                        </a:rPr>
+                        <a:t>L[2]</a:t>
+                      </a:r>
+                      <a:endParaRPr lang="ko-KR" altLang="en-US" sz="1400" b="0" dirty="0">
+                        <a:solidFill>
+                          <a:schemeClr val="tx1"/>
+                        </a:solidFill>
+                      </a:endParaRPr>
+                    </a:p>
+                  </a:txBody>
+                  <a:tcPr anchor="ctr">
+                    <a:lnL w="12700" cap="flat" cmpd="sng" algn="ctr">
+                      <a:noFill/>
+                      <a:prstDash val="solid"/>
+                      <a:round/>
+                      <a:headEnd type="none" w="med" len="med"/>
+                      <a:tailEnd type="none" w="med" len="med"/>
+                    </a:lnL>
+                    <a:lnR w="12700" cap="flat" cmpd="sng" algn="ctr">
+                      <a:noFill/>
+                      <a:prstDash val="solid"/>
+                      <a:round/>
+                      <a:headEnd type="none" w="med" len="med"/>
+                      <a:tailEnd type="none" w="med" len="med"/>
+                    </a:lnR>
+                    <a:lnT w="12700" cap="flat" cmpd="sng" algn="ctr">
+                      <a:solidFill>
+                        <a:schemeClr val="tx1"/>
+                      </a:solidFill>
+                      <a:prstDash val="solid"/>
+                      <a:round/>
+                      <a:headEnd type="none" w="med" len="med"/>
+                      <a:tailEnd type="none" w="med" len="med"/>
+                    </a:lnT>
+                    <a:lnB w="12700" cap="flat" cmpd="sng" algn="ctr">
+                      <a:noFill/>
+                      <a:prstDash val="solid"/>
+                      <a:round/>
+                      <a:headEnd type="none" w="med" len="med"/>
+                      <a:tailEnd type="none" w="med" len="med"/>
+                    </a:lnB>
+                    <a:lnTlToBr w="12700" cmpd="sng">
+                      <a:noFill/>
+                      <a:prstDash val="solid"/>
+                    </a:lnTlToBr>
+                    <a:lnBlToTr w="12700" cmpd="sng">
+                      <a:noFill/>
+                      <a:prstDash val="solid"/>
+                    </a:lnBlToTr>
+                    <a:noFill/>
+                  </a:tcPr>
+                </a:tc>
+                <a:tc>
+                  <a:txBody>
+                    <a:bodyPr/>
+                    <a:lstStyle/>
+                    <a:p>
+                      <a:pPr algn="ctr" latinLnBrk="1"/>
+                      <a:r>
+                        <a:rPr lang="en-US" altLang="ko-KR" sz="1400" b="0" dirty="0">
+                          <a:solidFill>
+                            <a:schemeClr val="tx1"/>
+                          </a:solidFill>
+                        </a:rPr>
+                        <a:t>L[3]</a:t>
+                      </a:r>
+                      <a:endParaRPr lang="ko-KR" altLang="en-US" sz="1400" b="0" dirty="0">
+                        <a:solidFill>
+                          <a:schemeClr val="tx1"/>
+                        </a:solidFill>
+                      </a:endParaRPr>
+                    </a:p>
+                  </a:txBody>
+                  <a:tcPr anchor="ctr">
+                    <a:lnL w="12700" cap="flat" cmpd="sng" algn="ctr">
+                      <a:noFill/>
+                      <a:prstDash val="solid"/>
+                      <a:round/>
+                      <a:headEnd type="none" w="med" len="med"/>
+                      <a:tailEnd type="none" w="med" len="med"/>
+                    </a:lnL>
+                    <a:lnR w="12700" cap="flat" cmpd="sng" algn="ctr">
+                      <a:noFill/>
+                      <a:prstDash val="solid"/>
+                      <a:round/>
+                      <a:headEnd type="none" w="med" len="med"/>
+                      <a:tailEnd type="none" w="med" len="med"/>
+                    </a:lnR>
+                    <a:lnT w="12700" cap="flat" cmpd="sng" algn="ctr">
+                      <a:solidFill>
+                        <a:schemeClr val="tx1"/>
+                      </a:solidFill>
+                      <a:prstDash val="solid"/>
+                      <a:round/>
+                      <a:headEnd type="none" w="med" len="med"/>
+                      <a:tailEnd type="none" w="med" len="med"/>
+                    </a:lnT>
+                    <a:lnB w="12700" cap="flat" cmpd="sng" algn="ctr">
+                      <a:noFill/>
+                      <a:prstDash val="solid"/>
+                      <a:round/>
+                      <a:headEnd type="none" w="med" len="med"/>
+                      <a:tailEnd type="none" w="med" len="med"/>
+                    </a:lnB>
+                    <a:lnTlToBr w="12700" cmpd="sng">
+                      <a:noFill/>
+                      <a:prstDash val="solid"/>
+                    </a:lnTlToBr>
+                    <a:lnBlToTr w="12700" cmpd="sng">
+                      <a:noFill/>
+                      <a:prstDash val="solid"/>
+                    </a:lnBlToTr>
+                    <a:noFill/>
+                  </a:tcPr>
+                </a:tc>
+                <a:tc>
+                  <a:txBody>
+                    <a:bodyPr/>
+                    <a:lstStyle/>
+                    <a:p>
+                      <a:pPr algn="ctr" latinLnBrk="1"/>
+                      <a:r>
+                        <a:rPr lang="en-US" altLang="ko-KR" sz="1400" b="0" dirty="0">
+                          <a:solidFill>
+                            <a:schemeClr val="tx1"/>
+                          </a:solidFill>
+                        </a:rPr>
+                        <a:t>L[4]</a:t>
+                      </a:r>
+                      <a:endParaRPr lang="ko-KR" altLang="en-US" sz="1400" b="0" dirty="0">
+                        <a:solidFill>
+                          <a:schemeClr val="tx1"/>
+                        </a:solidFill>
+                      </a:endParaRPr>
+                    </a:p>
+                  </a:txBody>
+                  <a:tcPr anchor="ctr">
+                    <a:lnL w="12700" cap="flat" cmpd="sng" algn="ctr">
+                      <a:noFill/>
+                      <a:prstDash val="solid"/>
+                      <a:round/>
+                      <a:headEnd type="none" w="med" len="med"/>
+                      <a:tailEnd type="none" w="med" len="med"/>
+                    </a:lnL>
+                    <a:lnR w="12700" cap="flat" cmpd="sng" algn="ctr">
+                      <a:noFill/>
+                      <a:prstDash val="solid"/>
+                      <a:round/>
+                      <a:headEnd type="none" w="med" len="med"/>
+                      <a:tailEnd type="none" w="med" len="med"/>
+                    </a:lnR>
+                    <a:lnT w="12700" cap="flat" cmpd="sng" algn="ctr">
+                      <a:solidFill>
+                        <a:schemeClr val="tx1"/>
+                      </a:solidFill>
+                      <a:prstDash val="solid"/>
+                      <a:round/>
+                      <a:headEnd type="none" w="med" len="med"/>
+                      <a:tailEnd type="none" w="med" len="med"/>
+                    </a:lnT>
+                    <a:lnB w="12700" cap="flat" cmpd="sng" algn="ctr">
+                      <a:noFill/>
+                      <a:prstDash val="solid"/>
+                      <a:round/>
+                      <a:headEnd type="none" w="med" len="med"/>
+                      <a:tailEnd type="none" w="med" len="med"/>
+                    </a:lnB>
+                    <a:lnTlToBr w="12700" cmpd="sng">
+                      <a:noFill/>
+                      <a:prstDash val="solid"/>
+                    </a:lnTlToBr>
+                    <a:lnBlToTr w="12700" cmpd="sng">
+                      <a:noFill/>
+                      <a:prstDash val="solid"/>
+                    </a:lnBlToTr>
+                    <a:noFill/>
+                  </a:tcPr>
+                </a:tc>
+                <a:tc>
+                  <a:txBody>
+                    <a:bodyPr/>
+                    <a:lstStyle/>
+                    <a:p>
+                      <a:pPr algn="ctr" latinLnBrk="1"/>
+                      <a:r>
+                        <a:rPr lang="en-US" altLang="ko-KR" sz="1400" b="0" dirty="0">
+                          <a:solidFill>
+                            <a:schemeClr val="tx1"/>
+                          </a:solidFill>
+                        </a:rPr>
+                        <a:t>L[5]</a:t>
+                      </a:r>
+                      <a:endParaRPr lang="ko-KR" altLang="en-US" sz="1400" b="0" dirty="0">
+                        <a:solidFill>
+                          <a:schemeClr val="tx1"/>
+                        </a:solidFill>
+                      </a:endParaRPr>
+                    </a:p>
+                  </a:txBody>
+                  <a:tcPr anchor="ctr">
+                    <a:lnL w="12700" cap="flat" cmpd="sng" algn="ctr">
+                      <a:noFill/>
+                      <a:prstDash val="solid"/>
+                      <a:round/>
+                      <a:headEnd type="none" w="med" len="med"/>
+                      <a:tailEnd type="none" w="med" len="med"/>
+                    </a:lnL>
+                    <a:lnR w="12700" cap="flat" cmpd="sng" algn="ctr">
+                      <a:noFill/>
+                      <a:prstDash val="solid"/>
+                      <a:round/>
+                      <a:headEnd type="none" w="med" len="med"/>
+                      <a:tailEnd type="none" w="med" len="med"/>
+                    </a:lnR>
+                    <a:lnT w="12700" cap="flat" cmpd="sng" algn="ctr">
+                      <a:solidFill>
+                        <a:schemeClr val="tx1"/>
+                      </a:solidFill>
+                      <a:prstDash val="solid"/>
+                      <a:round/>
+                      <a:headEnd type="none" w="med" len="med"/>
+                      <a:tailEnd type="none" w="med" len="med"/>
+                    </a:lnT>
+                    <a:lnB w="12700" cap="flat" cmpd="sng" algn="ctr">
+                      <a:noFill/>
+                      <a:prstDash val="solid"/>
+                      <a:round/>
+                      <a:headEnd type="none" w="med" len="med"/>
+                      <a:tailEnd type="none" w="med" len="med"/>
+                    </a:lnB>
+                    <a:lnTlToBr w="12700" cmpd="sng">
+                      <a:noFill/>
+                      <a:prstDash val="solid"/>
+                    </a:lnTlToBr>
+                    <a:lnBlToTr w="12700" cmpd="sng">
+                      <a:noFill/>
+                      <a:prstDash val="solid"/>
+                    </a:lnBlToTr>
+                    <a:noFill/>
+                  </a:tcPr>
+                </a:tc>
+                <a:extLst>
+                  <a:ext uri="{0D108BD9-81ED-4DB2-BD59-A6C34878D82A}">
+                    <a16:rowId xmlns:a16="http://schemas.microsoft.com/office/drawing/2014/main" val="733048539"/>
+                  </a:ext>
+                </a:extLst>
+              </a:tr>
+              <a:tr h="370840">
+                <a:tc gridSpan="6">
+                  <a:txBody>
+                    <a:bodyPr/>
+                    <a:lstStyle/>
+                    <a:p>
+                      <a:pPr algn="ctr" latinLnBrk="1"/>
+                      <a:r>
+                        <a:rPr lang="en-US" altLang="ko-KR" sz="1400" b="0" dirty="0">
+                          <a:solidFill>
+                            <a:schemeClr val="tx1"/>
+                          </a:solidFill>
+                        </a:rPr>
+                        <a:t>(a)</a:t>
+                      </a:r>
+                      <a:endParaRPr lang="ko-KR" altLang="en-US" sz="1400" b="0" dirty="0">
+                        <a:solidFill>
+                          <a:schemeClr val="tx1"/>
+                        </a:solidFill>
+                      </a:endParaRPr>
+                    </a:p>
+                  </a:txBody>
+                  <a:tcPr>
+                    <a:lnL w="12700" cap="flat" cmpd="sng" algn="ctr">
+                      <a:noFill/>
+                      <a:prstDash val="solid"/>
+                      <a:round/>
+                      <a:headEnd type="none" w="med" len="med"/>
+                      <a:tailEnd type="none" w="med" len="med"/>
+                    </a:lnL>
+                    <a:lnR w="12700" cap="flat" cmpd="sng" algn="ctr">
+                      <a:noFill/>
+                      <a:prstDash val="solid"/>
+                      <a:round/>
+                      <a:headEnd type="none" w="med" len="med"/>
+                      <a:tailEnd type="none" w="med" len="med"/>
+                    </a:lnR>
+                    <a:lnT w="12700" cap="flat" cmpd="sng" algn="ctr">
+                      <a:noFill/>
+                      <a:prstDash val="solid"/>
+                      <a:round/>
+                      <a:headEnd type="none" w="med" len="med"/>
+                      <a:tailEnd type="none" w="med" len="med"/>
+                    </a:lnT>
+                    <a:lnB w="12700" cap="flat" cmpd="sng" algn="ctr">
+                      <a:solidFill>
+                        <a:schemeClr val="tx1"/>
+                      </a:solidFill>
+                      <a:prstDash val="solid"/>
+                      <a:round/>
+                      <a:headEnd type="none" w="med" len="med"/>
+                      <a:tailEnd type="none" w="med" len="med"/>
+                    </a:lnB>
+                    <a:lnTlToBr w="12700" cmpd="sng">
+                      <a:noFill/>
+                      <a:prstDash val="solid"/>
+                    </a:lnTlToBr>
+                    <a:lnBlToTr w="12700" cmpd="sng">
+                      <a:noFill/>
+                      <a:prstDash val="solid"/>
+                    </a:lnBlToTr>
+                    <a:noFill/>
+                  </a:tcPr>
+                </a:tc>
+                <a:tc hMerge="1">
+                  <a:txBody>
+                    <a:bodyPr/>
+                    <a:lstStyle/>
+                    <a:p>
+                      <a:pPr algn="ctr" latinLnBrk="1"/>
+                      <a:endParaRPr lang="ko-KR" altLang="en-US" sz="1400" b="0" dirty="0">
+                        <a:solidFill>
+                          <a:schemeClr val="tx1"/>
+                        </a:solidFill>
+                      </a:endParaRPr>
+                    </a:p>
+                  </a:txBody>
+                  <a:tcPr anchor="ctr">
+                    <a:lnL w="12700" cap="flat" cmpd="sng" algn="ctr">
+                      <a:noFill/>
+                      <a:prstDash val="solid"/>
+                      <a:round/>
+                      <a:headEnd type="none" w="med" len="med"/>
+                      <a:tailEnd type="none" w="med" len="med"/>
+                    </a:lnL>
+                    <a:lnR w="12700" cap="flat" cmpd="sng" algn="ctr">
+                      <a:noFill/>
+                      <a:prstDash val="solid"/>
+                      <a:round/>
+                      <a:headEnd type="none" w="med" len="med"/>
+                      <a:tailEnd type="none" w="med" len="med"/>
+                    </a:lnR>
+                    <a:lnT w="12700" cap="flat" cmpd="sng" algn="ctr">
+                      <a:noFill/>
+                      <a:prstDash val="solid"/>
+                      <a:round/>
+                      <a:headEnd type="none" w="med" len="med"/>
+                      <a:tailEnd type="none" w="med" len="med"/>
+                    </a:lnT>
+                    <a:lnB w="12700" cap="flat" cmpd="sng" algn="ctr">
+                      <a:solidFill>
+                        <a:schemeClr val="tx1"/>
+                      </a:solidFill>
+                      <a:prstDash val="solid"/>
+                      <a:round/>
+                      <a:headEnd type="none" w="med" len="med"/>
+                      <a:tailEnd type="none" w="med" len="med"/>
+                    </a:lnB>
+                    <a:lnTlToBr w="12700" cmpd="sng">
+                      <a:noFill/>
+                      <a:prstDash val="solid"/>
+                    </a:lnTlToBr>
+                    <a:lnBlToTr w="12700" cmpd="sng">
+                      <a:noFill/>
+                      <a:prstDash val="solid"/>
+                    </a:lnBlToTr>
+                    <a:noFill/>
+                  </a:tcPr>
+                </a:tc>
+                <a:tc hMerge="1">
+                  <a:txBody>
+                    <a:bodyPr/>
+                    <a:lstStyle/>
+                    <a:p>
+                      <a:pPr algn="ctr" latinLnBrk="1"/>
+                      <a:endParaRPr lang="ko-KR" altLang="en-US" sz="1400" b="0" dirty="0">
+                        <a:solidFill>
+                          <a:schemeClr val="tx1"/>
+                        </a:solidFill>
+                      </a:endParaRPr>
+                    </a:p>
+                  </a:txBody>
+                  <a:tcPr anchor="ctr">
+                    <a:lnL w="12700" cap="flat" cmpd="sng" algn="ctr">
+                      <a:noFill/>
+                      <a:prstDash val="solid"/>
+                      <a:round/>
+                      <a:headEnd type="none" w="med" len="med"/>
+                      <a:tailEnd type="none" w="med" len="med"/>
+                    </a:lnL>
+                    <a:lnR w="12700" cap="flat" cmpd="sng" algn="ctr">
+                      <a:noFill/>
+                      <a:prstDash val="solid"/>
+                      <a:round/>
+                      <a:headEnd type="none" w="med" len="med"/>
+                      <a:tailEnd type="none" w="med" len="med"/>
+                    </a:lnR>
+                    <a:lnT w="12700" cap="flat" cmpd="sng" algn="ctr">
+                      <a:noFill/>
+                      <a:prstDash val="solid"/>
+                      <a:round/>
+                      <a:headEnd type="none" w="med" len="med"/>
+                      <a:tailEnd type="none" w="med" len="med"/>
+                    </a:lnT>
+                    <a:lnB w="12700" cap="flat" cmpd="sng" algn="ctr">
+                      <a:solidFill>
+                        <a:schemeClr val="tx1"/>
+                      </a:solidFill>
+                      <a:prstDash val="solid"/>
+                      <a:round/>
+                      <a:headEnd type="none" w="med" len="med"/>
+                      <a:tailEnd type="none" w="med" len="med"/>
+                    </a:lnB>
+                    <a:lnTlToBr w="12700" cmpd="sng">
+                      <a:noFill/>
+                      <a:prstDash val="solid"/>
+                    </a:lnTlToBr>
+                    <a:lnBlToTr w="12700" cmpd="sng">
+                      <a:noFill/>
+                      <a:prstDash val="solid"/>
+                    </a:lnBlToTr>
+                    <a:noFill/>
+                  </a:tcPr>
+                </a:tc>
+                <a:tc hMerge="1">
+                  <a:txBody>
+                    <a:bodyPr/>
+                    <a:lstStyle/>
+                    <a:p>
+                      <a:pPr algn="ctr" latinLnBrk="1"/>
+                      <a:endParaRPr lang="ko-KR" altLang="en-US" sz="1400" b="0" dirty="0">
+                        <a:solidFill>
+                          <a:schemeClr val="tx1"/>
+                        </a:solidFill>
+                      </a:endParaRPr>
+                    </a:p>
+                  </a:txBody>
+                  <a:tcPr anchor="ctr">
+                    <a:lnL w="12700" cap="flat" cmpd="sng" algn="ctr">
+                      <a:noFill/>
+                      <a:prstDash val="solid"/>
+                      <a:round/>
+                      <a:headEnd type="none" w="med" len="med"/>
+                      <a:tailEnd type="none" w="med" len="med"/>
+                    </a:lnL>
+                    <a:lnR w="12700" cap="flat" cmpd="sng" algn="ctr">
+                      <a:noFill/>
+                      <a:prstDash val="solid"/>
+                      <a:round/>
+                      <a:headEnd type="none" w="med" len="med"/>
+                      <a:tailEnd type="none" w="med" len="med"/>
+                    </a:lnR>
+                    <a:lnT w="12700" cap="flat" cmpd="sng" algn="ctr">
+                      <a:noFill/>
+                      <a:prstDash val="solid"/>
+                      <a:round/>
+                      <a:headEnd type="none" w="med" len="med"/>
+                      <a:tailEnd type="none" w="med" len="med"/>
+                    </a:lnT>
+                    <a:lnB w="12700" cap="flat" cmpd="sng" algn="ctr">
+                      <a:solidFill>
+                        <a:schemeClr val="tx1"/>
+                      </a:solidFill>
+                      <a:prstDash val="solid"/>
+                      <a:round/>
+                      <a:headEnd type="none" w="med" len="med"/>
+                      <a:tailEnd type="none" w="med" len="med"/>
+                    </a:lnB>
+                    <a:lnTlToBr w="12700" cmpd="sng">
+                      <a:noFill/>
+                      <a:prstDash val="solid"/>
+                    </a:lnTlToBr>
+                    <a:lnBlToTr w="12700" cmpd="sng">
+                      <a:noFill/>
+                      <a:prstDash val="solid"/>
+                    </a:lnBlToTr>
+                    <a:noFill/>
+                  </a:tcPr>
+                </a:tc>
+                <a:tc hMerge="1">
+                  <a:txBody>
+                    <a:bodyPr/>
+                    <a:lstStyle/>
+                    <a:p>
+                      <a:pPr algn="ctr" latinLnBrk="1"/>
+                      <a:endParaRPr lang="ko-KR" altLang="en-US" sz="1400" b="0" dirty="0">
+                        <a:solidFill>
+                          <a:schemeClr val="tx1"/>
+                        </a:solidFill>
+                      </a:endParaRPr>
+                    </a:p>
+                  </a:txBody>
+                  <a:tcPr anchor="ctr">
+                    <a:lnL w="12700" cap="flat" cmpd="sng" algn="ctr">
+                      <a:noFill/>
+                      <a:prstDash val="solid"/>
+                      <a:round/>
+                      <a:headEnd type="none" w="med" len="med"/>
+                      <a:tailEnd type="none" w="med" len="med"/>
+                    </a:lnL>
+                    <a:lnR w="12700" cap="flat" cmpd="sng" algn="ctr">
+                      <a:noFill/>
+                      <a:prstDash val="solid"/>
+                      <a:round/>
+                      <a:headEnd type="none" w="med" len="med"/>
+                      <a:tailEnd type="none" w="med" len="med"/>
+                    </a:lnR>
+                    <a:lnT w="12700" cap="flat" cmpd="sng" algn="ctr">
+                      <a:noFill/>
+                      <a:prstDash val="solid"/>
+                      <a:round/>
+                      <a:headEnd type="none" w="med" len="med"/>
+                      <a:tailEnd type="none" w="med" len="med"/>
+                    </a:lnT>
+                    <a:lnB w="12700" cap="flat" cmpd="sng" algn="ctr">
+                      <a:solidFill>
+                        <a:schemeClr val="tx1"/>
+                      </a:solidFill>
+                      <a:prstDash val="solid"/>
+                      <a:round/>
+                      <a:headEnd type="none" w="med" len="med"/>
+                      <a:tailEnd type="none" w="med" len="med"/>
+                    </a:lnB>
+                    <a:lnTlToBr w="12700" cmpd="sng">
+                      <a:noFill/>
+                      <a:prstDash val="solid"/>
+                    </a:lnTlToBr>
+                    <a:lnBlToTr w="12700" cmpd="sng">
+                      <a:noFill/>
+                      <a:prstDash val="solid"/>
+                    </a:lnBlToTr>
+                    <a:noFill/>
+                  </a:tcPr>
+                </a:tc>
+                <a:tc hMerge="1">
+                  <a:txBody>
+                    <a:bodyPr/>
+                    <a:lstStyle/>
+                    <a:p>
+                      <a:pPr algn="ctr" latinLnBrk="1"/>
+                      <a:endParaRPr lang="ko-KR" altLang="en-US" sz="1400" b="0" dirty="0">
+                        <a:solidFill>
+                          <a:schemeClr val="tx1"/>
+                        </a:solidFill>
+                      </a:endParaRPr>
+                    </a:p>
+                  </a:txBody>
+                  <a:tcPr anchor="ctr">
+                    <a:lnL w="12700" cap="flat" cmpd="sng" algn="ctr">
+                      <a:noFill/>
+                      <a:prstDash val="solid"/>
+                      <a:round/>
+                      <a:headEnd type="none" w="med" len="med"/>
+                      <a:tailEnd type="none" w="med" len="med"/>
+                    </a:lnL>
+                    <a:lnR w="12700" cap="flat" cmpd="sng" algn="ctr">
+                      <a:noFill/>
+                      <a:prstDash val="solid"/>
+                      <a:round/>
+                      <a:headEnd type="none" w="med" len="med"/>
+                      <a:tailEnd type="none" w="med" len="med"/>
+                    </a:lnR>
+                    <a:lnT w="12700" cap="flat" cmpd="sng" algn="ctr">
+                      <a:noFill/>
+                      <a:prstDash val="solid"/>
+                      <a:round/>
+                      <a:headEnd type="none" w="med" len="med"/>
+                      <a:tailEnd type="none" w="med" len="med"/>
+                    </a:lnT>
+                    <a:lnB w="12700" cap="flat" cmpd="sng" algn="ctr">
+                      <a:solidFill>
+                        <a:schemeClr val="tx1"/>
+                      </a:solidFill>
+                      <a:prstDash val="solid"/>
+                      <a:round/>
+                      <a:headEnd type="none" w="med" len="med"/>
+                      <a:tailEnd type="none" w="med" len="med"/>
+                    </a:lnB>
+                    <a:lnTlToBr w="12700" cmpd="sng">
+                      <a:noFill/>
+                      <a:prstDash val="solid"/>
+                    </a:lnTlToBr>
+                    <a:lnBlToTr w="12700" cmpd="sng">
+                      <a:noFill/>
+                      <a:prstDash val="solid"/>
+                    </a:lnBlToTr>
+                    <a:noFill/>
+                  </a:tcPr>
+                </a:tc>
+                <a:extLst>
+                  <a:ext uri="{0D108BD9-81ED-4DB2-BD59-A6C34878D82A}">
+                    <a16:rowId xmlns:a16="http://schemas.microsoft.com/office/drawing/2014/main" val="1793253829"/>
+                  </a:ext>
+                </a:extLst>
+              </a:tr>
+              <a:tr h="370840">
+                <a:tc>
+                  <a:txBody>
+                    <a:bodyPr/>
+                    <a:lstStyle/>
+                    <a:p>
+                      <a:pPr algn="ctr" latinLnBrk="1"/>
+                      <a:r>
+                        <a:rPr lang="en-US" altLang="ko-KR" sz="1400" b="0" dirty="0">
+                          <a:solidFill>
+                            <a:schemeClr val="tx1"/>
+                          </a:solidFill>
+                        </a:rPr>
+                        <a:t>Cho</a:t>
+                      </a:r>
+                      <a:endParaRPr lang="ko-KR" altLang="en-US" sz="1400" b="0" dirty="0">
+                        <a:solidFill>
+                          <a:schemeClr val="tx1"/>
+                        </a:solidFill>
+                      </a:endParaRPr>
+                    </a:p>
+                  </a:txBody>
+                  <a:tcPr anchor="ctr">
+                    <a:lnL w="12700" cap="flat" cmpd="sng" algn="ctr">
+                      <a:solidFill>
+                        <a:schemeClr val="tx1"/>
+                      </a:solidFill>
+                      <a:prstDash val="solid"/>
+                      <a:round/>
+                      <a:headEnd type="none" w="med" len="med"/>
+                      <a:tailEnd type="none" w="med" len="med"/>
+                    </a:lnL>
+                    <a:lnR w="12700" cap="flat" cmpd="sng" algn="ctr">
+                      <a:solidFill>
+                        <a:schemeClr val="tx1"/>
+                      </a:solidFill>
+                      <a:prstDash val="solid"/>
+                      <a:round/>
+                      <a:headEnd type="none" w="med" len="med"/>
+                      <a:tailEnd type="none" w="med" len="med"/>
+                    </a:lnR>
+                    <a:lnT w="12700" cap="flat" cmpd="sng" algn="ctr">
+                      <a:solidFill>
+                        <a:schemeClr val="tx1"/>
+                      </a:solidFill>
+                      <a:prstDash val="solid"/>
+                      <a:round/>
+                      <a:headEnd type="none" w="med" len="med"/>
+                      <a:tailEnd type="none" w="med" len="med"/>
+                    </a:lnT>
+                    <a:lnB w="12700" cap="flat" cmpd="sng" algn="ctr">
+                      <a:solidFill>
+                        <a:schemeClr val="tx1"/>
+                      </a:solidFill>
+                      <a:prstDash val="solid"/>
+                      <a:round/>
+                      <a:headEnd type="none" w="med" len="med"/>
+                      <a:tailEnd type="none" w="med" len="med"/>
+                    </a:lnB>
+                    <a:lnTlToBr w="12700" cmpd="sng">
+                      <a:noFill/>
+                      <a:prstDash val="solid"/>
+                    </a:lnTlToBr>
+                    <a:lnBlToTr w="12700" cmpd="sng">
+                      <a:noFill/>
+                      <a:prstDash val="solid"/>
+                    </a:lnBlToTr>
+                    <a:noFill/>
+                  </a:tcPr>
+                </a:tc>
+                <a:tc>
+                  <a:txBody>
+                    <a:bodyPr/>
+                    <a:lstStyle/>
+                    <a:p>
+                      <a:pPr algn="ctr" latinLnBrk="1"/>
+                      <a:r>
+                        <a:rPr lang="en-US" altLang="ko-KR" sz="1400" b="0" dirty="0">
+                          <a:solidFill>
+                            <a:schemeClr val="tx1"/>
+                          </a:solidFill>
+                        </a:rPr>
+                        <a:t>Han</a:t>
+                      </a:r>
+                      <a:endParaRPr lang="ko-KR" altLang="en-US" sz="1400" b="0" dirty="0">
+                        <a:solidFill>
+                          <a:schemeClr val="tx1"/>
+                        </a:solidFill>
+                      </a:endParaRPr>
+                    </a:p>
+                  </a:txBody>
+                  <a:tcPr anchor="ctr">
+                    <a:lnL w="12700" cap="flat" cmpd="sng" algn="ctr">
+                      <a:solidFill>
+                        <a:schemeClr val="tx1"/>
+                      </a:solidFill>
+                      <a:prstDash val="solid"/>
+                      <a:round/>
+                      <a:headEnd type="none" w="med" len="med"/>
+                      <a:tailEnd type="none" w="med" len="med"/>
+                    </a:lnL>
+                    <a:lnR w="12700" cap="flat" cmpd="sng" algn="ctr">
+                      <a:solidFill>
+                        <a:schemeClr val="tx1"/>
+                      </a:solidFill>
+                      <a:prstDash val="solid"/>
+                      <a:round/>
+                      <a:headEnd type="none" w="med" len="med"/>
+                      <a:tailEnd type="none" w="med" len="med"/>
+                    </a:lnR>
+                    <a:lnT w="12700" cap="flat" cmpd="sng" algn="ctr">
+                      <a:solidFill>
+                        <a:schemeClr val="tx1"/>
+                      </a:solidFill>
+                      <a:prstDash val="solid"/>
+                      <a:round/>
+                      <a:headEnd type="none" w="med" len="med"/>
+                      <a:tailEnd type="none" w="med" len="med"/>
+                    </a:lnT>
+                    <a:lnB w="12700" cap="flat" cmpd="sng" algn="ctr">
+                      <a:solidFill>
+                        <a:schemeClr val="tx1"/>
+                      </a:solidFill>
+                      <a:prstDash val="solid"/>
+                      <a:round/>
+                      <a:headEnd type="none" w="med" len="med"/>
+                      <a:tailEnd type="none" w="med" len="med"/>
+                    </a:lnB>
+                    <a:lnTlToBr w="12700" cmpd="sng">
+                      <a:noFill/>
+                      <a:prstDash val="solid"/>
+                    </a:lnTlToBr>
+                    <a:lnBlToTr w="12700" cmpd="sng">
+                      <a:noFill/>
+                      <a:prstDash val="solid"/>
+                    </a:lnBlToTr>
+                    <a:noFill/>
+                  </a:tcPr>
+                </a:tc>
+                <a:tc>
+                  <a:txBody>
+                    <a:bodyPr/>
+                    <a:lstStyle/>
+                    <a:p>
+                      <a:pPr algn="ctr" latinLnBrk="1"/>
+                      <a:r>
+                        <a:rPr lang="en-US" altLang="ko-KR" sz="1400" b="0" dirty="0">
+                          <a:solidFill>
+                            <a:schemeClr val="tx1"/>
+                          </a:solidFill>
+                        </a:rPr>
+                        <a:t>Kim</a:t>
+                      </a:r>
+                      <a:endParaRPr lang="ko-KR" altLang="en-US" sz="1400" b="0" dirty="0">
+                        <a:solidFill>
+                          <a:schemeClr val="tx1"/>
+                        </a:solidFill>
+                      </a:endParaRPr>
+                    </a:p>
+                  </a:txBody>
+                  <a:tcPr anchor="ctr">
+                    <a:lnL w="12700" cap="flat" cmpd="sng" algn="ctr">
+                      <a:solidFill>
+                        <a:schemeClr val="tx1"/>
+                      </a:solidFill>
+                      <a:prstDash val="solid"/>
+                      <a:round/>
+                      <a:headEnd type="none" w="med" len="med"/>
+                      <a:tailEnd type="none" w="med" len="med"/>
+                    </a:lnL>
+                    <a:lnR w="12700" cap="flat" cmpd="sng" algn="ctr">
+                      <a:solidFill>
+                        <a:schemeClr val="tx1"/>
+                      </a:solidFill>
+                      <a:prstDash val="solid"/>
+                      <a:round/>
+                      <a:headEnd type="none" w="med" len="med"/>
+                      <a:tailEnd type="none" w="med" len="med"/>
+                    </a:lnR>
+                    <a:lnT w="12700" cap="flat" cmpd="sng" algn="ctr">
+                      <a:solidFill>
+                        <a:schemeClr val="tx1"/>
+                      </a:solidFill>
+                      <a:prstDash val="solid"/>
+                      <a:round/>
+                      <a:headEnd type="none" w="med" len="med"/>
+                      <a:tailEnd type="none" w="med" len="med"/>
+                    </a:lnT>
+                    <a:lnB w="12700" cap="flat" cmpd="sng" algn="ctr">
+                      <a:solidFill>
+                        <a:schemeClr val="tx1"/>
+                      </a:solidFill>
+                      <a:prstDash val="solid"/>
+                      <a:round/>
+                      <a:headEnd type="none" w="med" len="med"/>
+                      <a:tailEnd type="none" w="med" len="med"/>
+                    </a:lnB>
+                    <a:lnTlToBr w="12700" cmpd="sng">
+                      <a:noFill/>
+                      <a:prstDash val="solid"/>
+                    </a:lnTlToBr>
+                    <a:lnBlToTr w="12700" cmpd="sng">
+                      <a:noFill/>
+                      <a:prstDash val="solid"/>
+                    </a:lnBlToTr>
+                    <a:noFill/>
+                  </a:tcPr>
+                </a:tc>
+                <a:tc>
+                  <a:txBody>
+                    <a:bodyPr/>
+                    <a:lstStyle/>
+                    <a:p>
+                      <a:pPr algn="ctr" latinLnBrk="1"/>
+                      <a:r>
+                        <a:rPr lang="en-US" altLang="ko-KR" sz="1400" b="0" dirty="0">
+                          <a:solidFill>
+                            <a:schemeClr val="tx1"/>
+                          </a:solidFill>
+                        </a:rPr>
+                        <a:t>Lee</a:t>
+                      </a:r>
+                      <a:endParaRPr lang="ko-KR" altLang="en-US" sz="1400" b="0" dirty="0">
+                        <a:solidFill>
+                          <a:schemeClr val="tx1"/>
+                        </a:solidFill>
+                      </a:endParaRPr>
+                    </a:p>
+                  </a:txBody>
+                  <a:tcPr anchor="ctr">
+                    <a:lnL w="12700" cap="flat" cmpd="sng" algn="ctr">
+                      <a:solidFill>
+                        <a:schemeClr val="tx1"/>
+                      </a:solidFill>
+                      <a:prstDash val="solid"/>
+                      <a:round/>
+                      <a:headEnd type="none" w="med" len="med"/>
+                      <a:tailEnd type="none" w="med" len="med"/>
+                    </a:lnL>
+                    <a:lnR w="12700" cap="flat" cmpd="sng" algn="ctr">
+                      <a:solidFill>
+                        <a:schemeClr val="tx1"/>
+                      </a:solidFill>
+                      <a:prstDash val="solid"/>
+                      <a:round/>
+                      <a:headEnd type="none" w="med" len="med"/>
+                      <a:tailEnd type="none" w="med" len="med"/>
+                    </a:lnR>
+                    <a:lnT w="12700" cap="flat" cmpd="sng" algn="ctr">
+                      <a:solidFill>
+                        <a:schemeClr val="tx1"/>
+                      </a:solidFill>
+                      <a:prstDash val="solid"/>
+                      <a:round/>
+                      <a:headEnd type="none" w="med" len="med"/>
+                      <a:tailEnd type="none" w="med" len="med"/>
+                    </a:lnT>
+                    <a:lnB w="12700" cap="flat" cmpd="sng" algn="ctr">
+                      <a:solidFill>
+                        <a:schemeClr val="tx1"/>
+                      </a:solidFill>
+                      <a:prstDash val="solid"/>
+                      <a:round/>
+                      <a:headEnd type="none" w="med" len="med"/>
+                      <a:tailEnd type="none" w="med" len="med"/>
+                    </a:lnB>
+                    <a:lnTlToBr w="12700" cmpd="sng">
+                      <a:noFill/>
+                      <a:prstDash val="solid"/>
+                    </a:lnTlToBr>
+                    <a:lnBlToTr w="12700" cmpd="sng">
+                      <a:noFill/>
+                      <a:prstDash val="solid"/>
+                    </a:lnBlToTr>
+                    <a:noFill/>
+                  </a:tcPr>
+                </a:tc>
+                <a:tc>
+                  <a:txBody>
+                    <a:bodyPr/>
+                    <a:lstStyle/>
+                    <a:p>
+                      <a:pPr algn="ctr" latinLnBrk="1"/>
+                      <a:r>
+                        <a:rPr lang="en-US" altLang="ko-KR" sz="1400" b="0" dirty="0">
+                          <a:solidFill>
+                            <a:schemeClr val="tx1"/>
+                          </a:solidFill>
+                        </a:rPr>
+                        <a:t>Park</a:t>
+                      </a:r>
+                      <a:endParaRPr lang="ko-KR" altLang="en-US" sz="1400" b="0" dirty="0">
+                        <a:solidFill>
+                          <a:schemeClr val="tx1"/>
+                        </a:solidFill>
+                      </a:endParaRPr>
+                    </a:p>
+                  </a:txBody>
+                  <a:tcPr anchor="ctr">
+                    <a:lnL w="12700" cap="flat" cmpd="sng" algn="ctr">
+                      <a:solidFill>
+                        <a:schemeClr val="tx1"/>
+                      </a:solidFill>
+                      <a:prstDash val="solid"/>
+                      <a:round/>
+                      <a:headEnd type="none" w="med" len="med"/>
+                      <a:tailEnd type="none" w="med" len="med"/>
+                    </a:lnL>
+                    <a:lnR w="12700" cap="flat" cmpd="sng" algn="ctr">
+                      <a:solidFill>
+                        <a:schemeClr val="tx1"/>
+                      </a:solidFill>
+                      <a:prstDash val="solid"/>
+                      <a:round/>
+                      <a:headEnd type="none" w="med" len="med"/>
+                      <a:tailEnd type="none" w="med" len="med"/>
+                    </a:lnR>
+                    <a:lnT w="12700" cap="flat" cmpd="sng" algn="ctr">
+                      <a:solidFill>
+                        <a:schemeClr val="tx1"/>
+                      </a:solidFill>
+                      <a:prstDash val="solid"/>
+                      <a:round/>
+                      <a:headEnd type="none" w="med" len="med"/>
+                      <a:tailEnd type="none" w="med" len="med"/>
+                    </a:lnT>
+                    <a:lnB w="12700" cap="flat" cmpd="sng" algn="ctr">
+                      <a:solidFill>
+                        <a:schemeClr val="tx1"/>
+                      </a:solidFill>
+                      <a:prstDash val="solid"/>
+                      <a:round/>
+                      <a:headEnd type="none" w="med" len="med"/>
+                      <a:tailEnd type="none" w="med" len="med"/>
+                    </a:lnB>
+                    <a:lnTlToBr w="12700" cmpd="sng">
+                      <a:noFill/>
+                      <a:prstDash val="solid"/>
+                    </a:lnTlToBr>
+                    <a:lnBlToTr w="12700" cmpd="sng">
+                      <a:noFill/>
+                      <a:prstDash val="solid"/>
+                    </a:lnBlToTr>
+                    <a:noFill/>
+                  </a:tcPr>
+                </a:tc>
+                <a:tc>
+                  <a:txBody>
+                    <a:bodyPr/>
+                    <a:lstStyle/>
+                    <a:p>
+                      <a:pPr algn="ctr" latinLnBrk="1"/>
+                      <a:r>
+                        <a:rPr lang="en-US" altLang="ko-KR" sz="1400" b="0" dirty="0">
+                          <a:solidFill>
+                            <a:schemeClr val="tx1"/>
+                          </a:solidFill>
+                        </a:rPr>
+                        <a:t>Yoo</a:t>
+                      </a:r>
+                      <a:endParaRPr lang="ko-KR" altLang="en-US" sz="1400" b="0" dirty="0">
+                        <a:solidFill>
+                          <a:schemeClr val="tx1"/>
+                        </a:solidFill>
+                      </a:endParaRPr>
+                    </a:p>
+                  </a:txBody>
+                  <a:tcPr anchor="ctr">
+                    <a:lnL w="12700" cap="flat" cmpd="sng" algn="ctr">
+                      <a:solidFill>
+                        <a:schemeClr val="tx1"/>
+                      </a:solidFill>
+                      <a:prstDash val="solid"/>
+                      <a:round/>
+                      <a:headEnd type="none" w="med" len="med"/>
+                      <a:tailEnd type="none" w="med" len="med"/>
+                    </a:lnL>
+                    <a:lnR w="12700" cap="flat" cmpd="sng" algn="ctr">
+                      <a:solidFill>
+                        <a:schemeClr val="tx1"/>
+                      </a:solidFill>
+                      <a:prstDash val="solid"/>
+                      <a:round/>
+                      <a:headEnd type="none" w="med" len="med"/>
+                      <a:tailEnd type="none" w="med" len="med"/>
+                    </a:lnR>
+                    <a:lnT w="12700" cap="flat" cmpd="sng" algn="ctr">
+                      <a:solidFill>
+                        <a:schemeClr val="tx1"/>
+                      </a:solidFill>
+                      <a:prstDash val="solid"/>
+                      <a:round/>
+                      <a:headEnd type="none" w="med" len="med"/>
+                      <a:tailEnd type="none" w="med" len="med"/>
+                    </a:lnT>
+                    <a:lnB w="12700" cap="flat" cmpd="sng" algn="ctr">
+                      <a:solidFill>
+                        <a:schemeClr val="tx1"/>
+                      </a:solidFill>
+                      <a:prstDash val="solid"/>
+                      <a:round/>
+                      <a:headEnd type="none" w="med" len="med"/>
+                      <a:tailEnd type="none" w="med" len="med"/>
+                    </a:lnB>
+                    <a:lnTlToBr w="12700" cmpd="sng">
+                      <a:noFill/>
+                      <a:prstDash val="solid"/>
+                    </a:lnTlToBr>
+                    <a:lnBlToTr w="12700" cmpd="sng">
+                      <a:noFill/>
+                      <a:prstDash val="solid"/>
+                    </a:lnBlToTr>
+                    <a:noFill/>
+                  </a:tcPr>
+                </a:tc>
+                <a:extLst>
+                  <a:ext uri="{0D108BD9-81ED-4DB2-BD59-A6C34878D82A}">
+                    <a16:rowId xmlns:a16="http://schemas.microsoft.com/office/drawing/2014/main" val="2774386873"/>
+                  </a:ext>
+                </a:extLst>
+              </a:tr>
+              <a:tr h="370840">
+                <a:tc>
+                  <a:txBody>
+                    <a:bodyPr/>
+                    <a:lstStyle/>
+                    <a:p>
+                      <a:pPr algn="ctr" latinLnBrk="1"/>
+                      <a:r>
+                        <a:rPr lang="en-US" altLang="ko-KR" sz="1400" b="0" dirty="0">
+                          <a:solidFill>
+                            <a:schemeClr val="tx1"/>
+                          </a:solidFill>
+                        </a:rPr>
+                        <a:t>L[0]</a:t>
+                      </a:r>
+                      <a:endParaRPr lang="ko-KR" altLang="en-US" sz="1400" b="0" dirty="0">
+                        <a:solidFill>
+                          <a:schemeClr val="tx1"/>
+                        </a:solidFill>
+                      </a:endParaRPr>
+                    </a:p>
+                  </a:txBody>
+                  <a:tcPr anchor="ctr">
+                    <a:lnL w="12700" cap="flat" cmpd="sng" algn="ctr">
+                      <a:noFill/>
+                      <a:prstDash val="solid"/>
+                      <a:round/>
+                      <a:headEnd type="none" w="med" len="med"/>
+                      <a:tailEnd type="none" w="med" len="med"/>
+                    </a:lnL>
+                    <a:lnR w="12700" cap="flat" cmpd="sng" algn="ctr">
+                      <a:noFill/>
+                      <a:prstDash val="solid"/>
+                      <a:round/>
+                      <a:headEnd type="none" w="med" len="med"/>
+                      <a:tailEnd type="none" w="med" len="med"/>
+                    </a:lnR>
+                    <a:lnT w="12700" cap="flat" cmpd="sng" algn="ctr">
+                      <a:solidFill>
+                        <a:schemeClr val="tx1"/>
+                      </a:solidFill>
+                      <a:prstDash val="solid"/>
+                      <a:round/>
+                      <a:headEnd type="none" w="med" len="med"/>
+                      <a:tailEnd type="none" w="med" len="med"/>
+                    </a:lnT>
+                    <a:lnB w="12700" cap="flat" cmpd="sng" algn="ctr">
+                      <a:noFill/>
+                      <a:prstDash val="solid"/>
+                      <a:round/>
+                      <a:headEnd type="none" w="med" len="med"/>
+                      <a:tailEnd type="none" w="med" len="med"/>
+                    </a:lnB>
+                    <a:lnTlToBr w="12700" cmpd="sng">
+                      <a:noFill/>
+                      <a:prstDash val="solid"/>
+                    </a:lnTlToBr>
+                    <a:lnBlToTr w="12700" cmpd="sng">
+                      <a:noFill/>
+                      <a:prstDash val="solid"/>
+                    </a:lnBlToTr>
+                    <a:noFill/>
+                  </a:tcPr>
+                </a:tc>
+                <a:tc>
+                  <a:txBody>
+                    <a:bodyPr/>
+                    <a:lstStyle/>
+                    <a:p>
+                      <a:pPr algn="ctr" latinLnBrk="1"/>
+                      <a:r>
+                        <a:rPr lang="en-US" altLang="ko-KR" sz="1400" b="0" dirty="0">
+                          <a:solidFill>
+                            <a:schemeClr val="tx1"/>
+                          </a:solidFill>
+                        </a:rPr>
+                        <a:t>L[1]</a:t>
+                      </a:r>
+                      <a:endParaRPr lang="ko-KR" altLang="en-US" sz="1400" b="0" dirty="0">
+                        <a:solidFill>
+                          <a:schemeClr val="tx1"/>
+                        </a:solidFill>
+                      </a:endParaRPr>
+                    </a:p>
+                  </a:txBody>
+                  <a:tcPr anchor="ctr">
+                    <a:lnL w="12700" cap="flat" cmpd="sng" algn="ctr">
+                      <a:noFill/>
+                      <a:prstDash val="solid"/>
+                      <a:round/>
+                      <a:headEnd type="none" w="med" len="med"/>
+                      <a:tailEnd type="none" w="med" len="med"/>
+                    </a:lnL>
+                    <a:lnR w="12700" cap="flat" cmpd="sng" algn="ctr">
+                      <a:noFill/>
+                      <a:prstDash val="solid"/>
+                      <a:round/>
+                      <a:headEnd type="none" w="med" len="med"/>
+                      <a:tailEnd type="none" w="med" len="med"/>
+                    </a:lnR>
+                    <a:lnT w="12700" cap="flat" cmpd="sng" algn="ctr">
+                      <a:solidFill>
+                        <a:schemeClr val="tx1"/>
+                      </a:solidFill>
+                      <a:prstDash val="solid"/>
+                      <a:round/>
+                      <a:headEnd type="none" w="med" len="med"/>
+                      <a:tailEnd type="none" w="med" len="med"/>
+                    </a:lnT>
+                    <a:lnB w="12700" cap="flat" cmpd="sng" algn="ctr">
+                      <a:noFill/>
+                      <a:prstDash val="solid"/>
+                      <a:round/>
+                      <a:headEnd type="none" w="med" len="med"/>
+                      <a:tailEnd type="none" w="med" len="med"/>
+                    </a:lnB>
+                    <a:lnTlToBr w="12700" cmpd="sng">
+                      <a:noFill/>
+                      <a:prstDash val="solid"/>
+                    </a:lnTlToBr>
+                    <a:lnBlToTr w="12700" cmpd="sng">
+                      <a:noFill/>
+                      <a:prstDash val="solid"/>
+                    </a:lnBlToTr>
+                    <a:noFill/>
+                  </a:tcPr>
+                </a:tc>
+                <a:tc>
+                  <a:txBody>
+                    <a:bodyPr/>
+                    <a:lstStyle/>
+                    <a:p>
+                      <a:pPr algn="ctr" latinLnBrk="1"/>
+                      <a:r>
+                        <a:rPr lang="en-US" altLang="ko-KR" sz="1400" b="0" dirty="0">
+                          <a:solidFill>
+                            <a:schemeClr val="tx1"/>
+                          </a:solidFill>
+                        </a:rPr>
+                        <a:t>L[2]</a:t>
+                      </a:r>
+                      <a:endParaRPr lang="ko-KR" altLang="en-US" sz="1400" b="0" dirty="0">
+                        <a:solidFill>
+                          <a:schemeClr val="tx1"/>
+                        </a:solidFill>
+                      </a:endParaRPr>
+                    </a:p>
+                  </a:txBody>
+                  <a:tcPr anchor="ctr">
+                    <a:lnL w="12700" cap="flat" cmpd="sng" algn="ctr">
+                      <a:noFill/>
+                      <a:prstDash val="solid"/>
+                      <a:round/>
+                      <a:headEnd type="none" w="med" len="med"/>
+                      <a:tailEnd type="none" w="med" len="med"/>
+                    </a:lnL>
+                    <a:lnR w="12700" cap="flat" cmpd="sng" algn="ctr">
+                      <a:noFill/>
+                      <a:prstDash val="solid"/>
+                      <a:round/>
+                      <a:headEnd type="none" w="med" len="med"/>
+                      <a:tailEnd type="none" w="med" len="med"/>
+                    </a:lnR>
+                    <a:lnT w="12700" cap="flat" cmpd="sng" algn="ctr">
+                      <a:solidFill>
+                        <a:schemeClr val="tx1"/>
+                      </a:solidFill>
+                      <a:prstDash val="solid"/>
+                      <a:round/>
+                      <a:headEnd type="none" w="med" len="med"/>
+                      <a:tailEnd type="none" w="med" len="med"/>
+                    </a:lnT>
+                    <a:lnB w="12700" cap="flat" cmpd="sng" algn="ctr">
+                      <a:noFill/>
+                      <a:prstDash val="solid"/>
+                      <a:round/>
+                      <a:headEnd type="none" w="med" len="med"/>
+                      <a:tailEnd type="none" w="med" len="med"/>
+                    </a:lnB>
+                    <a:lnTlToBr w="12700" cmpd="sng">
+                      <a:noFill/>
+                      <a:prstDash val="solid"/>
+                    </a:lnTlToBr>
+                    <a:lnBlToTr w="12700" cmpd="sng">
+                      <a:noFill/>
+                      <a:prstDash val="solid"/>
+                    </a:lnBlToTr>
+                    <a:noFill/>
+                  </a:tcPr>
+                </a:tc>
+                <a:tc>
+                  <a:txBody>
+                    <a:bodyPr/>
+                    <a:lstStyle/>
+                    <a:p>
+                      <a:pPr algn="ctr" latinLnBrk="1"/>
+                      <a:r>
+                        <a:rPr lang="en-US" altLang="ko-KR" sz="1400" b="0" dirty="0">
+                          <a:solidFill>
+                            <a:schemeClr val="tx1"/>
+                          </a:solidFill>
+                        </a:rPr>
+                        <a:t>L[3]</a:t>
+                      </a:r>
+                      <a:endParaRPr lang="ko-KR" altLang="en-US" sz="1400" b="0" dirty="0">
+                        <a:solidFill>
+                          <a:schemeClr val="tx1"/>
+                        </a:solidFill>
+                      </a:endParaRPr>
+                    </a:p>
+                  </a:txBody>
+                  <a:tcPr anchor="ctr">
+                    <a:lnL w="12700" cap="flat" cmpd="sng" algn="ctr">
+                      <a:noFill/>
+                      <a:prstDash val="solid"/>
+                      <a:round/>
+                      <a:headEnd type="none" w="med" len="med"/>
+                      <a:tailEnd type="none" w="med" len="med"/>
+                    </a:lnL>
+                    <a:lnR w="12700" cap="flat" cmpd="sng" algn="ctr">
+                      <a:noFill/>
+                      <a:prstDash val="solid"/>
+                      <a:round/>
+                      <a:headEnd type="none" w="med" len="med"/>
+                      <a:tailEnd type="none" w="med" len="med"/>
+                    </a:lnR>
+                    <a:lnT w="12700" cap="flat" cmpd="sng" algn="ctr">
+                      <a:solidFill>
+                        <a:schemeClr val="tx1"/>
+                      </a:solidFill>
+                      <a:prstDash val="solid"/>
+                      <a:round/>
+                      <a:headEnd type="none" w="med" len="med"/>
+                      <a:tailEnd type="none" w="med" len="med"/>
+                    </a:lnT>
+                    <a:lnB w="12700" cap="flat" cmpd="sng" algn="ctr">
+                      <a:noFill/>
+                      <a:prstDash val="solid"/>
+                      <a:round/>
+                      <a:headEnd type="none" w="med" len="med"/>
+                      <a:tailEnd type="none" w="med" len="med"/>
+                    </a:lnB>
+                    <a:lnTlToBr w="12700" cmpd="sng">
+                      <a:noFill/>
+                      <a:prstDash val="solid"/>
+                    </a:lnTlToBr>
+                    <a:lnBlToTr w="12700" cmpd="sng">
+                      <a:noFill/>
+                      <a:prstDash val="solid"/>
+                    </a:lnBlToTr>
+                    <a:noFill/>
+                  </a:tcPr>
+                </a:tc>
+                <a:tc>
+                  <a:txBody>
+                    <a:bodyPr/>
+                    <a:lstStyle/>
+                    <a:p>
+                      <a:pPr algn="ctr" latinLnBrk="1"/>
+                      <a:r>
+                        <a:rPr lang="en-US" altLang="ko-KR" sz="1400" b="0" dirty="0">
+                          <a:solidFill>
+                            <a:schemeClr val="tx1"/>
+                          </a:solidFill>
+                        </a:rPr>
+                        <a:t>L[4]</a:t>
+                      </a:r>
+                      <a:endParaRPr lang="ko-KR" altLang="en-US" sz="1400" b="0" dirty="0">
+                        <a:solidFill>
+                          <a:schemeClr val="tx1"/>
+                        </a:solidFill>
+                      </a:endParaRPr>
+                    </a:p>
+                  </a:txBody>
+                  <a:tcPr anchor="ctr">
+                    <a:lnL w="12700" cap="flat" cmpd="sng" algn="ctr">
+                      <a:noFill/>
+                      <a:prstDash val="solid"/>
+                      <a:round/>
+                      <a:headEnd type="none" w="med" len="med"/>
+                      <a:tailEnd type="none" w="med" len="med"/>
+                    </a:lnL>
+                    <a:lnR w="12700" cap="flat" cmpd="sng" algn="ctr">
+                      <a:noFill/>
+                      <a:prstDash val="solid"/>
+                      <a:round/>
+                      <a:headEnd type="none" w="med" len="med"/>
+                      <a:tailEnd type="none" w="med" len="med"/>
+                    </a:lnR>
+                    <a:lnT w="12700" cap="flat" cmpd="sng" algn="ctr">
+                      <a:solidFill>
+                        <a:schemeClr val="tx1"/>
+                      </a:solidFill>
+                      <a:prstDash val="solid"/>
+                      <a:round/>
+                      <a:headEnd type="none" w="med" len="med"/>
+                      <a:tailEnd type="none" w="med" len="med"/>
+                    </a:lnT>
+                    <a:lnB w="12700" cap="flat" cmpd="sng" algn="ctr">
+                      <a:noFill/>
+                      <a:prstDash val="solid"/>
+                      <a:round/>
+                      <a:headEnd type="none" w="med" len="med"/>
+                      <a:tailEnd type="none" w="med" len="med"/>
+                    </a:lnB>
+                    <a:lnTlToBr w="12700" cmpd="sng">
+                      <a:noFill/>
+                      <a:prstDash val="solid"/>
+                    </a:lnTlToBr>
+                    <a:lnBlToTr w="12700" cmpd="sng">
+                      <a:noFill/>
+                      <a:prstDash val="solid"/>
+                    </a:lnBlToTr>
+                    <a:noFill/>
+                  </a:tcPr>
+                </a:tc>
+                <a:tc>
+                  <a:txBody>
+                    <a:bodyPr/>
+                    <a:lstStyle/>
+                    <a:p>
+                      <a:pPr algn="ctr" latinLnBrk="1"/>
+                      <a:r>
+                        <a:rPr lang="en-US" altLang="ko-KR" sz="1400" b="0" dirty="0">
+                          <a:solidFill>
+                            <a:schemeClr val="tx1"/>
+                          </a:solidFill>
+                        </a:rPr>
+                        <a:t>L[5]</a:t>
+                      </a:r>
+                      <a:endParaRPr lang="ko-KR" altLang="en-US" sz="1400" b="0" dirty="0">
+                        <a:solidFill>
+                          <a:schemeClr val="tx1"/>
+                        </a:solidFill>
+                      </a:endParaRPr>
+                    </a:p>
+                  </a:txBody>
+                  <a:tcPr anchor="ctr">
+                    <a:lnL w="12700" cap="flat" cmpd="sng" algn="ctr">
+                      <a:noFill/>
+                      <a:prstDash val="solid"/>
+                      <a:round/>
+                      <a:headEnd type="none" w="med" len="med"/>
+                      <a:tailEnd type="none" w="med" len="med"/>
+                    </a:lnL>
+                    <a:lnR w="12700" cap="flat" cmpd="sng" algn="ctr">
+                      <a:noFill/>
+                      <a:prstDash val="solid"/>
+                      <a:round/>
+                      <a:headEnd type="none" w="med" len="med"/>
+                      <a:tailEnd type="none" w="med" len="med"/>
+                    </a:lnR>
+                    <a:lnT w="12700" cap="flat" cmpd="sng" algn="ctr">
+                      <a:solidFill>
+                        <a:schemeClr val="tx1"/>
+                      </a:solidFill>
+                      <a:prstDash val="solid"/>
+                      <a:round/>
+                      <a:headEnd type="none" w="med" len="med"/>
+                      <a:tailEnd type="none" w="med" len="med"/>
+                    </a:lnT>
+                    <a:lnB w="12700" cap="flat" cmpd="sng" algn="ctr">
+                      <a:noFill/>
+                      <a:prstDash val="solid"/>
+                      <a:round/>
+                      <a:headEnd type="none" w="med" len="med"/>
+                      <a:tailEnd type="none" w="med" len="med"/>
+                    </a:lnB>
+                    <a:lnTlToBr w="12700" cmpd="sng">
+                      <a:noFill/>
+                      <a:prstDash val="solid"/>
+                    </a:lnTlToBr>
+                    <a:lnBlToTr w="12700" cmpd="sng">
+                      <a:noFill/>
+                      <a:prstDash val="solid"/>
+                    </a:lnBlToTr>
+                    <a:noFill/>
+                  </a:tcPr>
+                </a:tc>
+                <a:extLst>
+                  <a:ext uri="{0D108BD9-81ED-4DB2-BD59-A6C34878D82A}">
+                    <a16:rowId xmlns:a16="http://schemas.microsoft.com/office/drawing/2014/main" val="2637984921"/>
+                  </a:ext>
+                </a:extLst>
+              </a:tr>
+              <a:tr h="370840">
+                <a:tc gridSpan="6">
+                  <a:txBody>
+                    <a:bodyPr/>
+                    <a:lstStyle/>
+                    <a:p>
+                      <a:pPr algn="ctr" latinLnBrk="1"/>
+                      <a:r>
+                        <a:rPr lang="en-US" altLang="ko-KR" sz="1400" b="0" dirty="0">
+                          <a:solidFill>
+                            <a:schemeClr val="tx1"/>
+                          </a:solidFill>
+                        </a:rPr>
+                        <a:t>(b)</a:t>
+                      </a:r>
+                      <a:endParaRPr lang="ko-KR" altLang="en-US" sz="1400" b="0" dirty="0">
+                        <a:solidFill>
+                          <a:schemeClr val="tx1"/>
+                        </a:solidFill>
+                      </a:endParaRPr>
+                    </a:p>
+                  </a:txBody>
+                  <a:tcPr>
+                    <a:lnL w="12700" cap="flat" cmpd="sng" algn="ctr">
+                      <a:noFill/>
+                      <a:prstDash val="solid"/>
+                      <a:round/>
+                      <a:headEnd type="none" w="med" len="med"/>
+                      <a:tailEnd type="none" w="med" len="med"/>
+                    </a:lnL>
+                    <a:lnR w="12700" cap="flat" cmpd="sng" algn="ctr">
+                      <a:noFill/>
+                      <a:prstDash val="solid"/>
+                      <a:round/>
+                      <a:headEnd type="none" w="med" len="med"/>
+                      <a:tailEnd type="none" w="med" len="med"/>
+                    </a:lnR>
+                    <a:lnT w="12700" cap="flat" cmpd="sng" algn="ctr">
+                      <a:noFill/>
+                      <a:prstDash val="solid"/>
+                      <a:round/>
+                      <a:headEnd type="none" w="med" len="med"/>
+                      <a:tailEnd type="none" w="med" len="med"/>
+                    </a:lnT>
+                    <a:lnB w="12700" cap="flat" cmpd="sng" algn="ctr">
+                      <a:noFill/>
+                      <a:prstDash val="solid"/>
+                      <a:round/>
+                      <a:headEnd type="none" w="med" len="med"/>
+                      <a:tailEnd type="none" w="med" len="med"/>
+                    </a:lnB>
+                    <a:lnTlToBr w="12700" cmpd="sng">
+                      <a:noFill/>
+                      <a:prstDash val="solid"/>
+                    </a:lnTlToBr>
+                    <a:lnBlToTr w="12700" cmpd="sng">
+                      <a:noFill/>
+                      <a:prstDash val="solid"/>
+                    </a:lnBlToTr>
+                    <a:noFill/>
+                  </a:tcPr>
+                </a:tc>
+                <a:tc hMerge="1">
+                  <a:txBody>
+                    <a:bodyPr/>
+                    <a:lstStyle/>
+                    <a:p>
+                      <a:pPr algn="ctr" latinLnBrk="1"/>
+                      <a:endParaRPr lang="ko-KR" altLang="en-US" sz="1400" b="0" dirty="0">
+                        <a:solidFill>
+                          <a:schemeClr val="tx1"/>
+                        </a:solidFill>
+                      </a:endParaRPr>
+                    </a:p>
+                  </a:txBody>
+                  <a:tcPr anchor="ctr">
+                    <a:lnL w="12700" cap="flat" cmpd="sng" algn="ctr">
+                      <a:noFill/>
+                      <a:prstDash val="solid"/>
+                      <a:round/>
+                      <a:headEnd type="none" w="med" len="med"/>
+                      <a:tailEnd type="none" w="med" len="med"/>
+                    </a:lnL>
+                    <a:lnR w="12700" cap="flat" cmpd="sng" algn="ctr">
+                      <a:noFill/>
+                      <a:prstDash val="solid"/>
+                      <a:round/>
+                      <a:headEnd type="none" w="med" len="med"/>
+                      <a:tailEnd type="none" w="med" len="med"/>
+                    </a:lnR>
+                    <a:lnT w="12700" cap="flat" cmpd="sng" algn="ctr">
+                      <a:noFill/>
+                      <a:prstDash val="solid"/>
+                      <a:round/>
+                      <a:headEnd type="none" w="med" len="med"/>
+                      <a:tailEnd type="none" w="med" len="med"/>
+                    </a:lnT>
+                    <a:lnB w="12700" cap="flat" cmpd="sng" algn="ctr">
+                      <a:noFill/>
+                      <a:prstDash val="solid"/>
+                      <a:round/>
+                      <a:headEnd type="none" w="med" len="med"/>
+                      <a:tailEnd type="none" w="med" len="med"/>
+                    </a:lnB>
+                    <a:lnTlToBr w="12700" cmpd="sng">
+                      <a:noFill/>
+                      <a:prstDash val="solid"/>
+                    </a:lnTlToBr>
+                    <a:lnBlToTr w="12700" cmpd="sng">
+                      <a:noFill/>
+                      <a:prstDash val="solid"/>
+                    </a:lnBlToTr>
+                    <a:noFill/>
+                  </a:tcPr>
+                </a:tc>
+                <a:tc hMerge="1">
+                  <a:txBody>
+                    <a:bodyPr/>
+                    <a:lstStyle/>
+                    <a:p>
+                      <a:pPr algn="ctr" latinLnBrk="1"/>
+                      <a:endParaRPr lang="ko-KR" altLang="en-US" sz="1400" b="0" dirty="0">
+                        <a:solidFill>
+                          <a:schemeClr val="tx1"/>
+                        </a:solidFill>
+                      </a:endParaRPr>
+                    </a:p>
+                  </a:txBody>
+                  <a:tcPr anchor="ctr">
+                    <a:lnL w="12700" cap="flat" cmpd="sng" algn="ctr">
+                      <a:noFill/>
+                      <a:prstDash val="solid"/>
+                      <a:round/>
+                      <a:headEnd type="none" w="med" len="med"/>
+                      <a:tailEnd type="none" w="med" len="med"/>
+                    </a:lnL>
+                    <a:lnR w="12700" cap="flat" cmpd="sng" algn="ctr">
+                      <a:noFill/>
+                      <a:prstDash val="solid"/>
+                      <a:round/>
+                      <a:headEnd type="none" w="med" len="med"/>
+                      <a:tailEnd type="none" w="med" len="med"/>
+                    </a:lnR>
+                    <a:lnT w="12700" cap="flat" cmpd="sng" algn="ctr">
+                      <a:noFill/>
+                      <a:prstDash val="solid"/>
+                      <a:round/>
+                      <a:headEnd type="none" w="med" len="med"/>
+                      <a:tailEnd type="none" w="med" len="med"/>
+                    </a:lnT>
+                    <a:lnB w="12700" cap="flat" cmpd="sng" algn="ctr">
+                      <a:noFill/>
+                      <a:prstDash val="solid"/>
+                      <a:round/>
+                      <a:headEnd type="none" w="med" len="med"/>
+                      <a:tailEnd type="none" w="med" len="med"/>
+                    </a:lnB>
+                    <a:lnTlToBr w="12700" cmpd="sng">
+                      <a:noFill/>
+                      <a:prstDash val="solid"/>
+                    </a:lnTlToBr>
+                    <a:lnBlToTr w="12700" cmpd="sng">
+                      <a:noFill/>
+                      <a:prstDash val="solid"/>
+                    </a:lnBlToTr>
+                    <a:noFill/>
+                  </a:tcPr>
+                </a:tc>
+                <a:tc hMerge="1">
+                  <a:txBody>
+                    <a:bodyPr/>
+                    <a:lstStyle/>
+                    <a:p>
+                      <a:pPr algn="ctr" latinLnBrk="1"/>
+                      <a:endParaRPr lang="ko-KR" altLang="en-US" sz="1400" b="0" dirty="0">
+                        <a:solidFill>
+                          <a:schemeClr val="tx1"/>
+                        </a:solidFill>
+                      </a:endParaRPr>
+                    </a:p>
+                  </a:txBody>
+                  <a:tcPr anchor="ctr">
+                    <a:lnL w="12700" cap="flat" cmpd="sng" algn="ctr">
+                      <a:noFill/>
+                      <a:prstDash val="solid"/>
+                      <a:round/>
+                      <a:headEnd type="none" w="med" len="med"/>
+                      <a:tailEnd type="none" w="med" len="med"/>
+                    </a:lnL>
+                    <a:lnR w="12700" cap="flat" cmpd="sng" algn="ctr">
+                      <a:noFill/>
+                      <a:prstDash val="solid"/>
+                      <a:round/>
+                      <a:headEnd type="none" w="med" len="med"/>
+                      <a:tailEnd type="none" w="med" len="med"/>
+                    </a:lnR>
+                    <a:lnT w="12700" cap="flat" cmpd="sng" algn="ctr">
+                      <a:noFill/>
+                      <a:prstDash val="solid"/>
+                      <a:round/>
+                      <a:headEnd type="none" w="med" len="med"/>
+                      <a:tailEnd type="none" w="med" len="med"/>
+                    </a:lnT>
+                    <a:lnB w="12700" cap="flat" cmpd="sng" algn="ctr">
+                      <a:noFill/>
+                      <a:prstDash val="solid"/>
+                      <a:round/>
+                      <a:headEnd type="none" w="med" len="med"/>
+                      <a:tailEnd type="none" w="med" len="med"/>
+                    </a:lnB>
+                    <a:lnTlToBr w="12700" cmpd="sng">
+                      <a:noFill/>
+                      <a:prstDash val="solid"/>
+                    </a:lnTlToBr>
+                    <a:lnBlToTr w="12700" cmpd="sng">
+                      <a:noFill/>
+                      <a:prstDash val="solid"/>
+                    </a:lnBlToTr>
+                    <a:noFill/>
+                  </a:tcPr>
+                </a:tc>
+                <a:tc hMerge="1">
+                  <a:txBody>
+                    <a:bodyPr/>
+                    <a:lstStyle/>
+                    <a:p>
+                      <a:pPr algn="ctr" latinLnBrk="1"/>
+                      <a:endParaRPr lang="ko-KR" altLang="en-US" sz="1400" b="0" dirty="0">
+                        <a:solidFill>
+                          <a:schemeClr val="tx1"/>
+                        </a:solidFill>
+                      </a:endParaRPr>
+                    </a:p>
+                  </a:txBody>
+                  <a:tcPr anchor="ctr">
+                    <a:lnL w="12700" cap="flat" cmpd="sng" algn="ctr">
+                      <a:noFill/>
+                      <a:prstDash val="solid"/>
+                      <a:round/>
+                      <a:headEnd type="none" w="med" len="med"/>
+                      <a:tailEnd type="none" w="med" len="med"/>
+                    </a:lnL>
+                    <a:lnR w="12700" cap="flat" cmpd="sng" algn="ctr">
+                      <a:noFill/>
+                      <a:prstDash val="solid"/>
+                      <a:round/>
+                      <a:headEnd type="none" w="med" len="med"/>
+                      <a:tailEnd type="none" w="med" len="med"/>
+                    </a:lnR>
+                    <a:lnT w="12700" cap="flat" cmpd="sng" algn="ctr">
+                      <a:noFill/>
+                      <a:prstDash val="solid"/>
+                      <a:round/>
+                      <a:headEnd type="none" w="med" len="med"/>
+                      <a:tailEnd type="none" w="med" len="med"/>
+                    </a:lnT>
+                    <a:lnB w="12700" cap="flat" cmpd="sng" algn="ctr">
+                      <a:noFill/>
+                      <a:prstDash val="solid"/>
+                      <a:round/>
+                      <a:headEnd type="none" w="med" len="med"/>
+                      <a:tailEnd type="none" w="med" len="med"/>
+                    </a:lnB>
+                    <a:lnTlToBr w="12700" cmpd="sng">
+                      <a:noFill/>
+                      <a:prstDash val="solid"/>
+                    </a:lnTlToBr>
+                    <a:lnBlToTr w="12700" cmpd="sng">
+                      <a:noFill/>
+                      <a:prstDash val="solid"/>
+                    </a:lnBlToTr>
+                    <a:noFill/>
+                  </a:tcPr>
+                </a:tc>
+                <a:tc hMerge="1">
+                  <a:txBody>
+                    <a:bodyPr/>
+                    <a:lstStyle/>
+                    <a:p>
+                      <a:pPr algn="ctr" latinLnBrk="1"/>
+                      <a:endParaRPr lang="ko-KR" altLang="en-US" sz="1400" b="0" dirty="0">
+                        <a:solidFill>
+                          <a:schemeClr val="tx1"/>
+                        </a:solidFill>
+                      </a:endParaRPr>
+                    </a:p>
+                  </a:txBody>
+                  <a:tcPr anchor="ctr">
+                    <a:lnL w="12700" cap="flat" cmpd="sng" algn="ctr">
+                      <a:noFill/>
+                      <a:prstDash val="solid"/>
+                      <a:round/>
+                      <a:headEnd type="none" w="med" len="med"/>
+                      <a:tailEnd type="none" w="med" len="med"/>
+                    </a:lnL>
+                    <a:lnR w="12700" cap="flat" cmpd="sng" algn="ctr">
+                      <a:noFill/>
+                      <a:prstDash val="solid"/>
+                      <a:round/>
+                      <a:headEnd type="none" w="med" len="med"/>
+                      <a:tailEnd type="none" w="med" len="med"/>
+                    </a:lnR>
+                    <a:lnT w="12700" cap="flat" cmpd="sng" algn="ctr">
+                      <a:noFill/>
+                      <a:prstDash val="solid"/>
+                      <a:round/>
+                      <a:headEnd type="none" w="med" len="med"/>
+                      <a:tailEnd type="none" w="med" len="med"/>
+                    </a:lnT>
+                    <a:lnB w="12700" cap="flat" cmpd="sng" algn="ctr">
+                      <a:noFill/>
+                      <a:prstDash val="solid"/>
+                      <a:round/>
+                      <a:headEnd type="none" w="med" len="med"/>
+                      <a:tailEnd type="none" w="med" len="med"/>
+                    </a:lnB>
+                    <a:lnTlToBr w="12700" cmpd="sng">
+                      <a:noFill/>
+                      <a:prstDash val="solid"/>
+                    </a:lnTlToBr>
+                    <a:lnBlToTr w="12700" cmpd="sng">
+                      <a:noFill/>
+                      <a:prstDash val="solid"/>
+                    </a:lnBlToTr>
+                    <a:noFill/>
+                  </a:tcPr>
+                </a:tc>
+                <a:extLst>
+                  <a:ext uri="{0D108BD9-81ED-4DB2-BD59-A6C34878D82A}">
+                    <a16:rowId xmlns:a16="http://schemas.microsoft.com/office/drawing/2014/main" val="1860558136"/>
+                  </a:ext>
+                </a:extLst>
+              </a:tr>
+            </a:tbl>
+          </a:graphicData>
+        </a:graphic>
+      </p:graphicFrame>
+    </p:spTree>
+    <p:extLst>
+      <p:ext uri="{BB962C8B-B14F-4D97-AF65-F5344CB8AC3E}">
+        <p14:creationId xmlns:p14="http://schemas.microsoft.com/office/powerpoint/2010/main" val="1556394092"/>
+      </p:ext>
+    </p:extLst>
+  </p:cSld>
+  <p:clrMapOvr>
+    <a:masterClrMapping/>
+  </p:clrMapOvr>
+</p:sld>
+</file>
+
+<file path=ppt/slides/slide4.xml><?xml version="1.0" encoding="utf-8"?>
+<p:sld xmlns:a="http://schemas.openxmlformats.org/drawingml/2006/main" xmlns:r="http://schemas.openxmlformats.org/officeDocument/2006/relationships" xmlns:p="http://schemas.openxmlformats.org/presentationml/2006/main">
+  <p:cSld>
+    <p:spTree>
+      <p:nvGrpSpPr>
+        <p:cNvPr id="1" name=""/>
+        <p:cNvGrpSpPr/>
+        <p:nvPr/>
+      </p:nvGrpSpPr>
+      <p:grpSpPr>
+        <a:xfrm>
+          <a:off x="0" y="0"/>
+          <a:ext cx="0" cy="0"/>
+          <a:chOff x="0" y="0"/>
+          <a:chExt cx="0" cy="0"/>
+        </a:xfrm>
+      </p:grpSpPr>
+      <p:graphicFrame>
+        <p:nvGraphicFramePr>
+          <p:cNvPr id="5" name="표 4">
+            <a:extLst>
+              <a:ext uri="{FF2B5EF4-FFF2-40B4-BE49-F238E27FC236}">
+                <a16:creationId xmlns:a16="http://schemas.microsoft.com/office/drawing/2014/main" id="{129F4C33-81EE-4333-922B-C4A7890A2846}"/>
+              </a:ext>
+            </a:extLst>
+          </p:cNvPr>
+          <p:cNvGraphicFramePr>
+            <a:graphicFrameLocks noGrp="1"/>
+          </p:cNvGraphicFramePr>
+          <p:nvPr>
+            <p:extLst>
+              <p:ext uri="{D42A27DB-BD31-4B8C-83A1-F6EECF244321}">
                 <p14:modId xmlns:p14="http://schemas.microsoft.com/office/powerpoint/2010/main" val="2858930000"/>
               </p:ext>
             </p:extLst>

--- a/assets/form/matrix.pptx
+++ b/assets/form/matrix.pptx
@@ -9,6 +9,8 @@
     <p:sldId id="257" r:id="rId3"/>
     <p:sldId id="259" r:id="rId4"/>
     <p:sldId id="258" r:id="rId5"/>
+    <p:sldId id="260" r:id="rId6"/>
+    <p:sldId id="261" r:id="rId7"/>
   </p:sldIdLst>
   <p:sldSz cx="12192000" cy="6858000"/>
   <p:notesSz cx="6858000" cy="9144000"/>
@@ -14019,7 +14021,7 @@
           <p:nvPr>
             <p:extLst>
               <p:ext uri="{D42A27DB-BD31-4B8C-83A1-F6EECF244321}">
-                <p14:modId xmlns:p14="http://schemas.microsoft.com/office/powerpoint/2010/main" val="3501958476"/>
+                <p14:modId xmlns:p14="http://schemas.microsoft.com/office/powerpoint/2010/main" val="161067421"/>
               </p:ext>
             </p:extLst>
           </p:nvPr>
@@ -19429,6 +19431,8009 @@
     <p:extLst>
       <p:ext uri="{BB962C8B-B14F-4D97-AF65-F5344CB8AC3E}">
         <p14:creationId xmlns:p14="http://schemas.microsoft.com/office/powerpoint/2010/main" val="2801462730"/>
+      </p:ext>
+    </p:extLst>
+  </p:cSld>
+  <p:clrMapOvr>
+    <a:masterClrMapping/>
+  </p:clrMapOvr>
+</p:sld>
+</file>
+
+<file path=ppt/slides/slide5.xml><?xml version="1.0" encoding="utf-8"?>
+<p:sld xmlns:a="http://schemas.openxmlformats.org/drawingml/2006/main" xmlns:r="http://schemas.openxmlformats.org/officeDocument/2006/relationships" xmlns:p="http://schemas.openxmlformats.org/presentationml/2006/main">
+  <p:cSld>
+    <p:spTree>
+      <p:nvGrpSpPr>
+        <p:cNvPr id="1" name=""/>
+        <p:cNvGrpSpPr/>
+        <p:nvPr/>
+      </p:nvGrpSpPr>
+      <p:grpSpPr>
+        <a:xfrm>
+          <a:off x="0" y="0"/>
+          <a:ext cx="0" cy="0"/>
+          <a:chOff x="0" y="0"/>
+          <a:chExt cx="0" cy="0"/>
+        </a:xfrm>
+      </p:grpSpPr>
+      <p:graphicFrame>
+        <p:nvGraphicFramePr>
+          <p:cNvPr id="5" name="표 4">
+            <a:extLst>
+              <a:ext uri="{FF2B5EF4-FFF2-40B4-BE49-F238E27FC236}">
+                <a16:creationId xmlns:a16="http://schemas.microsoft.com/office/drawing/2014/main" id="{129F4C33-81EE-4333-922B-C4A7890A2846}"/>
+              </a:ext>
+            </a:extLst>
+          </p:cNvPr>
+          <p:cNvGraphicFramePr>
+            <a:graphicFrameLocks noGrp="1"/>
+          </p:cNvGraphicFramePr>
+          <p:nvPr>
+            <p:extLst>
+              <p:ext uri="{D42A27DB-BD31-4B8C-83A1-F6EECF244321}">
+                <p14:modId xmlns:p14="http://schemas.microsoft.com/office/powerpoint/2010/main" val="1275678937"/>
+              </p:ext>
+            </p:extLst>
+          </p:nvPr>
+        </p:nvGraphicFramePr>
+        <p:xfrm>
+          <a:off x="222254" y="91440"/>
+          <a:ext cx="2080158" cy="3337560"/>
+        </p:xfrm>
+        <a:graphic>
+          <a:graphicData uri="http://schemas.openxmlformats.org/drawingml/2006/table">
+            <a:tbl>
+              <a:tblPr firstRow="1" bandRow="1">
+                <a:tableStyleId>{5C22544A-7EE6-4342-B048-85BDC9FD1C3A}</a:tableStyleId>
+              </a:tblPr>
+              <a:tblGrid>
+                <a:gridCol w="504948">
+                  <a:extLst>
+                    <a:ext uri="{9D8B030D-6E8A-4147-A177-3AD203B41FA5}">
+                      <a16:colId xmlns:a16="http://schemas.microsoft.com/office/drawing/2014/main" val="3061974768"/>
+                    </a:ext>
+                  </a:extLst>
+                </a:gridCol>
+                <a:gridCol w="815275">
+                  <a:extLst>
+                    <a:ext uri="{9D8B030D-6E8A-4147-A177-3AD203B41FA5}">
+                      <a16:colId xmlns:a16="http://schemas.microsoft.com/office/drawing/2014/main" val="284153145"/>
+                    </a:ext>
+                  </a:extLst>
+                </a:gridCol>
+                <a:gridCol w="216123">
+                  <a:extLst>
+                    <a:ext uri="{9D8B030D-6E8A-4147-A177-3AD203B41FA5}">
+                      <a16:colId xmlns:a16="http://schemas.microsoft.com/office/drawing/2014/main" val="2948392488"/>
+                    </a:ext>
+                  </a:extLst>
+                </a:gridCol>
+                <a:gridCol w="543812">
+                  <a:extLst>
+                    <a:ext uri="{9D8B030D-6E8A-4147-A177-3AD203B41FA5}">
+                      <a16:colId xmlns:a16="http://schemas.microsoft.com/office/drawing/2014/main" val="1729085481"/>
+                    </a:ext>
+                  </a:extLst>
+                </a:gridCol>
+              </a:tblGrid>
+              <a:tr h="370840">
+                <a:tc>
+                  <a:txBody>
+                    <a:bodyPr/>
+                    <a:lstStyle/>
+                    <a:p>
+                      <a:pPr algn="ctr" latinLnBrk="1"/>
+                      <a:r>
+                        <a:rPr lang="ko-KR" altLang="en-US" sz="1200" b="0" dirty="0">
+                          <a:solidFill>
+                            <a:schemeClr val="tx1"/>
+                          </a:solidFill>
+                        </a:rPr>
+                        <a:t>주소</a:t>
+                      </a:r>
+                    </a:p>
+                  </a:txBody>
+                  <a:tcPr anchor="ctr">
+                    <a:lnL w="12700" cmpd="sng">
+                      <a:noFill/>
+                    </a:lnL>
+                    <a:lnR w="12700" cmpd="sng">
+                      <a:noFill/>
+                    </a:lnR>
+                    <a:lnT w="12700" cmpd="sng">
+                      <a:noFill/>
+                    </a:lnT>
+                    <a:lnB w="38100" cmpd="sng">
+                      <a:noFill/>
+                    </a:lnB>
+                    <a:lnTlToBr w="12700" cmpd="sng">
+                      <a:noFill/>
+                      <a:prstDash val="solid"/>
+                    </a:lnTlToBr>
+                    <a:lnBlToTr w="12700" cmpd="sng">
+                      <a:noFill/>
+                      <a:prstDash val="solid"/>
+                    </a:lnBlToTr>
+                    <a:noFill/>
+                  </a:tcPr>
+                </a:tc>
+                <a:tc>
+                  <a:txBody>
+                    <a:bodyPr/>
+                    <a:lstStyle/>
+                    <a:p>
+                      <a:pPr algn="ctr" latinLnBrk="1"/>
+                      <a:endParaRPr lang="ko-KR" altLang="en-US" sz="1200" b="0" dirty="0">
+                        <a:solidFill>
+                          <a:schemeClr val="tx1"/>
+                        </a:solidFill>
+                      </a:endParaRPr>
+                    </a:p>
+                  </a:txBody>
+                  <a:tcPr anchor="ctr">
+                    <a:lnL w="12700" cmpd="sng">
+                      <a:noFill/>
+                    </a:lnL>
+                    <a:lnR w="12700" cmpd="sng">
+                      <a:noFill/>
+                    </a:lnR>
+                    <a:lnT w="12700" cmpd="sng">
+                      <a:noFill/>
+                    </a:lnT>
+                    <a:lnB w="12700" cap="flat" cmpd="sng" algn="ctr">
+                      <a:solidFill>
+                        <a:schemeClr val="tx1"/>
+                      </a:solidFill>
+                      <a:prstDash val="solid"/>
+                      <a:round/>
+                      <a:headEnd type="none" w="med" len="med"/>
+                      <a:tailEnd type="none" w="med" len="med"/>
+                    </a:lnB>
+                    <a:lnTlToBr w="12700" cmpd="sng">
+                      <a:noFill/>
+                      <a:prstDash val="solid"/>
+                    </a:lnTlToBr>
+                    <a:lnBlToTr w="12700" cmpd="sng">
+                      <a:noFill/>
+                      <a:prstDash val="solid"/>
+                    </a:lnBlToTr>
+                    <a:noFill/>
+                  </a:tcPr>
+                </a:tc>
+                <a:tc>
+                  <a:txBody>
+                    <a:bodyPr/>
+                    <a:lstStyle/>
+                    <a:p>
+                      <a:pPr algn="ctr" latinLnBrk="1"/>
+                      <a:endParaRPr lang="ko-KR" altLang="en-US" sz="1200" b="0" dirty="0">
+                        <a:solidFill>
+                          <a:schemeClr val="tx1"/>
+                        </a:solidFill>
+                      </a:endParaRPr>
+                    </a:p>
+                  </a:txBody>
+                  <a:tcPr anchor="ctr">
+                    <a:lnL w="12700" cmpd="sng">
+                      <a:noFill/>
+                    </a:lnL>
+                    <a:lnR w="12700" cmpd="sng">
+                      <a:noFill/>
+                    </a:lnR>
+                    <a:lnT w="12700" cmpd="sng">
+                      <a:noFill/>
+                    </a:lnT>
+                    <a:lnB w="12700" cap="flat" cmpd="sng" algn="ctr">
+                      <a:noFill/>
+                      <a:prstDash val="solid"/>
+                      <a:round/>
+                      <a:headEnd type="none" w="med" len="med"/>
+                      <a:tailEnd type="none" w="med" len="med"/>
+                    </a:lnB>
+                    <a:lnTlToBr w="12700" cmpd="sng">
+                      <a:noFill/>
+                      <a:prstDash val="solid"/>
+                    </a:lnTlToBr>
+                    <a:lnBlToTr w="12700" cmpd="sng">
+                      <a:noFill/>
+                      <a:prstDash val="solid"/>
+                    </a:lnBlToTr>
+                    <a:noFill/>
+                  </a:tcPr>
+                </a:tc>
+                <a:tc>
+                  <a:txBody>
+                    <a:bodyPr/>
+                    <a:lstStyle/>
+                    <a:p>
+                      <a:pPr algn="ctr" latinLnBrk="1"/>
+                      <a:endParaRPr lang="ko-KR" altLang="en-US" sz="1200" b="0" dirty="0">
+                        <a:solidFill>
+                          <a:schemeClr val="tx1"/>
+                        </a:solidFill>
+                      </a:endParaRPr>
+                    </a:p>
+                  </a:txBody>
+                  <a:tcPr anchor="ctr">
+                    <a:lnL w="12700" cmpd="sng">
+                      <a:noFill/>
+                    </a:lnL>
+                    <a:lnR w="12700" cmpd="sng">
+                      <a:noFill/>
+                    </a:lnR>
+                    <a:lnT w="12700" cmpd="sng">
+                      <a:noFill/>
+                    </a:lnT>
+                    <a:lnB w="12700" cap="flat" cmpd="sng" algn="ctr">
+                      <a:noFill/>
+                      <a:prstDash val="solid"/>
+                      <a:round/>
+                      <a:headEnd type="none" w="med" len="med"/>
+                      <a:tailEnd type="none" w="med" len="med"/>
+                    </a:lnB>
+                    <a:lnTlToBr w="12700" cmpd="sng">
+                      <a:noFill/>
+                      <a:prstDash val="solid"/>
+                    </a:lnTlToBr>
+                    <a:lnBlToTr w="12700" cmpd="sng">
+                      <a:noFill/>
+                      <a:prstDash val="solid"/>
+                    </a:lnBlToTr>
+                    <a:noFill/>
+                  </a:tcPr>
+                </a:tc>
+                <a:extLst>
+                  <a:ext uri="{0D108BD9-81ED-4DB2-BD59-A6C34878D82A}">
+                    <a16:rowId xmlns:a16="http://schemas.microsoft.com/office/drawing/2014/main" val="733048539"/>
+                  </a:ext>
+                </a:extLst>
+              </a:tr>
+              <a:tr h="370840">
+                <a:tc>
+                  <a:txBody>
+                    <a:bodyPr/>
+                    <a:lstStyle/>
+                    <a:p>
+                      <a:pPr algn="ctr" latinLnBrk="1"/>
+                      <a:r>
+                        <a:rPr lang="en-US" altLang="ko-KR" sz="1200" b="0" dirty="0">
+                          <a:solidFill>
+                            <a:schemeClr val="tx1"/>
+                          </a:solidFill>
+                        </a:rPr>
+                        <a:t>a</a:t>
+                      </a:r>
+                      <a:endParaRPr lang="ko-KR" altLang="en-US" sz="1200" b="0" dirty="0">
+                        <a:solidFill>
+                          <a:schemeClr val="tx1"/>
+                        </a:solidFill>
+                      </a:endParaRPr>
+                    </a:p>
+                  </a:txBody>
+                  <a:tcPr anchor="ctr">
+                    <a:lnL w="12700" cmpd="sng">
+                      <a:noFill/>
+                    </a:lnL>
+                    <a:lnR w="12700" cap="flat" cmpd="sng" algn="ctr">
+                      <a:solidFill>
+                        <a:schemeClr val="tx1"/>
+                      </a:solidFill>
+                      <a:prstDash val="solid"/>
+                      <a:round/>
+                      <a:headEnd type="none" w="med" len="med"/>
+                      <a:tailEnd type="none" w="med" len="med"/>
+                    </a:lnR>
+                    <a:lnT w="38100" cmpd="sng">
+                      <a:noFill/>
+                    </a:lnT>
+                    <a:lnB w="12700" cmpd="sng">
+                      <a:noFill/>
+                    </a:lnB>
+                    <a:lnTlToBr w="12700" cmpd="sng">
+                      <a:noFill/>
+                      <a:prstDash val="solid"/>
+                    </a:lnTlToBr>
+                    <a:lnBlToTr w="12700" cmpd="sng">
+                      <a:noFill/>
+                      <a:prstDash val="solid"/>
+                    </a:lnBlToTr>
+                    <a:noFill/>
+                  </a:tcPr>
+                </a:tc>
+                <a:tc>
+                  <a:txBody>
+                    <a:bodyPr/>
+                    <a:lstStyle/>
+                    <a:p>
+                      <a:pPr algn="ctr" latinLnBrk="1"/>
+                      <a:r>
+                        <a:rPr lang="ko-KR" altLang="en-US" sz="1200" b="0" dirty="0">
+                          <a:solidFill>
+                            <a:schemeClr val="tx1"/>
+                          </a:solidFill>
+                        </a:rPr>
+                        <a:t>필드</a:t>
+                      </a:r>
+                    </a:p>
+                  </a:txBody>
+                  <a:tcPr anchor="ctr">
+                    <a:lnL w="12700" cap="flat" cmpd="sng" algn="ctr">
+                      <a:solidFill>
+                        <a:schemeClr val="tx1"/>
+                      </a:solidFill>
+                      <a:prstDash val="solid"/>
+                      <a:round/>
+                      <a:headEnd type="none" w="med" len="med"/>
+                      <a:tailEnd type="none" w="med" len="med"/>
+                    </a:lnL>
+                    <a:lnR w="12700" cap="flat" cmpd="sng" algn="ctr">
+                      <a:solidFill>
+                        <a:schemeClr val="tx1"/>
+                      </a:solidFill>
+                      <a:prstDash val="solid"/>
+                      <a:round/>
+                      <a:headEnd type="none" w="med" len="med"/>
+                      <a:tailEnd type="none" w="med" len="med"/>
+                    </a:lnR>
+                    <a:lnT w="12700" cap="flat" cmpd="sng" algn="ctr">
+                      <a:solidFill>
+                        <a:schemeClr val="tx1"/>
+                      </a:solidFill>
+                      <a:prstDash val="solid"/>
+                      <a:round/>
+                      <a:headEnd type="none" w="med" len="med"/>
+                      <a:tailEnd type="none" w="med" len="med"/>
+                    </a:lnT>
+                    <a:lnB w="12700" cap="flat" cmpd="sng" algn="ctr">
+                      <a:solidFill>
+                        <a:schemeClr val="tx1"/>
+                      </a:solidFill>
+                      <a:prstDash val="solid"/>
+                      <a:round/>
+                      <a:headEnd type="none" w="med" len="med"/>
+                      <a:tailEnd type="none" w="med" len="med"/>
+                    </a:lnB>
+                    <a:lnTlToBr w="12700" cmpd="sng">
+                      <a:noFill/>
+                      <a:prstDash val="solid"/>
+                    </a:lnTlToBr>
+                    <a:lnBlToTr w="12700" cmpd="sng">
+                      <a:noFill/>
+                      <a:prstDash val="solid"/>
+                    </a:lnBlToTr>
+                    <a:noFill/>
+                  </a:tcPr>
+                </a:tc>
+                <a:tc>
+                  <a:txBody>
+                    <a:bodyPr/>
+                    <a:lstStyle/>
+                    <a:p>
+                      <a:pPr algn="ctr" latinLnBrk="1"/>
+                      <a:endParaRPr lang="ko-KR" altLang="en-US" sz="1200" b="0" dirty="0">
+                        <a:solidFill>
+                          <a:schemeClr val="tx1"/>
+                        </a:solidFill>
+                      </a:endParaRPr>
+                    </a:p>
+                  </a:txBody>
+                  <a:tcPr anchor="ctr">
+                    <a:lnL w="12700" cap="flat" cmpd="sng" algn="ctr">
+                      <a:solidFill>
+                        <a:schemeClr val="tx1"/>
+                      </a:solidFill>
+                      <a:prstDash val="solid"/>
+                      <a:round/>
+                      <a:headEnd type="none" w="med" len="med"/>
+                      <a:tailEnd type="none" w="med" len="med"/>
+                    </a:lnL>
+                    <a:lnR w="12700" cap="flat" cmpd="sng" algn="ctr">
+                      <a:noFill/>
+                      <a:prstDash val="solid"/>
+                      <a:round/>
+                      <a:headEnd type="none" w="med" len="med"/>
+                      <a:tailEnd type="none" w="med" len="med"/>
+                    </a:lnR>
+                    <a:lnT w="12700" cap="flat" cmpd="sng" algn="ctr">
+                      <a:noFill/>
+                      <a:prstDash val="solid"/>
+                      <a:round/>
+                      <a:headEnd type="none" w="med" len="med"/>
+                      <a:tailEnd type="none" w="med" len="med"/>
+                    </a:lnT>
+                    <a:lnB w="12700" cap="flat" cmpd="sng" algn="ctr">
+                      <a:noFill/>
+                      <a:prstDash val="solid"/>
+                      <a:round/>
+                      <a:headEnd type="none" w="med" len="med"/>
+                      <a:tailEnd type="none" w="med" len="med"/>
+                    </a:lnB>
+                    <a:lnTlToBr w="12700" cmpd="sng">
+                      <a:noFill/>
+                      <a:prstDash val="solid"/>
+                    </a:lnTlToBr>
+                    <a:lnBlToTr w="12700" cmpd="sng">
+                      <a:noFill/>
+                      <a:prstDash val="solid"/>
+                    </a:lnBlToTr>
+                    <a:solidFill>
+                      <a:schemeClr val="accent6">
+                        <a:lumMod val="40000"/>
+                        <a:lumOff val="60000"/>
+                      </a:schemeClr>
+                    </a:solidFill>
+                  </a:tcPr>
+                </a:tc>
+                <a:tc rowSpan="4">
+                  <a:txBody>
+                    <a:bodyPr/>
+                    <a:lstStyle/>
+                    <a:p>
+                      <a:pPr algn="ctr" latinLnBrk="1"/>
+                      <a:r>
+                        <a:rPr lang="en-US" altLang="ko-KR" sz="1200" b="0" dirty="0">
+                          <a:solidFill>
+                            <a:schemeClr val="tx1"/>
+                          </a:solidFill>
+                        </a:rPr>
+                        <a:t>data</a:t>
+                      </a:r>
+                      <a:br>
+                        <a:rPr lang="en-US" altLang="ko-KR" sz="1200" b="0" dirty="0">
+                          <a:solidFill>
+                            <a:schemeClr val="tx1"/>
+                          </a:solidFill>
+                        </a:rPr>
+                      </a:br>
+                      <a:r>
+                        <a:rPr lang="ko-KR" altLang="en-US" sz="1200" b="0" dirty="0">
+                          <a:solidFill>
+                            <a:schemeClr val="tx1"/>
+                          </a:solidFill>
+                        </a:rPr>
+                        <a:t>필드</a:t>
+                      </a:r>
+                    </a:p>
+                  </a:txBody>
+                  <a:tcPr anchor="ctr">
+                    <a:lnL w="12700" cap="flat" cmpd="sng" algn="ctr">
+                      <a:noFill/>
+                      <a:prstDash val="solid"/>
+                      <a:round/>
+                      <a:headEnd type="none" w="med" len="med"/>
+                      <a:tailEnd type="none" w="med" len="med"/>
+                    </a:lnL>
+                    <a:lnR w="12700" cap="flat" cmpd="sng" algn="ctr">
+                      <a:noFill/>
+                      <a:prstDash val="solid"/>
+                      <a:round/>
+                      <a:headEnd type="none" w="med" len="med"/>
+                      <a:tailEnd type="none" w="med" len="med"/>
+                    </a:lnR>
+                    <a:lnT w="12700" cap="flat" cmpd="sng" algn="ctr">
+                      <a:noFill/>
+                      <a:prstDash val="solid"/>
+                      <a:round/>
+                      <a:headEnd type="none" w="med" len="med"/>
+                      <a:tailEnd type="none" w="med" len="med"/>
+                    </a:lnT>
+                    <a:lnB w="12700" cap="flat" cmpd="sng" algn="ctr">
+                      <a:noFill/>
+                      <a:prstDash val="solid"/>
+                      <a:round/>
+                      <a:headEnd type="none" w="med" len="med"/>
+                      <a:tailEnd type="none" w="med" len="med"/>
+                    </a:lnB>
+                    <a:lnTlToBr w="12700" cmpd="sng">
+                      <a:noFill/>
+                      <a:prstDash val="solid"/>
+                    </a:lnTlToBr>
+                    <a:lnBlToTr w="12700" cmpd="sng">
+                      <a:noFill/>
+                      <a:prstDash val="solid"/>
+                    </a:lnBlToTr>
+                    <a:noFill/>
+                  </a:tcPr>
+                </a:tc>
+                <a:extLst>
+                  <a:ext uri="{0D108BD9-81ED-4DB2-BD59-A6C34878D82A}">
+                    <a16:rowId xmlns:a16="http://schemas.microsoft.com/office/drawing/2014/main" val="2774386873"/>
+                  </a:ext>
+                </a:extLst>
+              </a:tr>
+              <a:tr h="370840">
+                <a:tc>
+                  <a:txBody>
+                    <a:bodyPr/>
+                    <a:lstStyle/>
+                    <a:p>
+                      <a:pPr algn="ctr" latinLnBrk="1"/>
+                      <a:r>
+                        <a:rPr lang="en-US" altLang="ko-KR" sz="1200" b="0" dirty="0">
+                          <a:solidFill>
+                            <a:schemeClr val="tx1"/>
+                          </a:solidFill>
+                        </a:rPr>
+                        <a:t>a+1</a:t>
+                      </a:r>
+                      <a:endParaRPr lang="ko-KR" altLang="en-US" sz="1200" b="0" dirty="0">
+                        <a:solidFill>
+                          <a:schemeClr val="tx1"/>
+                        </a:solidFill>
+                      </a:endParaRPr>
+                    </a:p>
+                  </a:txBody>
+                  <a:tcPr anchor="ctr">
+                    <a:lnL w="12700" cmpd="sng">
+                      <a:noFill/>
+                    </a:lnL>
+                    <a:lnR w="12700" cap="flat" cmpd="sng" algn="ctr">
+                      <a:solidFill>
+                        <a:schemeClr val="tx1"/>
+                      </a:solidFill>
+                      <a:prstDash val="solid"/>
+                      <a:round/>
+                      <a:headEnd type="none" w="med" len="med"/>
+                      <a:tailEnd type="none" w="med" len="med"/>
+                    </a:lnR>
+                    <a:lnT w="12700" cmpd="sng">
+                      <a:noFill/>
+                    </a:lnT>
+                    <a:lnB w="12700" cmpd="sng">
+                      <a:noFill/>
+                    </a:lnB>
+                    <a:lnTlToBr w="12700" cmpd="sng">
+                      <a:noFill/>
+                      <a:prstDash val="solid"/>
+                    </a:lnTlToBr>
+                    <a:lnBlToTr w="12700" cmpd="sng">
+                      <a:noFill/>
+                      <a:prstDash val="solid"/>
+                    </a:lnBlToTr>
+                    <a:noFill/>
+                  </a:tcPr>
+                </a:tc>
+                <a:tc>
+                  <a:txBody>
+                    <a:bodyPr/>
+                    <a:lstStyle/>
+                    <a:p>
+                      <a:pPr algn="ctr" latinLnBrk="1"/>
+                      <a:r>
+                        <a:rPr lang="en-US" altLang="ko-KR" sz="1200" b="0" dirty="0">
+                          <a:solidFill>
+                            <a:schemeClr val="tx1"/>
+                          </a:solidFill>
+                        </a:rPr>
+                        <a:t>…</a:t>
+                      </a:r>
+                      <a:endParaRPr lang="ko-KR" altLang="en-US" sz="1200" b="0" dirty="0">
+                        <a:solidFill>
+                          <a:schemeClr val="tx1"/>
+                        </a:solidFill>
+                      </a:endParaRPr>
+                    </a:p>
+                  </a:txBody>
+                  <a:tcPr anchor="ctr">
+                    <a:lnL w="12700" cap="flat" cmpd="sng" algn="ctr">
+                      <a:solidFill>
+                        <a:schemeClr val="tx1"/>
+                      </a:solidFill>
+                      <a:prstDash val="solid"/>
+                      <a:round/>
+                      <a:headEnd type="none" w="med" len="med"/>
+                      <a:tailEnd type="none" w="med" len="med"/>
+                    </a:lnL>
+                    <a:lnR w="12700" cap="flat" cmpd="sng" algn="ctr">
+                      <a:solidFill>
+                        <a:schemeClr val="tx1"/>
+                      </a:solidFill>
+                      <a:prstDash val="solid"/>
+                      <a:round/>
+                      <a:headEnd type="none" w="med" len="med"/>
+                      <a:tailEnd type="none" w="med" len="med"/>
+                    </a:lnR>
+                    <a:lnT w="12700" cap="flat" cmpd="sng" algn="ctr">
+                      <a:solidFill>
+                        <a:schemeClr val="tx1"/>
+                      </a:solidFill>
+                      <a:prstDash val="solid"/>
+                      <a:round/>
+                      <a:headEnd type="none" w="med" len="med"/>
+                      <a:tailEnd type="none" w="med" len="med"/>
+                    </a:lnT>
+                    <a:lnB w="12700" cap="flat" cmpd="sng" algn="ctr">
+                      <a:solidFill>
+                        <a:schemeClr val="tx1"/>
+                      </a:solidFill>
+                      <a:prstDash val="solid"/>
+                      <a:round/>
+                      <a:headEnd type="none" w="med" len="med"/>
+                      <a:tailEnd type="none" w="med" len="med"/>
+                    </a:lnB>
+                    <a:lnTlToBr w="12700" cmpd="sng">
+                      <a:noFill/>
+                      <a:prstDash val="solid"/>
+                    </a:lnTlToBr>
+                    <a:lnBlToTr w="12700" cmpd="sng">
+                      <a:noFill/>
+                      <a:prstDash val="solid"/>
+                    </a:lnBlToTr>
+                    <a:noFill/>
+                  </a:tcPr>
+                </a:tc>
+                <a:tc>
+                  <a:txBody>
+                    <a:bodyPr/>
+                    <a:lstStyle/>
+                    <a:p>
+                      <a:pPr algn="ctr" latinLnBrk="1"/>
+                      <a:endParaRPr lang="ko-KR" altLang="en-US" sz="1200" b="0" dirty="0">
+                        <a:solidFill>
+                          <a:schemeClr val="tx1"/>
+                        </a:solidFill>
+                      </a:endParaRPr>
+                    </a:p>
+                  </a:txBody>
+                  <a:tcPr anchor="ctr">
+                    <a:lnL w="12700" cap="flat" cmpd="sng" algn="ctr">
+                      <a:solidFill>
+                        <a:schemeClr val="tx1"/>
+                      </a:solidFill>
+                      <a:prstDash val="solid"/>
+                      <a:round/>
+                      <a:headEnd type="none" w="med" len="med"/>
+                      <a:tailEnd type="none" w="med" len="med"/>
+                    </a:lnL>
+                    <a:lnR w="12700" cap="flat" cmpd="sng" algn="ctr">
+                      <a:noFill/>
+                      <a:prstDash val="solid"/>
+                      <a:round/>
+                      <a:headEnd type="none" w="med" len="med"/>
+                      <a:tailEnd type="none" w="med" len="med"/>
+                    </a:lnR>
+                    <a:lnT w="12700" cap="flat" cmpd="sng" algn="ctr">
+                      <a:noFill/>
+                      <a:prstDash val="solid"/>
+                      <a:round/>
+                      <a:headEnd type="none" w="med" len="med"/>
+                      <a:tailEnd type="none" w="med" len="med"/>
+                    </a:lnT>
+                    <a:lnB w="12700" cap="flat" cmpd="sng" algn="ctr">
+                      <a:noFill/>
+                      <a:prstDash val="solid"/>
+                      <a:round/>
+                      <a:headEnd type="none" w="med" len="med"/>
+                      <a:tailEnd type="none" w="med" len="med"/>
+                    </a:lnB>
+                    <a:lnTlToBr w="12700" cmpd="sng">
+                      <a:noFill/>
+                      <a:prstDash val="solid"/>
+                    </a:lnTlToBr>
+                    <a:lnBlToTr w="12700" cmpd="sng">
+                      <a:noFill/>
+                      <a:prstDash val="solid"/>
+                    </a:lnBlToTr>
+                    <a:solidFill>
+                      <a:schemeClr val="accent6">
+                        <a:lumMod val="40000"/>
+                        <a:lumOff val="60000"/>
+                      </a:schemeClr>
+                    </a:solidFill>
+                  </a:tcPr>
+                </a:tc>
+                <a:tc vMerge="1">
+                  <a:txBody>
+                    <a:bodyPr/>
+                    <a:lstStyle/>
+                    <a:p>
+                      <a:pPr algn="ctr" latinLnBrk="1"/>
+                      <a:endParaRPr lang="ko-KR" altLang="en-US" sz="1400" b="0" dirty="0">
+                        <a:solidFill>
+                          <a:schemeClr val="tx1"/>
+                        </a:solidFill>
+                      </a:endParaRPr>
+                    </a:p>
+                  </a:txBody>
+                  <a:tcPr anchor="ctr">
+                    <a:lnL w="12700" cap="flat" cmpd="sng" algn="ctr">
+                      <a:noFill/>
+                      <a:prstDash val="solid"/>
+                      <a:round/>
+                      <a:headEnd type="none" w="med" len="med"/>
+                      <a:tailEnd type="none" w="med" len="med"/>
+                    </a:lnL>
+                    <a:lnR w="12700" cap="flat" cmpd="sng" algn="ctr">
+                      <a:noFill/>
+                      <a:prstDash val="solid"/>
+                      <a:round/>
+                      <a:headEnd type="none" w="med" len="med"/>
+                      <a:tailEnd type="none" w="med" len="med"/>
+                    </a:lnR>
+                    <a:lnT w="12700" cap="flat" cmpd="sng" algn="ctr">
+                      <a:noFill/>
+                      <a:prstDash val="solid"/>
+                      <a:round/>
+                      <a:headEnd type="none" w="med" len="med"/>
+                      <a:tailEnd type="none" w="med" len="med"/>
+                    </a:lnT>
+                    <a:lnB w="12700" cap="flat" cmpd="sng" algn="ctr">
+                      <a:noFill/>
+                      <a:prstDash val="solid"/>
+                      <a:round/>
+                      <a:headEnd type="none" w="med" len="med"/>
+                      <a:tailEnd type="none" w="med" len="med"/>
+                    </a:lnB>
+                    <a:lnTlToBr w="12700" cmpd="sng">
+                      <a:noFill/>
+                      <a:prstDash val="solid"/>
+                    </a:lnTlToBr>
+                    <a:lnBlToTr w="12700" cmpd="sng">
+                      <a:noFill/>
+                      <a:prstDash val="solid"/>
+                    </a:lnBlToTr>
+                    <a:noFill/>
+                  </a:tcPr>
+                </a:tc>
+                <a:extLst>
+                  <a:ext uri="{0D108BD9-81ED-4DB2-BD59-A6C34878D82A}">
+                    <a16:rowId xmlns:a16="http://schemas.microsoft.com/office/drawing/2014/main" val="2637984921"/>
+                  </a:ext>
+                </a:extLst>
+              </a:tr>
+              <a:tr h="370840">
+                <a:tc rowSpan="4">
+                  <a:txBody>
+                    <a:bodyPr/>
+                    <a:lstStyle/>
+                    <a:p>
+                      <a:pPr algn="ctr" latinLnBrk="1"/>
+                      <a:r>
+                        <a:rPr lang="en-US" altLang="ko-KR" sz="1200" b="0" dirty="0">
+                          <a:solidFill>
+                            <a:schemeClr val="tx1"/>
+                          </a:solidFill>
+                        </a:rPr>
+                        <a:t>…</a:t>
+                      </a:r>
+                      <a:endParaRPr lang="ko-KR" altLang="en-US" sz="1200" b="0" dirty="0">
+                        <a:solidFill>
+                          <a:schemeClr val="tx1"/>
+                        </a:solidFill>
+                      </a:endParaRPr>
+                    </a:p>
+                  </a:txBody>
+                  <a:tcPr anchor="ctr">
+                    <a:lnL w="12700" cmpd="sng">
+                      <a:noFill/>
+                    </a:lnL>
+                    <a:lnR w="12700" cap="flat" cmpd="sng" algn="ctr">
+                      <a:solidFill>
+                        <a:schemeClr val="tx1"/>
+                      </a:solidFill>
+                      <a:prstDash val="solid"/>
+                      <a:round/>
+                      <a:headEnd type="none" w="med" len="med"/>
+                      <a:tailEnd type="none" w="med" len="med"/>
+                    </a:lnR>
+                    <a:lnT w="12700" cmpd="sng">
+                      <a:noFill/>
+                    </a:lnT>
+                    <a:lnB w="12700" cmpd="sng">
+                      <a:noFill/>
+                    </a:lnB>
+                    <a:lnTlToBr w="12700" cmpd="sng">
+                      <a:noFill/>
+                      <a:prstDash val="solid"/>
+                    </a:lnTlToBr>
+                    <a:lnBlToTr w="12700" cmpd="sng">
+                      <a:noFill/>
+                      <a:prstDash val="solid"/>
+                    </a:lnBlToTr>
+                    <a:noFill/>
+                  </a:tcPr>
+                </a:tc>
+                <a:tc>
+                  <a:txBody>
+                    <a:bodyPr/>
+                    <a:lstStyle/>
+                    <a:p>
+                      <a:pPr algn="ctr" latinLnBrk="1"/>
+                      <a:r>
+                        <a:rPr lang="en-US" altLang="ko-KR" sz="1200" b="0" dirty="0">
+                          <a:solidFill>
+                            <a:schemeClr val="tx1"/>
+                          </a:solidFill>
+                        </a:rPr>
+                        <a:t>…</a:t>
+                      </a:r>
+                      <a:endParaRPr lang="ko-KR" altLang="en-US" sz="1200" b="0" dirty="0">
+                        <a:solidFill>
+                          <a:schemeClr val="tx1"/>
+                        </a:solidFill>
+                      </a:endParaRPr>
+                    </a:p>
+                  </a:txBody>
+                  <a:tcPr anchor="ctr">
+                    <a:lnL w="12700" cap="flat" cmpd="sng" algn="ctr">
+                      <a:solidFill>
+                        <a:schemeClr val="tx1"/>
+                      </a:solidFill>
+                      <a:prstDash val="solid"/>
+                      <a:round/>
+                      <a:headEnd type="none" w="med" len="med"/>
+                      <a:tailEnd type="none" w="med" len="med"/>
+                    </a:lnL>
+                    <a:lnR w="12700" cap="flat" cmpd="sng" algn="ctr">
+                      <a:solidFill>
+                        <a:schemeClr val="tx1"/>
+                      </a:solidFill>
+                      <a:prstDash val="solid"/>
+                      <a:round/>
+                      <a:headEnd type="none" w="med" len="med"/>
+                      <a:tailEnd type="none" w="med" len="med"/>
+                    </a:lnR>
+                    <a:lnT w="12700" cap="flat" cmpd="sng" algn="ctr">
+                      <a:solidFill>
+                        <a:schemeClr val="tx1"/>
+                      </a:solidFill>
+                      <a:prstDash val="solid"/>
+                      <a:round/>
+                      <a:headEnd type="none" w="med" len="med"/>
+                      <a:tailEnd type="none" w="med" len="med"/>
+                    </a:lnT>
+                    <a:lnB w="12700" cap="flat" cmpd="sng" algn="ctr">
+                      <a:solidFill>
+                        <a:schemeClr val="tx1"/>
+                      </a:solidFill>
+                      <a:prstDash val="solid"/>
+                      <a:round/>
+                      <a:headEnd type="none" w="med" len="med"/>
+                      <a:tailEnd type="none" w="med" len="med"/>
+                    </a:lnB>
+                    <a:lnTlToBr w="12700" cmpd="sng">
+                      <a:noFill/>
+                      <a:prstDash val="solid"/>
+                    </a:lnTlToBr>
+                    <a:lnBlToTr w="12700" cmpd="sng">
+                      <a:noFill/>
+                      <a:prstDash val="solid"/>
+                    </a:lnBlToTr>
+                    <a:noFill/>
+                  </a:tcPr>
+                </a:tc>
+                <a:tc>
+                  <a:txBody>
+                    <a:bodyPr/>
+                    <a:lstStyle/>
+                    <a:p>
+                      <a:pPr algn="ctr" latinLnBrk="1"/>
+                      <a:endParaRPr lang="ko-KR" altLang="en-US" sz="1200" b="0" dirty="0">
+                        <a:solidFill>
+                          <a:schemeClr val="tx1"/>
+                        </a:solidFill>
+                      </a:endParaRPr>
+                    </a:p>
+                  </a:txBody>
+                  <a:tcPr anchor="ctr">
+                    <a:lnL w="12700" cap="flat" cmpd="sng" algn="ctr">
+                      <a:solidFill>
+                        <a:schemeClr val="tx1"/>
+                      </a:solidFill>
+                      <a:prstDash val="solid"/>
+                      <a:round/>
+                      <a:headEnd type="none" w="med" len="med"/>
+                      <a:tailEnd type="none" w="med" len="med"/>
+                    </a:lnL>
+                    <a:lnR w="12700" cap="flat" cmpd="sng" algn="ctr">
+                      <a:noFill/>
+                      <a:prstDash val="solid"/>
+                      <a:round/>
+                      <a:headEnd type="none" w="med" len="med"/>
+                      <a:tailEnd type="none" w="med" len="med"/>
+                    </a:lnR>
+                    <a:lnT w="12700" cap="flat" cmpd="sng" algn="ctr">
+                      <a:noFill/>
+                      <a:prstDash val="solid"/>
+                      <a:round/>
+                      <a:headEnd type="none" w="med" len="med"/>
+                      <a:tailEnd type="none" w="med" len="med"/>
+                    </a:lnT>
+                    <a:lnB w="12700" cap="flat" cmpd="sng" algn="ctr">
+                      <a:noFill/>
+                      <a:prstDash val="solid"/>
+                      <a:round/>
+                      <a:headEnd type="none" w="med" len="med"/>
+                      <a:tailEnd type="none" w="med" len="med"/>
+                    </a:lnB>
+                    <a:lnTlToBr w="12700" cmpd="sng">
+                      <a:noFill/>
+                      <a:prstDash val="solid"/>
+                    </a:lnTlToBr>
+                    <a:lnBlToTr w="12700" cmpd="sng">
+                      <a:noFill/>
+                      <a:prstDash val="solid"/>
+                    </a:lnBlToTr>
+                    <a:solidFill>
+                      <a:schemeClr val="accent6">
+                        <a:lumMod val="40000"/>
+                        <a:lumOff val="60000"/>
+                      </a:schemeClr>
+                    </a:solidFill>
+                  </a:tcPr>
+                </a:tc>
+                <a:tc vMerge="1">
+                  <a:txBody>
+                    <a:bodyPr/>
+                    <a:lstStyle/>
+                    <a:p>
+                      <a:pPr algn="ctr" latinLnBrk="1"/>
+                      <a:endParaRPr lang="ko-KR" altLang="en-US" sz="1400" b="0" dirty="0">
+                        <a:solidFill>
+                          <a:schemeClr val="tx1"/>
+                        </a:solidFill>
+                      </a:endParaRPr>
+                    </a:p>
+                  </a:txBody>
+                  <a:tcPr anchor="ctr">
+                    <a:lnL w="12700" cap="flat" cmpd="sng" algn="ctr">
+                      <a:noFill/>
+                      <a:prstDash val="solid"/>
+                      <a:round/>
+                      <a:headEnd type="none" w="med" len="med"/>
+                      <a:tailEnd type="none" w="med" len="med"/>
+                    </a:lnL>
+                    <a:lnR w="12700" cap="flat" cmpd="sng" algn="ctr">
+                      <a:noFill/>
+                      <a:prstDash val="solid"/>
+                      <a:round/>
+                      <a:headEnd type="none" w="med" len="med"/>
+                      <a:tailEnd type="none" w="med" len="med"/>
+                    </a:lnR>
+                    <a:lnT w="12700" cap="flat" cmpd="sng" algn="ctr">
+                      <a:noFill/>
+                      <a:prstDash val="solid"/>
+                      <a:round/>
+                      <a:headEnd type="none" w="med" len="med"/>
+                      <a:tailEnd type="none" w="med" len="med"/>
+                    </a:lnT>
+                    <a:lnB w="12700" cap="flat" cmpd="sng" algn="ctr">
+                      <a:noFill/>
+                      <a:prstDash val="solid"/>
+                      <a:round/>
+                      <a:headEnd type="none" w="med" len="med"/>
+                      <a:tailEnd type="none" w="med" len="med"/>
+                    </a:lnB>
+                    <a:lnTlToBr w="12700" cmpd="sng">
+                      <a:noFill/>
+                      <a:prstDash val="solid"/>
+                    </a:lnTlToBr>
+                    <a:lnBlToTr w="12700" cmpd="sng">
+                      <a:noFill/>
+                      <a:prstDash val="solid"/>
+                    </a:lnBlToTr>
+                    <a:noFill/>
+                  </a:tcPr>
+                </a:tc>
+                <a:extLst>
+                  <a:ext uri="{0D108BD9-81ED-4DB2-BD59-A6C34878D82A}">
+                    <a16:rowId xmlns:a16="http://schemas.microsoft.com/office/drawing/2014/main" val="2814225442"/>
+                  </a:ext>
+                </a:extLst>
+              </a:tr>
+              <a:tr h="370840">
+                <a:tc vMerge="1">
+                  <a:txBody>
+                    <a:bodyPr/>
+                    <a:lstStyle/>
+                    <a:p>
+                      <a:pPr algn="ctr" latinLnBrk="1"/>
+                      <a:endParaRPr lang="ko-KR" altLang="en-US" sz="1400" b="0" dirty="0">
+                        <a:solidFill>
+                          <a:schemeClr val="tx1"/>
+                        </a:solidFill>
+                      </a:endParaRPr>
+                    </a:p>
+                  </a:txBody>
+                  <a:tcPr anchor="ctr">
+                    <a:lnL w="12700" cmpd="sng">
+                      <a:noFill/>
+                    </a:lnL>
+                    <a:lnR w="12700" cap="flat" cmpd="sng" algn="ctr">
+                      <a:solidFill>
+                        <a:schemeClr val="tx1"/>
+                      </a:solidFill>
+                      <a:prstDash val="solid"/>
+                      <a:round/>
+                      <a:headEnd type="none" w="med" len="med"/>
+                      <a:tailEnd type="none" w="med" len="med"/>
+                    </a:lnR>
+                    <a:lnT w="12700" cmpd="sng">
+                      <a:noFill/>
+                    </a:lnT>
+                    <a:lnB w="12700" cmpd="sng">
+                      <a:noFill/>
+                    </a:lnB>
+                    <a:lnTlToBr w="12700" cmpd="sng">
+                      <a:noFill/>
+                      <a:prstDash val="solid"/>
+                    </a:lnTlToBr>
+                    <a:lnBlToTr w="12700" cmpd="sng">
+                      <a:noFill/>
+                      <a:prstDash val="solid"/>
+                    </a:lnBlToTr>
+                    <a:noFill/>
+                  </a:tcPr>
+                </a:tc>
+                <a:tc>
+                  <a:txBody>
+                    <a:bodyPr/>
+                    <a:lstStyle/>
+                    <a:p>
+                      <a:pPr algn="ctr" latinLnBrk="1"/>
+                      <a:r>
+                        <a:rPr lang="ko-KR" altLang="en-US" sz="1200" b="0" dirty="0">
+                          <a:solidFill>
+                            <a:schemeClr val="tx1"/>
+                          </a:solidFill>
+                        </a:rPr>
+                        <a:t>필드</a:t>
+                      </a:r>
+                    </a:p>
+                  </a:txBody>
+                  <a:tcPr anchor="ctr">
+                    <a:lnL w="12700" cap="flat" cmpd="sng" algn="ctr">
+                      <a:solidFill>
+                        <a:schemeClr val="tx1"/>
+                      </a:solidFill>
+                      <a:prstDash val="solid"/>
+                      <a:round/>
+                      <a:headEnd type="none" w="med" len="med"/>
+                      <a:tailEnd type="none" w="med" len="med"/>
+                    </a:lnL>
+                    <a:lnR w="12700" cap="flat" cmpd="sng" algn="ctr">
+                      <a:solidFill>
+                        <a:schemeClr val="tx1"/>
+                      </a:solidFill>
+                      <a:prstDash val="solid"/>
+                      <a:round/>
+                      <a:headEnd type="none" w="med" len="med"/>
+                      <a:tailEnd type="none" w="med" len="med"/>
+                    </a:lnR>
+                    <a:lnT w="12700" cap="flat" cmpd="sng" algn="ctr">
+                      <a:solidFill>
+                        <a:schemeClr val="tx1"/>
+                      </a:solidFill>
+                      <a:prstDash val="solid"/>
+                      <a:round/>
+                      <a:headEnd type="none" w="med" len="med"/>
+                      <a:tailEnd type="none" w="med" len="med"/>
+                    </a:lnT>
+                    <a:lnB w="12700" cap="flat" cmpd="sng" algn="ctr">
+                      <a:solidFill>
+                        <a:schemeClr val="tx1"/>
+                      </a:solidFill>
+                      <a:prstDash val="solid"/>
+                      <a:round/>
+                      <a:headEnd type="none" w="med" len="med"/>
+                      <a:tailEnd type="none" w="med" len="med"/>
+                    </a:lnB>
+                    <a:lnTlToBr w="12700" cmpd="sng">
+                      <a:noFill/>
+                      <a:prstDash val="solid"/>
+                    </a:lnTlToBr>
+                    <a:lnBlToTr w="12700" cmpd="sng">
+                      <a:noFill/>
+                      <a:prstDash val="solid"/>
+                    </a:lnBlToTr>
+                    <a:noFill/>
+                  </a:tcPr>
+                </a:tc>
+                <a:tc>
+                  <a:txBody>
+                    <a:bodyPr/>
+                    <a:lstStyle/>
+                    <a:p>
+                      <a:pPr algn="ctr" latinLnBrk="1"/>
+                      <a:endParaRPr lang="ko-KR" altLang="en-US" sz="1200" b="0" dirty="0">
+                        <a:solidFill>
+                          <a:schemeClr val="tx1"/>
+                        </a:solidFill>
+                      </a:endParaRPr>
+                    </a:p>
+                  </a:txBody>
+                  <a:tcPr anchor="ctr">
+                    <a:lnL w="12700" cap="flat" cmpd="sng" algn="ctr">
+                      <a:solidFill>
+                        <a:schemeClr val="tx1"/>
+                      </a:solidFill>
+                      <a:prstDash val="solid"/>
+                      <a:round/>
+                      <a:headEnd type="none" w="med" len="med"/>
+                      <a:tailEnd type="none" w="med" len="med"/>
+                    </a:lnL>
+                    <a:lnR w="12700" cap="flat" cmpd="sng" algn="ctr">
+                      <a:noFill/>
+                      <a:prstDash val="solid"/>
+                      <a:round/>
+                      <a:headEnd type="none" w="med" len="med"/>
+                      <a:tailEnd type="none" w="med" len="med"/>
+                    </a:lnR>
+                    <a:lnT w="12700" cap="flat" cmpd="sng" algn="ctr">
+                      <a:noFill/>
+                      <a:prstDash val="solid"/>
+                      <a:round/>
+                      <a:headEnd type="none" w="med" len="med"/>
+                      <a:tailEnd type="none" w="med" len="med"/>
+                    </a:lnT>
+                    <a:lnB w="12700" cap="flat" cmpd="sng" algn="ctr">
+                      <a:noFill/>
+                      <a:prstDash val="solid"/>
+                      <a:round/>
+                      <a:headEnd type="none" w="med" len="med"/>
+                      <a:tailEnd type="none" w="med" len="med"/>
+                    </a:lnB>
+                    <a:lnTlToBr w="12700" cmpd="sng">
+                      <a:noFill/>
+                      <a:prstDash val="solid"/>
+                    </a:lnTlToBr>
+                    <a:lnBlToTr w="12700" cmpd="sng">
+                      <a:noFill/>
+                      <a:prstDash val="solid"/>
+                    </a:lnBlToTr>
+                    <a:solidFill>
+                      <a:schemeClr val="accent6">
+                        <a:lumMod val="40000"/>
+                        <a:lumOff val="60000"/>
+                      </a:schemeClr>
+                    </a:solidFill>
+                  </a:tcPr>
+                </a:tc>
+                <a:tc vMerge="1">
+                  <a:txBody>
+                    <a:bodyPr/>
+                    <a:lstStyle/>
+                    <a:p>
+                      <a:pPr algn="ctr" latinLnBrk="1"/>
+                      <a:endParaRPr lang="ko-KR" altLang="en-US" sz="1400" b="0" dirty="0">
+                        <a:solidFill>
+                          <a:schemeClr val="tx1"/>
+                        </a:solidFill>
+                      </a:endParaRPr>
+                    </a:p>
+                  </a:txBody>
+                  <a:tcPr anchor="ctr">
+                    <a:lnL w="12700" cap="flat" cmpd="sng" algn="ctr">
+                      <a:noFill/>
+                      <a:prstDash val="solid"/>
+                      <a:round/>
+                      <a:headEnd type="none" w="med" len="med"/>
+                      <a:tailEnd type="none" w="med" len="med"/>
+                    </a:lnL>
+                    <a:lnR w="12700" cap="flat" cmpd="sng" algn="ctr">
+                      <a:noFill/>
+                      <a:prstDash val="solid"/>
+                      <a:round/>
+                      <a:headEnd type="none" w="med" len="med"/>
+                      <a:tailEnd type="none" w="med" len="med"/>
+                    </a:lnR>
+                    <a:lnT w="12700" cap="flat" cmpd="sng" algn="ctr">
+                      <a:noFill/>
+                      <a:prstDash val="solid"/>
+                      <a:round/>
+                      <a:headEnd type="none" w="med" len="med"/>
+                      <a:tailEnd type="none" w="med" len="med"/>
+                    </a:lnT>
+                    <a:lnB w="12700" cap="flat" cmpd="sng" algn="ctr">
+                      <a:noFill/>
+                      <a:prstDash val="solid"/>
+                      <a:round/>
+                      <a:headEnd type="none" w="med" len="med"/>
+                      <a:tailEnd type="none" w="med" len="med"/>
+                    </a:lnB>
+                    <a:lnTlToBr w="12700" cmpd="sng">
+                      <a:noFill/>
+                      <a:prstDash val="solid"/>
+                    </a:lnTlToBr>
+                    <a:lnBlToTr w="12700" cmpd="sng">
+                      <a:noFill/>
+                      <a:prstDash val="solid"/>
+                    </a:lnBlToTr>
+                    <a:noFill/>
+                  </a:tcPr>
+                </a:tc>
+                <a:extLst>
+                  <a:ext uri="{0D108BD9-81ED-4DB2-BD59-A6C34878D82A}">
+                    <a16:rowId xmlns:a16="http://schemas.microsoft.com/office/drawing/2014/main" val="3444125436"/>
+                  </a:ext>
+                </a:extLst>
+              </a:tr>
+              <a:tr h="370840">
+                <a:tc vMerge="1">
+                  <a:txBody>
+                    <a:bodyPr/>
+                    <a:lstStyle/>
+                    <a:p>
+                      <a:pPr algn="ctr" latinLnBrk="1"/>
+                      <a:endParaRPr lang="ko-KR" altLang="en-US" sz="1400" b="0" dirty="0">
+                        <a:solidFill>
+                          <a:schemeClr val="tx1"/>
+                        </a:solidFill>
+                      </a:endParaRPr>
+                    </a:p>
+                  </a:txBody>
+                  <a:tcPr anchor="ctr">
+                    <a:lnL w="12700" cmpd="sng">
+                      <a:noFill/>
+                    </a:lnL>
+                    <a:lnR w="12700" cap="flat" cmpd="sng" algn="ctr">
+                      <a:solidFill>
+                        <a:schemeClr val="tx1"/>
+                      </a:solidFill>
+                      <a:prstDash val="solid"/>
+                      <a:round/>
+                      <a:headEnd type="none" w="med" len="med"/>
+                      <a:tailEnd type="none" w="med" len="med"/>
+                    </a:lnR>
+                    <a:lnT w="12700" cmpd="sng">
+                      <a:noFill/>
+                    </a:lnT>
+                    <a:lnB w="12700" cmpd="sng">
+                      <a:noFill/>
+                    </a:lnB>
+                    <a:lnTlToBr w="12700" cmpd="sng">
+                      <a:noFill/>
+                      <a:prstDash val="solid"/>
+                    </a:lnTlToBr>
+                    <a:lnBlToTr w="12700" cmpd="sng">
+                      <a:noFill/>
+                      <a:prstDash val="solid"/>
+                    </a:lnBlToTr>
+                    <a:noFill/>
+                  </a:tcPr>
+                </a:tc>
+                <a:tc>
+                  <a:txBody>
+                    <a:bodyPr/>
+                    <a:lstStyle/>
+                    <a:p>
+                      <a:pPr algn="ctr" latinLnBrk="1"/>
+                      <a:r>
+                        <a:rPr lang="ko-KR" altLang="en-US" sz="1200" b="0" dirty="0">
+                          <a:solidFill>
+                            <a:schemeClr val="tx1"/>
+                          </a:solidFill>
+                        </a:rPr>
+                        <a:t>필드</a:t>
+                      </a:r>
+                    </a:p>
+                  </a:txBody>
+                  <a:tcPr anchor="ctr">
+                    <a:lnL w="12700" cap="flat" cmpd="sng" algn="ctr">
+                      <a:solidFill>
+                        <a:schemeClr val="tx1"/>
+                      </a:solidFill>
+                      <a:prstDash val="solid"/>
+                      <a:round/>
+                      <a:headEnd type="none" w="med" len="med"/>
+                      <a:tailEnd type="none" w="med" len="med"/>
+                    </a:lnL>
+                    <a:lnR w="12700" cap="flat" cmpd="sng" algn="ctr">
+                      <a:solidFill>
+                        <a:schemeClr val="tx1"/>
+                      </a:solidFill>
+                      <a:prstDash val="solid"/>
+                      <a:round/>
+                      <a:headEnd type="none" w="med" len="med"/>
+                      <a:tailEnd type="none" w="med" len="med"/>
+                    </a:lnR>
+                    <a:lnT w="12700" cap="flat" cmpd="sng" algn="ctr">
+                      <a:solidFill>
+                        <a:schemeClr val="tx1"/>
+                      </a:solidFill>
+                      <a:prstDash val="solid"/>
+                      <a:round/>
+                      <a:headEnd type="none" w="med" len="med"/>
+                      <a:tailEnd type="none" w="med" len="med"/>
+                    </a:lnT>
+                    <a:lnB w="12700" cap="flat" cmpd="sng" algn="ctr">
+                      <a:solidFill>
+                        <a:schemeClr val="tx1"/>
+                      </a:solidFill>
+                      <a:prstDash val="solid"/>
+                      <a:round/>
+                      <a:headEnd type="none" w="med" len="med"/>
+                      <a:tailEnd type="none" w="med" len="med"/>
+                    </a:lnB>
+                    <a:lnTlToBr w="12700" cmpd="sng">
+                      <a:noFill/>
+                      <a:prstDash val="solid"/>
+                    </a:lnTlToBr>
+                    <a:lnBlToTr w="12700" cmpd="sng">
+                      <a:noFill/>
+                      <a:prstDash val="solid"/>
+                    </a:lnBlToTr>
+                    <a:noFill/>
+                  </a:tcPr>
+                </a:tc>
+                <a:tc>
+                  <a:txBody>
+                    <a:bodyPr/>
+                    <a:lstStyle/>
+                    <a:p>
+                      <a:pPr algn="ctr" latinLnBrk="1"/>
+                      <a:endParaRPr lang="ko-KR" altLang="en-US" sz="1200" b="0" dirty="0">
+                        <a:solidFill>
+                          <a:schemeClr val="tx1"/>
+                        </a:solidFill>
+                      </a:endParaRPr>
+                    </a:p>
+                  </a:txBody>
+                  <a:tcPr anchor="ctr">
+                    <a:lnL w="12700" cap="flat" cmpd="sng" algn="ctr">
+                      <a:solidFill>
+                        <a:schemeClr val="tx1"/>
+                      </a:solidFill>
+                      <a:prstDash val="solid"/>
+                      <a:round/>
+                      <a:headEnd type="none" w="med" len="med"/>
+                      <a:tailEnd type="none" w="med" len="med"/>
+                    </a:lnL>
+                    <a:lnR w="12700" cap="flat" cmpd="sng" algn="ctr">
+                      <a:noFill/>
+                      <a:prstDash val="solid"/>
+                      <a:round/>
+                      <a:headEnd type="none" w="med" len="med"/>
+                      <a:tailEnd type="none" w="med" len="med"/>
+                    </a:lnR>
+                    <a:lnT w="12700" cap="flat" cmpd="sng" algn="ctr">
+                      <a:noFill/>
+                      <a:prstDash val="solid"/>
+                      <a:round/>
+                      <a:headEnd type="none" w="med" len="med"/>
+                      <a:tailEnd type="none" w="med" len="med"/>
+                    </a:lnT>
+                    <a:lnB w="12700" cap="flat" cmpd="sng" algn="ctr">
+                      <a:noFill/>
+                      <a:prstDash val="solid"/>
+                      <a:round/>
+                      <a:headEnd type="none" w="med" len="med"/>
+                      <a:tailEnd type="none" w="med" len="med"/>
+                    </a:lnB>
+                    <a:lnTlToBr w="12700" cmpd="sng">
+                      <a:noFill/>
+                      <a:prstDash val="solid"/>
+                    </a:lnTlToBr>
+                    <a:lnBlToTr w="12700" cmpd="sng">
+                      <a:noFill/>
+                      <a:prstDash val="solid"/>
+                    </a:lnBlToTr>
+                    <a:solidFill>
+                      <a:schemeClr val="accent4">
+                        <a:lumMod val="40000"/>
+                        <a:lumOff val="60000"/>
+                      </a:schemeClr>
+                    </a:solidFill>
+                  </a:tcPr>
+                </a:tc>
+                <a:tc rowSpan="3">
+                  <a:txBody>
+                    <a:bodyPr/>
+                    <a:lstStyle/>
+                    <a:p>
+                      <a:pPr algn="ctr" latinLnBrk="1"/>
+                      <a:r>
+                        <a:rPr lang="en-US" altLang="ko-KR" sz="1200" b="0" dirty="0">
+                          <a:solidFill>
+                            <a:schemeClr val="tx1"/>
+                          </a:solidFill>
+                        </a:rPr>
+                        <a:t>link</a:t>
+                      </a:r>
+                      <a:br>
+                        <a:rPr lang="en-US" altLang="ko-KR" sz="1200" b="0" dirty="0">
+                          <a:solidFill>
+                            <a:schemeClr val="tx1"/>
+                          </a:solidFill>
+                        </a:rPr>
+                      </a:br>
+                      <a:r>
+                        <a:rPr lang="ko-KR" altLang="en-US" sz="1200" b="0" dirty="0">
+                          <a:solidFill>
+                            <a:schemeClr val="tx1"/>
+                          </a:solidFill>
+                        </a:rPr>
+                        <a:t>필드</a:t>
+                      </a:r>
+                    </a:p>
+                  </a:txBody>
+                  <a:tcPr anchor="ctr">
+                    <a:lnL w="12700" cap="flat" cmpd="sng" algn="ctr">
+                      <a:noFill/>
+                      <a:prstDash val="solid"/>
+                      <a:round/>
+                      <a:headEnd type="none" w="med" len="med"/>
+                      <a:tailEnd type="none" w="med" len="med"/>
+                    </a:lnL>
+                    <a:lnR w="12700" cap="flat" cmpd="sng" algn="ctr">
+                      <a:noFill/>
+                      <a:prstDash val="solid"/>
+                      <a:round/>
+                      <a:headEnd type="none" w="med" len="med"/>
+                      <a:tailEnd type="none" w="med" len="med"/>
+                    </a:lnR>
+                    <a:lnT w="12700" cap="flat" cmpd="sng" algn="ctr">
+                      <a:noFill/>
+                      <a:prstDash val="solid"/>
+                      <a:round/>
+                      <a:headEnd type="none" w="med" len="med"/>
+                      <a:tailEnd type="none" w="med" len="med"/>
+                    </a:lnT>
+                    <a:lnB w="12700" cap="flat" cmpd="sng" algn="ctr">
+                      <a:noFill/>
+                      <a:prstDash val="solid"/>
+                      <a:round/>
+                      <a:headEnd type="none" w="med" len="med"/>
+                      <a:tailEnd type="none" w="med" len="med"/>
+                    </a:lnB>
+                    <a:lnTlToBr w="12700" cmpd="sng">
+                      <a:noFill/>
+                      <a:prstDash val="solid"/>
+                    </a:lnTlToBr>
+                    <a:lnBlToTr w="12700" cmpd="sng">
+                      <a:noFill/>
+                      <a:prstDash val="solid"/>
+                    </a:lnBlToTr>
+                    <a:noFill/>
+                  </a:tcPr>
+                </a:tc>
+                <a:extLst>
+                  <a:ext uri="{0D108BD9-81ED-4DB2-BD59-A6C34878D82A}">
+                    <a16:rowId xmlns:a16="http://schemas.microsoft.com/office/drawing/2014/main" val="161690541"/>
+                  </a:ext>
+                </a:extLst>
+              </a:tr>
+              <a:tr h="370840">
+                <a:tc vMerge="1">
+                  <a:txBody>
+                    <a:bodyPr/>
+                    <a:lstStyle/>
+                    <a:p>
+                      <a:pPr algn="ctr" latinLnBrk="1"/>
+                      <a:endParaRPr lang="ko-KR" altLang="en-US" sz="1400" b="0" dirty="0">
+                        <a:solidFill>
+                          <a:schemeClr val="tx1"/>
+                        </a:solidFill>
+                      </a:endParaRPr>
+                    </a:p>
+                  </a:txBody>
+                  <a:tcPr anchor="ctr">
+                    <a:lnL w="12700" cmpd="sng">
+                      <a:noFill/>
+                    </a:lnL>
+                    <a:lnR w="12700" cap="flat" cmpd="sng" algn="ctr">
+                      <a:solidFill>
+                        <a:schemeClr val="tx1"/>
+                      </a:solidFill>
+                      <a:prstDash val="solid"/>
+                      <a:round/>
+                      <a:headEnd type="none" w="med" len="med"/>
+                      <a:tailEnd type="none" w="med" len="med"/>
+                    </a:lnR>
+                    <a:lnT w="12700" cmpd="sng">
+                      <a:noFill/>
+                    </a:lnT>
+                    <a:lnB w="12700" cmpd="sng">
+                      <a:noFill/>
+                    </a:lnB>
+                    <a:lnTlToBr w="12700" cmpd="sng">
+                      <a:noFill/>
+                      <a:prstDash val="solid"/>
+                    </a:lnTlToBr>
+                    <a:lnBlToTr w="12700" cmpd="sng">
+                      <a:noFill/>
+                      <a:prstDash val="solid"/>
+                    </a:lnBlToTr>
+                    <a:noFill/>
+                  </a:tcPr>
+                </a:tc>
+                <a:tc>
+                  <a:txBody>
+                    <a:bodyPr/>
+                    <a:lstStyle/>
+                    <a:p>
+                      <a:pPr algn="ctr" latinLnBrk="1"/>
+                      <a:r>
+                        <a:rPr lang="en-US" altLang="ko-KR" sz="1200" b="0" dirty="0">
+                          <a:solidFill>
+                            <a:schemeClr val="tx1"/>
+                          </a:solidFill>
+                        </a:rPr>
+                        <a:t>…</a:t>
+                      </a:r>
+                      <a:endParaRPr lang="ko-KR" altLang="en-US" sz="1200" b="0" dirty="0">
+                        <a:solidFill>
+                          <a:schemeClr val="tx1"/>
+                        </a:solidFill>
+                      </a:endParaRPr>
+                    </a:p>
+                  </a:txBody>
+                  <a:tcPr anchor="ctr">
+                    <a:lnL w="12700" cap="flat" cmpd="sng" algn="ctr">
+                      <a:solidFill>
+                        <a:schemeClr val="tx1"/>
+                      </a:solidFill>
+                      <a:prstDash val="solid"/>
+                      <a:round/>
+                      <a:headEnd type="none" w="med" len="med"/>
+                      <a:tailEnd type="none" w="med" len="med"/>
+                    </a:lnL>
+                    <a:lnR w="12700" cap="flat" cmpd="sng" algn="ctr">
+                      <a:solidFill>
+                        <a:schemeClr val="tx1"/>
+                      </a:solidFill>
+                      <a:prstDash val="solid"/>
+                      <a:round/>
+                      <a:headEnd type="none" w="med" len="med"/>
+                      <a:tailEnd type="none" w="med" len="med"/>
+                    </a:lnR>
+                    <a:lnT w="12700" cap="flat" cmpd="sng" algn="ctr">
+                      <a:solidFill>
+                        <a:schemeClr val="tx1"/>
+                      </a:solidFill>
+                      <a:prstDash val="solid"/>
+                      <a:round/>
+                      <a:headEnd type="none" w="med" len="med"/>
+                      <a:tailEnd type="none" w="med" len="med"/>
+                    </a:lnT>
+                    <a:lnB w="12700" cap="flat" cmpd="sng" algn="ctr">
+                      <a:solidFill>
+                        <a:schemeClr val="tx1"/>
+                      </a:solidFill>
+                      <a:prstDash val="solid"/>
+                      <a:round/>
+                      <a:headEnd type="none" w="med" len="med"/>
+                      <a:tailEnd type="none" w="med" len="med"/>
+                    </a:lnB>
+                    <a:lnTlToBr w="12700" cmpd="sng">
+                      <a:noFill/>
+                      <a:prstDash val="solid"/>
+                    </a:lnTlToBr>
+                    <a:lnBlToTr w="12700" cmpd="sng">
+                      <a:noFill/>
+                      <a:prstDash val="solid"/>
+                    </a:lnBlToTr>
+                    <a:noFill/>
+                  </a:tcPr>
+                </a:tc>
+                <a:tc>
+                  <a:txBody>
+                    <a:bodyPr/>
+                    <a:lstStyle/>
+                    <a:p>
+                      <a:pPr algn="ctr" latinLnBrk="1"/>
+                      <a:endParaRPr lang="ko-KR" altLang="en-US" sz="1200" b="0" dirty="0">
+                        <a:solidFill>
+                          <a:schemeClr val="tx1"/>
+                        </a:solidFill>
+                      </a:endParaRPr>
+                    </a:p>
+                  </a:txBody>
+                  <a:tcPr anchor="ctr">
+                    <a:lnL w="12700" cap="flat" cmpd="sng" algn="ctr">
+                      <a:solidFill>
+                        <a:schemeClr val="tx1"/>
+                      </a:solidFill>
+                      <a:prstDash val="solid"/>
+                      <a:round/>
+                      <a:headEnd type="none" w="med" len="med"/>
+                      <a:tailEnd type="none" w="med" len="med"/>
+                    </a:lnL>
+                    <a:lnR w="12700" cap="flat" cmpd="sng" algn="ctr">
+                      <a:noFill/>
+                      <a:prstDash val="solid"/>
+                      <a:round/>
+                      <a:headEnd type="none" w="med" len="med"/>
+                      <a:tailEnd type="none" w="med" len="med"/>
+                    </a:lnR>
+                    <a:lnT w="12700" cap="flat" cmpd="sng" algn="ctr">
+                      <a:noFill/>
+                      <a:prstDash val="solid"/>
+                      <a:round/>
+                      <a:headEnd type="none" w="med" len="med"/>
+                      <a:tailEnd type="none" w="med" len="med"/>
+                    </a:lnT>
+                    <a:lnB w="12700" cap="flat" cmpd="sng" algn="ctr">
+                      <a:noFill/>
+                      <a:prstDash val="solid"/>
+                      <a:round/>
+                      <a:headEnd type="none" w="med" len="med"/>
+                      <a:tailEnd type="none" w="med" len="med"/>
+                    </a:lnB>
+                    <a:lnTlToBr w="12700" cmpd="sng">
+                      <a:noFill/>
+                      <a:prstDash val="solid"/>
+                    </a:lnTlToBr>
+                    <a:lnBlToTr w="12700" cmpd="sng">
+                      <a:noFill/>
+                      <a:prstDash val="solid"/>
+                    </a:lnBlToTr>
+                    <a:solidFill>
+                      <a:schemeClr val="accent4">
+                        <a:lumMod val="40000"/>
+                        <a:lumOff val="60000"/>
+                      </a:schemeClr>
+                    </a:solidFill>
+                  </a:tcPr>
+                </a:tc>
+                <a:tc vMerge="1">
+                  <a:txBody>
+                    <a:bodyPr/>
+                    <a:lstStyle/>
+                    <a:p>
+                      <a:pPr algn="ctr" latinLnBrk="1"/>
+                      <a:endParaRPr lang="ko-KR" altLang="en-US" sz="1400" b="0" dirty="0">
+                        <a:solidFill>
+                          <a:schemeClr val="tx1"/>
+                        </a:solidFill>
+                      </a:endParaRPr>
+                    </a:p>
+                  </a:txBody>
+                  <a:tcPr anchor="ctr">
+                    <a:lnL w="12700" cap="flat" cmpd="sng" algn="ctr">
+                      <a:noFill/>
+                      <a:prstDash val="solid"/>
+                      <a:round/>
+                      <a:headEnd type="none" w="med" len="med"/>
+                      <a:tailEnd type="none" w="med" len="med"/>
+                    </a:lnL>
+                    <a:lnR w="12700" cap="flat" cmpd="sng" algn="ctr">
+                      <a:noFill/>
+                      <a:prstDash val="solid"/>
+                      <a:round/>
+                      <a:headEnd type="none" w="med" len="med"/>
+                      <a:tailEnd type="none" w="med" len="med"/>
+                    </a:lnR>
+                    <a:lnT w="12700" cap="flat" cmpd="sng" algn="ctr">
+                      <a:noFill/>
+                      <a:prstDash val="solid"/>
+                      <a:round/>
+                      <a:headEnd type="none" w="med" len="med"/>
+                      <a:tailEnd type="none" w="med" len="med"/>
+                    </a:lnT>
+                    <a:lnB w="12700" cap="flat" cmpd="sng" algn="ctr">
+                      <a:noFill/>
+                      <a:prstDash val="solid"/>
+                      <a:round/>
+                      <a:headEnd type="none" w="med" len="med"/>
+                      <a:tailEnd type="none" w="med" len="med"/>
+                    </a:lnB>
+                    <a:lnTlToBr w="12700" cmpd="sng">
+                      <a:noFill/>
+                      <a:prstDash val="solid"/>
+                    </a:lnTlToBr>
+                    <a:lnBlToTr w="12700" cmpd="sng">
+                      <a:noFill/>
+                      <a:prstDash val="solid"/>
+                    </a:lnBlToTr>
+                    <a:noFill/>
+                  </a:tcPr>
+                </a:tc>
+                <a:extLst>
+                  <a:ext uri="{0D108BD9-81ED-4DB2-BD59-A6C34878D82A}">
+                    <a16:rowId xmlns:a16="http://schemas.microsoft.com/office/drawing/2014/main" val="170930089"/>
+                  </a:ext>
+                </a:extLst>
+              </a:tr>
+              <a:tr h="370840">
+                <a:tc>
+                  <a:txBody>
+                    <a:bodyPr/>
+                    <a:lstStyle/>
+                    <a:p>
+                      <a:pPr algn="ctr" latinLnBrk="1"/>
+                      <a:r>
+                        <a:rPr lang="en-US" altLang="ko-KR" sz="1200" b="0" dirty="0">
+                          <a:solidFill>
+                            <a:schemeClr val="tx1"/>
+                          </a:solidFill>
+                        </a:rPr>
+                        <a:t>a+k</a:t>
+                      </a:r>
+                      <a:endParaRPr lang="ko-KR" altLang="en-US" sz="1200" b="0" dirty="0">
+                        <a:solidFill>
+                          <a:schemeClr val="tx1"/>
+                        </a:solidFill>
+                      </a:endParaRPr>
+                    </a:p>
+                  </a:txBody>
+                  <a:tcPr anchor="ctr">
+                    <a:lnL w="12700" cmpd="sng">
+                      <a:noFill/>
+                    </a:lnL>
+                    <a:lnR w="12700" cap="flat" cmpd="sng" algn="ctr">
+                      <a:solidFill>
+                        <a:schemeClr val="tx1"/>
+                      </a:solidFill>
+                      <a:prstDash val="solid"/>
+                      <a:round/>
+                      <a:headEnd type="none" w="med" len="med"/>
+                      <a:tailEnd type="none" w="med" len="med"/>
+                    </a:lnR>
+                    <a:lnT w="12700" cmpd="sng">
+                      <a:noFill/>
+                    </a:lnT>
+                    <a:lnB w="12700" cmpd="sng">
+                      <a:noFill/>
+                    </a:lnB>
+                    <a:lnTlToBr w="12700" cmpd="sng">
+                      <a:noFill/>
+                      <a:prstDash val="solid"/>
+                    </a:lnTlToBr>
+                    <a:lnBlToTr w="12700" cmpd="sng">
+                      <a:noFill/>
+                      <a:prstDash val="solid"/>
+                    </a:lnBlToTr>
+                    <a:noFill/>
+                  </a:tcPr>
+                </a:tc>
+                <a:tc>
+                  <a:txBody>
+                    <a:bodyPr/>
+                    <a:lstStyle/>
+                    <a:p>
+                      <a:pPr algn="ctr" latinLnBrk="1"/>
+                      <a:r>
+                        <a:rPr lang="ko-KR" altLang="en-US" sz="1200" b="0" dirty="0">
+                          <a:solidFill>
+                            <a:schemeClr val="tx1"/>
+                          </a:solidFill>
+                        </a:rPr>
+                        <a:t>필드</a:t>
+                      </a:r>
+                    </a:p>
+                  </a:txBody>
+                  <a:tcPr anchor="ctr">
+                    <a:lnL w="12700" cap="flat" cmpd="sng" algn="ctr">
+                      <a:solidFill>
+                        <a:schemeClr val="tx1"/>
+                      </a:solidFill>
+                      <a:prstDash val="solid"/>
+                      <a:round/>
+                      <a:headEnd type="none" w="med" len="med"/>
+                      <a:tailEnd type="none" w="med" len="med"/>
+                    </a:lnL>
+                    <a:lnR w="12700" cap="flat" cmpd="sng" algn="ctr">
+                      <a:solidFill>
+                        <a:schemeClr val="tx1"/>
+                      </a:solidFill>
+                      <a:prstDash val="solid"/>
+                      <a:round/>
+                      <a:headEnd type="none" w="med" len="med"/>
+                      <a:tailEnd type="none" w="med" len="med"/>
+                    </a:lnR>
+                    <a:lnT w="12700" cap="flat" cmpd="sng" algn="ctr">
+                      <a:solidFill>
+                        <a:schemeClr val="tx1"/>
+                      </a:solidFill>
+                      <a:prstDash val="solid"/>
+                      <a:round/>
+                      <a:headEnd type="none" w="med" len="med"/>
+                      <a:tailEnd type="none" w="med" len="med"/>
+                    </a:lnT>
+                    <a:lnB w="12700" cap="flat" cmpd="sng" algn="ctr">
+                      <a:solidFill>
+                        <a:schemeClr val="tx1"/>
+                      </a:solidFill>
+                      <a:prstDash val="solid"/>
+                      <a:round/>
+                      <a:headEnd type="none" w="med" len="med"/>
+                      <a:tailEnd type="none" w="med" len="med"/>
+                    </a:lnB>
+                    <a:lnTlToBr w="12700" cmpd="sng">
+                      <a:noFill/>
+                      <a:prstDash val="solid"/>
+                    </a:lnTlToBr>
+                    <a:lnBlToTr w="12700" cmpd="sng">
+                      <a:noFill/>
+                      <a:prstDash val="solid"/>
+                    </a:lnBlToTr>
+                    <a:noFill/>
+                  </a:tcPr>
+                </a:tc>
+                <a:tc>
+                  <a:txBody>
+                    <a:bodyPr/>
+                    <a:lstStyle/>
+                    <a:p>
+                      <a:pPr algn="ctr" latinLnBrk="1"/>
+                      <a:endParaRPr lang="ko-KR" altLang="en-US" sz="1200" b="0" dirty="0">
+                        <a:solidFill>
+                          <a:schemeClr val="tx1"/>
+                        </a:solidFill>
+                      </a:endParaRPr>
+                    </a:p>
+                  </a:txBody>
+                  <a:tcPr anchor="ctr">
+                    <a:lnL w="12700" cap="flat" cmpd="sng" algn="ctr">
+                      <a:solidFill>
+                        <a:schemeClr val="tx1"/>
+                      </a:solidFill>
+                      <a:prstDash val="solid"/>
+                      <a:round/>
+                      <a:headEnd type="none" w="med" len="med"/>
+                      <a:tailEnd type="none" w="med" len="med"/>
+                    </a:lnL>
+                    <a:lnR w="12700" cap="flat" cmpd="sng" algn="ctr">
+                      <a:noFill/>
+                      <a:prstDash val="solid"/>
+                      <a:round/>
+                      <a:headEnd type="none" w="med" len="med"/>
+                      <a:tailEnd type="none" w="med" len="med"/>
+                    </a:lnR>
+                    <a:lnT w="12700" cap="flat" cmpd="sng" algn="ctr">
+                      <a:noFill/>
+                      <a:prstDash val="solid"/>
+                      <a:round/>
+                      <a:headEnd type="none" w="med" len="med"/>
+                      <a:tailEnd type="none" w="med" len="med"/>
+                    </a:lnT>
+                    <a:lnB w="12700" cap="flat" cmpd="sng" algn="ctr">
+                      <a:noFill/>
+                      <a:prstDash val="solid"/>
+                      <a:round/>
+                      <a:headEnd type="none" w="med" len="med"/>
+                      <a:tailEnd type="none" w="med" len="med"/>
+                    </a:lnB>
+                    <a:lnTlToBr w="12700" cmpd="sng">
+                      <a:noFill/>
+                      <a:prstDash val="solid"/>
+                    </a:lnTlToBr>
+                    <a:lnBlToTr w="12700" cmpd="sng">
+                      <a:noFill/>
+                      <a:prstDash val="solid"/>
+                    </a:lnBlToTr>
+                    <a:solidFill>
+                      <a:schemeClr val="accent4">
+                        <a:lumMod val="40000"/>
+                        <a:lumOff val="60000"/>
+                      </a:schemeClr>
+                    </a:solidFill>
+                  </a:tcPr>
+                </a:tc>
+                <a:tc vMerge="1">
+                  <a:txBody>
+                    <a:bodyPr/>
+                    <a:lstStyle/>
+                    <a:p>
+                      <a:pPr algn="ctr" latinLnBrk="1"/>
+                      <a:endParaRPr lang="ko-KR" altLang="en-US" sz="1400" b="0" dirty="0">
+                        <a:solidFill>
+                          <a:schemeClr val="tx1"/>
+                        </a:solidFill>
+                      </a:endParaRPr>
+                    </a:p>
+                  </a:txBody>
+                  <a:tcPr anchor="ctr">
+                    <a:lnL w="12700" cap="flat" cmpd="sng" algn="ctr">
+                      <a:noFill/>
+                      <a:prstDash val="solid"/>
+                      <a:round/>
+                      <a:headEnd type="none" w="med" len="med"/>
+                      <a:tailEnd type="none" w="med" len="med"/>
+                    </a:lnL>
+                    <a:lnR w="12700" cap="flat" cmpd="sng" algn="ctr">
+                      <a:noFill/>
+                      <a:prstDash val="solid"/>
+                      <a:round/>
+                      <a:headEnd type="none" w="med" len="med"/>
+                      <a:tailEnd type="none" w="med" len="med"/>
+                    </a:lnR>
+                    <a:lnT w="12700" cap="flat" cmpd="sng" algn="ctr">
+                      <a:noFill/>
+                      <a:prstDash val="solid"/>
+                      <a:round/>
+                      <a:headEnd type="none" w="med" len="med"/>
+                      <a:tailEnd type="none" w="med" len="med"/>
+                    </a:lnT>
+                    <a:lnB w="12700" cap="flat" cmpd="sng" algn="ctr">
+                      <a:noFill/>
+                      <a:prstDash val="solid"/>
+                      <a:round/>
+                      <a:headEnd type="none" w="med" len="med"/>
+                      <a:tailEnd type="none" w="med" len="med"/>
+                    </a:lnB>
+                    <a:lnTlToBr w="12700" cmpd="sng">
+                      <a:noFill/>
+                      <a:prstDash val="solid"/>
+                    </a:lnTlToBr>
+                    <a:lnBlToTr w="12700" cmpd="sng">
+                      <a:noFill/>
+                      <a:prstDash val="solid"/>
+                    </a:lnBlToTr>
+                    <a:noFill/>
+                  </a:tcPr>
+                </a:tc>
+                <a:extLst>
+                  <a:ext uri="{0D108BD9-81ED-4DB2-BD59-A6C34878D82A}">
+                    <a16:rowId xmlns:a16="http://schemas.microsoft.com/office/drawing/2014/main" val="161262533"/>
+                  </a:ext>
+                </a:extLst>
+              </a:tr>
+              <a:tr h="370840">
+                <a:tc gridSpan="4">
+                  <a:txBody>
+                    <a:bodyPr/>
+                    <a:lstStyle/>
+                    <a:p>
+                      <a:pPr algn="ctr" latinLnBrk="1"/>
+                      <a:r>
+                        <a:rPr lang="en-US" altLang="ko-KR" sz="1200" b="0" dirty="0">
+                          <a:solidFill>
+                            <a:schemeClr val="tx1"/>
+                          </a:solidFill>
+                        </a:rPr>
+                        <a:t>(a) </a:t>
+                      </a:r>
+                      <a:r>
+                        <a:rPr lang="ko-KR" altLang="en-US" sz="1200" b="0" dirty="0">
+                          <a:solidFill>
+                            <a:schemeClr val="tx1"/>
+                          </a:solidFill>
+                        </a:rPr>
+                        <a:t>물리적 노드 구조</a:t>
+                      </a:r>
+                    </a:p>
+                  </a:txBody>
+                  <a:tcPr anchor="ctr">
+                    <a:lnL w="12700" cmpd="sng">
+                      <a:noFill/>
+                    </a:lnL>
+                    <a:lnR w="12700" cap="flat" cmpd="sng" algn="ctr">
+                      <a:noFill/>
+                      <a:prstDash val="solid"/>
+                      <a:round/>
+                      <a:headEnd type="none" w="med" len="med"/>
+                      <a:tailEnd type="none" w="med" len="med"/>
+                    </a:lnR>
+                    <a:lnT w="12700" cmpd="sng">
+                      <a:noFill/>
+                    </a:lnT>
+                    <a:lnB w="12700" cmpd="sng">
+                      <a:noFill/>
+                    </a:lnB>
+                    <a:lnTlToBr w="12700" cmpd="sng">
+                      <a:noFill/>
+                      <a:prstDash val="solid"/>
+                    </a:lnTlToBr>
+                    <a:lnBlToTr w="12700" cmpd="sng">
+                      <a:noFill/>
+                      <a:prstDash val="solid"/>
+                    </a:lnBlToTr>
+                    <a:noFill/>
+                  </a:tcPr>
+                </a:tc>
+                <a:tc hMerge="1">
+                  <a:txBody>
+                    <a:bodyPr/>
+                    <a:lstStyle/>
+                    <a:p>
+                      <a:pPr algn="ctr" latinLnBrk="1"/>
+                      <a:endParaRPr lang="ko-KR" altLang="en-US" sz="1200" b="0" dirty="0">
+                        <a:solidFill>
+                          <a:schemeClr val="tx1"/>
+                        </a:solidFill>
+                      </a:endParaRPr>
+                    </a:p>
+                  </a:txBody>
+                  <a:tcPr anchor="ctr">
+                    <a:lnL w="12700" cap="flat" cmpd="sng" algn="ctr">
+                      <a:noFill/>
+                      <a:prstDash val="solid"/>
+                      <a:round/>
+                      <a:headEnd type="none" w="med" len="med"/>
+                      <a:tailEnd type="none" w="med" len="med"/>
+                    </a:lnL>
+                    <a:lnR w="12700" cap="flat" cmpd="sng" algn="ctr">
+                      <a:noFill/>
+                      <a:prstDash val="solid"/>
+                      <a:round/>
+                      <a:headEnd type="none" w="med" len="med"/>
+                      <a:tailEnd type="none" w="med" len="med"/>
+                    </a:lnR>
+                    <a:lnT w="12700" cap="flat" cmpd="sng" algn="ctr">
+                      <a:solidFill>
+                        <a:schemeClr val="tx1"/>
+                      </a:solidFill>
+                      <a:prstDash val="solid"/>
+                      <a:round/>
+                      <a:headEnd type="none" w="med" len="med"/>
+                      <a:tailEnd type="none" w="med" len="med"/>
+                    </a:lnT>
+                    <a:lnB w="12700" cap="flat" cmpd="sng" algn="ctr">
+                      <a:noFill/>
+                      <a:prstDash val="solid"/>
+                      <a:round/>
+                      <a:headEnd type="none" w="med" len="med"/>
+                      <a:tailEnd type="none" w="med" len="med"/>
+                    </a:lnB>
+                    <a:lnTlToBr w="12700" cmpd="sng">
+                      <a:noFill/>
+                      <a:prstDash val="solid"/>
+                    </a:lnTlToBr>
+                    <a:lnBlToTr w="12700" cmpd="sng">
+                      <a:noFill/>
+                      <a:prstDash val="solid"/>
+                    </a:lnBlToTr>
+                    <a:noFill/>
+                  </a:tcPr>
+                </a:tc>
+                <a:tc hMerge="1">
+                  <a:txBody>
+                    <a:bodyPr/>
+                    <a:lstStyle/>
+                    <a:p>
+                      <a:pPr algn="ctr" latinLnBrk="1"/>
+                      <a:endParaRPr lang="ko-KR" altLang="en-US" sz="1200" b="0" dirty="0">
+                        <a:solidFill>
+                          <a:schemeClr val="tx1"/>
+                        </a:solidFill>
+                      </a:endParaRPr>
+                    </a:p>
+                  </a:txBody>
+                  <a:tcPr anchor="ctr">
+                    <a:lnL w="12700" cap="flat" cmpd="sng" algn="ctr">
+                      <a:noFill/>
+                      <a:prstDash val="solid"/>
+                      <a:round/>
+                      <a:headEnd type="none" w="med" len="med"/>
+                      <a:tailEnd type="none" w="med" len="med"/>
+                    </a:lnL>
+                    <a:lnR w="12700" cap="flat" cmpd="sng" algn="ctr">
+                      <a:noFill/>
+                      <a:prstDash val="solid"/>
+                      <a:round/>
+                      <a:headEnd type="none" w="med" len="med"/>
+                      <a:tailEnd type="none" w="med" len="med"/>
+                    </a:lnR>
+                    <a:lnT w="12700" cap="flat" cmpd="sng" algn="ctr">
+                      <a:noFill/>
+                      <a:prstDash val="solid"/>
+                      <a:round/>
+                      <a:headEnd type="none" w="med" len="med"/>
+                      <a:tailEnd type="none" w="med" len="med"/>
+                    </a:lnT>
+                    <a:lnB w="12700" cap="flat" cmpd="sng" algn="ctr">
+                      <a:noFill/>
+                      <a:prstDash val="solid"/>
+                      <a:round/>
+                      <a:headEnd type="none" w="med" len="med"/>
+                      <a:tailEnd type="none" w="med" len="med"/>
+                    </a:lnB>
+                    <a:lnTlToBr w="12700" cmpd="sng">
+                      <a:noFill/>
+                      <a:prstDash val="solid"/>
+                    </a:lnTlToBr>
+                    <a:lnBlToTr w="12700" cmpd="sng">
+                      <a:noFill/>
+                      <a:prstDash val="solid"/>
+                    </a:lnBlToTr>
+                    <a:noFill/>
+                  </a:tcPr>
+                </a:tc>
+                <a:tc hMerge="1">
+                  <a:txBody>
+                    <a:bodyPr/>
+                    <a:lstStyle/>
+                    <a:p>
+                      <a:pPr algn="ctr" latinLnBrk="1"/>
+                      <a:endParaRPr lang="ko-KR" altLang="en-US" sz="1200" b="0" dirty="0">
+                        <a:solidFill>
+                          <a:schemeClr val="tx1"/>
+                        </a:solidFill>
+                      </a:endParaRPr>
+                    </a:p>
+                  </a:txBody>
+                  <a:tcPr anchor="ctr">
+                    <a:lnL w="12700" cap="flat" cmpd="sng" algn="ctr">
+                      <a:noFill/>
+                      <a:prstDash val="solid"/>
+                      <a:round/>
+                      <a:headEnd type="none" w="med" len="med"/>
+                      <a:tailEnd type="none" w="med" len="med"/>
+                    </a:lnL>
+                    <a:lnR w="12700" cap="flat" cmpd="sng" algn="ctr">
+                      <a:noFill/>
+                      <a:prstDash val="solid"/>
+                      <a:round/>
+                      <a:headEnd type="none" w="med" len="med"/>
+                      <a:tailEnd type="none" w="med" len="med"/>
+                    </a:lnR>
+                    <a:lnT w="12700" cap="flat" cmpd="sng" algn="ctr">
+                      <a:noFill/>
+                      <a:prstDash val="solid"/>
+                      <a:round/>
+                      <a:headEnd type="none" w="med" len="med"/>
+                      <a:tailEnd type="none" w="med" len="med"/>
+                    </a:lnT>
+                    <a:lnB w="12700" cap="flat" cmpd="sng" algn="ctr">
+                      <a:noFill/>
+                      <a:prstDash val="solid"/>
+                      <a:round/>
+                      <a:headEnd type="none" w="med" len="med"/>
+                      <a:tailEnd type="none" w="med" len="med"/>
+                    </a:lnB>
+                    <a:lnTlToBr w="12700" cmpd="sng">
+                      <a:noFill/>
+                      <a:prstDash val="solid"/>
+                    </a:lnTlToBr>
+                    <a:lnBlToTr w="12700" cmpd="sng">
+                      <a:noFill/>
+                      <a:prstDash val="solid"/>
+                    </a:lnBlToTr>
+                    <a:noFill/>
+                  </a:tcPr>
+                </a:tc>
+                <a:extLst>
+                  <a:ext uri="{0D108BD9-81ED-4DB2-BD59-A6C34878D82A}">
+                    <a16:rowId xmlns:a16="http://schemas.microsoft.com/office/drawing/2014/main" val="2265629739"/>
+                  </a:ext>
+                </a:extLst>
+              </a:tr>
+            </a:tbl>
+          </a:graphicData>
+        </a:graphic>
+      </p:graphicFrame>
+      <p:graphicFrame>
+        <p:nvGraphicFramePr>
+          <p:cNvPr id="2" name="표 1">
+            <a:extLst>
+              <a:ext uri="{FF2B5EF4-FFF2-40B4-BE49-F238E27FC236}">
+                <a16:creationId xmlns:a16="http://schemas.microsoft.com/office/drawing/2014/main" id="{92BBE121-55DF-4101-B9C1-D2F0441019A4}"/>
+              </a:ext>
+            </a:extLst>
+          </p:cNvPr>
+          <p:cNvGraphicFramePr>
+            <a:graphicFrameLocks noGrp="1"/>
+          </p:cNvGraphicFramePr>
+          <p:nvPr>
+            <p:extLst>
+              <p:ext uri="{D42A27DB-BD31-4B8C-83A1-F6EECF244321}">
+                <p14:modId xmlns:p14="http://schemas.microsoft.com/office/powerpoint/2010/main" val="3544318762"/>
+              </p:ext>
+            </p:extLst>
+          </p:nvPr>
+        </p:nvGraphicFramePr>
+        <p:xfrm>
+          <a:off x="426120" y="3572299"/>
+          <a:ext cx="1672426" cy="719455"/>
+        </p:xfrm>
+        <a:graphic>
+          <a:graphicData uri="http://schemas.openxmlformats.org/drawingml/2006/table">
+            <a:tbl>
+              <a:tblPr firstRow="1" bandRow="1">
+                <a:tableStyleId>{5C22544A-7EE6-4342-B048-85BDC9FD1C3A}</a:tableStyleId>
+              </a:tblPr>
+              <a:tblGrid>
+                <a:gridCol w="836213">
+                  <a:extLst>
+                    <a:ext uri="{9D8B030D-6E8A-4147-A177-3AD203B41FA5}">
+                      <a16:colId xmlns:a16="http://schemas.microsoft.com/office/drawing/2014/main" val="1876448761"/>
+                    </a:ext>
+                  </a:extLst>
+                </a:gridCol>
+                <a:gridCol w="836213">
+                  <a:extLst>
+                    <a:ext uri="{9D8B030D-6E8A-4147-A177-3AD203B41FA5}">
+                      <a16:colId xmlns:a16="http://schemas.microsoft.com/office/drawing/2014/main" val="406678734"/>
+                    </a:ext>
+                  </a:extLst>
+                </a:gridCol>
+              </a:tblGrid>
+              <a:tr h="348615">
+                <a:tc>
+                  <a:txBody>
+                    <a:bodyPr/>
+                    <a:lstStyle/>
+                    <a:p>
+                      <a:pPr algn="ctr" latinLnBrk="1"/>
+                      <a:r>
+                        <a:rPr lang="en-US" altLang="ko-KR" sz="1200" b="0" dirty="0">
+                          <a:solidFill>
+                            <a:schemeClr val="tx1"/>
+                          </a:solidFill>
+                        </a:rPr>
+                        <a:t>data</a:t>
+                      </a:r>
+                      <a:endParaRPr lang="ko-KR" altLang="en-US" sz="1200" b="0" dirty="0">
+                        <a:solidFill>
+                          <a:schemeClr val="tx1"/>
+                        </a:solidFill>
+                      </a:endParaRPr>
+                    </a:p>
+                  </a:txBody>
+                  <a:tcPr anchor="ctr">
+                    <a:lnL w="12700" cap="flat" cmpd="sng" algn="ctr">
+                      <a:solidFill>
+                        <a:schemeClr val="tx1"/>
+                      </a:solidFill>
+                      <a:prstDash val="solid"/>
+                      <a:round/>
+                      <a:headEnd type="none" w="med" len="med"/>
+                      <a:tailEnd type="none" w="med" len="med"/>
+                    </a:lnL>
+                    <a:lnR w="12700" cap="flat" cmpd="sng" algn="ctr">
+                      <a:solidFill>
+                        <a:schemeClr val="tx1"/>
+                      </a:solidFill>
+                      <a:prstDash val="solid"/>
+                      <a:round/>
+                      <a:headEnd type="none" w="med" len="med"/>
+                      <a:tailEnd type="none" w="med" len="med"/>
+                    </a:lnR>
+                    <a:lnT w="12700" cap="flat" cmpd="sng" algn="ctr">
+                      <a:solidFill>
+                        <a:schemeClr val="tx1"/>
+                      </a:solidFill>
+                      <a:prstDash val="solid"/>
+                      <a:round/>
+                      <a:headEnd type="none" w="med" len="med"/>
+                      <a:tailEnd type="none" w="med" len="med"/>
+                    </a:lnT>
+                    <a:lnB w="12700" cap="flat" cmpd="sng" algn="ctr">
+                      <a:solidFill>
+                        <a:schemeClr val="tx1"/>
+                      </a:solidFill>
+                      <a:prstDash val="solid"/>
+                      <a:round/>
+                      <a:headEnd type="none" w="med" len="med"/>
+                      <a:tailEnd type="none" w="med" len="med"/>
+                    </a:lnB>
+                    <a:lnTlToBr w="12700" cmpd="sng">
+                      <a:noFill/>
+                      <a:prstDash val="solid"/>
+                    </a:lnTlToBr>
+                    <a:lnBlToTr w="12700" cmpd="sng">
+                      <a:noFill/>
+                      <a:prstDash val="solid"/>
+                    </a:lnBlToTr>
+                    <a:noFill/>
+                  </a:tcPr>
+                </a:tc>
+                <a:tc>
+                  <a:txBody>
+                    <a:bodyPr/>
+                    <a:lstStyle/>
+                    <a:p>
+                      <a:pPr algn="ctr" latinLnBrk="1"/>
+                      <a:r>
+                        <a:rPr lang="en-US" altLang="ko-KR" sz="1200" b="0" dirty="0">
+                          <a:solidFill>
+                            <a:schemeClr val="tx1"/>
+                          </a:solidFill>
+                        </a:rPr>
+                        <a:t>link</a:t>
+                      </a:r>
+                      <a:endParaRPr lang="ko-KR" altLang="en-US" sz="1200" b="0" dirty="0">
+                        <a:solidFill>
+                          <a:schemeClr val="tx1"/>
+                        </a:solidFill>
+                      </a:endParaRPr>
+                    </a:p>
+                  </a:txBody>
+                  <a:tcPr anchor="ctr">
+                    <a:lnL w="12700" cap="flat" cmpd="sng" algn="ctr">
+                      <a:solidFill>
+                        <a:schemeClr val="tx1"/>
+                      </a:solidFill>
+                      <a:prstDash val="solid"/>
+                      <a:round/>
+                      <a:headEnd type="none" w="med" len="med"/>
+                      <a:tailEnd type="none" w="med" len="med"/>
+                    </a:lnL>
+                    <a:lnR w="12700" cap="flat" cmpd="sng" algn="ctr">
+                      <a:solidFill>
+                        <a:schemeClr val="tx1"/>
+                      </a:solidFill>
+                      <a:prstDash val="solid"/>
+                      <a:round/>
+                      <a:headEnd type="none" w="med" len="med"/>
+                      <a:tailEnd type="none" w="med" len="med"/>
+                    </a:lnR>
+                    <a:lnT w="12700" cap="flat" cmpd="sng" algn="ctr">
+                      <a:solidFill>
+                        <a:schemeClr val="tx1"/>
+                      </a:solidFill>
+                      <a:prstDash val="solid"/>
+                      <a:round/>
+                      <a:headEnd type="none" w="med" len="med"/>
+                      <a:tailEnd type="none" w="med" len="med"/>
+                    </a:lnT>
+                    <a:lnB w="12700" cap="flat" cmpd="sng" algn="ctr">
+                      <a:solidFill>
+                        <a:schemeClr val="tx1"/>
+                      </a:solidFill>
+                      <a:prstDash val="solid"/>
+                      <a:round/>
+                      <a:headEnd type="none" w="med" len="med"/>
+                      <a:tailEnd type="none" w="med" len="med"/>
+                    </a:lnB>
+                    <a:lnTlToBr w="12700" cmpd="sng">
+                      <a:noFill/>
+                      <a:prstDash val="solid"/>
+                    </a:lnTlToBr>
+                    <a:lnBlToTr w="12700" cmpd="sng">
+                      <a:noFill/>
+                      <a:prstDash val="solid"/>
+                    </a:lnBlToTr>
+                    <a:noFill/>
+                  </a:tcPr>
+                </a:tc>
+                <a:extLst>
+                  <a:ext uri="{0D108BD9-81ED-4DB2-BD59-A6C34878D82A}">
+                    <a16:rowId xmlns:a16="http://schemas.microsoft.com/office/drawing/2014/main" val="596413071"/>
+                  </a:ext>
+                </a:extLst>
+              </a:tr>
+              <a:tr h="370840">
+                <a:tc gridSpan="2">
+                  <a:txBody>
+                    <a:bodyPr/>
+                    <a:lstStyle/>
+                    <a:p>
+                      <a:pPr algn="ctr" latinLnBrk="1"/>
+                      <a:r>
+                        <a:rPr lang="en-US" altLang="ko-KR" sz="1200" b="0" dirty="0">
+                          <a:solidFill>
+                            <a:schemeClr val="tx1"/>
+                          </a:solidFill>
+                        </a:rPr>
+                        <a:t>(b) </a:t>
+                      </a:r>
+                      <a:r>
+                        <a:rPr lang="ko-KR" altLang="en-US" sz="1200" b="0" dirty="0">
+                          <a:solidFill>
+                            <a:schemeClr val="tx1"/>
+                          </a:solidFill>
+                        </a:rPr>
+                        <a:t>논리적 노드 구조</a:t>
+                      </a:r>
+                    </a:p>
+                  </a:txBody>
+                  <a:tcPr anchor="ctr">
+                    <a:lnL w="12700" cap="flat" cmpd="sng" algn="ctr">
+                      <a:noFill/>
+                      <a:prstDash val="solid"/>
+                      <a:round/>
+                      <a:headEnd type="none" w="med" len="med"/>
+                      <a:tailEnd type="none" w="med" len="med"/>
+                    </a:lnL>
+                    <a:lnR w="12700" cap="flat" cmpd="sng" algn="ctr">
+                      <a:noFill/>
+                      <a:prstDash val="solid"/>
+                      <a:round/>
+                      <a:headEnd type="none" w="med" len="med"/>
+                      <a:tailEnd type="none" w="med" len="med"/>
+                    </a:lnR>
+                    <a:lnT w="12700" cap="flat" cmpd="sng" algn="ctr">
+                      <a:solidFill>
+                        <a:schemeClr val="tx1"/>
+                      </a:solidFill>
+                      <a:prstDash val="solid"/>
+                      <a:round/>
+                      <a:headEnd type="none" w="med" len="med"/>
+                      <a:tailEnd type="none" w="med" len="med"/>
+                    </a:lnT>
+                    <a:lnB w="12700" cap="flat" cmpd="sng" algn="ctr">
+                      <a:noFill/>
+                      <a:prstDash val="solid"/>
+                      <a:round/>
+                      <a:headEnd type="none" w="med" len="med"/>
+                      <a:tailEnd type="none" w="med" len="med"/>
+                    </a:lnB>
+                    <a:lnTlToBr w="12700" cmpd="sng">
+                      <a:noFill/>
+                      <a:prstDash val="solid"/>
+                    </a:lnTlToBr>
+                    <a:lnBlToTr w="12700" cmpd="sng">
+                      <a:noFill/>
+                      <a:prstDash val="solid"/>
+                    </a:lnBlToTr>
+                    <a:noFill/>
+                  </a:tcPr>
+                </a:tc>
+                <a:tc hMerge="1">
+                  <a:txBody>
+                    <a:bodyPr/>
+                    <a:lstStyle/>
+                    <a:p>
+                      <a:pPr algn="ctr" latinLnBrk="1"/>
+                      <a:endParaRPr lang="ko-KR" altLang="en-US" sz="1400" b="0" dirty="0">
+                        <a:solidFill>
+                          <a:schemeClr val="tx1"/>
+                        </a:solidFill>
+                      </a:endParaRPr>
+                    </a:p>
+                  </a:txBody>
+                  <a:tcPr anchor="ctr">
+                    <a:lnL w="12700" cap="flat" cmpd="sng" algn="ctr">
+                      <a:noFill/>
+                      <a:prstDash val="solid"/>
+                      <a:round/>
+                      <a:headEnd type="none" w="med" len="med"/>
+                      <a:tailEnd type="none" w="med" len="med"/>
+                    </a:lnL>
+                    <a:lnR w="12700" cap="flat" cmpd="sng" algn="ctr">
+                      <a:noFill/>
+                      <a:prstDash val="solid"/>
+                      <a:round/>
+                      <a:headEnd type="none" w="med" len="med"/>
+                      <a:tailEnd type="none" w="med" len="med"/>
+                    </a:lnR>
+                    <a:lnT w="12700" cap="flat" cmpd="sng" algn="ctr">
+                      <a:solidFill>
+                        <a:schemeClr val="tx1"/>
+                      </a:solidFill>
+                      <a:prstDash val="solid"/>
+                      <a:round/>
+                      <a:headEnd type="none" w="med" len="med"/>
+                      <a:tailEnd type="none" w="med" len="med"/>
+                    </a:lnT>
+                    <a:lnB w="12700" cap="flat" cmpd="sng" algn="ctr">
+                      <a:noFill/>
+                      <a:prstDash val="solid"/>
+                      <a:round/>
+                      <a:headEnd type="none" w="med" len="med"/>
+                      <a:tailEnd type="none" w="med" len="med"/>
+                    </a:lnB>
+                    <a:lnTlToBr w="12700" cmpd="sng">
+                      <a:noFill/>
+                      <a:prstDash val="solid"/>
+                    </a:lnTlToBr>
+                    <a:lnBlToTr w="12700" cmpd="sng">
+                      <a:noFill/>
+                      <a:prstDash val="solid"/>
+                    </a:lnBlToTr>
+                    <a:noFill/>
+                  </a:tcPr>
+                </a:tc>
+                <a:extLst>
+                  <a:ext uri="{0D108BD9-81ED-4DB2-BD59-A6C34878D82A}">
+                    <a16:rowId xmlns:a16="http://schemas.microsoft.com/office/drawing/2014/main" val="2878944883"/>
+                  </a:ext>
+                </a:extLst>
+              </a:tr>
+            </a:tbl>
+          </a:graphicData>
+        </a:graphic>
+      </p:graphicFrame>
+      <p:graphicFrame>
+        <p:nvGraphicFramePr>
+          <p:cNvPr id="6" name="표 5">
+            <a:extLst>
+              <a:ext uri="{FF2B5EF4-FFF2-40B4-BE49-F238E27FC236}">
+                <a16:creationId xmlns:a16="http://schemas.microsoft.com/office/drawing/2014/main" id="{985F5352-E07A-4062-A634-819F65A00E57}"/>
+              </a:ext>
+            </a:extLst>
+          </p:cNvPr>
+          <p:cNvGraphicFramePr>
+            <a:graphicFrameLocks noGrp="1"/>
+          </p:cNvGraphicFramePr>
+          <p:nvPr>
+            <p:extLst>
+              <p:ext uri="{D42A27DB-BD31-4B8C-83A1-F6EECF244321}">
+                <p14:modId xmlns:p14="http://schemas.microsoft.com/office/powerpoint/2010/main" val="922164034"/>
+              </p:ext>
+            </p:extLst>
+          </p:nvPr>
+        </p:nvGraphicFramePr>
+        <p:xfrm>
+          <a:off x="6207795" y="1858856"/>
+          <a:ext cx="1672426" cy="697230"/>
+        </p:xfrm>
+        <a:graphic>
+          <a:graphicData uri="http://schemas.openxmlformats.org/drawingml/2006/table">
+            <a:tbl>
+              <a:tblPr firstRow="1" bandRow="1">
+                <a:tableStyleId>{5C22544A-7EE6-4342-B048-85BDC9FD1C3A}</a:tableStyleId>
+              </a:tblPr>
+              <a:tblGrid>
+                <a:gridCol w="836213">
+                  <a:extLst>
+                    <a:ext uri="{9D8B030D-6E8A-4147-A177-3AD203B41FA5}">
+                      <a16:colId xmlns:a16="http://schemas.microsoft.com/office/drawing/2014/main" val="1876448761"/>
+                    </a:ext>
+                  </a:extLst>
+                </a:gridCol>
+                <a:gridCol w="836213">
+                  <a:extLst>
+                    <a:ext uri="{9D8B030D-6E8A-4147-A177-3AD203B41FA5}">
+                      <a16:colId xmlns:a16="http://schemas.microsoft.com/office/drawing/2014/main" val="406678734"/>
+                    </a:ext>
+                  </a:extLst>
+                </a:gridCol>
+              </a:tblGrid>
+              <a:tr h="348615">
+                <a:tc>
+                  <a:txBody>
+                    <a:bodyPr/>
+                    <a:lstStyle/>
+                    <a:p>
+                      <a:pPr algn="ctr" latinLnBrk="1"/>
+                      <a:r>
+                        <a:rPr lang="en-US" altLang="ko-KR" sz="1200" b="0" dirty="0">
+                          <a:solidFill>
+                            <a:schemeClr val="tx1"/>
+                          </a:solidFill>
+                        </a:rPr>
+                        <a:t>data</a:t>
+                      </a:r>
+                      <a:endParaRPr lang="ko-KR" altLang="en-US" sz="1200" b="0" dirty="0">
+                        <a:solidFill>
+                          <a:schemeClr val="tx1"/>
+                        </a:solidFill>
+                      </a:endParaRPr>
+                    </a:p>
+                  </a:txBody>
+                  <a:tcPr anchor="ctr">
+                    <a:lnL w="12700" cap="flat" cmpd="sng" algn="ctr">
+                      <a:noFill/>
+                      <a:prstDash val="solid"/>
+                      <a:round/>
+                      <a:headEnd type="none" w="med" len="med"/>
+                      <a:tailEnd type="none" w="med" len="med"/>
+                    </a:lnL>
+                    <a:lnR w="12700" cap="flat" cmpd="sng" algn="ctr">
+                      <a:noFill/>
+                      <a:prstDash val="solid"/>
+                      <a:round/>
+                      <a:headEnd type="none" w="med" len="med"/>
+                      <a:tailEnd type="none" w="med" len="med"/>
+                    </a:lnR>
+                    <a:lnT w="12700" cap="flat" cmpd="sng" algn="ctr">
+                      <a:noFill/>
+                      <a:prstDash val="solid"/>
+                      <a:round/>
+                      <a:headEnd type="none" w="med" len="med"/>
+                      <a:tailEnd type="none" w="med" len="med"/>
+                    </a:lnT>
+                    <a:lnB w="12700" cap="flat" cmpd="sng" algn="ctr">
+                      <a:solidFill>
+                        <a:schemeClr val="tx1"/>
+                      </a:solidFill>
+                      <a:prstDash val="solid"/>
+                      <a:round/>
+                      <a:headEnd type="none" w="med" len="med"/>
+                      <a:tailEnd type="none" w="med" len="med"/>
+                    </a:lnB>
+                    <a:lnTlToBr w="12700" cmpd="sng">
+                      <a:noFill/>
+                      <a:prstDash val="solid"/>
+                    </a:lnTlToBr>
+                    <a:lnBlToTr w="12700" cmpd="sng">
+                      <a:noFill/>
+                      <a:prstDash val="solid"/>
+                    </a:lnBlToTr>
+                    <a:noFill/>
+                  </a:tcPr>
+                </a:tc>
+                <a:tc>
+                  <a:txBody>
+                    <a:bodyPr/>
+                    <a:lstStyle/>
+                    <a:p>
+                      <a:pPr algn="ctr" latinLnBrk="1"/>
+                      <a:r>
+                        <a:rPr lang="en-US" altLang="ko-KR" sz="1200" b="0" dirty="0">
+                          <a:solidFill>
+                            <a:schemeClr val="tx1"/>
+                          </a:solidFill>
+                        </a:rPr>
+                        <a:t>link</a:t>
+                      </a:r>
+                      <a:endParaRPr lang="ko-KR" altLang="en-US" sz="1200" b="0" dirty="0">
+                        <a:solidFill>
+                          <a:schemeClr val="tx1"/>
+                        </a:solidFill>
+                      </a:endParaRPr>
+                    </a:p>
+                  </a:txBody>
+                  <a:tcPr anchor="ctr">
+                    <a:lnL w="12700" cap="flat" cmpd="sng" algn="ctr">
+                      <a:noFill/>
+                      <a:prstDash val="solid"/>
+                      <a:round/>
+                      <a:headEnd type="none" w="med" len="med"/>
+                      <a:tailEnd type="none" w="med" len="med"/>
+                    </a:lnL>
+                    <a:lnR w="12700" cap="flat" cmpd="sng" algn="ctr">
+                      <a:noFill/>
+                      <a:prstDash val="solid"/>
+                      <a:round/>
+                      <a:headEnd type="none" w="med" len="med"/>
+                      <a:tailEnd type="none" w="med" len="med"/>
+                    </a:lnR>
+                    <a:lnT w="12700" cap="flat" cmpd="sng" algn="ctr">
+                      <a:noFill/>
+                      <a:prstDash val="solid"/>
+                      <a:round/>
+                      <a:headEnd type="none" w="med" len="med"/>
+                      <a:tailEnd type="none" w="med" len="med"/>
+                    </a:lnT>
+                    <a:lnB w="12700" cap="flat" cmpd="sng" algn="ctr">
+                      <a:solidFill>
+                        <a:schemeClr val="tx1"/>
+                      </a:solidFill>
+                      <a:prstDash val="solid"/>
+                      <a:round/>
+                      <a:headEnd type="none" w="med" len="med"/>
+                      <a:tailEnd type="none" w="med" len="med"/>
+                    </a:lnB>
+                    <a:lnTlToBr w="12700" cmpd="sng">
+                      <a:noFill/>
+                      <a:prstDash val="solid"/>
+                    </a:lnTlToBr>
+                    <a:lnBlToTr w="12700" cmpd="sng">
+                      <a:noFill/>
+                      <a:prstDash val="solid"/>
+                    </a:lnBlToTr>
+                    <a:noFill/>
+                  </a:tcPr>
+                </a:tc>
+                <a:extLst>
+                  <a:ext uri="{0D108BD9-81ED-4DB2-BD59-A6C34878D82A}">
+                    <a16:rowId xmlns:a16="http://schemas.microsoft.com/office/drawing/2014/main" val="596413071"/>
+                  </a:ext>
+                </a:extLst>
+              </a:tr>
+              <a:tr h="348615">
+                <a:tc>
+                  <a:txBody>
+                    <a:bodyPr/>
+                    <a:lstStyle/>
+                    <a:p>
+                      <a:pPr algn="ctr" latinLnBrk="1"/>
+                      <a:endParaRPr lang="ko-KR" altLang="en-US" sz="1200" b="0" dirty="0">
+                        <a:solidFill>
+                          <a:schemeClr val="tx1"/>
+                        </a:solidFill>
+                      </a:endParaRPr>
+                    </a:p>
+                  </a:txBody>
+                  <a:tcPr anchor="ctr">
+                    <a:lnL w="12700" cap="flat" cmpd="sng" algn="ctr">
+                      <a:solidFill>
+                        <a:schemeClr val="tx1"/>
+                      </a:solidFill>
+                      <a:prstDash val="solid"/>
+                      <a:round/>
+                      <a:headEnd type="none" w="med" len="med"/>
+                      <a:tailEnd type="none" w="med" len="med"/>
+                    </a:lnL>
+                    <a:lnR w="12700" cap="flat" cmpd="sng" algn="ctr">
+                      <a:solidFill>
+                        <a:schemeClr val="tx1"/>
+                      </a:solidFill>
+                      <a:prstDash val="solid"/>
+                      <a:round/>
+                      <a:headEnd type="none" w="med" len="med"/>
+                      <a:tailEnd type="none" w="med" len="med"/>
+                    </a:lnR>
+                    <a:lnT w="12700" cap="flat" cmpd="sng" algn="ctr">
+                      <a:solidFill>
+                        <a:schemeClr val="tx1"/>
+                      </a:solidFill>
+                      <a:prstDash val="solid"/>
+                      <a:round/>
+                      <a:headEnd type="none" w="med" len="med"/>
+                      <a:tailEnd type="none" w="med" len="med"/>
+                    </a:lnT>
+                    <a:lnB w="12700" cap="flat" cmpd="sng" algn="ctr">
+                      <a:solidFill>
+                        <a:schemeClr val="tx1"/>
+                      </a:solidFill>
+                      <a:prstDash val="solid"/>
+                      <a:round/>
+                      <a:headEnd type="none" w="med" len="med"/>
+                      <a:tailEnd type="none" w="med" len="med"/>
+                    </a:lnB>
+                    <a:lnTlToBr w="12700" cmpd="sng">
+                      <a:noFill/>
+                      <a:prstDash val="solid"/>
+                    </a:lnTlToBr>
+                    <a:lnBlToTr w="12700" cmpd="sng">
+                      <a:noFill/>
+                      <a:prstDash val="solid"/>
+                    </a:lnBlToTr>
+                    <a:noFill/>
+                  </a:tcPr>
+                </a:tc>
+                <a:tc>
+                  <a:txBody>
+                    <a:bodyPr/>
+                    <a:lstStyle/>
+                    <a:p>
+                      <a:pPr algn="ctr" latinLnBrk="1"/>
+                      <a:endParaRPr lang="ko-KR" altLang="en-US" sz="1200" b="0" dirty="0">
+                        <a:solidFill>
+                          <a:schemeClr val="tx1"/>
+                        </a:solidFill>
+                      </a:endParaRPr>
+                    </a:p>
+                  </a:txBody>
+                  <a:tcPr anchor="ctr">
+                    <a:lnL w="12700" cap="flat" cmpd="sng" algn="ctr">
+                      <a:solidFill>
+                        <a:schemeClr val="tx1"/>
+                      </a:solidFill>
+                      <a:prstDash val="solid"/>
+                      <a:round/>
+                      <a:headEnd type="none" w="med" len="med"/>
+                      <a:tailEnd type="none" w="med" len="med"/>
+                    </a:lnL>
+                    <a:lnR w="12700" cap="flat" cmpd="sng" algn="ctr">
+                      <a:solidFill>
+                        <a:schemeClr val="tx1"/>
+                      </a:solidFill>
+                      <a:prstDash val="solid"/>
+                      <a:round/>
+                      <a:headEnd type="none" w="med" len="med"/>
+                      <a:tailEnd type="none" w="med" len="med"/>
+                    </a:lnR>
+                    <a:lnT w="12700" cap="flat" cmpd="sng" algn="ctr">
+                      <a:solidFill>
+                        <a:schemeClr val="tx1"/>
+                      </a:solidFill>
+                      <a:prstDash val="solid"/>
+                      <a:round/>
+                      <a:headEnd type="none" w="med" len="med"/>
+                      <a:tailEnd type="none" w="med" len="med"/>
+                    </a:lnT>
+                    <a:lnB w="12700" cap="flat" cmpd="sng" algn="ctr">
+                      <a:solidFill>
+                        <a:schemeClr val="tx1"/>
+                      </a:solidFill>
+                      <a:prstDash val="solid"/>
+                      <a:round/>
+                      <a:headEnd type="none" w="med" len="med"/>
+                      <a:tailEnd type="none" w="med" len="med"/>
+                    </a:lnB>
+                    <a:lnTlToBr w="12700" cmpd="sng">
+                      <a:noFill/>
+                      <a:prstDash val="solid"/>
+                    </a:lnTlToBr>
+                    <a:lnBlToTr w="12700" cmpd="sng">
+                      <a:noFill/>
+                      <a:prstDash val="solid"/>
+                    </a:lnBlToTr>
+                    <a:noFill/>
+                  </a:tcPr>
+                </a:tc>
+                <a:extLst>
+                  <a:ext uri="{0D108BD9-81ED-4DB2-BD59-A6C34878D82A}">
+                    <a16:rowId xmlns:a16="http://schemas.microsoft.com/office/drawing/2014/main" val="3167644525"/>
+                  </a:ext>
+                </a:extLst>
+              </a:tr>
+            </a:tbl>
+          </a:graphicData>
+        </a:graphic>
+      </p:graphicFrame>
+    </p:spTree>
+    <p:extLst>
+      <p:ext uri="{BB962C8B-B14F-4D97-AF65-F5344CB8AC3E}">
+        <p14:creationId xmlns:p14="http://schemas.microsoft.com/office/powerpoint/2010/main" val="243167783"/>
+      </p:ext>
+    </p:extLst>
+  </p:cSld>
+  <p:clrMapOvr>
+    <a:masterClrMapping/>
+  </p:clrMapOvr>
+</p:sld>
+</file>
+
+<file path=ppt/slides/slide6.xml><?xml version="1.0" encoding="utf-8"?>
+<p:sld xmlns:a="http://schemas.openxmlformats.org/drawingml/2006/main" xmlns:r="http://schemas.openxmlformats.org/officeDocument/2006/relationships" xmlns:p="http://schemas.openxmlformats.org/presentationml/2006/main">
+  <p:cSld>
+    <p:spTree>
+      <p:nvGrpSpPr>
+        <p:cNvPr id="1" name=""/>
+        <p:cNvGrpSpPr/>
+        <p:nvPr/>
+      </p:nvGrpSpPr>
+      <p:grpSpPr>
+        <a:xfrm>
+          <a:off x="0" y="0"/>
+          <a:ext cx="0" cy="0"/>
+          <a:chOff x="0" y="0"/>
+          <a:chExt cx="0" cy="0"/>
+        </a:xfrm>
+      </p:grpSpPr>
+      <p:graphicFrame>
+        <p:nvGraphicFramePr>
+          <p:cNvPr id="6" name="표 5">
+            <a:extLst>
+              <a:ext uri="{FF2B5EF4-FFF2-40B4-BE49-F238E27FC236}">
+                <a16:creationId xmlns:a16="http://schemas.microsoft.com/office/drawing/2014/main" id="{985F5352-E07A-4062-A634-819F65A00E57}"/>
+              </a:ext>
+            </a:extLst>
+          </p:cNvPr>
+          <p:cNvGraphicFramePr>
+            <a:graphicFrameLocks noGrp="1"/>
+          </p:cNvGraphicFramePr>
+          <p:nvPr>
+            <p:extLst>
+              <p:ext uri="{D42A27DB-BD31-4B8C-83A1-F6EECF244321}">
+                <p14:modId xmlns:p14="http://schemas.microsoft.com/office/powerpoint/2010/main" val="1112568540"/>
+              </p:ext>
+            </p:extLst>
+          </p:nvPr>
+        </p:nvGraphicFramePr>
+        <p:xfrm>
+          <a:off x="1559595" y="1954106"/>
+          <a:ext cx="990724" cy="697230"/>
+        </p:xfrm>
+        <a:graphic>
+          <a:graphicData uri="http://schemas.openxmlformats.org/drawingml/2006/table">
+            <a:tbl>
+              <a:tblPr firstRow="1" bandRow="1">
+                <a:tableStyleId>{5C22544A-7EE6-4342-B048-85BDC9FD1C3A}</a:tableStyleId>
+              </a:tblPr>
+              <a:tblGrid>
+                <a:gridCol w="495362">
+                  <a:extLst>
+                    <a:ext uri="{9D8B030D-6E8A-4147-A177-3AD203B41FA5}">
+                      <a16:colId xmlns:a16="http://schemas.microsoft.com/office/drawing/2014/main" val="1876448761"/>
+                    </a:ext>
+                  </a:extLst>
+                </a:gridCol>
+                <a:gridCol w="495362">
+                  <a:extLst>
+                    <a:ext uri="{9D8B030D-6E8A-4147-A177-3AD203B41FA5}">
+                      <a16:colId xmlns:a16="http://schemas.microsoft.com/office/drawing/2014/main" val="406678734"/>
+                    </a:ext>
+                  </a:extLst>
+                </a:gridCol>
+              </a:tblGrid>
+              <a:tr h="348615">
+                <a:tc>
+                  <a:txBody>
+                    <a:bodyPr/>
+                    <a:lstStyle/>
+                    <a:p>
+                      <a:pPr algn="ctr" latinLnBrk="1"/>
+                      <a:r>
+                        <a:rPr lang="en-US" altLang="ko-KR" sz="1200" b="0" dirty="0">
+                          <a:solidFill>
+                            <a:schemeClr val="tx1"/>
+                          </a:solidFill>
+                        </a:rPr>
+                        <a:t>data</a:t>
+                      </a:r>
+                      <a:endParaRPr lang="ko-KR" altLang="en-US" sz="1200" b="0" dirty="0">
+                        <a:solidFill>
+                          <a:schemeClr val="tx1"/>
+                        </a:solidFill>
+                      </a:endParaRPr>
+                    </a:p>
+                  </a:txBody>
+                  <a:tcPr anchor="ctr">
+                    <a:lnL w="12700" cap="flat" cmpd="sng" algn="ctr">
+                      <a:noFill/>
+                      <a:prstDash val="solid"/>
+                      <a:round/>
+                      <a:headEnd type="none" w="med" len="med"/>
+                      <a:tailEnd type="none" w="med" len="med"/>
+                    </a:lnL>
+                    <a:lnR w="12700" cap="flat" cmpd="sng" algn="ctr">
+                      <a:noFill/>
+                      <a:prstDash val="solid"/>
+                      <a:round/>
+                      <a:headEnd type="none" w="med" len="med"/>
+                      <a:tailEnd type="none" w="med" len="med"/>
+                    </a:lnR>
+                    <a:lnT w="12700" cap="flat" cmpd="sng" algn="ctr">
+                      <a:noFill/>
+                      <a:prstDash val="solid"/>
+                      <a:round/>
+                      <a:headEnd type="none" w="med" len="med"/>
+                      <a:tailEnd type="none" w="med" len="med"/>
+                    </a:lnT>
+                    <a:lnB w="12700" cap="flat" cmpd="sng" algn="ctr">
+                      <a:solidFill>
+                        <a:schemeClr val="tx1"/>
+                      </a:solidFill>
+                      <a:prstDash val="solid"/>
+                      <a:round/>
+                      <a:headEnd type="none" w="med" len="med"/>
+                      <a:tailEnd type="none" w="med" len="med"/>
+                    </a:lnB>
+                    <a:lnTlToBr w="12700" cmpd="sng">
+                      <a:noFill/>
+                      <a:prstDash val="solid"/>
+                    </a:lnTlToBr>
+                    <a:lnBlToTr w="12700" cmpd="sng">
+                      <a:noFill/>
+                      <a:prstDash val="solid"/>
+                    </a:lnBlToTr>
+                    <a:noFill/>
+                  </a:tcPr>
+                </a:tc>
+                <a:tc>
+                  <a:txBody>
+                    <a:bodyPr/>
+                    <a:lstStyle/>
+                    <a:p>
+                      <a:pPr algn="ctr" latinLnBrk="1"/>
+                      <a:r>
+                        <a:rPr lang="en-US" altLang="ko-KR" sz="1200" b="0" dirty="0">
+                          <a:solidFill>
+                            <a:schemeClr val="tx1"/>
+                          </a:solidFill>
+                        </a:rPr>
+                        <a:t>link</a:t>
+                      </a:r>
+                      <a:endParaRPr lang="ko-KR" altLang="en-US" sz="1200" b="0" dirty="0">
+                        <a:solidFill>
+                          <a:schemeClr val="tx1"/>
+                        </a:solidFill>
+                      </a:endParaRPr>
+                    </a:p>
+                  </a:txBody>
+                  <a:tcPr anchor="ctr">
+                    <a:lnL w="12700" cap="flat" cmpd="sng" algn="ctr">
+                      <a:noFill/>
+                      <a:prstDash val="solid"/>
+                      <a:round/>
+                      <a:headEnd type="none" w="med" len="med"/>
+                      <a:tailEnd type="none" w="med" len="med"/>
+                    </a:lnL>
+                    <a:lnR w="12700" cap="flat" cmpd="sng" algn="ctr">
+                      <a:noFill/>
+                      <a:prstDash val="solid"/>
+                      <a:round/>
+                      <a:headEnd type="none" w="med" len="med"/>
+                      <a:tailEnd type="none" w="med" len="med"/>
+                    </a:lnR>
+                    <a:lnT w="12700" cap="flat" cmpd="sng" algn="ctr">
+                      <a:noFill/>
+                      <a:prstDash val="solid"/>
+                      <a:round/>
+                      <a:headEnd type="none" w="med" len="med"/>
+                      <a:tailEnd type="none" w="med" len="med"/>
+                    </a:lnT>
+                    <a:lnB w="12700" cap="flat" cmpd="sng" algn="ctr">
+                      <a:solidFill>
+                        <a:schemeClr val="tx1"/>
+                      </a:solidFill>
+                      <a:prstDash val="solid"/>
+                      <a:round/>
+                      <a:headEnd type="none" w="med" len="med"/>
+                      <a:tailEnd type="none" w="med" len="med"/>
+                    </a:lnB>
+                    <a:lnTlToBr w="12700" cmpd="sng">
+                      <a:noFill/>
+                      <a:prstDash val="solid"/>
+                    </a:lnTlToBr>
+                    <a:lnBlToTr w="12700" cmpd="sng">
+                      <a:noFill/>
+                      <a:prstDash val="solid"/>
+                    </a:lnBlToTr>
+                    <a:noFill/>
+                  </a:tcPr>
+                </a:tc>
+                <a:extLst>
+                  <a:ext uri="{0D108BD9-81ED-4DB2-BD59-A6C34878D82A}">
+                    <a16:rowId xmlns:a16="http://schemas.microsoft.com/office/drawing/2014/main" val="596413071"/>
+                  </a:ext>
+                </a:extLst>
+              </a:tr>
+              <a:tr h="348615">
+                <a:tc>
+                  <a:txBody>
+                    <a:bodyPr/>
+                    <a:lstStyle/>
+                    <a:p>
+                      <a:pPr algn="ctr" latinLnBrk="1"/>
+                      <a:r>
+                        <a:rPr lang="en-US" altLang="ko-KR" sz="1200" b="0" dirty="0">
+                          <a:solidFill>
+                            <a:schemeClr val="tx1"/>
+                          </a:solidFill>
+                        </a:rPr>
+                        <a:t>Cho</a:t>
+                      </a:r>
+                      <a:endParaRPr lang="ko-KR" altLang="en-US" sz="1200" b="0" dirty="0">
+                        <a:solidFill>
+                          <a:schemeClr val="tx1"/>
+                        </a:solidFill>
+                      </a:endParaRPr>
+                    </a:p>
+                  </a:txBody>
+                  <a:tcPr anchor="ctr">
+                    <a:lnL w="12700" cap="flat" cmpd="sng" algn="ctr">
+                      <a:solidFill>
+                        <a:schemeClr val="tx1"/>
+                      </a:solidFill>
+                      <a:prstDash val="solid"/>
+                      <a:round/>
+                      <a:headEnd type="none" w="med" len="med"/>
+                      <a:tailEnd type="none" w="med" len="med"/>
+                    </a:lnL>
+                    <a:lnR w="12700" cap="flat" cmpd="sng" algn="ctr">
+                      <a:solidFill>
+                        <a:schemeClr val="tx1"/>
+                      </a:solidFill>
+                      <a:prstDash val="solid"/>
+                      <a:round/>
+                      <a:headEnd type="none" w="med" len="med"/>
+                      <a:tailEnd type="none" w="med" len="med"/>
+                    </a:lnR>
+                    <a:lnT w="12700" cap="flat" cmpd="sng" algn="ctr">
+                      <a:solidFill>
+                        <a:schemeClr val="tx1"/>
+                      </a:solidFill>
+                      <a:prstDash val="solid"/>
+                      <a:round/>
+                      <a:headEnd type="none" w="med" len="med"/>
+                      <a:tailEnd type="none" w="med" len="med"/>
+                    </a:lnT>
+                    <a:lnB w="12700" cap="flat" cmpd="sng" algn="ctr">
+                      <a:solidFill>
+                        <a:schemeClr val="tx1"/>
+                      </a:solidFill>
+                      <a:prstDash val="solid"/>
+                      <a:round/>
+                      <a:headEnd type="none" w="med" len="med"/>
+                      <a:tailEnd type="none" w="med" len="med"/>
+                    </a:lnB>
+                    <a:lnTlToBr w="12700" cmpd="sng">
+                      <a:noFill/>
+                      <a:prstDash val="solid"/>
+                    </a:lnTlToBr>
+                    <a:lnBlToTr w="12700" cmpd="sng">
+                      <a:noFill/>
+                      <a:prstDash val="solid"/>
+                    </a:lnBlToTr>
+                    <a:noFill/>
+                  </a:tcPr>
+                </a:tc>
+                <a:tc>
+                  <a:txBody>
+                    <a:bodyPr/>
+                    <a:lstStyle/>
+                    <a:p>
+                      <a:pPr algn="ctr" latinLnBrk="1"/>
+                      <a:endParaRPr lang="ko-KR" altLang="en-US" sz="1200" b="0" dirty="0">
+                        <a:solidFill>
+                          <a:schemeClr val="tx1"/>
+                        </a:solidFill>
+                      </a:endParaRPr>
+                    </a:p>
+                  </a:txBody>
+                  <a:tcPr anchor="ctr">
+                    <a:lnL w="12700" cap="flat" cmpd="sng" algn="ctr">
+                      <a:solidFill>
+                        <a:schemeClr val="tx1"/>
+                      </a:solidFill>
+                      <a:prstDash val="solid"/>
+                      <a:round/>
+                      <a:headEnd type="none" w="med" len="med"/>
+                      <a:tailEnd type="none" w="med" len="med"/>
+                    </a:lnL>
+                    <a:lnR w="12700" cap="flat" cmpd="sng" algn="ctr">
+                      <a:solidFill>
+                        <a:schemeClr val="tx1"/>
+                      </a:solidFill>
+                      <a:prstDash val="solid"/>
+                      <a:round/>
+                      <a:headEnd type="none" w="med" len="med"/>
+                      <a:tailEnd type="none" w="med" len="med"/>
+                    </a:lnR>
+                    <a:lnT w="12700" cap="flat" cmpd="sng" algn="ctr">
+                      <a:solidFill>
+                        <a:schemeClr val="tx1"/>
+                      </a:solidFill>
+                      <a:prstDash val="solid"/>
+                      <a:round/>
+                      <a:headEnd type="none" w="med" len="med"/>
+                      <a:tailEnd type="none" w="med" len="med"/>
+                    </a:lnT>
+                    <a:lnB w="12700" cap="flat" cmpd="sng" algn="ctr">
+                      <a:solidFill>
+                        <a:schemeClr val="tx1"/>
+                      </a:solidFill>
+                      <a:prstDash val="solid"/>
+                      <a:round/>
+                      <a:headEnd type="none" w="med" len="med"/>
+                      <a:tailEnd type="none" w="med" len="med"/>
+                    </a:lnB>
+                    <a:lnTlToBr w="12700" cmpd="sng">
+                      <a:noFill/>
+                      <a:prstDash val="solid"/>
+                    </a:lnTlToBr>
+                    <a:lnBlToTr w="12700" cmpd="sng">
+                      <a:noFill/>
+                      <a:prstDash val="solid"/>
+                    </a:lnBlToTr>
+                    <a:noFill/>
+                  </a:tcPr>
+                </a:tc>
+                <a:extLst>
+                  <a:ext uri="{0D108BD9-81ED-4DB2-BD59-A6C34878D82A}">
+                    <a16:rowId xmlns:a16="http://schemas.microsoft.com/office/drawing/2014/main" val="3167644525"/>
+                  </a:ext>
+                </a:extLst>
+              </a:tr>
+            </a:tbl>
+          </a:graphicData>
+        </a:graphic>
+      </p:graphicFrame>
+      <p:graphicFrame>
+        <p:nvGraphicFramePr>
+          <p:cNvPr id="9" name="표 8">
+            <a:extLst>
+              <a:ext uri="{FF2B5EF4-FFF2-40B4-BE49-F238E27FC236}">
+                <a16:creationId xmlns:a16="http://schemas.microsoft.com/office/drawing/2014/main" id="{ED2FF165-E249-4470-86EE-B6A285187014}"/>
+              </a:ext>
+            </a:extLst>
+          </p:cNvPr>
+          <p:cNvGraphicFramePr>
+            <a:graphicFrameLocks noGrp="1"/>
+          </p:cNvGraphicFramePr>
+          <p:nvPr>
+            <p:extLst>
+              <p:ext uri="{D42A27DB-BD31-4B8C-83A1-F6EECF244321}">
+                <p14:modId xmlns:p14="http://schemas.microsoft.com/office/powerpoint/2010/main" val="3423080530"/>
+              </p:ext>
+            </p:extLst>
+          </p:nvPr>
+        </p:nvGraphicFramePr>
+        <p:xfrm>
+          <a:off x="390524" y="1954106"/>
+          <a:ext cx="926432" cy="697230"/>
+        </p:xfrm>
+        <a:graphic>
+          <a:graphicData uri="http://schemas.openxmlformats.org/drawingml/2006/table">
+            <a:tbl>
+              <a:tblPr firstRow="1" bandRow="1">
+                <a:tableStyleId>{5C22544A-7EE6-4342-B048-85BDC9FD1C3A}</a:tableStyleId>
+              </a:tblPr>
+              <a:tblGrid>
+                <a:gridCol w="463216">
+                  <a:extLst>
+                    <a:ext uri="{9D8B030D-6E8A-4147-A177-3AD203B41FA5}">
+                      <a16:colId xmlns:a16="http://schemas.microsoft.com/office/drawing/2014/main" val="1876448761"/>
+                    </a:ext>
+                  </a:extLst>
+                </a:gridCol>
+                <a:gridCol w="463216">
+                  <a:extLst>
+                    <a:ext uri="{9D8B030D-6E8A-4147-A177-3AD203B41FA5}">
+                      <a16:colId xmlns:a16="http://schemas.microsoft.com/office/drawing/2014/main" val="406678734"/>
+                    </a:ext>
+                  </a:extLst>
+                </a:gridCol>
+              </a:tblGrid>
+              <a:tr h="348615">
+                <a:tc>
+                  <a:txBody>
+                    <a:bodyPr/>
+                    <a:lstStyle/>
+                    <a:p>
+                      <a:pPr algn="ctr" latinLnBrk="1"/>
+                      <a:endParaRPr lang="ko-KR" altLang="en-US" sz="1200" b="0" dirty="0">
+                        <a:solidFill>
+                          <a:schemeClr val="tx1"/>
+                        </a:solidFill>
+                      </a:endParaRPr>
+                    </a:p>
+                  </a:txBody>
+                  <a:tcPr anchor="ctr">
+                    <a:lnL w="12700" cap="flat" cmpd="sng" algn="ctr">
+                      <a:noFill/>
+                      <a:prstDash val="solid"/>
+                      <a:round/>
+                      <a:headEnd type="none" w="med" len="med"/>
+                      <a:tailEnd type="none" w="med" len="med"/>
+                    </a:lnL>
+                    <a:lnR w="12700" cap="flat" cmpd="sng" algn="ctr">
+                      <a:noFill/>
+                      <a:prstDash val="solid"/>
+                      <a:round/>
+                      <a:headEnd type="none" w="med" len="med"/>
+                      <a:tailEnd type="none" w="med" len="med"/>
+                    </a:lnR>
+                    <a:lnT w="12700" cap="flat" cmpd="sng" algn="ctr">
+                      <a:noFill/>
+                      <a:prstDash val="solid"/>
+                      <a:round/>
+                      <a:headEnd type="none" w="med" len="med"/>
+                      <a:tailEnd type="none" w="med" len="med"/>
+                    </a:lnT>
+                    <a:lnB w="12700" cap="flat" cmpd="sng" algn="ctr">
+                      <a:noFill/>
+                      <a:prstDash val="solid"/>
+                      <a:round/>
+                      <a:headEnd type="none" w="med" len="med"/>
+                      <a:tailEnd type="none" w="med" len="med"/>
+                    </a:lnB>
+                    <a:lnTlToBr w="12700" cmpd="sng">
+                      <a:noFill/>
+                      <a:prstDash val="solid"/>
+                    </a:lnTlToBr>
+                    <a:lnBlToTr w="12700" cmpd="sng">
+                      <a:noFill/>
+                      <a:prstDash val="solid"/>
+                    </a:lnBlToTr>
+                    <a:noFill/>
+                  </a:tcPr>
+                </a:tc>
+                <a:tc>
+                  <a:txBody>
+                    <a:bodyPr/>
+                    <a:lstStyle/>
+                    <a:p>
+                      <a:pPr algn="ctr" latinLnBrk="1"/>
+                      <a:endParaRPr lang="ko-KR" altLang="en-US" sz="1200" b="0" dirty="0">
+                        <a:solidFill>
+                          <a:schemeClr val="tx1"/>
+                        </a:solidFill>
+                      </a:endParaRPr>
+                    </a:p>
+                  </a:txBody>
+                  <a:tcPr anchor="ctr">
+                    <a:lnL w="12700" cap="flat" cmpd="sng" algn="ctr">
+                      <a:noFill/>
+                      <a:prstDash val="solid"/>
+                      <a:round/>
+                      <a:headEnd type="none" w="med" len="med"/>
+                      <a:tailEnd type="none" w="med" len="med"/>
+                    </a:lnL>
+                    <a:lnR w="12700" cap="flat" cmpd="sng" algn="ctr">
+                      <a:noFill/>
+                      <a:prstDash val="solid"/>
+                      <a:round/>
+                      <a:headEnd type="none" w="med" len="med"/>
+                      <a:tailEnd type="none" w="med" len="med"/>
+                    </a:lnR>
+                    <a:lnT w="12700" cap="flat" cmpd="sng" algn="ctr">
+                      <a:noFill/>
+                      <a:prstDash val="solid"/>
+                      <a:round/>
+                      <a:headEnd type="none" w="med" len="med"/>
+                      <a:tailEnd type="none" w="med" len="med"/>
+                    </a:lnT>
+                    <a:lnB w="12700" cap="flat" cmpd="sng" algn="ctr">
+                      <a:solidFill>
+                        <a:schemeClr val="tx1"/>
+                      </a:solidFill>
+                      <a:prstDash val="solid"/>
+                      <a:round/>
+                      <a:headEnd type="none" w="med" len="med"/>
+                      <a:tailEnd type="none" w="med" len="med"/>
+                    </a:lnB>
+                    <a:lnTlToBr w="12700" cmpd="sng">
+                      <a:noFill/>
+                      <a:prstDash val="solid"/>
+                    </a:lnTlToBr>
+                    <a:lnBlToTr w="12700" cmpd="sng">
+                      <a:noFill/>
+                      <a:prstDash val="solid"/>
+                    </a:lnBlToTr>
+                    <a:noFill/>
+                  </a:tcPr>
+                </a:tc>
+                <a:extLst>
+                  <a:ext uri="{0D108BD9-81ED-4DB2-BD59-A6C34878D82A}">
+                    <a16:rowId xmlns:a16="http://schemas.microsoft.com/office/drawing/2014/main" val="596413071"/>
+                  </a:ext>
+                </a:extLst>
+              </a:tr>
+              <a:tr h="348615">
+                <a:tc>
+                  <a:txBody>
+                    <a:bodyPr/>
+                    <a:lstStyle/>
+                    <a:p>
+                      <a:pPr algn="ctr" latinLnBrk="1"/>
+                      <a:r>
+                        <a:rPr lang="en-US" altLang="ko-KR" sz="1200" b="0" dirty="0">
+                          <a:solidFill>
+                            <a:schemeClr val="tx1"/>
+                          </a:solidFill>
+                        </a:rPr>
+                        <a:t>L</a:t>
+                      </a:r>
+                      <a:endParaRPr lang="ko-KR" altLang="en-US" sz="1200" b="0" dirty="0">
+                        <a:solidFill>
+                          <a:schemeClr val="tx1"/>
+                        </a:solidFill>
+                      </a:endParaRPr>
+                    </a:p>
+                  </a:txBody>
+                  <a:tcPr anchor="ctr">
+                    <a:lnL w="12700" cap="flat" cmpd="sng" algn="ctr">
+                      <a:noFill/>
+                      <a:prstDash val="solid"/>
+                      <a:round/>
+                      <a:headEnd type="none" w="med" len="med"/>
+                      <a:tailEnd type="none" w="med" len="med"/>
+                    </a:lnL>
+                    <a:lnR w="12700" cap="flat" cmpd="sng" algn="ctr">
+                      <a:solidFill>
+                        <a:schemeClr val="tx1"/>
+                      </a:solidFill>
+                      <a:prstDash val="solid"/>
+                      <a:round/>
+                      <a:headEnd type="none" w="med" len="med"/>
+                      <a:tailEnd type="none" w="med" len="med"/>
+                    </a:lnR>
+                    <a:lnT w="12700" cap="flat" cmpd="sng" algn="ctr">
+                      <a:noFill/>
+                      <a:prstDash val="solid"/>
+                      <a:round/>
+                      <a:headEnd type="none" w="med" len="med"/>
+                      <a:tailEnd type="none" w="med" len="med"/>
+                    </a:lnT>
+                    <a:lnB w="12700" cap="flat" cmpd="sng" algn="ctr">
+                      <a:noFill/>
+                      <a:prstDash val="solid"/>
+                      <a:round/>
+                      <a:headEnd type="none" w="med" len="med"/>
+                      <a:tailEnd type="none" w="med" len="med"/>
+                    </a:lnB>
+                    <a:lnTlToBr w="12700" cmpd="sng">
+                      <a:noFill/>
+                      <a:prstDash val="solid"/>
+                    </a:lnTlToBr>
+                    <a:lnBlToTr w="12700" cmpd="sng">
+                      <a:noFill/>
+                      <a:prstDash val="solid"/>
+                    </a:lnBlToTr>
+                    <a:noFill/>
+                  </a:tcPr>
+                </a:tc>
+                <a:tc>
+                  <a:txBody>
+                    <a:bodyPr/>
+                    <a:lstStyle/>
+                    <a:p>
+                      <a:pPr algn="ctr" latinLnBrk="1"/>
+                      <a:endParaRPr lang="ko-KR" altLang="en-US" sz="1200" b="0" dirty="0">
+                        <a:solidFill>
+                          <a:schemeClr val="tx1"/>
+                        </a:solidFill>
+                      </a:endParaRPr>
+                    </a:p>
+                  </a:txBody>
+                  <a:tcPr anchor="ctr">
+                    <a:lnL w="12700" cap="flat" cmpd="sng" algn="ctr">
+                      <a:solidFill>
+                        <a:schemeClr val="tx1"/>
+                      </a:solidFill>
+                      <a:prstDash val="solid"/>
+                      <a:round/>
+                      <a:headEnd type="none" w="med" len="med"/>
+                      <a:tailEnd type="none" w="med" len="med"/>
+                    </a:lnL>
+                    <a:lnR w="12700" cap="flat" cmpd="sng" algn="ctr">
+                      <a:solidFill>
+                        <a:schemeClr val="tx1"/>
+                      </a:solidFill>
+                      <a:prstDash val="solid"/>
+                      <a:round/>
+                      <a:headEnd type="none" w="med" len="med"/>
+                      <a:tailEnd type="none" w="med" len="med"/>
+                    </a:lnR>
+                    <a:lnT w="12700" cap="flat" cmpd="sng" algn="ctr">
+                      <a:solidFill>
+                        <a:schemeClr val="tx1"/>
+                      </a:solidFill>
+                      <a:prstDash val="solid"/>
+                      <a:round/>
+                      <a:headEnd type="none" w="med" len="med"/>
+                      <a:tailEnd type="none" w="med" len="med"/>
+                    </a:lnT>
+                    <a:lnB w="12700" cap="flat" cmpd="sng" algn="ctr">
+                      <a:solidFill>
+                        <a:schemeClr val="tx1"/>
+                      </a:solidFill>
+                      <a:prstDash val="solid"/>
+                      <a:round/>
+                      <a:headEnd type="none" w="med" len="med"/>
+                      <a:tailEnd type="none" w="med" len="med"/>
+                    </a:lnB>
+                    <a:lnTlToBr w="12700" cmpd="sng">
+                      <a:noFill/>
+                      <a:prstDash val="solid"/>
+                    </a:lnTlToBr>
+                    <a:lnBlToTr w="12700" cmpd="sng">
+                      <a:noFill/>
+                      <a:prstDash val="solid"/>
+                    </a:lnBlToTr>
+                    <a:noFill/>
+                  </a:tcPr>
+                </a:tc>
+                <a:extLst>
+                  <a:ext uri="{0D108BD9-81ED-4DB2-BD59-A6C34878D82A}">
+                    <a16:rowId xmlns:a16="http://schemas.microsoft.com/office/drawing/2014/main" val="3167644525"/>
+                  </a:ext>
+                </a:extLst>
+              </a:tr>
+            </a:tbl>
+          </a:graphicData>
+        </a:graphic>
+      </p:graphicFrame>
+      <p:graphicFrame>
+        <p:nvGraphicFramePr>
+          <p:cNvPr id="14" name="표 13">
+            <a:extLst>
+              <a:ext uri="{FF2B5EF4-FFF2-40B4-BE49-F238E27FC236}">
+                <a16:creationId xmlns:a16="http://schemas.microsoft.com/office/drawing/2014/main" id="{284F6E4F-13F8-4DDB-B74B-68FD4DC5DAD1}"/>
+              </a:ext>
+            </a:extLst>
+          </p:cNvPr>
+          <p:cNvGraphicFramePr>
+            <a:graphicFrameLocks noGrp="1"/>
+          </p:cNvGraphicFramePr>
+          <p:nvPr>
+            <p:extLst>
+              <p:ext uri="{D42A27DB-BD31-4B8C-83A1-F6EECF244321}">
+                <p14:modId xmlns:p14="http://schemas.microsoft.com/office/powerpoint/2010/main" val="4290090557"/>
+              </p:ext>
+            </p:extLst>
+          </p:nvPr>
+        </p:nvGraphicFramePr>
+        <p:xfrm>
+          <a:off x="2792958" y="1954106"/>
+          <a:ext cx="990724" cy="697230"/>
+        </p:xfrm>
+        <a:graphic>
+          <a:graphicData uri="http://schemas.openxmlformats.org/drawingml/2006/table">
+            <a:tbl>
+              <a:tblPr firstRow="1" bandRow="1">
+                <a:tableStyleId>{5C22544A-7EE6-4342-B048-85BDC9FD1C3A}</a:tableStyleId>
+              </a:tblPr>
+              <a:tblGrid>
+                <a:gridCol w="495362">
+                  <a:extLst>
+                    <a:ext uri="{9D8B030D-6E8A-4147-A177-3AD203B41FA5}">
+                      <a16:colId xmlns:a16="http://schemas.microsoft.com/office/drawing/2014/main" val="1876448761"/>
+                    </a:ext>
+                  </a:extLst>
+                </a:gridCol>
+                <a:gridCol w="495362">
+                  <a:extLst>
+                    <a:ext uri="{9D8B030D-6E8A-4147-A177-3AD203B41FA5}">
+                      <a16:colId xmlns:a16="http://schemas.microsoft.com/office/drawing/2014/main" val="406678734"/>
+                    </a:ext>
+                  </a:extLst>
+                </a:gridCol>
+              </a:tblGrid>
+              <a:tr h="348615">
+                <a:tc>
+                  <a:txBody>
+                    <a:bodyPr/>
+                    <a:lstStyle/>
+                    <a:p>
+                      <a:pPr algn="ctr" latinLnBrk="1"/>
+                      <a:r>
+                        <a:rPr lang="en-US" altLang="ko-KR" sz="1200" b="0" dirty="0">
+                          <a:solidFill>
+                            <a:schemeClr val="tx1"/>
+                          </a:solidFill>
+                        </a:rPr>
+                        <a:t>data</a:t>
+                      </a:r>
+                      <a:endParaRPr lang="ko-KR" altLang="en-US" sz="1200" b="0" dirty="0">
+                        <a:solidFill>
+                          <a:schemeClr val="tx1"/>
+                        </a:solidFill>
+                      </a:endParaRPr>
+                    </a:p>
+                  </a:txBody>
+                  <a:tcPr anchor="ctr">
+                    <a:lnL w="12700" cap="flat" cmpd="sng" algn="ctr">
+                      <a:noFill/>
+                      <a:prstDash val="solid"/>
+                      <a:round/>
+                      <a:headEnd type="none" w="med" len="med"/>
+                      <a:tailEnd type="none" w="med" len="med"/>
+                    </a:lnL>
+                    <a:lnR w="12700" cap="flat" cmpd="sng" algn="ctr">
+                      <a:noFill/>
+                      <a:prstDash val="solid"/>
+                      <a:round/>
+                      <a:headEnd type="none" w="med" len="med"/>
+                      <a:tailEnd type="none" w="med" len="med"/>
+                    </a:lnR>
+                    <a:lnT w="12700" cap="flat" cmpd="sng" algn="ctr">
+                      <a:noFill/>
+                      <a:prstDash val="solid"/>
+                      <a:round/>
+                      <a:headEnd type="none" w="med" len="med"/>
+                      <a:tailEnd type="none" w="med" len="med"/>
+                    </a:lnT>
+                    <a:lnB w="12700" cap="flat" cmpd="sng" algn="ctr">
+                      <a:solidFill>
+                        <a:schemeClr val="tx1"/>
+                      </a:solidFill>
+                      <a:prstDash val="solid"/>
+                      <a:round/>
+                      <a:headEnd type="none" w="med" len="med"/>
+                      <a:tailEnd type="none" w="med" len="med"/>
+                    </a:lnB>
+                    <a:lnTlToBr w="12700" cmpd="sng">
+                      <a:noFill/>
+                      <a:prstDash val="solid"/>
+                    </a:lnTlToBr>
+                    <a:lnBlToTr w="12700" cmpd="sng">
+                      <a:noFill/>
+                      <a:prstDash val="solid"/>
+                    </a:lnBlToTr>
+                    <a:noFill/>
+                  </a:tcPr>
+                </a:tc>
+                <a:tc>
+                  <a:txBody>
+                    <a:bodyPr/>
+                    <a:lstStyle/>
+                    <a:p>
+                      <a:pPr algn="ctr" latinLnBrk="1"/>
+                      <a:r>
+                        <a:rPr lang="en-US" altLang="ko-KR" sz="1200" b="0" dirty="0">
+                          <a:solidFill>
+                            <a:schemeClr val="tx1"/>
+                          </a:solidFill>
+                        </a:rPr>
+                        <a:t>link</a:t>
+                      </a:r>
+                      <a:endParaRPr lang="ko-KR" altLang="en-US" sz="1200" b="0" dirty="0">
+                        <a:solidFill>
+                          <a:schemeClr val="tx1"/>
+                        </a:solidFill>
+                      </a:endParaRPr>
+                    </a:p>
+                  </a:txBody>
+                  <a:tcPr anchor="ctr">
+                    <a:lnL w="12700" cap="flat" cmpd="sng" algn="ctr">
+                      <a:noFill/>
+                      <a:prstDash val="solid"/>
+                      <a:round/>
+                      <a:headEnd type="none" w="med" len="med"/>
+                      <a:tailEnd type="none" w="med" len="med"/>
+                    </a:lnL>
+                    <a:lnR w="12700" cap="flat" cmpd="sng" algn="ctr">
+                      <a:noFill/>
+                      <a:prstDash val="solid"/>
+                      <a:round/>
+                      <a:headEnd type="none" w="med" len="med"/>
+                      <a:tailEnd type="none" w="med" len="med"/>
+                    </a:lnR>
+                    <a:lnT w="12700" cap="flat" cmpd="sng" algn="ctr">
+                      <a:noFill/>
+                      <a:prstDash val="solid"/>
+                      <a:round/>
+                      <a:headEnd type="none" w="med" len="med"/>
+                      <a:tailEnd type="none" w="med" len="med"/>
+                    </a:lnT>
+                    <a:lnB w="12700" cap="flat" cmpd="sng" algn="ctr">
+                      <a:solidFill>
+                        <a:schemeClr val="tx1"/>
+                      </a:solidFill>
+                      <a:prstDash val="solid"/>
+                      <a:round/>
+                      <a:headEnd type="none" w="med" len="med"/>
+                      <a:tailEnd type="none" w="med" len="med"/>
+                    </a:lnB>
+                    <a:lnTlToBr w="12700" cmpd="sng">
+                      <a:noFill/>
+                      <a:prstDash val="solid"/>
+                    </a:lnTlToBr>
+                    <a:lnBlToTr w="12700" cmpd="sng">
+                      <a:noFill/>
+                      <a:prstDash val="solid"/>
+                    </a:lnBlToTr>
+                    <a:noFill/>
+                  </a:tcPr>
+                </a:tc>
+                <a:extLst>
+                  <a:ext uri="{0D108BD9-81ED-4DB2-BD59-A6C34878D82A}">
+                    <a16:rowId xmlns:a16="http://schemas.microsoft.com/office/drawing/2014/main" val="596413071"/>
+                  </a:ext>
+                </a:extLst>
+              </a:tr>
+              <a:tr h="348615">
+                <a:tc>
+                  <a:txBody>
+                    <a:bodyPr/>
+                    <a:lstStyle/>
+                    <a:p>
+                      <a:pPr algn="ctr" latinLnBrk="1"/>
+                      <a:r>
+                        <a:rPr lang="en-US" altLang="ko-KR" sz="1200" b="0" dirty="0">
+                          <a:solidFill>
+                            <a:schemeClr val="tx1"/>
+                          </a:solidFill>
+                        </a:rPr>
+                        <a:t>Kim</a:t>
+                      </a:r>
+                      <a:endParaRPr lang="ko-KR" altLang="en-US" sz="1200" b="0" dirty="0">
+                        <a:solidFill>
+                          <a:schemeClr val="tx1"/>
+                        </a:solidFill>
+                      </a:endParaRPr>
+                    </a:p>
+                  </a:txBody>
+                  <a:tcPr anchor="ctr">
+                    <a:lnL w="12700" cap="flat" cmpd="sng" algn="ctr">
+                      <a:solidFill>
+                        <a:schemeClr val="tx1"/>
+                      </a:solidFill>
+                      <a:prstDash val="solid"/>
+                      <a:round/>
+                      <a:headEnd type="none" w="med" len="med"/>
+                      <a:tailEnd type="none" w="med" len="med"/>
+                    </a:lnL>
+                    <a:lnR w="12700" cap="flat" cmpd="sng" algn="ctr">
+                      <a:solidFill>
+                        <a:schemeClr val="tx1"/>
+                      </a:solidFill>
+                      <a:prstDash val="solid"/>
+                      <a:round/>
+                      <a:headEnd type="none" w="med" len="med"/>
+                      <a:tailEnd type="none" w="med" len="med"/>
+                    </a:lnR>
+                    <a:lnT w="12700" cap="flat" cmpd="sng" algn="ctr">
+                      <a:solidFill>
+                        <a:schemeClr val="tx1"/>
+                      </a:solidFill>
+                      <a:prstDash val="solid"/>
+                      <a:round/>
+                      <a:headEnd type="none" w="med" len="med"/>
+                      <a:tailEnd type="none" w="med" len="med"/>
+                    </a:lnT>
+                    <a:lnB w="12700" cap="flat" cmpd="sng" algn="ctr">
+                      <a:solidFill>
+                        <a:schemeClr val="tx1"/>
+                      </a:solidFill>
+                      <a:prstDash val="solid"/>
+                      <a:round/>
+                      <a:headEnd type="none" w="med" len="med"/>
+                      <a:tailEnd type="none" w="med" len="med"/>
+                    </a:lnB>
+                    <a:lnTlToBr w="12700" cmpd="sng">
+                      <a:noFill/>
+                      <a:prstDash val="solid"/>
+                    </a:lnTlToBr>
+                    <a:lnBlToTr w="12700" cmpd="sng">
+                      <a:noFill/>
+                      <a:prstDash val="solid"/>
+                    </a:lnBlToTr>
+                    <a:noFill/>
+                  </a:tcPr>
+                </a:tc>
+                <a:tc>
+                  <a:txBody>
+                    <a:bodyPr/>
+                    <a:lstStyle/>
+                    <a:p>
+                      <a:pPr algn="ctr" latinLnBrk="1"/>
+                      <a:endParaRPr lang="ko-KR" altLang="en-US" sz="1200" b="0" dirty="0">
+                        <a:solidFill>
+                          <a:schemeClr val="tx1"/>
+                        </a:solidFill>
+                      </a:endParaRPr>
+                    </a:p>
+                  </a:txBody>
+                  <a:tcPr anchor="ctr">
+                    <a:lnL w="12700" cap="flat" cmpd="sng" algn="ctr">
+                      <a:solidFill>
+                        <a:schemeClr val="tx1"/>
+                      </a:solidFill>
+                      <a:prstDash val="solid"/>
+                      <a:round/>
+                      <a:headEnd type="none" w="med" len="med"/>
+                      <a:tailEnd type="none" w="med" len="med"/>
+                    </a:lnL>
+                    <a:lnR w="12700" cap="flat" cmpd="sng" algn="ctr">
+                      <a:solidFill>
+                        <a:schemeClr val="tx1"/>
+                      </a:solidFill>
+                      <a:prstDash val="solid"/>
+                      <a:round/>
+                      <a:headEnd type="none" w="med" len="med"/>
+                      <a:tailEnd type="none" w="med" len="med"/>
+                    </a:lnR>
+                    <a:lnT w="12700" cap="flat" cmpd="sng" algn="ctr">
+                      <a:solidFill>
+                        <a:schemeClr val="tx1"/>
+                      </a:solidFill>
+                      <a:prstDash val="solid"/>
+                      <a:round/>
+                      <a:headEnd type="none" w="med" len="med"/>
+                      <a:tailEnd type="none" w="med" len="med"/>
+                    </a:lnT>
+                    <a:lnB w="12700" cap="flat" cmpd="sng" algn="ctr">
+                      <a:solidFill>
+                        <a:schemeClr val="tx1"/>
+                      </a:solidFill>
+                      <a:prstDash val="solid"/>
+                      <a:round/>
+                      <a:headEnd type="none" w="med" len="med"/>
+                      <a:tailEnd type="none" w="med" len="med"/>
+                    </a:lnB>
+                    <a:lnTlToBr w="12700" cmpd="sng">
+                      <a:noFill/>
+                      <a:prstDash val="solid"/>
+                    </a:lnTlToBr>
+                    <a:lnBlToTr w="12700" cmpd="sng">
+                      <a:noFill/>
+                      <a:prstDash val="solid"/>
+                    </a:lnBlToTr>
+                    <a:noFill/>
+                  </a:tcPr>
+                </a:tc>
+                <a:extLst>
+                  <a:ext uri="{0D108BD9-81ED-4DB2-BD59-A6C34878D82A}">
+                    <a16:rowId xmlns:a16="http://schemas.microsoft.com/office/drawing/2014/main" val="3167644525"/>
+                  </a:ext>
+                </a:extLst>
+              </a:tr>
+            </a:tbl>
+          </a:graphicData>
+        </a:graphic>
+      </p:graphicFrame>
+      <p:graphicFrame>
+        <p:nvGraphicFramePr>
+          <p:cNvPr id="15" name="표 14">
+            <a:extLst>
+              <a:ext uri="{FF2B5EF4-FFF2-40B4-BE49-F238E27FC236}">
+                <a16:creationId xmlns:a16="http://schemas.microsoft.com/office/drawing/2014/main" id="{2197960D-E9F5-416D-B133-E23ED2ED4A9E}"/>
+              </a:ext>
+            </a:extLst>
+          </p:cNvPr>
+          <p:cNvGraphicFramePr>
+            <a:graphicFrameLocks noGrp="1"/>
+          </p:cNvGraphicFramePr>
+          <p:nvPr>
+            <p:extLst>
+              <p:ext uri="{D42A27DB-BD31-4B8C-83A1-F6EECF244321}">
+                <p14:modId xmlns:p14="http://schemas.microsoft.com/office/powerpoint/2010/main" val="1748820648"/>
+              </p:ext>
+            </p:extLst>
+          </p:nvPr>
+        </p:nvGraphicFramePr>
+        <p:xfrm>
+          <a:off x="4026321" y="1954106"/>
+          <a:ext cx="990724" cy="697230"/>
+        </p:xfrm>
+        <a:graphic>
+          <a:graphicData uri="http://schemas.openxmlformats.org/drawingml/2006/table">
+            <a:tbl>
+              <a:tblPr firstRow="1" bandRow="1">
+                <a:tableStyleId>{5C22544A-7EE6-4342-B048-85BDC9FD1C3A}</a:tableStyleId>
+              </a:tblPr>
+              <a:tblGrid>
+                <a:gridCol w="495362">
+                  <a:extLst>
+                    <a:ext uri="{9D8B030D-6E8A-4147-A177-3AD203B41FA5}">
+                      <a16:colId xmlns:a16="http://schemas.microsoft.com/office/drawing/2014/main" val="1876448761"/>
+                    </a:ext>
+                  </a:extLst>
+                </a:gridCol>
+                <a:gridCol w="495362">
+                  <a:extLst>
+                    <a:ext uri="{9D8B030D-6E8A-4147-A177-3AD203B41FA5}">
+                      <a16:colId xmlns:a16="http://schemas.microsoft.com/office/drawing/2014/main" val="406678734"/>
+                    </a:ext>
+                  </a:extLst>
+                </a:gridCol>
+              </a:tblGrid>
+              <a:tr h="348615">
+                <a:tc>
+                  <a:txBody>
+                    <a:bodyPr/>
+                    <a:lstStyle/>
+                    <a:p>
+                      <a:pPr algn="ctr" latinLnBrk="1"/>
+                      <a:r>
+                        <a:rPr lang="en-US" altLang="ko-KR" sz="1200" b="0" dirty="0">
+                          <a:solidFill>
+                            <a:schemeClr val="tx1"/>
+                          </a:solidFill>
+                        </a:rPr>
+                        <a:t>data</a:t>
+                      </a:r>
+                      <a:endParaRPr lang="ko-KR" altLang="en-US" sz="1200" b="0" dirty="0">
+                        <a:solidFill>
+                          <a:schemeClr val="tx1"/>
+                        </a:solidFill>
+                      </a:endParaRPr>
+                    </a:p>
+                  </a:txBody>
+                  <a:tcPr anchor="ctr">
+                    <a:lnL w="12700" cap="flat" cmpd="sng" algn="ctr">
+                      <a:noFill/>
+                      <a:prstDash val="solid"/>
+                      <a:round/>
+                      <a:headEnd type="none" w="med" len="med"/>
+                      <a:tailEnd type="none" w="med" len="med"/>
+                    </a:lnL>
+                    <a:lnR w="12700" cap="flat" cmpd="sng" algn="ctr">
+                      <a:noFill/>
+                      <a:prstDash val="solid"/>
+                      <a:round/>
+                      <a:headEnd type="none" w="med" len="med"/>
+                      <a:tailEnd type="none" w="med" len="med"/>
+                    </a:lnR>
+                    <a:lnT w="12700" cap="flat" cmpd="sng" algn="ctr">
+                      <a:noFill/>
+                      <a:prstDash val="solid"/>
+                      <a:round/>
+                      <a:headEnd type="none" w="med" len="med"/>
+                      <a:tailEnd type="none" w="med" len="med"/>
+                    </a:lnT>
+                    <a:lnB w="12700" cap="flat" cmpd="sng" algn="ctr">
+                      <a:solidFill>
+                        <a:schemeClr val="tx1"/>
+                      </a:solidFill>
+                      <a:prstDash val="solid"/>
+                      <a:round/>
+                      <a:headEnd type="none" w="med" len="med"/>
+                      <a:tailEnd type="none" w="med" len="med"/>
+                    </a:lnB>
+                    <a:lnTlToBr w="12700" cmpd="sng">
+                      <a:noFill/>
+                      <a:prstDash val="solid"/>
+                    </a:lnTlToBr>
+                    <a:lnBlToTr w="12700" cmpd="sng">
+                      <a:noFill/>
+                      <a:prstDash val="solid"/>
+                    </a:lnBlToTr>
+                    <a:noFill/>
+                  </a:tcPr>
+                </a:tc>
+                <a:tc>
+                  <a:txBody>
+                    <a:bodyPr/>
+                    <a:lstStyle/>
+                    <a:p>
+                      <a:pPr algn="ctr" latinLnBrk="1"/>
+                      <a:r>
+                        <a:rPr lang="en-US" altLang="ko-KR" sz="1200" b="0" dirty="0">
+                          <a:solidFill>
+                            <a:schemeClr val="tx1"/>
+                          </a:solidFill>
+                        </a:rPr>
+                        <a:t>link</a:t>
+                      </a:r>
+                      <a:endParaRPr lang="ko-KR" altLang="en-US" sz="1200" b="0" dirty="0">
+                        <a:solidFill>
+                          <a:schemeClr val="tx1"/>
+                        </a:solidFill>
+                      </a:endParaRPr>
+                    </a:p>
+                  </a:txBody>
+                  <a:tcPr anchor="ctr">
+                    <a:lnL w="12700" cap="flat" cmpd="sng" algn="ctr">
+                      <a:noFill/>
+                      <a:prstDash val="solid"/>
+                      <a:round/>
+                      <a:headEnd type="none" w="med" len="med"/>
+                      <a:tailEnd type="none" w="med" len="med"/>
+                    </a:lnL>
+                    <a:lnR w="12700" cap="flat" cmpd="sng" algn="ctr">
+                      <a:noFill/>
+                      <a:prstDash val="solid"/>
+                      <a:round/>
+                      <a:headEnd type="none" w="med" len="med"/>
+                      <a:tailEnd type="none" w="med" len="med"/>
+                    </a:lnR>
+                    <a:lnT w="12700" cap="flat" cmpd="sng" algn="ctr">
+                      <a:noFill/>
+                      <a:prstDash val="solid"/>
+                      <a:round/>
+                      <a:headEnd type="none" w="med" len="med"/>
+                      <a:tailEnd type="none" w="med" len="med"/>
+                    </a:lnT>
+                    <a:lnB w="12700" cap="flat" cmpd="sng" algn="ctr">
+                      <a:solidFill>
+                        <a:schemeClr val="tx1"/>
+                      </a:solidFill>
+                      <a:prstDash val="solid"/>
+                      <a:round/>
+                      <a:headEnd type="none" w="med" len="med"/>
+                      <a:tailEnd type="none" w="med" len="med"/>
+                    </a:lnB>
+                    <a:lnTlToBr w="12700" cmpd="sng">
+                      <a:noFill/>
+                      <a:prstDash val="solid"/>
+                    </a:lnTlToBr>
+                    <a:lnBlToTr w="12700" cmpd="sng">
+                      <a:noFill/>
+                      <a:prstDash val="solid"/>
+                    </a:lnBlToTr>
+                    <a:noFill/>
+                  </a:tcPr>
+                </a:tc>
+                <a:extLst>
+                  <a:ext uri="{0D108BD9-81ED-4DB2-BD59-A6C34878D82A}">
+                    <a16:rowId xmlns:a16="http://schemas.microsoft.com/office/drawing/2014/main" val="596413071"/>
+                  </a:ext>
+                </a:extLst>
+              </a:tr>
+              <a:tr h="348615">
+                <a:tc>
+                  <a:txBody>
+                    <a:bodyPr/>
+                    <a:lstStyle/>
+                    <a:p>
+                      <a:pPr algn="ctr" latinLnBrk="1"/>
+                      <a:r>
+                        <a:rPr lang="en-US" altLang="ko-KR" sz="1200" b="0" dirty="0">
+                          <a:solidFill>
+                            <a:schemeClr val="tx1"/>
+                          </a:solidFill>
+                        </a:rPr>
+                        <a:t>Lee</a:t>
+                      </a:r>
+                      <a:endParaRPr lang="ko-KR" altLang="en-US" sz="1200" b="0" dirty="0">
+                        <a:solidFill>
+                          <a:schemeClr val="tx1"/>
+                        </a:solidFill>
+                      </a:endParaRPr>
+                    </a:p>
+                  </a:txBody>
+                  <a:tcPr anchor="ctr">
+                    <a:lnL w="12700" cap="flat" cmpd="sng" algn="ctr">
+                      <a:solidFill>
+                        <a:schemeClr val="tx1"/>
+                      </a:solidFill>
+                      <a:prstDash val="solid"/>
+                      <a:round/>
+                      <a:headEnd type="none" w="med" len="med"/>
+                      <a:tailEnd type="none" w="med" len="med"/>
+                    </a:lnL>
+                    <a:lnR w="12700" cap="flat" cmpd="sng" algn="ctr">
+                      <a:solidFill>
+                        <a:schemeClr val="tx1"/>
+                      </a:solidFill>
+                      <a:prstDash val="solid"/>
+                      <a:round/>
+                      <a:headEnd type="none" w="med" len="med"/>
+                      <a:tailEnd type="none" w="med" len="med"/>
+                    </a:lnR>
+                    <a:lnT w="12700" cap="flat" cmpd="sng" algn="ctr">
+                      <a:solidFill>
+                        <a:schemeClr val="tx1"/>
+                      </a:solidFill>
+                      <a:prstDash val="solid"/>
+                      <a:round/>
+                      <a:headEnd type="none" w="med" len="med"/>
+                      <a:tailEnd type="none" w="med" len="med"/>
+                    </a:lnT>
+                    <a:lnB w="12700" cap="flat" cmpd="sng" algn="ctr">
+                      <a:solidFill>
+                        <a:schemeClr val="tx1"/>
+                      </a:solidFill>
+                      <a:prstDash val="solid"/>
+                      <a:round/>
+                      <a:headEnd type="none" w="med" len="med"/>
+                      <a:tailEnd type="none" w="med" len="med"/>
+                    </a:lnB>
+                    <a:lnTlToBr w="12700" cmpd="sng">
+                      <a:noFill/>
+                      <a:prstDash val="solid"/>
+                    </a:lnTlToBr>
+                    <a:lnBlToTr w="12700" cmpd="sng">
+                      <a:noFill/>
+                      <a:prstDash val="solid"/>
+                    </a:lnBlToTr>
+                    <a:noFill/>
+                  </a:tcPr>
+                </a:tc>
+                <a:tc>
+                  <a:txBody>
+                    <a:bodyPr/>
+                    <a:lstStyle/>
+                    <a:p>
+                      <a:pPr algn="ctr" latinLnBrk="1"/>
+                      <a:endParaRPr lang="ko-KR" altLang="en-US" sz="1200" b="0" dirty="0">
+                        <a:solidFill>
+                          <a:schemeClr val="tx1"/>
+                        </a:solidFill>
+                      </a:endParaRPr>
+                    </a:p>
+                  </a:txBody>
+                  <a:tcPr anchor="ctr">
+                    <a:lnL w="12700" cap="flat" cmpd="sng" algn="ctr">
+                      <a:solidFill>
+                        <a:schemeClr val="tx1"/>
+                      </a:solidFill>
+                      <a:prstDash val="solid"/>
+                      <a:round/>
+                      <a:headEnd type="none" w="med" len="med"/>
+                      <a:tailEnd type="none" w="med" len="med"/>
+                    </a:lnL>
+                    <a:lnR w="12700" cap="flat" cmpd="sng" algn="ctr">
+                      <a:solidFill>
+                        <a:schemeClr val="tx1"/>
+                      </a:solidFill>
+                      <a:prstDash val="solid"/>
+                      <a:round/>
+                      <a:headEnd type="none" w="med" len="med"/>
+                      <a:tailEnd type="none" w="med" len="med"/>
+                    </a:lnR>
+                    <a:lnT w="12700" cap="flat" cmpd="sng" algn="ctr">
+                      <a:solidFill>
+                        <a:schemeClr val="tx1"/>
+                      </a:solidFill>
+                      <a:prstDash val="solid"/>
+                      <a:round/>
+                      <a:headEnd type="none" w="med" len="med"/>
+                      <a:tailEnd type="none" w="med" len="med"/>
+                    </a:lnT>
+                    <a:lnB w="12700" cap="flat" cmpd="sng" algn="ctr">
+                      <a:solidFill>
+                        <a:schemeClr val="tx1"/>
+                      </a:solidFill>
+                      <a:prstDash val="solid"/>
+                      <a:round/>
+                      <a:headEnd type="none" w="med" len="med"/>
+                      <a:tailEnd type="none" w="med" len="med"/>
+                    </a:lnB>
+                    <a:lnTlToBr w="12700" cmpd="sng">
+                      <a:noFill/>
+                      <a:prstDash val="solid"/>
+                    </a:lnTlToBr>
+                    <a:lnBlToTr w="12700" cmpd="sng">
+                      <a:noFill/>
+                      <a:prstDash val="solid"/>
+                    </a:lnBlToTr>
+                    <a:noFill/>
+                  </a:tcPr>
+                </a:tc>
+                <a:extLst>
+                  <a:ext uri="{0D108BD9-81ED-4DB2-BD59-A6C34878D82A}">
+                    <a16:rowId xmlns:a16="http://schemas.microsoft.com/office/drawing/2014/main" val="3167644525"/>
+                  </a:ext>
+                </a:extLst>
+              </a:tr>
+            </a:tbl>
+          </a:graphicData>
+        </a:graphic>
+      </p:graphicFrame>
+      <p:graphicFrame>
+        <p:nvGraphicFramePr>
+          <p:cNvPr id="16" name="표 15">
+            <a:extLst>
+              <a:ext uri="{FF2B5EF4-FFF2-40B4-BE49-F238E27FC236}">
+                <a16:creationId xmlns:a16="http://schemas.microsoft.com/office/drawing/2014/main" id="{A0828A8B-C387-41A1-B14D-311F0784A57F}"/>
+              </a:ext>
+            </a:extLst>
+          </p:cNvPr>
+          <p:cNvGraphicFramePr>
+            <a:graphicFrameLocks noGrp="1"/>
+          </p:cNvGraphicFramePr>
+          <p:nvPr>
+            <p:extLst>
+              <p:ext uri="{D42A27DB-BD31-4B8C-83A1-F6EECF244321}">
+                <p14:modId xmlns:p14="http://schemas.microsoft.com/office/powerpoint/2010/main" val="2746185266"/>
+              </p:ext>
+            </p:extLst>
+          </p:nvPr>
+        </p:nvGraphicFramePr>
+        <p:xfrm>
+          <a:off x="5259684" y="1954106"/>
+          <a:ext cx="990724" cy="697230"/>
+        </p:xfrm>
+        <a:graphic>
+          <a:graphicData uri="http://schemas.openxmlformats.org/drawingml/2006/table">
+            <a:tbl>
+              <a:tblPr firstRow="1" bandRow="1">
+                <a:tableStyleId>{5C22544A-7EE6-4342-B048-85BDC9FD1C3A}</a:tableStyleId>
+              </a:tblPr>
+              <a:tblGrid>
+                <a:gridCol w="495362">
+                  <a:extLst>
+                    <a:ext uri="{9D8B030D-6E8A-4147-A177-3AD203B41FA5}">
+                      <a16:colId xmlns:a16="http://schemas.microsoft.com/office/drawing/2014/main" val="1876448761"/>
+                    </a:ext>
+                  </a:extLst>
+                </a:gridCol>
+                <a:gridCol w="495362">
+                  <a:extLst>
+                    <a:ext uri="{9D8B030D-6E8A-4147-A177-3AD203B41FA5}">
+                      <a16:colId xmlns:a16="http://schemas.microsoft.com/office/drawing/2014/main" val="406678734"/>
+                    </a:ext>
+                  </a:extLst>
+                </a:gridCol>
+              </a:tblGrid>
+              <a:tr h="348615">
+                <a:tc>
+                  <a:txBody>
+                    <a:bodyPr/>
+                    <a:lstStyle/>
+                    <a:p>
+                      <a:pPr algn="ctr" latinLnBrk="1"/>
+                      <a:r>
+                        <a:rPr lang="en-US" altLang="ko-KR" sz="1200" b="0" dirty="0">
+                          <a:solidFill>
+                            <a:schemeClr val="tx1"/>
+                          </a:solidFill>
+                        </a:rPr>
+                        <a:t>data</a:t>
+                      </a:r>
+                      <a:endParaRPr lang="ko-KR" altLang="en-US" sz="1200" b="0" dirty="0">
+                        <a:solidFill>
+                          <a:schemeClr val="tx1"/>
+                        </a:solidFill>
+                      </a:endParaRPr>
+                    </a:p>
+                  </a:txBody>
+                  <a:tcPr anchor="ctr">
+                    <a:lnL w="12700" cap="flat" cmpd="sng" algn="ctr">
+                      <a:noFill/>
+                      <a:prstDash val="solid"/>
+                      <a:round/>
+                      <a:headEnd type="none" w="med" len="med"/>
+                      <a:tailEnd type="none" w="med" len="med"/>
+                    </a:lnL>
+                    <a:lnR w="12700" cap="flat" cmpd="sng" algn="ctr">
+                      <a:noFill/>
+                      <a:prstDash val="solid"/>
+                      <a:round/>
+                      <a:headEnd type="none" w="med" len="med"/>
+                      <a:tailEnd type="none" w="med" len="med"/>
+                    </a:lnR>
+                    <a:lnT w="12700" cap="flat" cmpd="sng" algn="ctr">
+                      <a:noFill/>
+                      <a:prstDash val="solid"/>
+                      <a:round/>
+                      <a:headEnd type="none" w="med" len="med"/>
+                      <a:tailEnd type="none" w="med" len="med"/>
+                    </a:lnT>
+                    <a:lnB w="12700" cap="flat" cmpd="sng" algn="ctr">
+                      <a:solidFill>
+                        <a:schemeClr val="tx1"/>
+                      </a:solidFill>
+                      <a:prstDash val="solid"/>
+                      <a:round/>
+                      <a:headEnd type="none" w="med" len="med"/>
+                      <a:tailEnd type="none" w="med" len="med"/>
+                    </a:lnB>
+                    <a:lnTlToBr w="12700" cmpd="sng">
+                      <a:noFill/>
+                      <a:prstDash val="solid"/>
+                    </a:lnTlToBr>
+                    <a:lnBlToTr w="12700" cmpd="sng">
+                      <a:noFill/>
+                      <a:prstDash val="solid"/>
+                    </a:lnBlToTr>
+                    <a:noFill/>
+                  </a:tcPr>
+                </a:tc>
+                <a:tc>
+                  <a:txBody>
+                    <a:bodyPr/>
+                    <a:lstStyle/>
+                    <a:p>
+                      <a:pPr algn="ctr" latinLnBrk="1"/>
+                      <a:r>
+                        <a:rPr lang="en-US" altLang="ko-KR" sz="1200" b="0" dirty="0">
+                          <a:solidFill>
+                            <a:schemeClr val="tx1"/>
+                          </a:solidFill>
+                        </a:rPr>
+                        <a:t>link</a:t>
+                      </a:r>
+                      <a:endParaRPr lang="ko-KR" altLang="en-US" sz="1200" b="0" dirty="0">
+                        <a:solidFill>
+                          <a:schemeClr val="tx1"/>
+                        </a:solidFill>
+                      </a:endParaRPr>
+                    </a:p>
+                  </a:txBody>
+                  <a:tcPr anchor="ctr">
+                    <a:lnL w="12700" cap="flat" cmpd="sng" algn="ctr">
+                      <a:noFill/>
+                      <a:prstDash val="solid"/>
+                      <a:round/>
+                      <a:headEnd type="none" w="med" len="med"/>
+                      <a:tailEnd type="none" w="med" len="med"/>
+                    </a:lnL>
+                    <a:lnR w="12700" cap="flat" cmpd="sng" algn="ctr">
+                      <a:noFill/>
+                      <a:prstDash val="solid"/>
+                      <a:round/>
+                      <a:headEnd type="none" w="med" len="med"/>
+                      <a:tailEnd type="none" w="med" len="med"/>
+                    </a:lnR>
+                    <a:lnT w="12700" cap="flat" cmpd="sng" algn="ctr">
+                      <a:noFill/>
+                      <a:prstDash val="solid"/>
+                      <a:round/>
+                      <a:headEnd type="none" w="med" len="med"/>
+                      <a:tailEnd type="none" w="med" len="med"/>
+                    </a:lnT>
+                    <a:lnB w="12700" cap="flat" cmpd="sng" algn="ctr">
+                      <a:solidFill>
+                        <a:schemeClr val="tx1"/>
+                      </a:solidFill>
+                      <a:prstDash val="solid"/>
+                      <a:round/>
+                      <a:headEnd type="none" w="med" len="med"/>
+                      <a:tailEnd type="none" w="med" len="med"/>
+                    </a:lnB>
+                    <a:lnTlToBr w="12700" cmpd="sng">
+                      <a:noFill/>
+                      <a:prstDash val="solid"/>
+                    </a:lnTlToBr>
+                    <a:lnBlToTr w="12700" cmpd="sng">
+                      <a:noFill/>
+                      <a:prstDash val="solid"/>
+                    </a:lnBlToTr>
+                    <a:noFill/>
+                  </a:tcPr>
+                </a:tc>
+                <a:extLst>
+                  <a:ext uri="{0D108BD9-81ED-4DB2-BD59-A6C34878D82A}">
+                    <a16:rowId xmlns:a16="http://schemas.microsoft.com/office/drawing/2014/main" val="596413071"/>
+                  </a:ext>
+                </a:extLst>
+              </a:tr>
+              <a:tr h="348615">
+                <a:tc>
+                  <a:txBody>
+                    <a:bodyPr/>
+                    <a:lstStyle/>
+                    <a:p>
+                      <a:pPr algn="ctr" latinLnBrk="1"/>
+                      <a:r>
+                        <a:rPr lang="en-US" altLang="ko-KR" sz="1200" b="0" dirty="0">
+                          <a:solidFill>
+                            <a:schemeClr val="tx1"/>
+                          </a:solidFill>
+                        </a:rPr>
+                        <a:t>Park</a:t>
+                      </a:r>
+                      <a:endParaRPr lang="ko-KR" altLang="en-US" sz="1200" b="0" dirty="0">
+                        <a:solidFill>
+                          <a:schemeClr val="tx1"/>
+                        </a:solidFill>
+                      </a:endParaRPr>
+                    </a:p>
+                  </a:txBody>
+                  <a:tcPr anchor="ctr">
+                    <a:lnL w="12700" cap="flat" cmpd="sng" algn="ctr">
+                      <a:solidFill>
+                        <a:schemeClr val="tx1"/>
+                      </a:solidFill>
+                      <a:prstDash val="solid"/>
+                      <a:round/>
+                      <a:headEnd type="none" w="med" len="med"/>
+                      <a:tailEnd type="none" w="med" len="med"/>
+                    </a:lnL>
+                    <a:lnR w="12700" cap="flat" cmpd="sng" algn="ctr">
+                      <a:solidFill>
+                        <a:schemeClr val="tx1"/>
+                      </a:solidFill>
+                      <a:prstDash val="solid"/>
+                      <a:round/>
+                      <a:headEnd type="none" w="med" len="med"/>
+                      <a:tailEnd type="none" w="med" len="med"/>
+                    </a:lnR>
+                    <a:lnT w="12700" cap="flat" cmpd="sng" algn="ctr">
+                      <a:solidFill>
+                        <a:schemeClr val="tx1"/>
+                      </a:solidFill>
+                      <a:prstDash val="solid"/>
+                      <a:round/>
+                      <a:headEnd type="none" w="med" len="med"/>
+                      <a:tailEnd type="none" w="med" len="med"/>
+                    </a:lnT>
+                    <a:lnB w="12700" cap="flat" cmpd="sng" algn="ctr">
+                      <a:solidFill>
+                        <a:schemeClr val="tx1"/>
+                      </a:solidFill>
+                      <a:prstDash val="solid"/>
+                      <a:round/>
+                      <a:headEnd type="none" w="med" len="med"/>
+                      <a:tailEnd type="none" w="med" len="med"/>
+                    </a:lnB>
+                    <a:lnTlToBr w="12700" cmpd="sng">
+                      <a:noFill/>
+                      <a:prstDash val="solid"/>
+                    </a:lnTlToBr>
+                    <a:lnBlToTr w="12700" cmpd="sng">
+                      <a:noFill/>
+                      <a:prstDash val="solid"/>
+                    </a:lnBlToTr>
+                    <a:noFill/>
+                  </a:tcPr>
+                </a:tc>
+                <a:tc>
+                  <a:txBody>
+                    <a:bodyPr/>
+                    <a:lstStyle/>
+                    <a:p>
+                      <a:pPr algn="ctr" latinLnBrk="1"/>
+                      <a:endParaRPr lang="ko-KR" altLang="en-US" sz="1200" b="0" dirty="0">
+                        <a:solidFill>
+                          <a:schemeClr val="tx1"/>
+                        </a:solidFill>
+                      </a:endParaRPr>
+                    </a:p>
+                  </a:txBody>
+                  <a:tcPr anchor="ctr">
+                    <a:lnL w="12700" cap="flat" cmpd="sng" algn="ctr">
+                      <a:solidFill>
+                        <a:schemeClr val="tx1"/>
+                      </a:solidFill>
+                      <a:prstDash val="solid"/>
+                      <a:round/>
+                      <a:headEnd type="none" w="med" len="med"/>
+                      <a:tailEnd type="none" w="med" len="med"/>
+                    </a:lnL>
+                    <a:lnR w="12700" cap="flat" cmpd="sng" algn="ctr">
+                      <a:solidFill>
+                        <a:schemeClr val="tx1"/>
+                      </a:solidFill>
+                      <a:prstDash val="solid"/>
+                      <a:round/>
+                      <a:headEnd type="none" w="med" len="med"/>
+                      <a:tailEnd type="none" w="med" len="med"/>
+                    </a:lnR>
+                    <a:lnT w="12700" cap="flat" cmpd="sng" algn="ctr">
+                      <a:solidFill>
+                        <a:schemeClr val="tx1"/>
+                      </a:solidFill>
+                      <a:prstDash val="solid"/>
+                      <a:round/>
+                      <a:headEnd type="none" w="med" len="med"/>
+                      <a:tailEnd type="none" w="med" len="med"/>
+                    </a:lnT>
+                    <a:lnB w="12700" cap="flat" cmpd="sng" algn="ctr">
+                      <a:solidFill>
+                        <a:schemeClr val="tx1"/>
+                      </a:solidFill>
+                      <a:prstDash val="solid"/>
+                      <a:round/>
+                      <a:headEnd type="none" w="med" len="med"/>
+                      <a:tailEnd type="none" w="med" len="med"/>
+                    </a:lnB>
+                    <a:lnTlToBr w="12700" cmpd="sng">
+                      <a:noFill/>
+                      <a:prstDash val="solid"/>
+                    </a:lnTlToBr>
+                    <a:lnBlToTr w="12700" cmpd="sng">
+                      <a:noFill/>
+                      <a:prstDash val="solid"/>
+                    </a:lnBlToTr>
+                    <a:noFill/>
+                  </a:tcPr>
+                </a:tc>
+                <a:extLst>
+                  <a:ext uri="{0D108BD9-81ED-4DB2-BD59-A6C34878D82A}">
+                    <a16:rowId xmlns:a16="http://schemas.microsoft.com/office/drawing/2014/main" val="3167644525"/>
+                  </a:ext>
+                </a:extLst>
+              </a:tr>
+            </a:tbl>
+          </a:graphicData>
+        </a:graphic>
+      </p:graphicFrame>
+      <p:graphicFrame>
+        <p:nvGraphicFramePr>
+          <p:cNvPr id="17" name="표 16">
+            <a:extLst>
+              <a:ext uri="{FF2B5EF4-FFF2-40B4-BE49-F238E27FC236}">
+                <a16:creationId xmlns:a16="http://schemas.microsoft.com/office/drawing/2014/main" id="{42E4320F-3BF3-484E-ACC5-DD8656DB8339}"/>
+              </a:ext>
+            </a:extLst>
+          </p:cNvPr>
+          <p:cNvGraphicFramePr>
+            <a:graphicFrameLocks noGrp="1"/>
+          </p:cNvGraphicFramePr>
+          <p:nvPr>
+            <p:extLst>
+              <p:ext uri="{D42A27DB-BD31-4B8C-83A1-F6EECF244321}">
+                <p14:modId xmlns:p14="http://schemas.microsoft.com/office/powerpoint/2010/main" val="1863007437"/>
+              </p:ext>
+            </p:extLst>
+          </p:nvPr>
+        </p:nvGraphicFramePr>
+        <p:xfrm>
+          <a:off x="6493047" y="1954106"/>
+          <a:ext cx="990724" cy="697230"/>
+        </p:xfrm>
+        <a:graphic>
+          <a:graphicData uri="http://schemas.openxmlformats.org/drawingml/2006/table">
+            <a:tbl>
+              <a:tblPr firstRow="1" bandRow="1">
+                <a:tableStyleId>{5C22544A-7EE6-4342-B048-85BDC9FD1C3A}</a:tableStyleId>
+              </a:tblPr>
+              <a:tblGrid>
+                <a:gridCol w="495362">
+                  <a:extLst>
+                    <a:ext uri="{9D8B030D-6E8A-4147-A177-3AD203B41FA5}">
+                      <a16:colId xmlns:a16="http://schemas.microsoft.com/office/drawing/2014/main" val="1876448761"/>
+                    </a:ext>
+                  </a:extLst>
+                </a:gridCol>
+                <a:gridCol w="495362">
+                  <a:extLst>
+                    <a:ext uri="{9D8B030D-6E8A-4147-A177-3AD203B41FA5}">
+                      <a16:colId xmlns:a16="http://schemas.microsoft.com/office/drawing/2014/main" val="406678734"/>
+                    </a:ext>
+                  </a:extLst>
+                </a:gridCol>
+              </a:tblGrid>
+              <a:tr h="348615">
+                <a:tc>
+                  <a:txBody>
+                    <a:bodyPr/>
+                    <a:lstStyle/>
+                    <a:p>
+                      <a:pPr algn="ctr" latinLnBrk="1"/>
+                      <a:r>
+                        <a:rPr lang="en-US" altLang="ko-KR" sz="1200" b="0" dirty="0">
+                          <a:solidFill>
+                            <a:schemeClr val="tx1"/>
+                          </a:solidFill>
+                        </a:rPr>
+                        <a:t>data</a:t>
+                      </a:r>
+                      <a:endParaRPr lang="ko-KR" altLang="en-US" sz="1200" b="0" dirty="0">
+                        <a:solidFill>
+                          <a:schemeClr val="tx1"/>
+                        </a:solidFill>
+                      </a:endParaRPr>
+                    </a:p>
+                  </a:txBody>
+                  <a:tcPr anchor="ctr">
+                    <a:lnL w="12700" cap="flat" cmpd="sng" algn="ctr">
+                      <a:noFill/>
+                      <a:prstDash val="solid"/>
+                      <a:round/>
+                      <a:headEnd type="none" w="med" len="med"/>
+                      <a:tailEnd type="none" w="med" len="med"/>
+                    </a:lnL>
+                    <a:lnR w="12700" cap="flat" cmpd="sng" algn="ctr">
+                      <a:noFill/>
+                      <a:prstDash val="solid"/>
+                      <a:round/>
+                      <a:headEnd type="none" w="med" len="med"/>
+                      <a:tailEnd type="none" w="med" len="med"/>
+                    </a:lnR>
+                    <a:lnT w="12700" cap="flat" cmpd="sng" algn="ctr">
+                      <a:noFill/>
+                      <a:prstDash val="solid"/>
+                      <a:round/>
+                      <a:headEnd type="none" w="med" len="med"/>
+                      <a:tailEnd type="none" w="med" len="med"/>
+                    </a:lnT>
+                    <a:lnB w="12700" cap="flat" cmpd="sng" algn="ctr">
+                      <a:solidFill>
+                        <a:schemeClr val="tx1"/>
+                      </a:solidFill>
+                      <a:prstDash val="solid"/>
+                      <a:round/>
+                      <a:headEnd type="none" w="med" len="med"/>
+                      <a:tailEnd type="none" w="med" len="med"/>
+                    </a:lnB>
+                    <a:lnTlToBr w="12700" cmpd="sng">
+                      <a:noFill/>
+                      <a:prstDash val="solid"/>
+                    </a:lnTlToBr>
+                    <a:lnBlToTr w="12700" cmpd="sng">
+                      <a:noFill/>
+                      <a:prstDash val="solid"/>
+                    </a:lnBlToTr>
+                    <a:noFill/>
+                  </a:tcPr>
+                </a:tc>
+                <a:tc>
+                  <a:txBody>
+                    <a:bodyPr/>
+                    <a:lstStyle/>
+                    <a:p>
+                      <a:pPr algn="ctr" latinLnBrk="1"/>
+                      <a:r>
+                        <a:rPr lang="en-US" altLang="ko-KR" sz="1200" b="0" dirty="0">
+                          <a:solidFill>
+                            <a:schemeClr val="tx1"/>
+                          </a:solidFill>
+                        </a:rPr>
+                        <a:t>link</a:t>
+                      </a:r>
+                      <a:endParaRPr lang="ko-KR" altLang="en-US" sz="1200" b="0" dirty="0">
+                        <a:solidFill>
+                          <a:schemeClr val="tx1"/>
+                        </a:solidFill>
+                      </a:endParaRPr>
+                    </a:p>
+                  </a:txBody>
+                  <a:tcPr anchor="ctr">
+                    <a:lnL w="12700" cap="flat" cmpd="sng" algn="ctr">
+                      <a:noFill/>
+                      <a:prstDash val="solid"/>
+                      <a:round/>
+                      <a:headEnd type="none" w="med" len="med"/>
+                      <a:tailEnd type="none" w="med" len="med"/>
+                    </a:lnL>
+                    <a:lnR w="12700" cap="flat" cmpd="sng" algn="ctr">
+                      <a:noFill/>
+                      <a:prstDash val="solid"/>
+                      <a:round/>
+                      <a:headEnd type="none" w="med" len="med"/>
+                      <a:tailEnd type="none" w="med" len="med"/>
+                    </a:lnR>
+                    <a:lnT w="12700" cap="flat" cmpd="sng" algn="ctr">
+                      <a:noFill/>
+                      <a:prstDash val="solid"/>
+                      <a:round/>
+                      <a:headEnd type="none" w="med" len="med"/>
+                      <a:tailEnd type="none" w="med" len="med"/>
+                    </a:lnT>
+                    <a:lnB w="12700" cap="flat" cmpd="sng" algn="ctr">
+                      <a:solidFill>
+                        <a:schemeClr val="tx1"/>
+                      </a:solidFill>
+                      <a:prstDash val="solid"/>
+                      <a:round/>
+                      <a:headEnd type="none" w="med" len="med"/>
+                      <a:tailEnd type="none" w="med" len="med"/>
+                    </a:lnB>
+                    <a:lnTlToBr w="12700" cmpd="sng">
+                      <a:noFill/>
+                      <a:prstDash val="solid"/>
+                    </a:lnTlToBr>
+                    <a:lnBlToTr w="12700" cmpd="sng">
+                      <a:noFill/>
+                      <a:prstDash val="solid"/>
+                    </a:lnBlToTr>
+                    <a:noFill/>
+                  </a:tcPr>
+                </a:tc>
+                <a:extLst>
+                  <a:ext uri="{0D108BD9-81ED-4DB2-BD59-A6C34878D82A}">
+                    <a16:rowId xmlns:a16="http://schemas.microsoft.com/office/drawing/2014/main" val="596413071"/>
+                  </a:ext>
+                </a:extLst>
+              </a:tr>
+              <a:tr h="348615">
+                <a:tc>
+                  <a:txBody>
+                    <a:bodyPr/>
+                    <a:lstStyle/>
+                    <a:p>
+                      <a:pPr algn="ctr" latinLnBrk="1"/>
+                      <a:r>
+                        <a:rPr lang="en-US" altLang="ko-KR" sz="1200" b="0" dirty="0">
+                          <a:solidFill>
+                            <a:schemeClr val="tx1"/>
+                          </a:solidFill>
+                        </a:rPr>
+                        <a:t>Yoo</a:t>
+                      </a:r>
+                      <a:endParaRPr lang="ko-KR" altLang="en-US" sz="1200" b="0" dirty="0">
+                        <a:solidFill>
+                          <a:schemeClr val="tx1"/>
+                        </a:solidFill>
+                      </a:endParaRPr>
+                    </a:p>
+                  </a:txBody>
+                  <a:tcPr anchor="ctr">
+                    <a:lnL w="12700" cap="flat" cmpd="sng" algn="ctr">
+                      <a:solidFill>
+                        <a:schemeClr val="tx1"/>
+                      </a:solidFill>
+                      <a:prstDash val="solid"/>
+                      <a:round/>
+                      <a:headEnd type="none" w="med" len="med"/>
+                      <a:tailEnd type="none" w="med" len="med"/>
+                    </a:lnL>
+                    <a:lnR w="12700" cap="flat" cmpd="sng" algn="ctr">
+                      <a:solidFill>
+                        <a:schemeClr val="tx1"/>
+                      </a:solidFill>
+                      <a:prstDash val="solid"/>
+                      <a:round/>
+                      <a:headEnd type="none" w="med" len="med"/>
+                      <a:tailEnd type="none" w="med" len="med"/>
+                    </a:lnR>
+                    <a:lnT w="12700" cap="flat" cmpd="sng" algn="ctr">
+                      <a:solidFill>
+                        <a:schemeClr val="tx1"/>
+                      </a:solidFill>
+                      <a:prstDash val="solid"/>
+                      <a:round/>
+                      <a:headEnd type="none" w="med" len="med"/>
+                      <a:tailEnd type="none" w="med" len="med"/>
+                    </a:lnT>
+                    <a:lnB w="12700" cap="flat" cmpd="sng" algn="ctr">
+                      <a:solidFill>
+                        <a:schemeClr val="tx1"/>
+                      </a:solidFill>
+                      <a:prstDash val="solid"/>
+                      <a:round/>
+                      <a:headEnd type="none" w="med" len="med"/>
+                      <a:tailEnd type="none" w="med" len="med"/>
+                    </a:lnB>
+                    <a:lnTlToBr w="12700" cmpd="sng">
+                      <a:noFill/>
+                      <a:prstDash val="solid"/>
+                    </a:lnTlToBr>
+                    <a:lnBlToTr w="12700" cmpd="sng">
+                      <a:noFill/>
+                      <a:prstDash val="solid"/>
+                    </a:lnBlToTr>
+                    <a:noFill/>
+                  </a:tcPr>
+                </a:tc>
+                <a:tc>
+                  <a:txBody>
+                    <a:bodyPr/>
+                    <a:lstStyle/>
+                    <a:p>
+                      <a:pPr algn="ctr" latinLnBrk="1"/>
+                      <a:r>
+                        <a:rPr lang="en-US" altLang="ko-KR" sz="1200" b="0" dirty="0">
+                          <a:solidFill>
+                            <a:schemeClr val="tx1"/>
+                          </a:solidFill>
+                        </a:rPr>
+                        <a:t>null</a:t>
+                      </a:r>
+                      <a:endParaRPr lang="ko-KR" altLang="en-US" sz="1200" b="0" dirty="0">
+                        <a:solidFill>
+                          <a:schemeClr val="tx1"/>
+                        </a:solidFill>
+                      </a:endParaRPr>
+                    </a:p>
+                  </a:txBody>
+                  <a:tcPr anchor="ctr">
+                    <a:lnL w="12700" cap="flat" cmpd="sng" algn="ctr">
+                      <a:solidFill>
+                        <a:schemeClr val="tx1"/>
+                      </a:solidFill>
+                      <a:prstDash val="solid"/>
+                      <a:round/>
+                      <a:headEnd type="none" w="med" len="med"/>
+                      <a:tailEnd type="none" w="med" len="med"/>
+                    </a:lnL>
+                    <a:lnR w="12700" cap="flat" cmpd="sng" algn="ctr">
+                      <a:solidFill>
+                        <a:schemeClr val="tx1"/>
+                      </a:solidFill>
+                      <a:prstDash val="solid"/>
+                      <a:round/>
+                      <a:headEnd type="none" w="med" len="med"/>
+                      <a:tailEnd type="none" w="med" len="med"/>
+                    </a:lnR>
+                    <a:lnT w="12700" cap="flat" cmpd="sng" algn="ctr">
+                      <a:solidFill>
+                        <a:schemeClr val="tx1"/>
+                      </a:solidFill>
+                      <a:prstDash val="solid"/>
+                      <a:round/>
+                      <a:headEnd type="none" w="med" len="med"/>
+                      <a:tailEnd type="none" w="med" len="med"/>
+                    </a:lnT>
+                    <a:lnB w="12700" cap="flat" cmpd="sng" algn="ctr">
+                      <a:solidFill>
+                        <a:schemeClr val="tx1"/>
+                      </a:solidFill>
+                      <a:prstDash val="solid"/>
+                      <a:round/>
+                      <a:headEnd type="none" w="med" len="med"/>
+                      <a:tailEnd type="none" w="med" len="med"/>
+                    </a:lnB>
+                    <a:lnTlToBr w="12700" cmpd="sng">
+                      <a:noFill/>
+                      <a:prstDash val="solid"/>
+                    </a:lnTlToBr>
+                    <a:lnBlToTr w="12700" cmpd="sng">
+                      <a:noFill/>
+                      <a:prstDash val="solid"/>
+                    </a:lnBlToTr>
+                    <a:noFill/>
+                  </a:tcPr>
+                </a:tc>
+                <a:extLst>
+                  <a:ext uri="{0D108BD9-81ED-4DB2-BD59-A6C34878D82A}">
+                    <a16:rowId xmlns:a16="http://schemas.microsoft.com/office/drawing/2014/main" val="3167644525"/>
+                  </a:ext>
+                </a:extLst>
+              </a:tr>
+            </a:tbl>
+          </a:graphicData>
+        </a:graphic>
+      </p:graphicFrame>
+      <p:cxnSp>
+        <p:nvCxnSpPr>
+          <p:cNvPr id="4" name="직선 화살표 연결선 3">
+            <a:extLst>
+              <a:ext uri="{FF2B5EF4-FFF2-40B4-BE49-F238E27FC236}">
+                <a16:creationId xmlns:a16="http://schemas.microsoft.com/office/drawing/2014/main" id="{A5DC6622-2902-4F86-88AD-CAB9D07483BA}"/>
+              </a:ext>
+            </a:extLst>
+          </p:cNvPr>
+          <p:cNvCxnSpPr/>
+          <p:nvPr/>
+        </p:nvCxnSpPr>
+        <p:spPr>
+          <a:xfrm>
+            <a:off x="1316956" y="2457450"/>
+            <a:ext cx="242639" cy="0"/>
+          </a:xfrm>
+          <a:prstGeom prst="straightConnector1">
+            <a:avLst/>
+          </a:prstGeom>
+          <a:ln w="28575">
+            <a:tailEnd type="triangle"/>
+          </a:ln>
+        </p:spPr>
+        <p:style>
+          <a:lnRef idx="1">
+            <a:schemeClr val="dk1"/>
+          </a:lnRef>
+          <a:fillRef idx="0">
+            <a:schemeClr val="dk1"/>
+          </a:fillRef>
+          <a:effectRef idx="0">
+            <a:schemeClr val="dk1"/>
+          </a:effectRef>
+          <a:fontRef idx="minor">
+            <a:schemeClr val="tx1"/>
+          </a:fontRef>
+        </p:style>
+      </p:cxnSp>
+      <p:cxnSp>
+        <p:nvCxnSpPr>
+          <p:cNvPr id="18" name="직선 화살표 연결선 17">
+            <a:extLst>
+              <a:ext uri="{FF2B5EF4-FFF2-40B4-BE49-F238E27FC236}">
+                <a16:creationId xmlns:a16="http://schemas.microsoft.com/office/drawing/2014/main" id="{729FAA86-FDF7-4F06-965A-3767B1427EDB}"/>
+              </a:ext>
+            </a:extLst>
+          </p:cNvPr>
+          <p:cNvCxnSpPr/>
+          <p:nvPr/>
+        </p:nvCxnSpPr>
+        <p:spPr>
+          <a:xfrm>
+            <a:off x="2550319" y="2457450"/>
+            <a:ext cx="242639" cy="0"/>
+          </a:xfrm>
+          <a:prstGeom prst="straightConnector1">
+            <a:avLst/>
+          </a:prstGeom>
+          <a:ln w="28575">
+            <a:tailEnd type="triangle"/>
+          </a:ln>
+        </p:spPr>
+        <p:style>
+          <a:lnRef idx="1">
+            <a:schemeClr val="dk1"/>
+          </a:lnRef>
+          <a:fillRef idx="0">
+            <a:schemeClr val="dk1"/>
+          </a:fillRef>
+          <a:effectRef idx="0">
+            <a:schemeClr val="dk1"/>
+          </a:effectRef>
+          <a:fontRef idx="minor">
+            <a:schemeClr val="tx1"/>
+          </a:fontRef>
+        </p:style>
+      </p:cxnSp>
+      <p:cxnSp>
+        <p:nvCxnSpPr>
+          <p:cNvPr id="19" name="직선 화살표 연결선 18">
+            <a:extLst>
+              <a:ext uri="{FF2B5EF4-FFF2-40B4-BE49-F238E27FC236}">
+                <a16:creationId xmlns:a16="http://schemas.microsoft.com/office/drawing/2014/main" id="{DB8D6E8F-A78B-4D8B-AB0E-671D68291202}"/>
+              </a:ext>
+            </a:extLst>
+          </p:cNvPr>
+          <p:cNvCxnSpPr/>
+          <p:nvPr/>
+        </p:nvCxnSpPr>
+        <p:spPr>
+          <a:xfrm>
+            <a:off x="3783682" y="2457450"/>
+            <a:ext cx="242639" cy="0"/>
+          </a:xfrm>
+          <a:prstGeom prst="straightConnector1">
+            <a:avLst/>
+          </a:prstGeom>
+          <a:ln w="28575">
+            <a:tailEnd type="triangle"/>
+          </a:ln>
+        </p:spPr>
+        <p:style>
+          <a:lnRef idx="1">
+            <a:schemeClr val="dk1"/>
+          </a:lnRef>
+          <a:fillRef idx="0">
+            <a:schemeClr val="dk1"/>
+          </a:fillRef>
+          <a:effectRef idx="0">
+            <a:schemeClr val="dk1"/>
+          </a:effectRef>
+          <a:fontRef idx="minor">
+            <a:schemeClr val="tx1"/>
+          </a:fontRef>
+        </p:style>
+      </p:cxnSp>
+      <p:cxnSp>
+        <p:nvCxnSpPr>
+          <p:cNvPr id="20" name="직선 화살표 연결선 19">
+            <a:extLst>
+              <a:ext uri="{FF2B5EF4-FFF2-40B4-BE49-F238E27FC236}">
+                <a16:creationId xmlns:a16="http://schemas.microsoft.com/office/drawing/2014/main" id="{C0B35AEB-E5A2-4E34-927F-2627B71B7563}"/>
+              </a:ext>
+            </a:extLst>
+          </p:cNvPr>
+          <p:cNvCxnSpPr/>
+          <p:nvPr/>
+        </p:nvCxnSpPr>
+        <p:spPr>
+          <a:xfrm>
+            <a:off x="5017045" y="2457450"/>
+            <a:ext cx="242639" cy="0"/>
+          </a:xfrm>
+          <a:prstGeom prst="straightConnector1">
+            <a:avLst/>
+          </a:prstGeom>
+          <a:ln w="28575">
+            <a:tailEnd type="triangle"/>
+          </a:ln>
+        </p:spPr>
+        <p:style>
+          <a:lnRef idx="1">
+            <a:schemeClr val="dk1"/>
+          </a:lnRef>
+          <a:fillRef idx="0">
+            <a:schemeClr val="dk1"/>
+          </a:fillRef>
+          <a:effectRef idx="0">
+            <a:schemeClr val="dk1"/>
+          </a:effectRef>
+          <a:fontRef idx="minor">
+            <a:schemeClr val="tx1"/>
+          </a:fontRef>
+        </p:style>
+      </p:cxnSp>
+      <p:cxnSp>
+        <p:nvCxnSpPr>
+          <p:cNvPr id="21" name="직선 화살표 연결선 20">
+            <a:extLst>
+              <a:ext uri="{FF2B5EF4-FFF2-40B4-BE49-F238E27FC236}">
+                <a16:creationId xmlns:a16="http://schemas.microsoft.com/office/drawing/2014/main" id="{16DF0576-2B45-40A4-B396-2EEDD6449374}"/>
+              </a:ext>
+            </a:extLst>
+          </p:cNvPr>
+          <p:cNvCxnSpPr/>
+          <p:nvPr/>
+        </p:nvCxnSpPr>
+        <p:spPr>
+          <a:xfrm>
+            <a:off x="6250408" y="2457450"/>
+            <a:ext cx="242639" cy="0"/>
+          </a:xfrm>
+          <a:prstGeom prst="straightConnector1">
+            <a:avLst/>
+          </a:prstGeom>
+          <a:ln w="28575">
+            <a:tailEnd type="triangle"/>
+          </a:ln>
+        </p:spPr>
+        <p:style>
+          <a:lnRef idx="1">
+            <a:schemeClr val="dk1"/>
+          </a:lnRef>
+          <a:fillRef idx="0">
+            <a:schemeClr val="dk1"/>
+          </a:fillRef>
+          <a:effectRef idx="0">
+            <a:schemeClr val="dk1"/>
+          </a:effectRef>
+          <a:fontRef idx="minor">
+            <a:schemeClr val="tx1"/>
+          </a:fontRef>
+        </p:style>
+      </p:cxnSp>
+      <p:graphicFrame>
+        <p:nvGraphicFramePr>
+          <p:cNvPr id="22" name="표 21">
+            <a:extLst>
+              <a:ext uri="{FF2B5EF4-FFF2-40B4-BE49-F238E27FC236}">
+                <a16:creationId xmlns:a16="http://schemas.microsoft.com/office/drawing/2014/main" id="{63663DDE-8E4B-4D1B-8630-03133050BF65}"/>
+              </a:ext>
+            </a:extLst>
+          </p:cNvPr>
+          <p:cNvGraphicFramePr>
+            <a:graphicFrameLocks noGrp="1"/>
+          </p:cNvGraphicFramePr>
+          <p:nvPr>
+            <p:extLst>
+              <p:ext uri="{D42A27DB-BD31-4B8C-83A1-F6EECF244321}">
+                <p14:modId xmlns:p14="http://schemas.microsoft.com/office/powerpoint/2010/main" val="2980127962"/>
+              </p:ext>
+            </p:extLst>
+          </p:nvPr>
+        </p:nvGraphicFramePr>
+        <p:xfrm>
+          <a:off x="8983079" y="462280"/>
+          <a:ext cx="1931068" cy="5933440"/>
+        </p:xfrm>
+        <a:graphic>
+          <a:graphicData uri="http://schemas.openxmlformats.org/drawingml/2006/table">
+            <a:tbl>
+              <a:tblPr firstRow="1" bandRow="1">
+                <a:tableStyleId>{5C22544A-7EE6-4342-B048-85BDC9FD1C3A}</a:tableStyleId>
+              </a:tblPr>
+              <a:tblGrid>
+                <a:gridCol w="542923">
+                  <a:extLst>
+                    <a:ext uri="{9D8B030D-6E8A-4147-A177-3AD203B41FA5}">
+                      <a16:colId xmlns:a16="http://schemas.microsoft.com/office/drawing/2014/main" val="3575248886"/>
+                    </a:ext>
+                  </a:extLst>
+                </a:gridCol>
+                <a:gridCol w="876300">
+                  <a:extLst>
+                    <a:ext uri="{9D8B030D-6E8A-4147-A177-3AD203B41FA5}">
+                      <a16:colId xmlns:a16="http://schemas.microsoft.com/office/drawing/2014/main" val="284153145"/>
+                    </a:ext>
+                  </a:extLst>
+                </a:gridCol>
+                <a:gridCol w="511845">
+                  <a:extLst>
+                    <a:ext uri="{9D8B030D-6E8A-4147-A177-3AD203B41FA5}">
+                      <a16:colId xmlns:a16="http://schemas.microsoft.com/office/drawing/2014/main" val="1150481787"/>
+                    </a:ext>
+                  </a:extLst>
+                </a:gridCol>
+              </a:tblGrid>
+              <a:tr h="370840">
+                <a:tc>
+                  <a:txBody>
+                    <a:bodyPr/>
+                    <a:lstStyle/>
+                    <a:p>
+                      <a:pPr algn="ctr" latinLnBrk="1"/>
+                      <a:r>
+                        <a:rPr lang="en-US" altLang="ko-KR" sz="1200" b="0" dirty="0">
+                          <a:solidFill>
+                            <a:schemeClr val="tx1"/>
+                          </a:solidFill>
+                        </a:rPr>
+                        <a:t>L</a:t>
+                      </a:r>
+                      <a:endParaRPr lang="ko-KR" altLang="en-US" sz="1200" b="0" dirty="0">
+                        <a:solidFill>
+                          <a:schemeClr val="tx1"/>
+                        </a:solidFill>
+                      </a:endParaRPr>
+                    </a:p>
+                  </a:txBody>
+                  <a:tcPr anchor="ctr">
+                    <a:lnL w="12700" cap="flat" cmpd="sng" algn="ctr">
+                      <a:noFill/>
+                      <a:prstDash val="solid"/>
+                      <a:round/>
+                      <a:headEnd type="none" w="med" len="med"/>
+                      <a:tailEnd type="none" w="med" len="med"/>
+                    </a:lnL>
+                    <a:lnR w="12700" cap="flat" cmpd="sng" algn="ctr">
+                      <a:solidFill>
+                        <a:schemeClr val="tx1"/>
+                      </a:solidFill>
+                      <a:prstDash val="solid"/>
+                      <a:round/>
+                      <a:headEnd type="none" w="med" len="med"/>
+                      <a:tailEnd type="none" w="med" len="med"/>
+                    </a:lnR>
+                    <a:lnT w="12700" cap="flat" cmpd="sng" algn="ctr">
+                      <a:noFill/>
+                      <a:prstDash val="solid"/>
+                      <a:round/>
+                      <a:headEnd type="none" w="med" len="med"/>
+                      <a:tailEnd type="none" w="med" len="med"/>
+                    </a:lnT>
+                    <a:lnB w="12700" cap="flat" cmpd="sng" algn="ctr">
+                      <a:noFill/>
+                      <a:prstDash val="solid"/>
+                      <a:round/>
+                      <a:headEnd type="none" w="med" len="med"/>
+                      <a:tailEnd type="none" w="med" len="med"/>
+                    </a:lnB>
+                    <a:lnTlToBr w="12700" cmpd="sng">
+                      <a:noFill/>
+                      <a:prstDash val="solid"/>
+                    </a:lnTlToBr>
+                    <a:lnBlToTr w="12700" cmpd="sng">
+                      <a:noFill/>
+                      <a:prstDash val="solid"/>
+                    </a:lnBlToTr>
+                    <a:noFill/>
+                  </a:tcPr>
+                </a:tc>
+                <a:tc>
+                  <a:txBody>
+                    <a:bodyPr/>
+                    <a:lstStyle/>
+                    <a:p>
+                      <a:pPr algn="ctr" latinLnBrk="1"/>
+                      <a:r>
+                        <a:rPr lang="en-US" altLang="ko-KR" sz="1200" b="0" dirty="0">
+                          <a:solidFill>
+                            <a:schemeClr val="tx1"/>
+                          </a:solidFill>
+                        </a:rPr>
+                        <a:t>1000</a:t>
+                      </a:r>
+                      <a:endParaRPr lang="ko-KR" altLang="en-US" sz="1200" b="0" dirty="0">
+                        <a:solidFill>
+                          <a:schemeClr val="tx1"/>
+                        </a:solidFill>
+                      </a:endParaRPr>
+                    </a:p>
+                  </a:txBody>
+                  <a:tcPr anchor="ctr">
+                    <a:lnL w="12700" cap="flat" cmpd="sng" algn="ctr">
+                      <a:solidFill>
+                        <a:schemeClr val="tx1"/>
+                      </a:solidFill>
+                      <a:prstDash val="solid"/>
+                      <a:round/>
+                      <a:headEnd type="none" w="med" len="med"/>
+                      <a:tailEnd type="none" w="med" len="med"/>
+                    </a:lnL>
+                    <a:lnR w="12700" cap="flat" cmpd="sng" algn="ctr">
+                      <a:solidFill>
+                        <a:schemeClr val="tx1"/>
+                      </a:solidFill>
+                      <a:prstDash val="solid"/>
+                      <a:round/>
+                      <a:headEnd type="none" w="med" len="med"/>
+                      <a:tailEnd type="none" w="med" len="med"/>
+                    </a:lnR>
+                    <a:lnT w="12700" cap="flat" cmpd="sng" algn="ctr">
+                      <a:solidFill>
+                        <a:schemeClr val="tx1"/>
+                      </a:solidFill>
+                      <a:prstDash val="solid"/>
+                      <a:round/>
+                      <a:headEnd type="none" w="med" len="med"/>
+                      <a:tailEnd type="none" w="med" len="med"/>
+                    </a:lnT>
+                    <a:lnB w="12700" cap="flat" cmpd="sng" algn="ctr">
+                      <a:solidFill>
+                        <a:schemeClr val="tx1"/>
+                      </a:solidFill>
+                      <a:prstDash val="solid"/>
+                      <a:round/>
+                      <a:headEnd type="none" w="med" len="med"/>
+                      <a:tailEnd type="none" w="med" len="med"/>
+                    </a:lnB>
+                    <a:lnTlToBr w="12700" cmpd="sng">
+                      <a:noFill/>
+                      <a:prstDash val="solid"/>
+                    </a:lnTlToBr>
+                    <a:lnBlToTr w="12700" cmpd="sng">
+                      <a:noFill/>
+                      <a:prstDash val="solid"/>
+                    </a:lnBlToTr>
+                    <a:noFill/>
+                  </a:tcPr>
+                </a:tc>
+                <a:tc>
+                  <a:txBody>
+                    <a:bodyPr/>
+                    <a:lstStyle/>
+                    <a:p>
+                      <a:pPr algn="ctr" latinLnBrk="1"/>
+                      <a:endParaRPr lang="ko-KR" altLang="en-US" sz="1200" b="0" dirty="0">
+                        <a:solidFill>
+                          <a:schemeClr val="tx1"/>
+                        </a:solidFill>
+                      </a:endParaRPr>
+                    </a:p>
+                  </a:txBody>
+                  <a:tcPr anchor="ctr">
+                    <a:lnL w="12700" cap="flat" cmpd="sng" algn="ctr">
+                      <a:solidFill>
+                        <a:schemeClr val="tx1"/>
+                      </a:solidFill>
+                      <a:prstDash val="solid"/>
+                      <a:round/>
+                      <a:headEnd type="none" w="med" len="med"/>
+                      <a:tailEnd type="none" w="med" len="med"/>
+                    </a:lnL>
+                    <a:lnR w="12700" cap="flat" cmpd="sng" algn="ctr">
+                      <a:noFill/>
+                      <a:prstDash val="solid"/>
+                      <a:round/>
+                      <a:headEnd type="none" w="med" len="med"/>
+                      <a:tailEnd type="none" w="med" len="med"/>
+                    </a:lnR>
+                    <a:lnT w="12700" cap="flat" cmpd="sng" algn="ctr">
+                      <a:noFill/>
+                      <a:prstDash val="solid"/>
+                      <a:round/>
+                      <a:headEnd type="none" w="med" len="med"/>
+                      <a:tailEnd type="none" w="med" len="med"/>
+                    </a:lnT>
+                    <a:lnB w="12700" cap="flat" cmpd="sng" algn="ctr">
+                      <a:noFill/>
+                      <a:prstDash val="solid"/>
+                      <a:round/>
+                      <a:headEnd type="none" w="med" len="med"/>
+                      <a:tailEnd type="none" w="med" len="med"/>
+                    </a:lnB>
+                    <a:lnTlToBr w="12700" cmpd="sng">
+                      <a:noFill/>
+                      <a:prstDash val="solid"/>
+                    </a:lnTlToBr>
+                    <a:lnBlToTr w="12700" cmpd="sng">
+                      <a:noFill/>
+                      <a:prstDash val="solid"/>
+                    </a:lnBlToTr>
+                    <a:noFill/>
+                  </a:tcPr>
+                </a:tc>
+                <a:extLst>
+                  <a:ext uri="{0D108BD9-81ED-4DB2-BD59-A6C34878D82A}">
+                    <a16:rowId xmlns:a16="http://schemas.microsoft.com/office/drawing/2014/main" val="2774386873"/>
+                  </a:ext>
+                </a:extLst>
+              </a:tr>
+              <a:tr h="370840">
+                <a:tc>
+                  <a:txBody>
+                    <a:bodyPr/>
+                    <a:lstStyle/>
+                    <a:p>
+                      <a:pPr algn="ctr" latinLnBrk="1"/>
+                      <a:endParaRPr lang="ko-KR" altLang="en-US" sz="1200" b="0" dirty="0">
+                        <a:solidFill>
+                          <a:schemeClr val="tx1"/>
+                        </a:solidFill>
+                      </a:endParaRPr>
+                    </a:p>
+                  </a:txBody>
+                  <a:tcPr anchor="ctr">
+                    <a:lnL w="12700" cap="flat" cmpd="sng" algn="ctr">
+                      <a:noFill/>
+                      <a:prstDash val="solid"/>
+                      <a:round/>
+                      <a:headEnd type="none" w="med" len="med"/>
+                      <a:tailEnd type="none" w="med" len="med"/>
+                    </a:lnL>
+                    <a:lnR w="12700" cap="flat" cmpd="sng" algn="ctr">
+                      <a:noFill/>
+                      <a:prstDash val="solid"/>
+                      <a:round/>
+                      <a:headEnd type="none" w="med" len="med"/>
+                      <a:tailEnd type="none" w="med" len="med"/>
+                    </a:lnR>
+                    <a:lnT w="12700" cap="flat" cmpd="sng" algn="ctr">
+                      <a:noFill/>
+                      <a:prstDash val="solid"/>
+                      <a:round/>
+                      <a:headEnd type="none" w="med" len="med"/>
+                      <a:tailEnd type="none" w="med" len="med"/>
+                    </a:lnT>
+                    <a:lnB w="12700" cap="flat" cmpd="sng" algn="ctr">
+                      <a:noFill/>
+                      <a:prstDash val="solid"/>
+                      <a:round/>
+                      <a:headEnd type="none" w="med" len="med"/>
+                      <a:tailEnd type="none" w="med" len="med"/>
+                    </a:lnB>
+                    <a:lnTlToBr w="12700" cmpd="sng">
+                      <a:noFill/>
+                      <a:prstDash val="solid"/>
+                    </a:lnTlToBr>
+                    <a:lnBlToTr w="12700" cmpd="sng">
+                      <a:noFill/>
+                      <a:prstDash val="solid"/>
+                    </a:lnBlToTr>
+                    <a:noFill/>
+                  </a:tcPr>
+                </a:tc>
+                <a:tc>
+                  <a:txBody>
+                    <a:bodyPr/>
+                    <a:lstStyle/>
+                    <a:p>
+                      <a:pPr algn="ctr" latinLnBrk="1"/>
+                      <a:endParaRPr lang="ko-KR" altLang="en-US" sz="1200" b="0" dirty="0">
+                        <a:solidFill>
+                          <a:schemeClr val="tx1"/>
+                        </a:solidFill>
+                      </a:endParaRPr>
+                    </a:p>
+                  </a:txBody>
+                  <a:tcPr anchor="ctr">
+                    <a:lnL w="12700" cap="flat" cmpd="sng" algn="ctr">
+                      <a:noFill/>
+                      <a:prstDash val="solid"/>
+                      <a:round/>
+                      <a:headEnd type="none" w="med" len="med"/>
+                      <a:tailEnd type="none" w="med" len="med"/>
+                    </a:lnL>
+                    <a:lnR w="12700" cap="flat" cmpd="sng" algn="ctr">
+                      <a:noFill/>
+                      <a:prstDash val="solid"/>
+                      <a:round/>
+                      <a:headEnd type="none" w="med" len="med"/>
+                      <a:tailEnd type="none" w="med" len="med"/>
+                    </a:lnR>
+                    <a:lnT w="12700" cap="flat" cmpd="sng" algn="ctr">
+                      <a:solidFill>
+                        <a:schemeClr val="tx1"/>
+                      </a:solidFill>
+                      <a:prstDash val="solid"/>
+                      <a:round/>
+                      <a:headEnd type="none" w="med" len="med"/>
+                      <a:tailEnd type="none" w="med" len="med"/>
+                    </a:lnT>
+                    <a:lnB w="12700" cap="flat" cmpd="sng" algn="ctr">
+                      <a:solidFill>
+                        <a:schemeClr val="tx1"/>
+                      </a:solidFill>
+                      <a:prstDash val="solid"/>
+                      <a:round/>
+                      <a:headEnd type="none" w="med" len="med"/>
+                      <a:tailEnd type="none" w="med" len="med"/>
+                    </a:lnB>
+                    <a:lnTlToBr w="12700" cmpd="sng">
+                      <a:noFill/>
+                      <a:prstDash val="solid"/>
+                    </a:lnTlToBr>
+                    <a:lnBlToTr w="12700" cmpd="sng">
+                      <a:noFill/>
+                      <a:prstDash val="solid"/>
+                    </a:lnBlToTr>
+                    <a:noFill/>
+                  </a:tcPr>
+                </a:tc>
+                <a:tc>
+                  <a:txBody>
+                    <a:bodyPr/>
+                    <a:lstStyle/>
+                    <a:p>
+                      <a:pPr algn="ctr" latinLnBrk="1"/>
+                      <a:endParaRPr lang="ko-KR" altLang="en-US" sz="1200" b="0" dirty="0">
+                        <a:solidFill>
+                          <a:schemeClr val="tx1"/>
+                        </a:solidFill>
+                      </a:endParaRPr>
+                    </a:p>
+                  </a:txBody>
+                  <a:tcPr anchor="ctr">
+                    <a:lnL w="12700" cap="flat" cmpd="sng" algn="ctr">
+                      <a:noFill/>
+                      <a:prstDash val="solid"/>
+                      <a:round/>
+                      <a:headEnd type="none" w="med" len="med"/>
+                      <a:tailEnd type="none" w="med" len="med"/>
+                    </a:lnL>
+                    <a:lnR w="12700" cap="flat" cmpd="sng" algn="ctr">
+                      <a:noFill/>
+                      <a:prstDash val="solid"/>
+                      <a:round/>
+                      <a:headEnd type="none" w="med" len="med"/>
+                      <a:tailEnd type="none" w="med" len="med"/>
+                    </a:lnR>
+                    <a:lnT w="12700" cap="flat" cmpd="sng" algn="ctr">
+                      <a:noFill/>
+                      <a:prstDash val="solid"/>
+                      <a:round/>
+                      <a:headEnd type="none" w="med" len="med"/>
+                      <a:tailEnd type="none" w="med" len="med"/>
+                    </a:lnT>
+                    <a:lnB w="12700" cap="flat" cmpd="sng" algn="ctr">
+                      <a:noFill/>
+                      <a:prstDash val="solid"/>
+                      <a:round/>
+                      <a:headEnd type="none" w="med" len="med"/>
+                      <a:tailEnd type="none" w="med" len="med"/>
+                    </a:lnB>
+                    <a:lnTlToBr w="12700" cmpd="sng">
+                      <a:noFill/>
+                      <a:prstDash val="solid"/>
+                    </a:lnTlToBr>
+                    <a:lnBlToTr w="12700" cmpd="sng">
+                      <a:noFill/>
+                      <a:prstDash val="solid"/>
+                    </a:lnBlToTr>
+                    <a:noFill/>
+                  </a:tcPr>
+                </a:tc>
+                <a:extLst>
+                  <a:ext uri="{0D108BD9-81ED-4DB2-BD59-A6C34878D82A}">
+                    <a16:rowId xmlns:a16="http://schemas.microsoft.com/office/drawing/2014/main" val="2637984921"/>
+                  </a:ext>
+                </a:extLst>
+              </a:tr>
+              <a:tr h="370840">
+                <a:tc>
+                  <a:txBody>
+                    <a:bodyPr/>
+                    <a:lstStyle/>
+                    <a:p>
+                      <a:pPr algn="ctr" latinLnBrk="1"/>
+                      <a:r>
+                        <a:rPr lang="en-US" altLang="ko-KR" sz="1200" b="0" dirty="0">
+                          <a:solidFill>
+                            <a:schemeClr val="tx1"/>
+                          </a:solidFill>
+                        </a:rPr>
+                        <a:t>1000</a:t>
+                      </a:r>
+                      <a:endParaRPr lang="ko-KR" altLang="en-US" sz="1200" b="0" dirty="0">
+                        <a:solidFill>
+                          <a:schemeClr val="tx1"/>
+                        </a:solidFill>
+                      </a:endParaRPr>
+                    </a:p>
+                  </a:txBody>
+                  <a:tcPr anchor="ctr">
+                    <a:lnL w="12700" cap="flat" cmpd="sng" algn="ctr">
+                      <a:noFill/>
+                      <a:prstDash val="solid"/>
+                      <a:round/>
+                      <a:headEnd type="none" w="med" len="med"/>
+                      <a:tailEnd type="none" w="med" len="med"/>
+                    </a:lnL>
+                    <a:lnR w="12700" cap="flat" cmpd="sng" algn="ctr">
+                      <a:solidFill>
+                        <a:schemeClr val="tx1"/>
+                      </a:solidFill>
+                      <a:prstDash val="solid"/>
+                      <a:round/>
+                      <a:headEnd type="none" w="med" len="med"/>
+                      <a:tailEnd type="none" w="med" len="med"/>
+                    </a:lnR>
+                    <a:lnT w="12700" cap="flat" cmpd="sng" algn="ctr">
+                      <a:noFill/>
+                      <a:prstDash val="solid"/>
+                      <a:round/>
+                      <a:headEnd type="none" w="med" len="med"/>
+                      <a:tailEnd type="none" w="med" len="med"/>
+                    </a:lnT>
+                    <a:lnB w="12700" cap="flat" cmpd="sng" algn="ctr">
+                      <a:noFill/>
+                      <a:prstDash val="solid"/>
+                      <a:round/>
+                      <a:headEnd type="none" w="med" len="med"/>
+                      <a:tailEnd type="none" w="med" len="med"/>
+                    </a:lnB>
+                    <a:lnTlToBr w="12700" cmpd="sng">
+                      <a:noFill/>
+                      <a:prstDash val="solid"/>
+                    </a:lnTlToBr>
+                    <a:lnBlToTr w="12700" cmpd="sng">
+                      <a:noFill/>
+                      <a:prstDash val="solid"/>
+                    </a:lnBlToTr>
+                    <a:noFill/>
+                  </a:tcPr>
+                </a:tc>
+                <a:tc>
+                  <a:txBody>
+                    <a:bodyPr/>
+                    <a:lstStyle/>
+                    <a:p>
+                      <a:pPr algn="ctr" latinLnBrk="1"/>
+                      <a:r>
+                        <a:rPr lang="en-US" altLang="ko-KR" sz="1200" b="0" dirty="0">
+                          <a:solidFill>
+                            <a:schemeClr val="tx1"/>
+                          </a:solidFill>
+                        </a:rPr>
+                        <a:t>Cho</a:t>
+                      </a:r>
+                      <a:endParaRPr lang="ko-KR" altLang="en-US" sz="1200" b="0" dirty="0">
+                        <a:solidFill>
+                          <a:schemeClr val="tx1"/>
+                        </a:solidFill>
+                      </a:endParaRPr>
+                    </a:p>
+                  </a:txBody>
+                  <a:tcPr anchor="ctr">
+                    <a:lnL w="12700" cap="flat" cmpd="sng" algn="ctr">
+                      <a:solidFill>
+                        <a:schemeClr val="tx1"/>
+                      </a:solidFill>
+                      <a:prstDash val="solid"/>
+                      <a:round/>
+                      <a:headEnd type="none" w="med" len="med"/>
+                      <a:tailEnd type="none" w="med" len="med"/>
+                    </a:lnL>
+                    <a:lnR w="12700" cap="flat" cmpd="sng" algn="ctr">
+                      <a:solidFill>
+                        <a:schemeClr val="tx1"/>
+                      </a:solidFill>
+                      <a:prstDash val="solid"/>
+                      <a:round/>
+                      <a:headEnd type="none" w="med" len="med"/>
+                      <a:tailEnd type="none" w="med" len="med"/>
+                    </a:lnR>
+                    <a:lnT w="12700" cap="flat" cmpd="sng" algn="ctr">
+                      <a:solidFill>
+                        <a:schemeClr val="tx1"/>
+                      </a:solidFill>
+                      <a:prstDash val="solid"/>
+                      <a:round/>
+                      <a:headEnd type="none" w="med" len="med"/>
+                      <a:tailEnd type="none" w="med" len="med"/>
+                    </a:lnT>
+                    <a:lnB w="12700" cap="flat" cmpd="sng" algn="ctr">
+                      <a:solidFill>
+                        <a:schemeClr val="tx1"/>
+                      </a:solidFill>
+                      <a:prstDash val="solid"/>
+                      <a:round/>
+                      <a:headEnd type="none" w="med" len="med"/>
+                      <a:tailEnd type="none" w="med" len="med"/>
+                    </a:lnB>
+                    <a:lnTlToBr w="12700" cmpd="sng">
+                      <a:noFill/>
+                      <a:prstDash val="solid"/>
+                    </a:lnTlToBr>
+                    <a:lnBlToTr w="12700" cmpd="sng">
+                      <a:noFill/>
+                      <a:prstDash val="solid"/>
+                    </a:lnBlToTr>
+                    <a:noFill/>
+                  </a:tcPr>
+                </a:tc>
+                <a:tc>
+                  <a:txBody>
+                    <a:bodyPr/>
+                    <a:lstStyle/>
+                    <a:p>
+                      <a:pPr algn="ctr" latinLnBrk="1"/>
+                      <a:r>
+                        <a:rPr lang="en-US" altLang="ko-KR" sz="1200" b="0" dirty="0">
+                          <a:solidFill>
+                            <a:schemeClr val="tx1"/>
+                          </a:solidFill>
+                        </a:rPr>
+                        <a:t>data</a:t>
+                      </a:r>
+                      <a:endParaRPr lang="ko-KR" altLang="en-US" sz="1200" b="0" dirty="0">
+                        <a:solidFill>
+                          <a:schemeClr val="tx1"/>
+                        </a:solidFill>
+                      </a:endParaRPr>
+                    </a:p>
+                  </a:txBody>
+                  <a:tcPr anchor="ctr">
+                    <a:lnL w="12700" cap="flat" cmpd="sng" algn="ctr">
+                      <a:solidFill>
+                        <a:schemeClr val="tx1"/>
+                      </a:solidFill>
+                      <a:prstDash val="solid"/>
+                      <a:round/>
+                      <a:headEnd type="none" w="med" len="med"/>
+                      <a:tailEnd type="none" w="med" len="med"/>
+                    </a:lnL>
+                    <a:lnR w="12700" cap="flat" cmpd="sng" algn="ctr">
+                      <a:noFill/>
+                      <a:prstDash val="solid"/>
+                      <a:round/>
+                      <a:headEnd type="none" w="med" len="med"/>
+                      <a:tailEnd type="none" w="med" len="med"/>
+                    </a:lnR>
+                    <a:lnT w="12700" cap="flat" cmpd="sng" algn="ctr">
+                      <a:noFill/>
+                      <a:prstDash val="solid"/>
+                      <a:round/>
+                      <a:headEnd type="none" w="med" len="med"/>
+                      <a:tailEnd type="none" w="med" len="med"/>
+                    </a:lnT>
+                    <a:lnB w="12700" cap="flat" cmpd="sng" algn="ctr">
+                      <a:noFill/>
+                      <a:prstDash val="solid"/>
+                      <a:round/>
+                      <a:headEnd type="none" w="med" len="med"/>
+                      <a:tailEnd type="none" w="med" len="med"/>
+                    </a:lnB>
+                    <a:lnTlToBr w="12700" cmpd="sng">
+                      <a:noFill/>
+                      <a:prstDash val="solid"/>
+                    </a:lnTlToBr>
+                    <a:lnBlToTr w="12700" cmpd="sng">
+                      <a:noFill/>
+                      <a:prstDash val="solid"/>
+                    </a:lnBlToTr>
+                    <a:noFill/>
+                  </a:tcPr>
+                </a:tc>
+                <a:extLst>
+                  <a:ext uri="{0D108BD9-81ED-4DB2-BD59-A6C34878D82A}">
+                    <a16:rowId xmlns:a16="http://schemas.microsoft.com/office/drawing/2014/main" val="2814225442"/>
+                  </a:ext>
+                </a:extLst>
+              </a:tr>
+              <a:tr h="370840">
+                <a:tc>
+                  <a:txBody>
+                    <a:bodyPr/>
+                    <a:lstStyle/>
+                    <a:p>
+                      <a:pPr algn="ctr" latinLnBrk="1"/>
+                      <a:endParaRPr lang="ko-KR" altLang="en-US" sz="1200" b="0" dirty="0">
+                        <a:solidFill>
+                          <a:schemeClr val="tx1"/>
+                        </a:solidFill>
+                      </a:endParaRPr>
+                    </a:p>
+                  </a:txBody>
+                  <a:tcPr anchor="ctr">
+                    <a:lnL w="12700" cap="flat" cmpd="sng" algn="ctr">
+                      <a:noFill/>
+                      <a:prstDash val="solid"/>
+                      <a:round/>
+                      <a:headEnd type="none" w="med" len="med"/>
+                      <a:tailEnd type="none" w="med" len="med"/>
+                    </a:lnL>
+                    <a:lnR w="12700" cap="flat" cmpd="sng" algn="ctr">
+                      <a:solidFill>
+                        <a:schemeClr val="tx1"/>
+                      </a:solidFill>
+                      <a:prstDash val="solid"/>
+                      <a:round/>
+                      <a:headEnd type="none" w="med" len="med"/>
+                      <a:tailEnd type="none" w="med" len="med"/>
+                    </a:lnR>
+                    <a:lnT w="12700" cap="flat" cmpd="sng" algn="ctr">
+                      <a:noFill/>
+                      <a:prstDash val="solid"/>
+                      <a:round/>
+                      <a:headEnd type="none" w="med" len="med"/>
+                      <a:tailEnd type="none" w="med" len="med"/>
+                    </a:lnT>
+                    <a:lnB w="12700" cap="flat" cmpd="sng" algn="ctr">
+                      <a:noFill/>
+                      <a:prstDash val="solid"/>
+                      <a:round/>
+                      <a:headEnd type="none" w="med" len="med"/>
+                      <a:tailEnd type="none" w="med" len="med"/>
+                    </a:lnB>
+                    <a:lnTlToBr w="12700" cmpd="sng">
+                      <a:noFill/>
+                      <a:prstDash val="solid"/>
+                    </a:lnTlToBr>
+                    <a:lnBlToTr w="12700" cmpd="sng">
+                      <a:noFill/>
+                      <a:prstDash val="solid"/>
+                    </a:lnBlToTr>
+                    <a:noFill/>
+                  </a:tcPr>
+                </a:tc>
+                <a:tc>
+                  <a:txBody>
+                    <a:bodyPr/>
+                    <a:lstStyle/>
+                    <a:p>
+                      <a:pPr algn="ctr" latinLnBrk="1"/>
+                      <a:r>
+                        <a:rPr lang="en-US" altLang="ko-KR" sz="1200" b="0" dirty="0">
+                          <a:solidFill>
+                            <a:schemeClr val="tx1"/>
+                          </a:solidFill>
+                        </a:rPr>
+                        <a:t>1004</a:t>
+                      </a:r>
+                      <a:endParaRPr lang="ko-KR" altLang="en-US" sz="1200" b="0" dirty="0">
+                        <a:solidFill>
+                          <a:schemeClr val="tx1"/>
+                        </a:solidFill>
+                      </a:endParaRPr>
+                    </a:p>
+                  </a:txBody>
+                  <a:tcPr anchor="ctr">
+                    <a:lnL w="12700" cap="flat" cmpd="sng" algn="ctr">
+                      <a:solidFill>
+                        <a:schemeClr val="tx1"/>
+                      </a:solidFill>
+                      <a:prstDash val="solid"/>
+                      <a:round/>
+                      <a:headEnd type="none" w="med" len="med"/>
+                      <a:tailEnd type="none" w="med" len="med"/>
+                    </a:lnL>
+                    <a:lnR w="12700" cap="flat" cmpd="sng" algn="ctr">
+                      <a:solidFill>
+                        <a:schemeClr val="tx1"/>
+                      </a:solidFill>
+                      <a:prstDash val="solid"/>
+                      <a:round/>
+                      <a:headEnd type="none" w="med" len="med"/>
+                      <a:tailEnd type="none" w="med" len="med"/>
+                    </a:lnR>
+                    <a:lnT w="12700" cap="flat" cmpd="sng" algn="ctr">
+                      <a:solidFill>
+                        <a:schemeClr val="tx1"/>
+                      </a:solidFill>
+                      <a:prstDash val="solid"/>
+                      <a:round/>
+                      <a:headEnd type="none" w="med" len="med"/>
+                      <a:tailEnd type="none" w="med" len="med"/>
+                    </a:lnT>
+                    <a:lnB w="12700" cap="flat" cmpd="sng" algn="ctr">
+                      <a:solidFill>
+                        <a:schemeClr val="tx1"/>
+                      </a:solidFill>
+                      <a:prstDash val="solid"/>
+                      <a:round/>
+                      <a:headEnd type="none" w="med" len="med"/>
+                      <a:tailEnd type="none" w="med" len="med"/>
+                    </a:lnB>
+                    <a:lnTlToBr w="12700" cmpd="sng">
+                      <a:noFill/>
+                      <a:prstDash val="solid"/>
+                    </a:lnTlToBr>
+                    <a:lnBlToTr w="12700" cmpd="sng">
+                      <a:noFill/>
+                      <a:prstDash val="solid"/>
+                    </a:lnBlToTr>
+                    <a:noFill/>
+                  </a:tcPr>
+                </a:tc>
+                <a:tc>
+                  <a:txBody>
+                    <a:bodyPr/>
+                    <a:lstStyle/>
+                    <a:p>
+                      <a:pPr algn="ctr" latinLnBrk="1"/>
+                      <a:r>
+                        <a:rPr lang="en-US" altLang="ko-KR" sz="1200" b="0" dirty="0">
+                          <a:solidFill>
+                            <a:schemeClr val="tx1"/>
+                          </a:solidFill>
+                        </a:rPr>
+                        <a:t>link</a:t>
+                      </a:r>
+                      <a:endParaRPr lang="ko-KR" altLang="en-US" sz="1200" b="0" dirty="0">
+                        <a:solidFill>
+                          <a:schemeClr val="tx1"/>
+                        </a:solidFill>
+                      </a:endParaRPr>
+                    </a:p>
+                  </a:txBody>
+                  <a:tcPr anchor="ctr">
+                    <a:lnL w="12700" cap="flat" cmpd="sng" algn="ctr">
+                      <a:solidFill>
+                        <a:schemeClr val="tx1"/>
+                      </a:solidFill>
+                      <a:prstDash val="solid"/>
+                      <a:round/>
+                      <a:headEnd type="none" w="med" len="med"/>
+                      <a:tailEnd type="none" w="med" len="med"/>
+                    </a:lnL>
+                    <a:lnR w="12700" cap="flat" cmpd="sng" algn="ctr">
+                      <a:noFill/>
+                      <a:prstDash val="solid"/>
+                      <a:round/>
+                      <a:headEnd type="none" w="med" len="med"/>
+                      <a:tailEnd type="none" w="med" len="med"/>
+                    </a:lnR>
+                    <a:lnT w="12700" cap="flat" cmpd="sng" algn="ctr">
+                      <a:noFill/>
+                      <a:prstDash val="solid"/>
+                      <a:round/>
+                      <a:headEnd type="none" w="med" len="med"/>
+                      <a:tailEnd type="none" w="med" len="med"/>
+                    </a:lnT>
+                    <a:lnB w="12700" cap="flat" cmpd="sng" algn="ctr">
+                      <a:noFill/>
+                      <a:prstDash val="solid"/>
+                      <a:round/>
+                      <a:headEnd type="none" w="med" len="med"/>
+                      <a:tailEnd type="none" w="med" len="med"/>
+                    </a:lnB>
+                    <a:lnTlToBr w="12700" cmpd="sng">
+                      <a:noFill/>
+                      <a:prstDash val="solid"/>
+                    </a:lnTlToBr>
+                    <a:lnBlToTr w="12700" cmpd="sng">
+                      <a:noFill/>
+                      <a:prstDash val="solid"/>
+                    </a:lnBlToTr>
+                    <a:noFill/>
+                  </a:tcPr>
+                </a:tc>
+                <a:extLst>
+                  <a:ext uri="{0D108BD9-81ED-4DB2-BD59-A6C34878D82A}">
+                    <a16:rowId xmlns:a16="http://schemas.microsoft.com/office/drawing/2014/main" val="3444125436"/>
+                  </a:ext>
+                </a:extLst>
+              </a:tr>
+              <a:tr h="370840">
+                <a:tc>
+                  <a:txBody>
+                    <a:bodyPr/>
+                    <a:lstStyle/>
+                    <a:p>
+                      <a:pPr algn="ctr" latinLnBrk="1"/>
+                      <a:endParaRPr lang="ko-KR" altLang="en-US" sz="1200" b="0" dirty="0">
+                        <a:solidFill>
+                          <a:schemeClr val="tx1"/>
+                        </a:solidFill>
+                      </a:endParaRPr>
+                    </a:p>
+                  </a:txBody>
+                  <a:tcPr anchor="ctr">
+                    <a:lnL w="12700" cap="flat" cmpd="sng" algn="ctr">
+                      <a:noFill/>
+                      <a:prstDash val="solid"/>
+                      <a:round/>
+                      <a:headEnd type="none" w="med" len="med"/>
+                      <a:tailEnd type="none" w="med" len="med"/>
+                    </a:lnL>
+                    <a:lnR w="12700" cap="flat" cmpd="sng" algn="ctr">
+                      <a:noFill/>
+                      <a:prstDash val="solid"/>
+                      <a:round/>
+                      <a:headEnd type="none" w="med" len="med"/>
+                      <a:tailEnd type="none" w="med" len="med"/>
+                    </a:lnR>
+                    <a:lnT w="12700" cap="flat" cmpd="sng" algn="ctr">
+                      <a:noFill/>
+                      <a:prstDash val="solid"/>
+                      <a:round/>
+                      <a:headEnd type="none" w="med" len="med"/>
+                      <a:tailEnd type="none" w="med" len="med"/>
+                    </a:lnT>
+                    <a:lnB w="12700" cap="flat" cmpd="sng" algn="ctr">
+                      <a:noFill/>
+                      <a:prstDash val="solid"/>
+                      <a:round/>
+                      <a:headEnd type="none" w="med" len="med"/>
+                      <a:tailEnd type="none" w="med" len="med"/>
+                    </a:lnB>
+                    <a:lnTlToBr w="12700" cmpd="sng">
+                      <a:noFill/>
+                      <a:prstDash val="solid"/>
+                    </a:lnTlToBr>
+                    <a:lnBlToTr w="12700" cmpd="sng">
+                      <a:noFill/>
+                      <a:prstDash val="solid"/>
+                    </a:lnBlToTr>
+                    <a:noFill/>
+                  </a:tcPr>
+                </a:tc>
+                <a:tc>
+                  <a:txBody>
+                    <a:bodyPr/>
+                    <a:lstStyle/>
+                    <a:p>
+                      <a:pPr algn="ctr" latinLnBrk="1"/>
+                      <a:endParaRPr lang="ko-KR" altLang="en-US" sz="1200" b="0" dirty="0">
+                        <a:solidFill>
+                          <a:schemeClr val="tx1"/>
+                        </a:solidFill>
+                      </a:endParaRPr>
+                    </a:p>
+                  </a:txBody>
+                  <a:tcPr anchor="ctr">
+                    <a:lnL w="12700" cap="flat" cmpd="sng" algn="ctr">
+                      <a:noFill/>
+                      <a:prstDash val="solid"/>
+                      <a:round/>
+                      <a:headEnd type="none" w="med" len="med"/>
+                      <a:tailEnd type="none" w="med" len="med"/>
+                    </a:lnL>
+                    <a:lnR w="12700" cap="flat" cmpd="sng" algn="ctr">
+                      <a:noFill/>
+                      <a:prstDash val="solid"/>
+                      <a:round/>
+                      <a:headEnd type="none" w="med" len="med"/>
+                      <a:tailEnd type="none" w="med" len="med"/>
+                    </a:lnR>
+                    <a:lnT w="12700" cap="flat" cmpd="sng" algn="ctr">
+                      <a:solidFill>
+                        <a:schemeClr val="tx1"/>
+                      </a:solidFill>
+                      <a:prstDash val="solid"/>
+                      <a:round/>
+                      <a:headEnd type="none" w="med" len="med"/>
+                      <a:tailEnd type="none" w="med" len="med"/>
+                    </a:lnT>
+                    <a:lnB w="12700" cap="flat" cmpd="sng" algn="ctr">
+                      <a:solidFill>
+                        <a:schemeClr val="tx1"/>
+                      </a:solidFill>
+                      <a:prstDash val="solid"/>
+                      <a:round/>
+                      <a:headEnd type="none" w="med" len="med"/>
+                      <a:tailEnd type="none" w="med" len="med"/>
+                    </a:lnB>
+                    <a:lnTlToBr w="12700" cmpd="sng">
+                      <a:noFill/>
+                      <a:prstDash val="solid"/>
+                    </a:lnTlToBr>
+                    <a:lnBlToTr w="12700" cmpd="sng">
+                      <a:noFill/>
+                      <a:prstDash val="solid"/>
+                    </a:lnBlToTr>
+                    <a:noFill/>
+                  </a:tcPr>
+                </a:tc>
+                <a:tc>
+                  <a:txBody>
+                    <a:bodyPr/>
+                    <a:lstStyle/>
+                    <a:p>
+                      <a:pPr algn="ctr" latinLnBrk="1"/>
+                      <a:endParaRPr lang="ko-KR" altLang="en-US" sz="1200" b="0" dirty="0">
+                        <a:solidFill>
+                          <a:schemeClr val="tx1"/>
+                        </a:solidFill>
+                      </a:endParaRPr>
+                    </a:p>
+                  </a:txBody>
+                  <a:tcPr anchor="ctr">
+                    <a:lnL w="12700" cap="flat" cmpd="sng" algn="ctr">
+                      <a:noFill/>
+                      <a:prstDash val="solid"/>
+                      <a:round/>
+                      <a:headEnd type="none" w="med" len="med"/>
+                      <a:tailEnd type="none" w="med" len="med"/>
+                    </a:lnL>
+                    <a:lnR w="12700" cap="flat" cmpd="sng" algn="ctr">
+                      <a:noFill/>
+                      <a:prstDash val="solid"/>
+                      <a:round/>
+                      <a:headEnd type="none" w="med" len="med"/>
+                      <a:tailEnd type="none" w="med" len="med"/>
+                    </a:lnR>
+                    <a:lnT w="12700" cap="flat" cmpd="sng" algn="ctr">
+                      <a:noFill/>
+                      <a:prstDash val="solid"/>
+                      <a:round/>
+                      <a:headEnd type="none" w="med" len="med"/>
+                      <a:tailEnd type="none" w="med" len="med"/>
+                    </a:lnT>
+                    <a:lnB w="12700" cap="flat" cmpd="sng" algn="ctr">
+                      <a:noFill/>
+                      <a:prstDash val="solid"/>
+                      <a:round/>
+                      <a:headEnd type="none" w="med" len="med"/>
+                      <a:tailEnd type="none" w="med" len="med"/>
+                    </a:lnB>
+                    <a:lnTlToBr w="12700" cmpd="sng">
+                      <a:noFill/>
+                      <a:prstDash val="solid"/>
+                    </a:lnTlToBr>
+                    <a:lnBlToTr w="12700" cmpd="sng">
+                      <a:noFill/>
+                      <a:prstDash val="solid"/>
+                    </a:lnBlToTr>
+                    <a:noFill/>
+                  </a:tcPr>
+                </a:tc>
+                <a:extLst>
+                  <a:ext uri="{0D108BD9-81ED-4DB2-BD59-A6C34878D82A}">
+                    <a16:rowId xmlns:a16="http://schemas.microsoft.com/office/drawing/2014/main" val="161690541"/>
+                  </a:ext>
+                </a:extLst>
+              </a:tr>
+              <a:tr h="370840">
+                <a:tc>
+                  <a:txBody>
+                    <a:bodyPr/>
+                    <a:lstStyle/>
+                    <a:p>
+                      <a:pPr algn="ctr" latinLnBrk="1"/>
+                      <a:r>
+                        <a:rPr lang="en-US" altLang="ko-KR" sz="1200" b="0" dirty="0">
+                          <a:solidFill>
+                            <a:schemeClr val="tx1"/>
+                          </a:solidFill>
+                        </a:rPr>
+                        <a:t>1004</a:t>
+                      </a:r>
+                      <a:endParaRPr lang="ko-KR" altLang="en-US" sz="1200" b="0" dirty="0">
+                        <a:solidFill>
+                          <a:schemeClr val="tx1"/>
+                        </a:solidFill>
+                      </a:endParaRPr>
+                    </a:p>
+                  </a:txBody>
+                  <a:tcPr anchor="ctr">
+                    <a:lnL w="12700" cap="flat" cmpd="sng" algn="ctr">
+                      <a:noFill/>
+                      <a:prstDash val="solid"/>
+                      <a:round/>
+                      <a:headEnd type="none" w="med" len="med"/>
+                      <a:tailEnd type="none" w="med" len="med"/>
+                    </a:lnL>
+                    <a:lnR w="12700" cap="flat" cmpd="sng" algn="ctr">
+                      <a:solidFill>
+                        <a:schemeClr val="tx1"/>
+                      </a:solidFill>
+                      <a:prstDash val="solid"/>
+                      <a:round/>
+                      <a:headEnd type="none" w="med" len="med"/>
+                      <a:tailEnd type="none" w="med" len="med"/>
+                    </a:lnR>
+                    <a:lnT w="12700" cap="flat" cmpd="sng" algn="ctr">
+                      <a:noFill/>
+                      <a:prstDash val="solid"/>
+                      <a:round/>
+                      <a:headEnd type="none" w="med" len="med"/>
+                      <a:tailEnd type="none" w="med" len="med"/>
+                    </a:lnT>
+                    <a:lnB w="12700" cap="flat" cmpd="sng" algn="ctr">
+                      <a:noFill/>
+                      <a:prstDash val="solid"/>
+                      <a:round/>
+                      <a:headEnd type="none" w="med" len="med"/>
+                      <a:tailEnd type="none" w="med" len="med"/>
+                    </a:lnB>
+                    <a:lnTlToBr w="12700" cmpd="sng">
+                      <a:noFill/>
+                      <a:prstDash val="solid"/>
+                    </a:lnTlToBr>
+                    <a:lnBlToTr w="12700" cmpd="sng">
+                      <a:noFill/>
+                      <a:prstDash val="solid"/>
+                    </a:lnBlToTr>
+                    <a:noFill/>
+                  </a:tcPr>
+                </a:tc>
+                <a:tc>
+                  <a:txBody>
+                    <a:bodyPr/>
+                    <a:lstStyle/>
+                    <a:p>
+                      <a:pPr algn="ctr" latinLnBrk="1"/>
+                      <a:r>
+                        <a:rPr lang="en-US" altLang="ko-KR" sz="1200" b="0" dirty="0">
+                          <a:solidFill>
+                            <a:schemeClr val="tx1"/>
+                          </a:solidFill>
+                        </a:rPr>
+                        <a:t>Kim</a:t>
+                      </a:r>
+                      <a:endParaRPr lang="ko-KR" altLang="en-US" sz="1200" b="0" dirty="0">
+                        <a:solidFill>
+                          <a:schemeClr val="tx1"/>
+                        </a:solidFill>
+                      </a:endParaRPr>
+                    </a:p>
+                  </a:txBody>
+                  <a:tcPr anchor="ctr">
+                    <a:lnL w="12700" cap="flat" cmpd="sng" algn="ctr">
+                      <a:solidFill>
+                        <a:schemeClr val="tx1"/>
+                      </a:solidFill>
+                      <a:prstDash val="solid"/>
+                      <a:round/>
+                      <a:headEnd type="none" w="med" len="med"/>
+                      <a:tailEnd type="none" w="med" len="med"/>
+                    </a:lnL>
+                    <a:lnR w="12700" cap="flat" cmpd="sng" algn="ctr">
+                      <a:solidFill>
+                        <a:schemeClr val="tx1"/>
+                      </a:solidFill>
+                      <a:prstDash val="solid"/>
+                      <a:round/>
+                      <a:headEnd type="none" w="med" len="med"/>
+                      <a:tailEnd type="none" w="med" len="med"/>
+                    </a:lnR>
+                    <a:lnT w="12700" cap="flat" cmpd="sng" algn="ctr">
+                      <a:solidFill>
+                        <a:schemeClr val="tx1"/>
+                      </a:solidFill>
+                      <a:prstDash val="solid"/>
+                      <a:round/>
+                      <a:headEnd type="none" w="med" len="med"/>
+                      <a:tailEnd type="none" w="med" len="med"/>
+                    </a:lnT>
+                    <a:lnB w="12700" cap="flat" cmpd="sng" algn="ctr">
+                      <a:solidFill>
+                        <a:schemeClr val="tx1"/>
+                      </a:solidFill>
+                      <a:prstDash val="solid"/>
+                      <a:round/>
+                      <a:headEnd type="none" w="med" len="med"/>
+                      <a:tailEnd type="none" w="med" len="med"/>
+                    </a:lnB>
+                    <a:lnTlToBr w="12700" cmpd="sng">
+                      <a:noFill/>
+                      <a:prstDash val="solid"/>
+                    </a:lnTlToBr>
+                    <a:lnBlToTr w="12700" cmpd="sng">
+                      <a:noFill/>
+                      <a:prstDash val="solid"/>
+                    </a:lnBlToTr>
+                    <a:noFill/>
+                  </a:tcPr>
+                </a:tc>
+                <a:tc>
+                  <a:txBody>
+                    <a:bodyPr/>
+                    <a:lstStyle/>
+                    <a:p>
+                      <a:pPr algn="ctr" latinLnBrk="1"/>
+                      <a:r>
+                        <a:rPr lang="en-US" altLang="ko-KR" sz="1200" b="0" dirty="0">
+                          <a:solidFill>
+                            <a:schemeClr val="tx1"/>
+                          </a:solidFill>
+                        </a:rPr>
+                        <a:t>data</a:t>
+                      </a:r>
+                      <a:endParaRPr lang="ko-KR" altLang="en-US" sz="1200" b="0" dirty="0">
+                        <a:solidFill>
+                          <a:schemeClr val="tx1"/>
+                        </a:solidFill>
+                      </a:endParaRPr>
+                    </a:p>
+                  </a:txBody>
+                  <a:tcPr anchor="ctr">
+                    <a:lnL w="12700" cap="flat" cmpd="sng" algn="ctr">
+                      <a:solidFill>
+                        <a:schemeClr val="tx1"/>
+                      </a:solidFill>
+                      <a:prstDash val="solid"/>
+                      <a:round/>
+                      <a:headEnd type="none" w="med" len="med"/>
+                      <a:tailEnd type="none" w="med" len="med"/>
+                    </a:lnL>
+                    <a:lnR w="12700" cap="flat" cmpd="sng" algn="ctr">
+                      <a:noFill/>
+                      <a:prstDash val="solid"/>
+                      <a:round/>
+                      <a:headEnd type="none" w="med" len="med"/>
+                      <a:tailEnd type="none" w="med" len="med"/>
+                    </a:lnR>
+                    <a:lnT w="12700" cap="flat" cmpd="sng" algn="ctr">
+                      <a:noFill/>
+                      <a:prstDash val="solid"/>
+                      <a:round/>
+                      <a:headEnd type="none" w="med" len="med"/>
+                      <a:tailEnd type="none" w="med" len="med"/>
+                    </a:lnT>
+                    <a:lnB w="12700" cap="flat" cmpd="sng" algn="ctr">
+                      <a:noFill/>
+                      <a:prstDash val="solid"/>
+                      <a:round/>
+                      <a:headEnd type="none" w="med" len="med"/>
+                      <a:tailEnd type="none" w="med" len="med"/>
+                    </a:lnB>
+                    <a:lnTlToBr w="12700" cmpd="sng">
+                      <a:noFill/>
+                      <a:prstDash val="solid"/>
+                    </a:lnTlToBr>
+                    <a:lnBlToTr w="12700" cmpd="sng">
+                      <a:noFill/>
+                      <a:prstDash val="solid"/>
+                    </a:lnBlToTr>
+                    <a:noFill/>
+                  </a:tcPr>
+                </a:tc>
+                <a:extLst>
+                  <a:ext uri="{0D108BD9-81ED-4DB2-BD59-A6C34878D82A}">
+                    <a16:rowId xmlns:a16="http://schemas.microsoft.com/office/drawing/2014/main" val="170930089"/>
+                  </a:ext>
+                </a:extLst>
+              </a:tr>
+              <a:tr h="370840">
+                <a:tc>
+                  <a:txBody>
+                    <a:bodyPr/>
+                    <a:lstStyle/>
+                    <a:p>
+                      <a:pPr algn="ctr" latinLnBrk="1"/>
+                      <a:endParaRPr lang="ko-KR" altLang="en-US" sz="1200" b="0" dirty="0">
+                        <a:solidFill>
+                          <a:schemeClr val="tx1"/>
+                        </a:solidFill>
+                      </a:endParaRPr>
+                    </a:p>
+                  </a:txBody>
+                  <a:tcPr anchor="ctr">
+                    <a:lnL w="12700" cap="flat" cmpd="sng" algn="ctr">
+                      <a:noFill/>
+                      <a:prstDash val="solid"/>
+                      <a:round/>
+                      <a:headEnd type="none" w="med" len="med"/>
+                      <a:tailEnd type="none" w="med" len="med"/>
+                    </a:lnL>
+                    <a:lnR w="12700" cap="flat" cmpd="sng" algn="ctr">
+                      <a:solidFill>
+                        <a:schemeClr val="tx1"/>
+                      </a:solidFill>
+                      <a:prstDash val="solid"/>
+                      <a:round/>
+                      <a:headEnd type="none" w="med" len="med"/>
+                      <a:tailEnd type="none" w="med" len="med"/>
+                    </a:lnR>
+                    <a:lnT w="12700" cap="flat" cmpd="sng" algn="ctr">
+                      <a:noFill/>
+                      <a:prstDash val="solid"/>
+                      <a:round/>
+                      <a:headEnd type="none" w="med" len="med"/>
+                      <a:tailEnd type="none" w="med" len="med"/>
+                    </a:lnT>
+                    <a:lnB w="12700" cap="flat" cmpd="sng" algn="ctr">
+                      <a:noFill/>
+                      <a:prstDash val="solid"/>
+                      <a:round/>
+                      <a:headEnd type="none" w="med" len="med"/>
+                      <a:tailEnd type="none" w="med" len="med"/>
+                    </a:lnB>
+                    <a:lnTlToBr w="12700" cmpd="sng">
+                      <a:noFill/>
+                      <a:prstDash val="solid"/>
+                    </a:lnTlToBr>
+                    <a:lnBlToTr w="12700" cmpd="sng">
+                      <a:noFill/>
+                      <a:prstDash val="solid"/>
+                    </a:lnBlToTr>
+                    <a:noFill/>
+                  </a:tcPr>
+                </a:tc>
+                <a:tc>
+                  <a:txBody>
+                    <a:bodyPr/>
+                    <a:lstStyle/>
+                    <a:p>
+                      <a:pPr algn="ctr" latinLnBrk="1"/>
+                      <a:r>
+                        <a:rPr lang="en-US" altLang="ko-KR" sz="1200" b="0" dirty="0">
+                          <a:solidFill>
+                            <a:schemeClr val="tx1"/>
+                          </a:solidFill>
+                        </a:rPr>
+                        <a:t>1100</a:t>
+                      </a:r>
+                      <a:endParaRPr lang="ko-KR" altLang="en-US" sz="1200" b="0" dirty="0">
+                        <a:solidFill>
+                          <a:schemeClr val="tx1"/>
+                        </a:solidFill>
+                      </a:endParaRPr>
+                    </a:p>
+                  </a:txBody>
+                  <a:tcPr anchor="ctr">
+                    <a:lnL w="12700" cap="flat" cmpd="sng" algn="ctr">
+                      <a:solidFill>
+                        <a:schemeClr val="tx1"/>
+                      </a:solidFill>
+                      <a:prstDash val="solid"/>
+                      <a:round/>
+                      <a:headEnd type="none" w="med" len="med"/>
+                      <a:tailEnd type="none" w="med" len="med"/>
+                    </a:lnL>
+                    <a:lnR w="12700" cap="flat" cmpd="sng" algn="ctr">
+                      <a:solidFill>
+                        <a:schemeClr val="tx1"/>
+                      </a:solidFill>
+                      <a:prstDash val="solid"/>
+                      <a:round/>
+                      <a:headEnd type="none" w="med" len="med"/>
+                      <a:tailEnd type="none" w="med" len="med"/>
+                    </a:lnR>
+                    <a:lnT w="12700" cap="flat" cmpd="sng" algn="ctr">
+                      <a:solidFill>
+                        <a:schemeClr val="tx1"/>
+                      </a:solidFill>
+                      <a:prstDash val="solid"/>
+                      <a:round/>
+                      <a:headEnd type="none" w="med" len="med"/>
+                      <a:tailEnd type="none" w="med" len="med"/>
+                    </a:lnT>
+                    <a:lnB w="12700" cap="flat" cmpd="sng" algn="ctr">
+                      <a:solidFill>
+                        <a:schemeClr val="tx1"/>
+                      </a:solidFill>
+                      <a:prstDash val="solid"/>
+                      <a:round/>
+                      <a:headEnd type="none" w="med" len="med"/>
+                      <a:tailEnd type="none" w="med" len="med"/>
+                    </a:lnB>
+                    <a:lnTlToBr w="12700" cmpd="sng">
+                      <a:noFill/>
+                      <a:prstDash val="solid"/>
+                    </a:lnTlToBr>
+                    <a:lnBlToTr w="12700" cmpd="sng">
+                      <a:noFill/>
+                      <a:prstDash val="solid"/>
+                    </a:lnBlToTr>
+                    <a:noFill/>
+                  </a:tcPr>
+                </a:tc>
+                <a:tc>
+                  <a:txBody>
+                    <a:bodyPr/>
+                    <a:lstStyle/>
+                    <a:p>
+                      <a:pPr algn="ctr" latinLnBrk="1"/>
+                      <a:r>
+                        <a:rPr lang="en-US" altLang="ko-KR" sz="1200" b="0" dirty="0">
+                          <a:solidFill>
+                            <a:schemeClr val="tx1"/>
+                          </a:solidFill>
+                        </a:rPr>
+                        <a:t>link</a:t>
+                      </a:r>
+                      <a:endParaRPr lang="ko-KR" altLang="en-US" sz="1200" b="0" dirty="0">
+                        <a:solidFill>
+                          <a:schemeClr val="tx1"/>
+                        </a:solidFill>
+                      </a:endParaRPr>
+                    </a:p>
+                  </a:txBody>
+                  <a:tcPr anchor="ctr">
+                    <a:lnL w="12700" cap="flat" cmpd="sng" algn="ctr">
+                      <a:solidFill>
+                        <a:schemeClr val="tx1"/>
+                      </a:solidFill>
+                      <a:prstDash val="solid"/>
+                      <a:round/>
+                      <a:headEnd type="none" w="med" len="med"/>
+                      <a:tailEnd type="none" w="med" len="med"/>
+                    </a:lnL>
+                    <a:lnR w="12700" cap="flat" cmpd="sng" algn="ctr">
+                      <a:noFill/>
+                      <a:prstDash val="solid"/>
+                      <a:round/>
+                      <a:headEnd type="none" w="med" len="med"/>
+                      <a:tailEnd type="none" w="med" len="med"/>
+                    </a:lnR>
+                    <a:lnT w="12700" cap="flat" cmpd="sng" algn="ctr">
+                      <a:noFill/>
+                      <a:prstDash val="solid"/>
+                      <a:round/>
+                      <a:headEnd type="none" w="med" len="med"/>
+                      <a:tailEnd type="none" w="med" len="med"/>
+                    </a:lnT>
+                    <a:lnB w="12700" cap="flat" cmpd="sng" algn="ctr">
+                      <a:noFill/>
+                      <a:prstDash val="solid"/>
+                      <a:round/>
+                      <a:headEnd type="none" w="med" len="med"/>
+                      <a:tailEnd type="none" w="med" len="med"/>
+                    </a:lnB>
+                    <a:lnTlToBr w="12700" cmpd="sng">
+                      <a:noFill/>
+                      <a:prstDash val="solid"/>
+                    </a:lnTlToBr>
+                    <a:lnBlToTr w="12700" cmpd="sng">
+                      <a:noFill/>
+                      <a:prstDash val="solid"/>
+                    </a:lnBlToTr>
+                    <a:noFill/>
+                  </a:tcPr>
+                </a:tc>
+                <a:extLst>
+                  <a:ext uri="{0D108BD9-81ED-4DB2-BD59-A6C34878D82A}">
+                    <a16:rowId xmlns:a16="http://schemas.microsoft.com/office/drawing/2014/main" val="161262533"/>
+                  </a:ext>
+                </a:extLst>
+              </a:tr>
+              <a:tr h="370840">
+                <a:tc>
+                  <a:txBody>
+                    <a:bodyPr/>
+                    <a:lstStyle/>
+                    <a:p>
+                      <a:pPr algn="ctr" latinLnBrk="1"/>
+                      <a:endParaRPr lang="ko-KR" altLang="en-US" sz="1200" b="0" dirty="0">
+                        <a:solidFill>
+                          <a:schemeClr val="tx1"/>
+                        </a:solidFill>
+                      </a:endParaRPr>
+                    </a:p>
+                  </a:txBody>
+                  <a:tcPr anchor="ctr">
+                    <a:lnL w="12700" cap="flat" cmpd="sng" algn="ctr">
+                      <a:noFill/>
+                      <a:prstDash val="solid"/>
+                      <a:round/>
+                      <a:headEnd type="none" w="med" len="med"/>
+                      <a:tailEnd type="none" w="med" len="med"/>
+                    </a:lnL>
+                    <a:lnR w="12700" cap="flat" cmpd="sng" algn="ctr">
+                      <a:noFill/>
+                      <a:prstDash val="solid"/>
+                      <a:round/>
+                      <a:headEnd type="none" w="med" len="med"/>
+                      <a:tailEnd type="none" w="med" len="med"/>
+                    </a:lnR>
+                    <a:lnT w="12700" cap="flat" cmpd="sng" algn="ctr">
+                      <a:noFill/>
+                      <a:prstDash val="solid"/>
+                      <a:round/>
+                      <a:headEnd type="none" w="med" len="med"/>
+                      <a:tailEnd type="none" w="med" len="med"/>
+                    </a:lnT>
+                    <a:lnB w="12700" cap="flat" cmpd="sng" algn="ctr">
+                      <a:noFill/>
+                      <a:prstDash val="solid"/>
+                      <a:round/>
+                      <a:headEnd type="none" w="med" len="med"/>
+                      <a:tailEnd type="none" w="med" len="med"/>
+                    </a:lnB>
+                    <a:lnTlToBr w="12700" cmpd="sng">
+                      <a:noFill/>
+                      <a:prstDash val="solid"/>
+                    </a:lnTlToBr>
+                    <a:lnBlToTr w="12700" cmpd="sng">
+                      <a:noFill/>
+                      <a:prstDash val="solid"/>
+                    </a:lnBlToTr>
+                    <a:noFill/>
+                  </a:tcPr>
+                </a:tc>
+                <a:tc>
+                  <a:txBody>
+                    <a:bodyPr/>
+                    <a:lstStyle/>
+                    <a:p>
+                      <a:pPr algn="ctr" latinLnBrk="1"/>
+                      <a:endParaRPr lang="ko-KR" altLang="en-US" sz="1200" b="0" dirty="0">
+                        <a:solidFill>
+                          <a:schemeClr val="tx1"/>
+                        </a:solidFill>
+                      </a:endParaRPr>
+                    </a:p>
+                  </a:txBody>
+                  <a:tcPr anchor="ctr">
+                    <a:lnL w="12700" cap="flat" cmpd="sng" algn="ctr">
+                      <a:noFill/>
+                      <a:prstDash val="solid"/>
+                      <a:round/>
+                      <a:headEnd type="none" w="med" len="med"/>
+                      <a:tailEnd type="none" w="med" len="med"/>
+                    </a:lnL>
+                    <a:lnR w="12700" cap="flat" cmpd="sng" algn="ctr">
+                      <a:noFill/>
+                      <a:prstDash val="solid"/>
+                      <a:round/>
+                      <a:headEnd type="none" w="med" len="med"/>
+                      <a:tailEnd type="none" w="med" len="med"/>
+                    </a:lnR>
+                    <a:lnT w="12700" cap="flat" cmpd="sng" algn="ctr">
+                      <a:solidFill>
+                        <a:schemeClr val="tx1"/>
+                      </a:solidFill>
+                      <a:prstDash val="solid"/>
+                      <a:round/>
+                      <a:headEnd type="none" w="med" len="med"/>
+                      <a:tailEnd type="none" w="med" len="med"/>
+                    </a:lnT>
+                    <a:lnB w="12700" cap="flat" cmpd="sng" algn="ctr">
+                      <a:solidFill>
+                        <a:schemeClr val="tx1"/>
+                      </a:solidFill>
+                      <a:prstDash val="solid"/>
+                      <a:round/>
+                      <a:headEnd type="none" w="med" len="med"/>
+                      <a:tailEnd type="none" w="med" len="med"/>
+                    </a:lnB>
+                    <a:lnTlToBr w="12700" cmpd="sng">
+                      <a:noFill/>
+                      <a:prstDash val="solid"/>
+                    </a:lnTlToBr>
+                    <a:lnBlToTr w="12700" cmpd="sng">
+                      <a:noFill/>
+                      <a:prstDash val="solid"/>
+                    </a:lnBlToTr>
+                    <a:noFill/>
+                  </a:tcPr>
+                </a:tc>
+                <a:tc>
+                  <a:txBody>
+                    <a:bodyPr/>
+                    <a:lstStyle/>
+                    <a:p>
+                      <a:pPr algn="ctr" latinLnBrk="1"/>
+                      <a:endParaRPr lang="ko-KR" altLang="en-US" sz="1200" b="0" dirty="0">
+                        <a:solidFill>
+                          <a:schemeClr val="tx1"/>
+                        </a:solidFill>
+                      </a:endParaRPr>
+                    </a:p>
+                  </a:txBody>
+                  <a:tcPr anchor="ctr">
+                    <a:lnL w="12700" cap="flat" cmpd="sng" algn="ctr">
+                      <a:noFill/>
+                      <a:prstDash val="solid"/>
+                      <a:round/>
+                      <a:headEnd type="none" w="med" len="med"/>
+                      <a:tailEnd type="none" w="med" len="med"/>
+                    </a:lnL>
+                    <a:lnR w="12700" cap="flat" cmpd="sng" algn="ctr">
+                      <a:noFill/>
+                      <a:prstDash val="solid"/>
+                      <a:round/>
+                      <a:headEnd type="none" w="med" len="med"/>
+                      <a:tailEnd type="none" w="med" len="med"/>
+                    </a:lnR>
+                    <a:lnT w="12700" cap="flat" cmpd="sng" algn="ctr">
+                      <a:noFill/>
+                      <a:prstDash val="solid"/>
+                      <a:round/>
+                      <a:headEnd type="none" w="med" len="med"/>
+                      <a:tailEnd type="none" w="med" len="med"/>
+                    </a:lnT>
+                    <a:lnB w="12700" cap="flat" cmpd="sng" algn="ctr">
+                      <a:noFill/>
+                      <a:prstDash val="solid"/>
+                      <a:round/>
+                      <a:headEnd type="none" w="med" len="med"/>
+                      <a:tailEnd type="none" w="med" len="med"/>
+                    </a:lnB>
+                    <a:lnTlToBr w="12700" cmpd="sng">
+                      <a:noFill/>
+                      <a:prstDash val="solid"/>
+                    </a:lnTlToBr>
+                    <a:lnBlToTr w="12700" cmpd="sng">
+                      <a:noFill/>
+                      <a:prstDash val="solid"/>
+                    </a:lnBlToTr>
+                    <a:noFill/>
+                  </a:tcPr>
+                </a:tc>
+                <a:extLst>
+                  <a:ext uri="{0D108BD9-81ED-4DB2-BD59-A6C34878D82A}">
+                    <a16:rowId xmlns:a16="http://schemas.microsoft.com/office/drawing/2014/main" val="3852009322"/>
+                  </a:ext>
+                </a:extLst>
+              </a:tr>
+              <a:tr h="370840">
+                <a:tc>
+                  <a:txBody>
+                    <a:bodyPr/>
+                    <a:lstStyle/>
+                    <a:p>
+                      <a:pPr algn="ctr" latinLnBrk="1"/>
+                      <a:r>
+                        <a:rPr lang="en-US" altLang="ko-KR" sz="1200" b="0" dirty="0">
+                          <a:solidFill>
+                            <a:schemeClr val="tx1"/>
+                          </a:solidFill>
+                        </a:rPr>
+                        <a:t>1100</a:t>
+                      </a:r>
+                      <a:endParaRPr lang="ko-KR" altLang="en-US" sz="1200" b="0" dirty="0">
+                        <a:solidFill>
+                          <a:schemeClr val="tx1"/>
+                        </a:solidFill>
+                      </a:endParaRPr>
+                    </a:p>
+                  </a:txBody>
+                  <a:tcPr anchor="ctr">
+                    <a:lnL w="12700" cap="flat" cmpd="sng" algn="ctr">
+                      <a:noFill/>
+                      <a:prstDash val="solid"/>
+                      <a:round/>
+                      <a:headEnd type="none" w="med" len="med"/>
+                      <a:tailEnd type="none" w="med" len="med"/>
+                    </a:lnL>
+                    <a:lnR w="12700" cap="flat" cmpd="sng" algn="ctr">
+                      <a:solidFill>
+                        <a:schemeClr val="tx1"/>
+                      </a:solidFill>
+                      <a:prstDash val="solid"/>
+                      <a:round/>
+                      <a:headEnd type="none" w="med" len="med"/>
+                      <a:tailEnd type="none" w="med" len="med"/>
+                    </a:lnR>
+                    <a:lnT w="12700" cap="flat" cmpd="sng" algn="ctr">
+                      <a:noFill/>
+                      <a:prstDash val="solid"/>
+                      <a:round/>
+                      <a:headEnd type="none" w="med" len="med"/>
+                      <a:tailEnd type="none" w="med" len="med"/>
+                    </a:lnT>
+                    <a:lnB w="12700" cap="flat" cmpd="sng" algn="ctr">
+                      <a:noFill/>
+                      <a:prstDash val="solid"/>
+                      <a:round/>
+                      <a:headEnd type="none" w="med" len="med"/>
+                      <a:tailEnd type="none" w="med" len="med"/>
+                    </a:lnB>
+                    <a:lnTlToBr w="12700" cmpd="sng">
+                      <a:noFill/>
+                      <a:prstDash val="solid"/>
+                    </a:lnTlToBr>
+                    <a:lnBlToTr w="12700" cmpd="sng">
+                      <a:noFill/>
+                      <a:prstDash val="solid"/>
+                    </a:lnBlToTr>
+                    <a:noFill/>
+                  </a:tcPr>
+                </a:tc>
+                <a:tc>
+                  <a:txBody>
+                    <a:bodyPr/>
+                    <a:lstStyle/>
+                    <a:p>
+                      <a:pPr algn="ctr" latinLnBrk="1"/>
+                      <a:r>
+                        <a:rPr lang="en-US" altLang="ko-KR" sz="1200" b="0" dirty="0">
+                          <a:solidFill>
+                            <a:schemeClr val="tx1"/>
+                          </a:solidFill>
+                        </a:rPr>
+                        <a:t>Lee</a:t>
+                      </a:r>
+                      <a:endParaRPr lang="ko-KR" altLang="en-US" sz="1200" b="0" dirty="0">
+                        <a:solidFill>
+                          <a:schemeClr val="tx1"/>
+                        </a:solidFill>
+                      </a:endParaRPr>
+                    </a:p>
+                  </a:txBody>
+                  <a:tcPr anchor="ctr">
+                    <a:lnL w="12700" cap="flat" cmpd="sng" algn="ctr">
+                      <a:solidFill>
+                        <a:schemeClr val="tx1"/>
+                      </a:solidFill>
+                      <a:prstDash val="solid"/>
+                      <a:round/>
+                      <a:headEnd type="none" w="med" len="med"/>
+                      <a:tailEnd type="none" w="med" len="med"/>
+                    </a:lnL>
+                    <a:lnR w="12700" cap="flat" cmpd="sng" algn="ctr">
+                      <a:solidFill>
+                        <a:schemeClr val="tx1"/>
+                      </a:solidFill>
+                      <a:prstDash val="solid"/>
+                      <a:round/>
+                      <a:headEnd type="none" w="med" len="med"/>
+                      <a:tailEnd type="none" w="med" len="med"/>
+                    </a:lnR>
+                    <a:lnT w="12700" cap="flat" cmpd="sng" algn="ctr">
+                      <a:solidFill>
+                        <a:schemeClr val="tx1"/>
+                      </a:solidFill>
+                      <a:prstDash val="solid"/>
+                      <a:round/>
+                      <a:headEnd type="none" w="med" len="med"/>
+                      <a:tailEnd type="none" w="med" len="med"/>
+                    </a:lnT>
+                    <a:lnB w="12700" cap="flat" cmpd="sng" algn="ctr">
+                      <a:solidFill>
+                        <a:schemeClr val="tx1"/>
+                      </a:solidFill>
+                      <a:prstDash val="solid"/>
+                      <a:round/>
+                      <a:headEnd type="none" w="med" len="med"/>
+                      <a:tailEnd type="none" w="med" len="med"/>
+                    </a:lnB>
+                    <a:lnTlToBr w="12700" cmpd="sng">
+                      <a:noFill/>
+                      <a:prstDash val="solid"/>
+                    </a:lnTlToBr>
+                    <a:lnBlToTr w="12700" cmpd="sng">
+                      <a:noFill/>
+                      <a:prstDash val="solid"/>
+                    </a:lnBlToTr>
+                    <a:noFill/>
+                  </a:tcPr>
+                </a:tc>
+                <a:tc>
+                  <a:txBody>
+                    <a:bodyPr/>
+                    <a:lstStyle/>
+                    <a:p>
+                      <a:pPr algn="ctr" latinLnBrk="1"/>
+                      <a:r>
+                        <a:rPr lang="en-US" altLang="ko-KR" sz="1200" b="0" dirty="0">
+                          <a:solidFill>
+                            <a:schemeClr val="tx1"/>
+                          </a:solidFill>
+                        </a:rPr>
+                        <a:t>data</a:t>
+                      </a:r>
+                      <a:endParaRPr lang="ko-KR" altLang="en-US" sz="1200" b="0" dirty="0">
+                        <a:solidFill>
+                          <a:schemeClr val="tx1"/>
+                        </a:solidFill>
+                      </a:endParaRPr>
+                    </a:p>
+                  </a:txBody>
+                  <a:tcPr anchor="ctr">
+                    <a:lnL w="12700" cap="flat" cmpd="sng" algn="ctr">
+                      <a:solidFill>
+                        <a:schemeClr val="tx1"/>
+                      </a:solidFill>
+                      <a:prstDash val="solid"/>
+                      <a:round/>
+                      <a:headEnd type="none" w="med" len="med"/>
+                      <a:tailEnd type="none" w="med" len="med"/>
+                    </a:lnL>
+                    <a:lnR w="12700" cap="flat" cmpd="sng" algn="ctr">
+                      <a:noFill/>
+                      <a:prstDash val="solid"/>
+                      <a:round/>
+                      <a:headEnd type="none" w="med" len="med"/>
+                      <a:tailEnd type="none" w="med" len="med"/>
+                    </a:lnR>
+                    <a:lnT w="12700" cap="flat" cmpd="sng" algn="ctr">
+                      <a:noFill/>
+                      <a:prstDash val="solid"/>
+                      <a:round/>
+                      <a:headEnd type="none" w="med" len="med"/>
+                      <a:tailEnd type="none" w="med" len="med"/>
+                    </a:lnT>
+                    <a:lnB w="12700" cap="flat" cmpd="sng" algn="ctr">
+                      <a:noFill/>
+                      <a:prstDash val="solid"/>
+                      <a:round/>
+                      <a:headEnd type="none" w="med" len="med"/>
+                      <a:tailEnd type="none" w="med" len="med"/>
+                    </a:lnB>
+                    <a:lnTlToBr w="12700" cmpd="sng">
+                      <a:noFill/>
+                      <a:prstDash val="solid"/>
+                    </a:lnTlToBr>
+                    <a:lnBlToTr w="12700" cmpd="sng">
+                      <a:noFill/>
+                      <a:prstDash val="solid"/>
+                    </a:lnBlToTr>
+                    <a:noFill/>
+                  </a:tcPr>
+                </a:tc>
+                <a:extLst>
+                  <a:ext uri="{0D108BD9-81ED-4DB2-BD59-A6C34878D82A}">
+                    <a16:rowId xmlns:a16="http://schemas.microsoft.com/office/drawing/2014/main" val="2740027391"/>
+                  </a:ext>
+                </a:extLst>
+              </a:tr>
+              <a:tr h="370840">
+                <a:tc>
+                  <a:txBody>
+                    <a:bodyPr/>
+                    <a:lstStyle/>
+                    <a:p>
+                      <a:pPr algn="ctr" latinLnBrk="1"/>
+                      <a:endParaRPr lang="ko-KR" altLang="en-US" sz="1200" b="0" dirty="0">
+                        <a:solidFill>
+                          <a:schemeClr val="tx1"/>
+                        </a:solidFill>
+                      </a:endParaRPr>
+                    </a:p>
+                  </a:txBody>
+                  <a:tcPr anchor="ctr">
+                    <a:lnL w="12700" cap="flat" cmpd="sng" algn="ctr">
+                      <a:noFill/>
+                      <a:prstDash val="solid"/>
+                      <a:round/>
+                      <a:headEnd type="none" w="med" len="med"/>
+                      <a:tailEnd type="none" w="med" len="med"/>
+                    </a:lnL>
+                    <a:lnR w="12700" cap="flat" cmpd="sng" algn="ctr">
+                      <a:solidFill>
+                        <a:schemeClr val="tx1"/>
+                      </a:solidFill>
+                      <a:prstDash val="solid"/>
+                      <a:round/>
+                      <a:headEnd type="none" w="med" len="med"/>
+                      <a:tailEnd type="none" w="med" len="med"/>
+                    </a:lnR>
+                    <a:lnT w="12700" cap="flat" cmpd="sng" algn="ctr">
+                      <a:noFill/>
+                      <a:prstDash val="solid"/>
+                      <a:round/>
+                      <a:headEnd type="none" w="med" len="med"/>
+                      <a:tailEnd type="none" w="med" len="med"/>
+                    </a:lnT>
+                    <a:lnB w="12700" cap="flat" cmpd="sng" algn="ctr">
+                      <a:noFill/>
+                      <a:prstDash val="solid"/>
+                      <a:round/>
+                      <a:headEnd type="none" w="med" len="med"/>
+                      <a:tailEnd type="none" w="med" len="med"/>
+                    </a:lnB>
+                    <a:lnTlToBr w="12700" cmpd="sng">
+                      <a:noFill/>
+                      <a:prstDash val="solid"/>
+                    </a:lnTlToBr>
+                    <a:lnBlToTr w="12700" cmpd="sng">
+                      <a:noFill/>
+                      <a:prstDash val="solid"/>
+                    </a:lnBlToTr>
+                    <a:noFill/>
+                  </a:tcPr>
+                </a:tc>
+                <a:tc>
+                  <a:txBody>
+                    <a:bodyPr/>
+                    <a:lstStyle/>
+                    <a:p>
+                      <a:pPr algn="ctr" latinLnBrk="1"/>
+                      <a:r>
+                        <a:rPr lang="en-US" altLang="ko-KR" sz="1200" b="0" dirty="0">
+                          <a:solidFill>
+                            <a:schemeClr val="tx1"/>
+                          </a:solidFill>
+                        </a:rPr>
+                        <a:t>1110</a:t>
+                      </a:r>
+                      <a:endParaRPr lang="ko-KR" altLang="en-US" sz="1200" b="0" dirty="0">
+                        <a:solidFill>
+                          <a:schemeClr val="tx1"/>
+                        </a:solidFill>
+                      </a:endParaRPr>
+                    </a:p>
+                  </a:txBody>
+                  <a:tcPr anchor="ctr">
+                    <a:lnL w="12700" cap="flat" cmpd="sng" algn="ctr">
+                      <a:solidFill>
+                        <a:schemeClr val="tx1"/>
+                      </a:solidFill>
+                      <a:prstDash val="solid"/>
+                      <a:round/>
+                      <a:headEnd type="none" w="med" len="med"/>
+                      <a:tailEnd type="none" w="med" len="med"/>
+                    </a:lnL>
+                    <a:lnR w="12700" cap="flat" cmpd="sng" algn="ctr">
+                      <a:solidFill>
+                        <a:schemeClr val="tx1"/>
+                      </a:solidFill>
+                      <a:prstDash val="solid"/>
+                      <a:round/>
+                      <a:headEnd type="none" w="med" len="med"/>
+                      <a:tailEnd type="none" w="med" len="med"/>
+                    </a:lnR>
+                    <a:lnT w="12700" cap="flat" cmpd="sng" algn="ctr">
+                      <a:solidFill>
+                        <a:schemeClr val="tx1"/>
+                      </a:solidFill>
+                      <a:prstDash val="solid"/>
+                      <a:round/>
+                      <a:headEnd type="none" w="med" len="med"/>
+                      <a:tailEnd type="none" w="med" len="med"/>
+                    </a:lnT>
+                    <a:lnB w="12700" cap="flat" cmpd="sng" algn="ctr">
+                      <a:solidFill>
+                        <a:schemeClr val="tx1"/>
+                      </a:solidFill>
+                      <a:prstDash val="solid"/>
+                      <a:round/>
+                      <a:headEnd type="none" w="med" len="med"/>
+                      <a:tailEnd type="none" w="med" len="med"/>
+                    </a:lnB>
+                    <a:lnTlToBr w="12700" cmpd="sng">
+                      <a:noFill/>
+                      <a:prstDash val="solid"/>
+                    </a:lnTlToBr>
+                    <a:lnBlToTr w="12700" cmpd="sng">
+                      <a:noFill/>
+                      <a:prstDash val="solid"/>
+                    </a:lnBlToTr>
+                    <a:noFill/>
+                  </a:tcPr>
+                </a:tc>
+                <a:tc>
+                  <a:txBody>
+                    <a:bodyPr/>
+                    <a:lstStyle/>
+                    <a:p>
+                      <a:pPr algn="ctr" latinLnBrk="1"/>
+                      <a:r>
+                        <a:rPr lang="en-US" altLang="ko-KR" sz="1200" b="0" dirty="0">
+                          <a:solidFill>
+                            <a:schemeClr val="tx1"/>
+                          </a:solidFill>
+                        </a:rPr>
+                        <a:t>link</a:t>
+                      </a:r>
+                      <a:endParaRPr lang="ko-KR" altLang="en-US" sz="1200" b="0" dirty="0">
+                        <a:solidFill>
+                          <a:schemeClr val="tx1"/>
+                        </a:solidFill>
+                      </a:endParaRPr>
+                    </a:p>
+                  </a:txBody>
+                  <a:tcPr anchor="ctr">
+                    <a:lnL w="12700" cap="flat" cmpd="sng" algn="ctr">
+                      <a:solidFill>
+                        <a:schemeClr val="tx1"/>
+                      </a:solidFill>
+                      <a:prstDash val="solid"/>
+                      <a:round/>
+                      <a:headEnd type="none" w="med" len="med"/>
+                      <a:tailEnd type="none" w="med" len="med"/>
+                    </a:lnL>
+                    <a:lnR w="12700" cap="flat" cmpd="sng" algn="ctr">
+                      <a:noFill/>
+                      <a:prstDash val="solid"/>
+                      <a:round/>
+                      <a:headEnd type="none" w="med" len="med"/>
+                      <a:tailEnd type="none" w="med" len="med"/>
+                    </a:lnR>
+                    <a:lnT w="12700" cap="flat" cmpd="sng" algn="ctr">
+                      <a:noFill/>
+                      <a:prstDash val="solid"/>
+                      <a:round/>
+                      <a:headEnd type="none" w="med" len="med"/>
+                      <a:tailEnd type="none" w="med" len="med"/>
+                    </a:lnT>
+                    <a:lnB w="12700" cap="flat" cmpd="sng" algn="ctr">
+                      <a:noFill/>
+                      <a:prstDash val="solid"/>
+                      <a:round/>
+                      <a:headEnd type="none" w="med" len="med"/>
+                      <a:tailEnd type="none" w="med" len="med"/>
+                    </a:lnB>
+                    <a:lnTlToBr w="12700" cmpd="sng">
+                      <a:noFill/>
+                      <a:prstDash val="solid"/>
+                    </a:lnTlToBr>
+                    <a:lnBlToTr w="12700" cmpd="sng">
+                      <a:noFill/>
+                      <a:prstDash val="solid"/>
+                    </a:lnBlToTr>
+                    <a:noFill/>
+                  </a:tcPr>
+                </a:tc>
+                <a:extLst>
+                  <a:ext uri="{0D108BD9-81ED-4DB2-BD59-A6C34878D82A}">
+                    <a16:rowId xmlns:a16="http://schemas.microsoft.com/office/drawing/2014/main" val="1247784903"/>
+                  </a:ext>
+                </a:extLst>
+              </a:tr>
+              <a:tr h="370840">
+                <a:tc>
+                  <a:txBody>
+                    <a:bodyPr/>
+                    <a:lstStyle/>
+                    <a:p>
+                      <a:pPr algn="ctr" latinLnBrk="1"/>
+                      <a:endParaRPr lang="ko-KR" altLang="en-US" sz="1200" b="0" dirty="0">
+                        <a:solidFill>
+                          <a:schemeClr val="tx1"/>
+                        </a:solidFill>
+                      </a:endParaRPr>
+                    </a:p>
+                  </a:txBody>
+                  <a:tcPr anchor="ctr">
+                    <a:lnL w="12700" cap="flat" cmpd="sng" algn="ctr">
+                      <a:noFill/>
+                      <a:prstDash val="solid"/>
+                      <a:round/>
+                      <a:headEnd type="none" w="med" len="med"/>
+                      <a:tailEnd type="none" w="med" len="med"/>
+                    </a:lnL>
+                    <a:lnR w="12700" cap="flat" cmpd="sng" algn="ctr">
+                      <a:noFill/>
+                      <a:prstDash val="solid"/>
+                      <a:round/>
+                      <a:headEnd type="none" w="med" len="med"/>
+                      <a:tailEnd type="none" w="med" len="med"/>
+                    </a:lnR>
+                    <a:lnT w="12700" cap="flat" cmpd="sng" algn="ctr">
+                      <a:noFill/>
+                      <a:prstDash val="solid"/>
+                      <a:round/>
+                      <a:headEnd type="none" w="med" len="med"/>
+                      <a:tailEnd type="none" w="med" len="med"/>
+                    </a:lnT>
+                    <a:lnB w="12700" cap="flat" cmpd="sng" algn="ctr">
+                      <a:noFill/>
+                      <a:prstDash val="solid"/>
+                      <a:round/>
+                      <a:headEnd type="none" w="med" len="med"/>
+                      <a:tailEnd type="none" w="med" len="med"/>
+                    </a:lnB>
+                    <a:lnTlToBr w="12700" cmpd="sng">
+                      <a:noFill/>
+                      <a:prstDash val="solid"/>
+                    </a:lnTlToBr>
+                    <a:lnBlToTr w="12700" cmpd="sng">
+                      <a:noFill/>
+                      <a:prstDash val="solid"/>
+                    </a:lnBlToTr>
+                    <a:noFill/>
+                  </a:tcPr>
+                </a:tc>
+                <a:tc>
+                  <a:txBody>
+                    <a:bodyPr/>
+                    <a:lstStyle/>
+                    <a:p>
+                      <a:pPr algn="ctr" latinLnBrk="1"/>
+                      <a:endParaRPr lang="ko-KR" altLang="en-US" sz="1200" b="0" dirty="0">
+                        <a:solidFill>
+                          <a:schemeClr val="tx1"/>
+                        </a:solidFill>
+                      </a:endParaRPr>
+                    </a:p>
+                  </a:txBody>
+                  <a:tcPr anchor="ctr">
+                    <a:lnL w="12700" cap="flat" cmpd="sng" algn="ctr">
+                      <a:noFill/>
+                      <a:prstDash val="solid"/>
+                      <a:round/>
+                      <a:headEnd type="none" w="med" len="med"/>
+                      <a:tailEnd type="none" w="med" len="med"/>
+                    </a:lnL>
+                    <a:lnR w="12700" cap="flat" cmpd="sng" algn="ctr">
+                      <a:noFill/>
+                      <a:prstDash val="solid"/>
+                      <a:round/>
+                      <a:headEnd type="none" w="med" len="med"/>
+                      <a:tailEnd type="none" w="med" len="med"/>
+                    </a:lnR>
+                    <a:lnT w="12700" cap="flat" cmpd="sng" algn="ctr">
+                      <a:solidFill>
+                        <a:schemeClr val="tx1"/>
+                      </a:solidFill>
+                      <a:prstDash val="solid"/>
+                      <a:round/>
+                      <a:headEnd type="none" w="med" len="med"/>
+                      <a:tailEnd type="none" w="med" len="med"/>
+                    </a:lnT>
+                    <a:lnB w="12700" cap="flat" cmpd="sng" algn="ctr">
+                      <a:solidFill>
+                        <a:schemeClr val="tx1"/>
+                      </a:solidFill>
+                      <a:prstDash val="solid"/>
+                      <a:round/>
+                      <a:headEnd type="none" w="med" len="med"/>
+                      <a:tailEnd type="none" w="med" len="med"/>
+                    </a:lnB>
+                    <a:lnTlToBr w="12700" cmpd="sng">
+                      <a:noFill/>
+                      <a:prstDash val="solid"/>
+                    </a:lnTlToBr>
+                    <a:lnBlToTr w="12700" cmpd="sng">
+                      <a:noFill/>
+                      <a:prstDash val="solid"/>
+                    </a:lnBlToTr>
+                    <a:noFill/>
+                  </a:tcPr>
+                </a:tc>
+                <a:tc>
+                  <a:txBody>
+                    <a:bodyPr/>
+                    <a:lstStyle/>
+                    <a:p>
+                      <a:pPr algn="ctr" latinLnBrk="1"/>
+                      <a:endParaRPr lang="ko-KR" altLang="en-US" sz="1200" b="0" dirty="0">
+                        <a:solidFill>
+                          <a:schemeClr val="tx1"/>
+                        </a:solidFill>
+                      </a:endParaRPr>
+                    </a:p>
+                  </a:txBody>
+                  <a:tcPr anchor="ctr">
+                    <a:lnL w="12700" cap="flat" cmpd="sng" algn="ctr">
+                      <a:noFill/>
+                      <a:prstDash val="solid"/>
+                      <a:round/>
+                      <a:headEnd type="none" w="med" len="med"/>
+                      <a:tailEnd type="none" w="med" len="med"/>
+                    </a:lnL>
+                    <a:lnR w="12700" cap="flat" cmpd="sng" algn="ctr">
+                      <a:noFill/>
+                      <a:prstDash val="solid"/>
+                      <a:round/>
+                      <a:headEnd type="none" w="med" len="med"/>
+                      <a:tailEnd type="none" w="med" len="med"/>
+                    </a:lnR>
+                    <a:lnT w="12700" cap="flat" cmpd="sng" algn="ctr">
+                      <a:noFill/>
+                      <a:prstDash val="solid"/>
+                      <a:round/>
+                      <a:headEnd type="none" w="med" len="med"/>
+                      <a:tailEnd type="none" w="med" len="med"/>
+                    </a:lnT>
+                    <a:lnB w="12700" cap="flat" cmpd="sng" algn="ctr">
+                      <a:noFill/>
+                      <a:prstDash val="solid"/>
+                      <a:round/>
+                      <a:headEnd type="none" w="med" len="med"/>
+                      <a:tailEnd type="none" w="med" len="med"/>
+                    </a:lnB>
+                    <a:lnTlToBr w="12700" cmpd="sng">
+                      <a:noFill/>
+                      <a:prstDash val="solid"/>
+                    </a:lnTlToBr>
+                    <a:lnBlToTr w="12700" cmpd="sng">
+                      <a:noFill/>
+                      <a:prstDash val="solid"/>
+                    </a:lnBlToTr>
+                    <a:noFill/>
+                  </a:tcPr>
+                </a:tc>
+                <a:extLst>
+                  <a:ext uri="{0D108BD9-81ED-4DB2-BD59-A6C34878D82A}">
+                    <a16:rowId xmlns:a16="http://schemas.microsoft.com/office/drawing/2014/main" val="2435965960"/>
+                  </a:ext>
+                </a:extLst>
+              </a:tr>
+              <a:tr h="370840">
+                <a:tc>
+                  <a:txBody>
+                    <a:bodyPr/>
+                    <a:lstStyle/>
+                    <a:p>
+                      <a:pPr algn="ctr" latinLnBrk="1"/>
+                      <a:r>
+                        <a:rPr lang="en-US" altLang="ko-KR" sz="1200" b="0" dirty="0">
+                          <a:solidFill>
+                            <a:schemeClr val="tx1"/>
+                          </a:solidFill>
+                        </a:rPr>
+                        <a:t>1110</a:t>
+                      </a:r>
+                      <a:endParaRPr lang="ko-KR" altLang="en-US" sz="1200" b="0" dirty="0">
+                        <a:solidFill>
+                          <a:schemeClr val="tx1"/>
+                        </a:solidFill>
+                      </a:endParaRPr>
+                    </a:p>
+                  </a:txBody>
+                  <a:tcPr anchor="ctr">
+                    <a:lnL w="12700" cap="flat" cmpd="sng" algn="ctr">
+                      <a:noFill/>
+                      <a:prstDash val="solid"/>
+                      <a:round/>
+                      <a:headEnd type="none" w="med" len="med"/>
+                      <a:tailEnd type="none" w="med" len="med"/>
+                    </a:lnL>
+                    <a:lnR w="12700" cap="flat" cmpd="sng" algn="ctr">
+                      <a:solidFill>
+                        <a:schemeClr val="tx1"/>
+                      </a:solidFill>
+                      <a:prstDash val="solid"/>
+                      <a:round/>
+                      <a:headEnd type="none" w="med" len="med"/>
+                      <a:tailEnd type="none" w="med" len="med"/>
+                    </a:lnR>
+                    <a:lnT w="12700" cap="flat" cmpd="sng" algn="ctr">
+                      <a:noFill/>
+                      <a:prstDash val="solid"/>
+                      <a:round/>
+                      <a:headEnd type="none" w="med" len="med"/>
+                      <a:tailEnd type="none" w="med" len="med"/>
+                    </a:lnT>
+                    <a:lnB w="12700" cap="flat" cmpd="sng" algn="ctr">
+                      <a:noFill/>
+                      <a:prstDash val="solid"/>
+                      <a:round/>
+                      <a:headEnd type="none" w="med" len="med"/>
+                      <a:tailEnd type="none" w="med" len="med"/>
+                    </a:lnB>
+                    <a:lnTlToBr w="12700" cmpd="sng">
+                      <a:noFill/>
+                      <a:prstDash val="solid"/>
+                    </a:lnTlToBr>
+                    <a:lnBlToTr w="12700" cmpd="sng">
+                      <a:noFill/>
+                      <a:prstDash val="solid"/>
+                    </a:lnBlToTr>
+                    <a:noFill/>
+                  </a:tcPr>
+                </a:tc>
+                <a:tc>
+                  <a:txBody>
+                    <a:bodyPr/>
+                    <a:lstStyle/>
+                    <a:p>
+                      <a:pPr algn="ctr" latinLnBrk="1"/>
+                      <a:r>
+                        <a:rPr lang="en-US" altLang="ko-KR" sz="1200" b="0" dirty="0">
+                          <a:solidFill>
+                            <a:schemeClr val="tx1"/>
+                          </a:solidFill>
+                        </a:rPr>
+                        <a:t>Park</a:t>
+                      </a:r>
+                      <a:endParaRPr lang="ko-KR" altLang="en-US" sz="1200" b="0" dirty="0">
+                        <a:solidFill>
+                          <a:schemeClr val="tx1"/>
+                        </a:solidFill>
+                      </a:endParaRPr>
+                    </a:p>
+                  </a:txBody>
+                  <a:tcPr anchor="ctr">
+                    <a:lnL w="12700" cap="flat" cmpd="sng" algn="ctr">
+                      <a:solidFill>
+                        <a:schemeClr val="tx1"/>
+                      </a:solidFill>
+                      <a:prstDash val="solid"/>
+                      <a:round/>
+                      <a:headEnd type="none" w="med" len="med"/>
+                      <a:tailEnd type="none" w="med" len="med"/>
+                    </a:lnL>
+                    <a:lnR w="12700" cap="flat" cmpd="sng" algn="ctr">
+                      <a:solidFill>
+                        <a:schemeClr val="tx1"/>
+                      </a:solidFill>
+                      <a:prstDash val="solid"/>
+                      <a:round/>
+                      <a:headEnd type="none" w="med" len="med"/>
+                      <a:tailEnd type="none" w="med" len="med"/>
+                    </a:lnR>
+                    <a:lnT w="12700" cap="flat" cmpd="sng" algn="ctr">
+                      <a:solidFill>
+                        <a:schemeClr val="tx1"/>
+                      </a:solidFill>
+                      <a:prstDash val="solid"/>
+                      <a:round/>
+                      <a:headEnd type="none" w="med" len="med"/>
+                      <a:tailEnd type="none" w="med" len="med"/>
+                    </a:lnT>
+                    <a:lnB w="12700" cap="flat" cmpd="sng" algn="ctr">
+                      <a:solidFill>
+                        <a:schemeClr val="tx1"/>
+                      </a:solidFill>
+                      <a:prstDash val="solid"/>
+                      <a:round/>
+                      <a:headEnd type="none" w="med" len="med"/>
+                      <a:tailEnd type="none" w="med" len="med"/>
+                    </a:lnB>
+                    <a:lnTlToBr w="12700" cmpd="sng">
+                      <a:noFill/>
+                      <a:prstDash val="solid"/>
+                    </a:lnTlToBr>
+                    <a:lnBlToTr w="12700" cmpd="sng">
+                      <a:noFill/>
+                      <a:prstDash val="solid"/>
+                    </a:lnBlToTr>
+                    <a:noFill/>
+                  </a:tcPr>
+                </a:tc>
+                <a:tc>
+                  <a:txBody>
+                    <a:bodyPr/>
+                    <a:lstStyle/>
+                    <a:p>
+                      <a:pPr algn="ctr" latinLnBrk="1"/>
+                      <a:r>
+                        <a:rPr lang="en-US" altLang="ko-KR" sz="1200" b="0" dirty="0">
+                          <a:solidFill>
+                            <a:schemeClr val="tx1"/>
+                          </a:solidFill>
+                        </a:rPr>
+                        <a:t>data</a:t>
+                      </a:r>
+                      <a:endParaRPr lang="ko-KR" altLang="en-US" sz="1200" b="0" dirty="0">
+                        <a:solidFill>
+                          <a:schemeClr val="tx1"/>
+                        </a:solidFill>
+                      </a:endParaRPr>
+                    </a:p>
+                  </a:txBody>
+                  <a:tcPr anchor="ctr">
+                    <a:lnL w="12700" cap="flat" cmpd="sng" algn="ctr">
+                      <a:solidFill>
+                        <a:schemeClr val="tx1"/>
+                      </a:solidFill>
+                      <a:prstDash val="solid"/>
+                      <a:round/>
+                      <a:headEnd type="none" w="med" len="med"/>
+                      <a:tailEnd type="none" w="med" len="med"/>
+                    </a:lnL>
+                    <a:lnR w="12700" cap="flat" cmpd="sng" algn="ctr">
+                      <a:noFill/>
+                      <a:prstDash val="solid"/>
+                      <a:round/>
+                      <a:headEnd type="none" w="med" len="med"/>
+                      <a:tailEnd type="none" w="med" len="med"/>
+                    </a:lnR>
+                    <a:lnT w="12700" cap="flat" cmpd="sng" algn="ctr">
+                      <a:noFill/>
+                      <a:prstDash val="solid"/>
+                      <a:round/>
+                      <a:headEnd type="none" w="med" len="med"/>
+                      <a:tailEnd type="none" w="med" len="med"/>
+                    </a:lnT>
+                    <a:lnB w="12700" cap="flat" cmpd="sng" algn="ctr">
+                      <a:noFill/>
+                      <a:prstDash val="solid"/>
+                      <a:round/>
+                      <a:headEnd type="none" w="med" len="med"/>
+                      <a:tailEnd type="none" w="med" len="med"/>
+                    </a:lnB>
+                    <a:lnTlToBr w="12700" cmpd="sng">
+                      <a:noFill/>
+                      <a:prstDash val="solid"/>
+                    </a:lnTlToBr>
+                    <a:lnBlToTr w="12700" cmpd="sng">
+                      <a:noFill/>
+                      <a:prstDash val="solid"/>
+                    </a:lnBlToTr>
+                    <a:noFill/>
+                  </a:tcPr>
+                </a:tc>
+                <a:extLst>
+                  <a:ext uri="{0D108BD9-81ED-4DB2-BD59-A6C34878D82A}">
+                    <a16:rowId xmlns:a16="http://schemas.microsoft.com/office/drawing/2014/main" val="2419313152"/>
+                  </a:ext>
+                </a:extLst>
+              </a:tr>
+              <a:tr h="370840">
+                <a:tc>
+                  <a:txBody>
+                    <a:bodyPr/>
+                    <a:lstStyle/>
+                    <a:p>
+                      <a:pPr algn="ctr" latinLnBrk="1"/>
+                      <a:endParaRPr lang="ko-KR" altLang="en-US" sz="1200" b="0" dirty="0">
+                        <a:solidFill>
+                          <a:schemeClr val="tx1"/>
+                        </a:solidFill>
+                      </a:endParaRPr>
+                    </a:p>
+                  </a:txBody>
+                  <a:tcPr anchor="ctr">
+                    <a:lnL w="12700" cap="flat" cmpd="sng" algn="ctr">
+                      <a:noFill/>
+                      <a:prstDash val="solid"/>
+                      <a:round/>
+                      <a:headEnd type="none" w="med" len="med"/>
+                      <a:tailEnd type="none" w="med" len="med"/>
+                    </a:lnL>
+                    <a:lnR w="12700" cap="flat" cmpd="sng" algn="ctr">
+                      <a:solidFill>
+                        <a:schemeClr val="tx1"/>
+                      </a:solidFill>
+                      <a:prstDash val="solid"/>
+                      <a:round/>
+                      <a:headEnd type="none" w="med" len="med"/>
+                      <a:tailEnd type="none" w="med" len="med"/>
+                    </a:lnR>
+                    <a:lnT w="12700" cap="flat" cmpd="sng" algn="ctr">
+                      <a:noFill/>
+                      <a:prstDash val="solid"/>
+                      <a:round/>
+                      <a:headEnd type="none" w="med" len="med"/>
+                      <a:tailEnd type="none" w="med" len="med"/>
+                    </a:lnT>
+                    <a:lnB w="12700" cap="flat" cmpd="sng" algn="ctr">
+                      <a:noFill/>
+                      <a:prstDash val="solid"/>
+                      <a:round/>
+                      <a:headEnd type="none" w="med" len="med"/>
+                      <a:tailEnd type="none" w="med" len="med"/>
+                    </a:lnB>
+                    <a:lnTlToBr w="12700" cmpd="sng">
+                      <a:noFill/>
+                      <a:prstDash val="solid"/>
+                    </a:lnTlToBr>
+                    <a:lnBlToTr w="12700" cmpd="sng">
+                      <a:noFill/>
+                      <a:prstDash val="solid"/>
+                    </a:lnBlToTr>
+                    <a:noFill/>
+                  </a:tcPr>
+                </a:tc>
+                <a:tc>
+                  <a:txBody>
+                    <a:bodyPr/>
+                    <a:lstStyle/>
+                    <a:p>
+                      <a:pPr algn="ctr" latinLnBrk="1"/>
+                      <a:r>
+                        <a:rPr lang="en-US" altLang="ko-KR" sz="1200" b="0" dirty="0">
+                          <a:solidFill>
+                            <a:schemeClr val="tx1"/>
+                          </a:solidFill>
+                        </a:rPr>
+                        <a:t>1120</a:t>
+                      </a:r>
+                      <a:endParaRPr lang="ko-KR" altLang="en-US" sz="1200" b="0" dirty="0">
+                        <a:solidFill>
+                          <a:schemeClr val="tx1"/>
+                        </a:solidFill>
+                      </a:endParaRPr>
+                    </a:p>
+                  </a:txBody>
+                  <a:tcPr anchor="ctr">
+                    <a:lnL w="12700" cap="flat" cmpd="sng" algn="ctr">
+                      <a:solidFill>
+                        <a:schemeClr val="tx1"/>
+                      </a:solidFill>
+                      <a:prstDash val="solid"/>
+                      <a:round/>
+                      <a:headEnd type="none" w="med" len="med"/>
+                      <a:tailEnd type="none" w="med" len="med"/>
+                    </a:lnL>
+                    <a:lnR w="12700" cap="flat" cmpd="sng" algn="ctr">
+                      <a:solidFill>
+                        <a:schemeClr val="tx1"/>
+                      </a:solidFill>
+                      <a:prstDash val="solid"/>
+                      <a:round/>
+                      <a:headEnd type="none" w="med" len="med"/>
+                      <a:tailEnd type="none" w="med" len="med"/>
+                    </a:lnR>
+                    <a:lnT w="12700" cap="flat" cmpd="sng" algn="ctr">
+                      <a:solidFill>
+                        <a:schemeClr val="tx1"/>
+                      </a:solidFill>
+                      <a:prstDash val="solid"/>
+                      <a:round/>
+                      <a:headEnd type="none" w="med" len="med"/>
+                      <a:tailEnd type="none" w="med" len="med"/>
+                    </a:lnT>
+                    <a:lnB w="12700" cap="flat" cmpd="sng" algn="ctr">
+                      <a:solidFill>
+                        <a:schemeClr val="tx1"/>
+                      </a:solidFill>
+                      <a:prstDash val="solid"/>
+                      <a:round/>
+                      <a:headEnd type="none" w="med" len="med"/>
+                      <a:tailEnd type="none" w="med" len="med"/>
+                    </a:lnB>
+                    <a:lnTlToBr w="12700" cmpd="sng">
+                      <a:noFill/>
+                      <a:prstDash val="solid"/>
+                    </a:lnTlToBr>
+                    <a:lnBlToTr w="12700" cmpd="sng">
+                      <a:noFill/>
+                      <a:prstDash val="solid"/>
+                    </a:lnBlToTr>
+                    <a:noFill/>
+                  </a:tcPr>
+                </a:tc>
+                <a:tc>
+                  <a:txBody>
+                    <a:bodyPr/>
+                    <a:lstStyle/>
+                    <a:p>
+                      <a:pPr algn="ctr" latinLnBrk="1"/>
+                      <a:r>
+                        <a:rPr lang="en-US" altLang="ko-KR" sz="1200" b="0" dirty="0">
+                          <a:solidFill>
+                            <a:schemeClr val="tx1"/>
+                          </a:solidFill>
+                        </a:rPr>
+                        <a:t>link</a:t>
+                      </a:r>
+                      <a:endParaRPr lang="ko-KR" altLang="en-US" sz="1200" b="0" dirty="0">
+                        <a:solidFill>
+                          <a:schemeClr val="tx1"/>
+                        </a:solidFill>
+                      </a:endParaRPr>
+                    </a:p>
+                  </a:txBody>
+                  <a:tcPr anchor="ctr">
+                    <a:lnL w="12700" cap="flat" cmpd="sng" algn="ctr">
+                      <a:solidFill>
+                        <a:schemeClr val="tx1"/>
+                      </a:solidFill>
+                      <a:prstDash val="solid"/>
+                      <a:round/>
+                      <a:headEnd type="none" w="med" len="med"/>
+                      <a:tailEnd type="none" w="med" len="med"/>
+                    </a:lnL>
+                    <a:lnR w="12700" cap="flat" cmpd="sng" algn="ctr">
+                      <a:noFill/>
+                      <a:prstDash val="solid"/>
+                      <a:round/>
+                      <a:headEnd type="none" w="med" len="med"/>
+                      <a:tailEnd type="none" w="med" len="med"/>
+                    </a:lnR>
+                    <a:lnT w="12700" cap="flat" cmpd="sng" algn="ctr">
+                      <a:noFill/>
+                      <a:prstDash val="solid"/>
+                      <a:round/>
+                      <a:headEnd type="none" w="med" len="med"/>
+                      <a:tailEnd type="none" w="med" len="med"/>
+                    </a:lnT>
+                    <a:lnB w="12700" cap="flat" cmpd="sng" algn="ctr">
+                      <a:noFill/>
+                      <a:prstDash val="solid"/>
+                      <a:round/>
+                      <a:headEnd type="none" w="med" len="med"/>
+                      <a:tailEnd type="none" w="med" len="med"/>
+                    </a:lnB>
+                    <a:lnTlToBr w="12700" cmpd="sng">
+                      <a:noFill/>
+                      <a:prstDash val="solid"/>
+                    </a:lnTlToBr>
+                    <a:lnBlToTr w="12700" cmpd="sng">
+                      <a:noFill/>
+                      <a:prstDash val="solid"/>
+                    </a:lnBlToTr>
+                    <a:noFill/>
+                  </a:tcPr>
+                </a:tc>
+                <a:extLst>
+                  <a:ext uri="{0D108BD9-81ED-4DB2-BD59-A6C34878D82A}">
+                    <a16:rowId xmlns:a16="http://schemas.microsoft.com/office/drawing/2014/main" val="771994541"/>
+                  </a:ext>
+                </a:extLst>
+              </a:tr>
+              <a:tr h="370840">
+                <a:tc>
+                  <a:txBody>
+                    <a:bodyPr/>
+                    <a:lstStyle/>
+                    <a:p>
+                      <a:pPr algn="ctr" latinLnBrk="1"/>
+                      <a:endParaRPr lang="ko-KR" altLang="en-US" sz="1200" b="0" dirty="0">
+                        <a:solidFill>
+                          <a:schemeClr val="tx1"/>
+                        </a:solidFill>
+                      </a:endParaRPr>
+                    </a:p>
+                  </a:txBody>
+                  <a:tcPr anchor="ctr">
+                    <a:lnL w="12700" cap="flat" cmpd="sng" algn="ctr">
+                      <a:noFill/>
+                      <a:prstDash val="solid"/>
+                      <a:round/>
+                      <a:headEnd type="none" w="med" len="med"/>
+                      <a:tailEnd type="none" w="med" len="med"/>
+                    </a:lnL>
+                    <a:lnR w="12700" cap="flat" cmpd="sng" algn="ctr">
+                      <a:noFill/>
+                      <a:prstDash val="solid"/>
+                      <a:round/>
+                      <a:headEnd type="none" w="med" len="med"/>
+                      <a:tailEnd type="none" w="med" len="med"/>
+                    </a:lnR>
+                    <a:lnT w="12700" cap="flat" cmpd="sng" algn="ctr">
+                      <a:noFill/>
+                      <a:prstDash val="solid"/>
+                      <a:round/>
+                      <a:headEnd type="none" w="med" len="med"/>
+                      <a:tailEnd type="none" w="med" len="med"/>
+                    </a:lnT>
+                    <a:lnB w="12700" cap="flat" cmpd="sng" algn="ctr">
+                      <a:noFill/>
+                      <a:prstDash val="solid"/>
+                      <a:round/>
+                      <a:headEnd type="none" w="med" len="med"/>
+                      <a:tailEnd type="none" w="med" len="med"/>
+                    </a:lnB>
+                    <a:lnTlToBr w="12700" cmpd="sng">
+                      <a:noFill/>
+                      <a:prstDash val="solid"/>
+                    </a:lnTlToBr>
+                    <a:lnBlToTr w="12700" cmpd="sng">
+                      <a:noFill/>
+                      <a:prstDash val="solid"/>
+                    </a:lnBlToTr>
+                    <a:noFill/>
+                  </a:tcPr>
+                </a:tc>
+                <a:tc>
+                  <a:txBody>
+                    <a:bodyPr/>
+                    <a:lstStyle/>
+                    <a:p>
+                      <a:pPr algn="ctr" latinLnBrk="1"/>
+                      <a:endParaRPr lang="ko-KR" altLang="en-US" sz="1200" b="0" dirty="0">
+                        <a:solidFill>
+                          <a:schemeClr val="tx1"/>
+                        </a:solidFill>
+                      </a:endParaRPr>
+                    </a:p>
+                  </a:txBody>
+                  <a:tcPr anchor="ctr">
+                    <a:lnL w="12700" cap="flat" cmpd="sng" algn="ctr">
+                      <a:noFill/>
+                      <a:prstDash val="solid"/>
+                      <a:round/>
+                      <a:headEnd type="none" w="med" len="med"/>
+                      <a:tailEnd type="none" w="med" len="med"/>
+                    </a:lnL>
+                    <a:lnR w="12700" cap="flat" cmpd="sng" algn="ctr">
+                      <a:noFill/>
+                      <a:prstDash val="solid"/>
+                      <a:round/>
+                      <a:headEnd type="none" w="med" len="med"/>
+                      <a:tailEnd type="none" w="med" len="med"/>
+                    </a:lnR>
+                    <a:lnT w="12700" cap="flat" cmpd="sng" algn="ctr">
+                      <a:solidFill>
+                        <a:schemeClr val="tx1"/>
+                      </a:solidFill>
+                      <a:prstDash val="solid"/>
+                      <a:round/>
+                      <a:headEnd type="none" w="med" len="med"/>
+                      <a:tailEnd type="none" w="med" len="med"/>
+                    </a:lnT>
+                    <a:lnB w="12700" cap="flat" cmpd="sng" algn="ctr">
+                      <a:solidFill>
+                        <a:schemeClr val="tx1"/>
+                      </a:solidFill>
+                      <a:prstDash val="solid"/>
+                      <a:round/>
+                      <a:headEnd type="none" w="med" len="med"/>
+                      <a:tailEnd type="none" w="med" len="med"/>
+                    </a:lnB>
+                    <a:lnTlToBr w="12700" cmpd="sng">
+                      <a:noFill/>
+                      <a:prstDash val="solid"/>
+                    </a:lnTlToBr>
+                    <a:lnBlToTr w="12700" cmpd="sng">
+                      <a:noFill/>
+                      <a:prstDash val="solid"/>
+                    </a:lnBlToTr>
+                    <a:noFill/>
+                  </a:tcPr>
+                </a:tc>
+                <a:tc>
+                  <a:txBody>
+                    <a:bodyPr/>
+                    <a:lstStyle/>
+                    <a:p>
+                      <a:pPr algn="ctr" latinLnBrk="1"/>
+                      <a:endParaRPr lang="ko-KR" altLang="en-US" sz="1200" b="0" dirty="0">
+                        <a:solidFill>
+                          <a:schemeClr val="tx1"/>
+                        </a:solidFill>
+                      </a:endParaRPr>
+                    </a:p>
+                  </a:txBody>
+                  <a:tcPr anchor="ctr">
+                    <a:lnL w="12700" cap="flat" cmpd="sng" algn="ctr">
+                      <a:noFill/>
+                      <a:prstDash val="solid"/>
+                      <a:round/>
+                      <a:headEnd type="none" w="med" len="med"/>
+                      <a:tailEnd type="none" w="med" len="med"/>
+                    </a:lnL>
+                    <a:lnR w="12700" cap="flat" cmpd="sng" algn="ctr">
+                      <a:noFill/>
+                      <a:prstDash val="solid"/>
+                      <a:round/>
+                      <a:headEnd type="none" w="med" len="med"/>
+                      <a:tailEnd type="none" w="med" len="med"/>
+                    </a:lnR>
+                    <a:lnT w="12700" cap="flat" cmpd="sng" algn="ctr">
+                      <a:noFill/>
+                      <a:prstDash val="solid"/>
+                      <a:round/>
+                      <a:headEnd type="none" w="med" len="med"/>
+                      <a:tailEnd type="none" w="med" len="med"/>
+                    </a:lnT>
+                    <a:lnB w="12700" cap="flat" cmpd="sng" algn="ctr">
+                      <a:noFill/>
+                      <a:prstDash val="solid"/>
+                      <a:round/>
+                      <a:headEnd type="none" w="med" len="med"/>
+                      <a:tailEnd type="none" w="med" len="med"/>
+                    </a:lnB>
+                    <a:lnTlToBr w="12700" cmpd="sng">
+                      <a:noFill/>
+                      <a:prstDash val="solid"/>
+                    </a:lnTlToBr>
+                    <a:lnBlToTr w="12700" cmpd="sng">
+                      <a:noFill/>
+                      <a:prstDash val="solid"/>
+                    </a:lnBlToTr>
+                    <a:noFill/>
+                  </a:tcPr>
+                </a:tc>
+                <a:extLst>
+                  <a:ext uri="{0D108BD9-81ED-4DB2-BD59-A6C34878D82A}">
+                    <a16:rowId xmlns:a16="http://schemas.microsoft.com/office/drawing/2014/main" val="372597741"/>
+                  </a:ext>
+                </a:extLst>
+              </a:tr>
+              <a:tr h="370840">
+                <a:tc>
+                  <a:txBody>
+                    <a:bodyPr/>
+                    <a:lstStyle/>
+                    <a:p>
+                      <a:pPr algn="ctr" latinLnBrk="1"/>
+                      <a:r>
+                        <a:rPr lang="en-US" altLang="ko-KR" sz="1200" b="0" dirty="0">
+                          <a:solidFill>
+                            <a:schemeClr val="tx1"/>
+                          </a:solidFill>
+                        </a:rPr>
+                        <a:t>1120</a:t>
+                      </a:r>
+                      <a:endParaRPr lang="ko-KR" altLang="en-US" sz="1200" b="0" dirty="0">
+                        <a:solidFill>
+                          <a:schemeClr val="tx1"/>
+                        </a:solidFill>
+                      </a:endParaRPr>
+                    </a:p>
+                  </a:txBody>
+                  <a:tcPr anchor="ctr">
+                    <a:lnL w="12700" cap="flat" cmpd="sng" algn="ctr">
+                      <a:noFill/>
+                      <a:prstDash val="solid"/>
+                      <a:round/>
+                      <a:headEnd type="none" w="med" len="med"/>
+                      <a:tailEnd type="none" w="med" len="med"/>
+                    </a:lnL>
+                    <a:lnR w="12700" cap="flat" cmpd="sng" algn="ctr">
+                      <a:solidFill>
+                        <a:schemeClr val="tx1"/>
+                      </a:solidFill>
+                      <a:prstDash val="solid"/>
+                      <a:round/>
+                      <a:headEnd type="none" w="med" len="med"/>
+                      <a:tailEnd type="none" w="med" len="med"/>
+                    </a:lnR>
+                    <a:lnT w="12700" cap="flat" cmpd="sng" algn="ctr">
+                      <a:noFill/>
+                      <a:prstDash val="solid"/>
+                      <a:round/>
+                      <a:headEnd type="none" w="med" len="med"/>
+                      <a:tailEnd type="none" w="med" len="med"/>
+                    </a:lnT>
+                    <a:lnB w="12700" cap="flat" cmpd="sng" algn="ctr">
+                      <a:noFill/>
+                      <a:prstDash val="solid"/>
+                      <a:round/>
+                      <a:headEnd type="none" w="med" len="med"/>
+                      <a:tailEnd type="none" w="med" len="med"/>
+                    </a:lnB>
+                    <a:lnTlToBr w="12700" cmpd="sng">
+                      <a:noFill/>
+                      <a:prstDash val="solid"/>
+                    </a:lnTlToBr>
+                    <a:lnBlToTr w="12700" cmpd="sng">
+                      <a:noFill/>
+                      <a:prstDash val="solid"/>
+                    </a:lnBlToTr>
+                    <a:noFill/>
+                  </a:tcPr>
+                </a:tc>
+                <a:tc>
+                  <a:txBody>
+                    <a:bodyPr/>
+                    <a:lstStyle/>
+                    <a:p>
+                      <a:pPr algn="ctr" latinLnBrk="1"/>
+                      <a:r>
+                        <a:rPr lang="en-US" altLang="ko-KR" sz="1200" b="0" dirty="0">
+                          <a:solidFill>
+                            <a:schemeClr val="tx1"/>
+                          </a:solidFill>
+                        </a:rPr>
+                        <a:t>Yoo</a:t>
+                      </a:r>
+                      <a:endParaRPr lang="ko-KR" altLang="en-US" sz="1200" b="0" dirty="0">
+                        <a:solidFill>
+                          <a:schemeClr val="tx1"/>
+                        </a:solidFill>
+                      </a:endParaRPr>
+                    </a:p>
+                  </a:txBody>
+                  <a:tcPr anchor="ctr">
+                    <a:lnL w="12700" cap="flat" cmpd="sng" algn="ctr">
+                      <a:solidFill>
+                        <a:schemeClr val="tx1"/>
+                      </a:solidFill>
+                      <a:prstDash val="solid"/>
+                      <a:round/>
+                      <a:headEnd type="none" w="med" len="med"/>
+                      <a:tailEnd type="none" w="med" len="med"/>
+                    </a:lnL>
+                    <a:lnR w="12700" cap="flat" cmpd="sng" algn="ctr">
+                      <a:solidFill>
+                        <a:schemeClr val="tx1"/>
+                      </a:solidFill>
+                      <a:prstDash val="solid"/>
+                      <a:round/>
+                      <a:headEnd type="none" w="med" len="med"/>
+                      <a:tailEnd type="none" w="med" len="med"/>
+                    </a:lnR>
+                    <a:lnT w="12700" cap="flat" cmpd="sng" algn="ctr">
+                      <a:solidFill>
+                        <a:schemeClr val="tx1"/>
+                      </a:solidFill>
+                      <a:prstDash val="solid"/>
+                      <a:round/>
+                      <a:headEnd type="none" w="med" len="med"/>
+                      <a:tailEnd type="none" w="med" len="med"/>
+                    </a:lnT>
+                    <a:lnB w="12700" cap="flat" cmpd="sng" algn="ctr">
+                      <a:solidFill>
+                        <a:schemeClr val="tx1"/>
+                      </a:solidFill>
+                      <a:prstDash val="solid"/>
+                      <a:round/>
+                      <a:headEnd type="none" w="med" len="med"/>
+                      <a:tailEnd type="none" w="med" len="med"/>
+                    </a:lnB>
+                    <a:lnTlToBr w="12700" cmpd="sng">
+                      <a:noFill/>
+                      <a:prstDash val="solid"/>
+                    </a:lnTlToBr>
+                    <a:lnBlToTr w="12700" cmpd="sng">
+                      <a:noFill/>
+                      <a:prstDash val="solid"/>
+                    </a:lnBlToTr>
+                    <a:noFill/>
+                  </a:tcPr>
+                </a:tc>
+                <a:tc>
+                  <a:txBody>
+                    <a:bodyPr/>
+                    <a:lstStyle/>
+                    <a:p>
+                      <a:pPr algn="ctr" latinLnBrk="1"/>
+                      <a:r>
+                        <a:rPr lang="en-US" altLang="ko-KR" sz="1200" b="0" dirty="0">
+                          <a:solidFill>
+                            <a:schemeClr val="tx1"/>
+                          </a:solidFill>
+                        </a:rPr>
+                        <a:t>data</a:t>
+                      </a:r>
+                      <a:endParaRPr lang="ko-KR" altLang="en-US" sz="1200" b="0" dirty="0">
+                        <a:solidFill>
+                          <a:schemeClr val="tx1"/>
+                        </a:solidFill>
+                      </a:endParaRPr>
+                    </a:p>
+                  </a:txBody>
+                  <a:tcPr anchor="ctr">
+                    <a:lnL w="12700" cap="flat" cmpd="sng" algn="ctr">
+                      <a:solidFill>
+                        <a:schemeClr val="tx1"/>
+                      </a:solidFill>
+                      <a:prstDash val="solid"/>
+                      <a:round/>
+                      <a:headEnd type="none" w="med" len="med"/>
+                      <a:tailEnd type="none" w="med" len="med"/>
+                    </a:lnL>
+                    <a:lnR w="12700" cap="flat" cmpd="sng" algn="ctr">
+                      <a:noFill/>
+                      <a:prstDash val="solid"/>
+                      <a:round/>
+                      <a:headEnd type="none" w="med" len="med"/>
+                      <a:tailEnd type="none" w="med" len="med"/>
+                    </a:lnR>
+                    <a:lnT w="12700" cap="flat" cmpd="sng" algn="ctr">
+                      <a:noFill/>
+                      <a:prstDash val="solid"/>
+                      <a:round/>
+                      <a:headEnd type="none" w="med" len="med"/>
+                      <a:tailEnd type="none" w="med" len="med"/>
+                    </a:lnT>
+                    <a:lnB w="12700" cap="flat" cmpd="sng" algn="ctr">
+                      <a:noFill/>
+                      <a:prstDash val="solid"/>
+                      <a:round/>
+                      <a:headEnd type="none" w="med" len="med"/>
+                      <a:tailEnd type="none" w="med" len="med"/>
+                    </a:lnB>
+                    <a:lnTlToBr w="12700" cmpd="sng">
+                      <a:noFill/>
+                      <a:prstDash val="solid"/>
+                    </a:lnTlToBr>
+                    <a:lnBlToTr w="12700" cmpd="sng">
+                      <a:noFill/>
+                      <a:prstDash val="solid"/>
+                    </a:lnBlToTr>
+                    <a:noFill/>
+                  </a:tcPr>
+                </a:tc>
+                <a:extLst>
+                  <a:ext uri="{0D108BD9-81ED-4DB2-BD59-A6C34878D82A}">
+                    <a16:rowId xmlns:a16="http://schemas.microsoft.com/office/drawing/2014/main" val="3100694793"/>
+                  </a:ext>
+                </a:extLst>
+              </a:tr>
+              <a:tr h="370840">
+                <a:tc>
+                  <a:txBody>
+                    <a:bodyPr/>
+                    <a:lstStyle/>
+                    <a:p>
+                      <a:pPr algn="ctr" latinLnBrk="1"/>
+                      <a:endParaRPr lang="ko-KR" altLang="en-US" sz="1200" b="0" dirty="0">
+                        <a:solidFill>
+                          <a:schemeClr val="tx1"/>
+                        </a:solidFill>
+                      </a:endParaRPr>
+                    </a:p>
+                  </a:txBody>
+                  <a:tcPr anchor="ctr">
+                    <a:lnL w="12700" cap="flat" cmpd="sng" algn="ctr">
+                      <a:noFill/>
+                      <a:prstDash val="solid"/>
+                      <a:round/>
+                      <a:headEnd type="none" w="med" len="med"/>
+                      <a:tailEnd type="none" w="med" len="med"/>
+                    </a:lnL>
+                    <a:lnR w="12700" cap="flat" cmpd="sng" algn="ctr">
+                      <a:solidFill>
+                        <a:schemeClr val="tx1"/>
+                      </a:solidFill>
+                      <a:prstDash val="solid"/>
+                      <a:round/>
+                      <a:headEnd type="none" w="med" len="med"/>
+                      <a:tailEnd type="none" w="med" len="med"/>
+                    </a:lnR>
+                    <a:lnT w="12700" cap="flat" cmpd="sng" algn="ctr">
+                      <a:noFill/>
+                      <a:prstDash val="solid"/>
+                      <a:round/>
+                      <a:headEnd type="none" w="med" len="med"/>
+                      <a:tailEnd type="none" w="med" len="med"/>
+                    </a:lnT>
+                    <a:lnB w="12700" cap="flat" cmpd="sng" algn="ctr">
+                      <a:noFill/>
+                      <a:prstDash val="solid"/>
+                      <a:round/>
+                      <a:headEnd type="none" w="med" len="med"/>
+                      <a:tailEnd type="none" w="med" len="med"/>
+                    </a:lnB>
+                    <a:lnTlToBr w="12700" cmpd="sng">
+                      <a:noFill/>
+                      <a:prstDash val="solid"/>
+                    </a:lnTlToBr>
+                    <a:lnBlToTr w="12700" cmpd="sng">
+                      <a:noFill/>
+                      <a:prstDash val="solid"/>
+                    </a:lnBlToTr>
+                    <a:noFill/>
+                  </a:tcPr>
+                </a:tc>
+                <a:tc>
+                  <a:txBody>
+                    <a:bodyPr/>
+                    <a:lstStyle/>
+                    <a:p>
+                      <a:pPr algn="ctr" latinLnBrk="1"/>
+                      <a:r>
+                        <a:rPr lang="en-US" altLang="ko-KR" sz="1200" b="0" dirty="0">
+                          <a:solidFill>
+                            <a:schemeClr val="tx1"/>
+                          </a:solidFill>
+                        </a:rPr>
+                        <a:t>null</a:t>
+                      </a:r>
+                      <a:endParaRPr lang="ko-KR" altLang="en-US" sz="1200" b="0" dirty="0">
+                        <a:solidFill>
+                          <a:schemeClr val="tx1"/>
+                        </a:solidFill>
+                      </a:endParaRPr>
+                    </a:p>
+                  </a:txBody>
+                  <a:tcPr anchor="ctr">
+                    <a:lnL w="12700" cap="flat" cmpd="sng" algn="ctr">
+                      <a:solidFill>
+                        <a:schemeClr val="tx1"/>
+                      </a:solidFill>
+                      <a:prstDash val="solid"/>
+                      <a:round/>
+                      <a:headEnd type="none" w="med" len="med"/>
+                      <a:tailEnd type="none" w="med" len="med"/>
+                    </a:lnL>
+                    <a:lnR w="12700" cap="flat" cmpd="sng" algn="ctr">
+                      <a:solidFill>
+                        <a:schemeClr val="tx1"/>
+                      </a:solidFill>
+                      <a:prstDash val="solid"/>
+                      <a:round/>
+                      <a:headEnd type="none" w="med" len="med"/>
+                      <a:tailEnd type="none" w="med" len="med"/>
+                    </a:lnR>
+                    <a:lnT w="12700" cap="flat" cmpd="sng" algn="ctr">
+                      <a:solidFill>
+                        <a:schemeClr val="tx1"/>
+                      </a:solidFill>
+                      <a:prstDash val="solid"/>
+                      <a:round/>
+                      <a:headEnd type="none" w="med" len="med"/>
+                      <a:tailEnd type="none" w="med" len="med"/>
+                    </a:lnT>
+                    <a:lnB w="12700" cap="flat" cmpd="sng" algn="ctr">
+                      <a:solidFill>
+                        <a:schemeClr val="tx1"/>
+                      </a:solidFill>
+                      <a:prstDash val="solid"/>
+                      <a:round/>
+                      <a:headEnd type="none" w="med" len="med"/>
+                      <a:tailEnd type="none" w="med" len="med"/>
+                    </a:lnB>
+                    <a:lnTlToBr w="12700" cmpd="sng">
+                      <a:noFill/>
+                      <a:prstDash val="solid"/>
+                    </a:lnTlToBr>
+                    <a:lnBlToTr w="12700" cmpd="sng">
+                      <a:noFill/>
+                      <a:prstDash val="solid"/>
+                    </a:lnBlToTr>
+                    <a:noFill/>
+                  </a:tcPr>
+                </a:tc>
+                <a:tc>
+                  <a:txBody>
+                    <a:bodyPr/>
+                    <a:lstStyle/>
+                    <a:p>
+                      <a:pPr algn="ctr" latinLnBrk="1"/>
+                      <a:r>
+                        <a:rPr lang="en-US" altLang="ko-KR" sz="1200" b="0" dirty="0">
+                          <a:solidFill>
+                            <a:schemeClr val="tx1"/>
+                          </a:solidFill>
+                        </a:rPr>
+                        <a:t>link</a:t>
+                      </a:r>
+                      <a:endParaRPr lang="ko-KR" altLang="en-US" sz="1200" b="0" dirty="0">
+                        <a:solidFill>
+                          <a:schemeClr val="tx1"/>
+                        </a:solidFill>
+                      </a:endParaRPr>
+                    </a:p>
+                  </a:txBody>
+                  <a:tcPr anchor="ctr">
+                    <a:lnL w="12700" cap="flat" cmpd="sng" algn="ctr">
+                      <a:solidFill>
+                        <a:schemeClr val="tx1"/>
+                      </a:solidFill>
+                      <a:prstDash val="solid"/>
+                      <a:round/>
+                      <a:headEnd type="none" w="med" len="med"/>
+                      <a:tailEnd type="none" w="med" len="med"/>
+                    </a:lnL>
+                    <a:lnR w="12700" cap="flat" cmpd="sng" algn="ctr">
+                      <a:noFill/>
+                      <a:prstDash val="solid"/>
+                      <a:round/>
+                      <a:headEnd type="none" w="med" len="med"/>
+                      <a:tailEnd type="none" w="med" len="med"/>
+                    </a:lnR>
+                    <a:lnT w="12700" cap="flat" cmpd="sng" algn="ctr">
+                      <a:noFill/>
+                      <a:prstDash val="solid"/>
+                      <a:round/>
+                      <a:headEnd type="none" w="med" len="med"/>
+                      <a:tailEnd type="none" w="med" len="med"/>
+                    </a:lnT>
+                    <a:lnB w="12700" cap="flat" cmpd="sng" algn="ctr">
+                      <a:noFill/>
+                      <a:prstDash val="solid"/>
+                      <a:round/>
+                      <a:headEnd type="none" w="med" len="med"/>
+                      <a:tailEnd type="none" w="med" len="med"/>
+                    </a:lnB>
+                    <a:lnTlToBr w="12700" cmpd="sng">
+                      <a:noFill/>
+                      <a:prstDash val="solid"/>
+                    </a:lnTlToBr>
+                    <a:lnBlToTr w="12700" cmpd="sng">
+                      <a:noFill/>
+                      <a:prstDash val="solid"/>
+                    </a:lnBlToTr>
+                    <a:noFill/>
+                  </a:tcPr>
+                </a:tc>
+                <a:extLst>
+                  <a:ext uri="{0D108BD9-81ED-4DB2-BD59-A6C34878D82A}">
+                    <a16:rowId xmlns:a16="http://schemas.microsoft.com/office/drawing/2014/main" val="2533681751"/>
+                  </a:ext>
+                </a:extLst>
+              </a:tr>
+            </a:tbl>
+          </a:graphicData>
+        </a:graphic>
+      </p:graphicFrame>
+    </p:spTree>
+    <p:extLst>
+      <p:ext uri="{BB962C8B-B14F-4D97-AF65-F5344CB8AC3E}">
+        <p14:creationId xmlns:p14="http://schemas.microsoft.com/office/powerpoint/2010/main" val="587635419"/>
       </p:ext>
     </p:extLst>
   </p:cSld>

--- a/assets/form/matrix.pptx
+++ b/assets/form/matrix.pptx
@@ -11,6 +11,7 @@
     <p:sldId id="258" r:id="rId5"/>
     <p:sldId id="260" r:id="rId6"/>
     <p:sldId id="261" r:id="rId7"/>
+    <p:sldId id="262" r:id="rId8"/>
   </p:sldIdLst>
   <p:sldSz cx="12192000" cy="6858000"/>
   <p:notesSz cx="6858000" cy="9144000"/>
@@ -264,7 +265,7 @@
           <a:p>
             <a:fld id="{C33B33F7-DDCE-4A4A-93D2-3E7ADEC868BC}" type="datetimeFigureOut">
               <a:rPr lang="ko-KR" altLang="en-US" smtClean="0"/>
-              <a:t>2019-07-24</a:t>
+              <a:t>2019-07-29</a:t>
             </a:fld>
             <a:endParaRPr lang="ko-KR" altLang="en-US" dirty="0"/>
           </a:p>
@@ -462,7 +463,7 @@
           <a:p>
             <a:fld id="{C33B33F7-DDCE-4A4A-93D2-3E7ADEC868BC}" type="datetimeFigureOut">
               <a:rPr lang="ko-KR" altLang="en-US" smtClean="0"/>
-              <a:t>2019-07-24</a:t>
+              <a:t>2019-07-29</a:t>
             </a:fld>
             <a:endParaRPr lang="ko-KR" altLang="en-US" dirty="0"/>
           </a:p>
@@ -670,7 +671,7 @@
           <a:p>
             <a:fld id="{C33B33F7-DDCE-4A4A-93D2-3E7ADEC868BC}" type="datetimeFigureOut">
               <a:rPr lang="ko-KR" altLang="en-US" smtClean="0"/>
-              <a:t>2019-07-24</a:t>
+              <a:t>2019-07-29</a:t>
             </a:fld>
             <a:endParaRPr lang="ko-KR" altLang="en-US" dirty="0"/>
           </a:p>
@@ -868,7 +869,7 @@
           <a:p>
             <a:fld id="{C33B33F7-DDCE-4A4A-93D2-3E7ADEC868BC}" type="datetimeFigureOut">
               <a:rPr lang="ko-KR" altLang="en-US" smtClean="0"/>
-              <a:t>2019-07-24</a:t>
+              <a:t>2019-07-29</a:t>
             </a:fld>
             <a:endParaRPr lang="ko-KR" altLang="en-US" dirty="0"/>
           </a:p>
@@ -1143,7 +1144,7 @@
           <a:p>
             <a:fld id="{C33B33F7-DDCE-4A4A-93D2-3E7ADEC868BC}" type="datetimeFigureOut">
               <a:rPr lang="ko-KR" altLang="en-US" smtClean="0"/>
-              <a:t>2019-07-24</a:t>
+              <a:t>2019-07-29</a:t>
             </a:fld>
             <a:endParaRPr lang="ko-KR" altLang="en-US" dirty="0"/>
           </a:p>
@@ -1408,7 +1409,7 @@
           <a:p>
             <a:fld id="{C33B33F7-DDCE-4A4A-93D2-3E7ADEC868BC}" type="datetimeFigureOut">
               <a:rPr lang="ko-KR" altLang="en-US" smtClean="0"/>
-              <a:t>2019-07-24</a:t>
+              <a:t>2019-07-29</a:t>
             </a:fld>
             <a:endParaRPr lang="ko-KR" altLang="en-US" dirty="0"/>
           </a:p>
@@ -1820,7 +1821,7 @@
           <a:p>
             <a:fld id="{C33B33F7-DDCE-4A4A-93D2-3E7ADEC868BC}" type="datetimeFigureOut">
               <a:rPr lang="ko-KR" altLang="en-US" smtClean="0"/>
-              <a:t>2019-07-24</a:t>
+              <a:t>2019-07-29</a:t>
             </a:fld>
             <a:endParaRPr lang="ko-KR" altLang="en-US" dirty="0"/>
           </a:p>
@@ -1961,7 +1962,7 @@
           <a:p>
             <a:fld id="{C33B33F7-DDCE-4A4A-93D2-3E7ADEC868BC}" type="datetimeFigureOut">
               <a:rPr lang="ko-KR" altLang="en-US" smtClean="0"/>
-              <a:t>2019-07-24</a:t>
+              <a:t>2019-07-29</a:t>
             </a:fld>
             <a:endParaRPr lang="ko-KR" altLang="en-US" dirty="0"/>
           </a:p>
@@ -2074,7 +2075,7 @@
           <a:p>
             <a:fld id="{C33B33F7-DDCE-4A4A-93D2-3E7ADEC868BC}" type="datetimeFigureOut">
               <a:rPr lang="ko-KR" altLang="en-US" smtClean="0"/>
-              <a:t>2019-07-24</a:t>
+              <a:t>2019-07-29</a:t>
             </a:fld>
             <a:endParaRPr lang="ko-KR" altLang="en-US" dirty="0"/>
           </a:p>
@@ -2385,7 +2386,7 @@
           <a:p>
             <a:fld id="{C33B33F7-DDCE-4A4A-93D2-3E7ADEC868BC}" type="datetimeFigureOut">
               <a:rPr lang="ko-KR" altLang="en-US" smtClean="0"/>
-              <a:t>2019-07-24</a:t>
+              <a:t>2019-07-29</a:t>
             </a:fld>
             <a:endParaRPr lang="ko-KR" altLang="en-US" dirty="0"/>
           </a:p>
@@ -2673,7 +2674,7 @@
           <a:p>
             <a:fld id="{C33B33F7-DDCE-4A4A-93D2-3E7ADEC868BC}" type="datetimeFigureOut">
               <a:rPr lang="ko-KR" altLang="en-US" smtClean="0"/>
-              <a:t>2019-07-24</a:t>
+              <a:t>2019-07-29</a:t>
             </a:fld>
             <a:endParaRPr lang="ko-KR" altLang="en-US" dirty="0"/>
           </a:p>
@@ -2914,7 +2915,7 @@
           <a:p>
             <a:fld id="{C33B33F7-DDCE-4A4A-93D2-3E7ADEC868BC}" type="datetimeFigureOut">
               <a:rPr lang="ko-KR" altLang="en-US" smtClean="0"/>
-              <a:t>2019-07-24</a:t>
+              <a:t>2019-07-29</a:t>
             </a:fld>
             <a:endParaRPr lang="ko-KR" altLang="en-US" dirty="0"/>
           </a:p>
@@ -27443,6 +27444,5244 @@
 </p:sld>
 </file>
 
+<file path=ppt/slides/slide7.xml><?xml version="1.0" encoding="utf-8"?>
+<p:sld xmlns:a="http://schemas.openxmlformats.org/drawingml/2006/main" xmlns:r="http://schemas.openxmlformats.org/officeDocument/2006/relationships" xmlns:p="http://schemas.openxmlformats.org/presentationml/2006/main">
+  <p:cSld>
+    <p:spTree>
+      <p:nvGrpSpPr>
+        <p:cNvPr id="1" name=""/>
+        <p:cNvGrpSpPr/>
+        <p:nvPr/>
+      </p:nvGrpSpPr>
+      <p:grpSpPr>
+        <a:xfrm>
+          <a:off x="0" y="0"/>
+          <a:ext cx="0" cy="0"/>
+          <a:chOff x="0" y="0"/>
+          <a:chExt cx="0" cy="0"/>
+        </a:xfrm>
+      </p:grpSpPr>
+      <p:graphicFrame>
+        <p:nvGraphicFramePr>
+          <p:cNvPr id="6" name="표 5">
+            <a:extLst>
+              <a:ext uri="{FF2B5EF4-FFF2-40B4-BE49-F238E27FC236}">
+                <a16:creationId xmlns:a16="http://schemas.microsoft.com/office/drawing/2014/main" id="{985F5352-E07A-4062-A634-819F65A00E57}"/>
+              </a:ext>
+            </a:extLst>
+          </p:cNvPr>
+          <p:cNvGraphicFramePr>
+            <a:graphicFrameLocks noGrp="1"/>
+          </p:cNvGraphicFramePr>
+          <p:nvPr>
+            <p:extLst>
+              <p:ext uri="{D42A27DB-BD31-4B8C-83A1-F6EECF244321}">
+                <p14:modId xmlns:p14="http://schemas.microsoft.com/office/powerpoint/2010/main" val="248976268"/>
+              </p:ext>
+            </p:extLst>
+          </p:nvPr>
+        </p:nvGraphicFramePr>
+        <p:xfrm>
+          <a:off x="5845845" y="3001856"/>
+          <a:ext cx="990724" cy="697230"/>
+        </p:xfrm>
+        <a:graphic>
+          <a:graphicData uri="http://schemas.openxmlformats.org/drawingml/2006/table">
+            <a:tbl>
+              <a:tblPr firstRow="1" bandRow="1">
+                <a:tableStyleId>{5C22544A-7EE6-4342-B048-85BDC9FD1C3A}</a:tableStyleId>
+              </a:tblPr>
+              <a:tblGrid>
+                <a:gridCol w="495362">
+                  <a:extLst>
+                    <a:ext uri="{9D8B030D-6E8A-4147-A177-3AD203B41FA5}">
+                      <a16:colId xmlns:a16="http://schemas.microsoft.com/office/drawing/2014/main" val="1876448761"/>
+                    </a:ext>
+                  </a:extLst>
+                </a:gridCol>
+                <a:gridCol w="495362">
+                  <a:extLst>
+                    <a:ext uri="{9D8B030D-6E8A-4147-A177-3AD203B41FA5}">
+                      <a16:colId xmlns:a16="http://schemas.microsoft.com/office/drawing/2014/main" val="406678734"/>
+                    </a:ext>
+                  </a:extLst>
+                </a:gridCol>
+              </a:tblGrid>
+              <a:tr h="348615">
+                <a:tc>
+                  <a:txBody>
+                    <a:bodyPr/>
+                    <a:lstStyle/>
+                    <a:p>
+                      <a:pPr algn="ctr" latinLnBrk="1"/>
+                      <a:r>
+                        <a:rPr lang="en-US" altLang="ko-KR" sz="1200" b="0" dirty="0">
+                          <a:solidFill>
+                            <a:schemeClr val="tx1"/>
+                          </a:solidFill>
+                        </a:rPr>
+                        <a:t>x</a:t>
+                      </a:r>
+                      <a:endParaRPr lang="ko-KR" altLang="en-US" sz="1200" b="0" dirty="0">
+                        <a:solidFill>
+                          <a:schemeClr val="tx1"/>
+                        </a:solidFill>
+                      </a:endParaRPr>
+                    </a:p>
+                  </a:txBody>
+                  <a:tcPr anchor="ctr">
+                    <a:lnL w="12700" cap="flat" cmpd="sng" algn="ctr">
+                      <a:noFill/>
+                      <a:prstDash val="solid"/>
+                      <a:round/>
+                      <a:headEnd type="none" w="med" len="med"/>
+                      <a:tailEnd type="none" w="med" len="med"/>
+                    </a:lnL>
+                    <a:lnR w="12700" cap="flat" cmpd="sng" algn="ctr">
+                      <a:noFill/>
+                      <a:prstDash val="solid"/>
+                      <a:round/>
+                      <a:headEnd type="none" w="med" len="med"/>
+                      <a:tailEnd type="none" w="med" len="med"/>
+                    </a:lnR>
+                    <a:lnT w="12700" cap="flat" cmpd="sng" algn="ctr">
+                      <a:noFill/>
+                      <a:prstDash val="solid"/>
+                      <a:round/>
+                      <a:headEnd type="none" w="med" len="med"/>
+                      <a:tailEnd type="none" w="med" len="med"/>
+                    </a:lnT>
+                    <a:lnB w="12700" cap="flat" cmpd="sng" algn="ctr">
+                      <a:solidFill>
+                        <a:schemeClr val="tx1"/>
+                      </a:solidFill>
+                      <a:prstDash val="solid"/>
+                      <a:round/>
+                      <a:headEnd type="none" w="med" len="med"/>
+                      <a:tailEnd type="none" w="med" len="med"/>
+                    </a:lnB>
+                    <a:lnTlToBr w="12700" cmpd="sng">
+                      <a:noFill/>
+                      <a:prstDash val="solid"/>
+                    </a:lnTlToBr>
+                    <a:lnBlToTr w="12700" cmpd="sng">
+                      <a:noFill/>
+                      <a:prstDash val="solid"/>
+                    </a:lnBlToTr>
+                    <a:noFill/>
+                  </a:tcPr>
+                </a:tc>
+                <a:tc>
+                  <a:txBody>
+                    <a:bodyPr/>
+                    <a:lstStyle/>
+                    <a:p>
+                      <a:pPr algn="ctr" latinLnBrk="1"/>
+                      <a:r>
+                        <a:rPr lang="en-US" altLang="ko-KR" sz="1200" b="0" dirty="0">
+                          <a:solidFill>
+                            <a:schemeClr val="tx1"/>
+                          </a:solidFill>
+                        </a:rPr>
+                        <a:t>y</a:t>
+                      </a:r>
+                      <a:endParaRPr lang="ko-KR" altLang="en-US" sz="1200" b="0" dirty="0">
+                        <a:solidFill>
+                          <a:schemeClr val="tx1"/>
+                        </a:solidFill>
+                      </a:endParaRPr>
+                    </a:p>
+                  </a:txBody>
+                  <a:tcPr anchor="ctr">
+                    <a:lnL w="12700" cap="flat" cmpd="sng" algn="ctr">
+                      <a:noFill/>
+                      <a:prstDash val="solid"/>
+                      <a:round/>
+                      <a:headEnd type="none" w="med" len="med"/>
+                      <a:tailEnd type="none" w="med" len="med"/>
+                    </a:lnL>
+                    <a:lnR w="12700" cap="flat" cmpd="sng" algn="ctr">
+                      <a:noFill/>
+                      <a:prstDash val="solid"/>
+                      <a:round/>
+                      <a:headEnd type="none" w="med" len="med"/>
+                      <a:tailEnd type="none" w="med" len="med"/>
+                    </a:lnR>
+                    <a:lnT w="12700" cap="flat" cmpd="sng" algn="ctr">
+                      <a:noFill/>
+                      <a:prstDash val="solid"/>
+                      <a:round/>
+                      <a:headEnd type="none" w="med" len="med"/>
+                      <a:tailEnd type="none" w="med" len="med"/>
+                    </a:lnT>
+                    <a:lnB w="12700" cap="flat" cmpd="sng" algn="ctr">
+                      <a:solidFill>
+                        <a:schemeClr val="tx1"/>
+                      </a:solidFill>
+                      <a:prstDash val="solid"/>
+                      <a:round/>
+                      <a:headEnd type="none" w="med" len="med"/>
+                      <a:tailEnd type="none" w="med" len="med"/>
+                    </a:lnB>
+                    <a:lnTlToBr w="12700" cmpd="sng">
+                      <a:noFill/>
+                      <a:prstDash val="solid"/>
+                    </a:lnTlToBr>
+                    <a:lnBlToTr w="12700" cmpd="sng">
+                      <a:noFill/>
+                      <a:prstDash val="solid"/>
+                    </a:lnBlToTr>
+                    <a:noFill/>
+                  </a:tcPr>
+                </a:tc>
+                <a:extLst>
+                  <a:ext uri="{0D108BD9-81ED-4DB2-BD59-A6C34878D82A}">
+                    <a16:rowId xmlns:a16="http://schemas.microsoft.com/office/drawing/2014/main" val="596413071"/>
+                  </a:ext>
+                </a:extLst>
+              </a:tr>
+              <a:tr h="348615">
+                <a:tc>
+                  <a:txBody>
+                    <a:bodyPr/>
+                    <a:lstStyle/>
+                    <a:p>
+                      <a:pPr algn="ctr" latinLnBrk="1"/>
+                      <a:r>
+                        <a:rPr lang="en-US" altLang="ko-KR" sz="1200" b="0" dirty="0">
+                          <a:solidFill>
+                            <a:schemeClr val="tx1"/>
+                          </a:solidFill>
+                        </a:rPr>
+                        <a:t>0</a:t>
+                      </a:r>
+                      <a:endParaRPr lang="ko-KR" altLang="en-US" sz="1200" b="0" dirty="0">
+                        <a:solidFill>
+                          <a:schemeClr val="tx1"/>
+                        </a:solidFill>
+                      </a:endParaRPr>
+                    </a:p>
+                  </a:txBody>
+                  <a:tcPr anchor="ctr">
+                    <a:lnL w="12700" cap="flat" cmpd="sng" algn="ctr">
+                      <a:solidFill>
+                        <a:schemeClr val="tx1"/>
+                      </a:solidFill>
+                      <a:prstDash val="solid"/>
+                      <a:round/>
+                      <a:headEnd type="none" w="med" len="med"/>
+                      <a:tailEnd type="none" w="med" len="med"/>
+                    </a:lnL>
+                    <a:lnR w="12700" cap="flat" cmpd="sng" algn="ctr">
+                      <a:solidFill>
+                        <a:schemeClr val="tx1"/>
+                      </a:solidFill>
+                      <a:prstDash val="solid"/>
+                      <a:round/>
+                      <a:headEnd type="none" w="med" len="med"/>
+                      <a:tailEnd type="none" w="med" len="med"/>
+                    </a:lnR>
+                    <a:lnT w="12700" cap="flat" cmpd="sng" algn="ctr">
+                      <a:solidFill>
+                        <a:schemeClr val="tx1"/>
+                      </a:solidFill>
+                      <a:prstDash val="solid"/>
+                      <a:round/>
+                      <a:headEnd type="none" w="med" len="med"/>
+                      <a:tailEnd type="none" w="med" len="med"/>
+                    </a:lnT>
+                    <a:lnB w="12700" cap="flat" cmpd="sng" algn="ctr">
+                      <a:solidFill>
+                        <a:schemeClr val="tx1"/>
+                      </a:solidFill>
+                      <a:prstDash val="solid"/>
+                      <a:round/>
+                      <a:headEnd type="none" w="med" len="med"/>
+                      <a:tailEnd type="none" w="med" len="med"/>
+                    </a:lnB>
+                    <a:lnTlToBr w="12700" cmpd="sng">
+                      <a:noFill/>
+                      <a:prstDash val="solid"/>
+                    </a:lnTlToBr>
+                    <a:lnBlToTr w="12700" cmpd="sng">
+                      <a:noFill/>
+                      <a:prstDash val="solid"/>
+                    </a:lnBlToTr>
+                    <a:noFill/>
+                  </a:tcPr>
+                </a:tc>
+                <a:tc>
+                  <a:txBody>
+                    <a:bodyPr/>
+                    <a:lstStyle/>
+                    <a:p>
+                      <a:pPr algn="ctr" latinLnBrk="1"/>
+                      <a:r>
+                        <a:rPr lang="en-US" altLang="ko-KR" sz="1200" b="0" dirty="0">
+                          <a:solidFill>
+                            <a:schemeClr val="tx1"/>
+                          </a:solidFill>
+                        </a:rPr>
+                        <a:t>0</a:t>
+                      </a:r>
+                      <a:endParaRPr lang="ko-KR" altLang="en-US" sz="1200" b="0" dirty="0">
+                        <a:solidFill>
+                          <a:schemeClr val="tx1"/>
+                        </a:solidFill>
+                      </a:endParaRPr>
+                    </a:p>
+                  </a:txBody>
+                  <a:tcPr anchor="ctr">
+                    <a:lnL w="12700" cap="flat" cmpd="sng" algn="ctr">
+                      <a:solidFill>
+                        <a:schemeClr val="tx1"/>
+                      </a:solidFill>
+                      <a:prstDash val="solid"/>
+                      <a:round/>
+                      <a:headEnd type="none" w="med" len="med"/>
+                      <a:tailEnd type="none" w="med" len="med"/>
+                    </a:lnL>
+                    <a:lnR w="12700" cap="flat" cmpd="sng" algn="ctr">
+                      <a:solidFill>
+                        <a:schemeClr val="tx1"/>
+                      </a:solidFill>
+                      <a:prstDash val="solid"/>
+                      <a:round/>
+                      <a:headEnd type="none" w="med" len="med"/>
+                      <a:tailEnd type="none" w="med" len="med"/>
+                    </a:lnR>
+                    <a:lnT w="12700" cap="flat" cmpd="sng" algn="ctr">
+                      <a:solidFill>
+                        <a:schemeClr val="tx1"/>
+                      </a:solidFill>
+                      <a:prstDash val="solid"/>
+                      <a:round/>
+                      <a:headEnd type="none" w="med" len="med"/>
+                      <a:tailEnd type="none" w="med" len="med"/>
+                    </a:lnT>
+                    <a:lnB w="12700" cap="flat" cmpd="sng" algn="ctr">
+                      <a:solidFill>
+                        <a:schemeClr val="tx1"/>
+                      </a:solidFill>
+                      <a:prstDash val="solid"/>
+                      <a:round/>
+                      <a:headEnd type="none" w="med" len="med"/>
+                      <a:tailEnd type="none" w="med" len="med"/>
+                    </a:lnB>
+                    <a:lnTlToBr w="12700" cmpd="sng">
+                      <a:noFill/>
+                      <a:prstDash val="solid"/>
+                    </a:lnTlToBr>
+                    <a:lnBlToTr w="12700" cmpd="sng">
+                      <a:noFill/>
+                      <a:prstDash val="solid"/>
+                    </a:lnBlToTr>
+                    <a:noFill/>
+                  </a:tcPr>
+                </a:tc>
+                <a:extLst>
+                  <a:ext uri="{0D108BD9-81ED-4DB2-BD59-A6C34878D82A}">
+                    <a16:rowId xmlns:a16="http://schemas.microsoft.com/office/drawing/2014/main" val="3167644525"/>
+                  </a:ext>
+                </a:extLst>
+              </a:tr>
+            </a:tbl>
+          </a:graphicData>
+        </a:graphic>
+      </p:graphicFrame>
+      <p:graphicFrame>
+        <p:nvGraphicFramePr>
+          <p:cNvPr id="9" name="표 8">
+            <a:extLst>
+              <a:ext uri="{FF2B5EF4-FFF2-40B4-BE49-F238E27FC236}">
+                <a16:creationId xmlns:a16="http://schemas.microsoft.com/office/drawing/2014/main" id="{ED2FF165-E249-4470-86EE-B6A285187014}"/>
+              </a:ext>
+            </a:extLst>
+          </p:cNvPr>
+          <p:cNvGraphicFramePr>
+            <a:graphicFrameLocks noGrp="1"/>
+          </p:cNvGraphicFramePr>
+          <p:nvPr>
+            <p:extLst>
+              <p:ext uri="{D42A27DB-BD31-4B8C-83A1-F6EECF244321}">
+                <p14:modId xmlns:p14="http://schemas.microsoft.com/office/powerpoint/2010/main" val="318216084"/>
+              </p:ext>
+            </p:extLst>
+          </p:nvPr>
+        </p:nvGraphicFramePr>
+        <p:xfrm>
+          <a:off x="4676774" y="3001856"/>
+          <a:ext cx="926432" cy="697230"/>
+        </p:xfrm>
+        <a:graphic>
+          <a:graphicData uri="http://schemas.openxmlformats.org/drawingml/2006/table">
+            <a:tbl>
+              <a:tblPr firstRow="1" bandRow="1">
+                <a:tableStyleId>{5C22544A-7EE6-4342-B048-85BDC9FD1C3A}</a:tableStyleId>
+              </a:tblPr>
+              <a:tblGrid>
+                <a:gridCol w="463216">
+                  <a:extLst>
+                    <a:ext uri="{9D8B030D-6E8A-4147-A177-3AD203B41FA5}">
+                      <a16:colId xmlns:a16="http://schemas.microsoft.com/office/drawing/2014/main" val="1876448761"/>
+                    </a:ext>
+                  </a:extLst>
+                </a:gridCol>
+                <a:gridCol w="463216">
+                  <a:extLst>
+                    <a:ext uri="{9D8B030D-6E8A-4147-A177-3AD203B41FA5}">
+                      <a16:colId xmlns:a16="http://schemas.microsoft.com/office/drawing/2014/main" val="406678734"/>
+                    </a:ext>
+                  </a:extLst>
+                </a:gridCol>
+              </a:tblGrid>
+              <a:tr h="348615">
+                <a:tc>
+                  <a:txBody>
+                    <a:bodyPr/>
+                    <a:lstStyle/>
+                    <a:p>
+                      <a:pPr algn="ctr" latinLnBrk="1"/>
+                      <a:endParaRPr lang="ko-KR" altLang="en-US" sz="1200" b="0" dirty="0">
+                        <a:solidFill>
+                          <a:schemeClr val="tx1"/>
+                        </a:solidFill>
+                      </a:endParaRPr>
+                    </a:p>
+                  </a:txBody>
+                  <a:tcPr anchor="ctr">
+                    <a:lnL w="12700" cap="flat" cmpd="sng" algn="ctr">
+                      <a:noFill/>
+                      <a:prstDash val="solid"/>
+                      <a:round/>
+                      <a:headEnd type="none" w="med" len="med"/>
+                      <a:tailEnd type="none" w="med" len="med"/>
+                    </a:lnL>
+                    <a:lnR w="12700" cap="flat" cmpd="sng" algn="ctr">
+                      <a:noFill/>
+                      <a:prstDash val="solid"/>
+                      <a:round/>
+                      <a:headEnd type="none" w="med" len="med"/>
+                      <a:tailEnd type="none" w="med" len="med"/>
+                    </a:lnR>
+                    <a:lnT w="12700" cap="flat" cmpd="sng" algn="ctr">
+                      <a:noFill/>
+                      <a:prstDash val="solid"/>
+                      <a:round/>
+                      <a:headEnd type="none" w="med" len="med"/>
+                      <a:tailEnd type="none" w="med" len="med"/>
+                    </a:lnT>
+                    <a:lnB w="12700" cap="flat" cmpd="sng" algn="ctr">
+                      <a:noFill/>
+                      <a:prstDash val="solid"/>
+                      <a:round/>
+                      <a:headEnd type="none" w="med" len="med"/>
+                      <a:tailEnd type="none" w="med" len="med"/>
+                    </a:lnB>
+                    <a:lnTlToBr w="12700" cmpd="sng">
+                      <a:noFill/>
+                      <a:prstDash val="solid"/>
+                    </a:lnTlToBr>
+                    <a:lnBlToTr w="12700" cmpd="sng">
+                      <a:noFill/>
+                      <a:prstDash val="solid"/>
+                    </a:lnBlToTr>
+                    <a:noFill/>
+                  </a:tcPr>
+                </a:tc>
+                <a:tc>
+                  <a:txBody>
+                    <a:bodyPr/>
+                    <a:lstStyle/>
+                    <a:p>
+                      <a:pPr algn="ctr" latinLnBrk="1"/>
+                      <a:endParaRPr lang="ko-KR" altLang="en-US" sz="1200" b="0" dirty="0">
+                        <a:solidFill>
+                          <a:schemeClr val="tx1"/>
+                        </a:solidFill>
+                      </a:endParaRPr>
+                    </a:p>
+                  </a:txBody>
+                  <a:tcPr anchor="ctr">
+                    <a:lnL w="12700" cap="flat" cmpd="sng" algn="ctr">
+                      <a:noFill/>
+                      <a:prstDash val="solid"/>
+                      <a:round/>
+                      <a:headEnd type="none" w="med" len="med"/>
+                      <a:tailEnd type="none" w="med" len="med"/>
+                    </a:lnL>
+                    <a:lnR w="12700" cap="flat" cmpd="sng" algn="ctr">
+                      <a:noFill/>
+                      <a:prstDash val="solid"/>
+                      <a:round/>
+                      <a:headEnd type="none" w="med" len="med"/>
+                      <a:tailEnd type="none" w="med" len="med"/>
+                    </a:lnR>
+                    <a:lnT w="12700" cap="flat" cmpd="sng" algn="ctr">
+                      <a:noFill/>
+                      <a:prstDash val="solid"/>
+                      <a:round/>
+                      <a:headEnd type="none" w="med" len="med"/>
+                      <a:tailEnd type="none" w="med" len="med"/>
+                    </a:lnT>
+                    <a:lnB w="12700" cap="flat" cmpd="sng" algn="ctr">
+                      <a:solidFill>
+                        <a:schemeClr val="tx1"/>
+                      </a:solidFill>
+                      <a:prstDash val="solid"/>
+                      <a:round/>
+                      <a:headEnd type="none" w="med" len="med"/>
+                      <a:tailEnd type="none" w="med" len="med"/>
+                    </a:lnB>
+                    <a:lnTlToBr w="12700" cmpd="sng">
+                      <a:noFill/>
+                      <a:prstDash val="solid"/>
+                    </a:lnTlToBr>
+                    <a:lnBlToTr w="12700" cmpd="sng">
+                      <a:noFill/>
+                      <a:prstDash val="solid"/>
+                    </a:lnBlToTr>
+                    <a:noFill/>
+                  </a:tcPr>
+                </a:tc>
+                <a:extLst>
+                  <a:ext uri="{0D108BD9-81ED-4DB2-BD59-A6C34878D82A}">
+                    <a16:rowId xmlns:a16="http://schemas.microsoft.com/office/drawing/2014/main" val="596413071"/>
+                  </a:ext>
+                </a:extLst>
+              </a:tr>
+              <a:tr h="348615">
+                <a:tc>
+                  <a:txBody>
+                    <a:bodyPr/>
+                    <a:lstStyle/>
+                    <a:p>
+                      <a:pPr algn="ctr" latinLnBrk="1"/>
+                      <a:r>
+                        <a:rPr lang="en-US" altLang="ko-KR" sz="1200" b="0" dirty="0">
+                          <a:solidFill>
+                            <a:schemeClr val="tx1"/>
+                          </a:solidFill>
+                        </a:rPr>
+                        <a:t>p1</a:t>
+                      </a:r>
+                      <a:endParaRPr lang="ko-KR" altLang="en-US" sz="1200" b="0" dirty="0">
+                        <a:solidFill>
+                          <a:schemeClr val="tx1"/>
+                        </a:solidFill>
+                      </a:endParaRPr>
+                    </a:p>
+                  </a:txBody>
+                  <a:tcPr anchor="ctr">
+                    <a:lnL w="12700" cap="flat" cmpd="sng" algn="ctr">
+                      <a:noFill/>
+                      <a:prstDash val="solid"/>
+                      <a:round/>
+                      <a:headEnd type="none" w="med" len="med"/>
+                      <a:tailEnd type="none" w="med" len="med"/>
+                    </a:lnL>
+                    <a:lnR w="12700" cap="flat" cmpd="sng" algn="ctr">
+                      <a:solidFill>
+                        <a:schemeClr val="tx1"/>
+                      </a:solidFill>
+                      <a:prstDash val="solid"/>
+                      <a:round/>
+                      <a:headEnd type="none" w="med" len="med"/>
+                      <a:tailEnd type="none" w="med" len="med"/>
+                    </a:lnR>
+                    <a:lnT w="12700" cap="flat" cmpd="sng" algn="ctr">
+                      <a:noFill/>
+                      <a:prstDash val="solid"/>
+                      <a:round/>
+                      <a:headEnd type="none" w="med" len="med"/>
+                      <a:tailEnd type="none" w="med" len="med"/>
+                    </a:lnT>
+                    <a:lnB w="12700" cap="flat" cmpd="sng" algn="ctr">
+                      <a:noFill/>
+                      <a:prstDash val="solid"/>
+                      <a:round/>
+                      <a:headEnd type="none" w="med" len="med"/>
+                      <a:tailEnd type="none" w="med" len="med"/>
+                    </a:lnB>
+                    <a:lnTlToBr w="12700" cmpd="sng">
+                      <a:noFill/>
+                      <a:prstDash val="solid"/>
+                    </a:lnTlToBr>
+                    <a:lnBlToTr w="12700" cmpd="sng">
+                      <a:noFill/>
+                      <a:prstDash val="solid"/>
+                    </a:lnBlToTr>
+                    <a:noFill/>
+                  </a:tcPr>
+                </a:tc>
+                <a:tc>
+                  <a:txBody>
+                    <a:bodyPr/>
+                    <a:lstStyle/>
+                    <a:p>
+                      <a:pPr algn="ctr" latinLnBrk="1"/>
+                      <a:endParaRPr lang="ko-KR" altLang="en-US" sz="1200" b="0" dirty="0">
+                        <a:solidFill>
+                          <a:schemeClr val="tx1"/>
+                        </a:solidFill>
+                      </a:endParaRPr>
+                    </a:p>
+                  </a:txBody>
+                  <a:tcPr anchor="ctr">
+                    <a:lnL w="12700" cap="flat" cmpd="sng" algn="ctr">
+                      <a:solidFill>
+                        <a:schemeClr val="tx1"/>
+                      </a:solidFill>
+                      <a:prstDash val="solid"/>
+                      <a:round/>
+                      <a:headEnd type="none" w="med" len="med"/>
+                      <a:tailEnd type="none" w="med" len="med"/>
+                    </a:lnL>
+                    <a:lnR w="12700" cap="flat" cmpd="sng" algn="ctr">
+                      <a:solidFill>
+                        <a:schemeClr val="tx1"/>
+                      </a:solidFill>
+                      <a:prstDash val="solid"/>
+                      <a:round/>
+                      <a:headEnd type="none" w="med" len="med"/>
+                      <a:tailEnd type="none" w="med" len="med"/>
+                    </a:lnR>
+                    <a:lnT w="12700" cap="flat" cmpd="sng" algn="ctr">
+                      <a:solidFill>
+                        <a:schemeClr val="tx1"/>
+                      </a:solidFill>
+                      <a:prstDash val="solid"/>
+                      <a:round/>
+                      <a:headEnd type="none" w="med" len="med"/>
+                      <a:tailEnd type="none" w="med" len="med"/>
+                    </a:lnT>
+                    <a:lnB w="12700" cap="flat" cmpd="sng" algn="ctr">
+                      <a:solidFill>
+                        <a:schemeClr val="tx1"/>
+                      </a:solidFill>
+                      <a:prstDash val="solid"/>
+                      <a:round/>
+                      <a:headEnd type="none" w="med" len="med"/>
+                      <a:tailEnd type="none" w="med" len="med"/>
+                    </a:lnB>
+                    <a:lnTlToBr w="12700" cmpd="sng">
+                      <a:noFill/>
+                      <a:prstDash val="solid"/>
+                    </a:lnTlToBr>
+                    <a:lnBlToTr w="12700" cmpd="sng">
+                      <a:noFill/>
+                      <a:prstDash val="solid"/>
+                    </a:lnBlToTr>
+                    <a:noFill/>
+                  </a:tcPr>
+                </a:tc>
+                <a:extLst>
+                  <a:ext uri="{0D108BD9-81ED-4DB2-BD59-A6C34878D82A}">
+                    <a16:rowId xmlns:a16="http://schemas.microsoft.com/office/drawing/2014/main" val="3167644525"/>
+                  </a:ext>
+                </a:extLst>
+              </a:tr>
+            </a:tbl>
+          </a:graphicData>
+        </a:graphic>
+      </p:graphicFrame>
+      <p:cxnSp>
+        <p:nvCxnSpPr>
+          <p:cNvPr id="4" name="직선 화살표 연결선 3">
+            <a:extLst>
+              <a:ext uri="{FF2B5EF4-FFF2-40B4-BE49-F238E27FC236}">
+                <a16:creationId xmlns:a16="http://schemas.microsoft.com/office/drawing/2014/main" id="{A5DC6622-2902-4F86-88AD-CAB9D07483BA}"/>
+              </a:ext>
+            </a:extLst>
+          </p:cNvPr>
+          <p:cNvCxnSpPr/>
+          <p:nvPr/>
+        </p:nvCxnSpPr>
+        <p:spPr>
+          <a:xfrm>
+            <a:off x="5603206" y="3505200"/>
+            <a:ext cx="242639" cy="0"/>
+          </a:xfrm>
+          <a:prstGeom prst="straightConnector1">
+            <a:avLst/>
+          </a:prstGeom>
+          <a:ln w="28575">
+            <a:tailEnd type="triangle"/>
+          </a:ln>
+        </p:spPr>
+        <p:style>
+          <a:lnRef idx="1">
+            <a:schemeClr val="dk1"/>
+          </a:lnRef>
+          <a:fillRef idx="0">
+            <a:schemeClr val="dk1"/>
+          </a:fillRef>
+          <a:effectRef idx="0">
+            <a:schemeClr val="dk1"/>
+          </a:effectRef>
+          <a:fontRef idx="minor">
+            <a:schemeClr val="tx1"/>
+          </a:fontRef>
+        </p:style>
+      </p:cxnSp>
+      <p:graphicFrame>
+        <p:nvGraphicFramePr>
+          <p:cNvPr id="23" name="표 22">
+            <a:extLst>
+              <a:ext uri="{FF2B5EF4-FFF2-40B4-BE49-F238E27FC236}">
+                <a16:creationId xmlns:a16="http://schemas.microsoft.com/office/drawing/2014/main" id="{C990870E-CE5D-42AC-B27A-649C820F49BC}"/>
+              </a:ext>
+            </a:extLst>
+          </p:cNvPr>
+          <p:cNvGraphicFramePr>
+            <a:graphicFrameLocks noGrp="1"/>
+          </p:cNvGraphicFramePr>
+          <p:nvPr>
+            <p:extLst>
+              <p:ext uri="{D42A27DB-BD31-4B8C-83A1-F6EECF244321}">
+                <p14:modId xmlns:p14="http://schemas.microsoft.com/office/powerpoint/2010/main" val="960896848"/>
+              </p:ext>
+            </p:extLst>
+          </p:nvPr>
+        </p:nvGraphicFramePr>
+        <p:xfrm>
+          <a:off x="5845845" y="3804285"/>
+          <a:ext cx="990724" cy="697230"/>
+        </p:xfrm>
+        <a:graphic>
+          <a:graphicData uri="http://schemas.openxmlformats.org/drawingml/2006/table">
+            <a:tbl>
+              <a:tblPr firstRow="1" bandRow="1">
+                <a:tableStyleId>{5C22544A-7EE6-4342-B048-85BDC9FD1C3A}</a:tableStyleId>
+              </a:tblPr>
+              <a:tblGrid>
+                <a:gridCol w="495362">
+                  <a:extLst>
+                    <a:ext uri="{9D8B030D-6E8A-4147-A177-3AD203B41FA5}">
+                      <a16:colId xmlns:a16="http://schemas.microsoft.com/office/drawing/2014/main" val="1876448761"/>
+                    </a:ext>
+                  </a:extLst>
+                </a:gridCol>
+                <a:gridCol w="495362">
+                  <a:extLst>
+                    <a:ext uri="{9D8B030D-6E8A-4147-A177-3AD203B41FA5}">
+                      <a16:colId xmlns:a16="http://schemas.microsoft.com/office/drawing/2014/main" val="406678734"/>
+                    </a:ext>
+                  </a:extLst>
+                </a:gridCol>
+              </a:tblGrid>
+              <a:tr h="348615">
+                <a:tc>
+                  <a:txBody>
+                    <a:bodyPr/>
+                    <a:lstStyle/>
+                    <a:p>
+                      <a:pPr algn="ctr" latinLnBrk="1"/>
+                      <a:r>
+                        <a:rPr lang="en-US" altLang="ko-KR" sz="1200" b="0" dirty="0">
+                          <a:solidFill>
+                            <a:schemeClr val="tx1"/>
+                          </a:solidFill>
+                        </a:rPr>
+                        <a:t>x</a:t>
+                      </a:r>
+                      <a:endParaRPr lang="ko-KR" altLang="en-US" sz="1200" b="0" dirty="0">
+                        <a:solidFill>
+                          <a:schemeClr val="tx1"/>
+                        </a:solidFill>
+                      </a:endParaRPr>
+                    </a:p>
+                  </a:txBody>
+                  <a:tcPr anchor="ctr">
+                    <a:lnL w="12700" cap="flat" cmpd="sng" algn="ctr">
+                      <a:noFill/>
+                      <a:prstDash val="solid"/>
+                      <a:round/>
+                      <a:headEnd type="none" w="med" len="med"/>
+                      <a:tailEnd type="none" w="med" len="med"/>
+                    </a:lnL>
+                    <a:lnR w="12700" cap="flat" cmpd="sng" algn="ctr">
+                      <a:noFill/>
+                      <a:prstDash val="solid"/>
+                      <a:round/>
+                      <a:headEnd type="none" w="med" len="med"/>
+                      <a:tailEnd type="none" w="med" len="med"/>
+                    </a:lnR>
+                    <a:lnT w="12700" cap="flat" cmpd="sng" algn="ctr">
+                      <a:noFill/>
+                      <a:prstDash val="solid"/>
+                      <a:round/>
+                      <a:headEnd type="none" w="med" len="med"/>
+                      <a:tailEnd type="none" w="med" len="med"/>
+                    </a:lnT>
+                    <a:lnB w="12700" cap="flat" cmpd="sng" algn="ctr">
+                      <a:solidFill>
+                        <a:schemeClr val="tx1"/>
+                      </a:solidFill>
+                      <a:prstDash val="solid"/>
+                      <a:round/>
+                      <a:headEnd type="none" w="med" len="med"/>
+                      <a:tailEnd type="none" w="med" len="med"/>
+                    </a:lnB>
+                    <a:lnTlToBr w="12700" cmpd="sng">
+                      <a:noFill/>
+                      <a:prstDash val="solid"/>
+                    </a:lnTlToBr>
+                    <a:lnBlToTr w="12700" cmpd="sng">
+                      <a:noFill/>
+                      <a:prstDash val="solid"/>
+                    </a:lnBlToTr>
+                    <a:noFill/>
+                  </a:tcPr>
+                </a:tc>
+                <a:tc>
+                  <a:txBody>
+                    <a:bodyPr/>
+                    <a:lstStyle/>
+                    <a:p>
+                      <a:pPr algn="ctr" latinLnBrk="1"/>
+                      <a:r>
+                        <a:rPr lang="en-US" altLang="ko-KR" sz="1200" b="0" dirty="0">
+                          <a:solidFill>
+                            <a:schemeClr val="tx1"/>
+                          </a:solidFill>
+                        </a:rPr>
+                        <a:t>y</a:t>
+                      </a:r>
+                      <a:endParaRPr lang="ko-KR" altLang="en-US" sz="1200" b="0" dirty="0">
+                        <a:solidFill>
+                          <a:schemeClr val="tx1"/>
+                        </a:solidFill>
+                      </a:endParaRPr>
+                    </a:p>
+                  </a:txBody>
+                  <a:tcPr anchor="ctr">
+                    <a:lnL w="12700" cap="flat" cmpd="sng" algn="ctr">
+                      <a:noFill/>
+                      <a:prstDash val="solid"/>
+                      <a:round/>
+                      <a:headEnd type="none" w="med" len="med"/>
+                      <a:tailEnd type="none" w="med" len="med"/>
+                    </a:lnL>
+                    <a:lnR w="12700" cap="flat" cmpd="sng" algn="ctr">
+                      <a:noFill/>
+                      <a:prstDash val="solid"/>
+                      <a:round/>
+                      <a:headEnd type="none" w="med" len="med"/>
+                      <a:tailEnd type="none" w="med" len="med"/>
+                    </a:lnR>
+                    <a:lnT w="12700" cap="flat" cmpd="sng" algn="ctr">
+                      <a:noFill/>
+                      <a:prstDash val="solid"/>
+                      <a:round/>
+                      <a:headEnd type="none" w="med" len="med"/>
+                      <a:tailEnd type="none" w="med" len="med"/>
+                    </a:lnT>
+                    <a:lnB w="12700" cap="flat" cmpd="sng" algn="ctr">
+                      <a:solidFill>
+                        <a:schemeClr val="tx1"/>
+                      </a:solidFill>
+                      <a:prstDash val="solid"/>
+                      <a:round/>
+                      <a:headEnd type="none" w="med" len="med"/>
+                      <a:tailEnd type="none" w="med" len="med"/>
+                    </a:lnB>
+                    <a:lnTlToBr w="12700" cmpd="sng">
+                      <a:noFill/>
+                      <a:prstDash val="solid"/>
+                    </a:lnTlToBr>
+                    <a:lnBlToTr w="12700" cmpd="sng">
+                      <a:noFill/>
+                      <a:prstDash val="solid"/>
+                    </a:lnBlToTr>
+                    <a:noFill/>
+                  </a:tcPr>
+                </a:tc>
+                <a:extLst>
+                  <a:ext uri="{0D108BD9-81ED-4DB2-BD59-A6C34878D82A}">
+                    <a16:rowId xmlns:a16="http://schemas.microsoft.com/office/drawing/2014/main" val="596413071"/>
+                  </a:ext>
+                </a:extLst>
+              </a:tr>
+              <a:tr h="348615">
+                <a:tc>
+                  <a:txBody>
+                    <a:bodyPr/>
+                    <a:lstStyle/>
+                    <a:p>
+                      <a:pPr algn="ctr" latinLnBrk="1"/>
+                      <a:r>
+                        <a:rPr lang="en-US" altLang="ko-KR" sz="1200" b="0" dirty="0">
+                          <a:solidFill>
+                            <a:schemeClr val="tx1"/>
+                          </a:solidFill>
+                        </a:rPr>
+                        <a:t>0</a:t>
+                      </a:r>
+                      <a:endParaRPr lang="ko-KR" altLang="en-US" sz="1200" b="0" dirty="0">
+                        <a:solidFill>
+                          <a:schemeClr val="tx1"/>
+                        </a:solidFill>
+                      </a:endParaRPr>
+                    </a:p>
+                  </a:txBody>
+                  <a:tcPr anchor="ctr">
+                    <a:lnL w="12700" cap="flat" cmpd="sng" algn="ctr">
+                      <a:solidFill>
+                        <a:schemeClr val="tx1"/>
+                      </a:solidFill>
+                      <a:prstDash val="solid"/>
+                      <a:round/>
+                      <a:headEnd type="none" w="med" len="med"/>
+                      <a:tailEnd type="none" w="med" len="med"/>
+                    </a:lnL>
+                    <a:lnR w="12700" cap="flat" cmpd="sng" algn="ctr">
+                      <a:solidFill>
+                        <a:schemeClr val="tx1"/>
+                      </a:solidFill>
+                      <a:prstDash val="solid"/>
+                      <a:round/>
+                      <a:headEnd type="none" w="med" len="med"/>
+                      <a:tailEnd type="none" w="med" len="med"/>
+                    </a:lnR>
+                    <a:lnT w="12700" cap="flat" cmpd="sng" algn="ctr">
+                      <a:solidFill>
+                        <a:schemeClr val="tx1"/>
+                      </a:solidFill>
+                      <a:prstDash val="solid"/>
+                      <a:round/>
+                      <a:headEnd type="none" w="med" len="med"/>
+                      <a:tailEnd type="none" w="med" len="med"/>
+                    </a:lnT>
+                    <a:lnB w="12700" cap="flat" cmpd="sng" algn="ctr">
+                      <a:solidFill>
+                        <a:schemeClr val="tx1"/>
+                      </a:solidFill>
+                      <a:prstDash val="solid"/>
+                      <a:round/>
+                      <a:headEnd type="none" w="med" len="med"/>
+                      <a:tailEnd type="none" w="med" len="med"/>
+                    </a:lnB>
+                    <a:lnTlToBr w="12700" cmpd="sng">
+                      <a:noFill/>
+                      <a:prstDash val="solid"/>
+                    </a:lnTlToBr>
+                    <a:lnBlToTr w="12700" cmpd="sng">
+                      <a:noFill/>
+                      <a:prstDash val="solid"/>
+                    </a:lnBlToTr>
+                    <a:noFill/>
+                  </a:tcPr>
+                </a:tc>
+                <a:tc>
+                  <a:txBody>
+                    <a:bodyPr/>
+                    <a:lstStyle/>
+                    <a:p>
+                      <a:pPr algn="ctr" latinLnBrk="1"/>
+                      <a:r>
+                        <a:rPr lang="en-US" altLang="ko-KR" sz="1200" b="0" dirty="0">
+                          <a:solidFill>
+                            <a:schemeClr val="tx1"/>
+                          </a:solidFill>
+                        </a:rPr>
+                        <a:t>8</a:t>
+                      </a:r>
+                      <a:endParaRPr lang="ko-KR" altLang="en-US" sz="1200" b="0" dirty="0">
+                        <a:solidFill>
+                          <a:schemeClr val="tx1"/>
+                        </a:solidFill>
+                      </a:endParaRPr>
+                    </a:p>
+                  </a:txBody>
+                  <a:tcPr anchor="ctr">
+                    <a:lnL w="12700" cap="flat" cmpd="sng" algn="ctr">
+                      <a:solidFill>
+                        <a:schemeClr val="tx1"/>
+                      </a:solidFill>
+                      <a:prstDash val="solid"/>
+                      <a:round/>
+                      <a:headEnd type="none" w="med" len="med"/>
+                      <a:tailEnd type="none" w="med" len="med"/>
+                    </a:lnL>
+                    <a:lnR w="12700" cap="flat" cmpd="sng" algn="ctr">
+                      <a:solidFill>
+                        <a:schemeClr val="tx1"/>
+                      </a:solidFill>
+                      <a:prstDash val="solid"/>
+                      <a:round/>
+                      <a:headEnd type="none" w="med" len="med"/>
+                      <a:tailEnd type="none" w="med" len="med"/>
+                    </a:lnR>
+                    <a:lnT w="12700" cap="flat" cmpd="sng" algn="ctr">
+                      <a:solidFill>
+                        <a:schemeClr val="tx1"/>
+                      </a:solidFill>
+                      <a:prstDash val="solid"/>
+                      <a:round/>
+                      <a:headEnd type="none" w="med" len="med"/>
+                      <a:tailEnd type="none" w="med" len="med"/>
+                    </a:lnT>
+                    <a:lnB w="12700" cap="flat" cmpd="sng" algn="ctr">
+                      <a:solidFill>
+                        <a:schemeClr val="tx1"/>
+                      </a:solidFill>
+                      <a:prstDash val="solid"/>
+                      <a:round/>
+                      <a:headEnd type="none" w="med" len="med"/>
+                      <a:tailEnd type="none" w="med" len="med"/>
+                    </a:lnB>
+                    <a:lnTlToBr w="12700" cmpd="sng">
+                      <a:noFill/>
+                      <a:prstDash val="solid"/>
+                    </a:lnTlToBr>
+                    <a:lnBlToTr w="12700" cmpd="sng">
+                      <a:noFill/>
+                      <a:prstDash val="solid"/>
+                    </a:lnBlToTr>
+                    <a:noFill/>
+                  </a:tcPr>
+                </a:tc>
+                <a:extLst>
+                  <a:ext uri="{0D108BD9-81ED-4DB2-BD59-A6C34878D82A}">
+                    <a16:rowId xmlns:a16="http://schemas.microsoft.com/office/drawing/2014/main" val="3167644525"/>
+                  </a:ext>
+                </a:extLst>
+              </a:tr>
+            </a:tbl>
+          </a:graphicData>
+        </a:graphic>
+      </p:graphicFrame>
+      <p:graphicFrame>
+        <p:nvGraphicFramePr>
+          <p:cNvPr id="24" name="표 23">
+            <a:extLst>
+              <a:ext uri="{FF2B5EF4-FFF2-40B4-BE49-F238E27FC236}">
+                <a16:creationId xmlns:a16="http://schemas.microsoft.com/office/drawing/2014/main" id="{C7D1BCFD-3C33-4A6E-8B92-3C2803E1464E}"/>
+              </a:ext>
+            </a:extLst>
+          </p:cNvPr>
+          <p:cNvGraphicFramePr>
+            <a:graphicFrameLocks noGrp="1"/>
+          </p:cNvGraphicFramePr>
+          <p:nvPr>
+            <p:extLst>
+              <p:ext uri="{D42A27DB-BD31-4B8C-83A1-F6EECF244321}">
+                <p14:modId xmlns:p14="http://schemas.microsoft.com/office/powerpoint/2010/main" val="797890941"/>
+              </p:ext>
+            </p:extLst>
+          </p:nvPr>
+        </p:nvGraphicFramePr>
+        <p:xfrm>
+          <a:off x="4676774" y="3804285"/>
+          <a:ext cx="926432" cy="697230"/>
+        </p:xfrm>
+        <a:graphic>
+          <a:graphicData uri="http://schemas.openxmlformats.org/drawingml/2006/table">
+            <a:tbl>
+              <a:tblPr firstRow="1" bandRow="1">
+                <a:tableStyleId>{5C22544A-7EE6-4342-B048-85BDC9FD1C3A}</a:tableStyleId>
+              </a:tblPr>
+              <a:tblGrid>
+                <a:gridCol w="463216">
+                  <a:extLst>
+                    <a:ext uri="{9D8B030D-6E8A-4147-A177-3AD203B41FA5}">
+                      <a16:colId xmlns:a16="http://schemas.microsoft.com/office/drawing/2014/main" val="1876448761"/>
+                    </a:ext>
+                  </a:extLst>
+                </a:gridCol>
+                <a:gridCol w="463216">
+                  <a:extLst>
+                    <a:ext uri="{9D8B030D-6E8A-4147-A177-3AD203B41FA5}">
+                      <a16:colId xmlns:a16="http://schemas.microsoft.com/office/drawing/2014/main" val="406678734"/>
+                    </a:ext>
+                  </a:extLst>
+                </a:gridCol>
+              </a:tblGrid>
+              <a:tr h="348615">
+                <a:tc>
+                  <a:txBody>
+                    <a:bodyPr/>
+                    <a:lstStyle/>
+                    <a:p>
+                      <a:pPr algn="ctr" latinLnBrk="1"/>
+                      <a:endParaRPr lang="ko-KR" altLang="en-US" sz="1200" b="0" dirty="0">
+                        <a:solidFill>
+                          <a:schemeClr val="tx1"/>
+                        </a:solidFill>
+                      </a:endParaRPr>
+                    </a:p>
+                  </a:txBody>
+                  <a:tcPr anchor="ctr">
+                    <a:lnL w="12700" cap="flat" cmpd="sng" algn="ctr">
+                      <a:noFill/>
+                      <a:prstDash val="solid"/>
+                      <a:round/>
+                      <a:headEnd type="none" w="med" len="med"/>
+                      <a:tailEnd type="none" w="med" len="med"/>
+                    </a:lnL>
+                    <a:lnR w="12700" cap="flat" cmpd="sng" algn="ctr">
+                      <a:noFill/>
+                      <a:prstDash val="solid"/>
+                      <a:round/>
+                      <a:headEnd type="none" w="med" len="med"/>
+                      <a:tailEnd type="none" w="med" len="med"/>
+                    </a:lnR>
+                    <a:lnT w="12700" cap="flat" cmpd="sng" algn="ctr">
+                      <a:noFill/>
+                      <a:prstDash val="solid"/>
+                      <a:round/>
+                      <a:headEnd type="none" w="med" len="med"/>
+                      <a:tailEnd type="none" w="med" len="med"/>
+                    </a:lnT>
+                    <a:lnB w="12700" cap="flat" cmpd="sng" algn="ctr">
+                      <a:noFill/>
+                      <a:prstDash val="solid"/>
+                      <a:round/>
+                      <a:headEnd type="none" w="med" len="med"/>
+                      <a:tailEnd type="none" w="med" len="med"/>
+                    </a:lnB>
+                    <a:lnTlToBr w="12700" cmpd="sng">
+                      <a:noFill/>
+                      <a:prstDash val="solid"/>
+                    </a:lnTlToBr>
+                    <a:lnBlToTr w="12700" cmpd="sng">
+                      <a:noFill/>
+                      <a:prstDash val="solid"/>
+                    </a:lnBlToTr>
+                    <a:noFill/>
+                  </a:tcPr>
+                </a:tc>
+                <a:tc>
+                  <a:txBody>
+                    <a:bodyPr/>
+                    <a:lstStyle/>
+                    <a:p>
+                      <a:pPr algn="ctr" latinLnBrk="1"/>
+                      <a:endParaRPr lang="ko-KR" altLang="en-US" sz="1200" b="0" dirty="0">
+                        <a:solidFill>
+                          <a:schemeClr val="tx1"/>
+                        </a:solidFill>
+                      </a:endParaRPr>
+                    </a:p>
+                  </a:txBody>
+                  <a:tcPr anchor="ctr">
+                    <a:lnL w="12700" cap="flat" cmpd="sng" algn="ctr">
+                      <a:noFill/>
+                      <a:prstDash val="solid"/>
+                      <a:round/>
+                      <a:headEnd type="none" w="med" len="med"/>
+                      <a:tailEnd type="none" w="med" len="med"/>
+                    </a:lnL>
+                    <a:lnR w="12700" cap="flat" cmpd="sng" algn="ctr">
+                      <a:noFill/>
+                      <a:prstDash val="solid"/>
+                      <a:round/>
+                      <a:headEnd type="none" w="med" len="med"/>
+                      <a:tailEnd type="none" w="med" len="med"/>
+                    </a:lnR>
+                    <a:lnT w="12700" cap="flat" cmpd="sng" algn="ctr">
+                      <a:noFill/>
+                      <a:prstDash val="solid"/>
+                      <a:round/>
+                      <a:headEnd type="none" w="med" len="med"/>
+                      <a:tailEnd type="none" w="med" len="med"/>
+                    </a:lnT>
+                    <a:lnB w="12700" cap="flat" cmpd="sng" algn="ctr">
+                      <a:solidFill>
+                        <a:schemeClr val="tx1"/>
+                      </a:solidFill>
+                      <a:prstDash val="solid"/>
+                      <a:round/>
+                      <a:headEnd type="none" w="med" len="med"/>
+                      <a:tailEnd type="none" w="med" len="med"/>
+                    </a:lnB>
+                    <a:lnTlToBr w="12700" cmpd="sng">
+                      <a:noFill/>
+                      <a:prstDash val="solid"/>
+                    </a:lnTlToBr>
+                    <a:lnBlToTr w="12700" cmpd="sng">
+                      <a:noFill/>
+                      <a:prstDash val="solid"/>
+                    </a:lnBlToTr>
+                    <a:noFill/>
+                  </a:tcPr>
+                </a:tc>
+                <a:extLst>
+                  <a:ext uri="{0D108BD9-81ED-4DB2-BD59-A6C34878D82A}">
+                    <a16:rowId xmlns:a16="http://schemas.microsoft.com/office/drawing/2014/main" val="596413071"/>
+                  </a:ext>
+                </a:extLst>
+              </a:tr>
+              <a:tr h="348615">
+                <a:tc>
+                  <a:txBody>
+                    <a:bodyPr/>
+                    <a:lstStyle/>
+                    <a:p>
+                      <a:pPr algn="ctr" latinLnBrk="1"/>
+                      <a:r>
+                        <a:rPr lang="en-US" altLang="ko-KR" sz="1200" b="0" dirty="0">
+                          <a:solidFill>
+                            <a:schemeClr val="tx1"/>
+                          </a:solidFill>
+                        </a:rPr>
+                        <a:t>p2</a:t>
+                      </a:r>
+                      <a:endParaRPr lang="ko-KR" altLang="en-US" sz="1200" b="0" dirty="0">
+                        <a:solidFill>
+                          <a:schemeClr val="tx1"/>
+                        </a:solidFill>
+                      </a:endParaRPr>
+                    </a:p>
+                  </a:txBody>
+                  <a:tcPr anchor="ctr">
+                    <a:lnL w="12700" cap="flat" cmpd="sng" algn="ctr">
+                      <a:noFill/>
+                      <a:prstDash val="solid"/>
+                      <a:round/>
+                      <a:headEnd type="none" w="med" len="med"/>
+                      <a:tailEnd type="none" w="med" len="med"/>
+                    </a:lnL>
+                    <a:lnR w="12700" cap="flat" cmpd="sng" algn="ctr">
+                      <a:solidFill>
+                        <a:schemeClr val="tx1"/>
+                      </a:solidFill>
+                      <a:prstDash val="solid"/>
+                      <a:round/>
+                      <a:headEnd type="none" w="med" len="med"/>
+                      <a:tailEnd type="none" w="med" len="med"/>
+                    </a:lnR>
+                    <a:lnT w="12700" cap="flat" cmpd="sng" algn="ctr">
+                      <a:noFill/>
+                      <a:prstDash val="solid"/>
+                      <a:round/>
+                      <a:headEnd type="none" w="med" len="med"/>
+                      <a:tailEnd type="none" w="med" len="med"/>
+                    </a:lnT>
+                    <a:lnB w="12700" cap="flat" cmpd="sng" algn="ctr">
+                      <a:noFill/>
+                      <a:prstDash val="solid"/>
+                      <a:round/>
+                      <a:headEnd type="none" w="med" len="med"/>
+                      <a:tailEnd type="none" w="med" len="med"/>
+                    </a:lnB>
+                    <a:lnTlToBr w="12700" cmpd="sng">
+                      <a:noFill/>
+                      <a:prstDash val="solid"/>
+                    </a:lnTlToBr>
+                    <a:lnBlToTr w="12700" cmpd="sng">
+                      <a:noFill/>
+                      <a:prstDash val="solid"/>
+                    </a:lnBlToTr>
+                    <a:noFill/>
+                  </a:tcPr>
+                </a:tc>
+                <a:tc>
+                  <a:txBody>
+                    <a:bodyPr/>
+                    <a:lstStyle/>
+                    <a:p>
+                      <a:pPr algn="ctr" latinLnBrk="1"/>
+                      <a:endParaRPr lang="ko-KR" altLang="en-US" sz="1200" b="0" dirty="0">
+                        <a:solidFill>
+                          <a:schemeClr val="tx1"/>
+                        </a:solidFill>
+                      </a:endParaRPr>
+                    </a:p>
+                  </a:txBody>
+                  <a:tcPr anchor="ctr">
+                    <a:lnL w="12700" cap="flat" cmpd="sng" algn="ctr">
+                      <a:solidFill>
+                        <a:schemeClr val="tx1"/>
+                      </a:solidFill>
+                      <a:prstDash val="solid"/>
+                      <a:round/>
+                      <a:headEnd type="none" w="med" len="med"/>
+                      <a:tailEnd type="none" w="med" len="med"/>
+                    </a:lnL>
+                    <a:lnR w="12700" cap="flat" cmpd="sng" algn="ctr">
+                      <a:solidFill>
+                        <a:schemeClr val="tx1"/>
+                      </a:solidFill>
+                      <a:prstDash val="solid"/>
+                      <a:round/>
+                      <a:headEnd type="none" w="med" len="med"/>
+                      <a:tailEnd type="none" w="med" len="med"/>
+                    </a:lnR>
+                    <a:lnT w="12700" cap="flat" cmpd="sng" algn="ctr">
+                      <a:solidFill>
+                        <a:schemeClr val="tx1"/>
+                      </a:solidFill>
+                      <a:prstDash val="solid"/>
+                      <a:round/>
+                      <a:headEnd type="none" w="med" len="med"/>
+                      <a:tailEnd type="none" w="med" len="med"/>
+                    </a:lnT>
+                    <a:lnB w="12700" cap="flat" cmpd="sng" algn="ctr">
+                      <a:solidFill>
+                        <a:schemeClr val="tx1"/>
+                      </a:solidFill>
+                      <a:prstDash val="solid"/>
+                      <a:round/>
+                      <a:headEnd type="none" w="med" len="med"/>
+                      <a:tailEnd type="none" w="med" len="med"/>
+                    </a:lnB>
+                    <a:lnTlToBr w="12700" cmpd="sng">
+                      <a:noFill/>
+                      <a:prstDash val="solid"/>
+                    </a:lnTlToBr>
+                    <a:lnBlToTr w="12700" cmpd="sng">
+                      <a:noFill/>
+                      <a:prstDash val="solid"/>
+                    </a:lnBlToTr>
+                    <a:noFill/>
+                  </a:tcPr>
+                </a:tc>
+                <a:extLst>
+                  <a:ext uri="{0D108BD9-81ED-4DB2-BD59-A6C34878D82A}">
+                    <a16:rowId xmlns:a16="http://schemas.microsoft.com/office/drawing/2014/main" val="3167644525"/>
+                  </a:ext>
+                </a:extLst>
+              </a:tr>
+            </a:tbl>
+          </a:graphicData>
+        </a:graphic>
+      </p:graphicFrame>
+      <p:cxnSp>
+        <p:nvCxnSpPr>
+          <p:cNvPr id="25" name="직선 화살표 연결선 24">
+            <a:extLst>
+              <a:ext uri="{FF2B5EF4-FFF2-40B4-BE49-F238E27FC236}">
+                <a16:creationId xmlns:a16="http://schemas.microsoft.com/office/drawing/2014/main" id="{42CB0E9A-910F-49F9-A8E0-44E388D2383B}"/>
+              </a:ext>
+            </a:extLst>
+          </p:cNvPr>
+          <p:cNvCxnSpPr/>
+          <p:nvPr/>
+        </p:nvCxnSpPr>
+        <p:spPr>
+          <a:xfrm>
+            <a:off x="5603206" y="4307629"/>
+            <a:ext cx="242639" cy="0"/>
+          </a:xfrm>
+          <a:prstGeom prst="straightConnector1">
+            <a:avLst/>
+          </a:prstGeom>
+          <a:ln w="28575">
+            <a:tailEnd type="triangle"/>
+          </a:ln>
+        </p:spPr>
+        <p:style>
+          <a:lnRef idx="1">
+            <a:schemeClr val="dk1"/>
+          </a:lnRef>
+          <a:fillRef idx="0">
+            <a:schemeClr val="dk1"/>
+          </a:fillRef>
+          <a:effectRef idx="0">
+            <a:schemeClr val="dk1"/>
+          </a:effectRef>
+          <a:fontRef idx="minor">
+            <a:schemeClr val="tx1"/>
+          </a:fontRef>
+        </p:style>
+      </p:cxnSp>
+      <p:graphicFrame>
+        <p:nvGraphicFramePr>
+          <p:cNvPr id="26" name="표 25">
+            <a:extLst>
+              <a:ext uri="{FF2B5EF4-FFF2-40B4-BE49-F238E27FC236}">
+                <a16:creationId xmlns:a16="http://schemas.microsoft.com/office/drawing/2014/main" id="{E7DC9047-F10A-4502-B95A-C292294B887C}"/>
+              </a:ext>
+            </a:extLst>
+          </p:cNvPr>
+          <p:cNvGraphicFramePr>
+            <a:graphicFrameLocks noGrp="1"/>
+          </p:cNvGraphicFramePr>
+          <p:nvPr>
+            <p:extLst>
+              <p:ext uri="{D42A27DB-BD31-4B8C-83A1-F6EECF244321}">
+                <p14:modId xmlns:p14="http://schemas.microsoft.com/office/powerpoint/2010/main" val="1468847014"/>
+              </p:ext>
+            </p:extLst>
+          </p:nvPr>
+        </p:nvGraphicFramePr>
+        <p:xfrm>
+          <a:off x="5845845" y="628755"/>
+          <a:ext cx="990724" cy="697230"/>
+        </p:xfrm>
+        <a:graphic>
+          <a:graphicData uri="http://schemas.openxmlformats.org/drawingml/2006/table">
+            <a:tbl>
+              <a:tblPr firstRow="1" bandRow="1">
+                <a:tableStyleId>{5C22544A-7EE6-4342-B048-85BDC9FD1C3A}</a:tableStyleId>
+              </a:tblPr>
+              <a:tblGrid>
+                <a:gridCol w="495362">
+                  <a:extLst>
+                    <a:ext uri="{9D8B030D-6E8A-4147-A177-3AD203B41FA5}">
+                      <a16:colId xmlns:a16="http://schemas.microsoft.com/office/drawing/2014/main" val="1876448761"/>
+                    </a:ext>
+                  </a:extLst>
+                </a:gridCol>
+                <a:gridCol w="495362">
+                  <a:extLst>
+                    <a:ext uri="{9D8B030D-6E8A-4147-A177-3AD203B41FA5}">
+                      <a16:colId xmlns:a16="http://schemas.microsoft.com/office/drawing/2014/main" val="406678734"/>
+                    </a:ext>
+                  </a:extLst>
+                </a:gridCol>
+              </a:tblGrid>
+              <a:tr h="348615">
+                <a:tc>
+                  <a:txBody>
+                    <a:bodyPr/>
+                    <a:lstStyle/>
+                    <a:p>
+                      <a:pPr algn="ctr" latinLnBrk="1"/>
+                      <a:r>
+                        <a:rPr lang="en-US" altLang="ko-KR" sz="1200" b="0" dirty="0">
+                          <a:solidFill>
+                            <a:schemeClr val="tx1"/>
+                          </a:solidFill>
+                        </a:rPr>
+                        <a:t>x</a:t>
+                      </a:r>
+                      <a:endParaRPr lang="ko-KR" altLang="en-US" sz="1200" b="0" dirty="0">
+                        <a:solidFill>
+                          <a:schemeClr val="tx1"/>
+                        </a:solidFill>
+                      </a:endParaRPr>
+                    </a:p>
+                  </a:txBody>
+                  <a:tcPr anchor="ctr">
+                    <a:lnL w="12700" cap="flat" cmpd="sng" algn="ctr">
+                      <a:noFill/>
+                      <a:prstDash val="solid"/>
+                      <a:round/>
+                      <a:headEnd type="none" w="med" len="med"/>
+                      <a:tailEnd type="none" w="med" len="med"/>
+                    </a:lnL>
+                    <a:lnR w="12700" cap="flat" cmpd="sng" algn="ctr">
+                      <a:noFill/>
+                      <a:prstDash val="solid"/>
+                      <a:round/>
+                      <a:headEnd type="none" w="med" len="med"/>
+                      <a:tailEnd type="none" w="med" len="med"/>
+                    </a:lnR>
+                    <a:lnT w="12700" cap="flat" cmpd="sng" algn="ctr">
+                      <a:noFill/>
+                      <a:prstDash val="solid"/>
+                      <a:round/>
+                      <a:headEnd type="none" w="med" len="med"/>
+                      <a:tailEnd type="none" w="med" len="med"/>
+                    </a:lnT>
+                    <a:lnB w="12700" cap="flat" cmpd="sng" algn="ctr">
+                      <a:solidFill>
+                        <a:schemeClr val="tx1"/>
+                      </a:solidFill>
+                      <a:prstDash val="solid"/>
+                      <a:round/>
+                      <a:headEnd type="none" w="med" len="med"/>
+                      <a:tailEnd type="none" w="med" len="med"/>
+                    </a:lnB>
+                    <a:lnTlToBr w="12700" cmpd="sng">
+                      <a:noFill/>
+                      <a:prstDash val="solid"/>
+                    </a:lnTlToBr>
+                    <a:lnBlToTr w="12700" cmpd="sng">
+                      <a:noFill/>
+                      <a:prstDash val="solid"/>
+                    </a:lnBlToTr>
+                    <a:noFill/>
+                  </a:tcPr>
+                </a:tc>
+                <a:tc>
+                  <a:txBody>
+                    <a:bodyPr/>
+                    <a:lstStyle/>
+                    <a:p>
+                      <a:pPr algn="ctr" latinLnBrk="1"/>
+                      <a:r>
+                        <a:rPr lang="en-US" altLang="ko-KR" sz="1200" b="0" dirty="0">
+                          <a:solidFill>
+                            <a:schemeClr val="tx1"/>
+                          </a:solidFill>
+                        </a:rPr>
+                        <a:t>y</a:t>
+                      </a:r>
+                      <a:endParaRPr lang="ko-KR" altLang="en-US" sz="1200" b="0" dirty="0">
+                        <a:solidFill>
+                          <a:schemeClr val="tx1"/>
+                        </a:solidFill>
+                      </a:endParaRPr>
+                    </a:p>
+                  </a:txBody>
+                  <a:tcPr anchor="ctr">
+                    <a:lnL w="12700" cap="flat" cmpd="sng" algn="ctr">
+                      <a:noFill/>
+                      <a:prstDash val="solid"/>
+                      <a:round/>
+                      <a:headEnd type="none" w="med" len="med"/>
+                      <a:tailEnd type="none" w="med" len="med"/>
+                    </a:lnL>
+                    <a:lnR w="12700" cap="flat" cmpd="sng" algn="ctr">
+                      <a:noFill/>
+                      <a:prstDash val="solid"/>
+                      <a:round/>
+                      <a:headEnd type="none" w="med" len="med"/>
+                      <a:tailEnd type="none" w="med" len="med"/>
+                    </a:lnR>
+                    <a:lnT w="12700" cap="flat" cmpd="sng" algn="ctr">
+                      <a:noFill/>
+                      <a:prstDash val="solid"/>
+                      <a:round/>
+                      <a:headEnd type="none" w="med" len="med"/>
+                      <a:tailEnd type="none" w="med" len="med"/>
+                    </a:lnT>
+                    <a:lnB w="12700" cap="flat" cmpd="sng" algn="ctr">
+                      <a:solidFill>
+                        <a:schemeClr val="tx1"/>
+                      </a:solidFill>
+                      <a:prstDash val="solid"/>
+                      <a:round/>
+                      <a:headEnd type="none" w="med" len="med"/>
+                      <a:tailEnd type="none" w="med" len="med"/>
+                    </a:lnB>
+                    <a:lnTlToBr w="12700" cmpd="sng">
+                      <a:noFill/>
+                      <a:prstDash val="solid"/>
+                    </a:lnTlToBr>
+                    <a:lnBlToTr w="12700" cmpd="sng">
+                      <a:noFill/>
+                      <a:prstDash val="solid"/>
+                    </a:lnBlToTr>
+                    <a:noFill/>
+                  </a:tcPr>
+                </a:tc>
+                <a:extLst>
+                  <a:ext uri="{0D108BD9-81ED-4DB2-BD59-A6C34878D82A}">
+                    <a16:rowId xmlns:a16="http://schemas.microsoft.com/office/drawing/2014/main" val="596413071"/>
+                  </a:ext>
+                </a:extLst>
+              </a:tr>
+              <a:tr h="348615">
+                <a:tc>
+                  <a:txBody>
+                    <a:bodyPr/>
+                    <a:lstStyle/>
+                    <a:p>
+                      <a:pPr algn="ctr" latinLnBrk="1"/>
+                      <a:r>
+                        <a:rPr lang="en-US" altLang="ko-KR" sz="1200" b="0" dirty="0">
+                          <a:solidFill>
+                            <a:schemeClr val="tx1"/>
+                          </a:solidFill>
+                        </a:rPr>
+                        <a:t>0</a:t>
+                      </a:r>
+                      <a:endParaRPr lang="ko-KR" altLang="en-US" sz="1200" b="0" dirty="0">
+                        <a:solidFill>
+                          <a:schemeClr val="tx1"/>
+                        </a:solidFill>
+                      </a:endParaRPr>
+                    </a:p>
+                  </a:txBody>
+                  <a:tcPr anchor="ctr">
+                    <a:lnL w="12700" cap="flat" cmpd="sng" algn="ctr">
+                      <a:solidFill>
+                        <a:schemeClr val="tx1"/>
+                      </a:solidFill>
+                      <a:prstDash val="solid"/>
+                      <a:round/>
+                      <a:headEnd type="none" w="med" len="med"/>
+                      <a:tailEnd type="none" w="med" len="med"/>
+                    </a:lnL>
+                    <a:lnR w="12700" cap="flat" cmpd="sng" algn="ctr">
+                      <a:solidFill>
+                        <a:schemeClr val="tx1"/>
+                      </a:solidFill>
+                      <a:prstDash val="solid"/>
+                      <a:round/>
+                      <a:headEnd type="none" w="med" len="med"/>
+                      <a:tailEnd type="none" w="med" len="med"/>
+                    </a:lnR>
+                    <a:lnT w="12700" cap="flat" cmpd="sng" algn="ctr">
+                      <a:solidFill>
+                        <a:schemeClr val="tx1"/>
+                      </a:solidFill>
+                      <a:prstDash val="solid"/>
+                      <a:round/>
+                      <a:headEnd type="none" w="med" len="med"/>
+                      <a:tailEnd type="none" w="med" len="med"/>
+                    </a:lnT>
+                    <a:lnB w="12700" cap="flat" cmpd="sng" algn="ctr">
+                      <a:solidFill>
+                        <a:schemeClr val="tx1"/>
+                      </a:solidFill>
+                      <a:prstDash val="solid"/>
+                      <a:round/>
+                      <a:headEnd type="none" w="med" len="med"/>
+                      <a:tailEnd type="none" w="med" len="med"/>
+                    </a:lnB>
+                    <a:lnTlToBr w="12700" cmpd="sng">
+                      <a:noFill/>
+                      <a:prstDash val="solid"/>
+                    </a:lnTlToBr>
+                    <a:lnBlToTr w="12700" cmpd="sng">
+                      <a:noFill/>
+                      <a:prstDash val="solid"/>
+                    </a:lnBlToTr>
+                    <a:noFill/>
+                  </a:tcPr>
+                </a:tc>
+                <a:tc>
+                  <a:txBody>
+                    <a:bodyPr/>
+                    <a:lstStyle/>
+                    <a:p>
+                      <a:pPr algn="ctr" latinLnBrk="1"/>
+                      <a:r>
+                        <a:rPr lang="en-US" altLang="ko-KR" sz="1200" b="0" dirty="0">
+                          <a:solidFill>
+                            <a:schemeClr val="tx1"/>
+                          </a:solidFill>
+                        </a:rPr>
+                        <a:t>8</a:t>
+                      </a:r>
+                      <a:endParaRPr lang="ko-KR" altLang="en-US" sz="1200" b="0" dirty="0">
+                        <a:solidFill>
+                          <a:schemeClr val="tx1"/>
+                        </a:solidFill>
+                      </a:endParaRPr>
+                    </a:p>
+                  </a:txBody>
+                  <a:tcPr anchor="ctr">
+                    <a:lnL w="12700" cap="flat" cmpd="sng" algn="ctr">
+                      <a:solidFill>
+                        <a:schemeClr val="tx1"/>
+                      </a:solidFill>
+                      <a:prstDash val="solid"/>
+                      <a:round/>
+                      <a:headEnd type="none" w="med" len="med"/>
+                      <a:tailEnd type="none" w="med" len="med"/>
+                    </a:lnL>
+                    <a:lnR w="12700" cap="flat" cmpd="sng" algn="ctr">
+                      <a:solidFill>
+                        <a:schemeClr val="tx1"/>
+                      </a:solidFill>
+                      <a:prstDash val="solid"/>
+                      <a:round/>
+                      <a:headEnd type="none" w="med" len="med"/>
+                      <a:tailEnd type="none" w="med" len="med"/>
+                    </a:lnR>
+                    <a:lnT w="12700" cap="flat" cmpd="sng" algn="ctr">
+                      <a:solidFill>
+                        <a:schemeClr val="tx1"/>
+                      </a:solidFill>
+                      <a:prstDash val="solid"/>
+                      <a:round/>
+                      <a:headEnd type="none" w="med" len="med"/>
+                      <a:tailEnd type="none" w="med" len="med"/>
+                    </a:lnT>
+                    <a:lnB w="12700" cap="flat" cmpd="sng" algn="ctr">
+                      <a:solidFill>
+                        <a:schemeClr val="tx1"/>
+                      </a:solidFill>
+                      <a:prstDash val="solid"/>
+                      <a:round/>
+                      <a:headEnd type="none" w="med" len="med"/>
+                      <a:tailEnd type="none" w="med" len="med"/>
+                    </a:lnB>
+                    <a:lnTlToBr w="12700" cmpd="sng">
+                      <a:noFill/>
+                      <a:prstDash val="solid"/>
+                    </a:lnTlToBr>
+                    <a:lnBlToTr w="12700" cmpd="sng">
+                      <a:noFill/>
+                      <a:prstDash val="solid"/>
+                    </a:lnBlToTr>
+                    <a:noFill/>
+                  </a:tcPr>
+                </a:tc>
+                <a:extLst>
+                  <a:ext uri="{0D108BD9-81ED-4DB2-BD59-A6C34878D82A}">
+                    <a16:rowId xmlns:a16="http://schemas.microsoft.com/office/drawing/2014/main" val="3167644525"/>
+                  </a:ext>
+                </a:extLst>
+              </a:tr>
+            </a:tbl>
+          </a:graphicData>
+        </a:graphic>
+      </p:graphicFrame>
+      <p:graphicFrame>
+        <p:nvGraphicFramePr>
+          <p:cNvPr id="27" name="표 26">
+            <a:extLst>
+              <a:ext uri="{FF2B5EF4-FFF2-40B4-BE49-F238E27FC236}">
+                <a16:creationId xmlns:a16="http://schemas.microsoft.com/office/drawing/2014/main" id="{A33870C4-90AE-4827-849B-F4FF38E5E2B4}"/>
+              </a:ext>
+            </a:extLst>
+          </p:cNvPr>
+          <p:cNvGraphicFramePr>
+            <a:graphicFrameLocks noGrp="1"/>
+          </p:cNvGraphicFramePr>
+          <p:nvPr>
+            <p:extLst>
+              <p:ext uri="{D42A27DB-BD31-4B8C-83A1-F6EECF244321}">
+                <p14:modId xmlns:p14="http://schemas.microsoft.com/office/powerpoint/2010/main" val="239302556"/>
+              </p:ext>
+            </p:extLst>
+          </p:nvPr>
+        </p:nvGraphicFramePr>
+        <p:xfrm>
+          <a:off x="4676774" y="628755"/>
+          <a:ext cx="926432" cy="697230"/>
+        </p:xfrm>
+        <a:graphic>
+          <a:graphicData uri="http://schemas.openxmlformats.org/drawingml/2006/table">
+            <a:tbl>
+              <a:tblPr firstRow="1" bandRow="1">
+                <a:tableStyleId>{5C22544A-7EE6-4342-B048-85BDC9FD1C3A}</a:tableStyleId>
+              </a:tblPr>
+              <a:tblGrid>
+                <a:gridCol w="463216">
+                  <a:extLst>
+                    <a:ext uri="{9D8B030D-6E8A-4147-A177-3AD203B41FA5}">
+                      <a16:colId xmlns:a16="http://schemas.microsoft.com/office/drawing/2014/main" val="1876448761"/>
+                    </a:ext>
+                  </a:extLst>
+                </a:gridCol>
+                <a:gridCol w="463216">
+                  <a:extLst>
+                    <a:ext uri="{9D8B030D-6E8A-4147-A177-3AD203B41FA5}">
+                      <a16:colId xmlns:a16="http://schemas.microsoft.com/office/drawing/2014/main" val="406678734"/>
+                    </a:ext>
+                  </a:extLst>
+                </a:gridCol>
+              </a:tblGrid>
+              <a:tr h="348615">
+                <a:tc>
+                  <a:txBody>
+                    <a:bodyPr/>
+                    <a:lstStyle/>
+                    <a:p>
+                      <a:pPr algn="ctr" latinLnBrk="1"/>
+                      <a:endParaRPr lang="ko-KR" altLang="en-US" sz="1200" b="0" dirty="0">
+                        <a:solidFill>
+                          <a:schemeClr val="tx1"/>
+                        </a:solidFill>
+                      </a:endParaRPr>
+                    </a:p>
+                  </a:txBody>
+                  <a:tcPr anchor="ctr">
+                    <a:lnL w="12700" cap="flat" cmpd="sng" algn="ctr">
+                      <a:noFill/>
+                      <a:prstDash val="solid"/>
+                      <a:round/>
+                      <a:headEnd type="none" w="med" len="med"/>
+                      <a:tailEnd type="none" w="med" len="med"/>
+                    </a:lnL>
+                    <a:lnR w="12700" cap="flat" cmpd="sng" algn="ctr">
+                      <a:noFill/>
+                      <a:prstDash val="solid"/>
+                      <a:round/>
+                      <a:headEnd type="none" w="med" len="med"/>
+                      <a:tailEnd type="none" w="med" len="med"/>
+                    </a:lnR>
+                    <a:lnT w="12700" cap="flat" cmpd="sng" algn="ctr">
+                      <a:noFill/>
+                      <a:prstDash val="solid"/>
+                      <a:round/>
+                      <a:headEnd type="none" w="med" len="med"/>
+                      <a:tailEnd type="none" w="med" len="med"/>
+                    </a:lnT>
+                    <a:lnB w="12700" cap="flat" cmpd="sng" algn="ctr">
+                      <a:noFill/>
+                      <a:prstDash val="solid"/>
+                      <a:round/>
+                      <a:headEnd type="none" w="med" len="med"/>
+                      <a:tailEnd type="none" w="med" len="med"/>
+                    </a:lnB>
+                    <a:lnTlToBr w="12700" cmpd="sng">
+                      <a:noFill/>
+                      <a:prstDash val="solid"/>
+                    </a:lnTlToBr>
+                    <a:lnBlToTr w="12700" cmpd="sng">
+                      <a:noFill/>
+                      <a:prstDash val="solid"/>
+                    </a:lnBlToTr>
+                    <a:noFill/>
+                  </a:tcPr>
+                </a:tc>
+                <a:tc>
+                  <a:txBody>
+                    <a:bodyPr/>
+                    <a:lstStyle/>
+                    <a:p>
+                      <a:pPr algn="ctr" latinLnBrk="1"/>
+                      <a:endParaRPr lang="ko-KR" altLang="en-US" sz="1200" b="0" dirty="0">
+                        <a:solidFill>
+                          <a:schemeClr val="tx1"/>
+                        </a:solidFill>
+                      </a:endParaRPr>
+                    </a:p>
+                  </a:txBody>
+                  <a:tcPr anchor="ctr">
+                    <a:lnL w="12700" cap="flat" cmpd="sng" algn="ctr">
+                      <a:noFill/>
+                      <a:prstDash val="solid"/>
+                      <a:round/>
+                      <a:headEnd type="none" w="med" len="med"/>
+                      <a:tailEnd type="none" w="med" len="med"/>
+                    </a:lnL>
+                    <a:lnR w="12700" cap="flat" cmpd="sng" algn="ctr">
+                      <a:noFill/>
+                      <a:prstDash val="solid"/>
+                      <a:round/>
+                      <a:headEnd type="none" w="med" len="med"/>
+                      <a:tailEnd type="none" w="med" len="med"/>
+                    </a:lnR>
+                    <a:lnT w="12700" cap="flat" cmpd="sng" algn="ctr">
+                      <a:noFill/>
+                      <a:prstDash val="solid"/>
+                      <a:round/>
+                      <a:headEnd type="none" w="med" len="med"/>
+                      <a:tailEnd type="none" w="med" len="med"/>
+                    </a:lnT>
+                    <a:lnB w="12700" cap="flat" cmpd="sng" algn="ctr">
+                      <a:solidFill>
+                        <a:schemeClr val="tx1"/>
+                      </a:solidFill>
+                      <a:prstDash val="solid"/>
+                      <a:round/>
+                      <a:headEnd type="none" w="med" len="med"/>
+                      <a:tailEnd type="none" w="med" len="med"/>
+                    </a:lnB>
+                    <a:lnTlToBr w="12700" cmpd="sng">
+                      <a:noFill/>
+                      <a:prstDash val="solid"/>
+                    </a:lnTlToBr>
+                    <a:lnBlToTr w="12700" cmpd="sng">
+                      <a:noFill/>
+                      <a:prstDash val="solid"/>
+                    </a:lnBlToTr>
+                    <a:noFill/>
+                  </a:tcPr>
+                </a:tc>
+                <a:extLst>
+                  <a:ext uri="{0D108BD9-81ED-4DB2-BD59-A6C34878D82A}">
+                    <a16:rowId xmlns:a16="http://schemas.microsoft.com/office/drawing/2014/main" val="596413071"/>
+                  </a:ext>
+                </a:extLst>
+              </a:tr>
+              <a:tr h="348615">
+                <a:tc>
+                  <a:txBody>
+                    <a:bodyPr/>
+                    <a:lstStyle/>
+                    <a:p>
+                      <a:pPr algn="ctr" latinLnBrk="1"/>
+                      <a:r>
+                        <a:rPr lang="en-US" altLang="ko-KR" sz="1200" b="0" dirty="0">
+                          <a:solidFill>
+                            <a:schemeClr val="tx1"/>
+                          </a:solidFill>
+                        </a:rPr>
+                        <a:t>p1</a:t>
+                      </a:r>
+                      <a:endParaRPr lang="ko-KR" altLang="en-US" sz="1200" b="0" dirty="0">
+                        <a:solidFill>
+                          <a:schemeClr val="tx1"/>
+                        </a:solidFill>
+                      </a:endParaRPr>
+                    </a:p>
+                  </a:txBody>
+                  <a:tcPr anchor="ctr">
+                    <a:lnL w="12700" cap="flat" cmpd="sng" algn="ctr">
+                      <a:noFill/>
+                      <a:prstDash val="solid"/>
+                      <a:round/>
+                      <a:headEnd type="none" w="med" len="med"/>
+                      <a:tailEnd type="none" w="med" len="med"/>
+                    </a:lnL>
+                    <a:lnR w="12700" cap="flat" cmpd="sng" algn="ctr">
+                      <a:solidFill>
+                        <a:schemeClr val="tx1"/>
+                      </a:solidFill>
+                      <a:prstDash val="solid"/>
+                      <a:round/>
+                      <a:headEnd type="none" w="med" len="med"/>
+                      <a:tailEnd type="none" w="med" len="med"/>
+                    </a:lnR>
+                    <a:lnT w="12700" cap="flat" cmpd="sng" algn="ctr">
+                      <a:noFill/>
+                      <a:prstDash val="solid"/>
+                      <a:round/>
+                      <a:headEnd type="none" w="med" len="med"/>
+                      <a:tailEnd type="none" w="med" len="med"/>
+                    </a:lnT>
+                    <a:lnB w="12700" cap="flat" cmpd="sng" algn="ctr">
+                      <a:noFill/>
+                      <a:prstDash val="solid"/>
+                      <a:round/>
+                      <a:headEnd type="none" w="med" len="med"/>
+                      <a:tailEnd type="none" w="med" len="med"/>
+                    </a:lnB>
+                    <a:lnTlToBr w="12700" cmpd="sng">
+                      <a:noFill/>
+                      <a:prstDash val="solid"/>
+                    </a:lnTlToBr>
+                    <a:lnBlToTr w="12700" cmpd="sng">
+                      <a:noFill/>
+                      <a:prstDash val="solid"/>
+                    </a:lnBlToTr>
+                    <a:noFill/>
+                  </a:tcPr>
+                </a:tc>
+                <a:tc>
+                  <a:txBody>
+                    <a:bodyPr/>
+                    <a:lstStyle/>
+                    <a:p>
+                      <a:pPr algn="ctr" latinLnBrk="1"/>
+                      <a:endParaRPr lang="ko-KR" altLang="en-US" sz="1200" b="0" dirty="0">
+                        <a:solidFill>
+                          <a:schemeClr val="tx1"/>
+                        </a:solidFill>
+                      </a:endParaRPr>
+                    </a:p>
+                  </a:txBody>
+                  <a:tcPr anchor="ctr">
+                    <a:lnL w="12700" cap="flat" cmpd="sng" algn="ctr">
+                      <a:solidFill>
+                        <a:schemeClr val="tx1"/>
+                      </a:solidFill>
+                      <a:prstDash val="solid"/>
+                      <a:round/>
+                      <a:headEnd type="none" w="med" len="med"/>
+                      <a:tailEnd type="none" w="med" len="med"/>
+                    </a:lnL>
+                    <a:lnR w="12700" cap="flat" cmpd="sng" algn="ctr">
+                      <a:solidFill>
+                        <a:schemeClr val="tx1"/>
+                      </a:solidFill>
+                      <a:prstDash val="solid"/>
+                      <a:round/>
+                      <a:headEnd type="none" w="med" len="med"/>
+                      <a:tailEnd type="none" w="med" len="med"/>
+                    </a:lnR>
+                    <a:lnT w="12700" cap="flat" cmpd="sng" algn="ctr">
+                      <a:solidFill>
+                        <a:schemeClr val="tx1"/>
+                      </a:solidFill>
+                      <a:prstDash val="solid"/>
+                      <a:round/>
+                      <a:headEnd type="none" w="med" len="med"/>
+                      <a:tailEnd type="none" w="med" len="med"/>
+                    </a:lnT>
+                    <a:lnB w="12700" cap="flat" cmpd="sng" algn="ctr">
+                      <a:solidFill>
+                        <a:schemeClr val="tx1"/>
+                      </a:solidFill>
+                      <a:prstDash val="solid"/>
+                      <a:round/>
+                      <a:headEnd type="none" w="med" len="med"/>
+                      <a:tailEnd type="none" w="med" len="med"/>
+                    </a:lnB>
+                    <a:lnTlToBr w="12700" cmpd="sng">
+                      <a:noFill/>
+                      <a:prstDash val="solid"/>
+                    </a:lnTlToBr>
+                    <a:lnBlToTr w="12700" cmpd="sng">
+                      <a:noFill/>
+                      <a:prstDash val="solid"/>
+                    </a:lnBlToTr>
+                    <a:noFill/>
+                  </a:tcPr>
+                </a:tc>
+                <a:extLst>
+                  <a:ext uri="{0D108BD9-81ED-4DB2-BD59-A6C34878D82A}">
+                    <a16:rowId xmlns:a16="http://schemas.microsoft.com/office/drawing/2014/main" val="3167644525"/>
+                  </a:ext>
+                </a:extLst>
+              </a:tr>
+            </a:tbl>
+          </a:graphicData>
+        </a:graphic>
+      </p:graphicFrame>
+      <p:cxnSp>
+        <p:nvCxnSpPr>
+          <p:cNvPr id="28" name="직선 화살표 연결선 27">
+            <a:extLst>
+              <a:ext uri="{FF2B5EF4-FFF2-40B4-BE49-F238E27FC236}">
+                <a16:creationId xmlns:a16="http://schemas.microsoft.com/office/drawing/2014/main" id="{65F97DCF-A6A5-46C0-9BE6-7E336CE54E6D}"/>
+              </a:ext>
+            </a:extLst>
+          </p:cNvPr>
+          <p:cNvCxnSpPr/>
+          <p:nvPr/>
+        </p:nvCxnSpPr>
+        <p:spPr>
+          <a:xfrm>
+            <a:off x="5603206" y="1132099"/>
+            <a:ext cx="242639" cy="0"/>
+          </a:xfrm>
+          <a:prstGeom prst="straightConnector1">
+            <a:avLst/>
+          </a:prstGeom>
+          <a:ln w="28575">
+            <a:tailEnd type="triangle"/>
+          </a:ln>
+        </p:spPr>
+        <p:style>
+          <a:lnRef idx="1">
+            <a:schemeClr val="dk1"/>
+          </a:lnRef>
+          <a:fillRef idx="0">
+            <a:schemeClr val="dk1"/>
+          </a:fillRef>
+          <a:effectRef idx="0">
+            <a:schemeClr val="dk1"/>
+          </a:effectRef>
+          <a:fontRef idx="minor">
+            <a:schemeClr val="tx1"/>
+          </a:fontRef>
+        </p:style>
+      </p:cxnSp>
+      <p:graphicFrame>
+        <p:nvGraphicFramePr>
+          <p:cNvPr id="29" name="표 28">
+            <a:extLst>
+              <a:ext uri="{FF2B5EF4-FFF2-40B4-BE49-F238E27FC236}">
+                <a16:creationId xmlns:a16="http://schemas.microsoft.com/office/drawing/2014/main" id="{E5174543-2447-477B-973E-9220AF8D73C3}"/>
+              </a:ext>
+            </a:extLst>
+          </p:cNvPr>
+          <p:cNvGraphicFramePr>
+            <a:graphicFrameLocks noGrp="1"/>
+          </p:cNvGraphicFramePr>
+          <p:nvPr>
+            <p:extLst>
+              <p:ext uri="{D42A27DB-BD31-4B8C-83A1-F6EECF244321}">
+                <p14:modId xmlns:p14="http://schemas.microsoft.com/office/powerpoint/2010/main" val="1665251409"/>
+              </p:ext>
+            </p:extLst>
+          </p:nvPr>
+        </p:nvGraphicFramePr>
+        <p:xfrm>
+          <a:off x="5845845" y="1431184"/>
+          <a:ext cx="990724" cy="697230"/>
+        </p:xfrm>
+        <a:graphic>
+          <a:graphicData uri="http://schemas.openxmlformats.org/drawingml/2006/table">
+            <a:tbl>
+              <a:tblPr firstRow="1" bandRow="1">
+                <a:tableStyleId>{5C22544A-7EE6-4342-B048-85BDC9FD1C3A}</a:tableStyleId>
+              </a:tblPr>
+              <a:tblGrid>
+                <a:gridCol w="495362">
+                  <a:extLst>
+                    <a:ext uri="{9D8B030D-6E8A-4147-A177-3AD203B41FA5}">
+                      <a16:colId xmlns:a16="http://schemas.microsoft.com/office/drawing/2014/main" val="1876448761"/>
+                    </a:ext>
+                  </a:extLst>
+                </a:gridCol>
+                <a:gridCol w="495362">
+                  <a:extLst>
+                    <a:ext uri="{9D8B030D-6E8A-4147-A177-3AD203B41FA5}">
+                      <a16:colId xmlns:a16="http://schemas.microsoft.com/office/drawing/2014/main" val="406678734"/>
+                    </a:ext>
+                  </a:extLst>
+                </a:gridCol>
+              </a:tblGrid>
+              <a:tr h="348615">
+                <a:tc>
+                  <a:txBody>
+                    <a:bodyPr/>
+                    <a:lstStyle/>
+                    <a:p>
+                      <a:pPr algn="ctr" latinLnBrk="1"/>
+                      <a:r>
+                        <a:rPr lang="en-US" altLang="ko-KR" sz="1200" b="0" dirty="0">
+                          <a:solidFill>
+                            <a:schemeClr val="tx1"/>
+                          </a:solidFill>
+                        </a:rPr>
+                        <a:t>x</a:t>
+                      </a:r>
+                      <a:endParaRPr lang="ko-KR" altLang="en-US" sz="1200" b="0" dirty="0">
+                        <a:solidFill>
+                          <a:schemeClr val="tx1"/>
+                        </a:solidFill>
+                      </a:endParaRPr>
+                    </a:p>
+                  </a:txBody>
+                  <a:tcPr anchor="ctr">
+                    <a:lnL w="12700" cap="flat" cmpd="sng" algn="ctr">
+                      <a:noFill/>
+                      <a:prstDash val="solid"/>
+                      <a:round/>
+                      <a:headEnd type="none" w="med" len="med"/>
+                      <a:tailEnd type="none" w="med" len="med"/>
+                    </a:lnL>
+                    <a:lnR w="12700" cap="flat" cmpd="sng" algn="ctr">
+                      <a:noFill/>
+                      <a:prstDash val="solid"/>
+                      <a:round/>
+                      <a:headEnd type="none" w="med" len="med"/>
+                      <a:tailEnd type="none" w="med" len="med"/>
+                    </a:lnR>
+                    <a:lnT w="12700" cap="flat" cmpd="sng" algn="ctr">
+                      <a:noFill/>
+                      <a:prstDash val="solid"/>
+                      <a:round/>
+                      <a:headEnd type="none" w="med" len="med"/>
+                      <a:tailEnd type="none" w="med" len="med"/>
+                    </a:lnT>
+                    <a:lnB w="12700" cap="flat" cmpd="sng" algn="ctr">
+                      <a:solidFill>
+                        <a:schemeClr val="tx1"/>
+                      </a:solidFill>
+                      <a:prstDash val="solid"/>
+                      <a:round/>
+                      <a:headEnd type="none" w="med" len="med"/>
+                      <a:tailEnd type="none" w="med" len="med"/>
+                    </a:lnB>
+                    <a:lnTlToBr w="12700" cmpd="sng">
+                      <a:noFill/>
+                      <a:prstDash val="solid"/>
+                    </a:lnTlToBr>
+                    <a:lnBlToTr w="12700" cmpd="sng">
+                      <a:noFill/>
+                      <a:prstDash val="solid"/>
+                    </a:lnBlToTr>
+                    <a:noFill/>
+                  </a:tcPr>
+                </a:tc>
+                <a:tc>
+                  <a:txBody>
+                    <a:bodyPr/>
+                    <a:lstStyle/>
+                    <a:p>
+                      <a:pPr algn="ctr" latinLnBrk="1"/>
+                      <a:r>
+                        <a:rPr lang="en-US" altLang="ko-KR" sz="1200" b="0" dirty="0">
+                          <a:solidFill>
+                            <a:schemeClr val="tx1"/>
+                          </a:solidFill>
+                        </a:rPr>
+                        <a:t>y</a:t>
+                      </a:r>
+                      <a:endParaRPr lang="ko-KR" altLang="en-US" sz="1200" b="0" dirty="0">
+                        <a:solidFill>
+                          <a:schemeClr val="tx1"/>
+                        </a:solidFill>
+                      </a:endParaRPr>
+                    </a:p>
+                  </a:txBody>
+                  <a:tcPr anchor="ctr">
+                    <a:lnL w="12700" cap="flat" cmpd="sng" algn="ctr">
+                      <a:noFill/>
+                      <a:prstDash val="solid"/>
+                      <a:round/>
+                      <a:headEnd type="none" w="med" len="med"/>
+                      <a:tailEnd type="none" w="med" len="med"/>
+                    </a:lnL>
+                    <a:lnR w="12700" cap="flat" cmpd="sng" algn="ctr">
+                      <a:noFill/>
+                      <a:prstDash val="solid"/>
+                      <a:round/>
+                      <a:headEnd type="none" w="med" len="med"/>
+                      <a:tailEnd type="none" w="med" len="med"/>
+                    </a:lnR>
+                    <a:lnT w="12700" cap="flat" cmpd="sng" algn="ctr">
+                      <a:noFill/>
+                      <a:prstDash val="solid"/>
+                      <a:round/>
+                      <a:headEnd type="none" w="med" len="med"/>
+                      <a:tailEnd type="none" w="med" len="med"/>
+                    </a:lnT>
+                    <a:lnB w="12700" cap="flat" cmpd="sng" algn="ctr">
+                      <a:solidFill>
+                        <a:schemeClr val="tx1"/>
+                      </a:solidFill>
+                      <a:prstDash val="solid"/>
+                      <a:round/>
+                      <a:headEnd type="none" w="med" len="med"/>
+                      <a:tailEnd type="none" w="med" len="med"/>
+                    </a:lnB>
+                    <a:lnTlToBr w="12700" cmpd="sng">
+                      <a:noFill/>
+                      <a:prstDash val="solid"/>
+                    </a:lnTlToBr>
+                    <a:lnBlToTr w="12700" cmpd="sng">
+                      <a:noFill/>
+                      <a:prstDash val="solid"/>
+                    </a:lnBlToTr>
+                    <a:noFill/>
+                  </a:tcPr>
+                </a:tc>
+                <a:extLst>
+                  <a:ext uri="{0D108BD9-81ED-4DB2-BD59-A6C34878D82A}">
+                    <a16:rowId xmlns:a16="http://schemas.microsoft.com/office/drawing/2014/main" val="596413071"/>
+                  </a:ext>
+                </a:extLst>
+              </a:tr>
+              <a:tr h="348615">
+                <a:tc>
+                  <a:txBody>
+                    <a:bodyPr/>
+                    <a:lstStyle/>
+                    <a:p>
+                      <a:pPr algn="ctr" latinLnBrk="1"/>
+                      <a:r>
+                        <a:rPr lang="en-US" altLang="ko-KR" sz="1200" b="0" dirty="0">
+                          <a:solidFill>
+                            <a:schemeClr val="tx1"/>
+                          </a:solidFill>
+                        </a:rPr>
+                        <a:t>0</a:t>
+                      </a:r>
+                      <a:endParaRPr lang="ko-KR" altLang="en-US" sz="1200" b="0" dirty="0">
+                        <a:solidFill>
+                          <a:schemeClr val="tx1"/>
+                        </a:solidFill>
+                      </a:endParaRPr>
+                    </a:p>
+                  </a:txBody>
+                  <a:tcPr anchor="ctr">
+                    <a:lnL w="12700" cap="flat" cmpd="sng" algn="ctr">
+                      <a:solidFill>
+                        <a:schemeClr val="tx1"/>
+                      </a:solidFill>
+                      <a:prstDash val="solid"/>
+                      <a:round/>
+                      <a:headEnd type="none" w="med" len="med"/>
+                      <a:tailEnd type="none" w="med" len="med"/>
+                    </a:lnL>
+                    <a:lnR w="12700" cap="flat" cmpd="sng" algn="ctr">
+                      <a:solidFill>
+                        <a:schemeClr val="tx1"/>
+                      </a:solidFill>
+                      <a:prstDash val="solid"/>
+                      <a:round/>
+                      <a:headEnd type="none" w="med" len="med"/>
+                      <a:tailEnd type="none" w="med" len="med"/>
+                    </a:lnR>
+                    <a:lnT w="12700" cap="flat" cmpd="sng" algn="ctr">
+                      <a:solidFill>
+                        <a:schemeClr val="tx1"/>
+                      </a:solidFill>
+                      <a:prstDash val="solid"/>
+                      <a:round/>
+                      <a:headEnd type="none" w="med" len="med"/>
+                      <a:tailEnd type="none" w="med" len="med"/>
+                    </a:lnT>
+                    <a:lnB w="12700" cap="flat" cmpd="sng" algn="ctr">
+                      <a:solidFill>
+                        <a:schemeClr val="tx1"/>
+                      </a:solidFill>
+                      <a:prstDash val="solid"/>
+                      <a:round/>
+                      <a:headEnd type="none" w="med" len="med"/>
+                      <a:tailEnd type="none" w="med" len="med"/>
+                    </a:lnB>
+                    <a:lnTlToBr w="12700" cmpd="sng">
+                      <a:noFill/>
+                      <a:prstDash val="solid"/>
+                    </a:lnTlToBr>
+                    <a:lnBlToTr w="12700" cmpd="sng">
+                      <a:noFill/>
+                      <a:prstDash val="solid"/>
+                    </a:lnBlToTr>
+                    <a:noFill/>
+                  </a:tcPr>
+                </a:tc>
+                <a:tc>
+                  <a:txBody>
+                    <a:bodyPr/>
+                    <a:lstStyle/>
+                    <a:p>
+                      <a:pPr algn="ctr" latinLnBrk="1"/>
+                      <a:r>
+                        <a:rPr lang="en-US" altLang="ko-KR" sz="1200" b="0" dirty="0">
+                          <a:solidFill>
+                            <a:schemeClr val="tx1"/>
+                          </a:solidFill>
+                        </a:rPr>
+                        <a:t>8</a:t>
+                      </a:r>
+                      <a:endParaRPr lang="ko-KR" altLang="en-US" sz="1200" b="0" dirty="0">
+                        <a:solidFill>
+                          <a:schemeClr val="tx1"/>
+                        </a:solidFill>
+                      </a:endParaRPr>
+                    </a:p>
+                  </a:txBody>
+                  <a:tcPr anchor="ctr">
+                    <a:lnL w="12700" cap="flat" cmpd="sng" algn="ctr">
+                      <a:solidFill>
+                        <a:schemeClr val="tx1"/>
+                      </a:solidFill>
+                      <a:prstDash val="solid"/>
+                      <a:round/>
+                      <a:headEnd type="none" w="med" len="med"/>
+                      <a:tailEnd type="none" w="med" len="med"/>
+                    </a:lnL>
+                    <a:lnR w="12700" cap="flat" cmpd="sng" algn="ctr">
+                      <a:solidFill>
+                        <a:schemeClr val="tx1"/>
+                      </a:solidFill>
+                      <a:prstDash val="solid"/>
+                      <a:round/>
+                      <a:headEnd type="none" w="med" len="med"/>
+                      <a:tailEnd type="none" w="med" len="med"/>
+                    </a:lnR>
+                    <a:lnT w="12700" cap="flat" cmpd="sng" algn="ctr">
+                      <a:solidFill>
+                        <a:schemeClr val="tx1"/>
+                      </a:solidFill>
+                      <a:prstDash val="solid"/>
+                      <a:round/>
+                      <a:headEnd type="none" w="med" len="med"/>
+                      <a:tailEnd type="none" w="med" len="med"/>
+                    </a:lnT>
+                    <a:lnB w="12700" cap="flat" cmpd="sng" algn="ctr">
+                      <a:solidFill>
+                        <a:schemeClr val="tx1"/>
+                      </a:solidFill>
+                      <a:prstDash val="solid"/>
+                      <a:round/>
+                      <a:headEnd type="none" w="med" len="med"/>
+                      <a:tailEnd type="none" w="med" len="med"/>
+                    </a:lnB>
+                    <a:lnTlToBr w="12700" cmpd="sng">
+                      <a:noFill/>
+                      <a:prstDash val="solid"/>
+                    </a:lnTlToBr>
+                    <a:lnBlToTr w="12700" cmpd="sng">
+                      <a:noFill/>
+                      <a:prstDash val="solid"/>
+                    </a:lnBlToTr>
+                    <a:noFill/>
+                  </a:tcPr>
+                </a:tc>
+                <a:extLst>
+                  <a:ext uri="{0D108BD9-81ED-4DB2-BD59-A6C34878D82A}">
+                    <a16:rowId xmlns:a16="http://schemas.microsoft.com/office/drawing/2014/main" val="3167644525"/>
+                  </a:ext>
+                </a:extLst>
+              </a:tr>
+            </a:tbl>
+          </a:graphicData>
+        </a:graphic>
+      </p:graphicFrame>
+      <p:graphicFrame>
+        <p:nvGraphicFramePr>
+          <p:cNvPr id="30" name="표 29">
+            <a:extLst>
+              <a:ext uri="{FF2B5EF4-FFF2-40B4-BE49-F238E27FC236}">
+                <a16:creationId xmlns:a16="http://schemas.microsoft.com/office/drawing/2014/main" id="{3589C3BD-52D2-4B8F-8C49-6CD0690EC66C}"/>
+              </a:ext>
+            </a:extLst>
+          </p:cNvPr>
+          <p:cNvGraphicFramePr>
+            <a:graphicFrameLocks noGrp="1"/>
+          </p:cNvGraphicFramePr>
+          <p:nvPr>
+            <p:extLst>
+              <p:ext uri="{D42A27DB-BD31-4B8C-83A1-F6EECF244321}">
+                <p14:modId xmlns:p14="http://schemas.microsoft.com/office/powerpoint/2010/main" val="1366429564"/>
+              </p:ext>
+            </p:extLst>
+          </p:nvPr>
+        </p:nvGraphicFramePr>
+        <p:xfrm>
+          <a:off x="4676774" y="1431184"/>
+          <a:ext cx="926432" cy="697230"/>
+        </p:xfrm>
+        <a:graphic>
+          <a:graphicData uri="http://schemas.openxmlformats.org/drawingml/2006/table">
+            <a:tbl>
+              <a:tblPr firstRow="1" bandRow="1">
+                <a:tableStyleId>{5C22544A-7EE6-4342-B048-85BDC9FD1C3A}</a:tableStyleId>
+              </a:tblPr>
+              <a:tblGrid>
+                <a:gridCol w="463216">
+                  <a:extLst>
+                    <a:ext uri="{9D8B030D-6E8A-4147-A177-3AD203B41FA5}">
+                      <a16:colId xmlns:a16="http://schemas.microsoft.com/office/drawing/2014/main" val="1876448761"/>
+                    </a:ext>
+                  </a:extLst>
+                </a:gridCol>
+                <a:gridCol w="463216">
+                  <a:extLst>
+                    <a:ext uri="{9D8B030D-6E8A-4147-A177-3AD203B41FA5}">
+                      <a16:colId xmlns:a16="http://schemas.microsoft.com/office/drawing/2014/main" val="406678734"/>
+                    </a:ext>
+                  </a:extLst>
+                </a:gridCol>
+              </a:tblGrid>
+              <a:tr h="348615">
+                <a:tc>
+                  <a:txBody>
+                    <a:bodyPr/>
+                    <a:lstStyle/>
+                    <a:p>
+                      <a:pPr algn="ctr" latinLnBrk="1"/>
+                      <a:endParaRPr lang="ko-KR" altLang="en-US" sz="1200" b="0" dirty="0">
+                        <a:solidFill>
+                          <a:schemeClr val="tx1"/>
+                        </a:solidFill>
+                      </a:endParaRPr>
+                    </a:p>
+                  </a:txBody>
+                  <a:tcPr anchor="ctr">
+                    <a:lnL w="12700" cap="flat" cmpd="sng" algn="ctr">
+                      <a:noFill/>
+                      <a:prstDash val="solid"/>
+                      <a:round/>
+                      <a:headEnd type="none" w="med" len="med"/>
+                      <a:tailEnd type="none" w="med" len="med"/>
+                    </a:lnL>
+                    <a:lnR w="12700" cap="flat" cmpd="sng" algn="ctr">
+                      <a:noFill/>
+                      <a:prstDash val="solid"/>
+                      <a:round/>
+                      <a:headEnd type="none" w="med" len="med"/>
+                      <a:tailEnd type="none" w="med" len="med"/>
+                    </a:lnR>
+                    <a:lnT w="12700" cap="flat" cmpd="sng" algn="ctr">
+                      <a:noFill/>
+                      <a:prstDash val="solid"/>
+                      <a:round/>
+                      <a:headEnd type="none" w="med" len="med"/>
+                      <a:tailEnd type="none" w="med" len="med"/>
+                    </a:lnT>
+                    <a:lnB w="12700" cap="flat" cmpd="sng" algn="ctr">
+                      <a:noFill/>
+                      <a:prstDash val="solid"/>
+                      <a:round/>
+                      <a:headEnd type="none" w="med" len="med"/>
+                      <a:tailEnd type="none" w="med" len="med"/>
+                    </a:lnB>
+                    <a:lnTlToBr w="12700" cmpd="sng">
+                      <a:noFill/>
+                      <a:prstDash val="solid"/>
+                    </a:lnTlToBr>
+                    <a:lnBlToTr w="12700" cmpd="sng">
+                      <a:noFill/>
+                      <a:prstDash val="solid"/>
+                    </a:lnBlToTr>
+                    <a:noFill/>
+                  </a:tcPr>
+                </a:tc>
+                <a:tc>
+                  <a:txBody>
+                    <a:bodyPr/>
+                    <a:lstStyle/>
+                    <a:p>
+                      <a:pPr algn="ctr" latinLnBrk="1"/>
+                      <a:endParaRPr lang="ko-KR" altLang="en-US" sz="1200" b="0" dirty="0">
+                        <a:solidFill>
+                          <a:schemeClr val="tx1"/>
+                        </a:solidFill>
+                      </a:endParaRPr>
+                    </a:p>
+                  </a:txBody>
+                  <a:tcPr anchor="ctr">
+                    <a:lnL w="12700" cap="flat" cmpd="sng" algn="ctr">
+                      <a:noFill/>
+                      <a:prstDash val="solid"/>
+                      <a:round/>
+                      <a:headEnd type="none" w="med" len="med"/>
+                      <a:tailEnd type="none" w="med" len="med"/>
+                    </a:lnL>
+                    <a:lnR w="12700" cap="flat" cmpd="sng" algn="ctr">
+                      <a:noFill/>
+                      <a:prstDash val="solid"/>
+                      <a:round/>
+                      <a:headEnd type="none" w="med" len="med"/>
+                      <a:tailEnd type="none" w="med" len="med"/>
+                    </a:lnR>
+                    <a:lnT w="12700" cap="flat" cmpd="sng" algn="ctr">
+                      <a:noFill/>
+                      <a:prstDash val="solid"/>
+                      <a:round/>
+                      <a:headEnd type="none" w="med" len="med"/>
+                      <a:tailEnd type="none" w="med" len="med"/>
+                    </a:lnT>
+                    <a:lnB w="12700" cap="flat" cmpd="sng" algn="ctr">
+                      <a:solidFill>
+                        <a:schemeClr val="tx1"/>
+                      </a:solidFill>
+                      <a:prstDash val="solid"/>
+                      <a:round/>
+                      <a:headEnd type="none" w="med" len="med"/>
+                      <a:tailEnd type="none" w="med" len="med"/>
+                    </a:lnB>
+                    <a:lnTlToBr w="12700" cmpd="sng">
+                      <a:noFill/>
+                      <a:prstDash val="solid"/>
+                    </a:lnTlToBr>
+                    <a:lnBlToTr w="12700" cmpd="sng">
+                      <a:noFill/>
+                      <a:prstDash val="solid"/>
+                    </a:lnBlToTr>
+                    <a:noFill/>
+                  </a:tcPr>
+                </a:tc>
+                <a:extLst>
+                  <a:ext uri="{0D108BD9-81ED-4DB2-BD59-A6C34878D82A}">
+                    <a16:rowId xmlns:a16="http://schemas.microsoft.com/office/drawing/2014/main" val="596413071"/>
+                  </a:ext>
+                </a:extLst>
+              </a:tr>
+              <a:tr h="348615">
+                <a:tc>
+                  <a:txBody>
+                    <a:bodyPr/>
+                    <a:lstStyle/>
+                    <a:p>
+                      <a:pPr algn="ctr" latinLnBrk="1"/>
+                      <a:r>
+                        <a:rPr lang="en-US" altLang="ko-KR" sz="1200" b="0" dirty="0">
+                          <a:solidFill>
+                            <a:schemeClr val="tx1"/>
+                          </a:solidFill>
+                        </a:rPr>
+                        <a:t>p2</a:t>
+                      </a:r>
+                      <a:endParaRPr lang="ko-KR" altLang="en-US" sz="1200" b="0" dirty="0">
+                        <a:solidFill>
+                          <a:schemeClr val="tx1"/>
+                        </a:solidFill>
+                      </a:endParaRPr>
+                    </a:p>
+                  </a:txBody>
+                  <a:tcPr anchor="ctr">
+                    <a:lnL w="12700" cap="flat" cmpd="sng" algn="ctr">
+                      <a:noFill/>
+                      <a:prstDash val="solid"/>
+                      <a:round/>
+                      <a:headEnd type="none" w="med" len="med"/>
+                      <a:tailEnd type="none" w="med" len="med"/>
+                    </a:lnL>
+                    <a:lnR w="12700" cap="flat" cmpd="sng" algn="ctr">
+                      <a:solidFill>
+                        <a:schemeClr val="tx1"/>
+                      </a:solidFill>
+                      <a:prstDash val="solid"/>
+                      <a:round/>
+                      <a:headEnd type="none" w="med" len="med"/>
+                      <a:tailEnd type="none" w="med" len="med"/>
+                    </a:lnR>
+                    <a:lnT w="12700" cap="flat" cmpd="sng" algn="ctr">
+                      <a:noFill/>
+                      <a:prstDash val="solid"/>
+                      <a:round/>
+                      <a:headEnd type="none" w="med" len="med"/>
+                      <a:tailEnd type="none" w="med" len="med"/>
+                    </a:lnT>
+                    <a:lnB w="12700" cap="flat" cmpd="sng" algn="ctr">
+                      <a:noFill/>
+                      <a:prstDash val="solid"/>
+                      <a:round/>
+                      <a:headEnd type="none" w="med" len="med"/>
+                      <a:tailEnd type="none" w="med" len="med"/>
+                    </a:lnB>
+                    <a:lnTlToBr w="12700" cmpd="sng">
+                      <a:noFill/>
+                      <a:prstDash val="solid"/>
+                    </a:lnTlToBr>
+                    <a:lnBlToTr w="12700" cmpd="sng">
+                      <a:noFill/>
+                      <a:prstDash val="solid"/>
+                    </a:lnBlToTr>
+                    <a:noFill/>
+                  </a:tcPr>
+                </a:tc>
+                <a:tc>
+                  <a:txBody>
+                    <a:bodyPr/>
+                    <a:lstStyle/>
+                    <a:p>
+                      <a:pPr algn="ctr" latinLnBrk="1"/>
+                      <a:endParaRPr lang="ko-KR" altLang="en-US" sz="1200" b="0" dirty="0">
+                        <a:solidFill>
+                          <a:schemeClr val="tx1"/>
+                        </a:solidFill>
+                      </a:endParaRPr>
+                    </a:p>
+                  </a:txBody>
+                  <a:tcPr anchor="ctr">
+                    <a:lnL w="12700" cap="flat" cmpd="sng" algn="ctr">
+                      <a:solidFill>
+                        <a:schemeClr val="tx1"/>
+                      </a:solidFill>
+                      <a:prstDash val="solid"/>
+                      <a:round/>
+                      <a:headEnd type="none" w="med" len="med"/>
+                      <a:tailEnd type="none" w="med" len="med"/>
+                    </a:lnL>
+                    <a:lnR w="12700" cap="flat" cmpd="sng" algn="ctr">
+                      <a:solidFill>
+                        <a:schemeClr val="tx1"/>
+                      </a:solidFill>
+                      <a:prstDash val="solid"/>
+                      <a:round/>
+                      <a:headEnd type="none" w="med" len="med"/>
+                      <a:tailEnd type="none" w="med" len="med"/>
+                    </a:lnR>
+                    <a:lnT w="12700" cap="flat" cmpd="sng" algn="ctr">
+                      <a:solidFill>
+                        <a:schemeClr val="tx1"/>
+                      </a:solidFill>
+                      <a:prstDash val="solid"/>
+                      <a:round/>
+                      <a:headEnd type="none" w="med" len="med"/>
+                      <a:tailEnd type="none" w="med" len="med"/>
+                    </a:lnT>
+                    <a:lnB w="12700" cap="flat" cmpd="sng" algn="ctr">
+                      <a:solidFill>
+                        <a:schemeClr val="tx1"/>
+                      </a:solidFill>
+                      <a:prstDash val="solid"/>
+                      <a:round/>
+                      <a:headEnd type="none" w="med" len="med"/>
+                      <a:tailEnd type="none" w="med" len="med"/>
+                    </a:lnB>
+                    <a:lnTlToBr w="12700" cmpd="sng">
+                      <a:noFill/>
+                      <a:prstDash val="solid"/>
+                    </a:lnTlToBr>
+                    <a:lnBlToTr w="12700" cmpd="sng">
+                      <a:noFill/>
+                      <a:prstDash val="solid"/>
+                    </a:lnBlToTr>
+                    <a:noFill/>
+                  </a:tcPr>
+                </a:tc>
+                <a:extLst>
+                  <a:ext uri="{0D108BD9-81ED-4DB2-BD59-A6C34878D82A}">
+                    <a16:rowId xmlns:a16="http://schemas.microsoft.com/office/drawing/2014/main" val="3167644525"/>
+                  </a:ext>
+                </a:extLst>
+              </a:tr>
+            </a:tbl>
+          </a:graphicData>
+        </a:graphic>
+      </p:graphicFrame>
+      <p:cxnSp>
+        <p:nvCxnSpPr>
+          <p:cNvPr id="31" name="직선 화살표 연결선 30">
+            <a:extLst>
+              <a:ext uri="{FF2B5EF4-FFF2-40B4-BE49-F238E27FC236}">
+                <a16:creationId xmlns:a16="http://schemas.microsoft.com/office/drawing/2014/main" id="{3273F7BE-7B0D-4D3C-AADF-3983B557B418}"/>
+              </a:ext>
+            </a:extLst>
+          </p:cNvPr>
+          <p:cNvCxnSpPr/>
+          <p:nvPr/>
+        </p:nvCxnSpPr>
+        <p:spPr>
+          <a:xfrm>
+            <a:off x="5603206" y="1934528"/>
+            <a:ext cx="242639" cy="0"/>
+          </a:xfrm>
+          <a:prstGeom prst="straightConnector1">
+            <a:avLst/>
+          </a:prstGeom>
+          <a:ln w="28575">
+            <a:tailEnd type="triangle"/>
+          </a:ln>
+        </p:spPr>
+        <p:style>
+          <a:lnRef idx="1">
+            <a:schemeClr val="dk1"/>
+          </a:lnRef>
+          <a:fillRef idx="0">
+            <a:schemeClr val="dk1"/>
+          </a:fillRef>
+          <a:effectRef idx="0">
+            <a:schemeClr val="dk1"/>
+          </a:effectRef>
+          <a:fontRef idx="minor">
+            <a:schemeClr val="tx1"/>
+          </a:fontRef>
+        </p:style>
+      </p:cxnSp>
+      <p:graphicFrame>
+        <p:nvGraphicFramePr>
+          <p:cNvPr id="14" name="표 13">
+            <a:extLst>
+              <a:ext uri="{FF2B5EF4-FFF2-40B4-BE49-F238E27FC236}">
+                <a16:creationId xmlns:a16="http://schemas.microsoft.com/office/drawing/2014/main" id="{A92DFDEC-F60A-472F-BE14-F511C632E525}"/>
+              </a:ext>
+            </a:extLst>
+          </p:cNvPr>
+          <p:cNvGraphicFramePr>
+            <a:graphicFrameLocks noGrp="1"/>
+          </p:cNvGraphicFramePr>
+          <p:nvPr>
+            <p:extLst>
+              <p:ext uri="{D42A27DB-BD31-4B8C-83A1-F6EECF244321}">
+                <p14:modId xmlns:p14="http://schemas.microsoft.com/office/powerpoint/2010/main" val="730321630"/>
+              </p:ext>
+            </p:extLst>
+          </p:nvPr>
+        </p:nvGraphicFramePr>
+        <p:xfrm>
+          <a:off x="8248279" y="628755"/>
+          <a:ext cx="990724" cy="697230"/>
+        </p:xfrm>
+        <a:graphic>
+          <a:graphicData uri="http://schemas.openxmlformats.org/drawingml/2006/table">
+            <a:tbl>
+              <a:tblPr firstRow="1" bandRow="1">
+                <a:tableStyleId>{5C22544A-7EE6-4342-B048-85BDC9FD1C3A}</a:tableStyleId>
+              </a:tblPr>
+              <a:tblGrid>
+                <a:gridCol w="495362">
+                  <a:extLst>
+                    <a:ext uri="{9D8B030D-6E8A-4147-A177-3AD203B41FA5}">
+                      <a16:colId xmlns:a16="http://schemas.microsoft.com/office/drawing/2014/main" val="1876448761"/>
+                    </a:ext>
+                  </a:extLst>
+                </a:gridCol>
+                <a:gridCol w="495362">
+                  <a:extLst>
+                    <a:ext uri="{9D8B030D-6E8A-4147-A177-3AD203B41FA5}">
+                      <a16:colId xmlns:a16="http://schemas.microsoft.com/office/drawing/2014/main" val="406678734"/>
+                    </a:ext>
+                  </a:extLst>
+                </a:gridCol>
+              </a:tblGrid>
+              <a:tr h="348615">
+                <a:tc>
+                  <a:txBody>
+                    <a:bodyPr/>
+                    <a:lstStyle/>
+                    <a:p>
+                      <a:pPr algn="ctr" latinLnBrk="1"/>
+                      <a:r>
+                        <a:rPr lang="en-US" altLang="ko-KR" sz="1200" b="0" dirty="0">
+                          <a:solidFill>
+                            <a:schemeClr val="tx1"/>
+                          </a:solidFill>
+                        </a:rPr>
+                        <a:t>x</a:t>
+                      </a:r>
+                      <a:endParaRPr lang="ko-KR" altLang="en-US" sz="1200" b="0" dirty="0">
+                        <a:solidFill>
+                          <a:schemeClr val="tx1"/>
+                        </a:solidFill>
+                      </a:endParaRPr>
+                    </a:p>
+                  </a:txBody>
+                  <a:tcPr anchor="ctr">
+                    <a:lnL w="12700" cap="flat" cmpd="sng" algn="ctr">
+                      <a:noFill/>
+                      <a:prstDash val="solid"/>
+                      <a:round/>
+                      <a:headEnd type="none" w="med" len="med"/>
+                      <a:tailEnd type="none" w="med" len="med"/>
+                    </a:lnL>
+                    <a:lnR w="12700" cap="flat" cmpd="sng" algn="ctr">
+                      <a:noFill/>
+                      <a:prstDash val="solid"/>
+                      <a:round/>
+                      <a:headEnd type="none" w="med" len="med"/>
+                      <a:tailEnd type="none" w="med" len="med"/>
+                    </a:lnR>
+                    <a:lnT w="12700" cap="flat" cmpd="sng" algn="ctr">
+                      <a:noFill/>
+                      <a:prstDash val="solid"/>
+                      <a:round/>
+                      <a:headEnd type="none" w="med" len="med"/>
+                      <a:tailEnd type="none" w="med" len="med"/>
+                    </a:lnT>
+                    <a:lnB w="12700" cap="flat" cmpd="sng" algn="ctr">
+                      <a:solidFill>
+                        <a:schemeClr val="tx1"/>
+                      </a:solidFill>
+                      <a:prstDash val="solid"/>
+                      <a:round/>
+                      <a:headEnd type="none" w="med" len="med"/>
+                      <a:tailEnd type="none" w="med" len="med"/>
+                    </a:lnB>
+                    <a:lnTlToBr w="12700" cmpd="sng">
+                      <a:noFill/>
+                      <a:prstDash val="solid"/>
+                    </a:lnTlToBr>
+                    <a:lnBlToTr w="12700" cmpd="sng">
+                      <a:noFill/>
+                      <a:prstDash val="solid"/>
+                    </a:lnBlToTr>
+                    <a:noFill/>
+                  </a:tcPr>
+                </a:tc>
+                <a:tc>
+                  <a:txBody>
+                    <a:bodyPr/>
+                    <a:lstStyle/>
+                    <a:p>
+                      <a:pPr algn="ctr" latinLnBrk="1"/>
+                      <a:r>
+                        <a:rPr lang="en-US" altLang="ko-KR" sz="1200" b="0" dirty="0">
+                          <a:solidFill>
+                            <a:schemeClr val="tx1"/>
+                          </a:solidFill>
+                        </a:rPr>
+                        <a:t>y</a:t>
+                      </a:r>
+                      <a:endParaRPr lang="ko-KR" altLang="en-US" sz="1200" b="0" dirty="0">
+                        <a:solidFill>
+                          <a:schemeClr val="tx1"/>
+                        </a:solidFill>
+                      </a:endParaRPr>
+                    </a:p>
+                  </a:txBody>
+                  <a:tcPr anchor="ctr">
+                    <a:lnL w="12700" cap="flat" cmpd="sng" algn="ctr">
+                      <a:noFill/>
+                      <a:prstDash val="solid"/>
+                      <a:round/>
+                      <a:headEnd type="none" w="med" len="med"/>
+                      <a:tailEnd type="none" w="med" len="med"/>
+                    </a:lnL>
+                    <a:lnR w="12700" cap="flat" cmpd="sng" algn="ctr">
+                      <a:noFill/>
+                      <a:prstDash val="solid"/>
+                      <a:round/>
+                      <a:headEnd type="none" w="med" len="med"/>
+                      <a:tailEnd type="none" w="med" len="med"/>
+                    </a:lnR>
+                    <a:lnT w="12700" cap="flat" cmpd="sng" algn="ctr">
+                      <a:noFill/>
+                      <a:prstDash val="solid"/>
+                      <a:round/>
+                      <a:headEnd type="none" w="med" len="med"/>
+                      <a:tailEnd type="none" w="med" len="med"/>
+                    </a:lnT>
+                    <a:lnB w="12700" cap="flat" cmpd="sng" algn="ctr">
+                      <a:solidFill>
+                        <a:schemeClr val="tx1"/>
+                      </a:solidFill>
+                      <a:prstDash val="solid"/>
+                      <a:round/>
+                      <a:headEnd type="none" w="med" len="med"/>
+                      <a:tailEnd type="none" w="med" len="med"/>
+                    </a:lnB>
+                    <a:lnTlToBr w="12700" cmpd="sng">
+                      <a:noFill/>
+                      <a:prstDash val="solid"/>
+                    </a:lnTlToBr>
+                    <a:lnBlToTr w="12700" cmpd="sng">
+                      <a:noFill/>
+                      <a:prstDash val="solid"/>
+                    </a:lnBlToTr>
+                    <a:noFill/>
+                  </a:tcPr>
+                </a:tc>
+                <a:extLst>
+                  <a:ext uri="{0D108BD9-81ED-4DB2-BD59-A6C34878D82A}">
+                    <a16:rowId xmlns:a16="http://schemas.microsoft.com/office/drawing/2014/main" val="596413071"/>
+                  </a:ext>
+                </a:extLst>
+              </a:tr>
+              <a:tr h="348615">
+                <a:tc>
+                  <a:txBody>
+                    <a:bodyPr/>
+                    <a:lstStyle/>
+                    <a:p>
+                      <a:pPr algn="ctr" latinLnBrk="1"/>
+                      <a:r>
+                        <a:rPr lang="en-US" altLang="ko-KR" sz="1200" b="0" dirty="0">
+                          <a:solidFill>
+                            <a:schemeClr val="tx1"/>
+                          </a:solidFill>
+                        </a:rPr>
+                        <a:t>5</a:t>
+                      </a:r>
+                      <a:endParaRPr lang="ko-KR" altLang="en-US" sz="1200" b="0" dirty="0">
+                        <a:solidFill>
+                          <a:schemeClr val="tx1"/>
+                        </a:solidFill>
+                      </a:endParaRPr>
+                    </a:p>
+                  </a:txBody>
+                  <a:tcPr anchor="ctr">
+                    <a:lnL w="12700" cap="flat" cmpd="sng" algn="ctr">
+                      <a:solidFill>
+                        <a:schemeClr val="tx1"/>
+                      </a:solidFill>
+                      <a:prstDash val="solid"/>
+                      <a:round/>
+                      <a:headEnd type="none" w="med" len="med"/>
+                      <a:tailEnd type="none" w="med" len="med"/>
+                    </a:lnL>
+                    <a:lnR w="12700" cap="flat" cmpd="sng" algn="ctr">
+                      <a:solidFill>
+                        <a:schemeClr val="tx1"/>
+                      </a:solidFill>
+                      <a:prstDash val="solid"/>
+                      <a:round/>
+                      <a:headEnd type="none" w="med" len="med"/>
+                      <a:tailEnd type="none" w="med" len="med"/>
+                    </a:lnR>
+                    <a:lnT w="12700" cap="flat" cmpd="sng" algn="ctr">
+                      <a:solidFill>
+                        <a:schemeClr val="tx1"/>
+                      </a:solidFill>
+                      <a:prstDash val="solid"/>
+                      <a:round/>
+                      <a:headEnd type="none" w="med" len="med"/>
+                      <a:tailEnd type="none" w="med" len="med"/>
+                    </a:lnT>
+                    <a:lnB w="12700" cap="flat" cmpd="sng" algn="ctr">
+                      <a:solidFill>
+                        <a:schemeClr val="tx1"/>
+                      </a:solidFill>
+                      <a:prstDash val="solid"/>
+                      <a:round/>
+                      <a:headEnd type="none" w="med" len="med"/>
+                      <a:tailEnd type="none" w="med" len="med"/>
+                    </a:lnB>
+                    <a:lnTlToBr w="12700" cmpd="sng">
+                      <a:noFill/>
+                      <a:prstDash val="solid"/>
+                    </a:lnTlToBr>
+                    <a:lnBlToTr w="12700" cmpd="sng">
+                      <a:noFill/>
+                      <a:prstDash val="solid"/>
+                    </a:lnBlToTr>
+                    <a:noFill/>
+                  </a:tcPr>
+                </a:tc>
+                <a:tc>
+                  <a:txBody>
+                    <a:bodyPr/>
+                    <a:lstStyle/>
+                    <a:p>
+                      <a:pPr algn="ctr" latinLnBrk="1"/>
+                      <a:r>
+                        <a:rPr lang="en-US" altLang="ko-KR" sz="1200" b="0" dirty="0">
+                          <a:solidFill>
+                            <a:schemeClr val="tx1"/>
+                          </a:solidFill>
+                        </a:rPr>
+                        <a:t>8</a:t>
+                      </a:r>
+                      <a:endParaRPr lang="ko-KR" altLang="en-US" sz="1200" b="0" dirty="0">
+                        <a:solidFill>
+                          <a:schemeClr val="tx1"/>
+                        </a:solidFill>
+                      </a:endParaRPr>
+                    </a:p>
+                  </a:txBody>
+                  <a:tcPr anchor="ctr">
+                    <a:lnL w="12700" cap="flat" cmpd="sng" algn="ctr">
+                      <a:solidFill>
+                        <a:schemeClr val="tx1"/>
+                      </a:solidFill>
+                      <a:prstDash val="solid"/>
+                      <a:round/>
+                      <a:headEnd type="none" w="med" len="med"/>
+                      <a:tailEnd type="none" w="med" len="med"/>
+                    </a:lnL>
+                    <a:lnR w="12700" cap="flat" cmpd="sng" algn="ctr">
+                      <a:solidFill>
+                        <a:schemeClr val="tx1"/>
+                      </a:solidFill>
+                      <a:prstDash val="solid"/>
+                      <a:round/>
+                      <a:headEnd type="none" w="med" len="med"/>
+                      <a:tailEnd type="none" w="med" len="med"/>
+                    </a:lnR>
+                    <a:lnT w="12700" cap="flat" cmpd="sng" algn="ctr">
+                      <a:solidFill>
+                        <a:schemeClr val="tx1"/>
+                      </a:solidFill>
+                      <a:prstDash val="solid"/>
+                      <a:round/>
+                      <a:headEnd type="none" w="med" len="med"/>
+                      <a:tailEnd type="none" w="med" len="med"/>
+                    </a:lnT>
+                    <a:lnB w="12700" cap="flat" cmpd="sng" algn="ctr">
+                      <a:solidFill>
+                        <a:schemeClr val="tx1"/>
+                      </a:solidFill>
+                      <a:prstDash val="solid"/>
+                      <a:round/>
+                      <a:headEnd type="none" w="med" len="med"/>
+                      <a:tailEnd type="none" w="med" len="med"/>
+                    </a:lnB>
+                    <a:lnTlToBr w="12700" cmpd="sng">
+                      <a:noFill/>
+                      <a:prstDash val="solid"/>
+                    </a:lnTlToBr>
+                    <a:lnBlToTr w="12700" cmpd="sng">
+                      <a:noFill/>
+                      <a:prstDash val="solid"/>
+                    </a:lnBlToTr>
+                    <a:noFill/>
+                  </a:tcPr>
+                </a:tc>
+                <a:extLst>
+                  <a:ext uri="{0D108BD9-81ED-4DB2-BD59-A6C34878D82A}">
+                    <a16:rowId xmlns:a16="http://schemas.microsoft.com/office/drawing/2014/main" val="3167644525"/>
+                  </a:ext>
+                </a:extLst>
+              </a:tr>
+            </a:tbl>
+          </a:graphicData>
+        </a:graphic>
+      </p:graphicFrame>
+      <p:graphicFrame>
+        <p:nvGraphicFramePr>
+          <p:cNvPr id="15" name="표 14">
+            <a:extLst>
+              <a:ext uri="{FF2B5EF4-FFF2-40B4-BE49-F238E27FC236}">
+                <a16:creationId xmlns:a16="http://schemas.microsoft.com/office/drawing/2014/main" id="{E15E5CFA-A9AE-41AB-9853-566265448ABD}"/>
+              </a:ext>
+            </a:extLst>
+          </p:cNvPr>
+          <p:cNvGraphicFramePr>
+            <a:graphicFrameLocks noGrp="1"/>
+          </p:cNvGraphicFramePr>
+          <p:nvPr>
+            <p:extLst>
+              <p:ext uri="{D42A27DB-BD31-4B8C-83A1-F6EECF244321}">
+                <p14:modId xmlns:p14="http://schemas.microsoft.com/office/powerpoint/2010/main" val="327985239"/>
+              </p:ext>
+            </p:extLst>
+          </p:nvPr>
+        </p:nvGraphicFramePr>
+        <p:xfrm>
+          <a:off x="7079208" y="628755"/>
+          <a:ext cx="926432" cy="697230"/>
+        </p:xfrm>
+        <a:graphic>
+          <a:graphicData uri="http://schemas.openxmlformats.org/drawingml/2006/table">
+            <a:tbl>
+              <a:tblPr firstRow="1" bandRow="1">
+                <a:tableStyleId>{5C22544A-7EE6-4342-B048-85BDC9FD1C3A}</a:tableStyleId>
+              </a:tblPr>
+              <a:tblGrid>
+                <a:gridCol w="463216">
+                  <a:extLst>
+                    <a:ext uri="{9D8B030D-6E8A-4147-A177-3AD203B41FA5}">
+                      <a16:colId xmlns:a16="http://schemas.microsoft.com/office/drawing/2014/main" val="1876448761"/>
+                    </a:ext>
+                  </a:extLst>
+                </a:gridCol>
+                <a:gridCol w="463216">
+                  <a:extLst>
+                    <a:ext uri="{9D8B030D-6E8A-4147-A177-3AD203B41FA5}">
+                      <a16:colId xmlns:a16="http://schemas.microsoft.com/office/drawing/2014/main" val="406678734"/>
+                    </a:ext>
+                  </a:extLst>
+                </a:gridCol>
+              </a:tblGrid>
+              <a:tr h="348615">
+                <a:tc>
+                  <a:txBody>
+                    <a:bodyPr/>
+                    <a:lstStyle/>
+                    <a:p>
+                      <a:pPr algn="ctr" latinLnBrk="1"/>
+                      <a:endParaRPr lang="ko-KR" altLang="en-US" sz="1200" b="0" dirty="0">
+                        <a:solidFill>
+                          <a:schemeClr val="tx1"/>
+                        </a:solidFill>
+                      </a:endParaRPr>
+                    </a:p>
+                  </a:txBody>
+                  <a:tcPr anchor="ctr">
+                    <a:lnL w="12700" cap="flat" cmpd="sng" algn="ctr">
+                      <a:noFill/>
+                      <a:prstDash val="solid"/>
+                      <a:round/>
+                      <a:headEnd type="none" w="med" len="med"/>
+                      <a:tailEnd type="none" w="med" len="med"/>
+                    </a:lnL>
+                    <a:lnR w="12700" cap="flat" cmpd="sng" algn="ctr">
+                      <a:noFill/>
+                      <a:prstDash val="solid"/>
+                      <a:round/>
+                      <a:headEnd type="none" w="med" len="med"/>
+                      <a:tailEnd type="none" w="med" len="med"/>
+                    </a:lnR>
+                    <a:lnT w="12700" cap="flat" cmpd="sng" algn="ctr">
+                      <a:noFill/>
+                      <a:prstDash val="solid"/>
+                      <a:round/>
+                      <a:headEnd type="none" w="med" len="med"/>
+                      <a:tailEnd type="none" w="med" len="med"/>
+                    </a:lnT>
+                    <a:lnB w="12700" cap="flat" cmpd="sng" algn="ctr">
+                      <a:noFill/>
+                      <a:prstDash val="solid"/>
+                      <a:round/>
+                      <a:headEnd type="none" w="med" len="med"/>
+                      <a:tailEnd type="none" w="med" len="med"/>
+                    </a:lnB>
+                    <a:lnTlToBr w="12700" cmpd="sng">
+                      <a:noFill/>
+                      <a:prstDash val="solid"/>
+                    </a:lnTlToBr>
+                    <a:lnBlToTr w="12700" cmpd="sng">
+                      <a:noFill/>
+                      <a:prstDash val="solid"/>
+                    </a:lnBlToTr>
+                    <a:noFill/>
+                  </a:tcPr>
+                </a:tc>
+                <a:tc>
+                  <a:txBody>
+                    <a:bodyPr/>
+                    <a:lstStyle/>
+                    <a:p>
+                      <a:pPr algn="ctr" latinLnBrk="1"/>
+                      <a:endParaRPr lang="ko-KR" altLang="en-US" sz="1200" b="0" dirty="0">
+                        <a:solidFill>
+                          <a:schemeClr val="tx1"/>
+                        </a:solidFill>
+                      </a:endParaRPr>
+                    </a:p>
+                  </a:txBody>
+                  <a:tcPr anchor="ctr">
+                    <a:lnL w="12700" cap="flat" cmpd="sng" algn="ctr">
+                      <a:noFill/>
+                      <a:prstDash val="solid"/>
+                      <a:round/>
+                      <a:headEnd type="none" w="med" len="med"/>
+                      <a:tailEnd type="none" w="med" len="med"/>
+                    </a:lnL>
+                    <a:lnR w="12700" cap="flat" cmpd="sng" algn="ctr">
+                      <a:noFill/>
+                      <a:prstDash val="solid"/>
+                      <a:round/>
+                      <a:headEnd type="none" w="med" len="med"/>
+                      <a:tailEnd type="none" w="med" len="med"/>
+                    </a:lnR>
+                    <a:lnT w="12700" cap="flat" cmpd="sng" algn="ctr">
+                      <a:noFill/>
+                      <a:prstDash val="solid"/>
+                      <a:round/>
+                      <a:headEnd type="none" w="med" len="med"/>
+                      <a:tailEnd type="none" w="med" len="med"/>
+                    </a:lnT>
+                    <a:lnB w="12700" cap="flat" cmpd="sng" algn="ctr">
+                      <a:solidFill>
+                        <a:schemeClr val="tx1"/>
+                      </a:solidFill>
+                      <a:prstDash val="solid"/>
+                      <a:round/>
+                      <a:headEnd type="none" w="med" len="med"/>
+                      <a:tailEnd type="none" w="med" len="med"/>
+                    </a:lnB>
+                    <a:lnTlToBr w="12700" cmpd="sng">
+                      <a:noFill/>
+                      <a:prstDash val="solid"/>
+                    </a:lnTlToBr>
+                    <a:lnBlToTr w="12700" cmpd="sng">
+                      <a:noFill/>
+                      <a:prstDash val="solid"/>
+                    </a:lnBlToTr>
+                    <a:noFill/>
+                  </a:tcPr>
+                </a:tc>
+                <a:extLst>
+                  <a:ext uri="{0D108BD9-81ED-4DB2-BD59-A6C34878D82A}">
+                    <a16:rowId xmlns:a16="http://schemas.microsoft.com/office/drawing/2014/main" val="596413071"/>
+                  </a:ext>
+                </a:extLst>
+              </a:tr>
+              <a:tr h="348615">
+                <a:tc>
+                  <a:txBody>
+                    <a:bodyPr/>
+                    <a:lstStyle/>
+                    <a:p>
+                      <a:pPr algn="ctr" latinLnBrk="1"/>
+                      <a:r>
+                        <a:rPr lang="en-US" altLang="ko-KR" sz="1200" b="0" dirty="0">
+                          <a:solidFill>
+                            <a:schemeClr val="tx1"/>
+                          </a:solidFill>
+                        </a:rPr>
+                        <a:t>p1</a:t>
+                      </a:r>
+                      <a:endParaRPr lang="ko-KR" altLang="en-US" sz="1200" b="0" dirty="0">
+                        <a:solidFill>
+                          <a:schemeClr val="tx1"/>
+                        </a:solidFill>
+                      </a:endParaRPr>
+                    </a:p>
+                  </a:txBody>
+                  <a:tcPr anchor="ctr">
+                    <a:lnL w="12700" cap="flat" cmpd="sng" algn="ctr">
+                      <a:noFill/>
+                      <a:prstDash val="solid"/>
+                      <a:round/>
+                      <a:headEnd type="none" w="med" len="med"/>
+                      <a:tailEnd type="none" w="med" len="med"/>
+                    </a:lnL>
+                    <a:lnR w="12700" cap="flat" cmpd="sng" algn="ctr">
+                      <a:solidFill>
+                        <a:schemeClr val="tx1"/>
+                      </a:solidFill>
+                      <a:prstDash val="solid"/>
+                      <a:round/>
+                      <a:headEnd type="none" w="med" len="med"/>
+                      <a:tailEnd type="none" w="med" len="med"/>
+                    </a:lnR>
+                    <a:lnT w="12700" cap="flat" cmpd="sng" algn="ctr">
+                      <a:noFill/>
+                      <a:prstDash val="solid"/>
+                      <a:round/>
+                      <a:headEnd type="none" w="med" len="med"/>
+                      <a:tailEnd type="none" w="med" len="med"/>
+                    </a:lnT>
+                    <a:lnB w="12700" cap="flat" cmpd="sng" algn="ctr">
+                      <a:noFill/>
+                      <a:prstDash val="solid"/>
+                      <a:round/>
+                      <a:headEnd type="none" w="med" len="med"/>
+                      <a:tailEnd type="none" w="med" len="med"/>
+                    </a:lnB>
+                    <a:lnTlToBr w="12700" cmpd="sng">
+                      <a:noFill/>
+                      <a:prstDash val="solid"/>
+                    </a:lnTlToBr>
+                    <a:lnBlToTr w="12700" cmpd="sng">
+                      <a:noFill/>
+                      <a:prstDash val="solid"/>
+                    </a:lnBlToTr>
+                    <a:noFill/>
+                  </a:tcPr>
+                </a:tc>
+                <a:tc>
+                  <a:txBody>
+                    <a:bodyPr/>
+                    <a:lstStyle/>
+                    <a:p>
+                      <a:pPr algn="ctr" latinLnBrk="1"/>
+                      <a:endParaRPr lang="ko-KR" altLang="en-US" sz="1200" b="0" dirty="0">
+                        <a:solidFill>
+                          <a:schemeClr val="tx1"/>
+                        </a:solidFill>
+                      </a:endParaRPr>
+                    </a:p>
+                  </a:txBody>
+                  <a:tcPr anchor="ctr">
+                    <a:lnL w="12700" cap="flat" cmpd="sng" algn="ctr">
+                      <a:solidFill>
+                        <a:schemeClr val="tx1"/>
+                      </a:solidFill>
+                      <a:prstDash val="solid"/>
+                      <a:round/>
+                      <a:headEnd type="none" w="med" len="med"/>
+                      <a:tailEnd type="none" w="med" len="med"/>
+                    </a:lnL>
+                    <a:lnR w="12700" cap="flat" cmpd="sng" algn="ctr">
+                      <a:solidFill>
+                        <a:schemeClr val="tx1"/>
+                      </a:solidFill>
+                      <a:prstDash val="solid"/>
+                      <a:round/>
+                      <a:headEnd type="none" w="med" len="med"/>
+                      <a:tailEnd type="none" w="med" len="med"/>
+                    </a:lnR>
+                    <a:lnT w="12700" cap="flat" cmpd="sng" algn="ctr">
+                      <a:solidFill>
+                        <a:schemeClr val="tx1"/>
+                      </a:solidFill>
+                      <a:prstDash val="solid"/>
+                      <a:round/>
+                      <a:headEnd type="none" w="med" len="med"/>
+                      <a:tailEnd type="none" w="med" len="med"/>
+                    </a:lnT>
+                    <a:lnB w="12700" cap="flat" cmpd="sng" algn="ctr">
+                      <a:solidFill>
+                        <a:schemeClr val="tx1"/>
+                      </a:solidFill>
+                      <a:prstDash val="solid"/>
+                      <a:round/>
+                      <a:headEnd type="none" w="med" len="med"/>
+                      <a:tailEnd type="none" w="med" len="med"/>
+                    </a:lnB>
+                    <a:lnTlToBr w="12700" cmpd="sng">
+                      <a:noFill/>
+                      <a:prstDash val="solid"/>
+                    </a:lnTlToBr>
+                    <a:lnBlToTr w="12700" cmpd="sng">
+                      <a:noFill/>
+                      <a:prstDash val="solid"/>
+                    </a:lnBlToTr>
+                    <a:noFill/>
+                  </a:tcPr>
+                </a:tc>
+                <a:extLst>
+                  <a:ext uri="{0D108BD9-81ED-4DB2-BD59-A6C34878D82A}">
+                    <a16:rowId xmlns:a16="http://schemas.microsoft.com/office/drawing/2014/main" val="3167644525"/>
+                  </a:ext>
+                </a:extLst>
+              </a:tr>
+            </a:tbl>
+          </a:graphicData>
+        </a:graphic>
+      </p:graphicFrame>
+      <p:graphicFrame>
+        <p:nvGraphicFramePr>
+          <p:cNvPr id="17" name="표 16">
+            <a:extLst>
+              <a:ext uri="{FF2B5EF4-FFF2-40B4-BE49-F238E27FC236}">
+                <a16:creationId xmlns:a16="http://schemas.microsoft.com/office/drawing/2014/main" id="{8D3A6024-1DCC-4541-818E-A058249BC976}"/>
+              </a:ext>
+            </a:extLst>
+          </p:cNvPr>
+          <p:cNvGraphicFramePr>
+            <a:graphicFrameLocks noGrp="1"/>
+          </p:cNvGraphicFramePr>
+          <p:nvPr>
+            <p:extLst>
+              <p:ext uri="{D42A27DB-BD31-4B8C-83A1-F6EECF244321}">
+                <p14:modId xmlns:p14="http://schemas.microsoft.com/office/powerpoint/2010/main" val="337138165"/>
+              </p:ext>
+            </p:extLst>
+          </p:nvPr>
+        </p:nvGraphicFramePr>
+        <p:xfrm>
+          <a:off x="8248279" y="1431184"/>
+          <a:ext cx="990724" cy="697230"/>
+        </p:xfrm>
+        <a:graphic>
+          <a:graphicData uri="http://schemas.openxmlformats.org/drawingml/2006/table">
+            <a:tbl>
+              <a:tblPr firstRow="1" bandRow="1">
+                <a:tableStyleId>{5C22544A-7EE6-4342-B048-85BDC9FD1C3A}</a:tableStyleId>
+              </a:tblPr>
+              <a:tblGrid>
+                <a:gridCol w="495362">
+                  <a:extLst>
+                    <a:ext uri="{9D8B030D-6E8A-4147-A177-3AD203B41FA5}">
+                      <a16:colId xmlns:a16="http://schemas.microsoft.com/office/drawing/2014/main" val="1876448761"/>
+                    </a:ext>
+                  </a:extLst>
+                </a:gridCol>
+                <a:gridCol w="495362">
+                  <a:extLst>
+                    <a:ext uri="{9D8B030D-6E8A-4147-A177-3AD203B41FA5}">
+                      <a16:colId xmlns:a16="http://schemas.microsoft.com/office/drawing/2014/main" val="406678734"/>
+                    </a:ext>
+                  </a:extLst>
+                </a:gridCol>
+              </a:tblGrid>
+              <a:tr h="348615">
+                <a:tc>
+                  <a:txBody>
+                    <a:bodyPr/>
+                    <a:lstStyle/>
+                    <a:p>
+                      <a:pPr algn="ctr" latinLnBrk="1"/>
+                      <a:r>
+                        <a:rPr lang="en-US" altLang="ko-KR" sz="1200" b="0" dirty="0">
+                          <a:solidFill>
+                            <a:schemeClr val="tx1"/>
+                          </a:solidFill>
+                        </a:rPr>
+                        <a:t>x</a:t>
+                      </a:r>
+                      <a:endParaRPr lang="ko-KR" altLang="en-US" sz="1200" b="0" dirty="0">
+                        <a:solidFill>
+                          <a:schemeClr val="tx1"/>
+                        </a:solidFill>
+                      </a:endParaRPr>
+                    </a:p>
+                  </a:txBody>
+                  <a:tcPr anchor="ctr">
+                    <a:lnL w="12700" cap="flat" cmpd="sng" algn="ctr">
+                      <a:noFill/>
+                      <a:prstDash val="solid"/>
+                      <a:round/>
+                      <a:headEnd type="none" w="med" len="med"/>
+                      <a:tailEnd type="none" w="med" len="med"/>
+                    </a:lnL>
+                    <a:lnR w="12700" cap="flat" cmpd="sng" algn="ctr">
+                      <a:noFill/>
+                      <a:prstDash val="solid"/>
+                      <a:round/>
+                      <a:headEnd type="none" w="med" len="med"/>
+                      <a:tailEnd type="none" w="med" len="med"/>
+                    </a:lnR>
+                    <a:lnT w="12700" cap="flat" cmpd="sng" algn="ctr">
+                      <a:noFill/>
+                      <a:prstDash val="solid"/>
+                      <a:round/>
+                      <a:headEnd type="none" w="med" len="med"/>
+                      <a:tailEnd type="none" w="med" len="med"/>
+                    </a:lnT>
+                    <a:lnB w="12700" cap="flat" cmpd="sng" algn="ctr">
+                      <a:solidFill>
+                        <a:schemeClr val="tx1"/>
+                      </a:solidFill>
+                      <a:prstDash val="solid"/>
+                      <a:round/>
+                      <a:headEnd type="none" w="med" len="med"/>
+                      <a:tailEnd type="none" w="med" len="med"/>
+                    </a:lnB>
+                    <a:lnTlToBr w="12700" cmpd="sng">
+                      <a:noFill/>
+                      <a:prstDash val="solid"/>
+                    </a:lnTlToBr>
+                    <a:lnBlToTr w="12700" cmpd="sng">
+                      <a:noFill/>
+                      <a:prstDash val="solid"/>
+                    </a:lnBlToTr>
+                    <a:noFill/>
+                  </a:tcPr>
+                </a:tc>
+                <a:tc>
+                  <a:txBody>
+                    <a:bodyPr/>
+                    <a:lstStyle/>
+                    <a:p>
+                      <a:pPr algn="ctr" latinLnBrk="1"/>
+                      <a:r>
+                        <a:rPr lang="en-US" altLang="ko-KR" sz="1200" b="0" dirty="0">
+                          <a:solidFill>
+                            <a:schemeClr val="tx1"/>
+                          </a:solidFill>
+                        </a:rPr>
+                        <a:t>y</a:t>
+                      </a:r>
+                      <a:endParaRPr lang="ko-KR" altLang="en-US" sz="1200" b="0" dirty="0">
+                        <a:solidFill>
+                          <a:schemeClr val="tx1"/>
+                        </a:solidFill>
+                      </a:endParaRPr>
+                    </a:p>
+                  </a:txBody>
+                  <a:tcPr anchor="ctr">
+                    <a:lnL w="12700" cap="flat" cmpd="sng" algn="ctr">
+                      <a:noFill/>
+                      <a:prstDash val="solid"/>
+                      <a:round/>
+                      <a:headEnd type="none" w="med" len="med"/>
+                      <a:tailEnd type="none" w="med" len="med"/>
+                    </a:lnL>
+                    <a:lnR w="12700" cap="flat" cmpd="sng" algn="ctr">
+                      <a:noFill/>
+                      <a:prstDash val="solid"/>
+                      <a:round/>
+                      <a:headEnd type="none" w="med" len="med"/>
+                      <a:tailEnd type="none" w="med" len="med"/>
+                    </a:lnR>
+                    <a:lnT w="12700" cap="flat" cmpd="sng" algn="ctr">
+                      <a:noFill/>
+                      <a:prstDash val="solid"/>
+                      <a:round/>
+                      <a:headEnd type="none" w="med" len="med"/>
+                      <a:tailEnd type="none" w="med" len="med"/>
+                    </a:lnT>
+                    <a:lnB w="12700" cap="flat" cmpd="sng" algn="ctr">
+                      <a:solidFill>
+                        <a:schemeClr val="tx1"/>
+                      </a:solidFill>
+                      <a:prstDash val="solid"/>
+                      <a:round/>
+                      <a:headEnd type="none" w="med" len="med"/>
+                      <a:tailEnd type="none" w="med" len="med"/>
+                    </a:lnB>
+                    <a:lnTlToBr w="12700" cmpd="sng">
+                      <a:noFill/>
+                      <a:prstDash val="solid"/>
+                    </a:lnTlToBr>
+                    <a:lnBlToTr w="12700" cmpd="sng">
+                      <a:noFill/>
+                      <a:prstDash val="solid"/>
+                    </a:lnBlToTr>
+                    <a:noFill/>
+                  </a:tcPr>
+                </a:tc>
+                <a:extLst>
+                  <a:ext uri="{0D108BD9-81ED-4DB2-BD59-A6C34878D82A}">
+                    <a16:rowId xmlns:a16="http://schemas.microsoft.com/office/drawing/2014/main" val="596413071"/>
+                  </a:ext>
+                </a:extLst>
+              </a:tr>
+              <a:tr h="348615">
+                <a:tc>
+                  <a:txBody>
+                    <a:bodyPr/>
+                    <a:lstStyle/>
+                    <a:p>
+                      <a:pPr algn="ctr" latinLnBrk="1"/>
+                      <a:r>
+                        <a:rPr lang="en-US" altLang="ko-KR" sz="1200" b="0" dirty="0">
+                          <a:solidFill>
+                            <a:schemeClr val="tx1"/>
+                          </a:solidFill>
+                        </a:rPr>
+                        <a:t>0</a:t>
+                      </a:r>
+                      <a:endParaRPr lang="ko-KR" altLang="en-US" sz="1200" b="0" dirty="0">
+                        <a:solidFill>
+                          <a:schemeClr val="tx1"/>
+                        </a:solidFill>
+                      </a:endParaRPr>
+                    </a:p>
+                  </a:txBody>
+                  <a:tcPr anchor="ctr">
+                    <a:lnL w="12700" cap="flat" cmpd="sng" algn="ctr">
+                      <a:solidFill>
+                        <a:schemeClr val="tx1"/>
+                      </a:solidFill>
+                      <a:prstDash val="solid"/>
+                      <a:round/>
+                      <a:headEnd type="none" w="med" len="med"/>
+                      <a:tailEnd type="none" w="med" len="med"/>
+                    </a:lnL>
+                    <a:lnR w="12700" cap="flat" cmpd="sng" algn="ctr">
+                      <a:solidFill>
+                        <a:schemeClr val="tx1"/>
+                      </a:solidFill>
+                      <a:prstDash val="solid"/>
+                      <a:round/>
+                      <a:headEnd type="none" w="med" len="med"/>
+                      <a:tailEnd type="none" w="med" len="med"/>
+                    </a:lnR>
+                    <a:lnT w="12700" cap="flat" cmpd="sng" algn="ctr">
+                      <a:solidFill>
+                        <a:schemeClr val="tx1"/>
+                      </a:solidFill>
+                      <a:prstDash val="solid"/>
+                      <a:round/>
+                      <a:headEnd type="none" w="med" len="med"/>
+                      <a:tailEnd type="none" w="med" len="med"/>
+                    </a:lnT>
+                    <a:lnB w="12700" cap="flat" cmpd="sng" algn="ctr">
+                      <a:solidFill>
+                        <a:schemeClr val="tx1"/>
+                      </a:solidFill>
+                      <a:prstDash val="solid"/>
+                      <a:round/>
+                      <a:headEnd type="none" w="med" len="med"/>
+                      <a:tailEnd type="none" w="med" len="med"/>
+                    </a:lnB>
+                    <a:lnTlToBr w="12700" cmpd="sng">
+                      <a:noFill/>
+                      <a:prstDash val="solid"/>
+                    </a:lnTlToBr>
+                    <a:lnBlToTr w="12700" cmpd="sng">
+                      <a:noFill/>
+                      <a:prstDash val="solid"/>
+                    </a:lnBlToTr>
+                    <a:noFill/>
+                  </a:tcPr>
+                </a:tc>
+                <a:tc>
+                  <a:txBody>
+                    <a:bodyPr/>
+                    <a:lstStyle/>
+                    <a:p>
+                      <a:pPr algn="ctr" latinLnBrk="1"/>
+                      <a:r>
+                        <a:rPr lang="en-US" altLang="ko-KR" sz="1200" b="0" dirty="0">
+                          <a:solidFill>
+                            <a:schemeClr val="tx1"/>
+                          </a:solidFill>
+                        </a:rPr>
+                        <a:t>8</a:t>
+                      </a:r>
+                      <a:endParaRPr lang="ko-KR" altLang="en-US" sz="1200" b="0" dirty="0">
+                        <a:solidFill>
+                          <a:schemeClr val="tx1"/>
+                        </a:solidFill>
+                      </a:endParaRPr>
+                    </a:p>
+                  </a:txBody>
+                  <a:tcPr anchor="ctr">
+                    <a:lnL w="12700" cap="flat" cmpd="sng" algn="ctr">
+                      <a:solidFill>
+                        <a:schemeClr val="tx1"/>
+                      </a:solidFill>
+                      <a:prstDash val="solid"/>
+                      <a:round/>
+                      <a:headEnd type="none" w="med" len="med"/>
+                      <a:tailEnd type="none" w="med" len="med"/>
+                    </a:lnL>
+                    <a:lnR w="12700" cap="flat" cmpd="sng" algn="ctr">
+                      <a:solidFill>
+                        <a:schemeClr val="tx1"/>
+                      </a:solidFill>
+                      <a:prstDash val="solid"/>
+                      <a:round/>
+                      <a:headEnd type="none" w="med" len="med"/>
+                      <a:tailEnd type="none" w="med" len="med"/>
+                    </a:lnR>
+                    <a:lnT w="12700" cap="flat" cmpd="sng" algn="ctr">
+                      <a:solidFill>
+                        <a:schemeClr val="tx1"/>
+                      </a:solidFill>
+                      <a:prstDash val="solid"/>
+                      <a:round/>
+                      <a:headEnd type="none" w="med" len="med"/>
+                      <a:tailEnd type="none" w="med" len="med"/>
+                    </a:lnT>
+                    <a:lnB w="12700" cap="flat" cmpd="sng" algn="ctr">
+                      <a:solidFill>
+                        <a:schemeClr val="tx1"/>
+                      </a:solidFill>
+                      <a:prstDash val="solid"/>
+                      <a:round/>
+                      <a:headEnd type="none" w="med" len="med"/>
+                      <a:tailEnd type="none" w="med" len="med"/>
+                    </a:lnB>
+                    <a:lnTlToBr w="12700" cmpd="sng">
+                      <a:noFill/>
+                      <a:prstDash val="solid"/>
+                    </a:lnTlToBr>
+                    <a:lnBlToTr w="12700" cmpd="sng">
+                      <a:noFill/>
+                      <a:prstDash val="solid"/>
+                    </a:lnBlToTr>
+                    <a:noFill/>
+                  </a:tcPr>
+                </a:tc>
+                <a:extLst>
+                  <a:ext uri="{0D108BD9-81ED-4DB2-BD59-A6C34878D82A}">
+                    <a16:rowId xmlns:a16="http://schemas.microsoft.com/office/drawing/2014/main" val="3167644525"/>
+                  </a:ext>
+                </a:extLst>
+              </a:tr>
+            </a:tbl>
+          </a:graphicData>
+        </a:graphic>
+      </p:graphicFrame>
+      <p:graphicFrame>
+        <p:nvGraphicFramePr>
+          <p:cNvPr id="18" name="표 17">
+            <a:extLst>
+              <a:ext uri="{FF2B5EF4-FFF2-40B4-BE49-F238E27FC236}">
+                <a16:creationId xmlns:a16="http://schemas.microsoft.com/office/drawing/2014/main" id="{44930F47-8005-4F1C-9F78-36B1129B6368}"/>
+              </a:ext>
+            </a:extLst>
+          </p:cNvPr>
+          <p:cNvGraphicFramePr>
+            <a:graphicFrameLocks noGrp="1"/>
+          </p:cNvGraphicFramePr>
+          <p:nvPr>
+            <p:extLst>
+              <p:ext uri="{D42A27DB-BD31-4B8C-83A1-F6EECF244321}">
+                <p14:modId xmlns:p14="http://schemas.microsoft.com/office/powerpoint/2010/main" val="3864302161"/>
+              </p:ext>
+            </p:extLst>
+          </p:nvPr>
+        </p:nvGraphicFramePr>
+        <p:xfrm>
+          <a:off x="7079208" y="1431184"/>
+          <a:ext cx="926432" cy="697230"/>
+        </p:xfrm>
+        <a:graphic>
+          <a:graphicData uri="http://schemas.openxmlformats.org/drawingml/2006/table">
+            <a:tbl>
+              <a:tblPr firstRow="1" bandRow="1">
+                <a:tableStyleId>{5C22544A-7EE6-4342-B048-85BDC9FD1C3A}</a:tableStyleId>
+              </a:tblPr>
+              <a:tblGrid>
+                <a:gridCol w="463216">
+                  <a:extLst>
+                    <a:ext uri="{9D8B030D-6E8A-4147-A177-3AD203B41FA5}">
+                      <a16:colId xmlns:a16="http://schemas.microsoft.com/office/drawing/2014/main" val="1876448761"/>
+                    </a:ext>
+                  </a:extLst>
+                </a:gridCol>
+                <a:gridCol w="463216">
+                  <a:extLst>
+                    <a:ext uri="{9D8B030D-6E8A-4147-A177-3AD203B41FA5}">
+                      <a16:colId xmlns:a16="http://schemas.microsoft.com/office/drawing/2014/main" val="406678734"/>
+                    </a:ext>
+                  </a:extLst>
+                </a:gridCol>
+              </a:tblGrid>
+              <a:tr h="348615">
+                <a:tc>
+                  <a:txBody>
+                    <a:bodyPr/>
+                    <a:lstStyle/>
+                    <a:p>
+                      <a:pPr algn="ctr" latinLnBrk="1"/>
+                      <a:endParaRPr lang="ko-KR" altLang="en-US" sz="1200" b="0" dirty="0">
+                        <a:solidFill>
+                          <a:schemeClr val="tx1"/>
+                        </a:solidFill>
+                      </a:endParaRPr>
+                    </a:p>
+                  </a:txBody>
+                  <a:tcPr anchor="ctr">
+                    <a:lnL w="12700" cap="flat" cmpd="sng" algn="ctr">
+                      <a:noFill/>
+                      <a:prstDash val="solid"/>
+                      <a:round/>
+                      <a:headEnd type="none" w="med" len="med"/>
+                      <a:tailEnd type="none" w="med" len="med"/>
+                    </a:lnL>
+                    <a:lnR w="12700" cap="flat" cmpd="sng" algn="ctr">
+                      <a:noFill/>
+                      <a:prstDash val="solid"/>
+                      <a:round/>
+                      <a:headEnd type="none" w="med" len="med"/>
+                      <a:tailEnd type="none" w="med" len="med"/>
+                    </a:lnR>
+                    <a:lnT w="12700" cap="flat" cmpd="sng" algn="ctr">
+                      <a:noFill/>
+                      <a:prstDash val="solid"/>
+                      <a:round/>
+                      <a:headEnd type="none" w="med" len="med"/>
+                      <a:tailEnd type="none" w="med" len="med"/>
+                    </a:lnT>
+                    <a:lnB w="12700" cap="flat" cmpd="sng" algn="ctr">
+                      <a:noFill/>
+                      <a:prstDash val="solid"/>
+                      <a:round/>
+                      <a:headEnd type="none" w="med" len="med"/>
+                      <a:tailEnd type="none" w="med" len="med"/>
+                    </a:lnB>
+                    <a:lnTlToBr w="12700" cmpd="sng">
+                      <a:noFill/>
+                      <a:prstDash val="solid"/>
+                    </a:lnTlToBr>
+                    <a:lnBlToTr w="12700" cmpd="sng">
+                      <a:noFill/>
+                      <a:prstDash val="solid"/>
+                    </a:lnBlToTr>
+                    <a:noFill/>
+                  </a:tcPr>
+                </a:tc>
+                <a:tc>
+                  <a:txBody>
+                    <a:bodyPr/>
+                    <a:lstStyle/>
+                    <a:p>
+                      <a:pPr algn="ctr" latinLnBrk="1"/>
+                      <a:endParaRPr lang="ko-KR" altLang="en-US" sz="1200" b="0" dirty="0">
+                        <a:solidFill>
+                          <a:schemeClr val="tx1"/>
+                        </a:solidFill>
+                      </a:endParaRPr>
+                    </a:p>
+                  </a:txBody>
+                  <a:tcPr anchor="ctr">
+                    <a:lnL w="12700" cap="flat" cmpd="sng" algn="ctr">
+                      <a:noFill/>
+                      <a:prstDash val="solid"/>
+                      <a:round/>
+                      <a:headEnd type="none" w="med" len="med"/>
+                      <a:tailEnd type="none" w="med" len="med"/>
+                    </a:lnL>
+                    <a:lnR w="12700" cap="flat" cmpd="sng" algn="ctr">
+                      <a:noFill/>
+                      <a:prstDash val="solid"/>
+                      <a:round/>
+                      <a:headEnd type="none" w="med" len="med"/>
+                      <a:tailEnd type="none" w="med" len="med"/>
+                    </a:lnR>
+                    <a:lnT w="12700" cap="flat" cmpd="sng" algn="ctr">
+                      <a:noFill/>
+                      <a:prstDash val="solid"/>
+                      <a:round/>
+                      <a:headEnd type="none" w="med" len="med"/>
+                      <a:tailEnd type="none" w="med" len="med"/>
+                    </a:lnT>
+                    <a:lnB w="12700" cap="flat" cmpd="sng" algn="ctr">
+                      <a:solidFill>
+                        <a:schemeClr val="tx1"/>
+                      </a:solidFill>
+                      <a:prstDash val="solid"/>
+                      <a:round/>
+                      <a:headEnd type="none" w="med" len="med"/>
+                      <a:tailEnd type="none" w="med" len="med"/>
+                    </a:lnB>
+                    <a:lnTlToBr w="12700" cmpd="sng">
+                      <a:noFill/>
+                      <a:prstDash val="solid"/>
+                    </a:lnTlToBr>
+                    <a:lnBlToTr w="12700" cmpd="sng">
+                      <a:noFill/>
+                      <a:prstDash val="solid"/>
+                    </a:lnBlToTr>
+                    <a:noFill/>
+                  </a:tcPr>
+                </a:tc>
+                <a:extLst>
+                  <a:ext uri="{0D108BD9-81ED-4DB2-BD59-A6C34878D82A}">
+                    <a16:rowId xmlns:a16="http://schemas.microsoft.com/office/drawing/2014/main" val="596413071"/>
+                  </a:ext>
+                </a:extLst>
+              </a:tr>
+              <a:tr h="348615">
+                <a:tc>
+                  <a:txBody>
+                    <a:bodyPr/>
+                    <a:lstStyle/>
+                    <a:p>
+                      <a:pPr algn="ctr" latinLnBrk="1"/>
+                      <a:r>
+                        <a:rPr lang="en-US" altLang="ko-KR" sz="1200" b="0" dirty="0">
+                          <a:solidFill>
+                            <a:schemeClr val="tx1"/>
+                          </a:solidFill>
+                        </a:rPr>
+                        <a:t>p2</a:t>
+                      </a:r>
+                      <a:endParaRPr lang="ko-KR" altLang="en-US" sz="1200" b="0" dirty="0">
+                        <a:solidFill>
+                          <a:schemeClr val="tx1"/>
+                        </a:solidFill>
+                      </a:endParaRPr>
+                    </a:p>
+                  </a:txBody>
+                  <a:tcPr anchor="ctr">
+                    <a:lnL w="12700" cap="flat" cmpd="sng" algn="ctr">
+                      <a:noFill/>
+                      <a:prstDash val="solid"/>
+                      <a:round/>
+                      <a:headEnd type="none" w="med" len="med"/>
+                      <a:tailEnd type="none" w="med" len="med"/>
+                    </a:lnL>
+                    <a:lnR w="12700" cap="flat" cmpd="sng" algn="ctr">
+                      <a:solidFill>
+                        <a:schemeClr val="tx1"/>
+                      </a:solidFill>
+                      <a:prstDash val="solid"/>
+                      <a:round/>
+                      <a:headEnd type="none" w="med" len="med"/>
+                      <a:tailEnd type="none" w="med" len="med"/>
+                    </a:lnR>
+                    <a:lnT w="12700" cap="flat" cmpd="sng" algn="ctr">
+                      <a:noFill/>
+                      <a:prstDash val="solid"/>
+                      <a:round/>
+                      <a:headEnd type="none" w="med" len="med"/>
+                      <a:tailEnd type="none" w="med" len="med"/>
+                    </a:lnT>
+                    <a:lnB w="12700" cap="flat" cmpd="sng" algn="ctr">
+                      <a:noFill/>
+                      <a:prstDash val="solid"/>
+                      <a:round/>
+                      <a:headEnd type="none" w="med" len="med"/>
+                      <a:tailEnd type="none" w="med" len="med"/>
+                    </a:lnB>
+                    <a:lnTlToBr w="12700" cmpd="sng">
+                      <a:noFill/>
+                      <a:prstDash val="solid"/>
+                    </a:lnTlToBr>
+                    <a:lnBlToTr w="12700" cmpd="sng">
+                      <a:noFill/>
+                      <a:prstDash val="solid"/>
+                    </a:lnBlToTr>
+                    <a:noFill/>
+                  </a:tcPr>
+                </a:tc>
+                <a:tc>
+                  <a:txBody>
+                    <a:bodyPr/>
+                    <a:lstStyle/>
+                    <a:p>
+                      <a:pPr algn="ctr" latinLnBrk="1"/>
+                      <a:endParaRPr lang="ko-KR" altLang="en-US" sz="1200" b="0" dirty="0">
+                        <a:solidFill>
+                          <a:schemeClr val="tx1"/>
+                        </a:solidFill>
+                      </a:endParaRPr>
+                    </a:p>
+                  </a:txBody>
+                  <a:tcPr anchor="ctr">
+                    <a:lnL w="12700" cap="flat" cmpd="sng" algn="ctr">
+                      <a:solidFill>
+                        <a:schemeClr val="tx1"/>
+                      </a:solidFill>
+                      <a:prstDash val="solid"/>
+                      <a:round/>
+                      <a:headEnd type="none" w="med" len="med"/>
+                      <a:tailEnd type="none" w="med" len="med"/>
+                    </a:lnL>
+                    <a:lnR w="12700" cap="flat" cmpd="sng" algn="ctr">
+                      <a:solidFill>
+                        <a:schemeClr val="tx1"/>
+                      </a:solidFill>
+                      <a:prstDash val="solid"/>
+                      <a:round/>
+                      <a:headEnd type="none" w="med" len="med"/>
+                      <a:tailEnd type="none" w="med" len="med"/>
+                    </a:lnR>
+                    <a:lnT w="12700" cap="flat" cmpd="sng" algn="ctr">
+                      <a:solidFill>
+                        <a:schemeClr val="tx1"/>
+                      </a:solidFill>
+                      <a:prstDash val="solid"/>
+                      <a:round/>
+                      <a:headEnd type="none" w="med" len="med"/>
+                      <a:tailEnd type="none" w="med" len="med"/>
+                    </a:lnT>
+                    <a:lnB w="12700" cap="flat" cmpd="sng" algn="ctr">
+                      <a:solidFill>
+                        <a:schemeClr val="tx1"/>
+                      </a:solidFill>
+                      <a:prstDash val="solid"/>
+                      <a:round/>
+                      <a:headEnd type="none" w="med" len="med"/>
+                      <a:tailEnd type="none" w="med" len="med"/>
+                    </a:lnB>
+                    <a:lnTlToBr w="12700" cmpd="sng">
+                      <a:noFill/>
+                      <a:prstDash val="solid"/>
+                    </a:lnTlToBr>
+                    <a:lnBlToTr w="12700" cmpd="sng">
+                      <a:noFill/>
+                      <a:prstDash val="solid"/>
+                    </a:lnBlToTr>
+                    <a:noFill/>
+                  </a:tcPr>
+                </a:tc>
+                <a:extLst>
+                  <a:ext uri="{0D108BD9-81ED-4DB2-BD59-A6C34878D82A}">
+                    <a16:rowId xmlns:a16="http://schemas.microsoft.com/office/drawing/2014/main" val="3167644525"/>
+                  </a:ext>
+                </a:extLst>
+              </a:tr>
+            </a:tbl>
+          </a:graphicData>
+        </a:graphic>
+      </p:graphicFrame>
+      <p:cxnSp>
+        <p:nvCxnSpPr>
+          <p:cNvPr id="19" name="직선 화살표 연결선 18">
+            <a:extLst>
+              <a:ext uri="{FF2B5EF4-FFF2-40B4-BE49-F238E27FC236}">
+                <a16:creationId xmlns:a16="http://schemas.microsoft.com/office/drawing/2014/main" id="{6FF02EC5-4E6C-4366-904F-FA3E2752F922}"/>
+              </a:ext>
+            </a:extLst>
+          </p:cNvPr>
+          <p:cNvCxnSpPr/>
+          <p:nvPr/>
+        </p:nvCxnSpPr>
+        <p:spPr>
+          <a:xfrm>
+            <a:off x="8005640" y="2025016"/>
+            <a:ext cx="242639" cy="0"/>
+          </a:xfrm>
+          <a:prstGeom prst="straightConnector1">
+            <a:avLst/>
+          </a:prstGeom>
+          <a:ln w="28575">
+            <a:tailEnd type="triangle"/>
+          </a:ln>
+        </p:spPr>
+        <p:style>
+          <a:lnRef idx="1">
+            <a:schemeClr val="dk1"/>
+          </a:lnRef>
+          <a:fillRef idx="0">
+            <a:schemeClr val="dk1"/>
+          </a:fillRef>
+          <a:effectRef idx="0">
+            <a:schemeClr val="dk1"/>
+          </a:effectRef>
+          <a:fontRef idx="minor">
+            <a:schemeClr val="tx1"/>
+          </a:fontRef>
+        </p:style>
+      </p:cxnSp>
+      <p:cxnSp>
+        <p:nvCxnSpPr>
+          <p:cNvPr id="20" name="직선 연결선 19">
+            <a:extLst>
+              <a:ext uri="{FF2B5EF4-FFF2-40B4-BE49-F238E27FC236}">
+                <a16:creationId xmlns:a16="http://schemas.microsoft.com/office/drawing/2014/main" id="{9DD39AAA-1B17-4210-9D27-6C9389501E59}"/>
+              </a:ext>
+            </a:extLst>
+          </p:cNvPr>
+          <p:cNvCxnSpPr>
+            <a:cxnSpLocks/>
+          </p:cNvCxnSpPr>
+          <p:nvPr/>
+        </p:nvCxnSpPr>
+        <p:spPr>
+          <a:xfrm>
+            <a:off x="8005640" y="1188000"/>
+            <a:ext cx="71560" cy="0"/>
+          </a:xfrm>
+          <a:prstGeom prst="line">
+            <a:avLst/>
+          </a:prstGeom>
+          <a:ln w="28575"/>
+        </p:spPr>
+        <p:style>
+          <a:lnRef idx="1">
+            <a:schemeClr val="dk1"/>
+          </a:lnRef>
+          <a:fillRef idx="0">
+            <a:schemeClr val="dk1"/>
+          </a:fillRef>
+          <a:effectRef idx="0">
+            <a:schemeClr val="dk1"/>
+          </a:effectRef>
+          <a:fontRef idx="minor">
+            <a:schemeClr val="tx1"/>
+          </a:fontRef>
+        </p:style>
+      </p:cxnSp>
+      <p:cxnSp>
+        <p:nvCxnSpPr>
+          <p:cNvPr id="32" name="직선 연결선 31">
+            <a:extLst>
+              <a:ext uri="{FF2B5EF4-FFF2-40B4-BE49-F238E27FC236}">
+                <a16:creationId xmlns:a16="http://schemas.microsoft.com/office/drawing/2014/main" id="{0DABFDF0-EC29-49A3-B55D-5F3BA6CEE5D5}"/>
+              </a:ext>
+            </a:extLst>
+          </p:cNvPr>
+          <p:cNvCxnSpPr>
+            <a:cxnSpLocks/>
+          </p:cNvCxnSpPr>
+          <p:nvPr/>
+        </p:nvCxnSpPr>
+        <p:spPr>
+          <a:xfrm flipH="1">
+            <a:off x="8067675" y="1173586"/>
+            <a:ext cx="4762" cy="716400"/>
+          </a:xfrm>
+          <a:prstGeom prst="line">
+            <a:avLst/>
+          </a:prstGeom>
+          <a:ln w="28575"/>
+        </p:spPr>
+        <p:style>
+          <a:lnRef idx="1">
+            <a:schemeClr val="dk1"/>
+          </a:lnRef>
+          <a:fillRef idx="0">
+            <a:schemeClr val="dk1"/>
+          </a:fillRef>
+          <a:effectRef idx="0">
+            <a:schemeClr val="dk1"/>
+          </a:effectRef>
+          <a:fontRef idx="minor">
+            <a:schemeClr val="tx1"/>
+          </a:fontRef>
+        </p:style>
+      </p:cxnSp>
+      <p:cxnSp>
+        <p:nvCxnSpPr>
+          <p:cNvPr id="36" name="직선 화살표 연결선 35">
+            <a:extLst>
+              <a:ext uri="{FF2B5EF4-FFF2-40B4-BE49-F238E27FC236}">
+                <a16:creationId xmlns:a16="http://schemas.microsoft.com/office/drawing/2014/main" id="{903DDA49-DEA3-48E5-A3F0-78B8CED573F1}"/>
+              </a:ext>
+            </a:extLst>
+          </p:cNvPr>
+          <p:cNvCxnSpPr>
+            <a:cxnSpLocks/>
+          </p:cNvCxnSpPr>
+          <p:nvPr/>
+        </p:nvCxnSpPr>
+        <p:spPr>
+          <a:xfrm>
+            <a:off x="8072437" y="1875600"/>
+            <a:ext cx="175842" cy="0"/>
+          </a:xfrm>
+          <a:prstGeom prst="straightConnector1">
+            <a:avLst/>
+          </a:prstGeom>
+          <a:ln w="28575">
+            <a:tailEnd type="triangle"/>
+          </a:ln>
+        </p:spPr>
+        <p:style>
+          <a:lnRef idx="1">
+            <a:schemeClr val="dk1"/>
+          </a:lnRef>
+          <a:fillRef idx="0">
+            <a:schemeClr val="dk1"/>
+          </a:fillRef>
+          <a:effectRef idx="0">
+            <a:schemeClr val="dk1"/>
+          </a:effectRef>
+          <a:fontRef idx="minor">
+            <a:schemeClr val="tx1"/>
+          </a:fontRef>
+        </p:style>
+      </p:cxnSp>
+      <p:sp>
+        <p:nvSpPr>
+          <p:cNvPr id="39" name="TextBox 38">
+            <a:extLst>
+              <a:ext uri="{FF2B5EF4-FFF2-40B4-BE49-F238E27FC236}">
+                <a16:creationId xmlns:a16="http://schemas.microsoft.com/office/drawing/2014/main" id="{B657EAD5-D412-448B-81A6-1BAFAFE03977}"/>
+              </a:ext>
+            </a:extLst>
+          </p:cNvPr>
+          <p:cNvSpPr txBox="1"/>
+          <p:nvPr/>
+        </p:nvSpPr>
+        <p:spPr>
+          <a:xfrm>
+            <a:off x="5845845" y="2230230"/>
+            <a:ext cx="357790" cy="276999"/>
+          </a:xfrm>
+          <a:prstGeom prst="rect">
+            <a:avLst/>
+          </a:prstGeom>
+          <a:noFill/>
+        </p:spPr>
+        <p:txBody>
+          <a:bodyPr wrap="none" rtlCol="0">
+            <a:spAutoFit/>
+          </a:bodyPr>
+          <a:lstStyle/>
+          <a:p>
+            <a:r>
+              <a:rPr lang="en-US" altLang="ko-KR" sz="1200" dirty="0"/>
+              <a:t>(a)</a:t>
+            </a:r>
+            <a:endParaRPr lang="ko-KR" altLang="en-US" sz="1200" dirty="0"/>
+          </a:p>
+        </p:txBody>
+      </p:sp>
+      <p:sp>
+        <p:nvSpPr>
+          <p:cNvPr id="40" name="TextBox 39">
+            <a:extLst>
+              <a:ext uri="{FF2B5EF4-FFF2-40B4-BE49-F238E27FC236}">
+                <a16:creationId xmlns:a16="http://schemas.microsoft.com/office/drawing/2014/main" id="{B7EC8E34-32D2-447D-96B1-DB5102EA2729}"/>
+              </a:ext>
+            </a:extLst>
+          </p:cNvPr>
+          <p:cNvSpPr txBox="1"/>
+          <p:nvPr/>
+        </p:nvSpPr>
+        <p:spPr>
+          <a:xfrm>
+            <a:off x="8248279" y="2230230"/>
+            <a:ext cx="370614" cy="276999"/>
+          </a:xfrm>
+          <a:prstGeom prst="rect">
+            <a:avLst/>
+          </a:prstGeom>
+          <a:noFill/>
+        </p:spPr>
+        <p:txBody>
+          <a:bodyPr wrap="none" rtlCol="0">
+            <a:spAutoFit/>
+          </a:bodyPr>
+          <a:lstStyle/>
+          <a:p>
+            <a:r>
+              <a:rPr lang="en-US" altLang="ko-KR" sz="1200" dirty="0"/>
+              <a:t>(b)</a:t>
+            </a:r>
+            <a:endParaRPr lang="ko-KR" altLang="en-US" sz="1200" dirty="0"/>
+          </a:p>
+        </p:txBody>
+      </p:sp>
+      <p:graphicFrame>
+        <p:nvGraphicFramePr>
+          <p:cNvPr id="34" name="표 33">
+            <a:extLst>
+              <a:ext uri="{FF2B5EF4-FFF2-40B4-BE49-F238E27FC236}">
+                <a16:creationId xmlns:a16="http://schemas.microsoft.com/office/drawing/2014/main" id="{46166507-C6B2-4934-8FE1-0F11FFF555ED}"/>
+              </a:ext>
+            </a:extLst>
+          </p:cNvPr>
+          <p:cNvGraphicFramePr>
+            <a:graphicFrameLocks noGrp="1"/>
+          </p:cNvGraphicFramePr>
+          <p:nvPr>
+            <p:extLst>
+              <p:ext uri="{D42A27DB-BD31-4B8C-83A1-F6EECF244321}">
+                <p14:modId xmlns:p14="http://schemas.microsoft.com/office/powerpoint/2010/main" val="327985239"/>
+              </p:ext>
+            </p:extLst>
+          </p:nvPr>
+        </p:nvGraphicFramePr>
+        <p:xfrm>
+          <a:off x="7079208" y="3001856"/>
+          <a:ext cx="926432" cy="697230"/>
+        </p:xfrm>
+        <a:graphic>
+          <a:graphicData uri="http://schemas.openxmlformats.org/drawingml/2006/table">
+            <a:tbl>
+              <a:tblPr firstRow="1" bandRow="1">
+                <a:tableStyleId>{5C22544A-7EE6-4342-B048-85BDC9FD1C3A}</a:tableStyleId>
+              </a:tblPr>
+              <a:tblGrid>
+                <a:gridCol w="463216">
+                  <a:extLst>
+                    <a:ext uri="{9D8B030D-6E8A-4147-A177-3AD203B41FA5}">
+                      <a16:colId xmlns:a16="http://schemas.microsoft.com/office/drawing/2014/main" val="1876448761"/>
+                    </a:ext>
+                  </a:extLst>
+                </a:gridCol>
+                <a:gridCol w="463216">
+                  <a:extLst>
+                    <a:ext uri="{9D8B030D-6E8A-4147-A177-3AD203B41FA5}">
+                      <a16:colId xmlns:a16="http://schemas.microsoft.com/office/drawing/2014/main" val="406678734"/>
+                    </a:ext>
+                  </a:extLst>
+                </a:gridCol>
+              </a:tblGrid>
+              <a:tr h="348615">
+                <a:tc>
+                  <a:txBody>
+                    <a:bodyPr/>
+                    <a:lstStyle/>
+                    <a:p>
+                      <a:pPr algn="ctr" latinLnBrk="1"/>
+                      <a:endParaRPr lang="ko-KR" altLang="en-US" sz="1200" b="0" dirty="0">
+                        <a:solidFill>
+                          <a:schemeClr val="tx1"/>
+                        </a:solidFill>
+                      </a:endParaRPr>
+                    </a:p>
+                  </a:txBody>
+                  <a:tcPr anchor="ctr">
+                    <a:lnL w="12700" cap="flat" cmpd="sng" algn="ctr">
+                      <a:noFill/>
+                      <a:prstDash val="solid"/>
+                      <a:round/>
+                      <a:headEnd type="none" w="med" len="med"/>
+                      <a:tailEnd type="none" w="med" len="med"/>
+                    </a:lnL>
+                    <a:lnR w="12700" cap="flat" cmpd="sng" algn="ctr">
+                      <a:noFill/>
+                      <a:prstDash val="solid"/>
+                      <a:round/>
+                      <a:headEnd type="none" w="med" len="med"/>
+                      <a:tailEnd type="none" w="med" len="med"/>
+                    </a:lnR>
+                    <a:lnT w="12700" cap="flat" cmpd="sng" algn="ctr">
+                      <a:noFill/>
+                      <a:prstDash val="solid"/>
+                      <a:round/>
+                      <a:headEnd type="none" w="med" len="med"/>
+                      <a:tailEnd type="none" w="med" len="med"/>
+                    </a:lnT>
+                    <a:lnB w="12700" cap="flat" cmpd="sng" algn="ctr">
+                      <a:noFill/>
+                      <a:prstDash val="solid"/>
+                      <a:round/>
+                      <a:headEnd type="none" w="med" len="med"/>
+                      <a:tailEnd type="none" w="med" len="med"/>
+                    </a:lnB>
+                    <a:lnTlToBr w="12700" cmpd="sng">
+                      <a:noFill/>
+                      <a:prstDash val="solid"/>
+                    </a:lnTlToBr>
+                    <a:lnBlToTr w="12700" cmpd="sng">
+                      <a:noFill/>
+                      <a:prstDash val="solid"/>
+                    </a:lnBlToTr>
+                    <a:noFill/>
+                  </a:tcPr>
+                </a:tc>
+                <a:tc>
+                  <a:txBody>
+                    <a:bodyPr/>
+                    <a:lstStyle/>
+                    <a:p>
+                      <a:pPr algn="ctr" latinLnBrk="1"/>
+                      <a:endParaRPr lang="ko-KR" altLang="en-US" sz="1200" b="0" dirty="0">
+                        <a:solidFill>
+                          <a:schemeClr val="tx1"/>
+                        </a:solidFill>
+                      </a:endParaRPr>
+                    </a:p>
+                  </a:txBody>
+                  <a:tcPr anchor="ctr">
+                    <a:lnL w="12700" cap="flat" cmpd="sng" algn="ctr">
+                      <a:noFill/>
+                      <a:prstDash val="solid"/>
+                      <a:round/>
+                      <a:headEnd type="none" w="med" len="med"/>
+                      <a:tailEnd type="none" w="med" len="med"/>
+                    </a:lnL>
+                    <a:lnR w="12700" cap="flat" cmpd="sng" algn="ctr">
+                      <a:noFill/>
+                      <a:prstDash val="solid"/>
+                      <a:round/>
+                      <a:headEnd type="none" w="med" len="med"/>
+                      <a:tailEnd type="none" w="med" len="med"/>
+                    </a:lnR>
+                    <a:lnT w="12700" cap="flat" cmpd="sng" algn="ctr">
+                      <a:noFill/>
+                      <a:prstDash val="solid"/>
+                      <a:round/>
+                      <a:headEnd type="none" w="med" len="med"/>
+                      <a:tailEnd type="none" w="med" len="med"/>
+                    </a:lnT>
+                    <a:lnB w="12700" cap="flat" cmpd="sng" algn="ctr">
+                      <a:solidFill>
+                        <a:schemeClr val="tx1"/>
+                      </a:solidFill>
+                      <a:prstDash val="solid"/>
+                      <a:round/>
+                      <a:headEnd type="none" w="med" len="med"/>
+                      <a:tailEnd type="none" w="med" len="med"/>
+                    </a:lnB>
+                    <a:lnTlToBr w="12700" cmpd="sng">
+                      <a:noFill/>
+                      <a:prstDash val="solid"/>
+                    </a:lnTlToBr>
+                    <a:lnBlToTr w="12700" cmpd="sng">
+                      <a:noFill/>
+                      <a:prstDash val="solid"/>
+                    </a:lnBlToTr>
+                    <a:noFill/>
+                  </a:tcPr>
+                </a:tc>
+                <a:extLst>
+                  <a:ext uri="{0D108BD9-81ED-4DB2-BD59-A6C34878D82A}">
+                    <a16:rowId xmlns:a16="http://schemas.microsoft.com/office/drawing/2014/main" val="596413071"/>
+                  </a:ext>
+                </a:extLst>
+              </a:tr>
+              <a:tr h="348615">
+                <a:tc>
+                  <a:txBody>
+                    <a:bodyPr/>
+                    <a:lstStyle/>
+                    <a:p>
+                      <a:pPr algn="ctr" latinLnBrk="1"/>
+                      <a:r>
+                        <a:rPr lang="en-US" altLang="ko-KR" sz="1200" b="0" dirty="0">
+                          <a:solidFill>
+                            <a:schemeClr val="tx1"/>
+                          </a:solidFill>
+                        </a:rPr>
+                        <a:t>p1</a:t>
+                      </a:r>
+                      <a:endParaRPr lang="ko-KR" altLang="en-US" sz="1200" b="0" dirty="0">
+                        <a:solidFill>
+                          <a:schemeClr val="tx1"/>
+                        </a:solidFill>
+                      </a:endParaRPr>
+                    </a:p>
+                  </a:txBody>
+                  <a:tcPr anchor="ctr">
+                    <a:lnL w="12700" cap="flat" cmpd="sng" algn="ctr">
+                      <a:noFill/>
+                      <a:prstDash val="solid"/>
+                      <a:round/>
+                      <a:headEnd type="none" w="med" len="med"/>
+                      <a:tailEnd type="none" w="med" len="med"/>
+                    </a:lnL>
+                    <a:lnR w="12700" cap="flat" cmpd="sng" algn="ctr">
+                      <a:solidFill>
+                        <a:schemeClr val="tx1"/>
+                      </a:solidFill>
+                      <a:prstDash val="solid"/>
+                      <a:round/>
+                      <a:headEnd type="none" w="med" len="med"/>
+                      <a:tailEnd type="none" w="med" len="med"/>
+                    </a:lnR>
+                    <a:lnT w="12700" cap="flat" cmpd="sng" algn="ctr">
+                      <a:noFill/>
+                      <a:prstDash val="solid"/>
+                      <a:round/>
+                      <a:headEnd type="none" w="med" len="med"/>
+                      <a:tailEnd type="none" w="med" len="med"/>
+                    </a:lnT>
+                    <a:lnB w="12700" cap="flat" cmpd="sng" algn="ctr">
+                      <a:noFill/>
+                      <a:prstDash val="solid"/>
+                      <a:round/>
+                      <a:headEnd type="none" w="med" len="med"/>
+                      <a:tailEnd type="none" w="med" len="med"/>
+                    </a:lnB>
+                    <a:lnTlToBr w="12700" cmpd="sng">
+                      <a:noFill/>
+                      <a:prstDash val="solid"/>
+                    </a:lnTlToBr>
+                    <a:lnBlToTr w="12700" cmpd="sng">
+                      <a:noFill/>
+                      <a:prstDash val="solid"/>
+                    </a:lnBlToTr>
+                    <a:noFill/>
+                  </a:tcPr>
+                </a:tc>
+                <a:tc>
+                  <a:txBody>
+                    <a:bodyPr/>
+                    <a:lstStyle/>
+                    <a:p>
+                      <a:pPr algn="ctr" latinLnBrk="1"/>
+                      <a:endParaRPr lang="ko-KR" altLang="en-US" sz="1200" b="0" dirty="0">
+                        <a:solidFill>
+                          <a:schemeClr val="tx1"/>
+                        </a:solidFill>
+                      </a:endParaRPr>
+                    </a:p>
+                  </a:txBody>
+                  <a:tcPr anchor="ctr">
+                    <a:lnL w="12700" cap="flat" cmpd="sng" algn="ctr">
+                      <a:solidFill>
+                        <a:schemeClr val="tx1"/>
+                      </a:solidFill>
+                      <a:prstDash val="solid"/>
+                      <a:round/>
+                      <a:headEnd type="none" w="med" len="med"/>
+                      <a:tailEnd type="none" w="med" len="med"/>
+                    </a:lnL>
+                    <a:lnR w="12700" cap="flat" cmpd="sng" algn="ctr">
+                      <a:solidFill>
+                        <a:schemeClr val="tx1"/>
+                      </a:solidFill>
+                      <a:prstDash val="solid"/>
+                      <a:round/>
+                      <a:headEnd type="none" w="med" len="med"/>
+                      <a:tailEnd type="none" w="med" len="med"/>
+                    </a:lnR>
+                    <a:lnT w="12700" cap="flat" cmpd="sng" algn="ctr">
+                      <a:solidFill>
+                        <a:schemeClr val="tx1"/>
+                      </a:solidFill>
+                      <a:prstDash val="solid"/>
+                      <a:round/>
+                      <a:headEnd type="none" w="med" len="med"/>
+                      <a:tailEnd type="none" w="med" len="med"/>
+                    </a:lnT>
+                    <a:lnB w="12700" cap="flat" cmpd="sng" algn="ctr">
+                      <a:solidFill>
+                        <a:schemeClr val="tx1"/>
+                      </a:solidFill>
+                      <a:prstDash val="solid"/>
+                      <a:round/>
+                      <a:headEnd type="none" w="med" len="med"/>
+                      <a:tailEnd type="none" w="med" len="med"/>
+                    </a:lnB>
+                    <a:lnTlToBr w="12700" cmpd="sng">
+                      <a:noFill/>
+                      <a:prstDash val="solid"/>
+                    </a:lnTlToBr>
+                    <a:lnBlToTr w="12700" cmpd="sng">
+                      <a:noFill/>
+                      <a:prstDash val="solid"/>
+                    </a:lnBlToTr>
+                    <a:noFill/>
+                  </a:tcPr>
+                </a:tc>
+                <a:extLst>
+                  <a:ext uri="{0D108BD9-81ED-4DB2-BD59-A6C34878D82A}">
+                    <a16:rowId xmlns:a16="http://schemas.microsoft.com/office/drawing/2014/main" val="3167644525"/>
+                  </a:ext>
+                </a:extLst>
+              </a:tr>
+            </a:tbl>
+          </a:graphicData>
+        </a:graphic>
+      </p:graphicFrame>
+      <p:graphicFrame>
+        <p:nvGraphicFramePr>
+          <p:cNvPr id="35" name="표 34">
+            <a:extLst>
+              <a:ext uri="{FF2B5EF4-FFF2-40B4-BE49-F238E27FC236}">
+                <a16:creationId xmlns:a16="http://schemas.microsoft.com/office/drawing/2014/main" id="{ACEDEAC6-779A-40AD-84CD-48E4DCE06B72}"/>
+              </a:ext>
+            </a:extLst>
+          </p:cNvPr>
+          <p:cNvGraphicFramePr>
+            <a:graphicFrameLocks noGrp="1"/>
+          </p:cNvGraphicFramePr>
+          <p:nvPr>
+            <p:extLst>
+              <p:ext uri="{D42A27DB-BD31-4B8C-83A1-F6EECF244321}">
+                <p14:modId xmlns:p14="http://schemas.microsoft.com/office/powerpoint/2010/main" val="1958514526"/>
+              </p:ext>
+            </p:extLst>
+          </p:nvPr>
+        </p:nvGraphicFramePr>
+        <p:xfrm>
+          <a:off x="8248279" y="3804285"/>
+          <a:ext cx="990724" cy="697230"/>
+        </p:xfrm>
+        <a:graphic>
+          <a:graphicData uri="http://schemas.openxmlformats.org/drawingml/2006/table">
+            <a:tbl>
+              <a:tblPr firstRow="1" bandRow="1">
+                <a:tableStyleId>{5C22544A-7EE6-4342-B048-85BDC9FD1C3A}</a:tableStyleId>
+              </a:tblPr>
+              <a:tblGrid>
+                <a:gridCol w="495362">
+                  <a:extLst>
+                    <a:ext uri="{9D8B030D-6E8A-4147-A177-3AD203B41FA5}">
+                      <a16:colId xmlns:a16="http://schemas.microsoft.com/office/drawing/2014/main" val="1876448761"/>
+                    </a:ext>
+                  </a:extLst>
+                </a:gridCol>
+                <a:gridCol w="495362">
+                  <a:extLst>
+                    <a:ext uri="{9D8B030D-6E8A-4147-A177-3AD203B41FA5}">
+                      <a16:colId xmlns:a16="http://schemas.microsoft.com/office/drawing/2014/main" val="406678734"/>
+                    </a:ext>
+                  </a:extLst>
+                </a:gridCol>
+              </a:tblGrid>
+              <a:tr h="348615">
+                <a:tc>
+                  <a:txBody>
+                    <a:bodyPr/>
+                    <a:lstStyle/>
+                    <a:p>
+                      <a:pPr algn="ctr" latinLnBrk="1"/>
+                      <a:r>
+                        <a:rPr lang="en-US" altLang="ko-KR" sz="1200" b="0" dirty="0">
+                          <a:solidFill>
+                            <a:schemeClr val="tx1"/>
+                          </a:solidFill>
+                        </a:rPr>
+                        <a:t>x</a:t>
+                      </a:r>
+                      <a:endParaRPr lang="ko-KR" altLang="en-US" sz="1200" b="0" dirty="0">
+                        <a:solidFill>
+                          <a:schemeClr val="tx1"/>
+                        </a:solidFill>
+                      </a:endParaRPr>
+                    </a:p>
+                  </a:txBody>
+                  <a:tcPr anchor="ctr">
+                    <a:lnL w="12700" cap="flat" cmpd="sng" algn="ctr">
+                      <a:noFill/>
+                      <a:prstDash val="solid"/>
+                      <a:round/>
+                      <a:headEnd type="none" w="med" len="med"/>
+                      <a:tailEnd type="none" w="med" len="med"/>
+                    </a:lnL>
+                    <a:lnR w="12700" cap="flat" cmpd="sng" algn="ctr">
+                      <a:noFill/>
+                      <a:prstDash val="solid"/>
+                      <a:round/>
+                      <a:headEnd type="none" w="med" len="med"/>
+                      <a:tailEnd type="none" w="med" len="med"/>
+                    </a:lnR>
+                    <a:lnT w="12700" cap="flat" cmpd="sng" algn="ctr">
+                      <a:noFill/>
+                      <a:prstDash val="solid"/>
+                      <a:round/>
+                      <a:headEnd type="none" w="med" len="med"/>
+                      <a:tailEnd type="none" w="med" len="med"/>
+                    </a:lnT>
+                    <a:lnB w="12700" cap="flat" cmpd="sng" algn="ctr">
+                      <a:solidFill>
+                        <a:schemeClr val="tx1"/>
+                      </a:solidFill>
+                      <a:prstDash val="solid"/>
+                      <a:round/>
+                      <a:headEnd type="none" w="med" len="med"/>
+                      <a:tailEnd type="none" w="med" len="med"/>
+                    </a:lnB>
+                    <a:lnTlToBr w="12700" cmpd="sng">
+                      <a:noFill/>
+                      <a:prstDash val="solid"/>
+                    </a:lnTlToBr>
+                    <a:lnBlToTr w="12700" cmpd="sng">
+                      <a:noFill/>
+                      <a:prstDash val="solid"/>
+                    </a:lnBlToTr>
+                    <a:noFill/>
+                  </a:tcPr>
+                </a:tc>
+                <a:tc>
+                  <a:txBody>
+                    <a:bodyPr/>
+                    <a:lstStyle/>
+                    <a:p>
+                      <a:pPr algn="ctr" latinLnBrk="1"/>
+                      <a:r>
+                        <a:rPr lang="en-US" altLang="ko-KR" sz="1200" b="0" dirty="0">
+                          <a:solidFill>
+                            <a:schemeClr val="tx1"/>
+                          </a:solidFill>
+                        </a:rPr>
+                        <a:t>y</a:t>
+                      </a:r>
+                      <a:endParaRPr lang="ko-KR" altLang="en-US" sz="1200" b="0" dirty="0">
+                        <a:solidFill>
+                          <a:schemeClr val="tx1"/>
+                        </a:solidFill>
+                      </a:endParaRPr>
+                    </a:p>
+                  </a:txBody>
+                  <a:tcPr anchor="ctr">
+                    <a:lnL w="12700" cap="flat" cmpd="sng" algn="ctr">
+                      <a:noFill/>
+                      <a:prstDash val="solid"/>
+                      <a:round/>
+                      <a:headEnd type="none" w="med" len="med"/>
+                      <a:tailEnd type="none" w="med" len="med"/>
+                    </a:lnL>
+                    <a:lnR w="12700" cap="flat" cmpd="sng" algn="ctr">
+                      <a:noFill/>
+                      <a:prstDash val="solid"/>
+                      <a:round/>
+                      <a:headEnd type="none" w="med" len="med"/>
+                      <a:tailEnd type="none" w="med" len="med"/>
+                    </a:lnR>
+                    <a:lnT w="12700" cap="flat" cmpd="sng" algn="ctr">
+                      <a:noFill/>
+                      <a:prstDash val="solid"/>
+                      <a:round/>
+                      <a:headEnd type="none" w="med" len="med"/>
+                      <a:tailEnd type="none" w="med" len="med"/>
+                    </a:lnT>
+                    <a:lnB w="12700" cap="flat" cmpd="sng" algn="ctr">
+                      <a:solidFill>
+                        <a:schemeClr val="tx1"/>
+                      </a:solidFill>
+                      <a:prstDash val="solid"/>
+                      <a:round/>
+                      <a:headEnd type="none" w="med" len="med"/>
+                      <a:tailEnd type="none" w="med" len="med"/>
+                    </a:lnB>
+                    <a:lnTlToBr w="12700" cmpd="sng">
+                      <a:noFill/>
+                      <a:prstDash val="solid"/>
+                    </a:lnTlToBr>
+                    <a:lnBlToTr w="12700" cmpd="sng">
+                      <a:noFill/>
+                      <a:prstDash val="solid"/>
+                    </a:lnBlToTr>
+                    <a:noFill/>
+                  </a:tcPr>
+                </a:tc>
+                <a:extLst>
+                  <a:ext uri="{0D108BD9-81ED-4DB2-BD59-A6C34878D82A}">
+                    <a16:rowId xmlns:a16="http://schemas.microsoft.com/office/drawing/2014/main" val="596413071"/>
+                  </a:ext>
+                </a:extLst>
+              </a:tr>
+              <a:tr h="348615">
+                <a:tc>
+                  <a:txBody>
+                    <a:bodyPr/>
+                    <a:lstStyle/>
+                    <a:p>
+                      <a:pPr algn="ctr" latinLnBrk="1"/>
+                      <a:r>
+                        <a:rPr lang="en-US" altLang="ko-KR" sz="1200" b="0" dirty="0">
+                          <a:solidFill>
+                            <a:schemeClr val="tx1"/>
+                          </a:solidFill>
+                        </a:rPr>
+                        <a:t>3</a:t>
+                      </a:r>
+                      <a:endParaRPr lang="ko-KR" altLang="en-US" sz="1200" b="0" dirty="0">
+                        <a:solidFill>
+                          <a:schemeClr val="tx1"/>
+                        </a:solidFill>
+                      </a:endParaRPr>
+                    </a:p>
+                  </a:txBody>
+                  <a:tcPr anchor="ctr">
+                    <a:lnL w="12700" cap="flat" cmpd="sng" algn="ctr">
+                      <a:solidFill>
+                        <a:schemeClr val="tx1"/>
+                      </a:solidFill>
+                      <a:prstDash val="solid"/>
+                      <a:round/>
+                      <a:headEnd type="none" w="med" len="med"/>
+                      <a:tailEnd type="none" w="med" len="med"/>
+                    </a:lnL>
+                    <a:lnR w="12700" cap="flat" cmpd="sng" algn="ctr">
+                      <a:solidFill>
+                        <a:schemeClr val="tx1"/>
+                      </a:solidFill>
+                      <a:prstDash val="solid"/>
+                      <a:round/>
+                      <a:headEnd type="none" w="med" len="med"/>
+                      <a:tailEnd type="none" w="med" len="med"/>
+                    </a:lnR>
+                    <a:lnT w="12700" cap="flat" cmpd="sng" algn="ctr">
+                      <a:solidFill>
+                        <a:schemeClr val="tx1"/>
+                      </a:solidFill>
+                      <a:prstDash val="solid"/>
+                      <a:round/>
+                      <a:headEnd type="none" w="med" len="med"/>
+                      <a:tailEnd type="none" w="med" len="med"/>
+                    </a:lnT>
+                    <a:lnB w="12700" cap="flat" cmpd="sng" algn="ctr">
+                      <a:solidFill>
+                        <a:schemeClr val="tx1"/>
+                      </a:solidFill>
+                      <a:prstDash val="solid"/>
+                      <a:round/>
+                      <a:headEnd type="none" w="med" len="med"/>
+                      <a:tailEnd type="none" w="med" len="med"/>
+                    </a:lnB>
+                    <a:lnTlToBr w="12700" cmpd="sng">
+                      <a:noFill/>
+                      <a:prstDash val="solid"/>
+                    </a:lnTlToBr>
+                    <a:lnBlToTr w="12700" cmpd="sng">
+                      <a:noFill/>
+                      <a:prstDash val="solid"/>
+                    </a:lnBlToTr>
+                    <a:noFill/>
+                  </a:tcPr>
+                </a:tc>
+                <a:tc>
+                  <a:txBody>
+                    <a:bodyPr/>
+                    <a:lstStyle/>
+                    <a:p>
+                      <a:pPr algn="ctr" latinLnBrk="1"/>
+                      <a:r>
+                        <a:rPr lang="en-US" altLang="ko-KR" sz="1200" b="0" dirty="0">
+                          <a:solidFill>
+                            <a:schemeClr val="tx1"/>
+                          </a:solidFill>
+                        </a:rPr>
+                        <a:t>8</a:t>
+                      </a:r>
+                      <a:endParaRPr lang="ko-KR" altLang="en-US" sz="1200" b="0" dirty="0">
+                        <a:solidFill>
+                          <a:schemeClr val="tx1"/>
+                        </a:solidFill>
+                      </a:endParaRPr>
+                    </a:p>
+                  </a:txBody>
+                  <a:tcPr anchor="ctr">
+                    <a:lnL w="12700" cap="flat" cmpd="sng" algn="ctr">
+                      <a:solidFill>
+                        <a:schemeClr val="tx1"/>
+                      </a:solidFill>
+                      <a:prstDash val="solid"/>
+                      <a:round/>
+                      <a:headEnd type="none" w="med" len="med"/>
+                      <a:tailEnd type="none" w="med" len="med"/>
+                    </a:lnL>
+                    <a:lnR w="12700" cap="flat" cmpd="sng" algn="ctr">
+                      <a:solidFill>
+                        <a:schemeClr val="tx1"/>
+                      </a:solidFill>
+                      <a:prstDash val="solid"/>
+                      <a:round/>
+                      <a:headEnd type="none" w="med" len="med"/>
+                      <a:tailEnd type="none" w="med" len="med"/>
+                    </a:lnR>
+                    <a:lnT w="12700" cap="flat" cmpd="sng" algn="ctr">
+                      <a:solidFill>
+                        <a:schemeClr val="tx1"/>
+                      </a:solidFill>
+                      <a:prstDash val="solid"/>
+                      <a:round/>
+                      <a:headEnd type="none" w="med" len="med"/>
+                      <a:tailEnd type="none" w="med" len="med"/>
+                    </a:lnT>
+                    <a:lnB w="12700" cap="flat" cmpd="sng" algn="ctr">
+                      <a:solidFill>
+                        <a:schemeClr val="tx1"/>
+                      </a:solidFill>
+                      <a:prstDash val="solid"/>
+                      <a:round/>
+                      <a:headEnd type="none" w="med" len="med"/>
+                      <a:tailEnd type="none" w="med" len="med"/>
+                    </a:lnB>
+                    <a:lnTlToBr w="12700" cmpd="sng">
+                      <a:noFill/>
+                      <a:prstDash val="solid"/>
+                    </a:lnTlToBr>
+                    <a:lnBlToTr w="12700" cmpd="sng">
+                      <a:noFill/>
+                      <a:prstDash val="solid"/>
+                    </a:lnBlToTr>
+                    <a:noFill/>
+                  </a:tcPr>
+                </a:tc>
+                <a:extLst>
+                  <a:ext uri="{0D108BD9-81ED-4DB2-BD59-A6C34878D82A}">
+                    <a16:rowId xmlns:a16="http://schemas.microsoft.com/office/drawing/2014/main" val="3167644525"/>
+                  </a:ext>
+                </a:extLst>
+              </a:tr>
+            </a:tbl>
+          </a:graphicData>
+        </a:graphic>
+      </p:graphicFrame>
+      <p:graphicFrame>
+        <p:nvGraphicFramePr>
+          <p:cNvPr id="37" name="표 36">
+            <a:extLst>
+              <a:ext uri="{FF2B5EF4-FFF2-40B4-BE49-F238E27FC236}">
+                <a16:creationId xmlns:a16="http://schemas.microsoft.com/office/drawing/2014/main" id="{10A4AEF4-E1EA-4E7D-842D-922E46161E92}"/>
+              </a:ext>
+            </a:extLst>
+          </p:cNvPr>
+          <p:cNvGraphicFramePr>
+            <a:graphicFrameLocks noGrp="1"/>
+          </p:cNvGraphicFramePr>
+          <p:nvPr>
+            <p:extLst>
+              <p:ext uri="{D42A27DB-BD31-4B8C-83A1-F6EECF244321}">
+                <p14:modId xmlns:p14="http://schemas.microsoft.com/office/powerpoint/2010/main" val="3864302161"/>
+              </p:ext>
+            </p:extLst>
+          </p:nvPr>
+        </p:nvGraphicFramePr>
+        <p:xfrm>
+          <a:off x="7079208" y="3804285"/>
+          <a:ext cx="926432" cy="697230"/>
+        </p:xfrm>
+        <a:graphic>
+          <a:graphicData uri="http://schemas.openxmlformats.org/drawingml/2006/table">
+            <a:tbl>
+              <a:tblPr firstRow="1" bandRow="1">
+                <a:tableStyleId>{5C22544A-7EE6-4342-B048-85BDC9FD1C3A}</a:tableStyleId>
+              </a:tblPr>
+              <a:tblGrid>
+                <a:gridCol w="463216">
+                  <a:extLst>
+                    <a:ext uri="{9D8B030D-6E8A-4147-A177-3AD203B41FA5}">
+                      <a16:colId xmlns:a16="http://schemas.microsoft.com/office/drawing/2014/main" val="1876448761"/>
+                    </a:ext>
+                  </a:extLst>
+                </a:gridCol>
+                <a:gridCol w="463216">
+                  <a:extLst>
+                    <a:ext uri="{9D8B030D-6E8A-4147-A177-3AD203B41FA5}">
+                      <a16:colId xmlns:a16="http://schemas.microsoft.com/office/drawing/2014/main" val="406678734"/>
+                    </a:ext>
+                  </a:extLst>
+                </a:gridCol>
+              </a:tblGrid>
+              <a:tr h="348615">
+                <a:tc>
+                  <a:txBody>
+                    <a:bodyPr/>
+                    <a:lstStyle/>
+                    <a:p>
+                      <a:pPr algn="ctr" latinLnBrk="1"/>
+                      <a:endParaRPr lang="ko-KR" altLang="en-US" sz="1200" b="0" dirty="0">
+                        <a:solidFill>
+                          <a:schemeClr val="tx1"/>
+                        </a:solidFill>
+                      </a:endParaRPr>
+                    </a:p>
+                  </a:txBody>
+                  <a:tcPr anchor="ctr">
+                    <a:lnL w="12700" cap="flat" cmpd="sng" algn="ctr">
+                      <a:noFill/>
+                      <a:prstDash val="solid"/>
+                      <a:round/>
+                      <a:headEnd type="none" w="med" len="med"/>
+                      <a:tailEnd type="none" w="med" len="med"/>
+                    </a:lnL>
+                    <a:lnR w="12700" cap="flat" cmpd="sng" algn="ctr">
+                      <a:noFill/>
+                      <a:prstDash val="solid"/>
+                      <a:round/>
+                      <a:headEnd type="none" w="med" len="med"/>
+                      <a:tailEnd type="none" w="med" len="med"/>
+                    </a:lnR>
+                    <a:lnT w="12700" cap="flat" cmpd="sng" algn="ctr">
+                      <a:noFill/>
+                      <a:prstDash val="solid"/>
+                      <a:round/>
+                      <a:headEnd type="none" w="med" len="med"/>
+                      <a:tailEnd type="none" w="med" len="med"/>
+                    </a:lnT>
+                    <a:lnB w="12700" cap="flat" cmpd="sng" algn="ctr">
+                      <a:noFill/>
+                      <a:prstDash val="solid"/>
+                      <a:round/>
+                      <a:headEnd type="none" w="med" len="med"/>
+                      <a:tailEnd type="none" w="med" len="med"/>
+                    </a:lnB>
+                    <a:lnTlToBr w="12700" cmpd="sng">
+                      <a:noFill/>
+                      <a:prstDash val="solid"/>
+                    </a:lnTlToBr>
+                    <a:lnBlToTr w="12700" cmpd="sng">
+                      <a:noFill/>
+                      <a:prstDash val="solid"/>
+                    </a:lnBlToTr>
+                    <a:noFill/>
+                  </a:tcPr>
+                </a:tc>
+                <a:tc>
+                  <a:txBody>
+                    <a:bodyPr/>
+                    <a:lstStyle/>
+                    <a:p>
+                      <a:pPr algn="ctr" latinLnBrk="1"/>
+                      <a:endParaRPr lang="ko-KR" altLang="en-US" sz="1200" b="0" dirty="0">
+                        <a:solidFill>
+                          <a:schemeClr val="tx1"/>
+                        </a:solidFill>
+                      </a:endParaRPr>
+                    </a:p>
+                  </a:txBody>
+                  <a:tcPr anchor="ctr">
+                    <a:lnL w="12700" cap="flat" cmpd="sng" algn="ctr">
+                      <a:noFill/>
+                      <a:prstDash val="solid"/>
+                      <a:round/>
+                      <a:headEnd type="none" w="med" len="med"/>
+                      <a:tailEnd type="none" w="med" len="med"/>
+                    </a:lnL>
+                    <a:lnR w="12700" cap="flat" cmpd="sng" algn="ctr">
+                      <a:noFill/>
+                      <a:prstDash val="solid"/>
+                      <a:round/>
+                      <a:headEnd type="none" w="med" len="med"/>
+                      <a:tailEnd type="none" w="med" len="med"/>
+                    </a:lnR>
+                    <a:lnT w="12700" cap="flat" cmpd="sng" algn="ctr">
+                      <a:noFill/>
+                      <a:prstDash val="solid"/>
+                      <a:round/>
+                      <a:headEnd type="none" w="med" len="med"/>
+                      <a:tailEnd type="none" w="med" len="med"/>
+                    </a:lnT>
+                    <a:lnB w="12700" cap="flat" cmpd="sng" algn="ctr">
+                      <a:solidFill>
+                        <a:schemeClr val="tx1"/>
+                      </a:solidFill>
+                      <a:prstDash val="solid"/>
+                      <a:round/>
+                      <a:headEnd type="none" w="med" len="med"/>
+                      <a:tailEnd type="none" w="med" len="med"/>
+                    </a:lnB>
+                    <a:lnTlToBr w="12700" cmpd="sng">
+                      <a:noFill/>
+                      <a:prstDash val="solid"/>
+                    </a:lnTlToBr>
+                    <a:lnBlToTr w="12700" cmpd="sng">
+                      <a:noFill/>
+                      <a:prstDash val="solid"/>
+                    </a:lnBlToTr>
+                    <a:noFill/>
+                  </a:tcPr>
+                </a:tc>
+                <a:extLst>
+                  <a:ext uri="{0D108BD9-81ED-4DB2-BD59-A6C34878D82A}">
+                    <a16:rowId xmlns:a16="http://schemas.microsoft.com/office/drawing/2014/main" val="596413071"/>
+                  </a:ext>
+                </a:extLst>
+              </a:tr>
+              <a:tr h="348615">
+                <a:tc>
+                  <a:txBody>
+                    <a:bodyPr/>
+                    <a:lstStyle/>
+                    <a:p>
+                      <a:pPr algn="ctr" latinLnBrk="1"/>
+                      <a:r>
+                        <a:rPr lang="en-US" altLang="ko-KR" sz="1200" b="0" dirty="0">
+                          <a:solidFill>
+                            <a:schemeClr val="tx1"/>
+                          </a:solidFill>
+                        </a:rPr>
+                        <a:t>p2</a:t>
+                      </a:r>
+                      <a:endParaRPr lang="ko-KR" altLang="en-US" sz="1200" b="0" dirty="0">
+                        <a:solidFill>
+                          <a:schemeClr val="tx1"/>
+                        </a:solidFill>
+                      </a:endParaRPr>
+                    </a:p>
+                  </a:txBody>
+                  <a:tcPr anchor="ctr">
+                    <a:lnL w="12700" cap="flat" cmpd="sng" algn="ctr">
+                      <a:noFill/>
+                      <a:prstDash val="solid"/>
+                      <a:round/>
+                      <a:headEnd type="none" w="med" len="med"/>
+                      <a:tailEnd type="none" w="med" len="med"/>
+                    </a:lnL>
+                    <a:lnR w="12700" cap="flat" cmpd="sng" algn="ctr">
+                      <a:solidFill>
+                        <a:schemeClr val="tx1"/>
+                      </a:solidFill>
+                      <a:prstDash val="solid"/>
+                      <a:round/>
+                      <a:headEnd type="none" w="med" len="med"/>
+                      <a:tailEnd type="none" w="med" len="med"/>
+                    </a:lnR>
+                    <a:lnT w="12700" cap="flat" cmpd="sng" algn="ctr">
+                      <a:noFill/>
+                      <a:prstDash val="solid"/>
+                      <a:round/>
+                      <a:headEnd type="none" w="med" len="med"/>
+                      <a:tailEnd type="none" w="med" len="med"/>
+                    </a:lnT>
+                    <a:lnB w="12700" cap="flat" cmpd="sng" algn="ctr">
+                      <a:noFill/>
+                      <a:prstDash val="solid"/>
+                      <a:round/>
+                      <a:headEnd type="none" w="med" len="med"/>
+                      <a:tailEnd type="none" w="med" len="med"/>
+                    </a:lnB>
+                    <a:lnTlToBr w="12700" cmpd="sng">
+                      <a:noFill/>
+                      <a:prstDash val="solid"/>
+                    </a:lnTlToBr>
+                    <a:lnBlToTr w="12700" cmpd="sng">
+                      <a:noFill/>
+                      <a:prstDash val="solid"/>
+                    </a:lnBlToTr>
+                    <a:noFill/>
+                  </a:tcPr>
+                </a:tc>
+                <a:tc>
+                  <a:txBody>
+                    <a:bodyPr/>
+                    <a:lstStyle/>
+                    <a:p>
+                      <a:pPr algn="ctr" latinLnBrk="1"/>
+                      <a:endParaRPr lang="ko-KR" altLang="en-US" sz="1200" b="0" dirty="0">
+                        <a:solidFill>
+                          <a:schemeClr val="tx1"/>
+                        </a:solidFill>
+                      </a:endParaRPr>
+                    </a:p>
+                  </a:txBody>
+                  <a:tcPr anchor="ctr">
+                    <a:lnL w="12700" cap="flat" cmpd="sng" algn="ctr">
+                      <a:solidFill>
+                        <a:schemeClr val="tx1"/>
+                      </a:solidFill>
+                      <a:prstDash val="solid"/>
+                      <a:round/>
+                      <a:headEnd type="none" w="med" len="med"/>
+                      <a:tailEnd type="none" w="med" len="med"/>
+                    </a:lnL>
+                    <a:lnR w="12700" cap="flat" cmpd="sng" algn="ctr">
+                      <a:solidFill>
+                        <a:schemeClr val="tx1"/>
+                      </a:solidFill>
+                      <a:prstDash val="solid"/>
+                      <a:round/>
+                      <a:headEnd type="none" w="med" len="med"/>
+                      <a:tailEnd type="none" w="med" len="med"/>
+                    </a:lnR>
+                    <a:lnT w="12700" cap="flat" cmpd="sng" algn="ctr">
+                      <a:solidFill>
+                        <a:schemeClr val="tx1"/>
+                      </a:solidFill>
+                      <a:prstDash val="solid"/>
+                      <a:round/>
+                      <a:headEnd type="none" w="med" len="med"/>
+                      <a:tailEnd type="none" w="med" len="med"/>
+                    </a:lnT>
+                    <a:lnB w="12700" cap="flat" cmpd="sng" algn="ctr">
+                      <a:solidFill>
+                        <a:schemeClr val="tx1"/>
+                      </a:solidFill>
+                      <a:prstDash val="solid"/>
+                      <a:round/>
+                      <a:headEnd type="none" w="med" len="med"/>
+                      <a:tailEnd type="none" w="med" len="med"/>
+                    </a:lnB>
+                    <a:lnTlToBr w="12700" cmpd="sng">
+                      <a:noFill/>
+                      <a:prstDash val="solid"/>
+                    </a:lnTlToBr>
+                    <a:lnBlToTr w="12700" cmpd="sng">
+                      <a:noFill/>
+                      <a:prstDash val="solid"/>
+                    </a:lnBlToTr>
+                    <a:noFill/>
+                  </a:tcPr>
+                </a:tc>
+                <a:extLst>
+                  <a:ext uri="{0D108BD9-81ED-4DB2-BD59-A6C34878D82A}">
+                    <a16:rowId xmlns:a16="http://schemas.microsoft.com/office/drawing/2014/main" val="3167644525"/>
+                  </a:ext>
+                </a:extLst>
+              </a:tr>
+            </a:tbl>
+          </a:graphicData>
+        </a:graphic>
+      </p:graphicFrame>
+      <p:cxnSp>
+        <p:nvCxnSpPr>
+          <p:cNvPr id="38" name="직선 화살표 연결선 37">
+            <a:extLst>
+              <a:ext uri="{FF2B5EF4-FFF2-40B4-BE49-F238E27FC236}">
+                <a16:creationId xmlns:a16="http://schemas.microsoft.com/office/drawing/2014/main" id="{DF797A45-5567-4146-8852-99A1D51A7635}"/>
+              </a:ext>
+            </a:extLst>
+          </p:cNvPr>
+          <p:cNvCxnSpPr/>
+          <p:nvPr/>
+        </p:nvCxnSpPr>
+        <p:spPr>
+          <a:xfrm>
+            <a:off x="8005640" y="4398117"/>
+            <a:ext cx="242639" cy="0"/>
+          </a:xfrm>
+          <a:prstGeom prst="straightConnector1">
+            <a:avLst/>
+          </a:prstGeom>
+          <a:ln w="28575">
+            <a:tailEnd type="triangle"/>
+          </a:ln>
+        </p:spPr>
+        <p:style>
+          <a:lnRef idx="1">
+            <a:schemeClr val="dk1"/>
+          </a:lnRef>
+          <a:fillRef idx="0">
+            <a:schemeClr val="dk1"/>
+          </a:fillRef>
+          <a:effectRef idx="0">
+            <a:schemeClr val="dk1"/>
+          </a:effectRef>
+          <a:fontRef idx="minor">
+            <a:schemeClr val="tx1"/>
+          </a:fontRef>
+        </p:style>
+      </p:cxnSp>
+      <p:cxnSp>
+        <p:nvCxnSpPr>
+          <p:cNvPr id="41" name="직선 연결선 40">
+            <a:extLst>
+              <a:ext uri="{FF2B5EF4-FFF2-40B4-BE49-F238E27FC236}">
+                <a16:creationId xmlns:a16="http://schemas.microsoft.com/office/drawing/2014/main" id="{CF657264-4DA6-4EEC-83EF-C14C47AC1098}"/>
+              </a:ext>
+            </a:extLst>
+          </p:cNvPr>
+          <p:cNvCxnSpPr>
+            <a:cxnSpLocks/>
+          </p:cNvCxnSpPr>
+          <p:nvPr/>
+        </p:nvCxnSpPr>
+        <p:spPr>
+          <a:xfrm>
+            <a:off x="8005640" y="3561101"/>
+            <a:ext cx="71560" cy="0"/>
+          </a:xfrm>
+          <a:prstGeom prst="line">
+            <a:avLst/>
+          </a:prstGeom>
+          <a:ln w="28575"/>
+        </p:spPr>
+        <p:style>
+          <a:lnRef idx="1">
+            <a:schemeClr val="dk1"/>
+          </a:lnRef>
+          <a:fillRef idx="0">
+            <a:schemeClr val="dk1"/>
+          </a:fillRef>
+          <a:effectRef idx="0">
+            <a:schemeClr val="dk1"/>
+          </a:effectRef>
+          <a:fontRef idx="minor">
+            <a:schemeClr val="tx1"/>
+          </a:fontRef>
+        </p:style>
+      </p:cxnSp>
+      <p:cxnSp>
+        <p:nvCxnSpPr>
+          <p:cNvPr id="42" name="직선 연결선 41">
+            <a:extLst>
+              <a:ext uri="{FF2B5EF4-FFF2-40B4-BE49-F238E27FC236}">
+                <a16:creationId xmlns:a16="http://schemas.microsoft.com/office/drawing/2014/main" id="{92E4B47C-0857-451D-8F13-257FF03A1509}"/>
+              </a:ext>
+            </a:extLst>
+          </p:cNvPr>
+          <p:cNvCxnSpPr>
+            <a:cxnSpLocks/>
+          </p:cNvCxnSpPr>
+          <p:nvPr/>
+        </p:nvCxnSpPr>
+        <p:spPr>
+          <a:xfrm flipH="1">
+            <a:off x="8067675" y="3546687"/>
+            <a:ext cx="4762" cy="716400"/>
+          </a:xfrm>
+          <a:prstGeom prst="line">
+            <a:avLst/>
+          </a:prstGeom>
+          <a:ln w="28575"/>
+        </p:spPr>
+        <p:style>
+          <a:lnRef idx="1">
+            <a:schemeClr val="dk1"/>
+          </a:lnRef>
+          <a:fillRef idx="0">
+            <a:schemeClr val="dk1"/>
+          </a:fillRef>
+          <a:effectRef idx="0">
+            <a:schemeClr val="dk1"/>
+          </a:effectRef>
+          <a:fontRef idx="minor">
+            <a:schemeClr val="tx1"/>
+          </a:fontRef>
+        </p:style>
+      </p:cxnSp>
+      <p:cxnSp>
+        <p:nvCxnSpPr>
+          <p:cNvPr id="43" name="직선 화살표 연결선 42">
+            <a:extLst>
+              <a:ext uri="{FF2B5EF4-FFF2-40B4-BE49-F238E27FC236}">
+                <a16:creationId xmlns:a16="http://schemas.microsoft.com/office/drawing/2014/main" id="{EF663488-480E-465F-A69E-38E08B113F73}"/>
+              </a:ext>
+            </a:extLst>
+          </p:cNvPr>
+          <p:cNvCxnSpPr>
+            <a:cxnSpLocks/>
+          </p:cNvCxnSpPr>
+          <p:nvPr/>
+        </p:nvCxnSpPr>
+        <p:spPr>
+          <a:xfrm>
+            <a:off x="8072437" y="4248701"/>
+            <a:ext cx="175842" cy="0"/>
+          </a:xfrm>
+          <a:prstGeom prst="straightConnector1">
+            <a:avLst/>
+          </a:prstGeom>
+          <a:ln w="28575">
+            <a:tailEnd type="triangle"/>
+          </a:ln>
+        </p:spPr>
+        <p:style>
+          <a:lnRef idx="1">
+            <a:schemeClr val="dk1"/>
+          </a:lnRef>
+          <a:fillRef idx="0">
+            <a:schemeClr val="dk1"/>
+          </a:fillRef>
+          <a:effectRef idx="0">
+            <a:schemeClr val="dk1"/>
+          </a:effectRef>
+          <a:fontRef idx="minor">
+            <a:schemeClr val="tx1"/>
+          </a:fontRef>
+        </p:style>
+      </p:cxnSp>
+    </p:spTree>
+    <p:extLst>
+      <p:ext uri="{BB962C8B-B14F-4D97-AF65-F5344CB8AC3E}">
+        <p14:creationId xmlns:p14="http://schemas.microsoft.com/office/powerpoint/2010/main" val="3580055276"/>
+      </p:ext>
+    </p:extLst>
+  </p:cSld>
+  <p:clrMapOvr>
+    <a:masterClrMapping/>
+  </p:clrMapOvr>
+</p:sld>
+</file>
+
 <file path=ppt/theme/theme1.xml><?xml version="1.0" encoding="utf-8"?>
 <a:theme xmlns:a="http://schemas.openxmlformats.org/drawingml/2006/main" name="Office 테마">
   <a:themeElements>

--- a/assets/form/matrix.pptx
+++ b/assets/form/matrix.pptx
@@ -12,6 +12,7 @@
     <p:sldId id="260" r:id="rId6"/>
     <p:sldId id="261" r:id="rId7"/>
     <p:sldId id="262" r:id="rId8"/>
+    <p:sldId id="263" r:id="rId9"/>
   </p:sldIdLst>
   <p:sldSz cx="12192000" cy="6858000"/>
   <p:notesSz cx="6858000" cy="9144000"/>
@@ -265,7 +266,7 @@
           <a:p>
             <a:fld id="{C33B33F7-DDCE-4A4A-93D2-3E7ADEC868BC}" type="datetimeFigureOut">
               <a:rPr lang="ko-KR" altLang="en-US" smtClean="0"/>
-              <a:t>2019-07-29</a:t>
+              <a:t>2019-08-02</a:t>
             </a:fld>
             <a:endParaRPr lang="ko-KR" altLang="en-US" dirty="0"/>
           </a:p>
@@ -463,7 +464,7 @@
           <a:p>
             <a:fld id="{C33B33F7-DDCE-4A4A-93D2-3E7ADEC868BC}" type="datetimeFigureOut">
               <a:rPr lang="ko-KR" altLang="en-US" smtClean="0"/>
-              <a:t>2019-07-29</a:t>
+              <a:t>2019-08-02</a:t>
             </a:fld>
             <a:endParaRPr lang="ko-KR" altLang="en-US" dirty="0"/>
           </a:p>
@@ -671,7 +672,7 @@
           <a:p>
             <a:fld id="{C33B33F7-DDCE-4A4A-93D2-3E7ADEC868BC}" type="datetimeFigureOut">
               <a:rPr lang="ko-KR" altLang="en-US" smtClean="0"/>
-              <a:t>2019-07-29</a:t>
+              <a:t>2019-08-02</a:t>
             </a:fld>
             <a:endParaRPr lang="ko-KR" altLang="en-US" dirty="0"/>
           </a:p>
@@ -869,7 +870,7 @@
           <a:p>
             <a:fld id="{C33B33F7-DDCE-4A4A-93D2-3E7ADEC868BC}" type="datetimeFigureOut">
               <a:rPr lang="ko-KR" altLang="en-US" smtClean="0"/>
-              <a:t>2019-07-29</a:t>
+              <a:t>2019-08-02</a:t>
             </a:fld>
             <a:endParaRPr lang="ko-KR" altLang="en-US" dirty="0"/>
           </a:p>
@@ -1144,7 +1145,7 @@
           <a:p>
             <a:fld id="{C33B33F7-DDCE-4A4A-93D2-3E7ADEC868BC}" type="datetimeFigureOut">
               <a:rPr lang="ko-KR" altLang="en-US" smtClean="0"/>
-              <a:t>2019-07-29</a:t>
+              <a:t>2019-08-02</a:t>
             </a:fld>
             <a:endParaRPr lang="ko-KR" altLang="en-US" dirty="0"/>
           </a:p>
@@ -1409,7 +1410,7 @@
           <a:p>
             <a:fld id="{C33B33F7-DDCE-4A4A-93D2-3E7ADEC868BC}" type="datetimeFigureOut">
               <a:rPr lang="ko-KR" altLang="en-US" smtClean="0"/>
-              <a:t>2019-07-29</a:t>
+              <a:t>2019-08-02</a:t>
             </a:fld>
             <a:endParaRPr lang="ko-KR" altLang="en-US" dirty="0"/>
           </a:p>
@@ -1821,7 +1822,7 @@
           <a:p>
             <a:fld id="{C33B33F7-DDCE-4A4A-93D2-3E7ADEC868BC}" type="datetimeFigureOut">
               <a:rPr lang="ko-KR" altLang="en-US" smtClean="0"/>
-              <a:t>2019-07-29</a:t>
+              <a:t>2019-08-02</a:t>
             </a:fld>
             <a:endParaRPr lang="ko-KR" altLang="en-US" dirty="0"/>
           </a:p>
@@ -1962,7 +1963,7 @@
           <a:p>
             <a:fld id="{C33B33F7-DDCE-4A4A-93D2-3E7ADEC868BC}" type="datetimeFigureOut">
               <a:rPr lang="ko-KR" altLang="en-US" smtClean="0"/>
-              <a:t>2019-07-29</a:t>
+              <a:t>2019-08-02</a:t>
             </a:fld>
             <a:endParaRPr lang="ko-KR" altLang="en-US" dirty="0"/>
           </a:p>
@@ -2075,7 +2076,7 @@
           <a:p>
             <a:fld id="{C33B33F7-DDCE-4A4A-93D2-3E7ADEC868BC}" type="datetimeFigureOut">
               <a:rPr lang="ko-KR" altLang="en-US" smtClean="0"/>
-              <a:t>2019-07-29</a:t>
+              <a:t>2019-08-02</a:t>
             </a:fld>
             <a:endParaRPr lang="ko-KR" altLang="en-US" dirty="0"/>
           </a:p>
@@ -2386,7 +2387,7 @@
           <a:p>
             <a:fld id="{C33B33F7-DDCE-4A4A-93D2-3E7ADEC868BC}" type="datetimeFigureOut">
               <a:rPr lang="ko-KR" altLang="en-US" smtClean="0"/>
-              <a:t>2019-07-29</a:t>
+              <a:t>2019-08-02</a:t>
             </a:fld>
             <a:endParaRPr lang="ko-KR" altLang="en-US" dirty="0"/>
           </a:p>
@@ -2674,7 +2675,7 @@
           <a:p>
             <a:fld id="{C33B33F7-DDCE-4A4A-93D2-3E7ADEC868BC}" type="datetimeFigureOut">
               <a:rPr lang="ko-KR" altLang="en-US" smtClean="0"/>
-              <a:t>2019-07-29</a:t>
+              <a:t>2019-08-02</a:t>
             </a:fld>
             <a:endParaRPr lang="ko-KR" altLang="en-US" dirty="0"/>
           </a:p>
@@ -2915,7 +2916,7 @@
           <a:p>
             <a:fld id="{C33B33F7-DDCE-4A4A-93D2-3E7ADEC868BC}" type="datetimeFigureOut">
               <a:rPr lang="ko-KR" altLang="en-US" smtClean="0"/>
-              <a:t>2019-07-29</a:t>
+              <a:t>2019-08-02</a:t>
             </a:fld>
             <a:endParaRPr lang="ko-KR" altLang="en-US" dirty="0"/>
           </a:p>
@@ -32682,6 +32683,5146 @@
 </p:sld>
 </file>
 
+<file path=ppt/slides/slide8.xml><?xml version="1.0" encoding="utf-8"?>
+<p:sld xmlns:a="http://schemas.openxmlformats.org/drawingml/2006/main" xmlns:r="http://schemas.openxmlformats.org/officeDocument/2006/relationships" xmlns:p="http://schemas.openxmlformats.org/presentationml/2006/main">
+  <p:cSld>
+    <p:spTree>
+      <p:nvGrpSpPr>
+        <p:cNvPr id="1" name=""/>
+        <p:cNvGrpSpPr/>
+        <p:nvPr/>
+      </p:nvGrpSpPr>
+      <p:grpSpPr>
+        <a:xfrm>
+          <a:off x="0" y="0"/>
+          <a:ext cx="0" cy="0"/>
+          <a:chOff x="0" y="0"/>
+          <a:chExt cx="0" cy="0"/>
+        </a:xfrm>
+      </p:grpSpPr>
+      <p:graphicFrame>
+        <p:nvGraphicFramePr>
+          <p:cNvPr id="6" name="표 5">
+            <a:extLst>
+              <a:ext uri="{FF2B5EF4-FFF2-40B4-BE49-F238E27FC236}">
+                <a16:creationId xmlns:a16="http://schemas.microsoft.com/office/drawing/2014/main" id="{985F5352-E07A-4062-A634-819F65A00E57}"/>
+              </a:ext>
+            </a:extLst>
+          </p:cNvPr>
+          <p:cNvGraphicFramePr>
+            <a:graphicFrameLocks noGrp="1"/>
+          </p:cNvGraphicFramePr>
+          <p:nvPr>
+            <p:extLst>
+              <p:ext uri="{D42A27DB-BD31-4B8C-83A1-F6EECF244321}">
+                <p14:modId xmlns:p14="http://schemas.microsoft.com/office/powerpoint/2010/main" val="983707119"/>
+              </p:ext>
+            </p:extLst>
+          </p:nvPr>
+        </p:nvGraphicFramePr>
+        <p:xfrm>
+          <a:off x="1416719" y="325331"/>
+          <a:ext cx="1164556" cy="697230"/>
+        </p:xfrm>
+        <a:graphic>
+          <a:graphicData uri="http://schemas.openxmlformats.org/drawingml/2006/table">
+            <a:tbl>
+              <a:tblPr firstRow="1" bandRow="1">
+                <a:tableStyleId>{5C22544A-7EE6-4342-B048-85BDC9FD1C3A}</a:tableStyleId>
+              </a:tblPr>
+              <a:tblGrid>
+                <a:gridCol w="582278">
+                  <a:extLst>
+                    <a:ext uri="{9D8B030D-6E8A-4147-A177-3AD203B41FA5}">
+                      <a16:colId xmlns:a16="http://schemas.microsoft.com/office/drawing/2014/main" val="1876448761"/>
+                    </a:ext>
+                  </a:extLst>
+                </a:gridCol>
+                <a:gridCol w="582278">
+                  <a:extLst>
+                    <a:ext uri="{9D8B030D-6E8A-4147-A177-3AD203B41FA5}">
+                      <a16:colId xmlns:a16="http://schemas.microsoft.com/office/drawing/2014/main" val="406678734"/>
+                    </a:ext>
+                  </a:extLst>
+                </a:gridCol>
+              </a:tblGrid>
+              <a:tr h="348615">
+                <a:tc>
+                  <a:txBody>
+                    <a:bodyPr/>
+                    <a:lstStyle/>
+                    <a:p>
+                      <a:pPr algn="ctr" latinLnBrk="1"/>
+                      <a:r>
+                        <a:rPr lang="en-US" altLang="ko-KR" sz="1200" b="0" dirty="0">
+                          <a:solidFill>
+                            <a:schemeClr val="tx1"/>
+                          </a:solidFill>
+                        </a:rPr>
+                        <a:t>name</a:t>
+                      </a:r>
+                      <a:endParaRPr lang="ko-KR" altLang="en-US" sz="1200" b="0" dirty="0">
+                        <a:solidFill>
+                          <a:schemeClr val="tx1"/>
+                        </a:solidFill>
+                      </a:endParaRPr>
+                    </a:p>
+                  </a:txBody>
+                  <a:tcPr anchor="ctr">
+                    <a:lnL w="12700" cap="flat" cmpd="sng" algn="ctr">
+                      <a:noFill/>
+                      <a:prstDash val="solid"/>
+                      <a:round/>
+                      <a:headEnd type="none" w="med" len="med"/>
+                      <a:tailEnd type="none" w="med" len="med"/>
+                    </a:lnL>
+                    <a:lnR w="12700" cap="flat" cmpd="sng" algn="ctr">
+                      <a:noFill/>
+                      <a:prstDash val="solid"/>
+                      <a:round/>
+                      <a:headEnd type="none" w="med" len="med"/>
+                      <a:tailEnd type="none" w="med" len="med"/>
+                    </a:lnR>
+                    <a:lnT w="12700" cap="flat" cmpd="sng" algn="ctr">
+                      <a:noFill/>
+                      <a:prstDash val="solid"/>
+                      <a:round/>
+                      <a:headEnd type="none" w="med" len="med"/>
+                      <a:tailEnd type="none" w="med" len="med"/>
+                    </a:lnT>
+                    <a:lnB w="12700" cap="flat" cmpd="sng" algn="ctr">
+                      <a:solidFill>
+                        <a:schemeClr val="tx1"/>
+                      </a:solidFill>
+                      <a:prstDash val="solid"/>
+                      <a:round/>
+                      <a:headEnd type="none" w="med" len="med"/>
+                      <a:tailEnd type="none" w="med" len="med"/>
+                    </a:lnB>
+                    <a:lnTlToBr w="12700" cmpd="sng">
+                      <a:noFill/>
+                      <a:prstDash val="solid"/>
+                    </a:lnTlToBr>
+                    <a:lnBlToTr w="12700" cmpd="sng">
+                      <a:noFill/>
+                      <a:prstDash val="solid"/>
+                    </a:lnBlToTr>
+                    <a:noFill/>
+                  </a:tcPr>
+                </a:tc>
+                <a:tc>
+                  <a:txBody>
+                    <a:bodyPr/>
+                    <a:lstStyle/>
+                    <a:p>
+                      <a:pPr algn="ctr" latinLnBrk="1"/>
+                      <a:r>
+                        <a:rPr lang="en-US" altLang="ko-KR" sz="1200" b="0" dirty="0">
+                          <a:solidFill>
+                            <a:schemeClr val="tx1"/>
+                          </a:solidFill>
+                        </a:rPr>
+                        <a:t>link</a:t>
+                      </a:r>
+                      <a:endParaRPr lang="ko-KR" altLang="en-US" sz="1200" b="0" dirty="0">
+                        <a:solidFill>
+                          <a:schemeClr val="tx1"/>
+                        </a:solidFill>
+                      </a:endParaRPr>
+                    </a:p>
+                  </a:txBody>
+                  <a:tcPr anchor="ctr">
+                    <a:lnL w="12700" cap="flat" cmpd="sng" algn="ctr">
+                      <a:noFill/>
+                      <a:prstDash val="solid"/>
+                      <a:round/>
+                      <a:headEnd type="none" w="med" len="med"/>
+                      <a:tailEnd type="none" w="med" len="med"/>
+                    </a:lnL>
+                    <a:lnR w="12700" cap="flat" cmpd="sng" algn="ctr">
+                      <a:noFill/>
+                      <a:prstDash val="solid"/>
+                      <a:round/>
+                      <a:headEnd type="none" w="med" len="med"/>
+                      <a:tailEnd type="none" w="med" len="med"/>
+                    </a:lnR>
+                    <a:lnT w="12700" cap="flat" cmpd="sng" algn="ctr">
+                      <a:noFill/>
+                      <a:prstDash val="solid"/>
+                      <a:round/>
+                      <a:headEnd type="none" w="med" len="med"/>
+                      <a:tailEnd type="none" w="med" len="med"/>
+                    </a:lnT>
+                    <a:lnB w="12700" cap="flat" cmpd="sng" algn="ctr">
+                      <a:solidFill>
+                        <a:schemeClr val="tx1"/>
+                      </a:solidFill>
+                      <a:prstDash val="solid"/>
+                      <a:round/>
+                      <a:headEnd type="none" w="med" len="med"/>
+                      <a:tailEnd type="none" w="med" len="med"/>
+                    </a:lnB>
+                    <a:lnTlToBr w="12700" cmpd="sng">
+                      <a:noFill/>
+                      <a:prstDash val="solid"/>
+                    </a:lnTlToBr>
+                    <a:lnBlToTr w="12700" cmpd="sng">
+                      <a:noFill/>
+                      <a:prstDash val="solid"/>
+                    </a:lnBlToTr>
+                    <a:noFill/>
+                  </a:tcPr>
+                </a:tc>
+                <a:extLst>
+                  <a:ext uri="{0D108BD9-81ED-4DB2-BD59-A6C34878D82A}">
+                    <a16:rowId xmlns:a16="http://schemas.microsoft.com/office/drawing/2014/main" val="596413071"/>
+                  </a:ext>
+                </a:extLst>
+              </a:tr>
+              <a:tr h="348615">
+                <a:tc>
+                  <a:txBody>
+                    <a:bodyPr/>
+                    <a:lstStyle/>
+                    <a:p>
+                      <a:pPr algn="ctr" latinLnBrk="1"/>
+                      <a:r>
+                        <a:rPr lang="en-US" altLang="ko-KR" sz="1200" b="0" dirty="0">
+                          <a:solidFill>
+                            <a:schemeClr val="tx1"/>
+                          </a:solidFill>
+                        </a:rPr>
+                        <a:t>null</a:t>
+                      </a:r>
+                      <a:endParaRPr lang="ko-KR" altLang="en-US" sz="1200" b="0" dirty="0">
+                        <a:solidFill>
+                          <a:schemeClr val="tx1"/>
+                        </a:solidFill>
+                      </a:endParaRPr>
+                    </a:p>
+                  </a:txBody>
+                  <a:tcPr anchor="ctr">
+                    <a:lnL w="12700" cap="flat" cmpd="sng" algn="ctr">
+                      <a:solidFill>
+                        <a:schemeClr val="tx1"/>
+                      </a:solidFill>
+                      <a:prstDash val="solid"/>
+                      <a:round/>
+                      <a:headEnd type="none" w="med" len="med"/>
+                      <a:tailEnd type="none" w="med" len="med"/>
+                    </a:lnL>
+                    <a:lnR w="12700" cap="flat" cmpd="sng" algn="ctr">
+                      <a:solidFill>
+                        <a:schemeClr val="tx1"/>
+                      </a:solidFill>
+                      <a:prstDash val="solid"/>
+                      <a:round/>
+                      <a:headEnd type="none" w="med" len="med"/>
+                      <a:tailEnd type="none" w="med" len="med"/>
+                    </a:lnR>
+                    <a:lnT w="12700" cap="flat" cmpd="sng" algn="ctr">
+                      <a:solidFill>
+                        <a:schemeClr val="tx1"/>
+                      </a:solidFill>
+                      <a:prstDash val="solid"/>
+                      <a:round/>
+                      <a:headEnd type="none" w="med" len="med"/>
+                      <a:tailEnd type="none" w="med" len="med"/>
+                    </a:lnT>
+                    <a:lnB w="12700" cap="flat" cmpd="sng" algn="ctr">
+                      <a:solidFill>
+                        <a:schemeClr val="tx1"/>
+                      </a:solidFill>
+                      <a:prstDash val="solid"/>
+                      <a:round/>
+                      <a:headEnd type="none" w="med" len="med"/>
+                      <a:tailEnd type="none" w="med" len="med"/>
+                    </a:lnB>
+                    <a:lnTlToBr w="12700" cmpd="sng">
+                      <a:noFill/>
+                      <a:prstDash val="solid"/>
+                    </a:lnTlToBr>
+                    <a:lnBlToTr w="12700" cmpd="sng">
+                      <a:noFill/>
+                      <a:prstDash val="solid"/>
+                    </a:lnBlToTr>
+                    <a:noFill/>
+                  </a:tcPr>
+                </a:tc>
+                <a:tc>
+                  <a:txBody>
+                    <a:bodyPr/>
+                    <a:lstStyle/>
+                    <a:p>
+                      <a:pPr algn="ctr" latinLnBrk="1"/>
+                      <a:r>
+                        <a:rPr lang="en-US" altLang="ko-KR" sz="1200" b="0" dirty="0">
+                          <a:solidFill>
+                            <a:schemeClr val="tx1"/>
+                          </a:solidFill>
+                        </a:rPr>
+                        <a:t>null</a:t>
+                      </a:r>
+                      <a:endParaRPr lang="ko-KR" altLang="en-US" sz="1200" b="0" dirty="0">
+                        <a:solidFill>
+                          <a:schemeClr val="tx1"/>
+                        </a:solidFill>
+                      </a:endParaRPr>
+                    </a:p>
+                  </a:txBody>
+                  <a:tcPr anchor="ctr">
+                    <a:lnL w="12700" cap="flat" cmpd="sng" algn="ctr">
+                      <a:solidFill>
+                        <a:schemeClr val="tx1"/>
+                      </a:solidFill>
+                      <a:prstDash val="solid"/>
+                      <a:round/>
+                      <a:headEnd type="none" w="med" len="med"/>
+                      <a:tailEnd type="none" w="med" len="med"/>
+                    </a:lnL>
+                    <a:lnR w="12700" cap="flat" cmpd="sng" algn="ctr">
+                      <a:solidFill>
+                        <a:schemeClr val="tx1"/>
+                      </a:solidFill>
+                      <a:prstDash val="solid"/>
+                      <a:round/>
+                      <a:headEnd type="none" w="med" len="med"/>
+                      <a:tailEnd type="none" w="med" len="med"/>
+                    </a:lnR>
+                    <a:lnT w="12700" cap="flat" cmpd="sng" algn="ctr">
+                      <a:solidFill>
+                        <a:schemeClr val="tx1"/>
+                      </a:solidFill>
+                      <a:prstDash val="solid"/>
+                      <a:round/>
+                      <a:headEnd type="none" w="med" len="med"/>
+                      <a:tailEnd type="none" w="med" len="med"/>
+                    </a:lnT>
+                    <a:lnB w="12700" cap="flat" cmpd="sng" algn="ctr">
+                      <a:solidFill>
+                        <a:schemeClr val="tx1"/>
+                      </a:solidFill>
+                      <a:prstDash val="solid"/>
+                      <a:round/>
+                      <a:headEnd type="none" w="med" len="med"/>
+                      <a:tailEnd type="none" w="med" len="med"/>
+                    </a:lnB>
+                    <a:lnTlToBr w="12700" cmpd="sng">
+                      <a:noFill/>
+                      <a:prstDash val="solid"/>
+                    </a:lnTlToBr>
+                    <a:lnBlToTr w="12700" cmpd="sng">
+                      <a:noFill/>
+                      <a:prstDash val="solid"/>
+                    </a:lnBlToTr>
+                    <a:noFill/>
+                  </a:tcPr>
+                </a:tc>
+                <a:extLst>
+                  <a:ext uri="{0D108BD9-81ED-4DB2-BD59-A6C34878D82A}">
+                    <a16:rowId xmlns:a16="http://schemas.microsoft.com/office/drawing/2014/main" val="3167644525"/>
+                  </a:ext>
+                </a:extLst>
+              </a:tr>
+            </a:tbl>
+          </a:graphicData>
+        </a:graphic>
+      </p:graphicFrame>
+      <p:graphicFrame>
+        <p:nvGraphicFramePr>
+          <p:cNvPr id="9" name="표 8">
+            <a:extLst>
+              <a:ext uri="{FF2B5EF4-FFF2-40B4-BE49-F238E27FC236}">
+                <a16:creationId xmlns:a16="http://schemas.microsoft.com/office/drawing/2014/main" id="{ED2FF165-E249-4470-86EE-B6A285187014}"/>
+              </a:ext>
+            </a:extLst>
+          </p:cNvPr>
+          <p:cNvGraphicFramePr>
+            <a:graphicFrameLocks noGrp="1"/>
+          </p:cNvGraphicFramePr>
+          <p:nvPr>
+            <p:extLst>
+              <p:ext uri="{D42A27DB-BD31-4B8C-83A1-F6EECF244321}">
+                <p14:modId xmlns:p14="http://schemas.microsoft.com/office/powerpoint/2010/main" val="1249281824"/>
+              </p:ext>
+            </p:extLst>
+          </p:nvPr>
+        </p:nvGraphicFramePr>
+        <p:xfrm>
+          <a:off x="247649" y="325331"/>
+          <a:ext cx="926432" cy="697230"/>
+        </p:xfrm>
+        <a:graphic>
+          <a:graphicData uri="http://schemas.openxmlformats.org/drawingml/2006/table">
+            <a:tbl>
+              <a:tblPr firstRow="1" bandRow="1">
+                <a:tableStyleId>{5C22544A-7EE6-4342-B048-85BDC9FD1C3A}</a:tableStyleId>
+              </a:tblPr>
+              <a:tblGrid>
+                <a:gridCol w="463216">
+                  <a:extLst>
+                    <a:ext uri="{9D8B030D-6E8A-4147-A177-3AD203B41FA5}">
+                      <a16:colId xmlns:a16="http://schemas.microsoft.com/office/drawing/2014/main" val="1876448761"/>
+                    </a:ext>
+                  </a:extLst>
+                </a:gridCol>
+                <a:gridCol w="463216">
+                  <a:extLst>
+                    <a:ext uri="{9D8B030D-6E8A-4147-A177-3AD203B41FA5}">
+                      <a16:colId xmlns:a16="http://schemas.microsoft.com/office/drawing/2014/main" val="406678734"/>
+                    </a:ext>
+                  </a:extLst>
+                </a:gridCol>
+              </a:tblGrid>
+              <a:tr h="348615">
+                <a:tc>
+                  <a:txBody>
+                    <a:bodyPr/>
+                    <a:lstStyle/>
+                    <a:p>
+                      <a:pPr algn="ctr" latinLnBrk="1"/>
+                      <a:endParaRPr lang="ko-KR" altLang="en-US" sz="1200" b="0" dirty="0">
+                        <a:solidFill>
+                          <a:schemeClr val="tx1"/>
+                        </a:solidFill>
+                      </a:endParaRPr>
+                    </a:p>
+                  </a:txBody>
+                  <a:tcPr anchor="ctr">
+                    <a:lnL w="12700" cap="flat" cmpd="sng" algn="ctr">
+                      <a:noFill/>
+                      <a:prstDash val="solid"/>
+                      <a:round/>
+                      <a:headEnd type="none" w="med" len="med"/>
+                      <a:tailEnd type="none" w="med" len="med"/>
+                    </a:lnL>
+                    <a:lnR w="12700" cap="flat" cmpd="sng" algn="ctr">
+                      <a:noFill/>
+                      <a:prstDash val="solid"/>
+                      <a:round/>
+                      <a:headEnd type="none" w="med" len="med"/>
+                      <a:tailEnd type="none" w="med" len="med"/>
+                    </a:lnR>
+                    <a:lnT w="12700" cap="flat" cmpd="sng" algn="ctr">
+                      <a:noFill/>
+                      <a:prstDash val="solid"/>
+                      <a:round/>
+                      <a:headEnd type="none" w="med" len="med"/>
+                      <a:tailEnd type="none" w="med" len="med"/>
+                    </a:lnT>
+                    <a:lnB w="12700" cap="flat" cmpd="sng" algn="ctr">
+                      <a:noFill/>
+                      <a:prstDash val="solid"/>
+                      <a:round/>
+                      <a:headEnd type="none" w="med" len="med"/>
+                      <a:tailEnd type="none" w="med" len="med"/>
+                    </a:lnB>
+                    <a:lnTlToBr w="12700" cmpd="sng">
+                      <a:noFill/>
+                      <a:prstDash val="solid"/>
+                    </a:lnTlToBr>
+                    <a:lnBlToTr w="12700" cmpd="sng">
+                      <a:noFill/>
+                      <a:prstDash val="solid"/>
+                    </a:lnBlToTr>
+                    <a:noFill/>
+                  </a:tcPr>
+                </a:tc>
+                <a:tc>
+                  <a:txBody>
+                    <a:bodyPr/>
+                    <a:lstStyle/>
+                    <a:p>
+                      <a:pPr algn="ctr" latinLnBrk="1"/>
+                      <a:endParaRPr lang="ko-KR" altLang="en-US" sz="1200" b="0" dirty="0">
+                        <a:solidFill>
+                          <a:schemeClr val="tx1"/>
+                        </a:solidFill>
+                      </a:endParaRPr>
+                    </a:p>
+                  </a:txBody>
+                  <a:tcPr anchor="ctr">
+                    <a:lnL w="12700" cap="flat" cmpd="sng" algn="ctr">
+                      <a:noFill/>
+                      <a:prstDash val="solid"/>
+                      <a:round/>
+                      <a:headEnd type="none" w="med" len="med"/>
+                      <a:tailEnd type="none" w="med" len="med"/>
+                    </a:lnL>
+                    <a:lnR w="12700" cap="flat" cmpd="sng" algn="ctr">
+                      <a:noFill/>
+                      <a:prstDash val="solid"/>
+                      <a:round/>
+                      <a:headEnd type="none" w="med" len="med"/>
+                      <a:tailEnd type="none" w="med" len="med"/>
+                    </a:lnR>
+                    <a:lnT w="12700" cap="flat" cmpd="sng" algn="ctr">
+                      <a:noFill/>
+                      <a:prstDash val="solid"/>
+                      <a:round/>
+                      <a:headEnd type="none" w="med" len="med"/>
+                      <a:tailEnd type="none" w="med" len="med"/>
+                    </a:lnT>
+                    <a:lnB w="12700" cap="flat" cmpd="sng" algn="ctr">
+                      <a:solidFill>
+                        <a:schemeClr val="tx1"/>
+                      </a:solidFill>
+                      <a:prstDash val="solid"/>
+                      <a:round/>
+                      <a:headEnd type="none" w="med" len="med"/>
+                      <a:tailEnd type="none" w="med" len="med"/>
+                    </a:lnB>
+                    <a:lnTlToBr w="12700" cmpd="sng">
+                      <a:noFill/>
+                      <a:prstDash val="solid"/>
+                    </a:lnTlToBr>
+                    <a:lnBlToTr w="12700" cmpd="sng">
+                      <a:noFill/>
+                      <a:prstDash val="solid"/>
+                    </a:lnBlToTr>
+                    <a:noFill/>
+                  </a:tcPr>
+                </a:tc>
+                <a:extLst>
+                  <a:ext uri="{0D108BD9-81ED-4DB2-BD59-A6C34878D82A}">
+                    <a16:rowId xmlns:a16="http://schemas.microsoft.com/office/drawing/2014/main" val="596413071"/>
+                  </a:ext>
+                </a:extLst>
+              </a:tr>
+              <a:tr h="348615">
+                <a:tc>
+                  <a:txBody>
+                    <a:bodyPr/>
+                    <a:lstStyle/>
+                    <a:p>
+                      <a:pPr algn="ctr" latinLnBrk="1"/>
+                      <a:r>
+                        <a:rPr lang="en-US" altLang="ko-KR" sz="1200" b="0" dirty="0">
+                          <a:solidFill>
+                            <a:schemeClr val="tx1"/>
+                          </a:solidFill>
+                        </a:rPr>
+                        <a:t>L</a:t>
+                      </a:r>
+                      <a:endParaRPr lang="ko-KR" altLang="en-US" sz="1200" b="0" dirty="0">
+                        <a:solidFill>
+                          <a:schemeClr val="tx1"/>
+                        </a:solidFill>
+                      </a:endParaRPr>
+                    </a:p>
+                  </a:txBody>
+                  <a:tcPr anchor="ctr">
+                    <a:lnL w="12700" cap="flat" cmpd="sng" algn="ctr">
+                      <a:noFill/>
+                      <a:prstDash val="solid"/>
+                      <a:round/>
+                      <a:headEnd type="none" w="med" len="med"/>
+                      <a:tailEnd type="none" w="med" len="med"/>
+                    </a:lnL>
+                    <a:lnR w="12700" cap="flat" cmpd="sng" algn="ctr">
+                      <a:solidFill>
+                        <a:schemeClr val="tx1"/>
+                      </a:solidFill>
+                      <a:prstDash val="solid"/>
+                      <a:round/>
+                      <a:headEnd type="none" w="med" len="med"/>
+                      <a:tailEnd type="none" w="med" len="med"/>
+                    </a:lnR>
+                    <a:lnT w="12700" cap="flat" cmpd="sng" algn="ctr">
+                      <a:noFill/>
+                      <a:prstDash val="solid"/>
+                      <a:round/>
+                      <a:headEnd type="none" w="med" len="med"/>
+                      <a:tailEnd type="none" w="med" len="med"/>
+                    </a:lnT>
+                    <a:lnB w="12700" cap="flat" cmpd="sng" algn="ctr">
+                      <a:noFill/>
+                      <a:prstDash val="solid"/>
+                      <a:round/>
+                      <a:headEnd type="none" w="med" len="med"/>
+                      <a:tailEnd type="none" w="med" len="med"/>
+                    </a:lnB>
+                    <a:lnTlToBr w="12700" cmpd="sng">
+                      <a:noFill/>
+                      <a:prstDash val="solid"/>
+                    </a:lnTlToBr>
+                    <a:lnBlToTr w="12700" cmpd="sng">
+                      <a:noFill/>
+                      <a:prstDash val="solid"/>
+                    </a:lnBlToTr>
+                    <a:noFill/>
+                  </a:tcPr>
+                </a:tc>
+                <a:tc>
+                  <a:txBody>
+                    <a:bodyPr/>
+                    <a:lstStyle/>
+                    <a:p>
+                      <a:pPr algn="ctr" latinLnBrk="1"/>
+                      <a:endParaRPr lang="ko-KR" altLang="en-US" sz="1200" b="0" dirty="0">
+                        <a:solidFill>
+                          <a:schemeClr val="tx1"/>
+                        </a:solidFill>
+                      </a:endParaRPr>
+                    </a:p>
+                  </a:txBody>
+                  <a:tcPr anchor="ctr">
+                    <a:lnL w="12700" cap="flat" cmpd="sng" algn="ctr">
+                      <a:solidFill>
+                        <a:schemeClr val="tx1"/>
+                      </a:solidFill>
+                      <a:prstDash val="solid"/>
+                      <a:round/>
+                      <a:headEnd type="none" w="med" len="med"/>
+                      <a:tailEnd type="none" w="med" len="med"/>
+                    </a:lnL>
+                    <a:lnR w="12700" cap="flat" cmpd="sng" algn="ctr">
+                      <a:solidFill>
+                        <a:schemeClr val="tx1"/>
+                      </a:solidFill>
+                      <a:prstDash val="solid"/>
+                      <a:round/>
+                      <a:headEnd type="none" w="med" len="med"/>
+                      <a:tailEnd type="none" w="med" len="med"/>
+                    </a:lnR>
+                    <a:lnT w="12700" cap="flat" cmpd="sng" algn="ctr">
+                      <a:solidFill>
+                        <a:schemeClr val="tx1"/>
+                      </a:solidFill>
+                      <a:prstDash val="solid"/>
+                      <a:round/>
+                      <a:headEnd type="none" w="med" len="med"/>
+                      <a:tailEnd type="none" w="med" len="med"/>
+                    </a:lnT>
+                    <a:lnB w="12700" cap="flat" cmpd="sng" algn="ctr">
+                      <a:solidFill>
+                        <a:schemeClr val="tx1"/>
+                      </a:solidFill>
+                      <a:prstDash val="solid"/>
+                      <a:round/>
+                      <a:headEnd type="none" w="med" len="med"/>
+                      <a:tailEnd type="none" w="med" len="med"/>
+                    </a:lnB>
+                    <a:lnTlToBr w="12700" cmpd="sng">
+                      <a:noFill/>
+                      <a:prstDash val="solid"/>
+                    </a:lnTlToBr>
+                    <a:lnBlToTr w="12700" cmpd="sng">
+                      <a:noFill/>
+                      <a:prstDash val="solid"/>
+                    </a:lnBlToTr>
+                    <a:noFill/>
+                  </a:tcPr>
+                </a:tc>
+                <a:extLst>
+                  <a:ext uri="{0D108BD9-81ED-4DB2-BD59-A6C34878D82A}">
+                    <a16:rowId xmlns:a16="http://schemas.microsoft.com/office/drawing/2014/main" val="3167644525"/>
+                  </a:ext>
+                </a:extLst>
+              </a:tr>
+            </a:tbl>
+          </a:graphicData>
+        </a:graphic>
+      </p:graphicFrame>
+      <p:cxnSp>
+        <p:nvCxnSpPr>
+          <p:cNvPr id="4" name="직선 화살표 연결선 3">
+            <a:extLst>
+              <a:ext uri="{FF2B5EF4-FFF2-40B4-BE49-F238E27FC236}">
+                <a16:creationId xmlns:a16="http://schemas.microsoft.com/office/drawing/2014/main" id="{A5DC6622-2902-4F86-88AD-CAB9D07483BA}"/>
+              </a:ext>
+            </a:extLst>
+          </p:cNvPr>
+          <p:cNvCxnSpPr/>
+          <p:nvPr/>
+        </p:nvCxnSpPr>
+        <p:spPr>
+          <a:xfrm>
+            <a:off x="1174081" y="828675"/>
+            <a:ext cx="242639" cy="0"/>
+          </a:xfrm>
+          <a:prstGeom prst="straightConnector1">
+            <a:avLst/>
+          </a:prstGeom>
+          <a:ln w="28575">
+            <a:tailEnd type="triangle"/>
+          </a:ln>
+        </p:spPr>
+        <p:style>
+          <a:lnRef idx="1">
+            <a:schemeClr val="dk1"/>
+          </a:lnRef>
+          <a:fillRef idx="0">
+            <a:schemeClr val="dk1"/>
+          </a:fillRef>
+          <a:effectRef idx="0">
+            <a:schemeClr val="dk1"/>
+          </a:effectRef>
+          <a:fontRef idx="minor">
+            <a:schemeClr val="tx1"/>
+          </a:fontRef>
+        </p:style>
+      </p:cxnSp>
+      <p:graphicFrame>
+        <p:nvGraphicFramePr>
+          <p:cNvPr id="33" name="표 32">
+            <a:extLst>
+              <a:ext uri="{FF2B5EF4-FFF2-40B4-BE49-F238E27FC236}">
+                <a16:creationId xmlns:a16="http://schemas.microsoft.com/office/drawing/2014/main" id="{2DD56F25-03C3-4B1F-A628-08A189C365CF}"/>
+              </a:ext>
+            </a:extLst>
+          </p:cNvPr>
+          <p:cNvGraphicFramePr>
+            <a:graphicFrameLocks noGrp="1"/>
+          </p:cNvGraphicFramePr>
+          <p:nvPr>
+            <p:extLst>
+              <p:ext uri="{D42A27DB-BD31-4B8C-83A1-F6EECF244321}">
+                <p14:modId xmlns:p14="http://schemas.microsoft.com/office/powerpoint/2010/main" val="1757142483"/>
+              </p:ext>
+            </p:extLst>
+          </p:nvPr>
+        </p:nvGraphicFramePr>
+        <p:xfrm>
+          <a:off x="1416719" y="1525905"/>
+          <a:ext cx="1201720" cy="697230"/>
+        </p:xfrm>
+        <a:graphic>
+          <a:graphicData uri="http://schemas.openxmlformats.org/drawingml/2006/table">
+            <a:tbl>
+              <a:tblPr firstRow="1" bandRow="1">
+                <a:tableStyleId>{5C22544A-7EE6-4342-B048-85BDC9FD1C3A}</a:tableStyleId>
+              </a:tblPr>
+              <a:tblGrid>
+                <a:gridCol w="619442">
+                  <a:extLst>
+                    <a:ext uri="{9D8B030D-6E8A-4147-A177-3AD203B41FA5}">
+                      <a16:colId xmlns:a16="http://schemas.microsoft.com/office/drawing/2014/main" val="1876448761"/>
+                    </a:ext>
+                  </a:extLst>
+                </a:gridCol>
+                <a:gridCol w="582278">
+                  <a:extLst>
+                    <a:ext uri="{9D8B030D-6E8A-4147-A177-3AD203B41FA5}">
+                      <a16:colId xmlns:a16="http://schemas.microsoft.com/office/drawing/2014/main" val="406678734"/>
+                    </a:ext>
+                  </a:extLst>
+                </a:gridCol>
+              </a:tblGrid>
+              <a:tr h="348615">
+                <a:tc>
+                  <a:txBody>
+                    <a:bodyPr/>
+                    <a:lstStyle/>
+                    <a:p>
+                      <a:pPr algn="ctr" latinLnBrk="1"/>
+                      <a:r>
+                        <a:rPr lang="en-US" altLang="ko-KR" sz="1200" b="0" dirty="0">
+                          <a:solidFill>
+                            <a:schemeClr val="tx1"/>
+                          </a:solidFill>
+                        </a:rPr>
+                        <a:t>name</a:t>
+                      </a:r>
+                      <a:endParaRPr lang="ko-KR" altLang="en-US" sz="1200" b="0" dirty="0">
+                        <a:solidFill>
+                          <a:schemeClr val="tx1"/>
+                        </a:solidFill>
+                      </a:endParaRPr>
+                    </a:p>
+                  </a:txBody>
+                  <a:tcPr anchor="ctr">
+                    <a:lnL w="12700" cap="flat" cmpd="sng" algn="ctr">
+                      <a:noFill/>
+                      <a:prstDash val="solid"/>
+                      <a:round/>
+                      <a:headEnd type="none" w="med" len="med"/>
+                      <a:tailEnd type="none" w="med" len="med"/>
+                    </a:lnL>
+                    <a:lnR w="12700" cap="flat" cmpd="sng" algn="ctr">
+                      <a:noFill/>
+                      <a:prstDash val="solid"/>
+                      <a:round/>
+                      <a:headEnd type="none" w="med" len="med"/>
+                      <a:tailEnd type="none" w="med" len="med"/>
+                    </a:lnR>
+                    <a:lnT w="12700" cap="flat" cmpd="sng" algn="ctr">
+                      <a:noFill/>
+                      <a:prstDash val="solid"/>
+                      <a:round/>
+                      <a:headEnd type="none" w="med" len="med"/>
+                      <a:tailEnd type="none" w="med" len="med"/>
+                    </a:lnT>
+                    <a:lnB w="12700" cap="flat" cmpd="sng" algn="ctr">
+                      <a:solidFill>
+                        <a:schemeClr val="tx1"/>
+                      </a:solidFill>
+                      <a:prstDash val="solid"/>
+                      <a:round/>
+                      <a:headEnd type="none" w="med" len="med"/>
+                      <a:tailEnd type="none" w="med" len="med"/>
+                    </a:lnB>
+                    <a:lnTlToBr w="12700" cmpd="sng">
+                      <a:noFill/>
+                      <a:prstDash val="solid"/>
+                    </a:lnTlToBr>
+                    <a:lnBlToTr w="12700" cmpd="sng">
+                      <a:noFill/>
+                      <a:prstDash val="solid"/>
+                    </a:lnBlToTr>
+                    <a:noFill/>
+                  </a:tcPr>
+                </a:tc>
+                <a:tc>
+                  <a:txBody>
+                    <a:bodyPr/>
+                    <a:lstStyle/>
+                    <a:p>
+                      <a:pPr algn="ctr" latinLnBrk="1"/>
+                      <a:r>
+                        <a:rPr lang="en-US" altLang="ko-KR" sz="1200" b="0" dirty="0">
+                          <a:solidFill>
+                            <a:schemeClr val="tx1"/>
+                          </a:solidFill>
+                        </a:rPr>
+                        <a:t>link</a:t>
+                      </a:r>
+                      <a:endParaRPr lang="ko-KR" altLang="en-US" sz="1200" b="0" dirty="0">
+                        <a:solidFill>
+                          <a:schemeClr val="tx1"/>
+                        </a:solidFill>
+                      </a:endParaRPr>
+                    </a:p>
+                  </a:txBody>
+                  <a:tcPr anchor="ctr">
+                    <a:lnL w="12700" cap="flat" cmpd="sng" algn="ctr">
+                      <a:noFill/>
+                      <a:prstDash val="solid"/>
+                      <a:round/>
+                      <a:headEnd type="none" w="med" len="med"/>
+                      <a:tailEnd type="none" w="med" len="med"/>
+                    </a:lnL>
+                    <a:lnR w="12700" cap="flat" cmpd="sng" algn="ctr">
+                      <a:noFill/>
+                      <a:prstDash val="solid"/>
+                      <a:round/>
+                      <a:headEnd type="none" w="med" len="med"/>
+                      <a:tailEnd type="none" w="med" len="med"/>
+                    </a:lnR>
+                    <a:lnT w="12700" cap="flat" cmpd="sng" algn="ctr">
+                      <a:noFill/>
+                      <a:prstDash val="solid"/>
+                      <a:round/>
+                      <a:headEnd type="none" w="med" len="med"/>
+                      <a:tailEnd type="none" w="med" len="med"/>
+                    </a:lnT>
+                    <a:lnB w="12700" cap="flat" cmpd="sng" algn="ctr">
+                      <a:solidFill>
+                        <a:schemeClr val="tx1"/>
+                      </a:solidFill>
+                      <a:prstDash val="solid"/>
+                      <a:round/>
+                      <a:headEnd type="none" w="med" len="med"/>
+                      <a:tailEnd type="none" w="med" len="med"/>
+                    </a:lnB>
+                    <a:lnTlToBr w="12700" cmpd="sng">
+                      <a:noFill/>
+                      <a:prstDash val="solid"/>
+                    </a:lnTlToBr>
+                    <a:lnBlToTr w="12700" cmpd="sng">
+                      <a:noFill/>
+                      <a:prstDash val="solid"/>
+                    </a:lnBlToTr>
+                    <a:noFill/>
+                  </a:tcPr>
+                </a:tc>
+                <a:extLst>
+                  <a:ext uri="{0D108BD9-81ED-4DB2-BD59-A6C34878D82A}">
+                    <a16:rowId xmlns:a16="http://schemas.microsoft.com/office/drawing/2014/main" val="596413071"/>
+                  </a:ext>
+                </a:extLst>
+              </a:tr>
+              <a:tr h="348615">
+                <a:tc>
+                  <a:txBody>
+                    <a:bodyPr/>
+                    <a:lstStyle/>
+                    <a:p>
+                      <a:pPr algn="ctr" latinLnBrk="1"/>
+                      <a:r>
+                        <a:rPr lang="en-US" altLang="ko-KR" sz="1200" b="0" dirty="0">
+                          <a:solidFill>
+                            <a:schemeClr val="tx1"/>
+                          </a:solidFill>
+                        </a:rPr>
+                        <a:t>Kim</a:t>
+                      </a:r>
+                      <a:endParaRPr lang="ko-KR" altLang="en-US" sz="1200" b="0" dirty="0">
+                        <a:solidFill>
+                          <a:schemeClr val="tx1"/>
+                        </a:solidFill>
+                      </a:endParaRPr>
+                    </a:p>
+                  </a:txBody>
+                  <a:tcPr anchor="ctr">
+                    <a:lnL w="12700" cap="flat" cmpd="sng" algn="ctr">
+                      <a:solidFill>
+                        <a:schemeClr val="tx1"/>
+                      </a:solidFill>
+                      <a:prstDash val="solid"/>
+                      <a:round/>
+                      <a:headEnd type="none" w="med" len="med"/>
+                      <a:tailEnd type="none" w="med" len="med"/>
+                    </a:lnL>
+                    <a:lnR w="12700" cap="flat" cmpd="sng" algn="ctr">
+                      <a:solidFill>
+                        <a:schemeClr val="tx1"/>
+                      </a:solidFill>
+                      <a:prstDash val="solid"/>
+                      <a:round/>
+                      <a:headEnd type="none" w="med" len="med"/>
+                      <a:tailEnd type="none" w="med" len="med"/>
+                    </a:lnR>
+                    <a:lnT w="12700" cap="flat" cmpd="sng" algn="ctr">
+                      <a:solidFill>
+                        <a:schemeClr val="tx1"/>
+                      </a:solidFill>
+                      <a:prstDash val="solid"/>
+                      <a:round/>
+                      <a:headEnd type="none" w="med" len="med"/>
+                      <a:tailEnd type="none" w="med" len="med"/>
+                    </a:lnT>
+                    <a:lnB w="12700" cap="flat" cmpd="sng" algn="ctr">
+                      <a:solidFill>
+                        <a:schemeClr val="tx1"/>
+                      </a:solidFill>
+                      <a:prstDash val="solid"/>
+                      <a:round/>
+                      <a:headEnd type="none" w="med" len="med"/>
+                      <a:tailEnd type="none" w="med" len="med"/>
+                    </a:lnB>
+                    <a:lnTlToBr w="12700" cmpd="sng">
+                      <a:noFill/>
+                      <a:prstDash val="solid"/>
+                    </a:lnTlToBr>
+                    <a:lnBlToTr w="12700" cmpd="sng">
+                      <a:noFill/>
+                      <a:prstDash val="solid"/>
+                    </a:lnBlToTr>
+                    <a:noFill/>
+                  </a:tcPr>
+                </a:tc>
+                <a:tc>
+                  <a:txBody>
+                    <a:bodyPr/>
+                    <a:lstStyle/>
+                    <a:p>
+                      <a:pPr algn="ctr" latinLnBrk="1"/>
+                      <a:r>
+                        <a:rPr lang="en-US" altLang="ko-KR" sz="1200" b="0" dirty="0">
+                          <a:solidFill>
+                            <a:schemeClr val="tx1"/>
+                          </a:solidFill>
+                        </a:rPr>
+                        <a:t>null</a:t>
+                      </a:r>
+                      <a:endParaRPr lang="ko-KR" altLang="en-US" sz="1200" b="0" dirty="0">
+                        <a:solidFill>
+                          <a:schemeClr val="tx1"/>
+                        </a:solidFill>
+                      </a:endParaRPr>
+                    </a:p>
+                  </a:txBody>
+                  <a:tcPr anchor="ctr">
+                    <a:lnL w="12700" cap="flat" cmpd="sng" algn="ctr">
+                      <a:solidFill>
+                        <a:schemeClr val="tx1"/>
+                      </a:solidFill>
+                      <a:prstDash val="solid"/>
+                      <a:round/>
+                      <a:headEnd type="none" w="med" len="med"/>
+                      <a:tailEnd type="none" w="med" len="med"/>
+                    </a:lnL>
+                    <a:lnR w="12700" cap="flat" cmpd="sng" algn="ctr">
+                      <a:solidFill>
+                        <a:schemeClr val="tx1"/>
+                      </a:solidFill>
+                      <a:prstDash val="solid"/>
+                      <a:round/>
+                      <a:headEnd type="none" w="med" len="med"/>
+                      <a:tailEnd type="none" w="med" len="med"/>
+                    </a:lnR>
+                    <a:lnT w="12700" cap="flat" cmpd="sng" algn="ctr">
+                      <a:solidFill>
+                        <a:schemeClr val="tx1"/>
+                      </a:solidFill>
+                      <a:prstDash val="solid"/>
+                      <a:round/>
+                      <a:headEnd type="none" w="med" len="med"/>
+                      <a:tailEnd type="none" w="med" len="med"/>
+                    </a:lnT>
+                    <a:lnB w="12700" cap="flat" cmpd="sng" algn="ctr">
+                      <a:solidFill>
+                        <a:schemeClr val="tx1"/>
+                      </a:solidFill>
+                      <a:prstDash val="solid"/>
+                      <a:round/>
+                      <a:headEnd type="none" w="med" len="med"/>
+                      <a:tailEnd type="none" w="med" len="med"/>
+                    </a:lnB>
+                    <a:lnTlToBr w="12700" cmpd="sng">
+                      <a:noFill/>
+                      <a:prstDash val="solid"/>
+                    </a:lnTlToBr>
+                    <a:lnBlToTr w="12700" cmpd="sng">
+                      <a:noFill/>
+                      <a:prstDash val="solid"/>
+                    </a:lnBlToTr>
+                    <a:noFill/>
+                  </a:tcPr>
+                </a:tc>
+                <a:extLst>
+                  <a:ext uri="{0D108BD9-81ED-4DB2-BD59-A6C34878D82A}">
+                    <a16:rowId xmlns:a16="http://schemas.microsoft.com/office/drawing/2014/main" val="3167644525"/>
+                  </a:ext>
+                </a:extLst>
+              </a:tr>
+            </a:tbl>
+          </a:graphicData>
+        </a:graphic>
+      </p:graphicFrame>
+      <p:graphicFrame>
+        <p:nvGraphicFramePr>
+          <p:cNvPr id="44" name="표 43">
+            <a:extLst>
+              <a:ext uri="{FF2B5EF4-FFF2-40B4-BE49-F238E27FC236}">
+                <a16:creationId xmlns:a16="http://schemas.microsoft.com/office/drawing/2014/main" id="{284CA5EB-DBAA-44D3-B3A3-786988BC6887}"/>
+              </a:ext>
+            </a:extLst>
+          </p:cNvPr>
+          <p:cNvGraphicFramePr>
+            <a:graphicFrameLocks noGrp="1"/>
+          </p:cNvGraphicFramePr>
+          <p:nvPr>
+            <p:extLst>
+              <p:ext uri="{D42A27DB-BD31-4B8C-83A1-F6EECF244321}">
+                <p14:modId xmlns:p14="http://schemas.microsoft.com/office/powerpoint/2010/main" val="1427394150"/>
+              </p:ext>
+            </p:extLst>
+          </p:nvPr>
+        </p:nvGraphicFramePr>
+        <p:xfrm>
+          <a:off x="247649" y="1525905"/>
+          <a:ext cx="926432" cy="697230"/>
+        </p:xfrm>
+        <a:graphic>
+          <a:graphicData uri="http://schemas.openxmlformats.org/drawingml/2006/table">
+            <a:tbl>
+              <a:tblPr firstRow="1" bandRow="1">
+                <a:tableStyleId>{5C22544A-7EE6-4342-B048-85BDC9FD1C3A}</a:tableStyleId>
+              </a:tblPr>
+              <a:tblGrid>
+                <a:gridCol w="463216">
+                  <a:extLst>
+                    <a:ext uri="{9D8B030D-6E8A-4147-A177-3AD203B41FA5}">
+                      <a16:colId xmlns:a16="http://schemas.microsoft.com/office/drawing/2014/main" val="1876448761"/>
+                    </a:ext>
+                  </a:extLst>
+                </a:gridCol>
+                <a:gridCol w="463216">
+                  <a:extLst>
+                    <a:ext uri="{9D8B030D-6E8A-4147-A177-3AD203B41FA5}">
+                      <a16:colId xmlns:a16="http://schemas.microsoft.com/office/drawing/2014/main" val="406678734"/>
+                    </a:ext>
+                  </a:extLst>
+                </a:gridCol>
+              </a:tblGrid>
+              <a:tr h="348615">
+                <a:tc>
+                  <a:txBody>
+                    <a:bodyPr/>
+                    <a:lstStyle/>
+                    <a:p>
+                      <a:pPr algn="ctr" latinLnBrk="1"/>
+                      <a:endParaRPr lang="ko-KR" altLang="en-US" sz="1200" b="0" dirty="0">
+                        <a:solidFill>
+                          <a:schemeClr val="tx1"/>
+                        </a:solidFill>
+                      </a:endParaRPr>
+                    </a:p>
+                  </a:txBody>
+                  <a:tcPr anchor="ctr">
+                    <a:lnL w="12700" cap="flat" cmpd="sng" algn="ctr">
+                      <a:noFill/>
+                      <a:prstDash val="solid"/>
+                      <a:round/>
+                      <a:headEnd type="none" w="med" len="med"/>
+                      <a:tailEnd type="none" w="med" len="med"/>
+                    </a:lnL>
+                    <a:lnR w="12700" cap="flat" cmpd="sng" algn="ctr">
+                      <a:noFill/>
+                      <a:prstDash val="solid"/>
+                      <a:round/>
+                      <a:headEnd type="none" w="med" len="med"/>
+                      <a:tailEnd type="none" w="med" len="med"/>
+                    </a:lnR>
+                    <a:lnT w="12700" cap="flat" cmpd="sng" algn="ctr">
+                      <a:noFill/>
+                      <a:prstDash val="solid"/>
+                      <a:round/>
+                      <a:headEnd type="none" w="med" len="med"/>
+                      <a:tailEnd type="none" w="med" len="med"/>
+                    </a:lnT>
+                    <a:lnB w="12700" cap="flat" cmpd="sng" algn="ctr">
+                      <a:noFill/>
+                      <a:prstDash val="solid"/>
+                      <a:round/>
+                      <a:headEnd type="none" w="med" len="med"/>
+                      <a:tailEnd type="none" w="med" len="med"/>
+                    </a:lnB>
+                    <a:lnTlToBr w="12700" cmpd="sng">
+                      <a:noFill/>
+                      <a:prstDash val="solid"/>
+                    </a:lnTlToBr>
+                    <a:lnBlToTr w="12700" cmpd="sng">
+                      <a:noFill/>
+                      <a:prstDash val="solid"/>
+                    </a:lnBlToTr>
+                    <a:noFill/>
+                  </a:tcPr>
+                </a:tc>
+                <a:tc>
+                  <a:txBody>
+                    <a:bodyPr/>
+                    <a:lstStyle/>
+                    <a:p>
+                      <a:pPr algn="ctr" latinLnBrk="1"/>
+                      <a:endParaRPr lang="ko-KR" altLang="en-US" sz="1200" b="0" dirty="0">
+                        <a:solidFill>
+                          <a:schemeClr val="tx1"/>
+                        </a:solidFill>
+                      </a:endParaRPr>
+                    </a:p>
+                  </a:txBody>
+                  <a:tcPr anchor="ctr">
+                    <a:lnL w="12700" cap="flat" cmpd="sng" algn="ctr">
+                      <a:noFill/>
+                      <a:prstDash val="solid"/>
+                      <a:round/>
+                      <a:headEnd type="none" w="med" len="med"/>
+                      <a:tailEnd type="none" w="med" len="med"/>
+                    </a:lnL>
+                    <a:lnR w="12700" cap="flat" cmpd="sng" algn="ctr">
+                      <a:noFill/>
+                      <a:prstDash val="solid"/>
+                      <a:round/>
+                      <a:headEnd type="none" w="med" len="med"/>
+                      <a:tailEnd type="none" w="med" len="med"/>
+                    </a:lnR>
+                    <a:lnT w="12700" cap="flat" cmpd="sng" algn="ctr">
+                      <a:noFill/>
+                      <a:prstDash val="solid"/>
+                      <a:round/>
+                      <a:headEnd type="none" w="med" len="med"/>
+                      <a:tailEnd type="none" w="med" len="med"/>
+                    </a:lnT>
+                    <a:lnB w="12700" cap="flat" cmpd="sng" algn="ctr">
+                      <a:solidFill>
+                        <a:schemeClr val="tx1"/>
+                      </a:solidFill>
+                      <a:prstDash val="solid"/>
+                      <a:round/>
+                      <a:headEnd type="none" w="med" len="med"/>
+                      <a:tailEnd type="none" w="med" len="med"/>
+                    </a:lnB>
+                    <a:lnTlToBr w="12700" cmpd="sng">
+                      <a:noFill/>
+                      <a:prstDash val="solid"/>
+                    </a:lnTlToBr>
+                    <a:lnBlToTr w="12700" cmpd="sng">
+                      <a:noFill/>
+                      <a:prstDash val="solid"/>
+                    </a:lnBlToTr>
+                    <a:noFill/>
+                  </a:tcPr>
+                </a:tc>
+                <a:extLst>
+                  <a:ext uri="{0D108BD9-81ED-4DB2-BD59-A6C34878D82A}">
+                    <a16:rowId xmlns:a16="http://schemas.microsoft.com/office/drawing/2014/main" val="596413071"/>
+                  </a:ext>
+                </a:extLst>
+              </a:tr>
+              <a:tr h="348615">
+                <a:tc>
+                  <a:txBody>
+                    <a:bodyPr/>
+                    <a:lstStyle/>
+                    <a:p>
+                      <a:pPr algn="ctr" latinLnBrk="1"/>
+                      <a:r>
+                        <a:rPr lang="en-US" altLang="ko-KR" sz="1200" b="0" dirty="0">
+                          <a:solidFill>
+                            <a:schemeClr val="tx1"/>
+                          </a:solidFill>
+                        </a:rPr>
+                        <a:t>L</a:t>
+                      </a:r>
+                      <a:endParaRPr lang="ko-KR" altLang="en-US" sz="1200" b="0" dirty="0">
+                        <a:solidFill>
+                          <a:schemeClr val="tx1"/>
+                        </a:solidFill>
+                      </a:endParaRPr>
+                    </a:p>
+                  </a:txBody>
+                  <a:tcPr anchor="ctr">
+                    <a:lnL w="12700" cap="flat" cmpd="sng" algn="ctr">
+                      <a:noFill/>
+                      <a:prstDash val="solid"/>
+                      <a:round/>
+                      <a:headEnd type="none" w="med" len="med"/>
+                      <a:tailEnd type="none" w="med" len="med"/>
+                    </a:lnL>
+                    <a:lnR w="12700" cap="flat" cmpd="sng" algn="ctr">
+                      <a:solidFill>
+                        <a:schemeClr val="tx1"/>
+                      </a:solidFill>
+                      <a:prstDash val="solid"/>
+                      <a:round/>
+                      <a:headEnd type="none" w="med" len="med"/>
+                      <a:tailEnd type="none" w="med" len="med"/>
+                    </a:lnR>
+                    <a:lnT w="12700" cap="flat" cmpd="sng" algn="ctr">
+                      <a:noFill/>
+                      <a:prstDash val="solid"/>
+                      <a:round/>
+                      <a:headEnd type="none" w="med" len="med"/>
+                      <a:tailEnd type="none" w="med" len="med"/>
+                    </a:lnT>
+                    <a:lnB w="12700" cap="flat" cmpd="sng" algn="ctr">
+                      <a:noFill/>
+                      <a:prstDash val="solid"/>
+                      <a:round/>
+                      <a:headEnd type="none" w="med" len="med"/>
+                      <a:tailEnd type="none" w="med" len="med"/>
+                    </a:lnB>
+                    <a:lnTlToBr w="12700" cmpd="sng">
+                      <a:noFill/>
+                      <a:prstDash val="solid"/>
+                    </a:lnTlToBr>
+                    <a:lnBlToTr w="12700" cmpd="sng">
+                      <a:noFill/>
+                      <a:prstDash val="solid"/>
+                    </a:lnBlToTr>
+                    <a:noFill/>
+                  </a:tcPr>
+                </a:tc>
+                <a:tc>
+                  <a:txBody>
+                    <a:bodyPr/>
+                    <a:lstStyle/>
+                    <a:p>
+                      <a:pPr algn="ctr" latinLnBrk="1"/>
+                      <a:endParaRPr lang="ko-KR" altLang="en-US" sz="1200" b="0" dirty="0">
+                        <a:solidFill>
+                          <a:schemeClr val="tx1"/>
+                        </a:solidFill>
+                      </a:endParaRPr>
+                    </a:p>
+                  </a:txBody>
+                  <a:tcPr anchor="ctr">
+                    <a:lnL w="12700" cap="flat" cmpd="sng" algn="ctr">
+                      <a:solidFill>
+                        <a:schemeClr val="tx1"/>
+                      </a:solidFill>
+                      <a:prstDash val="solid"/>
+                      <a:round/>
+                      <a:headEnd type="none" w="med" len="med"/>
+                      <a:tailEnd type="none" w="med" len="med"/>
+                    </a:lnL>
+                    <a:lnR w="12700" cap="flat" cmpd="sng" algn="ctr">
+                      <a:solidFill>
+                        <a:schemeClr val="tx1"/>
+                      </a:solidFill>
+                      <a:prstDash val="solid"/>
+                      <a:round/>
+                      <a:headEnd type="none" w="med" len="med"/>
+                      <a:tailEnd type="none" w="med" len="med"/>
+                    </a:lnR>
+                    <a:lnT w="12700" cap="flat" cmpd="sng" algn="ctr">
+                      <a:solidFill>
+                        <a:schemeClr val="tx1"/>
+                      </a:solidFill>
+                      <a:prstDash val="solid"/>
+                      <a:round/>
+                      <a:headEnd type="none" w="med" len="med"/>
+                      <a:tailEnd type="none" w="med" len="med"/>
+                    </a:lnT>
+                    <a:lnB w="12700" cap="flat" cmpd="sng" algn="ctr">
+                      <a:solidFill>
+                        <a:schemeClr val="tx1"/>
+                      </a:solidFill>
+                      <a:prstDash val="solid"/>
+                      <a:round/>
+                      <a:headEnd type="none" w="med" len="med"/>
+                      <a:tailEnd type="none" w="med" len="med"/>
+                    </a:lnB>
+                    <a:lnTlToBr w="12700" cmpd="sng">
+                      <a:noFill/>
+                      <a:prstDash val="solid"/>
+                    </a:lnTlToBr>
+                    <a:lnBlToTr w="12700" cmpd="sng">
+                      <a:noFill/>
+                      <a:prstDash val="solid"/>
+                    </a:lnBlToTr>
+                    <a:noFill/>
+                  </a:tcPr>
+                </a:tc>
+                <a:extLst>
+                  <a:ext uri="{0D108BD9-81ED-4DB2-BD59-A6C34878D82A}">
+                    <a16:rowId xmlns:a16="http://schemas.microsoft.com/office/drawing/2014/main" val="3167644525"/>
+                  </a:ext>
+                </a:extLst>
+              </a:tr>
+            </a:tbl>
+          </a:graphicData>
+        </a:graphic>
+      </p:graphicFrame>
+      <p:cxnSp>
+        <p:nvCxnSpPr>
+          <p:cNvPr id="45" name="직선 화살표 연결선 44">
+            <a:extLst>
+              <a:ext uri="{FF2B5EF4-FFF2-40B4-BE49-F238E27FC236}">
+                <a16:creationId xmlns:a16="http://schemas.microsoft.com/office/drawing/2014/main" id="{6BE1BE10-F328-4B4D-920B-1A3EDF39612A}"/>
+              </a:ext>
+            </a:extLst>
+          </p:cNvPr>
+          <p:cNvCxnSpPr/>
+          <p:nvPr/>
+        </p:nvCxnSpPr>
+        <p:spPr>
+          <a:xfrm>
+            <a:off x="1174081" y="2029249"/>
+            <a:ext cx="242639" cy="0"/>
+          </a:xfrm>
+          <a:prstGeom prst="straightConnector1">
+            <a:avLst/>
+          </a:prstGeom>
+          <a:ln w="28575">
+            <a:tailEnd type="triangle"/>
+          </a:ln>
+        </p:spPr>
+        <p:style>
+          <a:lnRef idx="1">
+            <a:schemeClr val="dk1"/>
+          </a:lnRef>
+          <a:fillRef idx="0">
+            <a:schemeClr val="dk1"/>
+          </a:fillRef>
+          <a:effectRef idx="0">
+            <a:schemeClr val="dk1"/>
+          </a:effectRef>
+          <a:fontRef idx="minor">
+            <a:schemeClr val="tx1"/>
+          </a:fontRef>
+        </p:style>
+      </p:cxnSp>
+      <p:graphicFrame>
+        <p:nvGraphicFramePr>
+          <p:cNvPr id="51" name="표 50">
+            <a:extLst>
+              <a:ext uri="{FF2B5EF4-FFF2-40B4-BE49-F238E27FC236}">
+                <a16:creationId xmlns:a16="http://schemas.microsoft.com/office/drawing/2014/main" id="{1F529104-355D-468B-9CEA-8FFEC7285F3D}"/>
+              </a:ext>
+            </a:extLst>
+          </p:cNvPr>
+          <p:cNvGraphicFramePr>
+            <a:graphicFrameLocks noGrp="1"/>
+          </p:cNvGraphicFramePr>
+          <p:nvPr>
+            <p:extLst>
+              <p:ext uri="{D42A27DB-BD31-4B8C-83A1-F6EECF244321}">
+                <p14:modId xmlns:p14="http://schemas.microsoft.com/office/powerpoint/2010/main" val="3417641166"/>
+              </p:ext>
+            </p:extLst>
+          </p:nvPr>
+        </p:nvGraphicFramePr>
+        <p:xfrm>
+          <a:off x="1416719" y="2726478"/>
+          <a:ext cx="1201720" cy="697230"/>
+        </p:xfrm>
+        <a:graphic>
+          <a:graphicData uri="http://schemas.openxmlformats.org/drawingml/2006/table">
+            <a:tbl>
+              <a:tblPr firstRow="1" bandRow="1">
+                <a:tableStyleId>{5C22544A-7EE6-4342-B048-85BDC9FD1C3A}</a:tableStyleId>
+              </a:tblPr>
+              <a:tblGrid>
+                <a:gridCol w="619442">
+                  <a:extLst>
+                    <a:ext uri="{9D8B030D-6E8A-4147-A177-3AD203B41FA5}">
+                      <a16:colId xmlns:a16="http://schemas.microsoft.com/office/drawing/2014/main" val="1876448761"/>
+                    </a:ext>
+                  </a:extLst>
+                </a:gridCol>
+                <a:gridCol w="582278">
+                  <a:extLst>
+                    <a:ext uri="{9D8B030D-6E8A-4147-A177-3AD203B41FA5}">
+                      <a16:colId xmlns:a16="http://schemas.microsoft.com/office/drawing/2014/main" val="406678734"/>
+                    </a:ext>
+                  </a:extLst>
+                </a:gridCol>
+              </a:tblGrid>
+              <a:tr h="348615">
+                <a:tc>
+                  <a:txBody>
+                    <a:bodyPr/>
+                    <a:lstStyle/>
+                    <a:p>
+                      <a:pPr algn="ctr" latinLnBrk="1"/>
+                      <a:r>
+                        <a:rPr lang="en-US" altLang="ko-KR" sz="1200" b="0" dirty="0">
+                          <a:solidFill>
+                            <a:schemeClr val="tx1"/>
+                          </a:solidFill>
+                        </a:rPr>
+                        <a:t>name</a:t>
+                      </a:r>
+                      <a:endParaRPr lang="ko-KR" altLang="en-US" sz="1200" b="0" dirty="0">
+                        <a:solidFill>
+                          <a:schemeClr val="tx1"/>
+                        </a:solidFill>
+                      </a:endParaRPr>
+                    </a:p>
+                  </a:txBody>
+                  <a:tcPr anchor="ctr">
+                    <a:lnL w="12700" cap="flat" cmpd="sng" algn="ctr">
+                      <a:noFill/>
+                      <a:prstDash val="solid"/>
+                      <a:round/>
+                      <a:headEnd type="none" w="med" len="med"/>
+                      <a:tailEnd type="none" w="med" len="med"/>
+                    </a:lnL>
+                    <a:lnR w="12700" cap="flat" cmpd="sng" algn="ctr">
+                      <a:noFill/>
+                      <a:prstDash val="solid"/>
+                      <a:round/>
+                      <a:headEnd type="none" w="med" len="med"/>
+                      <a:tailEnd type="none" w="med" len="med"/>
+                    </a:lnR>
+                    <a:lnT w="12700" cap="flat" cmpd="sng" algn="ctr">
+                      <a:noFill/>
+                      <a:prstDash val="solid"/>
+                      <a:round/>
+                      <a:headEnd type="none" w="med" len="med"/>
+                      <a:tailEnd type="none" w="med" len="med"/>
+                    </a:lnT>
+                    <a:lnB w="12700" cap="flat" cmpd="sng" algn="ctr">
+                      <a:solidFill>
+                        <a:schemeClr val="tx1"/>
+                      </a:solidFill>
+                      <a:prstDash val="solid"/>
+                      <a:round/>
+                      <a:headEnd type="none" w="med" len="med"/>
+                      <a:tailEnd type="none" w="med" len="med"/>
+                    </a:lnB>
+                    <a:lnTlToBr w="12700" cmpd="sng">
+                      <a:noFill/>
+                      <a:prstDash val="solid"/>
+                    </a:lnTlToBr>
+                    <a:lnBlToTr w="12700" cmpd="sng">
+                      <a:noFill/>
+                      <a:prstDash val="solid"/>
+                    </a:lnBlToTr>
+                    <a:noFill/>
+                  </a:tcPr>
+                </a:tc>
+                <a:tc>
+                  <a:txBody>
+                    <a:bodyPr/>
+                    <a:lstStyle/>
+                    <a:p>
+                      <a:pPr algn="ctr" latinLnBrk="1"/>
+                      <a:r>
+                        <a:rPr lang="en-US" altLang="ko-KR" sz="1200" b="0" dirty="0">
+                          <a:solidFill>
+                            <a:schemeClr val="tx1"/>
+                          </a:solidFill>
+                        </a:rPr>
+                        <a:t>link</a:t>
+                      </a:r>
+                      <a:endParaRPr lang="ko-KR" altLang="en-US" sz="1200" b="0" dirty="0">
+                        <a:solidFill>
+                          <a:schemeClr val="tx1"/>
+                        </a:solidFill>
+                      </a:endParaRPr>
+                    </a:p>
+                  </a:txBody>
+                  <a:tcPr anchor="ctr">
+                    <a:lnL w="12700" cap="flat" cmpd="sng" algn="ctr">
+                      <a:noFill/>
+                      <a:prstDash val="solid"/>
+                      <a:round/>
+                      <a:headEnd type="none" w="med" len="med"/>
+                      <a:tailEnd type="none" w="med" len="med"/>
+                    </a:lnL>
+                    <a:lnR w="12700" cap="flat" cmpd="sng" algn="ctr">
+                      <a:noFill/>
+                      <a:prstDash val="solid"/>
+                      <a:round/>
+                      <a:headEnd type="none" w="med" len="med"/>
+                      <a:tailEnd type="none" w="med" len="med"/>
+                    </a:lnR>
+                    <a:lnT w="12700" cap="flat" cmpd="sng" algn="ctr">
+                      <a:noFill/>
+                      <a:prstDash val="solid"/>
+                      <a:round/>
+                      <a:headEnd type="none" w="med" len="med"/>
+                      <a:tailEnd type="none" w="med" len="med"/>
+                    </a:lnT>
+                    <a:lnB w="12700" cap="flat" cmpd="sng" algn="ctr">
+                      <a:solidFill>
+                        <a:schemeClr val="tx1"/>
+                      </a:solidFill>
+                      <a:prstDash val="solid"/>
+                      <a:round/>
+                      <a:headEnd type="none" w="med" len="med"/>
+                      <a:tailEnd type="none" w="med" len="med"/>
+                    </a:lnB>
+                    <a:lnTlToBr w="12700" cmpd="sng">
+                      <a:noFill/>
+                      <a:prstDash val="solid"/>
+                    </a:lnTlToBr>
+                    <a:lnBlToTr w="12700" cmpd="sng">
+                      <a:noFill/>
+                      <a:prstDash val="solid"/>
+                    </a:lnBlToTr>
+                    <a:noFill/>
+                  </a:tcPr>
+                </a:tc>
+                <a:extLst>
+                  <a:ext uri="{0D108BD9-81ED-4DB2-BD59-A6C34878D82A}">
+                    <a16:rowId xmlns:a16="http://schemas.microsoft.com/office/drawing/2014/main" val="596413071"/>
+                  </a:ext>
+                </a:extLst>
+              </a:tr>
+              <a:tr h="348615">
+                <a:tc>
+                  <a:txBody>
+                    <a:bodyPr/>
+                    <a:lstStyle/>
+                    <a:p>
+                      <a:pPr algn="ctr" latinLnBrk="1"/>
+                      <a:r>
+                        <a:rPr lang="en-US" altLang="ko-KR" sz="1200" b="0" dirty="0">
+                          <a:solidFill>
+                            <a:schemeClr val="tx1"/>
+                          </a:solidFill>
+                        </a:rPr>
+                        <a:t>Kim</a:t>
+                      </a:r>
+                      <a:endParaRPr lang="ko-KR" altLang="en-US" sz="1200" b="0" dirty="0">
+                        <a:solidFill>
+                          <a:schemeClr val="tx1"/>
+                        </a:solidFill>
+                      </a:endParaRPr>
+                    </a:p>
+                  </a:txBody>
+                  <a:tcPr anchor="ctr">
+                    <a:lnL w="12700" cap="flat" cmpd="sng" algn="ctr">
+                      <a:solidFill>
+                        <a:schemeClr val="tx1"/>
+                      </a:solidFill>
+                      <a:prstDash val="solid"/>
+                      <a:round/>
+                      <a:headEnd type="none" w="med" len="med"/>
+                      <a:tailEnd type="none" w="med" len="med"/>
+                    </a:lnL>
+                    <a:lnR w="12700" cap="flat" cmpd="sng" algn="ctr">
+                      <a:solidFill>
+                        <a:schemeClr val="tx1"/>
+                      </a:solidFill>
+                      <a:prstDash val="solid"/>
+                      <a:round/>
+                      <a:headEnd type="none" w="med" len="med"/>
+                      <a:tailEnd type="none" w="med" len="med"/>
+                    </a:lnR>
+                    <a:lnT w="12700" cap="flat" cmpd="sng" algn="ctr">
+                      <a:solidFill>
+                        <a:schemeClr val="tx1"/>
+                      </a:solidFill>
+                      <a:prstDash val="solid"/>
+                      <a:round/>
+                      <a:headEnd type="none" w="med" len="med"/>
+                      <a:tailEnd type="none" w="med" len="med"/>
+                    </a:lnT>
+                    <a:lnB w="12700" cap="flat" cmpd="sng" algn="ctr">
+                      <a:solidFill>
+                        <a:schemeClr val="tx1"/>
+                      </a:solidFill>
+                      <a:prstDash val="solid"/>
+                      <a:round/>
+                      <a:headEnd type="none" w="med" len="med"/>
+                      <a:tailEnd type="none" w="med" len="med"/>
+                    </a:lnB>
+                    <a:lnTlToBr w="12700" cmpd="sng">
+                      <a:noFill/>
+                      <a:prstDash val="solid"/>
+                    </a:lnTlToBr>
+                    <a:lnBlToTr w="12700" cmpd="sng">
+                      <a:noFill/>
+                      <a:prstDash val="solid"/>
+                    </a:lnBlToTr>
+                    <a:noFill/>
+                  </a:tcPr>
+                </a:tc>
+                <a:tc>
+                  <a:txBody>
+                    <a:bodyPr/>
+                    <a:lstStyle/>
+                    <a:p>
+                      <a:pPr algn="ctr" latinLnBrk="1"/>
+                      <a:endParaRPr lang="ko-KR" altLang="en-US" sz="1200" b="0" dirty="0">
+                        <a:solidFill>
+                          <a:schemeClr val="tx1"/>
+                        </a:solidFill>
+                      </a:endParaRPr>
+                    </a:p>
+                  </a:txBody>
+                  <a:tcPr anchor="ctr">
+                    <a:lnL w="12700" cap="flat" cmpd="sng" algn="ctr">
+                      <a:solidFill>
+                        <a:schemeClr val="tx1"/>
+                      </a:solidFill>
+                      <a:prstDash val="solid"/>
+                      <a:round/>
+                      <a:headEnd type="none" w="med" len="med"/>
+                      <a:tailEnd type="none" w="med" len="med"/>
+                    </a:lnL>
+                    <a:lnR w="12700" cap="flat" cmpd="sng" algn="ctr">
+                      <a:solidFill>
+                        <a:schemeClr val="tx1"/>
+                      </a:solidFill>
+                      <a:prstDash val="solid"/>
+                      <a:round/>
+                      <a:headEnd type="none" w="med" len="med"/>
+                      <a:tailEnd type="none" w="med" len="med"/>
+                    </a:lnR>
+                    <a:lnT w="12700" cap="flat" cmpd="sng" algn="ctr">
+                      <a:solidFill>
+                        <a:schemeClr val="tx1"/>
+                      </a:solidFill>
+                      <a:prstDash val="solid"/>
+                      <a:round/>
+                      <a:headEnd type="none" w="med" len="med"/>
+                      <a:tailEnd type="none" w="med" len="med"/>
+                    </a:lnT>
+                    <a:lnB w="12700" cap="flat" cmpd="sng" algn="ctr">
+                      <a:solidFill>
+                        <a:schemeClr val="tx1"/>
+                      </a:solidFill>
+                      <a:prstDash val="solid"/>
+                      <a:round/>
+                      <a:headEnd type="none" w="med" len="med"/>
+                      <a:tailEnd type="none" w="med" len="med"/>
+                    </a:lnB>
+                    <a:lnTlToBr w="12700" cmpd="sng">
+                      <a:noFill/>
+                      <a:prstDash val="solid"/>
+                    </a:lnTlToBr>
+                    <a:lnBlToTr w="12700" cmpd="sng">
+                      <a:noFill/>
+                      <a:prstDash val="solid"/>
+                    </a:lnBlToTr>
+                    <a:noFill/>
+                  </a:tcPr>
+                </a:tc>
+                <a:extLst>
+                  <a:ext uri="{0D108BD9-81ED-4DB2-BD59-A6C34878D82A}">
+                    <a16:rowId xmlns:a16="http://schemas.microsoft.com/office/drawing/2014/main" val="3167644525"/>
+                  </a:ext>
+                </a:extLst>
+              </a:tr>
+            </a:tbl>
+          </a:graphicData>
+        </a:graphic>
+      </p:graphicFrame>
+      <p:graphicFrame>
+        <p:nvGraphicFramePr>
+          <p:cNvPr id="52" name="표 51">
+            <a:extLst>
+              <a:ext uri="{FF2B5EF4-FFF2-40B4-BE49-F238E27FC236}">
+                <a16:creationId xmlns:a16="http://schemas.microsoft.com/office/drawing/2014/main" id="{91F8765D-7DA5-488F-B1B1-4A6CFACA27D7}"/>
+              </a:ext>
+            </a:extLst>
+          </p:cNvPr>
+          <p:cNvGraphicFramePr>
+            <a:graphicFrameLocks noGrp="1"/>
+          </p:cNvGraphicFramePr>
+          <p:nvPr>
+            <p:extLst>
+              <p:ext uri="{D42A27DB-BD31-4B8C-83A1-F6EECF244321}">
+                <p14:modId xmlns:p14="http://schemas.microsoft.com/office/powerpoint/2010/main" val="1624961776"/>
+              </p:ext>
+            </p:extLst>
+          </p:nvPr>
+        </p:nvGraphicFramePr>
+        <p:xfrm>
+          <a:off x="247649" y="2726478"/>
+          <a:ext cx="926432" cy="697230"/>
+        </p:xfrm>
+        <a:graphic>
+          <a:graphicData uri="http://schemas.openxmlformats.org/drawingml/2006/table">
+            <a:tbl>
+              <a:tblPr firstRow="1" bandRow="1">
+                <a:tableStyleId>{5C22544A-7EE6-4342-B048-85BDC9FD1C3A}</a:tableStyleId>
+              </a:tblPr>
+              <a:tblGrid>
+                <a:gridCol w="463216">
+                  <a:extLst>
+                    <a:ext uri="{9D8B030D-6E8A-4147-A177-3AD203B41FA5}">
+                      <a16:colId xmlns:a16="http://schemas.microsoft.com/office/drawing/2014/main" val="1876448761"/>
+                    </a:ext>
+                  </a:extLst>
+                </a:gridCol>
+                <a:gridCol w="463216">
+                  <a:extLst>
+                    <a:ext uri="{9D8B030D-6E8A-4147-A177-3AD203B41FA5}">
+                      <a16:colId xmlns:a16="http://schemas.microsoft.com/office/drawing/2014/main" val="406678734"/>
+                    </a:ext>
+                  </a:extLst>
+                </a:gridCol>
+              </a:tblGrid>
+              <a:tr h="348615">
+                <a:tc>
+                  <a:txBody>
+                    <a:bodyPr/>
+                    <a:lstStyle/>
+                    <a:p>
+                      <a:pPr algn="ctr" latinLnBrk="1"/>
+                      <a:endParaRPr lang="ko-KR" altLang="en-US" sz="1200" b="0" dirty="0">
+                        <a:solidFill>
+                          <a:schemeClr val="tx1"/>
+                        </a:solidFill>
+                      </a:endParaRPr>
+                    </a:p>
+                  </a:txBody>
+                  <a:tcPr anchor="ctr">
+                    <a:lnL w="12700" cap="flat" cmpd="sng" algn="ctr">
+                      <a:noFill/>
+                      <a:prstDash val="solid"/>
+                      <a:round/>
+                      <a:headEnd type="none" w="med" len="med"/>
+                      <a:tailEnd type="none" w="med" len="med"/>
+                    </a:lnL>
+                    <a:lnR w="12700" cap="flat" cmpd="sng" algn="ctr">
+                      <a:noFill/>
+                      <a:prstDash val="solid"/>
+                      <a:round/>
+                      <a:headEnd type="none" w="med" len="med"/>
+                      <a:tailEnd type="none" w="med" len="med"/>
+                    </a:lnR>
+                    <a:lnT w="12700" cap="flat" cmpd="sng" algn="ctr">
+                      <a:noFill/>
+                      <a:prstDash val="solid"/>
+                      <a:round/>
+                      <a:headEnd type="none" w="med" len="med"/>
+                      <a:tailEnd type="none" w="med" len="med"/>
+                    </a:lnT>
+                    <a:lnB w="12700" cap="flat" cmpd="sng" algn="ctr">
+                      <a:noFill/>
+                      <a:prstDash val="solid"/>
+                      <a:round/>
+                      <a:headEnd type="none" w="med" len="med"/>
+                      <a:tailEnd type="none" w="med" len="med"/>
+                    </a:lnB>
+                    <a:lnTlToBr w="12700" cmpd="sng">
+                      <a:noFill/>
+                      <a:prstDash val="solid"/>
+                    </a:lnTlToBr>
+                    <a:lnBlToTr w="12700" cmpd="sng">
+                      <a:noFill/>
+                      <a:prstDash val="solid"/>
+                    </a:lnBlToTr>
+                    <a:noFill/>
+                  </a:tcPr>
+                </a:tc>
+                <a:tc>
+                  <a:txBody>
+                    <a:bodyPr/>
+                    <a:lstStyle/>
+                    <a:p>
+                      <a:pPr algn="ctr" latinLnBrk="1"/>
+                      <a:endParaRPr lang="ko-KR" altLang="en-US" sz="1200" b="0" dirty="0">
+                        <a:solidFill>
+                          <a:schemeClr val="tx1"/>
+                        </a:solidFill>
+                      </a:endParaRPr>
+                    </a:p>
+                  </a:txBody>
+                  <a:tcPr anchor="ctr">
+                    <a:lnL w="12700" cap="flat" cmpd="sng" algn="ctr">
+                      <a:noFill/>
+                      <a:prstDash val="solid"/>
+                      <a:round/>
+                      <a:headEnd type="none" w="med" len="med"/>
+                      <a:tailEnd type="none" w="med" len="med"/>
+                    </a:lnL>
+                    <a:lnR w="12700" cap="flat" cmpd="sng" algn="ctr">
+                      <a:noFill/>
+                      <a:prstDash val="solid"/>
+                      <a:round/>
+                      <a:headEnd type="none" w="med" len="med"/>
+                      <a:tailEnd type="none" w="med" len="med"/>
+                    </a:lnR>
+                    <a:lnT w="12700" cap="flat" cmpd="sng" algn="ctr">
+                      <a:noFill/>
+                      <a:prstDash val="solid"/>
+                      <a:round/>
+                      <a:headEnd type="none" w="med" len="med"/>
+                      <a:tailEnd type="none" w="med" len="med"/>
+                    </a:lnT>
+                    <a:lnB w="12700" cap="flat" cmpd="sng" algn="ctr">
+                      <a:solidFill>
+                        <a:schemeClr val="tx1"/>
+                      </a:solidFill>
+                      <a:prstDash val="solid"/>
+                      <a:round/>
+                      <a:headEnd type="none" w="med" len="med"/>
+                      <a:tailEnd type="none" w="med" len="med"/>
+                    </a:lnB>
+                    <a:lnTlToBr w="12700" cmpd="sng">
+                      <a:noFill/>
+                      <a:prstDash val="solid"/>
+                    </a:lnTlToBr>
+                    <a:lnBlToTr w="12700" cmpd="sng">
+                      <a:noFill/>
+                      <a:prstDash val="solid"/>
+                    </a:lnBlToTr>
+                    <a:noFill/>
+                  </a:tcPr>
+                </a:tc>
+                <a:extLst>
+                  <a:ext uri="{0D108BD9-81ED-4DB2-BD59-A6C34878D82A}">
+                    <a16:rowId xmlns:a16="http://schemas.microsoft.com/office/drawing/2014/main" val="596413071"/>
+                  </a:ext>
+                </a:extLst>
+              </a:tr>
+              <a:tr h="348615">
+                <a:tc>
+                  <a:txBody>
+                    <a:bodyPr/>
+                    <a:lstStyle/>
+                    <a:p>
+                      <a:pPr algn="ctr" latinLnBrk="1"/>
+                      <a:r>
+                        <a:rPr lang="en-US" altLang="ko-KR" sz="1200" b="0" dirty="0">
+                          <a:solidFill>
+                            <a:schemeClr val="tx1"/>
+                          </a:solidFill>
+                        </a:rPr>
+                        <a:t>L</a:t>
+                      </a:r>
+                      <a:endParaRPr lang="ko-KR" altLang="en-US" sz="1200" b="0" dirty="0">
+                        <a:solidFill>
+                          <a:schemeClr val="tx1"/>
+                        </a:solidFill>
+                      </a:endParaRPr>
+                    </a:p>
+                  </a:txBody>
+                  <a:tcPr anchor="ctr">
+                    <a:lnL w="12700" cap="flat" cmpd="sng" algn="ctr">
+                      <a:noFill/>
+                      <a:prstDash val="solid"/>
+                      <a:round/>
+                      <a:headEnd type="none" w="med" len="med"/>
+                      <a:tailEnd type="none" w="med" len="med"/>
+                    </a:lnL>
+                    <a:lnR w="12700" cap="flat" cmpd="sng" algn="ctr">
+                      <a:solidFill>
+                        <a:schemeClr val="tx1"/>
+                      </a:solidFill>
+                      <a:prstDash val="solid"/>
+                      <a:round/>
+                      <a:headEnd type="none" w="med" len="med"/>
+                      <a:tailEnd type="none" w="med" len="med"/>
+                    </a:lnR>
+                    <a:lnT w="12700" cap="flat" cmpd="sng" algn="ctr">
+                      <a:noFill/>
+                      <a:prstDash val="solid"/>
+                      <a:round/>
+                      <a:headEnd type="none" w="med" len="med"/>
+                      <a:tailEnd type="none" w="med" len="med"/>
+                    </a:lnT>
+                    <a:lnB w="12700" cap="flat" cmpd="sng" algn="ctr">
+                      <a:noFill/>
+                      <a:prstDash val="solid"/>
+                      <a:round/>
+                      <a:headEnd type="none" w="med" len="med"/>
+                      <a:tailEnd type="none" w="med" len="med"/>
+                    </a:lnB>
+                    <a:lnTlToBr w="12700" cmpd="sng">
+                      <a:noFill/>
+                      <a:prstDash val="solid"/>
+                    </a:lnTlToBr>
+                    <a:lnBlToTr w="12700" cmpd="sng">
+                      <a:noFill/>
+                      <a:prstDash val="solid"/>
+                    </a:lnBlToTr>
+                    <a:noFill/>
+                  </a:tcPr>
+                </a:tc>
+                <a:tc>
+                  <a:txBody>
+                    <a:bodyPr/>
+                    <a:lstStyle/>
+                    <a:p>
+                      <a:pPr algn="ctr" latinLnBrk="1"/>
+                      <a:endParaRPr lang="ko-KR" altLang="en-US" sz="1200" b="0" dirty="0">
+                        <a:solidFill>
+                          <a:schemeClr val="tx1"/>
+                        </a:solidFill>
+                      </a:endParaRPr>
+                    </a:p>
+                  </a:txBody>
+                  <a:tcPr anchor="ctr">
+                    <a:lnL w="12700" cap="flat" cmpd="sng" algn="ctr">
+                      <a:solidFill>
+                        <a:schemeClr val="tx1"/>
+                      </a:solidFill>
+                      <a:prstDash val="solid"/>
+                      <a:round/>
+                      <a:headEnd type="none" w="med" len="med"/>
+                      <a:tailEnd type="none" w="med" len="med"/>
+                    </a:lnL>
+                    <a:lnR w="12700" cap="flat" cmpd="sng" algn="ctr">
+                      <a:solidFill>
+                        <a:schemeClr val="tx1"/>
+                      </a:solidFill>
+                      <a:prstDash val="solid"/>
+                      <a:round/>
+                      <a:headEnd type="none" w="med" len="med"/>
+                      <a:tailEnd type="none" w="med" len="med"/>
+                    </a:lnR>
+                    <a:lnT w="12700" cap="flat" cmpd="sng" algn="ctr">
+                      <a:solidFill>
+                        <a:schemeClr val="tx1"/>
+                      </a:solidFill>
+                      <a:prstDash val="solid"/>
+                      <a:round/>
+                      <a:headEnd type="none" w="med" len="med"/>
+                      <a:tailEnd type="none" w="med" len="med"/>
+                    </a:lnT>
+                    <a:lnB w="12700" cap="flat" cmpd="sng" algn="ctr">
+                      <a:solidFill>
+                        <a:schemeClr val="tx1"/>
+                      </a:solidFill>
+                      <a:prstDash val="solid"/>
+                      <a:round/>
+                      <a:headEnd type="none" w="med" len="med"/>
+                      <a:tailEnd type="none" w="med" len="med"/>
+                    </a:lnB>
+                    <a:lnTlToBr w="12700" cmpd="sng">
+                      <a:noFill/>
+                      <a:prstDash val="solid"/>
+                    </a:lnTlToBr>
+                    <a:lnBlToTr w="12700" cmpd="sng">
+                      <a:noFill/>
+                      <a:prstDash val="solid"/>
+                    </a:lnBlToTr>
+                    <a:noFill/>
+                  </a:tcPr>
+                </a:tc>
+                <a:extLst>
+                  <a:ext uri="{0D108BD9-81ED-4DB2-BD59-A6C34878D82A}">
+                    <a16:rowId xmlns:a16="http://schemas.microsoft.com/office/drawing/2014/main" val="3167644525"/>
+                  </a:ext>
+                </a:extLst>
+              </a:tr>
+            </a:tbl>
+          </a:graphicData>
+        </a:graphic>
+      </p:graphicFrame>
+      <p:cxnSp>
+        <p:nvCxnSpPr>
+          <p:cNvPr id="53" name="직선 화살표 연결선 52">
+            <a:extLst>
+              <a:ext uri="{FF2B5EF4-FFF2-40B4-BE49-F238E27FC236}">
+                <a16:creationId xmlns:a16="http://schemas.microsoft.com/office/drawing/2014/main" id="{7F4CB6B0-2E7F-4461-BEA2-983EBA95B3AA}"/>
+              </a:ext>
+            </a:extLst>
+          </p:cNvPr>
+          <p:cNvCxnSpPr/>
+          <p:nvPr/>
+        </p:nvCxnSpPr>
+        <p:spPr>
+          <a:xfrm>
+            <a:off x="1174081" y="3229822"/>
+            <a:ext cx="242639" cy="0"/>
+          </a:xfrm>
+          <a:prstGeom prst="straightConnector1">
+            <a:avLst/>
+          </a:prstGeom>
+          <a:ln w="28575">
+            <a:tailEnd type="triangle"/>
+          </a:ln>
+        </p:spPr>
+        <p:style>
+          <a:lnRef idx="1">
+            <a:schemeClr val="dk1"/>
+          </a:lnRef>
+          <a:fillRef idx="0">
+            <a:schemeClr val="dk1"/>
+          </a:fillRef>
+          <a:effectRef idx="0">
+            <a:schemeClr val="dk1"/>
+          </a:effectRef>
+          <a:fontRef idx="minor">
+            <a:schemeClr val="tx1"/>
+          </a:fontRef>
+        </p:style>
+      </p:cxnSp>
+      <p:graphicFrame>
+        <p:nvGraphicFramePr>
+          <p:cNvPr id="54" name="표 53">
+            <a:extLst>
+              <a:ext uri="{FF2B5EF4-FFF2-40B4-BE49-F238E27FC236}">
+                <a16:creationId xmlns:a16="http://schemas.microsoft.com/office/drawing/2014/main" id="{6B492B7E-3053-4C51-BD62-9D6A5BA11CB2}"/>
+              </a:ext>
+            </a:extLst>
+          </p:cNvPr>
+          <p:cNvGraphicFramePr>
+            <a:graphicFrameLocks noGrp="1"/>
+          </p:cNvGraphicFramePr>
+          <p:nvPr>
+            <p:extLst>
+              <p:ext uri="{D42A27DB-BD31-4B8C-83A1-F6EECF244321}">
+                <p14:modId xmlns:p14="http://schemas.microsoft.com/office/powerpoint/2010/main" val="2862126680"/>
+              </p:ext>
+            </p:extLst>
+          </p:nvPr>
+        </p:nvGraphicFramePr>
+        <p:xfrm>
+          <a:off x="2861077" y="2726478"/>
+          <a:ext cx="1201720" cy="697230"/>
+        </p:xfrm>
+        <a:graphic>
+          <a:graphicData uri="http://schemas.openxmlformats.org/drawingml/2006/table">
+            <a:tbl>
+              <a:tblPr firstRow="1" bandRow="1">
+                <a:tableStyleId>{5C22544A-7EE6-4342-B048-85BDC9FD1C3A}</a:tableStyleId>
+              </a:tblPr>
+              <a:tblGrid>
+                <a:gridCol w="619442">
+                  <a:extLst>
+                    <a:ext uri="{9D8B030D-6E8A-4147-A177-3AD203B41FA5}">
+                      <a16:colId xmlns:a16="http://schemas.microsoft.com/office/drawing/2014/main" val="1876448761"/>
+                    </a:ext>
+                  </a:extLst>
+                </a:gridCol>
+                <a:gridCol w="582278">
+                  <a:extLst>
+                    <a:ext uri="{9D8B030D-6E8A-4147-A177-3AD203B41FA5}">
+                      <a16:colId xmlns:a16="http://schemas.microsoft.com/office/drawing/2014/main" val="406678734"/>
+                    </a:ext>
+                  </a:extLst>
+                </a:gridCol>
+              </a:tblGrid>
+              <a:tr h="348615">
+                <a:tc>
+                  <a:txBody>
+                    <a:bodyPr/>
+                    <a:lstStyle/>
+                    <a:p>
+                      <a:pPr algn="ctr" latinLnBrk="1"/>
+                      <a:r>
+                        <a:rPr lang="en-US" altLang="ko-KR" sz="1200" b="0" dirty="0">
+                          <a:solidFill>
+                            <a:schemeClr val="tx1"/>
+                          </a:solidFill>
+                        </a:rPr>
+                        <a:t>name</a:t>
+                      </a:r>
+                      <a:endParaRPr lang="ko-KR" altLang="en-US" sz="1200" b="0" dirty="0">
+                        <a:solidFill>
+                          <a:schemeClr val="tx1"/>
+                        </a:solidFill>
+                      </a:endParaRPr>
+                    </a:p>
+                  </a:txBody>
+                  <a:tcPr anchor="ctr">
+                    <a:lnL w="12700" cap="flat" cmpd="sng" algn="ctr">
+                      <a:noFill/>
+                      <a:prstDash val="solid"/>
+                      <a:round/>
+                      <a:headEnd type="none" w="med" len="med"/>
+                      <a:tailEnd type="none" w="med" len="med"/>
+                    </a:lnL>
+                    <a:lnR w="12700" cap="flat" cmpd="sng" algn="ctr">
+                      <a:noFill/>
+                      <a:prstDash val="solid"/>
+                      <a:round/>
+                      <a:headEnd type="none" w="med" len="med"/>
+                      <a:tailEnd type="none" w="med" len="med"/>
+                    </a:lnR>
+                    <a:lnT w="12700" cap="flat" cmpd="sng" algn="ctr">
+                      <a:noFill/>
+                      <a:prstDash val="solid"/>
+                      <a:round/>
+                      <a:headEnd type="none" w="med" len="med"/>
+                      <a:tailEnd type="none" w="med" len="med"/>
+                    </a:lnT>
+                    <a:lnB w="12700" cap="flat" cmpd="sng" algn="ctr">
+                      <a:solidFill>
+                        <a:schemeClr val="tx1"/>
+                      </a:solidFill>
+                      <a:prstDash val="solid"/>
+                      <a:round/>
+                      <a:headEnd type="none" w="med" len="med"/>
+                      <a:tailEnd type="none" w="med" len="med"/>
+                    </a:lnB>
+                    <a:lnTlToBr w="12700" cmpd="sng">
+                      <a:noFill/>
+                      <a:prstDash val="solid"/>
+                    </a:lnTlToBr>
+                    <a:lnBlToTr w="12700" cmpd="sng">
+                      <a:noFill/>
+                      <a:prstDash val="solid"/>
+                    </a:lnBlToTr>
+                    <a:noFill/>
+                  </a:tcPr>
+                </a:tc>
+                <a:tc>
+                  <a:txBody>
+                    <a:bodyPr/>
+                    <a:lstStyle/>
+                    <a:p>
+                      <a:pPr algn="ctr" latinLnBrk="1"/>
+                      <a:r>
+                        <a:rPr lang="en-US" altLang="ko-KR" sz="1200" b="0" dirty="0">
+                          <a:solidFill>
+                            <a:schemeClr val="tx1"/>
+                          </a:solidFill>
+                        </a:rPr>
+                        <a:t>link</a:t>
+                      </a:r>
+                      <a:endParaRPr lang="ko-KR" altLang="en-US" sz="1200" b="0" dirty="0">
+                        <a:solidFill>
+                          <a:schemeClr val="tx1"/>
+                        </a:solidFill>
+                      </a:endParaRPr>
+                    </a:p>
+                  </a:txBody>
+                  <a:tcPr anchor="ctr">
+                    <a:lnL w="12700" cap="flat" cmpd="sng" algn="ctr">
+                      <a:noFill/>
+                      <a:prstDash val="solid"/>
+                      <a:round/>
+                      <a:headEnd type="none" w="med" len="med"/>
+                      <a:tailEnd type="none" w="med" len="med"/>
+                    </a:lnL>
+                    <a:lnR w="12700" cap="flat" cmpd="sng" algn="ctr">
+                      <a:noFill/>
+                      <a:prstDash val="solid"/>
+                      <a:round/>
+                      <a:headEnd type="none" w="med" len="med"/>
+                      <a:tailEnd type="none" w="med" len="med"/>
+                    </a:lnR>
+                    <a:lnT w="12700" cap="flat" cmpd="sng" algn="ctr">
+                      <a:noFill/>
+                      <a:prstDash val="solid"/>
+                      <a:round/>
+                      <a:headEnd type="none" w="med" len="med"/>
+                      <a:tailEnd type="none" w="med" len="med"/>
+                    </a:lnT>
+                    <a:lnB w="12700" cap="flat" cmpd="sng" algn="ctr">
+                      <a:solidFill>
+                        <a:schemeClr val="tx1"/>
+                      </a:solidFill>
+                      <a:prstDash val="solid"/>
+                      <a:round/>
+                      <a:headEnd type="none" w="med" len="med"/>
+                      <a:tailEnd type="none" w="med" len="med"/>
+                    </a:lnB>
+                    <a:lnTlToBr w="12700" cmpd="sng">
+                      <a:noFill/>
+                      <a:prstDash val="solid"/>
+                    </a:lnTlToBr>
+                    <a:lnBlToTr w="12700" cmpd="sng">
+                      <a:noFill/>
+                      <a:prstDash val="solid"/>
+                    </a:lnBlToTr>
+                    <a:noFill/>
+                  </a:tcPr>
+                </a:tc>
+                <a:extLst>
+                  <a:ext uri="{0D108BD9-81ED-4DB2-BD59-A6C34878D82A}">
+                    <a16:rowId xmlns:a16="http://schemas.microsoft.com/office/drawing/2014/main" val="596413071"/>
+                  </a:ext>
+                </a:extLst>
+              </a:tr>
+              <a:tr h="348615">
+                <a:tc>
+                  <a:txBody>
+                    <a:bodyPr/>
+                    <a:lstStyle/>
+                    <a:p>
+                      <a:pPr algn="ctr" latinLnBrk="1"/>
+                      <a:r>
+                        <a:rPr lang="en-US" altLang="ko-KR" sz="1200" b="0" dirty="0">
+                          <a:solidFill>
+                            <a:schemeClr val="tx1"/>
+                          </a:solidFill>
+                        </a:rPr>
+                        <a:t>Lee</a:t>
+                      </a:r>
+                      <a:endParaRPr lang="ko-KR" altLang="en-US" sz="1200" b="0" dirty="0">
+                        <a:solidFill>
+                          <a:schemeClr val="tx1"/>
+                        </a:solidFill>
+                      </a:endParaRPr>
+                    </a:p>
+                  </a:txBody>
+                  <a:tcPr anchor="ctr">
+                    <a:lnL w="12700" cap="flat" cmpd="sng" algn="ctr">
+                      <a:solidFill>
+                        <a:schemeClr val="tx1"/>
+                      </a:solidFill>
+                      <a:prstDash val="solid"/>
+                      <a:round/>
+                      <a:headEnd type="none" w="med" len="med"/>
+                      <a:tailEnd type="none" w="med" len="med"/>
+                    </a:lnL>
+                    <a:lnR w="12700" cap="flat" cmpd="sng" algn="ctr">
+                      <a:solidFill>
+                        <a:schemeClr val="tx1"/>
+                      </a:solidFill>
+                      <a:prstDash val="solid"/>
+                      <a:round/>
+                      <a:headEnd type="none" w="med" len="med"/>
+                      <a:tailEnd type="none" w="med" len="med"/>
+                    </a:lnR>
+                    <a:lnT w="12700" cap="flat" cmpd="sng" algn="ctr">
+                      <a:solidFill>
+                        <a:schemeClr val="tx1"/>
+                      </a:solidFill>
+                      <a:prstDash val="solid"/>
+                      <a:round/>
+                      <a:headEnd type="none" w="med" len="med"/>
+                      <a:tailEnd type="none" w="med" len="med"/>
+                    </a:lnT>
+                    <a:lnB w="12700" cap="flat" cmpd="sng" algn="ctr">
+                      <a:solidFill>
+                        <a:schemeClr val="tx1"/>
+                      </a:solidFill>
+                      <a:prstDash val="solid"/>
+                      <a:round/>
+                      <a:headEnd type="none" w="med" len="med"/>
+                      <a:tailEnd type="none" w="med" len="med"/>
+                    </a:lnB>
+                    <a:lnTlToBr w="12700" cmpd="sng">
+                      <a:noFill/>
+                      <a:prstDash val="solid"/>
+                    </a:lnTlToBr>
+                    <a:lnBlToTr w="12700" cmpd="sng">
+                      <a:noFill/>
+                      <a:prstDash val="solid"/>
+                    </a:lnBlToTr>
+                    <a:noFill/>
+                  </a:tcPr>
+                </a:tc>
+                <a:tc>
+                  <a:txBody>
+                    <a:bodyPr/>
+                    <a:lstStyle/>
+                    <a:p>
+                      <a:pPr algn="ctr" latinLnBrk="1"/>
+                      <a:r>
+                        <a:rPr lang="en-US" altLang="ko-KR" sz="1200" b="0" dirty="0">
+                          <a:solidFill>
+                            <a:schemeClr val="tx1"/>
+                          </a:solidFill>
+                        </a:rPr>
+                        <a:t>null</a:t>
+                      </a:r>
+                      <a:endParaRPr lang="ko-KR" altLang="en-US" sz="1200" b="0" dirty="0">
+                        <a:solidFill>
+                          <a:schemeClr val="tx1"/>
+                        </a:solidFill>
+                      </a:endParaRPr>
+                    </a:p>
+                  </a:txBody>
+                  <a:tcPr anchor="ctr">
+                    <a:lnL w="12700" cap="flat" cmpd="sng" algn="ctr">
+                      <a:solidFill>
+                        <a:schemeClr val="tx1"/>
+                      </a:solidFill>
+                      <a:prstDash val="solid"/>
+                      <a:round/>
+                      <a:headEnd type="none" w="med" len="med"/>
+                      <a:tailEnd type="none" w="med" len="med"/>
+                    </a:lnL>
+                    <a:lnR w="12700" cap="flat" cmpd="sng" algn="ctr">
+                      <a:solidFill>
+                        <a:schemeClr val="tx1"/>
+                      </a:solidFill>
+                      <a:prstDash val="solid"/>
+                      <a:round/>
+                      <a:headEnd type="none" w="med" len="med"/>
+                      <a:tailEnd type="none" w="med" len="med"/>
+                    </a:lnR>
+                    <a:lnT w="12700" cap="flat" cmpd="sng" algn="ctr">
+                      <a:solidFill>
+                        <a:schemeClr val="tx1"/>
+                      </a:solidFill>
+                      <a:prstDash val="solid"/>
+                      <a:round/>
+                      <a:headEnd type="none" w="med" len="med"/>
+                      <a:tailEnd type="none" w="med" len="med"/>
+                    </a:lnT>
+                    <a:lnB w="12700" cap="flat" cmpd="sng" algn="ctr">
+                      <a:solidFill>
+                        <a:schemeClr val="tx1"/>
+                      </a:solidFill>
+                      <a:prstDash val="solid"/>
+                      <a:round/>
+                      <a:headEnd type="none" w="med" len="med"/>
+                      <a:tailEnd type="none" w="med" len="med"/>
+                    </a:lnB>
+                    <a:lnTlToBr w="12700" cmpd="sng">
+                      <a:noFill/>
+                      <a:prstDash val="solid"/>
+                    </a:lnTlToBr>
+                    <a:lnBlToTr w="12700" cmpd="sng">
+                      <a:noFill/>
+                      <a:prstDash val="solid"/>
+                    </a:lnBlToTr>
+                    <a:noFill/>
+                  </a:tcPr>
+                </a:tc>
+                <a:extLst>
+                  <a:ext uri="{0D108BD9-81ED-4DB2-BD59-A6C34878D82A}">
+                    <a16:rowId xmlns:a16="http://schemas.microsoft.com/office/drawing/2014/main" val="3167644525"/>
+                  </a:ext>
+                </a:extLst>
+              </a:tr>
+            </a:tbl>
+          </a:graphicData>
+        </a:graphic>
+      </p:graphicFrame>
+      <p:cxnSp>
+        <p:nvCxnSpPr>
+          <p:cNvPr id="55" name="직선 화살표 연결선 54">
+            <a:extLst>
+              <a:ext uri="{FF2B5EF4-FFF2-40B4-BE49-F238E27FC236}">
+                <a16:creationId xmlns:a16="http://schemas.microsoft.com/office/drawing/2014/main" id="{61461EE9-80DC-4234-AB86-BF679E6D024C}"/>
+              </a:ext>
+            </a:extLst>
+          </p:cNvPr>
+          <p:cNvCxnSpPr/>
+          <p:nvPr/>
+        </p:nvCxnSpPr>
+        <p:spPr>
+          <a:xfrm>
+            <a:off x="2618439" y="3229822"/>
+            <a:ext cx="242639" cy="0"/>
+          </a:xfrm>
+          <a:prstGeom prst="straightConnector1">
+            <a:avLst/>
+          </a:prstGeom>
+          <a:ln w="28575">
+            <a:tailEnd type="triangle"/>
+          </a:ln>
+        </p:spPr>
+        <p:style>
+          <a:lnRef idx="1">
+            <a:schemeClr val="dk1"/>
+          </a:lnRef>
+          <a:fillRef idx="0">
+            <a:schemeClr val="dk1"/>
+          </a:fillRef>
+          <a:effectRef idx="0">
+            <a:schemeClr val="dk1"/>
+          </a:effectRef>
+          <a:fontRef idx="minor">
+            <a:schemeClr val="tx1"/>
+          </a:fontRef>
+        </p:style>
+      </p:cxnSp>
+      <p:graphicFrame>
+        <p:nvGraphicFramePr>
+          <p:cNvPr id="56" name="표 55">
+            <a:extLst>
+              <a:ext uri="{FF2B5EF4-FFF2-40B4-BE49-F238E27FC236}">
+                <a16:creationId xmlns:a16="http://schemas.microsoft.com/office/drawing/2014/main" id="{ED286E65-4D99-4B97-8F62-C3D64FF5B4CD}"/>
+              </a:ext>
+            </a:extLst>
+          </p:cNvPr>
+          <p:cNvGraphicFramePr>
+            <a:graphicFrameLocks noGrp="1"/>
+          </p:cNvGraphicFramePr>
+          <p:nvPr>
+            <p:extLst>
+              <p:ext uri="{D42A27DB-BD31-4B8C-83A1-F6EECF244321}">
+                <p14:modId xmlns:p14="http://schemas.microsoft.com/office/powerpoint/2010/main" val="822765528"/>
+              </p:ext>
+            </p:extLst>
+          </p:nvPr>
+        </p:nvGraphicFramePr>
+        <p:xfrm>
+          <a:off x="1416719" y="3927051"/>
+          <a:ext cx="1201720" cy="697230"/>
+        </p:xfrm>
+        <a:graphic>
+          <a:graphicData uri="http://schemas.openxmlformats.org/drawingml/2006/table">
+            <a:tbl>
+              <a:tblPr firstRow="1" bandRow="1">
+                <a:tableStyleId>{5C22544A-7EE6-4342-B048-85BDC9FD1C3A}</a:tableStyleId>
+              </a:tblPr>
+              <a:tblGrid>
+                <a:gridCol w="619442">
+                  <a:extLst>
+                    <a:ext uri="{9D8B030D-6E8A-4147-A177-3AD203B41FA5}">
+                      <a16:colId xmlns:a16="http://schemas.microsoft.com/office/drawing/2014/main" val="1876448761"/>
+                    </a:ext>
+                  </a:extLst>
+                </a:gridCol>
+                <a:gridCol w="582278">
+                  <a:extLst>
+                    <a:ext uri="{9D8B030D-6E8A-4147-A177-3AD203B41FA5}">
+                      <a16:colId xmlns:a16="http://schemas.microsoft.com/office/drawing/2014/main" val="406678734"/>
+                    </a:ext>
+                  </a:extLst>
+                </a:gridCol>
+              </a:tblGrid>
+              <a:tr h="348615">
+                <a:tc>
+                  <a:txBody>
+                    <a:bodyPr/>
+                    <a:lstStyle/>
+                    <a:p>
+                      <a:pPr algn="ctr" latinLnBrk="1"/>
+                      <a:r>
+                        <a:rPr lang="en-US" altLang="ko-KR" sz="1200" b="0" dirty="0">
+                          <a:solidFill>
+                            <a:schemeClr val="tx1"/>
+                          </a:solidFill>
+                        </a:rPr>
+                        <a:t>name</a:t>
+                      </a:r>
+                      <a:endParaRPr lang="ko-KR" altLang="en-US" sz="1200" b="0" dirty="0">
+                        <a:solidFill>
+                          <a:schemeClr val="tx1"/>
+                        </a:solidFill>
+                      </a:endParaRPr>
+                    </a:p>
+                  </a:txBody>
+                  <a:tcPr anchor="ctr">
+                    <a:lnL w="12700" cap="flat" cmpd="sng" algn="ctr">
+                      <a:noFill/>
+                      <a:prstDash val="solid"/>
+                      <a:round/>
+                      <a:headEnd type="none" w="med" len="med"/>
+                      <a:tailEnd type="none" w="med" len="med"/>
+                    </a:lnL>
+                    <a:lnR w="12700" cap="flat" cmpd="sng" algn="ctr">
+                      <a:noFill/>
+                      <a:prstDash val="solid"/>
+                      <a:round/>
+                      <a:headEnd type="none" w="med" len="med"/>
+                      <a:tailEnd type="none" w="med" len="med"/>
+                    </a:lnR>
+                    <a:lnT w="12700" cap="flat" cmpd="sng" algn="ctr">
+                      <a:noFill/>
+                      <a:prstDash val="solid"/>
+                      <a:round/>
+                      <a:headEnd type="none" w="med" len="med"/>
+                      <a:tailEnd type="none" w="med" len="med"/>
+                    </a:lnT>
+                    <a:lnB w="12700" cap="flat" cmpd="sng" algn="ctr">
+                      <a:solidFill>
+                        <a:schemeClr val="tx1"/>
+                      </a:solidFill>
+                      <a:prstDash val="solid"/>
+                      <a:round/>
+                      <a:headEnd type="none" w="med" len="med"/>
+                      <a:tailEnd type="none" w="med" len="med"/>
+                    </a:lnB>
+                    <a:lnTlToBr w="12700" cmpd="sng">
+                      <a:noFill/>
+                      <a:prstDash val="solid"/>
+                    </a:lnTlToBr>
+                    <a:lnBlToTr w="12700" cmpd="sng">
+                      <a:noFill/>
+                      <a:prstDash val="solid"/>
+                    </a:lnBlToTr>
+                    <a:noFill/>
+                  </a:tcPr>
+                </a:tc>
+                <a:tc>
+                  <a:txBody>
+                    <a:bodyPr/>
+                    <a:lstStyle/>
+                    <a:p>
+                      <a:pPr algn="ctr" latinLnBrk="1"/>
+                      <a:r>
+                        <a:rPr lang="en-US" altLang="ko-KR" sz="1200" b="0" dirty="0">
+                          <a:solidFill>
+                            <a:schemeClr val="tx1"/>
+                          </a:solidFill>
+                        </a:rPr>
+                        <a:t>link</a:t>
+                      </a:r>
+                      <a:endParaRPr lang="ko-KR" altLang="en-US" sz="1200" b="0" dirty="0">
+                        <a:solidFill>
+                          <a:schemeClr val="tx1"/>
+                        </a:solidFill>
+                      </a:endParaRPr>
+                    </a:p>
+                  </a:txBody>
+                  <a:tcPr anchor="ctr">
+                    <a:lnL w="12700" cap="flat" cmpd="sng" algn="ctr">
+                      <a:noFill/>
+                      <a:prstDash val="solid"/>
+                      <a:round/>
+                      <a:headEnd type="none" w="med" len="med"/>
+                      <a:tailEnd type="none" w="med" len="med"/>
+                    </a:lnL>
+                    <a:lnR w="12700" cap="flat" cmpd="sng" algn="ctr">
+                      <a:noFill/>
+                      <a:prstDash val="solid"/>
+                      <a:round/>
+                      <a:headEnd type="none" w="med" len="med"/>
+                      <a:tailEnd type="none" w="med" len="med"/>
+                    </a:lnR>
+                    <a:lnT w="12700" cap="flat" cmpd="sng" algn="ctr">
+                      <a:noFill/>
+                      <a:prstDash val="solid"/>
+                      <a:round/>
+                      <a:headEnd type="none" w="med" len="med"/>
+                      <a:tailEnd type="none" w="med" len="med"/>
+                    </a:lnT>
+                    <a:lnB w="12700" cap="flat" cmpd="sng" algn="ctr">
+                      <a:solidFill>
+                        <a:schemeClr val="tx1"/>
+                      </a:solidFill>
+                      <a:prstDash val="solid"/>
+                      <a:round/>
+                      <a:headEnd type="none" w="med" len="med"/>
+                      <a:tailEnd type="none" w="med" len="med"/>
+                    </a:lnB>
+                    <a:lnTlToBr w="12700" cmpd="sng">
+                      <a:noFill/>
+                      <a:prstDash val="solid"/>
+                    </a:lnTlToBr>
+                    <a:lnBlToTr w="12700" cmpd="sng">
+                      <a:noFill/>
+                      <a:prstDash val="solid"/>
+                    </a:lnBlToTr>
+                    <a:noFill/>
+                  </a:tcPr>
+                </a:tc>
+                <a:extLst>
+                  <a:ext uri="{0D108BD9-81ED-4DB2-BD59-A6C34878D82A}">
+                    <a16:rowId xmlns:a16="http://schemas.microsoft.com/office/drawing/2014/main" val="596413071"/>
+                  </a:ext>
+                </a:extLst>
+              </a:tr>
+              <a:tr h="348615">
+                <a:tc>
+                  <a:txBody>
+                    <a:bodyPr/>
+                    <a:lstStyle/>
+                    <a:p>
+                      <a:pPr algn="ctr" latinLnBrk="1"/>
+                      <a:r>
+                        <a:rPr lang="en-US" altLang="ko-KR" sz="1200" b="0" dirty="0">
+                          <a:solidFill>
+                            <a:schemeClr val="tx1"/>
+                          </a:solidFill>
+                        </a:rPr>
+                        <a:t>Kim</a:t>
+                      </a:r>
+                      <a:endParaRPr lang="ko-KR" altLang="en-US" sz="1200" b="0" dirty="0">
+                        <a:solidFill>
+                          <a:schemeClr val="tx1"/>
+                        </a:solidFill>
+                      </a:endParaRPr>
+                    </a:p>
+                  </a:txBody>
+                  <a:tcPr anchor="ctr">
+                    <a:lnL w="12700" cap="flat" cmpd="sng" algn="ctr">
+                      <a:solidFill>
+                        <a:schemeClr val="tx1"/>
+                      </a:solidFill>
+                      <a:prstDash val="solid"/>
+                      <a:round/>
+                      <a:headEnd type="none" w="med" len="med"/>
+                      <a:tailEnd type="none" w="med" len="med"/>
+                    </a:lnL>
+                    <a:lnR w="12700" cap="flat" cmpd="sng" algn="ctr">
+                      <a:solidFill>
+                        <a:schemeClr val="tx1"/>
+                      </a:solidFill>
+                      <a:prstDash val="solid"/>
+                      <a:round/>
+                      <a:headEnd type="none" w="med" len="med"/>
+                      <a:tailEnd type="none" w="med" len="med"/>
+                    </a:lnR>
+                    <a:lnT w="12700" cap="flat" cmpd="sng" algn="ctr">
+                      <a:solidFill>
+                        <a:schemeClr val="tx1"/>
+                      </a:solidFill>
+                      <a:prstDash val="solid"/>
+                      <a:round/>
+                      <a:headEnd type="none" w="med" len="med"/>
+                      <a:tailEnd type="none" w="med" len="med"/>
+                    </a:lnT>
+                    <a:lnB w="12700" cap="flat" cmpd="sng" algn="ctr">
+                      <a:solidFill>
+                        <a:schemeClr val="tx1"/>
+                      </a:solidFill>
+                      <a:prstDash val="solid"/>
+                      <a:round/>
+                      <a:headEnd type="none" w="med" len="med"/>
+                      <a:tailEnd type="none" w="med" len="med"/>
+                    </a:lnB>
+                    <a:lnTlToBr w="12700" cmpd="sng">
+                      <a:noFill/>
+                      <a:prstDash val="solid"/>
+                    </a:lnTlToBr>
+                    <a:lnBlToTr w="12700" cmpd="sng">
+                      <a:noFill/>
+                      <a:prstDash val="solid"/>
+                    </a:lnBlToTr>
+                    <a:noFill/>
+                  </a:tcPr>
+                </a:tc>
+                <a:tc>
+                  <a:txBody>
+                    <a:bodyPr/>
+                    <a:lstStyle/>
+                    <a:p>
+                      <a:pPr algn="ctr" latinLnBrk="1"/>
+                      <a:endParaRPr lang="ko-KR" altLang="en-US" sz="1200" b="0" dirty="0">
+                        <a:solidFill>
+                          <a:schemeClr val="tx1"/>
+                        </a:solidFill>
+                      </a:endParaRPr>
+                    </a:p>
+                  </a:txBody>
+                  <a:tcPr anchor="ctr">
+                    <a:lnL w="12700" cap="flat" cmpd="sng" algn="ctr">
+                      <a:solidFill>
+                        <a:schemeClr val="tx1"/>
+                      </a:solidFill>
+                      <a:prstDash val="solid"/>
+                      <a:round/>
+                      <a:headEnd type="none" w="med" len="med"/>
+                      <a:tailEnd type="none" w="med" len="med"/>
+                    </a:lnL>
+                    <a:lnR w="12700" cap="flat" cmpd="sng" algn="ctr">
+                      <a:solidFill>
+                        <a:schemeClr val="tx1"/>
+                      </a:solidFill>
+                      <a:prstDash val="solid"/>
+                      <a:round/>
+                      <a:headEnd type="none" w="med" len="med"/>
+                      <a:tailEnd type="none" w="med" len="med"/>
+                    </a:lnR>
+                    <a:lnT w="12700" cap="flat" cmpd="sng" algn="ctr">
+                      <a:solidFill>
+                        <a:schemeClr val="tx1"/>
+                      </a:solidFill>
+                      <a:prstDash val="solid"/>
+                      <a:round/>
+                      <a:headEnd type="none" w="med" len="med"/>
+                      <a:tailEnd type="none" w="med" len="med"/>
+                    </a:lnT>
+                    <a:lnB w="12700" cap="flat" cmpd="sng" algn="ctr">
+                      <a:solidFill>
+                        <a:schemeClr val="tx1"/>
+                      </a:solidFill>
+                      <a:prstDash val="solid"/>
+                      <a:round/>
+                      <a:headEnd type="none" w="med" len="med"/>
+                      <a:tailEnd type="none" w="med" len="med"/>
+                    </a:lnB>
+                    <a:lnTlToBr w="12700" cmpd="sng">
+                      <a:noFill/>
+                      <a:prstDash val="solid"/>
+                    </a:lnTlToBr>
+                    <a:lnBlToTr w="12700" cmpd="sng">
+                      <a:noFill/>
+                      <a:prstDash val="solid"/>
+                    </a:lnBlToTr>
+                    <a:noFill/>
+                  </a:tcPr>
+                </a:tc>
+                <a:extLst>
+                  <a:ext uri="{0D108BD9-81ED-4DB2-BD59-A6C34878D82A}">
+                    <a16:rowId xmlns:a16="http://schemas.microsoft.com/office/drawing/2014/main" val="3167644525"/>
+                  </a:ext>
+                </a:extLst>
+              </a:tr>
+            </a:tbl>
+          </a:graphicData>
+        </a:graphic>
+      </p:graphicFrame>
+      <p:graphicFrame>
+        <p:nvGraphicFramePr>
+          <p:cNvPr id="57" name="표 56">
+            <a:extLst>
+              <a:ext uri="{FF2B5EF4-FFF2-40B4-BE49-F238E27FC236}">
+                <a16:creationId xmlns:a16="http://schemas.microsoft.com/office/drawing/2014/main" id="{484294C4-D1B1-4096-B0CF-3C0F1729E4B5}"/>
+              </a:ext>
+            </a:extLst>
+          </p:cNvPr>
+          <p:cNvGraphicFramePr>
+            <a:graphicFrameLocks noGrp="1"/>
+          </p:cNvGraphicFramePr>
+          <p:nvPr>
+            <p:extLst>
+              <p:ext uri="{D42A27DB-BD31-4B8C-83A1-F6EECF244321}">
+                <p14:modId xmlns:p14="http://schemas.microsoft.com/office/powerpoint/2010/main" val="771083107"/>
+              </p:ext>
+            </p:extLst>
+          </p:nvPr>
+        </p:nvGraphicFramePr>
+        <p:xfrm>
+          <a:off x="247649" y="3927051"/>
+          <a:ext cx="926432" cy="697230"/>
+        </p:xfrm>
+        <a:graphic>
+          <a:graphicData uri="http://schemas.openxmlformats.org/drawingml/2006/table">
+            <a:tbl>
+              <a:tblPr firstRow="1" bandRow="1">
+                <a:tableStyleId>{5C22544A-7EE6-4342-B048-85BDC9FD1C3A}</a:tableStyleId>
+              </a:tblPr>
+              <a:tblGrid>
+                <a:gridCol w="463216">
+                  <a:extLst>
+                    <a:ext uri="{9D8B030D-6E8A-4147-A177-3AD203B41FA5}">
+                      <a16:colId xmlns:a16="http://schemas.microsoft.com/office/drawing/2014/main" val="1876448761"/>
+                    </a:ext>
+                  </a:extLst>
+                </a:gridCol>
+                <a:gridCol w="463216">
+                  <a:extLst>
+                    <a:ext uri="{9D8B030D-6E8A-4147-A177-3AD203B41FA5}">
+                      <a16:colId xmlns:a16="http://schemas.microsoft.com/office/drawing/2014/main" val="406678734"/>
+                    </a:ext>
+                  </a:extLst>
+                </a:gridCol>
+              </a:tblGrid>
+              <a:tr h="348615">
+                <a:tc>
+                  <a:txBody>
+                    <a:bodyPr/>
+                    <a:lstStyle/>
+                    <a:p>
+                      <a:pPr algn="ctr" latinLnBrk="1"/>
+                      <a:endParaRPr lang="ko-KR" altLang="en-US" sz="1200" b="0" dirty="0">
+                        <a:solidFill>
+                          <a:schemeClr val="tx1"/>
+                        </a:solidFill>
+                      </a:endParaRPr>
+                    </a:p>
+                  </a:txBody>
+                  <a:tcPr anchor="ctr">
+                    <a:lnL w="12700" cap="flat" cmpd="sng" algn="ctr">
+                      <a:noFill/>
+                      <a:prstDash val="solid"/>
+                      <a:round/>
+                      <a:headEnd type="none" w="med" len="med"/>
+                      <a:tailEnd type="none" w="med" len="med"/>
+                    </a:lnL>
+                    <a:lnR w="12700" cap="flat" cmpd="sng" algn="ctr">
+                      <a:noFill/>
+                      <a:prstDash val="solid"/>
+                      <a:round/>
+                      <a:headEnd type="none" w="med" len="med"/>
+                      <a:tailEnd type="none" w="med" len="med"/>
+                    </a:lnR>
+                    <a:lnT w="12700" cap="flat" cmpd="sng" algn="ctr">
+                      <a:noFill/>
+                      <a:prstDash val="solid"/>
+                      <a:round/>
+                      <a:headEnd type="none" w="med" len="med"/>
+                      <a:tailEnd type="none" w="med" len="med"/>
+                    </a:lnT>
+                    <a:lnB w="12700" cap="flat" cmpd="sng" algn="ctr">
+                      <a:noFill/>
+                      <a:prstDash val="solid"/>
+                      <a:round/>
+                      <a:headEnd type="none" w="med" len="med"/>
+                      <a:tailEnd type="none" w="med" len="med"/>
+                    </a:lnB>
+                    <a:lnTlToBr w="12700" cmpd="sng">
+                      <a:noFill/>
+                      <a:prstDash val="solid"/>
+                    </a:lnTlToBr>
+                    <a:lnBlToTr w="12700" cmpd="sng">
+                      <a:noFill/>
+                      <a:prstDash val="solid"/>
+                    </a:lnBlToTr>
+                    <a:noFill/>
+                  </a:tcPr>
+                </a:tc>
+                <a:tc>
+                  <a:txBody>
+                    <a:bodyPr/>
+                    <a:lstStyle/>
+                    <a:p>
+                      <a:pPr algn="ctr" latinLnBrk="1"/>
+                      <a:endParaRPr lang="ko-KR" altLang="en-US" sz="1200" b="0" dirty="0">
+                        <a:solidFill>
+                          <a:schemeClr val="tx1"/>
+                        </a:solidFill>
+                      </a:endParaRPr>
+                    </a:p>
+                  </a:txBody>
+                  <a:tcPr anchor="ctr">
+                    <a:lnL w="12700" cap="flat" cmpd="sng" algn="ctr">
+                      <a:noFill/>
+                      <a:prstDash val="solid"/>
+                      <a:round/>
+                      <a:headEnd type="none" w="med" len="med"/>
+                      <a:tailEnd type="none" w="med" len="med"/>
+                    </a:lnL>
+                    <a:lnR w="12700" cap="flat" cmpd="sng" algn="ctr">
+                      <a:noFill/>
+                      <a:prstDash val="solid"/>
+                      <a:round/>
+                      <a:headEnd type="none" w="med" len="med"/>
+                      <a:tailEnd type="none" w="med" len="med"/>
+                    </a:lnR>
+                    <a:lnT w="12700" cap="flat" cmpd="sng" algn="ctr">
+                      <a:noFill/>
+                      <a:prstDash val="solid"/>
+                      <a:round/>
+                      <a:headEnd type="none" w="med" len="med"/>
+                      <a:tailEnd type="none" w="med" len="med"/>
+                    </a:lnT>
+                    <a:lnB w="12700" cap="flat" cmpd="sng" algn="ctr">
+                      <a:solidFill>
+                        <a:schemeClr val="tx1"/>
+                      </a:solidFill>
+                      <a:prstDash val="solid"/>
+                      <a:round/>
+                      <a:headEnd type="none" w="med" len="med"/>
+                      <a:tailEnd type="none" w="med" len="med"/>
+                    </a:lnB>
+                    <a:lnTlToBr w="12700" cmpd="sng">
+                      <a:noFill/>
+                      <a:prstDash val="solid"/>
+                    </a:lnTlToBr>
+                    <a:lnBlToTr w="12700" cmpd="sng">
+                      <a:noFill/>
+                      <a:prstDash val="solid"/>
+                    </a:lnBlToTr>
+                    <a:noFill/>
+                  </a:tcPr>
+                </a:tc>
+                <a:extLst>
+                  <a:ext uri="{0D108BD9-81ED-4DB2-BD59-A6C34878D82A}">
+                    <a16:rowId xmlns:a16="http://schemas.microsoft.com/office/drawing/2014/main" val="596413071"/>
+                  </a:ext>
+                </a:extLst>
+              </a:tr>
+              <a:tr h="348615">
+                <a:tc>
+                  <a:txBody>
+                    <a:bodyPr/>
+                    <a:lstStyle/>
+                    <a:p>
+                      <a:pPr algn="ctr" latinLnBrk="1"/>
+                      <a:r>
+                        <a:rPr lang="en-US" altLang="ko-KR" sz="1200" b="0" dirty="0">
+                          <a:solidFill>
+                            <a:schemeClr val="tx1"/>
+                          </a:solidFill>
+                        </a:rPr>
+                        <a:t>L</a:t>
+                      </a:r>
+                      <a:endParaRPr lang="ko-KR" altLang="en-US" sz="1200" b="0" dirty="0">
+                        <a:solidFill>
+                          <a:schemeClr val="tx1"/>
+                        </a:solidFill>
+                      </a:endParaRPr>
+                    </a:p>
+                  </a:txBody>
+                  <a:tcPr anchor="ctr">
+                    <a:lnL w="12700" cap="flat" cmpd="sng" algn="ctr">
+                      <a:noFill/>
+                      <a:prstDash val="solid"/>
+                      <a:round/>
+                      <a:headEnd type="none" w="med" len="med"/>
+                      <a:tailEnd type="none" w="med" len="med"/>
+                    </a:lnL>
+                    <a:lnR w="12700" cap="flat" cmpd="sng" algn="ctr">
+                      <a:solidFill>
+                        <a:schemeClr val="tx1"/>
+                      </a:solidFill>
+                      <a:prstDash val="solid"/>
+                      <a:round/>
+                      <a:headEnd type="none" w="med" len="med"/>
+                      <a:tailEnd type="none" w="med" len="med"/>
+                    </a:lnR>
+                    <a:lnT w="12700" cap="flat" cmpd="sng" algn="ctr">
+                      <a:noFill/>
+                      <a:prstDash val="solid"/>
+                      <a:round/>
+                      <a:headEnd type="none" w="med" len="med"/>
+                      <a:tailEnd type="none" w="med" len="med"/>
+                    </a:lnT>
+                    <a:lnB w="12700" cap="flat" cmpd="sng" algn="ctr">
+                      <a:noFill/>
+                      <a:prstDash val="solid"/>
+                      <a:round/>
+                      <a:headEnd type="none" w="med" len="med"/>
+                      <a:tailEnd type="none" w="med" len="med"/>
+                    </a:lnB>
+                    <a:lnTlToBr w="12700" cmpd="sng">
+                      <a:noFill/>
+                      <a:prstDash val="solid"/>
+                    </a:lnTlToBr>
+                    <a:lnBlToTr w="12700" cmpd="sng">
+                      <a:noFill/>
+                      <a:prstDash val="solid"/>
+                    </a:lnBlToTr>
+                    <a:noFill/>
+                  </a:tcPr>
+                </a:tc>
+                <a:tc>
+                  <a:txBody>
+                    <a:bodyPr/>
+                    <a:lstStyle/>
+                    <a:p>
+                      <a:pPr algn="ctr" latinLnBrk="1"/>
+                      <a:endParaRPr lang="ko-KR" altLang="en-US" sz="1200" b="0" dirty="0">
+                        <a:solidFill>
+                          <a:schemeClr val="tx1"/>
+                        </a:solidFill>
+                      </a:endParaRPr>
+                    </a:p>
+                  </a:txBody>
+                  <a:tcPr anchor="ctr">
+                    <a:lnL w="12700" cap="flat" cmpd="sng" algn="ctr">
+                      <a:solidFill>
+                        <a:schemeClr val="tx1"/>
+                      </a:solidFill>
+                      <a:prstDash val="solid"/>
+                      <a:round/>
+                      <a:headEnd type="none" w="med" len="med"/>
+                      <a:tailEnd type="none" w="med" len="med"/>
+                    </a:lnL>
+                    <a:lnR w="12700" cap="flat" cmpd="sng" algn="ctr">
+                      <a:solidFill>
+                        <a:schemeClr val="tx1"/>
+                      </a:solidFill>
+                      <a:prstDash val="solid"/>
+                      <a:round/>
+                      <a:headEnd type="none" w="med" len="med"/>
+                      <a:tailEnd type="none" w="med" len="med"/>
+                    </a:lnR>
+                    <a:lnT w="12700" cap="flat" cmpd="sng" algn="ctr">
+                      <a:solidFill>
+                        <a:schemeClr val="tx1"/>
+                      </a:solidFill>
+                      <a:prstDash val="solid"/>
+                      <a:round/>
+                      <a:headEnd type="none" w="med" len="med"/>
+                      <a:tailEnd type="none" w="med" len="med"/>
+                    </a:lnT>
+                    <a:lnB w="12700" cap="flat" cmpd="sng" algn="ctr">
+                      <a:solidFill>
+                        <a:schemeClr val="tx1"/>
+                      </a:solidFill>
+                      <a:prstDash val="solid"/>
+                      <a:round/>
+                      <a:headEnd type="none" w="med" len="med"/>
+                      <a:tailEnd type="none" w="med" len="med"/>
+                    </a:lnB>
+                    <a:lnTlToBr w="12700" cmpd="sng">
+                      <a:noFill/>
+                      <a:prstDash val="solid"/>
+                    </a:lnTlToBr>
+                    <a:lnBlToTr w="12700" cmpd="sng">
+                      <a:noFill/>
+                      <a:prstDash val="solid"/>
+                    </a:lnBlToTr>
+                    <a:noFill/>
+                  </a:tcPr>
+                </a:tc>
+                <a:extLst>
+                  <a:ext uri="{0D108BD9-81ED-4DB2-BD59-A6C34878D82A}">
+                    <a16:rowId xmlns:a16="http://schemas.microsoft.com/office/drawing/2014/main" val="3167644525"/>
+                  </a:ext>
+                </a:extLst>
+              </a:tr>
+            </a:tbl>
+          </a:graphicData>
+        </a:graphic>
+      </p:graphicFrame>
+      <p:cxnSp>
+        <p:nvCxnSpPr>
+          <p:cNvPr id="58" name="직선 화살표 연결선 57">
+            <a:extLst>
+              <a:ext uri="{FF2B5EF4-FFF2-40B4-BE49-F238E27FC236}">
+                <a16:creationId xmlns:a16="http://schemas.microsoft.com/office/drawing/2014/main" id="{A260F8E2-B85F-4B0D-A841-9EACD8750E5B}"/>
+              </a:ext>
+            </a:extLst>
+          </p:cNvPr>
+          <p:cNvCxnSpPr/>
+          <p:nvPr/>
+        </p:nvCxnSpPr>
+        <p:spPr>
+          <a:xfrm>
+            <a:off x="1174081" y="4430395"/>
+            <a:ext cx="242639" cy="0"/>
+          </a:xfrm>
+          <a:prstGeom prst="straightConnector1">
+            <a:avLst/>
+          </a:prstGeom>
+          <a:ln w="28575">
+            <a:tailEnd type="triangle"/>
+          </a:ln>
+        </p:spPr>
+        <p:style>
+          <a:lnRef idx="1">
+            <a:schemeClr val="dk1"/>
+          </a:lnRef>
+          <a:fillRef idx="0">
+            <a:schemeClr val="dk1"/>
+          </a:fillRef>
+          <a:effectRef idx="0">
+            <a:schemeClr val="dk1"/>
+          </a:effectRef>
+          <a:fontRef idx="minor">
+            <a:schemeClr val="tx1"/>
+          </a:fontRef>
+        </p:style>
+      </p:cxnSp>
+      <p:graphicFrame>
+        <p:nvGraphicFramePr>
+          <p:cNvPr id="59" name="표 58">
+            <a:extLst>
+              <a:ext uri="{FF2B5EF4-FFF2-40B4-BE49-F238E27FC236}">
+                <a16:creationId xmlns:a16="http://schemas.microsoft.com/office/drawing/2014/main" id="{ED321552-2B6F-45F9-B4BB-2D7B86633D4A}"/>
+              </a:ext>
+            </a:extLst>
+          </p:cNvPr>
+          <p:cNvGraphicFramePr>
+            <a:graphicFrameLocks noGrp="1"/>
+          </p:cNvGraphicFramePr>
+          <p:nvPr>
+            <p:extLst>
+              <p:ext uri="{D42A27DB-BD31-4B8C-83A1-F6EECF244321}">
+                <p14:modId xmlns:p14="http://schemas.microsoft.com/office/powerpoint/2010/main" val="1052650227"/>
+              </p:ext>
+            </p:extLst>
+          </p:nvPr>
+        </p:nvGraphicFramePr>
+        <p:xfrm>
+          <a:off x="2861077" y="3927051"/>
+          <a:ext cx="1201720" cy="697230"/>
+        </p:xfrm>
+        <a:graphic>
+          <a:graphicData uri="http://schemas.openxmlformats.org/drawingml/2006/table">
+            <a:tbl>
+              <a:tblPr firstRow="1" bandRow="1">
+                <a:tableStyleId>{5C22544A-7EE6-4342-B048-85BDC9FD1C3A}</a:tableStyleId>
+              </a:tblPr>
+              <a:tblGrid>
+                <a:gridCol w="619442">
+                  <a:extLst>
+                    <a:ext uri="{9D8B030D-6E8A-4147-A177-3AD203B41FA5}">
+                      <a16:colId xmlns:a16="http://schemas.microsoft.com/office/drawing/2014/main" val="1876448761"/>
+                    </a:ext>
+                  </a:extLst>
+                </a:gridCol>
+                <a:gridCol w="582278">
+                  <a:extLst>
+                    <a:ext uri="{9D8B030D-6E8A-4147-A177-3AD203B41FA5}">
+                      <a16:colId xmlns:a16="http://schemas.microsoft.com/office/drawing/2014/main" val="406678734"/>
+                    </a:ext>
+                  </a:extLst>
+                </a:gridCol>
+              </a:tblGrid>
+              <a:tr h="348615">
+                <a:tc>
+                  <a:txBody>
+                    <a:bodyPr/>
+                    <a:lstStyle/>
+                    <a:p>
+                      <a:pPr algn="ctr" latinLnBrk="1"/>
+                      <a:r>
+                        <a:rPr lang="en-US" altLang="ko-KR" sz="1200" b="0" dirty="0">
+                          <a:solidFill>
+                            <a:schemeClr val="tx1"/>
+                          </a:solidFill>
+                        </a:rPr>
+                        <a:t>name</a:t>
+                      </a:r>
+                      <a:endParaRPr lang="ko-KR" altLang="en-US" sz="1200" b="0" dirty="0">
+                        <a:solidFill>
+                          <a:schemeClr val="tx1"/>
+                        </a:solidFill>
+                      </a:endParaRPr>
+                    </a:p>
+                  </a:txBody>
+                  <a:tcPr anchor="ctr">
+                    <a:lnL w="12700" cap="flat" cmpd="sng" algn="ctr">
+                      <a:noFill/>
+                      <a:prstDash val="solid"/>
+                      <a:round/>
+                      <a:headEnd type="none" w="med" len="med"/>
+                      <a:tailEnd type="none" w="med" len="med"/>
+                    </a:lnL>
+                    <a:lnR w="12700" cap="flat" cmpd="sng" algn="ctr">
+                      <a:noFill/>
+                      <a:prstDash val="solid"/>
+                      <a:round/>
+                      <a:headEnd type="none" w="med" len="med"/>
+                      <a:tailEnd type="none" w="med" len="med"/>
+                    </a:lnR>
+                    <a:lnT w="12700" cap="flat" cmpd="sng" algn="ctr">
+                      <a:noFill/>
+                      <a:prstDash val="solid"/>
+                      <a:round/>
+                      <a:headEnd type="none" w="med" len="med"/>
+                      <a:tailEnd type="none" w="med" len="med"/>
+                    </a:lnT>
+                    <a:lnB w="12700" cap="flat" cmpd="sng" algn="ctr">
+                      <a:solidFill>
+                        <a:schemeClr val="tx1"/>
+                      </a:solidFill>
+                      <a:prstDash val="solid"/>
+                      <a:round/>
+                      <a:headEnd type="none" w="med" len="med"/>
+                      <a:tailEnd type="none" w="med" len="med"/>
+                    </a:lnB>
+                    <a:lnTlToBr w="12700" cmpd="sng">
+                      <a:noFill/>
+                      <a:prstDash val="solid"/>
+                    </a:lnTlToBr>
+                    <a:lnBlToTr w="12700" cmpd="sng">
+                      <a:noFill/>
+                      <a:prstDash val="solid"/>
+                    </a:lnBlToTr>
+                    <a:noFill/>
+                  </a:tcPr>
+                </a:tc>
+                <a:tc>
+                  <a:txBody>
+                    <a:bodyPr/>
+                    <a:lstStyle/>
+                    <a:p>
+                      <a:pPr algn="ctr" latinLnBrk="1"/>
+                      <a:r>
+                        <a:rPr lang="en-US" altLang="ko-KR" sz="1200" b="0" dirty="0">
+                          <a:solidFill>
+                            <a:schemeClr val="tx1"/>
+                          </a:solidFill>
+                        </a:rPr>
+                        <a:t>link</a:t>
+                      </a:r>
+                      <a:endParaRPr lang="ko-KR" altLang="en-US" sz="1200" b="0" dirty="0">
+                        <a:solidFill>
+                          <a:schemeClr val="tx1"/>
+                        </a:solidFill>
+                      </a:endParaRPr>
+                    </a:p>
+                  </a:txBody>
+                  <a:tcPr anchor="ctr">
+                    <a:lnL w="12700" cap="flat" cmpd="sng" algn="ctr">
+                      <a:noFill/>
+                      <a:prstDash val="solid"/>
+                      <a:round/>
+                      <a:headEnd type="none" w="med" len="med"/>
+                      <a:tailEnd type="none" w="med" len="med"/>
+                    </a:lnL>
+                    <a:lnR w="12700" cap="flat" cmpd="sng" algn="ctr">
+                      <a:noFill/>
+                      <a:prstDash val="solid"/>
+                      <a:round/>
+                      <a:headEnd type="none" w="med" len="med"/>
+                      <a:tailEnd type="none" w="med" len="med"/>
+                    </a:lnR>
+                    <a:lnT w="12700" cap="flat" cmpd="sng" algn="ctr">
+                      <a:noFill/>
+                      <a:prstDash val="solid"/>
+                      <a:round/>
+                      <a:headEnd type="none" w="med" len="med"/>
+                      <a:tailEnd type="none" w="med" len="med"/>
+                    </a:lnT>
+                    <a:lnB w="12700" cap="flat" cmpd="sng" algn="ctr">
+                      <a:solidFill>
+                        <a:schemeClr val="tx1"/>
+                      </a:solidFill>
+                      <a:prstDash val="solid"/>
+                      <a:round/>
+                      <a:headEnd type="none" w="med" len="med"/>
+                      <a:tailEnd type="none" w="med" len="med"/>
+                    </a:lnB>
+                    <a:lnTlToBr w="12700" cmpd="sng">
+                      <a:noFill/>
+                      <a:prstDash val="solid"/>
+                    </a:lnTlToBr>
+                    <a:lnBlToTr w="12700" cmpd="sng">
+                      <a:noFill/>
+                      <a:prstDash val="solid"/>
+                    </a:lnBlToTr>
+                    <a:noFill/>
+                  </a:tcPr>
+                </a:tc>
+                <a:extLst>
+                  <a:ext uri="{0D108BD9-81ED-4DB2-BD59-A6C34878D82A}">
+                    <a16:rowId xmlns:a16="http://schemas.microsoft.com/office/drawing/2014/main" val="596413071"/>
+                  </a:ext>
+                </a:extLst>
+              </a:tr>
+              <a:tr h="348615">
+                <a:tc>
+                  <a:txBody>
+                    <a:bodyPr/>
+                    <a:lstStyle/>
+                    <a:p>
+                      <a:pPr algn="ctr" latinLnBrk="1"/>
+                      <a:r>
+                        <a:rPr lang="en-US" altLang="ko-KR" sz="1200" b="0" dirty="0">
+                          <a:solidFill>
+                            <a:schemeClr val="tx1"/>
+                          </a:solidFill>
+                        </a:rPr>
+                        <a:t>Lee</a:t>
+                      </a:r>
+                      <a:endParaRPr lang="ko-KR" altLang="en-US" sz="1200" b="0" dirty="0">
+                        <a:solidFill>
+                          <a:schemeClr val="tx1"/>
+                        </a:solidFill>
+                      </a:endParaRPr>
+                    </a:p>
+                  </a:txBody>
+                  <a:tcPr anchor="ctr">
+                    <a:lnL w="12700" cap="flat" cmpd="sng" algn="ctr">
+                      <a:solidFill>
+                        <a:schemeClr val="tx1"/>
+                      </a:solidFill>
+                      <a:prstDash val="solid"/>
+                      <a:round/>
+                      <a:headEnd type="none" w="med" len="med"/>
+                      <a:tailEnd type="none" w="med" len="med"/>
+                    </a:lnL>
+                    <a:lnR w="12700" cap="flat" cmpd="sng" algn="ctr">
+                      <a:solidFill>
+                        <a:schemeClr val="tx1"/>
+                      </a:solidFill>
+                      <a:prstDash val="solid"/>
+                      <a:round/>
+                      <a:headEnd type="none" w="med" len="med"/>
+                      <a:tailEnd type="none" w="med" len="med"/>
+                    </a:lnR>
+                    <a:lnT w="12700" cap="flat" cmpd="sng" algn="ctr">
+                      <a:solidFill>
+                        <a:schemeClr val="tx1"/>
+                      </a:solidFill>
+                      <a:prstDash val="solid"/>
+                      <a:round/>
+                      <a:headEnd type="none" w="med" len="med"/>
+                      <a:tailEnd type="none" w="med" len="med"/>
+                    </a:lnT>
+                    <a:lnB w="12700" cap="flat" cmpd="sng" algn="ctr">
+                      <a:solidFill>
+                        <a:schemeClr val="tx1"/>
+                      </a:solidFill>
+                      <a:prstDash val="solid"/>
+                      <a:round/>
+                      <a:headEnd type="none" w="med" len="med"/>
+                      <a:tailEnd type="none" w="med" len="med"/>
+                    </a:lnB>
+                    <a:lnTlToBr w="12700" cmpd="sng">
+                      <a:noFill/>
+                      <a:prstDash val="solid"/>
+                    </a:lnTlToBr>
+                    <a:lnBlToTr w="12700" cmpd="sng">
+                      <a:noFill/>
+                      <a:prstDash val="solid"/>
+                    </a:lnBlToTr>
+                    <a:noFill/>
+                  </a:tcPr>
+                </a:tc>
+                <a:tc>
+                  <a:txBody>
+                    <a:bodyPr/>
+                    <a:lstStyle/>
+                    <a:p>
+                      <a:pPr algn="ctr" latinLnBrk="1"/>
+                      <a:endParaRPr lang="ko-KR" altLang="en-US" sz="1200" b="0" dirty="0">
+                        <a:solidFill>
+                          <a:schemeClr val="tx1"/>
+                        </a:solidFill>
+                      </a:endParaRPr>
+                    </a:p>
+                  </a:txBody>
+                  <a:tcPr anchor="ctr">
+                    <a:lnL w="12700" cap="flat" cmpd="sng" algn="ctr">
+                      <a:solidFill>
+                        <a:schemeClr val="tx1"/>
+                      </a:solidFill>
+                      <a:prstDash val="solid"/>
+                      <a:round/>
+                      <a:headEnd type="none" w="med" len="med"/>
+                      <a:tailEnd type="none" w="med" len="med"/>
+                    </a:lnL>
+                    <a:lnR w="12700" cap="flat" cmpd="sng" algn="ctr">
+                      <a:solidFill>
+                        <a:schemeClr val="tx1"/>
+                      </a:solidFill>
+                      <a:prstDash val="solid"/>
+                      <a:round/>
+                      <a:headEnd type="none" w="med" len="med"/>
+                      <a:tailEnd type="none" w="med" len="med"/>
+                    </a:lnR>
+                    <a:lnT w="12700" cap="flat" cmpd="sng" algn="ctr">
+                      <a:solidFill>
+                        <a:schemeClr val="tx1"/>
+                      </a:solidFill>
+                      <a:prstDash val="solid"/>
+                      <a:round/>
+                      <a:headEnd type="none" w="med" len="med"/>
+                      <a:tailEnd type="none" w="med" len="med"/>
+                    </a:lnT>
+                    <a:lnB w="12700" cap="flat" cmpd="sng" algn="ctr">
+                      <a:solidFill>
+                        <a:schemeClr val="tx1"/>
+                      </a:solidFill>
+                      <a:prstDash val="solid"/>
+                      <a:round/>
+                      <a:headEnd type="none" w="med" len="med"/>
+                      <a:tailEnd type="none" w="med" len="med"/>
+                    </a:lnB>
+                    <a:lnTlToBr w="12700" cmpd="sng">
+                      <a:noFill/>
+                      <a:prstDash val="solid"/>
+                    </a:lnTlToBr>
+                    <a:lnBlToTr w="12700" cmpd="sng">
+                      <a:noFill/>
+                      <a:prstDash val="solid"/>
+                    </a:lnBlToTr>
+                    <a:noFill/>
+                  </a:tcPr>
+                </a:tc>
+                <a:extLst>
+                  <a:ext uri="{0D108BD9-81ED-4DB2-BD59-A6C34878D82A}">
+                    <a16:rowId xmlns:a16="http://schemas.microsoft.com/office/drawing/2014/main" val="3167644525"/>
+                  </a:ext>
+                </a:extLst>
+              </a:tr>
+            </a:tbl>
+          </a:graphicData>
+        </a:graphic>
+      </p:graphicFrame>
+      <p:cxnSp>
+        <p:nvCxnSpPr>
+          <p:cNvPr id="60" name="직선 화살표 연결선 59">
+            <a:extLst>
+              <a:ext uri="{FF2B5EF4-FFF2-40B4-BE49-F238E27FC236}">
+                <a16:creationId xmlns:a16="http://schemas.microsoft.com/office/drawing/2014/main" id="{C4938148-6E25-4135-8183-E1066951B477}"/>
+              </a:ext>
+            </a:extLst>
+          </p:cNvPr>
+          <p:cNvCxnSpPr/>
+          <p:nvPr/>
+        </p:nvCxnSpPr>
+        <p:spPr>
+          <a:xfrm>
+            <a:off x="2618439" y="4430395"/>
+            <a:ext cx="242639" cy="0"/>
+          </a:xfrm>
+          <a:prstGeom prst="straightConnector1">
+            <a:avLst/>
+          </a:prstGeom>
+          <a:ln w="28575">
+            <a:tailEnd type="triangle"/>
+          </a:ln>
+        </p:spPr>
+        <p:style>
+          <a:lnRef idx="1">
+            <a:schemeClr val="dk1"/>
+          </a:lnRef>
+          <a:fillRef idx="0">
+            <a:schemeClr val="dk1"/>
+          </a:fillRef>
+          <a:effectRef idx="0">
+            <a:schemeClr val="dk1"/>
+          </a:effectRef>
+          <a:fontRef idx="minor">
+            <a:schemeClr val="tx1"/>
+          </a:fontRef>
+        </p:style>
+      </p:cxnSp>
+      <p:graphicFrame>
+        <p:nvGraphicFramePr>
+          <p:cNvPr id="61" name="표 60">
+            <a:extLst>
+              <a:ext uri="{FF2B5EF4-FFF2-40B4-BE49-F238E27FC236}">
+                <a16:creationId xmlns:a16="http://schemas.microsoft.com/office/drawing/2014/main" id="{0D752075-378B-43CB-94AE-DBB1C285F425}"/>
+              </a:ext>
+            </a:extLst>
+          </p:cNvPr>
+          <p:cNvGraphicFramePr>
+            <a:graphicFrameLocks noGrp="1"/>
+          </p:cNvGraphicFramePr>
+          <p:nvPr>
+            <p:extLst>
+              <p:ext uri="{D42A27DB-BD31-4B8C-83A1-F6EECF244321}">
+                <p14:modId xmlns:p14="http://schemas.microsoft.com/office/powerpoint/2010/main" val="508154851"/>
+              </p:ext>
+            </p:extLst>
+          </p:nvPr>
+        </p:nvGraphicFramePr>
+        <p:xfrm>
+          <a:off x="4305435" y="3927051"/>
+          <a:ext cx="1201720" cy="697230"/>
+        </p:xfrm>
+        <a:graphic>
+          <a:graphicData uri="http://schemas.openxmlformats.org/drawingml/2006/table">
+            <a:tbl>
+              <a:tblPr firstRow="1" bandRow="1">
+                <a:tableStyleId>{5C22544A-7EE6-4342-B048-85BDC9FD1C3A}</a:tableStyleId>
+              </a:tblPr>
+              <a:tblGrid>
+                <a:gridCol w="619442">
+                  <a:extLst>
+                    <a:ext uri="{9D8B030D-6E8A-4147-A177-3AD203B41FA5}">
+                      <a16:colId xmlns:a16="http://schemas.microsoft.com/office/drawing/2014/main" val="1876448761"/>
+                    </a:ext>
+                  </a:extLst>
+                </a:gridCol>
+                <a:gridCol w="582278">
+                  <a:extLst>
+                    <a:ext uri="{9D8B030D-6E8A-4147-A177-3AD203B41FA5}">
+                      <a16:colId xmlns:a16="http://schemas.microsoft.com/office/drawing/2014/main" val="406678734"/>
+                    </a:ext>
+                  </a:extLst>
+                </a:gridCol>
+              </a:tblGrid>
+              <a:tr h="348615">
+                <a:tc>
+                  <a:txBody>
+                    <a:bodyPr/>
+                    <a:lstStyle/>
+                    <a:p>
+                      <a:pPr algn="ctr" latinLnBrk="1"/>
+                      <a:r>
+                        <a:rPr lang="en-US" altLang="ko-KR" sz="1200" b="0" dirty="0">
+                          <a:solidFill>
+                            <a:schemeClr val="tx1"/>
+                          </a:solidFill>
+                        </a:rPr>
+                        <a:t>name</a:t>
+                      </a:r>
+                      <a:endParaRPr lang="ko-KR" altLang="en-US" sz="1200" b="0" dirty="0">
+                        <a:solidFill>
+                          <a:schemeClr val="tx1"/>
+                        </a:solidFill>
+                      </a:endParaRPr>
+                    </a:p>
+                  </a:txBody>
+                  <a:tcPr anchor="ctr">
+                    <a:lnL w="12700" cap="flat" cmpd="sng" algn="ctr">
+                      <a:noFill/>
+                      <a:prstDash val="solid"/>
+                      <a:round/>
+                      <a:headEnd type="none" w="med" len="med"/>
+                      <a:tailEnd type="none" w="med" len="med"/>
+                    </a:lnL>
+                    <a:lnR w="12700" cap="flat" cmpd="sng" algn="ctr">
+                      <a:noFill/>
+                      <a:prstDash val="solid"/>
+                      <a:round/>
+                      <a:headEnd type="none" w="med" len="med"/>
+                      <a:tailEnd type="none" w="med" len="med"/>
+                    </a:lnR>
+                    <a:lnT w="12700" cap="flat" cmpd="sng" algn="ctr">
+                      <a:noFill/>
+                      <a:prstDash val="solid"/>
+                      <a:round/>
+                      <a:headEnd type="none" w="med" len="med"/>
+                      <a:tailEnd type="none" w="med" len="med"/>
+                    </a:lnT>
+                    <a:lnB w="12700" cap="flat" cmpd="sng" algn="ctr">
+                      <a:solidFill>
+                        <a:schemeClr val="tx1"/>
+                      </a:solidFill>
+                      <a:prstDash val="solid"/>
+                      <a:round/>
+                      <a:headEnd type="none" w="med" len="med"/>
+                      <a:tailEnd type="none" w="med" len="med"/>
+                    </a:lnB>
+                    <a:lnTlToBr w="12700" cmpd="sng">
+                      <a:noFill/>
+                      <a:prstDash val="solid"/>
+                    </a:lnTlToBr>
+                    <a:lnBlToTr w="12700" cmpd="sng">
+                      <a:noFill/>
+                      <a:prstDash val="solid"/>
+                    </a:lnBlToTr>
+                    <a:noFill/>
+                  </a:tcPr>
+                </a:tc>
+                <a:tc>
+                  <a:txBody>
+                    <a:bodyPr/>
+                    <a:lstStyle/>
+                    <a:p>
+                      <a:pPr algn="ctr" latinLnBrk="1"/>
+                      <a:r>
+                        <a:rPr lang="en-US" altLang="ko-KR" sz="1200" b="0" dirty="0">
+                          <a:solidFill>
+                            <a:schemeClr val="tx1"/>
+                          </a:solidFill>
+                        </a:rPr>
+                        <a:t>link</a:t>
+                      </a:r>
+                      <a:endParaRPr lang="ko-KR" altLang="en-US" sz="1200" b="0" dirty="0">
+                        <a:solidFill>
+                          <a:schemeClr val="tx1"/>
+                        </a:solidFill>
+                      </a:endParaRPr>
+                    </a:p>
+                  </a:txBody>
+                  <a:tcPr anchor="ctr">
+                    <a:lnL w="12700" cap="flat" cmpd="sng" algn="ctr">
+                      <a:noFill/>
+                      <a:prstDash val="solid"/>
+                      <a:round/>
+                      <a:headEnd type="none" w="med" len="med"/>
+                      <a:tailEnd type="none" w="med" len="med"/>
+                    </a:lnL>
+                    <a:lnR w="12700" cap="flat" cmpd="sng" algn="ctr">
+                      <a:noFill/>
+                      <a:prstDash val="solid"/>
+                      <a:round/>
+                      <a:headEnd type="none" w="med" len="med"/>
+                      <a:tailEnd type="none" w="med" len="med"/>
+                    </a:lnR>
+                    <a:lnT w="12700" cap="flat" cmpd="sng" algn="ctr">
+                      <a:noFill/>
+                      <a:prstDash val="solid"/>
+                      <a:round/>
+                      <a:headEnd type="none" w="med" len="med"/>
+                      <a:tailEnd type="none" w="med" len="med"/>
+                    </a:lnT>
+                    <a:lnB w="12700" cap="flat" cmpd="sng" algn="ctr">
+                      <a:solidFill>
+                        <a:schemeClr val="tx1"/>
+                      </a:solidFill>
+                      <a:prstDash val="solid"/>
+                      <a:round/>
+                      <a:headEnd type="none" w="med" len="med"/>
+                      <a:tailEnd type="none" w="med" len="med"/>
+                    </a:lnB>
+                    <a:lnTlToBr w="12700" cmpd="sng">
+                      <a:noFill/>
+                      <a:prstDash val="solid"/>
+                    </a:lnTlToBr>
+                    <a:lnBlToTr w="12700" cmpd="sng">
+                      <a:noFill/>
+                      <a:prstDash val="solid"/>
+                    </a:lnBlToTr>
+                    <a:noFill/>
+                  </a:tcPr>
+                </a:tc>
+                <a:extLst>
+                  <a:ext uri="{0D108BD9-81ED-4DB2-BD59-A6C34878D82A}">
+                    <a16:rowId xmlns:a16="http://schemas.microsoft.com/office/drawing/2014/main" val="596413071"/>
+                  </a:ext>
+                </a:extLst>
+              </a:tr>
+              <a:tr h="348615">
+                <a:tc>
+                  <a:txBody>
+                    <a:bodyPr/>
+                    <a:lstStyle/>
+                    <a:p>
+                      <a:pPr algn="ctr" latinLnBrk="1"/>
+                      <a:r>
+                        <a:rPr lang="en-US" altLang="ko-KR" sz="1200" b="0" dirty="0">
+                          <a:solidFill>
+                            <a:schemeClr val="tx1"/>
+                          </a:solidFill>
+                        </a:rPr>
+                        <a:t>null</a:t>
+                      </a:r>
+                      <a:endParaRPr lang="ko-KR" altLang="en-US" sz="1200" b="0" dirty="0">
+                        <a:solidFill>
+                          <a:schemeClr val="tx1"/>
+                        </a:solidFill>
+                      </a:endParaRPr>
+                    </a:p>
+                  </a:txBody>
+                  <a:tcPr anchor="ctr">
+                    <a:lnL w="12700" cap="flat" cmpd="sng" algn="ctr">
+                      <a:solidFill>
+                        <a:schemeClr val="tx1"/>
+                      </a:solidFill>
+                      <a:prstDash val="solid"/>
+                      <a:round/>
+                      <a:headEnd type="none" w="med" len="med"/>
+                      <a:tailEnd type="none" w="med" len="med"/>
+                    </a:lnL>
+                    <a:lnR w="12700" cap="flat" cmpd="sng" algn="ctr">
+                      <a:solidFill>
+                        <a:schemeClr val="tx1"/>
+                      </a:solidFill>
+                      <a:prstDash val="solid"/>
+                      <a:round/>
+                      <a:headEnd type="none" w="med" len="med"/>
+                      <a:tailEnd type="none" w="med" len="med"/>
+                    </a:lnR>
+                    <a:lnT w="12700" cap="flat" cmpd="sng" algn="ctr">
+                      <a:solidFill>
+                        <a:schemeClr val="tx1"/>
+                      </a:solidFill>
+                      <a:prstDash val="solid"/>
+                      <a:round/>
+                      <a:headEnd type="none" w="med" len="med"/>
+                      <a:tailEnd type="none" w="med" len="med"/>
+                    </a:lnT>
+                    <a:lnB w="12700" cap="flat" cmpd="sng" algn="ctr">
+                      <a:solidFill>
+                        <a:schemeClr val="tx1"/>
+                      </a:solidFill>
+                      <a:prstDash val="solid"/>
+                      <a:round/>
+                      <a:headEnd type="none" w="med" len="med"/>
+                      <a:tailEnd type="none" w="med" len="med"/>
+                    </a:lnB>
+                    <a:lnTlToBr w="12700" cmpd="sng">
+                      <a:noFill/>
+                      <a:prstDash val="solid"/>
+                    </a:lnTlToBr>
+                    <a:lnBlToTr w="12700" cmpd="sng">
+                      <a:noFill/>
+                      <a:prstDash val="solid"/>
+                    </a:lnBlToTr>
+                    <a:noFill/>
+                  </a:tcPr>
+                </a:tc>
+                <a:tc>
+                  <a:txBody>
+                    <a:bodyPr/>
+                    <a:lstStyle/>
+                    <a:p>
+                      <a:pPr algn="ctr" latinLnBrk="1"/>
+                      <a:r>
+                        <a:rPr lang="en-US" altLang="ko-KR" sz="1200" b="0" dirty="0">
+                          <a:solidFill>
+                            <a:schemeClr val="tx1"/>
+                          </a:solidFill>
+                        </a:rPr>
+                        <a:t>null</a:t>
+                      </a:r>
+                      <a:endParaRPr lang="ko-KR" altLang="en-US" sz="1200" b="0" dirty="0">
+                        <a:solidFill>
+                          <a:schemeClr val="tx1"/>
+                        </a:solidFill>
+                      </a:endParaRPr>
+                    </a:p>
+                  </a:txBody>
+                  <a:tcPr anchor="ctr">
+                    <a:lnL w="12700" cap="flat" cmpd="sng" algn="ctr">
+                      <a:solidFill>
+                        <a:schemeClr val="tx1"/>
+                      </a:solidFill>
+                      <a:prstDash val="solid"/>
+                      <a:round/>
+                      <a:headEnd type="none" w="med" len="med"/>
+                      <a:tailEnd type="none" w="med" len="med"/>
+                    </a:lnL>
+                    <a:lnR w="12700" cap="flat" cmpd="sng" algn="ctr">
+                      <a:solidFill>
+                        <a:schemeClr val="tx1"/>
+                      </a:solidFill>
+                      <a:prstDash val="solid"/>
+                      <a:round/>
+                      <a:headEnd type="none" w="med" len="med"/>
+                      <a:tailEnd type="none" w="med" len="med"/>
+                    </a:lnR>
+                    <a:lnT w="12700" cap="flat" cmpd="sng" algn="ctr">
+                      <a:solidFill>
+                        <a:schemeClr val="tx1"/>
+                      </a:solidFill>
+                      <a:prstDash val="solid"/>
+                      <a:round/>
+                      <a:headEnd type="none" w="med" len="med"/>
+                      <a:tailEnd type="none" w="med" len="med"/>
+                    </a:lnT>
+                    <a:lnB w="12700" cap="flat" cmpd="sng" algn="ctr">
+                      <a:solidFill>
+                        <a:schemeClr val="tx1"/>
+                      </a:solidFill>
+                      <a:prstDash val="solid"/>
+                      <a:round/>
+                      <a:headEnd type="none" w="med" len="med"/>
+                      <a:tailEnd type="none" w="med" len="med"/>
+                    </a:lnB>
+                    <a:lnTlToBr w="12700" cmpd="sng">
+                      <a:noFill/>
+                      <a:prstDash val="solid"/>
+                    </a:lnTlToBr>
+                    <a:lnBlToTr w="12700" cmpd="sng">
+                      <a:noFill/>
+                      <a:prstDash val="solid"/>
+                    </a:lnBlToTr>
+                    <a:noFill/>
+                  </a:tcPr>
+                </a:tc>
+                <a:extLst>
+                  <a:ext uri="{0D108BD9-81ED-4DB2-BD59-A6C34878D82A}">
+                    <a16:rowId xmlns:a16="http://schemas.microsoft.com/office/drawing/2014/main" val="3167644525"/>
+                  </a:ext>
+                </a:extLst>
+              </a:tr>
+            </a:tbl>
+          </a:graphicData>
+        </a:graphic>
+      </p:graphicFrame>
+      <p:cxnSp>
+        <p:nvCxnSpPr>
+          <p:cNvPr id="62" name="직선 화살표 연결선 61">
+            <a:extLst>
+              <a:ext uri="{FF2B5EF4-FFF2-40B4-BE49-F238E27FC236}">
+                <a16:creationId xmlns:a16="http://schemas.microsoft.com/office/drawing/2014/main" id="{065C0D42-C3A2-4122-BC83-C6B55E0A4FC9}"/>
+              </a:ext>
+            </a:extLst>
+          </p:cNvPr>
+          <p:cNvCxnSpPr/>
+          <p:nvPr/>
+        </p:nvCxnSpPr>
+        <p:spPr>
+          <a:xfrm>
+            <a:off x="4062797" y="4430395"/>
+            <a:ext cx="242639" cy="0"/>
+          </a:xfrm>
+          <a:prstGeom prst="straightConnector1">
+            <a:avLst/>
+          </a:prstGeom>
+          <a:ln w="28575">
+            <a:tailEnd type="triangle"/>
+          </a:ln>
+        </p:spPr>
+        <p:style>
+          <a:lnRef idx="1">
+            <a:schemeClr val="dk1"/>
+          </a:lnRef>
+          <a:fillRef idx="0">
+            <a:schemeClr val="dk1"/>
+          </a:fillRef>
+          <a:effectRef idx="0">
+            <a:schemeClr val="dk1"/>
+          </a:effectRef>
+          <a:fontRef idx="minor">
+            <a:schemeClr val="tx1"/>
+          </a:fontRef>
+        </p:style>
+      </p:cxnSp>
+      <p:graphicFrame>
+        <p:nvGraphicFramePr>
+          <p:cNvPr id="63" name="표 62">
+            <a:extLst>
+              <a:ext uri="{FF2B5EF4-FFF2-40B4-BE49-F238E27FC236}">
+                <a16:creationId xmlns:a16="http://schemas.microsoft.com/office/drawing/2014/main" id="{40F4946D-3BDF-4CD3-A073-A7C63B767610}"/>
+              </a:ext>
+            </a:extLst>
+          </p:cNvPr>
+          <p:cNvGraphicFramePr>
+            <a:graphicFrameLocks noGrp="1"/>
+          </p:cNvGraphicFramePr>
+          <p:nvPr>
+            <p:extLst>
+              <p:ext uri="{D42A27DB-BD31-4B8C-83A1-F6EECF244321}">
+                <p14:modId xmlns:p14="http://schemas.microsoft.com/office/powerpoint/2010/main" val="2597439803"/>
+              </p:ext>
+            </p:extLst>
+          </p:nvPr>
+        </p:nvGraphicFramePr>
+        <p:xfrm>
+          <a:off x="1416719" y="5127623"/>
+          <a:ext cx="1201720" cy="697230"/>
+        </p:xfrm>
+        <a:graphic>
+          <a:graphicData uri="http://schemas.openxmlformats.org/drawingml/2006/table">
+            <a:tbl>
+              <a:tblPr firstRow="1" bandRow="1">
+                <a:tableStyleId>{5C22544A-7EE6-4342-B048-85BDC9FD1C3A}</a:tableStyleId>
+              </a:tblPr>
+              <a:tblGrid>
+                <a:gridCol w="619442">
+                  <a:extLst>
+                    <a:ext uri="{9D8B030D-6E8A-4147-A177-3AD203B41FA5}">
+                      <a16:colId xmlns:a16="http://schemas.microsoft.com/office/drawing/2014/main" val="1876448761"/>
+                    </a:ext>
+                  </a:extLst>
+                </a:gridCol>
+                <a:gridCol w="582278">
+                  <a:extLst>
+                    <a:ext uri="{9D8B030D-6E8A-4147-A177-3AD203B41FA5}">
+                      <a16:colId xmlns:a16="http://schemas.microsoft.com/office/drawing/2014/main" val="406678734"/>
+                    </a:ext>
+                  </a:extLst>
+                </a:gridCol>
+              </a:tblGrid>
+              <a:tr h="348615">
+                <a:tc>
+                  <a:txBody>
+                    <a:bodyPr/>
+                    <a:lstStyle/>
+                    <a:p>
+                      <a:pPr algn="ctr" latinLnBrk="1"/>
+                      <a:r>
+                        <a:rPr lang="en-US" altLang="ko-KR" sz="1200" b="0" dirty="0">
+                          <a:solidFill>
+                            <a:schemeClr val="tx1"/>
+                          </a:solidFill>
+                        </a:rPr>
+                        <a:t>name</a:t>
+                      </a:r>
+                      <a:endParaRPr lang="ko-KR" altLang="en-US" sz="1200" b="0" dirty="0">
+                        <a:solidFill>
+                          <a:schemeClr val="tx1"/>
+                        </a:solidFill>
+                      </a:endParaRPr>
+                    </a:p>
+                  </a:txBody>
+                  <a:tcPr anchor="ctr">
+                    <a:lnL w="12700" cap="flat" cmpd="sng" algn="ctr">
+                      <a:noFill/>
+                      <a:prstDash val="solid"/>
+                      <a:round/>
+                      <a:headEnd type="none" w="med" len="med"/>
+                      <a:tailEnd type="none" w="med" len="med"/>
+                    </a:lnL>
+                    <a:lnR w="12700" cap="flat" cmpd="sng" algn="ctr">
+                      <a:noFill/>
+                      <a:prstDash val="solid"/>
+                      <a:round/>
+                      <a:headEnd type="none" w="med" len="med"/>
+                      <a:tailEnd type="none" w="med" len="med"/>
+                    </a:lnR>
+                    <a:lnT w="12700" cap="flat" cmpd="sng" algn="ctr">
+                      <a:noFill/>
+                      <a:prstDash val="solid"/>
+                      <a:round/>
+                      <a:headEnd type="none" w="med" len="med"/>
+                      <a:tailEnd type="none" w="med" len="med"/>
+                    </a:lnT>
+                    <a:lnB w="12700" cap="flat" cmpd="sng" algn="ctr">
+                      <a:solidFill>
+                        <a:schemeClr val="tx1"/>
+                      </a:solidFill>
+                      <a:prstDash val="solid"/>
+                      <a:round/>
+                      <a:headEnd type="none" w="med" len="med"/>
+                      <a:tailEnd type="none" w="med" len="med"/>
+                    </a:lnB>
+                    <a:lnTlToBr w="12700" cmpd="sng">
+                      <a:noFill/>
+                      <a:prstDash val="solid"/>
+                    </a:lnTlToBr>
+                    <a:lnBlToTr w="12700" cmpd="sng">
+                      <a:noFill/>
+                      <a:prstDash val="solid"/>
+                    </a:lnBlToTr>
+                    <a:noFill/>
+                  </a:tcPr>
+                </a:tc>
+                <a:tc>
+                  <a:txBody>
+                    <a:bodyPr/>
+                    <a:lstStyle/>
+                    <a:p>
+                      <a:pPr algn="ctr" latinLnBrk="1"/>
+                      <a:r>
+                        <a:rPr lang="en-US" altLang="ko-KR" sz="1200" b="0" dirty="0">
+                          <a:solidFill>
+                            <a:schemeClr val="tx1"/>
+                          </a:solidFill>
+                        </a:rPr>
+                        <a:t>link</a:t>
+                      </a:r>
+                      <a:endParaRPr lang="ko-KR" altLang="en-US" sz="1200" b="0" dirty="0">
+                        <a:solidFill>
+                          <a:schemeClr val="tx1"/>
+                        </a:solidFill>
+                      </a:endParaRPr>
+                    </a:p>
+                  </a:txBody>
+                  <a:tcPr anchor="ctr">
+                    <a:lnL w="12700" cap="flat" cmpd="sng" algn="ctr">
+                      <a:noFill/>
+                      <a:prstDash val="solid"/>
+                      <a:round/>
+                      <a:headEnd type="none" w="med" len="med"/>
+                      <a:tailEnd type="none" w="med" len="med"/>
+                    </a:lnL>
+                    <a:lnR w="12700" cap="flat" cmpd="sng" algn="ctr">
+                      <a:noFill/>
+                      <a:prstDash val="solid"/>
+                      <a:round/>
+                      <a:headEnd type="none" w="med" len="med"/>
+                      <a:tailEnd type="none" w="med" len="med"/>
+                    </a:lnR>
+                    <a:lnT w="12700" cap="flat" cmpd="sng" algn="ctr">
+                      <a:noFill/>
+                      <a:prstDash val="solid"/>
+                      <a:round/>
+                      <a:headEnd type="none" w="med" len="med"/>
+                      <a:tailEnd type="none" w="med" len="med"/>
+                    </a:lnT>
+                    <a:lnB w="12700" cap="flat" cmpd="sng" algn="ctr">
+                      <a:solidFill>
+                        <a:schemeClr val="tx1"/>
+                      </a:solidFill>
+                      <a:prstDash val="solid"/>
+                      <a:round/>
+                      <a:headEnd type="none" w="med" len="med"/>
+                      <a:tailEnd type="none" w="med" len="med"/>
+                    </a:lnB>
+                    <a:lnTlToBr w="12700" cmpd="sng">
+                      <a:noFill/>
+                      <a:prstDash val="solid"/>
+                    </a:lnTlToBr>
+                    <a:lnBlToTr w="12700" cmpd="sng">
+                      <a:noFill/>
+                      <a:prstDash val="solid"/>
+                    </a:lnBlToTr>
+                    <a:noFill/>
+                  </a:tcPr>
+                </a:tc>
+                <a:extLst>
+                  <a:ext uri="{0D108BD9-81ED-4DB2-BD59-A6C34878D82A}">
+                    <a16:rowId xmlns:a16="http://schemas.microsoft.com/office/drawing/2014/main" val="596413071"/>
+                  </a:ext>
+                </a:extLst>
+              </a:tr>
+              <a:tr h="348615">
+                <a:tc>
+                  <a:txBody>
+                    <a:bodyPr/>
+                    <a:lstStyle/>
+                    <a:p>
+                      <a:pPr algn="ctr" latinLnBrk="1"/>
+                      <a:r>
+                        <a:rPr lang="en-US" altLang="ko-KR" sz="1200" b="0" dirty="0">
+                          <a:solidFill>
+                            <a:schemeClr val="tx1"/>
+                          </a:solidFill>
+                        </a:rPr>
+                        <a:t>Kim</a:t>
+                      </a:r>
+                      <a:endParaRPr lang="ko-KR" altLang="en-US" sz="1200" b="0" dirty="0">
+                        <a:solidFill>
+                          <a:schemeClr val="tx1"/>
+                        </a:solidFill>
+                      </a:endParaRPr>
+                    </a:p>
+                  </a:txBody>
+                  <a:tcPr anchor="ctr">
+                    <a:lnL w="12700" cap="flat" cmpd="sng" algn="ctr">
+                      <a:solidFill>
+                        <a:schemeClr val="tx1"/>
+                      </a:solidFill>
+                      <a:prstDash val="solid"/>
+                      <a:round/>
+                      <a:headEnd type="none" w="med" len="med"/>
+                      <a:tailEnd type="none" w="med" len="med"/>
+                    </a:lnL>
+                    <a:lnR w="12700" cap="flat" cmpd="sng" algn="ctr">
+                      <a:solidFill>
+                        <a:schemeClr val="tx1"/>
+                      </a:solidFill>
+                      <a:prstDash val="solid"/>
+                      <a:round/>
+                      <a:headEnd type="none" w="med" len="med"/>
+                      <a:tailEnd type="none" w="med" len="med"/>
+                    </a:lnR>
+                    <a:lnT w="12700" cap="flat" cmpd="sng" algn="ctr">
+                      <a:solidFill>
+                        <a:schemeClr val="tx1"/>
+                      </a:solidFill>
+                      <a:prstDash val="solid"/>
+                      <a:round/>
+                      <a:headEnd type="none" w="med" len="med"/>
+                      <a:tailEnd type="none" w="med" len="med"/>
+                    </a:lnT>
+                    <a:lnB w="12700" cap="flat" cmpd="sng" algn="ctr">
+                      <a:solidFill>
+                        <a:schemeClr val="tx1"/>
+                      </a:solidFill>
+                      <a:prstDash val="solid"/>
+                      <a:round/>
+                      <a:headEnd type="none" w="med" len="med"/>
+                      <a:tailEnd type="none" w="med" len="med"/>
+                    </a:lnB>
+                    <a:lnTlToBr w="12700" cmpd="sng">
+                      <a:noFill/>
+                      <a:prstDash val="solid"/>
+                    </a:lnTlToBr>
+                    <a:lnBlToTr w="12700" cmpd="sng">
+                      <a:noFill/>
+                      <a:prstDash val="solid"/>
+                    </a:lnBlToTr>
+                    <a:noFill/>
+                  </a:tcPr>
+                </a:tc>
+                <a:tc>
+                  <a:txBody>
+                    <a:bodyPr/>
+                    <a:lstStyle/>
+                    <a:p>
+                      <a:pPr algn="ctr" latinLnBrk="1"/>
+                      <a:endParaRPr lang="ko-KR" altLang="en-US" sz="1200" b="0" dirty="0">
+                        <a:solidFill>
+                          <a:schemeClr val="tx1"/>
+                        </a:solidFill>
+                      </a:endParaRPr>
+                    </a:p>
+                  </a:txBody>
+                  <a:tcPr anchor="ctr">
+                    <a:lnL w="12700" cap="flat" cmpd="sng" algn="ctr">
+                      <a:solidFill>
+                        <a:schemeClr val="tx1"/>
+                      </a:solidFill>
+                      <a:prstDash val="solid"/>
+                      <a:round/>
+                      <a:headEnd type="none" w="med" len="med"/>
+                      <a:tailEnd type="none" w="med" len="med"/>
+                    </a:lnL>
+                    <a:lnR w="12700" cap="flat" cmpd="sng" algn="ctr">
+                      <a:solidFill>
+                        <a:schemeClr val="tx1"/>
+                      </a:solidFill>
+                      <a:prstDash val="solid"/>
+                      <a:round/>
+                      <a:headEnd type="none" w="med" len="med"/>
+                      <a:tailEnd type="none" w="med" len="med"/>
+                    </a:lnR>
+                    <a:lnT w="12700" cap="flat" cmpd="sng" algn="ctr">
+                      <a:solidFill>
+                        <a:schemeClr val="tx1"/>
+                      </a:solidFill>
+                      <a:prstDash val="solid"/>
+                      <a:round/>
+                      <a:headEnd type="none" w="med" len="med"/>
+                      <a:tailEnd type="none" w="med" len="med"/>
+                    </a:lnT>
+                    <a:lnB w="12700" cap="flat" cmpd="sng" algn="ctr">
+                      <a:solidFill>
+                        <a:schemeClr val="tx1"/>
+                      </a:solidFill>
+                      <a:prstDash val="solid"/>
+                      <a:round/>
+                      <a:headEnd type="none" w="med" len="med"/>
+                      <a:tailEnd type="none" w="med" len="med"/>
+                    </a:lnB>
+                    <a:lnTlToBr w="12700" cmpd="sng">
+                      <a:noFill/>
+                      <a:prstDash val="solid"/>
+                    </a:lnTlToBr>
+                    <a:lnBlToTr w="12700" cmpd="sng">
+                      <a:noFill/>
+                      <a:prstDash val="solid"/>
+                    </a:lnBlToTr>
+                    <a:noFill/>
+                  </a:tcPr>
+                </a:tc>
+                <a:extLst>
+                  <a:ext uri="{0D108BD9-81ED-4DB2-BD59-A6C34878D82A}">
+                    <a16:rowId xmlns:a16="http://schemas.microsoft.com/office/drawing/2014/main" val="3167644525"/>
+                  </a:ext>
+                </a:extLst>
+              </a:tr>
+            </a:tbl>
+          </a:graphicData>
+        </a:graphic>
+      </p:graphicFrame>
+      <p:graphicFrame>
+        <p:nvGraphicFramePr>
+          <p:cNvPr id="64" name="표 63">
+            <a:extLst>
+              <a:ext uri="{FF2B5EF4-FFF2-40B4-BE49-F238E27FC236}">
+                <a16:creationId xmlns:a16="http://schemas.microsoft.com/office/drawing/2014/main" id="{7A54BCCA-13CE-42B7-BDC0-0E16E22FAF1C}"/>
+              </a:ext>
+            </a:extLst>
+          </p:cNvPr>
+          <p:cNvGraphicFramePr>
+            <a:graphicFrameLocks noGrp="1"/>
+          </p:cNvGraphicFramePr>
+          <p:nvPr>
+            <p:extLst>
+              <p:ext uri="{D42A27DB-BD31-4B8C-83A1-F6EECF244321}">
+                <p14:modId xmlns:p14="http://schemas.microsoft.com/office/powerpoint/2010/main" val="771083107"/>
+              </p:ext>
+            </p:extLst>
+          </p:nvPr>
+        </p:nvGraphicFramePr>
+        <p:xfrm>
+          <a:off x="247649" y="5127623"/>
+          <a:ext cx="926432" cy="697230"/>
+        </p:xfrm>
+        <a:graphic>
+          <a:graphicData uri="http://schemas.openxmlformats.org/drawingml/2006/table">
+            <a:tbl>
+              <a:tblPr firstRow="1" bandRow="1">
+                <a:tableStyleId>{5C22544A-7EE6-4342-B048-85BDC9FD1C3A}</a:tableStyleId>
+              </a:tblPr>
+              <a:tblGrid>
+                <a:gridCol w="463216">
+                  <a:extLst>
+                    <a:ext uri="{9D8B030D-6E8A-4147-A177-3AD203B41FA5}">
+                      <a16:colId xmlns:a16="http://schemas.microsoft.com/office/drawing/2014/main" val="1876448761"/>
+                    </a:ext>
+                  </a:extLst>
+                </a:gridCol>
+                <a:gridCol w="463216">
+                  <a:extLst>
+                    <a:ext uri="{9D8B030D-6E8A-4147-A177-3AD203B41FA5}">
+                      <a16:colId xmlns:a16="http://schemas.microsoft.com/office/drawing/2014/main" val="406678734"/>
+                    </a:ext>
+                  </a:extLst>
+                </a:gridCol>
+              </a:tblGrid>
+              <a:tr h="348615">
+                <a:tc>
+                  <a:txBody>
+                    <a:bodyPr/>
+                    <a:lstStyle/>
+                    <a:p>
+                      <a:pPr algn="ctr" latinLnBrk="1"/>
+                      <a:endParaRPr lang="ko-KR" altLang="en-US" sz="1200" b="0" dirty="0">
+                        <a:solidFill>
+                          <a:schemeClr val="tx1"/>
+                        </a:solidFill>
+                      </a:endParaRPr>
+                    </a:p>
+                  </a:txBody>
+                  <a:tcPr anchor="ctr">
+                    <a:lnL w="12700" cap="flat" cmpd="sng" algn="ctr">
+                      <a:noFill/>
+                      <a:prstDash val="solid"/>
+                      <a:round/>
+                      <a:headEnd type="none" w="med" len="med"/>
+                      <a:tailEnd type="none" w="med" len="med"/>
+                    </a:lnL>
+                    <a:lnR w="12700" cap="flat" cmpd="sng" algn="ctr">
+                      <a:noFill/>
+                      <a:prstDash val="solid"/>
+                      <a:round/>
+                      <a:headEnd type="none" w="med" len="med"/>
+                      <a:tailEnd type="none" w="med" len="med"/>
+                    </a:lnR>
+                    <a:lnT w="12700" cap="flat" cmpd="sng" algn="ctr">
+                      <a:noFill/>
+                      <a:prstDash val="solid"/>
+                      <a:round/>
+                      <a:headEnd type="none" w="med" len="med"/>
+                      <a:tailEnd type="none" w="med" len="med"/>
+                    </a:lnT>
+                    <a:lnB w="12700" cap="flat" cmpd="sng" algn="ctr">
+                      <a:noFill/>
+                      <a:prstDash val="solid"/>
+                      <a:round/>
+                      <a:headEnd type="none" w="med" len="med"/>
+                      <a:tailEnd type="none" w="med" len="med"/>
+                    </a:lnB>
+                    <a:lnTlToBr w="12700" cmpd="sng">
+                      <a:noFill/>
+                      <a:prstDash val="solid"/>
+                    </a:lnTlToBr>
+                    <a:lnBlToTr w="12700" cmpd="sng">
+                      <a:noFill/>
+                      <a:prstDash val="solid"/>
+                    </a:lnBlToTr>
+                    <a:noFill/>
+                  </a:tcPr>
+                </a:tc>
+                <a:tc>
+                  <a:txBody>
+                    <a:bodyPr/>
+                    <a:lstStyle/>
+                    <a:p>
+                      <a:pPr algn="ctr" latinLnBrk="1"/>
+                      <a:endParaRPr lang="ko-KR" altLang="en-US" sz="1200" b="0" dirty="0">
+                        <a:solidFill>
+                          <a:schemeClr val="tx1"/>
+                        </a:solidFill>
+                      </a:endParaRPr>
+                    </a:p>
+                  </a:txBody>
+                  <a:tcPr anchor="ctr">
+                    <a:lnL w="12700" cap="flat" cmpd="sng" algn="ctr">
+                      <a:noFill/>
+                      <a:prstDash val="solid"/>
+                      <a:round/>
+                      <a:headEnd type="none" w="med" len="med"/>
+                      <a:tailEnd type="none" w="med" len="med"/>
+                    </a:lnL>
+                    <a:lnR w="12700" cap="flat" cmpd="sng" algn="ctr">
+                      <a:noFill/>
+                      <a:prstDash val="solid"/>
+                      <a:round/>
+                      <a:headEnd type="none" w="med" len="med"/>
+                      <a:tailEnd type="none" w="med" len="med"/>
+                    </a:lnR>
+                    <a:lnT w="12700" cap="flat" cmpd="sng" algn="ctr">
+                      <a:noFill/>
+                      <a:prstDash val="solid"/>
+                      <a:round/>
+                      <a:headEnd type="none" w="med" len="med"/>
+                      <a:tailEnd type="none" w="med" len="med"/>
+                    </a:lnT>
+                    <a:lnB w="12700" cap="flat" cmpd="sng" algn="ctr">
+                      <a:solidFill>
+                        <a:schemeClr val="tx1"/>
+                      </a:solidFill>
+                      <a:prstDash val="solid"/>
+                      <a:round/>
+                      <a:headEnd type="none" w="med" len="med"/>
+                      <a:tailEnd type="none" w="med" len="med"/>
+                    </a:lnB>
+                    <a:lnTlToBr w="12700" cmpd="sng">
+                      <a:noFill/>
+                      <a:prstDash val="solid"/>
+                    </a:lnTlToBr>
+                    <a:lnBlToTr w="12700" cmpd="sng">
+                      <a:noFill/>
+                      <a:prstDash val="solid"/>
+                    </a:lnBlToTr>
+                    <a:noFill/>
+                  </a:tcPr>
+                </a:tc>
+                <a:extLst>
+                  <a:ext uri="{0D108BD9-81ED-4DB2-BD59-A6C34878D82A}">
+                    <a16:rowId xmlns:a16="http://schemas.microsoft.com/office/drawing/2014/main" val="596413071"/>
+                  </a:ext>
+                </a:extLst>
+              </a:tr>
+              <a:tr h="348615">
+                <a:tc>
+                  <a:txBody>
+                    <a:bodyPr/>
+                    <a:lstStyle/>
+                    <a:p>
+                      <a:pPr algn="ctr" latinLnBrk="1"/>
+                      <a:r>
+                        <a:rPr lang="en-US" altLang="ko-KR" sz="1200" b="0" dirty="0">
+                          <a:solidFill>
+                            <a:schemeClr val="tx1"/>
+                          </a:solidFill>
+                        </a:rPr>
+                        <a:t>L</a:t>
+                      </a:r>
+                      <a:endParaRPr lang="ko-KR" altLang="en-US" sz="1200" b="0" dirty="0">
+                        <a:solidFill>
+                          <a:schemeClr val="tx1"/>
+                        </a:solidFill>
+                      </a:endParaRPr>
+                    </a:p>
+                  </a:txBody>
+                  <a:tcPr anchor="ctr">
+                    <a:lnL w="12700" cap="flat" cmpd="sng" algn="ctr">
+                      <a:noFill/>
+                      <a:prstDash val="solid"/>
+                      <a:round/>
+                      <a:headEnd type="none" w="med" len="med"/>
+                      <a:tailEnd type="none" w="med" len="med"/>
+                    </a:lnL>
+                    <a:lnR w="12700" cap="flat" cmpd="sng" algn="ctr">
+                      <a:solidFill>
+                        <a:schemeClr val="tx1"/>
+                      </a:solidFill>
+                      <a:prstDash val="solid"/>
+                      <a:round/>
+                      <a:headEnd type="none" w="med" len="med"/>
+                      <a:tailEnd type="none" w="med" len="med"/>
+                    </a:lnR>
+                    <a:lnT w="12700" cap="flat" cmpd="sng" algn="ctr">
+                      <a:noFill/>
+                      <a:prstDash val="solid"/>
+                      <a:round/>
+                      <a:headEnd type="none" w="med" len="med"/>
+                      <a:tailEnd type="none" w="med" len="med"/>
+                    </a:lnT>
+                    <a:lnB w="12700" cap="flat" cmpd="sng" algn="ctr">
+                      <a:noFill/>
+                      <a:prstDash val="solid"/>
+                      <a:round/>
+                      <a:headEnd type="none" w="med" len="med"/>
+                      <a:tailEnd type="none" w="med" len="med"/>
+                    </a:lnB>
+                    <a:lnTlToBr w="12700" cmpd="sng">
+                      <a:noFill/>
+                      <a:prstDash val="solid"/>
+                    </a:lnTlToBr>
+                    <a:lnBlToTr w="12700" cmpd="sng">
+                      <a:noFill/>
+                      <a:prstDash val="solid"/>
+                    </a:lnBlToTr>
+                    <a:noFill/>
+                  </a:tcPr>
+                </a:tc>
+                <a:tc>
+                  <a:txBody>
+                    <a:bodyPr/>
+                    <a:lstStyle/>
+                    <a:p>
+                      <a:pPr algn="ctr" latinLnBrk="1"/>
+                      <a:endParaRPr lang="ko-KR" altLang="en-US" sz="1200" b="0" dirty="0">
+                        <a:solidFill>
+                          <a:schemeClr val="tx1"/>
+                        </a:solidFill>
+                      </a:endParaRPr>
+                    </a:p>
+                  </a:txBody>
+                  <a:tcPr anchor="ctr">
+                    <a:lnL w="12700" cap="flat" cmpd="sng" algn="ctr">
+                      <a:solidFill>
+                        <a:schemeClr val="tx1"/>
+                      </a:solidFill>
+                      <a:prstDash val="solid"/>
+                      <a:round/>
+                      <a:headEnd type="none" w="med" len="med"/>
+                      <a:tailEnd type="none" w="med" len="med"/>
+                    </a:lnL>
+                    <a:lnR w="12700" cap="flat" cmpd="sng" algn="ctr">
+                      <a:solidFill>
+                        <a:schemeClr val="tx1"/>
+                      </a:solidFill>
+                      <a:prstDash val="solid"/>
+                      <a:round/>
+                      <a:headEnd type="none" w="med" len="med"/>
+                      <a:tailEnd type="none" w="med" len="med"/>
+                    </a:lnR>
+                    <a:lnT w="12700" cap="flat" cmpd="sng" algn="ctr">
+                      <a:solidFill>
+                        <a:schemeClr val="tx1"/>
+                      </a:solidFill>
+                      <a:prstDash val="solid"/>
+                      <a:round/>
+                      <a:headEnd type="none" w="med" len="med"/>
+                      <a:tailEnd type="none" w="med" len="med"/>
+                    </a:lnT>
+                    <a:lnB w="12700" cap="flat" cmpd="sng" algn="ctr">
+                      <a:solidFill>
+                        <a:schemeClr val="tx1"/>
+                      </a:solidFill>
+                      <a:prstDash val="solid"/>
+                      <a:round/>
+                      <a:headEnd type="none" w="med" len="med"/>
+                      <a:tailEnd type="none" w="med" len="med"/>
+                    </a:lnB>
+                    <a:lnTlToBr w="12700" cmpd="sng">
+                      <a:noFill/>
+                      <a:prstDash val="solid"/>
+                    </a:lnTlToBr>
+                    <a:lnBlToTr w="12700" cmpd="sng">
+                      <a:noFill/>
+                      <a:prstDash val="solid"/>
+                    </a:lnBlToTr>
+                    <a:noFill/>
+                  </a:tcPr>
+                </a:tc>
+                <a:extLst>
+                  <a:ext uri="{0D108BD9-81ED-4DB2-BD59-A6C34878D82A}">
+                    <a16:rowId xmlns:a16="http://schemas.microsoft.com/office/drawing/2014/main" val="3167644525"/>
+                  </a:ext>
+                </a:extLst>
+              </a:tr>
+            </a:tbl>
+          </a:graphicData>
+        </a:graphic>
+      </p:graphicFrame>
+      <p:cxnSp>
+        <p:nvCxnSpPr>
+          <p:cNvPr id="65" name="직선 화살표 연결선 64">
+            <a:extLst>
+              <a:ext uri="{FF2B5EF4-FFF2-40B4-BE49-F238E27FC236}">
+                <a16:creationId xmlns:a16="http://schemas.microsoft.com/office/drawing/2014/main" id="{94E924BF-7E8C-41A5-9594-9F15C2A23E3D}"/>
+              </a:ext>
+            </a:extLst>
+          </p:cNvPr>
+          <p:cNvCxnSpPr/>
+          <p:nvPr/>
+        </p:nvCxnSpPr>
+        <p:spPr>
+          <a:xfrm>
+            <a:off x="1174081" y="5630967"/>
+            <a:ext cx="242639" cy="0"/>
+          </a:xfrm>
+          <a:prstGeom prst="straightConnector1">
+            <a:avLst/>
+          </a:prstGeom>
+          <a:ln w="28575">
+            <a:tailEnd type="triangle"/>
+          </a:ln>
+        </p:spPr>
+        <p:style>
+          <a:lnRef idx="1">
+            <a:schemeClr val="dk1"/>
+          </a:lnRef>
+          <a:fillRef idx="0">
+            <a:schemeClr val="dk1"/>
+          </a:fillRef>
+          <a:effectRef idx="0">
+            <a:schemeClr val="dk1"/>
+          </a:effectRef>
+          <a:fontRef idx="minor">
+            <a:schemeClr val="tx1"/>
+          </a:fontRef>
+        </p:style>
+      </p:cxnSp>
+      <p:graphicFrame>
+        <p:nvGraphicFramePr>
+          <p:cNvPr id="66" name="표 65">
+            <a:extLst>
+              <a:ext uri="{FF2B5EF4-FFF2-40B4-BE49-F238E27FC236}">
+                <a16:creationId xmlns:a16="http://schemas.microsoft.com/office/drawing/2014/main" id="{4DF92E5D-EDE7-4714-A89F-52C2CB447225}"/>
+              </a:ext>
+            </a:extLst>
+          </p:cNvPr>
+          <p:cNvGraphicFramePr>
+            <a:graphicFrameLocks noGrp="1"/>
+          </p:cNvGraphicFramePr>
+          <p:nvPr>
+            <p:extLst>
+              <p:ext uri="{D42A27DB-BD31-4B8C-83A1-F6EECF244321}">
+                <p14:modId xmlns:p14="http://schemas.microsoft.com/office/powerpoint/2010/main" val="92389741"/>
+              </p:ext>
+            </p:extLst>
+          </p:nvPr>
+        </p:nvGraphicFramePr>
+        <p:xfrm>
+          <a:off x="2861077" y="5127623"/>
+          <a:ext cx="1201720" cy="697230"/>
+        </p:xfrm>
+        <a:graphic>
+          <a:graphicData uri="http://schemas.openxmlformats.org/drawingml/2006/table">
+            <a:tbl>
+              <a:tblPr firstRow="1" bandRow="1">
+                <a:tableStyleId>{5C22544A-7EE6-4342-B048-85BDC9FD1C3A}</a:tableStyleId>
+              </a:tblPr>
+              <a:tblGrid>
+                <a:gridCol w="619442">
+                  <a:extLst>
+                    <a:ext uri="{9D8B030D-6E8A-4147-A177-3AD203B41FA5}">
+                      <a16:colId xmlns:a16="http://schemas.microsoft.com/office/drawing/2014/main" val="1876448761"/>
+                    </a:ext>
+                  </a:extLst>
+                </a:gridCol>
+                <a:gridCol w="582278">
+                  <a:extLst>
+                    <a:ext uri="{9D8B030D-6E8A-4147-A177-3AD203B41FA5}">
+                      <a16:colId xmlns:a16="http://schemas.microsoft.com/office/drawing/2014/main" val="406678734"/>
+                    </a:ext>
+                  </a:extLst>
+                </a:gridCol>
+              </a:tblGrid>
+              <a:tr h="348615">
+                <a:tc>
+                  <a:txBody>
+                    <a:bodyPr/>
+                    <a:lstStyle/>
+                    <a:p>
+                      <a:pPr algn="ctr" latinLnBrk="1"/>
+                      <a:r>
+                        <a:rPr lang="en-US" altLang="ko-KR" sz="1200" b="0" dirty="0">
+                          <a:solidFill>
+                            <a:schemeClr val="tx1"/>
+                          </a:solidFill>
+                        </a:rPr>
+                        <a:t>name</a:t>
+                      </a:r>
+                      <a:endParaRPr lang="ko-KR" altLang="en-US" sz="1200" b="0" dirty="0">
+                        <a:solidFill>
+                          <a:schemeClr val="tx1"/>
+                        </a:solidFill>
+                      </a:endParaRPr>
+                    </a:p>
+                  </a:txBody>
+                  <a:tcPr anchor="ctr">
+                    <a:lnL w="12700" cap="flat" cmpd="sng" algn="ctr">
+                      <a:noFill/>
+                      <a:prstDash val="solid"/>
+                      <a:round/>
+                      <a:headEnd type="none" w="med" len="med"/>
+                      <a:tailEnd type="none" w="med" len="med"/>
+                    </a:lnL>
+                    <a:lnR w="12700" cap="flat" cmpd="sng" algn="ctr">
+                      <a:noFill/>
+                      <a:prstDash val="solid"/>
+                      <a:round/>
+                      <a:headEnd type="none" w="med" len="med"/>
+                      <a:tailEnd type="none" w="med" len="med"/>
+                    </a:lnR>
+                    <a:lnT w="12700" cap="flat" cmpd="sng" algn="ctr">
+                      <a:noFill/>
+                      <a:prstDash val="solid"/>
+                      <a:round/>
+                      <a:headEnd type="none" w="med" len="med"/>
+                      <a:tailEnd type="none" w="med" len="med"/>
+                    </a:lnT>
+                    <a:lnB w="12700" cap="flat" cmpd="sng" algn="ctr">
+                      <a:solidFill>
+                        <a:schemeClr val="tx1"/>
+                      </a:solidFill>
+                      <a:prstDash val="solid"/>
+                      <a:round/>
+                      <a:headEnd type="none" w="med" len="med"/>
+                      <a:tailEnd type="none" w="med" len="med"/>
+                    </a:lnB>
+                    <a:lnTlToBr w="12700" cmpd="sng">
+                      <a:noFill/>
+                      <a:prstDash val="solid"/>
+                    </a:lnTlToBr>
+                    <a:lnBlToTr w="12700" cmpd="sng">
+                      <a:noFill/>
+                      <a:prstDash val="solid"/>
+                    </a:lnBlToTr>
+                    <a:noFill/>
+                  </a:tcPr>
+                </a:tc>
+                <a:tc>
+                  <a:txBody>
+                    <a:bodyPr/>
+                    <a:lstStyle/>
+                    <a:p>
+                      <a:pPr algn="ctr" latinLnBrk="1"/>
+                      <a:r>
+                        <a:rPr lang="en-US" altLang="ko-KR" sz="1200" b="0" dirty="0">
+                          <a:solidFill>
+                            <a:schemeClr val="tx1"/>
+                          </a:solidFill>
+                        </a:rPr>
+                        <a:t>link</a:t>
+                      </a:r>
+                      <a:endParaRPr lang="ko-KR" altLang="en-US" sz="1200" b="0" dirty="0">
+                        <a:solidFill>
+                          <a:schemeClr val="tx1"/>
+                        </a:solidFill>
+                      </a:endParaRPr>
+                    </a:p>
+                  </a:txBody>
+                  <a:tcPr anchor="ctr">
+                    <a:lnL w="12700" cap="flat" cmpd="sng" algn="ctr">
+                      <a:noFill/>
+                      <a:prstDash val="solid"/>
+                      <a:round/>
+                      <a:headEnd type="none" w="med" len="med"/>
+                      <a:tailEnd type="none" w="med" len="med"/>
+                    </a:lnL>
+                    <a:lnR w="12700" cap="flat" cmpd="sng" algn="ctr">
+                      <a:noFill/>
+                      <a:prstDash val="solid"/>
+                      <a:round/>
+                      <a:headEnd type="none" w="med" len="med"/>
+                      <a:tailEnd type="none" w="med" len="med"/>
+                    </a:lnR>
+                    <a:lnT w="12700" cap="flat" cmpd="sng" algn="ctr">
+                      <a:noFill/>
+                      <a:prstDash val="solid"/>
+                      <a:round/>
+                      <a:headEnd type="none" w="med" len="med"/>
+                      <a:tailEnd type="none" w="med" len="med"/>
+                    </a:lnT>
+                    <a:lnB w="12700" cap="flat" cmpd="sng" algn="ctr">
+                      <a:solidFill>
+                        <a:schemeClr val="tx1"/>
+                      </a:solidFill>
+                      <a:prstDash val="solid"/>
+                      <a:round/>
+                      <a:headEnd type="none" w="med" len="med"/>
+                      <a:tailEnd type="none" w="med" len="med"/>
+                    </a:lnB>
+                    <a:lnTlToBr w="12700" cmpd="sng">
+                      <a:noFill/>
+                      <a:prstDash val="solid"/>
+                    </a:lnTlToBr>
+                    <a:lnBlToTr w="12700" cmpd="sng">
+                      <a:noFill/>
+                      <a:prstDash val="solid"/>
+                    </a:lnBlToTr>
+                    <a:noFill/>
+                  </a:tcPr>
+                </a:tc>
+                <a:extLst>
+                  <a:ext uri="{0D108BD9-81ED-4DB2-BD59-A6C34878D82A}">
+                    <a16:rowId xmlns:a16="http://schemas.microsoft.com/office/drawing/2014/main" val="596413071"/>
+                  </a:ext>
+                </a:extLst>
+              </a:tr>
+              <a:tr h="348615">
+                <a:tc>
+                  <a:txBody>
+                    <a:bodyPr/>
+                    <a:lstStyle/>
+                    <a:p>
+                      <a:pPr algn="ctr" latinLnBrk="1"/>
+                      <a:r>
+                        <a:rPr lang="en-US" altLang="ko-KR" sz="1200" b="0" dirty="0">
+                          <a:solidFill>
+                            <a:schemeClr val="tx1"/>
+                          </a:solidFill>
+                        </a:rPr>
+                        <a:t>Lee</a:t>
+                      </a:r>
+                      <a:endParaRPr lang="ko-KR" altLang="en-US" sz="1200" b="0" dirty="0">
+                        <a:solidFill>
+                          <a:schemeClr val="tx1"/>
+                        </a:solidFill>
+                      </a:endParaRPr>
+                    </a:p>
+                  </a:txBody>
+                  <a:tcPr anchor="ctr">
+                    <a:lnL w="12700" cap="flat" cmpd="sng" algn="ctr">
+                      <a:solidFill>
+                        <a:schemeClr val="tx1"/>
+                      </a:solidFill>
+                      <a:prstDash val="solid"/>
+                      <a:round/>
+                      <a:headEnd type="none" w="med" len="med"/>
+                      <a:tailEnd type="none" w="med" len="med"/>
+                    </a:lnL>
+                    <a:lnR w="12700" cap="flat" cmpd="sng" algn="ctr">
+                      <a:solidFill>
+                        <a:schemeClr val="tx1"/>
+                      </a:solidFill>
+                      <a:prstDash val="solid"/>
+                      <a:round/>
+                      <a:headEnd type="none" w="med" len="med"/>
+                      <a:tailEnd type="none" w="med" len="med"/>
+                    </a:lnR>
+                    <a:lnT w="12700" cap="flat" cmpd="sng" algn="ctr">
+                      <a:solidFill>
+                        <a:schemeClr val="tx1"/>
+                      </a:solidFill>
+                      <a:prstDash val="solid"/>
+                      <a:round/>
+                      <a:headEnd type="none" w="med" len="med"/>
+                      <a:tailEnd type="none" w="med" len="med"/>
+                    </a:lnT>
+                    <a:lnB w="12700" cap="flat" cmpd="sng" algn="ctr">
+                      <a:solidFill>
+                        <a:schemeClr val="tx1"/>
+                      </a:solidFill>
+                      <a:prstDash val="solid"/>
+                      <a:round/>
+                      <a:headEnd type="none" w="med" len="med"/>
+                      <a:tailEnd type="none" w="med" len="med"/>
+                    </a:lnB>
+                    <a:lnTlToBr w="12700" cmpd="sng">
+                      <a:noFill/>
+                      <a:prstDash val="solid"/>
+                    </a:lnTlToBr>
+                    <a:lnBlToTr w="12700" cmpd="sng">
+                      <a:noFill/>
+                      <a:prstDash val="solid"/>
+                    </a:lnBlToTr>
+                    <a:noFill/>
+                  </a:tcPr>
+                </a:tc>
+                <a:tc>
+                  <a:txBody>
+                    <a:bodyPr/>
+                    <a:lstStyle/>
+                    <a:p>
+                      <a:pPr algn="ctr" latinLnBrk="1"/>
+                      <a:endParaRPr lang="ko-KR" altLang="en-US" sz="1200" b="0" dirty="0">
+                        <a:solidFill>
+                          <a:schemeClr val="tx1"/>
+                        </a:solidFill>
+                      </a:endParaRPr>
+                    </a:p>
+                  </a:txBody>
+                  <a:tcPr anchor="ctr">
+                    <a:lnL w="12700" cap="flat" cmpd="sng" algn="ctr">
+                      <a:solidFill>
+                        <a:schemeClr val="tx1"/>
+                      </a:solidFill>
+                      <a:prstDash val="solid"/>
+                      <a:round/>
+                      <a:headEnd type="none" w="med" len="med"/>
+                      <a:tailEnd type="none" w="med" len="med"/>
+                    </a:lnL>
+                    <a:lnR w="12700" cap="flat" cmpd="sng" algn="ctr">
+                      <a:solidFill>
+                        <a:schemeClr val="tx1"/>
+                      </a:solidFill>
+                      <a:prstDash val="solid"/>
+                      <a:round/>
+                      <a:headEnd type="none" w="med" len="med"/>
+                      <a:tailEnd type="none" w="med" len="med"/>
+                    </a:lnR>
+                    <a:lnT w="12700" cap="flat" cmpd="sng" algn="ctr">
+                      <a:solidFill>
+                        <a:schemeClr val="tx1"/>
+                      </a:solidFill>
+                      <a:prstDash val="solid"/>
+                      <a:round/>
+                      <a:headEnd type="none" w="med" len="med"/>
+                      <a:tailEnd type="none" w="med" len="med"/>
+                    </a:lnT>
+                    <a:lnB w="12700" cap="flat" cmpd="sng" algn="ctr">
+                      <a:solidFill>
+                        <a:schemeClr val="tx1"/>
+                      </a:solidFill>
+                      <a:prstDash val="solid"/>
+                      <a:round/>
+                      <a:headEnd type="none" w="med" len="med"/>
+                      <a:tailEnd type="none" w="med" len="med"/>
+                    </a:lnB>
+                    <a:lnTlToBr w="12700" cmpd="sng">
+                      <a:noFill/>
+                      <a:prstDash val="solid"/>
+                    </a:lnTlToBr>
+                    <a:lnBlToTr w="12700" cmpd="sng">
+                      <a:noFill/>
+                      <a:prstDash val="solid"/>
+                    </a:lnBlToTr>
+                    <a:noFill/>
+                  </a:tcPr>
+                </a:tc>
+                <a:extLst>
+                  <a:ext uri="{0D108BD9-81ED-4DB2-BD59-A6C34878D82A}">
+                    <a16:rowId xmlns:a16="http://schemas.microsoft.com/office/drawing/2014/main" val="3167644525"/>
+                  </a:ext>
+                </a:extLst>
+              </a:tr>
+            </a:tbl>
+          </a:graphicData>
+        </a:graphic>
+      </p:graphicFrame>
+      <p:cxnSp>
+        <p:nvCxnSpPr>
+          <p:cNvPr id="67" name="직선 화살표 연결선 66">
+            <a:extLst>
+              <a:ext uri="{FF2B5EF4-FFF2-40B4-BE49-F238E27FC236}">
+                <a16:creationId xmlns:a16="http://schemas.microsoft.com/office/drawing/2014/main" id="{C02BC258-A675-4991-BDB0-BD07B184D370}"/>
+              </a:ext>
+            </a:extLst>
+          </p:cNvPr>
+          <p:cNvCxnSpPr/>
+          <p:nvPr/>
+        </p:nvCxnSpPr>
+        <p:spPr>
+          <a:xfrm>
+            <a:off x="2618439" y="5630967"/>
+            <a:ext cx="242639" cy="0"/>
+          </a:xfrm>
+          <a:prstGeom prst="straightConnector1">
+            <a:avLst/>
+          </a:prstGeom>
+          <a:ln w="28575">
+            <a:tailEnd type="triangle"/>
+          </a:ln>
+        </p:spPr>
+        <p:style>
+          <a:lnRef idx="1">
+            <a:schemeClr val="dk1"/>
+          </a:lnRef>
+          <a:fillRef idx="0">
+            <a:schemeClr val="dk1"/>
+          </a:fillRef>
+          <a:effectRef idx="0">
+            <a:schemeClr val="dk1"/>
+          </a:effectRef>
+          <a:fontRef idx="minor">
+            <a:schemeClr val="tx1"/>
+          </a:fontRef>
+        </p:style>
+      </p:cxnSp>
+      <p:graphicFrame>
+        <p:nvGraphicFramePr>
+          <p:cNvPr id="68" name="표 67">
+            <a:extLst>
+              <a:ext uri="{FF2B5EF4-FFF2-40B4-BE49-F238E27FC236}">
+                <a16:creationId xmlns:a16="http://schemas.microsoft.com/office/drawing/2014/main" id="{FB18BA42-C1D5-4ACE-9FA5-A3FF6EC5C3B3}"/>
+              </a:ext>
+            </a:extLst>
+          </p:cNvPr>
+          <p:cNvGraphicFramePr>
+            <a:graphicFrameLocks noGrp="1"/>
+          </p:cNvGraphicFramePr>
+          <p:nvPr>
+            <p:extLst>
+              <p:ext uri="{D42A27DB-BD31-4B8C-83A1-F6EECF244321}">
+                <p14:modId xmlns:p14="http://schemas.microsoft.com/office/powerpoint/2010/main" val="2801678207"/>
+              </p:ext>
+            </p:extLst>
+          </p:nvPr>
+        </p:nvGraphicFramePr>
+        <p:xfrm>
+          <a:off x="4305435" y="5127623"/>
+          <a:ext cx="1201720" cy="697230"/>
+        </p:xfrm>
+        <a:graphic>
+          <a:graphicData uri="http://schemas.openxmlformats.org/drawingml/2006/table">
+            <a:tbl>
+              <a:tblPr firstRow="1" bandRow="1">
+                <a:tableStyleId>{5C22544A-7EE6-4342-B048-85BDC9FD1C3A}</a:tableStyleId>
+              </a:tblPr>
+              <a:tblGrid>
+                <a:gridCol w="619442">
+                  <a:extLst>
+                    <a:ext uri="{9D8B030D-6E8A-4147-A177-3AD203B41FA5}">
+                      <a16:colId xmlns:a16="http://schemas.microsoft.com/office/drawing/2014/main" val="1876448761"/>
+                    </a:ext>
+                  </a:extLst>
+                </a:gridCol>
+                <a:gridCol w="582278">
+                  <a:extLst>
+                    <a:ext uri="{9D8B030D-6E8A-4147-A177-3AD203B41FA5}">
+                      <a16:colId xmlns:a16="http://schemas.microsoft.com/office/drawing/2014/main" val="406678734"/>
+                    </a:ext>
+                  </a:extLst>
+                </a:gridCol>
+              </a:tblGrid>
+              <a:tr h="348615">
+                <a:tc>
+                  <a:txBody>
+                    <a:bodyPr/>
+                    <a:lstStyle/>
+                    <a:p>
+                      <a:pPr algn="ctr" latinLnBrk="1"/>
+                      <a:r>
+                        <a:rPr lang="en-US" altLang="ko-KR" sz="1200" b="0" dirty="0">
+                          <a:solidFill>
+                            <a:schemeClr val="tx1"/>
+                          </a:solidFill>
+                        </a:rPr>
+                        <a:t>name</a:t>
+                      </a:r>
+                      <a:endParaRPr lang="ko-KR" altLang="en-US" sz="1200" b="0" dirty="0">
+                        <a:solidFill>
+                          <a:schemeClr val="tx1"/>
+                        </a:solidFill>
+                      </a:endParaRPr>
+                    </a:p>
+                  </a:txBody>
+                  <a:tcPr anchor="ctr">
+                    <a:lnL w="12700" cap="flat" cmpd="sng" algn="ctr">
+                      <a:noFill/>
+                      <a:prstDash val="solid"/>
+                      <a:round/>
+                      <a:headEnd type="none" w="med" len="med"/>
+                      <a:tailEnd type="none" w="med" len="med"/>
+                    </a:lnL>
+                    <a:lnR w="12700" cap="flat" cmpd="sng" algn="ctr">
+                      <a:noFill/>
+                      <a:prstDash val="solid"/>
+                      <a:round/>
+                      <a:headEnd type="none" w="med" len="med"/>
+                      <a:tailEnd type="none" w="med" len="med"/>
+                    </a:lnR>
+                    <a:lnT w="12700" cap="flat" cmpd="sng" algn="ctr">
+                      <a:noFill/>
+                      <a:prstDash val="solid"/>
+                      <a:round/>
+                      <a:headEnd type="none" w="med" len="med"/>
+                      <a:tailEnd type="none" w="med" len="med"/>
+                    </a:lnT>
+                    <a:lnB w="12700" cap="flat" cmpd="sng" algn="ctr">
+                      <a:solidFill>
+                        <a:schemeClr val="tx1"/>
+                      </a:solidFill>
+                      <a:prstDash val="solid"/>
+                      <a:round/>
+                      <a:headEnd type="none" w="med" len="med"/>
+                      <a:tailEnd type="none" w="med" len="med"/>
+                    </a:lnB>
+                    <a:lnTlToBr w="12700" cmpd="sng">
+                      <a:noFill/>
+                      <a:prstDash val="solid"/>
+                    </a:lnTlToBr>
+                    <a:lnBlToTr w="12700" cmpd="sng">
+                      <a:noFill/>
+                      <a:prstDash val="solid"/>
+                    </a:lnBlToTr>
+                    <a:noFill/>
+                  </a:tcPr>
+                </a:tc>
+                <a:tc>
+                  <a:txBody>
+                    <a:bodyPr/>
+                    <a:lstStyle/>
+                    <a:p>
+                      <a:pPr algn="ctr" latinLnBrk="1"/>
+                      <a:r>
+                        <a:rPr lang="en-US" altLang="ko-KR" sz="1200" b="0" dirty="0">
+                          <a:solidFill>
+                            <a:schemeClr val="tx1"/>
+                          </a:solidFill>
+                        </a:rPr>
+                        <a:t>link</a:t>
+                      </a:r>
+                      <a:endParaRPr lang="ko-KR" altLang="en-US" sz="1200" b="0" dirty="0">
+                        <a:solidFill>
+                          <a:schemeClr val="tx1"/>
+                        </a:solidFill>
+                      </a:endParaRPr>
+                    </a:p>
+                  </a:txBody>
+                  <a:tcPr anchor="ctr">
+                    <a:lnL w="12700" cap="flat" cmpd="sng" algn="ctr">
+                      <a:noFill/>
+                      <a:prstDash val="solid"/>
+                      <a:round/>
+                      <a:headEnd type="none" w="med" len="med"/>
+                      <a:tailEnd type="none" w="med" len="med"/>
+                    </a:lnL>
+                    <a:lnR w="12700" cap="flat" cmpd="sng" algn="ctr">
+                      <a:noFill/>
+                      <a:prstDash val="solid"/>
+                      <a:round/>
+                      <a:headEnd type="none" w="med" len="med"/>
+                      <a:tailEnd type="none" w="med" len="med"/>
+                    </a:lnR>
+                    <a:lnT w="12700" cap="flat" cmpd="sng" algn="ctr">
+                      <a:noFill/>
+                      <a:prstDash val="solid"/>
+                      <a:round/>
+                      <a:headEnd type="none" w="med" len="med"/>
+                      <a:tailEnd type="none" w="med" len="med"/>
+                    </a:lnT>
+                    <a:lnB w="12700" cap="flat" cmpd="sng" algn="ctr">
+                      <a:solidFill>
+                        <a:schemeClr val="tx1"/>
+                      </a:solidFill>
+                      <a:prstDash val="solid"/>
+                      <a:round/>
+                      <a:headEnd type="none" w="med" len="med"/>
+                      <a:tailEnd type="none" w="med" len="med"/>
+                    </a:lnB>
+                    <a:lnTlToBr w="12700" cmpd="sng">
+                      <a:noFill/>
+                      <a:prstDash val="solid"/>
+                    </a:lnTlToBr>
+                    <a:lnBlToTr w="12700" cmpd="sng">
+                      <a:noFill/>
+                      <a:prstDash val="solid"/>
+                    </a:lnBlToTr>
+                    <a:noFill/>
+                  </a:tcPr>
+                </a:tc>
+                <a:extLst>
+                  <a:ext uri="{0D108BD9-81ED-4DB2-BD59-A6C34878D82A}">
+                    <a16:rowId xmlns:a16="http://schemas.microsoft.com/office/drawing/2014/main" val="596413071"/>
+                  </a:ext>
+                </a:extLst>
+              </a:tr>
+              <a:tr h="348615">
+                <a:tc>
+                  <a:txBody>
+                    <a:bodyPr/>
+                    <a:lstStyle/>
+                    <a:p>
+                      <a:pPr algn="ctr" latinLnBrk="1"/>
+                      <a:r>
+                        <a:rPr lang="en-US" altLang="ko-KR" sz="1200" b="0" dirty="0">
+                          <a:solidFill>
+                            <a:schemeClr val="tx1"/>
+                          </a:solidFill>
+                        </a:rPr>
+                        <a:t>Park</a:t>
+                      </a:r>
+                      <a:endParaRPr lang="ko-KR" altLang="en-US" sz="1200" b="0" dirty="0">
+                        <a:solidFill>
+                          <a:schemeClr val="tx1"/>
+                        </a:solidFill>
+                      </a:endParaRPr>
+                    </a:p>
+                  </a:txBody>
+                  <a:tcPr anchor="ctr">
+                    <a:lnL w="12700" cap="flat" cmpd="sng" algn="ctr">
+                      <a:solidFill>
+                        <a:schemeClr val="tx1"/>
+                      </a:solidFill>
+                      <a:prstDash val="solid"/>
+                      <a:round/>
+                      <a:headEnd type="none" w="med" len="med"/>
+                      <a:tailEnd type="none" w="med" len="med"/>
+                    </a:lnL>
+                    <a:lnR w="12700" cap="flat" cmpd="sng" algn="ctr">
+                      <a:solidFill>
+                        <a:schemeClr val="tx1"/>
+                      </a:solidFill>
+                      <a:prstDash val="solid"/>
+                      <a:round/>
+                      <a:headEnd type="none" w="med" len="med"/>
+                      <a:tailEnd type="none" w="med" len="med"/>
+                    </a:lnR>
+                    <a:lnT w="12700" cap="flat" cmpd="sng" algn="ctr">
+                      <a:solidFill>
+                        <a:schemeClr val="tx1"/>
+                      </a:solidFill>
+                      <a:prstDash val="solid"/>
+                      <a:round/>
+                      <a:headEnd type="none" w="med" len="med"/>
+                      <a:tailEnd type="none" w="med" len="med"/>
+                    </a:lnT>
+                    <a:lnB w="12700" cap="flat" cmpd="sng" algn="ctr">
+                      <a:solidFill>
+                        <a:schemeClr val="tx1"/>
+                      </a:solidFill>
+                      <a:prstDash val="solid"/>
+                      <a:round/>
+                      <a:headEnd type="none" w="med" len="med"/>
+                      <a:tailEnd type="none" w="med" len="med"/>
+                    </a:lnB>
+                    <a:lnTlToBr w="12700" cmpd="sng">
+                      <a:noFill/>
+                      <a:prstDash val="solid"/>
+                    </a:lnTlToBr>
+                    <a:lnBlToTr w="12700" cmpd="sng">
+                      <a:noFill/>
+                      <a:prstDash val="solid"/>
+                    </a:lnBlToTr>
+                    <a:noFill/>
+                  </a:tcPr>
+                </a:tc>
+                <a:tc>
+                  <a:txBody>
+                    <a:bodyPr/>
+                    <a:lstStyle/>
+                    <a:p>
+                      <a:pPr algn="ctr" latinLnBrk="1"/>
+                      <a:r>
+                        <a:rPr lang="en-US" altLang="ko-KR" sz="1200" b="0" dirty="0">
+                          <a:solidFill>
+                            <a:schemeClr val="tx1"/>
+                          </a:solidFill>
+                        </a:rPr>
+                        <a:t>null</a:t>
+                      </a:r>
+                      <a:endParaRPr lang="ko-KR" altLang="en-US" sz="1200" b="0" dirty="0">
+                        <a:solidFill>
+                          <a:schemeClr val="tx1"/>
+                        </a:solidFill>
+                      </a:endParaRPr>
+                    </a:p>
+                  </a:txBody>
+                  <a:tcPr anchor="ctr">
+                    <a:lnL w="12700" cap="flat" cmpd="sng" algn="ctr">
+                      <a:solidFill>
+                        <a:schemeClr val="tx1"/>
+                      </a:solidFill>
+                      <a:prstDash val="solid"/>
+                      <a:round/>
+                      <a:headEnd type="none" w="med" len="med"/>
+                      <a:tailEnd type="none" w="med" len="med"/>
+                    </a:lnL>
+                    <a:lnR w="12700" cap="flat" cmpd="sng" algn="ctr">
+                      <a:solidFill>
+                        <a:schemeClr val="tx1"/>
+                      </a:solidFill>
+                      <a:prstDash val="solid"/>
+                      <a:round/>
+                      <a:headEnd type="none" w="med" len="med"/>
+                      <a:tailEnd type="none" w="med" len="med"/>
+                    </a:lnR>
+                    <a:lnT w="12700" cap="flat" cmpd="sng" algn="ctr">
+                      <a:solidFill>
+                        <a:schemeClr val="tx1"/>
+                      </a:solidFill>
+                      <a:prstDash val="solid"/>
+                      <a:round/>
+                      <a:headEnd type="none" w="med" len="med"/>
+                      <a:tailEnd type="none" w="med" len="med"/>
+                    </a:lnT>
+                    <a:lnB w="12700" cap="flat" cmpd="sng" algn="ctr">
+                      <a:solidFill>
+                        <a:schemeClr val="tx1"/>
+                      </a:solidFill>
+                      <a:prstDash val="solid"/>
+                      <a:round/>
+                      <a:headEnd type="none" w="med" len="med"/>
+                      <a:tailEnd type="none" w="med" len="med"/>
+                    </a:lnB>
+                    <a:lnTlToBr w="12700" cmpd="sng">
+                      <a:noFill/>
+                      <a:prstDash val="solid"/>
+                    </a:lnTlToBr>
+                    <a:lnBlToTr w="12700" cmpd="sng">
+                      <a:noFill/>
+                      <a:prstDash val="solid"/>
+                    </a:lnBlToTr>
+                    <a:noFill/>
+                  </a:tcPr>
+                </a:tc>
+                <a:extLst>
+                  <a:ext uri="{0D108BD9-81ED-4DB2-BD59-A6C34878D82A}">
+                    <a16:rowId xmlns:a16="http://schemas.microsoft.com/office/drawing/2014/main" val="3167644525"/>
+                  </a:ext>
+                </a:extLst>
+              </a:tr>
+            </a:tbl>
+          </a:graphicData>
+        </a:graphic>
+      </p:graphicFrame>
+      <p:cxnSp>
+        <p:nvCxnSpPr>
+          <p:cNvPr id="69" name="직선 화살표 연결선 68">
+            <a:extLst>
+              <a:ext uri="{FF2B5EF4-FFF2-40B4-BE49-F238E27FC236}">
+                <a16:creationId xmlns:a16="http://schemas.microsoft.com/office/drawing/2014/main" id="{1B760458-86CD-4545-8987-7BCF095C16B6}"/>
+              </a:ext>
+            </a:extLst>
+          </p:cNvPr>
+          <p:cNvCxnSpPr/>
+          <p:nvPr/>
+        </p:nvCxnSpPr>
+        <p:spPr>
+          <a:xfrm>
+            <a:off x="4062797" y="5630967"/>
+            <a:ext cx="242639" cy="0"/>
+          </a:xfrm>
+          <a:prstGeom prst="straightConnector1">
+            <a:avLst/>
+          </a:prstGeom>
+          <a:ln w="28575">
+            <a:tailEnd type="triangle"/>
+          </a:ln>
+        </p:spPr>
+        <p:style>
+          <a:lnRef idx="1">
+            <a:schemeClr val="dk1"/>
+          </a:lnRef>
+          <a:fillRef idx="0">
+            <a:schemeClr val="dk1"/>
+          </a:fillRef>
+          <a:effectRef idx="0">
+            <a:schemeClr val="dk1"/>
+          </a:effectRef>
+          <a:fontRef idx="minor">
+            <a:schemeClr val="tx1"/>
+          </a:fontRef>
+        </p:style>
+      </p:cxnSp>
+    </p:spTree>
+    <p:extLst>
+      <p:ext uri="{BB962C8B-B14F-4D97-AF65-F5344CB8AC3E}">
+        <p14:creationId xmlns:p14="http://schemas.microsoft.com/office/powerpoint/2010/main" val="723831080"/>
+      </p:ext>
+    </p:extLst>
+  </p:cSld>
+  <p:clrMapOvr>
+    <a:masterClrMapping/>
+  </p:clrMapOvr>
+</p:sld>
+</file>
+
 <file path=ppt/theme/theme1.xml><?xml version="1.0" encoding="utf-8"?>
 <a:theme xmlns:a="http://schemas.openxmlformats.org/drawingml/2006/main" name="Office 테마">
   <a:themeElements>

--- a/assets/form/matrix.pptx
+++ b/assets/form/matrix.pptx
@@ -13,6 +13,7 @@
     <p:sldId id="261" r:id="rId7"/>
     <p:sldId id="262" r:id="rId8"/>
     <p:sldId id="263" r:id="rId9"/>
+    <p:sldId id="264" r:id="rId10"/>
   </p:sldIdLst>
   <p:sldSz cx="12192000" cy="6858000"/>
   <p:notesSz cx="6858000" cy="9144000"/>
@@ -266,7 +267,7 @@
           <a:p>
             <a:fld id="{C33B33F7-DDCE-4A4A-93D2-3E7ADEC868BC}" type="datetimeFigureOut">
               <a:rPr lang="ko-KR" altLang="en-US" smtClean="0"/>
-              <a:t>2019-08-02</a:t>
+              <a:t>2019-08-25</a:t>
             </a:fld>
             <a:endParaRPr lang="ko-KR" altLang="en-US" dirty="0"/>
           </a:p>
@@ -464,7 +465,7 @@
           <a:p>
             <a:fld id="{C33B33F7-DDCE-4A4A-93D2-3E7ADEC868BC}" type="datetimeFigureOut">
               <a:rPr lang="ko-KR" altLang="en-US" smtClean="0"/>
-              <a:t>2019-08-02</a:t>
+              <a:t>2019-08-25</a:t>
             </a:fld>
             <a:endParaRPr lang="ko-KR" altLang="en-US" dirty="0"/>
           </a:p>
@@ -672,7 +673,7 @@
           <a:p>
             <a:fld id="{C33B33F7-DDCE-4A4A-93D2-3E7ADEC868BC}" type="datetimeFigureOut">
               <a:rPr lang="ko-KR" altLang="en-US" smtClean="0"/>
-              <a:t>2019-08-02</a:t>
+              <a:t>2019-08-25</a:t>
             </a:fld>
             <a:endParaRPr lang="ko-KR" altLang="en-US" dirty="0"/>
           </a:p>
@@ -870,7 +871,7 @@
           <a:p>
             <a:fld id="{C33B33F7-DDCE-4A4A-93D2-3E7ADEC868BC}" type="datetimeFigureOut">
               <a:rPr lang="ko-KR" altLang="en-US" smtClean="0"/>
-              <a:t>2019-08-02</a:t>
+              <a:t>2019-08-25</a:t>
             </a:fld>
             <a:endParaRPr lang="ko-KR" altLang="en-US" dirty="0"/>
           </a:p>
@@ -1145,7 +1146,7 @@
           <a:p>
             <a:fld id="{C33B33F7-DDCE-4A4A-93D2-3E7ADEC868BC}" type="datetimeFigureOut">
               <a:rPr lang="ko-KR" altLang="en-US" smtClean="0"/>
-              <a:t>2019-08-02</a:t>
+              <a:t>2019-08-25</a:t>
             </a:fld>
             <a:endParaRPr lang="ko-KR" altLang="en-US" dirty="0"/>
           </a:p>
@@ -1410,7 +1411,7 @@
           <a:p>
             <a:fld id="{C33B33F7-DDCE-4A4A-93D2-3E7ADEC868BC}" type="datetimeFigureOut">
               <a:rPr lang="ko-KR" altLang="en-US" smtClean="0"/>
-              <a:t>2019-08-02</a:t>
+              <a:t>2019-08-25</a:t>
             </a:fld>
             <a:endParaRPr lang="ko-KR" altLang="en-US" dirty="0"/>
           </a:p>
@@ -1822,7 +1823,7 @@
           <a:p>
             <a:fld id="{C33B33F7-DDCE-4A4A-93D2-3E7ADEC868BC}" type="datetimeFigureOut">
               <a:rPr lang="ko-KR" altLang="en-US" smtClean="0"/>
-              <a:t>2019-08-02</a:t>
+              <a:t>2019-08-25</a:t>
             </a:fld>
             <a:endParaRPr lang="ko-KR" altLang="en-US" dirty="0"/>
           </a:p>
@@ -1963,7 +1964,7 @@
           <a:p>
             <a:fld id="{C33B33F7-DDCE-4A4A-93D2-3E7ADEC868BC}" type="datetimeFigureOut">
               <a:rPr lang="ko-KR" altLang="en-US" smtClean="0"/>
-              <a:t>2019-08-02</a:t>
+              <a:t>2019-08-25</a:t>
             </a:fld>
             <a:endParaRPr lang="ko-KR" altLang="en-US" dirty="0"/>
           </a:p>
@@ -2076,7 +2077,7 @@
           <a:p>
             <a:fld id="{C33B33F7-DDCE-4A4A-93D2-3E7ADEC868BC}" type="datetimeFigureOut">
               <a:rPr lang="ko-KR" altLang="en-US" smtClean="0"/>
-              <a:t>2019-08-02</a:t>
+              <a:t>2019-08-25</a:t>
             </a:fld>
             <a:endParaRPr lang="ko-KR" altLang="en-US" dirty="0"/>
           </a:p>
@@ -2387,7 +2388,7 @@
           <a:p>
             <a:fld id="{C33B33F7-DDCE-4A4A-93D2-3E7ADEC868BC}" type="datetimeFigureOut">
               <a:rPr lang="ko-KR" altLang="en-US" smtClean="0"/>
-              <a:t>2019-08-02</a:t>
+              <a:t>2019-08-25</a:t>
             </a:fld>
             <a:endParaRPr lang="ko-KR" altLang="en-US" dirty="0"/>
           </a:p>
@@ -2675,7 +2676,7 @@
           <a:p>
             <a:fld id="{C33B33F7-DDCE-4A4A-93D2-3E7ADEC868BC}" type="datetimeFigureOut">
               <a:rPr lang="ko-KR" altLang="en-US" smtClean="0"/>
-              <a:t>2019-08-02</a:t>
+              <a:t>2019-08-25</a:t>
             </a:fld>
             <a:endParaRPr lang="ko-KR" altLang="en-US" dirty="0"/>
           </a:p>
@@ -2916,7 +2917,7 @@
           <a:p>
             <a:fld id="{C33B33F7-DDCE-4A4A-93D2-3E7ADEC868BC}" type="datetimeFigureOut">
               <a:rPr lang="ko-KR" altLang="en-US" smtClean="0"/>
-              <a:t>2019-08-02</a:t>
+              <a:t>2019-08-25</a:t>
             </a:fld>
             <a:endParaRPr lang="ko-KR" altLang="en-US" dirty="0"/>
           </a:p>
@@ -37823,6 +37824,327 @@
 </p:sld>
 </file>
 
+<file path=ppt/slides/slide9.xml><?xml version="1.0" encoding="utf-8"?>
+<p:sld xmlns:a="http://schemas.openxmlformats.org/drawingml/2006/main" xmlns:r="http://schemas.openxmlformats.org/officeDocument/2006/relationships" xmlns:p="http://schemas.openxmlformats.org/presentationml/2006/main">
+  <p:cSld>
+    <p:spTree>
+      <p:nvGrpSpPr>
+        <p:cNvPr id="1" name=""/>
+        <p:cNvGrpSpPr/>
+        <p:nvPr/>
+      </p:nvGrpSpPr>
+      <p:grpSpPr>
+        <a:xfrm>
+          <a:off x="0" y="0"/>
+          <a:ext cx="0" cy="0"/>
+          <a:chOff x="0" y="0"/>
+          <a:chExt cx="0" cy="0"/>
+        </a:xfrm>
+      </p:grpSpPr>
+      <p:sp>
+        <p:nvSpPr>
+          <p:cNvPr id="4" name="사각형: 둥근 모서리 3">
+            <a:extLst>
+              <a:ext uri="{FF2B5EF4-FFF2-40B4-BE49-F238E27FC236}">
+                <a16:creationId xmlns:a16="http://schemas.microsoft.com/office/drawing/2014/main" id="{533381B9-21C8-48D8-92C0-D41856319DCC}"/>
+              </a:ext>
+            </a:extLst>
+          </p:cNvPr>
+          <p:cNvSpPr/>
+          <p:nvPr/>
+        </p:nvSpPr>
+        <p:spPr>
+          <a:xfrm>
+            <a:off x="571500" y="1076325"/>
+            <a:ext cx="1676400" cy="2047875"/>
+          </a:xfrm>
+          <a:prstGeom prst="roundRect">
+            <a:avLst/>
+          </a:prstGeom>
+          <a:noFill/>
+          <a:ln w="19050">
+            <a:solidFill>
+              <a:schemeClr val="tx1"/>
+            </a:solidFill>
+          </a:ln>
+        </p:spPr>
+        <p:style>
+          <a:lnRef idx="2">
+            <a:schemeClr val="accent1">
+              <a:shade val="50000"/>
+            </a:schemeClr>
+          </a:lnRef>
+          <a:fillRef idx="1">
+            <a:schemeClr val="accent1"/>
+          </a:fillRef>
+          <a:effectRef idx="0">
+            <a:schemeClr val="accent1"/>
+          </a:effectRef>
+          <a:fontRef idx="minor">
+            <a:schemeClr val="lt1"/>
+          </a:fontRef>
+        </p:style>
+        <p:txBody>
+          <a:bodyPr rtlCol="0" anchor="ctr"/>
+          <a:lstStyle/>
+          <a:p>
+            <a:r>
+              <a:rPr lang="en-US" altLang="ko-KR" dirty="0">
+                <a:solidFill>
+                  <a:schemeClr val="accent1">
+                    <a:lumMod val="75000"/>
+                  </a:schemeClr>
+                </a:solidFill>
+              </a:rPr>
+              <a:t>String</a:t>
+            </a:r>
+            <a:r>
+              <a:rPr lang="ko-KR" altLang="en-US" dirty="0">
+                <a:solidFill>
+                  <a:schemeClr val="tx1"/>
+                </a:solidFill>
+              </a:rPr>
+              <a:t> </a:t>
+            </a:r>
+            <a:r>
+              <a:rPr lang="en-US" altLang="ko-KR" dirty="0">
+                <a:solidFill>
+                  <a:schemeClr val="tx1"/>
+                </a:solidFill>
+              </a:rPr>
+              <a:t>name;</a:t>
+            </a:r>
+          </a:p>
+          <a:p>
+            <a:r>
+              <a:rPr lang="en-US" altLang="ko-KR" dirty="0">
+                <a:solidFill>
+                  <a:schemeClr val="accent2">
+                    <a:lumMod val="75000"/>
+                  </a:schemeClr>
+                </a:solidFill>
+              </a:rPr>
+              <a:t>int</a:t>
+            </a:r>
+            <a:r>
+              <a:rPr lang="en-US" altLang="ko-KR" dirty="0">
+                <a:solidFill>
+                  <a:schemeClr val="tx1"/>
+                </a:solidFill>
+              </a:rPr>
+              <a:t> age;</a:t>
+            </a:r>
+          </a:p>
+          <a:p>
+            <a:r>
+              <a:rPr lang="en-US" altLang="ko-KR" dirty="0">
+                <a:solidFill>
+                  <a:schemeClr val="tx1"/>
+                </a:solidFill>
+              </a:rPr>
+              <a:t>--------------</a:t>
+            </a:r>
+          </a:p>
+          <a:p>
+            <a:r>
+              <a:rPr lang="en-US" altLang="ko-KR" dirty="0">
+                <a:solidFill>
+                  <a:schemeClr val="accent2">
+                    <a:lumMod val="75000"/>
+                  </a:schemeClr>
+                </a:solidFill>
+              </a:rPr>
+              <a:t>void</a:t>
+            </a:r>
+            <a:r>
+              <a:rPr lang="en-US" altLang="ko-KR" dirty="0">
+                <a:solidFill>
+                  <a:schemeClr val="tx1"/>
+                </a:solidFill>
+              </a:rPr>
+              <a:t> speak();</a:t>
+            </a:r>
+          </a:p>
+          <a:p>
+            <a:r>
+              <a:rPr lang="en-US" altLang="ko-KR" dirty="0">
+                <a:solidFill>
+                  <a:schemeClr val="accent2">
+                    <a:lumMod val="75000"/>
+                  </a:schemeClr>
+                </a:solidFill>
+              </a:rPr>
+              <a:t>void</a:t>
+            </a:r>
+            <a:r>
+              <a:rPr lang="en-US" altLang="ko-KR" dirty="0">
+                <a:solidFill>
+                  <a:schemeClr val="tx1"/>
+                </a:solidFill>
+              </a:rPr>
+              <a:t> eat();</a:t>
+            </a:r>
+          </a:p>
+          <a:p>
+            <a:r>
+              <a:rPr lang="en-US" altLang="ko-KR" dirty="0">
+                <a:solidFill>
+                  <a:schemeClr val="accent2">
+                    <a:lumMod val="75000"/>
+                  </a:schemeClr>
+                </a:solidFill>
+              </a:rPr>
+              <a:t>void</a:t>
+            </a:r>
+            <a:r>
+              <a:rPr lang="en-US" altLang="ko-KR" dirty="0">
+                <a:solidFill>
+                  <a:schemeClr val="tx1"/>
+                </a:solidFill>
+              </a:rPr>
+              <a:t> study();</a:t>
+            </a:r>
+            <a:endParaRPr lang="ko-KR" altLang="en-US" dirty="0">
+              <a:solidFill>
+                <a:schemeClr val="tx1"/>
+              </a:solidFill>
+            </a:endParaRPr>
+          </a:p>
+        </p:txBody>
+      </p:sp>
+      <p:sp>
+        <p:nvSpPr>
+          <p:cNvPr id="5" name="TextBox 4">
+            <a:extLst>
+              <a:ext uri="{FF2B5EF4-FFF2-40B4-BE49-F238E27FC236}">
+                <a16:creationId xmlns:a16="http://schemas.microsoft.com/office/drawing/2014/main" id="{704C6116-8940-4D68-BA8D-211FF36835DD}"/>
+              </a:ext>
+            </a:extLst>
+          </p:cNvPr>
+          <p:cNvSpPr txBox="1"/>
+          <p:nvPr/>
+        </p:nvSpPr>
+        <p:spPr>
+          <a:xfrm>
+            <a:off x="1133475" y="768548"/>
+            <a:ext cx="543739" cy="307777"/>
+          </a:xfrm>
+          <a:prstGeom prst="rect">
+            <a:avLst/>
+          </a:prstGeom>
+          <a:noFill/>
+        </p:spPr>
+        <p:txBody>
+          <a:bodyPr wrap="none" rtlCol="0">
+            <a:spAutoFit/>
+          </a:bodyPr>
+          <a:lstStyle/>
+          <a:p>
+            <a:r>
+              <a:rPr lang="ko-KR" altLang="en-US" sz="1400" b="1" dirty="0"/>
+              <a:t>객체</a:t>
+            </a:r>
+          </a:p>
+        </p:txBody>
+      </p:sp>
+      <p:sp>
+        <p:nvSpPr>
+          <p:cNvPr id="6" name="TextBox 5">
+            <a:extLst>
+              <a:ext uri="{FF2B5EF4-FFF2-40B4-BE49-F238E27FC236}">
+                <a16:creationId xmlns:a16="http://schemas.microsoft.com/office/drawing/2014/main" id="{E0914DFB-96FB-4070-A5E8-A91296F2F73E}"/>
+              </a:ext>
+            </a:extLst>
+          </p:cNvPr>
+          <p:cNvSpPr txBox="1"/>
+          <p:nvPr/>
+        </p:nvSpPr>
+        <p:spPr>
+          <a:xfrm>
+            <a:off x="2228664" y="1521023"/>
+            <a:ext cx="923651" cy="276999"/>
+          </a:xfrm>
+          <a:prstGeom prst="rect">
+            <a:avLst/>
+          </a:prstGeom>
+          <a:noFill/>
+        </p:spPr>
+        <p:txBody>
+          <a:bodyPr wrap="none" rtlCol="0">
+            <a:spAutoFit/>
+          </a:bodyPr>
+          <a:lstStyle/>
+          <a:p>
+            <a:pPr algn="ctr"/>
+            <a:r>
+              <a:rPr lang="ko-KR" altLang="en-US" sz="1200" b="1" dirty="0"/>
+              <a:t>필드</a:t>
+            </a:r>
+            <a:r>
+              <a:rPr lang="en-US" altLang="ko-KR" sz="1200" b="1" dirty="0"/>
+              <a:t>(field)</a:t>
+            </a:r>
+            <a:endParaRPr lang="ko-KR" altLang="en-US" sz="1200" b="1" dirty="0"/>
+          </a:p>
+        </p:txBody>
+      </p:sp>
+      <p:sp>
+        <p:nvSpPr>
+          <p:cNvPr id="7" name="TextBox 6">
+            <a:extLst>
+              <a:ext uri="{FF2B5EF4-FFF2-40B4-BE49-F238E27FC236}">
+                <a16:creationId xmlns:a16="http://schemas.microsoft.com/office/drawing/2014/main" id="{5B0DDAB4-7FF7-45D6-A108-827C42581F8C}"/>
+              </a:ext>
+            </a:extLst>
+          </p:cNvPr>
+          <p:cNvSpPr txBox="1"/>
+          <p:nvPr/>
+        </p:nvSpPr>
+        <p:spPr>
+          <a:xfrm>
+            <a:off x="2227061" y="2330648"/>
+            <a:ext cx="864339" cy="461665"/>
+          </a:xfrm>
+          <a:prstGeom prst="rect">
+            <a:avLst/>
+          </a:prstGeom>
+          <a:noFill/>
+        </p:spPr>
+        <p:txBody>
+          <a:bodyPr wrap="none" rtlCol="0">
+            <a:spAutoFit/>
+          </a:bodyPr>
+          <a:lstStyle/>
+          <a:p>
+            <a:pPr algn="ctr"/>
+            <a:r>
+              <a:rPr lang="ko-KR" altLang="en-US" sz="1200" b="1" dirty="0"/>
+              <a:t>메소드</a:t>
+            </a:r>
+            <a:br>
+              <a:rPr lang="en-US" altLang="ko-KR" sz="1200" b="1" dirty="0"/>
+            </a:br>
+            <a:r>
+              <a:rPr lang="en-US" altLang="ko-KR" sz="1200" b="1" dirty="0"/>
+              <a:t>(method)</a:t>
+            </a:r>
+            <a:endParaRPr lang="ko-KR" altLang="en-US" sz="1200" b="1" dirty="0"/>
+          </a:p>
+        </p:txBody>
+      </p:sp>
+    </p:spTree>
+    <p:extLst>
+      <p:ext uri="{BB962C8B-B14F-4D97-AF65-F5344CB8AC3E}">
+        <p14:creationId xmlns:p14="http://schemas.microsoft.com/office/powerpoint/2010/main" val="906225545"/>
+      </p:ext>
+    </p:extLst>
+  </p:cSld>
+  <p:clrMapOvr>
+    <a:masterClrMapping/>
+  </p:clrMapOvr>
+</p:sld>
+</file>
+
 <file path=ppt/theme/theme1.xml><?xml version="1.0" encoding="utf-8"?>
 <a:theme xmlns:a="http://schemas.openxmlformats.org/drawingml/2006/main" name="Office 테마">
   <a:themeElements>

--- a/assets/form/matrix.pptx
+++ b/assets/form/matrix.pptx
@@ -23,6 +23,7 @@
     <p:sldId id="268" r:id="rId20"/>
     <p:sldId id="269" r:id="rId21"/>
     <p:sldId id="270" r:id="rId22"/>
+    <p:sldId id="271" r:id="rId23"/>
   </p:sldIdLst>
   <p:sldSz cx="12192000" cy="6858000"/>
   <p:notesSz cx="6858000" cy="9144000"/>
@@ -77,10 +78,10 @@
         </a:solidFill>
         <a:effectLst/>
         <a:uFillTx/>
-        <a:latin typeface="+mj-lt"/>
-        <a:ea typeface="+mj-ea"/>
-        <a:cs typeface="+mj-cs"/>
-        <a:sym typeface="Helvetica"/>
+        <a:latin typeface="+mn-lt"/>
+        <a:ea typeface="+mn-ea"/>
+        <a:cs typeface="+mn-cs"/>
+        <a:sym typeface="맑은 고딕"/>
       </a:defRPr>
     </a:lvl1pPr>
     <a:lvl2pPr marL="0" marR="0" indent="0" algn="l" defTabSz="914400" rtl="0" fontAlgn="auto" latinLnBrk="0" hangingPunct="0">
@@ -107,10 +108,10 @@
         </a:solidFill>
         <a:effectLst/>
         <a:uFillTx/>
-        <a:latin typeface="+mj-lt"/>
-        <a:ea typeface="+mj-ea"/>
-        <a:cs typeface="+mj-cs"/>
-        <a:sym typeface="Helvetica"/>
+        <a:latin typeface="+mn-lt"/>
+        <a:ea typeface="+mn-ea"/>
+        <a:cs typeface="+mn-cs"/>
+        <a:sym typeface="맑은 고딕"/>
       </a:defRPr>
     </a:lvl2pPr>
     <a:lvl3pPr marL="0" marR="0" indent="0" algn="l" defTabSz="914400" rtl="0" fontAlgn="auto" latinLnBrk="0" hangingPunct="0">
@@ -137,10 +138,10 @@
         </a:solidFill>
         <a:effectLst/>
         <a:uFillTx/>
-        <a:latin typeface="+mj-lt"/>
-        <a:ea typeface="+mj-ea"/>
-        <a:cs typeface="+mj-cs"/>
-        <a:sym typeface="Helvetica"/>
+        <a:latin typeface="+mn-lt"/>
+        <a:ea typeface="+mn-ea"/>
+        <a:cs typeface="+mn-cs"/>
+        <a:sym typeface="맑은 고딕"/>
       </a:defRPr>
     </a:lvl3pPr>
     <a:lvl4pPr marL="0" marR="0" indent="0" algn="l" defTabSz="914400" rtl="0" fontAlgn="auto" latinLnBrk="0" hangingPunct="0">
@@ -167,10 +168,10 @@
         </a:solidFill>
         <a:effectLst/>
         <a:uFillTx/>
-        <a:latin typeface="+mj-lt"/>
-        <a:ea typeface="+mj-ea"/>
-        <a:cs typeface="+mj-cs"/>
-        <a:sym typeface="Helvetica"/>
+        <a:latin typeface="+mn-lt"/>
+        <a:ea typeface="+mn-ea"/>
+        <a:cs typeface="+mn-cs"/>
+        <a:sym typeface="맑은 고딕"/>
       </a:defRPr>
     </a:lvl4pPr>
     <a:lvl5pPr marL="0" marR="0" indent="0" algn="l" defTabSz="914400" rtl="0" fontAlgn="auto" latinLnBrk="0" hangingPunct="0">
@@ -197,10 +198,10 @@
         </a:solidFill>
         <a:effectLst/>
         <a:uFillTx/>
-        <a:latin typeface="+mj-lt"/>
-        <a:ea typeface="+mj-ea"/>
-        <a:cs typeface="+mj-cs"/>
-        <a:sym typeface="Helvetica"/>
+        <a:latin typeface="+mn-lt"/>
+        <a:ea typeface="+mn-ea"/>
+        <a:cs typeface="+mn-cs"/>
+        <a:sym typeface="맑은 고딕"/>
       </a:defRPr>
     </a:lvl5pPr>
     <a:lvl6pPr marL="0" marR="0" indent="0" algn="l" defTabSz="914400" rtl="0" fontAlgn="auto" latinLnBrk="0" hangingPunct="0">
@@ -227,10 +228,10 @@
         </a:solidFill>
         <a:effectLst/>
         <a:uFillTx/>
-        <a:latin typeface="+mj-lt"/>
-        <a:ea typeface="+mj-ea"/>
-        <a:cs typeface="+mj-cs"/>
-        <a:sym typeface="Helvetica"/>
+        <a:latin typeface="+mn-lt"/>
+        <a:ea typeface="+mn-ea"/>
+        <a:cs typeface="+mn-cs"/>
+        <a:sym typeface="맑은 고딕"/>
       </a:defRPr>
     </a:lvl6pPr>
     <a:lvl7pPr marL="0" marR="0" indent="0" algn="l" defTabSz="914400" rtl="0" fontAlgn="auto" latinLnBrk="0" hangingPunct="0">
@@ -257,10 +258,10 @@
         </a:solidFill>
         <a:effectLst/>
         <a:uFillTx/>
-        <a:latin typeface="+mj-lt"/>
-        <a:ea typeface="+mj-ea"/>
-        <a:cs typeface="+mj-cs"/>
-        <a:sym typeface="Helvetica"/>
+        <a:latin typeface="+mn-lt"/>
+        <a:ea typeface="+mn-ea"/>
+        <a:cs typeface="+mn-cs"/>
+        <a:sym typeface="맑은 고딕"/>
       </a:defRPr>
     </a:lvl7pPr>
     <a:lvl8pPr marL="0" marR="0" indent="0" algn="l" defTabSz="914400" rtl="0" fontAlgn="auto" latinLnBrk="0" hangingPunct="0">
@@ -287,10 +288,10 @@
         </a:solidFill>
         <a:effectLst/>
         <a:uFillTx/>
-        <a:latin typeface="+mj-lt"/>
-        <a:ea typeface="+mj-ea"/>
-        <a:cs typeface="+mj-cs"/>
-        <a:sym typeface="Helvetica"/>
+        <a:latin typeface="+mn-lt"/>
+        <a:ea typeface="+mn-ea"/>
+        <a:cs typeface="+mn-cs"/>
+        <a:sym typeface="맑은 고딕"/>
       </a:defRPr>
     </a:lvl8pPr>
     <a:lvl9pPr marL="0" marR="0" indent="0" algn="l" defTabSz="914400" rtl="0" fontAlgn="auto" latinLnBrk="0" hangingPunct="0">
@@ -317,10 +318,10 @@
         </a:solidFill>
         <a:effectLst/>
         <a:uFillTx/>
-        <a:latin typeface="+mj-lt"/>
-        <a:ea typeface="+mj-ea"/>
-        <a:cs typeface="+mj-cs"/>
-        <a:sym typeface="Helvetica"/>
+        <a:latin typeface="+mn-lt"/>
+        <a:ea typeface="+mn-ea"/>
+        <a:cs typeface="+mn-cs"/>
+        <a:sym typeface="맑은 고딕"/>
       </a:defRPr>
     </a:lvl9pPr>
   </p:defaultTextStyle>
@@ -538,7 +539,7 @@
         <p:spPr>
           <a:xfrm>
             <a:off x="1524000" y="3602037"/>
-            <a:ext cx="9144000" cy="1655768"/>
+            <a:ext cx="9144000" cy="1655769"/>
           </a:xfrm>
           <a:prstGeom prst="rect">
             <a:avLst/>
@@ -821,7 +822,7 @@
         <p:spPr>
           <a:xfrm>
             <a:off x="831850" y="4589462"/>
-            <a:ext cx="10515600" cy="1500193"/>
+            <a:ext cx="10515600" cy="1500194"/>
           </a:xfrm>
           <a:prstGeom prst="rect">
             <a:avLst/>
@@ -1124,7 +1125,7 @@
         <p:spPr>
           <a:xfrm>
             <a:off x="839787" y="1681163"/>
-            <a:ext cx="5157790" cy="823918"/>
+            <a:ext cx="5157790" cy="823919"/>
           </a:xfrm>
           <a:prstGeom prst="rect">
             <a:avLst/>
@@ -1500,7 +1501,7 @@
         <p:spPr>
           <a:xfrm>
             <a:off x="839783" y="2057400"/>
-            <a:ext cx="3932248" cy="3811588"/>
+            <a:ext cx="3932249" cy="3811588"/>
           </a:xfrm>
           <a:prstGeom prst="rect">
             <a:avLst/>
@@ -1869,8 +1870,8 @@
         </p:nvSpPr>
         <p:spPr>
           <a:xfrm>
-            <a:off x="11080151" y="6404294"/>
-            <a:ext cx="273653" cy="269237"/>
+            <a:off x="11080152" y="6404294"/>
+            <a:ext cx="273652" cy="269237"/>
           </a:xfrm>
           <a:prstGeom prst="rect">
             <a:avLst/>
@@ -1889,10 +1890,6 @@
                 <a:solidFill>
                   <a:srgbClr val="888888"/>
                 </a:solidFill>
-                <a:latin typeface="+mn-lt"/>
-                <a:ea typeface="+mn-ea"/>
-                <a:cs typeface="+mn-cs"/>
-                <a:sym typeface="맑은 고딕"/>
               </a:defRPr>
             </a:lvl1pPr>
           </a:lstStyle>
@@ -6297,7 +6294,7 @@
         </p:nvGraphicFramePr>
         <p:xfrm>
           <a:off x="4026320" y="1954103"/>
-          <a:ext cx="990730" cy="697236"/>
+          <a:ext cx="990731" cy="697236"/>
         </p:xfrm>
         <a:graphic xmlns:a="http://schemas.openxmlformats.org/drawingml/2006/main">
           <a:graphicData uri="http://schemas.openxmlformats.org/drawingml/2006/table">
@@ -6467,7 +6464,7 @@
         </p:nvGraphicFramePr>
         <p:xfrm>
           <a:off x="5259682" y="1954103"/>
-          <a:ext cx="990731" cy="697236"/>
+          <a:ext cx="990732" cy="697236"/>
         </p:xfrm>
         <a:graphic xmlns:a="http://schemas.openxmlformats.org/drawingml/2006/main">
           <a:graphicData uri="http://schemas.openxmlformats.org/drawingml/2006/table">
@@ -6637,7 +6634,7 @@
         </p:nvGraphicFramePr>
         <p:xfrm>
           <a:off x="6493047" y="1954103"/>
-          <a:ext cx="990730" cy="697236"/>
+          <a:ext cx="990731" cy="697236"/>
         </p:xfrm>
         <a:graphic xmlns:a="http://schemas.openxmlformats.org/drawingml/2006/main">
           <a:graphicData uri="http://schemas.openxmlformats.org/drawingml/2006/table">
@@ -8526,7 +8523,7 @@
         </p:nvGraphicFramePr>
         <p:xfrm>
           <a:off x="5845845" y="3001853"/>
-          <a:ext cx="990730" cy="697236"/>
+          <a:ext cx="990731" cy="697236"/>
         </p:xfrm>
         <a:graphic xmlns:a="http://schemas.openxmlformats.org/drawingml/2006/main">
           <a:graphicData uri="http://schemas.openxmlformats.org/drawingml/2006/table">
@@ -8702,7 +8699,7 @@
         </p:nvGraphicFramePr>
         <p:xfrm>
           <a:off x="4676773" y="3001853"/>
-          <a:ext cx="926438" cy="697236"/>
+          <a:ext cx="926439" cy="697236"/>
         </p:xfrm>
         <a:graphic xmlns:a="http://schemas.openxmlformats.org/drawingml/2006/main">
           <a:graphicData uri="http://schemas.openxmlformats.org/drawingml/2006/table">
@@ -8886,7 +8883,7 @@
         </p:nvGraphicFramePr>
         <p:xfrm>
           <a:off x="5845845" y="3804284"/>
-          <a:ext cx="990730" cy="697236"/>
+          <a:ext cx="990731" cy="697237"/>
         </p:xfrm>
         <a:graphic xmlns:a="http://schemas.openxmlformats.org/drawingml/2006/main">
           <a:graphicData uri="http://schemas.openxmlformats.org/drawingml/2006/table">
@@ -9062,7 +9059,7 @@
         </p:nvGraphicFramePr>
         <p:xfrm>
           <a:off x="4676773" y="3804284"/>
-          <a:ext cx="926438" cy="697236"/>
+          <a:ext cx="926439" cy="697237"/>
         </p:xfrm>
         <a:graphic xmlns:a="http://schemas.openxmlformats.org/drawingml/2006/main">
           <a:graphicData uri="http://schemas.openxmlformats.org/drawingml/2006/table">
@@ -9217,7 +9214,7 @@
         <p:spPr>
           <a:xfrm>
             <a:off x="5603206" y="4307628"/>
-            <a:ext cx="242643" cy="6"/>
+            <a:ext cx="242643" cy="7"/>
           </a:xfrm>
           <a:prstGeom prst="line">
             <a:avLst/>
@@ -9246,7 +9243,7 @@
         </p:nvGraphicFramePr>
         <p:xfrm>
           <a:off x="5845845" y="628754"/>
-          <a:ext cx="990730" cy="697236"/>
+          <a:ext cx="990731" cy="697236"/>
         </p:xfrm>
         <a:graphic xmlns:a="http://schemas.openxmlformats.org/drawingml/2006/main">
           <a:graphicData uri="http://schemas.openxmlformats.org/drawingml/2006/table">
@@ -9422,7 +9419,7 @@
         </p:nvGraphicFramePr>
         <p:xfrm>
           <a:off x="4676773" y="628754"/>
-          <a:ext cx="926438" cy="697236"/>
+          <a:ext cx="926439" cy="697236"/>
         </p:xfrm>
         <a:graphic xmlns:a="http://schemas.openxmlformats.org/drawingml/2006/main">
           <a:graphicData uri="http://schemas.openxmlformats.org/drawingml/2006/table">
@@ -9577,7 +9574,7 @@
         <p:spPr>
           <a:xfrm>
             <a:off x="5603206" y="1132099"/>
-            <a:ext cx="242643" cy="6"/>
+            <a:ext cx="242643" cy="7"/>
           </a:xfrm>
           <a:prstGeom prst="line">
             <a:avLst/>
@@ -9606,7 +9603,7 @@
         </p:nvGraphicFramePr>
         <p:xfrm>
           <a:off x="5845845" y="1431182"/>
-          <a:ext cx="990730" cy="697236"/>
+          <a:ext cx="990731" cy="697237"/>
         </p:xfrm>
         <a:graphic xmlns:a="http://schemas.openxmlformats.org/drawingml/2006/main">
           <a:graphicData uri="http://schemas.openxmlformats.org/drawingml/2006/table">
@@ -9782,7 +9779,7 @@
         </p:nvGraphicFramePr>
         <p:xfrm>
           <a:off x="4676773" y="1431182"/>
-          <a:ext cx="926438" cy="697236"/>
+          <a:ext cx="926439" cy="697237"/>
         </p:xfrm>
         <a:graphic xmlns:a="http://schemas.openxmlformats.org/drawingml/2006/main">
           <a:graphicData uri="http://schemas.openxmlformats.org/drawingml/2006/table">
@@ -9937,7 +9934,7 @@
         <p:spPr>
           <a:xfrm>
             <a:off x="5603206" y="1934528"/>
-            <a:ext cx="242643" cy="6"/>
+            <a:ext cx="242643" cy="7"/>
           </a:xfrm>
           <a:prstGeom prst="line">
             <a:avLst/>
@@ -9966,7 +9963,7 @@
         </p:nvGraphicFramePr>
         <p:xfrm>
           <a:off x="8248277" y="628754"/>
-          <a:ext cx="990730" cy="697236"/>
+          <a:ext cx="990731" cy="697236"/>
         </p:xfrm>
         <a:graphic xmlns:a="http://schemas.openxmlformats.org/drawingml/2006/main">
           <a:graphicData uri="http://schemas.openxmlformats.org/drawingml/2006/table">
@@ -10142,7 +10139,7 @@
         </p:nvGraphicFramePr>
         <p:xfrm>
           <a:off x="7079208" y="628754"/>
-          <a:ext cx="926438" cy="697236"/>
+          <a:ext cx="926439" cy="697236"/>
         </p:xfrm>
         <a:graphic xmlns:a="http://schemas.openxmlformats.org/drawingml/2006/main">
           <a:graphicData uri="http://schemas.openxmlformats.org/drawingml/2006/table">
@@ -10296,7 +10293,7 @@
         </p:nvGraphicFramePr>
         <p:xfrm>
           <a:off x="8248277" y="1431182"/>
-          <a:ext cx="990730" cy="697236"/>
+          <a:ext cx="990731" cy="697237"/>
         </p:xfrm>
         <a:graphic xmlns:a="http://schemas.openxmlformats.org/drawingml/2006/main">
           <a:graphicData uri="http://schemas.openxmlformats.org/drawingml/2006/table">
@@ -10472,7 +10469,7 @@
         </p:nvGraphicFramePr>
         <p:xfrm>
           <a:off x="7079208" y="1431182"/>
-          <a:ext cx="926438" cy="697236"/>
+          <a:ext cx="926439" cy="697237"/>
         </p:xfrm>
         <a:graphic xmlns:a="http://schemas.openxmlformats.org/drawingml/2006/main">
           <a:graphicData uri="http://schemas.openxmlformats.org/drawingml/2006/table">
@@ -10627,7 +10624,7 @@
         <p:spPr>
           <a:xfrm>
             <a:off x="8005640" y="2025013"/>
-            <a:ext cx="242643" cy="6"/>
+            <a:ext cx="242643" cy="7"/>
           </a:xfrm>
           <a:prstGeom prst="line">
             <a:avLst/>
@@ -10657,7 +10654,7 @@
         <p:spPr>
           <a:xfrm>
             <a:off x="8005640" y="1187998"/>
-            <a:ext cx="71566" cy="6"/>
+            <a:ext cx="71567" cy="7"/>
           </a:xfrm>
           <a:prstGeom prst="line">
             <a:avLst/>
@@ -10686,7 +10683,7 @@
         <p:spPr>
           <a:xfrm flipH="1">
             <a:off x="8067674" y="1173586"/>
-            <a:ext cx="4769" cy="716406"/>
+            <a:ext cx="4770" cy="716407"/>
           </a:xfrm>
           <a:prstGeom prst="line">
             <a:avLst/>
@@ -10715,7 +10712,7 @@
         <p:spPr>
           <a:xfrm>
             <a:off x="8072435" y="1875600"/>
-            <a:ext cx="175848" cy="6"/>
+            <a:ext cx="175849" cy="7"/>
           </a:xfrm>
           <a:prstGeom prst="line">
             <a:avLst/>
@@ -10765,12 +10762,7 @@
           </a:bodyPr>
           <a:lstStyle>
             <a:lvl1pPr>
-              <a:defRPr sz="1200">
-                <a:latin typeface="+mn-lt"/>
-                <a:ea typeface="+mn-ea"/>
-                <a:cs typeface="+mn-cs"/>
-                <a:sym typeface="맑은 고딕"/>
-              </a:defRPr>
+              <a:defRPr sz="1200"/>
             </a:lvl1pPr>
           </a:lstStyle>
           <a:p>
@@ -10810,12 +10802,7 @@
           </a:bodyPr>
           <a:lstStyle>
             <a:lvl1pPr>
-              <a:defRPr sz="1200">
-                <a:latin typeface="+mn-lt"/>
-                <a:ea typeface="+mn-ea"/>
-                <a:cs typeface="+mn-cs"/>
-                <a:sym typeface="맑은 고딕"/>
-              </a:defRPr>
+              <a:defRPr sz="1200"/>
             </a:lvl1pPr>
           </a:lstStyle>
           <a:p>
@@ -10834,7 +10821,7 @@
         </p:nvGraphicFramePr>
         <p:xfrm>
           <a:off x="7079208" y="3001853"/>
-          <a:ext cx="926438" cy="697236"/>
+          <a:ext cx="926439" cy="697236"/>
         </p:xfrm>
         <a:graphic xmlns:a="http://schemas.openxmlformats.org/drawingml/2006/main">
           <a:graphicData uri="http://schemas.openxmlformats.org/drawingml/2006/table">
@@ -10988,7 +10975,7 @@
         </p:nvGraphicFramePr>
         <p:xfrm>
           <a:off x="8248277" y="3804284"/>
-          <a:ext cx="990730" cy="697236"/>
+          <a:ext cx="990731" cy="697237"/>
         </p:xfrm>
         <a:graphic xmlns:a="http://schemas.openxmlformats.org/drawingml/2006/main">
           <a:graphicData uri="http://schemas.openxmlformats.org/drawingml/2006/table">
@@ -11164,7 +11151,7 @@
         </p:nvGraphicFramePr>
         <p:xfrm>
           <a:off x="7079208" y="3804284"/>
-          <a:ext cx="926438" cy="697236"/>
+          <a:ext cx="926439" cy="697237"/>
         </p:xfrm>
         <a:graphic xmlns:a="http://schemas.openxmlformats.org/drawingml/2006/main">
           <a:graphicData uri="http://schemas.openxmlformats.org/drawingml/2006/table">
@@ -11319,7 +11306,7 @@
         <p:spPr>
           <a:xfrm>
             <a:off x="8005640" y="4398116"/>
-            <a:ext cx="242643" cy="6"/>
+            <a:ext cx="242643" cy="7"/>
           </a:xfrm>
           <a:prstGeom prst="line">
             <a:avLst/>
@@ -11349,7 +11336,7 @@
         <p:spPr>
           <a:xfrm>
             <a:off x="8005640" y="3561100"/>
-            <a:ext cx="71566" cy="6"/>
+            <a:ext cx="71567" cy="7"/>
           </a:xfrm>
           <a:prstGeom prst="line">
             <a:avLst/>
@@ -11378,7 +11365,7 @@
         <p:spPr>
           <a:xfrm flipH="1">
             <a:off x="8067674" y="3546685"/>
-            <a:ext cx="4769" cy="716407"/>
+            <a:ext cx="4770" cy="716408"/>
           </a:xfrm>
           <a:prstGeom prst="line">
             <a:avLst/>
@@ -11407,7 +11394,7 @@
         <p:spPr>
           <a:xfrm>
             <a:off x="8072435" y="4248701"/>
-            <a:ext cx="175848" cy="6"/>
+            <a:ext cx="175849" cy="7"/>
           </a:xfrm>
           <a:prstGeom prst="line">
             <a:avLst/>
@@ -11822,7 +11809,7 @@
         </p:nvGraphicFramePr>
         <p:xfrm>
           <a:off x="1416719" y="1525905"/>
-          <a:ext cx="1201726" cy="697236"/>
+          <a:ext cx="1201727" cy="697236"/>
         </p:xfrm>
         <a:graphic xmlns:a="http://schemas.openxmlformats.org/drawingml/2006/main">
           <a:graphicData uri="http://schemas.openxmlformats.org/drawingml/2006/table">
@@ -12153,7 +12140,7 @@
         <p:spPr>
           <a:xfrm>
             <a:off x="1174079" y="2029249"/>
-            <a:ext cx="242643" cy="6"/>
+            <a:ext cx="242643" cy="7"/>
           </a:xfrm>
           <a:prstGeom prst="line">
             <a:avLst/>
@@ -12182,7 +12169,7 @@
         </p:nvGraphicFramePr>
         <p:xfrm>
           <a:off x="1416719" y="2726476"/>
-          <a:ext cx="1201726" cy="697236"/>
+          <a:ext cx="1201727" cy="697236"/>
         </p:xfrm>
         <a:graphic xmlns:a="http://schemas.openxmlformats.org/drawingml/2006/main">
           <a:graphicData uri="http://schemas.openxmlformats.org/drawingml/2006/table">
@@ -12507,7 +12494,7 @@
         <p:spPr>
           <a:xfrm>
             <a:off x="1174079" y="3229822"/>
-            <a:ext cx="242643" cy="6"/>
+            <a:ext cx="242643" cy="7"/>
           </a:xfrm>
           <a:prstGeom prst="line">
             <a:avLst/>
@@ -12713,7 +12700,7 @@
         <p:spPr>
           <a:xfrm>
             <a:off x="2618439" y="3229822"/>
-            <a:ext cx="242643" cy="6"/>
+            <a:ext cx="242643" cy="7"/>
           </a:xfrm>
           <a:prstGeom prst="line">
             <a:avLst/>
@@ -12742,7 +12729,7 @@
         </p:nvGraphicFramePr>
         <p:xfrm>
           <a:off x="1416719" y="3927049"/>
-          <a:ext cx="1201726" cy="697237"/>
+          <a:ext cx="1201727" cy="697238"/>
         </p:xfrm>
         <a:graphic xmlns:a="http://schemas.openxmlformats.org/drawingml/2006/main">
           <a:graphicData uri="http://schemas.openxmlformats.org/drawingml/2006/table">
@@ -12912,7 +12899,7 @@
         </p:nvGraphicFramePr>
         <p:xfrm>
           <a:off x="247649" y="3927049"/>
-          <a:ext cx="926433" cy="697237"/>
+          <a:ext cx="926433" cy="697238"/>
         </p:xfrm>
         <a:graphic xmlns:a="http://schemas.openxmlformats.org/drawingml/2006/main">
           <a:graphicData uri="http://schemas.openxmlformats.org/drawingml/2006/table">
@@ -13067,7 +13054,7 @@
         <p:spPr>
           <a:xfrm>
             <a:off x="1174079" y="4430395"/>
-            <a:ext cx="242643" cy="6"/>
+            <a:ext cx="242643" cy="7"/>
           </a:xfrm>
           <a:prstGeom prst="line">
             <a:avLst/>
@@ -13096,7 +13083,7 @@
         </p:nvGraphicFramePr>
         <p:xfrm>
           <a:off x="2861074" y="3927049"/>
-          <a:ext cx="1201723" cy="697237"/>
+          <a:ext cx="1201723" cy="697238"/>
         </p:xfrm>
         <a:graphic xmlns:a="http://schemas.openxmlformats.org/drawingml/2006/main">
           <a:graphicData uri="http://schemas.openxmlformats.org/drawingml/2006/table">
@@ -13267,7 +13254,7 @@
         <p:spPr>
           <a:xfrm>
             <a:off x="2618439" y="4430395"/>
-            <a:ext cx="242643" cy="6"/>
+            <a:ext cx="242643" cy="7"/>
           </a:xfrm>
           <a:prstGeom prst="line">
             <a:avLst/>
@@ -13296,7 +13283,7 @@
         </p:nvGraphicFramePr>
         <p:xfrm>
           <a:off x="4305434" y="3927049"/>
-          <a:ext cx="1201726" cy="697237"/>
+          <a:ext cx="1201727" cy="697238"/>
         </p:xfrm>
         <a:graphic xmlns:a="http://schemas.openxmlformats.org/drawingml/2006/main">
           <a:graphicData uri="http://schemas.openxmlformats.org/drawingml/2006/table">
@@ -13473,7 +13460,7 @@
         <p:spPr>
           <a:xfrm>
             <a:off x="4062795" y="4430395"/>
-            <a:ext cx="242643" cy="6"/>
+            <a:ext cx="242643" cy="7"/>
           </a:xfrm>
           <a:prstGeom prst="line">
             <a:avLst/>
@@ -13502,7 +13489,7 @@
         </p:nvGraphicFramePr>
         <p:xfrm>
           <a:off x="1416719" y="5127623"/>
-          <a:ext cx="1201726" cy="697236"/>
+          <a:ext cx="1201727" cy="697237"/>
         </p:xfrm>
         <a:graphic xmlns:a="http://schemas.openxmlformats.org/drawingml/2006/main">
           <a:graphicData uri="http://schemas.openxmlformats.org/drawingml/2006/table">
@@ -13672,7 +13659,7 @@
         </p:nvGraphicFramePr>
         <p:xfrm>
           <a:off x="247649" y="5127623"/>
-          <a:ext cx="926433" cy="697236"/>
+          <a:ext cx="926433" cy="697237"/>
         </p:xfrm>
         <a:graphic xmlns:a="http://schemas.openxmlformats.org/drawingml/2006/main">
           <a:graphicData uri="http://schemas.openxmlformats.org/drawingml/2006/table">
@@ -13827,7 +13814,7 @@
         <p:spPr>
           <a:xfrm>
             <a:off x="1174079" y="5630967"/>
-            <a:ext cx="242643" cy="6"/>
+            <a:ext cx="242643" cy="7"/>
           </a:xfrm>
           <a:prstGeom prst="line">
             <a:avLst/>
@@ -13856,7 +13843,7 @@
         </p:nvGraphicFramePr>
         <p:xfrm>
           <a:off x="2861074" y="5127623"/>
-          <a:ext cx="1201723" cy="697236"/>
+          <a:ext cx="1201723" cy="697237"/>
         </p:xfrm>
         <a:graphic xmlns:a="http://schemas.openxmlformats.org/drawingml/2006/main">
           <a:graphicData uri="http://schemas.openxmlformats.org/drawingml/2006/table">
@@ -14027,7 +14014,7 @@
         <p:spPr>
           <a:xfrm>
             <a:off x="2618439" y="5630967"/>
-            <a:ext cx="242643" cy="6"/>
+            <a:ext cx="242643" cy="7"/>
           </a:xfrm>
           <a:prstGeom prst="line">
             <a:avLst/>
@@ -14056,7 +14043,7 @@
         </p:nvGraphicFramePr>
         <p:xfrm>
           <a:off x="4305434" y="5127623"/>
-          <a:ext cx="1201726" cy="697236"/>
+          <a:ext cx="1201727" cy="697237"/>
         </p:xfrm>
         <a:graphic xmlns:a="http://schemas.openxmlformats.org/drawingml/2006/main">
           <a:graphicData uri="http://schemas.openxmlformats.org/drawingml/2006/table">
@@ -14233,7 +14220,7 @@
         <p:spPr>
           <a:xfrm>
             <a:off x="4062795" y="5630967"/>
-            <a:ext cx="242643" cy="6"/>
+            <a:ext cx="242643" cy="7"/>
           </a:xfrm>
           <a:prstGeom prst="line">
             <a:avLst/>
@@ -14326,14 +14313,7 @@
             </a:bodyPr>
             <a:lstStyle/>
             <a:p>
-              <a:pPr>
-                <a:defRPr>
-                  <a:latin typeface="+mn-lt"/>
-                  <a:ea typeface="+mn-ea"/>
-                  <a:cs typeface="+mn-cs"/>
-                  <a:sym typeface="맑은 고딕"/>
-                </a:defRPr>
-              </a:pPr>
+              <a:pPr/>
             </a:p>
           </p:txBody>
         </p:sp>
@@ -14345,8 +14325,8 @@
           </p:nvSpPr>
           <p:spPr>
             <a:xfrm>
-              <a:off x="81832" y="140014"/>
-              <a:ext cx="1512739" cy="1767837"/>
+              <a:off x="81831" y="140013"/>
+              <a:ext cx="1512741" cy="1767837"/>
             </a:xfrm>
             <a:prstGeom prst="rect">
               <a:avLst/>
@@ -14374,10 +14354,6 @@
                   <a:solidFill>
                     <a:srgbClr val="2F5597"/>
                   </a:solidFill>
-                  <a:latin typeface="+mn-lt"/>
-                  <a:ea typeface="+mn-ea"/>
-                  <a:cs typeface="+mn-cs"/>
-                  <a:sym typeface="맑은 고딕"/>
                 </a:defRPr>
               </a:pPr>
               <a:r>
@@ -14403,10 +14379,6 @@
                   <a:solidFill>
                     <a:srgbClr val="C55A11"/>
                   </a:solidFill>
-                  <a:latin typeface="+mn-lt"/>
-                  <a:ea typeface="+mn-ea"/>
-                  <a:cs typeface="+mn-cs"/>
-                  <a:sym typeface="맑은 고딕"/>
                 </a:defRPr>
               </a:pPr>
               <a:r>
@@ -14427,14 +14399,7 @@
               </a:endParaRPr>
             </a:p>
             <a:p>
-              <a:pPr>
-                <a:defRPr>
-                  <a:latin typeface="+mn-lt"/>
-                  <a:ea typeface="+mn-ea"/>
-                  <a:cs typeface="+mn-cs"/>
-                  <a:sym typeface="맑은 고딕"/>
-                </a:defRPr>
-              </a:pPr>
+              <a:pPr/>
               <a:r>
                 <a:t>--------------</a:t>
               </a:r>
@@ -14450,10 +14415,6 @@
                   <a:solidFill>
                     <a:srgbClr val="C55A11"/>
                   </a:solidFill>
-                  <a:latin typeface="+mn-lt"/>
-                  <a:ea typeface="+mn-ea"/>
-                  <a:cs typeface="+mn-cs"/>
-                  <a:sym typeface="맑은 고딕"/>
                 </a:defRPr>
               </a:pPr>
               <a:r>
@@ -14479,10 +14440,6 @@
                   <a:solidFill>
                     <a:srgbClr val="C55A11"/>
                   </a:solidFill>
-                  <a:latin typeface="+mn-lt"/>
-                  <a:ea typeface="+mn-ea"/>
-                  <a:cs typeface="+mn-cs"/>
-                  <a:sym typeface="맑은 고딕"/>
                 </a:defRPr>
               </a:pPr>
               <a:r>
@@ -14508,10 +14465,6 @@
                   <a:solidFill>
                     <a:srgbClr val="C55A11"/>
                   </a:solidFill>
-                  <a:latin typeface="+mn-lt"/>
-                  <a:ea typeface="+mn-ea"/>
-                  <a:cs typeface="+mn-cs"/>
-                  <a:sym typeface="맑은 고딕"/>
                 </a:defRPr>
               </a:pPr>
               <a:r>
@@ -14558,12 +14511,7 @@
           </a:bodyPr>
           <a:lstStyle>
             <a:lvl1pPr>
-              <a:defRPr b="1" sz="1400">
-                <a:latin typeface="+mn-lt"/>
-                <a:ea typeface="+mn-ea"/>
-                <a:cs typeface="+mn-cs"/>
-                <a:sym typeface="맑은 고딕"/>
-              </a:defRPr>
+              <a:defRPr b="1" sz="1400"/>
             </a:lvl1pPr>
           </a:lstStyle>
           <a:p>
@@ -14603,12 +14551,7 @@
           </a:bodyPr>
           <a:lstStyle>
             <a:lvl1pPr algn="ctr">
-              <a:defRPr b="1" sz="1200">
-                <a:latin typeface="+mn-lt"/>
-                <a:ea typeface="+mn-ea"/>
-                <a:cs typeface="+mn-cs"/>
-                <a:sym typeface="맑은 고딕"/>
-              </a:defRPr>
+              <a:defRPr b="1" sz="1200"/>
             </a:lvl1pPr>
           </a:lstStyle>
           <a:p>
@@ -14649,12 +14592,7 @@
           <a:lstStyle/>
           <a:p>
             <a:pPr algn="ctr">
-              <a:defRPr b="1" sz="1200">
-                <a:latin typeface="+mn-lt"/>
-                <a:ea typeface="+mn-ea"/>
-                <a:cs typeface="+mn-cs"/>
-                <a:sym typeface="맑은 고딕"/>
-              </a:defRPr>
+              <a:defRPr b="1" sz="1200"/>
             </a:pPr>
             <a:r>
               <a:t>메소드</a:t>
@@ -14700,10 +14638,10 @@
         </p:nvGrpSpPr>
         <p:grpSpPr>
           <a:xfrm>
-            <a:off x="6308783" y="622914"/>
-            <a:ext cx="1499006" cy="1611237"/>
-            <a:chOff x="0" y="0"/>
-            <a:chExt cx="1499005" cy="1611235"/>
+            <a:off x="6308782" y="622913"/>
+            <a:ext cx="1499009" cy="1611240"/>
+            <a:chOff x="-1" y="0"/>
+            <a:chExt cx="1499008" cy="1611238"/>
           </a:xfrm>
         </p:grpSpPr>
         <p:sp>
@@ -14714,8 +14652,8 @@
           </p:nvSpPr>
           <p:spPr>
             <a:xfrm>
-              <a:off x="-1" y="-1"/>
-              <a:ext cx="1499007" cy="1611237"/>
+              <a:off x="-2" y="-1"/>
+              <a:ext cx="1499010" cy="1611239"/>
             </a:xfrm>
             <a:prstGeom prst="roundRect">
               <a:avLst>
@@ -14738,14 +14676,7 @@
             </a:bodyPr>
             <a:lstStyle/>
             <a:p>
-              <a:pPr>
-                <a:defRPr>
-                  <a:latin typeface="+mn-lt"/>
-                  <a:ea typeface="+mn-ea"/>
-                  <a:cs typeface="+mn-cs"/>
-                  <a:sym typeface="맑은 고딕"/>
-                </a:defRPr>
-              </a:pPr>
+              <a:pPr/>
             </a:p>
           </p:txBody>
         </p:sp>
@@ -14758,7 +14689,7 @@
           <p:spPr>
             <a:xfrm>
               <a:off x="589" y="167383"/>
-              <a:ext cx="1489425" cy="1257056"/>
+              <a:ext cx="1489426" cy="1257057"/>
             </a:xfrm>
             <a:prstGeom prst="rect">
               <a:avLst/>
@@ -14786,10 +14717,6 @@
                   <a:solidFill>
                     <a:srgbClr val="2F5597"/>
                   </a:solidFill>
-                  <a:latin typeface="+mn-lt"/>
-                  <a:ea typeface="+mn-ea"/>
-                  <a:cs typeface="+mn-cs"/>
-                  <a:sym typeface="맑은 고딕"/>
                 </a:defRPr>
               </a:pPr>
               <a:r>
@@ -14802,10 +14729,6 @@
                   <a:solidFill>
                     <a:srgbClr val="2F5597"/>
                   </a:solidFill>
-                  <a:latin typeface="+mn-lt"/>
-                  <a:ea typeface="+mn-ea"/>
-                  <a:cs typeface="+mn-cs"/>
-                  <a:sym typeface="맑은 고딕"/>
                 </a:defRPr>
               </a:pPr>
               <a:r>
@@ -14818,10 +14741,6 @@
                   <a:solidFill>
                     <a:srgbClr val="2F5597"/>
                   </a:solidFill>
-                  <a:latin typeface="+mn-lt"/>
-                  <a:ea typeface="+mn-ea"/>
-                  <a:cs typeface="+mn-cs"/>
-                  <a:sym typeface="맑은 고딕"/>
                 </a:defRPr>
               </a:pPr>
               <a:r>
@@ -14834,10 +14753,6 @@
                   <a:solidFill>
                     <a:srgbClr val="2F5597"/>
                   </a:solidFill>
-                  <a:latin typeface="+mn-lt"/>
-                  <a:ea typeface="+mn-ea"/>
-                  <a:cs typeface="+mn-cs"/>
-                  <a:sym typeface="맑은 고딕"/>
                 </a:defRPr>
               </a:pPr>
               <a:r>
@@ -14876,12 +14791,7 @@
           </a:bodyPr>
           <a:lstStyle>
             <a:lvl1pPr algn="ctr">
-              <a:defRPr b="1" sz="1200">
-                <a:latin typeface="+mn-lt"/>
-                <a:ea typeface="+mn-ea"/>
-                <a:cs typeface="+mn-cs"/>
-                <a:sym typeface="맑은 고딕"/>
-              </a:defRPr>
+              <a:defRPr b="1" sz="1200"/>
             </a:lvl1pPr>
           </a:lstStyle>
           <a:p>
@@ -14901,7 +14811,7 @@
         <p:spPr>
           <a:xfrm>
             <a:off x="6308783" y="2819980"/>
-            <a:ext cx="1493296" cy="508002"/>
+            <a:ext cx="1493297" cy="508002"/>
           </a:xfrm>
           <a:prstGeom prst="roundRect">
             <a:avLst>
@@ -14919,14 +14829,7 @@
           <a:bodyPr lIns="45718" tIns="45718" rIns="45718" bIns="45718" anchor="ctr"/>
           <a:lstStyle/>
           <a:p>
-            <a:pPr>
-              <a:defRPr>
-                <a:latin typeface="+mn-lt"/>
-                <a:ea typeface="+mn-ea"/>
-                <a:cs typeface="+mn-cs"/>
-                <a:sym typeface="맑은 고딕"/>
-              </a:defRPr>
-            </a:pPr>
+            <a:pPr/>
           </a:p>
         </p:txBody>
       </p:sp>
@@ -14939,7 +14842,7 @@
         <p:spPr>
           <a:xfrm>
             <a:off x="6309371" y="2871214"/>
-            <a:ext cx="1483749" cy="386843"/>
+            <a:ext cx="1483750" cy="386843"/>
           </a:xfrm>
           <a:prstGeom prst="rect">
             <a:avLst/>
@@ -14963,10 +14866,6 @@
                 <a:solidFill>
                   <a:srgbClr val="2F5597"/>
                 </a:solidFill>
-                <a:latin typeface="+mn-lt"/>
-                <a:ea typeface="+mn-ea"/>
-                <a:cs typeface="+mn-cs"/>
-                <a:sym typeface="맑은 고딕"/>
               </a:defRPr>
             </a:lvl1pPr>
           </a:lstStyle>
@@ -15007,12 +14906,7 @@
           </a:bodyPr>
           <a:lstStyle>
             <a:lvl1pPr algn="ctr">
-              <a:defRPr b="1" sz="1200">
-                <a:latin typeface="+mn-lt"/>
-                <a:ea typeface="+mn-ea"/>
-                <a:cs typeface="+mn-cs"/>
-                <a:sym typeface="맑은 고딕"/>
-              </a:defRPr>
+              <a:defRPr b="1" sz="1200"/>
             </a:lvl1pPr>
           </a:lstStyle>
           <a:p>
@@ -15031,7 +14925,7 @@
         </p:nvSpPr>
         <p:spPr>
           <a:xfrm>
-            <a:off x="3915121" y="2119834"/>
+            <a:off x="3915121" y="2119833"/>
             <a:ext cx="1213799" cy="333376"/>
           </a:xfrm>
           <a:prstGeom prst="rect">
@@ -15052,7 +14946,12 @@
           </a:bodyPr>
           <a:lstStyle>
             <a:lvl1pPr>
-              <a:defRPr sz="1500"/>
+              <a:defRPr sz="1500">
+                <a:latin typeface="+mj-lt"/>
+                <a:ea typeface="+mj-ea"/>
+                <a:cs typeface="+mj-cs"/>
+                <a:sym typeface="Helvetica"/>
+              </a:defRPr>
             </a:lvl1pPr>
           </a:lstStyle>
           <a:p>
@@ -15072,7 +14971,7 @@
         <p:spPr>
           <a:xfrm flipV="1">
             <a:off x="7058283" y="2258776"/>
-            <a:ext cx="3" cy="527053"/>
+            <a:ext cx="4" cy="527054"/>
           </a:xfrm>
           <a:prstGeom prst="line">
             <a:avLst/>
@@ -15100,8 +14999,8 @@
         </p:nvSpPr>
         <p:spPr>
           <a:xfrm>
-            <a:off x="7182422" y="2355931"/>
-            <a:ext cx="433702" cy="332737"/>
+            <a:off x="7182422" y="2355930"/>
+            <a:ext cx="433702" cy="332738"/>
           </a:xfrm>
           <a:prstGeom prst="rect">
             <a:avLst/>
@@ -15121,7 +15020,12 @@
           </a:bodyPr>
           <a:lstStyle>
             <a:lvl1pPr>
-              <a:defRPr sz="1500"/>
+              <a:defRPr sz="1500">
+                <a:latin typeface="+mj-lt"/>
+                <a:ea typeface="+mj-ea"/>
+                <a:cs typeface="+mj-cs"/>
+                <a:sym typeface="Helvetica"/>
+              </a:defRPr>
             </a:lvl1pPr>
           </a:lstStyle>
           <a:p>
@@ -15141,7 +15045,7 @@
         <p:spPr>
           <a:xfrm flipV="1">
             <a:off x="5155736" y="1312217"/>
-            <a:ext cx="1428573" cy="960439"/>
+            <a:ext cx="1428574" cy="960439"/>
           </a:xfrm>
           <a:prstGeom prst="line">
             <a:avLst/>
@@ -15174,7 +15078,7 @@
         <p:spPr>
           <a:xfrm>
             <a:off x="5154910" y="2270031"/>
-            <a:ext cx="1429352" cy="806495"/>
+            <a:ext cx="1429353" cy="806496"/>
           </a:xfrm>
           <a:prstGeom prst="line">
             <a:avLst/>
@@ -15227,6 +15131,10 @@
                 <a:solidFill>
                   <a:schemeClr val="accent2"/>
                 </a:solidFill>
+                <a:latin typeface="+mj-lt"/>
+                <a:ea typeface="+mj-ea"/>
+                <a:cs typeface="+mj-cs"/>
+                <a:sym typeface="Helvetica"/>
               </a:defRPr>
             </a:lvl1pPr>
           </a:lstStyle>
@@ -15272,10 +15180,10 @@
         </p:nvGrpSpPr>
         <p:grpSpPr>
           <a:xfrm>
-            <a:off x="4096598" y="1109368"/>
-            <a:ext cx="5468586" cy="1404622"/>
+            <a:off x="4096597" y="1109368"/>
+            <a:ext cx="5468589" cy="1404624"/>
             <a:chOff x="0" y="25400"/>
-            <a:chExt cx="5468584" cy="1404620"/>
+            <a:chExt cx="5468587" cy="1404622"/>
           </a:xfrm>
         </p:grpSpPr>
         <p:graphicFrame>
@@ -15285,8 +15193,8 @@
             <p:nvPr/>
           </p:nvGraphicFramePr>
           <p:xfrm>
-            <a:off x="3136232" y="25400"/>
-            <a:ext cx="2332353" cy="1404621"/>
+            <a:off x="3136233" y="25400"/>
+            <a:ext cx="2332355" cy="1404623"/>
           </p:xfrm>
           <a:graphic xmlns:a="http://schemas.openxmlformats.org/drawingml/2006/main">
             <a:graphicData uri="http://schemas.openxmlformats.org/drawingml/2006/table">
@@ -15306,9 +15214,7 @@
                       <a:p>
                         <a:pPr algn="ctr"/>
                         <a:r>
-                          <a:rPr sz="1100">
-                            <a:sym typeface="맑은 고딕"/>
-                          </a:rPr>
+                          <a:rPr sz="1100"/>
                           <a:t>DObject</a:t>
                         </a:r>
                       </a:p>
@@ -15337,9 +15243,7 @@
                       <a:lstStyle/>
                       <a:p>
                         <a:pPr algn="ctr">
-                          <a:defRPr sz="1100">
-                            <a:sym typeface="맑은 고딕"/>
-                          </a:defRPr>
+                          <a:defRPr sz="1100"/>
                         </a:pPr>
                       </a:p>
                     </a:txBody>
@@ -15368,9 +15272,7 @@
                       <a:p>
                         <a:pPr algn="ctr"/>
                         <a:r>
-                          <a:rPr sz="1100">
-                            <a:sym typeface="맑은 고딕"/>
-                          </a:rPr>
+                          <a:rPr sz="1100"/>
                           <a:t>draw()</a:t>
                         </a:r>
                       </a:p>
@@ -15410,9 +15312,7 @@
                       <a:p>
                         <a:pPr/>
                         <a:r>
-                          <a:rPr sz="1100">
-                            <a:sym typeface="맑은 고딕"/>
-                          </a:rPr>
+                          <a:rPr sz="1100"/>
                           <a:t> DObject의 메소드</a:t>
                         </a:r>
                       </a:p>
@@ -15444,9 +15344,7 @@
                       <a:p>
                         <a:pPr algn="ctr"/>
                         <a:r>
-                          <a:rPr sz="1100">
-                            <a:sym typeface="맑은 고딕"/>
-                          </a:rPr>
+                          <a:rPr sz="1100"/>
                           <a:t>draw()</a:t>
                         </a:r>
                       </a:p>
@@ -15485,9 +15383,7 @@
                       <a:lstStyle/>
                       <a:p>
                         <a:pPr>
-                          <a:defRPr sz="1100">
-                            <a:sym typeface="맑은 고딕"/>
-                          </a:defRPr>
+                          <a:defRPr sz="1100"/>
                         </a:pPr>
                         <a:r>
                           <a:t> Line에서</a:t>
@@ -15495,9 +15391,7 @@
                       </a:p>
                       <a:p>
                         <a:pPr>
-                          <a:defRPr sz="1100">
-                            <a:sym typeface="맑은 고딕"/>
-                          </a:defRPr>
+                          <a:defRPr sz="1100"/>
                         </a:pPr>
                         <a:r>
                           <a:t> 오버라이딩한 메소드</a:t>
@@ -15531,9 +15425,7 @@
                       <a:p>
                         <a:pPr algn="ctr"/>
                         <a:r>
-                          <a:rPr sz="1100">
-                            <a:sym typeface="맑은 고딕"/>
-                          </a:rPr>
+                          <a:rPr sz="1100"/>
                           <a:t>Line</a:t>
                         </a:r>
                       </a:p>
@@ -15562,9 +15454,7 @@
                       <a:lstStyle/>
                       <a:p>
                         <a:pPr algn="ctr">
-                          <a:defRPr sz="1100">
-                            <a:sym typeface="맑은 고딕"/>
-                          </a:defRPr>
+                          <a:defRPr sz="1100"/>
                         </a:pPr>
                       </a:p>
                     </a:txBody>
@@ -15597,7 +15487,7 @@
           </p:nvGraphicFramePr>
           <p:xfrm>
             <a:off x="1996213" y="147019"/>
-            <a:ext cx="757263" cy="307341"/>
+            <a:ext cx="757265" cy="307342"/>
           </p:xfrm>
           <a:graphic xmlns:a="http://schemas.openxmlformats.org/drawingml/2006/main">
             <a:graphicData uri="http://schemas.openxmlformats.org/drawingml/2006/table">
@@ -15617,9 +15507,7 @@
                       <a:p>
                         <a:pPr algn="ctr"/>
                         <a:r>
-                          <a:rPr sz="1200">
-                            <a:sym typeface="맑은 고딕"/>
-                          </a:rPr>
+                          <a:rPr sz="1200"/>
                           <a:t>a</a:t>
                         </a:r>
                       </a:p>
@@ -15649,9 +15537,7 @@
                       <a:lstStyle/>
                       <a:p>
                         <a:pPr algn="ctr">
-                          <a:defRPr sz="1200">
-                            <a:sym typeface="맑은 고딕"/>
-                          </a:defRPr>
+                          <a:defRPr sz="1200"/>
                         </a:pPr>
                       </a:p>
                     </a:txBody>
@@ -15700,8 +15586,8 @@
           </p:nvSpPr>
           <p:spPr>
             <a:xfrm>
-              <a:off x="2508005" y="300689"/>
-              <a:ext cx="621441" cy="2"/>
+              <a:off x="2520706" y="300689"/>
+              <a:ext cx="608742" cy="3"/>
             </a:xfrm>
             <a:prstGeom prst="line">
               <a:avLst/>
@@ -15736,8 +15622,8 @@
           </p:nvSpPr>
           <p:spPr>
             <a:xfrm>
-              <a:off x="3159759" y="746177"/>
-              <a:ext cx="891779" cy="380475"/>
+              <a:off x="3159760" y="746178"/>
+              <a:ext cx="891781" cy="380477"/>
             </a:xfrm>
             <a:prstGeom prst="ellipse">
               <a:avLst/>
@@ -15758,14 +15644,7 @@
             </a:bodyPr>
             <a:lstStyle/>
             <a:p>
-              <a:pPr>
-                <a:defRPr>
-                  <a:latin typeface="+mn-lt"/>
-                  <a:ea typeface="+mn-ea"/>
-                  <a:cs typeface="+mn-cs"/>
-                  <a:sym typeface="맑은 고딕"/>
-                </a:defRPr>
-              </a:pPr>
+              <a:pPr/>
             </a:p>
           </p:txBody>
         </p:sp>
@@ -15777,10 +15656,10 @@
           </p:nvGrpSpPr>
           <p:grpSpPr>
             <a:xfrm>
-              <a:off x="12700" y="461579"/>
-              <a:ext cx="1600759" cy="532263"/>
+              <a:off x="12699" y="461579"/>
+              <a:ext cx="1600761" cy="532265"/>
               <a:chOff x="0" y="0"/>
-              <a:chExt cx="1600758" cy="532261"/>
+              <a:chExt cx="1600760" cy="532264"/>
             </a:xfrm>
           </p:grpSpPr>
           <p:sp>
@@ -15792,7 +15671,7 @@
             <p:spPr>
               <a:xfrm>
                 <a:off x="-1" y="0"/>
-                <a:ext cx="1600760" cy="532262"/>
+                <a:ext cx="1600761" cy="532265"/>
               </a:xfrm>
               <a:prstGeom prst="rect">
                 <a:avLst/>
@@ -15816,12 +15695,7 @@
               <a:lstStyle/>
               <a:p>
                 <a:pPr>
-                  <a:defRPr sz="1200">
-                    <a:latin typeface="+mn-lt"/>
-                    <a:ea typeface="+mn-ea"/>
-                    <a:cs typeface="+mn-cs"/>
-                    <a:sym typeface="맑은 고딕"/>
-                  </a:defRPr>
+                  <a:defRPr sz="1200"/>
                 </a:pPr>
               </a:p>
             </p:txBody>
@@ -15835,7 +15709,7 @@
             <p:spPr>
               <a:xfrm>
                 <a:off x="-1" y="42612"/>
-                <a:ext cx="1600760" cy="447037"/>
+                <a:ext cx="1600761" cy="447037"/>
               </a:xfrm>
               <a:prstGeom prst="rect">
                 <a:avLst/>
@@ -15859,12 +15733,7 @@
               <a:lstStyle/>
               <a:p>
                 <a:pPr>
-                  <a:defRPr sz="1200">
-                    <a:latin typeface="+mn-lt"/>
-                    <a:ea typeface="+mn-ea"/>
-                    <a:cs typeface="+mn-cs"/>
-                    <a:sym typeface="맑은 고딕"/>
-                  </a:defRPr>
+                  <a:defRPr sz="1200"/>
                 </a:pPr>
                 <a:r>
                   <a:t>Line a = </a:t>
@@ -15883,12 +15752,7 @@
               </a:p>
               <a:p>
                 <a:pPr>
-                  <a:defRPr sz="1200">
-                    <a:latin typeface="+mn-lt"/>
-                    <a:ea typeface="+mn-ea"/>
-                    <a:cs typeface="+mn-cs"/>
-                    <a:sym typeface="맑은 고딕"/>
-                  </a:defRPr>
+                  <a:defRPr sz="1200"/>
                 </a:pPr>
                 <a:r>
                   <a:t>a.draw();</a:t>
@@ -15905,8 +15769,8 @@
           </p:nvSpPr>
           <p:spPr>
             <a:xfrm>
-              <a:off x="0" y="985981"/>
-              <a:ext cx="1626159" cy="281937"/>
+              <a:off x="0" y="985982"/>
+              <a:ext cx="1626160" cy="281937"/>
             </a:xfrm>
             <a:prstGeom prst="rect">
               <a:avLst/>
@@ -15930,12 +15794,7 @@
             <a:lstStyle/>
             <a:p>
               <a:pPr algn="ctr">
-                <a:defRPr sz="1200">
-                  <a:latin typeface="+mn-lt"/>
-                  <a:ea typeface="+mn-ea"/>
-                  <a:cs typeface="+mn-cs"/>
-                  <a:sym typeface="맑은 고딕"/>
-                </a:defRPr>
+                <a:defRPr sz="1200"/>
               </a:pPr>
               <a:r>
                 <a:t>실행 결과: </a:t>
@@ -15962,8 +15821,8 @@
           </p:nvSpPr>
           <p:spPr>
             <a:xfrm>
-              <a:off x="697488" y="796981"/>
-              <a:ext cx="2439028" cy="138768"/>
+              <a:off x="697488" y="796982"/>
+              <a:ext cx="2439030" cy="138769"/>
             </a:xfrm>
             <a:prstGeom prst="line">
               <a:avLst/>
@@ -16019,12 +15878,7 @@
           </a:bodyPr>
           <a:lstStyle>
             <a:lvl1pPr>
-              <a:defRPr sz="1200">
-                <a:latin typeface="+mn-lt"/>
-                <a:ea typeface="+mn-ea"/>
-                <a:cs typeface="+mn-cs"/>
-                <a:sym typeface="맑은 고딕"/>
-              </a:defRPr>
+              <a:defRPr sz="1200"/>
             </a:lvl1pPr>
           </a:lstStyle>
           <a:p>
@@ -16042,8 +15896,8 @@
           <p:nvPr/>
         </p:nvGraphicFramePr>
         <p:xfrm>
-          <a:off x="7258050" y="2968614"/>
-          <a:ext cx="2332353" cy="1404622"/>
+          <a:off x="7258050" y="2968613"/>
+          <a:ext cx="2332353" cy="1404623"/>
         </p:xfrm>
         <a:graphic xmlns:a="http://schemas.openxmlformats.org/drawingml/2006/main">
           <a:graphicData uri="http://schemas.openxmlformats.org/drawingml/2006/table">
@@ -16310,7 +16164,7 @@
         </p:nvGraphicFramePr>
         <p:xfrm>
           <a:off x="6118030" y="3090234"/>
-          <a:ext cx="757263" cy="307341"/>
+          <a:ext cx="757264" cy="307342"/>
         </p:xfrm>
         <a:graphic xmlns:a="http://schemas.openxmlformats.org/drawingml/2006/main">
           <a:graphicData uri="http://schemas.openxmlformats.org/drawingml/2006/table">
@@ -16409,8 +16263,8 @@
         </p:nvSpPr>
         <p:spPr>
           <a:xfrm>
-            <a:off x="6629823" y="3243903"/>
-            <a:ext cx="621441" cy="2"/>
+            <a:off x="6642523" y="3243903"/>
+            <a:ext cx="608742" cy="2"/>
           </a:xfrm>
           <a:prstGeom prst="line">
             <a:avLst/>
@@ -16440,7 +16294,7 @@
         <p:spPr>
           <a:xfrm>
             <a:off x="7281577" y="3689391"/>
-            <a:ext cx="891777" cy="380475"/>
+            <a:ext cx="891777" cy="380477"/>
           </a:xfrm>
           <a:prstGeom prst="ellipse">
             <a:avLst/>
@@ -16455,14 +16309,7 @@
           <a:bodyPr lIns="45718" tIns="45718" rIns="45718" bIns="45718" anchor="ctr"/>
           <a:lstStyle/>
           <a:p>
-            <a:pPr>
-              <a:defRPr>
-                <a:latin typeface="+mn-lt"/>
-                <a:ea typeface="+mn-ea"/>
-                <a:cs typeface="+mn-cs"/>
-                <a:sym typeface="맑은 고딕"/>
-              </a:defRPr>
-            </a:pPr>
+            <a:pPr/>
           </a:p>
         </p:txBody>
       </p:sp>
@@ -16474,10 +16321,10 @@
         </p:nvGrpSpPr>
         <p:grpSpPr>
           <a:xfrm>
-            <a:off x="4134517" y="3404794"/>
-            <a:ext cx="1600760" cy="532262"/>
+            <a:off x="4134516" y="3404793"/>
+            <a:ext cx="1600762" cy="532265"/>
             <a:chOff x="0" y="0"/>
-            <a:chExt cx="1600758" cy="532261"/>
+            <a:chExt cx="1600761" cy="532263"/>
           </a:xfrm>
         </p:grpSpPr>
         <p:sp>
@@ -16488,8 +16335,8 @@
           </p:nvSpPr>
           <p:spPr>
             <a:xfrm>
-              <a:off x="0" y="-1"/>
-              <a:ext cx="1600759" cy="532263"/>
+              <a:off x="-1" y="-1"/>
+              <a:ext cx="1600762" cy="532264"/>
             </a:xfrm>
             <a:prstGeom prst="rect">
               <a:avLst/>
@@ -16513,12 +16360,7 @@
             <a:lstStyle/>
             <a:p>
               <a:pPr>
-                <a:defRPr sz="1200">
-                  <a:latin typeface="+mn-lt"/>
-                  <a:ea typeface="+mn-ea"/>
-                  <a:cs typeface="+mn-cs"/>
-                  <a:sym typeface="맑은 고딕"/>
-                </a:defRPr>
+                <a:defRPr sz="1200"/>
               </a:pPr>
             </a:p>
           </p:txBody>
@@ -16531,8 +16373,8 @@
           </p:nvSpPr>
           <p:spPr>
             <a:xfrm>
-              <a:off x="0" y="42612"/>
-              <a:ext cx="1600759" cy="447037"/>
+              <a:off x="-1" y="42612"/>
+              <a:ext cx="1600762" cy="447037"/>
             </a:xfrm>
             <a:prstGeom prst="rect">
               <a:avLst/>
@@ -16556,12 +16398,7 @@
             <a:lstStyle/>
             <a:p>
               <a:pPr>
-                <a:defRPr sz="1200">
-                  <a:latin typeface="+mn-lt"/>
-                  <a:ea typeface="+mn-ea"/>
-                  <a:cs typeface="+mn-cs"/>
-                  <a:sym typeface="맑은 고딕"/>
-                </a:defRPr>
+                <a:defRPr sz="1200"/>
               </a:pPr>
               <a:r>
                 <a:t>Line a = </a:t>
@@ -16580,12 +16417,7 @@
             </a:p>
             <a:p>
               <a:pPr>
-                <a:defRPr sz="1200">
-                  <a:latin typeface="+mn-lt"/>
-                  <a:ea typeface="+mn-ea"/>
-                  <a:cs typeface="+mn-cs"/>
-                  <a:sym typeface="맑은 고딕"/>
-                </a:defRPr>
+                <a:defRPr sz="1200"/>
               </a:pPr>
               <a:r>
                 <a:t>a.draw();</a:t>
@@ -16602,8 +16434,8 @@
         </p:nvSpPr>
         <p:spPr>
           <a:xfrm>
-            <a:off x="4121816" y="3929196"/>
-            <a:ext cx="1626161" cy="281937"/>
+            <a:off x="4121815" y="3929195"/>
+            <a:ext cx="1626162" cy="281937"/>
           </a:xfrm>
           <a:prstGeom prst="rect">
             <a:avLst/>
@@ -16624,12 +16456,7 @@
           <a:lstStyle/>
           <a:p>
             <a:pPr algn="ctr">
-              <a:defRPr sz="1200">
-                <a:latin typeface="+mn-lt"/>
-                <a:ea typeface="+mn-ea"/>
-                <a:cs typeface="+mn-cs"/>
-                <a:sym typeface="맑은 고딕"/>
-              </a:defRPr>
+              <a:defRPr sz="1200"/>
             </a:pPr>
             <a:r>
               <a:t>실행 결과: </a:t>
@@ -16656,8 +16483,8 @@
         </p:nvSpPr>
         <p:spPr>
           <a:xfrm flipV="1">
-            <a:off x="4819305" y="3480449"/>
-            <a:ext cx="2436818" cy="259749"/>
+            <a:off x="4819304" y="3480449"/>
+            <a:ext cx="2436820" cy="259750"/>
           </a:xfrm>
           <a:prstGeom prst="line">
             <a:avLst/>
@@ -16685,8 +16512,8 @@
         </p:nvSpPr>
         <p:spPr>
           <a:xfrm>
-            <a:off x="4101227" y="2680550"/>
-            <a:ext cx="5072479" cy="281937"/>
+            <a:off x="4101227" y="2680549"/>
+            <a:ext cx="5072478" cy="281937"/>
           </a:xfrm>
           <a:prstGeom prst="rect">
             <a:avLst/>
@@ -16706,12 +16533,7 @@
           </a:bodyPr>
           <a:lstStyle>
             <a:lvl1pPr>
-              <a:defRPr sz="1200">
-                <a:latin typeface="+mn-lt"/>
-                <a:ea typeface="+mn-ea"/>
-                <a:cs typeface="+mn-cs"/>
-                <a:sym typeface="맑은 고딕"/>
-              </a:defRPr>
+              <a:defRPr sz="1200"/>
             </a:lvl1pPr>
           </a:lstStyle>
           <a:p>
@@ -16730,8 +16552,8 @@
         </p:nvSpPr>
         <p:spPr>
           <a:xfrm>
-            <a:off x="7883727" y="3364142"/>
-            <a:ext cx="289840" cy="352551"/>
+            <a:off x="7883727" y="3364149"/>
+            <a:ext cx="289842" cy="352544"/>
           </a:xfrm>
           <a:custGeom>
             <a:avLst/>
@@ -16778,14 +16600,936 @@
           <a:bodyPr lIns="45718" tIns="45718" rIns="45718" bIns="45718"/>
           <a:lstStyle/>
           <a:p>
-            <a:pPr>
-              <a:defRPr>
-                <a:latin typeface="+mn-lt"/>
-                <a:ea typeface="+mn-ea"/>
-                <a:cs typeface="+mn-cs"/>
-                <a:sym typeface="맑은 고딕"/>
-              </a:defRPr>
-            </a:pPr>
+            <a:pPr/>
+          </a:p>
+        </p:txBody>
+      </p:sp>
+    </p:spTree>
+  </p:cSld>
+  <p:clrMapOvr>
+    <a:masterClrMapping/>
+  </p:clrMapOvr>
+  <p:transition xmlns:p14="http://schemas.microsoft.com/office/powerpoint/2010/main" spd="med" advClick="1"/>
+</p:sld>
+</file>
+
+<file path=ppt/slides/slide16.xml><?xml version="1.0" encoding="utf-8"?>
+<p:sld xmlns:a="http://schemas.openxmlformats.org/drawingml/2006/main" xmlns:r="http://schemas.openxmlformats.org/officeDocument/2006/relationships" xmlns:p="http://schemas.openxmlformats.org/presentationml/2006/main" xmlns:m="http://schemas.openxmlformats.org/officeDocument/2006/math" xmlns:a14="http://schemas.microsoft.com/office/drawing/2010/main" showMasterSp="1" showMasterPhAnim="1">
+  <p:cSld>
+    <p:spTree>
+      <p:nvGrpSpPr>
+        <p:cNvPr id="1" name=""/>
+        <p:cNvGrpSpPr/>
+        <p:nvPr/>
+      </p:nvGrpSpPr>
+      <p:grpSpPr>
+        <a:xfrm>
+          <a:off x="0" y="0"/>
+          <a:ext cx="0" cy="0"/>
+          <a:chOff x="0" y="0"/>
+          <a:chExt cx="0" cy="0"/>
+        </a:xfrm>
+      </p:grpSpPr>
+      <p:sp>
+        <p:nvSpPr>
+          <p:cNvPr id="229" name="Collection&lt;E&gt;"/>
+          <p:cNvSpPr/>
+          <p:nvPr/>
+        </p:nvSpPr>
+        <p:spPr>
+          <a:xfrm>
+            <a:off x="2095500" y="1279996"/>
+            <a:ext cx="1270000" cy="322908"/>
+          </a:xfrm>
+          <a:prstGeom prst="rect">
+            <a:avLst/>
+          </a:prstGeom>
+          <a:solidFill>
+            <a:srgbClr val="FFFFFF"/>
+          </a:solidFill>
+          <a:ln w="25400">
+            <a:solidFill>
+              <a:schemeClr val="accent1"/>
+            </a:solidFill>
+          </a:ln>
+          <a:extLst>
+            <a:ext uri="{C572A759-6A51-4108-AA02-DFA0A04FC94B}">
+              <ma14:wrappingTextBoxFlag xmlns:ma14="http://schemas.microsoft.com/office/mac/drawingml/2011/main" val="1"/>
+            </a:ext>
+          </a:extLst>
+        </p:spPr>
+        <p:txBody>
+          <a:bodyPr lIns="45718" tIns="45718" rIns="45718" bIns="45718" anchor="ctr"/>
+          <a:lstStyle>
+            <a:lvl1pPr algn="ctr">
+              <a:defRPr sz="1200"/>
+            </a:lvl1pPr>
+          </a:lstStyle>
+          <a:p>
+            <a:pPr/>
+            <a:r>
+              <a:t>Collection&lt;E&gt;</a:t>
+            </a:r>
+          </a:p>
+        </p:txBody>
+      </p:sp>
+      <p:sp>
+        <p:nvSpPr>
+          <p:cNvPr id="230" name="List&lt;E&gt;"/>
+          <p:cNvSpPr/>
+          <p:nvPr/>
+        </p:nvSpPr>
+        <p:spPr>
+          <a:xfrm>
+            <a:off x="2095500" y="1955800"/>
+            <a:ext cx="1270000" cy="322908"/>
+          </a:xfrm>
+          <a:prstGeom prst="rect">
+            <a:avLst/>
+          </a:prstGeom>
+          <a:solidFill>
+            <a:srgbClr val="FFFFFF"/>
+          </a:solidFill>
+          <a:ln w="25400">
+            <a:solidFill>
+              <a:schemeClr val="accent1"/>
+            </a:solidFill>
+          </a:ln>
+          <a:extLst>
+            <a:ext uri="{C572A759-6A51-4108-AA02-DFA0A04FC94B}">
+              <ma14:wrappingTextBoxFlag xmlns:ma14="http://schemas.microsoft.com/office/mac/drawingml/2011/main" val="1"/>
+            </a:ext>
+          </a:extLst>
+        </p:spPr>
+        <p:txBody>
+          <a:bodyPr lIns="45718" tIns="45718" rIns="45718" bIns="45718" anchor="ctr"/>
+          <a:lstStyle>
+            <a:lvl1pPr algn="ctr">
+              <a:defRPr sz="1200"/>
+            </a:lvl1pPr>
+          </a:lstStyle>
+          <a:p>
+            <a:pPr/>
+            <a:r>
+              <a:t>List&lt;E&gt;</a:t>
+            </a:r>
+          </a:p>
+        </p:txBody>
+      </p:sp>
+      <p:sp>
+        <p:nvSpPr>
+          <p:cNvPr id="231" name="Queue&lt;E&gt;"/>
+          <p:cNvSpPr/>
+          <p:nvPr/>
+        </p:nvSpPr>
+        <p:spPr>
+          <a:xfrm>
+            <a:off x="3975100" y="1955800"/>
+            <a:ext cx="1270000" cy="322908"/>
+          </a:xfrm>
+          <a:prstGeom prst="rect">
+            <a:avLst/>
+          </a:prstGeom>
+          <a:solidFill>
+            <a:srgbClr val="FFFFFF"/>
+          </a:solidFill>
+          <a:ln w="25400">
+            <a:solidFill>
+              <a:schemeClr val="accent1"/>
+            </a:solidFill>
+          </a:ln>
+          <a:extLst>
+            <a:ext uri="{C572A759-6A51-4108-AA02-DFA0A04FC94B}">
+              <ma14:wrappingTextBoxFlag xmlns:ma14="http://schemas.microsoft.com/office/mac/drawingml/2011/main" val="1"/>
+            </a:ext>
+          </a:extLst>
+        </p:spPr>
+        <p:txBody>
+          <a:bodyPr lIns="45718" tIns="45718" rIns="45718" bIns="45718" anchor="ctr"/>
+          <a:lstStyle>
+            <a:lvl1pPr algn="ctr">
+              <a:defRPr sz="1200"/>
+            </a:lvl1pPr>
+          </a:lstStyle>
+          <a:p>
+            <a:pPr/>
+            <a:r>
+              <a:t>Queue&lt;E&gt;</a:t>
+            </a:r>
+          </a:p>
+        </p:txBody>
+      </p:sp>
+      <p:sp>
+        <p:nvSpPr>
+          <p:cNvPr id="232" name="Set&lt;E&gt;"/>
+          <p:cNvSpPr/>
+          <p:nvPr/>
+        </p:nvSpPr>
+        <p:spPr>
+          <a:xfrm>
+            <a:off x="215900" y="1955800"/>
+            <a:ext cx="1270000" cy="322908"/>
+          </a:xfrm>
+          <a:prstGeom prst="rect">
+            <a:avLst/>
+          </a:prstGeom>
+          <a:solidFill>
+            <a:srgbClr val="FFFFFF"/>
+          </a:solidFill>
+          <a:ln w="25400">
+            <a:solidFill>
+              <a:schemeClr val="accent1"/>
+            </a:solidFill>
+          </a:ln>
+          <a:extLst>
+            <a:ext uri="{C572A759-6A51-4108-AA02-DFA0A04FC94B}">
+              <ma14:wrappingTextBoxFlag xmlns:ma14="http://schemas.microsoft.com/office/mac/drawingml/2011/main" val="1"/>
+            </a:ext>
+          </a:extLst>
+        </p:spPr>
+        <p:txBody>
+          <a:bodyPr lIns="45718" tIns="45718" rIns="45718" bIns="45718" anchor="ctr"/>
+          <a:lstStyle>
+            <a:lvl1pPr algn="ctr">
+              <a:defRPr sz="1200"/>
+            </a:lvl1pPr>
+          </a:lstStyle>
+          <a:p>
+            <a:pPr/>
+            <a:r>
+              <a:t>Set&lt;E&gt;</a:t>
+            </a:r>
+          </a:p>
+        </p:txBody>
+      </p:sp>
+      <p:sp>
+        <p:nvSpPr>
+          <p:cNvPr id="233" name="Map&lt;K, V&gt;"/>
+          <p:cNvSpPr/>
+          <p:nvPr/>
+        </p:nvSpPr>
+        <p:spPr>
+          <a:xfrm>
+            <a:off x="6210300" y="1279996"/>
+            <a:ext cx="1270000" cy="322908"/>
+          </a:xfrm>
+          <a:prstGeom prst="rect">
+            <a:avLst/>
+          </a:prstGeom>
+          <a:solidFill>
+            <a:srgbClr val="FFFFFF"/>
+          </a:solidFill>
+          <a:ln w="25400">
+            <a:solidFill>
+              <a:schemeClr val="accent1"/>
+            </a:solidFill>
+          </a:ln>
+          <a:extLst>
+            <a:ext uri="{C572A759-6A51-4108-AA02-DFA0A04FC94B}">
+              <ma14:wrappingTextBoxFlag xmlns:ma14="http://schemas.microsoft.com/office/mac/drawingml/2011/main" val="1"/>
+            </a:ext>
+          </a:extLst>
+        </p:spPr>
+        <p:txBody>
+          <a:bodyPr lIns="45718" tIns="45718" rIns="45718" bIns="45718" anchor="ctr"/>
+          <a:lstStyle>
+            <a:lvl1pPr algn="ctr">
+              <a:defRPr sz="1200"/>
+            </a:lvl1pPr>
+          </a:lstStyle>
+          <a:p>
+            <a:pPr/>
+            <a:r>
+              <a:t>Map&lt;K, V&gt;</a:t>
+            </a:r>
+          </a:p>
+        </p:txBody>
+      </p:sp>
+      <p:sp>
+        <p:nvSpPr>
+          <p:cNvPr id="234" name="HashSet&lt;E&gt;"/>
+          <p:cNvSpPr/>
+          <p:nvPr/>
+        </p:nvSpPr>
+        <p:spPr>
+          <a:xfrm>
+            <a:off x="215900" y="2984500"/>
+            <a:ext cx="1270000" cy="322908"/>
+          </a:xfrm>
+          <a:prstGeom prst="rect">
+            <a:avLst/>
+          </a:prstGeom>
+          <a:solidFill>
+            <a:srgbClr val="FFFFFF"/>
+          </a:solidFill>
+          <a:ln w="25400">
+            <a:solidFill>
+              <a:schemeClr val="accent2"/>
+            </a:solidFill>
+          </a:ln>
+          <a:extLst>
+            <a:ext uri="{C572A759-6A51-4108-AA02-DFA0A04FC94B}">
+              <ma14:wrappingTextBoxFlag xmlns:ma14="http://schemas.microsoft.com/office/mac/drawingml/2011/main" val="1"/>
+            </a:ext>
+          </a:extLst>
+        </p:spPr>
+        <p:txBody>
+          <a:bodyPr lIns="45718" tIns="45718" rIns="45718" bIns="45718" anchor="ctr"/>
+          <a:lstStyle>
+            <a:lvl1pPr algn="ctr">
+              <a:defRPr sz="1200"/>
+            </a:lvl1pPr>
+          </a:lstStyle>
+          <a:p>
+            <a:pPr/>
+            <a:r>
+              <a:t>HashSet&lt;E&gt;</a:t>
+            </a:r>
+          </a:p>
+        </p:txBody>
+      </p:sp>
+      <p:sp>
+        <p:nvSpPr>
+          <p:cNvPr id="235" name="ArrayList&lt;E&gt;"/>
+          <p:cNvSpPr/>
+          <p:nvPr/>
+        </p:nvSpPr>
+        <p:spPr>
+          <a:xfrm>
+            <a:off x="1625600" y="2984500"/>
+            <a:ext cx="1270000" cy="322908"/>
+          </a:xfrm>
+          <a:prstGeom prst="rect">
+            <a:avLst/>
+          </a:prstGeom>
+          <a:solidFill>
+            <a:srgbClr val="FFFFFF"/>
+          </a:solidFill>
+          <a:ln w="25400">
+            <a:solidFill>
+              <a:schemeClr val="accent2"/>
+            </a:solidFill>
+          </a:ln>
+          <a:extLst>
+            <a:ext uri="{C572A759-6A51-4108-AA02-DFA0A04FC94B}">
+              <ma14:wrappingTextBoxFlag xmlns:ma14="http://schemas.microsoft.com/office/mac/drawingml/2011/main" val="1"/>
+            </a:ext>
+          </a:extLst>
+        </p:spPr>
+        <p:txBody>
+          <a:bodyPr lIns="45718" tIns="45718" rIns="45718" bIns="45718" anchor="ctr"/>
+          <a:lstStyle>
+            <a:lvl1pPr algn="ctr">
+              <a:defRPr sz="1200"/>
+            </a:lvl1pPr>
+          </a:lstStyle>
+          <a:p>
+            <a:pPr/>
+            <a:r>
+              <a:t>ArrayList&lt;E&gt;</a:t>
+            </a:r>
+          </a:p>
+        </p:txBody>
+      </p:sp>
+      <p:sp>
+        <p:nvSpPr>
+          <p:cNvPr id="236" name="Vector&lt;E&gt;"/>
+          <p:cNvSpPr/>
+          <p:nvPr/>
+        </p:nvSpPr>
+        <p:spPr>
+          <a:xfrm>
+            <a:off x="3035300" y="2984500"/>
+            <a:ext cx="1270000" cy="322908"/>
+          </a:xfrm>
+          <a:prstGeom prst="rect">
+            <a:avLst/>
+          </a:prstGeom>
+          <a:solidFill>
+            <a:srgbClr val="FFFFFF"/>
+          </a:solidFill>
+          <a:ln w="25400">
+            <a:solidFill>
+              <a:schemeClr val="accent2"/>
+            </a:solidFill>
+          </a:ln>
+          <a:extLst>
+            <a:ext uri="{C572A759-6A51-4108-AA02-DFA0A04FC94B}">
+              <ma14:wrappingTextBoxFlag xmlns:ma14="http://schemas.microsoft.com/office/mac/drawingml/2011/main" val="1"/>
+            </a:ext>
+          </a:extLst>
+        </p:spPr>
+        <p:txBody>
+          <a:bodyPr lIns="45718" tIns="45718" rIns="45718" bIns="45718" anchor="ctr"/>
+          <a:lstStyle>
+            <a:lvl1pPr algn="ctr">
+              <a:defRPr sz="1200"/>
+            </a:lvl1pPr>
+          </a:lstStyle>
+          <a:p>
+            <a:pPr/>
+            <a:r>
+              <a:t>Vector&lt;E&gt;</a:t>
+            </a:r>
+          </a:p>
+        </p:txBody>
+      </p:sp>
+      <p:sp>
+        <p:nvSpPr>
+          <p:cNvPr id="237" name="LinkedList&lt;E&gt;"/>
+          <p:cNvSpPr/>
+          <p:nvPr/>
+        </p:nvSpPr>
+        <p:spPr>
+          <a:xfrm>
+            <a:off x="4445000" y="2984500"/>
+            <a:ext cx="1270000" cy="322908"/>
+          </a:xfrm>
+          <a:prstGeom prst="rect">
+            <a:avLst/>
+          </a:prstGeom>
+          <a:solidFill>
+            <a:srgbClr val="FFFFFF"/>
+          </a:solidFill>
+          <a:ln w="25400">
+            <a:solidFill>
+              <a:schemeClr val="accent2"/>
+            </a:solidFill>
+          </a:ln>
+          <a:extLst>
+            <a:ext uri="{C572A759-6A51-4108-AA02-DFA0A04FC94B}">
+              <ma14:wrappingTextBoxFlag xmlns:ma14="http://schemas.microsoft.com/office/mac/drawingml/2011/main" val="1"/>
+            </a:ext>
+          </a:extLst>
+        </p:spPr>
+        <p:txBody>
+          <a:bodyPr lIns="45718" tIns="45718" rIns="45718" bIns="45718" anchor="ctr"/>
+          <a:lstStyle>
+            <a:lvl1pPr algn="ctr">
+              <a:defRPr sz="1200"/>
+            </a:lvl1pPr>
+          </a:lstStyle>
+          <a:p>
+            <a:pPr/>
+            <a:r>
+              <a:t>LinkedList&lt;E&gt;</a:t>
+            </a:r>
+          </a:p>
+        </p:txBody>
+      </p:sp>
+      <p:sp>
+        <p:nvSpPr>
+          <p:cNvPr id="238" name="HashMap&lt;K, V&gt;"/>
+          <p:cNvSpPr/>
+          <p:nvPr/>
+        </p:nvSpPr>
+        <p:spPr>
+          <a:xfrm>
+            <a:off x="6210300" y="2984500"/>
+            <a:ext cx="1270000" cy="322908"/>
+          </a:xfrm>
+          <a:prstGeom prst="rect">
+            <a:avLst/>
+          </a:prstGeom>
+          <a:solidFill>
+            <a:srgbClr val="FFFFFF"/>
+          </a:solidFill>
+          <a:ln w="25400">
+            <a:solidFill>
+              <a:schemeClr val="accent2"/>
+            </a:solidFill>
+          </a:ln>
+          <a:extLst>
+            <a:ext uri="{C572A759-6A51-4108-AA02-DFA0A04FC94B}">
+              <ma14:wrappingTextBoxFlag xmlns:ma14="http://schemas.microsoft.com/office/mac/drawingml/2011/main" val="1"/>
+            </a:ext>
+          </a:extLst>
+        </p:spPr>
+        <p:txBody>
+          <a:bodyPr lIns="45718" tIns="45718" rIns="45718" bIns="45718" anchor="ctr"/>
+          <a:lstStyle>
+            <a:lvl1pPr algn="ctr">
+              <a:defRPr sz="1200"/>
+            </a:lvl1pPr>
+          </a:lstStyle>
+          <a:p>
+            <a:pPr/>
+            <a:r>
+              <a:t>HashMap&lt;K, V&gt;</a:t>
+            </a:r>
+          </a:p>
+        </p:txBody>
+      </p:sp>
+      <p:sp>
+        <p:nvSpPr>
+          <p:cNvPr id="239" name="Stack&lt;E&gt;"/>
+          <p:cNvSpPr/>
+          <p:nvPr/>
+        </p:nvSpPr>
+        <p:spPr>
+          <a:xfrm>
+            <a:off x="3035300" y="3660303"/>
+            <a:ext cx="1270000" cy="322909"/>
+          </a:xfrm>
+          <a:prstGeom prst="rect">
+            <a:avLst/>
+          </a:prstGeom>
+          <a:solidFill>
+            <a:srgbClr val="FFFFFF"/>
+          </a:solidFill>
+          <a:ln w="25400">
+            <a:solidFill>
+              <a:schemeClr val="accent2"/>
+            </a:solidFill>
+          </a:ln>
+          <a:extLst>
+            <a:ext uri="{C572A759-6A51-4108-AA02-DFA0A04FC94B}">
+              <ma14:wrappingTextBoxFlag xmlns:ma14="http://schemas.microsoft.com/office/mac/drawingml/2011/main" val="1"/>
+            </a:ext>
+          </a:extLst>
+        </p:spPr>
+        <p:txBody>
+          <a:bodyPr lIns="45718" tIns="45718" rIns="45718" bIns="45718" anchor="ctr"/>
+          <a:lstStyle>
+            <a:lvl1pPr algn="ctr">
+              <a:defRPr sz="1200"/>
+            </a:lvl1pPr>
+          </a:lstStyle>
+          <a:p>
+            <a:pPr/>
+            <a:r>
+              <a:t>Stack&lt;E&gt;</a:t>
+            </a:r>
+          </a:p>
+        </p:txBody>
+      </p:sp>
+      <p:sp>
+        <p:nvSpPr>
+          <p:cNvPr id="240" name="선"/>
+          <p:cNvSpPr/>
+          <p:nvPr/>
+        </p:nvSpPr>
+        <p:spPr>
+          <a:xfrm>
+            <a:off x="118296" y="2631603"/>
+            <a:ext cx="8743558" cy="1"/>
+          </a:xfrm>
+          <a:prstGeom prst="line">
+            <a:avLst/>
+          </a:prstGeom>
+          <a:ln w="25400">
+            <a:solidFill>
+              <a:schemeClr val="accent2">
+                <a:satOff val="-18194"/>
+                <a:lumOff val="-11215"/>
+              </a:schemeClr>
+            </a:solidFill>
+            <a:custDash>
+              <a:ds d="200000" sp="200000"/>
+            </a:custDash>
+            <a:miter lim="400000"/>
+          </a:ln>
+        </p:spPr>
+        <p:txBody>
+          <a:bodyPr lIns="45718" tIns="45718" rIns="45718" bIns="45718"/>
+          <a:lstStyle/>
+          <a:p>
+            <a:pPr/>
+          </a:p>
+        </p:txBody>
+      </p:sp>
+      <p:sp>
+        <p:nvSpPr>
+          <p:cNvPr id="241" name="선"/>
+          <p:cNvSpPr/>
+          <p:nvPr/>
+        </p:nvSpPr>
+        <p:spPr>
+          <a:xfrm flipV="1">
+            <a:off x="3670300" y="3296468"/>
+            <a:ext cx="0" cy="374775"/>
+          </a:xfrm>
+          <a:prstGeom prst="line">
+            <a:avLst/>
+          </a:prstGeom>
+          <a:ln w="25400">
+            <a:solidFill>
+              <a:srgbClr val="000000"/>
+            </a:solidFill>
+            <a:tailEnd type="triangle"/>
+          </a:ln>
+        </p:spPr>
+        <p:txBody>
+          <a:bodyPr lIns="45718" tIns="45718" rIns="45718" bIns="45718"/>
+          <a:lstStyle/>
+          <a:p>
+            <a:pPr/>
+          </a:p>
+        </p:txBody>
+      </p:sp>
+      <p:sp>
+        <p:nvSpPr>
+          <p:cNvPr id="242" name="선"/>
+          <p:cNvSpPr/>
+          <p:nvPr/>
+        </p:nvSpPr>
+        <p:spPr>
+          <a:xfrm flipH="1" flipV="1">
+            <a:off x="2605871" y="2279561"/>
+            <a:ext cx="1064429" cy="714117"/>
+          </a:xfrm>
+          <a:prstGeom prst="line">
+            <a:avLst/>
+          </a:prstGeom>
+          <a:ln w="25400">
+            <a:solidFill>
+              <a:srgbClr val="000000"/>
+            </a:solidFill>
+            <a:tailEnd type="triangle"/>
+          </a:ln>
+        </p:spPr>
+        <p:txBody>
+          <a:bodyPr lIns="45718" tIns="45718" rIns="45718" bIns="45718"/>
+          <a:lstStyle/>
+          <a:p>
+            <a:pPr/>
+          </a:p>
+        </p:txBody>
+      </p:sp>
+      <p:sp>
+        <p:nvSpPr>
+          <p:cNvPr id="243" name="선"/>
+          <p:cNvSpPr/>
+          <p:nvPr/>
+        </p:nvSpPr>
+        <p:spPr>
+          <a:xfrm flipV="1">
+            <a:off x="2260599" y="2284170"/>
+            <a:ext cx="363985" cy="709508"/>
+          </a:xfrm>
+          <a:prstGeom prst="line">
+            <a:avLst/>
+          </a:prstGeom>
+          <a:ln w="25400">
+            <a:solidFill>
+              <a:srgbClr val="000000"/>
+            </a:solidFill>
+            <a:tailEnd type="triangle"/>
+          </a:ln>
+        </p:spPr>
+        <p:txBody>
+          <a:bodyPr lIns="45718" tIns="45718" rIns="45718" bIns="45718"/>
+          <a:lstStyle/>
+          <a:p>
+            <a:pPr/>
+          </a:p>
+        </p:txBody>
+      </p:sp>
+      <p:sp>
+        <p:nvSpPr>
+          <p:cNvPr id="244" name="선"/>
+          <p:cNvSpPr/>
+          <p:nvPr/>
+        </p:nvSpPr>
+        <p:spPr>
+          <a:xfrm flipH="1" flipV="1">
+            <a:off x="2755148" y="2316308"/>
+            <a:ext cx="2182340" cy="687659"/>
+          </a:xfrm>
+          <a:prstGeom prst="line">
+            <a:avLst/>
+          </a:prstGeom>
+          <a:ln w="25400">
+            <a:solidFill>
+              <a:srgbClr val="000000"/>
+            </a:solidFill>
+            <a:tailEnd type="triangle"/>
+          </a:ln>
+        </p:spPr>
+        <p:txBody>
+          <a:bodyPr lIns="45718" tIns="45718" rIns="45718" bIns="45718"/>
+          <a:lstStyle/>
+          <a:p>
+            <a:pPr/>
+          </a:p>
+        </p:txBody>
+      </p:sp>
+      <p:sp>
+        <p:nvSpPr>
+          <p:cNvPr id="245" name="선"/>
+          <p:cNvSpPr/>
+          <p:nvPr/>
+        </p:nvSpPr>
+        <p:spPr>
+          <a:xfrm flipV="1">
+            <a:off x="850900" y="2269529"/>
+            <a:ext cx="1" cy="724149"/>
+          </a:xfrm>
+          <a:prstGeom prst="line">
+            <a:avLst/>
+          </a:prstGeom>
+          <a:ln w="25400">
+            <a:solidFill>
+              <a:srgbClr val="000000"/>
+            </a:solidFill>
+            <a:tailEnd type="triangle"/>
+          </a:ln>
+        </p:spPr>
+        <p:txBody>
+          <a:bodyPr lIns="45718" tIns="45718" rIns="45718" bIns="45718"/>
+          <a:lstStyle/>
+          <a:p>
+            <a:pPr/>
+          </a:p>
+        </p:txBody>
+      </p:sp>
+      <p:sp>
+        <p:nvSpPr>
+          <p:cNvPr id="246" name="선"/>
+          <p:cNvSpPr/>
+          <p:nvPr/>
+        </p:nvSpPr>
+        <p:spPr>
+          <a:xfrm flipH="1" flipV="1">
+            <a:off x="4552932" y="2240328"/>
+            <a:ext cx="384556" cy="777190"/>
+          </a:xfrm>
+          <a:prstGeom prst="line">
+            <a:avLst/>
+          </a:prstGeom>
+          <a:ln w="25400">
+            <a:solidFill>
+              <a:srgbClr val="000000"/>
+            </a:solidFill>
+            <a:tailEnd type="triangle"/>
+          </a:ln>
+        </p:spPr>
+        <p:txBody>
+          <a:bodyPr lIns="45718" tIns="45718" rIns="45718" bIns="45718"/>
+          <a:lstStyle/>
+          <a:p>
+            <a:pPr/>
+          </a:p>
+        </p:txBody>
+      </p:sp>
+      <p:sp>
+        <p:nvSpPr>
+          <p:cNvPr id="247" name="선"/>
+          <p:cNvSpPr/>
+          <p:nvPr/>
+        </p:nvSpPr>
+        <p:spPr>
+          <a:xfrm flipV="1">
+            <a:off x="6845300" y="1593725"/>
+            <a:ext cx="0" cy="1399953"/>
+          </a:xfrm>
+          <a:prstGeom prst="line">
+            <a:avLst/>
+          </a:prstGeom>
+          <a:ln w="25400">
+            <a:solidFill>
+              <a:srgbClr val="000000"/>
+            </a:solidFill>
+            <a:tailEnd type="triangle"/>
+          </a:ln>
+        </p:spPr>
+        <p:txBody>
+          <a:bodyPr lIns="45718" tIns="45718" rIns="45718" bIns="45718"/>
+          <a:lstStyle/>
+          <a:p>
+            <a:pPr/>
+          </a:p>
+        </p:txBody>
+      </p:sp>
+      <p:sp>
+        <p:nvSpPr>
+          <p:cNvPr id="248" name="인터페이스"/>
+          <p:cNvSpPr txBox="1"/>
+          <p:nvPr/>
+        </p:nvSpPr>
+        <p:spPr>
+          <a:xfrm>
+            <a:off x="7724140" y="2152733"/>
+            <a:ext cx="763267" cy="281937"/>
+          </a:xfrm>
+          <a:prstGeom prst="rect">
+            <a:avLst/>
+          </a:prstGeom>
+          <a:ln w="12700">
+            <a:miter lim="400000"/>
+          </a:ln>
+          <a:extLst>
+            <a:ext uri="{C572A759-6A51-4108-AA02-DFA0A04FC94B}">
+              <ma14:wrappingTextBoxFlag xmlns:ma14="http://schemas.microsoft.com/office/mac/drawingml/2011/main" val="1"/>
+            </a:ext>
+          </a:extLst>
+        </p:spPr>
+        <p:txBody>
+          <a:bodyPr wrap="none" lIns="45718" tIns="45718" rIns="45718" bIns="45718">
+            <a:spAutoFit/>
+          </a:bodyPr>
+          <a:lstStyle>
+            <a:lvl1pPr>
+              <a:defRPr sz="1200"/>
+            </a:lvl1pPr>
+          </a:lstStyle>
+          <a:p>
+            <a:pPr/>
+            <a:r>
+              <a:t>인터페이스</a:t>
+            </a:r>
+          </a:p>
+        </p:txBody>
+      </p:sp>
+      <p:sp>
+        <p:nvSpPr>
+          <p:cNvPr id="249" name="클래스"/>
+          <p:cNvSpPr txBox="1"/>
+          <p:nvPr/>
+        </p:nvSpPr>
+        <p:spPr>
+          <a:xfrm>
+            <a:off x="7855965" y="2828537"/>
+            <a:ext cx="499615" cy="281937"/>
+          </a:xfrm>
+          <a:prstGeom prst="rect">
+            <a:avLst/>
+          </a:prstGeom>
+          <a:ln w="12700">
+            <a:miter lim="400000"/>
+          </a:ln>
+          <a:extLst>
+            <a:ext uri="{C572A759-6A51-4108-AA02-DFA0A04FC94B}">
+              <ma14:wrappingTextBoxFlag xmlns:ma14="http://schemas.microsoft.com/office/mac/drawingml/2011/main" val="1"/>
+            </a:ext>
+          </a:extLst>
+        </p:spPr>
+        <p:txBody>
+          <a:bodyPr wrap="none" lIns="45718" tIns="45718" rIns="45718" bIns="45718">
+            <a:spAutoFit/>
+          </a:bodyPr>
+          <a:lstStyle>
+            <a:lvl1pPr>
+              <a:defRPr sz="1200"/>
+            </a:lvl1pPr>
+          </a:lstStyle>
+          <a:p>
+            <a:pPr/>
+            <a:r>
+              <a:t>클래스</a:t>
+            </a:r>
+          </a:p>
+        </p:txBody>
+      </p:sp>
+      <p:sp>
+        <p:nvSpPr>
+          <p:cNvPr id="250" name="선"/>
+          <p:cNvSpPr/>
+          <p:nvPr/>
+        </p:nvSpPr>
+        <p:spPr>
+          <a:xfrm flipV="1">
+            <a:off x="2730500" y="1593726"/>
+            <a:ext cx="0" cy="374774"/>
+          </a:xfrm>
+          <a:prstGeom prst="line">
+            <a:avLst/>
+          </a:prstGeom>
+          <a:ln w="25400">
+            <a:solidFill>
+              <a:srgbClr val="000000"/>
+            </a:solidFill>
+          </a:ln>
+        </p:spPr>
+        <p:txBody>
+          <a:bodyPr lIns="45718" tIns="45718" rIns="45718" bIns="45718"/>
+          <a:lstStyle/>
+          <a:p>
+            <a:pPr/>
+          </a:p>
+        </p:txBody>
+      </p:sp>
+      <p:sp>
+        <p:nvSpPr>
+          <p:cNvPr id="251" name="선"/>
+          <p:cNvSpPr/>
+          <p:nvPr/>
+        </p:nvSpPr>
+        <p:spPr>
+          <a:xfrm flipV="1">
+            <a:off x="850900" y="1810560"/>
+            <a:ext cx="0" cy="157940"/>
+          </a:xfrm>
+          <a:prstGeom prst="line">
+            <a:avLst/>
+          </a:prstGeom>
+          <a:ln w="25400">
+            <a:solidFill>
+              <a:srgbClr val="000000"/>
+            </a:solidFill>
+          </a:ln>
+        </p:spPr>
+        <p:txBody>
+          <a:bodyPr lIns="45718" tIns="45718" rIns="45718" bIns="45718"/>
+          <a:lstStyle/>
+          <a:p>
+            <a:pPr/>
+          </a:p>
+        </p:txBody>
+      </p:sp>
+      <p:sp>
+        <p:nvSpPr>
+          <p:cNvPr id="252" name="선"/>
+          <p:cNvSpPr/>
+          <p:nvPr/>
+        </p:nvSpPr>
+        <p:spPr>
+          <a:xfrm flipV="1">
+            <a:off x="4610100" y="1810560"/>
+            <a:ext cx="0" cy="157940"/>
+          </a:xfrm>
+          <a:prstGeom prst="line">
+            <a:avLst/>
+          </a:prstGeom>
+          <a:ln w="25400">
+            <a:solidFill>
+              <a:srgbClr val="000000"/>
+            </a:solidFill>
+          </a:ln>
+        </p:spPr>
+        <p:txBody>
+          <a:bodyPr lIns="45718" tIns="45718" rIns="45718" bIns="45718"/>
+          <a:lstStyle/>
+          <a:p>
+            <a:pPr/>
+          </a:p>
+        </p:txBody>
+      </p:sp>
+      <p:sp>
+        <p:nvSpPr>
+          <p:cNvPr id="253" name="선"/>
+          <p:cNvSpPr/>
+          <p:nvPr/>
+        </p:nvSpPr>
+        <p:spPr>
+          <a:xfrm>
+            <a:off x="838200" y="1803523"/>
+            <a:ext cx="3784601" cy="1"/>
+          </a:xfrm>
+          <a:prstGeom prst="line">
+            <a:avLst/>
+          </a:prstGeom>
+          <a:ln w="25400">
+            <a:solidFill>
+              <a:srgbClr val="000000"/>
+            </a:solidFill>
+          </a:ln>
+        </p:spPr>
+        <p:txBody>
+          <a:bodyPr lIns="45718" tIns="45718" rIns="45718" bIns="45718"/>
+          <a:lstStyle/>
+          <a:p>
+            <a:pPr/>
           </a:p>
         </p:txBody>
       </p:sp>
@@ -18296,7 +19040,7 @@
         </p:nvGraphicFramePr>
         <p:xfrm>
           <a:off x="1185332" y="889000"/>
-          <a:ext cx="6164030" cy="3302693"/>
+          <a:ext cx="6151330" cy="2854901"/>
         </p:xfrm>
         <a:graphic xmlns:a="http://schemas.openxmlformats.org/drawingml/2006/main">
           <a:graphicData uri="http://schemas.openxmlformats.org/drawingml/2006/table">
@@ -26349,7 +27093,7 @@
         </p:nvGraphicFramePr>
         <p:xfrm>
           <a:off x="6207795" y="1858853"/>
-          <a:ext cx="1672432" cy="697236"/>
+          <a:ext cx="1672433" cy="697236"/>
         </p:xfrm>
         <a:graphic xmlns:a="http://schemas.openxmlformats.org/drawingml/2006/main">
           <a:graphicData uri="http://schemas.openxmlformats.org/drawingml/2006/table">
@@ -26745,10 +27489,10 @@
             </a:solidFill>
             <a:effectLst/>
             <a:uFillTx/>
-            <a:latin typeface="+mj-lt"/>
-            <a:ea typeface="+mj-ea"/>
-            <a:cs typeface="+mj-cs"/>
-            <a:sym typeface="Helvetica"/>
+            <a:latin typeface="+mn-lt"/>
+            <a:ea typeface="+mn-ea"/>
+            <a:cs typeface="+mn-cs"/>
+            <a:sym typeface="맑은 고딕"/>
           </a:defRPr>
         </a:defPPr>
         <a:lvl1pPr marL="0" marR="0" indent="0" algn="l" defTabSz="914400" rtl="0" fontAlgn="auto" latinLnBrk="1" hangingPunct="0">
@@ -27316,10 +28060,10 @@
             </a:solidFill>
             <a:effectLst/>
             <a:uFillTx/>
-            <a:latin typeface="+mj-lt"/>
-            <a:ea typeface="+mj-ea"/>
-            <a:cs typeface="+mj-cs"/>
-            <a:sym typeface="Helvetica"/>
+            <a:latin typeface="+mn-lt"/>
+            <a:ea typeface="+mn-ea"/>
+            <a:cs typeface="+mn-cs"/>
+            <a:sym typeface="맑은 고딕"/>
           </a:defRPr>
         </a:defPPr>
         <a:lvl1pPr marL="0" marR="0" indent="0" algn="l" defTabSz="914400" rtl="0" fontAlgn="auto" latinLnBrk="1" hangingPunct="0">
@@ -27799,10 +28543,10 @@
             </a:solidFill>
             <a:effectLst/>
             <a:uFillTx/>
-            <a:latin typeface="+mj-lt"/>
-            <a:ea typeface="+mj-ea"/>
-            <a:cs typeface="+mj-cs"/>
-            <a:sym typeface="Helvetica"/>
+            <a:latin typeface="+mn-lt"/>
+            <a:ea typeface="+mn-ea"/>
+            <a:cs typeface="+mn-cs"/>
+            <a:sym typeface="맑은 고딕"/>
           </a:defRPr>
         </a:defPPr>
         <a:lvl1pPr marL="0" marR="0" indent="0" algn="l" defTabSz="914400" rtl="0" fontAlgn="auto" latinLnBrk="1" hangingPunct="0">
@@ -28370,10 +29114,10 @@
             </a:solidFill>
             <a:effectLst/>
             <a:uFillTx/>
-            <a:latin typeface="+mj-lt"/>
-            <a:ea typeface="+mj-ea"/>
-            <a:cs typeface="+mj-cs"/>
-            <a:sym typeface="Helvetica"/>
+            <a:latin typeface="+mn-lt"/>
+            <a:ea typeface="+mn-ea"/>
+            <a:cs typeface="+mn-cs"/>
+            <a:sym typeface="맑은 고딕"/>
           </a:defRPr>
         </a:defPPr>
         <a:lvl1pPr marL="0" marR="0" indent="0" algn="l" defTabSz="914400" rtl="0" fontAlgn="auto" latinLnBrk="1" hangingPunct="0">

--- a/assets/form/matrix.pptx
+++ b/assets/form/matrix.pptx
@@ -24,6 +24,7 @@
     <p:sldId id="269" r:id="rId21"/>
     <p:sldId id="270" r:id="rId22"/>
     <p:sldId id="271" r:id="rId23"/>
+    <p:sldId id="272" r:id="rId24"/>
   </p:sldIdLst>
   <p:sldSz cx="12192000" cy="6858000"/>
   <p:notesSz cx="6858000" cy="9144000"/>
@@ -539,7 +540,7 @@
         <p:spPr>
           <a:xfrm>
             <a:off x="1524000" y="3602037"/>
-            <a:ext cx="9144000" cy="1655769"/>
+            <a:ext cx="9144000" cy="1655770"/>
           </a:xfrm>
           <a:prstGeom prst="rect">
             <a:avLst/>
@@ -822,7 +823,7 @@
         <p:spPr>
           <a:xfrm>
             <a:off x="831850" y="4589462"/>
-            <a:ext cx="10515600" cy="1500194"/>
+            <a:ext cx="10515600" cy="1500195"/>
           </a:xfrm>
           <a:prstGeom prst="rect">
             <a:avLst/>
@@ -1125,7 +1126,7 @@
         <p:spPr>
           <a:xfrm>
             <a:off x="839787" y="1681163"/>
-            <a:ext cx="5157790" cy="823919"/>
+            <a:ext cx="5157790" cy="823920"/>
           </a:xfrm>
           <a:prstGeom prst="rect">
             <a:avLst/>
@@ -1500,8 +1501,8 @@
         </p:nvSpPr>
         <p:spPr>
           <a:xfrm>
-            <a:off x="839783" y="2057400"/>
-            <a:ext cx="3932249" cy="3811588"/>
+            <a:off x="839782" y="2057400"/>
+            <a:ext cx="3932251" cy="3811588"/>
           </a:xfrm>
           <a:prstGeom prst="rect">
             <a:avLst/>
@@ -1870,7 +1871,7 @@
         </p:nvSpPr>
         <p:spPr>
           <a:xfrm>
-            <a:off x="11080152" y="6404294"/>
+            <a:off x="11080153" y="6404294"/>
             <a:ext cx="273652" cy="269237"/>
           </a:xfrm>
           <a:prstGeom prst="rect">
@@ -6294,7 +6295,7 @@
         </p:nvGraphicFramePr>
         <p:xfrm>
           <a:off x="4026320" y="1954103"/>
-          <a:ext cx="990731" cy="697236"/>
+          <a:ext cx="990732" cy="697236"/>
         </p:xfrm>
         <a:graphic xmlns:a="http://schemas.openxmlformats.org/drawingml/2006/main">
           <a:graphicData uri="http://schemas.openxmlformats.org/drawingml/2006/table">
@@ -6464,7 +6465,7 @@
         </p:nvGraphicFramePr>
         <p:xfrm>
           <a:off x="5259682" y="1954103"/>
-          <a:ext cx="990732" cy="697236"/>
+          <a:ext cx="990733" cy="697236"/>
         </p:xfrm>
         <a:graphic xmlns:a="http://schemas.openxmlformats.org/drawingml/2006/main">
           <a:graphicData uri="http://schemas.openxmlformats.org/drawingml/2006/table">
@@ -6634,7 +6635,7 @@
         </p:nvGraphicFramePr>
         <p:xfrm>
           <a:off x="6493047" y="1954103"/>
-          <a:ext cx="990731" cy="697236"/>
+          <a:ext cx="990732" cy="697236"/>
         </p:xfrm>
         <a:graphic xmlns:a="http://schemas.openxmlformats.org/drawingml/2006/main">
           <a:graphicData uri="http://schemas.openxmlformats.org/drawingml/2006/table">
@@ -8523,7 +8524,7 @@
         </p:nvGraphicFramePr>
         <p:xfrm>
           <a:off x="5845845" y="3001853"/>
-          <a:ext cx="990731" cy="697236"/>
+          <a:ext cx="990732" cy="697236"/>
         </p:xfrm>
         <a:graphic xmlns:a="http://schemas.openxmlformats.org/drawingml/2006/main">
           <a:graphicData uri="http://schemas.openxmlformats.org/drawingml/2006/table">
@@ -8699,7 +8700,7 @@
         </p:nvGraphicFramePr>
         <p:xfrm>
           <a:off x="4676773" y="3001853"/>
-          <a:ext cx="926439" cy="697236"/>
+          <a:ext cx="926440" cy="697236"/>
         </p:xfrm>
         <a:graphic xmlns:a="http://schemas.openxmlformats.org/drawingml/2006/main">
           <a:graphicData uri="http://schemas.openxmlformats.org/drawingml/2006/table">
@@ -8883,7 +8884,7 @@
         </p:nvGraphicFramePr>
         <p:xfrm>
           <a:off x="5845845" y="3804284"/>
-          <a:ext cx="990731" cy="697237"/>
+          <a:ext cx="990732" cy="697238"/>
         </p:xfrm>
         <a:graphic xmlns:a="http://schemas.openxmlformats.org/drawingml/2006/main">
           <a:graphicData uri="http://schemas.openxmlformats.org/drawingml/2006/table">
@@ -9059,7 +9060,7 @@
         </p:nvGraphicFramePr>
         <p:xfrm>
           <a:off x="4676773" y="3804284"/>
-          <a:ext cx="926439" cy="697237"/>
+          <a:ext cx="926440" cy="697238"/>
         </p:xfrm>
         <a:graphic xmlns:a="http://schemas.openxmlformats.org/drawingml/2006/main">
           <a:graphicData uri="http://schemas.openxmlformats.org/drawingml/2006/table">
@@ -9214,7 +9215,7 @@
         <p:spPr>
           <a:xfrm>
             <a:off x="5603206" y="4307628"/>
-            <a:ext cx="242643" cy="7"/>
+            <a:ext cx="242643" cy="8"/>
           </a:xfrm>
           <a:prstGeom prst="line">
             <a:avLst/>
@@ -9243,7 +9244,7 @@
         </p:nvGraphicFramePr>
         <p:xfrm>
           <a:off x="5845845" y="628754"/>
-          <a:ext cx="990731" cy="697236"/>
+          <a:ext cx="990732" cy="697236"/>
         </p:xfrm>
         <a:graphic xmlns:a="http://schemas.openxmlformats.org/drawingml/2006/main">
           <a:graphicData uri="http://schemas.openxmlformats.org/drawingml/2006/table">
@@ -9419,7 +9420,7 @@
         </p:nvGraphicFramePr>
         <p:xfrm>
           <a:off x="4676773" y="628754"/>
-          <a:ext cx="926439" cy="697236"/>
+          <a:ext cx="926440" cy="697236"/>
         </p:xfrm>
         <a:graphic xmlns:a="http://schemas.openxmlformats.org/drawingml/2006/main">
           <a:graphicData uri="http://schemas.openxmlformats.org/drawingml/2006/table">
@@ -9574,7 +9575,7 @@
         <p:spPr>
           <a:xfrm>
             <a:off x="5603206" y="1132099"/>
-            <a:ext cx="242643" cy="7"/>
+            <a:ext cx="242643" cy="8"/>
           </a:xfrm>
           <a:prstGeom prst="line">
             <a:avLst/>
@@ -9603,7 +9604,7 @@
         </p:nvGraphicFramePr>
         <p:xfrm>
           <a:off x="5845845" y="1431182"/>
-          <a:ext cx="990731" cy="697237"/>
+          <a:ext cx="990732" cy="697238"/>
         </p:xfrm>
         <a:graphic xmlns:a="http://schemas.openxmlformats.org/drawingml/2006/main">
           <a:graphicData uri="http://schemas.openxmlformats.org/drawingml/2006/table">
@@ -9779,7 +9780,7 @@
         </p:nvGraphicFramePr>
         <p:xfrm>
           <a:off x="4676773" y="1431182"/>
-          <a:ext cx="926439" cy="697237"/>
+          <a:ext cx="926440" cy="697238"/>
         </p:xfrm>
         <a:graphic xmlns:a="http://schemas.openxmlformats.org/drawingml/2006/main">
           <a:graphicData uri="http://schemas.openxmlformats.org/drawingml/2006/table">
@@ -9934,7 +9935,7 @@
         <p:spPr>
           <a:xfrm>
             <a:off x="5603206" y="1934528"/>
-            <a:ext cx="242643" cy="7"/>
+            <a:ext cx="242643" cy="8"/>
           </a:xfrm>
           <a:prstGeom prst="line">
             <a:avLst/>
@@ -9963,7 +9964,7 @@
         </p:nvGraphicFramePr>
         <p:xfrm>
           <a:off x="8248277" y="628754"/>
-          <a:ext cx="990731" cy="697236"/>
+          <a:ext cx="990732" cy="697236"/>
         </p:xfrm>
         <a:graphic xmlns:a="http://schemas.openxmlformats.org/drawingml/2006/main">
           <a:graphicData uri="http://schemas.openxmlformats.org/drawingml/2006/table">
@@ -10139,7 +10140,7 @@
         </p:nvGraphicFramePr>
         <p:xfrm>
           <a:off x="7079208" y="628754"/>
-          <a:ext cx="926439" cy="697236"/>
+          <a:ext cx="926440" cy="697236"/>
         </p:xfrm>
         <a:graphic xmlns:a="http://schemas.openxmlformats.org/drawingml/2006/main">
           <a:graphicData uri="http://schemas.openxmlformats.org/drawingml/2006/table">
@@ -10293,7 +10294,7 @@
         </p:nvGraphicFramePr>
         <p:xfrm>
           <a:off x="8248277" y="1431182"/>
-          <a:ext cx="990731" cy="697237"/>
+          <a:ext cx="990732" cy="697238"/>
         </p:xfrm>
         <a:graphic xmlns:a="http://schemas.openxmlformats.org/drawingml/2006/main">
           <a:graphicData uri="http://schemas.openxmlformats.org/drawingml/2006/table">
@@ -10469,7 +10470,7 @@
         </p:nvGraphicFramePr>
         <p:xfrm>
           <a:off x="7079208" y="1431182"/>
-          <a:ext cx="926439" cy="697237"/>
+          <a:ext cx="926440" cy="697238"/>
         </p:xfrm>
         <a:graphic xmlns:a="http://schemas.openxmlformats.org/drawingml/2006/main">
           <a:graphicData uri="http://schemas.openxmlformats.org/drawingml/2006/table">
@@ -10624,7 +10625,7 @@
         <p:spPr>
           <a:xfrm>
             <a:off x="8005640" y="2025013"/>
-            <a:ext cx="242643" cy="7"/>
+            <a:ext cx="242643" cy="8"/>
           </a:xfrm>
           <a:prstGeom prst="line">
             <a:avLst/>
@@ -10654,7 +10655,7 @@
         <p:spPr>
           <a:xfrm>
             <a:off x="8005640" y="1187998"/>
-            <a:ext cx="71567" cy="7"/>
+            <a:ext cx="71568" cy="8"/>
           </a:xfrm>
           <a:prstGeom prst="line">
             <a:avLst/>
@@ -10683,7 +10684,7 @@
         <p:spPr>
           <a:xfrm flipH="1">
             <a:off x="8067674" y="1173586"/>
-            <a:ext cx="4770" cy="716407"/>
+            <a:ext cx="4771" cy="716408"/>
           </a:xfrm>
           <a:prstGeom prst="line">
             <a:avLst/>
@@ -10712,7 +10713,7 @@
         <p:spPr>
           <a:xfrm>
             <a:off x="8072435" y="1875600"/>
-            <a:ext cx="175849" cy="7"/>
+            <a:ext cx="175850" cy="8"/>
           </a:xfrm>
           <a:prstGeom prst="line">
             <a:avLst/>
@@ -10821,7 +10822,7 @@
         </p:nvGraphicFramePr>
         <p:xfrm>
           <a:off x="7079208" y="3001853"/>
-          <a:ext cx="926439" cy="697236"/>
+          <a:ext cx="926440" cy="697236"/>
         </p:xfrm>
         <a:graphic xmlns:a="http://schemas.openxmlformats.org/drawingml/2006/main">
           <a:graphicData uri="http://schemas.openxmlformats.org/drawingml/2006/table">
@@ -10975,7 +10976,7 @@
         </p:nvGraphicFramePr>
         <p:xfrm>
           <a:off x="8248277" y="3804284"/>
-          <a:ext cx="990731" cy="697237"/>
+          <a:ext cx="990732" cy="697238"/>
         </p:xfrm>
         <a:graphic xmlns:a="http://schemas.openxmlformats.org/drawingml/2006/main">
           <a:graphicData uri="http://schemas.openxmlformats.org/drawingml/2006/table">
@@ -11151,7 +11152,7 @@
         </p:nvGraphicFramePr>
         <p:xfrm>
           <a:off x="7079208" y="3804284"/>
-          <a:ext cx="926439" cy="697237"/>
+          <a:ext cx="926440" cy="697238"/>
         </p:xfrm>
         <a:graphic xmlns:a="http://schemas.openxmlformats.org/drawingml/2006/main">
           <a:graphicData uri="http://schemas.openxmlformats.org/drawingml/2006/table">
@@ -11306,7 +11307,7 @@
         <p:spPr>
           <a:xfrm>
             <a:off x="8005640" y="4398116"/>
-            <a:ext cx="242643" cy="7"/>
+            <a:ext cx="242643" cy="8"/>
           </a:xfrm>
           <a:prstGeom prst="line">
             <a:avLst/>
@@ -11336,7 +11337,7 @@
         <p:spPr>
           <a:xfrm>
             <a:off x="8005640" y="3561100"/>
-            <a:ext cx="71567" cy="7"/>
+            <a:ext cx="71568" cy="8"/>
           </a:xfrm>
           <a:prstGeom prst="line">
             <a:avLst/>
@@ -11365,7 +11366,7 @@
         <p:spPr>
           <a:xfrm flipH="1">
             <a:off x="8067674" y="3546685"/>
-            <a:ext cx="4770" cy="716408"/>
+            <a:ext cx="4771" cy="716409"/>
           </a:xfrm>
           <a:prstGeom prst="line">
             <a:avLst/>
@@ -11394,7 +11395,7 @@
         <p:spPr>
           <a:xfrm>
             <a:off x="8072435" y="4248701"/>
-            <a:ext cx="175849" cy="7"/>
+            <a:ext cx="175850" cy="8"/>
           </a:xfrm>
           <a:prstGeom prst="line">
             <a:avLst/>
@@ -11809,7 +11810,7 @@
         </p:nvGraphicFramePr>
         <p:xfrm>
           <a:off x="1416719" y="1525905"/>
-          <a:ext cx="1201727" cy="697236"/>
+          <a:ext cx="1201728" cy="697236"/>
         </p:xfrm>
         <a:graphic xmlns:a="http://schemas.openxmlformats.org/drawingml/2006/main">
           <a:graphicData uri="http://schemas.openxmlformats.org/drawingml/2006/table">
@@ -12140,7 +12141,7 @@
         <p:spPr>
           <a:xfrm>
             <a:off x="1174079" y="2029249"/>
-            <a:ext cx="242643" cy="7"/>
+            <a:ext cx="242643" cy="8"/>
           </a:xfrm>
           <a:prstGeom prst="line">
             <a:avLst/>
@@ -12169,7 +12170,7 @@
         </p:nvGraphicFramePr>
         <p:xfrm>
           <a:off x="1416719" y="2726476"/>
-          <a:ext cx="1201727" cy="697236"/>
+          <a:ext cx="1201728" cy="697236"/>
         </p:xfrm>
         <a:graphic xmlns:a="http://schemas.openxmlformats.org/drawingml/2006/main">
           <a:graphicData uri="http://schemas.openxmlformats.org/drawingml/2006/table">
@@ -12494,7 +12495,7 @@
         <p:spPr>
           <a:xfrm>
             <a:off x="1174079" y="3229822"/>
-            <a:ext cx="242643" cy="7"/>
+            <a:ext cx="242643" cy="8"/>
           </a:xfrm>
           <a:prstGeom prst="line">
             <a:avLst/>
@@ -12700,7 +12701,7 @@
         <p:spPr>
           <a:xfrm>
             <a:off x="2618439" y="3229822"/>
-            <a:ext cx="242643" cy="7"/>
+            <a:ext cx="242643" cy="8"/>
           </a:xfrm>
           <a:prstGeom prst="line">
             <a:avLst/>
@@ -12729,7 +12730,7 @@
         </p:nvGraphicFramePr>
         <p:xfrm>
           <a:off x="1416719" y="3927049"/>
-          <a:ext cx="1201727" cy="697238"/>
+          <a:ext cx="1201728" cy="697239"/>
         </p:xfrm>
         <a:graphic xmlns:a="http://schemas.openxmlformats.org/drawingml/2006/main">
           <a:graphicData uri="http://schemas.openxmlformats.org/drawingml/2006/table">
@@ -12899,7 +12900,7 @@
         </p:nvGraphicFramePr>
         <p:xfrm>
           <a:off x="247649" y="3927049"/>
-          <a:ext cx="926433" cy="697238"/>
+          <a:ext cx="926433" cy="697239"/>
         </p:xfrm>
         <a:graphic xmlns:a="http://schemas.openxmlformats.org/drawingml/2006/main">
           <a:graphicData uri="http://schemas.openxmlformats.org/drawingml/2006/table">
@@ -13054,7 +13055,7 @@
         <p:spPr>
           <a:xfrm>
             <a:off x="1174079" y="4430395"/>
-            <a:ext cx="242643" cy="7"/>
+            <a:ext cx="242643" cy="8"/>
           </a:xfrm>
           <a:prstGeom prst="line">
             <a:avLst/>
@@ -13083,7 +13084,7 @@
         </p:nvGraphicFramePr>
         <p:xfrm>
           <a:off x="2861074" y="3927049"/>
-          <a:ext cx="1201723" cy="697238"/>
+          <a:ext cx="1201723" cy="697239"/>
         </p:xfrm>
         <a:graphic xmlns:a="http://schemas.openxmlformats.org/drawingml/2006/main">
           <a:graphicData uri="http://schemas.openxmlformats.org/drawingml/2006/table">
@@ -13254,7 +13255,7 @@
         <p:spPr>
           <a:xfrm>
             <a:off x="2618439" y="4430395"/>
-            <a:ext cx="242643" cy="7"/>
+            <a:ext cx="242643" cy="8"/>
           </a:xfrm>
           <a:prstGeom prst="line">
             <a:avLst/>
@@ -13283,7 +13284,7 @@
         </p:nvGraphicFramePr>
         <p:xfrm>
           <a:off x="4305434" y="3927049"/>
-          <a:ext cx="1201727" cy="697238"/>
+          <a:ext cx="1201728" cy="697239"/>
         </p:xfrm>
         <a:graphic xmlns:a="http://schemas.openxmlformats.org/drawingml/2006/main">
           <a:graphicData uri="http://schemas.openxmlformats.org/drawingml/2006/table">
@@ -13460,7 +13461,7 @@
         <p:spPr>
           <a:xfrm>
             <a:off x="4062795" y="4430395"/>
-            <a:ext cx="242643" cy="7"/>
+            <a:ext cx="242643" cy="8"/>
           </a:xfrm>
           <a:prstGeom prst="line">
             <a:avLst/>
@@ -13489,7 +13490,7 @@
         </p:nvGraphicFramePr>
         <p:xfrm>
           <a:off x="1416719" y="5127623"/>
-          <a:ext cx="1201727" cy="697237"/>
+          <a:ext cx="1201728" cy="697238"/>
         </p:xfrm>
         <a:graphic xmlns:a="http://schemas.openxmlformats.org/drawingml/2006/main">
           <a:graphicData uri="http://schemas.openxmlformats.org/drawingml/2006/table">
@@ -13659,7 +13660,7 @@
         </p:nvGraphicFramePr>
         <p:xfrm>
           <a:off x="247649" y="5127623"/>
-          <a:ext cx="926433" cy="697237"/>
+          <a:ext cx="926433" cy="697238"/>
         </p:xfrm>
         <a:graphic xmlns:a="http://schemas.openxmlformats.org/drawingml/2006/main">
           <a:graphicData uri="http://schemas.openxmlformats.org/drawingml/2006/table">
@@ -13814,7 +13815,7 @@
         <p:spPr>
           <a:xfrm>
             <a:off x="1174079" y="5630967"/>
-            <a:ext cx="242643" cy="7"/>
+            <a:ext cx="242643" cy="8"/>
           </a:xfrm>
           <a:prstGeom prst="line">
             <a:avLst/>
@@ -13843,7 +13844,7 @@
         </p:nvGraphicFramePr>
         <p:xfrm>
           <a:off x="2861074" y="5127623"/>
-          <a:ext cx="1201723" cy="697237"/>
+          <a:ext cx="1201723" cy="697238"/>
         </p:xfrm>
         <a:graphic xmlns:a="http://schemas.openxmlformats.org/drawingml/2006/main">
           <a:graphicData uri="http://schemas.openxmlformats.org/drawingml/2006/table">
@@ -14014,7 +14015,7 @@
         <p:spPr>
           <a:xfrm>
             <a:off x="2618439" y="5630967"/>
-            <a:ext cx="242643" cy="7"/>
+            <a:ext cx="242643" cy="8"/>
           </a:xfrm>
           <a:prstGeom prst="line">
             <a:avLst/>
@@ -14043,7 +14044,7 @@
         </p:nvGraphicFramePr>
         <p:xfrm>
           <a:off x="4305434" y="5127623"/>
-          <a:ext cx="1201727" cy="697237"/>
+          <a:ext cx="1201728" cy="697238"/>
         </p:xfrm>
         <a:graphic xmlns:a="http://schemas.openxmlformats.org/drawingml/2006/main">
           <a:graphicData uri="http://schemas.openxmlformats.org/drawingml/2006/table">
@@ -14220,7 +14221,7 @@
         <p:spPr>
           <a:xfrm>
             <a:off x="4062795" y="5630967"/>
-            <a:ext cx="242643" cy="7"/>
+            <a:ext cx="242643" cy="8"/>
           </a:xfrm>
           <a:prstGeom prst="line">
             <a:avLst/>
@@ -14325,8 +14326,8 @@
           </p:nvSpPr>
           <p:spPr>
             <a:xfrm>
-              <a:off x="81831" y="140013"/>
-              <a:ext cx="1512741" cy="1767837"/>
+              <a:off x="81831" y="140012"/>
+              <a:ext cx="1512742" cy="1767837"/>
             </a:xfrm>
             <a:prstGeom prst="rect">
               <a:avLst/>
@@ -14638,10 +14639,10 @@
         </p:nvGrpSpPr>
         <p:grpSpPr>
           <a:xfrm>
-            <a:off x="6308782" y="622913"/>
-            <a:ext cx="1499009" cy="1611240"/>
+            <a:off x="6308780" y="622912"/>
+            <a:ext cx="1499012" cy="1611242"/>
             <a:chOff x="-1" y="0"/>
-            <a:chExt cx="1499008" cy="1611238"/>
+            <a:chExt cx="1499011" cy="1611240"/>
           </a:xfrm>
         </p:grpSpPr>
         <p:sp>
@@ -14653,7 +14654,7 @@
           <p:spPr>
             <a:xfrm>
               <a:off x="-2" y="-1"/>
-              <a:ext cx="1499010" cy="1611239"/>
+              <a:ext cx="1499013" cy="1611242"/>
             </a:xfrm>
             <a:prstGeom prst="roundRect">
               <a:avLst>
@@ -14689,7 +14690,7 @@
           <p:spPr>
             <a:xfrm>
               <a:off x="589" y="167383"/>
-              <a:ext cx="1489426" cy="1257057"/>
+              <a:ext cx="1489428" cy="1257057"/>
             </a:xfrm>
             <a:prstGeom prst="rect">
               <a:avLst/>
@@ -14811,7 +14812,7 @@
         <p:spPr>
           <a:xfrm>
             <a:off x="6308783" y="2819980"/>
-            <a:ext cx="1493297" cy="508002"/>
+            <a:ext cx="1493298" cy="508002"/>
           </a:xfrm>
           <a:prstGeom prst="roundRect">
             <a:avLst>
@@ -14842,7 +14843,7 @@
         <p:spPr>
           <a:xfrm>
             <a:off x="6309371" y="2871214"/>
-            <a:ext cx="1483750" cy="386843"/>
+            <a:ext cx="1483751" cy="386843"/>
           </a:xfrm>
           <a:prstGeom prst="rect">
             <a:avLst/>
@@ -14926,7 +14927,7 @@
         <p:spPr>
           <a:xfrm>
             <a:off x="3915121" y="2119833"/>
-            <a:ext cx="1213799" cy="333376"/>
+            <a:ext cx="1213799" cy="333375"/>
           </a:xfrm>
           <a:prstGeom prst="rect">
             <a:avLst/>
@@ -14971,7 +14972,7 @@
         <p:spPr>
           <a:xfrm flipV="1">
             <a:off x="7058283" y="2258776"/>
-            <a:ext cx="4" cy="527054"/>
+            <a:ext cx="5" cy="527055"/>
           </a:xfrm>
           <a:prstGeom prst="line">
             <a:avLst/>
@@ -15000,7 +15001,7 @@
         <p:spPr>
           <a:xfrm>
             <a:off x="7182422" y="2355930"/>
-            <a:ext cx="433702" cy="332738"/>
+            <a:ext cx="433702" cy="332737"/>
           </a:xfrm>
           <a:prstGeom prst="rect">
             <a:avLst/>
@@ -15045,7 +15046,7 @@
         <p:spPr>
           <a:xfrm flipV="1">
             <a:off x="5155736" y="1312217"/>
-            <a:ext cx="1428574" cy="960439"/>
+            <a:ext cx="1428575" cy="960439"/>
           </a:xfrm>
           <a:prstGeom prst="line">
             <a:avLst/>
@@ -15078,7 +15079,7 @@
         <p:spPr>
           <a:xfrm>
             <a:off x="5154910" y="2270031"/>
-            <a:ext cx="1429353" cy="806496"/>
+            <a:ext cx="1429354" cy="806497"/>
           </a:xfrm>
           <a:prstGeom prst="line">
             <a:avLst/>
@@ -15180,10 +15181,10 @@
         </p:nvGrpSpPr>
         <p:grpSpPr>
           <a:xfrm>
-            <a:off x="4096597" y="1109368"/>
-            <a:ext cx="5468589" cy="1404624"/>
+            <a:off x="4096596" y="1109368"/>
+            <a:ext cx="5468591" cy="1404625"/>
             <a:chOff x="0" y="25400"/>
-            <a:chExt cx="5468587" cy="1404622"/>
+            <a:chExt cx="5468590" cy="1404624"/>
           </a:xfrm>
         </p:grpSpPr>
         <p:graphicFrame>
@@ -15193,8 +15194,8 @@
             <p:nvPr/>
           </p:nvGraphicFramePr>
           <p:xfrm>
-            <a:off x="3136233" y="25400"/>
-            <a:ext cx="2332355" cy="1404623"/>
+            <a:off x="3136234" y="25400"/>
+            <a:ext cx="2332357" cy="1404625"/>
           </p:xfrm>
           <a:graphic xmlns:a="http://schemas.openxmlformats.org/drawingml/2006/main">
             <a:graphicData uri="http://schemas.openxmlformats.org/drawingml/2006/table">
@@ -15487,7 +15488,7 @@
           </p:nvGraphicFramePr>
           <p:xfrm>
             <a:off x="1996213" y="147019"/>
-            <a:ext cx="757265" cy="307342"/>
+            <a:ext cx="757267" cy="307343"/>
           </p:xfrm>
           <a:graphic xmlns:a="http://schemas.openxmlformats.org/drawingml/2006/main">
             <a:graphicData uri="http://schemas.openxmlformats.org/drawingml/2006/table">
@@ -15586,8 +15587,8 @@
           </p:nvSpPr>
           <p:spPr>
             <a:xfrm>
-              <a:off x="2520706" y="300689"/>
-              <a:ext cx="608742" cy="3"/>
+              <a:off x="2533406" y="300689"/>
+              <a:ext cx="596043" cy="4"/>
             </a:xfrm>
             <a:prstGeom prst="line">
               <a:avLst/>
@@ -15622,8 +15623,8 @@
           </p:nvSpPr>
           <p:spPr>
             <a:xfrm>
-              <a:off x="3159760" y="746178"/>
-              <a:ext cx="891781" cy="380477"/>
+              <a:off x="3159761" y="746178"/>
+              <a:ext cx="891783" cy="380479"/>
             </a:xfrm>
             <a:prstGeom prst="ellipse">
               <a:avLst/>
@@ -15656,10 +15657,10 @@
           </p:nvGrpSpPr>
           <p:grpSpPr>
             <a:xfrm>
-              <a:off x="12699" y="461579"/>
-              <a:ext cx="1600761" cy="532265"/>
-              <a:chOff x="0" y="0"/>
-              <a:chExt cx="1600760" cy="532264"/>
+              <a:off x="12698" y="461579"/>
+              <a:ext cx="1600762" cy="532267"/>
+              <a:chOff x="-1" y="0"/>
+              <a:chExt cx="1600761" cy="532265"/>
             </a:xfrm>
           </p:grpSpPr>
           <p:sp>
@@ -15670,8 +15671,8 @@
             </p:nvSpPr>
             <p:spPr>
               <a:xfrm>
-                <a:off x="-1" y="0"/>
-                <a:ext cx="1600761" cy="532265"/>
+                <a:off x="-2" y="0"/>
+                <a:ext cx="1600763" cy="532266"/>
               </a:xfrm>
               <a:prstGeom prst="rect">
                 <a:avLst/>
@@ -15708,8 +15709,8 @@
             </p:nvSpPr>
             <p:spPr>
               <a:xfrm>
-                <a:off x="-1" y="42612"/>
-                <a:ext cx="1600761" cy="447037"/>
+                <a:off x="-2" y="42612"/>
+                <a:ext cx="1600763" cy="447037"/>
               </a:xfrm>
               <a:prstGeom prst="rect">
                 <a:avLst/>
@@ -15769,8 +15770,8 @@
           </p:nvSpPr>
           <p:spPr>
             <a:xfrm>
-              <a:off x="0" y="985982"/>
-              <a:ext cx="1626160" cy="281937"/>
+              <a:off x="0" y="985983"/>
+              <a:ext cx="1626161" cy="281937"/>
             </a:xfrm>
             <a:prstGeom prst="rect">
               <a:avLst/>
@@ -15821,8 +15822,8 @@
           </p:nvSpPr>
           <p:spPr>
             <a:xfrm>
-              <a:off x="697488" y="796982"/>
-              <a:ext cx="2439030" cy="138769"/>
+              <a:off x="697488" y="796983"/>
+              <a:ext cx="2439032" cy="138770"/>
             </a:xfrm>
             <a:prstGeom prst="line">
               <a:avLst/>
@@ -15896,8 +15897,8 @@
           <p:nvPr/>
         </p:nvGraphicFramePr>
         <p:xfrm>
-          <a:off x="7258050" y="2968613"/>
-          <a:ext cx="2332353" cy="1404623"/>
+          <a:off x="7258050" y="2968612"/>
+          <a:ext cx="2332353" cy="1404624"/>
         </p:xfrm>
         <a:graphic xmlns:a="http://schemas.openxmlformats.org/drawingml/2006/main">
           <a:graphicData uri="http://schemas.openxmlformats.org/drawingml/2006/table">
@@ -16164,7 +16165,7 @@
         </p:nvGraphicFramePr>
         <p:xfrm>
           <a:off x="6118030" y="3090234"/>
-          <a:ext cx="757264" cy="307342"/>
+          <a:ext cx="757265" cy="307343"/>
         </p:xfrm>
         <a:graphic xmlns:a="http://schemas.openxmlformats.org/drawingml/2006/main">
           <a:graphicData uri="http://schemas.openxmlformats.org/drawingml/2006/table">
@@ -16263,8 +16264,8 @@
         </p:nvSpPr>
         <p:spPr>
           <a:xfrm>
-            <a:off x="6642523" y="3243903"/>
-            <a:ext cx="608742" cy="2"/>
+            <a:off x="6655223" y="3243903"/>
+            <a:ext cx="596043" cy="2"/>
           </a:xfrm>
           <a:prstGeom prst="line">
             <a:avLst/>
@@ -16294,7 +16295,7 @@
         <p:spPr>
           <a:xfrm>
             <a:off x="7281577" y="3689391"/>
-            <a:ext cx="891777" cy="380477"/>
+            <a:ext cx="891777" cy="380479"/>
           </a:xfrm>
           <a:prstGeom prst="ellipse">
             <a:avLst/>
@@ -16321,10 +16322,10 @@
         </p:nvGrpSpPr>
         <p:grpSpPr>
           <a:xfrm>
-            <a:off x="4134516" y="3404793"/>
-            <a:ext cx="1600762" cy="532265"/>
-            <a:chOff x="0" y="0"/>
-            <a:chExt cx="1600761" cy="532263"/>
+            <a:off x="4134514" y="3404791"/>
+            <a:ext cx="1600764" cy="532266"/>
+            <a:chOff x="-1" y="0"/>
+            <a:chExt cx="1600763" cy="532264"/>
           </a:xfrm>
         </p:grpSpPr>
         <p:sp>
@@ -16335,8 +16336,8 @@
           </p:nvSpPr>
           <p:spPr>
             <a:xfrm>
-              <a:off x="-1" y="-1"/>
-              <a:ext cx="1600762" cy="532264"/>
+              <a:off x="-2" y="-1"/>
+              <a:ext cx="1600765" cy="532266"/>
             </a:xfrm>
             <a:prstGeom prst="rect">
               <a:avLst/>
@@ -16373,8 +16374,8 @@
           </p:nvSpPr>
           <p:spPr>
             <a:xfrm>
-              <a:off x="-1" y="42612"/>
-              <a:ext cx="1600762" cy="447037"/>
+              <a:off x="-2" y="42612"/>
+              <a:ext cx="1600765" cy="447037"/>
             </a:xfrm>
             <a:prstGeom prst="rect">
               <a:avLst/>
@@ -16435,7 +16436,7 @@
         <p:spPr>
           <a:xfrm>
             <a:off x="4121815" y="3929195"/>
-            <a:ext cx="1626162" cy="281937"/>
+            <a:ext cx="1626163" cy="281937"/>
           </a:xfrm>
           <a:prstGeom prst="rect">
             <a:avLst/>
@@ -16483,8 +16484,8 @@
         </p:nvSpPr>
         <p:spPr>
           <a:xfrm flipV="1">
-            <a:off x="4819304" y="3480449"/>
-            <a:ext cx="2436820" cy="259750"/>
+            <a:off x="4819303" y="3480450"/>
+            <a:ext cx="2436821" cy="259750"/>
           </a:xfrm>
           <a:prstGeom prst="line">
             <a:avLst/>
@@ -16512,7 +16513,7 @@
         </p:nvSpPr>
         <p:spPr>
           <a:xfrm>
-            <a:off x="4101227" y="2680549"/>
+            <a:off x="4101227" y="2680548"/>
             <a:ext cx="5072478" cy="281937"/>
           </a:xfrm>
           <a:prstGeom prst="rect">
@@ -16552,8 +16553,8 @@
         </p:nvSpPr>
         <p:spPr>
           <a:xfrm>
-            <a:off x="7883727" y="3364149"/>
-            <a:ext cx="289842" cy="352544"/>
+            <a:off x="7883727" y="3364156"/>
+            <a:ext cx="289844" cy="352537"/>
           </a:xfrm>
           <a:custGeom>
             <a:avLst/>
@@ -16632,14 +16633,14 @@
       </p:grpSpPr>
       <p:sp>
         <p:nvSpPr>
-          <p:cNvPr id="229" name="Collection&lt;E&gt;"/>
+          <p:cNvPr id="229" name="Line a = new Line();…"/>
           <p:cNvSpPr/>
           <p:nvPr/>
         </p:nvSpPr>
         <p:spPr>
           <a:xfrm>
-            <a:off x="2095500" y="1279996"/>
-            <a:ext cx="1270000" cy="322908"/>
+            <a:off x="6858592" y="1560347"/>
+            <a:ext cx="2254199" cy="867314"/>
           </a:xfrm>
           <a:prstGeom prst="rect">
             <a:avLst/>
@@ -16660,6 +16661,87 @@
         </p:spPr>
         <p:txBody>
           <a:bodyPr lIns="45718" tIns="45718" rIns="45718" bIns="45718" anchor="ctr"/>
+          <a:lstStyle/>
+          <a:p>
+            <a:pPr>
+              <a:defRPr sz="1200"/>
+            </a:pPr>
+            <a:r>
+              <a:t>...</a:t>
+            </a:r>
+          </a:p>
+          <a:p>
+            <a:pPr>
+              <a:defRPr sz="1200"/>
+            </a:pPr>
+            <a:r>
+              <a:rPr>
+                <a:solidFill>
+                  <a:srgbClr val="FF453A"/>
+                </a:solidFill>
+              </a:rPr>
+              <a:t>void</a:t>
+            </a:r>
+            <a:r>
+              <a:t> push(</a:t>
+            </a:r>
+            <a:r>
+              <a:rPr b="1"/>
+              <a:t>Integer</a:t>
+            </a:r>
+            <a:r>
+              <a:t> element) {...}</a:t>
+            </a:r>
+          </a:p>
+          <a:p>
+            <a:pPr>
+              <a:defRPr sz="1200"/>
+            </a:pPr>
+            <a:r>
+              <a:rPr b="1"/>
+              <a:t>Integer</a:t>
+            </a:r>
+            <a:r>
+              <a:t> pop() {...}</a:t>
+            </a:r>
+          </a:p>
+          <a:p>
+            <a:pPr>
+              <a:defRPr sz="1200"/>
+            </a:pPr>
+            <a:r>
+              <a:t>...</a:t>
+            </a:r>
+          </a:p>
+        </p:txBody>
+      </p:sp>
+      <p:sp>
+        <p:nvSpPr>
+          <p:cNvPr id="230" name="실행 결과: Line이 출력됨"/>
+          <p:cNvSpPr txBox="1"/>
+          <p:nvPr/>
+        </p:nvSpPr>
+        <p:spPr>
+          <a:xfrm>
+            <a:off x="7172612" y="1254861"/>
+            <a:ext cx="1626161" cy="281937"/>
+          </a:xfrm>
+          <a:prstGeom prst="rect">
+            <a:avLst/>
+          </a:prstGeom>
+          <a:ln w="12700">
+            <a:miter lim="400000"/>
+          </a:ln>
+          <a:extLst>
+            <a:ext uri="{C572A759-6A51-4108-AA02-DFA0A04FC94B}">
+              <ma14:wrappingTextBoxFlag xmlns:ma14="http://schemas.microsoft.com/office/mac/drawingml/2011/main" val="1"/>
+            </a:ext>
+          </a:extLst>
+        </p:spPr>
+        <p:txBody>
+          <a:bodyPr lIns="45718" tIns="45718" rIns="45718" bIns="45718">
+            <a:spAutoFit/>
+          </a:bodyPr>
           <a:lstStyle>
             <a:lvl1pPr algn="ctr">
               <a:defRPr sz="1200"/>
@@ -16668,21 +16750,147 @@
           <a:p>
             <a:pPr/>
             <a:r>
-              <a:t>Collection&lt;E&gt;</a:t>
+              <a:t>정수 스택</a:t>
             </a:r>
           </a:p>
         </p:txBody>
       </p:sp>
       <p:sp>
         <p:nvSpPr>
-          <p:cNvPr id="230" name="List&lt;E&gt;"/>
+          <p:cNvPr id="231" name="선"/>
           <p:cNvSpPr/>
           <p:nvPr/>
         </p:nvSpPr>
         <p:spPr>
           <a:xfrm>
-            <a:off x="2095500" y="1955800"/>
-            <a:ext cx="1270000" cy="322908"/>
+            <a:off x="5402653" y="2580675"/>
+            <a:ext cx="1431920" cy="479749"/>
+          </a:xfrm>
+          <a:prstGeom prst="line">
+            <a:avLst/>
+          </a:prstGeom>
+          <a:ln w="25400">
+            <a:solidFill>
+              <a:schemeClr val="accent2"/>
+            </a:solidFill>
+            <a:tailEnd type="triangle"/>
+          </a:ln>
+        </p:spPr>
+        <p:txBody>
+          <a:bodyPr lIns="45718" tIns="45718" rIns="45718" bIns="45718"/>
+          <a:lstStyle/>
+          <a:p>
+            <a:pPr/>
+          </a:p>
+        </p:txBody>
+      </p:sp>
+      <p:sp>
+        <p:nvSpPr>
+          <p:cNvPr id="232" name="타원형"/>
+          <p:cNvSpPr/>
+          <p:nvPr/>
+        </p:nvSpPr>
+        <p:spPr>
+          <a:xfrm>
+            <a:off x="9301063" y="2007408"/>
+            <a:ext cx="891777" cy="380479"/>
+          </a:xfrm>
+          <a:prstGeom prst="ellipse">
+            <a:avLst/>
+          </a:prstGeom>
+          <a:ln w="25400">
+            <a:solidFill>
+              <a:srgbClr val="BE0B00"/>
+            </a:solidFill>
+          </a:ln>
+        </p:spPr>
+        <p:txBody>
+          <a:bodyPr lIns="45718" tIns="45718" rIns="45718" bIns="45718" anchor="ctr"/>
+          <a:lstStyle/>
+          <a:p>
+            <a:pPr/>
+          </a:p>
+        </p:txBody>
+      </p:sp>
+      <p:sp>
+        <p:nvSpPr>
+          <p:cNvPr id="233" name="실행 결과: Line이 출력됨"/>
+          <p:cNvSpPr txBox="1"/>
+          <p:nvPr/>
+        </p:nvSpPr>
+        <p:spPr>
+          <a:xfrm>
+            <a:off x="7172611" y="3522377"/>
+            <a:ext cx="1626163" cy="281937"/>
+          </a:xfrm>
+          <a:prstGeom prst="rect">
+            <a:avLst/>
+          </a:prstGeom>
+          <a:ln w="12700">
+            <a:miter lim="400000"/>
+          </a:ln>
+          <a:extLst>
+            <a:ext uri="{C572A759-6A51-4108-AA02-DFA0A04FC94B}">
+              <ma14:wrappingTextBoxFlag xmlns:ma14="http://schemas.microsoft.com/office/mac/drawingml/2011/main" val="1"/>
+            </a:ext>
+          </a:extLst>
+        </p:spPr>
+        <p:txBody>
+          <a:bodyPr lIns="45718" tIns="45718" rIns="45718" bIns="45718">
+            <a:spAutoFit/>
+          </a:bodyPr>
+          <a:lstStyle>
+            <a:lvl1pPr algn="ctr">
+              <a:defRPr sz="1200"/>
+            </a:lvl1pPr>
+          </a:lstStyle>
+          <a:p>
+            <a:pPr/>
+            <a:r>
+              <a:t>문자열 스택</a:t>
+            </a:r>
+          </a:p>
+        </p:txBody>
+      </p:sp>
+      <p:sp>
+        <p:nvSpPr>
+          <p:cNvPr id="234" name="선"/>
+          <p:cNvSpPr/>
+          <p:nvPr/>
+        </p:nvSpPr>
+        <p:spPr>
+          <a:xfrm flipV="1">
+            <a:off x="5412081" y="2009765"/>
+            <a:ext cx="1413503" cy="526704"/>
+          </a:xfrm>
+          <a:prstGeom prst="line">
+            <a:avLst/>
+          </a:prstGeom>
+          <a:ln w="25400">
+            <a:solidFill>
+              <a:schemeClr val="accent2"/>
+            </a:solidFill>
+            <a:tailEnd type="triangle"/>
+          </a:ln>
+        </p:spPr>
+        <p:txBody>
+          <a:bodyPr lIns="45718" tIns="45718" rIns="45718" bIns="45718"/>
+          <a:lstStyle/>
+          <a:p>
+            <a:pPr/>
+          </a:p>
+        </p:txBody>
+      </p:sp>
+      <p:sp>
+        <p:nvSpPr>
+          <p:cNvPr id="235" name="Line a = new Line();…"/>
+          <p:cNvSpPr/>
+          <p:nvPr/>
+        </p:nvSpPr>
+        <p:spPr>
+          <a:xfrm>
+            <a:off x="3293482" y="1922360"/>
+            <a:ext cx="2081249" cy="1238750"/>
           </a:xfrm>
           <a:prstGeom prst="rect">
             <a:avLst/>
@@ -16703,29 +16911,86 @@
         </p:spPr>
         <p:txBody>
           <a:bodyPr lIns="45718" tIns="45718" rIns="45718" bIns="45718" anchor="ctr"/>
-          <a:lstStyle>
-            <a:lvl1pPr algn="ctr">
+          <a:lstStyle/>
+          <a:p>
+            <a:pPr>
               <a:defRPr sz="1200"/>
-            </a:lvl1pPr>
-          </a:lstStyle>
+            </a:pPr>
+            <a:r>
+              <a:rPr>
+                <a:solidFill>
+                  <a:srgbClr val="FF453A"/>
+                </a:solidFill>
+              </a:rPr>
+              <a:t>class</a:t>
+            </a:r>
+            <a:r>
+              <a:t> Stack&lt;E&gt; {</a:t>
+            </a:r>
+          </a:p>
           <a:p>
-            <a:pPr/>
+            <a:pPr>
+              <a:defRPr sz="1200"/>
+            </a:pPr>
             <a:r>
-              <a:t>List&lt;E&gt;</a:t>
+              <a:t>    ...</a:t>
+            </a:r>
+          </a:p>
+          <a:p>
+            <a:pPr>
+              <a:defRPr sz="1200"/>
+            </a:pPr>
+            <a:r>
+              <a:t>    </a:t>
+            </a:r>
+            <a:r>
+              <a:rPr>
+                <a:solidFill>
+                  <a:srgbClr val="FF453A"/>
+                </a:solidFill>
+              </a:rPr>
+              <a:t>void</a:t>
+            </a:r>
+            <a:r>
+              <a:t> push(E element) {...}</a:t>
+            </a:r>
+          </a:p>
+          <a:p>
+            <a:pPr>
+              <a:defRPr sz="1200"/>
+            </a:pPr>
+            <a:r>
+              <a:t>    E pop() {...}</a:t>
+            </a:r>
+          </a:p>
+          <a:p>
+            <a:pPr>
+              <a:defRPr sz="1200"/>
+            </a:pPr>
+            <a:r>
+              <a:t>    ...</a:t>
+            </a:r>
+          </a:p>
+          <a:p>
+            <a:pPr>
+              <a:defRPr sz="1200"/>
+            </a:pPr>
+            <a:r>
+              <a:t>}</a:t>
             </a:r>
           </a:p>
         </p:txBody>
       </p:sp>
       <p:sp>
         <p:nvSpPr>
-          <p:cNvPr id="231" name="Queue&lt;E&gt;"/>
+          <p:cNvPr id="236" name="Line a = new Line();…"/>
           <p:cNvSpPr/>
           <p:nvPr/>
         </p:nvSpPr>
         <p:spPr>
           <a:xfrm>
-            <a:off x="3975100" y="1955800"/>
-            <a:ext cx="1270000" cy="322908"/>
+            <a:off x="6858592" y="2655810"/>
+            <a:ext cx="2254199" cy="867314"/>
           </a:xfrm>
           <a:prstGeom prst="rect">
             <a:avLst/>
@@ -16746,6 +17011,175 @@
         </p:spPr>
         <p:txBody>
           <a:bodyPr lIns="45718" tIns="45718" rIns="45718" bIns="45718" anchor="ctr"/>
+          <a:lstStyle/>
+          <a:p>
+            <a:pPr>
+              <a:defRPr sz="1200"/>
+            </a:pPr>
+            <a:r>
+              <a:t>...</a:t>
+            </a:r>
+          </a:p>
+          <a:p>
+            <a:pPr>
+              <a:defRPr sz="1200"/>
+            </a:pPr>
+            <a:r>
+              <a:rPr>
+                <a:solidFill>
+                  <a:srgbClr val="FF453A"/>
+                </a:solidFill>
+              </a:rPr>
+              <a:t>void</a:t>
+            </a:r>
+            <a:r>
+              <a:t> push(</a:t>
+            </a:r>
+            <a:r>
+              <a:rPr b="1"/>
+              <a:t>String</a:t>
+            </a:r>
+            <a:r>
+              <a:t> element) {...}</a:t>
+            </a:r>
+          </a:p>
+          <a:p>
+            <a:pPr>
+              <a:defRPr sz="1200"/>
+            </a:pPr>
+            <a:r>
+              <a:rPr b="1"/>
+              <a:t>String</a:t>
+            </a:r>
+            <a:r>
+              <a:t> pop() {...}</a:t>
+            </a:r>
+          </a:p>
+          <a:p>
+            <a:pPr>
+              <a:defRPr sz="1200"/>
+            </a:pPr>
+            <a:r>
+              <a:t>...</a:t>
+            </a:r>
+          </a:p>
+        </p:txBody>
+      </p:sp>
+      <p:sp>
+        <p:nvSpPr>
+          <p:cNvPr id="237" name="Stack&lt;Integer&gt;"/>
+          <p:cNvSpPr txBox="1"/>
+          <p:nvPr/>
+        </p:nvSpPr>
+        <p:spPr>
+          <a:xfrm rot="20420993">
+            <a:off x="5527126" y="2000292"/>
+            <a:ext cx="1137748" cy="269237"/>
+          </a:xfrm>
+          <a:prstGeom prst="rect">
+            <a:avLst/>
+          </a:prstGeom>
+          <a:ln w="12700">
+            <a:miter lim="400000"/>
+          </a:ln>
+          <a:extLst>
+            <a:ext uri="{C572A759-6A51-4108-AA02-DFA0A04FC94B}">
+              <ma14:wrappingTextBoxFlag xmlns:ma14="http://schemas.microsoft.com/office/mac/drawingml/2011/main" val="1"/>
+            </a:ext>
+          </a:extLst>
+        </p:spPr>
+        <p:txBody>
+          <a:bodyPr wrap="none" lIns="45718" tIns="45718" rIns="45718" bIns="45718">
+            <a:spAutoFit/>
+          </a:bodyPr>
+          <a:lstStyle>
+            <a:lvl1pPr>
+              <a:defRPr sz="1200">
+                <a:solidFill>
+                  <a:srgbClr val="FF453A"/>
+                </a:solidFill>
+              </a:defRPr>
+            </a:lvl1pPr>
+          </a:lstStyle>
+          <a:p>
+            <a:pPr/>
+            <a:r>
+              <a:t>Stack&lt;Integer&gt;</a:t>
+            </a:r>
+          </a:p>
+        </p:txBody>
+      </p:sp>
+      <p:sp>
+        <p:nvSpPr>
+          <p:cNvPr id="238" name="Stack&lt;String&gt;"/>
+          <p:cNvSpPr txBox="1"/>
+          <p:nvPr/>
+        </p:nvSpPr>
+        <p:spPr>
+          <a:xfrm rot="1116579">
+            <a:off x="5565300" y="2815486"/>
+            <a:ext cx="1061400" cy="269237"/>
+          </a:xfrm>
+          <a:prstGeom prst="rect">
+            <a:avLst/>
+          </a:prstGeom>
+          <a:ln w="12700">
+            <a:miter lim="400000"/>
+          </a:ln>
+          <a:extLst>
+            <a:ext uri="{C572A759-6A51-4108-AA02-DFA0A04FC94B}">
+              <ma14:wrappingTextBoxFlag xmlns:ma14="http://schemas.microsoft.com/office/mac/drawingml/2011/main" val="1"/>
+            </a:ext>
+          </a:extLst>
+        </p:spPr>
+        <p:txBody>
+          <a:bodyPr wrap="none" lIns="45718" tIns="45718" rIns="45718" bIns="45718">
+            <a:spAutoFit/>
+          </a:bodyPr>
+          <a:lstStyle>
+            <a:lvl1pPr>
+              <a:defRPr sz="1200">
+                <a:solidFill>
+                  <a:srgbClr val="FF453A"/>
+                </a:solidFill>
+              </a:defRPr>
+            </a:lvl1pPr>
+          </a:lstStyle>
+          <a:p>
+            <a:pPr/>
+            <a:r>
+              <a:t>Stack&lt;String&gt;</a:t>
+            </a:r>
+          </a:p>
+        </p:txBody>
+      </p:sp>
+      <p:sp>
+        <p:nvSpPr>
+          <p:cNvPr id="239" name="실행 결과: Line이 출력됨"/>
+          <p:cNvSpPr txBox="1"/>
+          <p:nvPr/>
+        </p:nvSpPr>
+        <p:spPr>
+          <a:xfrm>
+            <a:off x="3521026" y="3176757"/>
+            <a:ext cx="1626163" cy="281937"/>
+          </a:xfrm>
+          <a:prstGeom prst="rect">
+            <a:avLst/>
+          </a:prstGeom>
+          <a:ln w="12700">
+            <a:miter lim="400000"/>
+          </a:ln>
+          <a:extLst>
+            <a:ext uri="{C572A759-6A51-4108-AA02-DFA0A04FC94B}">
+              <ma14:wrappingTextBoxFlag xmlns:ma14="http://schemas.microsoft.com/office/mac/drawingml/2011/main" val="1"/>
+            </a:ext>
+          </a:extLst>
+        </p:spPr>
+        <p:txBody>
+          <a:bodyPr lIns="45718" tIns="45718" rIns="45718" bIns="45718">
+            <a:spAutoFit/>
+          </a:bodyPr>
           <a:lstStyle>
             <a:lvl1pPr algn="ctr">
               <a:defRPr sz="1200"/>
@@ -16754,32 +17188,89 @@
           <a:p>
             <a:pPr/>
             <a:r>
-              <a:t>Queue&lt;E&gt;</a:t>
+              <a:t>제네릭 스택</a:t>
             </a:r>
           </a:p>
         </p:txBody>
       </p:sp>
       <p:sp>
         <p:nvSpPr>
-          <p:cNvPr id="232" name="Set&lt;E&gt;"/>
+          <p:cNvPr id="240" name="선"/>
+          <p:cNvSpPr/>
+          <p:nvPr/>
+        </p:nvSpPr>
+        <p:spPr>
+          <a:xfrm flipV="1">
+            <a:off x="9296615" y="1311981"/>
+            <a:ext cx="1" cy="867314"/>
+          </a:xfrm>
+          <a:prstGeom prst="line">
+            <a:avLst/>
+          </a:prstGeom>
+          <a:ln w="25400">
+            <a:solidFill>
+              <a:srgbClr val="BE0B00"/>
+            </a:solidFill>
+          </a:ln>
+        </p:spPr>
+        <p:txBody>
+          <a:bodyPr lIns="45718" tIns="45718" rIns="45718" bIns="45718"/>
+          <a:lstStyle/>
+          <a:p>
+            <a:pPr/>
+          </a:p>
+        </p:txBody>
+      </p:sp>
+      <p:sp>
+        <p:nvSpPr>
+          <p:cNvPr id="241" name="선"/>
+          <p:cNvSpPr/>
+          <p:nvPr/>
+        </p:nvSpPr>
+        <p:spPr>
+          <a:xfrm flipV="1">
+            <a:off x="10197073" y="1311981"/>
+            <a:ext cx="1" cy="867314"/>
+          </a:xfrm>
+          <a:prstGeom prst="line">
+            <a:avLst/>
+          </a:prstGeom>
+          <a:ln w="25400">
+            <a:solidFill>
+              <a:srgbClr val="BE0B00"/>
+            </a:solidFill>
+          </a:ln>
+        </p:spPr>
+        <p:txBody>
+          <a:bodyPr lIns="45718" tIns="45718" rIns="45718" bIns="45718"/>
+          <a:lstStyle/>
+          <a:p>
+            <a:pPr/>
+          </a:p>
+        </p:txBody>
+      </p:sp>
+      <p:sp>
+        <p:nvSpPr>
+          <p:cNvPr id="242" name="타원형"/>
           <p:cNvSpPr/>
           <p:nvPr/>
         </p:nvSpPr>
         <p:spPr>
           <a:xfrm>
-            <a:off x="215900" y="1955800"/>
-            <a:ext cx="1270000" cy="322908"/>
+            <a:off x="9301063" y="1948571"/>
+            <a:ext cx="891783" cy="380479"/>
           </a:xfrm>
-          <a:prstGeom prst="rect">
+          <a:prstGeom prst="ellipse">
             <a:avLst/>
           </a:prstGeom>
           <a:solidFill>
-            <a:srgbClr val="FFFFFF"/>
+            <a:schemeClr val="accent6"/>
           </a:solidFill>
-          <a:ln w="25400">
+          <a:ln w="12700">
             <a:solidFill>
-              <a:schemeClr val="accent1"/>
+              <a:srgbClr val="000000"/>
             </a:solidFill>
+            <a:miter lim="400000"/>
           </a:ln>
           <a:extLst>
             <a:ext uri="{C572A759-6A51-4108-AA02-DFA0A04FC94B}">
@@ -16791,38 +17282,39 @@
           <a:bodyPr lIns="45718" tIns="45718" rIns="45718" bIns="45718" anchor="ctr"/>
           <a:lstStyle>
             <a:lvl1pPr algn="ctr">
-              <a:defRPr sz="1200"/>
+              <a:defRPr sz="800"/>
             </a:lvl1pPr>
           </a:lstStyle>
           <a:p>
             <a:pPr/>
             <a:r>
-              <a:t>Set&lt;E&gt;</a:t>
+              <a:t>10</a:t>
             </a:r>
           </a:p>
         </p:txBody>
       </p:sp>
       <p:sp>
         <p:nvSpPr>
-          <p:cNvPr id="233" name="Map&lt;K, V&gt;"/>
+          <p:cNvPr id="243" name="타원형"/>
           <p:cNvSpPr/>
           <p:nvPr/>
         </p:nvSpPr>
         <p:spPr>
           <a:xfrm>
-            <a:off x="6210300" y="1279996"/>
-            <a:ext cx="1270000" cy="322908"/>
+            <a:off x="9301063" y="1727559"/>
+            <a:ext cx="891783" cy="380479"/>
           </a:xfrm>
-          <a:prstGeom prst="rect">
+          <a:prstGeom prst="ellipse">
             <a:avLst/>
           </a:prstGeom>
           <a:solidFill>
-            <a:srgbClr val="FFFFFF"/>
+            <a:schemeClr val="accent6"/>
           </a:solidFill>
-          <a:ln w="25400">
+          <a:ln w="12700">
             <a:solidFill>
-              <a:schemeClr val="accent1"/>
+              <a:srgbClr val="000000"/>
             </a:solidFill>
+            <a:miter lim="400000"/>
           </a:ln>
           <a:extLst>
             <a:ext uri="{C572A759-6A51-4108-AA02-DFA0A04FC94B}">
@@ -16834,38 +17326,39 @@
           <a:bodyPr lIns="45718" tIns="45718" rIns="45718" bIns="45718" anchor="ctr"/>
           <a:lstStyle>
             <a:lvl1pPr algn="ctr">
-              <a:defRPr sz="1200"/>
+              <a:defRPr sz="800"/>
             </a:lvl1pPr>
           </a:lstStyle>
           <a:p>
             <a:pPr/>
             <a:r>
-              <a:t>Map&lt;K, V&gt;</a:t>
+              <a:t>123</a:t>
             </a:r>
           </a:p>
         </p:txBody>
       </p:sp>
       <p:sp>
         <p:nvSpPr>
-          <p:cNvPr id="234" name="HashSet&lt;E&gt;"/>
+          <p:cNvPr id="244" name="타원형"/>
           <p:cNvSpPr/>
           <p:nvPr/>
         </p:nvSpPr>
         <p:spPr>
           <a:xfrm>
-            <a:off x="215900" y="2984500"/>
-            <a:ext cx="1270000" cy="322908"/>
+            <a:off x="9301063" y="1483304"/>
+            <a:ext cx="891783" cy="380479"/>
           </a:xfrm>
-          <a:prstGeom prst="rect">
+          <a:prstGeom prst="ellipse">
             <a:avLst/>
           </a:prstGeom>
           <a:solidFill>
-            <a:srgbClr val="FFFFFF"/>
+            <a:schemeClr val="accent6"/>
           </a:solidFill>
-          <a:ln w="25400">
+          <a:ln w="12700">
             <a:solidFill>
-              <a:schemeClr val="accent2"/>
+              <a:srgbClr val="000000"/>
             </a:solidFill>
+            <a:miter lim="400000"/>
           </a:ln>
           <a:extLst>
             <a:ext uri="{C572A759-6A51-4108-AA02-DFA0A04FC94B}">
@@ -16877,29 +17370,29 @@
           <a:bodyPr lIns="45718" tIns="45718" rIns="45718" bIns="45718" anchor="ctr"/>
           <a:lstStyle>
             <a:lvl1pPr algn="ctr">
-              <a:defRPr sz="1200"/>
+              <a:defRPr sz="800"/>
             </a:lvl1pPr>
           </a:lstStyle>
           <a:p>
             <a:pPr/>
             <a:r>
-              <a:t>HashSet&lt;E&gt;</a:t>
+              <a:t>4</a:t>
             </a:r>
           </a:p>
         </p:txBody>
       </p:sp>
       <p:sp>
         <p:nvSpPr>
-          <p:cNvPr id="235" name="ArrayList&lt;E&gt;"/>
+          <p:cNvPr id="245" name="타원형"/>
           <p:cNvSpPr/>
           <p:nvPr/>
         </p:nvSpPr>
         <p:spPr>
           <a:xfrm>
-            <a:off x="1625600" y="2984500"/>
-            <a:ext cx="1270000" cy="322908"/>
+            <a:off x="9301063" y="1129386"/>
+            <a:ext cx="891783" cy="380479"/>
           </a:xfrm>
-          <a:prstGeom prst="rect">
+          <a:prstGeom prst="ellipse">
             <a:avLst/>
           </a:prstGeom>
           <a:solidFill>
@@ -16907,8 +17400,124 @@
           </a:solidFill>
           <a:ln w="25400">
             <a:solidFill>
-              <a:schemeClr val="accent2"/>
+              <a:srgbClr val="BE0B00"/>
             </a:solidFill>
+          </a:ln>
+        </p:spPr>
+        <p:txBody>
+          <a:bodyPr lIns="45718" tIns="45718" rIns="45718" bIns="45718" anchor="ctr"/>
+          <a:lstStyle/>
+          <a:p>
+            <a:pPr/>
+          </a:p>
+        </p:txBody>
+      </p:sp>
+      <p:sp>
+        <p:nvSpPr>
+          <p:cNvPr id="246" name="타원형"/>
+          <p:cNvSpPr/>
+          <p:nvPr/>
+        </p:nvSpPr>
+        <p:spPr>
+          <a:xfrm>
+            <a:off x="9301171" y="3566498"/>
+            <a:ext cx="891777" cy="380479"/>
+          </a:xfrm>
+          <a:prstGeom prst="ellipse">
+            <a:avLst/>
+          </a:prstGeom>
+          <a:ln w="25400">
+            <a:solidFill>
+              <a:srgbClr val="BE0B00"/>
+            </a:solidFill>
+          </a:ln>
+        </p:spPr>
+        <p:txBody>
+          <a:bodyPr lIns="45718" tIns="45718" rIns="45718" bIns="45718" anchor="ctr"/>
+          <a:lstStyle/>
+          <a:p>
+            <a:pPr/>
+          </a:p>
+        </p:txBody>
+      </p:sp>
+      <p:sp>
+        <p:nvSpPr>
+          <p:cNvPr id="247" name="선"/>
+          <p:cNvSpPr/>
+          <p:nvPr/>
+        </p:nvSpPr>
+        <p:spPr>
+          <a:xfrm flipV="1">
+            <a:off x="9296723" y="2871070"/>
+            <a:ext cx="1" cy="867315"/>
+          </a:xfrm>
+          <a:prstGeom prst="line">
+            <a:avLst/>
+          </a:prstGeom>
+          <a:ln w="25400">
+            <a:solidFill>
+              <a:srgbClr val="BE0B00"/>
+            </a:solidFill>
+          </a:ln>
+        </p:spPr>
+        <p:txBody>
+          <a:bodyPr lIns="45718" tIns="45718" rIns="45718" bIns="45718"/>
+          <a:lstStyle/>
+          <a:p>
+            <a:pPr/>
+          </a:p>
+        </p:txBody>
+      </p:sp>
+      <p:sp>
+        <p:nvSpPr>
+          <p:cNvPr id="248" name="선"/>
+          <p:cNvSpPr/>
+          <p:nvPr/>
+        </p:nvSpPr>
+        <p:spPr>
+          <a:xfrm flipV="1">
+            <a:off x="10197180" y="2871070"/>
+            <a:ext cx="1" cy="867315"/>
+          </a:xfrm>
+          <a:prstGeom prst="line">
+            <a:avLst/>
+          </a:prstGeom>
+          <a:ln w="25400">
+            <a:solidFill>
+              <a:srgbClr val="BE0B00"/>
+            </a:solidFill>
+          </a:ln>
+        </p:spPr>
+        <p:txBody>
+          <a:bodyPr lIns="45718" tIns="45718" rIns="45718" bIns="45718"/>
+          <a:lstStyle/>
+          <a:p>
+            <a:pPr/>
+          </a:p>
+        </p:txBody>
+      </p:sp>
+      <p:sp>
+        <p:nvSpPr>
+          <p:cNvPr id="249" name="타원형"/>
+          <p:cNvSpPr/>
+          <p:nvPr/>
+        </p:nvSpPr>
+        <p:spPr>
+          <a:xfrm>
+            <a:off x="9301171" y="3507660"/>
+            <a:ext cx="891783" cy="380479"/>
+          </a:xfrm>
+          <a:prstGeom prst="ellipse">
+            <a:avLst/>
+          </a:prstGeom>
+          <a:solidFill>
+            <a:schemeClr val="accent6"/>
+          </a:solidFill>
+          <a:ln w="12700">
+            <a:solidFill>
+              <a:srgbClr val="000000"/>
+            </a:solidFill>
+            <a:miter lim="400000"/>
           </a:ln>
           <a:extLst>
             <a:ext uri="{C572A759-6A51-4108-AA02-DFA0A04FC94B}">
@@ -16920,38 +17529,39 @@
           <a:bodyPr lIns="45718" tIns="45718" rIns="45718" bIns="45718" anchor="ctr"/>
           <a:lstStyle>
             <a:lvl1pPr algn="ctr">
-              <a:defRPr sz="1200"/>
+              <a:defRPr sz="800"/>
             </a:lvl1pPr>
           </a:lstStyle>
           <a:p>
             <a:pPr/>
             <a:r>
-              <a:t>ArrayList&lt;E&gt;</a:t>
+              <a:t>abc</a:t>
             </a:r>
           </a:p>
         </p:txBody>
       </p:sp>
       <p:sp>
         <p:nvSpPr>
-          <p:cNvPr id="236" name="Vector&lt;E&gt;"/>
+          <p:cNvPr id="250" name="타원형"/>
           <p:cNvSpPr/>
           <p:nvPr/>
         </p:nvSpPr>
         <p:spPr>
           <a:xfrm>
-            <a:off x="3035300" y="2984500"/>
-            <a:ext cx="1270000" cy="322908"/>
+            <a:off x="9301171" y="3286649"/>
+            <a:ext cx="891783" cy="380479"/>
           </a:xfrm>
-          <a:prstGeom prst="rect">
+          <a:prstGeom prst="ellipse">
             <a:avLst/>
           </a:prstGeom>
           <a:solidFill>
-            <a:srgbClr val="FFFFFF"/>
+            <a:schemeClr val="accent6"/>
           </a:solidFill>
-          <a:ln w="25400">
+          <a:ln w="12700">
             <a:solidFill>
-              <a:schemeClr val="accent2"/>
+              <a:srgbClr val="000000"/>
             </a:solidFill>
+            <a:miter lim="400000"/>
           </a:ln>
           <a:extLst>
             <a:ext uri="{C572A759-6A51-4108-AA02-DFA0A04FC94B}">
@@ -16963,38 +17573,39 @@
           <a:bodyPr lIns="45718" tIns="45718" rIns="45718" bIns="45718" anchor="ctr"/>
           <a:lstStyle>
             <a:lvl1pPr algn="ctr">
-              <a:defRPr sz="1200"/>
+              <a:defRPr sz="800"/>
             </a:lvl1pPr>
           </a:lstStyle>
           <a:p>
             <a:pPr/>
             <a:r>
-              <a:t>Vector&lt;E&gt;</a:t>
+              <a:t>java</a:t>
             </a:r>
           </a:p>
         </p:txBody>
       </p:sp>
       <p:sp>
         <p:nvSpPr>
-          <p:cNvPr id="237" name="LinkedList&lt;E&gt;"/>
+          <p:cNvPr id="251" name="타원형"/>
           <p:cNvSpPr/>
           <p:nvPr/>
         </p:nvSpPr>
         <p:spPr>
           <a:xfrm>
-            <a:off x="4445000" y="2984500"/>
-            <a:ext cx="1270000" cy="322908"/>
+            <a:off x="9301171" y="3042393"/>
+            <a:ext cx="891783" cy="380479"/>
           </a:xfrm>
-          <a:prstGeom prst="rect">
+          <a:prstGeom prst="ellipse">
             <a:avLst/>
           </a:prstGeom>
           <a:solidFill>
-            <a:srgbClr val="FFFFFF"/>
+            <a:schemeClr val="accent6"/>
           </a:solidFill>
-          <a:ln w="25400">
+          <a:ln w="12700">
             <a:solidFill>
-              <a:schemeClr val="accent2"/>
+              <a:srgbClr val="000000"/>
             </a:solidFill>
+            <a:miter lim="400000"/>
           </a:ln>
           <a:extLst>
             <a:ext uri="{C572A759-6A51-4108-AA02-DFA0A04FC94B}">
@@ -17006,29 +17617,29 @@
           <a:bodyPr lIns="45718" tIns="45718" rIns="45718" bIns="45718" anchor="ctr"/>
           <a:lstStyle>
             <a:lvl1pPr algn="ctr">
-              <a:defRPr sz="1200"/>
+              <a:defRPr sz="800"/>
             </a:lvl1pPr>
           </a:lstStyle>
           <a:p>
             <a:pPr/>
             <a:r>
-              <a:t>LinkedList&lt;E&gt;</a:t>
+              <a:t>C</a:t>
             </a:r>
           </a:p>
         </p:txBody>
       </p:sp>
       <p:sp>
         <p:nvSpPr>
-          <p:cNvPr id="238" name="HashMap&lt;K, V&gt;"/>
+          <p:cNvPr id="252" name="타원형"/>
           <p:cNvSpPr/>
           <p:nvPr/>
         </p:nvSpPr>
         <p:spPr>
           <a:xfrm>
-            <a:off x="6210300" y="2984500"/>
-            <a:ext cx="1270000" cy="322908"/>
+            <a:off x="9301171" y="2688475"/>
+            <a:ext cx="891783" cy="380479"/>
           </a:xfrm>
-          <a:prstGeom prst="rect">
+          <a:prstGeom prst="ellipse">
             <a:avLst/>
           </a:prstGeom>
           <a:solidFill>
@@ -17036,83 +17647,1110 @@
           </a:solidFill>
           <a:ln w="25400">
             <a:solidFill>
-              <a:schemeClr val="accent2"/>
+              <a:srgbClr val="BE0B00"/>
             </a:solidFill>
           </a:ln>
-          <a:extLst>
-            <a:ext uri="{C572A759-6A51-4108-AA02-DFA0A04FC94B}">
-              <ma14:wrappingTextBoxFlag xmlns:ma14="http://schemas.microsoft.com/office/mac/drawingml/2011/main" val="1"/>
-            </a:ext>
-          </a:extLst>
         </p:spPr>
         <p:txBody>
           <a:bodyPr lIns="45718" tIns="45718" rIns="45718" bIns="45718" anchor="ctr"/>
-          <a:lstStyle>
-            <a:lvl1pPr algn="ctr">
-              <a:defRPr sz="1200"/>
-            </a:lvl1pPr>
-          </a:lstStyle>
+          <a:lstStyle/>
           <a:p>
             <a:pPr/>
-            <a:r>
-              <a:t>HashMap&lt;K, V&gt;</a:t>
-            </a:r>
           </a:p>
         </p:txBody>
       </p:sp>
+    </p:spTree>
+  </p:cSld>
+  <p:clrMapOvr>
+    <a:masterClrMapping/>
+  </p:clrMapOvr>
+  <p:transition xmlns:p14="http://schemas.microsoft.com/office/powerpoint/2010/main" spd="med" advClick="1"/>
+</p:sld>
+</file>
+
+<file path=ppt/slides/slide17.xml><?xml version="1.0" encoding="utf-8"?>
+<p:sld xmlns:a="http://schemas.openxmlformats.org/drawingml/2006/main" xmlns:r="http://schemas.openxmlformats.org/officeDocument/2006/relationships" xmlns:p="http://schemas.openxmlformats.org/presentationml/2006/main" xmlns:m="http://schemas.openxmlformats.org/officeDocument/2006/math" xmlns:a14="http://schemas.microsoft.com/office/drawing/2010/main" showMasterSp="1" showMasterPhAnim="1">
+  <p:cSld>
+    <p:spTree>
+      <p:nvGrpSpPr>
+        <p:cNvPr id="1" name=""/>
+        <p:cNvGrpSpPr/>
+        <p:nvPr/>
+      </p:nvGrpSpPr>
+      <p:grpSpPr>
+        <a:xfrm>
+          <a:off x="0" y="0"/>
+          <a:ext cx="0" cy="0"/>
+          <a:chOff x="0" y="0"/>
+          <a:chExt cx="0" cy="0"/>
+        </a:xfrm>
+      </p:grpSpPr>
+      <p:grpSp>
+        <p:nvGrpSpPr>
+          <p:cNvPr id="256" name="Collection&lt;E&gt;"/>
+          <p:cNvGrpSpPr/>
+          <p:nvPr/>
+        </p:nvGrpSpPr>
+        <p:grpSpPr>
+          <a:xfrm>
+            <a:off x="2095500" y="1279995"/>
+            <a:ext cx="1270000" cy="322909"/>
+            <a:chOff x="0" y="0"/>
+            <a:chExt cx="1270000" cy="322908"/>
+          </a:xfrm>
+        </p:grpSpPr>
+        <p:sp>
+          <p:nvSpPr>
+            <p:cNvPr id="254" name="직사각형"/>
+            <p:cNvSpPr/>
+            <p:nvPr/>
+          </p:nvSpPr>
+          <p:spPr>
+            <a:xfrm>
+              <a:off x="0" y="-1"/>
+              <a:ext cx="1270000" cy="322910"/>
+            </a:xfrm>
+            <a:prstGeom prst="rect">
+              <a:avLst/>
+            </a:prstGeom>
+            <a:solidFill>
+              <a:srgbClr val="FFFFFF"/>
+            </a:solidFill>
+            <a:ln w="25400" cap="flat">
+              <a:solidFill>
+                <a:schemeClr val="accent1"/>
+              </a:solidFill>
+              <a:prstDash val="solid"/>
+              <a:round/>
+            </a:ln>
+            <a:effectLst/>
+          </p:spPr>
+          <p:txBody>
+            <a:bodyPr wrap="square" lIns="45718" tIns="45718" rIns="45718" bIns="45718" numCol="1" anchor="ctr">
+              <a:noAutofit/>
+            </a:bodyPr>
+            <a:lstStyle/>
+            <a:p>
+              <a:pPr algn="ctr">
+                <a:defRPr sz="1200"/>
+              </a:pPr>
+            </a:p>
+          </p:txBody>
+        </p:sp>
+        <p:sp>
+          <p:nvSpPr>
+            <p:cNvPr id="255" name="Collection&lt;E&gt;"/>
+            <p:cNvSpPr txBox="1"/>
+            <p:nvPr/>
+          </p:nvSpPr>
+          <p:spPr>
+            <a:xfrm>
+              <a:off x="0" y="26835"/>
+              <a:ext cx="1270000" cy="269237"/>
+            </a:xfrm>
+            <a:prstGeom prst="rect">
+              <a:avLst/>
+            </a:prstGeom>
+            <a:noFill/>
+            <a:ln w="12700" cap="flat">
+              <a:noFill/>
+              <a:miter lim="400000"/>
+            </a:ln>
+            <a:effectLst/>
+            <a:extLst>
+              <a:ext uri="{C572A759-6A51-4108-AA02-DFA0A04FC94B}">
+                <ma14:wrappingTextBoxFlag xmlns:ma14="http://schemas.microsoft.com/office/mac/drawingml/2011/main" val="1"/>
+              </a:ext>
+            </a:extLst>
+          </p:spPr>
+          <p:txBody>
+            <a:bodyPr wrap="square" lIns="45718" tIns="45718" rIns="45718" bIns="45718" numCol="1" anchor="ctr">
+              <a:spAutoFit/>
+            </a:bodyPr>
+            <a:lstStyle>
+              <a:lvl1pPr algn="ctr">
+                <a:defRPr sz="1200"/>
+              </a:lvl1pPr>
+            </a:lstStyle>
+            <a:p>
+              <a:pPr/>
+              <a:r>
+                <a:t>Collection&lt;E&gt;</a:t>
+              </a:r>
+            </a:p>
+          </p:txBody>
+        </p:sp>
+      </p:grpSp>
+      <p:grpSp>
+        <p:nvGrpSpPr>
+          <p:cNvPr id="259" name="List&lt;E&gt;"/>
+          <p:cNvGrpSpPr/>
+          <p:nvPr/>
+        </p:nvGrpSpPr>
+        <p:grpSpPr>
+          <a:xfrm>
+            <a:off x="2095500" y="1955799"/>
+            <a:ext cx="1270000" cy="322910"/>
+            <a:chOff x="0" y="0"/>
+            <a:chExt cx="1270000" cy="322908"/>
+          </a:xfrm>
+        </p:grpSpPr>
+        <p:sp>
+          <p:nvSpPr>
+            <p:cNvPr id="257" name="직사각형"/>
+            <p:cNvSpPr/>
+            <p:nvPr/>
+          </p:nvSpPr>
+          <p:spPr>
+            <a:xfrm>
+              <a:off x="0" y="-1"/>
+              <a:ext cx="1270000" cy="322910"/>
+            </a:xfrm>
+            <a:prstGeom prst="rect">
+              <a:avLst/>
+            </a:prstGeom>
+            <a:solidFill>
+              <a:srgbClr val="FFFFFF"/>
+            </a:solidFill>
+            <a:ln w="25400" cap="flat">
+              <a:solidFill>
+                <a:schemeClr val="accent1"/>
+              </a:solidFill>
+              <a:prstDash val="solid"/>
+              <a:round/>
+            </a:ln>
+            <a:effectLst/>
+          </p:spPr>
+          <p:txBody>
+            <a:bodyPr wrap="square" lIns="45718" tIns="45718" rIns="45718" bIns="45718" numCol="1" anchor="ctr">
+              <a:noAutofit/>
+            </a:bodyPr>
+            <a:lstStyle/>
+            <a:p>
+              <a:pPr algn="ctr">
+                <a:defRPr sz="1200"/>
+              </a:pPr>
+            </a:p>
+          </p:txBody>
+        </p:sp>
+        <p:sp>
+          <p:nvSpPr>
+            <p:cNvPr id="258" name="List&lt;E&gt;"/>
+            <p:cNvSpPr txBox="1"/>
+            <p:nvPr/>
+          </p:nvSpPr>
+          <p:spPr>
+            <a:xfrm>
+              <a:off x="0" y="26835"/>
+              <a:ext cx="1270000" cy="269237"/>
+            </a:xfrm>
+            <a:prstGeom prst="rect">
+              <a:avLst/>
+            </a:prstGeom>
+            <a:noFill/>
+            <a:ln w="12700" cap="flat">
+              <a:noFill/>
+              <a:miter lim="400000"/>
+            </a:ln>
+            <a:effectLst/>
+            <a:extLst>
+              <a:ext uri="{C572A759-6A51-4108-AA02-DFA0A04FC94B}">
+                <ma14:wrappingTextBoxFlag xmlns:ma14="http://schemas.microsoft.com/office/mac/drawingml/2011/main" val="1"/>
+              </a:ext>
+            </a:extLst>
+          </p:spPr>
+          <p:txBody>
+            <a:bodyPr wrap="square" lIns="45718" tIns="45718" rIns="45718" bIns="45718" numCol="1" anchor="ctr">
+              <a:spAutoFit/>
+            </a:bodyPr>
+            <a:lstStyle>
+              <a:lvl1pPr algn="ctr">
+                <a:defRPr sz="1200"/>
+              </a:lvl1pPr>
+            </a:lstStyle>
+            <a:p>
+              <a:pPr/>
+              <a:r>
+                <a:t>List&lt;E&gt;</a:t>
+              </a:r>
+            </a:p>
+          </p:txBody>
+        </p:sp>
+      </p:grpSp>
+      <p:grpSp>
+        <p:nvGrpSpPr>
+          <p:cNvPr id="262" name="Queue&lt;E&gt;"/>
+          <p:cNvGrpSpPr/>
+          <p:nvPr/>
+        </p:nvGrpSpPr>
+        <p:grpSpPr>
+          <a:xfrm>
+            <a:off x="3975100" y="1955799"/>
+            <a:ext cx="1270000" cy="322910"/>
+            <a:chOff x="0" y="0"/>
+            <a:chExt cx="1270000" cy="322908"/>
+          </a:xfrm>
+        </p:grpSpPr>
+        <p:sp>
+          <p:nvSpPr>
+            <p:cNvPr id="260" name="직사각형"/>
+            <p:cNvSpPr/>
+            <p:nvPr/>
+          </p:nvSpPr>
+          <p:spPr>
+            <a:xfrm>
+              <a:off x="0" y="-1"/>
+              <a:ext cx="1270000" cy="322910"/>
+            </a:xfrm>
+            <a:prstGeom prst="rect">
+              <a:avLst/>
+            </a:prstGeom>
+            <a:solidFill>
+              <a:srgbClr val="FFFFFF"/>
+            </a:solidFill>
+            <a:ln w="25400" cap="flat">
+              <a:solidFill>
+                <a:schemeClr val="accent1"/>
+              </a:solidFill>
+              <a:prstDash val="solid"/>
+              <a:round/>
+            </a:ln>
+            <a:effectLst/>
+          </p:spPr>
+          <p:txBody>
+            <a:bodyPr wrap="square" lIns="45718" tIns="45718" rIns="45718" bIns="45718" numCol="1" anchor="ctr">
+              <a:noAutofit/>
+            </a:bodyPr>
+            <a:lstStyle/>
+            <a:p>
+              <a:pPr algn="ctr">
+                <a:defRPr sz="1200"/>
+              </a:pPr>
+            </a:p>
+          </p:txBody>
+        </p:sp>
+        <p:sp>
+          <p:nvSpPr>
+            <p:cNvPr id="261" name="Queue&lt;E&gt;"/>
+            <p:cNvSpPr txBox="1"/>
+            <p:nvPr/>
+          </p:nvSpPr>
+          <p:spPr>
+            <a:xfrm>
+              <a:off x="0" y="26835"/>
+              <a:ext cx="1270000" cy="269237"/>
+            </a:xfrm>
+            <a:prstGeom prst="rect">
+              <a:avLst/>
+            </a:prstGeom>
+            <a:noFill/>
+            <a:ln w="12700" cap="flat">
+              <a:noFill/>
+              <a:miter lim="400000"/>
+            </a:ln>
+            <a:effectLst/>
+            <a:extLst>
+              <a:ext uri="{C572A759-6A51-4108-AA02-DFA0A04FC94B}">
+                <ma14:wrappingTextBoxFlag xmlns:ma14="http://schemas.microsoft.com/office/mac/drawingml/2011/main" val="1"/>
+              </a:ext>
+            </a:extLst>
+          </p:spPr>
+          <p:txBody>
+            <a:bodyPr wrap="square" lIns="45718" tIns="45718" rIns="45718" bIns="45718" numCol="1" anchor="ctr">
+              <a:spAutoFit/>
+            </a:bodyPr>
+            <a:lstStyle>
+              <a:lvl1pPr algn="ctr">
+                <a:defRPr sz="1200"/>
+              </a:lvl1pPr>
+            </a:lstStyle>
+            <a:p>
+              <a:pPr/>
+              <a:r>
+                <a:t>Queue&lt;E&gt;</a:t>
+              </a:r>
+            </a:p>
+          </p:txBody>
+        </p:sp>
+      </p:grpSp>
+      <p:grpSp>
+        <p:nvGrpSpPr>
+          <p:cNvPr id="265" name="Set&lt;E&gt;"/>
+          <p:cNvGrpSpPr/>
+          <p:nvPr/>
+        </p:nvGrpSpPr>
+        <p:grpSpPr>
+          <a:xfrm>
+            <a:off x="215900" y="1955799"/>
+            <a:ext cx="1270000" cy="322910"/>
+            <a:chOff x="0" y="0"/>
+            <a:chExt cx="1270000" cy="322908"/>
+          </a:xfrm>
+        </p:grpSpPr>
+        <p:sp>
+          <p:nvSpPr>
+            <p:cNvPr id="263" name="직사각형"/>
+            <p:cNvSpPr/>
+            <p:nvPr/>
+          </p:nvSpPr>
+          <p:spPr>
+            <a:xfrm>
+              <a:off x="0" y="-1"/>
+              <a:ext cx="1270000" cy="322910"/>
+            </a:xfrm>
+            <a:prstGeom prst="rect">
+              <a:avLst/>
+            </a:prstGeom>
+            <a:solidFill>
+              <a:srgbClr val="FFFFFF"/>
+            </a:solidFill>
+            <a:ln w="25400" cap="flat">
+              <a:solidFill>
+                <a:schemeClr val="accent1"/>
+              </a:solidFill>
+              <a:prstDash val="solid"/>
+              <a:round/>
+            </a:ln>
+            <a:effectLst/>
+          </p:spPr>
+          <p:txBody>
+            <a:bodyPr wrap="square" lIns="45718" tIns="45718" rIns="45718" bIns="45718" numCol="1" anchor="ctr">
+              <a:noAutofit/>
+            </a:bodyPr>
+            <a:lstStyle/>
+            <a:p>
+              <a:pPr algn="ctr">
+                <a:defRPr sz="1200"/>
+              </a:pPr>
+            </a:p>
+          </p:txBody>
+        </p:sp>
+        <p:sp>
+          <p:nvSpPr>
+            <p:cNvPr id="264" name="Set&lt;E&gt;"/>
+            <p:cNvSpPr txBox="1"/>
+            <p:nvPr/>
+          </p:nvSpPr>
+          <p:spPr>
+            <a:xfrm>
+              <a:off x="0" y="26835"/>
+              <a:ext cx="1270000" cy="269237"/>
+            </a:xfrm>
+            <a:prstGeom prst="rect">
+              <a:avLst/>
+            </a:prstGeom>
+            <a:noFill/>
+            <a:ln w="12700" cap="flat">
+              <a:noFill/>
+              <a:miter lim="400000"/>
+            </a:ln>
+            <a:effectLst/>
+            <a:extLst>
+              <a:ext uri="{C572A759-6A51-4108-AA02-DFA0A04FC94B}">
+                <ma14:wrappingTextBoxFlag xmlns:ma14="http://schemas.microsoft.com/office/mac/drawingml/2011/main" val="1"/>
+              </a:ext>
+            </a:extLst>
+          </p:spPr>
+          <p:txBody>
+            <a:bodyPr wrap="square" lIns="45718" tIns="45718" rIns="45718" bIns="45718" numCol="1" anchor="ctr">
+              <a:spAutoFit/>
+            </a:bodyPr>
+            <a:lstStyle>
+              <a:lvl1pPr algn="ctr">
+                <a:defRPr sz="1200"/>
+              </a:lvl1pPr>
+            </a:lstStyle>
+            <a:p>
+              <a:pPr/>
+              <a:r>
+                <a:t>Set&lt;E&gt;</a:t>
+              </a:r>
+            </a:p>
+          </p:txBody>
+        </p:sp>
+      </p:grpSp>
+      <p:grpSp>
+        <p:nvGrpSpPr>
+          <p:cNvPr id="268" name="Map&lt;K, V&gt;"/>
+          <p:cNvGrpSpPr/>
+          <p:nvPr/>
+        </p:nvGrpSpPr>
+        <p:grpSpPr>
+          <a:xfrm>
+            <a:off x="6210300" y="1279995"/>
+            <a:ext cx="1270000" cy="322909"/>
+            <a:chOff x="0" y="0"/>
+            <a:chExt cx="1270000" cy="322908"/>
+          </a:xfrm>
+        </p:grpSpPr>
+        <p:sp>
+          <p:nvSpPr>
+            <p:cNvPr id="266" name="직사각형"/>
+            <p:cNvSpPr/>
+            <p:nvPr/>
+          </p:nvSpPr>
+          <p:spPr>
+            <a:xfrm>
+              <a:off x="0" y="-1"/>
+              <a:ext cx="1270000" cy="322910"/>
+            </a:xfrm>
+            <a:prstGeom prst="rect">
+              <a:avLst/>
+            </a:prstGeom>
+            <a:solidFill>
+              <a:srgbClr val="FFFFFF"/>
+            </a:solidFill>
+            <a:ln w="25400" cap="flat">
+              <a:solidFill>
+                <a:schemeClr val="accent1"/>
+              </a:solidFill>
+              <a:prstDash val="solid"/>
+              <a:round/>
+            </a:ln>
+            <a:effectLst/>
+          </p:spPr>
+          <p:txBody>
+            <a:bodyPr wrap="square" lIns="45718" tIns="45718" rIns="45718" bIns="45718" numCol="1" anchor="ctr">
+              <a:noAutofit/>
+            </a:bodyPr>
+            <a:lstStyle/>
+            <a:p>
+              <a:pPr algn="ctr">
+                <a:defRPr sz="1200"/>
+              </a:pPr>
+            </a:p>
+          </p:txBody>
+        </p:sp>
+        <p:sp>
+          <p:nvSpPr>
+            <p:cNvPr id="267" name="Map&lt;K, V&gt;"/>
+            <p:cNvSpPr txBox="1"/>
+            <p:nvPr/>
+          </p:nvSpPr>
+          <p:spPr>
+            <a:xfrm>
+              <a:off x="0" y="26835"/>
+              <a:ext cx="1270000" cy="269237"/>
+            </a:xfrm>
+            <a:prstGeom prst="rect">
+              <a:avLst/>
+            </a:prstGeom>
+            <a:noFill/>
+            <a:ln w="12700" cap="flat">
+              <a:noFill/>
+              <a:miter lim="400000"/>
+            </a:ln>
+            <a:effectLst/>
+            <a:extLst>
+              <a:ext uri="{C572A759-6A51-4108-AA02-DFA0A04FC94B}">
+                <ma14:wrappingTextBoxFlag xmlns:ma14="http://schemas.microsoft.com/office/mac/drawingml/2011/main" val="1"/>
+              </a:ext>
+            </a:extLst>
+          </p:spPr>
+          <p:txBody>
+            <a:bodyPr wrap="square" lIns="45718" tIns="45718" rIns="45718" bIns="45718" numCol="1" anchor="ctr">
+              <a:spAutoFit/>
+            </a:bodyPr>
+            <a:lstStyle>
+              <a:lvl1pPr algn="ctr">
+                <a:defRPr sz="1200"/>
+              </a:lvl1pPr>
+            </a:lstStyle>
+            <a:p>
+              <a:pPr/>
+              <a:r>
+                <a:t>Map&lt;K, V&gt;</a:t>
+              </a:r>
+            </a:p>
+          </p:txBody>
+        </p:sp>
+      </p:grpSp>
+      <p:grpSp>
+        <p:nvGrpSpPr>
+          <p:cNvPr id="271" name="HashSet&lt;E&gt;"/>
+          <p:cNvGrpSpPr/>
+          <p:nvPr/>
+        </p:nvGrpSpPr>
+        <p:grpSpPr>
+          <a:xfrm>
+            <a:off x="215900" y="2984499"/>
+            <a:ext cx="1270000" cy="322910"/>
+            <a:chOff x="0" y="0"/>
+            <a:chExt cx="1270000" cy="322908"/>
+          </a:xfrm>
+        </p:grpSpPr>
+        <p:sp>
+          <p:nvSpPr>
+            <p:cNvPr id="269" name="직사각형"/>
+            <p:cNvSpPr/>
+            <p:nvPr/>
+          </p:nvSpPr>
+          <p:spPr>
+            <a:xfrm>
+              <a:off x="0" y="-1"/>
+              <a:ext cx="1270000" cy="322910"/>
+            </a:xfrm>
+            <a:prstGeom prst="rect">
+              <a:avLst/>
+            </a:prstGeom>
+            <a:solidFill>
+              <a:srgbClr val="FFFFFF"/>
+            </a:solidFill>
+            <a:ln w="25400" cap="flat">
+              <a:solidFill>
+                <a:schemeClr val="accent2"/>
+              </a:solidFill>
+              <a:prstDash val="solid"/>
+              <a:round/>
+            </a:ln>
+            <a:effectLst/>
+          </p:spPr>
+          <p:txBody>
+            <a:bodyPr wrap="square" lIns="45718" tIns="45718" rIns="45718" bIns="45718" numCol="1" anchor="ctr">
+              <a:noAutofit/>
+            </a:bodyPr>
+            <a:lstStyle/>
+            <a:p>
+              <a:pPr algn="ctr">
+                <a:defRPr sz="1200"/>
+              </a:pPr>
+            </a:p>
+          </p:txBody>
+        </p:sp>
+        <p:sp>
+          <p:nvSpPr>
+            <p:cNvPr id="270" name="HashSet&lt;E&gt;"/>
+            <p:cNvSpPr txBox="1"/>
+            <p:nvPr/>
+          </p:nvSpPr>
+          <p:spPr>
+            <a:xfrm>
+              <a:off x="0" y="26835"/>
+              <a:ext cx="1270000" cy="269237"/>
+            </a:xfrm>
+            <a:prstGeom prst="rect">
+              <a:avLst/>
+            </a:prstGeom>
+            <a:noFill/>
+            <a:ln w="12700" cap="flat">
+              <a:noFill/>
+              <a:miter lim="400000"/>
+            </a:ln>
+            <a:effectLst/>
+            <a:extLst>
+              <a:ext uri="{C572A759-6A51-4108-AA02-DFA0A04FC94B}">
+                <ma14:wrappingTextBoxFlag xmlns:ma14="http://schemas.microsoft.com/office/mac/drawingml/2011/main" val="1"/>
+              </a:ext>
+            </a:extLst>
+          </p:spPr>
+          <p:txBody>
+            <a:bodyPr wrap="square" lIns="45718" tIns="45718" rIns="45718" bIns="45718" numCol="1" anchor="ctr">
+              <a:spAutoFit/>
+            </a:bodyPr>
+            <a:lstStyle>
+              <a:lvl1pPr algn="ctr">
+                <a:defRPr sz="1200"/>
+              </a:lvl1pPr>
+            </a:lstStyle>
+            <a:p>
+              <a:pPr/>
+              <a:r>
+                <a:t>HashSet&lt;E&gt;</a:t>
+              </a:r>
+            </a:p>
+          </p:txBody>
+        </p:sp>
+      </p:grpSp>
+      <p:grpSp>
+        <p:nvGrpSpPr>
+          <p:cNvPr id="274" name="ArrayList&lt;E&gt;"/>
+          <p:cNvGrpSpPr/>
+          <p:nvPr/>
+        </p:nvGrpSpPr>
+        <p:grpSpPr>
+          <a:xfrm>
+            <a:off x="1625600" y="2984499"/>
+            <a:ext cx="1270000" cy="322910"/>
+            <a:chOff x="0" y="0"/>
+            <a:chExt cx="1270000" cy="322908"/>
+          </a:xfrm>
+        </p:grpSpPr>
+        <p:sp>
+          <p:nvSpPr>
+            <p:cNvPr id="272" name="직사각형"/>
+            <p:cNvSpPr/>
+            <p:nvPr/>
+          </p:nvSpPr>
+          <p:spPr>
+            <a:xfrm>
+              <a:off x="0" y="-1"/>
+              <a:ext cx="1270000" cy="322910"/>
+            </a:xfrm>
+            <a:prstGeom prst="rect">
+              <a:avLst/>
+            </a:prstGeom>
+            <a:solidFill>
+              <a:srgbClr val="FFFFFF"/>
+            </a:solidFill>
+            <a:ln w="25400" cap="flat">
+              <a:solidFill>
+                <a:schemeClr val="accent2"/>
+              </a:solidFill>
+              <a:prstDash val="solid"/>
+              <a:round/>
+            </a:ln>
+            <a:effectLst/>
+          </p:spPr>
+          <p:txBody>
+            <a:bodyPr wrap="square" lIns="45718" tIns="45718" rIns="45718" bIns="45718" numCol="1" anchor="ctr">
+              <a:noAutofit/>
+            </a:bodyPr>
+            <a:lstStyle/>
+            <a:p>
+              <a:pPr algn="ctr">
+                <a:defRPr sz="1200"/>
+              </a:pPr>
+            </a:p>
+          </p:txBody>
+        </p:sp>
+        <p:sp>
+          <p:nvSpPr>
+            <p:cNvPr id="273" name="ArrayList&lt;E&gt;"/>
+            <p:cNvSpPr txBox="1"/>
+            <p:nvPr/>
+          </p:nvSpPr>
+          <p:spPr>
+            <a:xfrm>
+              <a:off x="0" y="26835"/>
+              <a:ext cx="1270000" cy="269237"/>
+            </a:xfrm>
+            <a:prstGeom prst="rect">
+              <a:avLst/>
+            </a:prstGeom>
+            <a:noFill/>
+            <a:ln w="12700" cap="flat">
+              <a:noFill/>
+              <a:miter lim="400000"/>
+            </a:ln>
+            <a:effectLst/>
+            <a:extLst>
+              <a:ext uri="{C572A759-6A51-4108-AA02-DFA0A04FC94B}">
+                <ma14:wrappingTextBoxFlag xmlns:ma14="http://schemas.microsoft.com/office/mac/drawingml/2011/main" val="1"/>
+              </a:ext>
+            </a:extLst>
+          </p:spPr>
+          <p:txBody>
+            <a:bodyPr wrap="square" lIns="45718" tIns="45718" rIns="45718" bIns="45718" numCol="1" anchor="ctr">
+              <a:spAutoFit/>
+            </a:bodyPr>
+            <a:lstStyle>
+              <a:lvl1pPr algn="ctr">
+                <a:defRPr sz="1200"/>
+              </a:lvl1pPr>
+            </a:lstStyle>
+            <a:p>
+              <a:pPr/>
+              <a:r>
+                <a:t>ArrayList&lt;E&gt;</a:t>
+              </a:r>
+            </a:p>
+          </p:txBody>
+        </p:sp>
+      </p:grpSp>
+      <p:grpSp>
+        <p:nvGrpSpPr>
+          <p:cNvPr id="277" name="Vector&lt;E&gt;"/>
+          <p:cNvGrpSpPr/>
+          <p:nvPr/>
+        </p:nvGrpSpPr>
+        <p:grpSpPr>
+          <a:xfrm>
+            <a:off x="3035300" y="2984499"/>
+            <a:ext cx="1270000" cy="322910"/>
+            <a:chOff x="0" y="0"/>
+            <a:chExt cx="1270000" cy="322908"/>
+          </a:xfrm>
+        </p:grpSpPr>
+        <p:sp>
+          <p:nvSpPr>
+            <p:cNvPr id="275" name="직사각형"/>
+            <p:cNvSpPr/>
+            <p:nvPr/>
+          </p:nvSpPr>
+          <p:spPr>
+            <a:xfrm>
+              <a:off x="0" y="-1"/>
+              <a:ext cx="1270000" cy="322910"/>
+            </a:xfrm>
+            <a:prstGeom prst="rect">
+              <a:avLst/>
+            </a:prstGeom>
+            <a:solidFill>
+              <a:srgbClr val="FFFFFF"/>
+            </a:solidFill>
+            <a:ln w="25400" cap="flat">
+              <a:solidFill>
+                <a:schemeClr val="accent2"/>
+              </a:solidFill>
+              <a:prstDash val="solid"/>
+              <a:round/>
+            </a:ln>
+            <a:effectLst/>
+          </p:spPr>
+          <p:txBody>
+            <a:bodyPr wrap="square" lIns="45718" tIns="45718" rIns="45718" bIns="45718" numCol="1" anchor="ctr">
+              <a:noAutofit/>
+            </a:bodyPr>
+            <a:lstStyle/>
+            <a:p>
+              <a:pPr algn="ctr">
+                <a:defRPr sz="1200"/>
+              </a:pPr>
+            </a:p>
+          </p:txBody>
+        </p:sp>
+        <p:sp>
+          <p:nvSpPr>
+            <p:cNvPr id="276" name="Vector&lt;E&gt;"/>
+            <p:cNvSpPr txBox="1"/>
+            <p:nvPr/>
+          </p:nvSpPr>
+          <p:spPr>
+            <a:xfrm>
+              <a:off x="0" y="26835"/>
+              <a:ext cx="1270000" cy="269237"/>
+            </a:xfrm>
+            <a:prstGeom prst="rect">
+              <a:avLst/>
+            </a:prstGeom>
+            <a:noFill/>
+            <a:ln w="12700" cap="flat">
+              <a:noFill/>
+              <a:miter lim="400000"/>
+            </a:ln>
+            <a:effectLst/>
+            <a:extLst>
+              <a:ext uri="{C572A759-6A51-4108-AA02-DFA0A04FC94B}">
+                <ma14:wrappingTextBoxFlag xmlns:ma14="http://schemas.microsoft.com/office/mac/drawingml/2011/main" val="1"/>
+              </a:ext>
+            </a:extLst>
+          </p:spPr>
+          <p:txBody>
+            <a:bodyPr wrap="square" lIns="45718" tIns="45718" rIns="45718" bIns="45718" numCol="1" anchor="ctr">
+              <a:spAutoFit/>
+            </a:bodyPr>
+            <a:lstStyle>
+              <a:lvl1pPr algn="ctr">
+                <a:defRPr sz="1200"/>
+              </a:lvl1pPr>
+            </a:lstStyle>
+            <a:p>
+              <a:pPr/>
+              <a:r>
+                <a:t>Vector&lt;E&gt;</a:t>
+              </a:r>
+            </a:p>
+          </p:txBody>
+        </p:sp>
+      </p:grpSp>
+      <p:grpSp>
+        <p:nvGrpSpPr>
+          <p:cNvPr id="280" name="LinkedList&lt;E&gt;"/>
+          <p:cNvGrpSpPr/>
+          <p:nvPr/>
+        </p:nvGrpSpPr>
+        <p:grpSpPr>
+          <a:xfrm>
+            <a:off x="4445000" y="2984499"/>
+            <a:ext cx="1270000" cy="322910"/>
+            <a:chOff x="0" y="0"/>
+            <a:chExt cx="1270000" cy="322908"/>
+          </a:xfrm>
+        </p:grpSpPr>
+        <p:sp>
+          <p:nvSpPr>
+            <p:cNvPr id="278" name="직사각형"/>
+            <p:cNvSpPr/>
+            <p:nvPr/>
+          </p:nvSpPr>
+          <p:spPr>
+            <a:xfrm>
+              <a:off x="0" y="-1"/>
+              <a:ext cx="1270000" cy="322910"/>
+            </a:xfrm>
+            <a:prstGeom prst="rect">
+              <a:avLst/>
+            </a:prstGeom>
+            <a:solidFill>
+              <a:srgbClr val="FFFFFF"/>
+            </a:solidFill>
+            <a:ln w="25400" cap="flat">
+              <a:solidFill>
+                <a:schemeClr val="accent2"/>
+              </a:solidFill>
+              <a:prstDash val="solid"/>
+              <a:round/>
+            </a:ln>
+            <a:effectLst/>
+          </p:spPr>
+          <p:txBody>
+            <a:bodyPr wrap="square" lIns="45718" tIns="45718" rIns="45718" bIns="45718" numCol="1" anchor="ctr">
+              <a:noAutofit/>
+            </a:bodyPr>
+            <a:lstStyle/>
+            <a:p>
+              <a:pPr algn="ctr">
+                <a:defRPr sz="1200"/>
+              </a:pPr>
+            </a:p>
+          </p:txBody>
+        </p:sp>
+        <p:sp>
+          <p:nvSpPr>
+            <p:cNvPr id="279" name="LinkedList&lt;E&gt;"/>
+            <p:cNvSpPr txBox="1"/>
+            <p:nvPr/>
+          </p:nvSpPr>
+          <p:spPr>
+            <a:xfrm>
+              <a:off x="0" y="26835"/>
+              <a:ext cx="1270000" cy="269237"/>
+            </a:xfrm>
+            <a:prstGeom prst="rect">
+              <a:avLst/>
+            </a:prstGeom>
+            <a:noFill/>
+            <a:ln w="12700" cap="flat">
+              <a:noFill/>
+              <a:miter lim="400000"/>
+            </a:ln>
+            <a:effectLst/>
+            <a:extLst>
+              <a:ext uri="{C572A759-6A51-4108-AA02-DFA0A04FC94B}">
+                <ma14:wrappingTextBoxFlag xmlns:ma14="http://schemas.microsoft.com/office/mac/drawingml/2011/main" val="1"/>
+              </a:ext>
+            </a:extLst>
+          </p:spPr>
+          <p:txBody>
+            <a:bodyPr wrap="square" lIns="45718" tIns="45718" rIns="45718" bIns="45718" numCol="1" anchor="ctr">
+              <a:spAutoFit/>
+            </a:bodyPr>
+            <a:lstStyle>
+              <a:lvl1pPr algn="ctr">
+                <a:defRPr sz="1200"/>
+              </a:lvl1pPr>
+            </a:lstStyle>
+            <a:p>
+              <a:pPr/>
+              <a:r>
+                <a:t>LinkedList&lt;E&gt;</a:t>
+              </a:r>
+            </a:p>
+          </p:txBody>
+        </p:sp>
+      </p:grpSp>
+      <p:grpSp>
+        <p:nvGrpSpPr>
+          <p:cNvPr id="283" name="HashMap&lt;K, V&gt;"/>
+          <p:cNvGrpSpPr/>
+          <p:nvPr/>
+        </p:nvGrpSpPr>
+        <p:grpSpPr>
+          <a:xfrm>
+            <a:off x="6210300" y="2984499"/>
+            <a:ext cx="1270000" cy="322910"/>
+            <a:chOff x="0" y="0"/>
+            <a:chExt cx="1270000" cy="322908"/>
+          </a:xfrm>
+        </p:grpSpPr>
+        <p:sp>
+          <p:nvSpPr>
+            <p:cNvPr id="281" name="직사각형"/>
+            <p:cNvSpPr/>
+            <p:nvPr/>
+          </p:nvSpPr>
+          <p:spPr>
+            <a:xfrm>
+              <a:off x="0" y="-1"/>
+              <a:ext cx="1270000" cy="322910"/>
+            </a:xfrm>
+            <a:prstGeom prst="rect">
+              <a:avLst/>
+            </a:prstGeom>
+            <a:solidFill>
+              <a:srgbClr val="FFFFFF"/>
+            </a:solidFill>
+            <a:ln w="25400" cap="flat">
+              <a:solidFill>
+                <a:schemeClr val="accent2"/>
+              </a:solidFill>
+              <a:prstDash val="solid"/>
+              <a:round/>
+            </a:ln>
+            <a:effectLst/>
+          </p:spPr>
+          <p:txBody>
+            <a:bodyPr wrap="square" lIns="45718" tIns="45718" rIns="45718" bIns="45718" numCol="1" anchor="ctr">
+              <a:noAutofit/>
+            </a:bodyPr>
+            <a:lstStyle/>
+            <a:p>
+              <a:pPr algn="ctr">
+                <a:defRPr sz="1200"/>
+              </a:pPr>
+            </a:p>
+          </p:txBody>
+        </p:sp>
+        <p:sp>
+          <p:nvSpPr>
+            <p:cNvPr id="282" name="HashMap&lt;K, V&gt;"/>
+            <p:cNvSpPr txBox="1"/>
+            <p:nvPr/>
+          </p:nvSpPr>
+          <p:spPr>
+            <a:xfrm>
+              <a:off x="0" y="26835"/>
+              <a:ext cx="1270000" cy="269237"/>
+            </a:xfrm>
+            <a:prstGeom prst="rect">
+              <a:avLst/>
+            </a:prstGeom>
+            <a:noFill/>
+            <a:ln w="12700" cap="flat">
+              <a:noFill/>
+              <a:miter lim="400000"/>
+            </a:ln>
+            <a:effectLst/>
+            <a:extLst>
+              <a:ext uri="{C572A759-6A51-4108-AA02-DFA0A04FC94B}">
+                <ma14:wrappingTextBoxFlag xmlns:ma14="http://schemas.microsoft.com/office/mac/drawingml/2011/main" val="1"/>
+              </a:ext>
+            </a:extLst>
+          </p:spPr>
+          <p:txBody>
+            <a:bodyPr wrap="square" lIns="45718" tIns="45718" rIns="45718" bIns="45718" numCol="1" anchor="ctr">
+              <a:spAutoFit/>
+            </a:bodyPr>
+            <a:lstStyle>
+              <a:lvl1pPr algn="ctr">
+                <a:defRPr sz="1200"/>
+              </a:lvl1pPr>
+            </a:lstStyle>
+            <a:p>
+              <a:pPr/>
+              <a:r>
+                <a:t>HashMap&lt;K, V&gt;</a:t>
+              </a:r>
+            </a:p>
+          </p:txBody>
+        </p:sp>
+      </p:grpSp>
+      <p:grpSp>
+        <p:nvGrpSpPr>
+          <p:cNvPr id="286" name="Stack&lt;E&gt;"/>
+          <p:cNvGrpSpPr/>
+          <p:nvPr/>
+        </p:nvGrpSpPr>
+        <p:grpSpPr>
+          <a:xfrm>
+            <a:off x="3035300" y="3660302"/>
+            <a:ext cx="1270000" cy="322910"/>
+            <a:chOff x="0" y="0"/>
+            <a:chExt cx="1270000" cy="322908"/>
+          </a:xfrm>
+        </p:grpSpPr>
+        <p:sp>
+          <p:nvSpPr>
+            <p:cNvPr id="284" name="직사각형"/>
+            <p:cNvSpPr/>
+            <p:nvPr/>
+          </p:nvSpPr>
+          <p:spPr>
+            <a:xfrm>
+              <a:off x="0" y="0"/>
+              <a:ext cx="1270000" cy="322909"/>
+            </a:xfrm>
+            <a:prstGeom prst="rect">
+              <a:avLst/>
+            </a:prstGeom>
+            <a:solidFill>
+              <a:srgbClr val="FFFFFF"/>
+            </a:solidFill>
+            <a:ln w="25400" cap="flat">
+              <a:solidFill>
+                <a:schemeClr val="accent2"/>
+              </a:solidFill>
+              <a:prstDash val="solid"/>
+              <a:round/>
+            </a:ln>
+            <a:effectLst/>
+          </p:spPr>
+          <p:txBody>
+            <a:bodyPr wrap="square" lIns="45718" tIns="45718" rIns="45718" bIns="45718" numCol="1" anchor="ctr">
+              <a:noAutofit/>
+            </a:bodyPr>
+            <a:lstStyle/>
+            <a:p>
+              <a:pPr algn="ctr">
+                <a:defRPr sz="1200"/>
+              </a:pPr>
+            </a:p>
+          </p:txBody>
+        </p:sp>
+        <p:sp>
+          <p:nvSpPr>
+            <p:cNvPr id="285" name="Stack&lt;E&gt;"/>
+            <p:cNvSpPr txBox="1"/>
+            <p:nvPr/>
+          </p:nvSpPr>
+          <p:spPr>
+            <a:xfrm>
+              <a:off x="0" y="26836"/>
+              <a:ext cx="1270000" cy="269237"/>
+            </a:xfrm>
+            <a:prstGeom prst="rect">
+              <a:avLst/>
+            </a:prstGeom>
+            <a:noFill/>
+            <a:ln w="12700" cap="flat">
+              <a:noFill/>
+              <a:miter lim="400000"/>
+            </a:ln>
+            <a:effectLst/>
+            <a:extLst>
+              <a:ext uri="{C572A759-6A51-4108-AA02-DFA0A04FC94B}">
+                <ma14:wrappingTextBoxFlag xmlns:ma14="http://schemas.microsoft.com/office/mac/drawingml/2011/main" val="1"/>
+              </a:ext>
+            </a:extLst>
+          </p:spPr>
+          <p:txBody>
+            <a:bodyPr wrap="square" lIns="45718" tIns="45718" rIns="45718" bIns="45718" numCol="1" anchor="ctr">
+              <a:spAutoFit/>
+            </a:bodyPr>
+            <a:lstStyle>
+              <a:lvl1pPr algn="ctr">
+                <a:defRPr sz="1200"/>
+              </a:lvl1pPr>
+            </a:lstStyle>
+            <a:p>
+              <a:pPr/>
+              <a:r>
+                <a:t>Stack&lt;E&gt;</a:t>
+              </a:r>
+            </a:p>
+          </p:txBody>
+        </p:sp>
+      </p:grpSp>
       <p:sp>
         <p:nvSpPr>
-          <p:cNvPr id="239" name="Stack&lt;E&gt;"/>
+          <p:cNvPr id="287" name="선"/>
           <p:cNvSpPr/>
           <p:nvPr/>
         </p:nvSpPr>
         <p:spPr>
           <a:xfrm>
-            <a:off x="3035300" y="3660303"/>
-            <a:ext cx="1270000" cy="322909"/>
-          </a:xfrm>
-          <a:prstGeom prst="rect">
-            <a:avLst/>
-          </a:prstGeom>
-          <a:solidFill>
-            <a:srgbClr val="FFFFFF"/>
-          </a:solidFill>
-          <a:ln w="25400">
-            <a:solidFill>
-              <a:schemeClr val="accent2"/>
-            </a:solidFill>
-          </a:ln>
-          <a:extLst>
-            <a:ext uri="{C572A759-6A51-4108-AA02-DFA0A04FC94B}">
-              <ma14:wrappingTextBoxFlag xmlns:ma14="http://schemas.microsoft.com/office/mac/drawingml/2011/main" val="1"/>
-            </a:ext>
-          </a:extLst>
-        </p:spPr>
-        <p:txBody>
-          <a:bodyPr lIns="45718" tIns="45718" rIns="45718" bIns="45718" anchor="ctr"/>
-          <a:lstStyle>
-            <a:lvl1pPr algn="ctr">
-              <a:defRPr sz="1200"/>
-            </a:lvl1pPr>
-          </a:lstStyle>
-          <a:p>
-            <a:pPr/>
-            <a:r>
-              <a:t>Stack&lt;E&gt;</a:t>
-            </a:r>
-          </a:p>
-        </p:txBody>
-      </p:sp>
-      <p:sp>
-        <p:nvSpPr>
-          <p:cNvPr id="240" name="선"/>
-          <p:cNvSpPr/>
-          <p:nvPr/>
-        </p:nvSpPr>
-        <p:spPr>
-          <a:xfrm>
-            <a:off x="118296" y="2631603"/>
-            <a:ext cx="8743558" cy="1"/>
+            <a:off x="118296" y="2631602"/>
+            <a:ext cx="8743559" cy="2"/>
           </a:xfrm>
           <a:prstGeom prst="line">
             <a:avLst/>
@@ -17140,14 +18778,14 @@
       </p:sp>
       <p:sp>
         <p:nvSpPr>
-          <p:cNvPr id="241" name="선"/>
+          <p:cNvPr id="288" name="선"/>
           <p:cNvSpPr/>
           <p:nvPr/>
         </p:nvSpPr>
         <p:spPr>
           <a:xfrm flipV="1">
             <a:off x="3670300" y="3296468"/>
-            <a:ext cx="0" cy="374775"/>
+            <a:ext cx="0" cy="374776"/>
           </a:xfrm>
           <a:prstGeom prst="line">
             <a:avLst/>
@@ -17169,14 +18807,14 @@
       </p:sp>
       <p:sp>
         <p:nvSpPr>
-          <p:cNvPr id="242" name="선"/>
+          <p:cNvPr id="289" name="선"/>
           <p:cNvSpPr/>
           <p:nvPr/>
         </p:nvSpPr>
         <p:spPr>
           <a:xfrm flipH="1" flipV="1">
-            <a:off x="2605871" y="2279561"/>
-            <a:ext cx="1064429" cy="714117"/>
+            <a:off x="2605870" y="2279561"/>
+            <a:ext cx="1064431" cy="714118"/>
           </a:xfrm>
           <a:prstGeom prst="line">
             <a:avLst/>
@@ -17198,14 +18836,14 @@
       </p:sp>
       <p:sp>
         <p:nvSpPr>
-          <p:cNvPr id="243" name="선"/>
+          <p:cNvPr id="290" name="선"/>
           <p:cNvSpPr/>
           <p:nvPr/>
         </p:nvSpPr>
         <p:spPr>
           <a:xfrm flipV="1">
             <a:off x="2260599" y="2284170"/>
-            <a:ext cx="363985" cy="709508"/>
+            <a:ext cx="363986" cy="709509"/>
           </a:xfrm>
           <a:prstGeom prst="line">
             <a:avLst/>
@@ -17227,14 +18865,14 @@
       </p:sp>
       <p:sp>
         <p:nvSpPr>
-          <p:cNvPr id="244" name="선"/>
+          <p:cNvPr id="291" name="선"/>
           <p:cNvSpPr/>
           <p:nvPr/>
         </p:nvSpPr>
         <p:spPr>
           <a:xfrm flipH="1" flipV="1">
-            <a:off x="2755148" y="2316308"/>
-            <a:ext cx="2182340" cy="687659"/>
+            <a:off x="2755147" y="2316308"/>
+            <a:ext cx="2182341" cy="687660"/>
           </a:xfrm>
           <a:prstGeom prst="line">
             <a:avLst/>
@@ -17256,14 +18894,14 @@
       </p:sp>
       <p:sp>
         <p:nvSpPr>
-          <p:cNvPr id="245" name="선"/>
+          <p:cNvPr id="292" name="선"/>
           <p:cNvSpPr/>
           <p:nvPr/>
         </p:nvSpPr>
         <p:spPr>
           <a:xfrm flipV="1">
-            <a:off x="850900" y="2269529"/>
-            <a:ext cx="1" cy="724149"/>
+            <a:off x="850899" y="2269528"/>
+            <a:ext cx="3" cy="724150"/>
           </a:xfrm>
           <a:prstGeom prst="line">
             <a:avLst/>
@@ -17285,14 +18923,14 @@
       </p:sp>
       <p:sp>
         <p:nvSpPr>
-          <p:cNvPr id="246" name="선"/>
+          <p:cNvPr id="293" name="선"/>
           <p:cNvSpPr/>
           <p:nvPr/>
         </p:nvSpPr>
         <p:spPr>
           <a:xfrm flipH="1" flipV="1">
-            <a:off x="4552932" y="2240328"/>
-            <a:ext cx="384556" cy="777190"/>
+            <a:off x="4552932" y="2240327"/>
+            <a:ext cx="384557" cy="777192"/>
           </a:xfrm>
           <a:prstGeom prst="line">
             <a:avLst/>
@@ -17314,14 +18952,14 @@
       </p:sp>
       <p:sp>
         <p:nvSpPr>
-          <p:cNvPr id="247" name="선"/>
+          <p:cNvPr id="294" name="선"/>
           <p:cNvSpPr/>
           <p:nvPr/>
         </p:nvSpPr>
         <p:spPr>
           <a:xfrm flipV="1">
             <a:off x="6845300" y="1593725"/>
-            <a:ext cx="0" cy="1399953"/>
+            <a:ext cx="0" cy="1399954"/>
           </a:xfrm>
           <a:prstGeom prst="line">
             <a:avLst/>
@@ -17343,13 +18981,13 @@
       </p:sp>
       <p:sp>
         <p:nvSpPr>
-          <p:cNvPr id="248" name="인터페이스"/>
+          <p:cNvPr id="295" name="인터페이스"/>
           <p:cNvSpPr txBox="1"/>
           <p:nvPr/>
         </p:nvSpPr>
         <p:spPr>
           <a:xfrm>
-            <a:off x="7724140" y="2152733"/>
+            <a:off x="7724140" y="2152732"/>
             <a:ext cx="763267" cy="281937"/>
           </a:xfrm>
           <a:prstGeom prst="rect">
@@ -17383,13 +19021,13 @@
       </p:sp>
       <p:sp>
         <p:nvSpPr>
-          <p:cNvPr id="249" name="클래스"/>
+          <p:cNvPr id="296" name="클래스"/>
           <p:cNvSpPr txBox="1"/>
           <p:nvPr/>
         </p:nvSpPr>
         <p:spPr>
           <a:xfrm>
-            <a:off x="7855965" y="2828537"/>
+            <a:off x="7855964" y="2828537"/>
             <a:ext cx="499615" cy="281937"/>
           </a:xfrm>
           <a:prstGeom prst="rect">
@@ -17423,14 +19061,14 @@
       </p:sp>
       <p:sp>
         <p:nvSpPr>
-          <p:cNvPr id="250" name="선"/>
+          <p:cNvPr id="297" name="선"/>
           <p:cNvSpPr/>
           <p:nvPr/>
         </p:nvSpPr>
         <p:spPr>
           <a:xfrm flipV="1">
-            <a:off x="2730500" y="1593726"/>
-            <a:ext cx="0" cy="374774"/>
+            <a:off x="2730500" y="1593725"/>
+            <a:ext cx="0" cy="374775"/>
           </a:xfrm>
           <a:prstGeom prst="line">
             <a:avLst/>
@@ -17451,14 +19089,14 @@
       </p:sp>
       <p:sp>
         <p:nvSpPr>
-          <p:cNvPr id="251" name="선"/>
+          <p:cNvPr id="298" name="선"/>
           <p:cNvSpPr/>
           <p:nvPr/>
         </p:nvSpPr>
         <p:spPr>
           <a:xfrm flipV="1">
             <a:off x="850900" y="1810560"/>
-            <a:ext cx="0" cy="157940"/>
+            <a:ext cx="0" cy="157941"/>
           </a:xfrm>
           <a:prstGeom prst="line">
             <a:avLst/>
@@ -17479,14 +19117,14 @@
       </p:sp>
       <p:sp>
         <p:nvSpPr>
-          <p:cNvPr id="252" name="선"/>
+          <p:cNvPr id="299" name="선"/>
           <p:cNvSpPr/>
           <p:nvPr/>
         </p:nvSpPr>
         <p:spPr>
           <a:xfrm flipV="1">
             <a:off x="4610100" y="1810560"/>
-            <a:ext cx="0" cy="157940"/>
+            <a:ext cx="0" cy="157941"/>
           </a:xfrm>
           <a:prstGeom prst="line">
             <a:avLst/>
@@ -17507,14 +19145,14 @@
       </p:sp>
       <p:sp>
         <p:nvSpPr>
-          <p:cNvPr id="253" name="선"/>
+          <p:cNvPr id="300" name="선"/>
           <p:cNvSpPr/>
           <p:nvPr/>
         </p:nvSpPr>
         <p:spPr>
           <a:xfrm>
-            <a:off x="838200" y="1803523"/>
-            <a:ext cx="3784601" cy="1"/>
+            <a:off x="838199" y="1803523"/>
+            <a:ext cx="3784602" cy="2"/>
           </a:xfrm>
           <a:prstGeom prst="line">
             <a:avLst/>
@@ -27093,7 +28731,7 @@
         </p:nvGraphicFramePr>
         <p:xfrm>
           <a:off x="6207795" y="1858853"/>
-          <a:ext cx="1672433" cy="697236"/>
+          <a:ext cx="1672434" cy="697236"/>
         </p:xfrm>
         <a:graphic xmlns:a="http://schemas.openxmlformats.org/drawingml/2006/main">
           <a:graphicData uri="http://schemas.openxmlformats.org/drawingml/2006/table">

--- a/assets/form/matrix.pptx
+++ b/assets/form/matrix.pptx
@@ -25,6 +25,7 @@
     <p:sldId id="270" r:id="rId22"/>
     <p:sldId id="271" r:id="rId23"/>
     <p:sldId id="272" r:id="rId24"/>
+    <p:sldId id="273" r:id="rId25"/>
   </p:sldIdLst>
   <p:sldSz cx="12192000" cy="6858000"/>
   <p:notesSz cx="6858000" cy="9144000"/>
@@ -79,9 +80,9 @@
         </a:solidFill>
         <a:effectLst/>
         <a:uFillTx/>
-        <a:latin typeface="+mn-lt"/>
-        <a:ea typeface="+mn-ea"/>
-        <a:cs typeface="+mn-cs"/>
+        <a:latin typeface="+mj-lt"/>
+        <a:ea typeface="+mj-ea"/>
+        <a:cs typeface="+mj-cs"/>
         <a:sym typeface="맑은 고딕"/>
       </a:defRPr>
     </a:lvl1pPr>
@@ -109,9 +110,9 @@
         </a:solidFill>
         <a:effectLst/>
         <a:uFillTx/>
-        <a:latin typeface="+mn-lt"/>
-        <a:ea typeface="+mn-ea"/>
-        <a:cs typeface="+mn-cs"/>
+        <a:latin typeface="+mj-lt"/>
+        <a:ea typeface="+mj-ea"/>
+        <a:cs typeface="+mj-cs"/>
         <a:sym typeface="맑은 고딕"/>
       </a:defRPr>
     </a:lvl2pPr>
@@ -139,9 +140,9 @@
         </a:solidFill>
         <a:effectLst/>
         <a:uFillTx/>
-        <a:latin typeface="+mn-lt"/>
-        <a:ea typeface="+mn-ea"/>
-        <a:cs typeface="+mn-cs"/>
+        <a:latin typeface="+mj-lt"/>
+        <a:ea typeface="+mj-ea"/>
+        <a:cs typeface="+mj-cs"/>
         <a:sym typeface="맑은 고딕"/>
       </a:defRPr>
     </a:lvl3pPr>
@@ -169,9 +170,9 @@
         </a:solidFill>
         <a:effectLst/>
         <a:uFillTx/>
-        <a:latin typeface="+mn-lt"/>
-        <a:ea typeface="+mn-ea"/>
-        <a:cs typeface="+mn-cs"/>
+        <a:latin typeface="+mj-lt"/>
+        <a:ea typeface="+mj-ea"/>
+        <a:cs typeface="+mj-cs"/>
         <a:sym typeface="맑은 고딕"/>
       </a:defRPr>
     </a:lvl4pPr>
@@ -199,9 +200,9 @@
         </a:solidFill>
         <a:effectLst/>
         <a:uFillTx/>
-        <a:latin typeface="+mn-lt"/>
-        <a:ea typeface="+mn-ea"/>
-        <a:cs typeface="+mn-cs"/>
+        <a:latin typeface="+mj-lt"/>
+        <a:ea typeface="+mj-ea"/>
+        <a:cs typeface="+mj-cs"/>
         <a:sym typeface="맑은 고딕"/>
       </a:defRPr>
     </a:lvl5pPr>
@@ -229,9 +230,9 @@
         </a:solidFill>
         <a:effectLst/>
         <a:uFillTx/>
-        <a:latin typeface="+mn-lt"/>
-        <a:ea typeface="+mn-ea"/>
-        <a:cs typeface="+mn-cs"/>
+        <a:latin typeface="+mj-lt"/>
+        <a:ea typeface="+mj-ea"/>
+        <a:cs typeface="+mj-cs"/>
         <a:sym typeface="맑은 고딕"/>
       </a:defRPr>
     </a:lvl6pPr>
@@ -259,9 +260,9 @@
         </a:solidFill>
         <a:effectLst/>
         <a:uFillTx/>
-        <a:latin typeface="+mn-lt"/>
-        <a:ea typeface="+mn-ea"/>
-        <a:cs typeface="+mn-cs"/>
+        <a:latin typeface="+mj-lt"/>
+        <a:ea typeface="+mj-ea"/>
+        <a:cs typeface="+mj-cs"/>
         <a:sym typeface="맑은 고딕"/>
       </a:defRPr>
     </a:lvl7pPr>
@@ -289,9 +290,9 @@
         </a:solidFill>
         <a:effectLst/>
         <a:uFillTx/>
-        <a:latin typeface="+mn-lt"/>
-        <a:ea typeface="+mn-ea"/>
-        <a:cs typeface="+mn-cs"/>
+        <a:latin typeface="+mj-lt"/>
+        <a:ea typeface="+mj-ea"/>
+        <a:cs typeface="+mj-cs"/>
         <a:sym typeface="맑은 고딕"/>
       </a:defRPr>
     </a:lvl8pPr>
@@ -319,9 +320,9 @@
         </a:solidFill>
         <a:effectLst/>
         <a:uFillTx/>
-        <a:latin typeface="+mn-lt"/>
-        <a:ea typeface="+mn-ea"/>
-        <a:cs typeface="+mn-cs"/>
+        <a:latin typeface="+mj-lt"/>
+        <a:ea typeface="+mj-ea"/>
+        <a:cs typeface="+mj-cs"/>
         <a:sym typeface="맑은 고딕"/>
       </a:defRPr>
     </a:lvl9pPr>
@@ -406,73 +407,73 @@
   <p:notesStyle>
     <a:lvl1pPr latinLnBrk="0">
       <a:defRPr sz="1200">
-        <a:latin typeface="+mn-lt"/>
-        <a:ea typeface="+mn-ea"/>
-        <a:cs typeface="+mn-cs"/>
+        <a:latin typeface="+mj-lt"/>
+        <a:ea typeface="+mj-ea"/>
+        <a:cs typeface="+mj-cs"/>
         <a:sym typeface="맑은 고딕"/>
       </a:defRPr>
     </a:lvl1pPr>
     <a:lvl2pPr indent="228600" latinLnBrk="0">
       <a:defRPr sz="1200">
-        <a:latin typeface="+mn-lt"/>
-        <a:ea typeface="+mn-ea"/>
-        <a:cs typeface="+mn-cs"/>
+        <a:latin typeface="+mj-lt"/>
+        <a:ea typeface="+mj-ea"/>
+        <a:cs typeface="+mj-cs"/>
         <a:sym typeface="맑은 고딕"/>
       </a:defRPr>
     </a:lvl2pPr>
     <a:lvl3pPr indent="457200" latinLnBrk="0">
       <a:defRPr sz="1200">
-        <a:latin typeface="+mn-lt"/>
-        <a:ea typeface="+mn-ea"/>
-        <a:cs typeface="+mn-cs"/>
+        <a:latin typeface="+mj-lt"/>
+        <a:ea typeface="+mj-ea"/>
+        <a:cs typeface="+mj-cs"/>
         <a:sym typeface="맑은 고딕"/>
       </a:defRPr>
     </a:lvl3pPr>
     <a:lvl4pPr indent="685800" latinLnBrk="0">
       <a:defRPr sz="1200">
-        <a:latin typeface="+mn-lt"/>
-        <a:ea typeface="+mn-ea"/>
-        <a:cs typeface="+mn-cs"/>
+        <a:latin typeface="+mj-lt"/>
+        <a:ea typeface="+mj-ea"/>
+        <a:cs typeface="+mj-cs"/>
         <a:sym typeface="맑은 고딕"/>
       </a:defRPr>
     </a:lvl4pPr>
     <a:lvl5pPr indent="914400" latinLnBrk="0">
       <a:defRPr sz="1200">
-        <a:latin typeface="+mn-lt"/>
-        <a:ea typeface="+mn-ea"/>
-        <a:cs typeface="+mn-cs"/>
+        <a:latin typeface="+mj-lt"/>
+        <a:ea typeface="+mj-ea"/>
+        <a:cs typeface="+mj-cs"/>
         <a:sym typeface="맑은 고딕"/>
       </a:defRPr>
     </a:lvl5pPr>
     <a:lvl6pPr indent="1143000" latinLnBrk="0">
       <a:defRPr sz="1200">
-        <a:latin typeface="+mn-lt"/>
-        <a:ea typeface="+mn-ea"/>
-        <a:cs typeface="+mn-cs"/>
+        <a:latin typeface="+mj-lt"/>
+        <a:ea typeface="+mj-ea"/>
+        <a:cs typeface="+mj-cs"/>
         <a:sym typeface="맑은 고딕"/>
       </a:defRPr>
     </a:lvl6pPr>
     <a:lvl7pPr indent="1371600" latinLnBrk="0">
       <a:defRPr sz="1200">
-        <a:latin typeface="+mn-lt"/>
-        <a:ea typeface="+mn-ea"/>
-        <a:cs typeface="+mn-cs"/>
+        <a:latin typeface="+mj-lt"/>
+        <a:ea typeface="+mj-ea"/>
+        <a:cs typeface="+mj-cs"/>
         <a:sym typeface="맑은 고딕"/>
       </a:defRPr>
     </a:lvl7pPr>
     <a:lvl8pPr indent="1600200" latinLnBrk="0">
       <a:defRPr sz="1200">
-        <a:latin typeface="+mn-lt"/>
-        <a:ea typeface="+mn-ea"/>
-        <a:cs typeface="+mn-cs"/>
+        <a:latin typeface="+mj-lt"/>
+        <a:ea typeface="+mj-ea"/>
+        <a:cs typeface="+mj-cs"/>
         <a:sym typeface="맑은 고딕"/>
       </a:defRPr>
     </a:lvl8pPr>
     <a:lvl9pPr indent="1828800" latinLnBrk="0">
       <a:defRPr sz="1200">
-        <a:latin typeface="+mn-lt"/>
-        <a:ea typeface="+mn-ea"/>
-        <a:cs typeface="+mn-cs"/>
+        <a:latin typeface="+mj-lt"/>
+        <a:ea typeface="+mj-ea"/>
+        <a:cs typeface="+mj-cs"/>
         <a:sym typeface="맑은 고딕"/>
       </a:defRPr>
     </a:lvl9pPr>
@@ -540,7 +541,7 @@
         <p:spPr>
           <a:xfrm>
             <a:off x="1524000" y="3602037"/>
-            <a:ext cx="9144000" cy="1655770"/>
+            <a:ext cx="9144000" cy="1655771"/>
           </a:xfrm>
           <a:prstGeom prst="rect">
             <a:avLst/>
@@ -823,7 +824,7 @@
         <p:spPr>
           <a:xfrm>
             <a:off x="831850" y="4589462"/>
-            <a:ext cx="10515600" cy="1500195"/>
+            <a:ext cx="10515600" cy="1500196"/>
           </a:xfrm>
           <a:prstGeom prst="rect">
             <a:avLst/>
@@ -1126,7 +1127,7 @@
         <p:spPr>
           <a:xfrm>
             <a:off x="839787" y="1681163"/>
-            <a:ext cx="5157790" cy="823920"/>
+            <a:ext cx="5157790" cy="823921"/>
           </a:xfrm>
           <a:prstGeom prst="rect">
             <a:avLst/>
@@ -1501,8 +1502,8 @@
         </p:nvSpPr>
         <p:spPr>
           <a:xfrm>
-            <a:off x="839782" y="2057400"/>
-            <a:ext cx="3932251" cy="3811588"/>
+            <a:off x="839781" y="2057400"/>
+            <a:ext cx="3932253" cy="3811588"/>
           </a:xfrm>
           <a:prstGeom prst="rect">
             <a:avLst/>
@@ -1872,7 +1873,7 @@
         <p:spPr>
           <a:xfrm>
             <a:off x="11080153" y="6404294"/>
-            <a:ext cx="273652" cy="269237"/>
+            <a:ext cx="273653" cy="269237"/>
           </a:xfrm>
           <a:prstGeom prst="rect">
             <a:avLst/>
@@ -1937,9 +1938,9 @@
             <a:srgbClr val="000000"/>
           </a:solidFill>
           <a:uFillTx/>
-          <a:latin typeface="+mn-lt"/>
-          <a:ea typeface="+mn-ea"/>
-          <a:cs typeface="+mn-cs"/>
+          <a:latin typeface="+mj-lt"/>
+          <a:ea typeface="+mj-ea"/>
+          <a:cs typeface="+mj-cs"/>
           <a:sym typeface="맑은 고딕"/>
         </a:defRPr>
       </a:lvl1pPr>
@@ -1963,9 +1964,9 @@
             <a:srgbClr val="000000"/>
           </a:solidFill>
           <a:uFillTx/>
-          <a:latin typeface="+mn-lt"/>
-          <a:ea typeface="+mn-ea"/>
-          <a:cs typeface="+mn-cs"/>
+          <a:latin typeface="+mj-lt"/>
+          <a:ea typeface="+mj-ea"/>
+          <a:cs typeface="+mj-cs"/>
           <a:sym typeface="맑은 고딕"/>
         </a:defRPr>
       </a:lvl2pPr>
@@ -1989,9 +1990,9 @@
             <a:srgbClr val="000000"/>
           </a:solidFill>
           <a:uFillTx/>
-          <a:latin typeface="+mn-lt"/>
-          <a:ea typeface="+mn-ea"/>
-          <a:cs typeface="+mn-cs"/>
+          <a:latin typeface="+mj-lt"/>
+          <a:ea typeface="+mj-ea"/>
+          <a:cs typeface="+mj-cs"/>
           <a:sym typeface="맑은 고딕"/>
         </a:defRPr>
       </a:lvl3pPr>
@@ -2015,9 +2016,9 @@
             <a:srgbClr val="000000"/>
           </a:solidFill>
           <a:uFillTx/>
-          <a:latin typeface="+mn-lt"/>
-          <a:ea typeface="+mn-ea"/>
-          <a:cs typeface="+mn-cs"/>
+          <a:latin typeface="+mj-lt"/>
+          <a:ea typeface="+mj-ea"/>
+          <a:cs typeface="+mj-cs"/>
           <a:sym typeface="맑은 고딕"/>
         </a:defRPr>
       </a:lvl4pPr>
@@ -2041,9 +2042,9 @@
             <a:srgbClr val="000000"/>
           </a:solidFill>
           <a:uFillTx/>
-          <a:latin typeface="+mn-lt"/>
-          <a:ea typeface="+mn-ea"/>
-          <a:cs typeface="+mn-cs"/>
+          <a:latin typeface="+mj-lt"/>
+          <a:ea typeface="+mj-ea"/>
+          <a:cs typeface="+mj-cs"/>
           <a:sym typeface="맑은 고딕"/>
         </a:defRPr>
       </a:lvl5pPr>
@@ -2067,9 +2068,9 @@
             <a:srgbClr val="000000"/>
           </a:solidFill>
           <a:uFillTx/>
-          <a:latin typeface="+mn-lt"/>
-          <a:ea typeface="+mn-ea"/>
-          <a:cs typeface="+mn-cs"/>
+          <a:latin typeface="+mj-lt"/>
+          <a:ea typeface="+mj-ea"/>
+          <a:cs typeface="+mj-cs"/>
           <a:sym typeface="맑은 고딕"/>
         </a:defRPr>
       </a:lvl6pPr>
@@ -2093,9 +2094,9 @@
             <a:srgbClr val="000000"/>
           </a:solidFill>
           <a:uFillTx/>
-          <a:latin typeface="+mn-lt"/>
-          <a:ea typeface="+mn-ea"/>
-          <a:cs typeface="+mn-cs"/>
+          <a:latin typeface="+mj-lt"/>
+          <a:ea typeface="+mj-ea"/>
+          <a:cs typeface="+mj-cs"/>
           <a:sym typeface="맑은 고딕"/>
         </a:defRPr>
       </a:lvl7pPr>
@@ -2119,9 +2120,9 @@
             <a:srgbClr val="000000"/>
           </a:solidFill>
           <a:uFillTx/>
-          <a:latin typeface="+mn-lt"/>
-          <a:ea typeface="+mn-ea"/>
-          <a:cs typeface="+mn-cs"/>
+          <a:latin typeface="+mj-lt"/>
+          <a:ea typeface="+mj-ea"/>
+          <a:cs typeface="+mj-cs"/>
           <a:sym typeface="맑은 고딕"/>
         </a:defRPr>
       </a:lvl8pPr>
@@ -2145,9 +2146,9 @@
             <a:srgbClr val="000000"/>
           </a:solidFill>
           <a:uFillTx/>
-          <a:latin typeface="+mn-lt"/>
-          <a:ea typeface="+mn-ea"/>
-          <a:cs typeface="+mn-cs"/>
+          <a:latin typeface="+mj-lt"/>
+          <a:ea typeface="+mj-ea"/>
+          <a:cs typeface="+mj-cs"/>
           <a:sym typeface="맑은 고딕"/>
         </a:defRPr>
       </a:lvl9pPr>
@@ -2173,9 +2174,9 @@
             <a:srgbClr val="000000"/>
           </a:solidFill>
           <a:uFillTx/>
-          <a:latin typeface="+mn-lt"/>
-          <a:ea typeface="+mn-ea"/>
-          <a:cs typeface="+mn-cs"/>
+          <a:latin typeface="+mj-lt"/>
+          <a:ea typeface="+mj-ea"/>
+          <a:cs typeface="+mj-cs"/>
           <a:sym typeface="맑은 고딕"/>
         </a:defRPr>
       </a:lvl1pPr>
@@ -2199,9 +2200,9 @@
             <a:srgbClr val="000000"/>
           </a:solidFill>
           <a:uFillTx/>
-          <a:latin typeface="+mn-lt"/>
-          <a:ea typeface="+mn-ea"/>
-          <a:cs typeface="+mn-cs"/>
+          <a:latin typeface="+mj-lt"/>
+          <a:ea typeface="+mj-ea"/>
+          <a:cs typeface="+mj-cs"/>
           <a:sym typeface="맑은 고딕"/>
         </a:defRPr>
       </a:lvl2pPr>
@@ -2225,9 +2226,9 @@
             <a:srgbClr val="000000"/>
           </a:solidFill>
           <a:uFillTx/>
-          <a:latin typeface="+mn-lt"/>
-          <a:ea typeface="+mn-ea"/>
-          <a:cs typeface="+mn-cs"/>
+          <a:latin typeface="+mj-lt"/>
+          <a:ea typeface="+mj-ea"/>
+          <a:cs typeface="+mj-cs"/>
           <a:sym typeface="맑은 고딕"/>
         </a:defRPr>
       </a:lvl3pPr>
@@ -2251,9 +2252,9 @@
             <a:srgbClr val="000000"/>
           </a:solidFill>
           <a:uFillTx/>
-          <a:latin typeface="+mn-lt"/>
-          <a:ea typeface="+mn-ea"/>
-          <a:cs typeface="+mn-cs"/>
+          <a:latin typeface="+mj-lt"/>
+          <a:ea typeface="+mj-ea"/>
+          <a:cs typeface="+mj-cs"/>
           <a:sym typeface="맑은 고딕"/>
         </a:defRPr>
       </a:lvl4pPr>
@@ -2277,9 +2278,9 @@
             <a:srgbClr val="000000"/>
           </a:solidFill>
           <a:uFillTx/>
-          <a:latin typeface="+mn-lt"/>
-          <a:ea typeface="+mn-ea"/>
-          <a:cs typeface="+mn-cs"/>
+          <a:latin typeface="+mj-lt"/>
+          <a:ea typeface="+mj-ea"/>
+          <a:cs typeface="+mj-cs"/>
           <a:sym typeface="맑은 고딕"/>
         </a:defRPr>
       </a:lvl5pPr>
@@ -2303,9 +2304,9 @@
             <a:srgbClr val="000000"/>
           </a:solidFill>
           <a:uFillTx/>
-          <a:latin typeface="+mn-lt"/>
-          <a:ea typeface="+mn-ea"/>
-          <a:cs typeface="+mn-cs"/>
+          <a:latin typeface="+mj-lt"/>
+          <a:ea typeface="+mj-ea"/>
+          <a:cs typeface="+mj-cs"/>
           <a:sym typeface="맑은 고딕"/>
         </a:defRPr>
       </a:lvl6pPr>
@@ -2329,9 +2330,9 @@
             <a:srgbClr val="000000"/>
           </a:solidFill>
           <a:uFillTx/>
-          <a:latin typeface="+mn-lt"/>
-          <a:ea typeface="+mn-ea"/>
-          <a:cs typeface="+mn-cs"/>
+          <a:latin typeface="+mj-lt"/>
+          <a:ea typeface="+mj-ea"/>
+          <a:cs typeface="+mj-cs"/>
           <a:sym typeface="맑은 고딕"/>
         </a:defRPr>
       </a:lvl7pPr>
@@ -2355,9 +2356,9 @@
             <a:srgbClr val="000000"/>
           </a:solidFill>
           <a:uFillTx/>
-          <a:latin typeface="+mn-lt"/>
-          <a:ea typeface="+mn-ea"/>
-          <a:cs typeface="+mn-cs"/>
+          <a:latin typeface="+mj-lt"/>
+          <a:ea typeface="+mj-ea"/>
+          <a:cs typeface="+mj-cs"/>
           <a:sym typeface="맑은 고딕"/>
         </a:defRPr>
       </a:lvl8pPr>
@@ -2381,9 +2382,9 @@
             <a:srgbClr val="000000"/>
           </a:solidFill>
           <a:uFillTx/>
-          <a:latin typeface="+mn-lt"/>
-          <a:ea typeface="+mn-ea"/>
-          <a:cs typeface="+mn-cs"/>
+          <a:latin typeface="+mj-lt"/>
+          <a:ea typeface="+mj-ea"/>
+          <a:cs typeface="+mj-cs"/>
           <a:sym typeface="맑은 고딕"/>
         </a:defRPr>
       </a:lvl9pPr>
@@ -6295,7 +6296,7 @@
         </p:nvGraphicFramePr>
         <p:xfrm>
           <a:off x="4026320" y="1954103"/>
-          <a:ext cx="990732" cy="697236"/>
+          <a:ext cx="990733" cy="697236"/>
         </p:xfrm>
         <a:graphic xmlns:a="http://schemas.openxmlformats.org/drawingml/2006/main">
           <a:graphicData uri="http://schemas.openxmlformats.org/drawingml/2006/table">
@@ -6465,7 +6466,7 @@
         </p:nvGraphicFramePr>
         <p:xfrm>
           <a:off x="5259682" y="1954103"/>
-          <a:ext cx="990733" cy="697236"/>
+          <a:ext cx="990734" cy="697236"/>
         </p:xfrm>
         <a:graphic xmlns:a="http://schemas.openxmlformats.org/drawingml/2006/main">
           <a:graphicData uri="http://schemas.openxmlformats.org/drawingml/2006/table">
@@ -6635,7 +6636,7 @@
         </p:nvGraphicFramePr>
         <p:xfrm>
           <a:off x="6493047" y="1954103"/>
-          <a:ext cx="990732" cy="697236"/>
+          <a:ext cx="990733" cy="697236"/>
         </p:xfrm>
         <a:graphic xmlns:a="http://schemas.openxmlformats.org/drawingml/2006/main">
           <a:graphicData uri="http://schemas.openxmlformats.org/drawingml/2006/table">
@@ -8524,7 +8525,7 @@
         </p:nvGraphicFramePr>
         <p:xfrm>
           <a:off x="5845845" y="3001853"/>
-          <a:ext cx="990732" cy="697236"/>
+          <a:ext cx="990733" cy="697236"/>
         </p:xfrm>
         <a:graphic xmlns:a="http://schemas.openxmlformats.org/drawingml/2006/main">
           <a:graphicData uri="http://schemas.openxmlformats.org/drawingml/2006/table">
@@ -8700,7 +8701,7 @@
         </p:nvGraphicFramePr>
         <p:xfrm>
           <a:off x="4676773" y="3001853"/>
-          <a:ext cx="926440" cy="697236"/>
+          <a:ext cx="926441" cy="697236"/>
         </p:xfrm>
         <a:graphic xmlns:a="http://schemas.openxmlformats.org/drawingml/2006/main">
           <a:graphicData uri="http://schemas.openxmlformats.org/drawingml/2006/table">
@@ -8884,7 +8885,7 @@
         </p:nvGraphicFramePr>
         <p:xfrm>
           <a:off x="5845845" y="3804284"/>
-          <a:ext cx="990732" cy="697238"/>
+          <a:ext cx="990733" cy="697239"/>
         </p:xfrm>
         <a:graphic xmlns:a="http://schemas.openxmlformats.org/drawingml/2006/main">
           <a:graphicData uri="http://schemas.openxmlformats.org/drawingml/2006/table">
@@ -9060,7 +9061,7 @@
         </p:nvGraphicFramePr>
         <p:xfrm>
           <a:off x="4676773" y="3804284"/>
-          <a:ext cx="926440" cy="697238"/>
+          <a:ext cx="926441" cy="697239"/>
         </p:xfrm>
         <a:graphic xmlns:a="http://schemas.openxmlformats.org/drawingml/2006/main">
           <a:graphicData uri="http://schemas.openxmlformats.org/drawingml/2006/table">
@@ -9215,7 +9216,7 @@
         <p:spPr>
           <a:xfrm>
             <a:off x="5603206" y="4307628"/>
-            <a:ext cx="242643" cy="8"/>
+            <a:ext cx="242643" cy="9"/>
           </a:xfrm>
           <a:prstGeom prst="line">
             <a:avLst/>
@@ -9244,7 +9245,7 @@
         </p:nvGraphicFramePr>
         <p:xfrm>
           <a:off x="5845845" y="628754"/>
-          <a:ext cx="990732" cy="697236"/>
+          <a:ext cx="990733" cy="697236"/>
         </p:xfrm>
         <a:graphic xmlns:a="http://schemas.openxmlformats.org/drawingml/2006/main">
           <a:graphicData uri="http://schemas.openxmlformats.org/drawingml/2006/table">
@@ -9420,7 +9421,7 @@
         </p:nvGraphicFramePr>
         <p:xfrm>
           <a:off x="4676773" y="628754"/>
-          <a:ext cx="926440" cy="697236"/>
+          <a:ext cx="926441" cy="697236"/>
         </p:xfrm>
         <a:graphic xmlns:a="http://schemas.openxmlformats.org/drawingml/2006/main">
           <a:graphicData uri="http://schemas.openxmlformats.org/drawingml/2006/table">
@@ -9575,7 +9576,7 @@
         <p:spPr>
           <a:xfrm>
             <a:off x="5603206" y="1132099"/>
-            <a:ext cx="242643" cy="8"/>
+            <a:ext cx="242643" cy="9"/>
           </a:xfrm>
           <a:prstGeom prst="line">
             <a:avLst/>
@@ -9604,7 +9605,7 @@
         </p:nvGraphicFramePr>
         <p:xfrm>
           <a:off x="5845845" y="1431182"/>
-          <a:ext cx="990732" cy="697238"/>
+          <a:ext cx="990733" cy="697239"/>
         </p:xfrm>
         <a:graphic xmlns:a="http://schemas.openxmlformats.org/drawingml/2006/main">
           <a:graphicData uri="http://schemas.openxmlformats.org/drawingml/2006/table">
@@ -9780,7 +9781,7 @@
         </p:nvGraphicFramePr>
         <p:xfrm>
           <a:off x="4676773" y="1431182"/>
-          <a:ext cx="926440" cy="697238"/>
+          <a:ext cx="926441" cy="697239"/>
         </p:xfrm>
         <a:graphic xmlns:a="http://schemas.openxmlformats.org/drawingml/2006/main">
           <a:graphicData uri="http://schemas.openxmlformats.org/drawingml/2006/table">
@@ -9935,7 +9936,7 @@
         <p:spPr>
           <a:xfrm>
             <a:off x="5603206" y="1934528"/>
-            <a:ext cx="242643" cy="8"/>
+            <a:ext cx="242643" cy="9"/>
           </a:xfrm>
           <a:prstGeom prst="line">
             <a:avLst/>
@@ -9964,7 +9965,7 @@
         </p:nvGraphicFramePr>
         <p:xfrm>
           <a:off x="8248277" y="628754"/>
-          <a:ext cx="990732" cy="697236"/>
+          <a:ext cx="990733" cy="697236"/>
         </p:xfrm>
         <a:graphic xmlns:a="http://schemas.openxmlformats.org/drawingml/2006/main">
           <a:graphicData uri="http://schemas.openxmlformats.org/drawingml/2006/table">
@@ -10140,7 +10141,7 @@
         </p:nvGraphicFramePr>
         <p:xfrm>
           <a:off x="7079208" y="628754"/>
-          <a:ext cx="926440" cy="697236"/>
+          <a:ext cx="926441" cy="697236"/>
         </p:xfrm>
         <a:graphic xmlns:a="http://schemas.openxmlformats.org/drawingml/2006/main">
           <a:graphicData uri="http://schemas.openxmlformats.org/drawingml/2006/table">
@@ -10294,7 +10295,7 @@
         </p:nvGraphicFramePr>
         <p:xfrm>
           <a:off x="8248277" y="1431182"/>
-          <a:ext cx="990732" cy="697238"/>
+          <a:ext cx="990733" cy="697239"/>
         </p:xfrm>
         <a:graphic xmlns:a="http://schemas.openxmlformats.org/drawingml/2006/main">
           <a:graphicData uri="http://schemas.openxmlformats.org/drawingml/2006/table">
@@ -10470,7 +10471,7 @@
         </p:nvGraphicFramePr>
         <p:xfrm>
           <a:off x="7079208" y="1431182"/>
-          <a:ext cx="926440" cy="697238"/>
+          <a:ext cx="926441" cy="697239"/>
         </p:xfrm>
         <a:graphic xmlns:a="http://schemas.openxmlformats.org/drawingml/2006/main">
           <a:graphicData uri="http://schemas.openxmlformats.org/drawingml/2006/table">
@@ -10625,7 +10626,7 @@
         <p:spPr>
           <a:xfrm>
             <a:off x="8005640" y="2025013"/>
-            <a:ext cx="242643" cy="8"/>
+            <a:ext cx="242643" cy="9"/>
           </a:xfrm>
           <a:prstGeom prst="line">
             <a:avLst/>
@@ -10655,7 +10656,7 @@
         <p:spPr>
           <a:xfrm>
             <a:off x="8005640" y="1187998"/>
-            <a:ext cx="71568" cy="8"/>
+            <a:ext cx="71569" cy="9"/>
           </a:xfrm>
           <a:prstGeom prst="line">
             <a:avLst/>
@@ -10684,7 +10685,7 @@
         <p:spPr>
           <a:xfrm flipH="1">
             <a:off x="8067674" y="1173586"/>
-            <a:ext cx="4771" cy="716408"/>
+            <a:ext cx="4772" cy="716409"/>
           </a:xfrm>
           <a:prstGeom prst="line">
             <a:avLst/>
@@ -10713,7 +10714,7 @@
         <p:spPr>
           <a:xfrm>
             <a:off x="8072435" y="1875600"/>
-            <a:ext cx="175850" cy="8"/>
+            <a:ext cx="175851" cy="9"/>
           </a:xfrm>
           <a:prstGeom prst="line">
             <a:avLst/>
@@ -10822,7 +10823,7 @@
         </p:nvGraphicFramePr>
         <p:xfrm>
           <a:off x="7079208" y="3001853"/>
-          <a:ext cx="926440" cy="697236"/>
+          <a:ext cx="926441" cy="697236"/>
         </p:xfrm>
         <a:graphic xmlns:a="http://schemas.openxmlformats.org/drawingml/2006/main">
           <a:graphicData uri="http://schemas.openxmlformats.org/drawingml/2006/table">
@@ -10976,7 +10977,7 @@
         </p:nvGraphicFramePr>
         <p:xfrm>
           <a:off x="8248277" y="3804284"/>
-          <a:ext cx="990732" cy="697238"/>
+          <a:ext cx="990733" cy="697239"/>
         </p:xfrm>
         <a:graphic xmlns:a="http://schemas.openxmlformats.org/drawingml/2006/main">
           <a:graphicData uri="http://schemas.openxmlformats.org/drawingml/2006/table">
@@ -11152,7 +11153,7 @@
         </p:nvGraphicFramePr>
         <p:xfrm>
           <a:off x="7079208" y="3804284"/>
-          <a:ext cx="926440" cy="697238"/>
+          <a:ext cx="926441" cy="697239"/>
         </p:xfrm>
         <a:graphic xmlns:a="http://schemas.openxmlformats.org/drawingml/2006/main">
           <a:graphicData uri="http://schemas.openxmlformats.org/drawingml/2006/table">
@@ -11307,7 +11308,7 @@
         <p:spPr>
           <a:xfrm>
             <a:off x="8005640" y="4398116"/>
-            <a:ext cx="242643" cy="8"/>
+            <a:ext cx="242643" cy="9"/>
           </a:xfrm>
           <a:prstGeom prst="line">
             <a:avLst/>
@@ -11337,7 +11338,7 @@
         <p:spPr>
           <a:xfrm>
             <a:off x="8005640" y="3561100"/>
-            <a:ext cx="71568" cy="8"/>
+            <a:ext cx="71569" cy="9"/>
           </a:xfrm>
           <a:prstGeom prst="line">
             <a:avLst/>
@@ -11366,7 +11367,7 @@
         <p:spPr>
           <a:xfrm flipH="1">
             <a:off x="8067674" y="3546685"/>
-            <a:ext cx="4771" cy="716409"/>
+            <a:ext cx="4772" cy="716410"/>
           </a:xfrm>
           <a:prstGeom prst="line">
             <a:avLst/>
@@ -11395,7 +11396,7 @@
         <p:spPr>
           <a:xfrm>
             <a:off x="8072435" y="4248701"/>
-            <a:ext cx="175850" cy="8"/>
+            <a:ext cx="175851" cy="9"/>
           </a:xfrm>
           <a:prstGeom prst="line">
             <a:avLst/>
@@ -11810,7 +11811,7 @@
         </p:nvGraphicFramePr>
         <p:xfrm>
           <a:off x="1416719" y="1525905"/>
-          <a:ext cx="1201728" cy="697236"/>
+          <a:ext cx="1201729" cy="697236"/>
         </p:xfrm>
         <a:graphic xmlns:a="http://schemas.openxmlformats.org/drawingml/2006/main">
           <a:graphicData uri="http://schemas.openxmlformats.org/drawingml/2006/table">
@@ -12141,7 +12142,7 @@
         <p:spPr>
           <a:xfrm>
             <a:off x="1174079" y="2029249"/>
-            <a:ext cx="242643" cy="8"/>
+            <a:ext cx="242643" cy="9"/>
           </a:xfrm>
           <a:prstGeom prst="line">
             <a:avLst/>
@@ -12170,7 +12171,7 @@
         </p:nvGraphicFramePr>
         <p:xfrm>
           <a:off x="1416719" y="2726476"/>
-          <a:ext cx="1201728" cy="697236"/>
+          <a:ext cx="1201729" cy="697236"/>
         </p:xfrm>
         <a:graphic xmlns:a="http://schemas.openxmlformats.org/drawingml/2006/main">
           <a:graphicData uri="http://schemas.openxmlformats.org/drawingml/2006/table">
@@ -12495,7 +12496,7 @@
         <p:spPr>
           <a:xfrm>
             <a:off x="1174079" y="3229822"/>
-            <a:ext cx="242643" cy="8"/>
+            <a:ext cx="242643" cy="9"/>
           </a:xfrm>
           <a:prstGeom prst="line">
             <a:avLst/>
@@ -12701,7 +12702,7 @@
         <p:spPr>
           <a:xfrm>
             <a:off x="2618439" y="3229822"/>
-            <a:ext cx="242643" cy="8"/>
+            <a:ext cx="242643" cy="9"/>
           </a:xfrm>
           <a:prstGeom prst="line">
             <a:avLst/>
@@ -12730,7 +12731,7 @@
         </p:nvGraphicFramePr>
         <p:xfrm>
           <a:off x="1416719" y="3927049"/>
-          <a:ext cx="1201728" cy="697239"/>
+          <a:ext cx="1201729" cy="697240"/>
         </p:xfrm>
         <a:graphic xmlns:a="http://schemas.openxmlformats.org/drawingml/2006/main">
           <a:graphicData uri="http://schemas.openxmlformats.org/drawingml/2006/table">
@@ -12900,7 +12901,7 @@
         </p:nvGraphicFramePr>
         <p:xfrm>
           <a:off x="247649" y="3927049"/>
-          <a:ext cx="926433" cy="697239"/>
+          <a:ext cx="926433" cy="697240"/>
         </p:xfrm>
         <a:graphic xmlns:a="http://schemas.openxmlformats.org/drawingml/2006/main">
           <a:graphicData uri="http://schemas.openxmlformats.org/drawingml/2006/table">
@@ -13055,7 +13056,7 @@
         <p:spPr>
           <a:xfrm>
             <a:off x="1174079" y="4430395"/>
-            <a:ext cx="242643" cy="8"/>
+            <a:ext cx="242643" cy="9"/>
           </a:xfrm>
           <a:prstGeom prst="line">
             <a:avLst/>
@@ -13084,7 +13085,7 @@
         </p:nvGraphicFramePr>
         <p:xfrm>
           <a:off x="2861074" y="3927049"/>
-          <a:ext cx="1201723" cy="697239"/>
+          <a:ext cx="1201723" cy="697240"/>
         </p:xfrm>
         <a:graphic xmlns:a="http://schemas.openxmlformats.org/drawingml/2006/main">
           <a:graphicData uri="http://schemas.openxmlformats.org/drawingml/2006/table">
@@ -13255,7 +13256,7 @@
         <p:spPr>
           <a:xfrm>
             <a:off x="2618439" y="4430395"/>
-            <a:ext cx="242643" cy="8"/>
+            <a:ext cx="242643" cy="9"/>
           </a:xfrm>
           <a:prstGeom prst="line">
             <a:avLst/>
@@ -13284,7 +13285,7 @@
         </p:nvGraphicFramePr>
         <p:xfrm>
           <a:off x="4305434" y="3927049"/>
-          <a:ext cx="1201728" cy="697239"/>
+          <a:ext cx="1201729" cy="697240"/>
         </p:xfrm>
         <a:graphic xmlns:a="http://schemas.openxmlformats.org/drawingml/2006/main">
           <a:graphicData uri="http://schemas.openxmlformats.org/drawingml/2006/table">
@@ -13461,7 +13462,7 @@
         <p:spPr>
           <a:xfrm>
             <a:off x="4062795" y="4430395"/>
-            <a:ext cx="242643" cy="8"/>
+            <a:ext cx="242643" cy="9"/>
           </a:xfrm>
           <a:prstGeom prst="line">
             <a:avLst/>
@@ -13490,7 +13491,7 @@
         </p:nvGraphicFramePr>
         <p:xfrm>
           <a:off x="1416719" y="5127623"/>
-          <a:ext cx="1201728" cy="697238"/>
+          <a:ext cx="1201729" cy="697239"/>
         </p:xfrm>
         <a:graphic xmlns:a="http://schemas.openxmlformats.org/drawingml/2006/main">
           <a:graphicData uri="http://schemas.openxmlformats.org/drawingml/2006/table">
@@ -13660,7 +13661,7 @@
         </p:nvGraphicFramePr>
         <p:xfrm>
           <a:off x="247649" y="5127623"/>
-          <a:ext cx="926433" cy="697238"/>
+          <a:ext cx="926433" cy="697239"/>
         </p:xfrm>
         <a:graphic xmlns:a="http://schemas.openxmlformats.org/drawingml/2006/main">
           <a:graphicData uri="http://schemas.openxmlformats.org/drawingml/2006/table">
@@ -13815,7 +13816,7 @@
         <p:spPr>
           <a:xfrm>
             <a:off x="1174079" y="5630967"/>
-            <a:ext cx="242643" cy="8"/>
+            <a:ext cx="242643" cy="9"/>
           </a:xfrm>
           <a:prstGeom prst="line">
             <a:avLst/>
@@ -13844,7 +13845,7 @@
         </p:nvGraphicFramePr>
         <p:xfrm>
           <a:off x="2861074" y="5127623"/>
-          <a:ext cx="1201723" cy="697238"/>
+          <a:ext cx="1201723" cy="697239"/>
         </p:xfrm>
         <a:graphic xmlns:a="http://schemas.openxmlformats.org/drawingml/2006/main">
           <a:graphicData uri="http://schemas.openxmlformats.org/drawingml/2006/table">
@@ -14015,7 +14016,7 @@
         <p:spPr>
           <a:xfrm>
             <a:off x="2618439" y="5630967"/>
-            <a:ext cx="242643" cy="8"/>
+            <a:ext cx="242643" cy="9"/>
           </a:xfrm>
           <a:prstGeom prst="line">
             <a:avLst/>
@@ -14044,7 +14045,7 @@
         </p:nvGraphicFramePr>
         <p:xfrm>
           <a:off x="4305434" y="5127623"/>
-          <a:ext cx="1201728" cy="697238"/>
+          <a:ext cx="1201729" cy="697239"/>
         </p:xfrm>
         <a:graphic xmlns:a="http://schemas.openxmlformats.org/drawingml/2006/main">
           <a:graphicData uri="http://schemas.openxmlformats.org/drawingml/2006/table">
@@ -14221,7 +14222,7 @@
         <p:spPr>
           <a:xfrm>
             <a:off x="4062795" y="5630967"/>
-            <a:ext cx="242643" cy="8"/>
+            <a:ext cx="242643" cy="9"/>
           </a:xfrm>
           <a:prstGeom prst="line">
             <a:avLst/>
@@ -14326,7 +14327,7 @@
           </p:nvSpPr>
           <p:spPr>
             <a:xfrm>
-              <a:off x="81831" y="140012"/>
+              <a:off x="81831" y="140011"/>
               <a:ext cx="1512742" cy="1767837"/>
             </a:xfrm>
             <a:prstGeom prst="rect">
@@ -14639,10 +14640,10 @@
         </p:nvGrpSpPr>
         <p:grpSpPr>
           <a:xfrm>
-            <a:off x="6308780" y="622912"/>
-            <a:ext cx="1499012" cy="1611242"/>
-            <a:chOff x="-1" y="0"/>
-            <a:chExt cx="1499011" cy="1611240"/>
+            <a:off x="6308779" y="622910"/>
+            <a:ext cx="1499015" cy="1611245"/>
+            <a:chOff x="-1" y="-1"/>
+            <a:chExt cx="1499014" cy="1611243"/>
           </a:xfrm>
         </p:grpSpPr>
         <p:sp>
@@ -14653,8 +14654,8 @@
           </p:nvSpPr>
           <p:spPr>
             <a:xfrm>
-              <a:off x="-2" y="-1"/>
-              <a:ext cx="1499013" cy="1611242"/>
+              <a:off x="-2" y="-2"/>
+              <a:ext cx="1499016" cy="1611245"/>
             </a:xfrm>
             <a:prstGeom prst="roundRect">
               <a:avLst>
@@ -14689,8 +14690,8 @@
           </p:nvSpPr>
           <p:spPr>
             <a:xfrm>
-              <a:off x="589" y="167383"/>
-              <a:ext cx="1489428" cy="1257057"/>
+              <a:off x="590" y="167383"/>
+              <a:ext cx="1489429" cy="1257056"/>
             </a:xfrm>
             <a:prstGeom prst="rect">
               <a:avLst/>
@@ -14812,7 +14813,7 @@
         <p:spPr>
           <a:xfrm>
             <a:off x="6308783" y="2819980"/>
-            <a:ext cx="1493298" cy="508002"/>
+            <a:ext cx="1493299" cy="508002"/>
           </a:xfrm>
           <a:prstGeom prst="roundRect">
             <a:avLst>
@@ -14843,7 +14844,7 @@
         <p:spPr>
           <a:xfrm>
             <a:off x="6309371" y="2871214"/>
-            <a:ext cx="1483751" cy="386843"/>
+            <a:ext cx="1483752" cy="386843"/>
           </a:xfrm>
           <a:prstGeom prst="rect">
             <a:avLst/>
@@ -14948,9 +14949,9 @@
           <a:lstStyle>
             <a:lvl1pPr>
               <a:defRPr sz="1500">
-                <a:latin typeface="+mj-lt"/>
-                <a:ea typeface="+mj-ea"/>
-                <a:cs typeface="+mj-cs"/>
+                <a:latin typeface="+mn-lt"/>
+                <a:ea typeface="+mn-ea"/>
+                <a:cs typeface="+mn-cs"/>
                 <a:sym typeface="Helvetica"/>
               </a:defRPr>
             </a:lvl1pPr>
@@ -14972,7 +14973,7 @@
         <p:spPr>
           <a:xfrm flipV="1">
             <a:off x="7058283" y="2258776"/>
-            <a:ext cx="5" cy="527055"/>
+            <a:ext cx="6" cy="527056"/>
           </a:xfrm>
           <a:prstGeom prst="line">
             <a:avLst/>
@@ -15022,9 +15023,9 @@
           <a:lstStyle>
             <a:lvl1pPr>
               <a:defRPr sz="1500">
-                <a:latin typeface="+mj-lt"/>
-                <a:ea typeface="+mj-ea"/>
-                <a:cs typeface="+mj-cs"/>
+                <a:latin typeface="+mn-lt"/>
+                <a:ea typeface="+mn-ea"/>
+                <a:cs typeface="+mn-cs"/>
                 <a:sym typeface="Helvetica"/>
               </a:defRPr>
             </a:lvl1pPr>
@@ -15046,7 +15047,7 @@
         <p:spPr>
           <a:xfrm flipV="1">
             <a:off x="5155736" y="1312217"/>
-            <a:ext cx="1428575" cy="960439"/>
+            <a:ext cx="1428576" cy="960439"/>
           </a:xfrm>
           <a:prstGeom prst="line">
             <a:avLst/>
@@ -15079,7 +15080,7 @@
         <p:spPr>
           <a:xfrm>
             <a:off x="5154910" y="2270031"/>
-            <a:ext cx="1429354" cy="806497"/>
+            <a:ext cx="1429355" cy="806498"/>
           </a:xfrm>
           <a:prstGeom prst="line">
             <a:avLst/>
@@ -15132,9 +15133,9 @@
                 <a:solidFill>
                   <a:schemeClr val="accent2"/>
                 </a:solidFill>
-                <a:latin typeface="+mj-lt"/>
-                <a:ea typeface="+mj-ea"/>
-                <a:cs typeface="+mj-cs"/>
+                <a:latin typeface="+mn-lt"/>
+                <a:ea typeface="+mn-ea"/>
+                <a:cs typeface="+mn-cs"/>
                 <a:sym typeface="Helvetica"/>
               </a:defRPr>
             </a:lvl1pPr>
@@ -15181,10 +15182,10 @@
         </p:nvGrpSpPr>
         <p:grpSpPr>
           <a:xfrm>
-            <a:off x="4096596" y="1109368"/>
-            <a:ext cx="5468591" cy="1404625"/>
+            <a:off x="4096595" y="1109368"/>
+            <a:ext cx="5468594" cy="1404627"/>
             <a:chOff x="0" y="25400"/>
-            <a:chExt cx="5468590" cy="1404624"/>
+            <a:chExt cx="5468592" cy="1404626"/>
           </a:xfrm>
         </p:grpSpPr>
         <p:graphicFrame>
@@ -15195,7 +15196,7 @@
           </p:nvGraphicFramePr>
           <p:xfrm>
             <a:off x="3136234" y="25400"/>
-            <a:ext cx="2332357" cy="1404625"/>
+            <a:ext cx="2332359" cy="1404627"/>
           </p:xfrm>
           <a:graphic xmlns:a="http://schemas.openxmlformats.org/drawingml/2006/main">
             <a:graphicData uri="http://schemas.openxmlformats.org/drawingml/2006/table">
@@ -15488,7 +15489,7 @@
           </p:nvGraphicFramePr>
           <p:xfrm>
             <a:off x="1996213" y="147019"/>
-            <a:ext cx="757267" cy="307343"/>
+            <a:ext cx="757268" cy="307344"/>
           </p:xfrm>
           <a:graphic xmlns:a="http://schemas.openxmlformats.org/drawingml/2006/main">
             <a:graphicData uri="http://schemas.openxmlformats.org/drawingml/2006/table">
@@ -15587,8 +15588,8 @@
           </p:nvSpPr>
           <p:spPr>
             <a:xfrm>
-              <a:off x="2533406" y="300689"/>
-              <a:ext cx="596043" cy="4"/>
+              <a:off x="2546106" y="300689"/>
+              <a:ext cx="583344" cy="5"/>
             </a:xfrm>
             <a:prstGeom prst="line">
               <a:avLst/>
@@ -15624,7 +15625,7 @@
           <p:spPr>
             <a:xfrm>
               <a:off x="3159761" y="746178"/>
-              <a:ext cx="891783" cy="380479"/>
+              <a:ext cx="891785" cy="380481"/>
             </a:xfrm>
             <a:prstGeom prst="ellipse">
               <a:avLst/>
@@ -15657,10 +15658,10 @@
           </p:nvGrpSpPr>
           <p:grpSpPr>
             <a:xfrm>
-              <a:off x="12698" y="461579"/>
-              <a:ext cx="1600762" cy="532267"/>
-              <a:chOff x="-1" y="0"/>
-              <a:chExt cx="1600761" cy="532265"/>
+              <a:off x="12697" y="461579"/>
+              <a:ext cx="1600765" cy="532269"/>
+              <a:chOff x="0" y="0"/>
+              <a:chExt cx="1600764" cy="532267"/>
             </a:xfrm>
           </p:grpSpPr>
           <p:sp>
@@ -15671,8 +15672,8 @@
             </p:nvSpPr>
             <p:spPr>
               <a:xfrm>
-                <a:off x="-2" y="0"/>
-                <a:ext cx="1600763" cy="532266"/>
+                <a:off x="-1" y="-1"/>
+                <a:ext cx="1600765" cy="532269"/>
               </a:xfrm>
               <a:prstGeom prst="rect">
                 <a:avLst/>
@@ -15709,8 +15710,8 @@
             </p:nvSpPr>
             <p:spPr>
               <a:xfrm>
-                <a:off x="-2" y="42612"/>
-                <a:ext cx="1600763" cy="447037"/>
+                <a:off x="-1" y="42612"/>
+                <a:ext cx="1600765" cy="447037"/>
               </a:xfrm>
               <a:prstGeom prst="rect">
                 <a:avLst/>
@@ -15771,7 +15772,7 @@
           <p:spPr>
             <a:xfrm>
               <a:off x="0" y="985983"/>
-              <a:ext cx="1626161" cy="281937"/>
+              <a:ext cx="1626162" cy="281937"/>
             </a:xfrm>
             <a:prstGeom prst="rect">
               <a:avLst/>
@@ -15823,7 +15824,7 @@
           <p:spPr>
             <a:xfrm>
               <a:off x="697488" y="796983"/>
-              <a:ext cx="2439032" cy="138770"/>
+              <a:ext cx="2439033" cy="138771"/>
             </a:xfrm>
             <a:prstGeom prst="line">
               <a:avLst/>
@@ -16165,7 +16166,7 @@
         </p:nvGraphicFramePr>
         <p:xfrm>
           <a:off x="6118030" y="3090234"/>
-          <a:ext cx="757265" cy="307343"/>
+          <a:ext cx="757266" cy="307344"/>
         </p:xfrm>
         <a:graphic xmlns:a="http://schemas.openxmlformats.org/drawingml/2006/main">
           <a:graphicData uri="http://schemas.openxmlformats.org/drawingml/2006/table">
@@ -16264,8 +16265,8 @@
         </p:nvSpPr>
         <p:spPr>
           <a:xfrm>
-            <a:off x="6655223" y="3243903"/>
-            <a:ext cx="596043" cy="2"/>
+            <a:off x="6667923" y="3243903"/>
+            <a:ext cx="583344" cy="2"/>
           </a:xfrm>
           <a:prstGeom prst="line">
             <a:avLst/>
@@ -16295,7 +16296,7 @@
         <p:spPr>
           <a:xfrm>
             <a:off x="7281577" y="3689391"/>
-            <a:ext cx="891777" cy="380479"/>
+            <a:ext cx="891777" cy="380481"/>
           </a:xfrm>
           <a:prstGeom prst="ellipse">
             <a:avLst/>
@@ -16322,10 +16323,10 @@
         </p:nvGrpSpPr>
         <p:grpSpPr>
           <a:xfrm>
-            <a:off x="4134514" y="3404791"/>
-            <a:ext cx="1600764" cy="532266"/>
+            <a:off x="4134512" y="3404790"/>
+            <a:ext cx="1600767" cy="532268"/>
             <a:chOff x="-1" y="0"/>
-            <a:chExt cx="1600763" cy="532264"/>
+            <a:chExt cx="1600766" cy="532267"/>
           </a:xfrm>
         </p:grpSpPr>
         <p:sp>
@@ -16337,7 +16338,7 @@
           <p:spPr>
             <a:xfrm>
               <a:off x="-2" y="-1"/>
-              <a:ext cx="1600765" cy="532266"/>
+              <a:ext cx="1600768" cy="532268"/>
             </a:xfrm>
             <a:prstGeom prst="rect">
               <a:avLst/>
@@ -16375,7 +16376,7 @@
           <p:spPr>
             <a:xfrm>
               <a:off x="-2" y="42612"/>
-              <a:ext cx="1600765" cy="447037"/>
+              <a:ext cx="1600768" cy="447037"/>
             </a:xfrm>
             <a:prstGeom prst="rect">
               <a:avLst/>
@@ -16436,7 +16437,7 @@
         <p:spPr>
           <a:xfrm>
             <a:off x="4121815" y="3929195"/>
-            <a:ext cx="1626163" cy="281937"/>
+            <a:ext cx="1626164" cy="281937"/>
           </a:xfrm>
           <a:prstGeom prst="rect">
             <a:avLst/>
@@ -16485,7 +16486,7 @@
         <p:spPr>
           <a:xfrm flipV="1">
             <a:off x="4819303" y="3480450"/>
-            <a:ext cx="2436821" cy="259750"/>
+            <a:ext cx="2436822" cy="259750"/>
           </a:xfrm>
           <a:prstGeom prst="line">
             <a:avLst/>
@@ -16553,8 +16554,8 @@
         </p:nvSpPr>
         <p:spPr>
           <a:xfrm>
-            <a:off x="7883727" y="3364156"/>
-            <a:ext cx="289844" cy="352537"/>
+            <a:off x="7883727" y="3364163"/>
+            <a:ext cx="289846" cy="352530"/>
           </a:xfrm>
           <a:custGeom>
             <a:avLst/>
@@ -16633,22 +16634,1663 @@
       </p:grpSpPr>
       <p:sp>
         <p:nvSpPr>
-          <p:cNvPr id="229" name="Line a = new Line();…"/>
+          <p:cNvPr id="229" name="화살표"/>
           <p:cNvSpPr/>
           <p:nvPr/>
         </p:nvSpPr>
         <p:spPr>
           <a:xfrm>
-            <a:off x="6858592" y="1560347"/>
-            <a:ext cx="2254199" cy="867314"/>
+            <a:off x="4433069" y="3525637"/>
+            <a:ext cx="917663" cy="424297"/>
+          </a:xfrm>
+          <a:prstGeom prst="rightArrow">
+            <a:avLst>
+              <a:gd name="adj1" fmla="val 63121"/>
+              <a:gd name="adj2" fmla="val 52769"/>
+            </a:avLst>
+          </a:prstGeom>
+          <a:solidFill>
+            <a:schemeClr val="accent2">
+              <a:lumOff val="21960"/>
+            </a:schemeClr>
+          </a:solidFill>
+          <a:ln w="12700">
+            <a:miter lim="400000"/>
+          </a:ln>
+        </p:spPr>
+        <p:txBody>
+          <a:bodyPr lIns="45718" tIns="45718" rIns="45718" bIns="45718" anchor="ctr"/>
+          <a:lstStyle/>
+          <a:p>
+            <a:pPr/>
+          </a:p>
+        </p:txBody>
+      </p:sp>
+      <p:sp>
+        <p:nvSpPr>
+          <p:cNvPr id="230" name="화살표"/>
+          <p:cNvSpPr/>
+          <p:nvPr/>
+        </p:nvSpPr>
+        <p:spPr>
+          <a:xfrm>
+            <a:off x="3674511" y="2821880"/>
+            <a:ext cx="1676221" cy="424297"/>
+          </a:xfrm>
+          <a:prstGeom prst="rightArrow">
+            <a:avLst>
+              <a:gd name="adj1" fmla="val 63121"/>
+              <a:gd name="adj2" fmla="val 52769"/>
+            </a:avLst>
+          </a:prstGeom>
+          <a:solidFill>
+            <a:schemeClr val="accent2">
+              <a:lumOff val="21960"/>
+            </a:schemeClr>
+          </a:solidFill>
+          <a:ln w="12700">
+            <a:miter lim="400000"/>
+          </a:ln>
+        </p:spPr>
+        <p:txBody>
+          <a:bodyPr lIns="45718" tIns="45718" rIns="45718" bIns="45718" anchor="ctr"/>
+          <a:lstStyle/>
+          <a:p>
+            <a:pPr/>
+          </a:p>
+        </p:txBody>
+      </p:sp>
+      <p:graphicFrame>
+        <p:nvGraphicFramePr>
+          <p:cNvPr id="231" name="표"/>
+          <p:cNvGraphicFramePr/>
+          <p:nvPr/>
+        </p:nvGraphicFramePr>
+        <p:xfrm>
+          <a:off x="7306469" y="2273300"/>
+          <a:ext cx="7156451" cy="2469074"/>
+        </p:xfrm>
+        <a:graphic xmlns:a="http://schemas.openxmlformats.org/drawingml/2006/main">
+          <a:graphicData uri="http://schemas.openxmlformats.org/drawingml/2006/table">
+            <a:tbl>
+              <a:tblPr firstCol="0" firstRow="0" lastCol="0" lastRow="0" bandCol="0" bandRow="1" rtl="0">
+                <a:tableStyleId>{4C3C2611-4C71-4FC5-86AE-919BDF0F9419}</a:tableStyleId>
+              </a:tblPr>
+              <a:tblGrid>
+                <a:gridCol w="889000"/>
+                <a:gridCol w="441325"/>
+                <a:gridCol w="635000"/>
+                <a:gridCol w="441325"/>
+                <a:gridCol w="889000"/>
+                <a:gridCol w="441325"/>
+                <a:gridCol w="635000"/>
+              </a:tblGrid>
+              <a:tr h="383995">
+                <a:tc>
+                  <a:txBody>
+                    <a:bodyPr/>
+                    <a:lstStyle/>
+                    <a:p>
+                      <a:pPr algn="ctr">
+                        <a:defRPr sz="1800"/>
+                      </a:pPr>
+                      <a:r>
+                        <a:rPr sz="1200"/>
+                        <a:t>key 테이블</a:t>
+                      </a:r>
+                    </a:p>
+                  </a:txBody>
+                  <a:tcPr marL="0" marR="0" marT="0" marB="0" anchor="ctr" anchorCtr="0" horzOverflow="overflow">
+                    <a:lnL w="0">
+                      <a:miter lim="400000"/>
+                    </a:lnL>
+                    <a:lnR w="0">
+                      <a:miter lim="400000"/>
+                    </a:lnR>
+                    <a:lnT w="0">
+                      <a:miter lim="400000"/>
+                    </a:lnT>
+                    <a:lnB w="12700">
+                      <a:solidFill>
+                        <a:schemeClr val="accent1"/>
+                      </a:solidFill>
+                      <a:miter lim="400000"/>
+                    </a:lnB>
+                    <a:noFill/>
+                  </a:tcPr>
+                </a:tc>
+                <a:tc>
+                  <a:txBody>
+                    <a:bodyPr/>
+                    <a:lstStyle/>
+                    <a:p>
+                      <a:pPr algn="ctr"/>
+                    </a:p>
+                  </a:txBody>
+                  <a:tcPr marL="0" marR="0" marT="0" marB="0" anchor="ctr" anchorCtr="0" horzOverflow="overflow">
+                    <a:lnL w="0">
+                      <a:miter lim="400000"/>
+                    </a:lnL>
+                    <a:lnR w="0">
+                      <a:miter lim="400000"/>
+                    </a:lnR>
+                    <a:lnT w="0">
+                      <a:miter lim="400000"/>
+                    </a:lnT>
+                    <a:lnB w="0">
+                      <a:miter lim="400000"/>
+                    </a:lnB>
+                    <a:noFill/>
+                  </a:tcPr>
+                </a:tc>
+                <a:tc>
+                  <a:txBody>
+                    <a:bodyPr/>
+                    <a:lstStyle/>
+                    <a:p>
+                      <a:pPr algn="ctr"/>
+                    </a:p>
+                  </a:txBody>
+                  <a:tcPr marL="0" marR="0" marT="0" marB="0" anchor="ctr" anchorCtr="0" horzOverflow="overflow">
+                    <a:lnL w="0">
+                      <a:miter lim="400000"/>
+                    </a:lnL>
+                    <a:lnR w="0">
+                      <a:miter lim="400000"/>
+                    </a:lnR>
+                    <a:lnT w="0">
+                      <a:miter lim="400000"/>
+                    </a:lnT>
+                    <a:lnB w="0">
+                      <a:miter lim="400000"/>
+                    </a:lnB>
+                    <a:noFill/>
+                  </a:tcPr>
+                </a:tc>
+                <a:tc>
+                  <a:txBody>
+                    <a:bodyPr/>
+                    <a:lstStyle/>
+                    <a:p>
+                      <a:pPr algn="ctr"/>
+                    </a:p>
+                  </a:txBody>
+                  <a:tcPr marL="0" marR="0" marT="0" marB="0" anchor="ctr" anchorCtr="0" horzOverflow="overflow">
+                    <a:lnL w="0">
+                      <a:miter lim="400000"/>
+                    </a:lnL>
+                    <a:lnR w="0">
+                      <a:miter lim="400000"/>
+                    </a:lnR>
+                    <a:lnT w="0">
+                      <a:miter lim="400000"/>
+                    </a:lnT>
+                    <a:lnB w="0">
+                      <a:miter lim="400000"/>
+                    </a:lnB>
+                    <a:noFill/>
+                  </a:tcPr>
+                </a:tc>
+                <a:tc>
+                  <a:txBody>
+                    <a:bodyPr/>
+                    <a:lstStyle/>
+                    <a:p>
+                      <a:pPr algn="ctr">
+                        <a:defRPr sz="1800"/>
+                      </a:pPr>
+                      <a:r>
+                        <a:rPr sz="1200"/>
+                        <a:t>value 테이블</a:t>
+                      </a:r>
+                    </a:p>
+                  </a:txBody>
+                  <a:tcPr marL="0" marR="0" marT="0" marB="0" anchor="ctr" anchorCtr="0" horzOverflow="overflow">
+                    <a:lnL w="0">
+                      <a:miter lim="400000"/>
+                    </a:lnL>
+                    <a:lnR w="0">
+                      <a:miter lim="400000"/>
+                    </a:lnR>
+                    <a:lnT w="0">
+                      <a:miter lim="400000"/>
+                    </a:lnT>
+                    <a:lnB w="12700">
+                      <a:solidFill>
+                        <a:schemeClr val="accent1"/>
+                      </a:solidFill>
+                      <a:miter lim="400000"/>
+                    </a:lnB>
+                    <a:noFill/>
+                  </a:tcPr>
+                </a:tc>
+                <a:tc>
+                  <a:txBody>
+                    <a:bodyPr/>
+                    <a:lstStyle/>
+                    <a:p>
+                      <a:pPr algn="ctr"/>
+                    </a:p>
+                  </a:txBody>
+                  <a:tcPr marL="0" marR="0" marT="0" marB="0" anchor="ctr" anchorCtr="0" horzOverflow="overflow">
+                    <a:lnL w="0">
+                      <a:miter lim="400000"/>
+                    </a:lnL>
+                    <a:lnR w="0">
+                      <a:miter lim="400000"/>
+                    </a:lnR>
+                    <a:lnT w="0">
+                      <a:miter lim="400000"/>
+                    </a:lnT>
+                    <a:lnB w="0">
+                      <a:miter lim="400000"/>
+                    </a:lnB>
+                    <a:noFill/>
+                  </a:tcPr>
+                </a:tc>
+                <a:tc>
+                  <a:txBody>
+                    <a:bodyPr/>
+                    <a:lstStyle/>
+                    <a:p>
+                      <a:pPr algn="ctr"/>
+                    </a:p>
+                  </a:txBody>
+                  <a:tcPr marL="0" marR="0" marT="0" marB="0" anchor="ctr" anchorCtr="0" horzOverflow="overflow">
+                    <a:lnL w="0">
+                      <a:miter lim="400000"/>
+                    </a:lnL>
+                    <a:lnR w="0">
+                      <a:miter lim="400000"/>
+                    </a:lnR>
+                    <a:lnT w="0">
+                      <a:miter lim="400000"/>
+                    </a:lnT>
+                    <a:lnB w="0">
+                      <a:miter lim="400000"/>
+                    </a:lnB>
+                    <a:noFill/>
+                  </a:tcPr>
+                </a:tc>
+              </a:tr>
+              <a:tr h="383995">
+                <a:tc>
+                  <a:txBody>
+                    <a:bodyPr/>
+                    <a:lstStyle/>
+                    <a:p>
+                      <a:pPr algn="ctr"/>
+                    </a:p>
+                  </a:txBody>
+                  <a:tcPr marL="0" marR="0" marT="0" marB="0" anchor="ctr" anchorCtr="0" horzOverflow="overflow">
+                    <a:lnL w="12700">
+                      <a:solidFill>
+                        <a:schemeClr val="accent1"/>
+                      </a:solidFill>
+                      <a:miter lim="400000"/>
+                    </a:lnL>
+                    <a:lnR w="12700">
+                      <a:solidFill>
+                        <a:schemeClr val="accent1"/>
+                      </a:solidFill>
+                      <a:miter lim="400000"/>
+                    </a:lnR>
+                    <a:lnT w="12700">
+                      <a:solidFill>
+                        <a:schemeClr val="accent1"/>
+                      </a:solidFill>
+                      <a:miter lim="400000"/>
+                    </a:lnT>
+                    <a:lnB w="12700">
+                      <a:solidFill>
+                        <a:schemeClr val="accent1"/>
+                      </a:solidFill>
+                      <a:miter lim="400000"/>
+                    </a:lnB>
+                    <a:solidFill>
+                      <a:schemeClr val="accent1">
+                        <a:lumOff val="24117"/>
+                      </a:schemeClr>
+                    </a:solidFill>
+                  </a:tcPr>
+                </a:tc>
+                <a:tc>
+                  <a:txBody>
+                    <a:bodyPr/>
+                    <a:lstStyle/>
+                    <a:p>
+                      <a:pPr algn="ctr"/>
+                    </a:p>
+                  </a:txBody>
+                  <a:tcPr marL="0" marR="0" marT="0" marB="0" anchor="ctr" anchorCtr="0" horzOverflow="overflow">
+                    <a:lnL w="12700">
+                      <a:solidFill>
+                        <a:schemeClr val="accent1"/>
+                      </a:solidFill>
+                      <a:miter lim="400000"/>
+                    </a:lnL>
+                    <a:lnR w="0">
+                      <a:miter lim="400000"/>
+                    </a:lnR>
+                    <a:lnT w="0">
+                      <a:miter lim="400000"/>
+                    </a:lnT>
+                    <a:lnB w="0">
+                      <a:miter lim="400000"/>
+                    </a:lnB>
+                    <a:noFill/>
+                  </a:tcPr>
+                </a:tc>
+                <a:tc>
+                  <a:txBody>
+                    <a:bodyPr/>
+                    <a:lstStyle/>
+                    <a:p>
+                      <a:pPr algn="ctr">
+                        <a:defRPr sz="1800"/>
+                      </a:pPr>
+                      <a:r>
+                        <a:rPr sz="1200"/>
+                        <a:t>"love"</a:t>
+                      </a:r>
+                    </a:p>
+                  </a:txBody>
+                  <a:tcPr marL="0" marR="0" marT="0" marB="0" anchor="ctr" anchorCtr="0" horzOverflow="overflow">
+                    <a:lnL w="0">
+                      <a:miter lim="400000"/>
+                    </a:lnL>
+                    <a:lnR w="0">
+                      <a:miter lim="400000"/>
+                    </a:lnR>
+                    <a:lnT w="0">
+                      <a:miter lim="400000"/>
+                    </a:lnT>
+                    <a:lnB w="0">
+                      <a:miter lim="400000"/>
+                    </a:lnB>
+                    <a:noFill/>
+                  </a:tcPr>
+                </a:tc>
+                <a:tc>
+                  <a:txBody>
+                    <a:bodyPr/>
+                    <a:lstStyle/>
+                    <a:p>
+                      <a:pPr algn="ctr"/>
+                    </a:p>
+                  </a:txBody>
+                  <a:tcPr marL="0" marR="0" marT="0" marB="0" anchor="ctr" anchorCtr="0" horzOverflow="overflow">
+                    <a:lnL w="0">
+                      <a:miter lim="400000"/>
+                    </a:lnL>
+                    <a:lnR w="12700">
+                      <a:solidFill>
+                        <a:schemeClr val="accent1"/>
+                      </a:solidFill>
+                      <a:miter lim="400000"/>
+                    </a:lnR>
+                    <a:lnT w="0">
+                      <a:miter lim="400000"/>
+                    </a:lnT>
+                    <a:lnB w="0">
+                      <a:miter lim="400000"/>
+                    </a:lnB>
+                    <a:noFill/>
+                  </a:tcPr>
+                </a:tc>
+                <a:tc>
+                  <a:txBody>
+                    <a:bodyPr/>
+                    <a:lstStyle/>
+                    <a:p>
+                      <a:pPr algn="ctr"/>
+                    </a:p>
+                  </a:txBody>
+                  <a:tcPr marL="0" marR="0" marT="0" marB="0" anchor="ctr" anchorCtr="0" horzOverflow="overflow">
+                    <a:lnL w="12700">
+                      <a:solidFill>
+                        <a:schemeClr val="accent1"/>
+                      </a:solidFill>
+                      <a:miter lim="400000"/>
+                    </a:lnL>
+                    <a:lnR w="12700">
+                      <a:solidFill>
+                        <a:schemeClr val="accent1"/>
+                      </a:solidFill>
+                      <a:miter lim="400000"/>
+                    </a:lnR>
+                    <a:lnT w="12700">
+                      <a:solidFill>
+                        <a:schemeClr val="accent1"/>
+                      </a:solidFill>
+                      <a:miter lim="400000"/>
+                    </a:lnT>
+                    <a:lnB w="12700">
+                      <a:solidFill>
+                        <a:schemeClr val="accent1"/>
+                      </a:solidFill>
+                      <a:miter lim="400000"/>
+                    </a:lnB>
+                    <a:solidFill>
+                      <a:schemeClr val="accent1">
+                        <a:lumOff val="24117"/>
+                      </a:schemeClr>
+                    </a:solidFill>
+                  </a:tcPr>
+                </a:tc>
+                <a:tc>
+                  <a:txBody>
+                    <a:bodyPr/>
+                    <a:lstStyle/>
+                    <a:p>
+                      <a:pPr algn="ctr"/>
+                    </a:p>
+                  </a:txBody>
+                  <a:tcPr marL="0" marR="0" marT="0" marB="0" anchor="ctr" anchorCtr="0" horzOverflow="overflow">
+                    <a:lnL w="12700">
+                      <a:solidFill>
+                        <a:schemeClr val="accent1"/>
+                      </a:solidFill>
+                      <a:miter lim="400000"/>
+                    </a:lnL>
+                    <a:lnR w="0">
+                      <a:miter lim="400000"/>
+                    </a:lnR>
+                    <a:lnT w="0">
+                      <a:miter lim="400000"/>
+                    </a:lnT>
+                    <a:lnB w="0">
+                      <a:miter lim="400000"/>
+                    </a:lnB>
+                    <a:noFill/>
+                  </a:tcPr>
+                </a:tc>
+                <a:tc>
+                  <a:txBody>
+                    <a:bodyPr/>
+                    <a:lstStyle/>
+                    <a:p>
+                      <a:pPr algn="ctr">
+                        <a:defRPr sz="1800"/>
+                      </a:pPr>
+                      <a:r>
+                        <a:rPr sz="1200"/>
+                        <a:t>"사랑"</a:t>
+                      </a:r>
+                    </a:p>
+                  </a:txBody>
+                  <a:tcPr marL="0" marR="0" marT="0" marB="0" anchor="ctr" anchorCtr="0" horzOverflow="overflow">
+                    <a:lnL w="0">
+                      <a:miter lim="400000"/>
+                    </a:lnL>
+                    <a:lnR w="0">
+                      <a:miter lim="400000"/>
+                    </a:lnR>
+                    <a:lnT w="0">
+                      <a:miter lim="400000"/>
+                    </a:lnT>
+                    <a:lnB w="0">
+                      <a:miter lim="400000"/>
+                    </a:lnB>
+                    <a:noFill/>
+                  </a:tcPr>
+                </a:tc>
+              </a:tr>
+              <a:tr h="383995">
+                <a:tc>
+                  <a:txBody>
+                    <a:bodyPr/>
+                    <a:lstStyle/>
+                    <a:p>
+                      <a:pPr algn="ctr"/>
+                    </a:p>
+                  </a:txBody>
+                  <a:tcPr marL="0" marR="0" marT="0" marB="0" anchor="ctr" anchorCtr="0" horzOverflow="overflow">
+                    <a:lnL w="12700">
+                      <a:solidFill>
+                        <a:schemeClr val="accent1"/>
+                      </a:solidFill>
+                      <a:miter lim="400000"/>
+                    </a:lnL>
+                    <a:lnR w="12700">
+                      <a:solidFill>
+                        <a:schemeClr val="accent1"/>
+                      </a:solidFill>
+                      <a:miter lim="400000"/>
+                    </a:lnR>
+                    <a:lnT w="12700">
+                      <a:solidFill>
+                        <a:schemeClr val="accent1"/>
+                      </a:solidFill>
+                      <a:miter lim="400000"/>
+                    </a:lnT>
+                    <a:lnB w="12700">
+                      <a:solidFill>
+                        <a:schemeClr val="accent1"/>
+                      </a:solidFill>
+                      <a:miter lim="400000"/>
+                    </a:lnB>
+                    <a:solidFill>
+                      <a:schemeClr val="accent1">
+                        <a:lumOff val="24117"/>
+                      </a:schemeClr>
+                    </a:solidFill>
+                  </a:tcPr>
+                </a:tc>
+                <a:tc>
+                  <a:txBody>
+                    <a:bodyPr/>
+                    <a:lstStyle/>
+                    <a:p>
+                      <a:pPr algn="ctr"/>
+                    </a:p>
+                  </a:txBody>
+                  <a:tcPr marL="0" marR="0" marT="0" marB="0" anchor="ctr" anchorCtr="0" horzOverflow="overflow">
+                    <a:lnL w="12700">
+                      <a:solidFill>
+                        <a:schemeClr val="accent1"/>
+                      </a:solidFill>
+                      <a:miter lim="400000"/>
+                    </a:lnL>
+                    <a:lnR w="0">
+                      <a:miter lim="400000"/>
+                    </a:lnR>
+                    <a:lnT w="0">
+                      <a:miter lim="400000"/>
+                    </a:lnT>
+                    <a:lnB w="0">
+                      <a:miter lim="400000"/>
+                    </a:lnB>
+                    <a:noFill/>
+                  </a:tcPr>
+                </a:tc>
+                <a:tc>
+                  <a:txBody>
+                    <a:bodyPr/>
+                    <a:lstStyle/>
+                    <a:p>
+                      <a:pPr algn="ctr"/>
+                    </a:p>
+                  </a:txBody>
+                  <a:tcPr marL="0" marR="0" marT="0" marB="0" anchor="ctr" anchorCtr="0" horzOverflow="overflow">
+                    <a:lnL w="0">
+                      <a:miter lim="400000"/>
+                    </a:lnL>
+                    <a:lnR w="0">
+                      <a:miter lim="400000"/>
+                    </a:lnR>
+                    <a:lnT w="0">
+                      <a:miter lim="400000"/>
+                    </a:lnT>
+                    <a:lnB w="12700">
+                      <a:solidFill>
+                        <a:schemeClr val="accent2"/>
+                      </a:solidFill>
+                      <a:miter lim="400000"/>
+                    </a:lnB>
+                    <a:noFill/>
+                  </a:tcPr>
+                </a:tc>
+                <a:tc>
+                  <a:txBody>
+                    <a:bodyPr/>
+                    <a:lstStyle/>
+                    <a:p>
+                      <a:pPr algn="ctr"/>
+                    </a:p>
+                  </a:txBody>
+                  <a:tcPr marL="0" marR="0" marT="0" marB="0" anchor="ctr" anchorCtr="0" horzOverflow="overflow">
+                    <a:lnL w="0">
+                      <a:miter lim="400000"/>
+                    </a:lnL>
+                    <a:lnR w="12700">
+                      <a:solidFill>
+                        <a:schemeClr val="accent1"/>
+                      </a:solidFill>
+                      <a:miter lim="400000"/>
+                    </a:lnR>
+                    <a:lnT w="0">
+                      <a:miter lim="400000"/>
+                    </a:lnT>
+                    <a:lnB w="0">
+                      <a:miter lim="400000"/>
+                    </a:lnB>
+                    <a:noFill/>
+                  </a:tcPr>
+                </a:tc>
+                <a:tc>
+                  <a:txBody>
+                    <a:bodyPr/>
+                    <a:lstStyle/>
+                    <a:p>
+                      <a:pPr algn="ctr"/>
+                    </a:p>
+                  </a:txBody>
+                  <a:tcPr marL="0" marR="0" marT="0" marB="0" anchor="ctr" anchorCtr="0" horzOverflow="overflow">
+                    <a:lnL w="12700">
+                      <a:solidFill>
+                        <a:schemeClr val="accent1"/>
+                      </a:solidFill>
+                      <a:miter lim="400000"/>
+                    </a:lnL>
+                    <a:lnR w="12700">
+                      <a:solidFill>
+                        <a:schemeClr val="accent1"/>
+                      </a:solidFill>
+                      <a:miter lim="400000"/>
+                    </a:lnR>
+                    <a:lnT w="12700">
+                      <a:solidFill>
+                        <a:schemeClr val="accent1"/>
+                      </a:solidFill>
+                      <a:miter lim="400000"/>
+                    </a:lnT>
+                    <a:lnB w="12700">
+                      <a:solidFill>
+                        <a:schemeClr val="accent1"/>
+                      </a:solidFill>
+                      <a:miter lim="400000"/>
+                    </a:lnB>
+                    <a:solidFill>
+                      <a:schemeClr val="accent1">
+                        <a:lumOff val="24117"/>
+                      </a:schemeClr>
+                    </a:solidFill>
+                  </a:tcPr>
+                </a:tc>
+                <a:tc>
+                  <a:txBody>
+                    <a:bodyPr/>
+                    <a:lstStyle/>
+                    <a:p>
+                      <a:pPr algn="ctr"/>
+                    </a:p>
+                  </a:txBody>
+                  <a:tcPr marL="0" marR="0" marT="0" marB="0" anchor="ctr" anchorCtr="0" horzOverflow="overflow">
+                    <a:lnL w="12700">
+                      <a:solidFill>
+                        <a:schemeClr val="accent1"/>
+                      </a:solidFill>
+                      <a:miter lim="400000"/>
+                    </a:lnL>
+                    <a:lnR w="0">
+                      <a:miter lim="400000"/>
+                    </a:lnR>
+                    <a:lnT w="0">
+                      <a:miter lim="400000"/>
+                    </a:lnT>
+                    <a:lnB w="0">
+                      <a:miter lim="400000"/>
+                    </a:lnB>
+                    <a:noFill/>
+                  </a:tcPr>
+                </a:tc>
+                <a:tc>
+                  <a:txBody>
+                    <a:bodyPr/>
+                    <a:lstStyle/>
+                    <a:p>
+                      <a:pPr algn="ctr"/>
+                    </a:p>
+                  </a:txBody>
+                  <a:tcPr marL="0" marR="0" marT="0" marB="0" anchor="ctr" anchorCtr="0" horzOverflow="overflow">
+                    <a:lnL w="0">
+                      <a:miter lim="400000"/>
+                    </a:lnL>
+                    <a:lnR w="0">
+                      <a:miter lim="400000"/>
+                    </a:lnR>
+                    <a:lnT w="0">
+                      <a:miter lim="400000"/>
+                    </a:lnT>
+                    <a:lnB w="12700">
+                      <a:solidFill>
+                        <a:schemeClr val="accent2"/>
+                      </a:solidFill>
+                      <a:miter lim="400000"/>
+                    </a:lnB>
+                    <a:noFill/>
+                  </a:tcPr>
+                </a:tc>
+              </a:tr>
+              <a:tr h="383995">
+                <a:tc>
+                  <a:txBody>
+                    <a:bodyPr/>
+                    <a:lstStyle/>
+                    <a:p>
+                      <a:pPr algn="ctr"/>
+                    </a:p>
+                  </a:txBody>
+                  <a:tcPr marL="0" marR="0" marT="0" marB="0" anchor="ctr" anchorCtr="0" horzOverflow="overflow">
+                    <a:lnL w="12700">
+                      <a:solidFill>
+                        <a:schemeClr val="accent1"/>
+                      </a:solidFill>
+                      <a:miter lim="400000"/>
+                    </a:lnL>
+                    <a:lnR w="12700">
+                      <a:solidFill>
+                        <a:schemeClr val="accent1"/>
+                      </a:solidFill>
+                      <a:miter lim="400000"/>
+                    </a:lnR>
+                    <a:lnT w="12700">
+                      <a:solidFill>
+                        <a:schemeClr val="accent1"/>
+                      </a:solidFill>
+                      <a:miter lim="400000"/>
+                    </a:lnT>
+                    <a:lnB w="12700">
+                      <a:solidFill>
+                        <a:schemeClr val="accent1"/>
+                      </a:solidFill>
+                      <a:miter lim="400000"/>
+                    </a:lnB>
+                    <a:solidFill>
+                      <a:schemeClr val="accent1">
+                        <a:lumOff val="24117"/>
+                      </a:schemeClr>
+                    </a:solidFill>
+                  </a:tcPr>
+                </a:tc>
+                <a:tc>
+                  <a:txBody>
+                    <a:bodyPr/>
+                    <a:lstStyle/>
+                    <a:p>
+                      <a:pPr algn="ctr"/>
+                    </a:p>
+                  </a:txBody>
+                  <a:tcPr marL="0" marR="0" marT="0" marB="0" anchor="ctr" anchorCtr="0" horzOverflow="overflow">
+                    <a:lnL w="12700">
+                      <a:solidFill>
+                        <a:schemeClr val="accent1"/>
+                      </a:solidFill>
+                      <a:miter lim="400000"/>
+                    </a:lnL>
+                    <a:lnR w="12700">
+                      <a:solidFill>
+                        <a:schemeClr val="accent2"/>
+                      </a:solidFill>
+                      <a:miter lim="400000"/>
+                    </a:lnR>
+                    <a:lnT w="0">
+                      <a:miter lim="400000"/>
+                    </a:lnT>
+                    <a:lnB w="0">
+                      <a:miter lim="400000"/>
+                    </a:lnB>
+                    <a:noFill/>
+                  </a:tcPr>
+                </a:tc>
+                <a:tc>
+                  <a:txBody>
+                    <a:bodyPr/>
+                    <a:lstStyle/>
+                    <a:p>
+                      <a:pPr algn="ctr">
+                        <a:defRPr sz="1800"/>
+                      </a:pPr>
+                      <a:r>
+                        <a:rPr sz="1200"/>
+                        <a:t>"apple"</a:t>
+                      </a:r>
+                    </a:p>
+                  </a:txBody>
+                  <a:tcPr marL="0" marR="0" marT="0" marB="0" anchor="ctr" anchorCtr="0" horzOverflow="overflow">
+                    <a:lnL w="12700">
+                      <a:solidFill>
+                        <a:schemeClr val="accent2"/>
+                      </a:solidFill>
+                      <a:miter lim="400000"/>
+                    </a:lnL>
+                    <a:lnR w="12700">
+                      <a:solidFill>
+                        <a:schemeClr val="accent2"/>
+                      </a:solidFill>
+                      <a:miter lim="400000"/>
+                    </a:lnR>
+                    <a:lnT w="12700">
+                      <a:solidFill>
+                        <a:schemeClr val="accent2"/>
+                      </a:solidFill>
+                      <a:miter lim="400000"/>
+                    </a:lnT>
+                    <a:lnB w="12700">
+                      <a:solidFill>
+                        <a:schemeClr val="accent2"/>
+                      </a:solidFill>
+                      <a:miter lim="400000"/>
+                    </a:lnB>
+                    <a:solidFill>
+                      <a:schemeClr val="accent2">
+                        <a:lumOff val="21960"/>
+                      </a:schemeClr>
+                    </a:solidFill>
+                  </a:tcPr>
+                </a:tc>
+                <a:tc>
+                  <a:txBody>
+                    <a:bodyPr/>
+                    <a:lstStyle/>
+                    <a:p>
+                      <a:pPr algn="ctr"/>
+                    </a:p>
+                  </a:txBody>
+                  <a:tcPr marL="0" marR="0" marT="0" marB="0" anchor="ctr" anchorCtr="0" horzOverflow="overflow">
+                    <a:lnL w="12700">
+                      <a:solidFill>
+                        <a:schemeClr val="accent2"/>
+                      </a:solidFill>
+                      <a:miter lim="400000"/>
+                    </a:lnL>
+                    <a:lnR w="12700">
+                      <a:solidFill>
+                        <a:schemeClr val="accent1"/>
+                      </a:solidFill>
+                      <a:miter lim="400000"/>
+                    </a:lnR>
+                    <a:lnT w="0">
+                      <a:miter lim="400000"/>
+                    </a:lnT>
+                    <a:lnB w="0">
+                      <a:miter lim="400000"/>
+                    </a:lnB>
+                    <a:noFill/>
+                  </a:tcPr>
+                </a:tc>
+                <a:tc>
+                  <a:txBody>
+                    <a:bodyPr/>
+                    <a:lstStyle/>
+                    <a:p>
+                      <a:pPr algn="ctr"/>
+                    </a:p>
+                  </a:txBody>
+                  <a:tcPr marL="0" marR="0" marT="0" marB="0" anchor="ctr" anchorCtr="0" horzOverflow="overflow">
+                    <a:lnL w="12700">
+                      <a:solidFill>
+                        <a:schemeClr val="accent1"/>
+                      </a:solidFill>
+                      <a:miter lim="400000"/>
+                    </a:lnL>
+                    <a:lnR w="12700">
+                      <a:solidFill>
+                        <a:schemeClr val="accent1"/>
+                      </a:solidFill>
+                      <a:miter lim="400000"/>
+                    </a:lnR>
+                    <a:lnT w="12700">
+                      <a:solidFill>
+                        <a:schemeClr val="accent1"/>
+                      </a:solidFill>
+                      <a:miter lim="400000"/>
+                    </a:lnT>
+                    <a:lnB w="12700">
+                      <a:solidFill>
+                        <a:schemeClr val="accent1"/>
+                      </a:solidFill>
+                      <a:miter lim="400000"/>
+                    </a:lnB>
+                    <a:solidFill>
+                      <a:schemeClr val="accent1">
+                        <a:lumOff val="24117"/>
+                      </a:schemeClr>
+                    </a:solidFill>
+                  </a:tcPr>
+                </a:tc>
+                <a:tc>
+                  <a:txBody>
+                    <a:bodyPr/>
+                    <a:lstStyle/>
+                    <a:p>
+                      <a:pPr algn="ctr"/>
+                    </a:p>
+                  </a:txBody>
+                  <a:tcPr marL="0" marR="0" marT="0" marB="0" anchor="ctr" anchorCtr="0" horzOverflow="overflow">
+                    <a:lnL w="12700">
+                      <a:solidFill>
+                        <a:schemeClr val="accent1"/>
+                      </a:solidFill>
+                      <a:miter lim="400000"/>
+                    </a:lnL>
+                    <a:lnR w="12700">
+                      <a:solidFill>
+                        <a:schemeClr val="accent2"/>
+                      </a:solidFill>
+                      <a:miter lim="400000"/>
+                    </a:lnR>
+                    <a:lnT w="0">
+                      <a:miter lim="400000"/>
+                    </a:lnT>
+                    <a:lnB w="0">
+                      <a:miter lim="400000"/>
+                    </a:lnB>
+                    <a:noFill/>
+                  </a:tcPr>
+                </a:tc>
+                <a:tc>
+                  <a:txBody>
+                    <a:bodyPr/>
+                    <a:lstStyle/>
+                    <a:p>
+                      <a:pPr algn="ctr">
+                        <a:defRPr sz="1800"/>
+                      </a:pPr>
+                      <a:r>
+                        <a:rPr sz="1200"/>
+                        <a:t>"사과"</a:t>
+                      </a:r>
+                    </a:p>
+                  </a:txBody>
+                  <a:tcPr marL="0" marR="0" marT="0" marB="0" anchor="ctr" anchorCtr="0" horzOverflow="overflow">
+                    <a:lnL w="12700">
+                      <a:solidFill>
+                        <a:schemeClr val="accent2"/>
+                      </a:solidFill>
+                      <a:miter lim="400000"/>
+                    </a:lnL>
+                    <a:lnR w="12700">
+                      <a:solidFill>
+                        <a:schemeClr val="accent2"/>
+                      </a:solidFill>
+                      <a:miter lim="400000"/>
+                    </a:lnR>
+                    <a:lnT w="12700">
+                      <a:solidFill>
+                        <a:schemeClr val="accent2"/>
+                      </a:solidFill>
+                      <a:miter lim="400000"/>
+                    </a:lnT>
+                    <a:lnB w="12700">
+                      <a:solidFill>
+                        <a:schemeClr val="accent2"/>
+                      </a:solidFill>
+                      <a:miter lim="400000"/>
+                    </a:lnB>
+                    <a:solidFill>
+                      <a:schemeClr val="accent2">
+                        <a:lumOff val="21960"/>
+                      </a:schemeClr>
+                    </a:solidFill>
+                  </a:tcPr>
+                </a:tc>
+              </a:tr>
+              <a:tr h="383995">
+                <a:tc>
+                  <a:txBody>
+                    <a:bodyPr/>
+                    <a:lstStyle/>
+                    <a:p>
+                      <a:pPr algn="ctr"/>
+                    </a:p>
+                  </a:txBody>
+                  <a:tcPr marL="0" marR="0" marT="0" marB="0" anchor="ctr" anchorCtr="0" horzOverflow="overflow">
+                    <a:lnL w="12700">
+                      <a:solidFill>
+                        <a:schemeClr val="accent1"/>
+                      </a:solidFill>
+                      <a:miter lim="400000"/>
+                    </a:lnL>
+                    <a:lnR w="12700">
+                      <a:solidFill>
+                        <a:schemeClr val="accent1"/>
+                      </a:solidFill>
+                      <a:miter lim="400000"/>
+                    </a:lnR>
+                    <a:lnT w="12700">
+                      <a:solidFill>
+                        <a:schemeClr val="accent1"/>
+                      </a:solidFill>
+                      <a:miter lim="400000"/>
+                    </a:lnT>
+                    <a:lnB w="12700">
+                      <a:solidFill>
+                        <a:schemeClr val="accent1"/>
+                      </a:solidFill>
+                      <a:miter lim="400000"/>
+                    </a:lnB>
+                    <a:solidFill>
+                      <a:schemeClr val="accent1">
+                        <a:lumOff val="24117"/>
+                      </a:schemeClr>
+                    </a:solidFill>
+                  </a:tcPr>
+                </a:tc>
+                <a:tc>
+                  <a:txBody>
+                    <a:bodyPr/>
+                    <a:lstStyle/>
+                    <a:p>
+                      <a:pPr algn="ctr"/>
+                    </a:p>
+                  </a:txBody>
+                  <a:tcPr marL="0" marR="0" marT="0" marB="0" anchor="ctr" anchorCtr="0" horzOverflow="overflow">
+                    <a:lnL w="12700">
+                      <a:solidFill>
+                        <a:schemeClr val="accent1"/>
+                      </a:solidFill>
+                      <a:miter lim="400000"/>
+                    </a:lnL>
+                    <a:lnR w="0">
+                      <a:miter lim="400000"/>
+                    </a:lnR>
+                    <a:lnT w="0">
+                      <a:miter lim="400000"/>
+                    </a:lnT>
+                    <a:lnB w="0">
+                      <a:miter lim="400000"/>
+                    </a:lnB>
+                    <a:noFill/>
+                  </a:tcPr>
+                </a:tc>
+                <a:tc>
+                  <a:txBody>
+                    <a:bodyPr/>
+                    <a:lstStyle/>
+                    <a:p>
+                      <a:pPr algn="ctr"/>
+                    </a:p>
+                  </a:txBody>
+                  <a:tcPr marL="0" marR="0" marT="0" marB="0" anchor="ctr" anchorCtr="0" horzOverflow="overflow">
+                    <a:lnL w="0">
+                      <a:miter lim="400000"/>
+                    </a:lnL>
+                    <a:lnR w="0">
+                      <a:miter lim="400000"/>
+                    </a:lnR>
+                    <a:lnT w="12700">
+                      <a:solidFill>
+                        <a:schemeClr val="accent2"/>
+                      </a:solidFill>
+                      <a:miter lim="400000"/>
+                    </a:lnT>
+                    <a:lnB w="0">
+                      <a:miter lim="400000"/>
+                    </a:lnB>
+                    <a:noFill/>
+                  </a:tcPr>
+                </a:tc>
+                <a:tc>
+                  <a:txBody>
+                    <a:bodyPr/>
+                    <a:lstStyle/>
+                    <a:p>
+                      <a:pPr algn="ctr"/>
+                    </a:p>
+                  </a:txBody>
+                  <a:tcPr marL="0" marR="0" marT="0" marB="0" anchor="ctr" anchorCtr="0" horzOverflow="overflow">
+                    <a:lnL w="0">
+                      <a:miter lim="400000"/>
+                    </a:lnL>
+                    <a:lnR w="12700">
+                      <a:solidFill>
+                        <a:schemeClr val="accent1"/>
+                      </a:solidFill>
+                      <a:miter lim="400000"/>
+                    </a:lnR>
+                    <a:lnT w="0">
+                      <a:miter lim="400000"/>
+                    </a:lnT>
+                    <a:lnB w="0">
+                      <a:miter lim="400000"/>
+                    </a:lnB>
+                    <a:noFill/>
+                  </a:tcPr>
+                </a:tc>
+                <a:tc>
+                  <a:txBody>
+                    <a:bodyPr/>
+                    <a:lstStyle/>
+                    <a:p>
+                      <a:pPr algn="ctr"/>
+                    </a:p>
+                  </a:txBody>
+                  <a:tcPr marL="0" marR="0" marT="0" marB="0" anchor="ctr" anchorCtr="0" horzOverflow="overflow">
+                    <a:lnL w="12700">
+                      <a:solidFill>
+                        <a:schemeClr val="accent1"/>
+                      </a:solidFill>
+                      <a:miter lim="400000"/>
+                    </a:lnL>
+                    <a:lnR w="12700">
+                      <a:solidFill>
+                        <a:schemeClr val="accent1"/>
+                      </a:solidFill>
+                      <a:miter lim="400000"/>
+                    </a:lnR>
+                    <a:lnT w="12700">
+                      <a:solidFill>
+                        <a:schemeClr val="accent1"/>
+                      </a:solidFill>
+                      <a:miter lim="400000"/>
+                    </a:lnT>
+                    <a:lnB w="12700">
+                      <a:solidFill>
+                        <a:schemeClr val="accent1"/>
+                      </a:solidFill>
+                      <a:miter lim="400000"/>
+                    </a:lnB>
+                    <a:solidFill>
+                      <a:schemeClr val="accent1">
+                        <a:lumOff val="24117"/>
+                      </a:schemeClr>
+                    </a:solidFill>
+                  </a:tcPr>
+                </a:tc>
+                <a:tc>
+                  <a:txBody>
+                    <a:bodyPr/>
+                    <a:lstStyle/>
+                    <a:p>
+                      <a:pPr algn="ctr"/>
+                    </a:p>
+                  </a:txBody>
+                  <a:tcPr marL="0" marR="0" marT="0" marB="0" anchor="ctr" anchorCtr="0" horzOverflow="overflow">
+                    <a:lnL w="12700">
+                      <a:solidFill>
+                        <a:schemeClr val="accent1"/>
+                      </a:solidFill>
+                      <a:miter lim="400000"/>
+                    </a:lnL>
+                    <a:lnR w="0">
+                      <a:miter lim="400000"/>
+                    </a:lnR>
+                    <a:lnT w="0">
+                      <a:miter lim="400000"/>
+                    </a:lnT>
+                    <a:lnB w="0">
+                      <a:miter lim="400000"/>
+                    </a:lnB>
+                    <a:noFill/>
+                  </a:tcPr>
+                </a:tc>
+                <a:tc>
+                  <a:txBody>
+                    <a:bodyPr/>
+                    <a:lstStyle/>
+                    <a:p>
+                      <a:pPr algn="ctr"/>
+                    </a:p>
+                  </a:txBody>
+                  <a:tcPr marL="0" marR="0" marT="0" marB="0" anchor="ctr" anchorCtr="0" horzOverflow="overflow">
+                    <a:lnL w="0">
+                      <a:miter lim="400000"/>
+                    </a:lnL>
+                    <a:lnR w="0">
+                      <a:miter lim="400000"/>
+                    </a:lnR>
+                    <a:lnT w="12700">
+                      <a:solidFill>
+                        <a:schemeClr val="accent2"/>
+                      </a:solidFill>
+                      <a:miter lim="400000"/>
+                    </a:lnT>
+                    <a:lnB w="0">
+                      <a:miter lim="400000"/>
+                    </a:lnB>
+                    <a:noFill/>
+                  </a:tcPr>
+                </a:tc>
+              </a:tr>
+              <a:tr h="383995">
+                <a:tc>
+                  <a:txBody>
+                    <a:bodyPr/>
+                    <a:lstStyle/>
+                    <a:p>
+                      <a:pPr algn="ctr"/>
+                    </a:p>
+                  </a:txBody>
+                  <a:tcPr marL="0" marR="0" marT="0" marB="0" anchor="ctr" anchorCtr="0" horzOverflow="overflow">
+                    <a:lnL w="12700">
+                      <a:solidFill>
+                        <a:schemeClr val="accent1"/>
+                      </a:solidFill>
+                      <a:miter lim="400000"/>
+                    </a:lnL>
+                    <a:lnR w="12700">
+                      <a:solidFill>
+                        <a:schemeClr val="accent1"/>
+                      </a:solidFill>
+                      <a:miter lim="400000"/>
+                    </a:lnR>
+                    <a:lnT w="12700">
+                      <a:solidFill>
+                        <a:schemeClr val="accent1"/>
+                      </a:solidFill>
+                      <a:miter lim="400000"/>
+                    </a:lnT>
+                    <a:lnB w="12700">
+                      <a:solidFill>
+                        <a:schemeClr val="accent1"/>
+                      </a:solidFill>
+                      <a:miter lim="400000"/>
+                    </a:lnB>
+                    <a:solidFill>
+                      <a:schemeClr val="accent1">
+                        <a:lumOff val="24117"/>
+                      </a:schemeClr>
+                    </a:solidFill>
+                  </a:tcPr>
+                </a:tc>
+                <a:tc>
+                  <a:txBody>
+                    <a:bodyPr/>
+                    <a:lstStyle/>
+                    <a:p>
+                      <a:pPr algn="ctr"/>
+                    </a:p>
+                  </a:txBody>
+                  <a:tcPr marL="0" marR="0" marT="0" marB="0" anchor="ctr" anchorCtr="0" horzOverflow="overflow">
+                    <a:lnL w="12700">
+                      <a:solidFill>
+                        <a:schemeClr val="accent1"/>
+                      </a:solidFill>
+                      <a:miter lim="400000"/>
+                    </a:lnL>
+                    <a:lnR w="0">
+                      <a:miter lim="400000"/>
+                    </a:lnR>
+                    <a:lnT w="0">
+                      <a:miter lim="400000"/>
+                    </a:lnT>
+                    <a:lnB w="0">
+                      <a:miter lim="400000"/>
+                    </a:lnB>
+                    <a:noFill/>
+                  </a:tcPr>
+                </a:tc>
+                <a:tc>
+                  <a:txBody>
+                    <a:bodyPr/>
+                    <a:lstStyle/>
+                    <a:p>
+                      <a:pPr algn="ctr">
+                        <a:defRPr sz="1800"/>
+                      </a:pPr>
+                      <a:r>
+                        <a:rPr sz="1200"/>
+                        <a:t>"baby"</a:t>
+                      </a:r>
+                    </a:p>
+                  </a:txBody>
+                  <a:tcPr marL="0" marR="0" marT="0" marB="0" anchor="ctr" anchorCtr="0" horzOverflow="overflow">
+                    <a:lnL w="0">
+                      <a:miter lim="400000"/>
+                    </a:lnL>
+                    <a:lnR w="0">
+                      <a:miter lim="400000"/>
+                    </a:lnR>
+                    <a:lnT w="0">
+                      <a:miter lim="400000"/>
+                    </a:lnT>
+                    <a:lnB w="0">
+                      <a:miter lim="400000"/>
+                    </a:lnB>
+                    <a:noFill/>
+                  </a:tcPr>
+                </a:tc>
+                <a:tc>
+                  <a:txBody>
+                    <a:bodyPr/>
+                    <a:lstStyle/>
+                    <a:p>
+                      <a:pPr algn="ctr"/>
+                    </a:p>
+                  </a:txBody>
+                  <a:tcPr marL="0" marR="0" marT="0" marB="0" anchor="ctr" anchorCtr="0" horzOverflow="overflow">
+                    <a:lnL w="0">
+                      <a:miter lim="400000"/>
+                    </a:lnL>
+                    <a:lnR w="12700">
+                      <a:solidFill>
+                        <a:schemeClr val="accent1"/>
+                      </a:solidFill>
+                      <a:miter lim="400000"/>
+                    </a:lnR>
+                    <a:lnT w="0">
+                      <a:miter lim="400000"/>
+                    </a:lnT>
+                    <a:lnB w="0">
+                      <a:miter lim="400000"/>
+                    </a:lnB>
+                    <a:noFill/>
+                  </a:tcPr>
+                </a:tc>
+                <a:tc>
+                  <a:txBody>
+                    <a:bodyPr/>
+                    <a:lstStyle/>
+                    <a:p>
+                      <a:pPr algn="ctr"/>
+                    </a:p>
+                  </a:txBody>
+                  <a:tcPr marL="0" marR="0" marT="0" marB="0" anchor="ctr" anchorCtr="0" horzOverflow="overflow">
+                    <a:lnL w="12700">
+                      <a:solidFill>
+                        <a:schemeClr val="accent1"/>
+                      </a:solidFill>
+                      <a:miter lim="400000"/>
+                    </a:lnL>
+                    <a:lnR w="12700">
+                      <a:solidFill>
+                        <a:schemeClr val="accent1"/>
+                      </a:solidFill>
+                      <a:miter lim="400000"/>
+                    </a:lnR>
+                    <a:lnT w="12700">
+                      <a:solidFill>
+                        <a:schemeClr val="accent1"/>
+                      </a:solidFill>
+                      <a:miter lim="400000"/>
+                    </a:lnT>
+                    <a:lnB w="12700">
+                      <a:solidFill>
+                        <a:schemeClr val="accent1"/>
+                      </a:solidFill>
+                      <a:miter lim="400000"/>
+                    </a:lnB>
+                    <a:solidFill>
+                      <a:schemeClr val="accent1">
+                        <a:lumOff val="24117"/>
+                      </a:schemeClr>
+                    </a:solidFill>
+                  </a:tcPr>
+                </a:tc>
+                <a:tc>
+                  <a:txBody>
+                    <a:bodyPr/>
+                    <a:lstStyle/>
+                    <a:p>
+                      <a:pPr algn="ctr"/>
+                    </a:p>
+                  </a:txBody>
+                  <a:tcPr marL="0" marR="0" marT="0" marB="0" anchor="ctr" anchorCtr="0" horzOverflow="overflow">
+                    <a:lnL w="12700">
+                      <a:solidFill>
+                        <a:schemeClr val="accent1"/>
+                      </a:solidFill>
+                      <a:miter lim="400000"/>
+                    </a:lnL>
+                    <a:lnR w="0">
+                      <a:miter lim="400000"/>
+                    </a:lnR>
+                    <a:lnT w="0">
+                      <a:miter lim="400000"/>
+                    </a:lnT>
+                    <a:lnB w="0">
+                      <a:miter lim="400000"/>
+                    </a:lnB>
+                    <a:noFill/>
+                  </a:tcPr>
+                </a:tc>
+                <a:tc>
+                  <a:txBody>
+                    <a:bodyPr/>
+                    <a:lstStyle/>
+                    <a:p>
+                      <a:pPr algn="ctr">
+                        <a:defRPr sz="1800"/>
+                      </a:pPr>
+                      <a:r>
+                        <a:rPr sz="1200"/>
+                        <a:t>"아기"</a:t>
+                      </a:r>
+                    </a:p>
+                  </a:txBody>
+                  <a:tcPr marL="0" marR="0" marT="0" marB="0" anchor="ctr" anchorCtr="0" horzOverflow="overflow">
+                    <a:lnL w="0">
+                      <a:miter lim="400000"/>
+                    </a:lnL>
+                    <a:lnR w="0">
+                      <a:miter lim="400000"/>
+                    </a:lnR>
+                    <a:lnT w="0">
+                      <a:miter lim="400000"/>
+                    </a:lnT>
+                    <a:lnB w="0">
+                      <a:miter lim="400000"/>
+                    </a:lnB>
+                    <a:noFill/>
+                  </a:tcPr>
+                </a:tc>
+              </a:tr>
+            </a:tbl>
+          </a:graphicData>
+        </a:graphic>
+      </p:graphicFrame>
+      <p:sp>
+        <p:nvSpPr>
+          <p:cNvPr id="232" name="선"/>
+          <p:cNvSpPr/>
+          <p:nvPr/>
+        </p:nvSpPr>
+        <p:spPr>
+          <a:xfrm>
+            <a:off x="7747317" y="3618404"/>
+            <a:ext cx="846544" cy="1"/>
+          </a:xfrm>
+          <a:prstGeom prst="line">
+            <a:avLst/>
+          </a:prstGeom>
+          <a:ln w="25400">
+            <a:solidFill>
+              <a:srgbClr val="000000"/>
+            </a:solidFill>
+            <a:headEnd type="oval"/>
+            <a:tailEnd type="triangle"/>
+          </a:ln>
+        </p:spPr>
+        <p:txBody>
+          <a:bodyPr lIns="45718" tIns="45718" rIns="45718" bIns="45718"/>
+          <a:lstStyle/>
+          <a:p>
+            <a:pPr/>
+          </a:p>
+        </p:txBody>
+      </p:sp>
+      <p:sp>
+        <p:nvSpPr>
+          <p:cNvPr id="233" name="선"/>
+          <p:cNvSpPr/>
+          <p:nvPr/>
+        </p:nvSpPr>
+        <p:spPr>
+          <a:xfrm>
+            <a:off x="7747317" y="4378235"/>
+            <a:ext cx="846544" cy="1"/>
+          </a:xfrm>
+          <a:prstGeom prst="line">
+            <a:avLst/>
+          </a:prstGeom>
+          <a:ln w="25400">
+            <a:solidFill>
+              <a:srgbClr val="000000"/>
+            </a:solidFill>
+            <a:headEnd type="oval"/>
+            <a:tailEnd type="triangle"/>
+          </a:ln>
+        </p:spPr>
+        <p:txBody>
+          <a:bodyPr lIns="45718" tIns="45718" rIns="45718" bIns="45718"/>
+          <a:lstStyle/>
+          <a:p>
+            <a:pPr/>
+          </a:p>
+        </p:txBody>
+      </p:sp>
+      <p:sp>
+        <p:nvSpPr>
+          <p:cNvPr id="234" name="선"/>
+          <p:cNvSpPr/>
+          <p:nvPr/>
+        </p:nvSpPr>
+        <p:spPr>
+          <a:xfrm>
+            <a:off x="7747317" y="2858574"/>
+            <a:ext cx="846544" cy="1"/>
+          </a:xfrm>
+          <a:prstGeom prst="line">
+            <a:avLst/>
+          </a:prstGeom>
+          <a:ln w="25400">
+            <a:solidFill>
+              <a:srgbClr val="000000"/>
+            </a:solidFill>
+            <a:headEnd type="oval"/>
+            <a:tailEnd type="triangle"/>
+          </a:ln>
+        </p:spPr>
+        <p:txBody>
+          <a:bodyPr lIns="45718" tIns="45718" rIns="45718" bIns="45718"/>
+          <a:lstStyle/>
+          <a:p>
+            <a:pPr/>
+          </a:p>
+        </p:txBody>
+      </p:sp>
+      <p:sp>
+        <p:nvSpPr>
+          <p:cNvPr id="235" name="선"/>
+          <p:cNvSpPr/>
+          <p:nvPr/>
+        </p:nvSpPr>
+        <p:spPr>
+          <a:xfrm>
+            <a:off x="10168645" y="3618404"/>
+            <a:ext cx="846543" cy="1"/>
+          </a:xfrm>
+          <a:prstGeom prst="line">
+            <a:avLst/>
+          </a:prstGeom>
+          <a:ln w="25400">
+            <a:solidFill>
+              <a:srgbClr val="000000"/>
+            </a:solidFill>
+            <a:headEnd type="oval"/>
+            <a:tailEnd type="triangle"/>
+          </a:ln>
+        </p:spPr>
+        <p:txBody>
+          <a:bodyPr lIns="45718" tIns="45718" rIns="45718" bIns="45718"/>
+          <a:lstStyle/>
+          <a:p>
+            <a:pPr/>
+          </a:p>
+        </p:txBody>
+      </p:sp>
+      <p:sp>
+        <p:nvSpPr>
+          <p:cNvPr id="236" name="선"/>
+          <p:cNvSpPr/>
+          <p:nvPr/>
+        </p:nvSpPr>
+        <p:spPr>
+          <a:xfrm>
+            <a:off x="10168645" y="4378235"/>
+            <a:ext cx="846543" cy="1"/>
+          </a:xfrm>
+          <a:prstGeom prst="line">
+            <a:avLst/>
+          </a:prstGeom>
+          <a:ln w="25400">
+            <a:solidFill>
+              <a:srgbClr val="000000"/>
+            </a:solidFill>
+            <a:headEnd type="oval"/>
+            <a:tailEnd type="triangle"/>
+          </a:ln>
+        </p:spPr>
+        <p:txBody>
+          <a:bodyPr lIns="45718" tIns="45718" rIns="45718" bIns="45718"/>
+          <a:lstStyle/>
+          <a:p>
+            <a:pPr/>
+          </a:p>
+        </p:txBody>
+      </p:sp>
+      <p:sp>
+        <p:nvSpPr>
+          <p:cNvPr id="237" name="선"/>
+          <p:cNvSpPr/>
+          <p:nvPr/>
+        </p:nvSpPr>
+        <p:spPr>
+          <a:xfrm>
+            <a:off x="10168645" y="2858574"/>
+            <a:ext cx="846543" cy="1"/>
+          </a:xfrm>
+          <a:prstGeom prst="line">
+            <a:avLst/>
+          </a:prstGeom>
+          <a:ln w="25400">
+            <a:solidFill>
+              <a:srgbClr val="000000"/>
+            </a:solidFill>
+            <a:headEnd type="oval"/>
+            <a:tailEnd type="triangle"/>
+          </a:ln>
+        </p:spPr>
+        <p:txBody>
+          <a:bodyPr lIns="45718" tIns="45718" rIns="45718" bIns="45718"/>
+          <a:lstStyle/>
+          <a:p>
+            <a:pPr/>
+          </a:p>
+        </p:txBody>
+      </p:sp>
+      <p:sp>
+        <p:nvSpPr>
+          <p:cNvPr id="238" name="모서리가 둥근 직사각형"/>
+          <p:cNvSpPr/>
+          <p:nvPr/>
+        </p:nvSpPr>
+        <p:spPr>
+          <a:xfrm>
+            <a:off x="5596177" y="2247235"/>
+            <a:ext cx="6181446" cy="2467416"/>
+          </a:xfrm>
+          <a:prstGeom prst="roundRect">
+            <a:avLst>
+              <a:gd name="adj" fmla="val 6963"/>
+            </a:avLst>
+          </a:prstGeom>
+          <a:ln w="25400">
+            <a:solidFill>
+              <a:schemeClr val="accent1"/>
+            </a:solidFill>
+          </a:ln>
+        </p:spPr>
+        <p:txBody>
+          <a:bodyPr lIns="45718" tIns="45718" rIns="45718" bIns="45718" anchor="ctr"/>
+          <a:lstStyle/>
+          <a:p>
+            <a:pPr/>
+          </a:p>
+        </p:txBody>
+      </p:sp>
+      <p:sp>
+        <p:nvSpPr>
+          <p:cNvPr id="239" name="put(key, value)"/>
+          <p:cNvSpPr/>
+          <p:nvPr/>
+        </p:nvSpPr>
+        <p:spPr>
+          <a:xfrm>
+            <a:off x="5461000" y="2858084"/>
+            <a:ext cx="1270000" cy="382054"/>
           </a:xfrm>
           <a:prstGeom prst="rect">
             <a:avLst/>
           </a:prstGeom>
           <a:solidFill>
-            <a:srgbClr val="FFFFFF"/>
+            <a:schemeClr val="accent1">
+              <a:lumOff val="24117"/>
+            </a:schemeClr>
           </a:solidFill>
-          <a:ln w="25400">
+          <a:ln w="12700">
             <a:solidFill>
               <a:schemeClr val="accent1"/>
             </a:solidFill>
@@ -16661,70 +18303,1223 @@
         </p:spPr>
         <p:txBody>
           <a:bodyPr lIns="45718" tIns="45718" rIns="45718" bIns="45718" anchor="ctr"/>
-          <a:lstStyle/>
+          <a:lstStyle>
+            <a:lvl1pPr algn="ctr">
+              <a:defRPr sz="1200"/>
+            </a:lvl1pPr>
+          </a:lstStyle>
           <a:p>
-            <a:pPr>
-              <a:defRPr sz="1200"/>
-            </a:pPr>
+            <a:pPr/>
             <a:r>
-              <a:t>...</a:t>
-            </a:r>
-          </a:p>
-          <a:p>
-            <a:pPr>
-              <a:defRPr sz="1200"/>
-            </a:pPr>
-            <a:r>
-              <a:rPr>
-                <a:solidFill>
-                  <a:srgbClr val="FF453A"/>
-                </a:solidFill>
-              </a:rPr>
-              <a:t>void</a:t>
-            </a:r>
-            <a:r>
-              <a:t> push(</a:t>
-            </a:r>
-            <a:r>
-              <a:rPr b="1"/>
-              <a:t>Integer</a:t>
-            </a:r>
-            <a:r>
-              <a:t> element) {...}</a:t>
-            </a:r>
-          </a:p>
-          <a:p>
-            <a:pPr>
-              <a:defRPr sz="1200"/>
-            </a:pPr>
-            <a:r>
-              <a:rPr b="1"/>
-              <a:t>Integer</a:t>
-            </a:r>
-            <a:r>
-              <a:t> pop() {...}</a:t>
-            </a:r>
-          </a:p>
-          <a:p>
-            <a:pPr>
-              <a:defRPr sz="1200"/>
-            </a:pPr>
-            <a:r>
-              <a:t>...</a:t>
+              <a:t>put(key, value)</a:t>
             </a:r>
           </a:p>
         </p:txBody>
       </p:sp>
       <p:sp>
         <p:nvSpPr>
-          <p:cNvPr id="230" name="실행 결과: Line이 출력됨"/>
+          <p:cNvPr id="240" name="get(key)"/>
+          <p:cNvSpPr/>
+          <p:nvPr/>
+        </p:nvSpPr>
+        <p:spPr>
+          <a:xfrm>
+            <a:off x="5461000" y="3561841"/>
+            <a:ext cx="1270000" cy="382054"/>
+          </a:xfrm>
+          <a:prstGeom prst="rect">
+            <a:avLst/>
+          </a:prstGeom>
+          <a:solidFill>
+            <a:schemeClr val="accent1">
+              <a:lumOff val="24117"/>
+            </a:schemeClr>
+          </a:solidFill>
+          <a:ln w="12700">
+            <a:solidFill>
+              <a:schemeClr val="accent1"/>
+            </a:solidFill>
+          </a:ln>
+          <a:extLst>
+            <a:ext uri="{C572A759-6A51-4108-AA02-DFA0A04FC94B}">
+              <ma14:wrappingTextBoxFlag xmlns:ma14="http://schemas.microsoft.com/office/mac/drawingml/2011/main" val="1"/>
+            </a:ext>
+          </a:extLst>
+        </p:spPr>
+        <p:txBody>
+          <a:bodyPr lIns="45718" tIns="45718" rIns="45718" bIns="45718" anchor="ctr"/>
+          <a:lstStyle>
+            <a:lvl1pPr algn="ctr">
+              <a:defRPr sz="1200"/>
+            </a:lvl1pPr>
+          </a:lstStyle>
+          <a:p>
+            <a:pPr/>
+            <a:r>
+              <a:t>get(key)</a:t>
+            </a:r>
+          </a:p>
+        </p:txBody>
+      </p:sp>
+      <p:sp>
+        <p:nvSpPr>
+          <p:cNvPr id="250" name="연결선"/>
+          <p:cNvSpPr/>
+          <p:nvPr/>
+        </p:nvSpPr>
+        <p:spPr>
+          <a:xfrm>
+            <a:off x="6039230" y="3120443"/>
+            <a:ext cx="1640957" cy="466373"/>
+          </a:xfrm>
+          <a:custGeom>
+            <a:avLst/>
+            <a:gdLst/>
+            <a:ahLst/>
+            <a:cxnLst>
+              <a:cxn ang="0">
+                <a:pos x="wd2" y="hd2"/>
+              </a:cxn>
+              <a:cxn ang="5400000">
+                <a:pos x="wd2" y="hd2"/>
+              </a:cxn>
+              <a:cxn ang="10800000">
+                <a:pos x="wd2" y="hd2"/>
+              </a:cxn>
+              <a:cxn ang="16200000">
+                <a:pos x="wd2" y="hd2"/>
+              </a:cxn>
+            </a:cxnLst>
+            <a:rect l="0" t="0" r="r" b="b"/>
+            <a:pathLst>
+              <a:path w="21600" h="21600" fill="norm" stroke="1" extrusionOk="0">
+                <a:moveTo>
+                  <a:pt x="0" y="0"/>
+                </a:moveTo>
+                <a:cubicBezTo>
+                  <a:pt x="2766" y="9939"/>
+                  <a:pt x="9966" y="17139"/>
+                  <a:pt x="21600" y="21600"/>
+                </a:cubicBezTo>
+              </a:path>
+            </a:pathLst>
+          </a:custGeom>
+          <a:ln w="25400">
+            <a:solidFill>
+              <a:srgbClr val="000000"/>
+            </a:solidFill>
+            <a:tailEnd type="triangle"/>
+          </a:ln>
+        </p:spPr>
+        <p:txBody>
+          <a:bodyPr/>
+          <a:lstStyle/>
+          <a:p>
+            <a:pPr/>
+          </a:p>
+        </p:txBody>
+      </p:sp>
+      <p:sp>
+        <p:nvSpPr>
+          <p:cNvPr id="251" name="연결선"/>
+          <p:cNvSpPr/>
+          <p:nvPr/>
+        </p:nvSpPr>
+        <p:spPr>
+          <a:xfrm>
+            <a:off x="6390525" y="3162004"/>
+            <a:ext cx="3754563" cy="433799"/>
+          </a:xfrm>
+          <a:custGeom>
+            <a:avLst/>
+            <a:gdLst/>
+            <a:ahLst/>
+            <a:cxnLst>
+              <a:cxn ang="0">
+                <a:pos x="wd2" y="hd2"/>
+              </a:cxn>
+              <a:cxn ang="5400000">
+                <a:pos x="wd2" y="hd2"/>
+              </a:cxn>
+              <a:cxn ang="10800000">
+                <a:pos x="wd2" y="hd2"/>
+              </a:cxn>
+              <a:cxn ang="16200000">
+                <a:pos x="wd2" y="hd2"/>
+              </a:cxn>
+            </a:cxnLst>
+            <a:rect l="0" t="0" r="r" b="b"/>
+            <a:pathLst>
+              <a:path w="20835" h="21600" fill="norm" stroke="1" extrusionOk="0">
+                <a:moveTo>
+                  <a:pt x="0" y="0"/>
+                </a:moveTo>
+                <a:cubicBezTo>
+                  <a:pt x="14677" y="4847"/>
+                  <a:pt x="21600" y="12047"/>
+                  <a:pt x="20768" y="21600"/>
+                </a:cubicBezTo>
+              </a:path>
+            </a:pathLst>
+          </a:custGeom>
+          <a:ln w="25400">
+            <a:solidFill>
+              <a:srgbClr val="000000"/>
+            </a:solidFill>
+            <a:tailEnd type="triangle"/>
+          </a:ln>
+        </p:spPr>
+        <p:txBody>
+          <a:bodyPr/>
+          <a:lstStyle/>
+          <a:p>
+            <a:pPr/>
+          </a:p>
+        </p:txBody>
+      </p:sp>
+      <p:sp>
+        <p:nvSpPr>
+          <p:cNvPr id="252" name="연결선"/>
+          <p:cNvSpPr/>
+          <p:nvPr/>
+        </p:nvSpPr>
+        <p:spPr>
+          <a:xfrm>
+            <a:off x="6206274" y="3578930"/>
+            <a:ext cx="1446858" cy="86439"/>
+          </a:xfrm>
+          <a:custGeom>
+            <a:avLst/>
+            <a:gdLst/>
+            <a:ahLst/>
+            <a:cxnLst>
+              <a:cxn ang="0">
+                <a:pos x="wd2" y="hd2"/>
+              </a:cxn>
+              <a:cxn ang="5400000">
+                <a:pos x="wd2" y="hd2"/>
+              </a:cxn>
+              <a:cxn ang="10800000">
+                <a:pos x="wd2" y="hd2"/>
+              </a:cxn>
+              <a:cxn ang="16200000">
+                <a:pos x="wd2" y="hd2"/>
+              </a:cxn>
+            </a:cxnLst>
+            <a:rect l="0" t="0" r="r" b="b"/>
+            <a:pathLst>
+              <a:path w="21600" h="16395" fill="norm" stroke="1" extrusionOk="0">
+                <a:moveTo>
+                  <a:pt x="0" y="16395"/>
+                </a:moveTo>
+                <a:cubicBezTo>
+                  <a:pt x="4087" y="-3081"/>
+                  <a:pt x="11287" y="-5205"/>
+                  <a:pt x="21600" y="10023"/>
+                </a:cubicBezTo>
+              </a:path>
+            </a:pathLst>
+          </a:custGeom>
+          <a:ln w="25400">
+            <a:solidFill>
+              <a:srgbClr val="BE0B00"/>
+            </a:solidFill>
+            <a:tailEnd type="triangle"/>
+          </a:ln>
+        </p:spPr>
+        <p:txBody>
+          <a:bodyPr/>
+          <a:lstStyle/>
+          <a:p>
+            <a:pPr/>
+          </a:p>
+        </p:txBody>
+      </p:sp>
+      <p:sp>
+        <p:nvSpPr>
+          <p:cNvPr id="253" name="연결선"/>
+          <p:cNvSpPr/>
+          <p:nvPr/>
+        </p:nvSpPr>
+        <p:spPr>
+          <a:xfrm>
+            <a:off x="5659630" y="3666283"/>
+            <a:ext cx="4497883" cy="541315"/>
+          </a:xfrm>
+          <a:custGeom>
+            <a:avLst/>
+            <a:gdLst/>
+            <a:ahLst/>
+            <a:cxnLst>
+              <a:cxn ang="0">
+                <a:pos x="wd2" y="hd2"/>
+              </a:cxn>
+              <a:cxn ang="5400000">
+                <a:pos x="wd2" y="hd2"/>
+              </a:cxn>
+              <a:cxn ang="10800000">
+                <a:pos x="wd2" y="hd2"/>
+              </a:cxn>
+              <a:cxn ang="16200000">
+                <a:pos x="wd2" y="hd2"/>
+              </a:cxn>
+            </a:cxnLst>
+            <a:rect l="0" t="0" r="r" b="b"/>
+            <a:pathLst>
+              <a:path w="21600" h="21600" fill="norm" stroke="1" extrusionOk="0">
+                <a:moveTo>
+                  <a:pt x="21600" y="0"/>
+                </a:moveTo>
+                <a:cubicBezTo>
+                  <a:pt x="17535" y="7935"/>
+                  <a:pt x="10335" y="15135"/>
+                  <a:pt x="0" y="21600"/>
+                </a:cubicBezTo>
+              </a:path>
+            </a:pathLst>
+          </a:custGeom>
+          <a:ln w="25400">
+            <a:solidFill>
+              <a:srgbClr val="BE0B00"/>
+            </a:solidFill>
+            <a:tailEnd type="triangle"/>
+          </a:ln>
+        </p:spPr>
+        <p:txBody>
+          <a:bodyPr/>
+          <a:lstStyle/>
+          <a:p>
+            <a:pPr/>
+          </a:p>
+        </p:txBody>
+      </p:sp>
+      <p:grpSp>
+        <p:nvGrpSpPr>
+          <p:cNvPr id="247" name="그룹"/>
+          <p:cNvGrpSpPr/>
+          <p:nvPr/>
+        </p:nvGrpSpPr>
+        <p:grpSpPr>
+          <a:xfrm rot="1401984">
+            <a:off x="4962572" y="3977597"/>
+            <a:ext cx="810889" cy="783459"/>
+            <a:chOff x="0" y="0"/>
+            <a:chExt cx="810888" cy="783457"/>
+          </a:xfrm>
+        </p:grpSpPr>
+        <p:sp>
+          <p:nvSpPr>
+            <p:cNvPr id="245" name="화살표"/>
+            <p:cNvSpPr/>
+            <p:nvPr/>
+          </p:nvSpPr>
+          <p:spPr>
+            <a:xfrm rot="8641182">
+              <a:off x="89141" y="137287"/>
+              <a:ext cx="632606" cy="508884"/>
+            </a:xfrm>
+            <a:prstGeom prst="rightArrow">
+              <a:avLst>
+                <a:gd name="adj1" fmla="val 62853"/>
+                <a:gd name="adj2" fmla="val 44698"/>
+              </a:avLst>
+            </a:prstGeom>
+            <a:solidFill>
+              <a:schemeClr val="accent2">
+                <a:lumOff val="10980"/>
+              </a:schemeClr>
+            </a:solidFill>
+            <a:ln w="25400" cap="flat">
+              <a:solidFill>
+                <a:schemeClr val="accent2"/>
+              </a:solidFill>
+              <a:prstDash val="solid"/>
+              <a:round/>
+            </a:ln>
+            <a:effectLst/>
+          </p:spPr>
+          <p:txBody>
+            <a:bodyPr wrap="square" lIns="45718" tIns="45718" rIns="45718" bIns="45718" numCol="1" anchor="ctr">
+              <a:noAutofit/>
+            </a:bodyPr>
+            <a:lstStyle/>
+            <a:p>
+              <a:pPr algn="ctr"/>
+            </a:p>
+          </p:txBody>
+        </p:sp>
+        <p:sp>
+          <p:nvSpPr>
+            <p:cNvPr id="246" name="&quot;사과&quot;"/>
+            <p:cNvSpPr txBox="1"/>
+            <p:nvPr/>
+          </p:nvSpPr>
+          <p:spPr>
+            <a:xfrm rot="19407720">
+              <a:off x="216486" y="223404"/>
+              <a:ext cx="471873" cy="279501"/>
+            </a:xfrm>
+            <a:prstGeom prst="rect">
+              <a:avLst/>
+            </a:prstGeom>
+            <a:noFill/>
+            <a:ln w="12700" cap="flat">
+              <a:noFill/>
+              <a:miter lim="400000"/>
+            </a:ln>
+            <a:effectLst/>
+            <a:extLst>
+              <a:ext uri="{C572A759-6A51-4108-AA02-DFA0A04FC94B}">
+                <ma14:wrappingTextBoxFlag xmlns:ma14="http://schemas.microsoft.com/office/mac/drawingml/2011/main" val="1"/>
+              </a:ext>
+            </a:extLst>
+          </p:spPr>
+          <p:txBody>
+            <a:bodyPr wrap="square" lIns="45718" tIns="45718" rIns="45718" bIns="45718" numCol="1" anchor="ctr">
+              <a:noAutofit/>
+            </a:bodyPr>
+            <a:lstStyle>
+              <a:lvl1pPr algn="ctr">
+                <a:defRPr sz="1200"/>
+              </a:lvl1pPr>
+            </a:lstStyle>
+            <a:p>
+              <a:pPr/>
+              <a:r>
+                <a:t>"사과"</a:t>
+              </a:r>
+            </a:p>
+          </p:txBody>
+        </p:sp>
+      </p:grpSp>
+      <p:graphicFrame>
+        <p:nvGraphicFramePr>
+          <p:cNvPr id="248" name="표"/>
+          <p:cNvGraphicFramePr/>
+          <p:nvPr/>
+        </p:nvGraphicFramePr>
+        <p:xfrm>
+          <a:off x="3621038" y="2534526"/>
+          <a:ext cx="1664741" cy="2245558"/>
+        </p:xfrm>
+        <a:graphic xmlns:a="http://schemas.openxmlformats.org/drawingml/2006/main">
+          <a:graphicData uri="http://schemas.openxmlformats.org/drawingml/2006/table">
+            <a:tbl>
+              <a:tblPr firstCol="0" firstRow="0" lastCol="0" lastRow="0" bandCol="0" bandRow="1" rtl="0">
+                <a:tableStyleId>{4C3C2611-4C71-4FC5-86AE-919BDF0F9419}</a:tableStyleId>
+              </a:tblPr>
+              <a:tblGrid>
+                <a:gridCol w="635000"/>
+                <a:gridCol w="138988"/>
+                <a:gridCol w="635000"/>
+              </a:tblGrid>
+              <a:tr h="317500">
+                <a:tc>
+                  <a:txBody>
+                    <a:bodyPr/>
+                    <a:lstStyle/>
+                    <a:p>
+                      <a:pPr algn="ctr">
+                        <a:defRPr sz="1800"/>
+                      </a:pPr>
+                      <a:r>
+                        <a:rPr sz="1200"/>
+                        <a:t>key</a:t>
+                      </a:r>
+                    </a:p>
+                  </a:txBody>
+                  <a:tcPr marL="0" marR="0" marT="0" marB="0" anchor="b" anchorCtr="0" horzOverflow="overflow">
+                    <a:lnL w="0">
+                      <a:miter lim="400000"/>
+                    </a:lnL>
+                    <a:lnR w="0">
+                      <a:miter lim="400000"/>
+                    </a:lnR>
+                    <a:lnT w="0">
+                      <a:miter lim="400000"/>
+                    </a:lnT>
+                    <a:lnB w="12700">
+                      <a:solidFill>
+                        <a:schemeClr val="accent1"/>
+                      </a:solidFill>
+                      <a:miter lim="400000"/>
+                    </a:lnB>
+                    <a:noFill/>
+                  </a:tcPr>
+                </a:tc>
+                <a:tc>
+                  <a:txBody>
+                    <a:bodyPr/>
+                    <a:lstStyle/>
+                    <a:p>
+                      <a:pPr algn="ctr"/>
+                    </a:p>
+                  </a:txBody>
+                  <a:tcPr marL="0" marR="0" marT="0" marB="0" anchor="b" anchorCtr="0" horzOverflow="overflow">
+                    <a:lnL w="0">
+                      <a:miter lim="400000"/>
+                    </a:lnL>
+                    <a:lnR w="0">
+                      <a:miter lim="400000"/>
+                    </a:lnR>
+                    <a:lnT w="0">
+                      <a:miter lim="400000"/>
+                    </a:lnT>
+                    <a:lnB w="0">
+                      <a:miter lim="400000"/>
+                    </a:lnB>
+                    <a:noFill/>
+                  </a:tcPr>
+                </a:tc>
+                <a:tc>
+                  <a:txBody>
+                    <a:bodyPr/>
+                    <a:lstStyle/>
+                    <a:p>
+                      <a:pPr algn="ctr">
+                        <a:defRPr sz="1800"/>
+                      </a:pPr>
+                      <a:r>
+                        <a:rPr sz="1200"/>
+                        <a:t>value</a:t>
+                      </a:r>
+                    </a:p>
+                  </a:txBody>
+                  <a:tcPr marL="0" marR="0" marT="0" marB="0" anchor="b" anchorCtr="0" horzOverflow="overflow">
+                    <a:lnL w="0">
+                      <a:miter lim="400000"/>
+                    </a:lnL>
+                    <a:lnR w="0">
+                      <a:miter lim="400000"/>
+                    </a:lnR>
+                    <a:lnT w="0">
+                      <a:miter lim="400000"/>
+                    </a:lnT>
+                    <a:lnB w="12700">
+                      <a:solidFill>
+                        <a:schemeClr val="accent1"/>
+                      </a:solidFill>
+                      <a:miter lim="400000"/>
+                    </a:lnB>
+                    <a:noFill/>
+                  </a:tcPr>
+                </a:tc>
+              </a:tr>
+              <a:tr h="380077">
+                <a:tc>
+                  <a:txBody>
+                    <a:bodyPr/>
+                    <a:lstStyle/>
+                    <a:p>
+                      <a:pPr algn="ctr">
+                        <a:defRPr sz="1800"/>
+                      </a:pPr>
+                      <a:r>
+                        <a:rPr sz="1200"/>
+                        <a:t>"apple"</a:t>
+                      </a:r>
+                    </a:p>
+                  </a:txBody>
+                  <a:tcPr marL="0" marR="0" marT="0" marB="0" anchor="ctr" anchorCtr="0" horzOverflow="overflow">
+                    <a:lnL w="12700">
+                      <a:solidFill>
+                        <a:schemeClr val="accent1"/>
+                      </a:solidFill>
+                      <a:miter lim="400000"/>
+                    </a:lnL>
+                    <a:lnR w="12700">
+                      <a:solidFill>
+                        <a:schemeClr val="accent1"/>
+                      </a:solidFill>
+                      <a:miter lim="400000"/>
+                    </a:lnR>
+                    <a:lnT w="12700">
+                      <a:solidFill>
+                        <a:schemeClr val="accent1"/>
+                      </a:solidFill>
+                      <a:miter lim="400000"/>
+                    </a:lnT>
+                    <a:lnB w="12700">
+                      <a:solidFill>
+                        <a:schemeClr val="accent1"/>
+                      </a:solidFill>
+                      <a:miter lim="400000"/>
+                    </a:lnB>
+                    <a:noFill/>
+                  </a:tcPr>
+                </a:tc>
+                <a:tc>
+                  <a:txBody>
+                    <a:bodyPr/>
+                    <a:lstStyle/>
+                    <a:p>
+                      <a:pPr algn="ctr"/>
+                    </a:p>
+                  </a:txBody>
+                  <a:tcPr marL="0" marR="0" marT="0" marB="0" anchor="ctr" anchorCtr="0" horzOverflow="overflow">
+                    <a:lnL w="12700">
+                      <a:solidFill>
+                        <a:schemeClr val="accent1"/>
+                      </a:solidFill>
+                      <a:miter lim="400000"/>
+                    </a:lnL>
+                    <a:lnR w="12700">
+                      <a:solidFill>
+                        <a:schemeClr val="accent1"/>
+                      </a:solidFill>
+                      <a:miter lim="400000"/>
+                    </a:lnR>
+                    <a:lnT w="0">
+                      <a:miter lim="400000"/>
+                    </a:lnT>
+                    <a:lnB w="0">
+                      <a:miter lim="400000"/>
+                    </a:lnB>
+                    <a:noFill/>
+                  </a:tcPr>
+                </a:tc>
+                <a:tc>
+                  <a:txBody>
+                    <a:bodyPr/>
+                    <a:lstStyle/>
+                    <a:p>
+                      <a:pPr algn="ctr">
+                        <a:defRPr sz="1800"/>
+                      </a:pPr>
+                      <a:r>
+                        <a:rPr sz="1200"/>
+                        <a:t>"사과"</a:t>
+                      </a:r>
+                    </a:p>
+                  </a:txBody>
+                  <a:tcPr marL="0" marR="0" marT="0" marB="0" anchor="ctr" anchorCtr="0" horzOverflow="overflow">
+                    <a:lnL w="12700">
+                      <a:solidFill>
+                        <a:schemeClr val="accent1"/>
+                      </a:solidFill>
+                      <a:miter lim="400000"/>
+                    </a:lnL>
+                    <a:lnR w="12700">
+                      <a:solidFill>
+                        <a:schemeClr val="accent1"/>
+                      </a:solidFill>
+                      <a:miter lim="400000"/>
+                    </a:lnR>
+                    <a:lnT w="12700">
+                      <a:solidFill>
+                        <a:schemeClr val="accent1"/>
+                      </a:solidFill>
+                      <a:miter lim="400000"/>
+                    </a:lnT>
+                    <a:lnB w="12700">
+                      <a:solidFill>
+                        <a:schemeClr val="accent1"/>
+                      </a:solidFill>
+                      <a:miter lim="400000"/>
+                    </a:lnB>
+                    <a:noFill/>
+                  </a:tcPr>
+                </a:tc>
+              </a:tr>
+              <a:tr h="317500">
+                <a:tc>
+                  <a:txBody>
+                    <a:bodyPr/>
+                    <a:lstStyle/>
+                    <a:p>
+                      <a:pPr algn="ctr"/>
+                    </a:p>
+                  </a:txBody>
+                  <a:tcPr marL="0" marR="0" marT="0" marB="0" anchor="ctr" anchorCtr="0" horzOverflow="overflow">
+                    <a:lnL w="0">
+                      <a:miter lim="400000"/>
+                    </a:lnL>
+                    <a:lnR w="0">
+                      <a:miter lim="400000"/>
+                    </a:lnR>
+                    <a:lnT w="12700">
+                      <a:solidFill>
+                        <a:schemeClr val="accent1"/>
+                      </a:solidFill>
+                      <a:miter lim="400000"/>
+                    </a:lnT>
+                    <a:lnB w="0">
+                      <a:miter lim="400000"/>
+                    </a:lnB>
+                    <a:noFill/>
+                  </a:tcPr>
+                </a:tc>
+                <a:tc>
+                  <a:txBody>
+                    <a:bodyPr/>
+                    <a:lstStyle/>
+                    <a:p>
+                      <a:pPr algn="ctr"/>
+                    </a:p>
+                  </a:txBody>
+                  <a:tcPr marL="0" marR="0" marT="0" marB="0" anchor="ctr" anchorCtr="0" horzOverflow="overflow">
+                    <a:lnL w="0">
+                      <a:miter lim="400000"/>
+                    </a:lnL>
+                    <a:lnR w="0">
+                      <a:miter lim="400000"/>
+                    </a:lnR>
+                    <a:lnT w="0">
+                      <a:miter lim="400000"/>
+                    </a:lnT>
+                    <a:lnB w="0">
+                      <a:miter lim="400000"/>
+                    </a:lnB>
+                    <a:noFill/>
+                  </a:tcPr>
+                </a:tc>
+                <a:tc>
+                  <a:txBody>
+                    <a:bodyPr/>
+                    <a:lstStyle/>
+                    <a:p>
+                      <a:pPr algn="ctr">
+                        <a:defRPr sz="1800"/>
+                      </a:pPr>
+                      <a:r>
+                        <a:rPr sz="1200"/>
+                        <a:t>key</a:t>
+                      </a:r>
+                    </a:p>
+                  </a:txBody>
+                  <a:tcPr marL="0" marR="0" marT="0" marB="0" anchor="b" anchorCtr="0" horzOverflow="overflow">
+                    <a:lnL w="0">
+                      <a:miter lim="400000"/>
+                    </a:lnL>
+                    <a:lnR w="0">
+                      <a:miter lim="400000"/>
+                    </a:lnR>
+                    <a:lnT w="12700">
+                      <a:solidFill>
+                        <a:schemeClr val="accent1"/>
+                      </a:solidFill>
+                      <a:miter lim="400000"/>
+                    </a:lnT>
+                    <a:lnB w="12700">
+                      <a:solidFill>
+                        <a:schemeClr val="accent1"/>
+                      </a:solidFill>
+                      <a:miter lim="400000"/>
+                    </a:lnB>
+                    <a:noFill/>
+                  </a:tcPr>
+                </a:tc>
+              </a:tr>
+              <a:tr h="380077">
+                <a:tc>
+                  <a:txBody>
+                    <a:bodyPr/>
+                    <a:lstStyle/>
+                    <a:p>
+                      <a:pPr algn="ctr"/>
+                    </a:p>
+                  </a:txBody>
+                  <a:tcPr marL="0" marR="0" marT="0" marB="0" anchor="ctr" anchorCtr="0" horzOverflow="overflow">
+                    <a:lnL w="0">
+                      <a:miter lim="400000"/>
+                    </a:lnL>
+                    <a:lnR w="0">
+                      <a:miter lim="400000"/>
+                    </a:lnR>
+                    <a:lnT w="0">
+                      <a:miter lim="400000"/>
+                    </a:lnT>
+                    <a:lnB w="0">
+                      <a:miter lim="400000"/>
+                    </a:lnB>
+                    <a:noFill/>
+                  </a:tcPr>
+                </a:tc>
+                <a:tc>
+                  <a:txBody>
+                    <a:bodyPr/>
+                    <a:lstStyle/>
+                    <a:p>
+                      <a:pPr algn="ctr"/>
+                    </a:p>
+                  </a:txBody>
+                  <a:tcPr marL="0" marR="0" marT="0" marB="0" anchor="ctr" anchorCtr="0" horzOverflow="overflow">
+                    <a:lnL w="0">
+                      <a:miter lim="400000"/>
+                    </a:lnL>
+                    <a:lnR w="12700">
+                      <a:solidFill>
+                        <a:schemeClr val="accent1"/>
+                      </a:solidFill>
+                      <a:miter lim="400000"/>
+                    </a:lnR>
+                    <a:lnT w="0">
+                      <a:miter lim="400000"/>
+                    </a:lnT>
+                    <a:lnB w="0">
+                      <a:miter lim="400000"/>
+                    </a:lnB>
+                    <a:noFill/>
+                  </a:tcPr>
+                </a:tc>
+                <a:tc>
+                  <a:txBody>
+                    <a:bodyPr/>
+                    <a:lstStyle/>
+                    <a:p>
+                      <a:pPr algn="ctr">
+                        <a:defRPr sz="1800"/>
+                      </a:pPr>
+                      <a:r>
+                        <a:rPr sz="1200"/>
+                        <a:t>"apple"</a:t>
+                      </a:r>
+                    </a:p>
+                  </a:txBody>
+                  <a:tcPr marL="0" marR="0" marT="0" marB="0" anchor="ctr" anchorCtr="0" horzOverflow="overflow">
+                    <a:lnL w="12700">
+                      <a:solidFill>
+                        <a:schemeClr val="accent1"/>
+                      </a:solidFill>
+                      <a:miter lim="400000"/>
+                    </a:lnL>
+                    <a:lnR w="12700">
+                      <a:solidFill>
+                        <a:schemeClr val="accent1"/>
+                      </a:solidFill>
+                      <a:miter lim="400000"/>
+                    </a:lnR>
+                    <a:lnT w="12700">
+                      <a:solidFill>
+                        <a:schemeClr val="accent1"/>
+                      </a:solidFill>
+                      <a:miter lim="400000"/>
+                    </a:lnT>
+                    <a:lnB w="12700">
+                      <a:solidFill>
+                        <a:schemeClr val="accent1"/>
+                      </a:solidFill>
+                      <a:miter lim="400000"/>
+                    </a:lnB>
+                    <a:noFill/>
+                  </a:tcPr>
+                </a:tc>
+              </a:tr>
+              <a:tr h="317500">
+                <a:tc>
+                  <a:txBody>
+                    <a:bodyPr/>
+                    <a:lstStyle/>
+                    <a:p>
+                      <a:pPr algn="ctr"/>
+                    </a:p>
+                  </a:txBody>
+                  <a:tcPr marL="0" marR="0" marT="0" marB="0" anchor="ctr" anchorCtr="0" horzOverflow="overflow">
+                    <a:lnL w="0">
+                      <a:miter lim="400000"/>
+                    </a:lnL>
+                    <a:lnR w="0">
+                      <a:miter lim="400000"/>
+                    </a:lnR>
+                    <a:lnT w="0">
+                      <a:miter lim="400000"/>
+                    </a:lnT>
+                    <a:lnB w="0">
+                      <a:miter lim="400000"/>
+                    </a:lnB>
+                    <a:noFill/>
+                  </a:tcPr>
+                </a:tc>
+                <a:tc>
+                  <a:txBody>
+                    <a:bodyPr/>
+                    <a:lstStyle/>
+                    <a:p>
+                      <a:pPr algn="ctr"/>
+                    </a:p>
+                  </a:txBody>
+                  <a:tcPr marL="0" marR="0" marT="0" marB="0" anchor="ctr" anchorCtr="0" horzOverflow="overflow">
+                    <a:lnL w="0">
+                      <a:miter lim="400000"/>
+                    </a:lnL>
+                    <a:lnR w="0">
+                      <a:miter lim="400000"/>
+                    </a:lnR>
+                    <a:lnT w="0">
+                      <a:miter lim="400000"/>
+                    </a:lnT>
+                    <a:lnB w="0">
+                      <a:miter lim="400000"/>
+                    </a:lnB>
+                    <a:noFill/>
+                  </a:tcPr>
+                </a:tc>
+                <a:tc>
+                  <a:txBody>
+                    <a:bodyPr/>
+                    <a:lstStyle/>
+                    <a:p>
+                      <a:pPr algn="ctr">
+                        <a:defRPr sz="1800"/>
+                      </a:pPr>
+                      <a:r>
+                        <a:rPr sz="1200"/>
+                        <a:t>value</a:t>
+                      </a:r>
+                    </a:p>
+                  </a:txBody>
+                  <a:tcPr marL="0" marR="0" marT="0" marB="0" anchor="b" anchorCtr="0" horzOverflow="overflow">
+                    <a:lnL w="0">
+                      <a:miter lim="400000"/>
+                    </a:lnL>
+                    <a:lnR w="0">
+                      <a:miter lim="400000"/>
+                    </a:lnR>
+                    <a:lnT w="12700">
+                      <a:solidFill>
+                        <a:schemeClr val="accent1"/>
+                      </a:solidFill>
+                      <a:miter lim="400000"/>
+                    </a:lnT>
+                    <a:lnB w="12700">
+                      <a:solidFill>
+                        <a:schemeClr val="accent1"/>
+                      </a:solidFill>
+                      <a:miter lim="400000"/>
+                    </a:lnB>
+                    <a:noFill/>
+                  </a:tcPr>
+                </a:tc>
+              </a:tr>
+              <a:tr h="380077">
+                <a:tc>
+                  <a:txBody>
+                    <a:bodyPr/>
+                    <a:lstStyle/>
+                    <a:p>
+                      <a:pPr algn="ctr"/>
+                    </a:p>
+                  </a:txBody>
+                  <a:tcPr marL="0" marR="0" marT="0" marB="0" anchor="ctr" anchorCtr="0" horzOverflow="overflow">
+                    <a:lnL w="0">
+                      <a:miter lim="400000"/>
+                    </a:lnL>
+                    <a:lnR w="0">
+                      <a:miter lim="400000"/>
+                    </a:lnR>
+                    <a:lnT w="0">
+                      <a:miter lim="400000"/>
+                    </a:lnT>
+                    <a:lnB w="0">
+                      <a:miter lim="400000"/>
+                    </a:lnB>
+                    <a:noFill/>
+                  </a:tcPr>
+                </a:tc>
+                <a:tc>
+                  <a:txBody>
+                    <a:bodyPr/>
+                    <a:lstStyle/>
+                    <a:p>
+                      <a:pPr algn="ctr"/>
+                    </a:p>
+                  </a:txBody>
+                  <a:tcPr marL="0" marR="0" marT="0" marB="0" anchor="ctr" anchorCtr="0" horzOverflow="overflow">
+                    <a:lnL w="0">
+                      <a:miter lim="400000"/>
+                    </a:lnL>
+                    <a:lnR w="12700">
+                      <a:solidFill>
+                        <a:schemeClr val="accent1"/>
+                      </a:solidFill>
+                      <a:miter lim="400000"/>
+                    </a:lnR>
+                    <a:lnT w="0">
+                      <a:miter lim="400000"/>
+                    </a:lnT>
+                    <a:lnB w="0">
+                      <a:miter lim="400000"/>
+                    </a:lnB>
+                    <a:noFill/>
+                  </a:tcPr>
+                </a:tc>
+                <a:tc>
+                  <a:txBody>
+                    <a:bodyPr/>
+                    <a:lstStyle/>
+                    <a:p>
+                      <a:pPr algn="ctr">
+                        <a:defRPr sz="1800"/>
+                      </a:pPr>
+                      <a:r>
+                        <a:rPr sz="1200"/>
+                        <a:t>?</a:t>
+                      </a:r>
+                    </a:p>
+                  </a:txBody>
+                  <a:tcPr marL="0" marR="0" marT="0" marB="0" anchor="ctr" anchorCtr="0" horzOverflow="overflow">
+                    <a:lnL w="12700">
+                      <a:solidFill>
+                        <a:schemeClr val="accent1"/>
+                      </a:solidFill>
+                      <a:miter lim="400000"/>
+                    </a:lnL>
+                    <a:lnR w="12700">
+                      <a:solidFill>
+                        <a:schemeClr val="accent1"/>
+                      </a:solidFill>
+                      <a:miter lim="400000"/>
+                    </a:lnR>
+                    <a:lnT w="12700">
+                      <a:solidFill>
+                        <a:schemeClr val="accent1"/>
+                      </a:solidFill>
+                      <a:miter lim="400000"/>
+                    </a:lnT>
+                    <a:lnB w="12700">
+                      <a:solidFill>
+                        <a:schemeClr val="accent1"/>
+                      </a:solidFill>
+                      <a:miter lim="400000"/>
+                    </a:lnB>
+                    <a:solidFill>
+                      <a:schemeClr val="accent2">
+                        <a:lumOff val="21960"/>
+                      </a:schemeClr>
+                    </a:solidFill>
+                  </a:tcPr>
+                </a:tc>
+              </a:tr>
+            </a:tbl>
+          </a:graphicData>
+        </a:graphic>
+      </p:graphicFrame>
+      <p:sp>
+        <p:nvSpPr>
+          <p:cNvPr id="249" name="HashMap&lt;String, String&gt; 컬렉션"/>
           <p:cNvSpPr txBox="1"/>
           <p:nvPr/>
         </p:nvSpPr>
         <p:spPr>
           <a:xfrm>
-            <a:off x="7172612" y="1254861"/>
-            <a:ext cx="1626161" cy="281937"/>
+            <a:off x="7560346" y="1877767"/>
+            <a:ext cx="2253108" cy="281937"/>
+          </a:xfrm>
+          <a:prstGeom prst="rect">
+            <a:avLst/>
+          </a:prstGeom>
+          <a:ln w="12700">
+            <a:miter lim="400000"/>
+          </a:ln>
+          <a:extLst>
+            <a:ext uri="{C572A759-6A51-4108-AA02-DFA0A04FC94B}">
+              <ma14:wrappingTextBoxFlag xmlns:ma14="http://schemas.microsoft.com/office/mac/drawingml/2011/main" val="1"/>
+            </a:ext>
+          </a:extLst>
+        </p:spPr>
+        <p:txBody>
+          <a:bodyPr wrap="none" lIns="45718" tIns="45718" rIns="45718" bIns="45718" anchor="ctr">
+            <a:spAutoFit/>
+          </a:bodyPr>
+          <a:lstStyle>
+            <a:lvl1pPr algn="ctr">
+              <a:defRPr sz="1200"/>
+            </a:lvl1pPr>
+          </a:lstStyle>
+          <a:p>
+            <a:pPr/>
+            <a:r>
+              <a:t>HashMap&lt;String, String&gt; 컬렉션</a:t>
+            </a:r>
+          </a:p>
+        </p:txBody>
+      </p:sp>
+    </p:spTree>
+  </p:cSld>
+  <p:clrMapOvr>
+    <a:masterClrMapping/>
+  </p:clrMapOvr>
+  <p:transition xmlns:p14="http://schemas.microsoft.com/office/powerpoint/2010/main" spd="med" advClick="1"/>
+</p:sld>
+</file>
+
+<file path=ppt/slides/slide17.xml><?xml version="1.0" encoding="utf-8"?>
+<p:sld xmlns:a="http://schemas.openxmlformats.org/drawingml/2006/main" xmlns:r="http://schemas.openxmlformats.org/officeDocument/2006/relationships" xmlns:p="http://schemas.openxmlformats.org/presentationml/2006/main" xmlns:m="http://schemas.openxmlformats.org/officeDocument/2006/math" xmlns:a14="http://schemas.microsoft.com/office/drawing/2010/main" showMasterSp="1" showMasterPhAnim="1">
+  <p:cSld>
+    <p:spTree>
+      <p:nvGrpSpPr>
+        <p:cNvPr id="1" name=""/>
+        <p:cNvGrpSpPr/>
+        <p:nvPr/>
+      </p:nvGrpSpPr>
+      <p:grpSpPr>
+        <a:xfrm>
+          <a:off x="0" y="0"/>
+          <a:ext cx="0" cy="0"/>
+          <a:chOff x="0" y="0"/>
+          <a:chExt cx="0" cy="0"/>
+        </a:xfrm>
+      </p:grpSpPr>
+      <p:grpSp>
+        <p:nvGrpSpPr>
+          <p:cNvPr id="257" name="Line a = new Line();…"/>
+          <p:cNvGrpSpPr/>
+          <p:nvPr/>
+        </p:nvGrpSpPr>
+        <p:grpSpPr>
+          <a:xfrm>
+            <a:off x="6858592" y="1560346"/>
+            <a:ext cx="2254200" cy="867316"/>
+            <a:chOff x="0" y="0"/>
+            <a:chExt cx="2254199" cy="867314"/>
+          </a:xfrm>
+        </p:grpSpPr>
+        <p:sp>
+          <p:nvSpPr>
+            <p:cNvPr id="255" name="직사각형"/>
+            <p:cNvSpPr/>
+            <p:nvPr/>
+          </p:nvSpPr>
+          <p:spPr>
+            <a:xfrm>
+              <a:off x="-1" y="-1"/>
+              <a:ext cx="2254201" cy="867316"/>
+            </a:xfrm>
+            <a:prstGeom prst="rect">
+              <a:avLst/>
+            </a:prstGeom>
+            <a:solidFill>
+              <a:srgbClr val="FFFFFF"/>
+            </a:solidFill>
+            <a:ln w="25400" cap="flat">
+              <a:solidFill>
+                <a:schemeClr val="accent1"/>
+              </a:solidFill>
+              <a:prstDash val="solid"/>
+              <a:round/>
+            </a:ln>
+            <a:effectLst/>
+          </p:spPr>
+          <p:txBody>
+            <a:bodyPr wrap="square" lIns="45718" tIns="45718" rIns="45718" bIns="45718" numCol="1" anchor="ctr">
+              <a:noAutofit/>
+            </a:bodyPr>
+            <a:lstStyle/>
+            <a:p>
+              <a:pPr>
+                <a:defRPr sz="1200"/>
+              </a:pPr>
+            </a:p>
+          </p:txBody>
+        </p:sp>
+        <p:sp>
+          <p:nvSpPr>
+            <p:cNvPr id="256" name="...…"/>
+            <p:cNvSpPr txBox="1"/>
+            <p:nvPr/>
+          </p:nvSpPr>
+          <p:spPr>
+            <a:xfrm>
+              <a:off x="-1" y="32339"/>
+              <a:ext cx="2254201" cy="802637"/>
+            </a:xfrm>
+            <a:prstGeom prst="rect">
+              <a:avLst/>
+            </a:prstGeom>
+            <a:noFill/>
+            <a:ln w="12700" cap="flat">
+              <a:noFill/>
+              <a:miter lim="400000"/>
+            </a:ln>
+            <a:effectLst/>
+            <a:extLst>
+              <a:ext uri="{C572A759-6A51-4108-AA02-DFA0A04FC94B}">
+                <ma14:wrappingTextBoxFlag xmlns:ma14="http://schemas.microsoft.com/office/mac/drawingml/2011/main" val="1"/>
+              </a:ext>
+            </a:extLst>
+          </p:spPr>
+          <p:txBody>
+            <a:bodyPr wrap="square" lIns="45718" tIns="45718" rIns="45718" bIns="45718" numCol="1" anchor="ctr">
+              <a:spAutoFit/>
+            </a:bodyPr>
+            <a:lstStyle/>
+            <a:p>
+              <a:pPr>
+                <a:defRPr sz="1200"/>
+              </a:pPr>
+              <a:r>
+                <a:t>...</a:t>
+              </a:r>
+            </a:p>
+            <a:p>
+              <a:pPr>
+                <a:defRPr sz="1200">
+                  <a:solidFill>
+                    <a:srgbClr val="FF453A"/>
+                  </a:solidFill>
+                </a:defRPr>
+              </a:pPr>
+              <a:r>
+                <a:t>void</a:t>
+              </a:r>
+              <a:r>
+                <a:rPr>
+                  <a:solidFill>
+                    <a:srgbClr val="000000"/>
+                  </a:solidFill>
+                </a:rPr>
+                <a:t> push(</a:t>
+              </a:r>
+              <a:r>
+                <a:rPr b="1">
+                  <a:solidFill>
+                    <a:srgbClr val="000000"/>
+                  </a:solidFill>
+                </a:rPr>
+                <a:t>Integer</a:t>
+              </a:r>
+              <a:r>
+                <a:rPr>
+                  <a:solidFill>
+                    <a:srgbClr val="000000"/>
+                  </a:solidFill>
+                </a:rPr>
+                <a:t> element) {...}</a:t>
+              </a:r>
+            </a:p>
+            <a:p>
+              <a:pPr>
+                <a:defRPr b="1" sz="1200"/>
+              </a:pPr>
+              <a:r>
+                <a:t>Integer</a:t>
+              </a:r>
+              <a:r>
+                <a:rPr b="0"/>
+                <a:t> pop() {...}</a:t>
+              </a:r>
+            </a:p>
+            <a:p>
+              <a:pPr>
+                <a:defRPr sz="1200"/>
+              </a:pPr>
+              <a:r>
+                <a:t>...</a:t>
+              </a:r>
+            </a:p>
+          </p:txBody>
+        </p:sp>
+      </p:grpSp>
+      <p:sp>
+        <p:nvSpPr>
+          <p:cNvPr id="258" name="실행 결과: Line이 출력됨"/>
+          <p:cNvSpPr txBox="1"/>
+          <p:nvPr/>
+        </p:nvSpPr>
+        <p:spPr>
+          <a:xfrm>
+            <a:off x="7172611" y="1254860"/>
+            <a:ext cx="1626162" cy="281937"/>
           </a:xfrm>
           <a:prstGeom prst="rect">
             <a:avLst/>
@@ -16757,14 +19552,14 @@
       </p:sp>
       <p:sp>
         <p:nvSpPr>
-          <p:cNvPr id="231" name="선"/>
+          <p:cNvPr id="259" name="선"/>
           <p:cNvSpPr/>
           <p:nvPr/>
         </p:nvSpPr>
         <p:spPr>
           <a:xfrm>
             <a:off x="5402653" y="2580675"/>
-            <a:ext cx="1431920" cy="479749"/>
+            <a:ext cx="1431921" cy="479750"/>
           </a:xfrm>
           <a:prstGeom prst="line">
             <a:avLst/>
@@ -16786,14 +19581,14 @@
       </p:sp>
       <p:sp>
         <p:nvSpPr>
-          <p:cNvPr id="232" name="타원형"/>
+          <p:cNvPr id="260" name="타원형"/>
           <p:cNvSpPr/>
           <p:nvPr/>
         </p:nvSpPr>
         <p:spPr>
           <a:xfrm>
             <a:off x="9301063" y="2007408"/>
-            <a:ext cx="891777" cy="380479"/>
+            <a:ext cx="891777" cy="380481"/>
           </a:xfrm>
           <a:prstGeom prst="ellipse">
             <a:avLst/>
@@ -16814,14 +19609,14 @@
       </p:sp>
       <p:sp>
         <p:nvSpPr>
-          <p:cNvPr id="233" name="실행 결과: Line이 출력됨"/>
+          <p:cNvPr id="261" name="실행 결과: Line이 출력됨"/>
           <p:cNvSpPr txBox="1"/>
           <p:nvPr/>
         </p:nvSpPr>
         <p:spPr>
           <a:xfrm>
-            <a:off x="7172611" y="3522377"/>
-            <a:ext cx="1626163" cy="281937"/>
+            <a:off x="7172611" y="3522376"/>
+            <a:ext cx="1626164" cy="281937"/>
           </a:xfrm>
           <a:prstGeom prst="rect">
             <a:avLst/>
@@ -16854,14 +19649,14 @@
       </p:sp>
       <p:sp>
         <p:nvSpPr>
-          <p:cNvPr id="234" name="선"/>
+          <p:cNvPr id="262" name="선"/>
           <p:cNvSpPr/>
           <p:nvPr/>
         </p:nvSpPr>
         <p:spPr>
           <a:xfrm flipV="1">
-            <a:off x="5412081" y="2009765"/>
-            <a:ext cx="1413503" cy="526704"/>
+            <a:off x="5412080" y="2009764"/>
+            <a:ext cx="1413504" cy="526705"/>
           </a:xfrm>
           <a:prstGeom prst="line">
             <a:avLst/>
@@ -16881,199 +19676,322 @@
           </a:p>
         </p:txBody>
       </p:sp>
+      <p:grpSp>
+        <p:nvGrpSpPr>
+          <p:cNvPr id="265" name="Line a = new Line();…"/>
+          <p:cNvGrpSpPr/>
+          <p:nvPr/>
+        </p:nvGrpSpPr>
+        <p:grpSpPr>
+          <a:xfrm>
+            <a:off x="3293481" y="1922359"/>
+            <a:ext cx="2081249" cy="1238752"/>
+            <a:chOff x="0" y="0"/>
+            <a:chExt cx="2081247" cy="1238750"/>
+          </a:xfrm>
+        </p:grpSpPr>
+        <p:sp>
+          <p:nvSpPr>
+            <p:cNvPr id="263" name="직사각형"/>
+            <p:cNvSpPr/>
+            <p:nvPr/>
+          </p:nvSpPr>
+          <p:spPr>
+            <a:xfrm>
+              <a:off x="0" y="-1"/>
+              <a:ext cx="2081248" cy="1238752"/>
+            </a:xfrm>
+            <a:prstGeom prst="rect">
+              <a:avLst/>
+            </a:prstGeom>
+            <a:solidFill>
+              <a:srgbClr val="FFFFFF"/>
+            </a:solidFill>
+            <a:ln w="25400" cap="flat">
+              <a:solidFill>
+                <a:schemeClr val="accent1"/>
+              </a:solidFill>
+              <a:prstDash val="solid"/>
+              <a:round/>
+            </a:ln>
+            <a:effectLst/>
+          </p:spPr>
+          <p:txBody>
+            <a:bodyPr wrap="square" lIns="45718" tIns="45718" rIns="45718" bIns="45718" numCol="1" anchor="ctr">
+              <a:noAutofit/>
+            </a:bodyPr>
+            <a:lstStyle/>
+            <a:p>
+              <a:pPr>
+                <a:defRPr sz="1200"/>
+              </a:pPr>
+            </a:p>
+          </p:txBody>
+        </p:sp>
+        <p:sp>
+          <p:nvSpPr>
+            <p:cNvPr id="264" name="class Stack&lt;E&gt; {…"/>
+            <p:cNvSpPr txBox="1"/>
+            <p:nvPr/>
+          </p:nvSpPr>
+          <p:spPr>
+            <a:xfrm>
+              <a:off x="0" y="40257"/>
+              <a:ext cx="2081248" cy="1158237"/>
+            </a:xfrm>
+            <a:prstGeom prst="rect">
+              <a:avLst/>
+            </a:prstGeom>
+            <a:noFill/>
+            <a:ln w="12700" cap="flat">
+              <a:noFill/>
+              <a:miter lim="400000"/>
+            </a:ln>
+            <a:effectLst/>
+            <a:extLst>
+              <a:ext uri="{C572A759-6A51-4108-AA02-DFA0A04FC94B}">
+                <ma14:wrappingTextBoxFlag xmlns:ma14="http://schemas.microsoft.com/office/mac/drawingml/2011/main" val="1"/>
+              </a:ext>
+            </a:extLst>
+          </p:spPr>
+          <p:txBody>
+            <a:bodyPr wrap="square" lIns="45718" tIns="45718" rIns="45718" bIns="45718" numCol="1" anchor="ctr">
+              <a:spAutoFit/>
+            </a:bodyPr>
+            <a:lstStyle/>
+            <a:p>
+              <a:pPr>
+                <a:defRPr sz="1200">
+                  <a:solidFill>
+                    <a:srgbClr val="FF453A"/>
+                  </a:solidFill>
+                </a:defRPr>
+              </a:pPr>
+              <a:r>
+                <a:t>class</a:t>
+              </a:r>
+              <a:r>
+                <a:rPr>
+                  <a:solidFill>
+                    <a:srgbClr val="000000"/>
+                  </a:solidFill>
+                </a:rPr>
+                <a:t> Stack&lt;E&gt; {</a:t>
+              </a:r>
+            </a:p>
+            <a:p>
+              <a:pPr>
+                <a:defRPr sz="1200"/>
+              </a:pPr>
+              <a:r>
+                <a:t>    ...</a:t>
+              </a:r>
+            </a:p>
+            <a:p>
+              <a:pPr>
+                <a:defRPr sz="1200"/>
+              </a:pPr>
+              <a:r>
+                <a:t>    </a:t>
+              </a:r>
+              <a:r>
+                <a:rPr>
+                  <a:solidFill>
+                    <a:srgbClr val="FF453A"/>
+                  </a:solidFill>
+                </a:rPr>
+                <a:t>void</a:t>
+              </a:r>
+              <a:r>
+                <a:t> push(E element) {...}</a:t>
+              </a:r>
+            </a:p>
+            <a:p>
+              <a:pPr>
+                <a:defRPr sz="1200"/>
+              </a:pPr>
+              <a:r>
+                <a:t>    E pop() {...}</a:t>
+              </a:r>
+            </a:p>
+            <a:p>
+              <a:pPr>
+                <a:defRPr sz="1200"/>
+              </a:pPr>
+              <a:r>
+                <a:t>    ...</a:t>
+              </a:r>
+            </a:p>
+            <a:p>
+              <a:pPr>
+                <a:defRPr sz="1200"/>
+              </a:pPr>
+              <a:r>
+                <a:t>}</a:t>
+              </a:r>
+            </a:p>
+          </p:txBody>
+        </p:sp>
+      </p:grpSp>
+      <p:grpSp>
+        <p:nvGrpSpPr>
+          <p:cNvPr id="268" name="Line a = new Line();…"/>
+          <p:cNvGrpSpPr/>
+          <p:nvPr/>
+        </p:nvGrpSpPr>
+        <p:grpSpPr>
+          <a:xfrm>
+            <a:off x="6858592" y="2655809"/>
+            <a:ext cx="2254200" cy="867315"/>
+            <a:chOff x="0" y="0"/>
+            <a:chExt cx="2254199" cy="867314"/>
+          </a:xfrm>
+        </p:grpSpPr>
+        <p:sp>
+          <p:nvSpPr>
+            <p:cNvPr id="266" name="직사각형"/>
+            <p:cNvSpPr/>
+            <p:nvPr/>
+          </p:nvSpPr>
+          <p:spPr>
+            <a:xfrm>
+              <a:off x="-1" y="-1"/>
+              <a:ext cx="2254201" cy="867316"/>
+            </a:xfrm>
+            <a:prstGeom prst="rect">
+              <a:avLst/>
+            </a:prstGeom>
+            <a:solidFill>
+              <a:srgbClr val="FFFFFF"/>
+            </a:solidFill>
+            <a:ln w="25400" cap="flat">
+              <a:solidFill>
+                <a:schemeClr val="accent1"/>
+              </a:solidFill>
+              <a:prstDash val="solid"/>
+              <a:round/>
+            </a:ln>
+            <a:effectLst/>
+          </p:spPr>
+          <p:txBody>
+            <a:bodyPr wrap="square" lIns="45718" tIns="45718" rIns="45718" bIns="45718" numCol="1" anchor="ctr">
+              <a:noAutofit/>
+            </a:bodyPr>
+            <a:lstStyle/>
+            <a:p>
+              <a:pPr>
+                <a:defRPr sz="1200"/>
+              </a:pPr>
+            </a:p>
+          </p:txBody>
+        </p:sp>
+        <p:sp>
+          <p:nvSpPr>
+            <p:cNvPr id="267" name="...…"/>
+            <p:cNvSpPr txBox="1"/>
+            <p:nvPr/>
+          </p:nvSpPr>
+          <p:spPr>
+            <a:xfrm>
+              <a:off x="-1" y="32339"/>
+              <a:ext cx="2254201" cy="802637"/>
+            </a:xfrm>
+            <a:prstGeom prst="rect">
+              <a:avLst/>
+            </a:prstGeom>
+            <a:noFill/>
+            <a:ln w="12700" cap="flat">
+              <a:noFill/>
+              <a:miter lim="400000"/>
+            </a:ln>
+            <a:effectLst/>
+            <a:extLst>
+              <a:ext uri="{C572A759-6A51-4108-AA02-DFA0A04FC94B}">
+                <ma14:wrappingTextBoxFlag xmlns:ma14="http://schemas.microsoft.com/office/mac/drawingml/2011/main" val="1"/>
+              </a:ext>
+            </a:extLst>
+          </p:spPr>
+          <p:txBody>
+            <a:bodyPr wrap="square" lIns="45718" tIns="45718" rIns="45718" bIns="45718" numCol="1" anchor="ctr">
+              <a:spAutoFit/>
+            </a:bodyPr>
+            <a:lstStyle/>
+            <a:p>
+              <a:pPr>
+                <a:defRPr sz="1200"/>
+              </a:pPr>
+              <a:r>
+                <a:t>...</a:t>
+              </a:r>
+            </a:p>
+            <a:p>
+              <a:pPr>
+                <a:defRPr sz="1200">
+                  <a:solidFill>
+                    <a:srgbClr val="FF453A"/>
+                  </a:solidFill>
+                </a:defRPr>
+              </a:pPr>
+              <a:r>
+                <a:t>void</a:t>
+              </a:r>
+              <a:r>
+                <a:rPr>
+                  <a:solidFill>
+                    <a:srgbClr val="000000"/>
+                  </a:solidFill>
+                </a:rPr>
+                <a:t> push(</a:t>
+              </a:r>
+              <a:r>
+                <a:rPr b="1">
+                  <a:solidFill>
+                    <a:srgbClr val="000000"/>
+                  </a:solidFill>
+                </a:rPr>
+                <a:t>String</a:t>
+              </a:r>
+              <a:r>
+                <a:rPr>
+                  <a:solidFill>
+                    <a:srgbClr val="000000"/>
+                  </a:solidFill>
+                </a:rPr>
+                <a:t> element) {...}</a:t>
+              </a:r>
+            </a:p>
+            <a:p>
+              <a:pPr>
+                <a:defRPr b="1" sz="1200"/>
+              </a:pPr>
+              <a:r>
+                <a:t>String</a:t>
+              </a:r>
+              <a:r>
+                <a:rPr b="0"/>
+                <a:t> pop() {...}</a:t>
+              </a:r>
+            </a:p>
+            <a:p>
+              <a:pPr>
+                <a:defRPr sz="1200"/>
+              </a:pPr>
+              <a:r>
+                <a:t>...</a:t>
+              </a:r>
+            </a:p>
+          </p:txBody>
+        </p:sp>
+      </p:grpSp>
       <p:sp>
         <p:nvSpPr>
-          <p:cNvPr id="235" name="Line a = new Line();…"/>
-          <p:cNvSpPr/>
-          <p:nvPr/>
-        </p:nvSpPr>
-        <p:spPr>
-          <a:xfrm>
-            <a:off x="3293482" y="1922360"/>
-            <a:ext cx="2081249" cy="1238750"/>
-          </a:xfrm>
-          <a:prstGeom prst="rect">
-            <a:avLst/>
-          </a:prstGeom>
-          <a:solidFill>
-            <a:srgbClr val="FFFFFF"/>
-          </a:solidFill>
-          <a:ln w="25400">
-            <a:solidFill>
-              <a:schemeClr val="accent1"/>
-            </a:solidFill>
-          </a:ln>
-          <a:extLst>
-            <a:ext uri="{C572A759-6A51-4108-AA02-DFA0A04FC94B}">
-              <ma14:wrappingTextBoxFlag xmlns:ma14="http://schemas.microsoft.com/office/mac/drawingml/2011/main" val="1"/>
-            </a:ext>
-          </a:extLst>
-        </p:spPr>
-        <p:txBody>
-          <a:bodyPr lIns="45718" tIns="45718" rIns="45718" bIns="45718" anchor="ctr"/>
-          <a:lstStyle/>
-          <a:p>
-            <a:pPr>
-              <a:defRPr sz="1200"/>
-            </a:pPr>
-            <a:r>
-              <a:rPr>
-                <a:solidFill>
-                  <a:srgbClr val="FF453A"/>
-                </a:solidFill>
-              </a:rPr>
-              <a:t>class</a:t>
-            </a:r>
-            <a:r>
-              <a:t> Stack&lt;E&gt; {</a:t>
-            </a:r>
-          </a:p>
-          <a:p>
-            <a:pPr>
-              <a:defRPr sz="1200"/>
-            </a:pPr>
-            <a:r>
-              <a:t>    ...</a:t>
-            </a:r>
-          </a:p>
-          <a:p>
-            <a:pPr>
-              <a:defRPr sz="1200"/>
-            </a:pPr>
-            <a:r>
-              <a:t>    </a:t>
-            </a:r>
-            <a:r>
-              <a:rPr>
-                <a:solidFill>
-                  <a:srgbClr val="FF453A"/>
-                </a:solidFill>
-              </a:rPr>
-              <a:t>void</a:t>
-            </a:r>
-            <a:r>
-              <a:t> push(E element) {...}</a:t>
-            </a:r>
-          </a:p>
-          <a:p>
-            <a:pPr>
-              <a:defRPr sz="1200"/>
-            </a:pPr>
-            <a:r>
-              <a:t>    E pop() {...}</a:t>
-            </a:r>
-          </a:p>
-          <a:p>
-            <a:pPr>
-              <a:defRPr sz="1200"/>
-            </a:pPr>
-            <a:r>
-              <a:t>    ...</a:t>
-            </a:r>
-          </a:p>
-          <a:p>
-            <a:pPr>
-              <a:defRPr sz="1200"/>
-            </a:pPr>
-            <a:r>
-              <a:t>}</a:t>
-            </a:r>
-          </a:p>
-        </p:txBody>
-      </p:sp>
-      <p:sp>
-        <p:nvSpPr>
-          <p:cNvPr id="236" name="Line a = new Line();…"/>
-          <p:cNvSpPr/>
-          <p:nvPr/>
-        </p:nvSpPr>
-        <p:spPr>
-          <a:xfrm>
-            <a:off x="6858592" y="2655810"/>
-            <a:ext cx="2254199" cy="867314"/>
-          </a:xfrm>
-          <a:prstGeom prst="rect">
-            <a:avLst/>
-          </a:prstGeom>
-          <a:solidFill>
-            <a:srgbClr val="FFFFFF"/>
-          </a:solidFill>
-          <a:ln w="25400">
-            <a:solidFill>
-              <a:schemeClr val="accent1"/>
-            </a:solidFill>
-          </a:ln>
-          <a:extLst>
-            <a:ext uri="{C572A759-6A51-4108-AA02-DFA0A04FC94B}">
-              <ma14:wrappingTextBoxFlag xmlns:ma14="http://schemas.microsoft.com/office/mac/drawingml/2011/main" val="1"/>
-            </a:ext>
-          </a:extLst>
-        </p:spPr>
-        <p:txBody>
-          <a:bodyPr lIns="45718" tIns="45718" rIns="45718" bIns="45718" anchor="ctr"/>
-          <a:lstStyle/>
-          <a:p>
-            <a:pPr>
-              <a:defRPr sz="1200"/>
-            </a:pPr>
-            <a:r>
-              <a:t>...</a:t>
-            </a:r>
-          </a:p>
-          <a:p>
-            <a:pPr>
-              <a:defRPr sz="1200"/>
-            </a:pPr>
-            <a:r>
-              <a:rPr>
-                <a:solidFill>
-                  <a:srgbClr val="FF453A"/>
-                </a:solidFill>
-              </a:rPr>
-              <a:t>void</a:t>
-            </a:r>
-            <a:r>
-              <a:t> push(</a:t>
-            </a:r>
-            <a:r>
-              <a:rPr b="1"/>
-              <a:t>String</a:t>
-            </a:r>
-            <a:r>
-              <a:t> element) {...}</a:t>
-            </a:r>
-          </a:p>
-          <a:p>
-            <a:pPr>
-              <a:defRPr sz="1200"/>
-            </a:pPr>
-            <a:r>
-              <a:rPr b="1"/>
-              <a:t>String</a:t>
-            </a:r>
-            <a:r>
-              <a:t> pop() {...}</a:t>
-            </a:r>
-          </a:p>
-          <a:p>
-            <a:pPr>
-              <a:defRPr sz="1200"/>
-            </a:pPr>
-            <a:r>
-              <a:t>...</a:t>
-            </a:r>
-          </a:p>
-        </p:txBody>
-      </p:sp>
-      <p:sp>
-        <p:nvSpPr>
-          <p:cNvPr id="237" name="Stack&lt;Integer&gt;"/>
+          <p:cNvPr id="269" name="Stack&lt;Integer&gt;"/>
           <p:cNvSpPr txBox="1"/>
           <p:nvPr/>
         </p:nvSpPr>
         <p:spPr>
           <a:xfrm rot="20420993">
-            <a:off x="5527126" y="2000292"/>
+            <a:off x="5539265" y="2000292"/>
             <a:ext cx="1137748" cy="269237"/>
           </a:xfrm>
           <a:prstGeom prst="rect">
@@ -17111,14 +20029,14 @@
       </p:sp>
       <p:sp>
         <p:nvSpPr>
-          <p:cNvPr id="238" name="Stack&lt;String&gt;"/>
+          <p:cNvPr id="270" name="Stack&lt;String&gt;"/>
           <p:cNvSpPr txBox="1"/>
           <p:nvPr/>
         </p:nvSpPr>
         <p:spPr>
           <a:xfrm rot="1116579">
-            <a:off x="5565300" y="2815486"/>
-            <a:ext cx="1061400" cy="269237"/>
+            <a:off x="5565300" y="2977803"/>
+            <a:ext cx="1061399" cy="269237"/>
           </a:xfrm>
           <a:prstGeom prst="rect">
             <a:avLst/>
@@ -17155,14 +20073,14 @@
       </p:sp>
       <p:sp>
         <p:nvSpPr>
-          <p:cNvPr id="239" name="실행 결과: Line이 출력됨"/>
+          <p:cNvPr id="271" name="실행 결과: Line이 출력됨"/>
           <p:cNvSpPr txBox="1"/>
           <p:nvPr/>
         </p:nvSpPr>
         <p:spPr>
           <a:xfrm>
             <a:off x="3521026" y="3176757"/>
-            <a:ext cx="1626163" cy="281937"/>
+            <a:ext cx="1626164" cy="281937"/>
           </a:xfrm>
           <a:prstGeom prst="rect">
             <a:avLst/>
@@ -17195,14 +20113,14 @@
       </p:sp>
       <p:sp>
         <p:nvSpPr>
-          <p:cNvPr id="240" name="선"/>
+          <p:cNvPr id="272" name="선"/>
           <p:cNvSpPr/>
           <p:nvPr/>
         </p:nvSpPr>
         <p:spPr>
           <a:xfrm flipV="1">
-            <a:off x="9296615" y="1311981"/>
-            <a:ext cx="1" cy="867314"/>
+            <a:off x="9296614" y="1311980"/>
+            <a:ext cx="2" cy="867315"/>
           </a:xfrm>
           <a:prstGeom prst="line">
             <a:avLst/>
@@ -17223,14 +20141,14 @@
       </p:sp>
       <p:sp>
         <p:nvSpPr>
-          <p:cNvPr id="241" name="선"/>
+          <p:cNvPr id="273" name="선"/>
           <p:cNvSpPr/>
           <p:nvPr/>
         </p:nvSpPr>
         <p:spPr>
           <a:xfrm flipV="1">
-            <a:off x="10197073" y="1311981"/>
-            <a:ext cx="1" cy="867314"/>
+            <a:off x="10197072" y="1311980"/>
+            <a:ext cx="2" cy="867315"/>
           </a:xfrm>
           <a:prstGeom prst="line">
             <a:avLst/>
@@ -17249,148 +20167,304 @@
           </a:p>
         </p:txBody>
       </p:sp>
+      <p:grpSp>
+        <p:nvGrpSpPr>
+          <p:cNvPr id="276" name="타원형"/>
+          <p:cNvGrpSpPr/>
+          <p:nvPr/>
+        </p:nvGrpSpPr>
+        <p:grpSpPr>
+          <a:xfrm>
+            <a:off x="9301063" y="1948570"/>
+            <a:ext cx="891785" cy="380481"/>
+            <a:chOff x="0" y="0"/>
+            <a:chExt cx="891783" cy="380479"/>
+          </a:xfrm>
+        </p:grpSpPr>
+        <p:sp>
+          <p:nvSpPr>
+            <p:cNvPr id="274" name="타원형"/>
+            <p:cNvSpPr/>
+            <p:nvPr/>
+          </p:nvSpPr>
+          <p:spPr>
+            <a:xfrm>
+              <a:off x="0" y="0"/>
+              <a:ext cx="891784" cy="380480"/>
+            </a:xfrm>
+            <a:prstGeom prst="ellipse">
+              <a:avLst/>
+            </a:prstGeom>
+            <a:solidFill>
+              <a:schemeClr val="accent6"/>
+            </a:solidFill>
+            <a:ln w="12700" cap="flat">
+              <a:solidFill>
+                <a:srgbClr val="000000"/>
+              </a:solidFill>
+              <a:prstDash val="solid"/>
+              <a:miter lim="400000"/>
+            </a:ln>
+            <a:effectLst/>
+          </p:spPr>
+          <p:txBody>
+            <a:bodyPr wrap="square" lIns="45718" tIns="45718" rIns="45718" bIns="45718" numCol="1" anchor="ctr">
+              <a:noAutofit/>
+            </a:bodyPr>
+            <a:lstStyle/>
+            <a:p>
+              <a:pPr algn="ctr">
+                <a:defRPr sz="800"/>
+              </a:pPr>
+            </a:p>
+          </p:txBody>
+        </p:sp>
+        <p:sp>
+          <p:nvSpPr>
+            <p:cNvPr id="275" name="10"/>
+            <p:cNvSpPr txBox="1"/>
+            <p:nvPr/>
+          </p:nvSpPr>
+          <p:spPr>
+            <a:xfrm>
+              <a:off x="130599" y="81021"/>
+              <a:ext cx="630585" cy="218437"/>
+            </a:xfrm>
+            <a:prstGeom prst="rect">
+              <a:avLst/>
+            </a:prstGeom>
+            <a:noFill/>
+            <a:ln w="12700" cap="flat">
+              <a:noFill/>
+              <a:miter lim="400000"/>
+            </a:ln>
+            <a:effectLst/>
+            <a:extLst>
+              <a:ext uri="{C572A759-6A51-4108-AA02-DFA0A04FC94B}">
+                <ma14:wrappingTextBoxFlag xmlns:ma14="http://schemas.microsoft.com/office/mac/drawingml/2011/main" val="1"/>
+              </a:ext>
+            </a:extLst>
+          </p:spPr>
+          <p:txBody>
+            <a:bodyPr wrap="square" lIns="45718" tIns="45718" rIns="45718" bIns="45718" numCol="1" anchor="ctr">
+              <a:spAutoFit/>
+            </a:bodyPr>
+            <a:lstStyle>
+              <a:lvl1pPr algn="ctr">
+                <a:defRPr sz="800"/>
+              </a:lvl1pPr>
+            </a:lstStyle>
+            <a:p>
+              <a:pPr/>
+              <a:r>
+                <a:t>10</a:t>
+              </a:r>
+            </a:p>
+          </p:txBody>
+        </p:sp>
+      </p:grpSp>
+      <p:grpSp>
+        <p:nvGrpSpPr>
+          <p:cNvPr id="279" name="타원형"/>
+          <p:cNvGrpSpPr/>
+          <p:nvPr/>
+        </p:nvGrpSpPr>
+        <p:grpSpPr>
+          <a:xfrm>
+            <a:off x="9301063" y="1727559"/>
+            <a:ext cx="891785" cy="380481"/>
+            <a:chOff x="0" y="0"/>
+            <a:chExt cx="891783" cy="380479"/>
+          </a:xfrm>
+        </p:grpSpPr>
+        <p:sp>
+          <p:nvSpPr>
+            <p:cNvPr id="277" name="타원형"/>
+            <p:cNvSpPr/>
+            <p:nvPr/>
+          </p:nvSpPr>
+          <p:spPr>
+            <a:xfrm>
+              <a:off x="0" y="0"/>
+              <a:ext cx="891784" cy="380480"/>
+            </a:xfrm>
+            <a:prstGeom prst="ellipse">
+              <a:avLst/>
+            </a:prstGeom>
+            <a:solidFill>
+              <a:schemeClr val="accent6"/>
+            </a:solidFill>
+            <a:ln w="12700" cap="flat">
+              <a:solidFill>
+                <a:srgbClr val="000000"/>
+              </a:solidFill>
+              <a:prstDash val="solid"/>
+              <a:miter lim="400000"/>
+            </a:ln>
+            <a:effectLst/>
+          </p:spPr>
+          <p:txBody>
+            <a:bodyPr wrap="square" lIns="45718" tIns="45718" rIns="45718" bIns="45718" numCol="1" anchor="ctr">
+              <a:noAutofit/>
+            </a:bodyPr>
+            <a:lstStyle/>
+            <a:p>
+              <a:pPr algn="ctr">
+                <a:defRPr sz="800"/>
+              </a:pPr>
+            </a:p>
+          </p:txBody>
+        </p:sp>
+        <p:sp>
+          <p:nvSpPr>
+            <p:cNvPr id="278" name="123"/>
+            <p:cNvSpPr txBox="1"/>
+            <p:nvPr/>
+          </p:nvSpPr>
+          <p:spPr>
+            <a:xfrm>
+              <a:off x="130599" y="81021"/>
+              <a:ext cx="630585" cy="218437"/>
+            </a:xfrm>
+            <a:prstGeom prst="rect">
+              <a:avLst/>
+            </a:prstGeom>
+            <a:noFill/>
+            <a:ln w="12700" cap="flat">
+              <a:noFill/>
+              <a:miter lim="400000"/>
+            </a:ln>
+            <a:effectLst/>
+            <a:extLst>
+              <a:ext uri="{C572A759-6A51-4108-AA02-DFA0A04FC94B}">
+                <ma14:wrappingTextBoxFlag xmlns:ma14="http://schemas.microsoft.com/office/mac/drawingml/2011/main" val="1"/>
+              </a:ext>
+            </a:extLst>
+          </p:spPr>
+          <p:txBody>
+            <a:bodyPr wrap="square" lIns="45718" tIns="45718" rIns="45718" bIns="45718" numCol="1" anchor="ctr">
+              <a:spAutoFit/>
+            </a:bodyPr>
+            <a:lstStyle>
+              <a:lvl1pPr algn="ctr">
+                <a:defRPr sz="800"/>
+              </a:lvl1pPr>
+            </a:lstStyle>
+            <a:p>
+              <a:pPr/>
+              <a:r>
+                <a:t>123</a:t>
+              </a:r>
+            </a:p>
+          </p:txBody>
+        </p:sp>
+      </p:grpSp>
+      <p:grpSp>
+        <p:nvGrpSpPr>
+          <p:cNvPr id="282" name="타원형"/>
+          <p:cNvGrpSpPr/>
+          <p:nvPr/>
+        </p:nvGrpSpPr>
+        <p:grpSpPr>
+          <a:xfrm>
+            <a:off x="9301063" y="1483304"/>
+            <a:ext cx="891785" cy="380481"/>
+            <a:chOff x="0" y="0"/>
+            <a:chExt cx="891783" cy="380479"/>
+          </a:xfrm>
+        </p:grpSpPr>
+        <p:sp>
+          <p:nvSpPr>
+            <p:cNvPr id="280" name="타원형"/>
+            <p:cNvSpPr/>
+            <p:nvPr/>
+          </p:nvSpPr>
+          <p:spPr>
+            <a:xfrm>
+              <a:off x="0" y="0"/>
+              <a:ext cx="891784" cy="380480"/>
+            </a:xfrm>
+            <a:prstGeom prst="ellipse">
+              <a:avLst/>
+            </a:prstGeom>
+            <a:solidFill>
+              <a:schemeClr val="accent6"/>
+            </a:solidFill>
+            <a:ln w="12700" cap="flat">
+              <a:solidFill>
+                <a:srgbClr val="000000"/>
+              </a:solidFill>
+              <a:prstDash val="solid"/>
+              <a:miter lim="400000"/>
+            </a:ln>
+            <a:effectLst/>
+          </p:spPr>
+          <p:txBody>
+            <a:bodyPr wrap="square" lIns="45718" tIns="45718" rIns="45718" bIns="45718" numCol="1" anchor="ctr">
+              <a:noAutofit/>
+            </a:bodyPr>
+            <a:lstStyle/>
+            <a:p>
+              <a:pPr algn="ctr">
+                <a:defRPr sz="800"/>
+              </a:pPr>
+            </a:p>
+          </p:txBody>
+        </p:sp>
+        <p:sp>
+          <p:nvSpPr>
+            <p:cNvPr id="281" name="4"/>
+            <p:cNvSpPr txBox="1"/>
+            <p:nvPr/>
+          </p:nvSpPr>
+          <p:spPr>
+            <a:xfrm>
+              <a:off x="130599" y="81021"/>
+              <a:ext cx="630585" cy="218437"/>
+            </a:xfrm>
+            <a:prstGeom prst="rect">
+              <a:avLst/>
+            </a:prstGeom>
+            <a:noFill/>
+            <a:ln w="12700" cap="flat">
+              <a:noFill/>
+              <a:miter lim="400000"/>
+            </a:ln>
+            <a:effectLst/>
+            <a:extLst>
+              <a:ext uri="{C572A759-6A51-4108-AA02-DFA0A04FC94B}">
+                <ma14:wrappingTextBoxFlag xmlns:ma14="http://schemas.microsoft.com/office/mac/drawingml/2011/main" val="1"/>
+              </a:ext>
+            </a:extLst>
+          </p:spPr>
+          <p:txBody>
+            <a:bodyPr wrap="square" lIns="45718" tIns="45718" rIns="45718" bIns="45718" numCol="1" anchor="ctr">
+              <a:spAutoFit/>
+            </a:bodyPr>
+            <a:lstStyle>
+              <a:lvl1pPr algn="ctr">
+                <a:defRPr sz="800"/>
+              </a:lvl1pPr>
+            </a:lstStyle>
+            <a:p>
+              <a:pPr/>
+              <a:r>
+                <a:t>4</a:t>
+              </a:r>
+            </a:p>
+          </p:txBody>
+        </p:sp>
+      </p:grpSp>
       <p:sp>
         <p:nvSpPr>
-          <p:cNvPr id="242" name="타원형"/>
-          <p:cNvSpPr/>
-          <p:nvPr/>
-        </p:nvSpPr>
-        <p:spPr>
-          <a:xfrm>
-            <a:off x="9301063" y="1948571"/>
-            <a:ext cx="891783" cy="380479"/>
-          </a:xfrm>
-          <a:prstGeom prst="ellipse">
-            <a:avLst/>
-          </a:prstGeom>
-          <a:solidFill>
-            <a:schemeClr val="accent6"/>
-          </a:solidFill>
-          <a:ln w="12700">
-            <a:solidFill>
-              <a:srgbClr val="000000"/>
-            </a:solidFill>
-            <a:miter lim="400000"/>
-          </a:ln>
-          <a:extLst>
-            <a:ext uri="{C572A759-6A51-4108-AA02-DFA0A04FC94B}">
-              <ma14:wrappingTextBoxFlag xmlns:ma14="http://schemas.microsoft.com/office/mac/drawingml/2011/main" val="1"/>
-            </a:ext>
-          </a:extLst>
-        </p:spPr>
-        <p:txBody>
-          <a:bodyPr lIns="45718" tIns="45718" rIns="45718" bIns="45718" anchor="ctr"/>
-          <a:lstStyle>
-            <a:lvl1pPr algn="ctr">
-              <a:defRPr sz="800"/>
-            </a:lvl1pPr>
-          </a:lstStyle>
-          <a:p>
-            <a:pPr/>
-            <a:r>
-              <a:t>10</a:t>
-            </a:r>
-          </a:p>
-        </p:txBody>
-      </p:sp>
-      <p:sp>
-        <p:nvSpPr>
-          <p:cNvPr id="243" name="타원형"/>
-          <p:cNvSpPr/>
-          <p:nvPr/>
-        </p:nvSpPr>
-        <p:spPr>
-          <a:xfrm>
-            <a:off x="9301063" y="1727559"/>
-            <a:ext cx="891783" cy="380479"/>
-          </a:xfrm>
-          <a:prstGeom prst="ellipse">
-            <a:avLst/>
-          </a:prstGeom>
-          <a:solidFill>
-            <a:schemeClr val="accent6"/>
-          </a:solidFill>
-          <a:ln w="12700">
-            <a:solidFill>
-              <a:srgbClr val="000000"/>
-            </a:solidFill>
-            <a:miter lim="400000"/>
-          </a:ln>
-          <a:extLst>
-            <a:ext uri="{C572A759-6A51-4108-AA02-DFA0A04FC94B}">
-              <ma14:wrappingTextBoxFlag xmlns:ma14="http://schemas.microsoft.com/office/mac/drawingml/2011/main" val="1"/>
-            </a:ext>
-          </a:extLst>
-        </p:spPr>
-        <p:txBody>
-          <a:bodyPr lIns="45718" tIns="45718" rIns="45718" bIns="45718" anchor="ctr"/>
-          <a:lstStyle>
-            <a:lvl1pPr algn="ctr">
-              <a:defRPr sz="800"/>
-            </a:lvl1pPr>
-          </a:lstStyle>
-          <a:p>
-            <a:pPr/>
-            <a:r>
-              <a:t>123</a:t>
-            </a:r>
-          </a:p>
-        </p:txBody>
-      </p:sp>
-      <p:sp>
-        <p:nvSpPr>
-          <p:cNvPr id="244" name="타원형"/>
-          <p:cNvSpPr/>
-          <p:nvPr/>
-        </p:nvSpPr>
-        <p:spPr>
-          <a:xfrm>
-            <a:off x="9301063" y="1483304"/>
-            <a:ext cx="891783" cy="380479"/>
-          </a:xfrm>
-          <a:prstGeom prst="ellipse">
-            <a:avLst/>
-          </a:prstGeom>
-          <a:solidFill>
-            <a:schemeClr val="accent6"/>
-          </a:solidFill>
-          <a:ln w="12700">
-            <a:solidFill>
-              <a:srgbClr val="000000"/>
-            </a:solidFill>
-            <a:miter lim="400000"/>
-          </a:ln>
-          <a:extLst>
-            <a:ext uri="{C572A759-6A51-4108-AA02-DFA0A04FC94B}">
-              <ma14:wrappingTextBoxFlag xmlns:ma14="http://schemas.microsoft.com/office/mac/drawingml/2011/main" val="1"/>
-            </a:ext>
-          </a:extLst>
-        </p:spPr>
-        <p:txBody>
-          <a:bodyPr lIns="45718" tIns="45718" rIns="45718" bIns="45718" anchor="ctr"/>
-          <a:lstStyle>
-            <a:lvl1pPr algn="ctr">
-              <a:defRPr sz="800"/>
-            </a:lvl1pPr>
-          </a:lstStyle>
-          <a:p>
-            <a:pPr/>
-            <a:r>
-              <a:t>4</a:t>
-            </a:r>
-          </a:p>
-        </p:txBody>
-      </p:sp>
-      <p:sp>
-        <p:nvSpPr>
-          <p:cNvPr id="245" name="타원형"/>
+          <p:cNvPr id="283" name="타원형"/>
           <p:cNvSpPr/>
           <p:nvPr/>
         </p:nvSpPr>
         <p:spPr>
           <a:xfrm>
             <a:off x="9301063" y="1129386"/>
-            <a:ext cx="891783" cy="380479"/>
+            <a:ext cx="891785" cy="380481"/>
           </a:xfrm>
           <a:prstGeom prst="ellipse">
             <a:avLst/>
@@ -17414,14 +20488,14 @@
       </p:sp>
       <p:sp>
         <p:nvSpPr>
-          <p:cNvPr id="246" name="타원형"/>
+          <p:cNvPr id="284" name="타원형"/>
           <p:cNvSpPr/>
           <p:nvPr/>
         </p:nvSpPr>
         <p:spPr>
           <a:xfrm>
-            <a:off x="9301171" y="3566498"/>
-            <a:ext cx="891777" cy="380479"/>
+            <a:off x="9301171" y="3566497"/>
+            <a:ext cx="891777" cy="380481"/>
           </a:xfrm>
           <a:prstGeom prst="ellipse">
             <a:avLst/>
@@ -17442,14 +20516,14 @@
       </p:sp>
       <p:sp>
         <p:nvSpPr>
-          <p:cNvPr id="247" name="선"/>
+          <p:cNvPr id="285" name="선"/>
           <p:cNvSpPr/>
           <p:nvPr/>
         </p:nvSpPr>
         <p:spPr>
           <a:xfrm flipV="1">
-            <a:off x="9296723" y="2871070"/>
-            <a:ext cx="1" cy="867315"/>
+            <a:off x="9296723" y="2871069"/>
+            <a:ext cx="2" cy="867316"/>
           </a:xfrm>
           <a:prstGeom prst="line">
             <a:avLst/>
@@ -17470,14 +20544,14 @@
       </p:sp>
       <p:sp>
         <p:nvSpPr>
-          <p:cNvPr id="248" name="선"/>
+          <p:cNvPr id="286" name="선"/>
           <p:cNvSpPr/>
           <p:nvPr/>
         </p:nvSpPr>
         <p:spPr>
           <a:xfrm flipV="1">
-            <a:off x="10197180" y="2871070"/>
-            <a:ext cx="1" cy="867315"/>
+            <a:off x="10197179" y="2871069"/>
+            <a:ext cx="2" cy="867316"/>
           </a:xfrm>
           <a:prstGeom prst="line">
             <a:avLst/>
@@ -17496,148 +20570,304 @@
           </a:p>
         </p:txBody>
       </p:sp>
+      <p:grpSp>
+        <p:nvGrpSpPr>
+          <p:cNvPr id="289" name="타원형"/>
+          <p:cNvGrpSpPr/>
+          <p:nvPr/>
+        </p:nvGrpSpPr>
+        <p:grpSpPr>
+          <a:xfrm>
+            <a:off x="9301171" y="3507659"/>
+            <a:ext cx="891784" cy="380481"/>
+            <a:chOff x="0" y="0"/>
+            <a:chExt cx="891783" cy="380479"/>
+          </a:xfrm>
+        </p:grpSpPr>
+        <p:sp>
+          <p:nvSpPr>
+            <p:cNvPr id="287" name="타원형"/>
+            <p:cNvSpPr/>
+            <p:nvPr/>
+          </p:nvSpPr>
+          <p:spPr>
+            <a:xfrm>
+              <a:off x="0" y="0"/>
+              <a:ext cx="891784" cy="380480"/>
+            </a:xfrm>
+            <a:prstGeom prst="ellipse">
+              <a:avLst/>
+            </a:prstGeom>
+            <a:solidFill>
+              <a:schemeClr val="accent6"/>
+            </a:solidFill>
+            <a:ln w="12700" cap="flat">
+              <a:solidFill>
+                <a:srgbClr val="000000"/>
+              </a:solidFill>
+              <a:prstDash val="solid"/>
+              <a:miter lim="400000"/>
+            </a:ln>
+            <a:effectLst/>
+          </p:spPr>
+          <p:txBody>
+            <a:bodyPr wrap="square" lIns="45718" tIns="45718" rIns="45718" bIns="45718" numCol="1" anchor="ctr">
+              <a:noAutofit/>
+            </a:bodyPr>
+            <a:lstStyle/>
+            <a:p>
+              <a:pPr algn="ctr">
+                <a:defRPr sz="800"/>
+              </a:pPr>
+            </a:p>
+          </p:txBody>
+        </p:sp>
+        <p:sp>
+          <p:nvSpPr>
+            <p:cNvPr id="288" name="abc"/>
+            <p:cNvSpPr txBox="1"/>
+            <p:nvPr/>
+          </p:nvSpPr>
+          <p:spPr>
+            <a:xfrm>
+              <a:off x="130599" y="81021"/>
+              <a:ext cx="630585" cy="218437"/>
+            </a:xfrm>
+            <a:prstGeom prst="rect">
+              <a:avLst/>
+            </a:prstGeom>
+            <a:noFill/>
+            <a:ln w="12700" cap="flat">
+              <a:noFill/>
+              <a:miter lim="400000"/>
+            </a:ln>
+            <a:effectLst/>
+            <a:extLst>
+              <a:ext uri="{C572A759-6A51-4108-AA02-DFA0A04FC94B}">
+                <ma14:wrappingTextBoxFlag xmlns:ma14="http://schemas.microsoft.com/office/mac/drawingml/2011/main" val="1"/>
+              </a:ext>
+            </a:extLst>
+          </p:spPr>
+          <p:txBody>
+            <a:bodyPr wrap="square" lIns="45718" tIns="45718" rIns="45718" bIns="45718" numCol="1" anchor="ctr">
+              <a:spAutoFit/>
+            </a:bodyPr>
+            <a:lstStyle>
+              <a:lvl1pPr algn="ctr">
+                <a:defRPr sz="800"/>
+              </a:lvl1pPr>
+            </a:lstStyle>
+            <a:p>
+              <a:pPr/>
+              <a:r>
+                <a:t>abc</a:t>
+              </a:r>
+            </a:p>
+          </p:txBody>
+        </p:sp>
+      </p:grpSp>
+      <p:grpSp>
+        <p:nvGrpSpPr>
+          <p:cNvPr id="292" name="타원형"/>
+          <p:cNvGrpSpPr/>
+          <p:nvPr/>
+        </p:nvGrpSpPr>
+        <p:grpSpPr>
+          <a:xfrm>
+            <a:off x="9301171" y="3286649"/>
+            <a:ext cx="891784" cy="380480"/>
+            <a:chOff x="0" y="0"/>
+            <a:chExt cx="891783" cy="380479"/>
+          </a:xfrm>
+        </p:grpSpPr>
+        <p:sp>
+          <p:nvSpPr>
+            <p:cNvPr id="290" name="타원형"/>
+            <p:cNvSpPr/>
+            <p:nvPr/>
+          </p:nvSpPr>
+          <p:spPr>
+            <a:xfrm>
+              <a:off x="0" y="0"/>
+              <a:ext cx="891784" cy="380480"/>
+            </a:xfrm>
+            <a:prstGeom prst="ellipse">
+              <a:avLst/>
+            </a:prstGeom>
+            <a:solidFill>
+              <a:schemeClr val="accent6"/>
+            </a:solidFill>
+            <a:ln w="12700" cap="flat">
+              <a:solidFill>
+                <a:srgbClr val="000000"/>
+              </a:solidFill>
+              <a:prstDash val="solid"/>
+              <a:miter lim="400000"/>
+            </a:ln>
+            <a:effectLst/>
+          </p:spPr>
+          <p:txBody>
+            <a:bodyPr wrap="square" lIns="45718" tIns="45718" rIns="45718" bIns="45718" numCol="1" anchor="ctr">
+              <a:noAutofit/>
+            </a:bodyPr>
+            <a:lstStyle/>
+            <a:p>
+              <a:pPr algn="ctr">
+                <a:defRPr sz="800"/>
+              </a:pPr>
+            </a:p>
+          </p:txBody>
+        </p:sp>
+        <p:sp>
+          <p:nvSpPr>
+            <p:cNvPr id="291" name="java"/>
+            <p:cNvSpPr txBox="1"/>
+            <p:nvPr/>
+          </p:nvSpPr>
+          <p:spPr>
+            <a:xfrm>
+              <a:off x="130599" y="81021"/>
+              <a:ext cx="630585" cy="218437"/>
+            </a:xfrm>
+            <a:prstGeom prst="rect">
+              <a:avLst/>
+            </a:prstGeom>
+            <a:noFill/>
+            <a:ln w="12700" cap="flat">
+              <a:noFill/>
+              <a:miter lim="400000"/>
+            </a:ln>
+            <a:effectLst/>
+            <a:extLst>
+              <a:ext uri="{C572A759-6A51-4108-AA02-DFA0A04FC94B}">
+                <ma14:wrappingTextBoxFlag xmlns:ma14="http://schemas.microsoft.com/office/mac/drawingml/2011/main" val="1"/>
+              </a:ext>
+            </a:extLst>
+          </p:spPr>
+          <p:txBody>
+            <a:bodyPr wrap="square" lIns="45718" tIns="45718" rIns="45718" bIns="45718" numCol="1" anchor="ctr">
+              <a:spAutoFit/>
+            </a:bodyPr>
+            <a:lstStyle>
+              <a:lvl1pPr algn="ctr">
+                <a:defRPr sz="800"/>
+              </a:lvl1pPr>
+            </a:lstStyle>
+            <a:p>
+              <a:pPr/>
+              <a:r>
+                <a:t>java</a:t>
+              </a:r>
+            </a:p>
+          </p:txBody>
+        </p:sp>
+      </p:grpSp>
+      <p:grpSp>
+        <p:nvGrpSpPr>
+          <p:cNvPr id="295" name="타원형"/>
+          <p:cNvGrpSpPr/>
+          <p:nvPr/>
+        </p:nvGrpSpPr>
+        <p:grpSpPr>
+          <a:xfrm>
+            <a:off x="9301171" y="3042392"/>
+            <a:ext cx="891784" cy="380481"/>
+            <a:chOff x="0" y="0"/>
+            <a:chExt cx="891783" cy="380479"/>
+          </a:xfrm>
+        </p:grpSpPr>
+        <p:sp>
+          <p:nvSpPr>
+            <p:cNvPr id="293" name="타원형"/>
+            <p:cNvSpPr/>
+            <p:nvPr/>
+          </p:nvSpPr>
+          <p:spPr>
+            <a:xfrm>
+              <a:off x="0" y="0"/>
+              <a:ext cx="891784" cy="380480"/>
+            </a:xfrm>
+            <a:prstGeom prst="ellipse">
+              <a:avLst/>
+            </a:prstGeom>
+            <a:solidFill>
+              <a:schemeClr val="accent6"/>
+            </a:solidFill>
+            <a:ln w="12700" cap="flat">
+              <a:solidFill>
+                <a:srgbClr val="000000"/>
+              </a:solidFill>
+              <a:prstDash val="solid"/>
+              <a:miter lim="400000"/>
+            </a:ln>
+            <a:effectLst/>
+          </p:spPr>
+          <p:txBody>
+            <a:bodyPr wrap="square" lIns="45718" tIns="45718" rIns="45718" bIns="45718" numCol="1" anchor="ctr">
+              <a:noAutofit/>
+            </a:bodyPr>
+            <a:lstStyle/>
+            <a:p>
+              <a:pPr algn="ctr">
+                <a:defRPr sz="800"/>
+              </a:pPr>
+            </a:p>
+          </p:txBody>
+        </p:sp>
+        <p:sp>
+          <p:nvSpPr>
+            <p:cNvPr id="294" name="C"/>
+            <p:cNvSpPr txBox="1"/>
+            <p:nvPr/>
+          </p:nvSpPr>
+          <p:spPr>
+            <a:xfrm>
+              <a:off x="130599" y="81021"/>
+              <a:ext cx="630585" cy="218437"/>
+            </a:xfrm>
+            <a:prstGeom prst="rect">
+              <a:avLst/>
+            </a:prstGeom>
+            <a:noFill/>
+            <a:ln w="12700" cap="flat">
+              <a:noFill/>
+              <a:miter lim="400000"/>
+            </a:ln>
+            <a:effectLst/>
+            <a:extLst>
+              <a:ext uri="{C572A759-6A51-4108-AA02-DFA0A04FC94B}">
+                <ma14:wrappingTextBoxFlag xmlns:ma14="http://schemas.microsoft.com/office/mac/drawingml/2011/main" val="1"/>
+              </a:ext>
+            </a:extLst>
+          </p:spPr>
+          <p:txBody>
+            <a:bodyPr wrap="square" lIns="45718" tIns="45718" rIns="45718" bIns="45718" numCol="1" anchor="ctr">
+              <a:spAutoFit/>
+            </a:bodyPr>
+            <a:lstStyle>
+              <a:lvl1pPr algn="ctr">
+                <a:defRPr sz="800"/>
+              </a:lvl1pPr>
+            </a:lstStyle>
+            <a:p>
+              <a:pPr/>
+              <a:r>
+                <a:t>C</a:t>
+              </a:r>
+            </a:p>
+          </p:txBody>
+        </p:sp>
+      </p:grpSp>
       <p:sp>
         <p:nvSpPr>
-          <p:cNvPr id="249" name="타원형"/>
-          <p:cNvSpPr/>
-          <p:nvPr/>
-        </p:nvSpPr>
-        <p:spPr>
-          <a:xfrm>
-            <a:off x="9301171" y="3507660"/>
-            <a:ext cx="891783" cy="380479"/>
-          </a:xfrm>
-          <a:prstGeom prst="ellipse">
-            <a:avLst/>
-          </a:prstGeom>
-          <a:solidFill>
-            <a:schemeClr val="accent6"/>
-          </a:solidFill>
-          <a:ln w="12700">
-            <a:solidFill>
-              <a:srgbClr val="000000"/>
-            </a:solidFill>
-            <a:miter lim="400000"/>
-          </a:ln>
-          <a:extLst>
-            <a:ext uri="{C572A759-6A51-4108-AA02-DFA0A04FC94B}">
-              <ma14:wrappingTextBoxFlag xmlns:ma14="http://schemas.microsoft.com/office/mac/drawingml/2011/main" val="1"/>
-            </a:ext>
-          </a:extLst>
-        </p:spPr>
-        <p:txBody>
-          <a:bodyPr lIns="45718" tIns="45718" rIns="45718" bIns="45718" anchor="ctr"/>
-          <a:lstStyle>
-            <a:lvl1pPr algn="ctr">
-              <a:defRPr sz="800"/>
-            </a:lvl1pPr>
-          </a:lstStyle>
-          <a:p>
-            <a:pPr/>
-            <a:r>
-              <a:t>abc</a:t>
-            </a:r>
-          </a:p>
-        </p:txBody>
-      </p:sp>
-      <p:sp>
-        <p:nvSpPr>
-          <p:cNvPr id="250" name="타원형"/>
-          <p:cNvSpPr/>
-          <p:nvPr/>
-        </p:nvSpPr>
-        <p:spPr>
-          <a:xfrm>
-            <a:off x="9301171" y="3286649"/>
-            <a:ext cx="891783" cy="380479"/>
-          </a:xfrm>
-          <a:prstGeom prst="ellipse">
-            <a:avLst/>
-          </a:prstGeom>
-          <a:solidFill>
-            <a:schemeClr val="accent6"/>
-          </a:solidFill>
-          <a:ln w="12700">
-            <a:solidFill>
-              <a:srgbClr val="000000"/>
-            </a:solidFill>
-            <a:miter lim="400000"/>
-          </a:ln>
-          <a:extLst>
-            <a:ext uri="{C572A759-6A51-4108-AA02-DFA0A04FC94B}">
-              <ma14:wrappingTextBoxFlag xmlns:ma14="http://schemas.microsoft.com/office/mac/drawingml/2011/main" val="1"/>
-            </a:ext>
-          </a:extLst>
-        </p:spPr>
-        <p:txBody>
-          <a:bodyPr lIns="45718" tIns="45718" rIns="45718" bIns="45718" anchor="ctr"/>
-          <a:lstStyle>
-            <a:lvl1pPr algn="ctr">
-              <a:defRPr sz="800"/>
-            </a:lvl1pPr>
-          </a:lstStyle>
-          <a:p>
-            <a:pPr/>
-            <a:r>
-              <a:t>java</a:t>
-            </a:r>
-          </a:p>
-        </p:txBody>
-      </p:sp>
-      <p:sp>
-        <p:nvSpPr>
-          <p:cNvPr id="251" name="타원형"/>
-          <p:cNvSpPr/>
-          <p:nvPr/>
-        </p:nvSpPr>
-        <p:spPr>
-          <a:xfrm>
-            <a:off x="9301171" y="3042393"/>
-            <a:ext cx="891783" cy="380479"/>
-          </a:xfrm>
-          <a:prstGeom prst="ellipse">
-            <a:avLst/>
-          </a:prstGeom>
-          <a:solidFill>
-            <a:schemeClr val="accent6"/>
-          </a:solidFill>
-          <a:ln w="12700">
-            <a:solidFill>
-              <a:srgbClr val="000000"/>
-            </a:solidFill>
-            <a:miter lim="400000"/>
-          </a:ln>
-          <a:extLst>
-            <a:ext uri="{C572A759-6A51-4108-AA02-DFA0A04FC94B}">
-              <ma14:wrappingTextBoxFlag xmlns:ma14="http://schemas.microsoft.com/office/mac/drawingml/2011/main" val="1"/>
-            </a:ext>
-          </a:extLst>
-        </p:spPr>
-        <p:txBody>
-          <a:bodyPr lIns="45718" tIns="45718" rIns="45718" bIns="45718" anchor="ctr"/>
-          <a:lstStyle>
-            <a:lvl1pPr algn="ctr">
-              <a:defRPr sz="800"/>
-            </a:lvl1pPr>
-          </a:lstStyle>
-          <a:p>
-            <a:pPr/>
-            <a:r>
-              <a:t>C</a:t>
-            </a:r>
-          </a:p>
-        </p:txBody>
-      </p:sp>
-      <p:sp>
-        <p:nvSpPr>
-          <p:cNvPr id="252" name="타원형"/>
+          <p:cNvPr id="296" name="타원형"/>
           <p:cNvSpPr/>
           <p:nvPr/>
         </p:nvSpPr>
         <p:spPr>
           <a:xfrm>
             <a:off x="9301171" y="2688475"/>
-            <a:ext cx="891783" cy="380479"/>
+            <a:ext cx="891784" cy="380481"/>
           </a:xfrm>
           <a:prstGeom prst="ellipse">
             <a:avLst/>
@@ -17668,7 +20898,7 @@
 </p:sld>
 </file>
 
-<file path=ppt/slides/slide17.xml><?xml version="1.0" encoding="utf-8"?>
+<file path=ppt/slides/slide18.xml><?xml version="1.0" encoding="utf-8"?>
 <p:sld xmlns:a="http://schemas.openxmlformats.org/drawingml/2006/main" xmlns:r="http://schemas.openxmlformats.org/officeDocument/2006/relationships" xmlns:p="http://schemas.openxmlformats.org/presentationml/2006/main" xmlns:m="http://schemas.openxmlformats.org/officeDocument/2006/math" xmlns:a14="http://schemas.microsoft.com/office/drawing/2010/main" showMasterSp="1" showMasterPhAnim="1">
   <p:cSld>
     <p:spTree>
@@ -17687,28 +20917,28 @@
       </p:grpSpPr>
       <p:grpSp>
         <p:nvGrpSpPr>
-          <p:cNvPr id="256" name="Collection&lt;E&gt;"/>
+          <p:cNvPr id="300" name="Collection&lt;E&gt;"/>
           <p:cNvGrpSpPr/>
           <p:nvPr/>
         </p:nvGrpSpPr>
         <p:grpSpPr>
           <a:xfrm>
-            <a:off x="2095500" y="1279995"/>
-            <a:ext cx="1270000" cy="322909"/>
-            <a:chOff x="0" y="0"/>
-            <a:chExt cx="1270000" cy="322908"/>
+            <a:off x="2095500" y="1279994"/>
+            <a:ext cx="1270000" cy="322911"/>
+            <a:chOff x="0" y="-1"/>
+            <a:chExt cx="1270000" cy="322910"/>
           </a:xfrm>
         </p:grpSpPr>
         <p:sp>
           <p:nvSpPr>
-            <p:cNvPr id="254" name="직사각형"/>
+            <p:cNvPr id="298" name="직사각형"/>
             <p:cNvSpPr/>
             <p:nvPr/>
           </p:nvSpPr>
           <p:spPr>
             <a:xfrm>
-              <a:off x="0" y="-1"/>
-              <a:ext cx="1270000" cy="322910"/>
+              <a:off x="0" y="-2"/>
+              <a:ext cx="1270000" cy="322912"/>
             </a:xfrm>
             <a:prstGeom prst="rect">
               <a:avLst/>
@@ -17739,7 +20969,7 @@
         </p:sp>
         <p:sp>
           <p:nvSpPr>
-            <p:cNvPr id="255" name="Collection&lt;E&gt;"/>
+            <p:cNvPr id="299" name="Collection&lt;E&gt;"/>
             <p:cNvSpPr txBox="1"/>
             <p:nvPr/>
           </p:nvSpPr>
@@ -17783,28 +21013,28 @@
       </p:grpSp>
       <p:grpSp>
         <p:nvGrpSpPr>
-          <p:cNvPr id="259" name="List&lt;E&gt;"/>
+          <p:cNvPr id="303" name="List&lt;E&gt;"/>
           <p:cNvGrpSpPr/>
           <p:nvPr/>
         </p:nvGrpSpPr>
         <p:grpSpPr>
           <a:xfrm>
-            <a:off x="2095500" y="1955799"/>
-            <a:ext cx="1270000" cy="322910"/>
-            <a:chOff x="0" y="0"/>
-            <a:chExt cx="1270000" cy="322908"/>
+            <a:off x="2095500" y="1955798"/>
+            <a:ext cx="1270000" cy="322913"/>
+            <a:chOff x="0" y="-1"/>
+            <a:chExt cx="1270000" cy="322912"/>
           </a:xfrm>
         </p:grpSpPr>
         <p:sp>
           <p:nvSpPr>
-            <p:cNvPr id="257" name="직사각형"/>
+            <p:cNvPr id="301" name="직사각형"/>
             <p:cNvSpPr/>
             <p:nvPr/>
           </p:nvSpPr>
           <p:spPr>
             <a:xfrm>
-              <a:off x="0" y="-1"/>
-              <a:ext cx="1270000" cy="322910"/>
+              <a:off x="0" y="-2"/>
+              <a:ext cx="1270000" cy="322913"/>
             </a:xfrm>
             <a:prstGeom prst="rect">
               <a:avLst/>
@@ -17835,7 +21065,7 @@
         </p:sp>
         <p:sp>
           <p:nvSpPr>
-            <p:cNvPr id="258" name="List&lt;E&gt;"/>
+            <p:cNvPr id="302" name="List&lt;E&gt;"/>
             <p:cNvSpPr txBox="1"/>
             <p:nvPr/>
           </p:nvSpPr>
@@ -17879,28 +21109,28 @@
       </p:grpSp>
       <p:grpSp>
         <p:nvGrpSpPr>
-          <p:cNvPr id="262" name="Queue&lt;E&gt;"/>
+          <p:cNvPr id="306" name="Queue&lt;E&gt;"/>
           <p:cNvGrpSpPr/>
           <p:nvPr/>
         </p:nvGrpSpPr>
         <p:grpSpPr>
           <a:xfrm>
-            <a:off x="3975100" y="1955799"/>
-            <a:ext cx="1270000" cy="322910"/>
-            <a:chOff x="0" y="0"/>
-            <a:chExt cx="1270000" cy="322908"/>
+            <a:off x="3975100" y="1955798"/>
+            <a:ext cx="1270000" cy="322913"/>
+            <a:chOff x="0" y="-1"/>
+            <a:chExt cx="1270000" cy="322912"/>
           </a:xfrm>
         </p:grpSpPr>
         <p:sp>
           <p:nvSpPr>
-            <p:cNvPr id="260" name="직사각형"/>
+            <p:cNvPr id="304" name="직사각형"/>
             <p:cNvSpPr/>
             <p:nvPr/>
           </p:nvSpPr>
           <p:spPr>
             <a:xfrm>
-              <a:off x="0" y="-1"/>
-              <a:ext cx="1270000" cy="322910"/>
+              <a:off x="0" y="-2"/>
+              <a:ext cx="1270000" cy="322913"/>
             </a:xfrm>
             <a:prstGeom prst="rect">
               <a:avLst/>
@@ -17931,7 +21161,7 @@
         </p:sp>
         <p:sp>
           <p:nvSpPr>
-            <p:cNvPr id="261" name="Queue&lt;E&gt;"/>
+            <p:cNvPr id="305" name="Queue&lt;E&gt;"/>
             <p:cNvSpPr txBox="1"/>
             <p:nvPr/>
           </p:nvSpPr>
@@ -17975,28 +21205,28 @@
       </p:grpSp>
       <p:grpSp>
         <p:nvGrpSpPr>
-          <p:cNvPr id="265" name="Set&lt;E&gt;"/>
+          <p:cNvPr id="309" name="Set&lt;E&gt;"/>
           <p:cNvGrpSpPr/>
           <p:nvPr/>
         </p:nvGrpSpPr>
         <p:grpSpPr>
           <a:xfrm>
-            <a:off x="215900" y="1955799"/>
-            <a:ext cx="1270000" cy="322910"/>
-            <a:chOff x="0" y="0"/>
-            <a:chExt cx="1270000" cy="322908"/>
+            <a:off x="215900" y="1955798"/>
+            <a:ext cx="1270000" cy="322913"/>
+            <a:chOff x="0" y="-1"/>
+            <a:chExt cx="1270000" cy="322912"/>
           </a:xfrm>
         </p:grpSpPr>
         <p:sp>
           <p:nvSpPr>
-            <p:cNvPr id="263" name="직사각형"/>
+            <p:cNvPr id="307" name="직사각형"/>
             <p:cNvSpPr/>
             <p:nvPr/>
           </p:nvSpPr>
           <p:spPr>
             <a:xfrm>
-              <a:off x="0" y="-1"/>
-              <a:ext cx="1270000" cy="322910"/>
+              <a:off x="0" y="-2"/>
+              <a:ext cx="1270000" cy="322913"/>
             </a:xfrm>
             <a:prstGeom prst="rect">
               <a:avLst/>
@@ -18027,7 +21257,7 @@
         </p:sp>
         <p:sp>
           <p:nvSpPr>
-            <p:cNvPr id="264" name="Set&lt;E&gt;"/>
+            <p:cNvPr id="308" name="Set&lt;E&gt;"/>
             <p:cNvSpPr txBox="1"/>
             <p:nvPr/>
           </p:nvSpPr>
@@ -18071,28 +21301,28 @@
       </p:grpSp>
       <p:grpSp>
         <p:nvGrpSpPr>
-          <p:cNvPr id="268" name="Map&lt;K, V&gt;"/>
+          <p:cNvPr id="312" name="Map&lt;K, V&gt;"/>
           <p:cNvGrpSpPr/>
           <p:nvPr/>
         </p:nvGrpSpPr>
         <p:grpSpPr>
           <a:xfrm>
-            <a:off x="6210300" y="1279995"/>
-            <a:ext cx="1270000" cy="322909"/>
-            <a:chOff x="0" y="0"/>
-            <a:chExt cx="1270000" cy="322908"/>
+            <a:off x="6210300" y="1279994"/>
+            <a:ext cx="1270000" cy="322911"/>
+            <a:chOff x="0" y="-1"/>
+            <a:chExt cx="1270000" cy="322910"/>
           </a:xfrm>
         </p:grpSpPr>
         <p:sp>
           <p:nvSpPr>
-            <p:cNvPr id="266" name="직사각형"/>
+            <p:cNvPr id="310" name="직사각형"/>
             <p:cNvSpPr/>
             <p:nvPr/>
           </p:nvSpPr>
           <p:spPr>
             <a:xfrm>
-              <a:off x="0" y="-1"/>
-              <a:ext cx="1270000" cy="322910"/>
+              <a:off x="0" y="-2"/>
+              <a:ext cx="1270000" cy="322912"/>
             </a:xfrm>
             <a:prstGeom prst="rect">
               <a:avLst/>
@@ -18123,7 +21353,7 @@
         </p:sp>
         <p:sp>
           <p:nvSpPr>
-            <p:cNvPr id="267" name="Map&lt;K, V&gt;"/>
+            <p:cNvPr id="311" name="Map&lt;K, V&gt;"/>
             <p:cNvSpPr txBox="1"/>
             <p:nvPr/>
           </p:nvSpPr>
@@ -18167,28 +21397,28 @@
       </p:grpSp>
       <p:grpSp>
         <p:nvGrpSpPr>
-          <p:cNvPr id="271" name="HashSet&lt;E&gt;"/>
+          <p:cNvPr id="315" name="HashSet&lt;E&gt;"/>
           <p:cNvGrpSpPr/>
           <p:nvPr/>
         </p:nvGrpSpPr>
         <p:grpSpPr>
           <a:xfrm>
-            <a:off x="215900" y="2984499"/>
-            <a:ext cx="1270000" cy="322910"/>
-            <a:chOff x="0" y="0"/>
-            <a:chExt cx="1270000" cy="322908"/>
+            <a:off x="215900" y="2984498"/>
+            <a:ext cx="1270000" cy="322913"/>
+            <a:chOff x="0" y="-1"/>
+            <a:chExt cx="1270000" cy="322912"/>
           </a:xfrm>
         </p:grpSpPr>
         <p:sp>
           <p:nvSpPr>
-            <p:cNvPr id="269" name="직사각형"/>
+            <p:cNvPr id="313" name="직사각형"/>
             <p:cNvSpPr/>
             <p:nvPr/>
           </p:nvSpPr>
           <p:spPr>
             <a:xfrm>
-              <a:off x="0" y="-1"/>
-              <a:ext cx="1270000" cy="322910"/>
+              <a:off x="0" y="-2"/>
+              <a:ext cx="1270000" cy="322913"/>
             </a:xfrm>
             <a:prstGeom prst="rect">
               <a:avLst/>
@@ -18219,7 +21449,7 @@
         </p:sp>
         <p:sp>
           <p:nvSpPr>
-            <p:cNvPr id="270" name="HashSet&lt;E&gt;"/>
+            <p:cNvPr id="314" name="HashSet&lt;E&gt;"/>
             <p:cNvSpPr txBox="1"/>
             <p:nvPr/>
           </p:nvSpPr>
@@ -18263,28 +21493,28 @@
       </p:grpSp>
       <p:grpSp>
         <p:nvGrpSpPr>
-          <p:cNvPr id="274" name="ArrayList&lt;E&gt;"/>
+          <p:cNvPr id="318" name="ArrayList&lt;E&gt;"/>
           <p:cNvGrpSpPr/>
           <p:nvPr/>
         </p:nvGrpSpPr>
         <p:grpSpPr>
           <a:xfrm>
-            <a:off x="1625600" y="2984499"/>
-            <a:ext cx="1270000" cy="322910"/>
-            <a:chOff x="0" y="0"/>
-            <a:chExt cx="1270000" cy="322908"/>
+            <a:off x="1625600" y="2984498"/>
+            <a:ext cx="1270000" cy="322913"/>
+            <a:chOff x="0" y="-1"/>
+            <a:chExt cx="1270000" cy="322912"/>
           </a:xfrm>
         </p:grpSpPr>
         <p:sp>
           <p:nvSpPr>
-            <p:cNvPr id="272" name="직사각형"/>
+            <p:cNvPr id="316" name="직사각형"/>
             <p:cNvSpPr/>
             <p:nvPr/>
           </p:nvSpPr>
           <p:spPr>
             <a:xfrm>
-              <a:off x="0" y="-1"/>
-              <a:ext cx="1270000" cy="322910"/>
+              <a:off x="0" y="-2"/>
+              <a:ext cx="1270000" cy="322913"/>
             </a:xfrm>
             <a:prstGeom prst="rect">
               <a:avLst/>
@@ -18315,7 +21545,7 @@
         </p:sp>
         <p:sp>
           <p:nvSpPr>
-            <p:cNvPr id="273" name="ArrayList&lt;E&gt;"/>
+            <p:cNvPr id="317" name="ArrayList&lt;E&gt;"/>
             <p:cNvSpPr txBox="1"/>
             <p:nvPr/>
           </p:nvSpPr>
@@ -18359,28 +21589,28 @@
       </p:grpSp>
       <p:grpSp>
         <p:nvGrpSpPr>
-          <p:cNvPr id="277" name="Vector&lt;E&gt;"/>
+          <p:cNvPr id="321" name="Vector&lt;E&gt;"/>
           <p:cNvGrpSpPr/>
           <p:nvPr/>
         </p:nvGrpSpPr>
         <p:grpSpPr>
           <a:xfrm>
-            <a:off x="3035300" y="2984499"/>
-            <a:ext cx="1270000" cy="322910"/>
-            <a:chOff x="0" y="0"/>
-            <a:chExt cx="1270000" cy="322908"/>
+            <a:off x="3035300" y="2984498"/>
+            <a:ext cx="1270000" cy="322913"/>
+            <a:chOff x="0" y="-1"/>
+            <a:chExt cx="1270000" cy="322912"/>
           </a:xfrm>
         </p:grpSpPr>
         <p:sp>
           <p:nvSpPr>
-            <p:cNvPr id="275" name="직사각형"/>
+            <p:cNvPr id="319" name="직사각형"/>
             <p:cNvSpPr/>
             <p:nvPr/>
           </p:nvSpPr>
           <p:spPr>
             <a:xfrm>
-              <a:off x="0" y="-1"/>
-              <a:ext cx="1270000" cy="322910"/>
+              <a:off x="0" y="-2"/>
+              <a:ext cx="1270000" cy="322913"/>
             </a:xfrm>
             <a:prstGeom prst="rect">
               <a:avLst/>
@@ -18411,7 +21641,7 @@
         </p:sp>
         <p:sp>
           <p:nvSpPr>
-            <p:cNvPr id="276" name="Vector&lt;E&gt;"/>
+            <p:cNvPr id="320" name="Vector&lt;E&gt;"/>
             <p:cNvSpPr txBox="1"/>
             <p:nvPr/>
           </p:nvSpPr>
@@ -18455,28 +21685,28 @@
       </p:grpSp>
       <p:grpSp>
         <p:nvGrpSpPr>
-          <p:cNvPr id="280" name="LinkedList&lt;E&gt;"/>
+          <p:cNvPr id="324" name="LinkedList&lt;E&gt;"/>
           <p:cNvGrpSpPr/>
           <p:nvPr/>
         </p:nvGrpSpPr>
         <p:grpSpPr>
           <a:xfrm>
-            <a:off x="4445000" y="2984499"/>
-            <a:ext cx="1270000" cy="322910"/>
-            <a:chOff x="0" y="0"/>
-            <a:chExt cx="1270000" cy="322908"/>
+            <a:off x="4445000" y="2984498"/>
+            <a:ext cx="1270000" cy="322913"/>
+            <a:chOff x="0" y="-1"/>
+            <a:chExt cx="1270000" cy="322912"/>
           </a:xfrm>
         </p:grpSpPr>
         <p:sp>
           <p:nvSpPr>
-            <p:cNvPr id="278" name="직사각형"/>
+            <p:cNvPr id="322" name="직사각형"/>
             <p:cNvSpPr/>
             <p:nvPr/>
           </p:nvSpPr>
           <p:spPr>
             <a:xfrm>
-              <a:off x="0" y="-1"/>
-              <a:ext cx="1270000" cy="322910"/>
+              <a:off x="0" y="-2"/>
+              <a:ext cx="1270000" cy="322913"/>
             </a:xfrm>
             <a:prstGeom prst="rect">
               <a:avLst/>
@@ -18507,7 +21737,7 @@
         </p:sp>
         <p:sp>
           <p:nvSpPr>
-            <p:cNvPr id="279" name="LinkedList&lt;E&gt;"/>
+            <p:cNvPr id="323" name="LinkedList&lt;E&gt;"/>
             <p:cNvSpPr txBox="1"/>
             <p:nvPr/>
           </p:nvSpPr>
@@ -18551,28 +21781,28 @@
       </p:grpSp>
       <p:grpSp>
         <p:nvGrpSpPr>
-          <p:cNvPr id="283" name="HashMap&lt;K, V&gt;"/>
+          <p:cNvPr id="327" name="HashMap&lt;K, V&gt;"/>
           <p:cNvGrpSpPr/>
           <p:nvPr/>
         </p:nvGrpSpPr>
         <p:grpSpPr>
           <a:xfrm>
-            <a:off x="6210300" y="2984499"/>
-            <a:ext cx="1270000" cy="322910"/>
-            <a:chOff x="0" y="0"/>
-            <a:chExt cx="1270000" cy="322908"/>
+            <a:off x="6210300" y="2984498"/>
+            <a:ext cx="1270000" cy="322913"/>
+            <a:chOff x="0" y="-1"/>
+            <a:chExt cx="1270000" cy="322912"/>
           </a:xfrm>
         </p:grpSpPr>
         <p:sp>
           <p:nvSpPr>
-            <p:cNvPr id="281" name="직사각형"/>
+            <p:cNvPr id="325" name="직사각형"/>
             <p:cNvSpPr/>
             <p:nvPr/>
           </p:nvSpPr>
           <p:spPr>
             <a:xfrm>
-              <a:off x="0" y="-1"/>
-              <a:ext cx="1270000" cy="322910"/>
+              <a:off x="0" y="-2"/>
+              <a:ext cx="1270000" cy="322913"/>
             </a:xfrm>
             <a:prstGeom prst="rect">
               <a:avLst/>
@@ -18603,7 +21833,7 @@
         </p:sp>
         <p:sp>
           <p:nvSpPr>
-            <p:cNvPr id="282" name="HashMap&lt;K, V&gt;"/>
+            <p:cNvPr id="326" name="HashMap&lt;K, V&gt;"/>
             <p:cNvSpPr txBox="1"/>
             <p:nvPr/>
           </p:nvSpPr>
@@ -18647,28 +21877,28 @@
       </p:grpSp>
       <p:grpSp>
         <p:nvGrpSpPr>
-          <p:cNvPr id="286" name="Stack&lt;E&gt;"/>
+          <p:cNvPr id="330" name="Stack&lt;E&gt;"/>
           <p:cNvGrpSpPr/>
           <p:nvPr/>
         </p:nvGrpSpPr>
         <p:grpSpPr>
           <a:xfrm>
             <a:off x="3035300" y="3660302"/>
-            <a:ext cx="1270000" cy="322910"/>
+            <a:ext cx="1270000" cy="322912"/>
             <a:chOff x="0" y="0"/>
-            <a:chExt cx="1270000" cy="322908"/>
+            <a:chExt cx="1270000" cy="322911"/>
           </a:xfrm>
         </p:grpSpPr>
         <p:sp>
           <p:nvSpPr>
-            <p:cNvPr id="284" name="직사각형"/>
+            <p:cNvPr id="328" name="직사각형"/>
             <p:cNvSpPr/>
             <p:nvPr/>
           </p:nvSpPr>
           <p:spPr>
             <a:xfrm>
-              <a:off x="0" y="0"/>
-              <a:ext cx="1270000" cy="322909"/>
+              <a:off x="0" y="-1"/>
+              <a:ext cx="1270000" cy="322912"/>
             </a:xfrm>
             <a:prstGeom prst="rect">
               <a:avLst/>
@@ -18699,7 +21929,7 @@
         </p:sp>
         <p:sp>
           <p:nvSpPr>
-            <p:cNvPr id="285" name="Stack&lt;E&gt;"/>
+            <p:cNvPr id="329" name="Stack&lt;E&gt;"/>
             <p:cNvSpPr txBox="1"/>
             <p:nvPr/>
           </p:nvSpPr>
@@ -18743,14 +21973,14 @@
       </p:grpSp>
       <p:sp>
         <p:nvSpPr>
-          <p:cNvPr id="287" name="선"/>
+          <p:cNvPr id="331" name="선"/>
           <p:cNvSpPr/>
           <p:nvPr/>
         </p:nvSpPr>
         <p:spPr>
           <a:xfrm>
-            <a:off x="118296" y="2631602"/>
-            <a:ext cx="8743559" cy="2"/>
+            <a:off x="118295" y="2631601"/>
+            <a:ext cx="8743560" cy="3"/>
           </a:xfrm>
           <a:prstGeom prst="line">
             <a:avLst/>
@@ -18778,14 +22008,14 @@
       </p:sp>
       <p:sp>
         <p:nvSpPr>
-          <p:cNvPr id="288" name="선"/>
+          <p:cNvPr id="332" name="선"/>
           <p:cNvSpPr/>
           <p:nvPr/>
         </p:nvSpPr>
         <p:spPr>
           <a:xfrm flipV="1">
             <a:off x="3670300" y="3296468"/>
-            <a:ext cx="0" cy="374776"/>
+            <a:ext cx="0" cy="374777"/>
           </a:xfrm>
           <a:prstGeom prst="line">
             <a:avLst/>
@@ -18807,14 +22037,14 @@
       </p:sp>
       <p:sp>
         <p:nvSpPr>
-          <p:cNvPr id="289" name="선"/>
+          <p:cNvPr id="333" name="선"/>
           <p:cNvSpPr/>
           <p:nvPr/>
         </p:nvSpPr>
         <p:spPr>
           <a:xfrm flipH="1" flipV="1">
             <a:off x="2605870" y="2279561"/>
-            <a:ext cx="1064431" cy="714118"/>
+            <a:ext cx="1064431" cy="714119"/>
           </a:xfrm>
           <a:prstGeom prst="line">
             <a:avLst/>
@@ -18836,14 +22066,14 @@
       </p:sp>
       <p:sp>
         <p:nvSpPr>
-          <p:cNvPr id="290" name="선"/>
+          <p:cNvPr id="334" name="선"/>
           <p:cNvSpPr/>
           <p:nvPr/>
         </p:nvSpPr>
         <p:spPr>
           <a:xfrm flipV="1">
             <a:off x="2260599" y="2284170"/>
-            <a:ext cx="363986" cy="709509"/>
+            <a:ext cx="363987" cy="709510"/>
           </a:xfrm>
           <a:prstGeom prst="line">
             <a:avLst/>
@@ -18865,14 +22095,14 @@
       </p:sp>
       <p:sp>
         <p:nvSpPr>
-          <p:cNvPr id="291" name="선"/>
+          <p:cNvPr id="335" name="선"/>
           <p:cNvSpPr/>
           <p:nvPr/>
         </p:nvSpPr>
         <p:spPr>
           <a:xfrm flipH="1" flipV="1">
-            <a:off x="2755147" y="2316308"/>
-            <a:ext cx="2182341" cy="687660"/>
+            <a:off x="2755146" y="2316308"/>
+            <a:ext cx="2182342" cy="687661"/>
           </a:xfrm>
           <a:prstGeom prst="line">
             <a:avLst/>
@@ -18894,14 +22124,14 @@
       </p:sp>
       <p:sp>
         <p:nvSpPr>
-          <p:cNvPr id="292" name="선"/>
+          <p:cNvPr id="336" name="선"/>
           <p:cNvSpPr/>
           <p:nvPr/>
         </p:nvSpPr>
         <p:spPr>
           <a:xfrm flipV="1">
-            <a:off x="850899" y="2269528"/>
-            <a:ext cx="3" cy="724150"/>
+            <a:off x="850899" y="2269527"/>
+            <a:ext cx="4" cy="724151"/>
           </a:xfrm>
           <a:prstGeom prst="line">
             <a:avLst/>
@@ -18923,14 +22153,14 @@
       </p:sp>
       <p:sp>
         <p:nvSpPr>
-          <p:cNvPr id="293" name="선"/>
+          <p:cNvPr id="337" name="선"/>
           <p:cNvSpPr/>
           <p:nvPr/>
         </p:nvSpPr>
         <p:spPr>
           <a:xfrm flipH="1" flipV="1">
-            <a:off x="4552932" y="2240327"/>
-            <a:ext cx="384557" cy="777192"/>
+            <a:off x="4552932" y="2240326"/>
+            <a:ext cx="384558" cy="777194"/>
           </a:xfrm>
           <a:prstGeom prst="line">
             <a:avLst/>
@@ -18952,14 +22182,14 @@
       </p:sp>
       <p:sp>
         <p:nvSpPr>
-          <p:cNvPr id="294" name="선"/>
+          <p:cNvPr id="338" name="선"/>
           <p:cNvSpPr/>
           <p:nvPr/>
         </p:nvSpPr>
         <p:spPr>
           <a:xfrm flipV="1">
-            <a:off x="6845300" y="1593725"/>
-            <a:ext cx="0" cy="1399954"/>
+            <a:off x="6845300" y="1593724"/>
+            <a:ext cx="0" cy="1399955"/>
           </a:xfrm>
           <a:prstGeom prst="line">
             <a:avLst/>
@@ -18981,13 +22211,13 @@
       </p:sp>
       <p:sp>
         <p:nvSpPr>
-          <p:cNvPr id="295" name="인터페이스"/>
+          <p:cNvPr id="339" name="인터페이스"/>
           <p:cNvSpPr txBox="1"/>
           <p:nvPr/>
         </p:nvSpPr>
         <p:spPr>
           <a:xfrm>
-            <a:off x="7724140" y="2152732"/>
+            <a:off x="7724140" y="2152731"/>
             <a:ext cx="763267" cy="281937"/>
           </a:xfrm>
           <a:prstGeom prst="rect">
@@ -19021,13 +22251,13 @@
       </p:sp>
       <p:sp>
         <p:nvSpPr>
-          <p:cNvPr id="296" name="클래스"/>
+          <p:cNvPr id="340" name="클래스"/>
           <p:cNvSpPr txBox="1"/>
           <p:nvPr/>
         </p:nvSpPr>
         <p:spPr>
           <a:xfrm>
-            <a:off x="7855964" y="2828537"/>
+            <a:off x="7855963" y="2828537"/>
             <a:ext cx="499615" cy="281937"/>
           </a:xfrm>
           <a:prstGeom prst="rect">
@@ -19061,14 +22291,14 @@
       </p:sp>
       <p:sp>
         <p:nvSpPr>
-          <p:cNvPr id="297" name="선"/>
+          <p:cNvPr id="341" name="선"/>
           <p:cNvSpPr/>
           <p:nvPr/>
         </p:nvSpPr>
         <p:spPr>
           <a:xfrm flipV="1">
             <a:off x="2730500" y="1593725"/>
-            <a:ext cx="0" cy="374775"/>
+            <a:ext cx="0" cy="374776"/>
           </a:xfrm>
           <a:prstGeom prst="line">
             <a:avLst/>
@@ -19089,14 +22319,14 @@
       </p:sp>
       <p:sp>
         <p:nvSpPr>
-          <p:cNvPr id="298" name="선"/>
+          <p:cNvPr id="342" name="선"/>
           <p:cNvSpPr/>
           <p:nvPr/>
         </p:nvSpPr>
         <p:spPr>
           <a:xfrm flipV="1">
             <a:off x="850900" y="1810560"/>
-            <a:ext cx="0" cy="157941"/>
+            <a:ext cx="0" cy="157942"/>
           </a:xfrm>
           <a:prstGeom prst="line">
             <a:avLst/>
@@ -19117,14 +22347,14 @@
       </p:sp>
       <p:sp>
         <p:nvSpPr>
-          <p:cNvPr id="299" name="선"/>
+          <p:cNvPr id="343" name="선"/>
           <p:cNvSpPr/>
           <p:nvPr/>
         </p:nvSpPr>
         <p:spPr>
           <a:xfrm flipV="1">
             <a:off x="4610100" y="1810560"/>
-            <a:ext cx="0" cy="157941"/>
+            <a:ext cx="0" cy="157942"/>
           </a:xfrm>
           <a:prstGeom prst="line">
             <a:avLst/>
@@ -19145,14 +22375,14 @@
       </p:sp>
       <p:sp>
         <p:nvSpPr>
-          <p:cNvPr id="300" name="선"/>
+          <p:cNvPr id="344" name="선"/>
           <p:cNvSpPr/>
           <p:nvPr/>
         </p:nvSpPr>
         <p:spPr>
           <a:xfrm>
             <a:off x="838199" y="1803523"/>
-            <a:ext cx="3784602" cy="2"/>
+            <a:ext cx="3784603" cy="3"/>
           </a:xfrm>
           <a:prstGeom prst="line">
             <a:avLst/>
@@ -28731,7 +31961,7 @@
         </p:nvGraphicFramePr>
         <p:xfrm>
           <a:off x="6207795" y="1858853"/>
-          <a:ext cx="1672434" cy="697236"/>
+          <a:ext cx="1672435" cy="697236"/>
         </p:xfrm>
         <a:graphic xmlns:a="http://schemas.openxmlformats.org/drawingml/2006/main">
           <a:graphicData uri="http://schemas.openxmlformats.org/drawingml/2006/table">
@@ -28939,14 +32169,14 @@
     </a:clrScheme>
     <a:fontScheme name="Office 테마">
       <a:majorFont>
+        <a:latin typeface="맑은 고딕"/>
+        <a:ea typeface="맑은 고딕"/>
+        <a:cs typeface="맑은 고딕"/>
+      </a:majorFont>
+      <a:minorFont>
         <a:latin typeface="Helvetica"/>
         <a:ea typeface="Helvetica"/>
         <a:cs typeface="Helvetica"/>
-      </a:majorFont>
-      <a:minorFont>
-        <a:latin typeface="맑은 고딕"/>
-        <a:ea typeface="맑은 고딕"/>
-        <a:cs typeface="맑은 고딕"/>
       </a:minorFont>
     </a:fontScheme>
     <a:fmtScheme name="Office 테마">
@@ -29127,9 +32357,9 @@
             </a:solidFill>
             <a:effectLst/>
             <a:uFillTx/>
-            <a:latin typeface="+mn-lt"/>
-            <a:ea typeface="+mn-ea"/>
-            <a:cs typeface="+mn-cs"/>
+            <a:latin typeface="+mj-lt"/>
+            <a:ea typeface="+mj-ea"/>
+            <a:cs typeface="+mj-cs"/>
             <a:sym typeface="맑은 고딕"/>
           </a:defRPr>
         </a:defPPr>
@@ -29698,9 +32928,9 @@
             </a:solidFill>
             <a:effectLst/>
             <a:uFillTx/>
-            <a:latin typeface="+mn-lt"/>
-            <a:ea typeface="+mn-ea"/>
-            <a:cs typeface="+mn-cs"/>
+            <a:latin typeface="+mj-lt"/>
+            <a:ea typeface="+mj-ea"/>
+            <a:cs typeface="+mj-cs"/>
             <a:sym typeface="맑은 고딕"/>
           </a:defRPr>
         </a:defPPr>
@@ -29993,14 +33223,14 @@
     </a:clrScheme>
     <a:fontScheme name="Office 테마">
       <a:majorFont>
+        <a:latin typeface="맑은 고딕"/>
+        <a:ea typeface="맑은 고딕"/>
+        <a:cs typeface="맑은 고딕"/>
+      </a:majorFont>
+      <a:minorFont>
         <a:latin typeface="Helvetica"/>
         <a:ea typeface="Helvetica"/>
         <a:cs typeface="Helvetica"/>
-      </a:majorFont>
-      <a:minorFont>
-        <a:latin typeface="맑은 고딕"/>
-        <a:ea typeface="맑은 고딕"/>
-        <a:cs typeface="맑은 고딕"/>
       </a:minorFont>
     </a:fontScheme>
     <a:fmtScheme name="Office 테마">
@@ -30181,9 +33411,9 @@
             </a:solidFill>
             <a:effectLst/>
             <a:uFillTx/>
-            <a:latin typeface="+mn-lt"/>
-            <a:ea typeface="+mn-ea"/>
-            <a:cs typeface="+mn-cs"/>
+            <a:latin typeface="+mj-lt"/>
+            <a:ea typeface="+mj-ea"/>
+            <a:cs typeface="+mj-cs"/>
             <a:sym typeface="맑은 고딕"/>
           </a:defRPr>
         </a:defPPr>
@@ -30752,9 +33982,9 @@
             </a:solidFill>
             <a:effectLst/>
             <a:uFillTx/>
-            <a:latin typeface="+mn-lt"/>
-            <a:ea typeface="+mn-ea"/>
-            <a:cs typeface="+mn-cs"/>
+            <a:latin typeface="+mj-lt"/>
+            <a:ea typeface="+mj-ea"/>
+            <a:cs typeface="+mj-cs"/>
             <a:sym typeface="맑은 고딕"/>
           </a:defRPr>
         </a:defPPr>

--- a/assets/form/matrix.pptx
+++ b/assets/form/matrix.pptx
@@ -31,6 +31,7 @@
     <p:sldId id="276" r:id="rId28"/>
     <p:sldId id="277" r:id="rId29"/>
     <p:sldId id="278" r:id="rId30"/>
+    <p:sldId id="279" r:id="rId31"/>
   </p:sldIdLst>
   <p:sldSz cx="12192000" cy="6858000"/>
   <p:notesSz cx="6858000" cy="9144000"/>
@@ -85,9 +86,9 @@
         </a:solidFill>
         <a:effectLst/>
         <a:uFillTx/>
-        <a:latin typeface="+mn-lt"/>
-        <a:ea typeface="+mn-ea"/>
-        <a:cs typeface="+mn-cs"/>
+        <a:latin typeface="+mj-lt"/>
+        <a:ea typeface="+mj-ea"/>
+        <a:cs typeface="+mj-cs"/>
         <a:sym typeface="Helvetica"/>
       </a:defRPr>
     </a:lvl1pPr>
@@ -115,9 +116,9 @@
         </a:solidFill>
         <a:effectLst/>
         <a:uFillTx/>
-        <a:latin typeface="+mn-lt"/>
-        <a:ea typeface="+mn-ea"/>
-        <a:cs typeface="+mn-cs"/>
+        <a:latin typeface="+mj-lt"/>
+        <a:ea typeface="+mj-ea"/>
+        <a:cs typeface="+mj-cs"/>
         <a:sym typeface="Helvetica"/>
       </a:defRPr>
     </a:lvl2pPr>
@@ -145,9 +146,9 @@
         </a:solidFill>
         <a:effectLst/>
         <a:uFillTx/>
-        <a:latin typeface="+mn-lt"/>
-        <a:ea typeface="+mn-ea"/>
-        <a:cs typeface="+mn-cs"/>
+        <a:latin typeface="+mj-lt"/>
+        <a:ea typeface="+mj-ea"/>
+        <a:cs typeface="+mj-cs"/>
         <a:sym typeface="Helvetica"/>
       </a:defRPr>
     </a:lvl3pPr>
@@ -175,9 +176,9 @@
         </a:solidFill>
         <a:effectLst/>
         <a:uFillTx/>
-        <a:latin typeface="+mn-lt"/>
-        <a:ea typeface="+mn-ea"/>
-        <a:cs typeface="+mn-cs"/>
+        <a:latin typeface="+mj-lt"/>
+        <a:ea typeface="+mj-ea"/>
+        <a:cs typeface="+mj-cs"/>
         <a:sym typeface="Helvetica"/>
       </a:defRPr>
     </a:lvl4pPr>
@@ -205,9 +206,9 @@
         </a:solidFill>
         <a:effectLst/>
         <a:uFillTx/>
-        <a:latin typeface="+mn-lt"/>
-        <a:ea typeface="+mn-ea"/>
-        <a:cs typeface="+mn-cs"/>
+        <a:latin typeface="+mj-lt"/>
+        <a:ea typeface="+mj-ea"/>
+        <a:cs typeface="+mj-cs"/>
         <a:sym typeface="Helvetica"/>
       </a:defRPr>
     </a:lvl5pPr>
@@ -235,9 +236,9 @@
         </a:solidFill>
         <a:effectLst/>
         <a:uFillTx/>
-        <a:latin typeface="+mn-lt"/>
-        <a:ea typeface="+mn-ea"/>
-        <a:cs typeface="+mn-cs"/>
+        <a:latin typeface="+mj-lt"/>
+        <a:ea typeface="+mj-ea"/>
+        <a:cs typeface="+mj-cs"/>
         <a:sym typeface="Helvetica"/>
       </a:defRPr>
     </a:lvl6pPr>
@@ -265,9 +266,9 @@
         </a:solidFill>
         <a:effectLst/>
         <a:uFillTx/>
-        <a:latin typeface="+mn-lt"/>
-        <a:ea typeface="+mn-ea"/>
-        <a:cs typeface="+mn-cs"/>
+        <a:latin typeface="+mj-lt"/>
+        <a:ea typeface="+mj-ea"/>
+        <a:cs typeface="+mj-cs"/>
         <a:sym typeface="Helvetica"/>
       </a:defRPr>
     </a:lvl7pPr>
@@ -295,9 +296,9 @@
         </a:solidFill>
         <a:effectLst/>
         <a:uFillTx/>
-        <a:latin typeface="+mn-lt"/>
-        <a:ea typeface="+mn-ea"/>
-        <a:cs typeface="+mn-cs"/>
+        <a:latin typeface="+mj-lt"/>
+        <a:ea typeface="+mj-ea"/>
+        <a:cs typeface="+mj-cs"/>
         <a:sym typeface="Helvetica"/>
       </a:defRPr>
     </a:lvl8pPr>
@@ -325,9 +326,9 @@
         </a:solidFill>
         <a:effectLst/>
         <a:uFillTx/>
-        <a:latin typeface="+mn-lt"/>
-        <a:ea typeface="+mn-ea"/>
-        <a:cs typeface="+mn-cs"/>
+        <a:latin typeface="+mj-lt"/>
+        <a:ea typeface="+mj-ea"/>
+        <a:cs typeface="+mj-cs"/>
         <a:sym typeface="Helvetica"/>
       </a:defRPr>
     </a:lvl9pPr>
@@ -412,73 +413,73 @@
   <p:notesStyle>
     <a:lvl1pPr latinLnBrk="0">
       <a:defRPr sz="1200">
-        <a:latin typeface="+mj-lt"/>
-        <a:ea typeface="+mj-ea"/>
-        <a:cs typeface="+mj-cs"/>
+        <a:latin typeface="+mn-lt"/>
+        <a:ea typeface="+mn-ea"/>
+        <a:cs typeface="+mn-cs"/>
         <a:sym typeface="맑은 고딕"/>
       </a:defRPr>
     </a:lvl1pPr>
     <a:lvl2pPr indent="228600" latinLnBrk="0">
       <a:defRPr sz="1200">
-        <a:latin typeface="+mj-lt"/>
-        <a:ea typeface="+mj-ea"/>
-        <a:cs typeface="+mj-cs"/>
+        <a:latin typeface="+mn-lt"/>
+        <a:ea typeface="+mn-ea"/>
+        <a:cs typeface="+mn-cs"/>
         <a:sym typeface="맑은 고딕"/>
       </a:defRPr>
     </a:lvl2pPr>
     <a:lvl3pPr indent="457200" latinLnBrk="0">
       <a:defRPr sz="1200">
-        <a:latin typeface="+mj-lt"/>
-        <a:ea typeface="+mj-ea"/>
-        <a:cs typeface="+mj-cs"/>
+        <a:latin typeface="+mn-lt"/>
+        <a:ea typeface="+mn-ea"/>
+        <a:cs typeface="+mn-cs"/>
         <a:sym typeface="맑은 고딕"/>
       </a:defRPr>
     </a:lvl3pPr>
     <a:lvl4pPr indent="685800" latinLnBrk="0">
       <a:defRPr sz="1200">
-        <a:latin typeface="+mj-lt"/>
-        <a:ea typeface="+mj-ea"/>
-        <a:cs typeface="+mj-cs"/>
+        <a:latin typeface="+mn-lt"/>
+        <a:ea typeface="+mn-ea"/>
+        <a:cs typeface="+mn-cs"/>
         <a:sym typeface="맑은 고딕"/>
       </a:defRPr>
     </a:lvl4pPr>
     <a:lvl5pPr indent="914400" latinLnBrk="0">
       <a:defRPr sz="1200">
-        <a:latin typeface="+mj-lt"/>
-        <a:ea typeface="+mj-ea"/>
-        <a:cs typeface="+mj-cs"/>
+        <a:latin typeface="+mn-lt"/>
+        <a:ea typeface="+mn-ea"/>
+        <a:cs typeface="+mn-cs"/>
         <a:sym typeface="맑은 고딕"/>
       </a:defRPr>
     </a:lvl5pPr>
     <a:lvl6pPr indent="1143000" latinLnBrk="0">
       <a:defRPr sz="1200">
-        <a:latin typeface="+mj-lt"/>
-        <a:ea typeface="+mj-ea"/>
-        <a:cs typeface="+mj-cs"/>
+        <a:latin typeface="+mn-lt"/>
+        <a:ea typeface="+mn-ea"/>
+        <a:cs typeface="+mn-cs"/>
         <a:sym typeface="맑은 고딕"/>
       </a:defRPr>
     </a:lvl6pPr>
     <a:lvl7pPr indent="1371600" latinLnBrk="0">
       <a:defRPr sz="1200">
-        <a:latin typeface="+mj-lt"/>
-        <a:ea typeface="+mj-ea"/>
-        <a:cs typeface="+mj-cs"/>
+        <a:latin typeface="+mn-lt"/>
+        <a:ea typeface="+mn-ea"/>
+        <a:cs typeface="+mn-cs"/>
         <a:sym typeface="맑은 고딕"/>
       </a:defRPr>
     </a:lvl7pPr>
     <a:lvl8pPr indent="1600200" latinLnBrk="0">
       <a:defRPr sz="1200">
-        <a:latin typeface="+mj-lt"/>
-        <a:ea typeface="+mj-ea"/>
-        <a:cs typeface="+mj-cs"/>
+        <a:latin typeface="+mn-lt"/>
+        <a:ea typeface="+mn-ea"/>
+        <a:cs typeface="+mn-cs"/>
         <a:sym typeface="맑은 고딕"/>
       </a:defRPr>
     </a:lvl8pPr>
     <a:lvl9pPr indent="1828800" latinLnBrk="0">
       <a:defRPr sz="1200">
-        <a:latin typeface="+mj-lt"/>
-        <a:ea typeface="+mj-ea"/>
-        <a:cs typeface="+mj-cs"/>
+        <a:latin typeface="+mn-lt"/>
+        <a:ea typeface="+mn-ea"/>
+        <a:cs typeface="+mn-cs"/>
         <a:sym typeface="맑은 고딕"/>
       </a:defRPr>
     </a:lvl9pPr>
@@ -546,7 +547,7 @@
         <p:spPr>
           <a:xfrm>
             <a:off x="1524000" y="3602037"/>
-            <a:ext cx="9144000" cy="1655775"/>
+            <a:ext cx="9144000" cy="1655776"/>
           </a:xfrm>
           <a:prstGeom prst="rect">
             <a:avLst/>
@@ -829,7 +830,7 @@
         <p:spPr>
           <a:xfrm>
             <a:off x="831850" y="4589462"/>
-            <a:ext cx="10515600" cy="1500200"/>
+            <a:ext cx="10515600" cy="1500201"/>
           </a:xfrm>
           <a:prstGeom prst="rect">
             <a:avLst/>
@@ -1132,7 +1133,7 @@
         <p:spPr>
           <a:xfrm>
             <a:off x="839787" y="1681163"/>
-            <a:ext cx="5157790" cy="823925"/>
+            <a:ext cx="5157790" cy="823926"/>
           </a:xfrm>
           <a:prstGeom prst="rect">
             <a:avLst/>
@@ -1507,8 +1508,8 @@
         </p:nvSpPr>
         <p:spPr>
           <a:xfrm>
-            <a:off x="839778" y="2057400"/>
-            <a:ext cx="3932259" cy="3811588"/>
+            <a:off x="839777" y="2057400"/>
+            <a:ext cx="3932260" cy="3811588"/>
           </a:xfrm>
           <a:prstGeom prst="rect">
             <a:avLst/>
@@ -1897,9 +1898,9 @@
                 <a:solidFill>
                   <a:srgbClr val="888888"/>
                 </a:solidFill>
-                <a:latin typeface="+mj-lt"/>
-                <a:ea typeface="+mj-ea"/>
-                <a:cs typeface="+mj-cs"/>
+                <a:latin typeface="+mn-lt"/>
+                <a:ea typeface="+mn-ea"/>
+                <a:cs typeface="+mn-cs"/>
                 <a:sym typeface="맑은 고딕"/>
               </a:defRPr>
             </a:lvl1pPr>
@@ -1947,9 +1948,9 @@
             <a:srgbClr val="000000"/>
           </a:solidFill>
           <a:uFillTx/>
-          <a:latin typeface="+mj-lt"/>
-          <a:ea typeface="+mj-ea"/>
-          <a:cs typeface="+mj-cs"/>
+          <a:latin typeface="+mn-lt"/>
+          <a:ea typeface="+mn-ea"/>
+          <a:cs typeface="+mn-cs"/>
           <a:sym typeface="맑은 고딕"/>
         </a:defRPr>
       </a:lvl1pPr>
@@ -1973,9 +1974,9 @@
             <a:srgbClr val="000000"/>
           </a:solidFill>
           <a:uFillTx/>
-          <a:latin typeface="+mj-lt"/>
-          <a:ea typeface="+mj-ea"/>
-          <a:cs typeface="+mj-cs"/>
+          <a:latin typeface="+mn-lt"/>
+          <a:ea typeface="+mn-ea"/>
+          <a:cs typeface="+mn-cs"/>
           <a:sym typeface="맑은 고딕"/>
         </a:defRPr>
       </a:lvl2pPr>
@@ -1999,9 +2000,9 @@
             <a:srgbClr val="000000"/>
           </a:solidFill>
           <a:uFillTx/>
-          <a:latin typeface="+mj-lt"/>
-          <a:ea typeface="+mj-ea"/>
-          <a:cs typeface="+mj-cs"/>
+          <a:latin typeface="+mn-lt"/>
+          <a:ea typeface="+mn-ea"/>
+          <a:cs typeface="+mn-cs"/>
           <a:sym typeface="맑은 고딕"/>
         </a:defRPr>
       </a:lvl3pPr>
@@ -2025,9 +2026,9 @@
             <a:srgbClr val="000000"/>
           </a:solidFill>
           <a:uFillTx/>
-          <a:latin typeface="+mj-lt"/>
-          <a:ea typeface="+mj-ea"/>
-          <a:cs typeface="+mj-cs"/>
+          <a:latin typeface="+mn-lt"/>
+          <a:ea typeface="+mn-ea"/>
+          <a:cs typeface="+mn-cs"/>
           <a:sym typeface="맑은 고딕"/>
         </a:defRPr>
       </a:lvl4pPr>
@@ -2051,9 +2052,9 @@
             <a:srgbClr val="000000"/>
           </a:solidFill>
           <a:uFillTx/>
-          <a:latin typeface="+mj-lt"/>
-          <a:ea typeface="+mj-ea"/>
-          <a:cs typeface="+mj-cs"/>
+          <a:latin typeface="+mn-lt"/>
+          <a:ea typeface="+mn-ea"/>
+          <a:cs typeface="+mn-cs"/>
           <a:sym typeface="맑은 고딕"/>
         </a:defRPr>
       </a:lvl5pPr>
@@ -2077,9 +2078,9 @@
             <a:srgbClr val="000000"/>
           </a:solidFill>
           <a:uFillTx/>
-          <a:latin typeface="+mj-lt"/>
-          <a:ea typeface="+mj-ea"/>
-          <a:cs typeface="+mj-cs"/>
+          <a:latin typeface="+mn-lt"/>
+          <a:ea typeface="+mn-ea"/>
+          <a:cs typeface="+mn-cs"/>
           <a:sym typeface="맑은 고딕"/>
         </a:defRPr>
       </a:lvl6pPr>
@@ -2103,9 +2104,9 @@
             <a:srgbClr val="000000"/>
           </a:solidFill>
           <a:uFillTx/>
-          <a:latin typeface="+mj-lt"/>
-          <a:ea typeface="+mj-ea"/>
-          <a:cs typeface="+mj-cs"/>
+          <a:latin typeface="+mn-lt"/>
+          <a:ea typeface="+mn-ea"/>
+          <a:cs typeface="+mn-cs"/>
           <a:sym typeface="맑은 고딕"/>
         </a:defRPr>
       </a:lvl7pPr>
@@ -2129,9 +2130,9 @@
             <a:srgbClr val="000000"/>
           </a:solidFill>
           <a:uFillTx/>
-          <a:latin typeface="+mj-lt"/>
-          <a:ea typeface="+mj-ea"/>
-          <a:cs typeface="+mj-cs"/>
+          <a:latin typeface="+mn-lt"/>
+          <a:ea typeface="+mn-ea"/>
+          <a:cs typeface="+mn-cs"/>
           <a:sym typeface="맑은 고딕"/>
         </a:defRPr>
       </a:lvl8pPr>
@@ -2155,9 +2156,9 @@
             <a:srgbClr val="000000"/>
           </a:solidFill>
           <a:uFillTx/>
-          <a:latin typeface="+mj-lt"/>
-          <a:ea typeface="+mj-ea"/>
-          <a:cs typeface="+mj-cs"/>
+          <a:latin typeface="+mn-lt"/>
+          <a:ea typeface="+mn-ea"/>
+          <a:cs typeface="+mn-cs"/>
           <a:sym typeface="맑은 고딕"/>
         </a:defRPr>
       </a:lvl9pPr>
@@ -2183,9 +2184,9 @@
             <a:srgbClr val="000000"/>
           </a:solidFill>
           <a:uFillTx/>
-          <a:latin typeface="+mj-lt"/>
-          <a:ea typeface="+mj-ea"/>
-          <a:cs typeface="+mj-cs"/>
+          <a:latin typeface="+mn-lt"/>
+          <a:ea typeface="+mn-ea"/>
+          <a:cs typeface="+mn-cs"/>
           <a:sym typeface="맑은 고딕"/>
         </a:defRPr>
       </a:lvl1pPr>
@@ -2209,9 +2210,9 @@
             <a:srgbClr val="000000"/>
           </a:solidFill>
           <a:uFillTx/>
-          <a:latin typeface="+mj-lt"/>
-          <a:ea typeface="+mj-ea"/>
-          <a:cs typeface="+mj-cs"/>
+          <a:latin typeface="+mn-lt"/>
+          <a:ea typeface="+mn-ea"/>
+          <a:cs typeface="+mn-cs"/>
           <a:sym typeface="맑은 고딕"/>
         </a:defRPr>
       </a:lvl2pPr>
@@ -2235,9 +2236,9 @@
             <a:srgbClr val="000000"/>
           </a:solidFill>
           <a:uFillTx/>
-          <a:latin typeface="+mj-lt"/>
-          <a:ea typeface="+mj-ea"/>
-          <a:cs typeface="+mj-cs"/>
+          <a:latin typeface="+mn-lt"/>
+          <a:ea typeface="+mn-ea"/>
+          <a:cs typeface="+mn-cs"/>
           <a:sym typeface="맑은 고딕"/>
         </a:defRPr>
       </a:lvl3pPr>
@@ -2261,9 +2262,9 @@
             <a:srgbClr val="000000"/>
           </a:solidFill>
           <a:uFillTx/>
-          <a:latin typeface="+mj-lt"/>
-          <a:ea typeface="+mj-ea"/>
-          <a:cs typeface="+mj-cs"/>
+          <a:latin typeface="+mn-lt"/>
+          <a:ea typeface="+mn-ea"/>
+          <a:cs typeface="+mn-cs"/>
           <a:sym typeface="맑은 고딕"/>
         </a:defRPr>
       </a:lvl4pPr>
@@ -2287,9 +2288,9 @@
             <a:srgbClr val="000000"/>
           </a:solidFill>
           <a:uFillTx/>
-          <a:latin typeface="+mj-lt"/>
-          <a:ea typeface="+mj-ea"/>
-          <a:cs typeface="+mj-cs"/>
+          <a:latin typeface="+mn-lt"/>
+          <a:ea typeface="+mn-ea"/>
+          <a:cs typeface="+mn-cs"/>
           <a:sym typeface="맑은 고딕"/>
         </a:defRPr>
       </a:lvl5pPr>
@@ -2313,9 +2314,9 @@
             <a:srgbClr val="000000"/>
           </a:solidFill>
           <a:uFillTx/>
-          <a:latin typeface="+mj-lt"/>
-          <a:ea typeface="+mj-ea"/>
-          <a:cs typeface="+mj-cs"/>
+          <a:latin typeface="+mn-lt"/>
+          <a:ea typeface="+mn-ea"/>
+          <a:cs typeface="+mn-cs"/>
           <a:sym typeface="맑은 고딕"/>
         </a:defRPr>
       </a:lvl6pPr>
@@ -2339,9 +2340,9 @@
             <a:srgbClr val="000000"/>
           </a:solidFill>
           <a:uFillTx/>
-          <a:latin typeface="+mj-lt"/>
-          <a:ea typeface="+mj-ea"/>
-          <a:cs typeface="+mj-cs"/>
+          <a:latin typeface="+mn-lt"/>
+          <a:ea typeface="+mn-ea"/>
+          <a:cs typeface="+mn-cs"/>
           <a:sym typeface="맑은 고딕"/>
         </a:defRPr>
       </a:lvl7pPr>
@@ -2365,9 +2366,9 @@
             <a:srgbClr val="000000"/>
           </a:solidFill>
           <a:uFillTx/>
-          <a:latin typeface="+mj-lt"/>
-          <a:ea typeface="+mj-ea"/>
-          <a:cs typeface="+mj-cs"/>
+          <a:latin typeface="+mn-lt"/>
+          <a:ea typeface="+mn-ea"/>
+          <a:cs typeface="+mn-cs"/>
           <a:sym typeface="맑은 고딕"/>
         </a:defRPr>
       </a:lvl8pPr>
@@ -2391,9 +2392,9 @@
             <a:srgbClr val="000000"/>
           </a:solidFill>
           <a:uFillTx/>
-          <a:latin typeface="+mj-lt"/>
-          <a:ea typeface="+mj-ea"/>
-          <a:cs typeface="+mj-cs"/>
+          <a:latin typeface="+mn-lt"/>
+          <a:ea typeface="+mn-ea"/>
+          <a:cs typeface="+mn-cs"/>
           <a:sym typeface="맑은 고딕"/>
         </a:defRPr>
       </a:lvl9pPr>
@@ -6305,7 +6306,7 @@
         </p:nvGraphicFramePr>
         <p:xfrm>
           <a:off x="4026320" y="1954103"/>
-          <a:ext cx="990737" cy="697236"/>
+          <a:ext cx="990738" cy="697236"/>
         </p:xfrm>
         <a:graphic xmlns:a="http://schemas.openxmlformats.org/drawingml/2006/main">
           <a:graphicData uri="http://schemas.openxmlformats.org/drawingml/2006/table">
@@ -6475,7 +6476,7 @@
         </p:nvGraphicFramePr>
         <p:xfrm>
           <a:off x="5259682" y="1954103"/>
-          <a:ext cx="990738" cy="697236"/>
+          <a:ext cx="990739" cy="697236"/>
         </p:xfrm>
         <a:graphic xmlns:a="http://schemas.openxmlformats.org/drawingml/2006/main">
           <a:graphicData uri="http://schemas.openxmlformats.org/drawingml/2006/table">
@@ -6645,7 +6646,7 @@
         </p:nvGraphicFramePr>
         <p:xfrm>
           <a:off x="6493047" y="1954103"/>
-          <a:ext cx="990737" cy="697236"/>
+          <a:ext cx="990738" cy="697236"/>
         </p:xfrm>
         <a:graphic xmlns:a="http://schemas.openxmlformats.org/drawingml/2006/main">
           <a:graphicData uri="http://schemas.openxmlformats.org/drawingml/2006/table">
@@ -8534,7 +8535,7 @@
         </p:nvGraphicFramePr>
         <p:xfrm>
           <a:off x="5845845" y="3001853"/>
-          <a:ext cx="990737" cy="697236"/>
+          <a:ext cx="990738" cy="697236"/>
         </p:xfrm>
         <a:graphic xmlns:a="http://schemas.openxmlformats.org/drawingml/2006/main">
           <a:graphicData uri="http://schemas.openxmlformats.org/drawingml/2006/table">
@@ -8710,7 +8711,7 @@
         </p:nvGraphicFramePr>
         <p:xfrm>
           <a:off x="4676773" y="3001853"/>
-          <a:ext cx="926445" cy="697236"/>
+          <a:ext cx="926446" cy="697236"/>
         </p:xfrm>
         <a:graphic xmlns:a="http://schemas.openxmlformats.org/drawingml/2006/main">
           <a:graphicData uri="http://schemas.openxmlformats.org/drawingml/2006/table">
@@ -8894,7 +8895,7 @@
         </p:nvGraphicFramePr>
         <p:xfrm>
           <a:off x="5845845" y="3804284"/>
-          <a:ext cx="990737" cy="697243"/>
+          <a:ext cx="990738" cy="697244"/>
         </p:xfrm>
         <a:graphic xmlns:a="http://schemas.openxmlformats.org/drawingml/2006/main">
           <a:graphicData uri="http://schemas.openxmlformats.org/drawingml/2006/table">
@@ -9070,7 +9071,7 @@
         </p:nvGraphicFramePr>
         <p:xfrm>
           <a:off x="4676773" y="3804284"/>
-          <a:ext cx="926445" cy="697243"/>
+          <a:ext cx="926446" cy="697244"/>
         </p:xfrm>
         <a:graphic xmlns:a="http://schemas.openxmlformats.org/drawingml/2006/main">
           <a:graphicData uri="http://schemas.openxmlformats.org/drawingml/2006/table">
@@ -9254,7 +9255,7 @@
         </p:nvGraphicFramePr>
         <p:xfrm>
           <a:off x="5845845" y="628754"/>
-          <a:ext cx="990737" cy="697236"/>
+          <a:ext cx="990738" cy="697236"/>
         </p:xfrm>
         <a:graphic xmlns:a="http://schemas.openxmlformats.org/drawingml/2006/main">
           <a:graphicData uri="http://schemas.openxmlformats.org/drawingml/2006/table">
@@ -9430,7 +9431,7 @@
         </p:nvGraphicFramePr>
         <p:xfrm>
           <a:off x="4676773" y="628754"/>
-          <a:ext cx="926445" cy="697236"/>
+          <a:ext cx="926446" cy="697236"/>
         </p:xfrm>
         <a:graphic xmlns:a="http://schemas.openxmlformats.org/drawingml/2006/main">
           <a:graphicData uri="http://schemas.openxmlformats.org/drawingml/2006/table">
@@ -9614,7 +9615,7 @@
         </p:nvGraphicFramePr>
         <p:xfrm>
           <a:off x="5845845" y="1431182"/>
-          <a:ext cx="990737" cy="697243"/>
+          <a:ext cx="990738" cy="697244"/>
         </p:xfrm>
         <a:graphic xmlns:a="http://schemas.openxmlformats.org/drawingml/2006/main">
           <a:graphicData uri="http://schemas.openxmlformats.org/drawingml/2006/table">
@@ -9790,7 +9791,7 @@
         </p:nvGraphicFramePr>
         <p:xfrm>
           <a:off x="4676773" y="1431182"/>
-          <a:ext cx="926445" cy="697243"/>
+          <a:ext cx="926446" cy="697244"/>
         </p:xfrm>
         <a:graphic xmlns:a="http://schemas.openxmlformats.org/drawingml/2006/main">
           <a:graphicData uri="http://schemas.openxmlformats.org/drawingml/2006/table">
@@ -9974,7 +9975,7 @@
         </p:nvGraphicFramePr>
         <p:xfrm>
           <a:off x="8248277" y="628754"/>
-          <a:ext cx="990737" cy="697236"/>
+          <a:ext cx="990738" cy="697236"/>
         </p:xfrm>
         <a:graphic xmlns:a="http://schemas.openxmlformats.org/drawingml/2006/main">
           <a:graphicData uri="http://schemas.openxmlformats.org/drawingml/2006/table">
@@ -10150,7 +10151,7 @@
         </p:nvGraphicFramePr>
         <p:xfrm>
           <a:off x="7079208" y="628754"/>
-          <a:ext cx="926445" cy="697236"/>
+          <a:ext cx="926446" cy="697236"/>
         </p:xfrm>
         <a:graphic xmlns:a="http://schemas.openxmlformats.org/drawingml/2006/main">
           <a:graphicData uri="http://schemas.openxmlformats.org/drawingml/2006/table">
@@ -10304,7 +10305,7 @@
         </p:nvGraphicFramePr>
         <p:xfrm>
           <a:off x="8248277" y="1431182"/>
-          <a:ext cx="990737" cy="697243"/>
+          <a:ext cx="990738" cy="697244"/>
         </p:xfrm>
         <a:graphic xmlns:a="http://schemas.openxmlformats.org/drawingml/2006/main">
           <a:graphicData uri="http://schemas.openxmlformats.org/drawingml/2006/table">
@@ -10480,7 +10481,7 @@
         </p:nvGraphicFramePr>
         <p:xfrm>
           <a:off x="7079208" y="1431182"/>
-          <a:ext cx="926445" cy="697243"/>
+          <a:ext cx="926446" cy="697244"/>
         </p:xfrm>
         <a:graphic xmlns:a="http://schemas.openxmlformats.org/drawingml/2006/main">
           <a:graphicData uri="http://schemas.openxmlformats.org/drawingml/2006/table">
@@ -10665,7 +10666,7 @@
         <p:spPr>
           <a:xfrm>
             <a:off x="8005640" y="1187998"/>
-            <a:ext cx="71573" cy="13"/>
+            <a:ext cx="71574" cy="13"/>
           </a:xfrm>
           <a:prstGeom prst="line">
             <a:avLst/>
@@ -10694,7 +10695,7 @@
         <p:spPr>
           <a:xfrm flipH="1">
             <a:off x="8067674" y="1173586"/>
-            <a:ext cx="4776" cy="716413"/>
+            <a:ext cx="4777" cy="716414"/>
           </a:xfrm>
           <a:prstGeom prst="line">
             <a:avLst/>
@@ -10723,7 +10724,7 @@
         <p:spPr>
           <a:xfrm>
             <a:off x="8072435" y="1875600"/>
-            <a:ext cx="175855" cy="13"/>
+            <a:ext cx="175856" cy="13"/>
           </a:xfrm>
           <a:prstGeom prst="line">
             <a:avLst/>
@@ -10774,9 +10775,9 @@
           <a:lstStyle>
             <a:lvl1pPr>
               <a:defRPr sz="1200">
-                <a:latin typeface="+mj-lt"/>
-                <a:ea typeface="+mj-ea"/>
-                <a:cs typeface="+mj-cs"/>
+                <a:latin typeface="+mn-lt"/>
+                <a:ea typeface="+mn-ea"/>
+                <a:cs typeface="+mn-cs"/>
                 <a:sym typeface="맑은 고딕"/>
               </a:defRPr>
             </a:lvl1pPr>
@@ -10819,9 +10820,9 @@
           <a:lstStyle>
             <a:lvl1pPr>
               <a:defRPr sz="1200">
-                <a:latin typeface="+mj-lt"/>
-                <a:ea typeface="+mj-ea"/>
-                <a:cs typeface="+mj-cs"/>
+                <a:latin typeface="+mn-lt"/>
+                <a:ea typeface="+mn-ea"/>
+                <a:cs typeface="+mn-cs"/>
                 <a:sym typeface="맑은 고딕"/>
               </a:defRPr>
             </a:lvl1pPr>
@@ -10842,7 +10843,7 @@
         </p:nvGraphicFramePr>
         <p:xfrm>
           <a:off x="7079208" y="3001853"/>
-          <a:ext cx="926445" cy="697236"/>
+          <a:ext cx="926446" cy="697236"/>
         </p:xfrm>
         <a:graphic xmlns:a="http://schemas.openxmlformats.org/drawingml/2006/main">
           <a:graphicData uri="http://schemas.openxmlformats.org/drawingml/2006/table">
@@ -10996,7 +10997,7 @@
         </p:nvGraphicFramePr>
         <p:xfrm>
           <a:off x="8248277" y="3804284"/>
-          <a:ext cx="990737" cy="697243"/>
+          <a:ext cx="990738" cy="697244"/>
         </p:xfrm>
         <a:graphic xmlns:a="http://schemas.openxmlformats.org/drawingml/2006/main">
           <a:graphicData uri="http://schemas.openxmlformats.org/drawingml/2006/table">
@@ -11172,7 +11173,7 @@
         </p:nvGraphicFramePr>
         <p:xfrm>
           <a:off x="7079208" y="3804284"/>
-          <a:ext cx="926445" cy="697243"/>
+          <a:ext cx="926446" cy="697244"/>
         </p:xfrm>
         <a:graphic xmlns:a="http://schemas.openxmlformats.org/drawingml/2006/main">
           <a:graphicData uri="http://schemas.openxmlformats.org/drawingml/2006/table">
@@ -11357,7 +11358,7 @@
         <p:spPr>
           <a:xfrm>
             <a:off x="8005640" y="3561100"/>
-            <a:ext cx="71573" cy="13"/>
+            <a:ext cx="71574" cy="13"/>
           </a:xfrm>
           <a:prstGeom prst="line">
             <a:avLst/>
@@ -11386,7 +11387,7 @@
         <p:spPr>
           <a:xfrm flipH="1">
             <a:off x="8067674" y="3546685"/>
-            <a:ext cx="4776" cy="716414"/>
+            <a:ext cx="4777" cy="716415"/>
           </a:xfrm>
           <a:prstGeom prst="line">
             <a:avLst/>
@@ -11415,7 +11416,7 @@
         <p:spPr>
           <a:xfrm>
             <a:off x="8072435" y="4248701"/>
-            <a:ext cx="175855" cy="13"/>
+            <a:ext cx="175856" cy="13"/>
           </a:xfrm>
           <a:prstGeom prst="line">
             <a:avLst/>
@@ -11830,7 +11831,7 @@
         </p:nvGraphicFramePr>
         <p:xfrm>
           <a:off x="1416719" y="1525905"/>
-          <a:ext cx="1201733" cy="697236"/>
+          <a:ext cx="1201734" cy="697236"/>
         </p:xfrm>
         <a:graphic xmlns:a="http://schemas.openxmlformats.org/drawingml/2006/main">
           <a:graphicData uri="http://schemas.openxmlformats.org/drawingml/2006/table">
@@ -12190,7 +12191,7 @@
         </p:nvGraphicFramePr>
         <p:xfrm>
           <a:off x="1416719" y="2726476"/>
-          <a:ext cx="1201733" cy="697236"/>
+          <a:ext cx="1201734" cy="697236"/>
         </p:xfrm>
         <a:graphic xmlns:a="http://schemas.openxmlformats.org/drawingml/2006/main">
           <a:graphicData uri="http://schemas.openxmlformats.org/drawingml/2006/table">
@@ -12750,7 +12751,7 @@
         </p:nvGraphicFramePr>
         <p:xfrm>
           <a:off x="1416719" y="3927049"/>
-          <a:ext cx="1201733" cy="697244"/>
+          <a:ext cx="1201734" cy="697245"/>
         </p:xfrm>
         <a:graphic xmlns:a="http://schemas.openxmlformats.org/drawingml/2006/main">
           <a:graphicData uri="http://schemas.openxmlformats.org/drawingml/2006/table">
@@ -12920,7 +12921,7 @@
         </p:nvGraphicFramePr>
         <p:xfrm>
           <a:off x="247649" y="3927049"/>
-          <a:ext cx="926433" cy="697244"/>
+          <a:ext cx="926433" cy="697245"/>
         </p:xfrm>
         <a:graphic xmlns:a="http://schemas.openxmlformats.org/drawingml/2006/main">
           <a:graphicData uri="http://schemas.openxmlformats.org/drawingml/2006/table">
@@ -13104,7 +13105,7 @@
         </p:nvGraphicFramePr>
         <p:xfrm>
           <a:off x="2861074" y="3927049"/>
-          <a:ext cx="1201723" cy="697244"/>
+          <a:ext cx="1201723" cy="697245"/>
         </p:xfrm>
         <a:graphic xmlns:a="http://schemas.openxmlformats.org/drawingml/2006/main">
           <a:graphicData uri="http://schemas.openxmlformats.org/drawingml/2006/table">
@@ -13304,7 +13305,7 @@
         </p:nvGraphicFramePr>
         <p:xfrm>
           <a:off x="4305434" y="3927049"/>
-          <a:ext cx="1201733" cy="697244"/>
+          <a:ext cx="1201734" cy="697245"/>
         </p:xfrm>
         <a:graphic xmlns:a="http://schemas.openxmlformats.org/drawingml/2006/main">
           <a:graphicData uri="http://schemas.openxmlformats.org/drawingml/2006/table">
@@ -13510,7 +13511,7 @@
         </p:nvGraphicFramePr>
         <p:xfrm>
           <a:off x="1416719" y="5127623"/>
-          <a:ext cx="1201733" cy="697243"/>
+          <a:ext cx="1201734" cy="697244"/>
         </p:xfrm>
         <a:graphic xmlns:a="http://schemas.openxmlformats.org/drawingml/2006/main">
           <a:graphicData uri="http://schemas.openxmlformats.org/drawingml/2006/table">
@@ -13680,7 +13681,7 @@
         </p:nvGraphicFramePr>
         <p:xfrm>
           <a:off x="247649" y="5127623"/>
-          <a:ext cx="926433" cy="697243"/>
+          <a:ext cx="926433" cy="697244"/>
         </p:xfrm>
         <a:graphic xmlns:a="http://schemas.openxmlformats.org/drawingml/2006/main">
           <a:graphicData uri="http://schemas.openxmlformats.org/drawingml/2006/table">
@@ -13864,7 +13865,7 @@
         </p:nvGraphicFramePr>
         <p:xfrm>
           <a:off x="2861074" y="5127623"/>
-          <a:ext cx="1201723" cy="697243"/>
+          <a:ext cx="1201723" cy="697244"/>
         </p:xfrm>
         <a:graphic xmlns:a="http://schemas.openxmlformats.org/drawingml/2006/main">
           <a:graphicData uri="http://schemas.openxmlformats.org/drawingml/2006/table">
@@ -14064,7 +14065,7 @@
         </p:nvGraphicFramePr>
         <p:xfrm>
           <a:off x="4305434" y="5127623"/>
-          <a:ext cx="1201733" cy="697243"/>
+          <a:ext cx="1201734" cy="697244"/>
         </p:xfrm>
         <a:graphic xmlns:a="http://schemas.openxmlformats.org/drawingml/2006/main">
           <a:graphicData uri="http://schemas.openxmlformats.org/drawingml/2006/table">
@@ -14336,9 +14337,9 @@
             <a:p>
               <a:pPr>
                 <a:defRPr>
-                  <a:latin typeface="+mj-lt"/>
-                  <a:ea typeface="+mj-ea"/>
-                  <a:cs typeface="+mj-cs"/>
+                  <a:latin typeface="+mn-lt"/>
+                  <a:ea typeface="+mn-ea"/>
+                  <a:cs typeface="+mn-cs"/>
                   <a:sym typeface="맑은 고딕"/>
                 </a:defRPr>
               </a:pPr>
@@ -14353,7 +14354,7 @@
           </p:nvSpPr>
           <p:spPr>
             <a:xfrm>
-              <a:off x="81831" y="140007"/>
+              <a:off x="81831" y="140006"/>
               <a:ext cx="1512742" cy="1767837"/>
             </a:xfrm>
             <a:prstGeom prst="rect">
@@ -14382,9 +14383,9 @@
                   <a:solidFill>
                     <a:srgbClr val="2F5597"/>
                   </a:solidFill>
-                  <a:latin typeface="+mj-lt"/>
-                  <a:ea typeface="+mj-ea"/>
-                  <a:cs typeface="+mj-cs"/>
+                  <a:latin typeface="+mn-lt"/>
+                  <a:ea typeface="+mn-ea"/>
+                  <a:cs typeface="+mn-cs"/>
                   <a:sym typeface="맑은 고딕"/>
                 </a:defRPr>
               </a:pPr>
@@ -14411,9 +14412,9 @@
                   <a:solidFill>
                     <a:srgbClr val="C55A11"/>
                   </a:solidFill>
-                  <a:latin typeface="+mj-lt"/>
-                  <a:ea typeface="+mj-ea"/>
-                  <a:cs typeface="+mj-cs"/>
+                  <a:latin typeface="+mn-lt"/>
+                  <a:ea typeface="+mn-ea"/>
+                  <a:cs typeface="+mn-cs"/>
                   <a:sym typeface="맑은 고딕"/>
                 </a:defRPr>
               </a:pPr>
@@ -14437,9 +14438,9 @@
             <a:p>
               <a:pPr>
                 <a:defRPr>
-                  <a:latin typeface="+mj-lt"/>
-                  <a:ea typeface="+mj-ea"/>
-                  <a:cs typeface="+mj-cs"/>
+                  <a:latin typeface="+mn-lt"/>
+                  <a:ea typeface="+mn-ea"/>
+                  <a:cs typeface="+mn-cs"/>
                   <a:sym typeface="맑은 고딕"/>
                 </a:defRPr>
               </a:pPr>
@@ -14458,9 +14459,9 @@
                   <a:solidFill>
                     <a:srgbClr val="C55A11"/>
                   </a:solidFill>
-                  <a:latin typeface="+mj-lt"/>
-                  <a:ea typeface="+mj-ea"/>
-                  <a:cs typeface="+mj-cs"/>
+                  <a:latin typeface="+mn-lt"/>
+                  <a:ea typeface="+mn-ea"/>
+                  <a:cs typeface="+mn-cs"/>
                   <a:sym typeface="맑은 고딕"/>
                 </a:defRPr>
               </a:pPr>
@@ -14487,9 +14488,9 @@
                   <a:solidFill>
                     <a:srgbClr val="C55A11"/>
                   </a:solidFill>
-                  <a:latin typeface="+mj-lt"/>
-                  <a:ea typeface="+mj-ea"/>
-                  <a:cs typeface="+mj-cs"/>
+                  <a:latin typeface="+mn-lt"/>
+                  <a:ea typeface="+mn-ea"/>
+                  <a:cs typeface="+mn-cs"/>
                   <a:sym typeface="맑은 고딕"/>
                 </a:defRPr>
               </a:pPr>
@@ -14516,9 +14517,9 @@
                   <a:solidFill>
                     <a:srgbClr val="C55A11"/>
                   </a:solidFill>
-                  <a:latin typeface="+mj-lt"/>
-                  <a:ea typeface="+mj-ea"/>
-                  <a:cs typeface="+mj-cs"/>
+                  <a:latin typeface="+mn-lt"/>
+                  <a:ea typeface="+mn-ea"/>
+                  <a:cs typeface="+mn-cs"/>
                   <a:sym typeface="맑은 고딕"/>
                 </a:defRPr>
               </a:pPr>
@@ -14567,9 +14568,9 @@
           <a:lstStyle>
             <a:lvl1pPr>
               <a:defRPr b="1" sz="1400">
-                <a:latin typeface="+mj-lt"/>
-                <a:ea typeface="+mj-ea"/>
-                <a:cs typeface="+mj-cs"/>
+                <a:latin typeface="+mn-lt"/>
+                <a:ea typeface="+mn-ea"/>
+                <a:cs typeface="+mn-cs"/>
                 <a:sym typeface="맑은 고딕"/>
               </a:defRPr>
             </a:lvl1pPr>
@@ -14612,9 +14613,9 @@
           <a:lstStyle>
             <a:lvl1pPr algn="ctr">
               <a:defRPr b="1" sz="1200">
-                <a:latin typeface="+mj-lt"/>
-                <a:ea typeface="+mj-ea"/>
-                <a:cs typeface="+mj-cs"/>
+                <a:latin typeface="+mn-lt"/>
+                <a:ea typeface="+mn-ea"/>
+                <a:cs typeface="+mn-cs"/>
                 <a:sym typeface="맑은 고딕"/>
               </a:defRPr>
             </a:lvl1pPr>
@@ -14658,9 +14659,9 @@
           <a:p>
             <a:pPr algn="ctr">
               <a:defRPr b="1" sz="1200">
-                <a:latin typeface="+mj-lt"/>
-                <a:ea typeface="+mj-ea"/>
-                <a:cs typeface="+mj-cs"/>
+                <a:latin typeface="+mn-lt"/>
+                <a:ea typeface="+mn-ea"/>
+                <a:cs typeface="+mn-cs"/>
                 <a:sym typeface="맑은 고딕"/>
               </a:defRPr>
             </a:pPr>
@@ -14708,10 +14709,10 @@
         </p:nvGrpSpPr>
         <p:grpSpPr>
           <a:xfrm>
-            <a:off x="6308772" y="622903"/>
-            <a:ext cx="1499028" cy="1611256"/>
-            <a:chOff x="-1" y="-1"/>
-            <a:chExt cx="1499027" cy="1611254"/>
+            <a:off x="6308770" y="622902"/>
+            <a:ext cx="1499030" cy="1611258"/>
+            <a:chOff x="0" y="0"/>
+            <a:chExt cx="1499028" cy="1611257"/>
           </a:xfrm>
         </p:grpSpPr>
         <p:sp>
@@ -14722,8 +14723,8 @@
           </p:nvSpPr>
           <p:spPr>
             <a:xfrm>
-              <a:off x="-2" y="-2"/>
-              <a:ext cx="1499028" cy="1611256"/>
+              <a:off x="-1" y="-1"/>
+              <a:ext cx="1499029" cy="1611258"/>
             </a:xfrm>
             <a:prstGeom prst="roundRect">
               <a:avLst>
@@ -14748,9 +14749,9 @@
             <a:p>
               <a:pPr>
                 <a:defRPr>
-                  <a:latin typeface="+mj-lt"/>
-                  <a:ea typeface="+mj-ea"/>
-                  <a:cs typeface="+mj-cs"/>
+                  <a:latin typeface="+mn-lt"/>
+                  <a:ea typeface="+mn-ea"/>
+                  <a:cs typeface="+mn-cs"/>
                   <a:sym typeface="맑은 고딕"/>
                 </a:defRPr>
               </a:pPr>
@@ -14765,8 +14766,8 @@
           </p:nvSpPr>
           <p:spPr>
             <a:xfrm>
-              <a:off x="590" y="167386"/>
-              <a:ext cx="1489440" cy="1257056"/>
+              <a:off x="590" y="167387"/>
+              <a:ext cx="1489443" cy="1257057"/>
             </a:xfrm>
             <a:prstGeom prst="rect">
               <a:avLst/>
@@ -14794,9 +14795,9 @@
                   <a:solidFill>
                     <a:srgbClr val="2F5597"/>
                   </a:solidFill>
-                  <a:latin typeface="+mj-lt"/>
-                  <a:ea typeface="+mj-ea"/>
-                  <a:cs typeface="+mj-cs"/>
+                  <a:latin typeface="+mn-lt"/>
+                  <a:ea typeface="+mn-ea"/>
+                  <a:cs typeface="+mn-cs"/>
                   <a:sym typeface="맑은 고딕"/>
                 </a:defRPr>
               </a:pPr>
@@ -14810,9 +14811,9 @@
                   <a:solidFill>
                     <a:srgbClr val="2F5597"/>
                   </a:solidFill>
-                  <a:latin typeface="+mj-lt"/>
-                  <a:ea typeface="+mj-ea"/>
-                  <a:cs typeface="+mj-cs"/>
+                  <a:latin typeface="+mn-lt"/>
+                  <a:ea typeface="+mn-ea"/>
+                  <a:cs typeface="+mn-cs"/>
                   <a:sym typeface="맑은 고딕"/>
                 </a:defRPr>
               </a:pPr>
@@ -14826,9 +14827,9 @@
                   <a:solidFill>
                     <a:srgbClr val="2F5597"/>
                   </a:solidFill>
-                  <a:latin typeface="+mj-lt"/>
-                  <a:ea typeface="+mj-ea"/>
-                  <a:cs typeface="+mj-cs"/>
+                  <a:latin typeface="+mn-lt"/>
+                  <a:ea typeface="+mn-ea"/>
+                  <a:cs typeface="+mn-cs"/>
                   <a:sym typeface="맑은 고딕"/>
                 </a:defRPr>
               </a:pPr>
@@ -14842,9 +14843,9 @@
                   <a:solidFill>
                     <a:srgbClr val="2F5597"/>
                   </a:solidFill>
-                  <a:latin typeface="+mj-lt"/>
-                  <a:ea typeface="+mj-ea"/>
-                  <a:cs typeface="+mj-cs"/>
+                  <a:latin typeface="+mn-lt"/>
+                  <a:ea typeface="+mn-ea"/>
+                  <a:cs typeface="+mn-cs"/>
                   <a:sym typeface="맑은 고딕"/>
                 </a:defRPr>
               </a:pPr>
@@ -14885,9 +14886,9 @@
           <a:lstStyle>
             <a:lvl1pPr algn="ctr">
               <a:defRPr b="1" sz="1200">
-                <a:latin typeface="+mj-lt"/>
-                <a:ea typeface="+mj-ea"/>
-                <a:cs typeface="+mj-cs"/>
+                <a:latin typeface="+mn-lt"/>
+                <a:ea typeface="+mn-ea"/>
+                <a:cs typeface="+mn-cs"/>
                 <a:sym typeface="맑은 고딕"/>
               </a:defRPr>
             </a:lvl1pPr>
@@ -14909,7 +14910,7 @@
         <p:spPr>
           <a:xfrm>
             <a:off x="6308783" y="2819980"/>
-            <a:ext cx="1493303" cy="508002"/>
+            <a:ext cx="1493304" cy="508002"/>
           </a:xfrm>
           <a:prstGeom prst="roundRect">
             <a:avLst>
@@ -14929,9 +14930,9 @@
           <a:p>
             <a:pPr>
               <a:defRPr>
-                <a:latin typeface="+mj-lt"/>
-                <a:ea typeface="+mj-ea"/>
-                <a:cs typeface="+mj-cs"/>
+                <a:latin typeface="+mn-lt"/>
+                <a:ea typeface="+mn-ea"/>
+                <a:cs typeface="+mn-cs"/>
                 <a:sym typeface="맑은 고딕"/>
               </a:defRPr>
             </a:pPr>
@@ -14947,7 +14948,7 @@
         <p:spPr>
           <a:xfrm>
             <a:off x="6309371" y="2871214"/>
-            <a:ext cx="1483756" cy="386843"/>
+            <a:ext cx="1483757" cy="386843"/>
           </a:xfrm>
           <a:prstGeom prst="rect">
             <a:avLst/>
@@ -14971,9 +14972,9 @@
                 <a:solidFill>
                   <a:srgbClr val="2F5597"/>
                 </a:solidFill>
-                <a:latin typeface="+mj-lt"/>
-                <a:ea typeface="+mj-ea"/>
-                <a:cs typeface="+mj-cs"/>
+                <a:latin typeface="+mn-lt"/>
+                <a:ea typeface="+mn-ea"/>
+                <a:cs typeface="+mn-cs"/>
                 <a:sym typeface="맑은 고딕"/>
               </a:defRPr>
             </a:lvl1pPr>
@@ -15016,9 +15017,9 @@
           <a:lstStyle>
             <a:lvl1pPr algn="ctr">
               <a:defRPr b="1" sz="1200">
-                <a:latin typeface="+mj-lt"/>
-                <a:ea typeface="+mj-ea"/>
-                <a:cs typeface="+mj-cs"/>
+                <a:latin typeface="+mn-lt"/>
+                <a:ea typeface="+mn-ea"/>
+                <a:cs typeface="+mn-cs"/>
                 <a:sym typeface="맑은 고딕"/>
               </a:defRPr>
             </a:lvl1pPr>
@@ -15080,7 +15081,7 @@
         <p:spPr>
           <a:xfrm flipV="1">
             <a:off x="7058283" y="2258776"/>
-            <a:ext cx="10" cy="527060"/>
+            <a:ext cx="11" cy="527061"/>
           </a:xfrm>
           <a:prstGeom prst="line">
             <a:avLst/>
@@ -15149,7 +15150,7 @@
         <p:spPr>
           <a:xfrm flipV="1">
             <a:off x="5155736" y="1312217"/>
-            <a:ext cx="1428580" cy="960439"/>
+            <a:ext cx="1428581" cy="960439"/>
           </a:xfrm>
           <a:prstGeom prst="line">
             <a:avLst/>
@@ -15182,7 +15183,7 @@
         <p:spPr>
           <a:xfrm>
             <a:off x="5154910" y="2270030"/>
-            <a:ext cx="1429359" cy="806503"/>
+            <a:ext cx="1429360" cy="806504"/>
           </a:xfrm>
           <a:prstGeom prst="line">
             <a:avLst/>
@@ -15281,9 +15282,9 @@
         <p:grpSpPr>
           <a:xfrm>
             <a:off x="4096594" y="1109368"/>
-            <a:ext cx="5468600" cy="1404633"/>
+            <a:ext cx="5468602" cy="1404634"/>
             <a:chOff x="0" y="25400"/>
-            <a:chExt cx="5468599" cy="1404632"/>
+            <a:chExt cx="5468601" cy="1404633"/>
           </a:xfrm>
         </p:grpSpPr>
         <p:graphicFrame>
@@ -15294,7 +15295,7 @@
           </p:nvGraphicFramePr>
           <p:xfrm>
             <a:off x="3136235" y="25400"/>
-            <a:ext cx="2332365" cy="1404633"/>
+            <a:ext cx="2332367" cy="1404634"/>
           </p:xfrm>
           <a:graphic xmlns:a="http://schemas.openxmlformats.org/drawingml/2006/main">
             <a:graphicData uri="http://schemas.openxmlformats.org/drawingml/2006/table">
@@ -15605,7 +15606,7 @@
           </p:nvGraphicFramePr>
           <p:xfrm>
             <a:off x="1996213" y="147019"/>
-            <a:ext cx="757272" cy="307348"/>
+            <a:ext cx="757273" cy="307349"/>
           </p:xfrm>
           <a:graphic xmlns:a="http://schemas.openxmlformats.org/drawingml/2006/main">
             <a:graphicData uri="http://schemas.openxmlformats.org/drawingml/2006/table">
@@ -15708,8 +15709,8 @@
           </p:nvSpPr>
           <p:spPr>
             <a:xfrm>
-              <a:off x="2596906" y="300689"/>
-              <a:ext cx="532548" cy="9"/>
+              <a:off x="2609606" y="300689"/>
+              <a:ext cx="519849" cy="10"/>
             </a:xfrm>
             <a:prstGeom prst="line">
               <a:avLst/>
@@ -15745,7 +15746,7 @@
           <p:spPr>
             <a:xfrm>
               <a:off x="3159762" y="746178"/>
-              <a:ext cx="891793" cy="380489"/>
+              <a:ext cx="891795" cy="380491"/>
             </a:xfrm>
             <a:prstGeom prst="ellipse">
               <a:avLst/>
@@ -15768,9 +15769,9 @@
             <a:p>
               <a:pPr>
                 <a:defRPr>
-                  <a:latin typeface="+mj-lt"/>
-                  <a:ea typeface="+mj-ea"/>
-                  <a:cs typeface="+mj-cs"/>
+                  <a:latin typeface="+mn-lt"/>
+                  <a:ea typeface="+mn-ea"/>
+                  <a:cs typeface="+mn-cs"/>
                   <a:sym typeface="맑은 고딕"/>
                 </a:defRPr>
               </a:pPr>
@@ -15785,10 +15786,10 @@
           </p:nvGrpSpPr>
           <p:grpSpPr>
             <a:xfrm>
-              <a:off x="12689" y="461575"/>
-              <a:ext cx="1600777" cy="532280"/>
+              <a:off x="12688" y="461574"/>
+              <a:ext cx="1600779" cy="532283"/>
               <a:chOff x="-1" y="-1"/>
-              <a:chExt cx="1600775" cy="532278"/>
+              <a:chExt cx="1600778" cy="532281"/>
             </a:xfrm>
           </p:grpSpPr>
           <p:sp>
@@ -15800,7 +15801,7 @@
             <p:spPr>
               <a:xfrm>
                 <a:off x="-2" y="-2"/>
-                <a:ext cx="1600776" cy="532280"/>
+                <a:ext cx="1600780" cy="532283"/>
               </a:xfrm>
               <a:prstGeom prst="rect">
                 <a:avLst/>
@@ -15825,9 +15826,9 @@
               <a:p>
                 <a:pPr>
                   <a:defRPr sz="1200">
-                    <a:latin typeface="+mj-lt"/>
-                    <a:ea typeface="+mj-ea"/>
-                    <a:cs typeface="+mj-cs"/>
+                    <a:latin typeface="+mn-lt"/>
+                    <a:ea typeface="+mn-ea"/>
+                    <a:cs typeface="+mn-cs"/>
                     <a:sym typeface="맑은 고딕"/>
                   </a:defRPr>
                 </a:pPr>
@@ -15842,8 +15843,8 @@
             </p:nvSpPr>
             <p:spPr>
               <a:xfrm>
-                <a:off x="-2" y="42614"/>
-                <a:ext cx="1600776" cy="447037"/>
+                <a:off x="-2" y="42615"/>
+                <a:ext cx="1600780" cy="447037"/>
               </a:xfrm>
               <a:prstGeom prst="rect">
                 <a:avLst/>
@@ -15868,9 +15869,9 @@
               <a:p>
                 <a:pPr>
                   <a:defRPr sz="1200">
-                    <a:latin typeface="+mj-lt"/>
-                    <a:ea typeface="+mj-ea"/>
-                    <a:cs typeface="+mj-cs"/>
+                    <a:latin typeface="+mn-lt"/>
+                    <a:ea typeface="+mn-ea"/>
+                    <a:cs typeface="+mn-cs"/>
                     <a:sym typeface="맑은 고딕"/>
                   </a:defRPr>
                 </a:pPr>
@@ -15892,9 +15893,9 @@
               <a:p>
                 <a:pPr>
                   <a:defRPr sz="1200">
-                    <a:latin typeface="+mj-lt"/>
-                    <a:ea typeface="+mj-ea"/>
-                    <a:cs typeface="+mj-cs"/>
+                    <a:latin typeface="+mn-lt"/>
+                    <a:ea typeface="+mn-ea"/>
+                    <a:cs typeface="+mn-cs"/>
                     <a:sym typeface="맑은 고딕"/>
                   </a:defRPr>
                 </a:pPr>
@@ -15939,9 +15940,9 @@
             <a:p>
               <a:pPr algn="ctr">
                 <a:defRPr sz="1200">
-                  <a:latin typeface="+mj-lt"/>
-                  <a:ea typeface="+mj-ea"/>
-                  <a:cs typeface="+mj-cs"/>
+                  <a:latin typeface="+mn-lt"/>
+                  <a:ea typeface="+mn-ea"/>
+                  <a:cs typeface="+mn-cs"/>
                   <a:sym typeface="맑은 고딕"/>
                 </a:defRPr>
               </a:pPr>
@@ -15971,7 +15972,7 @@
           <p:spPr>
             <a:xfrm>
               <a:off x="697488" y="796983"/>
-              <a:ext cx="2439038" cy="138775"/>
+              <a:ext cx="2439039" cy="138776"/>
             </a:xfrm>
             <a:prstGeom prst="line">
               <a:avLst/>
@@ -16028,9 +16029,9 @@
           <a:lstStyle>
             <a:lvl1pPr>
               <a:defRPr sz="1200">
-                <a:latin typeface="+mj-lt"/>
-                <a:ea typeface="+mj-ea"/>
-                <a:cs typeface="+mj-cs"/>
+                <a:latin typeface="+mn-lt"/>
+                <a:ea typeface="+mn-ea"/>
+                <a:cs typeface="+mn-cs"/>
                 <a:sym typeface="맑은 고딕"/>
               </a:defRPr>
             </a:lvl1pPr>
@@ -16318,7 +16319,7 @@
         </p:nvGraphicFramePr>
         <p:xfrm>
           <a:off x="6118030" y="3090234"/>
-          <a:ext cx="757270" cy="307348"/>
+          <a:ext cx="757271" cy="307349"/>
         </p:xfrm>
         <a:graphic xmlns:a="http://schemas.openxmlformats.org/drawingml/2006/main">
           <a:graphicData uri="http://schemas.openxmlformats.org/drawingml/2006/table">
@@ -16417,8 +16418,8 @@
         </p:nvSpPr>
         <p:spPr>
           <a:xfrm>
-            <a:off x="6718723" y="3243903"/>
-            <a:ext cx="532548" cy="2"/>
+            <a:off x="6731423" y="3243903"/>
+            <a:ext cx="519849" cy="2"/>
           </a:xfrm>
           <a:prstGeom prst="line">
             <a:avLst/>
@@ -16448,7 +16449,7 @@
         <p:spPr>
           <a:xfrm>
             <a:off x="7281577" y="3689391"/>
-            <a:ext cx="891777" cy="380489"/>
+            <a:ext cx="891777" cy="380491"/>
           </a:xfrm>
           <a:prstGeom prst="ellipse">
             <a:avLst/>
@@ -16465,9 +16466,9 @@
           <a:p>
             <a:pPr>
               <a:defRPr>
-                <a:latin typeface="+mj-lt"/>
-                <a:ea typeface="+mj-ea"/>
-                <a:cs typeface="+mj-cs"/>
+                <a:latin typeface="+mn-lt"/>
+                <a:ea typeface="+mn-ea"/>
+                <a:cs typeface="+mn-cs"/>
                 <a:sym typeface="맑은 고딕"/>
               </a:defRPr>
             </a:pPr>
@@ -16482,10 +16483,10 @@
         </p:nvGrpSpPr>
         <p:grpSpPr>
           <a:xfrm>
-            <a:off x="4134505" y="3404783"/>
-            <a:ext cx="1600778" cy="532276"/>
-            <a:chOff x="-1" y="0"/>
-            <a:chExt cx="1600776" cy="532275"/>
+            <a:off x="4134504" y="3404781"/>
+            <a:ext cx="1600780" cy="532278"/>
+            <a:chOff x="0" y="-1"/>
+            <a:chExt cx="1600779" cy="532277"/>
           </a:xfrm>
         </p:grpSpPr>
         <p:sp>
@@ -16496,8 +16497,8 @@
           </p:nvSpPr>
           <p:spPr>
             <a:xfrm>
-              <a:off x="-2" y="-1"/>
-              <a:ext cx="1600778" cy="532276"/>
+              <a:off x="-1" y="-2"/>
+              <a:ext cx="1600780" cy="532278"/>
             </a:xfrm>
             <a:prstGeom prst="rect">
               <a:avLst/>
@@ -16522,9 +16523,9 @@
             <a:p>
               <a:pPr>
                 <a:defRPr sz="1200">
-                  <a:latin typeface="+mj-lt"/>
-                  <a:ea typeface="+mj-ea"/>
-                  <a:cs typeface="+mj-cs"/>
+                  <a:latin typeface="+mn-lt"/>
+                  <a:ea typeface="+mn-ea"/>
+                  <a:cs typeface="+mn-cs"/>
                   <a:sym typeface="맑은 고딕"/>
                 </a:defRPr>
               </a:pPr>
@@ -16539,8 +16540,8 @@
           </p:nvSpPr>
           <p:spPr>
             <a:xfrm>
-              <a:off x="-2" y="42614"/>
-              <a:ext cx="1600778" cy="447037"/>
+              <a:off x="-1" y="42614"/>
+              <a:ext cx="1600780" cy="447037"/>
             </a:xfrm>
             <a:prstGeom prst="rect">
               <a:avLst/>
@@ -16565,9 +16566,9 @@
             <a:p>
               <a:pPr>
                 <a:defRPr sz="1200">
-                  <a:latin typeface="+mj-lt"/>
-                  <a:ea typeface="+mj-ea"/>
-                  <a:cs typeface="+mj-cs"/>
+                  <a:latin typeface="+mn-lt"/>
+                  <a:ea typeface="+mn-ea"/>
+                  <a:cs typeface="+mn-cs"/>
                   <a:sym typeface="맑은 고딕"/>
                 </a:defRPr>
               </a:pPr>
@@ -16589,9 +16590,9 @@
             <a:p>
               <a:pPr>
                 <a:defRPr sz="1200">
-                  <a:latin typeface="+mj-lt"/>
-                  <a:ea typeface="+mj-ea"/>
-                  <a:cs typeface="+mj-cs"/>
+                  <a:latin typeface="+mn-lt"/>
+                  <a:ea typeface="+mn-ea"/>
+                  <a:cs typeface="+mn-cs"/>
                   <a:sym typeface="맑은 고딕"/>
                 </a:defRPr>
               </a:pPr>
@@ -16633,9 +16634,9 @@
           <a:p>
             <a:pPr algn="ctr">
               <a:defRPr sz="1200">
-                <a:latin typeface="+mj-lt"/>
-                <a:ea typeface="+mj-ea"/>
-                <a:cs typeface="+mj-cs"/>
+                <a:latin typeface="+mn-lt"/>
+                <a:ea typeface="+mn-ea"/>
+                <a:cs typeface="+mn-cs"/>
                 <a:sym typeface="맑은 고딕"/>
               </a:defRPr>
             </a:pPr>
@@ -16665,7 +16666,7 @@
         <p:spPr>
           <a:xfrm flipV="1">
             <a:off x="4819303" y="3480450"/>
-            <a:ext cx="2436826" cy="259750"/>
+            <a:ext cx="2436827" cy="259750"/>
           </a:xfrm>
           <a:prstGeom prst="line">
             <a:avLst/>
@@ -16715,9 +16716,9 @@
           <a:lstStyle>
             <a:lvl1pPr>
               <a:defRPr sz="1200">
-                <a:latin typeface="+mj-lt"/>
-                <a:ea typeface="+mj-ea"/>
-                <a:cs typeface="+mj-cs"/>
+                <a:latin typeface="+mn-lt"/>
+                <a:ea typeface="+mn-ea"/>
+                <a:cs typeface="+mn-cs"/>
                 <a:sym typeface="맑은 고딕"/>
               </a:defRPr>
             </a:lvl1pPr>
@@ -16738,8 +16739,8 @@
         </p:nvSpPr>
         <p:spPr>
           <a:xfrm>
-            <a:off x="7883727" y="3364191"/>
-            <a:ext cx="289854" cy="352503"/>
+            <a:off x="7883727" y="3364198"/>
+            <a:ext cx="289856" cy="352497"/>
           </a:xfrm>
           <a:custGeom>
             <a:avLst/>
@@ -16788,9 +16789,9 @@
           <a:p>
             <a:pPr>
               <a:defRPr>
-                <a:latin typeface="+mj-lt"/>
-                <a:ea typeface="+mj-ea"/>
-                <a:cs typeface="+mj-cs"/>
+                <a:latin typeface="+mn-lt"/>
+                <a:ea typeface="+mn-ea"/>
+                <a:cs typeface="+mn-cs"/>
                 <a:sym typeface="맑은 고딕"/>
               </a:defRPr>
             </a:pPr>
@@ -16832,7 +16833,7 @@
         <p:spPr>
           <a:xfrm>
             <a:off x="4433068" y="3525637"/>
-            <a:ext cx="917667" cy="424301"/>
+            <a:ext cx="917668" cy="424302"/>
           </a:xfrm>
           <a:prstGeom prst="rightArrow">
             <a:avLst>
@@ -16855,9 +16856,9 @@
           <a:p>
             <a:pPr>
               <a:defRPr>
-                <a:latin typeface="+mj-lt"/>
-                <a:ea typeface="+mj-ea"/>
-                <a:cs typeface="+mj-cs"/>
+                <a:latin typeface="+mn-lt"/>
+                <a:ea typeface="+mn-ea"/>
+                <a:cs typeface="+mn-cs"/>
                 <a:sym typeface="맑은 고딕"/>
               </a:defRPr>
             </a:pPr>
@@ -16873,7 +16874,7 @@
         <p:spPr>
           <a:xfrm>
             <a:off x="3674509" y="2821880"/>
-            <a:ext cx="1676225" cy="424301"/>
+            <a:ext cx="1676226" cy="424302"/>
           </a:xfrm>
           <a:prstGeom prst="rightArrow">
             <a:avLst>
@@ -16896,9 +16897,9 @@
           <a:p>
             <a:pPr>
               <a:defRPr>
-                <a:latin typeface="+mj-lt"/>
-                <a:ea typeface="+mj-ea"/>
-                <a:cs typeface="+mj-cs"/>
+                <a:latin typeface="+mn-lt"/>
+                <a:ea typeface="+mn-ea"/>
+                <a:cs typeface="+mn-cs"/>
                 <a:sym typeface="맑은 고딕"/>
               </a:defRPr>
             </a:pPr>
@@ -16913,7 +16914,7 @@
         </p:nvGraphicFramePr>
         <p:xfrm>
           <a:off x="7306467" y="2273300"/>
-          <a:ext cx="4371980" cy="2303971"/>
+          <a:ext cx="4371981" cy="2303971"/>
         </p:xfrm>
         <a:graphic xmlns:a="http://schemas.openxmlformats.org/drawingml/2006/main">
           <a:graphicData uri="http://schemas.openxmlformats.org/drawingml/2006/table">
@@ -18254,8 +18255,8 @@
         </p:nvSpPr>
         <p:spPr>
           <a:xfrm>
-            <a:off x="7798117" y="3618403"/>
-            <a:ext cx="795745" cy="5"/>
+            <a:off x="7810817" y="3618403"/>
+            <a:ext cx="783046" cy="6"/>
           </a:xfrm>
           <a:prstGeom prst="line">
             <a:avLst/>
@@ -18284,8 +18285,8 @@
         </p:nvSpPr>
         <p:spPr>
           <a:xfrm>
-            <a:off x="7798117" y="4378235"/>
-            <a:ext cx="795745" cy="5"/>
+            <a:off x="7810817" y="4378235"/>
+            <a:ext cx="783046" cy="6"/>
           </a:xfrm>
           <a:prstGeom prst="line">
             <a:avLst/>
@@ -18314,8 +18315,8 @@
         </p:nvSpPr>
         <p:spPr>
           <a:xfrm>
-            <a:off x="7798117" y="2858573"/>
-            <a:ext cx="795745" cy="2"/>
+            <a:off x="7810817" y="2858573"/>
+            <a:ext cx="783046" cy="2"/>
           </a:xfrm>
           <a:prstGeom prst="line">
             <a:avLst/>
@@ -18344,8 +18345,8 @@
         </p:nvSpPr>
         <p:spPr>
           <a:xfrm>
-            <a:off x="10219445" y="3618403"/>
-            <a:ext cx="795745" cy="5"/>
+            <a:off x="10232145" y="3618403"/>
+            <a:ext cx="783046" cy="6"/>
           </a:xfrm>
           <a:prstGeom prst="line">
             <a:avLst/>
@@ -18374,8 +18375,8 @@
         </p:nvSpPr>
         <p:spPr>
           <a:xfrm>
-            <a:off x="10219445" y="4378235"/>
-            <a:ext cx="795745" cy="5"/>
+            <a:off x="10232145" y="4378235"/>
+            <a:ext cx="783046" cy="6"/>
           </a:xfrm>
           <a:prstGeom prst="line">
             <a:avLst/>
@@ -18404,8 +18405,8 @@
         </p:nvSpPr>
         <p:spPr>
           <a:xfrm>
-            <a:off x="10219445" y="2858573"/>
-            <a:ext cx="795745" cy="2"/>
+            <a:off x="10232145" y="2858573"/>
+            <a:ext cx="783046" cy="2"/>
           </a:xfrm>
           <a:prstGeom prst="line">
             <a:avLst/>
@@ -18454,9 +18455,9 @@
           <a:p>
             <a:pPr>
               <a:defRPr>
-                <a:latin typeface="+mj-lt"/>
-                <a:ea typeface="+mj-ea"/>
-                <a:cs typeface="+mj-cs"/>
+                <a:latin typeface="+mn-lt"/>
+                <a:ea typeface="+mn-ea"/>
+                <a:cs typeface="+mn-cs"/>
                 <a:sym typeface="맑은 고딕"/>
               </a:defRPr>
             </a:pPr>
@@ -18471,10 +18472,10 @@
         </p:nvGrpSpPr>
         <p:grpSpPr>
           <a:xfrm>
-            <a:off x="5461000" y="2858079"/>
-            <a:ext cx="1270000" cy="382062"/>
-            <a:chOff x="0" y="0"/>
-            <a:chExt cx="1270000" cy="382061"/>
+            <a:off x="5461000" y="2858078"/>
+            <a:ext cx="1270000" cy="382064"/>
+            <a:chOff x="0" y="-1"/>
+            <a:chExt cx="1270000" cy="382063"/>
           </a:xfrm>
         </p:grpSpPr>
         <p:sp>
@@ -18485,8 +18486,8 @@
           </p:nvSpPr>
           <p:spPr>
             <a:xfrm>
-              <a:off x="0" y="-1"/>
-              <a:ext cx="1270000" cy="382062"/>
+              <a:off x="0" y="-2"/>
+              <a:ext cx="1270000" cy="382065"/>
             </a:xfrm>
             <a:prstGeom prst="rect">
               <a:avLst/>
@@ -18511,9 +18512,9 @@
             <a:p>
               <a:pPr algn="ctr">
                 <a:defRPr sz="1200">
-                  <a:latin typeface="+mj-lt"/>
-                  <a:ea typeface="+mj-ea"/>
-                  <a:cs typeface="+mj-cs"/>
+                  <a:latin typeface="+mn-lt"/>
+                  <a:ea typeface="+mn-ea"/>
+                  <a:cs typeface="+mn-cs"/>
                   <a:sym typeface="맑은 고딕"/>
                 </a:defRPr>
               </a:pPr>
@@ -18553,9 +18554,9 @@
             <a:lstStyle>
               <a:lvl1pPr algn="ctr">
                 <a:defRPr sz="1200">
-                  <a:latin typeface="+mj-lt"/>
-                  <a:ea typeface="+mj-ea"/>
-                  <a:cs typeface="+mj-cs"/>
+                  <a:latin typeface="+mn-lt"/>
+                  <a:ea typeface="+mn-ea"/>
+                  <a:cs typeface="+mn-cs"/>
                   <a:sym typeface="맑은 고딕"/>
                 </a:defRPr>
               </a:lvl1pPr>
@@ -18577,10 +18578,10 @@
         </p:nvGrpSpPr>
         <p:grpSpPr>
           <a:xfrm>
-            <a:off x="5461000" y="3561837"/>
-            <a:ext cx="1270000" cy="382062"/>
-            <a:chOff x="0" y="0"/>
-            <a:chExt cx="1270000" cy="382061"/>
+            <a:off x="5461000" y="3561835"/>
+            <a:ext cx="1270000" cy="382064"/>
+            <a:chOff x="0" y="-1"/>
+            <a:chExt cx="1270000" cy="382063"/>
           </a:xfrm>
         </p:grpSpPr>
         <p:sp>
@@ -18591,8 +18592,8 @@
           </p:nvSpPr>
           <p:spPr>
             <a:xfrm>
-              <a:off x="0" y="-1"/>
-              <a:ext cx="1270000" cy="382062"/>
+              <a:off x="0" y="-2"/>
+              <a:ext cx="1270000" cy="382065"/>
             </a:xfrm>
             <a:prstGeom prst="rect">
               <a:avLst/>
@@ -18617,9 +18618,9 @@
             <a:p>
               <a:pPr algn="ctr">
                 <a:defRPr sz="1200">
-                  <a:latin typeface="+mj-lt"/>
-                  <a:ea typeface="+mj-ea"/>
-                  <a:cs typeface="+mj-cs"/>
+                  <a:latin typeface="+mn-lt"/>
+                  <a:ea typeface="+mn-ea"/>
+                  <a:cs typeface="+mn-cs"/>
                   <a:sym typeface="맑은 고딕"/>
                 </a:defRPr>
               </a:pPr>
@@ -18659,9 +18660,9 @@
             <a:lstStyle>
               <a:lvl1pPr algn="ctr">
                 <a:defRPr sz="1200">
-                  <a:latin typeface="+mj-lt"/>
-                  <a:ea typeface="+mj-ea"/>
-                  <a:cs typeface="+mj-cs"/>
+                  <a:latin typeface="+mn-lt"/>
+                  <a:ea typeface="+mn-ea"/>
+                  <a:cs typeface="+mn-cs"/>
                   <a:sym typeface="맑은 고딕"/>
                 </a:defRPr>
               </a:lvl1pPr>
@@ -18684,7 +18685,7 @@
         <p:spPr>
           <a:xfrm>
             <a:off x="6039229" y="3120443"/>
-            <a:ext cx="1640959" cy="466377"/>
+            <a:ext cx="1640959" cy="466378"/>
           </a:xfrm>
           <a:custGeom>
             <a:avLst/>
@@ -18731,9 +18732,9 @@
           <a:p>
             <a:pPr>
               <a:defRPr>
-                <a:latin typeface="+mj-lt"/>
-                <a:ea typeface="+mj-ea"/>
-                <a:cs typeface="+mj-cs"/>
+                <a:latin typeface="+mn-lt"/>
+                <a:ea typeface="+mn-ea"/>
+                <a:cs typeface="+mn-cs"/>
                 <a:sym typeface="맑은 고딕"/>
               </a:defRPr>
             </a:pPr>
@@ -18749,7 +18750,7 @@
         <p:spPr>
           <a:xfrm>
             <a:off x="6390523" y="3162004"/>
-            <a:ext cx="3754529" cy="433803"/>
+            <a:ext cx="3754520" cy="433804"/>
           </a:xfrm>
           <a:custGeom>
             <a:avLst/>
@@ -18796,9 +18797,9 @@
           <a:p>
             <a:pPr>
               <a:defRPr>
-                <a:latin typeface="+mj-lt"/>
-                <a:ea typeface="+mj-ea"/>
-                <a:cs typeface="+mj-cs"/>
+                <a:latin typeface="+mn-lt"/>
+                <a:ea typeface="+mn-ea"/>
+                <a:cs typeface="+mn-cs"/>
                 <a:sym typeface="맑은 고딕"/>
               </a:defRPr>
             </a:pPr>
@@ -18814,7 +18815,7 @@
         <p:spPr>
           <a:xfrm>
             <a:off x="6206273" y="3578930"/>
-            <a:ext cx="1446862" cy="86439"/>
+            <a:ext cx="1446863" cy="86439"/>
           </a:xfrm>
           <a:custGeom>
             <a:avLst/>
@@ -18861,9 +18862,9 @@
           <a:p>
             <a:pPr>
               <a:defRPr>
-                <a:latin typeface="+mj-lt"/>
-                <a:ea typeface="+mj-ea"/>
-                <a:cs typeface="+mj-cs"/>
+                <a:latin typeface="+mn-lt"/>
+                <a:ea typeface="+mn-ea"/>
+                <a:cs typeface="+mn-cs"/>
                 <a:sym typeface="맑은 고딕"/>
               </a:defRPr>
             </a:pPr>
@@ -18879,7 +18880,7 @@
         <p:spPr>
           <a:xfrm>
             <a:off x="5659630" y="3666283"/>
-            <a:ext cx="4497883" cy="541319"/>
+            <a:ext cx="4497883" cy="541320"/>
           </a:xfrm>
           <a:custGeom>
             <a:avLst/>
@@ -18926,9 +18927,9 @@
           <a:p>
             <a:pPr>
               <a:defRPr>
-                <a:latin typeface="+mj-lt"/>
-                <a:ea typeface="+mj-ea"/>
-                <a:cs typeface="+mj-cs"/>
+                <a:latin typeface="+mn-lt"/>
+                <a:ea typeface="+mn-ea"/>
+                <a:cs typeface="+mn-cs"/>
                 <a:sym typeface="맑은 고딕"/>
               </a:defRPr>
             </a:pPr>
@@ -18943,10 +18944,10 @@
         </p:nvGrpSpPr>
         <p:grpSpPr>
           <a:xfrm>
-            <a:off x="5003777" y="4051948"/>
-            <a:ext cx="728476" cy="634759"/>
+            <a:off x="5003776" y="4051947"/>
+            <a:ext cx="728478" cy="634761"/>
             <a:chOff x="0" y="0"/>
-            <a:chExt cx="728474" cy="634757"/>
+            <a:chExt cx="728476" cy="634760"/>
           </a:xfrm>
         </p:grpSpPr>
         <p:sp>
@@ -18958,7 +18959,7 @@
           <p:spPr>
             <a:xfrm rot="10043166">
               <a:off x="47931" y="62933"/>
-              <a:ext cx="632612" cy="508891"/>
+              <a:ext cx="632614" cy="508893"/>
             </a:xfrm>
             <a:prstGeom prst="rightArrow">
               <a:avLst>
@@ -18986,9 +18987,9 @@
             <a:p>
               <a:pPr algn="ctr">
                 <a:defRPr>
-                  <a:latin typeface="+mj-lt"/>
-                  <a:ea typeface="+mj-ea"/>
-                  <a:cs typeface="+mj-cs"/>
+                  <a:latin typeface="+mn-lt"/>
+                  <a:ea typeface="+mn-ea"/>
+                  <a:cs typeface="+mn-cs"/>
                   <a:sym typeface="맑은 고딕"/>
                 </a:defRPr>
               </a:pPr>
@@ -19004,7 +19005,7 @@
           <p:spPr>
             <a:xfrm rot="20809704">
               <a:off x="182757" y="168808"/>
-              <a:ext cx="471878" cy="281937"/>
+              <a:ext cx="471880" cy="281937"/>
             </a:xfrm>
             <a:prstGeom prst="rect">
               <a:avLst/>
@@ -19028,9 +19029,9 @@
             <a:lstStyle>
               <a:lvl1pPr algn="ctr">
                 <a:defRPr sz="1200">
-                  <a:latin typeface="+mj-lt"/>
-                  <a:ea typeface="+mj-ea"/>
-                  <a:cs typeface="+mj-cs"/>
+                  <a:latin typeface="+mn-lt"/>
+                  <a:ea typeface="+mn-ea"/>
+                  <a:cs typeface="+mn-cs"/>
                   <a:sym typeface="맑은 고딕"/>
                 </a:defRPr>
               </a:lvl1pPr>
@@ -19052,7 +19053,7 @@
         </p:nvGraphicFramePr>
         <p:xfrm>
           <a:off x="3621037" y="2534523"/>
-          <a:ext cx="1408992" cy="2092735"/>
+          <a:ext cx="1408993" cy="2092736"/>
         </p:xfrm>
         <a:graphic xmlns:a="http://schemas.openxmlformats.org/drawingml/2006/main">
           <a:graphicData uri="http://schemas.openxmlformats.org/drawingml/2006/table">
@@ -19676,9 +19677,9 @@
           <a:lstStyle>
             <a:lvl1pPr algn="ctr">
               <a:defRPr sz="1200">
-                <a:latin typeface="+mj-lt"/>
-                <a:ea typeface="+mj-ea"/>
-                <a:cs typeface="+mj-cs"/>
+                <a:latin typeface="+mn-lt"/>
+                <a:ea typeface="+mn-ea"/>
+                <a:cs typeface="+mn-cs"/>
                 <a:sym typeface="맑은 고딕"/>
               </a:defRPr>
             </a:lvl1pPr>
@@ -19726,7 +19727,7 @@
         <p:spPr>
           <a:xfrm>
             <a:off x="4393015" y="3107239"/>
-            <a:ext cx="917668" cy="424302"/>
+            <a:ext cx="917669" cy="424303"/>
           </a:xfrm>
           <a:prstGeom prst="rightArrow">
             <a:avLst>
@@ -19749,9 +19750,9 @@
           <a:p>
             <a:pPr>
               <a:defRPr>
-                <a:latin typeface="+mj-lt"/>
-                <a:ea typeface="+mj-ea"/>
-                <a:cs typeface="+mj-cs"/>
+                <a:latin typeface="+mn-lt"/>
+                <a:ea typeface="+mn-ea"/>
+                <a:cs typeface="+mn-cs"/>
                 <a:sym typeface="맑은 고딕"/>
               </a:defRPr>
             </a:pPr>
@@ -19767,7 +19768,7 @@
         <p:spPr>
           <a:xfrm>
             <a:off x="4393015" y="2403485"/>
-            <a:ext cx="917668" cy="424301"/>
+            <a:ext cx="917669" cy="424302"/>
           </a:xfrm>
           <a:prstGeom prst="rightArrow">
             <a:avLst>
@@ -19790,9 +19791,9 @@
           <a:p>
             <a:pPr>
               <a:defRPr>
-                <a:latin typeface="+mj-lt"/>
-                <a:ea typeface="+mj-ea"/>
-                <a:cs typeface="+mj-cs"/>
+                <a:latin typeface="+mn-lt"/>
+                <a:ea typeface="+mn-ea"/>
+                <a:cs typeface="+mn-cs"/>
                 <a:sym typeface="맑은 고딕"/>
               </a:defRPr>
             </a:pPr>
@@ -19807,7 +19808,7 @@
         </p:nvGraphicFramePr>
         <p:xfrm>
           <a:off x="7112537" y="2424227"/>
-          <a:ext cx="1711328" cy="1535984"/>
+          <a:ext cx="1711329" cy="1535984"/>
         </p:xfrm>
         <a:graphic xmlns:a="http://schemas.openxmlformats.org/drawingml/2006/main">
           <a:graphicData uri="http://schemas.openxmlformats.org/drawingml/2006/table">
@@ -20206,9 +20207,9 @@
           <a:p>
             <a:pPr>
               <a:defRPr>
-                <a:latin typeface="+mj-lt"/>
-                <a:ea typeface="+mj-ea"/>
-                <a:cs typeface="+mj-cs"/>
+                <a:latin typeface="+mn-lt"/>
+                <a:ea typeface="+mn-ea"/>
+                <a:cs typeface="+mn-cs"/>
                 <a:sym typeface="맑은 고딕"/>
               </a:defRPr>
             </a:pPr>
@@ -20223,10 +20224,10 @@
         </p:nvGrpSpPr>
         <p:grpSpPr>
           <a:xfrm>
-            <a:off x="5420942" y="2439684"/>
-            <a:ext cx="1270009" cy="382062"/>
-            <a:chOff x="0" y="0"/>
-            <a:chExt cx="1270007" cy="382061"/>
+            <a:off x="5420940" y="2439683"/>
+            <a:ext cx="1270012" cy="382064"/>
+            <a:chOff x="-1" y="-1"/>
+            <a:chExt cx="1270011" cy="382063"/>
           </a:xfrm>
         </p:grpSpPr>
         <p:sp>
@@ -20237,8 +20238,8 @@
           </p:nvSpPr>
           <p:spPr>
             <a:xfrm>
-              <a:off x="-1" y="-1"/>
-              <a:ext cx="1270009" cy="382062"/>
+              <a:off x="-2" y="-2"/>
+              <a:ext cx="1270013" cy="382065"/>
             </a:xfrm>
             <a:prstGeom prst="rect">
               <a:avLst/>
@@ -20263,9 +20264,9 @@
             <a:p>
               <a:pPr algn="ctr">
                 <a:defRPr sz="1200">
-                  <a:latin typeface="+mj-lt"/>
-                  <a:ea typeface="+mj-ea"/>
-                  <a:cs typeface="+mj-cs"/>
+                  <a:latin typeface="+mn-lt"/>
+                  <a:ea typeface="+mn-ea"/>
+                  <a:cs typeface="+mn-cs"/>
                   <a:sym typeface="맑은 고딕"/>
                 </a:defRPr>
               </a:pPr>
@@ -20280,8 +20281,8 @@
           </p:nvSpPr>
           <p:spPr>
             <a:xfrm>
-              <a:off x="-1" y="56409"/>
-              <a:ext cx="1270009" cy="269237"/>
+              <a:off x="-2" y="56409"/>
+              <a:ext cx="1270013" cy="269237"/>
             </a:xfrm>
             <a:prstGeom prst="rect">
               <a:avLst/>
@@ -20305,9 +20306,9 @@
             <a:lstStyle>
               <a:lvl1pPr algn="ctr">
                 <a:defRPr sz="1200">
-                  <a:latin typeface="+mj-lt"/>
-                  <a:ea typeface="+mj-ea"/>
-                  <a:cs typeface="+mj-cs"/>
+                  <a:latin typeface="+mn-lt"/>
+                  <a:ea typeface="+mn-ea"/>
+                  <a:cs typeface="+mn-cs"/>
                   <a:sym typeface="맑은 고딕"/>
                 </a:defRPr>
               </a:lvl1pPr>
@@ -20329,10 +20330,10 @@
         </p:nvGrpSpPr>
         <p:grpSpPr>
           <a:xfrm>
-            <a:off x="5420942" y="3143441"/>
-            <a:ext cx="1270009" cy="382062"/>
-            <a:chOff x="0" y="0"/>
-            <a:chExt cx="1270007" cy="382061"/>
+            <a:off x="5420940" y="3143440"/>
+            <a:ext cx="1270012" cy="382064"/>
+            <a:chOff x="-1" y="-1"/>
+            <a:chExt cx="1270011" cy="382063"/>
           </a:xfrm>
         </p:grpSpPr>
         <p:sp>
@@ -20343,8 +20344,8 @@
           </p:nvSpPr>
           <p:spPr>
             <a:xfrm>
-              <a:off x="-1" y="-1"/>
-              <a:ext cx="1270009" cy="382062"/>
+              <a:off x="-2" y="-2"/>
+              <a:ext cx="1270013" cy="382065"/>
             </a:xfrm>
             <a:prstGeom prst="rect">
               <a:avLst/>
@@ -20369,9 +20370,9 @@
             <a:p>
               <a:pPr algn="ctr">
                 <a:defRPr sz="1200">
-                  <a:latin typeface="+mj-lt"/>
-                  <a:ea typeface="+mj-ea"/>
-                  <a:cs typeface="+mj-cs"/>
+                  <a:latin typeface="+mn-lt"/>
+                  <a:ea typeface="+mn-ea"/>
+                  <a:cs typeface="+mn-cs"/>
                   <a:sym typeface="맑은 고딕"/>
                 </a:defRPr>
               </a:pPr>
@@ -20386,8 +20387,8 @@
           </p:nvSpPr>
           <p:spPr>
             <a:xfrm>
-              <a:off x="-1" y="56409"/>
-              <a:ext cx="1270009" cy="269237"/>
+              <a:off x="-2" y="56409"/>
+              <a:ext cx="1270013" cy="269237"/>
             </a:xfrm>
             <a:prstGeom prst="rect">
               <a:avLst/>
@@ -20411,9 +20412,9 @@
             <a:lstStyle>
               <a:lvl1pPr algn="ctr">
                 <a:defRPr sz="1200">
-                  <a:latin typeface="+mj-lt"/>
-                  <a:ea typeface="+mj-ea"/>
-                  <a:cs typeface="+mj-cs"/>
+                  <a:latin typeface="+mn-lt"/>
+                  <a:ea typeface="+mn-ea"/>
+                  <a:cs typeface="+mn-cs"/>
                   <a:sym typeface="맑은 고딕"/>
                 </a:defRPr>
               </a:lvl1pPr>
@@ -20435,10 +20436,10 @@
         </p:nvGrpSpPr>
         <p:grpSpPr>
           <a:xfrm>
-            <a:off x="4963725" y="3633554"/>
-            <a:ext cx="728477" cy="634759"/>
+            <a:off x="4963724" y="3633553"/>
+            <a:ext cx="728479" cy="634761"/>
             <a:chOff x="0" y="0"/>
-            <a:chExt cx="728475" cy="634757"/>
+            <a:chExt cx="728477" cy="634760"/>
           </a:xfrm>
         </p:grpSpPr>
         <p:sp>
@@ -20450,7 +20451,7 @@
           <p:spPr>
             <a:xfrm rot="10043166">
               <a:off x="47931" y="62933"/>
-              <a:ext cx="632613" cy="508891"/>
+              <a:ext cx="632615" cy="508893"/>
             </a:xfrm>
             <a:prstGeom prst="rightArrow">
               <a:avLst>
@@ -20478,9 +20479,9 @@
             <a:p>
               <a:pPr algn="ctr">
                 <a:defRPr>
-                  <a:latin typeface="+mj-lt"/>
-                  <a:ea typeface="+mj-ea"/>
-                  <a:cs typeface="+mj-cs"/>
+                  <a:latin typeface="+mn-lt"/>
+                  <a:ea typeface="+mn-ea"/>
+                  <a:cs typeface="+mn-cs"/>
                   <a:sym typeface="맑은 고딕"/>
                 </a:defRPr>
               </a:pPr>
@@ -20496,7 +20497,7 @@
           <p:spPr>
             <a:xfrm rot="20809704">
               <a:off x="182757" y="175158"/>
-              <a:ext cx="471879" cy="269237"/>
+              <a:ext cx="471881" cy="269237"/>
             </a:xfrm>
             <a:prstGeom prst="rect">
               <a:avLst/>
@@ -20520,9 +20521,9 @@
             <a:lstStyle>
               <a:lvl1pPr algn="ctr">
                 <a:defRPr sz="1200">
-                  <a:latin typeface="+mj-lt"/>
-                  <a:ea typeface="+mj-ea"/>
-                  <a:cs typeface="+mj-cs"/>
+                  <a:latin typeface="+mn-lt"/>
+                  <a:ea typeface="+mn-ea"/>
+                  <a:cs typeface="+mn-cs"/>
                   <a:sym typeface="맑은 고딕"/>
                 </a:defRPr>
               </a:lvl1pPr>
@@ -20544,7 +20545,7 @@
         </p:nvGraphicFramePr>
         <p:xfrm>
           <a:off x="4358004" y="2116128"/>
-          <a:ext cx="635003" cy="2092734"/>
+          <a:ext cx="635004" cy="2092735"/>
         </p:xfrm>
         <a:graphic xmlns:a="http://schemas.openxmlformats.org/drawingml/2006/main">
           <a:graphicData uri="http://schemas.openxmlformats.org/drawingml/2006/table">
@@ -20824,9 +20825,9 @@
           <a:lstStyle>
             <a:lvl1pPr algn="ctr">
               <a:defRPr sz="1200">
-                <a:latin typeface="+mj-lt"/>
-                <a:ea typeface="+mj-ea"/>
-                <a:cs typeface="+mj-cs"/>
+                <a:latin typeface="+mn-lt"/>
+                <a:ea typeface="+mn-ea"/>
+                <a:cs typeface="+mn-cs"/>
                 <a:sym typeface="맑은 고딕"/>
               </a:defRPr>
             </a:lvl1pPr>
@@ -20847,7 +20848,7 @@
         </p:nvGraphicFramePr>
         <p:xfrm>
           <a:off x="5671146" y="4457041"/>
-          <a:ext cx="3870328" cy="767993"/>
+          <a:ext cx="3870329" cy="767994"/>
         </p:xfrm>
         <a:graphic xmlns:a="http://schemas.openxmlformats.org/drawingml/2006/main">
           <a:graphicData uri="http://schemas.openxmlformats.org/drawingml/2006/table">
@@ -21353,7 +21354,7 @@
         <p:spPr>
           <a:xfrm>
             <a:off x="6302102" y="4592358"/>
-            <a:ext cx="443462" cy="4"/>
+            <a:ext cx="443462" cy="5"/>
           </a:xfrm>
           <a:prstGeom prst="line">
             <a:avLst/>
@@ -21382,7 +21383,7 @@
         <p:spPr>
           <a:xfrm>
             <a:off x="7384580" y="4592358"/>
-            <a:ext cx="443462" cy="4"/>
+            <a:ext cx="443462" cy="5"/>
           </a:xfrm>
           <a:prstGeom prst="line">
             <a:avLst/>
@@ -21411,7 +21412,7 @@
         <p:spPr>
           <a:xfrm>
             <a:off x="8467056" y="4592358"/>
-            <a:ext cx="443462" cy="4"/>
+            <a:ext cx="443462" cy="5"/>
           </a:xfrm>
           <a:prstGeom prst="line">
             <a:avLst/>
@@ -21440,7 +21441,7 @@
         <p:spPr>
           <a:xfrm>
             <a:off x="8467056" y="4727368"/>
-            <a:ext cx="443462" cy="4"/>
+            <a:ext cx="443462" cy="5"/>
           </a:xfrm>
           <a:prstGeom prst="line">
             <a:avLst/>
@@ -21469,7 +21470,7 @@
         <p:spPr>
           <a:xfrm>
             <a:off x="7384580" y="4727368"/>
-            <a:ext cx="443462" cy="4"/>
+            <a:ext cx="443462" cy="5"/>
           </a:xfrm>
           <a:prstGeom prst="line">
             <a:avLst/>
@@ -21498,7 +21499,7 @@
         <p:spPr>
           <a:xfrm>
             <a:off x="6302102" y="4727368"/>
-            <a:ext cx="443462" cy="4"/>
+            <a:ext cx="443462" cy="5"/>
           </a:xfrm>
           <a:prstGeom prst="line">
             <a:avLst/>
@@ -21526,8 +21527,8 @@
         </p:nvSpPr>
         <p:spPr>
           <a:xfrm>
-            <a:off x="8500453" y="3032195"/>
-            <a:ext cx="854095" cy="1452330"/>
+            <a:off x="8506891" y="3043142"/>
+            <a:ext cx="847657" cy="1441383"/>
           </a:xfrm>
           <a:prstGeom prst="line">
             <a:avLst/>
@@ -21556,8 +21557,8 @@
         </p:nvSpPr>
         <p:spPr>
           <a:xfrm flipH="1">
-            <a:off x="5968974" y="3042422"/>
-            <a:ext cx="1427869" cy="1427869"/>
+            <a:off x="5968974" y="3051402"/>
+            <a:ext cx="1418889" cy="1418890"/>
           </a:xfrm>
           <a:prstGeom prst="line">
             <a:avLst/>
@@ -21612,10 +21613,10 @@
         </p:nvGrpSpPr>
         <p:grpSpPr>
           <a:xfrm>
-            <a:off x="1269995" y="126997"/>
-            <a:ext cx="3682665" cy="4540496"/>
-            <a:chOff x="-1" y="-1"/>
-            <a:chExt cx="3682663" cy="4540494"/>
+            <a:off x="1269993" y="126994"/>
+            <a:ext cx="3682668" cy="4540501"/>
+            <a:chOff x="-1" y="-2"/>
+            <a:chExt cx="3682667" cy="4540500"/>
           </a:xfrm>
         </p:grpSpPr>
         <p:grpSp>
@@ -21626,10 +21627,10 @@
           </p:nvGrpSpPr>
           <p:grpSpPr>
             <a:xfrm>
-              <a:off x="-2" y="-2"/>
-              <a:ext cx="1269326" cy="323793"/>
+              <a:off x="-2" y="-3"/>
+              <a:ext cx="1269328" cy="323796"/>
               <a:chOff x="0" y="0"/>
-              <a:chExt cx="1269325" cy="323792"/>
+              <a:chExt cx="1269326" cy="323795"/>
             </a:xfrm>
           </p:grpSpPr>
           <p:sp>
@@ -21641,7 +21642,7 @@
             <p:spPr>
               <a:xfrm>
                 <a:off x="-1" y="-1"/>
-                <a:ext cx="1269326" cy="323794"/>
+                <a:ext cx="1269328" cy="323796"/>
               </a:xfrm>
               <a:prstGeom prst="rect">
                 <a:avLst/>
@@ -21681,7 +21682,7 @@
             <p:spPr>
               <a:xfrm>
                 <a:off x="-1" y="27277"/>
-                <a:ext cx="1269326" cy="269237"/>
+                <a:ext cx="1269328" cy="269237"/>
               </a:xfrm>
               <a:prstGeom prst="rect">
                 <a:avLst/>
@@ -21725,9 +21726,9 @@
           <p:grpSpPr>
             <a:xfrm>
               <a:off x="960092" y="383336"/>
-              <a:ext cx="1777329" cy="323793"/>
-              <a:chOff x="0" y="0"/>
-              <a:chExt cx="1777327" cy="323792"/>
+              <a:ext cx="1777333" cy="323796"/>
+              <a:chOff x="-1" y="0"/>
+              <a:chExt cx="1777332" cy="323795"/>
             </a:xfrm>
           </p:grpSpPr>
           <p:sp>
@@ -21738,8 +21739,8 @@
             </p:nvSpPr>
             <p:spPr>
               <a:xfrm>
-                <a:off x="-1" y="-1"/>
-                <a:ext cx="1777329" cy="323794"/>
+                <a:off x="-2" y="-1"/>
+                <a:ext cx="1777333" cy="323796"/>
               </a:xfrm>
               <a:prstGeom prst="rect">
                 <a:avLst/>
@@ -21778,8 +21779,8 @@
             </p:nvSpPr>
             <p:spPr>
               <a:xfrm>
-                <a:off x="-1" y="27277"/>
-                <a:ext cx="1777329" cy="269237"/>
+                <a:off x="-2" y="27277"/>
+                <a:ext cx="1777333" cy="269237"/>
               </a:xfrm>
               <a:prstGeom prst="rect">
                 <a:avLst/>
@@ -21823,9 +21824,9 @@
           <p:grpSpPr>
             <a:xfrm>
               <a:off x="960092" y="766671"/>
-              <a:ext cx="1777329" cy="323795"/>
-              <a:chOff x="0" y="0"/>
-              <a:chExt cx="1777327" cy="323793"/>
+              <a:ext cx="1777333" cy="323798"/>
+              <a:chOff x="-1" y="-1"/>
+              <a:chExt cx="1777332" cy="323796"/>
             </a:xfrm>
           </p:grpSpPr>
           <p:sp>
@@ -21836,8 +21837,8 @@
             </p:nvSpPr>
             <p:spPr>
               <a:xfrm>
-                <a:off x="-1" y="-1"/>
-                <a:ext cx="1777329" cy="323795"/>
+                <a:off x="-2" y="-2"/>
+                <a:ext cx="1777333" cy="323798"/>
               </a:xfrm>
               <a:prstGeom prst="rect">
                 <a:avLst/>
@@ -21876,8 +21877,8 @@
             </p:nvSpPr>
             <p:spPr>
               <a:xfrm>
-                <a:off x="-1" y="27277"/>
-                <a:ext cx="1777329" cy="269237"/>
+                <a:off x="-2" y="27277"/>
+                <a:ext cx="1777333" cy="269237"/>
               </a:xfrm>
               <a:prstGeom prst="rect">
                 <a:avLst/>
@@ -21921,9 +21922,9 @@
           <p:grpSpPr>
             <a:xfrm>
               <a:off x="1905333" y="1150009"/>
-              <a:ext cx="1777329" cy="323793"/>
-              <a:chOff x="0" y="0"/>
-              <a:chExt cx="1777327" cy="323792"/>
+              <a:ext cx="1777334" cy="323796"/>
+              <a:chOff x="-1" y="0"/>
+              <a:chExt cx="1777332" cy="323795"/>
             </a:xfrm>
           </p:grpSpPr>
           <p:sp>
@@ -21934,8 +21935,8 @@
             </p:nvSpPr>
             <p:spPr>
               <a:xfrm>
-                <a:off x="-1" y="-1"/>
-                <a:ext cx="1777329" cy="323794"/>
+                <a:off x="-2" y="-1"/>
+                <a:ext cx="1777333" cy="323796"/>
               </a:xfrm>
               <a:prstGeom prst="rect">
                 <a:avLst/>
@@ -21974,8 +21975,8 @@
             </p:nvSpPr>
             <p:spPr>
               <a:xfrm>
-                <a:off x="-1" y="27277"/>
-                <a:ext cx="1777329" cy="269237"/>
+                <a:off x="-2" y="27277"/>
+                <a:ext cx="1777333" cy="269237"/>
               </a:xfrm>
               <a:prstGeom prst="rect">
                 <a:avLst/>
@@ -22019,9 +22020,9 @@
           <p:grpSpPr>
             <a:xfrm>
               <a:off x="1905333" y="1533344"/>
-              <a:ext cx="1777329" cy="323795"/>
-              <a:chOff x="0" y="0"/>
-              <a:chExt cx="1777327" cy="323793"/>
+              <a:ext cx="1777334" cy="323798"/>
+              <a:chOff x="-1" y="-1"/>
+              <a:chExt cx="1777332" cy="323796"/>
             </a:xfrm>
           </p:grpSpPr>
           <p:sp>
@@ -22032,8 +22033,8 @@
             </p:nvSpPr>
             <p:spPr>
               <a:xfrm>
-                <a:off x="-1" y="-1"/>
-                <a:ext cx="1777329" cy="323795"/>
+                <a:off x="-2" y="-2"/>
+                <a:ext cx="1777333" cy="323798"/>
               </a:xfrm>
               <a:prstGeom prst="rect">
                 <a:avLst/>
@@ -22072,8 +22073,8 @@
             </p:nvSpPr>
             <p:spPr>
               <a:xfrm>
-                <a:off x="-1" y="27277"/>
-                <a:ext cx="1777329" cy="269237"/>
+                <a:off x="-2" y="27277"/>
+                <a:ext cx="1777333" cy="269237"/>
               </a:xfrm>
               <a:prstGeom prst="rect">
                 <a:avLst/>
@@ -22117,9 +22118,9 @@
           <p:grpSpPr>
             <a:xfrm>
               <a:off x="1905333" y="1916682"/>
-              <a:ext cx="1777329" cy="323793"/>
-              <a:chOff x="0" y="0"/>
-              <a:chExt cx="1777327" cy="323792"/>
+              <a:ext cx="1777334" cy="323796"/>
+              <a:chOff x="-1" y="0"/>
+              <a:chExt cx="1777332" cy="323795"/>
             </a:xfrm>
           </p:grpSpPr>
           <p:sp>
@@ -22130,8 +22131,8 @@
             </p:nvSpPr>
             <p:spPr>
               <a:xfrm>
-                <a:off x="-1" y="-1"/>
-                <a:ext cx="1777329" cy="323794"/>
+                <a:off x="-2" y="-1"/>
+                <a:ext cx="1777333" cy="323796"/>
               </a:xfrm>
               <a:prstGeom prst="rect">
                 <a:avLst/>
@@ -22170,8 +22171,8 @@
             </p:nvSpPr>
             <p:spPr>
               <a:xfrm>
-                <a:off x="-1" y="27277"/>
-                <a:ext cx="1777329" cy="269237"/>
+                <a:off x="-2" y="27277"/>
+                <a:ext cx="1777333" cy="269237"/>
               </a:xfrm>
               <a:prstGeom prst="rect">
                 <a:avLst/>
@@ -22214,10 +22215,10 @@
           </p:nvGrpSpPr>
           <p:grpSpPr>
             <a:xfrm>
-              <a:off x="1905333" y="2300019"/>
-              <a:ext cx="1777329" cy="323793"/>
-              <a:chOff x="0" y="0"/>
-              <a:chExt cx="1777327" cy="323792"/>
+              <a:off x="1905333" y="2300020"/>
+              <a:ext cx="1777334" cy="323796"/>
+              <a:chOff x="-1" y="0"/>
+              <a:chExt cx="1777332" cy="323795"/>
             </a:xfrm>
           </p:grpSpPr>
           <p:sp>
@@ -22228,8 +22229,8 @@
             </p:nvSpPr>
             <p:spPr>
               <a:xfrm>
-                <a:off x="-1" y="-1"/>
-                <a:ext cx="1777329" cy="323794"/>
+                <a:off x="-2" y="-1"/>
+                <a:ext cx="1777333" cy="323796"/>
               </a:xfrm>
               <a:prstGeom prst="rect">
                 <a:avLst/>
@@ -22268,8 +22269,8 @@
             </p:nvSpPr>
             <p:spPr>
               <a:xfrm>
-                <a:off x="-1" y="27277"/>
-                <a:ext cx="1777329" cy="269237"/>
+                <a:off x="-2" y="27277"/>
+                <a:ext cx="1777333" cy="269237"/>
               </a:xfrm>
               <a:prstGeom prst="rect">
                 <a:avLst/>
@@ -22312,10 +22313,10 @@
           </p:nvGrpSpPr>
           <p:grpSpPr>
             <a:xfrm>
-              <a:off x="960092" y="2683354"/>
-              <a:ext cx="1777329" cy="323795"/>
-              <a:chOff x="0" y="0"/>
-              <a:chExt cx="1777327" cy="323793"/>
+              <a:off x="960092" y="2683355"/>
+              <a:ext cx="1777333" cy="323798"/>
+              <a:chOff x="-1" y="-1"/>
+              <a:chExt cx="1777332" cy="323796"/>
             </a:xfrm>
           </p:grpSpPr>
           <p:sp>
@@ -22326,8 +22327,8 @@
             </p:nvSpPr>
             <p:spPr>
               <a:xfrm>
-                <a:off x="-1" y="-1"/>
-                <a:ext cx="1777329" cy="323795"/>
+                <a:off x="-2" y="-2"/>
+                <a:ext cx="1777333" cy="323798"/>
               </a:xfrm>
               <a:prstGeom prst="rect">
                 <a:avLst/>
@@ -22366,8 +22367,8 @@
             </p:nvSpPr>
             <p:spPr>
               <a:xfrm>
-                <a:off x="-1" y="27277"/>
-                <a:ext cx="1777329" cy="269237"/>
+                <a:off x="-2" y="27277"/>
+                <a:ext cx="1777333" cy="269237"/>
               </a:xfrm>
               <a:prstGeom prst="rect">
                 <a:avLst/>
@@ -22410,10 +22411,10 @@
           </p:nvGrpSpPr>
           <p:grpSpPr>
             <a:xfrm>
-              <a:off x="960092" y="3066692"/>
-              <a:ext cx="1777329" cy="323793"/>
-              <a:chOff x="0" y="0"/>
-              <a:chExt cx="1777327" cy="323792"/>
+              <a:off x="960092" y="3066693"/>
+              <a:ext cx="1777333" cy="323796"/>
+              <a:chOff x="-1" y="0"/>
+              <a:chExt cx="1777332" cy="323795"/>
             </a:xfrm>
           </p:grpSpPr>
           <p:sp>
@@ -22424,8 +22425,8 @@
             </p:nvSpPr>
             <p:spPr>
               <a:xfrm>
-                <a:off x="-1" y="-1"/>
-                <a:ext cx="1777329" cy="323794"/>
+                <a:off x="-2" y="-1"/>
+                <a:ext cx="1777333" cy="323796"/>
               </a:xfrm>
               <a:prstGeom prst="rect">
                 <a:avLst/>
@@ -22464,8 +22465,8 @@
             </p:nvSpPr>
             <p:spPr>
               <a:xfrm>
-                <a:off x="-1" y="27277"/>
-                <a:ext cx="1777329" cy="269237"/>
+                <a:off x="-2" y="27277"/>
+                <a:ext cx="1777333" cy="269237"/>
               </a:xfrm>
               <a:prstGeom prst="rect">
                 <a:avLst/>
@@ -22508,10 +22509,10 @@
           </p:nvGrpSpPr>
           <p:grpSpPr>
             <a:xfrm>
-              <a:off x="960092" y="3450028"/>
-              <a:ext cx="1777329" cy="323793"/>
-              <a:chOff x="0" y="0"/>
-              <a:chExt cx="1777327" cy="323792"/>
+              <a:off x="960092" y="3450029"/>
+              <a:ext cx="1777333" cy="323796"/>
+              <a:chOff x="-1" y="0"/>
+              <a:chExt cx="1777332" cy="323795"/>
             </a:xfrm>
           </p:grpSpPr>
           <p:sp>
@@ -22522,8 +22523,8 @@
             </p:nvSpPr>
             <p:spPr>
               <a:xfrm>
-                <a:off x="-1" y="-1"/>
-                <a:ext cx="1777329" cy="323794"/>
+                <a:off x="-2" y="-1"/>
+                <a:ext cx="1777333" cy="323796"/>
               </a:xfrm>
               <a:prstGeom prst="rect">
                 <a:avLst/>
@@ -22562,8 +22563,8 @@
             </p:nvSpPr>
             <p:spPr>
               <a:xfrm>
-                <a:off x="-1" y="27277"/>
-                <a:ext cx="1777329" cy="269237"/>
+                <a:off x="-2" y="27277"/>
+                <a:ext cx="1777333" cy="269237"/>
               </a:xfrm>
               <a:prstGeom prst="rect">
                 <a:avLst/>
@@ -22606,10 +22607,10 @@
           </p:nvGrpSpPr>
           <p:grpSpPr>
             <a:xfrm>
-              <a:off x="960092" y="3833363"/>
-              <a:ext cx="1777329" cy="323795"/>
-              <a:chOff x="0" y="0"/>
-              <a:chExt cx="1777327" cy="323793"/>
+              <a:off x="960092" y="3833364"/>
+              <a:ext cx="1777333" cy="323798"/>
+              <a:chOff x="-1" y="-1"/>
+              <a:chExt cx="1777332" cy="323796"/>
             </a:xfrm>
           </p:grpSpPr>
           <p:sp>
@@ -22620,8 +22621,8 @@
             </p:nvSpPr>
             <p:spPr>
               <a:xfrm>
-                <a:off x="-1" y="-1"/>
-                <a:ext cx="1777329" cy="323795"/>
+                <a:off x="-2" y="-2"/>
+                <a:ext cx="1777333" cy="323798"/>
               </a:xfrm>
               <a:prstGeom prst="rect">
                 <a:avLst/>
@@ -22660,8 +22661,8 @@
             </p:nvSpPr>
             <p:spPr>
               <a:xfrm>
-                <a:off x="-1" y="27277"/>
-                <a:ext cx="1777329" cy="269237"/>
+                <a:off x="-2" y="27277"/>
+                <a:ext cx="1777333" cy="269237"/>
               </a:xfrm>
               <a:prstGeom prst="rect">
                 <a:avLst/>
@@ -22704,10 +22705,10 @@
           </p:nvGrpSpPr>
           <p:grpSpPr>
             <a:xfrm>
-              <a:off x="960092" y="4216701"/>
-              <a:ext cx="1777329" cy="323793"/>
-              <a:chOff x="0" y="0"/>
-              <a:chExt cx="1777327" cy="323792"/>
+              <a:off x="960092" y="4216702"/>
+              <a:ext cx="1777333" cy="323796"/>
+              <a:chOff x="-1" y="0"/>
+              <a:chExt cx="1777332" cy="323795"/>
             </a:xfrm>
           </p:grpSpPr>
           <p:sp>
@@ -22718,8 +22719,8 @@
             </p:nvSpPr>
             <p:spPr>
               <a:xfrm>
-                <a:off x="-1" y="-1"/>
-                <a:ext cx="1777329" cy="323794"/>
+                <a:off x="-2" y="-1"/>
+                <a:ext cx="1777333" cy="323796"/>
               </a:xfrm>
               <a:prstGeom prst="rect">
                 <a:avLst/>
@@ -22758,8 +22759,8 @@
             </p:nvSpPr>
             <p:spPr>
               <a:xfrm>
-                <a:off x="-1" y="27277"/>
-                <a:ext cx="1777329" cy="269237"/>
+                <a:off x="-2" y="27277"/>
+                <a:ext cx="1777333" cy="269237"/>
               </a:xfrm>
               <a:prstGeom prst="rect">
                 <a:avLst/>
@@ -22802,8 +22803,8 @@
           </p:nvSpPr>
           <p:spPr>
             <a:xfrm flipV="1">
-              <a:off x="597434" y="370636"/>
-              <a:ext cx="3" cy="575705"/>
+              <a:off x="597435" y="370637"/>
+              <a:ext cx="4" cy="575706"/>
             </a:xfrm>
             <a:prstGeom prst="line">
               <a:avLst/>
@@ -22837,8 +22838,8 @@
           </p:nvSpPr>
           <p:spPr>
             <a:xfrm flipV="1">
-              <a:off x="1511708" y="1132237"/>
-              <a:ext cx="3" cy="575706"/>
+              <a:off x="1511709" y="1132238"/>
+              <a:ext cx="4" cy="575707"/>
             </a:xfrm>
             <a:prstGeom prst="line">
               <a:avLst/>
@@ -22872,8 +22873,8 @@
           </p:nvSpPr>
           <p:spPr>
             <a:xfrm>
-              <a:off x="584468" y="944990"/>
-              <a:ext cx="368034" cy="3"/>
+              <a:off x="584469" y="944991"/>
+              <a:ext cx="368035" cy="4"/>
             </a:xfrm>
             <a:prstGeom prst="line">
               <a:avLst/>
@@ -22906,8 +22907,8 @@
           </p:nvSpPr>
           <p:spPr>
             <a:xfrm>
-              <a:off x="773960" y="545231"/>
-              <a:ext cx="178543" cy="3"/>
+              <a:off x="773961" y="545232"/>
+              <a:ext cx="178544" cy="4"/>
             </a:xfrm>
             <a:prstGeom prst="line">
               <a:avLst/>
@@ -22940,8 +22941,8 @@
           </p:nvSpPr>
           <p:spPr>
             <a:xfrm>
-              <a:off x="1704235" y="1311903"/>
-              <a:ext cx="193431" cy="3"/>
+              <a:off x="1704236" y="1311904"/>
+              <a:ext cx="193432" cy="4"/>
             </a:xfrm>
             <a:prstGeom prst="line">
               <a:avLst/>
@@ -22974,8 +22975,8 @@
           </p:nvSpPr>
           <p:spPr>
             <a:xfrm>
-              <a:off x="1514743" y="1695240"/>
-              <a:ext cx="382923" cy="3"/>
+              <a:off x="1514744" y="1695241"/>
+              <a:ext cx="382924" cy="4"/>
             </a:xfrm>
             <a:prstGeom prst="line">
               <a:avLst/>
@@ -23008,8 +23009,8 @@
           </p:nvSpPr>
           <p:spPr>
             <a:xfrm>
-              <a:off x="1704235" y="2078576"/>
-              <a:ext cx="193431" cy="3"/>
+              <a:off x="1704236" y="2078577"/>
+              <a:ext cx="193432" cy="4"/>
             </a:xfrm>
             <a:prstGeom prst="line">
               <a:avLst/>
@@ -23042,8 +23043,8 @@
           </p:nvSpPr>
           <p:spPr>
             <a:xfrm>
-              <a:off x="1704235" y="2461914"/>
-              <a:ext cx="193431" cy="3"/>
+              <a:off x="1704236" y="2461916"/>
+              <a:ext cx="193432" cy="4"/>
             </a:xfrm>
             <a:prstGeom prst="line">
               <a:avLst/>
@@ -23076,8 +23077,8 @@
           </p:nvSpPr>
           <p:spPr>
             <a:xfrm flipV="1">
-              <a:off x="1706203" y="1299204"/>
-              <a:ext cx="3" cy="1172348"/>
+              <a:off x="1706204" y="1299206"/>
+              <a:ext cx="4" cy="1172349"/>
             </a:xfrm>
             <a:prstGeom prst="line">
               <a:avLst/>
@@ -23110,8 +23111,8 @@
           </p:nvSpPr>
           <p:spPr>
             <a:xfrm flipV="1">
-              <a:off x="775928" y="532530"/>
-              <a:ext cx="3" cy="3858769"/>
+              <a:off x="775929" y="532531"/>
+              <a:ext cx="4" cy="3858771"/>
             </a:xfrm>
             <a:prstGeom prst="line">
               <a:avLst/>
@@ -23144,8 +23145,8 @@
           </p:nvSpPr>
           <p:spPr>
             <a:xfrm>
-              <a:off x="762000" y="3228586"/>
-              <a:ext cx="190502" cy="3"/>
+              <a:off x="762001" y="3228588"/>
+              <a:ext cx="190503" cy="4"/>
             </a:xfrm>
             <a:prstGeom prst="line">
               <a:avLst/>
@@ -23178,8 +23179,8 @@
           </p:nvSpPr>
           <p:spPr>
             <a:xfrm>
-              <a:off x="762000" y="3611923"/>
-              <a:ext cx="190503" cy="3"/>
+              <a:off x="762001" y="3611925"/>
+              <a:ext cx="190504" cy="4"/>
             </a:xfrm>
             <a:prstGeom prst="line">
               <a:avLst/>
@@ -23212,8 +23213,8 @@
           </p:nvSpPr>
           <p:spPr>
             <a:xfrm>
-              <a:off x="762000" y="3995259"/>
-              <a:ext cx="190502" cy="3"/>
+              <a:off x="762001" y="3995261"/>
+              <a:ext cx="190503" cy="4"/>
             </a:xfrm>
             <a:prstGeom prst="line">
               <a:avLst/>
@@ -23246,8 +23247,8 @@
           </p:nvSpPr>
           <p:spPr>
             <a:xfrm>
-              <a:off x="762000" y="4378596"/>
-              <a:ext cx="190503" cy="3"/>
+              <a:off x="762001" y="4378599"/>
+              <a:ext cx="190504" cy="4"/>
             </a:xfrm>
             <a:prstGeom prst="line">
               <a:avLst/>
@@ -23280,8 +23281,8 @@
           </p:nvSpPr>
           <p:spPr>
             <a:xfrm>
-              <a:off x="762000" y="2845250"/>
-              <a:ext cx="190502" cy="3"/>
+              <a:off x="762001" y="2845252"/>
+              <a:ext cx="190503" cy="4"/>
             </a:xfrm>
             <a:prstGeom prst="line">
               <a:avLst/>
@@ -23315,10 +23316,10 @@
         </p:nvGrpSpPr>
         <p:grpSpPr>
           <a:xfrm>
-            <a:off x="5208981" y="126999"/>
-            <a:ext cx="1269326" cy="323793"/>
-            <a:chOff x="0" y="0"/>
-            <a:chExt cx="1269325" cy="323791"/>
+            <a:off x="5208979" y="126997"/>
+            <a:ext cx="1269328" cy="323796"/>
+            <a:chOff x="0" y="-1"/>
+            <a:chExt cx="1269326" cy="323795"/>
           </a:xfrm>
         </p:grpSpPr>
         <p:sp>
@@ -23329,8 +23330,8 @@
           </p:nvSpPr>
           <p:spPr>
             <a:xfrm>
-              <a:off x="-1" y="-1"/>
-              <a:ext cx="1269326" cy="323793"/>
+              <a:off x="-1" y="-2"/>
+              <a:ext cx="1269328" cy="323797"/>
             </a:xfrm>
             <a:prstGeom prst="rect">
               <a:avLst/>
@@ -23370,7 +23371,7 @@
           <p:spPr>
             <a:xfrm>
               <a:off x="-1" y="27277"/>
-              <a:ext cx="1269326" cy="269237"/>
+              <a:ext cx="1269328" cy="269237"/>
             </a:xfrm>
             <a:prstGeom prst="rect">
               <a:avLst/>
@@ -23413,10 +23414,10 @@
         </p:nvGrpSpPr>
         <p:grpSpPr>
           <a:xfrm>
-            <a:off x="6169076" y="510336"/>
-            <a:ext cx="1777324" cy="323792"/>
+            <a:off x="6169075" y="510335"/>
+            <a:ext cx="1777327" cy="323794"/>
             <a:chOff x="0" y="0"/>
-            <a:chExt cx="1777323" cy="323791"/>
+            <a:chExt cx="1777326" cy="323793"/>
           </a:xfrm>
         </p:grpSpPr>
         <p:sp>
@@ -23427,8 +23428,8 @@
           </p:nvSpPr>
           <p:spPr>
             <a:xfrm>
-              <a:off x="-1" y="0"/>
-              <a:ext cx="1777325" cy="323792"/>
+              <a:off x="-1" y="-1"/>
+              <a:ext cx="1777327" cy="323794"/>
             </a:xfrm>
             <a:prstGeom prst="rect">
               <a:avLst/>
@@ -23468,7 +23469,7 @@
           <p:spPr>
             <a:xfrm>
               <a:off x="-1" y="27277"/>
-              <a:ext cx="1777325" cy="269237"/>
+              <a:ext cx="1777327" cy="269237"/>
             </a:xfrm>
             <a:prstGeom prst="rect">
               <a:avLst/>
@@ -23511,10 +23512,10 @@
         </p:nvGrpSpPr>
         <p:grpSpPr>
           <a:xfrm>
-            <a:off x="6169076" y="893670"/>
-            <a:ext cx="1777324" cy="323796"/>
+            <a:off x="6169075" y="893668"/>
+            <a:ext cx="1777327" cy="323799"/>
             <a:chOff x="0" y="-1"/>
-            <a:chExt cx="1777323" cy="323795"/>
+            <a:chExt cx="1777326" cy="323798"/>
           </a:xfrm>
         </p:grpSpPr>
         <p:sp>
@@ -23526,7 +23527,7 @@
           <p:spPr>
             <a:xfrm>
               <a:off x="-1" y="-2"/>
-              <a:ext cx="1777325" cy="323797"/>
+              <a:ext cx="1777327" cy="323800"/>
             </a:xfrm>
             <a:prstGeom prst="rect">
               <a:avLst/>
@@ -23565,8 +23566,8 @@
           </p:nvSpPr>
           <p:spPr>
             <a:xfrm>
-              <a:off x="-1" y="27277"/>
-              <a:ext cx="1777325" cy="269237"/>
+              <a:off x="-1" y="27278"/>
+              <a:ext cx="1777327" cy="269237"/>
             </a:xfrm>
             <a:prstGeom prst="rect">
               <a:avLst/>
@@ -23609,10 +23610,10 @@
         </p:nvGrpSpPr>
         <p:grpSpPr>
           <a:xfrm>
-            <a:off x="7114316" y="1277008"/>
-            <a:ext cx="1777324" cy="323792"/>
+            <a:off x="7114315" y="1277007"/>
+            <a:ext cx="1777327" cy="323794"/>
             <a:chOff x="0" y="0"/>
-            <a:chExt cx="1777323" cy="323791"/>
+            <a:chExt cx="1777326" cy="323793"/>
           </a:xfrm>
         </p:grpSpPr>
         <p:sp>
@@ -23623,8 +23624,8 @@
           </p:nvSpPr>
           <p:spPr>
             <a:xfrm>
-              <a:off x="-1" y="0"/>
-              <a:ext cx="1777325" cy="323792"/>
+              <a:off x="-1" y="-1"/>
+              <a:ext cx="1777327" cy="323794"/>
             </a:xfrm>
             <a:prstGeom prst="rect">
               <a:avLst/>
@@ -23664,7 +23665,7 @@
           <p:spPr>
             <a:xfrm>
               <a:off x="-1" y="27277"/>
-              <a:ext cx="1777325" cy="269237"/>
+              <a:ext cx="1777327" cy="269237"/>
             </a:xfrm>
             <a:prstGeom prst="rect">
               <a:avLst/>
@@ -23707,10 +23708,10 @@
         </p:nvGrpSpPr>
         <p:grpSpPr>
           <a:xfrm>
-            <a:off x="7114316" y="1660343"/>
-            <a:ext cx="1777324" cy="323794"/>
+            <a:off x="7114315" y="1660342"/>
+            <a:ext cx="1777327" cy="323796"/>
             <a:chOff x="0" y="0"/>
-            <a:chExt cx="1777323" cy="323793"/>
+            <a:chExt cx="1777326" cy="323794"/>
           </a:xfrm>
         </p:grpSpPr>
         <p:sp>
@@ -23722,7 +23723,7 @@
           <p:spPr>
             <a:xfrm>
               <a:off x="-1" y="-1"/>
-              <a:ext cx="1777325" cy="323794"/>
+              <a:ext cx="1777327" cy="323795"/>
             </a:xfrm>
             <a:prstGeom prst="rect">
               <a:avLst/>
@@ -23762,7 +23763,7 @@
           <p:spPr>
             <a:xfrm>
               <a:off x="-1" y="27277"/>
-              <a:ext cx="1777325" cy="269237"/>
+              <a:ext cx="1777327" cy="269237"/>
             </a:xfrm>
             <a:prstGeom prst="rect">
               <a:avLst/>
@@ -23805,10 +23806,10 @@
         </p:nvGrpSpPr>
         <p:grpSpPr>
           <a:xfrm>
-            <a:off x="7114316" y="2043682"/>
-            <a:ext cx="1777324" cy="323793"/>
+            <a:off x="7114315" y="2043682"/>
+            <a:ext cx="1777327" cy="323795"/>
             <a:chOff x="0" y="0"/>
-            <a:chExt cx="1777323" cy="323791"/>
+            <a:chExt cx="1777326" cy="323793"/>
           </a:xfrm>
         </p:grpSpPr>
         <p:sp>
@@ -23820,7 +23821,7 @@
           <p:spPr>
             <a:xfrm>
               <a:off x="-1" y="0"/>
-              <a:ext cx="1777325" cy="323792"/>
+              <a:ext cx="1777327" cy="323794"/>
             </a:xfrm>
             <a:prstGeom prst="rect">
               <a:avLst/>
@@ -23860,7 +23861,7 @@
           <p:spPr>
             <a:xfrm>
               <a:off x="-1" y="27277"/>
-              <a:ext cx="1777325" cy="269237"/>
+              <a:ext cx="1777327" cy="269237"/>
             </a:xfrm>
             <a:prstGeom prst="rect">
               <a:avLst/>
@@ -23903,10 +23904,10 @@
         </p:nvGrpSpPr>
         <p:grpSpPr>
           <a:xfrm>
-            <a:off x="6169076" y="2427015"/>
-            <a:ext cx="1777324" cy="323795"/>
-            <a:chOff x="0" y="0"/>
-            <a:chExt cx="1777323" cy="323793"/>
+            <a:off x="6169075" y="2427014"/>
+            <a:ext cx="1777327" cy="323796"/>
+            <a:chOff x="0" y="-1"/>
+            <a:chExt cx="1777326" cy="323795"/>
           </a:xfrm>
         </p:grpSpPr>
         <p:sp>
@@ -23917,8 +23918,8 @@
           </p:nvSpPr>
           <p:spPr>
             <a:xfrm>
-              <a:off x="-1" y="-1"/>
-              <a:ext cx="1777325" cy="323794"/>
+              <a:off x="-1" y="-2"/>
+              <a:ext cx="1777327" cy="323797"/>
             </a:xfrm>
             <a:prstGeom prst="rect">
               <a:avLst/>
@@ -23958,7 +23959,7 @@
           <p:spPr>
             <a:xfrm>
               <a:off x="-1" y="27277"/>
-              <a:ext cx="1777325" cy="269237"/>
+              <a:ext cx="1777327" cy="269237"/>
             </a:xfrm>
             <a:prstGeom prst="rect">
               <a:avLst/>
@@ -24001,10 +24002,10 @@
         </p:nvGrpSpPr>
         <p:grpSpPr>
           <a:xfrm>
-            <a:off x="6169076" y="2810355"/>
-            <a:ext cx="1777324" cy="323793"/>
+            <a:off x="6169075" y="2810355"/>
+            <a:ext cx="1777327" cy="323794"/>
             <a:chOff x="0" y="0"/>
-            <a:chExt cx="1777323" cy="323791"/>
+            <a:chExt cx="1777326" cy="323793"/>
           </a:xfrm>
         </p:grpSpPr>
         <p:sp>
@@ -24016,7 +24017,7 @@
           <p:spPr>
             <a:xfrm>
               <a:off x="-1" y="0"/>
-              <a:ext cx="1777325" cy="323792"/>
+              <a:ext cx="1777327" cy="323794"/>
             </a:xfrm>
             <a:prstGeom prst="rect">
               <a:avLst/>
@@ -24056,7 +24057,7 @@
           <p:spPr>
             <a:xfrm>
               <a:off x="-1" y="27277"/>
-              <a:ext cx="1777325" cy="269237"/>
+              <a:ext cx="1777327" cy="269237"/>
             </a:xfrm>
             <a:prstGeom prst="rect">
               <a:avLst/>
@@ -24099,10 +24100,10 @@
         </p:nvGrpSpPr>
         <p:grpSpPr>
           <a:xfrm>
-            <a:off x="6169076" y="3193689"/>
-            <a:ext cx="1777324" cy="323793"/>
+            <a:off x="6169075" y="3193688"/>
+            <a:ext cx="1777327" cy="323795"/>
             <a:chOff x="0" y="0"/>
-            <a:chExt cx="1777323" cy="323791"/>
+            <a:chExt cx="1777326" cy="323793"/>
           </a:xfrm>
         </p:grpSpPr>
         <p:sp>
@@ -24114,7 +24115,7 @@
           <p:spPr>
             <a:xfrm>
               <a:off x="-1" y="0"/>
-              <a:ext cx="1777325" cy="323792"/>
+              <a:ext cx="1777327" cy="323794"/>
             </a:xfrm>
             <a:prstGeom prst="rect">
               <a:avLst/>
@@ -24154,7 +24155,7 @@
           <p:spPr>
             <a:xfrm>
               <a:off x="-1" y="27277"/>
-              <a:ext cx="1777325" cy="269237"/>
+              <a:ext cx="1777327" cy="269237"/>
             </a:xfrm>
             <a:prstGeom prst="rect">
               <a:avLst/>
@@ -24198,7 +24199,7 @@
         <p:spPr>
           <a:xfrm flipH="1" flipV="1">
             <a:off x="5745233" y="503986"/>
-            <a:ext cx="3" cy="575705"/>
+            <a:ext cx="4" cy="575705"/>
           </a:xfrm>
           <a:prstGeom prst="line">
             <a:avLst/>
@@ -24227,7 +24228,7 @@
         <p:spPr>
           <a:xfrm flipV="1">
             <a:off x="6720692" y="1259236"/>
-            <a:ext cx="3" cy="575707"/>
+            <a:ext cx="4" cy="575708"/>
           </a:xfrm>
           <a:prstGeom prst="line">
             <a:avLst/>
@@ -24256,7 +24257,7 @@
         <p:spPr>
           <a:xfrm>
             <a:off x="5740400" y="1071989"/>
-            <a:ext cx="419101" cy="3"/>
+            <a:ext cx="419101" cy="4"/>
           </a:xfrm>
           <a:prstGeom prst="line">
             <a:avLst/>
@@ -24284,7 +24285,7 @@
         <p:spPr>
           <a:xfrm>
             <a:off x="5968998" y="672231"/>
-            <a:ext cx="190504" cy="3"/>
+            <a:ext cx="190505" cy="4"/>
           </a:xfrm>
           <a:prstGeom prst="line">
             <a:avLst/>
@@ -24312,7 +24313,7 @@
         <p:spPr>
           <a:xfrm>
             <a:off x="6913219" y="1438901"/>
-            <a:ext cx="193431" cy="3"/>
+            <a:ext cx="193432" cy="4"/>
           </a:xfrm>
           <a:prstGeom prst="line">
             <a:avLst/>
@@ -24339,8 +24340,8 @@
         </p:nvSpPr>
         <p:spPr>
           <a:xfrm>
-            <a:off x="6723726" y="1822238"/>
-            <a:ext cx="382923" cy="3"/>
+            <a:off x="6723726" y="1822237"/>
+            <a:ext cx="382924" cy="4"/>
           </a:xfrm>
           <a:prstGeom prst="line">
             <a:avLst/>
@@ -24368,7 +24369,7 @@
         <p:spPr>
           <a:xfrm>
             <a:off x="6913219" y="2205576"/>
-            <a:ext cx="193431" cy="3"/>
+            <a:ext cx="193432" cy="4"/>
           </a:xfrm>
           <a:prstGeom prst="line">
             <a:avLst/>
@@ -24396,7 +24397,7 @@
         <p:spPr>
           <a:xfrm flipV="1">
             <a:off x="6915187" y="1426201"/>
-            <a:ext cx="3" cy="792077"/>
+            <a:ext cx="4" cy="792078"/>
           </a:xfrm>
           <a:prstGeom prst="line">
             <a:avLst/>
@@ -24423,8 +24424,8 @@
         </p:nvSpPr>
         <p:spPr>
           <a:xfrm flipV="1">
-            <a:off x="5972211" y="659530"/>
-            <a:ext cx="3" cy="2705694"/>
+            <a:off x="5972211" y="659529"/>
+            <a:ext cx="4" cy="2705695"/>
           </a:xfrm>
           <a:prstGeom prst="line">
             <a:avLst/>
@@ -24452,7 +24453,7 @@
         <p:spPr>
           <a:xfrm>
             <a:off x="5968998" y="3355585"/>
-            <a:ext cx="190504" cy="3"/>
+            <a:ext cx="190505" cy="4"/>
           </a:xfrm>
           <a:prstGeom prst="line">
             <a:avLst/>
@@ -24479,8 +24480,8 @@
         </p:nvSpPr>
         <p:spPr>
           <a:xfrm>
-            <a:off x="5968998" y="2588911"/>
-            <a:ext cx="190504" cy="3"/>
+            <a:off x="5968998" y="2588910"/>
+            <a:ext cx="190505" cy="4"/>
           </a:xfrm>
           <a:prstGeom prst="line">
             <a:avLst/>
@@ -24508,7 +24509,7 @@
         <p:spPr>
           <a:xfrm>
             <a:off x="5968998" y="2972249"/>
-            <a:ext cx="190504" cy="3"/>
+            <a:ext cx="190505" cy="4"/>
           </a:xfrm>
           <a:prstGeom prst="line">
             <a:avLst/>
@@ -24536,7 +24537,7 @@
         <p:spPr>
           <a:xfrm>
             <a:off x="2003405" y="4825431"/>
-            <a:ext cx="2215842" cy="281937"/>
+            <a:ext cx="2215841" cy="281937"/>
           </a:xfrm>
           <a:prstGeom prst="rect">
             <a:avLst/>
@@ -24601,8 +24602,8 @@
         </p:nvSpPr>
         <p:spPr>
           <a:xfrm>
-            <a:off x="2003406" y="4069781"/>
-            <a:ext cx="2084015" cy="281937"/>
+            <a:off x="2003405" y="4069781"/>
+            <a:ext cx="2084016" cy="281937"/>
           </a:xfrm>
           <a:prstGeom prst="rect">
             <a:avLst/>
@@ -24641,10 +24642,10 @@
         </p:nvGrpSpPr>
         <p:grpSpPr>
           <a:xfrm>
-            <a:off x="1269995" y="126998"/>
-            <a:ext cx="3682665" cy="3773822"/>
-            <a:chOff x="-1" y="0"/>
-            <a:chExt cx="3682663" cy="3773821"/>
+            <a:off x="1269993" y="126995"/>
+            <a:ext cx="3682668" cy="3773826"/>
+            <a:chOff x="-1" y="-2"/>
+            <a:chExt cx="3682667" cy="3773824"/>
           </a:xfrm>
         </p:grpSpPr>
         <p:grpSp>
@@ -24655,10 +24656,10 @@
           </p:nvGrpSpPr>
           <p:grpSpPr>
             <a:xfrm>
-              <a:off x="-2" y="-1"/>
-              <a:ext cx="1269326" cy="323793"/>
+              <a:off x="-2" y="-3"/>
+              <a:ext cx="1269328" cy="323796"/>
               <a:chOff x="0" y="0"/>
-              <a:chExt cx="1269325" cy="323792"/>
+              <a:chExt cx="1269326" cy="323794"/>
             </a:xfrm>
           </p:grpSpPr>
           <p:sp>
@@ -24670,7 +24671,7 @@
             <p:spPr>
               <a:xfrm>
                 <a:off x="-1" y="-1"/>
-                <a:ext cx="1269326" cy="323794"/>
+                <a:ext cx="1269328" cy="323795"/>
               </a:xfrm>
               <a:prstGeom prst="rect">
                 <a:avLst/>
@@ -24710,7 +24711,7 @@
             <p:spPr>
               <a:xfrm>
                 <a:off x="-1" y="27277"/>
-                <a:ext cx="1269326" cy="269237"/>
+                <a:ext cx="1269328" cy="269237"/>
               </a:xfrm>
               <a:prstGeom prst="rect">
                 <a:avLst/>
@@ -24753,10 +24754,10 @@
           </p:nvGrpSpPr>
           <p:grpSpPr>
             <a:xfrm>
-              <a:off x="960092" y="393459"/>
-              <a:ext cx="1777329" cy="323795"/>
-              <a:chOff x="0" y="0"/>
-              <a:chExt cx="1777327" cy="323793"/>
+              <a:off x="960092" y="393458"/>
+              <a:ext cx="1777333" cy="323798"/>
+              <a:chOff x="-1" y="-1"/>
+              <a:chExt cx="1777332" cy="323796"/>
             </a:xfrm>
           </p:grpSpPr>
           <p:sp>
@@ -24767,8 +24768,8 @@
             </p:nvSpPr>
             <p:spPr>
               <a:xfrm>
-                <a:off x="-1" y="-1"/>
-                <a:ext cx="1777329" cy="323795"/>
+                <a:off x="-2" y="-2"/>
+                <a:ext cx="1777333" cy="323798"/>
               </a:xfrm>
               <a:prstGeom prst="rect">
                 <a:avLst/>
@@ -24807,8 +24808,8 @@
             </p:nvSpPr>
             <p:spPr>
               <a:xfrm>
-                <a:off x="-1" y="27277"/>
-                <a:ext cx="1777329" cy="269237"/>
+                <a:off x="-2" y="27277"/>
+                <a:ext cx="1777333" cy="269237"/>
               </a:xfrm>
               <a:prstGeom prst="rect">
                 <a:avLst/>
@@ -24851,10 +24852,10 @@
           </p:nvGrpSpPr>
           <p:grpSpPr>
             <a:xfrm>
-              <a:off x="1905333" y="766671"/>
-              <a:ext cx="1777329" cy="323795"/>
-              <a:chOff x="0" y="0"/>
-              <a:chExt cx="1777327" cy="323793"/>
+              <a:off x="1905333" y="766670"/>
+              <a:ext cx="1777334" cy="323798"/>
+              <a:chOff x="-1" y="-1"/>
+              <a:chExt cx="1777332" cy="323796"/>
             </a:xfrm>
           </p:grpSpPr>
           <p:sp>
@@ -24865,8 +24866,8 @@
             </p:nvSpPr>
             <p:spPr>
               <a:xfrm>
-                <a:off x="-1" y="-1"/>
-                <a:ext cx="1777329" cy="323795"/>
+                <a:off x="-2" y="-2"/>
+                <a:ext cx="1777333" cy="323798"/>
               </a:xfrm>
               <a:prstGeom prst="rect">
                 <a:avLst/>
@@ -24905,8 +24906,8 @@
             </p:nvSpPr>
             <p:spPr>
               <a:xfrm>
-                <a:off x="-1" y="27277"/>
-                <a:ext cx="1777329" cy="269237"/>
+                <a:off x="-2" y="27277"/>
+                <a:ext cx="1777333" cy="269237"/>
               </a:xfrm>
               <a:prstGeom prst="rect">
                 <a:avLst/>
@@ -24949,10 +24950,10 @@
           </p:nvGrpSpPr>
           <p:grpSpPr>
             <a:xfrm>
-              <a:off x="960092" y="1139883"/>
-              <a:ext cx="1777329" cy="323795"/>
-              <a:chOff x="0" y="0"/>
-              <a:chExt cx="1777327" cy="323793"/>
+              <a:off x="960092" y="1139882"/>
+              <a:ext cx="1777333" cy="323798"/>
+              <a:chOff x="-1" y="-1"/>
+              <a:chExt cx="1777332" cy="323796"/>
             </a:xfrm>
           </p:grpSpPr>
           <p:sp>
@@ -24963,8 +24964,8 @@
             </p:nvSpPr>
             <p:spPr>
               <a:xfrm>
-                <a:off x="-1" y="-1"/>
-                <a:ext cx="1777329" cy="323795"/>
+                <a:off x="-2" y="-2"/>
+                <a:ext cx="1777333" cy="323798"/>
               </a:xfrm>
               <a:prstGeom prst="rect">
                 <a:avLst/>
@@ -25003,8 +25004,8 @@
             </p:nvSpPr>
             <p:spPr>
               <a:xfrm>
-                <a:off x="-1" y="27277"/>
-                <a:ext cx="1777329" cy="269237"/>
+                <a:off x="-2" y="27277"/>
+                <a:ext cx="1777333" cy="269237"/>
               </a:xfrm>
               <a:prstGeom prst="rect">
                 <a:avLst/>
@@ -25047,10 +25048,10 @@
           </p:nvGrpSpPr>
           <p:grpSpPr>
             <a:xfrm>
-              <a:off x="1905333" y="1523219"/>
-              <a:ext cx="1777329" cy="323795"/>
-              <a:chOff x="0" y="0"/>
-              <a:chExt cx="1777327" cy="323793"/>
+              <a:off x="1905333" y="1523218"/>
+              <a:ext cx="1777334" cy="323798"/>
+              <a:chOff x="-1" y="-1"/>
+              <a:chExt cx="1777332" cy="323796"/>
             </a:xfrm>
           </p:grpSpPr>
           <p:sp>
@@ -25061,8 +25062,8 @@
             </p:nvSpPr>
             <p:spPr>
               <a:xfrm>
-                <a:off x="-1" y="-1"/>
-                <a:ext cx="1777329" cy="323795"/>
+                <a:off x="-2" y="-2"/>
+                <a:ext cx="1777333" cy="323798"/>
               </a:xfrm>
               <a:prstGeom prst="rect">
                 <a:avLst/>
@@ -25101,8 +25102,8 @@
             </p:nvSpPr>
             <p:spPr>
               <a:xfrm>
-                <a:off x="-1" y="27277"/>
-                <a:ext cx="1777329" cy="269237"/>
+                <a:off x="-2" y="27277"/>
+                <a:ext cx="1777333" cy="269237"/>
               </a:xfrm>
               <a:prstGeom prst="rect">
                 <a:avLst/>
@@ -25145,10 +25146,10 @@
           </p:nvGrpSpPr>
           <p:grpSpPr>
             <a:xfrm>
-              <a:off x="1905333" y="2286001"/>
-              <a:ext cx="1777329" cy="323793"/>
-              <a:chOff x="0" y="0"/>
-              <a:chExt cx="1777327" cy="323792"/>
+              <a:off x="1905333" y="2286000"/>
+              <a:ext cx="1777334" cy="323796"/>
+              <a:chOff x="-1" y="0"/>
+              <a:chExt cx="1777332" cy="323794"/>
             </a:xfrm>
           </p:grpSpPr>
           <p:sp>
@@ -25159,8 +25160,8 @@
             </p:nvSpPr>
             <p:spPr>
               <a:xfrm>
-                <a:off x="-1" y="-1"/>
-                <a:ext cx="1777329" cy="323794"/>
+                <a:off x="-2" y="-1"/>
+                <a:ext cx="1777333" cy="323795"/>
               </a:xfrm>
               <a:prstGeom prst="rect">
                 <a:avLst/>
@@ -25199,8 +25200,8 @@
             </p:nvSpPr>
             <p:spPr>
               <a:xfrm>
-                <a:off x="-1" y="27277"/>
-                <a:ext cx="1777329" cy="269237"/>
+                <a:off x="-2" y="27277"/>
+                <a:ext cx="1777333" cy="269237"/>
               </a:xfrm>
               <a:prstGeom prst="rect">
                 <a:avLst/>
@@ -25243,10 +25244,10 @@
           </p:nvGrpSpPr>
           <p:grpSpPr>
             <a:xfrm>
-              <a:off x="960092" y="2683354"/>
-              <a:ext cx="1777329" cy="323795"/>
-              <a:chOff x="0" y="0"/>
-              <a:chExt cx="1777327" cy="323793"/>
+              <a:off x="960092" y="2683353"/>
+              <a:ext cx="1777333" cy="323798"/>
+              <a:chOff x="-1" y="-1"/>
+              <a:chExt cx="1777332" cy="323796"/>
             </a:xfrm>
           </p:grpSpPr>
           <p:sp>
@@ -25257,8 +25258,8 @@
             </p:nvSpPr>
             <p:spPr>
               <a:xfrm>
-                <a:off x="-1" y="-1"/>
-                <a:ext cx="1777329" cy="323795"/>
+                <a:off x="-2" y="-2"/>
+                <a:ext cx="1777333" cy="323798"/>
               </a:xfrm>
               <a:prstGeom prst="rect">
                 <a:avLst/>
@@ -25297,8 +25298,8 @@
             </p:nvSpPr>
             <p:spPr>
               <a:xfrm>
-                <a:off x="-1" y="27277"/>
-                <a:ext cx="1777329" cy="269237"/>
+                <a:off x="-2" y="27277"/>
+                <a:ext cx="1777333" cy="269237"/>
               </a:xfrm>
               <a:prstGeom prst="rect">
                 <a:avLst/>
@@ -25341,10 +25342,10 @@
           </p:nvGrpSpPr>
           <p:grpSpPr>
             <a:xfrm>
-              <a:off x="960092" y="3066692"/>
-              <a:ext cx="1777329" cy="323793"/>
-              <a:chOff x="0" y="0"/>
-              <a:chExt cx="1777327" cy="323792"/>
+              <a:off x="960092" y="3066691"/>
+              <a:ext cx="1777333" cy="323796"/>
+              <a:chOff x="-1" y="0"/>
+              <a:chExt cx="1777332" cy="323794"/>
             </a:xfrm>
           </p:grpSpPr>
           <p:sp>
@@ -25355,8 +25356,8 @@
             </p:nvSpPr>
             <p:spPr>
               <a:xfrm>
-                <a:off x="-1" y="-1"/>
-                <a:ext cx="1777329" cy="323794"/>
+                <a:off x="-2" y="-1"/>
+                <a:ext cx="1777333" cy="323795"/>
               </a:xfrm>
               <a:prstGeom prst="rect">
                 <a:avLst/>
@@ -25395,8 +25396,8 @@
             </p:nvSpPr>
             <p:spPr>
               <a:xfrm>
-                <a:off x="-1" y="27277"/>
-                <a:ext cx="1777329" cy="269237"/>
+                <a:off x="-2" y="27277"/>
+                <a:ext cx="1777333" cy="269237"/>
               </a:xfrm>
               <a:prstGeom prst="rect">
                 <a:avLst/>
@@ -25439,10 +25440,10 @@
           </p:nvGrpSpPr>
           <p:grpSpPr>
             <a:xfrm>
-              <a:off x="960092" y="3450028"/>
-              <a:ext cx="1777329" cy="323793"/>
-              <a:chOff x="0" y="0"/>
-              <a:chExt cx="1777327" cy="323792"/>
+              <a:off x="960092" y="3450027"/>
+              <a:ext cx="1777333" cy="323796"/>
+              <a:chOff x="-1" y="0"/>
+              <a:chExt cx="1777332" cy="323794"/>
             </a:xfrm>
           </p:grpSpPr>
           <p:sp>
@@ -25453,8 +25454,8 @@
             </p:nvSpPr>
             <p:spPr>
               <a:xfrm>
-                <a:off x="-1" y="-1"/>
-                <a:ext cx="1777329" cy="323794"/>
+                <a:off x="-2" y="-1"/>
+                <a:ext cx="1777333" cy="323795"/>
               </a:xfrm>
               <a:prstGeom prst="rect">
                 <a:avLst/>
@@ -25493,8 +25494,8 @@
             </p:nvSpPr>
             <p:spPr>
               <a:xfrm>
-                <a:off x="-1" y="27277"/>
-                <a:ext cx="1777329" cy="269237"/>
+                <a:off x="-2" y="27277"/>
+                <a:ext cx="1777333" cy="269237"/>
               </a:xfrm>
               <a:prstGeom prst="rect">
                 <a:avLst/>
@@ -25537,8 +25538,8 @@
           </p:nvSpPr>
           <p:spPr>
             <a:xfrm flipV="1">
-              <a:off x="597434" y="381000"/>
-              <a:ext cx="3" cy="1651003"/>
+              <a:off x="597435" y="381000"/>
+              <a:ext cx="4" cy="1651004"/>
             </a:xfrm>
             <a:prstGeom prst="line">
               <a:avLst/>
@@ -25572,8 +25573,8 @@
           </p:nvSpPr>
           <p:spPr>
             <a:xfrm flipV="1">
-              <a:off x="584468" y="2032000"/>
-              <a:ext cx="382923" cy="4"/>
+              <a:off x="584469" y="2032000"/>
+              <a:ext cx="382924" cy="5"/>
             </a:xfrm>
             <a:prstGeom prst="line">
               <a:avLst/>
@@ -25606,8 +25607,8 @@
           </p:nvSpPr>
           <p:spPr>
             <a:xfrm>
-              <a:off x="762000" y="545231"/>
-              <a:ext cx="190503" cy="3"/>
+              <a:off x="762001" y="545231"/>
+              <a:ext cx="190504" cy="4"/>
             </a:xfrm>
             <a:prstGeom prst="line">
               <a:avLst/>
@@ -25640,8 +25641,8 @@
           </p:nvSpPr>
           <p:spPr>
             <a:xfrm flipV="1">
-              <a:off x="775928" y="532532"/>
-              <a:ext cx="3" cy="3086972"/>
+              <a:off x="775929" y="532532"/>
+              <a:ext cx="4" cy="3086973"/>
             </a:xfrm>
             <a:prstGeom prst="line">
               <a:avLst/>
@@ -25674,8 +25675,8 @@
           </p:nvSpPr>
           <p:spPr>
             <a:xfrm>
-              <a:off x="762000" y="3228586"/>
-              <a:ext cx="190503" cy="3"/>
+              <a:off x="762001" y="3228586"/>
+              <a:ext cx="190504" cy="4"/>
             </a:xfrm>
             <a:prstGeom prst="line">
               <a:avLst/>
@@ -25708,8 +25709,8 @@
           </p:nvSpPr>
           <p:spPr>
             <a:xfrm>
-              <a:off x="762000" y="3611924"/>
-              <a:ext cx="190503" cy="3"/>
+              <a:off x="762001" y="3611924"/>
+              <a:ext cx="190504" cy="4"/>
             </a:xfrm>
             <a:prstGeom prst="line">
               <a:avLst/>
@@ -25742,8 +25743,8 @@
           </p:nvSpPr>
           <p:spPr>
             <a:xfrm>
-              <a:off x="762000" y="2845250"/>
-              <a:ext cx="190503" cy="3"/>
+              <a:off x="762001" y="2845250"/>
+              <a:ext cx="190504" cy="4"/>
             </a:xfrm>
             <a:prstGeom prst="line">
               <a:avLst/>
@@ -25776,10 +25777,10 @@
           </p:nvGrpSpPr>
           <p:grpSpPr>
             <a:xfrm>
-              <a:off x="960092" y="1903442"/>
-              <a:ext cx="1777329" cy="323795"/>
-              <a:chOff x="0" y="0"/>
-              <a:chExt cx="1777327" cy="323793"/>
+              <a:off x="960092" y="1903441"/>
+              <a:ext cx="1777333" cy="323798"/>
+              <a:chOff x="-1" y="-1"/>
+              <a:chExt cx="1777332" cy="323796"/>
             </a:xfrm>
           </p:grpSpPr>
           <p:sp>
@@ -25790,8 +25791,8 @@
             </p:nvSpPr>
             <p:spPr>
               <a:xfrm>
-                <a:off x="-1" y="-1"/>
-                <a:ext cx="1777329" cy="323795"/>
+                <a:off x="-2" y="-2"/>
+                <a:ext cx="1777333" cy="323798"/>
               </a:xfrm>
               <a:prstGeom prst="rect">
                 <a:avLst/>
@@ -25830,8 +25831,8 @@
             </p:nvSpPr>
             <p:spPr>
               <a:xfrm>
-                <a:off x="-1" y="27277"/>
-                <a:ext cx="1777329" cy="269237"/>
+                <a:off x="-2" y="27277"/>
+                <a:ext cx="1777333" cy="269237"/>
               </a:xfrm>
               <a:prstGeom prst="rect">
                 <a:avLst/>
@@ -25874,8 +25875,8 @@
           </p:nvSpPr>
           <p:spPr>
             <a:xfrm>
-              <a:off x="762000" y="1301779"/>
-              <a:ext cx="190503" cy="3"/>
+              <a:off x="762001" y="1301779"/>
+              <a:ext cx="190504" cy="4"/>
             </a:xfrm>
             <a:prstGeom prst="line">
               <a:avLst/>
@@ -25908,10 +25909,10 @@
           </p:nvGrpSpPr>
           <p:grpSpPr>
             <a:xfrm>
-              <a:off x="1522079" y="762000"/>
-              <a:ext cx="382926" cy="179274"/>
+              <a:off x="1522080" y="762000"/>
+              <a:ext cx="382928" cy="179276"/>
               <a:chOff x="0" y="0"/>
-              <a:chExt cx="382925" cy="179273"/>
+              <a:chExt cx="382927" cy="179275"/>
             </a:xfrm>
           </p:grpSpPr>
           <p:sp>
@@ -25922,8 +25923,8 @@
             </p:nvSpPr>
             <p:spPr>
               <a:xfrm>
-                <a:off x="0" y="166570"/>
-                <a:ext cx="382926" cy="3"/>
+                <a:off x="-1" y="166570"/>
+                <a:ext cx="382929" cy="4"/>
               </a:xfrm>
               <a:prstGeom prst="line">
                 <a:avLst/>
@@ -25957,7 +25958,7 @@
             <p:spPr>
               <a:xfrm flipV="1">
                 <a:off x="4236" y="0"/>
-                <a:ext cx="3" cy="179274"/>
+                <a:ext cx="4" cy="179276"/>
               </a:xfrm>
               <a:prstGeom prst="line">
                 <a:avLst/>
@@ -25992,10 +25993,10 @@
           </p:nvGrpSpPr>
           <p:grpSpPr>
             <a:xfrm>
-              <a:off x="1522079" y="1519147"/>
-              <a:ext cx="382926" cy="179274"/>
+              <a:off x="1522080" y="1519147"/>
+              <a:ext cx="382928" cy="179276"/>
               <a:chOff x="0" y="0"/>
-              <a:chExt cx="382925" cy="179273"/>
+              <a:chExt cx="382927" cy="179275"/>
             </a:xfrm>
           </p:grpSpPr>
           <p:sp>
@@ -26006,8 +26007,8 @@
             </p:nvSpPr>
             <p:spPr>
               <a:xfrm>
-                <a:off x="0" y="166570"/>
-                <a:ext cx="382926" cy="3"/>
+                <a:off x="-1" y="166570"/>
+                <a:ext cx="382929" cy="4"/>
               </a:xfrm>
               <a:prstGeom prst="line">
                 <a:avLst/>
@@ -26041,7 +26042,7 @@
             <p:spPr>
               <a:xfrm flipV="1">
                 <a:off x="4236" y="0"/>
-                <a:ext cx="3" cy="179274"/>
+                <a:ext cx="4" cy="179276"/>
               </a:xfrm>
               <a:prstGeom prst="line">
                 <a:avLst/>
@@ -26076,10 +26077,10 @@
           </p:nvGrpSpPr>
           <p:grpSpPr>
             <a:xfrm>
-              <a:off x="1522079" y="2289745"/>
-              <a:ext cx="382926" cy="179274"/>
+              <a:off x="1522080" y="2289745"/>
+              <a:ext cx="382928" cy="179276"/>
               <a:chOff x="0" y="0"/>
-              <a:chExt cx="382925" cy="179273"/>
+              <a:chExt cx="382927" cy="179275"/>
             </a:xfrm>
           </p:grpSpPr>
           <p:sp>
@@ -26090,8 +26091,8 @@
             </p:nvSpPr>
             <p:spPr>
               <a:xfrm>
-                <a:off x="0" y="166570"/>
-                <a:ext cx="382926" cy="3"/>
+                <a:off x="-1" y="166570"/>
+                <a:ext cx="382929" cy="4"/>
               </a:xfrm>
               <a:prstGeom prst="line">
                 <a:avLst/>
@@ -26125,7 +26126,7 @@
             <p:spPr>
               <a:xfrm flipV="1">
                 <a:off x="4236" y="0"/>
-                <a:ext cx="3" cy="179274"/>
+                <a:ext cx="4" cy="179276"/>
               </a:xfrm>
               <a:prstGeom prst="line">
                 <a:avLst/>
@@ -26161,10 +26162,10 @@
         </p:nvGrpSpPr>
         <p:grpSpPr>
           <a:xfrm>
-            <a:off x="5206997" y="126998"/>
-            <a:ext cx="3682662" cy="3368141"/>
-            <a:chOff x="0" y="0"/>
-            <a:chExt cx="3682661" cy="3368139"/>
+            <a:off x="5206994" y="126997"/>
+            <a:ext cx="3682666" cy="3368144"/>
+            <a:chOff x="-2" y="0"/>
+            <a:chExt cx="3682664" cy="3368143"/>
           </a:xfrm>
         </p:grpSpPr>
         <p:grpSp>
@@ -26175,10 +26176,10 @@
           </p:nvGrpSpPr>
           <p:grpSpPr>
             <a:xfrm>
-              <a:off x="-1" y="0"/>
-              <a:ext cx="1269326" cy="323793"/>
-              <a:chOff x="0" y="0"/>
-              <a:chExt cx="1269325" cy="323792"/>
+              <a:off x="-3" y="-1"/>
+              <a:ext cx="1269328" cy="323795"/>
+              <a:chOff x="-1" y="0"/>
+              <a:chExt cx="1269326" cy="323794"/>
             </a:xfrm>
           </p:grpSpPr>
           <p:sp>
@@ -26189,8 +26190,8 @@
             </p:nvSpPr>
             <p:spPr>
               <a:xfrm>
-                <a:off x="-1" y="-1"/>
-                <a:ext cx="1269326" cy="323794"/>
+                <a:off x="-2" y="-1"/>
+                <a:ext cx="1269328" cy="323795"/>
               </a:xfrm>
               <a:prstGeom prst="rect">
                 <a:avLst/>
@@ -26229,8 +26230,8 @@
             </p:nvSpPr>
             <p:spPr>
               <a:xfrm>
-                <a:off x="-1" y="27277"/>
-                <a:ext cx="1269326" cy="269237"/>
+                <a:off x="-2" y="27277"/>
+                <a:ext cx="1269328" cy="269237"/>
               </a:xfrm>
               <a:prstGeom prst="rect">
                 <a:avLst/>
@@ -26273,10 +26274,10 @@
           </p:nvGrpSpPr>
           <p:grpSpPr>
             <a:xfrm>
-              <a:off x="960092" y="393459"/>
-              <a:ext cx="1777328" cy="323795"/>
-              <a:chOff x="0" y="0"/>
-              <a:chExt cx="1777326" cy="323793"/>
+              <a:off x="960091" y="393458"/>
+              <a:ext cx="1777331" cy="323798"/>
+              <a:chOff x="-1" y="-1"/>
+              <a:chExt cx="1777330" cy="323796"/>
             </a:xfrm>
           </p:grpSpPr>
           <p:sp>
@@ -26287,8 +26288,8 @@
             </p:nvSpPr>
             <p:spPr>
               <a:xfrm>
-                <a:off x="-1" y="-1"/>
-                <a:ext cx="1777328" cy="323795"/>
+                <a:off x="-2" y="-2"/>
+                <a:ext cx="1777332" cy="323798"/>
               </a:xfrm>
               <a:prstGeom prst="rect">
                 <a:avLst/>
@@ -26327,8 +26328,8 @@
             </p:nvSpPr>
             <p:spPr>
               <a:xfrm>
-                <a:off x="-1" y="27277"/>
-                <a:ext cx="1777328" cy="269237"/>
+                <a:off x="-2" y="27277"/>
+                <a:ext cx="1777332" cy="269237"/>
               </a:xfrm>
               <a:prstGeom prst="rect">
                 <a:avLst/>
@@ -26371,10 +26372,10 @@
           </p:nvGrpSpPr>
           <p:grpSpPr>
             <a:xfrm>
-              <a:off x="1905333" y="766671"/>
-              <a:ext cx="1777328" cy="323795"/>
-              <a:chOff x="0" y="0"/>
-              <a:chExt cx="1777326" cy="323793"/>
+              <a:off x="1905332" y="766670"/>
+              <a:ext cx="1777331" cy="323798"/>
+              <a:chOff x="-1" y="-1"/>
+              <a:chExt cx="1777330" cy="323796"/>
             </a:xfrm>
           </p:grpSpPr>
           <p:sp>
@@ -26385,8 +26386,8 @@
             </p:nvSpPr>
             <p:spPr>
               <a:xfrm>
-                <a:off x="-1" y="-1"/>
-                <a:ext cx="1777328" cy="323795"/>
+                <a:off x="-2" y="-2"/>
+                <a:ext cx="1777332" cy="323798"/>
               </a:xfrm>
               <a:prstGeom prst="rect">
                 <a:avLst/>
@@ -26425,8 +26426,8 @@
             </p:nvSpPr>
             <p:spPr>
               <a:xfrm>
-                <a:off x="-1" y="27277"/>
-                <a:ext cx="1777328" cy="269237"/>
+                <a:off x="-2" y="27277"/>
+                <a:ext cx="1777332" cy="269237"/>
               </a:xfrm>
               <a:prstGeom prst="rect">
                 <a:avLst/>
@@ -26469,10 +26470,10 @@
           </p:nvGrpSpPr>
           <p:grpSpPr>
             <a:xfrm>
-              <a:off x="960092" y="1139883"/>
-              <a:ext cx="1777328" cy="323795"/>
-              <a:chOff x="0" y="0"/>
-              <a:chExt cx="1777326" cy="323793"/>
+              <a:off x="960091" y="1139882"/>
+              <a:ext cx="1777331" cy="323798"/>
+              <a:chOff x="-1" y="-1"/>
+              <a:chExt cx="1777330" cy="323796"/>
             </a:xfrm>
           </p:grpSpPr>
           <p:sp>
@@ -26483,8 +26484,8 @@
             </p:nvSpPr>
             <p:spPr>
               <a:xfrm>
-                <a:off x="-1" y="-1"/>
-                <a:ext cx="1777328" cy="323795"/>
+                <a:off x="-2" y="-2"/>
+                <a:ext cx="1777332" cy="323798"/>
               </a:xfrm>
               <a:prstGeom prst="rect">
                 <a:avLst/>
@@ -26523,8 +26524,8 @@
             </p:nvSpPr>
             <p:spPr>
               <a:xfrm>
-                <a:off x="-1" y="27277"/>
-                <a:ext cx="1777328" cy="269237"/>
+                <a:off x="-2" y="27277"/>
+                <a:ext cx="1777332" cy="269237"/>
               </a:xfrm>
               <a:prstGeom prst="rect">
                 <a:avLst/>
@@ -26567,10 +26568,10 @@
           </p:nvGrpSpPr>
           <p:grpSpPr>
             <a:xfrm>
-              <a:off x="960092" y="2280698"/>
-              <a:ext cx="1777328" cy="323795"/>
-              <a:chOff x="0" y="0"/>
-              <a:chExt cx="1777326" cy="323793"/>
+              <a:off x="960091" y="2280698"/>
+              <a:ext cx="1777331" cy="323798"/>
+              <a:chOff x="-1" y="-1"/>
+              <a:chExt cx="1777330" cy="323796"/>
             </a:xfrm>
           </p:grpSpPr>
           <p:sp>
@@ -26581,8 +26582,8 @@
             </p:nvSpPr>
             <p:spPr>
               <a:xfrm>
-                <a:off x="-1" y="-1"/>
-                <a:ext cx="1777328" cy="323795"/>
+                <a:off x="-2" y="-2"/>
+                <a:ext cx="1777332" cy="323798"/>
               </a:xfrm>
               <a:prstGeom prst="rect">
                 <a:avLst/>
@@ -26621,8 +26622,8 @@
             </p:nvSpPr>
             <p:spPr>
               <a:xfrm>
-                <a:off x="-1" y="27277"/>
-                <a:ext cx="1777328" cy="269237"/>
+                <a:off x="-2" y="27277"/>
+                <a:ext cx="1777332" cy="269237"/>
               </a:xfrm>
               <a:prstGeom prst="rect">
                 <a:avLst/>
@@ -26665,8 +26666,8 @@
           </p:nvSpPr>
           <p:spPr>
             <a:xfrm flipV="1">
-              <a:off x="597434" y="381000"/>
-              <a:ext cx="3" cy="1651003"/>
+              <a:off x="597434" y="381001"/>
+              <a:ext cx="4" cy="1651004"/>
             </a:xfrm>
             <a:prstGeom prst="line">
               <a:avLst/>
@@ -26700,8 +26701,8 @@
           </p:nvSpPr>
           <p:spPr>
             <a:xfrm flipV="1">
-              <a:off x="584468" y="2032000"/>
-              <a:ext cx="382923" cy="4"/>
+              <a:off x="584468" y="2032001"/>
+              <a:ext cx="382924" cy="5"/>
             </a:xfrm>
             <a:prstGeom prst="line">
               <a:avLst/>
@@ -26735,7 +26736,7 @@
           <p:spPr>
             <a:xfrm>
               <a:off x="774700" y="545231"/>
-              <a:ext cx="177802" cy="3"/>
+              <a:ext cx="177803" cy="4"/>
             </a:xfrm>
             <a:prstGeom prst="line">
               <a:avLst/>
@@ -26769,7 +26770,7 @@
           <p:spPr>
             <a:xfrm flipV="1">
               <a:off x="775928" y="528756"/>
-              <a:ext cx="3" cy="2690819"/>
+              <a:ext cx="4" cy="2690821"/>
             </a:xfrm>
             <a:prstGeom prst="line">
               <a:avLst/>
@@ -26802,8 +26803,8 @@
           </p:nvSpPr>
           <p:spPr>
             <a:xfrm>
-              <a:off x="761999" y="2455294"/>
-              <a:ext cx="203203" cy="3"/>
+              <a:off x="761999" y="2455295"/>
+              <a:ext cx="203204" cy="4"/>
             </a:xfrm>
             <a:prstGeom prst="line">
               <a:avLst/>
@@ -26836,10 +26837,10 @@
           </p:nvGrpSpPr>
           <p:grpSpPr>
             <a:xfrm>
-              <a:off x="960092" y="1903442"/>
-              <a:ext cx="1777328" cy="323795"/>
-              <a:chOff x="0" y="0"/>
-              <a:chExt cx="1777326" cy="323793"/>
+              <a:off x="960091" y="1903442"/>
+              <a:ext cx="1777331" cy="323798"/>
+              <a:chOff x="-1" y="-1"/>
+              <a:chExt cx="1777330" cy="323796"/>
             </a:xfrm>
           </p:grpSpPr>
           <p:sp>
@@ -26850,8 +26851,8 @@
             </p:nvSpPr>
             <p:spPr>
               <a:xfrm>
-                <a:off x="-1" y="-1"/>
-                <a:ext cx="1777328" cy="323795"/>
+                <a:off x="-2" y="-2"/>
+                <a:ext cx="1777332" cy="323798"/>
               </a:xfrm>
               <a:prstGeom prst="rect">
                 <a:avLst/>
@@ -26890,8 +26891,8 @@
             </p:nvSpPr>
             <p:spPr>
               <a:xfrm>
-                <a:off x="-1" y="27277"/>
-                <a:ext cx="1777328" cy="269237"/>
+                <a:off x="-2" y="27277"/>
+                <a:ext cx="1777332" cy="269237"/>
               </a:xfrm>
               <a:prstGeom prst="rect">
                 <a:avLst/>
@@ -26935,7 +26936,7 @@
           <p:spPr>
             <a:xfrm>
               <a:off x="774700" y="1301779"/>
-              <a:ext cx="177802" cy="3"/>
+              <a:ext cx="177803" cy="4"/>
             </a:xfrm>
             <a:prstGeom prst="line">
               <a:avLst/>
@@ -26969,9 +26970,9 @@
           <p:grpSpPr>
             <a:xfrm>
               <a:off x="1522079" y="762000"/>
-              <a:ext cx="382926" cy="179274"/>
+              <a:ext cx="382928" cy="179276"/>
               <a:chOff x="0" y="0"/>
-              <a:chExt cx="382925" cy="179273"/>
+              <a:chExt cx="382926" cy="179275"/>
             </a:xfrm>
           </p:grpSpPr>
           <p:sp>
@@ -26982,8 +26983,8 @@
             </p:nvSpPr>
             <p:spPr>
               <a:xfrm>
-                <a:off x="0" y="166570"/>
-                <a:ext cx="382926" cy="3"/>
+                <a:off x="0" y="166571"/>
+                <a:ext cx="382927" cy="4"/>
               </a:xfrm>
               <a:prstGeom prst="line">
                 <a:avLst/>
@@ -27017,7 +27018,7 @@
             <p:spPr>
               <a:xfrm flipV="1">
                 <a:off x="4236" y="0"/>
-                <a:ext cx="3" cy="179274"/>
+                <a:ext cx="4" cy="179276"/>
               </a:xfrm>
               <a:prstGeom prst="line">
                 <a:avLst/>
@@ -27052,10 +27053,10 @@
           </p:nvGrpSpPr>
           <p:grpSpPr>
             <a:xfrm>
-              <a:off x="963139" y="1521662"/>
-              <a:ext cx="1777328" cy="323795"/>
-              <a:chOff x="0" y="0"/>
-              <a:chExt cx="1777326" cy="323793"/>
+              <a:off x="963138" y="1521661"/>
+              <a:ext cx="1777331" cy="323798"/>
+              <a:chOff x="-1" y="-1"/>
+              <a:chExt cx="1777330" cy="323796"/>
             </a:xfrm>
           </p:grpSpPr>
           <p:sp>
@@ -27066,8 +27067,8 @@
             </p:nvSpPr>
             <p:spPr>
               <a:xfrm>
-                <a:off x="-1" y="-1"/>
-                <a:ext cx="1777328" cy="323795"/>
+                <a:off x="-2" y="-2"/>
+                <a:ext cx="1777332" cy="323798"/>
               </a:xfrm>
               <a:prstGeom prst="rect">
                 <a:avLst/>
@@ -27106,8 +27107,8 @@
             </p:nvSpPr>
             <p:spPr>
               <a:xfrm>
-                <a:off x="-1" y="27277"/>
-                <a:ext cx="1777328" cy="269237"/>
+                <a:off x="-2" y="27277"/>
+                <a:ext cx="1777332" cy="269237"/>
               </a:xfrm>
               <a:prstGeom prst="rect">
                 <a:avLst/>
@@ -27151,7 +27152,7 @@
           <p:spPr>
             <a:xfrm>
               <a:off x="772640" y="1683559"/>
-              <a:ext cx="190503" cy="3"/>
+              <a:ext cx="190504" cy="4"/>
             </a:xfrm>
             <a:prstGeom prst="line">
               <a:avLst/>
@@ -27184,10 +27185,10 @@
           </p:nvGrpSpPr>
           <p:grpSpPr>
             <a:xfrm>
-              <a:off x="958976" y="2662566"/>
-              <a:ext cx="1777328" cy="323795"/>
-              <a:chOff x="0" y="0"/>
-              <a:chExt cx="1777326" cy="323793"/>
+              <a:off x="958975" y="2662566"/>
+              <a:ext cx="1777331" cy="323798"/>
+              <a:chOff x="-1" y="-1"/>
+              <a:chExt cx="1777330" cy="323796"/>
             </a:xfrm>
           </p:grpSpPr>
           <p:sp>
@@ -27198,8 +27199,8 @@
             </p:nvSpPr>
             <p:spPr>
               <a:xfrm>
-                <a:off x="-1" y="-1"/>
-                <a:ext cx="1777328" cy="323795"/>
+                <a:off x="-2" y="-2"/>
+                <a:ext cx="1777332" cy="323798"/>
               </a:xfrm>
               <a:prstGeom prst="rect">
                 <a:avLst/>
@@ -27238,8 +27239,8 @@
             </p:nvSpPr>
             <p:spPr>
               <a:xfrm>
-                <a:off x="-1" y="27277"/>
-                <a:ext cx="1777328" cy="269237"/>
+                <a:off x="-2" y="27277"/>
+                <a:ext cx="1777332" cy="269237"/>
               </a:xfrm>
               <a:prstGeom prst="rect">
                 <a:avLst/>
@@ -27282,8 +27283,8 @@
           </p:nvSpPr>
           <p:spPr>
             <a:xfrm>
-              <a:off x="781049" y="2821886"/>
-              <a:ext cx="177803" cy="3"/>
+              <a:off x="781049" y="2821887"/>
+              <a:ext cx="177804" cy="4"/>
             </a:xfrm>
             <a:prstGeom prst="line">
               <a:avLst/>
@@ -27316,10 +27317,10 @@
           </p:nvGrpSpPr>
           <p:grpSpPr>
             <a:xfrm>
-              <a:off x="958976" y="3044345"/>
-              <a:ext cx="1777328" cy="323795"/>
-              <a:chOff x="0" y="0"/>
-              <a:chExt cx="1777326" cy="323793"/>
+              <a:off x="958975" y="3044345"/>
+              <a:ext cx="1777331" cy="323798"/>
+              <a:chOff x="-1" y="-1"/>
+              <a:chExt cx="1777330" cy="323796"/>
             </a:xfrm>
           </p:grpSpPr>
           <p:sp>
@@ -27330,8 +27331,8 @@
             </p:nvSpPr>
             <p:spPr>
               <a:xfrm>
-                <a:off x="-1" y="-1"/>
-                <a:ext cx="1777328" cy="323795"/>
+                <a:off x="-2" y="-2"/>
+                <a:ext cx="1777332" cy="323798"/>
               </a:xfrm>
               <a:prstGeom prst="rect">
                 <a:avLst/>
@@ -27370,8 +27371,8 @@
             </p:nvSpPr>
             <p:spPr>
               <a:xfrm>
-                <a:off x="-1" y="27277"/>
-                <a:ext cx="1777328" cy="269237"/>
+                <a:off x="-2" y="27277"/>
+                <a:ext cx="1777332" cy="269237"/>
               </a:xfrm>
               <a:prstGeom prst="rect">
                 <a:avLst/>
@@ -27414,8 +27415,8 @@
           </p:nvSpPr>
           <p:spPr>
             <a:xfrm>
-              <a:off x="781049" y="3203665"/>
-              <a:ext cx="177803" cy="3"/>
+              <a:off x="781049" y="3203666"/>
+              <a:ext cx="177804" cy="4"/>
             </a:xfrm>
             <a:prstGeom prst="line">
               <a:avLst/>
@@ -28156,10 +28157,10 @@
         </p:nvGrpSpPr>
         <p:grpSpPr>
           <a:xfrm>
-            <a:off x="6858587" y="1560340"/>
-            <a:ext cx="2254209" cy="867322"/>
+            <a:off x="6858585" y="1560339"/>
+            <a:ext cx="2254211" cy="867324"/>
             <a:chOff x="0" y="0"/>
-            <a:chExt cx="2254207" cy="867320"/>
+            <a:chExt cx="2254209" cy="867323"/>
           </a:xfrm>
         </p:grpSpPr>
         <p:sp>
@@ -28171,7 +28172,7 @@
           <p:spPr>
             <a:xfrm>
               <a:off x="-1" y="-1"/>
-              <a:ext cx="2254208" cy="867322"/>
+              <a:ext cx="2254210" cy="867324"/>
             </a:xfrm>
             <a:prstGeom prst="rect">
               <a:avLst/>
@@ -28196,9 +28197,9 @@
             <a:p>
               <a:pPr>
                 <a:defRPr sz="1200">
-                  <a:latin typeface="+mj-lt"/>
-                  <a:ea typeface="+mj-ea"/>
-                  <a:cs typeface="+mj-cs"/>
+                  <a:latin typeface="+mn-lt"/>
+                  <a:ea typeface="+mn-ea"/>
+                  <a:cs typeface="+mn-cs"/>
                   <a:sym typeface="맑은 고딕"/>
                 </a:defRPr>
               </a:pPr>
@@ -28214,7 +28215,7 @@
           <p:spPr>
             <a:xfrm>
               <a:off x="-1" y="32339"/>
-              <a:ext cx="2254208" cy="802637"/>
+              <a:ext cx="2254210" cy="802637"/>
             </a:xfrm>
             <a:prstGeom prst="rect">
               <a:avLst/>
@@ -28239,9 +28240,9 @@
             <a:p>
               <a:pPr>
                 <a:defRPr sz="1200">
-                  <a:latin typeface="+mj-lt"/>
-                  <a:ea typeface="+mj-ea"/>
-                  <a:cs typeface="+mj-cs"/>
+                  <a:latin typeface="+mn-lt"/>
+                  <a:ea typeface="+mn-ea"/>
+                  <a:cs typeface="+mn-cs"/>
                   <a:sym typeface="맑은 고딕"/>
                 </a:defRPr>
               </a:pPr>
@@ -28255,9 +28256,9 @@
                   <a:solidFill>
                     <a:srgbClr val="FF453A"/>
                   </a:solidFill>
-                  <a:latin typeface="+mj-lt"/>
-                  <a:ea typeface="+mj-ea"/>
-                  <a:cs typeface="+mj-cs"/>
+                  <a:latin typeface="+mn-lt"/>
+                  <a:ea typeface="+mn-ea"/>
+                  <a:cs typeface="+mn-cs"/>
                   <a:sym typeface="맑은 고딕"/>
                 </a:defRPr>
               </a:pPr>
@@ -28292,9 +28293,9 @@
             <a:p>
               <a:pPr>
                 <a:defRPr b="1" sz="1200">
-                  <a:latin typeface="+mj-lt"/>
-                  <a:ea typeface="+mj-ea"/>
-                  <a:cs typeface="+mj-cs"/>
+                  <a:latin typeface="+mn-lt"/>
+                  <a:ea typeface="+mn-ea"/>
+                  <a:cs typeface="+mn-cs"/>
                   <a:sym typeface="맑은 고딕"/>
                 </a:defRPr>
               </a:pPr>
@@ -28309,9 +28310,9 @@
             <a:p>
               <a:pPr>
                 <a:defRPr sz="1200">
-                  <a:latin typeface="+mj-lt"/>
-                  <a:ea typeface="+mj-ea"/>
-                  <a:cs typeface="+mj-cs"/>
+                  <a:latin typeface="+mn-lt"/>
+                  <a:ea typeface="+mn-ea"/>
+                  <a:cs typeface="+mn-cs"/>
                   <a:sym typeface="맑은 고딕"/>
                 </a:defRPr>
               </a:pPr>
@@ -28352,9 +28353,9 @@
           <a:lstStyle>
             <a:lvl1pPr algn="ctr">
               <a:defRPr sz="1200">
-                <a:latin typeface="+mj-lt"/>
-                <a:ea typeface="+mj-ea"/>
-                <a:cs typeface="+mj-cs"/>
+                <a:latin typeface="+mn-lt"/>
+                <a:ea typeface="+mn-ea"/>
+                <a:cs typeface="+mn-cs"/>
                 <a:sym typeface="맑은 고딕"/>
               </a:defRPr>
             </a:lvl1pPr>
@@ -28376,7 +28377,7 @@
         <p:spPr>
           <a:xfrm>
             <a:off x="5402653" y="2580675"/>
-            <a:ext cx="1431925" cy="479750"/>
+            <a:ext cx="1431926" cy="479750"/>
           </a:xfrm>
           <a:prstGeom prst="line">
             <a:avLst/>
@@ -28405,7 +28406,7 @@
         <p:spPr>
           <a:xfrm>
             <a:off x="9301063" y="2007408"/>
-            <a:ext cx="891777" cy="380489"/>
+            <a:ext cx="891777" cy="380491"/>
           </a:xfrm>
           <a:prstGeom prst="ellipse">
             <a:avLst/>
@@ -28422,9 +28423,9 @@
           <a:p>
             <a:pPr>
               <a:defRPr>
-                <a:latin typeface="+mj-lt"/>
-                <a:ea typeface="+mj-ea"/>
-                <a:cs typeface="+mj-cs"/>
+                <a:latin typeface="+mn-lt"/>
+                <a:ea typeface="+mn-ea"/>
+                <a:cs typeface="+mn-cs"/>
                 <a:sym typeface="맑은 고딕"/>
               </a:defRPr>
             </a:pPr>
@@ -28461,9 +28462,9 @@
           <a:lstStyle>
             <a:lvl1pPr algn="ctr">
               <a:defRPr sz="1200">
-                <a:latin typeface="+mj-lt"/>
-                <a:ea typeface="+mj-ea"/>
-                <a:cs typeface="+mj-cs"/>
+                <a:latin typeface="+mn-lt"/>
+                <a:ea typeface="+mn-ea"/>
+                <a:cs typeface="+mn-cs"/>
                 <a:sym typeface="맑은 고딕"/>
               </a:defRPr>
             </a:lvl1pPr>
@@ -28484,8 +28485,8 @@
         </p:nvSpPr>
         <p:spPr>
           <a:xfrm flipV="1">
-            <a:off x="5412080" y="2009762"/>
-            <a:ext cx="1413508" cy="526709"/>
+            <a:off x="5412080" y="2009761"/>
+            <a:ext cx="1413509" cy="526710"/>
           </a:xfrm>
           <a:prstGeom prst="line">
             <a:avLst/>
@@ -28513,10 +28514,10 @@
         </p:nvGrpSpPr>
         <p:grpSpPr>
           <a:xfrm>
-            <a:off x="3293477" y="1922355"/>
-            <a:ext cx="2081256" cy="1238763"/>
-            <a:chOff x="0" y="0"/>
-            <a:chExt cx="2081254" cy="1238762"/>
+            <a:off x="3293475" y="1922353"/>
+            <a:ext cx="2081259" cy="1238764"/>
+            <a:chOff x="-1" y="-1"/>
+            <a:chExt cx="2081258" cy="1238763"/>
           </a:xfrm>
         </p:grpSpPr>
         <p:sp>
@@ -28527,8 +28528,8 @@
           </p:nvSpPr>
           <p:spPr>
             <a:xfrm>
-              <a:off x="-1" y="-1"/>
-              <a:ext cx="2081256" cy="1238763"/>
+              <a:off x="-2" y="-2"/>
+              <a:ext cx="2081259" cy="1238765"/>
             </a:xfrm>
             <a:prstGeom prst="rect">
               <a:avLst/>
@@ -28553,9 +28554,9 @@
             <a:p>
               <a:pPr>
                 <a:defRPr sz="1200">
-                  <a:latin typeface="+mj-lt"/>
-                  <a:ea typeface="+mj-ea"/>
-                  <a:cs typeface="+mj-cs"/>
+                  <a:latin typeface="+mn-lt"/>
+                  <a:ea typeface="+mn-ea"/>
+                  <a:cs typeface="+mn-cs"/>
                   <a:sym typeface="맑은 고딕"/>
                 </a:defRPr>
               </a:pPr>
@@ -28570,8 +28571,8 @@
           </p:nvSpPr>
           <p:spPr>
             <a:xfrm>
-              <a:off x="-1" y="40257"/>
-              <a:ext cx="2081256" cy="1158237"/>
+              <a:off x="-2" y="40257"/>
+              <a:ext cx="2081259" cy="1158237"/>
             </a:xfrm>
             <a:prstGeom prst="rect">
               <a:avLst/>
@@ -28599,9 +28600,9 @@
                   <a:solidFill>
                     <a:srgbClr val="FF453A"/>
                   </a:solidFill>
-                  <a:latin typeface="+mj-lt"/>
-                  <a:ea typeface="+mj-ea"/>
-                  <a:cs typeface="+mj-cs"/>
+                  <a:latin typeface="+mn-lt"/>
+                  <a:ea typeface="+mn-ea"/>
+                  <a:cs typeface="+mn-cs"/>
                   <a:sym typeface="맑은 고딕"/>
                 </a:defRPr>
               </a:pPr>
@@ -28620,9 +28621,9 @@
             <a:p>
               <a:pPr>
                 <a:defRPr sz="1200">
-                  <a:latin typeface="+mj-lt"/>
-                  <a:ea typeface="+mj-ea"/>
-                  <a:cs typeface="+mj-cs"/>
+                  <a:latin typeface="+mn-lt"/>
+                  <a:ea typeface="+mn-ea"/>
+                  <a:cs typeface="+mn-cs"/>
                   <a:sym typeface="맑은 고딕"/>
                 </a:defRPr>
               </a:pPr>
@@ -28633,9 +28634,9 @@
             <a:p>
               <a:pPr>
                 <a:defRPr sz="1200">
-                  <a:latin typeface="+mj-lt"/>
-                  <a:ea typeface="+mj-ea"/>
-                  <a:cs typeface="+mj-cs"/>
+                  <a:latin typeface="+mn-lt"/>
+                  <a:ea typeface="+mn-ea"/>
+                  <a:cs typeface="+mn-cs"/>
                   <a:sym typeface="맑은 고딕"/>
                 </a:defRPr>
               </a:pPr>
@@ -28657,9 +28658,9 @@
             <a:p>
               <a:pPr>
                 <a:defRPr sz="1200">
-                  <a:latin typeface="+mj-lt"/>
-                  <a:ea typeface="+mj-ea"/>
-                  <a:cs typeface="+mj-cs"/>
+                  <a:latin typeface="+mn-lt"/>
+                  <a:ea typeface="+mn-ea"/>
+                  <a:cs typeface="+mn-cs"/>
                   <a:sym typeface="맑은 고딕"/>
                 </a:defRPr>
               </a:pPr>
@@ -28670,9 +28671,9 @@
             <a:p>
               <a:pPr>
                 <a:defRPr sz="1200">
-                  <a:latin typeface="+mj-lt"/>
-                  <a:ea typeface="+mj-ea"/>
-                  <a:cs typeface="+mj-cs"/>
+                  <a:latin typeface="+mn-lt"/>
+                  <a:ea typeface="+mn-ea"/>
+                  <a:cs typeface="+mn-cs"/>
                   <a:sym typeface="맑은 고딕"/>
                 </a:defRPr>
               </a:pPr>
@@ -28683,9 +28684,9 @@
             <a:p>
               <a:pPr>
                 <a:defRPr sz="1200">
-                  <a:latin typeface="+mj-lt"/>
-                  <a:ea typeface="+mj-ea"/>
-                  <a:cs typeface="+mj-cs"/>
+                  <a:latin typeface="+mn-lt"/>
+                  <a:ea typeface="+mn-ea"/>
+                  <a:cs typeface="+mn-cs"/>
                   <a:sym typeface="맑은 고딕"/>
                 </a:defRPr>
               </a:pPr>
@@ -28704,10 +28705,10 @@
         </p:nvGrpSpPr>
         <p:grpSpPr>
           <a:xfrm>
-            <a:off x="6858587" y="2655802"/>
-            <a:ext cx="2254209" cy="867326"/>
-            <a:chOff x="0" y="-1"/>
-            <a:chExt cx="2254207" cy="867324"/>
+            <a:off x="6858585" y="2655801"/>
+            <a:ext cx="2254211" cy="867329"/>
+            <a:chOff x="0" y="0"/>
+            <a:chExt cx="2254209" cy="867327"/>
           </a:xfrm>
         </p:grpSpPr>
         <p:sp>
@@ -28718,8 +28719,8 @@
           </p:nvSpPr>
           <p:spPr>
             <a:xfrm>
-              <a:off x="-1" y="-2"/>
-              <a:ext cx="2254208" cy="867326"/>
+              <a:off x="-1" y="-1"/>
+              <a:ext cx="2254210" cy="867329"/>
             </a:xfrm>
             <a:prstGeom prst="rect">
               <a:avLst/>
@@ -28744,9 +28745,9 @@
             <a:p>
               <a:pPr>
                 <a:defRPr sz="1200">
-                  <a:latin typeface="+mj-lt"/>
-                  <a:ea typeface="+mj-ea"/>
-                  <a:cs typeface="+mj-cs"/>
+                  <a:latin typeface="+mn-lt"/>
+                  <a:ea typeface="+mn-ea"/>
+                  <a:cs typeface="+mn-cs"/>
                   <a:sym typeface="맑은 고딕"/>
                 </a:defRPr>
               </a:pPr>
@@ -28761,8 +28762,8 @@
           </p:nvSpPr>
           <p:spPr>
             <a:xfrm>
-              <a:off x="-1" y="32342"/>
-              <a:ext cx="2254208" cy="802637"/>
+              <a:off x="-1" y="32343"/>
+              <a:ext cx="2254210" cy="802637"/>
             </a:xfrm>
             <a:prstGeom prst="rect">
               <a:avLst/>
@@ -28787,9 +28788,9 @@
             <a:p>
               <a:pPr>
                 <a:defRPr sz="1200">
-                  <a:latin typeface="+mj-lt"/>
-                  <a:ea typeface="+mj-ea"/>
-                  <a:cs typeface="+mj-cs"/>
+                  <a:latin typeface="+mn-lt"/>
+                  <a:ea typeface="+mn-ea"/>
+                  <a:cs typeface="+mn-cs"/>
                   <a:sym typeface="맑은 고딕"/>
                 </a:defRPr>
               </a:pPr>
@@ -28803,9 +28804,9 @@
                   <a:solidFill>
                     <a:srgbClr val="FF453A"/>
                   </a:solidFill>
-                  <a:latin typeface="+mj-lt"/>
-                  <a:ea typeface="+mj-ea"/>
-                  <a:cs typeface="+mj-cs"/>
+                  <a:latin typeface="+mn-lt"/>
+                  <a:ea typeface="+mn-ea"/>
+                  <a:cs typeface="+mn-cs"/>
                   <a:sym typeface="맑은 고딕"/>
                 </a:defRPr>
               </a:pPr>
@@ -28840,9 +28841,9 @@
             <a:p>
               <a:pPr>
                 <a:defRPr b="1" sz="1200">
-                  <a:latin typeface="+mj-lt"/>
-                  <a:ea typeface="+mj-ea"/>
-                  <a:cs typeface="+mj-cs"/>
+                  <a:latin typeface="+mn-lt"/>
+                  <a:ea typeface="+mn-ea"/>
+                  <a:cs typeface="+mn-cs"/>
                   <a:sym typeface="맑은 고딕"/>
                 </a:defRPr>
               </a:pPr>
@@ -28857,9 +28858,9 @@
             <a:p>
               <a:pPr>
                 <a:defRPr sz="1200">
-                  <a:latin typeface="+mj-lt"/>
-                  <a:ea typeface="+mj-ea"/>
-                  <a:cs typeface="+mj-cs"/>
+                  <a:latin typeface="+mn-lt"/>
+                  <a:ea typeface="+mn-ea"/>
+                  <a:cs typeface="+mn-cs"/>
                   <a:sym typeface="맑은 고딕"/>
                 </a:defRPr>
               </a:pPr>
@@ -28878,7 +28879,7 @@
         </p:nvSpPr>
         <p:spPr>
           <a:xfrm rot="20420993">
-            <a:off x="5587821" y="2000292"/>
+            <a:off x="5587820" y="2000292"/>
             <a:ext cx="1137749" cy="269237"/>
           </a:xfrm>
           <a:prstGeom prst="rect">
@@ -28903,9 +28904,9 @@
                 <a:solidFill>
                   <a:srgbClr val="FF453A"/>
                 </a:solidFill>
-                <a:latin typeface="+mj-lt"/>
-                <a:ea typeface="+mj-ea"/>
-                <a:cs typeface="+mj-cs"/>
+                <a:latin typeface="+mn-lt"/>
+                <a:ea typeface="+mn-ea"/>
+                <a:cs typeface="+mn-cs"/>
                 <a:sym typeface="맑은 고딕"/>
               </a:defRPr>
             </a:lvl1pPr>
@@ -28926,7 +28927,7 @@
         </p:nvSpPr>
         <p:spPr>
           <a:xfrm rot="1116579">
-            <a:off x="5565300" y="3627071"/>
+            <a:off x="5565300" y="3627070"/>
             <a:ext cx="1061399" cy="269237"/>
           </a:xfrm>
           <a:prstGeom prst="rect">
@@ -28951,9 +28952,9 @@
                 <a:solidFill>
                   <a:srgbClr val="FF453A"/>
                 </a:solidFill>
-                <a:latin typeface="+mj-lt"/>
-                <a:ea typeface="+mj-ea"/>
-                <a:cs typeface="+mj-cs"/>
+                <a:latin typeface="+mn-lt"/>
+                <a:ea typeface="+mn-ea"/>
+                <a:cs typeface="+mn-cs"/>
                 <a:sym typeface="맑은 고딕"/>
               </a:defRPr>
             </a:lvl1pPr>
@@ -28996,9 +28997,9 @@
           <a:lstStyle>
             <a:lvl1pPr algn="ctr">
               <a:defRPr sz="1200">
-                <a:latin typeface="+mj-lt"/>
-                <a:ea typeface="+mj-ea"/>
-                <a:cs typeface="+mj-cs"/>
+                <a:latin typeface="+mn-lt"/>
+                <a:ea typeface="+mn-ea"/>
+                <a:cs typeface="+mn-cs"/>
                 <a:sym typeface="맑은 고딕"/>
               </a:defRPr>
             </a:lvl1pPr>
@@ -29020,7 +29021,7 @@
         <p:spPr>
           <a:xfrm flipV="1">
             <a:off x="9296613" y="1311979"/>
-            <a:ext cx="6" cy="867316"/>
+            <a:ext cx="7" cy="867316"/>
           </a:xfrm>
           <a:prstGeom prst="line">
             <a:avLst/>
@@ -29048,7 +29049,7 @@
         <p:spPr>
           <a:xfrm flipV="1">
             <a:off x="10197072" y="1311979"/>
-            <a:ext cx="6" cy="867316"/>
+            <a:ext cx="7" cy="867316"/>
           </a:xfrm>
           <a:prstGeom prst="line">
             <a:avLst/>
@@ -29075,10 +29076,10 @@
         </p:nvGrpSpPr>
         <p:grpSpPr>
           <a:xfrm>
-            <a:off x="9301060" y="1948567"/>
-            <a:ext cx="891797" cy="380491"/>
-            <a:chOff x="-1" y="0"/>
-            <a:chExt cx="891796" cy="380490"/>
+            <a:off x="9301059" y="1948565"/>
+            <a:ext cx="891799" cy="380493"/>
+            <a:chOff x="0" y="-1"/>
+            <a:chExt cx="891797" cy="380492"/>
           </a:xfrm>
         </p:grpSpPr>
         <p:sp>
@@ -29089,8 +29090,8 @@
           </p:nvSpPr>
           <p:spPr>
             <a:xfrm>
-              <a:off x="-2" y="-1"/>
-              <a:ext cx="891797" cy="380491"/>
+              <a:off x="-1" y="-2"/>
+              <a:ext cx="891799" cy="380494"/>
             </a:xfrm>
             <a:prstGeom prst="ellipse">
               <a:avLst/>
@@ -29115,9 +29116,9 @@
             <a:p>
               <a:pPr algn="ctr">
                 <a:defRPr sz="800">
-                  <a:latin typeface="+mj-lt"/>
-                  <a:ea typeface="+mj-ea"/>
-                  <a:cs typeface="+mj-cs"/>
+                  <a:latin typeface="+mn-lt"/>
+                  <a:ea typeface="+mn-ea"/>
+                  <a:cs typeface="+mn-cs"/>
                   <a:sym typeface="맑은 고딕"/>
                 </a:defRPr>
               </a:pPr>
@@ -29132,8 +29133,8 @@
           </p:nvSpPr>
           <p:spPr>
             <a:xfrm>
-              <a:off x="130600" y="81021"/>
-              <a:ext cx="630591" cy="218437"/>
+              <a:off x="130601" y="81021"/>
+              <a:ext cx="630592" cy="218437"/>
             </a:xfrm>
             <a:prstGeom prst="rect">
               <a:avLst/>
@@ -29157,9 +29158,9 @@
             <a:lstStyle>
               <a:lvl1pPr algn="ctr">
                 <a:defRPr sz="800">
-                  <a:latin typeface="+mj-lt"/>
-                  <a:ea typeface="+mj-ea"/>
-                  <a:cs typeface="+mj-cs"/>
+                  <a:latin typeface="+mn-lt"/>
+                  <a:ea typeface="+mn-ea"/>
+                  <a:cs typeface="+mn-cs"/>
                   <a:sym typeface="맑은 고딕"/>
                 </a:defRPr>
               </a:lvl1pPr>
@@ -29181,10 +29182,10 @@
         </p:nvGrpSpPr>
         <p:grpSpPr>
           <a:xfrm>
-            <a:off x="9301060" y="1727554"/>
-            <a:ext cx="891797" cy="380491"/>
-            <a:chOff x="-1" y="0"/>
-            <a:chExt cx="891796" cy="380490"/>
+            <a:off x="9301059" y="1727553"/>
+            <a:ext cx="891799" cy="380493"/>
+            <a:chOff x="0" y="-1"/>
+            <a:chExt cx="891797" cy="380492"/>
           </a:xfrm>
         </p:grpSpPr>
         <p:sp>
@@ -29195,8 +29196,8 @@
           </p:nvSpPr>
           <p:spPr>
             <a:xfrm>
-              <a:off x="-2" y="-1"/>
-              <a:ext cx="891797" cy="380491"/>
+              <a:off x="-1" y="-2"/>
+              <a:ext cx="891799" cy="380494"/>
             </a:xfrm>
             <a:prstGeom prst="ellipse">
               <a:avLst/>
@@ -29221,9 +29222,9 @@
             <a:p>
               <a:pPr algn="ctr">
                 <a:defRPr sz="800">
-                  <a:latin typeface="+mj-lt"/>
-                  <a:ea typeface="+mj-ea"/>
-                  <a:cs typeface="+mj-cs"/>
+                  <a:latin typeface="+mn-lt"/>
+                  <a:ea typeface="+mn-ea"/>
+                  <a:cs typeface="+mn-cs"/>
                   <a:sym typeface="맑은 고딕"/>
                 </a:defRPr>
               </a:pPr>
@@ -29238,8 +29239,8 @@
           </p:nvSpPr>
           <p:spPr>
             <a:xfrm>
-              <a:off x="130600" y="81021"/>
-              <a:ext cx="630591" cy="218437"/>
+              <a:off x="130601" y="81021"/>
+              <a:ext cx="630592" cy="218437"/>
             </a:xfrm>
             <a:prstGeom prst="rect">
               <a:avLst/>
@@ -29263,9 +29264,9 @@
             <a:lstStyle>
               <a:lvl1pPr algn="ctr">
                 <a:defRPr sz="800">
-                  <a:latin typeface="+mj-lt"/>
-                  <a:ea typeface="+mj-ea"/>
-                  <a:cs typeface="+mj-cs"/>
+                  <a:latin typeface="+mn-lt"/>
+                  <a:ea typeface="+mn-ea"/>
+                  <a:cs typeface="+mn-cs"/>
                   <a:sym typeface="맑은 고딕"/>
                 </a:defRPr>
               </a:lvl1pPr>
@@ -29287,10 +29288,10 @@
         </p:nvGrpSpPr>
         <p:grpSpPr>
           <a:xfrm>
-            <a:off x="9301060" y="1483300"/>
-            <a:ext cx="891797" cy="380491"/>
-            <a:chOff x="-1" y="0"/>
-            <a:chExt cx="891796" cy="380490"/>
+            <a:off x="9301059" y="1483298"/>
+            <a:ext cx="891799" cy="380493"/>
+            <a:chOff x="0" y="-1"/>
+            <a:chExt cx="891797" cy="380492"/>
           </a:xfrm>
         </p:grpSpPr>
         <p:sp>
@@ -29301,8 +29302,8 @@
           </p:nvSpPr>
           <p:spPr>
             <a:xfrm>
-              <a:off x="-2" y="-1"/>
-              <a:ext cx="891797" cy="380491"/>
+              <a:off x="-1" y="-2"/>
+              <a:ext cx="891799" cy="380494"/>
             </a:xfrm>
             <a:prstGeom prst="ellipse">
               <a:avLst/>
@@ -29327,9 +29328,9 @@
             <a:p>
               <a:pPr algn="ctr">
                 <a:defRPr sz="800">
-                  <a:latin typeface="+mj-lt"/>
-                  <a:ea typeface="+mj-ea"/>
-                  <a:cs typeface="+mj-cs"/>
+                  <a:latin typeface="+mn-lt"/>
+                  <a:ea typeface="+mn-ea"/>
+                  <a:cs typeface="+mn-cs"/>
                   <a:sym typeface="맑은 고딕"/>
                 </a:defRPr>
               </a:pPr>
@@ -29344,8 +29345,8 @@
           </p:nvSpPr>
           <p:spPr>
             <a:xfrm>
-              <a:off x="130600" y="81021"/>
-              <a:ext cx="630591" cy="218437"/>
+              <a:off x="130601" y="81021"/>
+              <a:ext cx="630592" cy="218437"/>
             </a:xfrm>
             <a:prstGeom prst="rect">
               <a:avLst/>
@@ -29369,9 +29370,9 @@
             <a:lstStyle>
               <a:lvl1pPr algn="ctr">
                 <a:defRPr sz="800">
-                  <a:latin typeface="+mj-lt"/>
-                  <a:ea typeface="+mj-ea"/>
-                  <a:cs typeface="+mj-cs"/>
+                  <a:latin typeface="+mn-lt"/>
+                  <a:ea typeface="+mn-ea"/>
+                  <a:cs typeface="+mn-cs"/>
                   <a:sym typeface="맑은 고딕"/>
                 </a:defRPr>
               </a:lvl1pPr>
@@ -29394,7 +29395,7 @@
         <p:spPr>
           <a:xfrm>
             <a:off x="9301063" y="1129385"/>
-            <a:ext cx="891793" cy="380490"/>
+            <a:ext cx="891795" cy="380491"/>
           </a:xfrm>
           <a:prstGeom prst="ellipse">
             <a:avLst/>
@@ -29414,9 +29415,9 @@
           <a:p>
             <a:pPr>
               <a:defRPr>
-                <a:latin typeface="+mj-lt"/>
-                <a:ea typeface="+mj-ea"/>
-                <a:cs typeface="+mj-cs"/>
+                <a:latin typeface="+mn-lt"/>
+                <a:ea typeface="+mn-ea"/>
+                <a:cs typeface="+mn-cs"/>
                 <a:sym typeface="맑은 고딕"/>
               </a:defRPr>
             </a:pPr>
@@ -29432,7 +29433,7 @@
         <p:spPr>
           <a:xfrm>
             <a:off x="9301171" y="3566497"/>
-            <a:ext cx="891777" cy="380489"/>
+            <a:ext cx="891777" cy="380491"/>
           </a:xfrm>
           <a:prstGeom prst="ellipse">
             <a:avLst/>
@@ -29449,9 +29450,9 @@
           <a:p>
             <a:pPr>
               <a:defRPr>
-                <a:latin typeface="+mj-lt"/>
-                <a:ea typeface="+mj-ea"/>
-                <a:cs typeface="+mj-cs"/>
+                <a:latin typeface="+mn-lt"/>
+                <a:ea typeface="+mn-ea"/>
+                <a:cs typeface="+mn-cs"/>
                 <a:sym typeface="맑은 고딕"/>
               </a:defRPr>
             </a:pPr>
@@ -29467,7 +29468,7 @@
         <p:spPr>
           <a:xfrm flipV="1">
             <a:off x="9296723" y="2871069"/>
-            <a:ext cx="6" cy="867316"/>
+            <a:ext cx="7" cy="867316"/>
           </a:xfrm>
           <a:prstGeom prst="line">
             <a:avLst/>
@@ -29495,7 +29496,7 @@
         <p:spPr>
           <a:xfrm flipV="1">
             <a:off x="10197179" y="2871069"/>
-            <a:ext cx="6" cy="867316"/>
+            <a:ext cx="7" cy="867316"/>
           </a:xfrm>
           <a:prstGeom prst="line">
             <a:avLst/>
@@ -29522,10 +29523,10 @@
         </p:nvGrpSpPr>
         <p:grpSpPr>
           <a:xfrm>
-            <a:off x="9301167" y="3507655"/>
-            <a:ext cx="891797" cy="380491"/>
-            <a:chOff x="-1" y="0"/>
-            <a:chExt cx="891796" cy="380490"/>
+            <a:off x="9301166" y="3507653"/>
+            <a:ext cx="891799" cy="380493"/>
+            <a:chOff x="0" y="-1"/>
+            <a:chExt cx="891797" cy="380492"/>
           </a:xfrm>
         </p:grpSpPr>
         <p:sp>
@@ -29536,8 +29537,8 @@
           </p:nvSpPr>
           <p:spPr>
             <a:xfrm>
-              <a:off x="-2" y="-1"/>
-              <a:ext cx="891797" cy="380491"/>
+              <a:off x="-1" y="-2"/>
+              <a:ext cx="891799" cy="380494"/>
             </a:xfrm>
             <a:prstGeom prst="ellipse">
               <a:avLst/>
@@ -29562,9 +29563,9 @@
             <a:p>
               <a:pPr algn="ctr">
                 <a:defRPr sz="800">
-                  <a:latin typeface="+mj-lt"/>
-                  <a:ea typeface="+mj-ea"/>
-                  <a:cs typeface="+mj-cs"/>
+                  <a:latin typeface="+mn-lt"/>
+                  <a:ea typeface="+mn-ea"/>
+                  <a:cs typeface="+mn-cs"/>
                   <a:sym typeface="맑은 고딕"/>
                 </a:defRPr>
               </a:pPr>
@@ -29579,8 +29580,8 @@
           </p:nvSpPr>
           <p:spPr>
             <a:xfrm>
-              <a:off x="130600" y="81021"/>
-              <a:ext cx="630591" cy="218437"/>
+              <a:off x="130601" y="81021"/>
+              <a:ext cx="630592" cy="218437"/>
             </a:xfrm>
             <a:prstGeom prst="rect">
               <a:avLst/>
@@ -29604,9 +29605,9 @@
             <a:lstStyle>
               <a:lvl1pPr algn="ctr">
                 <a:defRPr sz="800">
-                  <a:latin typeface="+mj-lt"/>
-                  <a:ea typeface="+mj-ea"/>
-                  <a:cs typeface="+mj-cs"/>
+                  <a:latin typeface="+mn-lt"/>
+                  <a:ea typeface="+mn-ea"/>
+                  <a:cs typeface="+mn-cs"/>
                   <a:sym typeface="맑은 고딕"/>
                 </a:defRPr>
               </a:lvl1pPr>
@@ -29628,10 +29629,10 @@
         </p:nvGrpSpPr>
         <p:grpSpPr>
           <a:xfrm>
-            <a:off x="9301167" y="3286642"/>
-            <a:ext cx="891797" cy="380493"/>
-            <a:chOff x="-1" y="-1"/>
-            <a:chExt cx="891796" cy="380492"/>
+            <a:off x="9301166" y="3286641"/>
+            <a:ext cx="891799" cy="380497"/>
+            <a:chOff x="0" y="0"/>
+            <a:chExt cx="891797" cy="380496"/>
           </a:xfrm>
         </p:grpSpPr>
         <p:sp>
@@ -29642,8 +29643,8 @@
           </p:nvSpPr>
           <p:spPr>
             <a:xfrm>
-              <a:off x="-2" y="-2"/>
-              <a:ext cx="891797" cy="380494"/>
+              <a:off x="-1" y="-1"/>
+              <a:ext cx="891799" cy="380497"/>
             </a:xfrm>
             <a:prstGeom prst="ellipse">
               <a:avLst/>
@@ -29668,9 +29669,9 @@
             <a:p>
               <a:pPr algn="ctr">
                 <a:defRPr sz="800">
-                  <a:latin typeface="+mj-lt"/>
-                  <a:ea typeface="+mj-ea"/>
-                  <a:cs typeface="+mj-cs"/>
+                  <a:latin typeface="+mn-lt"/>
+                  <a:ea typeface="+mn-ea"/>
+                  <a:cs typeface="+mn-cs"/>
                   <a:sym typeface="맑은 고딕"/>
                 </a:defRPr>
               </a:pPr>
@@ -29685,8 +29686,8 @@
           </p:nvSpPr>
           <p:spPr>
             <a:xfrm>
-              <a:off x="130600" y="81023"/>
-              <a:ext cx="630591" cy="218437"/>
+              <a:off x="130601" y="81024"/>
+              <a:ext cx="630592" cy="218437"/>
             </a:xfrm>
             <a:prstGeom prst="rect">
               <a:avLst/>
@@ -29710,9 +29711,9 @@
             <a:lstStyle>
               <a:lvl1pPr algn="ctr">
                 <a:defRPr sz="800">
-                  <a:latin typeface="+mj-lt"/>
-                  <a:ea typeface="+mj-ea"/>
-                  <a:cs typeface="+mj-cs"/>
+                  <a:latin typeface="+mn-lt"/>
+                  <a:ea typeface="+mn-ea"/>
+                  <a:cs typeface="+mn-cs"/>
                   <a:sym typeface="맑은 고딕"/>
                 </a:defRPr>
               </a:lvl1pPr>
@@ -29734,10 +29735,10 @@
         </p:nvGrpSpPr>
         <p:grpSpPr>
           <a:xfrm>
-            <a:off x="9301167" y="3042389"/>
-            <a:ext cx="891797" cy="380491"/>
-            <a:chOff x="-1" y="0"/>
-            <a:chExt cx="891796" cy="380490"/>
+            <a:off x="9301166" y="3042387"/>
+            <a:ext cx="891799" cy="380493"/>
+            <a:chOff x="0" y="-1"/>
+            <a:chExt cx="891797" cy="380492"/>
           </a:xfrm>
         </p:grpSpPr>
         <p:sp>
@@ -29748,8 +29749,8 @@
           </p:nvSpPr>
           <p:spPr>
             <a:xfrm>
-              <a:off x="-2" y="-1"/>
-              <a:ext cx="891797" cy="380491"/>
+              <a:off x="-1" y="-2"/>
+              <a:ext cx="891799" cy="380494"/>
             </a:xfrm>
             <a:prstGeom prst="ellipse">
               <a:avLst/>
@@ -29774,9 +29775,9 @@
             <a:p>
               <a:pPr algn="ctr">
                 <a:defRPr sz="800">
-                  <a:latin typeface="+mj-lt"/>
-                  <a:ea typeface="+mj-ea"/>
-                  <a:cs typeface="+mj-cs"/>
+                  <a:latin typeface="+mn-lt"/>
+                  <a:ea typeface="+mn-ea"/>
+                  <a:cs typeface="+mn-cs"/>
                   <a:sym typeface="맑은 고딕"/>
                 </a:defRPr>
               </a:pPr>
@@ -29791,8 +29792,8 @@
           </p:nvSpPr>
           <p:spPr>
             <a:xfrm>
-              <a:off x="130600" y="81021"/>
-              <a:ext cx="630591" cy="218437"/>
+              <a:off x="130601" y="81021"/>
+              <a:ext cx="630592" cy="218437"/>
             </a:xfrm>
             <a:prstGeom prst="rect">
               <a:avLst/>
@@ -29816,9 +29817,9 @@
             <a:lstStyle>
               <a:lvl1pPr algn="ctr">
                 <a:defRPr sz="800">
-                  <a:latin typeface="+mj-lt"/>
-                  <a:ea typeface="+mj-ea"/>
-                  <a:cs typeface="+mj-cs"/>
+                  <a:latin typeface="+mn-lt"/>
+                  <a:ea typeface="+mn-ea"/>
+                  <a:cs typeface="+mn-cs"/>
                   <a:sym typeface="맑은 고딕"/>
                 </a:defRPr>
               </a:lvl1pPr>
@@ -29841,7 +29842,7 @@
         <p:spPr>
           <a:xfrm>
             <a:off x="9301171" y="2688475"/>
-            <a:ext cx="891791" cy="380489"/>
+            <a:ext cx="891793" cy="380491"/>
           </a:xfrm>
           <a:prstGeom prst="ellipse">
             <a:avLst/>
@@ -29861,9 +29862,9 @@
           <a:p>
             <a:pPr>
               <a:defRPr>
-                <a:latin typeface="+mj-lt"/>
-                <a:ea typeface="+mj-ea"/>
-                <a:cs typeface="+mj-cs"/>
+                <a:latin typeface="+mn-lt"/>
+                <a:ea typeface="+mn-ea"/>
+                <a:cs typeface="+mn-cs"/>
                 <a:sym typeface="맑은 고딕"/>
               </a:defRPr>
             </a:pPr>
@@ -29904,10 +29905,10 @@
         </p:nvGrpSpPr>
         <p:grpSpPr>
           <a:xfrm>
-            <a:off x="2095500" y="1279988"/>
-            <a:ext cx="1270000" cy="322921"/>
+            <a:off x="2095500" y="1279986"/>
+            <a:ext cx="1270000" cy="322923"/>
             <a:chOff x="0" y="0"/>
-            <a:chExt cx="1270000" cy="322919"/>
+            <a:chExt cx="1270000" cy="322922"/>
           </a:xfrm>
         </p:grpSpPr>
         <p:sp>
@@ -29919,7 +29920,7 @@
           <p:spPr>
             <a:xfrm>
               <a:off x="0" y="-1"/>
-              <a:ext cx="1270000" cy="322920"/>
+              <a:ext cx="1270000" cy="322923"/>
             </a:xfrm>
             <a:prstGeom prst="rect">
               <a:avLst/>
@@ -29944,9 +29945,9 @@
             <a:p>
               <a:pPr algn="ctr">
                 <a:defRPr sz="1200">
-                  <a:latin typeface="+mj-lt"/>
-                  <a:ea typeface="+mj-ea"/>
-                  <a:cs typeface="+mj-cs"/>
+                  <a:latin typeface="+mn-lt"/>
+                  <a:ea typeface="+mn-ea"/>
+                  <a:cs typeface="+mn-cs"/>
                   <a:sym typeface="맑은 고딕"/>
                 </a:defRPr>
               </a:pPr>
@@ -29986,9 +29987,9 @@
             <a:lstStyle>
               <a:lvl1pPr algn="ctr">
                 <a:defRPr sz="1200">
-                  <a:latin typeface="+mj-lt"/>
-                  <a:ea typeface="+mj-ea"/>
-                  <a:cs typeface="+mj-cs"/>
+                  <a:latin typeface="+mn-lt"/>
+                  <a:ea typeface="+mn-ea"/>
+                  <a:cs typeface="+mn-cs"/>
                   <a:sym typeface="맑은 고딕"/>
                 </a:defRPr>
               </a:lvl1pPr>
@@ -30010,10 +30011,10 @@
         </p:nvGrpSpPr>
         <p:grpSpPr>
           <a:xfrm>
-            <a:off x="2095500" y="1955793"/>
-            <a:ext cx="1270000" cy="322921"/>
-            <a:chOff x="0" y="0"/>
-            <a:chExt cx="1270000" cy="322920"/>
+            <a:off x="2095500" y="1955792"/>
+            <a:ext cx="1270000" cy="322923"/>
+            <a:chOff x="0" y="-1"/>
+            <a:chExt cx="1270000" cy="322922"/>
           </a:xfrm>
         </p:grpSpPr>
         <p:sp>
@@ -30024,8 +30025,8 @@
           </p:nvSpPr>
           <p:spPr>
             <a:xfrm>
-              <a:off x="0" y="-1"/>
-              <a:ext cx="1270000" cy="322921"/>
+              <a:off x="0" y="-2"/>
+              <a:ext cx="1270000" cy="322923"/>
             </a:xfrm>
             <a:prstGeom prst="rect">
               <a:avLst/>
@@ -30050,9 +30051,9 @@
             <a:p>
               <a:pPr algn="ctr">
                 <a:defRPr sz="1200">
-                  <a:latin typeface="+mj-lt"/>
-                  <a:ea typeface="+mj-ea"/>
-                  <a:cs typeface="+mj-cs"/>
+                  <a:latin typeface="+mn-lt"/>
+                  <a:ea typeface="+mn-ea"/>
+                  <a:cs typeface="+mn-cs"/>
                   <a:sym typeface="맑은 고딕"/>
                 </a:defRPr>
               </a:pPr>
@@ -30092,9 +30093,9 @@
             <a:lstStyle>
               <a:lvl1pPr algn="ctr">
                 <a:defRPr sz="1200">
-                  <a:latin typeface="+mj-lt"/>
-                  <a:ea typeface="+mj-ea"/>
-                  <a:cs typeface="+mj-cs"/>
+                  <a:latin typeface="+mn-lt"/>
+                  <a:ea typeface="+mn-ea"/>
+                  <a:cs typeface="+mn-cs"/>
                   <a:sym typeface="맑은 고딕"/>
                 </a:defRPr>
               </a:lvl1pPr>
@@ -30116,10 +30117,10 @@
         </p:nvGrpSpPr>
         <p:grpSpPr>
           <a:xfrm>
-            <a:off x="3975100" y="1955793"/>
-            <a:ext cx="1270000" cy="322921"/>
-            <a:chOff x="0" y="0"/>
-            <a:chExt cx="1270000" cy="322920"/>
+            <a:off x="3975100" y="1955792"/>
+            <a:ext cx="1270000" cy="322923"/>
+            <a:chOff x="0" y="-1"/>
+            <a:chExt cx="1270000" cy="322922"/>
           </a:xfrm>
         </p:grpSpPr>
         <p:sp>
@@ -30130,8 +30131,8 @@
           </p:nvSpPr>
           <p:spPr>
             <a:xfrm>
-              <a:off x="0" y="-1"/>
-              <a:ext cx="1270000" cy="322921"/>
+              <a:off x="0" y="-2"/>
+              <a:ext cx="1270000" cy="322923"/>
             </a:xfrm>
             <a:prstGeom prst="rect">
               <a:avLst/>
@@ -30156,9 +30157,9 @@
             <a:p>
               <a:pPr algn="ctr">
                 <a:defRPr sz="1200">
-                  <a:latin typeface="+mj-lt"/>
-                  <a:ea typeface="+mj-ea"/>
-                  <a:cs typeface="+mj-cs"/>
+                  <a:latin typeface="+mn-lt"/>
+                  <a:ea typeface="+mn-ea"/>
+                  <a:cs typeface="+mn-cs"/>
                   <a:sym typeface="맑은 고딕"/>
                 </a:defRPr>
               </a:pPr>
@@ -30198,9 +30199,9 @@
             <a:lstStyle>
               <a:lvl1pPr algn="ctr">
                 <a:defRPr sz="1200">
-                  <a:latin typeface="+mj-lt"/>
-                  <a:ea typeface="+mj-ea"/>
-                  <a:cs typeface="+mj-cs"/>
+                  <a:latin typeface="+mn-lt"/>
+                  <a:ea typeface="+mn-ea"/>
+                  <a:cs typeface="+mn-cs"/>
                   <a:sym typeface="맑은 고딕"/>
                 </a:defRPr>
               </a:lvl1pPr>
@@ -30222,10 +30223,10 @@
         </p:nvGrpSpPr>
         <p:grpSpPr>
           <a:xfrm>
-            <a:off x="215900" y="1955793"/>
-            <a:ext cx="1270000" cy="322921"/>
-            <a:chOff x="0" y="0"/>
-            <a:chExt cx="1270000" cy="322920"/>
+            <a:off x="215900" y="1955792"/>
+            <a:ext cx="1270000" cy="322923"/>
+            <a:chOff x="0" y="-1"/>
+            <a:chExt cx="1270000" cy="322922"/>
           </a:xfrm>
         </p:grpSpPr>
         <p:sp>
@@ -30236,8 +30237,8 @@
           </p:nvSpPr>
           <p:spPr>
             <a:xfrm>
-              <a:off x="0" y="-1"/>
-              <a:ext cx="1270000" cy="322921"/>
+              <a:off x="0" y="-2"/>
+              <a:ext cx="1270000" cy="322923"/>
             </a:xfrm>
             <a:prstGeom prst="rect">
               <a:avLst/>
@@ -30262,9 +30263,9 @@
             <a:p>
               <a:pPr algn="ctr">
                 <a:defRPr sz="1200">
-                  <a:latin typeface="+mj-lt"/>
-                  <a:ea typeface="+mj-ea"/>
-                  <a:cs typeface="+mj-cs"/>
+                  <a:latin typeface="+mn-lt"/>
+                  <a:ea typeface="+mn-ea"/>
+                  <a:cs typeface="+mn-cs"/>
                   <a:sym typeface="맑은 고딕"/>
                 </a:defRPr>
               </a:pPr>
@@ -30304,9 +30305,9 @@
             <a:lstStyle>
               <a:lvl1pPr algn="ctr">
                 <a:defRPr sz="1200">
-                  <a:latin typeface="+mj-lt"/>
-                  <a:ea typeface="+mj-ea"/>
-                  <a:cs typeface="+mj-cs"/>
+                  <a:latin typeface="+mn-lt"/>
+                  <a:ea typeface="+mn-ea"/>
+                  <a:cs typeface="+mn-cs"/>
                   <a:sym typeface="맑은 고딕"/>
                 </a:defRPr>
               </a:lvl1pPr>
@@ -30328,10 +30329,10 @@
         </p:nvGrpSpPr>
         <p:grpSpPr>
           <a:xfrm>
-            <a:off x="6210300" y="1279988"/>
-            <a:ext cx="1270000" cy="322921"/>
+            <a:off x="6210300" y="1279986"/>
+            <a:ext cx="1270000" cy="322923"/>
             <a:chOff x="0" y="0"/>
-            <a:chExt cx="1270000" cy="322919"/>
+            <a:chExt cx="1270000" cy="322922"/>
           </a:xfrm>
         </p:grpSpPr>
         <p:sp>
@@ -30343,7 +30344,7 @@
           <p:spPr>
             <a:xfrm>
               <a:off x="0" y="-1"/>
-              <a:ext cx="1270000" cy="322920"/>
+              <a:ext cx="1270000" cy="322923"/>
             </a:xfrm>
             <a:prstGeom prst="rect">
               <a:avLst/>
@@ -30368,9 +30369,9 @@
             <a:p>
               <a:pPr algn="ctr">
                 <a:defRPr sz="1200">
-                  <a:latin typeface="+mj-lt"/>
-                  <a:ea typeface="+mj-ea"/>
-                  <a:cs typeface="+mj-cs"/>
+                  <a:latin typeface="+mn-lt"/>
+                  <a:ea typeface="+mn-ea"/>
+                  <a:cs typeface="+mn-cs"/>
                   <a:sym typeface="맑은 고딕"/>
                 </a:defRPr>
               </a:pPr>
@@ -30410,9 +30411,9 @@
             <a:lstStyle>
               <a:lvl1pPr algn="ctr">
                 <a:defRPr sz="1200">
-                  <a:latin typeface="+mj-lt"/>
-                  <a:ea typeface="+mj-ea"/>
-                  <a:cs typeface="+mj-cs"/>
+                  <a:latin typeface="+mn-lt"/>
+                  <a:ea typeface="+mn-ea"/>
+                  <a:cs typeface="+mn-cs"/>
                   <a:sym typeface="맑은 고딕"/>
                 </a:defRPr>
               </a:lvl1pPr>
@@ -30434,10 +30435,10 @@
         </p:nvGrpSpPr>
         <p:grpSpPr>
           <a:xfrm>
-            <a:off x="215900" y="2984493"/>
-            <a:ext cx="1270000" cy="322921"/>
-            <a:chOff x="0" y="0"/>
-            <a:chExt cx="1270000" cy="322920"/>
+            <a:off x="215900" y="2984492"/>
+            <a:ext cx="1270000" cy="322923"/>
+            <a:chOff x="0" y="-1"/>
+            <a:chExt cx="1270000" cy="322922"/>
           </a:xfrm>
         </p:grpSpPr>
         <p:sp>
@@ -30448,8 +30449,8 @@
           </p:nvSpPr>
           <p:spPr>
             <a:xfrm>
-              <a:off x="0" y="-1"/>
-              <a:ext cx="1270000" cy="322921"/>
+              <a:off x="0" y="-2"/>
+              <a:ext cx="1270000" cy="322923"/>
             </a:xfrm>
             <a:prstGeom prst="rect">
               <a:avLst/>
@@ -30474,9 +30475,9 @@
             <a:p>
               <a:pPr algn="ctr">
                 <a:defRPr sz="1200">
-                  <a:latin typeface="+mj-lt"/>
-                  <a:ea typeface="+mj-ea"/>
-                  <a:cs typeface="+mj-cs"/>
+                  <a:latin typeface="+mn-lt"/>
+                  <a:ea typeface="+mn-ea"/>
+                  <a:cs typeface="+mn-cs"/>
                   <a:sym typeface="맑은 고딕"/>
                 </a:defRPr>
               </a:pPr>
@@ -30516,9 +30517,9 @@
             <a:lstStyle>
               <a:lvl1pPr algn="ctr">
                 <a:defRPr sz="1200">
-                  <a:latin typeface="+mj-lt"/>
-                  <a:ea typeface="+mj-ea"/>
-                  <a:cs typeface="+mj-cs"/>
+                  <a:latin typeface="+mn-lt"/>
+                  <a:ea typeface="+mn-ea"/>
+                  <a:cs typeface="+mn-cs"/>
                   <a:sym typeface="맑은 고딕"/>
                 </a:defRPr>
               </a:lvl1pPr>
@@ -30540,10 +30541,10 @@
         </p:nvGrpSpPr>
         <p:grpSpPr>
           <a:xfrm>
-            <a:off x="1625600" y="2984493"/>
-            <a:ext cx="1270000" cy="322921"/>
-            <a:chOff x="0" y="0"/>
-            <a:chExt cx="1270000" cy="322920"/>
+            <a:off x="1625600" y="2984492"/>
+            <a:ext cx="1270000" cy="322923"/>
+            <a:chOff x="0" y="-1"/>
+            <a:chExt cx="1270000" cy="322922"/>
           </a:xfrm>
         </p:grpSpPr>
         <p:sp>
@@ -30554,8 +30555,8 @@
           </p:nvSpPr>
           <p:spPr>
             <a:xfrm>
-              <a:off x="0" y="-1"/>
-              <a:ext cx="1270000" cy="322921"/>
+              <a:off x="0" y="-2"/>
+              <a:ext cx="1270000" cy="322923"/>
             </a:xfrm>
             <a:prstGeom prst="rect">
               <a:avLst/>
@@ -30580,9 +30581,9 @@
             <a:p>
               <a:pPr algn="ctr">
                 <a:defRPr sz="1200">
-                  <a:latin typeface="+mj-lt"/>
-                  <a:ea typeface="+mj-ea"/>
-                  <a:cs typeface="+mj-cs"/>
+                  <a:latin typeface="+mn-lt"/>
+                  <a:ea typeface="+mn-ea"/>
+                  <a:cs typeface="+mn-cs"/>
                   <a:sym typeface="맑은 고딕"/>
                 </a:defRPr>
               </a:pPr>
@@ -30622,9 +30623,9 @@
             <a:lstStyle>
               <a:lvl1pPr algn="ctr">
                 <a:defRPr sz="1200">
-                  <a:latin typeface="+mj-lt"/>
-                  <a:ea typeface="+mj-ea"/>
-                  <a:cs typeface="+mj-cs"/>
+                  <a:latin typeface="+mn-lt"/>
+                  <a:ea typeface="+mn-ea"/>
+                  <a:cs typeface="+mn-cs"/>
                   <a:sym typeface="맑은 고딕"/>
                 </a:defRPr>
               </a:lvl1pPr>
@@ -30646,10 +30647,10 @@
         </p:nvGrpSpPr>
         <p:grpSpPr>
           <a:xfrm>
-            <a:off x="3035300" y="2984493"/>
-            <a:ext cx="1270000" cy="322921"/>
-            <a:chOff x="0" y="0"/>
-            <a:chExt cx="1270000" cy="322920"/>
+            <a:off x="3035300" y="2984492"/>
+            <a:ext cx="1270000" cy="322923"/>
+            <a:chOff x="0" y="-1"/>
+            <a:chExt cx="1270000" cy="322922"/>
           </a:xfrm>
         </p:grpSpPr>
         <p:sp>
@@ -30660,8 +30661,8 @@
           </p:nvSpPr>
           <p:spPr>
             <a:xfrm>
-              <a:off x="0" y="-1"/>
-              <a:ext cx="1270000" cy="322921"/>
+              <a:off x="0" y="-2"/>
+              <a:ext cx="1270000" cy="322923"/>
             </a:xfrm>
             <a:prstGeom prst="rect">
               <a:avLst/>
@@ -30686,9 +30687,9 @@
             <a:p>
               <a:pPr algn="ctr">
                 <a:defRPr sz="1200">
-                  <a:latin typeface="+mj-lt"/>
-                  <a:ea typeface="+mj-ea"/>
-                  <a:cs typeface="+mj-cs"/>
+                  <a:latin typeface="+mn-lt"/>
+                  <a:ea typeface="+mn-ea"/>
+                  <a:cs typeface="+mn-cs"/>
                   <a:sym typeface="맑은 고딕"/>
                 </a:defRPr>
               </a:pPr>
@@ -30728,9 +30729,9 @@
             <a:lstStyle>
               <a:lvl1pPr algn="ctr">
                 <a:defRPr sz="1200">
-                  <a:latin typeface="+mj-lt"/>
-                  <a:ea typeface="+mj-ea"/>
-                  <a:cs typeface="+mj-cs"/>
+                  <a:latin typeface="+mn-lt"/>
+                  <a:ea typeface="+mn-ea"/>
+                  <a:cs typeface="+mn-cs"/>
                   <a:sym typeface="맑은 고딕"/>
                 </a:defRPr>
               </a:lvl1pPr>
@@ -30752,10 +30753,10 @@
         </p:nvGrpSpPr>
         <p:grpSpPr>
           <a:xfrm>
-            <a:off x="4445000" y="2984493"/>
-            <a:ext cx="1270000" cy="322921"/>
-            <a:chOff x="0" y="0"/>
-            <a:chExt cx="1270000" cy="322920"/>
+            <a:off x="4445000" y="2984492"/>
+            <a:ext cx="1270000" cy="322923"/>
+            <a:chOff x="0" y="-1"/>
+            <a:chExt cx="1270000" cy="322922"/>
           </a:xfrm>
         </p:grpSpPr>
         <p:sp>
@@ -30766,8 +30767,8 @@
           </p:nvSpPr>
           <p:spPr>
             <a:xfrm>
-              <a:off x="0" y="-1"/>
-              <a:ext cx="1270000" cy="322921"/>
+              <a:off x="0" y="-2"/>
+              <a:ext cx="1270000" cy="322923"/>
             </a:xfrm>
             <a:prstGeom prst="rect">
               <a:avLst/>
@@ -30792,9 +30793,9 @@
             <a:p>
               <a:pPr algn="ctr">
                 <a:defRPr sz="1200">
-                  <a:latin typeface="+mj-lt"/>
-                  <a:ea typeface="+mj-ea"/>
-                  <a:cs typeface="+mj-cs"/>
+                  <a:latin typeface="+mn-lt"/>
+                  <a:ea typeface="+mn-ea"/>
+                  <a:cs typeface="+mn-cs"/>
                   <a:sym typeface="맑은 고딕"/>
                 </a:defRPr>
               </a:pPr>
@@ -30834,9 +30835,9 @@
             <a:lstStyle>
               <a:lvl1pPr algn="ctr">
                 <a:defRPr sz="1200">
-                  <a:latin typeface="+mj-lt"/>
-                  <a:ea typeface="+mj-ea"/>
-                  <a:cs typeface="+mj-cs"/>
+                  <a:latin typeface="+mn-lt"/>
+                  <a:ea typeface="+mn-ea"/>
+                  <a:cs typeface="+mn-cs"/>
                   <a:sym typeface="맑은 고딕"/>
                 </a:defRPr>
               </a:lvl1pPr>
@@ -30858,10 +30859,10 @@
         </p:nvGrpSpPr>
         <p:grpSpPr>
           <a:xfrm>
-            <a:off x="6210300" y="2984493"/>
-            <a:ext cx="1270000" cy="322921"/>
-            <a:chOff x="0" y="0"/>
-            <a:chExt cx="1270000" cy="322920"/>
+            <a:off x="6210300" y="2984492"/>
+            <a:ext cx="1270000" cy="322923"/>
+            <a:chOff x="0" y="-1"/>
+            <a:chExt cx="1270000" cy="322922"/>
           </a:xfrm>
         </p:grpSpPr>
         <p:sp>
@@ -30872,8 +30873,8 @@
           </p:nvSpPr>
           <p:spPr>
             <a:xfrm>
-              <a:off x="0" y="-1"/>
-              <a:ext cx="1270000" cy="322921"/>
+              <a:off x="0" y="-2"/>
+              <a:ext cx="1270000" cy="322923"/>
             </a:xfrm>
             <a:prstGeom prst="rect">
               <a:avLst/>
@@ -30898,9 +30899,9 @@
             <a:p>
               <a:pPr algn="ctr">
                 <a:defRPr sz="1200">
-                  <a:latin typeface="+mj-lt"/>
-                  <a:ea typeface="+mj-ea"/>
-                  <a:cs typeface="+mj-cs"/>
+                  <a:latin typeface="+mn-lt"/>
+                  <a:ea typeface="+mn-ea"/>
+                  <a:cs typeface="+mn-cs"/>
                   <a:sym typeface="맑은 고딕"/>
                 </a:defRPr>
               </a:pPr>
@@ -30940,9 +30941,9 @@
             <a:lstStyle>
               <a:lvl1pPr algn="ctr">
                 <a:defRPr sz="1200">
-                  <a:latin typeface="+mj-lt"/>
-                  <a:ea typeface="+mj-ea"/>
-                  <a:cs typeface="+mj-cs"/>
+                  <a:latin typeface="+mn-lt"/>
+                  <a:ea typeface="+mn-ea"/>
+                  <a:cs typeface="+mn-cs"/>
                   <a:sym typeface="맑은 고딕"/>
                 </a:defRPr>
               </a:lvl1pPr>
@@ -30964,10 +30965,10 @@
         </p:nvGrpSpPr>
         <p:grpSpPr>
           <a:xfrm>
-            <a:off x="3035300" y="3660296"/>
-            <a:ext cx="1270000" cy="322922"/>
+            <a:off x="3035300" y="3660294"/>
+            <a:ext cx="1270000" cy="322924"/>
             <a:chOff x="0" y="0"/>
-            <a:chExt cx="1270000" cy="322920"/>
+            <a:chExt cx="1270000" cy="322922"/>
           </a:xfrm>
         </p:grpSpPr>
         <p:sp>
@@ -30979,7 +30980,7 @@
           <p:spPr>
             <a:xfrm>
               <a:off x="0" y="-1"/>
-              <a:ext cx="1270000" cy="322921"/>
+              <a:ext cx="1270000" cy="322924"/>
             </a:xfrm>
             <a:prstGeom prst="rect">
               <a:avLst/>
@@ -31004,9 +31005,9 @@
             <a:p>
               <a:pPr algn="ctr">
                 <a:defRPr sz="1200">
-                  <a:latin typeface="+mj-lt"/>
-                  <a:ea typeface="+mj-ea"/>
-                  <a:cs typeface="+mj-cs"/>
+                  <a:latin typeface="+mn-lt"/>
+                  <a:ea typeface="+mn-ea"/>
+                  <a:cs typeface="+mn-cs"/>
                   <a:sym typeface="맑은 고딕"/>
                 </a:defRPr>
               </a:pPr>
@@ -31046,9 +31047,9 @@
             <a:lstStyle>
               <a:lvl1pPr algn="ctr">
                 <a:defRPr sz="1200">
-                  <a:latin typeface="+mj-lt"/>
-                  <a:ea typeface="+mj-ea"/>
-                  <a:cs typeface="+mj-cs"/>
+                  <a:latin typeface="+mn-lt"/>
+                  <a:ea typeface="+mn-ea"/>
+                  <a:cs typeface="+mn-cs"/>
                   <a:sym typeface="맑은 고딕"/>
                 </a:defRPr>
               </a:lvl1pPr>
@@ -31071,7 +31072,7 @@
         <p:spPr>
           <a:xfrm>
             <a:off x="118294" y="2631600"/>
-            <a:ext cx="8743562" cy="7"/>
+            <a:ext cx="8743562" cy="8"/>
           </a:xfrm>
           <a:prstGeom prst="line">
             <a:avLst/>
@@ -31106,7 +31107,7 @@
         <p:spPr>
           <a:xfrm flipV="1">
             <a:off x="3670300" y="3296468"/>
-            <a:ext cx="0" cy="374781"/>
+            <a:ext cx="0" cy="374782"/>
           </a:xfrm>
           <a:prstGeom prst="line">
             <a:avLst/>
@@ -31164,7 +31165,7 @@
         <p:spPr>
           <a:xfrm flipV="1">
             <a:off x="2260599" y="2284170"/>
-            <a:ext cx="363991" cy="709514"/>
+            <a:ext cx="363992" cy="709515"/>
           </a:xfrm>
           <a:prstGeom prst="line">
             <a:avLst/>
@@ -31193,7 +31194,7 @@
         <p:spPr>
           <a:xfrm flipH="1" flipV="1">
             <a:off x="2755144" y="2316308"/>
-            <a:ext cx="2182344" cy="687665"/>
+            <a:ext cx="2182344" cy="687666"/>
           </a:xfrm>
           <a:prstGeom prst="line">
             <a:avLst/>
@@ -31222,7 +31223,7 @@
         <p:spPr>
           <a:xfrm flipV="1">
             <a:off x="850899" y="2269525"/>
-            <a:ext cx="8" cy="724155"/>
+            <a:ext cx="9" cy="724156"/>
           </a:xfrm>
           <a:prstGeom prst="line">
             <a:avLst/>
@@ -31251,7 +31252,7 @@
         <p:spPr>
           <a:xfrm flipH="1" flipV="1">
             <a:off x="4552932" y="2240326"/>
-            <a:ext cx="384562" cy="777198"/>
+            <a:ext cx="384563" cy="777199"/>
           </a:xfrm>
           <a:prstGeom prst="line">
             <a:avLst/>
@@ -31330,9 +31331,9 @@
           <a:lstStyle>
             <a:lvl1pPr>
               <a:defRPr sz="1200">
-                <a:latin typeface="+mj-lt"/>
-                <a:ea typeface="+mj-ea"/>
-                <a:cs typeface="+mj-cs"/>
+                <a:latin typeface="+mn-lt"/>
+                <a:ea typeface="+mn-ea"/>
+                <a:cs typeface="+mn-cs"/>
                 <a:sym typeface="맑은 고딕"/>
               </a:defRPr>
             </a:lvl1pPr>
@@ -31375,9 +31376,9 @@
           <a:lstStyle>
             <a:lvl1pPr>
               <a:defRPr sz="1200">
-                <a:latin typeface="+mj-lt"/>
-                <a:ea typeface="+mj-ea"/>
-                <a:cs typeface="+mj-cs"/>
+                <a:latin typeface="+mn-lt"/>
+                <a:ea typeface="+mn-ea"/>
+                <a:cs typeface="+mn-cs"/>
                 <a:sym typeface="맑은 고딕"/>
               </a:defRPr>
             </a:lvl1pPr>
@@ -31399,7 +31400,7 @@
         <p:spPr>
           <a:xfrm flipV="1">
             <a:off x="2730500" y="1593724"/>
-            <a:ext cx="0" cy="374781"/>
+            <a:ext cx="0" cy="374782"/>
           </a:xfrm>
           <a:prstGeom prst="line">
             <a:avLst/>
@@ -31427,7 +31428,7 @@
         <p:spPr>
           <a:xfrm flipV="1">
             <a:off x="850900" y="1810560"/>
-            <a:ext cx="0" cy="157946"/>
+            <a:ext cx="0" cy="157947"/>
           </a:xfrm>
           <a:prstGeom prst="line">
             <a:avLst/>
@@ -31455,7 +31456,7 @@
         <p:spPr>
           <a:xfrm flipV="1">
             <a:off x="4610100" y="1810560"/>
-            <a:ext cx="0" cy="157946"/>
+            <a:ext cx="0" cy="157947"/>
           </a:xfrm>
           <a:prstGeom prst="line">
             <a:avLst/>
@@ -31483,7 +31484,7 @@
         <p:spPr>
           <a:xfrm>
             <a:off x="838196" y="1803523"/>
-            <a:ext cx="3784609" cy="7"/>
+            <a:ext cx="3784610" cy="8"/>
           </a:xfrm>
           <a:prstGeom prst="line">
             <a:avLst/>
@@ -31536,7 +31537,7 @@
         </p:nvGraphicFramePr>
         <p:xfrm>
           <a:off x="2411450" y="3333748"/>
-          <a:ext cx="3048001" cy="190501"/>
+          <a:ext cx="3048002" cy="190502"/>
         </p:xfrm>
         <a:graphic xmlns:a="http://schemas.openxmlformats.org/drawingml/2006/main">
           <a:graphicData uri="http://schemas.openxmlformats.org/drawingml/2006/table">
@@ -32172,10 +32173,10 @@
         </p:nvGrpSpPr>
         <p:grpSpPr>
           <a:xfrm>
-            <a:off x="1346783" y="3115194"/>
-            <a:ext cx="1270003" cy="627611"/>
-            <a:chOff x="0" y="0"/>
-            <a:chExt cx="1270001" cy="627609"/>
+            <a:off x="1346781" y="3115193"/>
+            <a:ext cx="1270007" cy="627613"/>
+            <a:chOff x="-1" y="0"/>
+            <a:chExt cx="1270005" cy="627612"/>
           </a:xfrm>
         </p:grpSpPr>
         <p:sp>
@@ -32186,8 +32187,8 @@
           </p:nvSpPr>
           <p:spPr>
             <a:xfrm>
-              <a:off x="-1" y="0"/>
-              <a:ext cx="1270003" cy="627610"/>
+              <a:off x="-2" y="-1"/>
+              <a:ext cx="1270007" cy="627614"/>
             </a:xfrm>
             <a:prstGeom prst="rect">
               <a:avLst/>
@@ -32214,9 +32215,9 @@
             <a:p>
               <a:pPr algn="ctr">
                 <a:defRPr sz="1200">
-                  <a:latin typeface="+mj-lt"/>
-                  <a:ea typeface="+mj-ea"/>
-                  <a:cs typeface="+mj-cs"/>
+                  <a:latin typeface="+mn-lt"/>
+                  <a:ea typeface="+mn-ea"/>
+                  <a:cs typeface="+mn-cs"/>
                   <a:sym typeface="맑은 고딕"/>
                 </a:defRPr>
               </a:pPr>
@@ -32231,8 +32232,8 @@
           </p:nvSpPr>
           <p:spPr>
             <a:xfrm>
-              <a:off x="-1" y="179186"/>
-              <a:ext cx="1270003" cy="269237"/>
+              <a:off x="-2" y="179186"/>
+              <a:ext cx="1270007" cy="269237"/>
             </a:xfrm>
             <a:prstGeom prst="rect">
               <a:avLst/>
@@ -32256,9 +32257,9 @@
             <a:lstStyle>
               <a:lvl1pPr algn="ctr">
                 <a:defRPr sz="1200">
-                  <a:latin typeface="+mj-lt"/>
-                  <a:ea typeface="+mj-ea"/>
-                  <a:cs typeface="+mj-cs"/>
+                  <a:latin typeface="+mn-lt"/>
+                  <a:ea typeface="+mn-ea"/>
+                  <a:cs typeface="+mn-cs"/>
                   <a:sym typeface="맑은 고딕"/>
                 </a:defRPr>
               </a:lvl1pPr>
@@ -32280,10 +32281,10 @@
         </p:nvGrpSpPr>
         <p:grpSpPr>
           <a:xfrm>
-            <a:off x="5460999" y="3115194"/>
-            <a:ext cx="1270003" cy="627611"/>
-            <a:chOff x="0" y="0"/>
-            <a:chExt cx="1270001" cy="627609"/>
+            <a:off x="5460997" y="3115193"/>
+            <a:ext cx="1270006" cy="627613"/>
+            <a:chOff x="-1" y="0"/>
+            <a:chExt cx="1270005" cy="627612"/>
           </a:xfrm>
         </p:grpSpPr>
         <p:sp>
@@ -32294,8 +32295,8 @@
           </p:nvSpPr>
           <p:spPr>
             <a:xfrm>
-              <a:off x="-1" y="0"/>
-              <a:ext cx="1270003" cy="627610"/>
+              <a:off x="-2" y="-1"/>
+              <a:ext cx="1270007" cy="627614"/>
             </a:xfrm>
             <a:prstGeom prst="rect">
               <a:avLst/>
@@ -32322,9 +32323,9 @@
             <a:p>
               <a:pPr algn="ctr">
                 <a:defRPr sz="1200">
-                  <a:latin typeface="+mj-lt"/>
-                  <a:ea typeface="+mj-ea"/>
-                  <a:cs typeface="+mj-cs"/>
+                  <a:latin typeface="+mn-lt"/>
+                  <a:ea typeface="+mn-ea"/>
+                  <a:cs typeface="+mn-cs"/>
                   <a:sym typeface="맑은 고딕"/>
                 </a:defRPr>
               </a:pPr>
@@ -32339,8 +32340,8 @@
           </p:nvSpPr>
           <p:spPr>
             <a:xfrm>
-              <a:off x="-1" y="179186"/>
-              <a:ext cx="1270003" cy="269237"/>
+              <a:off x="-2" y="179186"/>
+              <a:ext cx="1270007" cy="269237"/>
             </a:xfrm>
             <a:prstGeom prst="rect">
               <a:avLst/>
@@ -32364,9 +32365,9 @@
             <a:lstStyle>
               <a:lvl1pPr algn="ctr">
                 <a:defRPr sz="1200">
-                  <a:latin typeface="+mj-lt"/>
-                  <a:ea typeface="+mj-ea"/>
-                  <a:cs typeface="+mj-cs"/>
+                  <a:latin typeface="+mn-lt"/>
+                  <a:ea typeface="+mn-ea"/>
+                  <a:cs typeface="+mn-cs"/>
                   <a:sym typeface="맑은 고딕"/>
                 </a:defRPr>
               </a:lvl1pPr>
@@ -32388,8 +32389,8 @@
         </p:nvSpPr>
         <p:spPr>
           <a:xfrm>
-            <a:off x="2613804" y="3216746"/>
-            <a:ext cx="2824775" cy="2"/>
+            <a:off x="2613803" y="3216746"/>
+            <a:ext cx="2824777" cy="3"/>
           </a:xfrm>
           <a:prstGeom prst="line">
             <a:avLst/>
@@ -32417,7 +32418,7 @@
         </p:nvSpPr>
         <p:spPr>
           <a:xfrm>
-            <a:off x="1360069" y="2794746"/>
+            <a:off x="1360068" y="2794746"/>
             <a:ext cx="1243429" cy="281937"/>
           </a:xfrm>
           <a:prstGeom prst="rect">
@@ -32439,9 +32440,9 @@
           <a:lstStyle>
             <a:lvl1pPr algn="ctr">
               <a:defRPr sz="1200">
-                <a:latin typeface="+mj-lt"/>
-                <a:ea typeface="+mj-ea"/>
-                <a:cs typeface="+mj-cs"/>
+                <a:latin typeface="+mn-lt"/>
+                <a:ea typeface="+mn-ea"/>
+                <a:cs typeface="+mn-cs"/>
                 <a:sym typeface="맑은 고딕"/>
               </a:defRPr>
             </a:lvl1pPr>
@@ -32484,9 +32485,9 @@
           <a:lstStyle>
             <a:lvl1pPr algn="ctr">
               <a:defRPr sz="1200">
-                <a:latin typeface="+mj-lt"/>
-                <a:ea typeface="+mj-ea"/>
-                <a:cs typeface="+mj-cs"/>
+                <a:latin typeface="+mn-lt"/>
+                <a:ea typeface="+mn-ea"/>
+                <a:cs typeface="+mn-cs"/>
                 <a:sym typeface="맑은 고딕"/>
               </a:defRPr>
             </a:lvl1pPr>
@@ -32508,7 +32509,7 @@
         <p:spPr>
           <a:xfrm>
             <a:off x="6734964" y="3428998"/>
-            <a:ext cx="702353" cy="2"/>
+            <a:ext cx="702354" cy="3"/>
           </a:xfrm>
           <a:prstGeom prst="line">
             <a:avLst/>
@@ -32558,9 +32559,9 @@
           <a:lstStyle>
             <a:lvl1pPr algn="ctr">
               <a:defRPr sz="1200">
-                <a:latin typeface="+mj-lt"/>
-                <a:ea typeface="+mj-ea"/>
-                <a:cs typeface="+mj-cs"/>
+                <a:latin typeface="+mn-lt"/>
+                <a:ea typeface="+mn-ea"/>
+                <a:cs typeface="+mn-cs"/>
                 <a:sym typeface="맑은 고딕"/>
               </a:defRPr>
             </a:lvl1pPr>
@@ -32581,8 +32582,8 @@
         </p:nvSpPr>
         <p:spPr>
           <a:xfrm>
-            <a:off x="7448850" y="2985883"/>
-            <a:ext cx="909361" cy="733835"/>
+            <a:off x="7448849" y="2985883"/>
+            <a:ext cx="909366" cy="733836"/>
           </a:xfrm>
           <a:custGeom>
             <a:avLst/>
@@ -32729,9 +32730,9 @@
           <a:p>
             <a:pPr>
               <a:defRPr>
-                <a:latin typeface="+mj-lt"/>
-                <a:ea typeface="+mj-ea"/>
-                <a:cs typeface="+mj-cs"/>
+                <a:latin typeface="+mn-lt"/>
+                <a:ea typeface="+mn-ea"/>
+                <a:cs typeface="+mn-cs"/>
                 <a:sym typeface="맑은 고딕"/>
               </a:defRPr>
             </a:pPr>
@@ -32768,9 +32769,9 @@
           <a:lstStyle>
             <a:lvl1pPr algn="ctr">
               <a:defRPr sz="1200">
-                <a:latin typeface="+mj-lt"/>
-                <a:ea typeface="+mj-ea"/>
-                <a:cs typeface="+mj-cs"/>
+                <a:latin typeface="+mn-lt"/>
+                <a:ea typeface="+mn-ea"/>
+                <a:cs typeface="+mn-cs"/>
                 <a:sym typeface="맑은 고딕"/>
               </a:defRPr>
             </a:lvl1pPr>
@@ -32817,8 +32818,8 @@
         </p:nvSpPr>
         <p:spPr>
           <a:xfrm>
-            <a:off x="2780398" y="3062082"/>
-            <a:ext cx="909361" cy="733836"/>
+            <a:off x="2780397" y="3062082"/>
+            <a:ext cx="909366" cy="733837"/>
           </a:xfrm>
           <a:custGeom>
             <a:avLst/>
@@ -32965,9 +32966,9 @@
           <a:p>
             <a:pPr>
               <a:defRPr>
-                <a:latin typeface="+mj-lt"/>
-                <a:ea typeface="+mj-ea"/>
-                <a:cs typeface="+mj-cs"/>
+                <a:latin typeface="+mn-lt"/>
+                <a:ea typeface="+mn-ea"/>
+                <a:cs typeface="+mn-cs"/>
                 <a:sym typeface="맑은 고딕"/>
               </a:defRPr>
             </a:pPr>
@@ -32981,8 +32982,8 @@
           <p:nvPr/>
         </p:nvGraphicFramePr>
         <p:xfrm>
-          <a:off x="4317999" y="2411371"/>
-          <a:ext cx="3048001" cy="190501"/>
+          <a:off x="4317998" y="2411371"/>
+          <a:ext cx="3556001" cy="190501"/>
         </p:xfrm>
         <a:graphic xmlns:a="http://schemas.openxmlformats.org/drawingml/2006/main">
           <a:graphicData uri="http://schemas.openxmlformats.org/drawingml/2006/table">
@@ -33055,9 +33056,7 @@
                       <a:miter lim="400000"/>
                     </a:lnB>
                     <a:solidFill>
-                      <a:schemeClr val="accent1">
-                        <a:lumOff val="24117"/>
-                      </a:schemeClr>
+                      <a:srgbClr val="A1B8E1"/>
                     </a:solidFill>
                   </a:tcPr>
                 </a:tc>
@@ -33109,9 +33108,7 @@
                       <a:miter lim="400000"/>
                     </a:lnB>
                     <a:solidFill>
-                      <a:schemeClr val="accent1">
-                        <a:lumOff val="24117"/>
-                      </a:schemeClr>
+                      <a:srgbClr val="A1B8E1"/>
                     </a:solidFill>
                   </a:tcPr>
                 </a:tc>
@@ -33163,9 +33160,7 @@
                       <a:miter lim="400000"/>
                     </a:lnB>
                     <a:solidFill>
-                      <a:schemeClr val="accent1">
-                        <a:lumOff val="24117"/>
-                      </a:schemeClr>
+                      <a:srgbClr val="A1B8E1"/>
                     </a:solidFill>
                   </a:tcPr>
                 </a:tc>
@@ -33217,9 +33212,7 @@
                       <a:miter lim="400000"/>
                     </a:lnB>
                     <a:solidFill>
-                      <a:schemeClr val="accent1">
-                        <a:lumOff val="24117"/>
-                      </a:schemeClr>
+                      <a:srgbClr val="A1B8E1"/>
                     </a:solidFill>
                   </a:tcPr>
                 </a:tc>
@@ -33271,9 +33264,7 @@
                       <a:miter lim="400000"/>
                     </a:lnB>
                     <a:solidFill>
-                      <a:schemeClr val="accent1">
-                        <a:lumOff val="24117"/>
-                      </a:schemeClr>
+                      <a:srgbClr val="A1B8E1"/>
                     </a:solidFill>
                   </a:tcPr>
                 </a:tc>
@@ -33325,9 +33316,7 @@
                       <a:miter lim="400000"/>
                     </a:lnB>
                     <a:solidFill>
-                      <a:schemeClr val="accent1">
-                        <a:lumOff val="24117"/>
-                      </a:schemeClr>
+                      <a:srgbClr val="A1B8E1"/>
                     </a:solidFill>
                   </a:tcPr>
                 </a:tc>
@@ -33379,9 +33368,7 @@
                       <a:miter lim="400000"/>
                     </a:lnB>
                     <a:solidFill>
-                      <a:schemeClr val="accent1">
-                        <a:lumOff val="24117"/>
-                      </a:schemeClr>
+                      <a:srgbClr val="A1B8E1"/>
                     </a:solidFill>
                   </a:tcPr>
                 </a:tc>
@@ -33775,8 +33762,8 @@
           <p:nvPr/>
         </p:nvGraphicFramePr>
         <p:xfrm>
-          <a:off x="4318000" y="2089782"/>
-          <a:ext cx="3048001" cy="190501"/>
+          <a:off x="4318000" y="2089781"/>
+          <a:ext cx="3556000" cy="190501"/>
         </p:xfrm>
         <a:graphic xmlns:a="http://schemas.openxmlformats.org/drawingml/2006/main">
           <a:graphicData uri="http://schemas.openxmlformats.org/drawingml/2006/table">
@@ -33849,9 +33836,7 @@
                       <a:miter lim="400000"/>
                     </a:lnB>
                     <a:solidFill>
-                      <a:schemeClr val="accent1">
-                        <a:lumOff val="24117"/>
-                      </a:schemeClr>
+                      <a:srgbClr val="A1B8E1"/>
                     </a:solidFill>
                   </a:tcPr>
                 </a:tc>
@@ -33903,9 +33888,7 @@
                       <a:miter lim="400000"/>
                     </a:lnB>
                     <a:solidFill>
-                      <a:schemeClr val="accent1">
-                        <a:lumOff val="24117"/>
-                      </a:schemeClr>
+                      <a:srgbClr val="A1B8E1"/>
                     </a:solidFill>
                   </a:tcPr>
                 </a:tc>
@@ -33957,9 +33940,7 @@
                       <a:miter lim="400000"/>
                     </a:lnB>
                     <a:solidFill>
-                      <a:schemeClr val="accent1">
-                        <a:lumOff val="24117"/>
-                      </a:schemeClr>
+                      <a:srgbClr val="A1B8E1"/>
                     </a:solidFill>
                   </a:tcPr>
                 </a:tc>
@@ -34011,9 +33992,7 @@
                       <a:miter lim="400000"/>
                     </a:lnB>
                     <a:solidFill>
-                      <a:schemeClr val="accent1">
-                        <a:lumOff val="24117"/>
-                      </a:schemeClr>
+                      <a:srgbClr val="A1B8E1"/>
                     </a:solidFill>
                   </a:tcPr>
                 </a:tc>
@@ -34065,9 +34044,7 @@
                       <a:miter lim="400000"/>
                     </a:lnB>
                     <a:solidFill>
-                      <a:schemeClr val="accent1">
-                        <a:lumOff val="24117"/>
-                      </a:schemeClr>
+                      <a:srgbClr val="A1B8E1"/>
                     </a:solidFill>
                   </a:tcPr>
                 </a:tc>
@@ -34119,9 +34096,7 @@
                       <a:miter lim="400000"/>
                     </a:lnB>
                     <a:solidFill>
-                      <a:schemeClr val="accent1">
-                        <a:lumOff val="24117"/>
-                      </a:schemeClr>
+                      <a:srgbClr val="A1B8E1"/>
                     </a:solidFill>
                   </a:tcPr>
                 </a:tc>
@@ -34173,9 +34148,7 @@
                       <a:miter lim="400000"/>
                     </a:lnB>
                     <a:solidFill>
-                      <a:schemeClr val="accent1">
-                        <a:lumOff val="24117"/>
-                      </a:schemeClr>
+                      <a:srgbClr val="A1B8E1"/>
                     </a:solidFill>
                   </a:tcPr>
                 </a:tc>
@@ -34569,8 +34542,8 @@
           <p:nvPr/>
         </p:nvGraphicFramePr>
         <p:xfrm>
-          <a:off x="2346078" y="2089782"/>
-          <a:ext cx="1778001" cy="190501"/>
+          <a:off x="2346077" y="2089781"/>
+          <a:ext cx="1778002" cy="190502"/>
         </p:xfrm>
         <a:graphic xmlns:a="http://schemas.openxmlformats.org/drawingml/2006/main">
           <a:graphicData uri="http://schemas.openxmlformats.org/drawingml/2006/table">
@@ -34636,10 +34609,7 @@
                       <a:miter lim="400000"/>
                     </a:lnB>
                     <a:solidFill>
-                      <a:schemeClr val="accent6">
-                        <a:satOff val="-3457"/>
-                        <a:lumOff val="26078"/>
-                      </a:schemeClr>
+                      <a:srgbClr val="B7D6A3"/>
                     </a:solidFill>
                   </a:tcPr>
                 </a:tc>
@@ -34691,10 +34661,7 @@
                       <a:miter lim="400000"/>
                     </a:lnB>
                     <a:solidFill>
-                      <a:schemeClr val="accent6">
-                        <a:satOff val="-3457"/>
-                        <a:lumOff val="26078"/>
-                      </a:schemeClr>
+                      <a:srgbClr val="B7D6A3"/>
                     </a:solidFill>
                   </a:tcPr>
                 </a:tc>
@@ -34746,10 +34713,7 @@
                       <a:miter lim="400000"/>
                     </a:lnB>
                     <a:solidFill>
-                      <a:schemeClr val="accent6">
-                        <a:satOff val="-3457"/>
-                        <a:lumOff val="26078"/>
-                      </a:schemeClr>
+                      <a:srgbClr val="B7D6A3"/>
                     </a:solidFill>
                   </a:tcPr>
                 </a:tc>
@@ -34801,10 +34765,7 @@
                       <a:miter lim="400000"/>
                     </a:lnB>
                     <a:solidFill>
-                      <a:schemeClr val="accent6">
-                        <a:satOff val="-3457"/>
-                        <a:lumOff val="26078"/>
-                      </a:schemeClr>
+                      <a:srgbClr val="B7D6A3"/>
                     </a:solidFill>
                   </a:tcPr>
                 </a:tc>
@@ -34856,10 +34817,7 @@
                       <a:miter lim="400000"/>
                     </a:lnB>
                     <a:solidFill>
-                      <a:schemeClr val="accent6">
-                        <a:satOff val="-3457"/>
-                        <a:lumOff val="26078"/>
-                      </a:schemeClr>
+                      <a:srgbClr val="B7D6A3"/>
                     </a:solidFill>
                   </a:tcPr>
                 </a:tc>
@@ -34911,10 +34869,7 @@
                       <a:miter lim="400000"/>
                     </a:lnB>
                     <a:solidFill>
-                      <a:schemeClr val="accent6">
-                        <a:satOff val="-3457"/>
-                        <a:lumOff val="26078"/>
-                      </a:schemeClr>
+                      <a:srgbClr val="B7D6A3"/>
                     </a:solidFill>
                   </a:tcPr>
                 </a:tc>
@@ -34966,10 +34921,7 @@
                       <a:miter lim="400000"/>
                     </a:lnB>
                     <a:solidFill>
-                      <a:schemeClr val="accent6">
-                        <a:satOff val="-3457"/>
-                        <a:lumOff val="26078"/>
-                      </a:schemeClr>
+                      <a:srgbClr val="B7D6A3"/>
                     </a:solidFill>
                   </a:tcPr>
                 </a:tc>
@@ -34985,8 +34937,8 @@
           <p:nvPr/>
         </p:nvGraphicFramePr>
         <p:xfrm>
-          <a:off x="8061571" y="2089782"/>
-          <a:ext cx="1778001" cy="190501"/>
+          <a:off x="8061570" y="2089781"/>
+          <a:ext cx="1778002" cy="190502"/>
         </p:xfrm>
         <a:graphic xmlns:a="http://schemas.openxmlformats.org/drawingml/2006/main">
           <a:graphicData uri="http://schemas.openxmlformats.org/drawingml/2006/table">
@@ -35389,14 +35341,14 @@
       </p:graphicFrame>
       <p:sp>
         <p:nvSpPr>
-          <p:cNvPr id="595" name="연결선"/>
+          <p:cNvPr id="574" name="연결선"/>
           <p:cNvSpPr/>
           <p:nvPr/>
         </p:nvSpPr>
         <p:spPr>
           <a:xfrm>
-            <a:off x="2138768" y="2156116"/>
-            <a:ext cx="5670298" cy="310677"/>
+            <a:off x="2138768" y="2156120"/>
+            <a:ext cx="5670225" cy="310674"/>
           </a:xfrm>
           <a:custGeom>
             <a:avLst/>
@@ -35438,7 +35390,7 @@
           </a:ln>
         </p:spPr>
         <p:txBody>
-          <a:bodyPr/>
+          <a:bodyPr lIns="45718" tIns="45718" rIns="45718" bIns="45718"/>
           <a:lstStyle/>
           <a:p>
             <a:pPr/>
@@ -35447,14 +35399,14 @@
       </p:sp>
       <p:sp>
         <p:nvSpPr>
-          <p:cNvPr id="596" name="연결선"/>
+          <p:cNvPr id="575" name="연결선"/>
           <p:cNvSpPr/>
           <p:nvPr/>
         </p:nvSpPr>
         <p:spPr>
           <a:xfrm>
-            <a:off x="3721171" y="2465567"/>
-            <a:ext cx="4244442" cy="60004"/>
+            <a:off x="3721229" y="2465566"/>
+            <a:ext cx="4244385" cy="60007"/>
           </a:xfrm>
           <a:custGeom>
             <a:avLst/>
@@ -35495,7 +35447,7 @@
           </a:ln>
         </p:spPr>
         <p:txBody>
-          <a:bodyPr/>
+          <a:bodyPr lIns="45718" tIns="45718" rIns="45718" bIns="45718"/>
           <a:lstStyle/>
           <a:p>
             <a:pPr/>
@@ -35504,14 +35456,14 @@
       </p:sp>
       <p:sp>
         <p:nvSpPr>
-          <p:cNvPr id="597" name="연결선"/>
+          <p:cNvPr id="576" name="연결선"/>
           <p:cNvSpPr/>
           <p:nvPr/>
         </p:nvSpPr>
         <p:spPr>
           <a:xfrm>
-            <a:off x="7964067" y="2196512"/>
-            <a:ext cx="1974093" cy="311770"/>
+            <a:off x="7964067" y="2196507"/>
+            <a:ext cx="1974094" cy="311776"/>
           </a:xfrm>
           <a:custGeom>
             <a:avLst/>
@@ -35553,7 +35505,7 @@
           </a:ln>
         </p:spPr>
         <p:txBody>
-          <a:bodyPr/>
+          <a:bodyPr lIns="45718" tIns="45718" rIns="45718" bIns="45718"/>
           <a:lstStyle/>
           <a:p>
             <a:pPr/>
@@ -35568,7 +35520,7 @@
         </p:nvGraphicFramePr>
         <p:xfrm>
           <a:off x="4375594" y="4392571"/>
-          <a:ext cx="3048001" cy="190501"/>
+          <a:ext cx="3556001" cy="190501"/>
         </p:xfrm>
         <a:graphic xmlns:a="http://schemas.openxmlformats.org/drawingml/2006/main">
           <a:graphicData uri="http://schemas.openxmlformats.org/drawingml/2006/table">
@@ -35641,9 +35593,7 @@
                       <a:miter lim="400000"/>
                     </a:lnB>
                     <a:solidFill>
-                      <a:schemeClr val="accent1">
-                        <a:lumOff val="24117"/>
-                      </a:schemeClr>
+                      <a:srgbClr val="A1B8E1"/>
                     </a:solidFill>
                   </a:tcPr>
                 </a:tc>
@@ -35695,9 +35645,7 @@
                       <a:miter lim="400000"/>
                     </a:lnB>
                     <a:solidFill>
-                      <a:schemeClr val="accent1">
-                        <a:lumOff val="24117"/>
-                      </a:schemeClr>
+                      <a:srgbClr val="A1B8E1"/>
                     </a:solidFill>
                   </a:tcPr>
                 </a:tc>
@@ -35749,9 +35697,7 @@
                       <a:miter lim="400000"/>
                     </a:lnB>
                     <a:solidFill>
-                      <a:schemeClr val="accent1">
-                        <a:lumOff val="24117"/>
-                      </a:schemeClr>
+                      <a:srgbClr val="A1B8E1"/>
                     </a:solidFill>
                   </a:tcPr>
                 </a:tc>
@@ -35803,9 +35749,7 @@
                       <a:miter lim="400000"/>
                     </a:lnB>
                     <a:solidFill>
-                      <a:schemeClr val="accent1">
-                        <a:lumOff val="24117"/>
-                      </a:schemeClr>
+                      <a:srgbClr val="A1B8E1"/>
                     </a:solidFill>
                   </a:tcPr>
                 </a:tc>
@@ -35857,9 +35801,7 @@
                       <a:miter lim="400000"/>
                     </a:lnB>
                     <a:solidFill>
-                      <a:schemeClr val="accent1">
-                        <a:lumOff val="24117"/>
-                      </a:schemeClr>
+                      <a:srgbClr val="A1B8E1"/>
                     </a:solidFill>
                   </a:tcPr>
                 </a:tc>
@@ -35911,9 +35853,7 @@
                       <a:miter lim="400000"/>
                     </a:lnB>
                     <a:solidFill>
-                      <a:schemeClr val="accent1">
-                        <a:lumOff val="24117"/>
-                      </a:schemeClr>
+                      <a:srgbClr val="A1B8E1"/>
                     </a:solidFill>
                   </a:tcPr>
                 </a:tc>
@@ -35965,9 +35905,7 @@
                       <a:miter lim="400000"/>
                     </a:lnB>
                     <a:solidFill>
-                      <a:schemeClr val="accent1">
-                        <a:lumOff val="24117"/>
-                      </a:schemeClr>
+                      <a:srgbClr val="A1B8E1"/>
                     </a:solidFill>
                   </a:tcPr>
                 </a:tc>
@@ -36362,7 +36300,7 @@
         </p:nvGraphicFramePr>
         <p:xfrm>
           <a:off x="4375594" y="4070982"/>
-          <a:ext cx="3048001" cy="190501"/>
+          <a:ext cx="3556001" cy="190501"/>
         </p:xfrm>
         <a:graphic xmlns:a="http://schemas.openxmlformats.org/drawingml/2006/main">
           <a:graphicData uri="http://schemas.openxmlformats.org/drawingml/2006/table">
@@ -36435,9 +36373,7 @@
                       <a:miter lim="400000"/>
                     </a:lnB>
                     <a:solidFill>
-                      <a:schemeClr val="accent1">
-                        <a:lumOff val="24117"/>
-                      </a:schemeClr>
+                      <a:srgbClr val="A1B8E1"/>
                     </a:solidFill>
                   </a:tcPr>
                 </a:tc>
@@ -36489,9 +36425,7 @@
                       <a:miter lim="400000"/>
                     </a:lnB>
                     <a:solidFill>
-                      <a:schemeClr val="accent1">
-                        <a:lumOff val="24117"/>
-                      </a:schemeClr>
+                      <a:srgbClr val="A1B8E1"/>
                     </a:solidFill>
                   </a:tcPr>
                 </a:tc>
@@ -36543,9 +36477,7 @@
                       <a:miter lim="400000"/>
                     </a:lnB>
                     <a:solidFill>
-                      <a:schemeClr val="accent1">
-                        <a:lumOff val="24117"/>
-                      </a:schemeClr>
+                      <a:srgbClr val="A1B8E1"/>
                     </a:solidFill>
                   </a:tcPr>
                 </a:tc>
@@ -36597,9 +36529,7 @@
                       <a:miter lim="400000"/>
                     </a:lnB>
                     <a:solidFill>
-                      <a:schemeClr val="accent1">
-                        <a:lumOff val="24117"/>
-                      </a:schemeClr>
+                      <a:srgbClr val="A1B8E1"/>
                     </a:solidFill>
                   </a:tcPr>
                 </a:tc>
@@ -36651,9 +36581,7 @@
                       <a:miter lim="400000"/>
                     </a:lnB>
                     <a:solidFill>
-                      <a:schemeClr val="accent1">
-                        <a:lumOff val="24117"/>
-                      </a:schemeClr>
+                      <a:srgbClr val="A1B8E1"/>
                     </a:solidFill>
                   </a:tcPr>
                 </a:tc>
@@ -36705,9 +36633,7 @@
                       <a:miter lim="400000"/>
                     </a:lnB>
                     <a:solidFill>
-                      <a:schemeClr val="accent1">
-                        <a:lumOff val="24117"/>
-                      </a:schemeClr>
+                      <a:srgbClr val="A1B8E1"/>
                     </a:solidFill>
                   </a:tcPr>
                 </a:tc>
@@ -36759,9 +36685,7 @@
                       <a:miter lim="400000"/>
                     </a:lnB>
                     <a:solidFill>
-                      <a:schemeClr val="accent1">
-                        <a:lumOff val="24117"/>
-                      </a:schemeClr>
+                      <a:srgbClr val="A1B8E1"/>
                     </a:solidFill>
                   </a:tcPr>
                 </a:tc>
@@ -37156,7 +37080,7 @@
         </p:nvGraphicFramePr>
         <p:xfrm>
           <a:off x="2406848" y="4392571"/>
-          <a:ext cx="1778001" cy="190501"/>
+          <a:ext cx="1778002" cy="190502"/>
         </p:xfrm>
         <a:graphic xmlns:a="http://schemas.openxmlformats.org/drawingml/2006/main">
           <a:graphicData uri="http://schemas.openxmlformats.org/drawingml/2006/table">
@@ -37222,10 +37146,7 @@
                       <a:miter lim="400000"/>
                     </a:lnB>
                     <a:solidFill>
-                      <a:schemeClr val="accent6">
-                        <a:satOff val="-3457"/>
-                        <a:lumOff val="26078"/>
-                      </a:schemeClr>
+                      <a:srgbClr val="B7D6A3"/>
                     </a:solidFill>
                   </a:tcPr>
                 </a:tc>
@@ -37277,10 +37198,7 @@
                       <a:miter lim="400000"/>
                     </a:lnB>
                     <a:solidFill>
-                      <a:schemeClr val="accent6">
-                        <a:satOff val="-3457"/>
-                        <a:lumOff val="26078"/>
-                      </a:schemeClr>
+                      <a:srgbClr val="B7D6A3"/>
                     </a:solidFill>
                   </a:tcPr>
                 </a:tc>
@@ -37332,10 +37250,7 @@
                       <a:miter lim="400000"/>
                     </a:lnB>
                     <a:solidFill>
-                      <a:schemeClr val="accent6">
-                        <a:satOff val="-3457"/>
-                        <a:lumOff val="26078"/>
-                      </a:schemeClr>
+                      <a:srgbClr val="B7D6A3"/>
                     </a:solidFill>
                   </a:tcPr>
                 </a:tc>
@@ -37387,10 +37302,7 @@
                       <a:miter lim="400000"/>
                     </a:lnB>
                     <a:solidFill>
-                      <a:schemeClr val="accent6">
-                        <a:satOff val="-3457"/>
-                        <a:lumOff val="26078"/>
-                      </a:schemeClr>
+                      <a:srgbClr val="B7D6A3"/>
                     </a:solidFill>
                   </a:tcPr>
                 </a:tc>
@@ -37442,10 +37354,7 @@
                       <a:miter lim="400000"/>
                     </a:lnB>
                     <a:solidFill>
-                      <a:schemeClr val="accent6">
-                        <a:satOff val="-3457"/>
-                        <a:lumOff val="26078"/>
-                      </a:schemeClr>
+                      <a:srgbClr val="B7D6A3"/>
                     </a:solidFill>
                   </a:tcPr>
                 </a:tc>
@@ -37497,10 +37406,7 @@
                       <a:miter lim="400000"/>
                     </a:lnB>
                     <a:solidFill>
-                      <a:schemeClr val="accent6">
-                        <a:satOff val="-3457"/>
-                        <a:lumOff val="26078"/>
-                      </a:schemeClr>
+                      <a:srgbClr val="B7D6A3"/>
                     </a:solidFill>
                   </a:tcPr>
                 </a:tc>
@@ -37552,10 +37458,7 @@
                       <a:miter lim="400000"/>
                     </a:lnB>
                     <a:solidFill>
-                      <a:schemeClr val="accent6">
-                        <a:satOff val="-3457"/>
-                        <a:lumOff val="26078"/>
-                      </a:schemeClr>
+                      <a:srgbClr val="B7D6A3"/>
                     </a:solidFill>
                   </a:tcPr>
                 </a:tc>
@@ -37571,8 +37474,8 @@
           <p:nvPr/>
         </p:nvGraphicFramePr>
         <p:xfrm>
-          <a:off x="8122341" y="4392571"/>
-          <a:ext cx="1778001" cy="190501"/>
+          <a:off x="8122340" y="4392571"/>
+          <a:ext cx="1778002" cy="190502"/>
         </p:xfrm>
         <a:graphic xmlns:a="http://schemas.openxmlformats.org/drawingml/2006/main">
           <a:graphicData uri="http://schemas.openxmlformats.org/drawingml/2006/table">
@@ -37975,14 +37878,14 @@
       </p:graphicFrame>
       <p:sp>
         <p:nvSpPr>
-          <p:cNvPr id="598" name="연결선"/>
+          <p:cNvPr id="581" name="연결선"/>
           <p:cNvSpPr/>
           <p:nvPr/>
         </p:nvSpPr>
         <p:spPr>
           <a:xfrm>
-            <a:off x="4114434" y="4318528"/>
-            <a:ext cx="5852258" cy="191341"/>
+            <a:off x="4114366" y="4318527"/>
+            <a:ext cx="5852327" cy="191344"/>
           </a:xfrm>
           <a:custGeom>
             <a:avLst/>
@@ -38023,7 +37926,7 @@
           </a:ln>
         </p:spPr>
         <p:txBody>
-          <a:bodyPr/>
+          <a:bodyPr lIns="45718" tIns="45718" rIns="45718" bIns="45718"/>
           <a:lstStyle/>
           <a:p>
             <a:pPr/>
@@ -38038,7 +37941,7 @@
         </p:nvGraphicFramePr>
         <p:xfrm>
           <a:off x="6155266" y="3755744"/>
-          <a:ext cx="1778001" cy="190501"/>
+          <a:ext cx="1778002" cy="190502"/>
         </p:xfrm>
         <a:graphic xmlns:a="http://schemas.openxmlformats.org/drawingml/2006/main">
           <a:graphicData uri="http://schemas.openxmlformats.org/drawingml/2006/table">
@@ -38441,14 +38344,14 @@
       </p:graphicFrame>
       <p:sp>
         <p:nvSpPr>
-          <p:cNvPr id="599" name="연결선"/>
+          <p:cNvPr id="583" name="연결선"/>
           <p:cNvSpPr/>
           <p:nvPr/>
         </p:nvSpPr>
         <p:spPr>
           <a:xfrm>
-            <a:off x="4346647" y="3842173"/>
-            <a:ext cx="3541389" cy="478490"/>
+            <a:off x="4346647" y="3842161"/>
+            <a:ext cx="3541463" cy="478502"/>
           </a:xfrm>
           <a:custGeom>
             <a:avLst/>
@@ -38490,7 +38393,7 @@
           </a:ln>
         </p:spPr>
         <p:txBody>
-          <a:bodyPr/>
+          <a:bodyPr lIns="45718" tIns="45718" rIns="45718" bIns="45718"/>
           <a:lstStyle/>
           <a:p>
             <a:pPr/>
@@ -38499,14 +38402,14 @@
       </p:sp>
       <p:sp>
         <p:nvSpPr>
-          <p:cNvPr id="600" name="연결선"/>
+          <p:cNvPr id="584" name="연결선"/>
           <p:cNvSpPr/>
           <p:nvPr/>
         </p:nvSpPr>
         <p:spPr>
           <a:xfrm>
-            <a:off x="2165916" y="3933820"/>
-            <a:ext cx="2188891" cy="578759"/>
+            <a:off x="2165916" y="3933819"/>
+            <a:ext cx="2188892" cy="578778"/>
           </a:xfrm>
           <a:custGeom>
             <a:avLst/>
@@ -38528,7 +38431,7 @@
             </a:cxnLst>
             <a:rect l="0" t="0" r="r" b="b"/>
             <a:pathLst>
-              <a:path w="21600" h="19882" fill="norm" stroke="1" extrusionOk="0">
+              <a:path w="21600" h="19883" fill="norm" stroke="1" extrusionOk="0">
                 <a:moveTo>
                   <a:pt x="0" y="19497"/>
                 </a:moveTo>
@@ -38548,7 +38451,7 @@
           </a:ln>
         </p:spPr>
         <p:txBody>
-          <a:bodyPr/>
+          <a:bodyPr lIns="45718" tIns="45718" rIns="45718" bIns="45718"/>
           <a:lstStyle/>
           <a:p>
             <a:pPr/>
@@ -38563,8 +38466,8 @@
         </p:nvSpPr>
         <p:spPr>
           <a:xfrm>
-            <a:off x="8439947" y="2787268"/>
-            <a:ext cx="1021248" cy="1024316"/>
+            <a:off x="8439946" y="2787268"/>
+            <a:ext cx="1021249" cy="1024317"/>
           </a:xfrm>
           <a:custGeom>
             <a:avLst/>
@@ -38949,8 +38852,8 @@
         </p:nvSpPr>
         <p:spPr>
           <a:xfrm>
-            <a:off x="2926353" y="2365653"/>
-            <a:ext cx="673782" cy="281937"/>
+            <a:off x="2926352" y="2365653"/>
+            <a:ext cx="673783" cy="281937"/>
           </a:xfrm>
           <a:prstGeom prst="rect">
             <a:avLst/>
@@ -38989,7 +38892,7 @@
         </p:nvSpPr>
         <p:spPr>
           <a:xfrm>
-            <a:off x="2898188" y="4025264"/>
+            <a:off x="2898188" y="4025263"/>
             <a:ext cx="673782" cy="281937"/>
           </a:xfrm>
           <a:prstGeom prst="rect">
@@ -39029,8 +38932,8 @@
         </p:nvSpPr>
         <p:spPr>
           <a:xfrm>
-            <a:off x="4222750" y="1993900"/>
-            <a:ext cx="3746501" cy="688941"/>
+            <a:off x="4222749" y="1993900"/>
+            <a:ext cx="3746503" cy="688941"/>
           </a:xfrm>
           <a:prstGeom prst="rect">
             <a:avLst/>
@@ -39058,7 +38961,7 @@
         <p:spPr>
           <a:xfrm>
             <a:off x="4280344" y="3661631"/>
-            <a:ext cx="3746501" cy="1009204"/>
+            <a:ext cx="3746502" cy="1009205"/>
           </a:xfrm>
           <a:prstGeom prst="rect">
             <a:avLst/>
@@ -39199,14 +39102,14 @@
       </p:sp>
       <p:sp>
         <p:nvSpPr>
-          <p:cNvPr id="601" name="연결선"/>
+          <p:cNvPr id="593" name="연결선"/>
           <p:cNvSpPr/>
           <p:nvPr/>
         </p:nvSpPr>
         <p:spPr>
           <a:xfrm>
-            <a:off x="9547952" y="2343257"/>
-            <a:ext cx="272115" cy="587550"/>
+            <a:off x="9547952" y="2343256"/>
+            <a:ext cx="272124" cy="587551"/>
           </a:xfrm>
           <a:custGeom>
             <a:avLst/>
@@ -39228,7 +39131,7 @@
             </a:cxnLst>
             <a:rect l="0" t="0" r="r" b="b"/>
             <a:pathLst>
-              <a:path w="20067" h="21600" fill="norm" stroke="1" extrusionOk="0">
+              <a:path w="20068" h="21600" fill="norm" stroke="1" extrusionOk="0">
                 <a:moveTo>
                   <a:pt x="0" y="21600"/>
                 </a:moveTo>
@@ -39248,7 +39151,7 @@
           </a:ln>
         </p:spPr>
         <p:txBody>
-          <a:bodyPr/>
+          <a:bodyPr lIns="45718" tIns="45718" rIns="45718" bIns="45718"/>
           <a:lstStyle/>
           <a:p>
             <a:pPr/>
@@ -39257,14 +39160,14 @@
       </p:sp>
       <p:sp>
         <p:nvSpPr>
-          <p:cNvPr id="602" name="연결선"/>
+          <p:cNvPr id="594" name="연결선"/>
           <p:cNvSpPr/>
           <p:nvPr/>
         </p:nvSpPr>
         <p:spPr>
           <a:xfrm>
-            <a:off x="9574717" y="3676006"/>
-            <a:ext cx="305322" cy="672977"/>
+            <a:off x="9574717" y="3676005"/>
+            <a:ext cx="305323" cy="672978"/>
           </a:xfrm>
           <a:custGeom>
             <a:avLst/>
@@ -39306,10 +39209,426 @@
           </a:ln>
         </p:spPr>
         <p:txBody>
-          <a:bodyPr/>
+          <a:bodyPr lIns="45718" tIns="45718" rIns="45718" bIns="45718"/>
           <a:lstStyle/>
           <a:p>
             <a:pPr/>
+          </a:p>
+        </p:txBody>
+      </p:sp>
+    </p:spTree>
+  </p:cSld>
+  <p:clrMapOvr>
+    <a:masterClrMapping/>
+  </p:clrMapOvr>
+  <p:transition xmlns:p14="http://schemas.microsoft.com/office/powerpoint/2010/main" spd="med" advClick="1"/>
+</p:sld>
+</file>
+
+<file path=ppt/slides/slide24.xml><?xml version="1.0" encoding="utf-8"?>
+<p:sld xmlns:a="http://schemas.openxmlformats.org/drawingml/2006/main" xmlns:r="http://schemas.openxmlformats.org/officeDocument/2006/relationships" xmlns:p="http://schemas.openxmlformats.org/presentationml/2006/main" xmlns:m="http://schemas.openxmlformats.org/officeDocument/2006/math" xmlns:a14="http://schemas.microsoft.com/office/drawing/2010/main" showMasterSp="1" showMasterPhAnim="1">
+  <p:cSld>
+    <p:spTree>
+      <p:nvGrpSpPr>
+        <p:cNvPr id="1" name=""/>
+        <p:cNvGrpSpPr/>
+        <p:nvPr/>
+      </p:nvGrpSpPr>
+      <p:grpSpPr>
+        <a:xfrm>
+          <a:off x="0" y="0"/>
+          <a:ext cx="0" cy="0"/>
+          <a:chOff x="0" y="0"/>
+          <a:chExt cx="0" cy="0"/>
+        </a:xfrm>
+      </p:grpSpPr>
+      <p:sp>
+        <p:nvSpPr>
+          <p:cNvPr id="596" name="실습 파일 읽어 오기"/>
+          <p:cNvSpPr/>
+          <p:nvPr/>
+        </p:nvSpPr>
+        <p:spPr>
+          <a:xfrm>
+            <a:off x="4698280" y="878830"/>
+            <a:ext cx="2795440" cy="629940"/>
+          </a:xfrm>
+          <a:prstGeom prst="rect">
+            <a:avLst/>
+          </a:prstGeom>
+          <a:ln w="25400">
+            <a:solidFill>
+              <a:srgbClr val="00A2FF"/>
+            </a:solidFill>
+            <a:miter lim="400000"/>
+          </a:ln>
+          <a:extLst>
+            <a:ext uri="{C572A759-6A51-4108-AA02-DFA0A04FC94B}">
+              <ma14:wrappingTextBoxFlag xmlns:ma14="http://schemas.microsoft.com/office/mac/drawingml/2011/main" val="1"/>
+            </a:ext>
+          </a:extLst>
+        </p:spPr>
+        <p:txBody>
+          <a:bodyPr lIns="50800" tIns="50800" rIns="50800" bIns="50800" anchor="ctr"/>
+          <a:lstStyle>
+            <a:lvl1pPr algn="ctr" defTabSz="584200">
+              <a:defRPr sz="2200">
+                <a:latin typeface="Helvetica Neue Medium"/>
+                <a:ea typeface="Helvetica Neue Medium"/>
+                <a:cs typeface="Helvetica Neue Medium"/>
+                <a:sym typeface="Helvetica Neue Medium"/>
+              </a:defRPr>
+            </a:lvl1pPr>
+          </a:lstStyle>
+          <a:p>
+            <a:pPr/>
+            <a:r>
+              <a:t>실습 파일 읽어 오기</a:t>
+            </a:r>
+          </a:p>
+        </p:txBody>
+      </p:sp>
+      <p:sp>
+        <p:nvSpPr>
+          <p:cNvPr id="597" name="데이터 전처리"/>
+          <p:cNvSpPr/>
+          <p:nvPr/>
+        </p:nvSpPr>
+        <p:spPr>
+          <a:xfrm>
+            <a:off x="4698280" y="1996430"/>
+            <a:ext cx="2795440" cy="629940"/>
+          </a:xfrm>
+          <a:prstGeom prst="rect">
+            <a:avLst/>
+          </a:prstGeom>
+          <a:ln w="25400">
+            <a:solidFill>
+              <a:srgbClr val="00A2FF"/>
+            </a:solidFill>
+            <a:miter lim="400000"/>
+          </a:ln>
+          <a:extLst>
+            <a:ext uri="{C572A759-6A51-4108-AA02-DFA0A04FC94B}">
+              <ma14:wrappingTextBoxFlag xmlns:ma14="http://schemas.microsoft.com/office/mac/drawingml/2011/main" val="1"/>
+            </a:ext>
+          </a:extLst>
+        </p:spPr>
+        <p:txBody>
+          <a:bodyPr lIns="50800" tIns="50800" rIns="50800" bIns="50800" anchor="ctr"/>
+          <a:lstStyle>
+            <a:lvl1pPr algn="ctr" defTabSz="584200">
+              <a:defRPr sz="2200">
+                <a:latin typeface="Helvetica Neue Medium"/>
+                <a:ea typeface="Helvetica Neue Medium"/>
+                <a:cs typeface="Helvetica Neue Medium"/>
+                <a:sym typeface="Helvetica Neue Medium"/>
+              </a:defRPr>
+            </a:lvl1pPr>
+          </a:lstStyle>
+          <a:p>
+            <a:pPr/>
+            <a:r>
+              <a:t>데이터 전처리</a:t>
+            </a:r>
+          </a:p>
+        </p:txBody>
+      </p:sp>
+      <p:sp>
+        <p:nvSpPr>
+          <p:cNvPr id="598" name="기술 통계량(빈도 분석)"/>
+          <p:cNvSpPr/>
+          <p:nvPr/>
+        </p:nvSpPr>
+        <p:spPr>
+          <a:xfrm>
+            <a:off x="4698280" y="3114030"/>
+            <a:ext cx="2795440" cy="629940"/>
+          </a:xfrm>
+          <a:prstGeom prst="rect">
+            <a:avLst/>
+          </a:prstGeom>
+          <a:ln w="25400">
+            <a:solidFill>
+              <a:srgbClr val="00A2FF"/>
+            </a:solidFill>
+            <a:miter lim="400000"/>
+          </a:ln>
+          <a:extLst>
+            <a:ext uri="{C572A759-6A51-4108-AA02-DFA0A04FC94B}">
+              <ma14:wrappingTextBoxFlag xmlns:ma14="http://schemas.microsoft.com/office/mac/drawingml/2011/main" val="1"/>
+            </a:ext>
+          </a:extLst>
+        </p:spPr>
+        <p:txBody>
+          <a:bodyPr lIns="50800" tIns="50800" rIns="50800" bIns="50800" anchor="ctr"/>
+          <a:lstStyle>
+            <a:lvl1pPr algn="ctr" defTabSz="584200">
+              <a:defRPr sz="2200">
+                <a:latin typeface="Helvetica Neue Medium"/>
+                <a:ea typeface="Helvetica Neue Medium"/>
+                <a:cs typeface="Helvetica Neue Medium"/>
+                <a:sym typeface="Helvetica Neue Medium"/>
+              </a:defRPr>
+            </a:lvl1pPr>
+          </a:lstStyle>
+          <a:p>
+            <a:pPr/>
+            <a:r>
+              <a:t>기술 통계량(빈도 분석)</a:t>
+            </a:r>
+          </a:p>
+        </p:txBody>
+      </p:sp>
+      <p:sp>
+        <p:nvSpPr>
+          <p:cNvPr id="599" name="binom.test()"/>
+          <p:cNvSpPr/>
+          <p:nvPr/>
+        </p:nvSpPr>
+        <p:spPr>
+          <a:xfrm>
+            <a:off x="4698280" y="4231630"/>
+            <a:ext cx="2795440" cy="629940"/>
+          </a:xfrm>
+          <a:prstGeom prst="rect">
+            <a:avLst/>
+          </a:prstGeom>
+          <a:ln w="25400">
+            <a:solidFill>
+              <a:srgbClr val="00A2FF"/>
+            </a:solidFill>
+            <a:miter lim="400000"/>
+          </a:ln>
+          <a:extLst>
+            <a:ext uri="{C572A759-6A51-4108-AA02-DFA0A04FC94B}">
+              <ma14:wrappingTextBoxFlag xmlns:ma14="http://schemas.microsoft.com/office/mac/drawingml/2011/main" val="1"/>
+            </a:ext>
+          </a:extLst>
+        </p:spPr>
+        <p:txBody>
+          <a:bodyPr lIns="50800" tIns="50800" rIns="50800" bIns="50800" anchor="ctr"/>
+          <a:lstStyle>
+            <a:lvl1pPr algn="ctr" defTabSz="584200">
+              <a:defRPr sz="2200">
+                <a:latin typeface="Helvetica Neue Medium"/>
+                <a:ea typeface="Helvetica Neue Medium"/>
+                <a:cs typeface="Helvetica Neue Medium"/>
+                <a:sym typeface="Helvetica Neue Medium"/>
+              </a:defRPr>
+            </a:lvl1pPr>
+          </a:lstStyle>
+          <a:p>
+            <a:pPr/>
+            <a:r>
+              <a:t>binom.test()</a:t>
+            </a:r>
+          </a:p>
+        </p:txBody>
+      </p:sp>
+      <p:sp>
+        <p:nvSpPr>
+          <p:cNvPr id="600" name="검정 통계량 분석"/>
+          <p:cNvSpPr/>
+          <p:nvPr/>
+        </p:nvSpPr>
+        <p:spPr>
+          <a:xfrm>
+            <a:off x="4698280" y="5349230"/>
+            <a:ext cx="2795440" cy="629940"/>
+          </a:xfrm>
+          <a:prstGeom prst="rect">
+            <a:avLst/>
+          </a:prstGeom>
+          <a:ln w="25400">
+            <a:solidFill>
+              <a:srgbClr val="00A2FF"/>
+            </a:solidFill>
+            <a:miter lim="400000"/>
+          </a:ln>
+          <a:extLst>
+            <a:ext uri="{C572A759-6A51-4108-AA02-DFA0A04FC94B}">
+              <ma14:wrappingTextBoxFlag xmlns:ma14="http://schemas.microsoft.com/office/mac/drawingml/2011/main" val="1"/>
+            </a:ext>
+          </a:extLst>
+        </p:spPr>
+        <p:txBody>
+          <a:bodyPr lIns="50800" tIns="50800" rIns="50800" bIns="50800" anchor="ctr"/>
+          <a:lstStyle>
+            <a:lvl1pPr algn="ctr" defTabSz="584200">
+              <a:defRPr sz="2200">
+                <a:latin typeface="Helvetica Neue Medium"/>
+                <a:ea typeface="Helvetica Neue Medium"/>
+                <a:cs typeface="Helvetica Neue Medium"/>
+                <a:sym typeface="Helvetica Neue Medium"/>
+              </a:defRPr>
+            </a:lvl1pPr>
+          </a:lstStyle>
+          <a:p>
+            <a:pPr/>
+            <a:r>
+              <a:t>검정 통계량 분석</a:t>
+            </a:r>
+          </a:p>
+        </p:txBody>
+      </p:sp>
+      <p:sp>
+        <p:nvSpPr>
+          <p:cNvPr id="601" name="선"/>
+          <p:cNvSpPr/>
+          <p:nvPr/>
+        </p:nvSpPr>
+        <p:spPr>
+          <a:xfrm>
+            <a:off x="6096000" y="1521469"/>
+            <a:ext cx="0" cy="462262"/>
+          </a:xfrm>
+          <a:prstGeom prst="line">
+            <a:avLst/>
+          </a:prstGeom>
+          <a:ln w="25400">
+            <a:solidFill>
+              <a:srgbClr val="00A2FF"/>
+            </a:solidFill>
+            <a:miter lim="400000"/>
+            <a:tailEnd type="triangle"/>
+          </a:ln>
+        </p:spPr>
+        <p:txBody>
+          <a:bodyPr lIns="50800" tIns="50800" rIns="50800" bIns="50800" anchor="ctr"/>
+          <a:lstStyle/>
+          <a:p>
+            <a:pPr algn="ctr" defTabSz="584200">
+              <a:defRPr sz="2200">
+                <a:solidFill>
+                  <a:srgbClr val="FFFFFF"/>
+                </a:solidFill>
+                <a:latin typeface="Helvetica Neue Medium"/>
+                <a:ea typeface="Helvetica Neue Medium"/>
+                <a:cs typeface="Helvetica Neue Medium"/>
+                <a:sym typeface="Helvetica Neue Medium"/>
+              </a:defRPr>
+            </a:pPr>
+          </a:p>
+        </p:txBody>
+      </p:sp>
+      <p:sp>
+        <p:nvSpPr>
+          <p:cNvPr id="602" name="선"/>
+          <p:cNvSpPr/>
+          <p:nvPr/>
+        </p:nvSpPr>
+        <p:spPr>
+          <a:xfrm>
+            <a:off x="6096000" y="2639069"/>
+            <a:ext cx="0" cy="462262"/>
+          </a:xfrm>
+          <a:prstGeom prst="line">
+            <a:avLst/>
+          </a:prstGeom>
+          <a:ln w="25400">
+            <a:solidFill>
+              <a:srgbClr val="00A2FF"/>
+            </a:solidFill>
+            <a:miter lim="400000"/>
+            <a:tailEnd type="triangle"/>
+          </a:ln>
+        </p:spPr>
+        <p:txBody>
+          <a:bodyPr lIns="50800" tIns="50800" rIns="50800" bIns="50800" anchor="ctr"/>
+          <a:lstStyle/>
+          <a:p>
+            <a:pPr algn="ctr" defTabSz="584200">
+              <a:defRPr sz="2200">
+                <a:solidFill>
+                  <a:srgbClr val="FFFFFF"/>
+                </a:solidFill>
+                <a:latin typeface="Helvetica Neue Medium"/>
+                <a:ea typeface="Helvetica Neue Medium"/>
+                <a:cs typeface="Helvetica Neue Medium"/>
+                <a:sym typeface="Helvetica Neue Medium"/>
+              </a:defRPr>
+            </a:pPr>
+          </a:p>
+        </p:txBody>
+      </p:sp>
+      <p:sp>
+        <p:nvSpPr>
+          <p:cNvPr id="603" name="선"/>
+          <p:cNvSpPr/>
+          <p:nvPr/>
+        </p:nvSpPr>
+        <p:spPr>
+          <a:xfrm>
+            <a:off x="6096000" y="3756669"/>
+            <a:ext cx="0" cy="462262"/>
+          </a:xfrm>
+          <a:prstGeom prst="line">
+            <a:avLst/>
+          </a:prstGeom>
+          <a:ln w="25400">
+            <a:solidFill>
+              <a:srgbClr val="00A2FF"/>
+            </a:solidFill>
+            <a:miter lim="400000"/>
+            <a:tailEnd type="triangle"/>
+          </a:ln>
+        </p:spPr>
+        <p:txBody>
+          <a:bodyPr lIns="50800" tIns="50800" rIns="50800" bIns="50800" anchor="ctr"/>
+          <a:lstStyle/>
+          <a:p>
+            <a:pPr algn="ctr" defTabSz="584200">
+              <a:defRPr sz="2200">
+                <a:solidFill>
+                  <a:srgbClr val="FFFFFF"/>
+                </a:solidFill>
+                <a:latin typeface="Helvetica Neue Medium"/>
+                <a:ea typeface="Helvetica Neue Medium"/>
+                <a:cs typeface="Helvetica Neue Medium"/>
+                <a:sym typeface="Helvetica Neue Medium"/>
+              </a:defRPr>
+            </a:pPr>
+          </a:p>
+        </p:txBody>
+      </p:sp>
+      <p:sp>
+        <p:nvSpPr>
+          <p:cNvPr id="604" name="선"/>
+          <p:cNvSpPr/>
+          <p:nvPr/>
+        </p:nvSpPr>
+        <p:spPr>
+          <a:xfrm>
+            <a:off x="6096000" y="4874269"/>
+            <a:ext cx="0" cy="462262"/>
+          </a:xfrm>
+          <a:prstGeom prst="line">
+            <a:avLst/>
+          </a:prstGeom>
+          <a:ln w="25400">
+            <a:solidFill>
+              <a:srgbClr val="00A2FF"/>
+            </a:solidFill>
+            <a:miter lim="400000"/>
+            <a:tailEnd type="triangle"/>
+          </a:ln>
+        </p:spPr>
+        <p:txBody>
+          <a:bodyPr lIns="50800" tIns="50800" rIns="50800" bIns="50800" anchor="ctr"/>
+          <a:lstStyle/>
+          <a:p>
+            <a:pPr algn="ctr" defTabSz="584200">
+              <a:defRPr sz="2200">
+                <a:solidFill>
+                  <a:srgbClr val="FFFFFF"/>
+                </a:solidFill>
+                <a:latin typeface="Helvetica Neue Medium"/>
+                <a:ea typeface="Helvetica Neue Medium"/>
+                <a:cs typeface="Helvetica Neue Medium"/>
+                <a:sym typeface="Helvetica Neue Medium"/>
+              </a:defRPr>
+            </a:pPr>
           </a:p>
         </p:txBody>
       </p:sp>
@@ -48192,7 +48511,7 @@
         </p:nvGraphicFramePr>
         <p:xfrm>
           <a:off x="6207795" y="1858853"/>
-          <a:ext cx="1672439" cy="697236"/>
+          <a:ext cx="1672440" cy="697236"/>
         </p:xfrm>
         <a:graphic xmlns:a="http://schemas.openxmlformats.org/drawingml/2006/main">
           <a:graphicData uri="http://schemas.openxmlformats.org/drawingml/2006/table">
@@ -48400,14 +48719,14 @@
     </a:clrScheme>
     <a:fontScheme name="Office 테마">
       <a:majorFont>
+        <a:latin typeface="Helvetica"/>
+        <a:ea typeface="Helvetica"/>
+        <a:cs typeface="Helvetica"/>
+      </a:majorFont>
+      <a:minorFont>
         <a:latin typeface="맑은 고딕"/>
         <a:ea typeface="맑은 고딕"/>
         <a:cs typeface="맑은 고딕"/>
-      </a:majorFont>
-      <a:minorFont>
-        <a:latin typeface="Helvetica"/>
-        <a:ea typeface="Helvetica"/>
-        <a:cs typeface="Helvetica"/>
       </a:minorFont>
     </a:fontScheme>
     <a:fmtScheme name="Office 테마">
@@ -48588,9 +48907,9 @@
             </a:solidFill>
             <a:effectLst/>
             <a:uFillTx/>
-            <a:latin typeface="+mn-lt"/>
-            <a:ea typeface="+mn-ea"/>
-            <a:cs typeface="+mn-cs"/>
+            <a:latin typeface="+mj-lt"/>
+            <a:ea typeface="+mj-ea"/>
+            <a:cs typeface="+mj-cs"/>
             <a:sym typeface="Helvetica"/>
           </a:defRPr>
         </a:defPPr>
@@ -49159,9 +49478,9 @@
             </a:solidFill>
             <a:effectLst/>
             <a:uFillTx/>
-            <a:latin typeface="+mn-lt"/>
-            <a:ea typeface="+mn-ea"/>
-            <a:cs typeface="+mn-cs"/>
+            <a:latin typeface="+mj-lt"/>
+            <a:ea typeface="+mj-ea"/>
+            <a:cs typeface="+mj-cs"/>
             <a:sym typeface="Helvetica"/>
           </a:defRPr>
         </a:defPPr>
@@ -49454,14 +49773,14 @@
     </a:clrScheme>
     <a:fontScheme name="Office 테마">
       <a:majorFont>
+        <a:latin typeface="Helvetica"/>
+        <a:ea typeface="Helvetica"/>
+        <a:cs typeface="Helvetica"/>
+      </a:majorFont>
+      <a:minorFont>
         <a:latin typeface="맑은 고딕"/>
         <a:ea typeface="맑은 고딕"/>
         <a:cs typeface="맑은 고딕"/>
-      </a:majorFont>
-      <a:minorFont>
-        <a:latin typeface="Helvetica"/>
-        <a:ea typeface="Helvetica"/>
-        <a:cs typeface="Helvetica"/>
       </a:minorFont>
     </a:fontScheme>
     <a:fmtScheme name="Office 테마">
@@ -49642,9 +49961,9 @@
             </a:solidFill>
             <a:effectLst/>
             <a:uFillTx/>
-            <a:latin typeface="+mn-lt"/>
-            <a:ea typeface="+mn-ea"/>
-            <a:cs typeface="+mn-cs"/>
+            <a:latin typeface="+mj-lt"/>
+            <a:ea typeface="+mj-ea"/>
+            <a:cs typeface="+mj-cs"/>
             <a:sym typeface="Helvetica"/>
           </a:defRPr>
         </a:defPPr>
@@ -50213,9 +50532,9 @@
             </a:solidFill>
             <a:effectLst/>
             <a:uFillTx/>
-            <a:latin typeface="+mn-lt"/>
-            <a:ea typeface="+mn-ea"/>
-            <a:cs typeface="+mn-cs"/>
+            <a:latin typeface="+mj-lt"/>
+            <a:ea typeface="+mj-ea"/>
+            <a:cs typeface="+mj-cs"/>
             <a:sym typeface="Helvetica"/>
           </a:defRPr>
         </a:defPPr>

--- a/assets/form/matrix.pptx
+++ b/assets/form/matrix.pptx
@@ -33,6 +33,7 @@
     <p:sldId id="278" r:id="rId30"/>
     <p:sldId id="279" r:id="rId31"/>
     <p:sldId id="280" r:id="rId32"/>
+    <p:sldId id="281" r:id="rId33"/>
   </p:sldIdLst>
   <p:sldSz cx="12192000" cy="6858000"/>
   <p:notesSz cx="6858000" cy="9144000"/>
@@ -87,9 +88,9 @@
         </a:solidFill>
         <a:effectLst/>
         <a:uFillTx/>
-        <a:latin typeface="+mn-lt"/>
-        <a:ea typeface="+mn-ea"/>
-        <a:cs typeface="+mn-cs"/>
+        <a:latin typeface="+mj-lt"/>
+        <a:ea typeface="+mj-ea"/>
+        <a:cs typeface="+mj-cs"/>
         <a:sym typeface="맑은 고딕"/>
       </a:defRPr>
     </a:lvl1pPr>
@@ -117,9 +118,9 @@
         </a:solidFill>
         <a:effectLst/>
         <a:uFillTx/>
-        <a:latin typeface="+mn-lt"/>
-        <a:ea typeface="+mn-ea"/>
-        <a:cs typeface="+mn-cs"/>
+        <a:latin typeface="+mj-lt"/>
+        <a:ea typeface="+mj-ea"/>
+        <a:cs typeface="+mj-cs"/>
         <a:sym typeface="맑은 고딕"/>
       </a:defRPr>
     </a:lvl2pPr>
@@ -147,9 +148,9 @@
         </a:solidFill>
         <a:effectLst/>
         <a:uFillTx/>
-        <a:latin typeface="+mn-lt"/>
-        <a:ea typeface="+mn-ea"/>
-        <a:cs typeface="+mn-cs"/>
+        <a:latin typeface="+mj-lt"/>
+        <a:ea typeface="+mj-ea"/>
+        <a:cs typeface="+mj-cs"/>
         <a:sym typeface="맑은 고딕"/>
       </a:defRPr>
     </a:lvl3pPr>
@@ -177,9 +178,9 @@
         </a:solidFill>
         <a:effectLst/>
         <a:uFillTx/>
-        <a:latin typeface="+mn-lt"/>
-        <a:ea typeface="+mn-ea"/>
-        <a:cs typeface="+mn-cs"/>
+        <a:latin typeface="+mj-lt"/>
+        <a:ea typeface="+mj-ea"/>
+        <a:cs typeface="+mj-cs"/>
         <a:sym typeface="맑은 고딕"/>
       </a:defRPr>
     </a:lvl4pPr>
@@ -207,9 +208,9 @@
         </a:solidFill>
         <a:effectLst/>
         <a:uFillTx/>
-        <a:latin typeface="+mn-lt"/>
-        <a:ea typeface="+mn-ea"/>
-        <a:cs typeface="+mn-cs"/>
+        <a:latin typeface="+mj-lt"/>
+        <a:ea typeface="+mj-ea"/>
+        <a:cs typeface="+mj-cs"/>
         <a:sym typeface="맑은 고딕"/>
       </a:defRPr>
     </a:lvl5pPr>
@@ -237,9 +238,9 @@
         </a:solidFill>
         <a:effectLst/>
         <a:uFillTx/>
-        <a:latin typeface="+mn-lt"/>
-        <a:ea typeface="+mn-ea"/>
-        <a:cs typeface="+mn-cs"/>
+        <a:latin typeface="+mj-lt"/>
+        <a:ea typeface="+mj-ea"/>
+        <a:cs typeface="+mj-cs"/>
         <a:sym typeface="맑은 고딕"/>
       </a:defRPr>
     </a:lvl6pPr>
@@ -267,9 +268,9 @@
         </a:solidFill>
         <a:effectLst/>
         <a:uFillTx/>
-        <a:latin typeface="+mn-lt"/>
-        <a:ea typeface="+mn-ea"/>
-        <a:cs typeface="+mn-cs"/>
+        <a:latin typeface="+mj-lt"/>
+        <a:ea typeface="+mj-ea"/>
+        <a:cs typeface="+mj-cs"/>
         <a:sym typeface="맑은 고딕"/>
       </a:defRPr>
     </a:lvl7pPr>
@@ -297,9 +298,9 @@
         </a:solidFill>
         <a:effectLst/>
         <a:uFillTx/>
-        <a:latin typeface="+mn-lt"/>
-        <a:ea typeface="+mn-ea"/>
-        <a:cs typeface="+mn-cs"/>
+        <a:latin typeface="+mj-lt"/>
+        <a:ea typeface="+mj-ea"/>
+        <a:cs typeface="+mj-cs"/>
         <a:sym typeface="맑은 고딕"/>
       </a:defRPr>
     </a:lvl8pPr>
@@ -327,9 +328,9 @@
         </a:solidFill>
         <a:effectLst/>
         <a:uFillTx/>
-        <a:latin typeface="+mn-lt"/>
-        <a:ea typeface="+mn-ea"/>
-        <a:cs typeface="+mn-cs"/>
+        <a:latin typeface="+mj-lt"/>
+        <a:ea typeface="+mj-ea"/>
+        <a:cs typeface="+mj-cs"/>
         <a:sym typeface="맑은 고딕"/>
       </a:defRPr>
     </a:lvl9pPr>
@@ -414,73 +415,73 @@
   <p:notesStyle>
     <a:lvl1pPr latinLnBrk="0">
       <a:defRPr sz="1200">
-        <a:latin typeface="+mn-lt"/>
-        <a:ea typeface="+mn-ea"/>
-        <a:cs typeface="+mn-cs"/>
+        <a:latin typeface="+mj-lt"/>
+        <a:ea typeface="+mj-ea"/>
+        <a:cs typeface="+mj-cs"/>
         <a:sym typeface="맑은 고딕"/>
       </a:defRPr>
     </a:lvl1pPr>
     <a:lvl2pPr indent="228600" latinLnBrk="0">
       <a:defRPr sz="1200">
-        <a:latin typeface="+mn-lt"/>
-        <a:ea typeface="+mn-ea"/>
-        <a:cs typeface="+mn-cs"/>
+        <a:latin typeface="+mj-lt"/>
+        <a:ea typeface="+mj-ea"/>
+        <a:cs typeface="+mj-cs"/>
         <a:sym typeface="맑은 고딕"/>
       </a:defRPr>
     </a:lvl2pPr>
     <a:lvl3pPr indent="457200" latinLnBrk="0">
       <a:defRPr sz="1200">
-        <a:latin typeface="+mn-lt"/>
-        <a:ea typeface="+mn-ea"/>
-        <a:cs typeface="+mn-cs"/>
+        <a:latin typeface="+mj-lt"/>
+        <a:ea typeface="+mj-ea"/>
+        <a:cs typeface="+mj-cs"/>
         <a:sym typeface="맑은 고딕"/>
       </a:defRPr>
     </a:lvl3pPr>
     <a:lvl4pPr indent="685800" latinLnBrk="0">
       <a:defRPr sz="1200">
-        <a:latin typeface="+mn-lt"/>
-        <a:ea typeface="+mn-ea"/>
-        <a:cs typeface="+mn-cs"/>
+        <a:latin typeface="+mj-lt"/>
+        <a:ea typeface="+mj-ea"/>
+        <a:cs typeface="+mj-cs"/>
         <a:sym typeface="맑은 고딕"/>
       </a:defRPr>
     </a:lvl4pPr>
     <a:lvl5pPr indent="914400" latinLnBrk="0">
       <a:defRPr sz="1200">
-        <a:latin typeface="+mn-lt"/>
-        <a:ea typeface="+mn-ea"/>
-        <a:cs typeface="+mn-cs"/>
+        <a:latin typeface="+mj-lt"/>
+        <a:ea typeface="+mj-ea"/>
+        <a:cs typeface="+mj-cs"/>
         <a:sym typeface="맑은 고딕"/>
       </a:defRPr>
     </a:lvl5pPr>
     <a:lvl6pPr indent="1143000" latinLnBrk="0">
       <a:defRPr sz="1200">
-        <a:latin typeface="+mn-lt"/>
-        <a:ea typeface="+mn-ea"/>
-        <a:cs typeface="+mn-cs"/>
+        <a:latin typeface="+mj-lt"/>
+        <a:ea typeface="+mj-ea"/>
+        <a:cs typeface="+mj-cs"/>
         <a:sym typeface="맑은 고딕"/>
       </a:defRPr>
     </a:lvl6pPr>
     <a:lvl7pPr indent="1371600" latinLnBrk="0">
       <a:defRPr sz="1200">
-        <a:latin typeface="+mn-lt"/>
-        <a:ea typeface="+mn-ea"/>
-        <a:cs typeface="+mn-cs"/>
+        <a:latin typeface="+mj-lt"/>
+        <a:ea typeface="+mj-ea"/>
+        <a:cs typeface="+mj-cs"/>
         <a:sym typeface="맑은 고딕"/>
       </a:defRPr>
     </a:lvl7pPr>
     <a:lvl8pPr indent="1600200" latinLnBrk="0">
       <a:defRPr sz="1200">
-        <a:latin typeface="+mn-lt"/>
-        <a:ea typeface="+mn-ea"/>
-        <a:cs typeface="+mn-cs"/>
+        <a:latin typeface="+mj-lt"/>
+        <a:ea typeface="+mj-ea"/>
+        <a:cs typeface="+mj-cs"/>
         <a:sym typeface="맑은 고딕"/>
       </a:defRPr>
     </a:lvl8pPr>
     <a:lvl9pPr indent="1828800" latinLnBrk="0">
       <a:defRPr sz="1200">
-        <a:latin typeface="+mn-lt"/>
-        <a:ea typeface="+mn-ea"/>
-        <a:cs typeface="+mn-cs"/>
+        <a:latin typeface="+mj-lt"/>
+        <a:ea typeface="+mj-ea"/>
+        <a:cs typeface="+mj-cs"/>
         <a:sym typeface="맑은 고딕"/>
       </a:defRPr>
     </a:lvl9pPr>
@@ -548,7 +549,7 @@
         <p:spPr>
           <a:xfrm>
             <a:off x="1524000" y="3602037"/>
-            <a:ext cx="9144000" cy="1655777"/>
+            <a:ext cx="9144000" cy="1655778"/>
           </a:xfrm>
           <a:prstGeom prst="rect">
             <a:avLst/>
@@ -831,7 +832,7 @@
         <p:spPr>
           <a:xfrm>
             <a:off x="831850" y="4589462"/>
-            <a:ext cx="10515600" cy="1500202"/>
+            <a:ext cx="10515600" cy="1500203"/>
           </a:xfrm>
           <a:prstGeom prst="rect">
             <a:avLst/>
@@ -1134,7 +1135,7 @@
         <p:spPr>
           <a:xfrm>
             <a:off x="839787" y="1681163"/>
-            <a:ext cx="5157790" cy="823927"/>
+            <a:ext cx="5157790" cy="823928"/>
           </a:xfrm>
           <a:prstGeom prst="rect">
             <a:avLst/>
@@ -1227,14 +1228,7 @@
           <a:bodyPr anchor="b"/>
           <a:lstStyle/>
           <a:p>
-            <a:pPr>
-              <a:defRPr>
-                <a:latin typeface="나눔고딕"/>
-                <a:ea typeface="나눔고딕"/>
-                <a:cs typeface="나눔고딕"/>
-                <a:sym typeface="나눔고딕"/>
-              </a:defRPr>
-            </a:pPr>
+            <a:pPr/>
           </a:p>
         </p:txBody>
       </p:sp>
@@ -1516,8 +1510,8 @@
         </p:nvSpPr>
         <p:spPr>
           <a:xfrm>
-            <a:off x="839777" y="2057400"/>
-            <a:ext cx="3932261" cy="3811588"/>
+            <a:off x="839776" y="2057400"/>
+            <a:ext cx="3932263" cy="3811588"/>
           </a:xfrm>
           <a:prstGeom prst="rect">
             <a:avLst/>
@@ -1527,14 +1521,7 @@
           <a:bodyPr/>
           <a:lstStyle/>
           <a:p>
-            <a:pPr>
-              <a:defRPr>
-                <a:latin typeface="나눔고딕"/>
-                <a:ea typeface="나눔고딕"/>
-                <a:cs typeface="나눔고딕"/>
-                <a:sym typeface="나눔고딕"/>
-              </a:defRPr>
-            </a:pPr>
+            <a:pPr/>
           </a:p>
         </p:txBody>
       </p:sp>
@@ -1959,9 +1946,9 @@
             <a:srgbClr val="000000"/>
           </a:solidFill>
           <a:uFillTx/>
-          <a:latin typeface="+mn-lt"/>
-          <a:ea typeface="+mn-ea"/>
-          <a:cs typeface="+mn-cs"/>
+          <a:latin typeface="+mj-lt"/>
+          <a:ea typeface="+mj-ea"/>
+          <a:cs typeface="+mj-cs"/>
           <a:sym typeface="맑은 고딕"/>
         </a:defRPr>
       </a:lvl1pPr>
@@ -1985,9 +1972,9 @@
             <a:srgbClr val="000000"/>
           </a:solidFill>
           <a:uFillTx/>
-          <a:latin typeface="+mn-lt"/>
-          <a:ea typeface="+mn-ea"/>
-          <a:cs typeface="+mn-cs"/>
+          <a:latin typeface="+mj-lt"/>
+          <a:ea typeface="+mj-ea"/>
+          <a:cs typeface="+mj-cs"/>
           <a:sym typeface="맑은 고딕"/>
         </a:defRPr>
       </a:lvl2pPr>
@@ -2011,9 +1998,9 @@
             <a:srgbClr val="000000"/>
           </a:solidFill>
           <a:uFillTx/>
-          <a:latin typeface="+mn-lt"/>
-          <a:ea typeface="+mn-ea"/>
-          <a:cs typeface="+mn-cs"/>
+          <a:latin typeface="+mj-lt"/>
+          <a:ea typeface="+mj-ea"/>
+          <a:cs typeface="+mj-cs"/>
           <a:sym typeface="맑은 고딕"/>
         </a:defRPr>
       </a:lvl3pPr>
@@ -2037,9 +2024,9 @@
             <a:srgbClr val="000000"/>
           </a:solidFill>
           <a:uFillTx/>
-          <a:latin typeface="+mn-lt"/>
-          <a:ea typeface="+mn-ea"/>
-          <a:cs typeface="+mn-cs"/>
+          <a:latin typeface="+mj-lt"/>
+          <a:ea typeface="+mj-ea"/>
+          <a:cs typeface="+mj-cs"/>
           <a:sym typeface="맑은 고딕"/>
         </a:defRPr>
       </a:lvl4pPr>
@@ -2063,9 +2050,9 @@
             <a:srgbClr val="000000"/>
           </a:solidFill>
           <a:uFillTx/>
-          <a:latin typeface="+mn-lt"/>
-          <a:ea typeface="+mn-ea"/>
-          <a:cs typeface="+mn-cs"/>
+          <a:latin typeface="+mj-lt"/>
+          <a:ea typeface="+mj-ea"/>
+          <a:cs typeface="+mj-cs"/>
           <a:sym typeface="맑은 고딕"/>
         </a:defRPr>
       </a:lvl5pPr>
@@ -2089,9 +2076,9 @@
             <a:srgbClr val="000000"/>
           </a:solidFill>
           <a:uFillTx/>
-          <a:latin typeface="+mn-lt"/>
-          <a:ea typeface="+mn-ea"/>
-          <a:cs typeface="+mn-cs"/>
+          <a:latin typeface="+mj-lt"/>
+          <a:ea typeface="+mj-ea"/>
+          <a:cs typeface="+mj-cs"/>
           <a:sym typeface="맑은 고딕"/>
         </a:defRPr>
       </a:lvl6pPr>
@@ -2115,9 +2102,9 @@
             <a:srgbClr val="000000"/>
           </a:solidFill>
           <a:uFillTx/>
-          <a:latin typeface="+mn-lt"/>
-          <a:ea typeface="+mn-ea"/>
-          <a:cs typeface="+mn-cs"/>
+          <a:latin typeface="+mj-lt"/>
+          <a:ea typeface="+mj-ea"/>
+          <a:cs typeface="+mj-cs"/>
           <a:sym typeface="맑은 고딕"/>
         </a:defRPr>
       </a:lvl7pPr>
@@ -2141,9 +2128,9 @@
             <a:srgbClr val="000000"/>
           </a:solidFill>
           <a:uFillTx/>
-          <a:latin typeface="+mn-lt"/>
-          <a:ea typeface="+mn-ea"/>
-          <a:cs typeface="+mn-cs"/>
+          <a:latin typeface="+mj-lt"/>
+          <a:ea typeface="+mj-ea"/>
+          <a:cs typeface="+mj-cs"/>
           <a:sym typeface="맑은 고딕"/>
         </a:defRPr>
       </a:lvl8pPr>
@@ -2167,9 +2154,9 @@
             <a:srgbClr val="000000"/>
           </a:solidFill>
           <a:uFillTx/>
-          <a:latin typeface="+mn-lt"/>
-          <a:ea typeface="+mn-ea"/>
-          <a:cs typeface="+mn-cs"/>
+          <a:latin typeface="+mj-lt"/>
+          <a:ea typeface="+mj-ea"/>
+          <a:cs typeface="+mj-cs"/>
           <a:sym typeface="맑은 고딕"/>
         </a:defRPr>
       </a:lvl9pPr>
@@ -2195,9 +2182,9 @@
             <a:srgbClr val="000000"/>
           </a:solidFill>
           <a:uFillTx/>
-          <a:latin typeface="+mn-lt"/>
-          <a:ea typeface="+mn-ea"/>
-          <a:cs typeface="+mn-cs"/>
+          <a:latin typeface="+mj-lt"/>
+          <a:ea typeface="+mj-ea"/>
+          <a:cs typeface="+mj-cs"/>
           <a:sym typeface="맑은 고딕"/>
         </a:defRPr>
       </a:lvl1pPr>
@@ -2221,9 +2208,9 @@
             <a:srgbClr val="000000"/>
           </a:solidFill>
           <a:uFillTx/>
-          <a:latin typeface="+mn-lt"/>
-          <a:ea typeface="+mn-ea"/>
-          <a:cs typeface="+mn-cs"/>
+          <a:latin typeface="+mj-lt"/>
+          <a:ea typeface="+mj-ea"/>
+          <a:cs typeface="+mj-cs"/>
           <a:sym typeface="맑은 고딕"/>
         </a:defRPr>
       </a:lvl2pPr>
@@ -2247,9 +2234,9 @@
             <a:srgbClr val="000000"/>
           </a:solidFill>
           <a:uFillTx/>
-          <a:latin typeface="+mn-lt"/>
-          <a:ea typeface="+mn-ea"/>
-          <a:cs typeface="+mn-cs"/>
+          <a:latin typeface="+mj-lt"/>
+          <a:ea typeface="+mj-ea"/>
+          <a:cs typeface="+mj-cs"/>
           <a:sym typeface="맑은 고딕"/>
         </a:defRPr>
       </a:lvl3pPr>
@@ -2273,9 +2260,9 @@
             <a:srgbClr val="000000"/>
           </a:solidFill>
           <a:uFillTx/>
-          <a:latin typeface="+mn-lt"/>
-          <a:ea typeface="+mn-ea"/>
-          <a:cs typeface="+mn-cs"/>
+          <a:latin typeface="+mj-lt"/>
+          <a:ea typeface="+mj-ea"/>
+          <a:cs typeface="+mj-cs"/>
           <a:sym typeface="맑은 고딕"/>
         </a:defRPr>
       </a:lvl4pPr>
@@ -2299,9 +2286,9 @@
             <a:srgbClr val="000000"/>
           </a:solidFill>
           <a:uFillTx/>
-          <a:latin typeface="+mn-lt"/>
-          <a:ea typeface="+mn-ea"/>
-          <a:cs typeface="+mn-cs"/>
+          <a:latin typeface="+mj-lt"/>
+          <a:ea typeface="+mj-ea"/>
+          <a:cs typeface="+mj-cs"/>
           <a:sym typeface="맑은 고딕"/>
         </a:defRPr>
       </a:lvl5pPr>
@@ -2325,9 +2312,9 @@
             <a:srgbClr val="000000"/>
           </a:solidFill>
           <a:uFillTx/>
-          <a:latin typeface="+mn-lt"/>
-          <a:ea typeface="+mn-ea"/>
-          <a:cs typeface="+mn-cs"/>
+          <a:latin typeface="+mj-lt"/>
+          <a:ea typeface="+mj-ea"/>
+          <a:cs typeface="+mj-cs"/>
           <a:sym typeface="맑은 고딕"/>
         </a:defRPr>
       </a:lvl6pPr>
@@ -2351,9 +2338,9 @@
             <a:srgbClr val="000000"/>
           </a:solidFill>
           <a:uFillTx/>
-          <a:latin typeface="+mn-lt"/>
-          <a:ea typeface="+mn-ea"/>
-          <a:cs typeface="+mn-cs"/>
+          <a:latin typeface="+mj-lt"/>
+          <a:ea typeface="+mj-ea"/>
+          <a:cs typeface="+mj-cs"/>
           <a:sym typeface="맑은 고딕"/>
         </a:defRPr>
       </a:lvl7pPr>
@@ -2377,9 +2364,9 @@
             <a:srgbClr val="000000"/>
           </a:solidFill>
           <a:uFillTx/>
-          <a:latin typeface="+mn-lt"/>
-          <a:ea typeface="+mn-ea"/>
-          <a:cs typeface="+mn-cs"/>
+          <a:latin typeface="+mj-lt"/>
+          <a:ea typeface="+mj-ea"/>
+          <a:cs typeface="+mj-cs"/>
           <a:sym typeface="맑은 고딕"/>
         </a:defRPr>
       </a:lvl8pPr>
@@ -2403,9 +2390,9 @@
             <a:srgbClr val="000000"/>
           </a:solidFill>
           <a:uFillTx/>
-          <a:latin typeface="+mn-lt"/>
-          <a:ea typeface="+mn-ea"/>
-          <a:cs typeface="+mn-cs"/>
+          <a:latin typeface="+mj-lt"/>
+          <a:ea typeface="+mj-ea"/>
+          <a:cs typeface="+mj-cs"/>
           <a:sym typeface="맑은 고딕"/>
         </a:defRPr>
       </a:lvl9pPr>
@@ -6317,7 +6304,7 @@
         </p:nvGraphicFramePr>
         <p:xfrm>
           <a:off x="4026320" y="1954103"/>
-          <a:ext cx="990739" cy="697236"/>
+          <a:ext cx="990740" cy="697236"/>
         </p:xfrm>
         <a:graphic xmlns:a="http://schemas.openxmlformats.org/drawingml/2006/main">
           <a:graphicData uri="http://schemas.openxmlformats.org/drawingml/2006/table">
@@ -6487,7 +6474,7 @@
         </p:nvGraphicFramePr>
         <p:xfrm>
           <a:off x="5259682" y="1954103"/>
-          <a:ext cx="990740" cy="697236"/>
+          <a:ext cx="990741" cy="697236"/>
         </p:xfrm>
         <a:graphic xmlns:a="http://schemas.openxmlformats.org/drawingml/2006/main">
           <a:graphicData uri="http://schemas.openxmlformats.org/drawingml/2006/table">
@@ -6657,7 +6644,7 @@
         </p:nvGraphicFramePr>
         <p:xfrm>
           <a:off x="6493047" y="1954103"/>
-          <a:ext cx="990739" cy="697236"/>
+          <a:ext cx="990740" cy="697236"/>
         </p:xfrm>
         <a:graphic xmlns:a="http://schemas.openxmlformats.org/drawingml/2006/main">
           <a:graphicData uri="http://schemas.openxmlformats.org/drawingml/2006/table">
@@ -6851,14 +6838,7 @@
           <a:bodyPr lIns="45718" tIns="45718" rIns="45718" bIns="45718"/>
           <a:lstStyle/>
           <a:p>
-            <a:pPr>
-              <a:defRPr sz="1600">
-                <a:latin typeface="나눔고딕"/>
-                <a:ea typeface="나눔고딕"/>
-                <a:cs typeface="나눔고딕"/>
-                <a:sym typeface="나눔고딕"/>
-              </a:defRPr>
-            </a:pPr>
+            <a:pPr/>
           </a:p>
         </p:txBody>
       </p:sp>
@@ -6888,14 +6868,7 @@
           <a:bodyPr lIns="45718" tIns="45718" rIns="45718" bIns="45718"/>
           <a:lstStyle/>
           <a:p>
-            <a:pPr>
-              <a:defRPr sz="1600">
-                <a:latin typeface="나눔고딕"/>
-                <a:ea typeface="나눔고딕"/>
-                <a:cs typeface="나눔고딕"/>
-                <a:sym typeface="나눔고딕"/>
-              </a:defRPr>
-            </a:pPr>
+            <a:pPr/>
           </a:p>
         </p:txBody>
       </p:sp>
@@ -6925,14 +6898,7 @@
           <a:bodyPr lIns="45718" tIns="45718" rIns="45718" bIns="45718"/>
           <a:lstStyle/>
           <a:p>
-            <a:pPr>
-              <a:defRPr sz="1600">
-                <a:latin typeface="나눔고딕"/>
-                <a:ea typeface="나눔고딕"/>
-                <a:cs typeface="나눔고딕"/>
-                <a:sym typeface="나눔고딕"/>
-              </a:defRPr>
-            </a:pPr>
+            <a:pPr/>
           </a:p>
         </p:txBody>
       </p:sp>
@@ -6962,14 +6928,7 @@
           <a:bodyPr lIns="45718" tIns="45718" rIns="45718" bIns="45718"/>
           <a:lstStyle/>
           <a:p>
-            <a:pPr>
-              <a:defRPr sz="1600">
-                <a:latin typeface="나눔고딕"/>
-                <a:ea typeface="나눔고딕"/>
-                <a:cs typeface="나눔고딕"/>
-                <a:sym typeface="나눔고딕"/>
-              </a:defRPr>
-            </a:pPr>
+            <a:pPr/>
           </a:p>
         </p:txBody>
       </p:sp>
@@ -6999,14 +6958,7 @@
           <a:bodyPr lIns="45718" tIns="45718" rIns="45718" bIns="45718"/>
           <a:lstStyle/>
           <a:p>
-            <a:pPr>
-              <a:defRPr sz="1600">
-                <a:latin typeface="나눔고딕"/>
-                <a:ea typeface="나눔고딕"/>
-                <a:cs typeface="나눔고딕"/>
-                <a:sym typeface="나눔고딕"/>
-              </a:defRPr>
-            </a:pPr>
+            <a:pPr/>
           </a:p>
         </p:txBody>
       </p:sp>
@@ -8581,7 +8533,7 @@
         </p:nvGraphicFramePr>
         <p:xfrm>
           <a:off x="5845845" y="3001853"/>
-          <a:ext cx="990739" cy="697236"/>
+          <a:ext cx="990740" cy="697236"/>
         </p:xfrm>
         <a:graphic xmlns:a="http://schemas.openxmlformats.org/drawingml/2006/main">
           <a:graphicData uri="http://schemas.openxmlformats.org/drawingml/2006/table">
@@ -8757,7 +8709,7 @@
         </p:nvGraphicFramePr>
         <p:xfrm>
           <a:off x="4676773" y="3001853"/>
-          <a:ext cx="926447" cy="697236"/>
+          <a:ext cx="926448" cy="697236"/>
         </p:xfrm>
         <a:graphic xmlns:a="http://schemas.openxmlformats.org/drawingml/2006/main">
           <a:graphicData uri="http://schemas.openxmlformats.org/drawingml/2006/table">
@@ -8929,14 +8881,7 @@
           <a:bodyPr lIns="45718" tIns="45718" rIns="45718" bIns="45718"/>
           <a:lstStyle/>
           <a:p>
-            <a:pPr>
-              <a:defRPr sz="1600">
-                <a:latin typeface="나눔고딕"/>
-                <a:ea typeface="나눔고딕"/>
-                <a:cs typeface="나눔고딕"/>
-                <a:sym typeface="나눔고딕"/>
-              </a:defRPr>
-            </a:pPr>
+            <a:pPr/>
           </a:p>
         </p:txBody>
       </p:sp>
@@ -8948,7 +8893,7 @@
         </p:nvGraphicFramePr>
         <p:xfrm>
           <a:off x="5845845" y="3804284"/>
-          <a:ext cx="990739" cy="697245"/>
+          <a:ext cx="990740" cy="697246"/>
         </p:xfrm>
         <a:graphic xmlns:a="http://schemas.openxmlformats.org/drawingml/2006/main">
           <a:graphicData uri="http://schemas.openxmlformats.org/drawingml/2006/table">
@@ -9124,7 +9069,7 @@
         </p:nvGraphicFramePr>
         <p:xfrm>
           <a:off x="4676773" y="3804284"/>
-          <a:ext cx="926447" cy="697245"/>
+          <a:ext cx="926448" cy="697246"/>
         </p:xfrm>
         <a:graphic xmlns:a="http://schemas.openxmlformats.org/drawingml/2006/main">
           <a:graphicData uri="http://schemas.openxmlformats.org/drawingml/2006/table">
@@ -9296,14 +9241,7 @@
           <a:bodyPr lIns="45718" tIns="45718" rIns="45718" bIns="45718"/>
           <a:lstStyle/>
           <a:p>
-            <a:pPr>
-              <a:defRPr sz="1600">
-                <a:latin typeface="나눔고딕"/>
-                <a:ea typeface="나눔고딕"/>
-                <a:cs typeface="나눔고딕"/>
-                <a:sym typeface="나눔고딕"/>
-              </a:defRPr>
-            </a:pPr>
+            <a:pPr/>
           </a:p>
         </p:txBody>
       </p:sp>
@@ -9315,7 +9253,7 @@
         </p:nvGraphicFramePr>
         <p:xfrm>
           <a:off x="5845845" y="628754"/>
-          <a:ext cx="990739" cy="697236"/>
+          <a:ext cx="990740" cy="697236"/>
         </p:xfrm>
         <a:graphic xmlns:a="http://schemas.openxmlformats.org/drawingml/2006/main">
           <a:graphicData uri="http://schemas.openxmlformats.org/drawingml/2006/table">
@@ -9491,7 +9429,7 @@
         </p:nvGraphicFramePr>
         <p:xfrm>
           <a:off x="4676773" y="628754"/>
-          <a:ext cx="926447" cy="697236"/>
+          <a:ext cx="926448" cy="697236"/>
         </p:xfrm>
         <a:graphic xmlns:a="http://schemas.openxmlformats.org/drawingml/2006/main">
           <a:graphicData uri="http://schemas.openxmlformats.org/drawingml/2006/table">
@@ -9663,14 +9601,7 @@
           <a:bodyPr lIns="45718" tIns="45718" rIns="45718" bIns="45718"/>
           <a:lstStyle/>
           <a:p>
-            <a:pPr>
-              <a:defRPr sz="1600">
-                <a:latin typeface="나눔고딕"/>
-                <a:ea typeface="나눔고딕"/>
-                <a:cs typeface="나눔고딕"/>
-                <a:sym typeface="나눔고딕"/>
-              </a:defRPr>
-            </a:pPr>
+            <a:pPr/>
           </a:p>
         </p:txBody>
       </p:sp>
@@ -9682,7 +9613,7 @@
         </p:nvGraphicFramePr>
         <p:xfrm>
           <a:off x="5845845" y="1431182"/>
-          <a:ext cx="990739" cy="697245"/>
+          <a:ext cx="990740" cy="697246"/>
         </p:xfrm>
         <a:graphic xmlns:a="http://schemas.openxmlformats.org/drawingml/2006/main">
           <a:graphicData uri="http://schemas.openxmlformats.org/drawingml/2006/table">
@@ -9858,7 +9789,7 @@
         </p:nvGraphicFramePr>
         <p:xfrm>
           <a:off x="4676773" y="1431182"/>
-          <a:ext cx="926447" cy="697245"/>
+          <a:ext cx="926448" cy="697246"/>
         </p:xfrm>
         <a:graphic xmlns:a="http://schemas.openxmlformats.org/drawingml/2006/main">
           <a:graphicData uri="http://schemas.openxmlformats.org/drawingml/2006/table">
@@ -10030,14 +9961,7 @@
           <a:bodyPr lIns="45718" tIns="45718" rIns="45718" bIns="45718"/>
           <a:lstStyle/>
           <a:p>
-            <a:pPr>
-              <a:defRPr sz="1600">
-                <a:latin typeface="나눔고딕"/>
-                <a:ea typeface="나눔고딕"/>
-                <a:cs typeface="나눔고딕"/>
-                <a:sym typeface="나눔고딕"/>
-              </a:defRPr>
-            </a:pPr>
+            <a:pPr/>
           </a:p>
         </p:txBody>
       </p:sp>
@@ -10049,7 +9973,7 @@
         </p:nvGraphicFramePr>
         <p:xfrm>
           <a:off x="8248277" y="628754"/>
-          <a:ext cx="990739" cy="697236"/>
+          <a:ext cx="990740" cy="697236"/>
         </p:xfrm>
         <a:graphic xmlns:a="http://schemas.openxmlformats.org/drawingml/2006/main">
           <a:graphicData uri="http://schemas.openxmlformats.org/drawingml/2006/table">
@@ -10225,7 +10149,7 @@
         </p:nvGraphicFramePr>
         <p:xfrm>
           <a:off x="7079208" y="628754"/>
-          <a:ext cx="926447" cy="697236"/>
+          <a:ext cx="926448" cy="697236"/>
         </p:xfrm>
         <a:graphic xmlns:a="http://schemas.openxmlformats.org/drawingml/2006/main">
           <a:graphicData uri="http://schemas.openxmlformats.org/drawingml/2006/table">
@@ -10379,7 +10303,7 @@
         </p:nvGraphicFramePr>
         <p:xfrm>
           <a:off x="8248277" y="1431182"/>
-          <a:ext cx="990739" cy="697245"/>
+          <a:ext cx="990740" cy="697246"/>
         </p:xfrm>
         <a:graphic xmlns:a="http://schemas.openxmlformats.org/drawingml/2006/main">
           <a:graphicData uri="http://schemas.openxmlformats.org/drawingml/2006/table">
@@ -10555,7 +10479,7 @@
         </p:nvGraphicFramePr>
         <p:xfrm>
           <a:off x="7079208" y="1431182"/>
-          <a:ext cx="926447" cy="697245"/>
+          <a:ext cx="926448" cy="697246"/>
         </p:xfrm>
         <a:graphic xmlns:a="http://schemas.openxmlformats.org/drawingml/2006/main">
           <a:graphicData uri="http://schemas.openxmlformats.org/drawingml/2006/table">
@@ -10727,14 +10651,7 @@
           <a:bodyPr lIns="45718" tIns="45718" rIns="45718" bIns="45718"/>
           <a:lstStyle/>
           <a:p>
-            <a:pPr>
-              <a:defRPr sz="1600">
-                <a:latin typeface="나눔고딕"/>
-                <a:ea typeface="나눔고딕"/>
-                <a:cs typeface="나눔고딕"/>
-                <a:sym typeface="나눔고딕"/>
-              </a:defRPr>
-            </a:pPr>
+            <a:pPr/>
           </a:p>
         </p:txBody>
       </p:sp>
@@ -10747,7 +10664,7 @@
         <p:spPr>
           <a:xfrm>
             <a:off x="8005640" y="1187998"/>
-            <a:ext cx="71575" cy="13"/>
+            <a:ext cx="71576" cy="13"/>
           </a:xfrm>
           <a:prstGeom prst="line">
             <a:avLst/>
@@ -10763,14 +10680,7 @@
           <a:bodyPr lIns="45718" tIns="45718" rIns="45718" bIns="45718"/>
           <a:lstStyle/>
           <a:p>
-            <a:pPr>
-              <a:defRPr sz="1600">
-                <a:latin typeface="나눔고딕"/>
-                <a:ea typeface="나눔고딕"/>
-                <a:cs typeface="나눔고딕"/>
-                <a:sym typeface="나눔고딕"/>
-              </a:defRPr>
-            </a:pPr>
+            <a:pPr/>
           </a:p>
         </p:txBody>
       </p:sp>
@@ -10783,7 +10693,7 @@
         <p:spPr>
           <a:xfrm flipH="1">
             <a:off x="8067674" y="1173586"/>
-            <a:ext cx="4778" cy="716415"/>
+            <a:ext cx="4779" cy="716416"/>
           </a:xfrm>
           <a:prstGeom prst="line">
             <a:avLst/>
@@ -10799,14 +10709,7 @@
           <a:bodyPr lIns="45718" tIns="45718" rIns="45718" bIns="45718"/>
           <a:lstStyle/>
           <a:p>
-            <a:pPr>
-              <a:defRPr sz="1600">
-                <a:latin typeface="나눔고딕"/>
-                <a:ea typeface="나눔고딕"/>
-                <a:cs typeface="나눔고딕"/>
-                <a:sym typeface="나눔고딕"/>
-              </a:defRPr>
-            </a:pPr>
+            <a:pPr/>
           </a:p>
         </p:txBody>
       </p:sp>
@@ -10819,7 +10722,7 @@
         <p:spPr>
           <a:xfrm>
             <a:off x="8072435" y="1875600"/>
-            <a:ext cx="175857" cy="13"/>
+            <a:ext cx="175858" cy="13"/>
           </a:xfrm>
           <a:prstGeom prst="line">
             <a:avLst/>
@@ -10836,14 +10739,7 @@
           <a:bodyPr lIns="45718" tIns="45718" rIns="45718" bIns="45718"/>
           <a:lstStyle/>
           <a:p>
-            <a:pPr>
-              <a:defRPr sz="1600">
-                <a:latin typeface="나눔고딕"/>
-                <a:ea typeface="나눔고딕"/>
-                <a:cs typeface="나눔고딕"/>
-                <a:sym typeface="나눔고딕"/>
-              </a:defRPr>
-            </a:pPr>
+            <a:pPr/>
           </a:p>
         </p:txBody>
       </p:sp>
@@ -10935,7 +10831,7 @@
         </p:nvGraphicFramePr>
         <p:xfrm>
           <a:off x="7079208" y="3001853"/>
-          <a:ext cx="926447" cy="697236"/>
+          <a:ext cx="926448" cy="697236"/>
         </p:xfrm>
         <a:graphic xmlns:a="http://schemas.openxmlformats.org/drawingml/2006/main">
           <a:graphicData uri="http://schemas.openxmlformats.org/drawingml/2006/table">
@@ -11089,7 +10985,7 @@
         </p:nvGraphicFramePr>
         <p:xfrm>
           <a:off x="8248277" y="3804284"/>
-          <a:ext cx="990739" cy="697245"/>
+          <a:ext cx="990740" cy="697246"/>
         </p:xfrm>
         <a:graphic xmlns:a="http://schemas.openxmlformats.org/drawingml/2006/main">
           <a:graphicData uri="http://schemas.openxmlformats.org/drawingml/2006/table">
@@ -11265,7 +11161,7 @@
         </p:nvGraphicFramePr>
         <p:xfrm>
           <a:off x="7079208" y="3804284"/>
-          <a:ext cx="926447" cy="697245"/>
+          <a:ext cx="926448" cy="697246"/>
         </p:xfrm>
         <a:graphic xmlns:a="http://schemas.openxmlformats.org/drawingml/2006/main">
           <a:graphicData uri="http://schemas.openxmlformats.org/drawingml/2006/table">
@@ -11437,14 +11333,7 @@
           <a:bodyPr lIns="45718" tIns="45718" rIns="45718" bIns="45718"/>
           <a:lstStyle/>
           <a:p>
-            <a:pPr>
-              <a:defRPr sz="1600">
-                <a:latin typeface="나눔고딕"/>
-                <a:ea typeface="나눔고딕"/>
-                <a:cs typeface="나눔고딕"/>
-                <a:sym typeface="나눔고딕"/>
-              </a:defRPr>
-            </a:pPr>
+            <a:pPr/>
           </a:p>
         </p:txBody>
       </p:sp>
@@ -11457,7 +11346,7 @@
         <p:spPr>
           <a:xfrm>
             <a:off x="8005640" y="3561100"/>
-            <a:ext cx="71575" cy="13"/>
+            <a:ext cx="71576" cy="13"/>
           </a:xfrm>
           <a:prstGeom prst="line">
             <a:avLst/>
@@ -11473,14 +11362,7 @@
           <a:bodyPr lIns="45718" tIns="45718" rIns="45718" bIns="45718"/>
           <a:lstStyle/>
           <a:p>
-            <a:pPr>
-              <a:defRPr sz="1600">
-                <a:latin typeface="나눔고딕"/>
-                <a:ea typeface="나눔고딕"/>
-                <a:cs typeface="나눔고딕"/>
-                <a:sym typeface="나눔고딕"/>
-              </a:defRPr>
-            </a:pPr>
+            <a:pPr/>
           </a:p>
         </p:txBody>
       </p:sp>
@@ -11493,7 +11375,7 @@
         <p:spPr>
           <a:xfrm flipH="1">
             <a:off x="8067674" y="3546685"/>
-            <a:ext cx="4778" cy="716416"/>
+            <a:ext cx="4779" cy="716417"/>
           </a:xfrm>
           <a:prstGeom prst="line">
             <a:avLst/>
@@ -11509,14 +11391,7 @@
           <a:bodyPr lIns="45718" tIns="45718" rIns="45718" bIns="45718"/>
           <a:lstStyle/>
           <a:p>
-            <a:pPr>
-              <a:defRPr sz="1600">
-                <a:latin typeface="나눔고딕"/>
-                <a:ea typeface="나눔고딕"/>
-                <a:cs typeface="나눔고딕"/>
-                <a:sym typeface="나눔고딕"/>
-              </a:defRPr>
-            </a:pPr>
+            <a:pPr/>
           </a:p>
         </p:txBody>
       </p:sp>
@@ -11529,7 +11404,7 @@
         <p:spPr>
           <a:xfrm>
             <a:off x="8072435" y="4248701"/>
-            <a:ext cx="175857" cy="13"/>
+            <a:ext cx="175858" cy="13"/>
           </a:xfrm>
           <a:prstGeom prst="line">
             <a:avLst/>
@@ -11546,14 +11421,7 @@
           <a:bodyPr lIns="45718" tIns="45718" rIns="45718" bIns="45718"/>
           <a:lstStyle/>
           <a:p>
-            <a:pPr>
-              <a:defRPr sz="1600">
-                <a:latin typeface="나눔고딕"/>
-                <a:ea typeface="나눔고딕"/>
-                <a:cs typeface="나눔고딕"/>
-                <a:sym typeface="나눔고딕"/>
-              </a:defRPr>
-            </a:pPr>
+            <a:pPr/>
           </a:p>
         </p:txBody>
       </p:sp>
@@ -11939,14 +11807,7 @@
           <a:bodyPr lIns="45718" tIns="45718" rIns="45718" bIns="45718"/>
           <a:lstStyle/>
           <a:p>
-            <a:pPr>
-              <a:defRPr sz="1600">
-                <a:latin typeface="나눔고딕"/>
-                <a:ea typeface="나눔고딕"/>
-                <a:cs typeface="나눔고딕"/>
-                <a:sym typeface="나눔고딕"/>
-              </a:defRPr>
-            </a:pPr>
+            <a:pPr/>
           </a:p>
         </p:txBody>
       </p:sp>
@@ -11958,7 +11819,7 @@
         </p:nvGraphicFramePr>
         <p:xfrm>
           <a:off x="1416719" y="1525905"/>
-          <a:ext cx="1201735" cy="697236"/>
+          <a:ext cx="1201736" cy="697236"/>
         </p:xfrm>
         <a:graphic xmlns:a="http://schemas.openxmlformats.org/drawingml/2006/main">
           <a:graphicData uri="http://schemas.openxmlformats.org/drawingml/2006/table">
@@ -12306,14 +12167,7 @@
           <a:bodyPr lIns="45718" tIns="45718" rIns="45718" bIns="45718"/>
           <a:lstStyle/>
           <a:p>
-            <a:pPr>
-              <a:defRPr sz="1600">
-                <a:latin typeface="나눔고딕"/>
-                <a:ea typeface="나눔고딕"/>
-                <a:cs typeface="나눔고딕"/>
-                <a:sym typeface="나눔고딕"/>
-              </a:defRPr>
-            </a:pPr>
+            <a:pPr/>
           </a:p>
         </p:txBody>
       </p:sp>
@@ -12325,7 +12179,7 @@
         </p:nvGraphicFramePr>
         <p:xfrm>
           <a:off x="1416719" y="2726476"/>
-          <a:ext cx="1201735" cy="697236"/>
+          <a:ext cx="1201736" cy="697236"/>
         </p:xfrm>
         <a:graphic xmlns:a="http://schemas.openxmlformats.org/drawingml/2006/main">
           <a:graphicData uri="http://schemas.openxmlformats.org/drawingml/2006/table">
@@ -12667,14 +12521,7 @@
           <a:bodyPr lIns="45718" tIns="45718" rIns="45718" bIns="45718"/>
           <a:lstStyle/>
           <a:p>
-            <a:pPr>
-              <a:defRPr sz="1600">
-                <a:latin typeface="나눔고딕"/>
-                <a:ea typeface="나눔고딕"/>
-                <a:cs typeface="나눔고딕"/>
-                <a:sym typeface="나눔고딕"/>
-              </a:defRPr>
-            </a:pPr>
+            <a:pPr/>
           </a:p>
         </p:txBody>
       </p:sp>
@@ -12880,14 +12727,7 @@
           <a:bodyPr lIns="45718" tIns="45718" rIns="45718" bIns="45718"/>
           <a:lstStyle/>
           <a:p>
-            <a:pPr>
-              <a:defRPr sz="1600">
-                <a:latin typeface="나눔고딕"/>
-                <a:ea typeface="나눔고딕"/>
-                <a:cs typeface="나눔고딕"/>
-                <a:sym typeface="나눔고딕"/>
-              </a:defRPr>
-            </a:pPr>
+            <a:pPr/>
           </a:p>
         </p:txBody>
       </p:sp>
@@ -12899,7 +12739,7 @@
         </p:nvGraphicFramePr>
         <p:xfrm>
           <a:off x="1416719" y="3927049"/>
-          <a:ext cx="1201735" cy="697246"/>
+          <a:ext cx="1201736" cy="697247"/>
         </p:xfrm>
         <a:graphic xmlns:a="http://schemas.openxmlformats.org/drawingml/2006/main">
           <a:graphicData uri="http://schemas.openxmlformats.org/drawingml/2006/table">
@@ -13069,7 +12909,7 @@
         </p:nvGraphicFramePr>
         <p:xfrm>
           <a:off x="247649" y="3927049"/>
-          <a:ext cx="926433" cy="697246"/>
+          <a:ext cx="926433" cy="697247"/>
         </p:xfrm>
         <a:graphic xmlns:a="http://schemas.openxmlformats.org/drawingml/2006/main">
           <a:graphicData uri="http://schemas.openxmlformats.org/drawingml/2006/table">
@@ -13241,14 +13081,7 @@
           <a:bodyPr lIns="45718" tIns="45718" rIns="45718" bIns="45718"/>
           <a:lstStyle/>
           <a:p>
-            <a:pPr>
-              <a:defRPr sz="1600">
-                <a:latin typeface="나눔고딕"/>
-                <a:ea typeface="나눔고딕"/>
-                <a:cs typeface="나눔고딕"/>
-                <a:sym typeface="나눔고딕"/>
-              </a:defRPr>
-            </a:pPr>
+            <a:pPr/>
           </a:p>
         </p:txBody>
       </p:sp>
@@ -13260,7 +13093,7 @@
         </p:nvGraphicFramePr>
         <p:xfrm>
           <a:off x="2861074" y="3927049"/>
-          <a:ext cx="1201723" cy="697246"/>
+          <a:ext cx="1201723" cy="697247"/>
         </p:xfrm>
         <a:graphic xmlns:a="http://schemas.openxmlformats.org/drawingml/2006/main">
           <a:graphicData uri="http://schemas.openxmlformats.org/drawingml/2006/table">
@@ -13448,14 +13281,7 @@
           <a:bodyPr lIns="45718" tIns="45718" rIns="45718" bIns="45718"/>
           <a:lstStyle/>
           <a:p>
-            <a:pPr>
-              <a:defRPr sz="1600">
-                <a:latin typeface="나눔고딕"/>
-                <a:ea typeface="나눔고딕"/>
-                <a:cs typeface="나눔고딕"/>
-                <a:sym typeface="나눔고딕"/>
-              </a:defRPr>
-            </a:pPr>
+            <a:pPr/>
           </a:p>
         </p:txBody>
       </p:sp>
@@ -13467,7 +13293,7 @@
         </p:nvGraphicFramePr>
         <p:xfrm>
           <a:off x="4305434" y="3927049"/>
-          <a:ext cx="1201735" cy="697246"/>
+          <a:ext cx="1201736" cy="697247"/>
         </p:xfrm>
         <a:graphic xmlns:a="http://schemas.openxmlformats.org/drawingml/2006/main">
           <a:graphicData uri="http://schemas.openxmlformats.org/drawingml/2006/table">
@@ -13661,14 +13487,7 @@
           <a:bodyPr lIns="45718" tIns="45718" rIns="45718" bIns="45718"/>
           <a:lstStyle/>
           <a:p>
-            <a:pPr>
-              <a:defRPr sz="1600">
-                <a:latin typeface="나눔고딕"/>
-                <a:ea typeface="나눔고딕"/>
-                <a:cs typeface="나눔고딕"/>
-                <a:sym typeface="나눔고딕"/>
-              </a:defRPr>
-            </a:pPr>
+            <a:pPr/>
           </a:p>
         </p:txBody>
       </p:sp>
@@ -13680,7 +13499,7 @@
         </p:nvGraphicFramePr>
         <p:xfrm>
           <a:off x="1416719" y="5127623"/>
-          <a:ext cx="1201735" cy="697245"/>
+          <a:ext cx="1201736" cy="697246"/>
         </p:xfrm>
         <a:graphic xmlns:a="http://schemas.openxmlformats.org/drawingml/2006/main">
           <a:graphicData uri="http://schemas.openxmlformats.org/drawingml/2006/table">
@@ -13850,7 +13669,7 @@
         </p:nvGraphicFramePr>
         <p:xfrm>
           <a:off x="247649" y="5127623"/>
-          <a:ext cx="926433" cy="697245"/>
+          <a:ext cx="926433" cy="697246"/>
         </p:xfrm>
         <a:graphic xmlns:a="http://schemas.openxmlformats.org/drawingml/2006/main">
           <a:graphicData uri="http://schemas.openxmlformats.org/drawingml/2006/table">
@@ -14022,14 +13841,7 @@
           <a:bodyPr lIns="45718" tIns="45718" rIns="45718" bIns="45718"/>
           <a:lstStyle/>
           <a:p>
-            <a:pPr>
-              <a:defRPr sz="1600">
-                <a:latin typeface="나눔고딕"/>
-                <a:ea typeface="나눔고딕"/>
-                <a:cs typeface="나눔고딕"/>
-                <a:sym typeface="나눔고딕"/>
-              </a:defRPr>
-            </a:pPr>
+            <a:pPr/>
           </a:p>
         </p:txBody>
       </p:sp>
@@ -14041,7 +13853,7 @@
         </p:nvGraphicFramePr>
         <p:xfrm>
           <a:off x="2861074" y="5127623"/>
-          <a:ext cx="1201723" cy="697245"/>
+          <a:ext cx="1201723" cy="697246"/>
         </p:xfrm>
         <a:graphic xmlns:a="http://schemas.openxmlformats.org/drawingml/2006/main">
           <a:graphicData uri="http://schemas.openxmlformats.org/drawingml/2006/table">
@@ -14229,14 +14041,7 @@
           <a:bodyPr lIns="45718" tIns="45718" rIns="45718" bIns="45718"/>
           <a:lstStyle/>
           <a:p>
-            <a:pPr>
-              <a:defRPr sz="1600">
-                <a:latin typeface="나눔고딕"/>
-                <a:ea typeface="나눔고딕"/>
-                <a:cs typeface="나눔고딕"/>
-                <a:sym typeface="나눔고딕"/>
-              </a:defRPr>
-            </a:pPr>
+            <a:pPr/>
           </a:p>
         </p:txBody>
       </p:sp>
@@ -14248,7 +14053,7 @@
         </p:nvGraphicFramePr>
         <p:xfrm>
           <a:off x="4305434" y="5127623"/>
-          <a:ext cx="1201735" cy="697245"/>
+          <a:ext cx="1201736" cy="697246"/>
         </p:xfrm>
         <a:graphic xmlns:a="http://schemas.openxmlformats.org/drawingml/2006/main">
           <a:graphicData uri="http://schemas.openxmlformats.org/drawingml/2006/table">
@@ -14442,14 +14247,7 @@
           <a:bodyPr lIns="45718" tIns="45718" rIns="45718" bIns="45718"/>
           <a:lstStyle/>
           <a:p>
-            <a:pPr>
-              <a:defRPr sz="1600">
-                <a:latin typeface="나눔고딕"/>
-                <a:ea typeface="나눔고딕"/>
-                <a:cs typeface="나눔고딕"/>
-                <a:sym typeface="나눔고딕"/>
-              </a:defRPr>
-            </a:pPr>
+            <a:pPr/>
           </a:p>
         </p:txBody>
       </p:sp>
@@ -14544,7 +14342,7 @@
           </p:nvSpPr>
           <p:spPr>
             <a:xfrm>
-              <a:off x="81831" y="140005"/>
+              <a:off x="81831" y="140004"/>
               <a:ext cx="1512742" cy="1767837"/>
             </a:xfrm>
             <a:prstGeom prst="rect">
@@ -14857,10 +14655,10 @@
         </p:nvGrpSpPr>
         <p:grpSpPr>
           <a:xfrm>
-            <a:off x="6308768" y="622900"/>
-            <a:ext cx="1499032" cy="1611261"/>
-            <a:chOff x="0" y="-1"/>
-            <a:chExt cx="1499030" cy="1611259"/>
+            <a:off x="6308766" y="622898"/>
+            <a:ext cx="1499035" cy="1611264"/>
+            <a:chOff x="-1" y="-1"/>
+            <a:chExt cx="1499033" cy="1611262"/>
           </a:xfrm>
         </p:grpSpPr>
         <p:sp>
@@ -14871,8 +14669,8 @@
           </p:nvSpPr>
           <p:spPr>
             <a:xfrm>
-              <a:off x="-1" y="-2"/>
-              <a:ext cx="1499031" cy="1611261"/>
+              <a:off x="-2" y="-2"/>
+              <a:ext cx="1499035" cy="1611264"/>
             </a:xfrm>
             <a:prstGeom prst="roundRect">
               <a:avLst>
@@ -14914,8 +14712,8 @@
           </p:nvSpPr>
           <p:spPr>
             <a:xfrm>
-              <a:off x="590" y="167387"/>
-              <a:ext cx="1489445" cy="1257056"/>
+              <a:off x="590" y="167388"/>
+              <a:ext cx="1489447" cy="1257057"/>
             </a:xfrm>
             <a:prstGeom prst="rect">
               <a:avLst/>
@@ -15037,7 +14835,7 @@
         <p:spPr>
           <a:xfrm>
             <a:off x="6308783" y="2819980"/>
-            <a:ext cx="1493305" cy="508002"/>
+            <a:ext cx="1493306" cy="508002"/>
           </a:xfrm>
           <a:prstGeom prst="roundRect">
             <a:avLst>
@@ -15075,7 +14873,7 @@
         <p:spPr>
           <a:xfrm>
             <a:off x="6309371" y="2871214"/>
-            <a:ext cx="1483758" cy="386843"/>
+            <a:ext cx="1483759" cy="386843"/>
           </a:xfrm>
           <a:prstGeom prst="rect">
             <a:avLst/>
@@ -15180,9 +14978,9 @@
           <a:lstStyle>
             <a:lvl1pPr>
               <a:defRPr sz="1500">
-                <a:latin typeface="+mj-lt"/>
-                <a:ea typeface="+mj-ea"/>
-                <a:cs typeface="+mj-cs"/>
+                <a:latin typeface="+mn-lt"/>
+                <a:ea typeface="+mn-ea"/>
+                <a:cs typeface="+mn-cs"/>
                 <a:sym typeface="Helvetica"/>
               </a:defRPr>
             </a:lvl1pPr>
@@ -15204,7 +15002,7 @@
         <p:spPr>
           <a:xfrm flipV="1">
             <a:off x="7058283" y="2258776"/>
-            <a:ext cx="12" cy="527062"/>
+            <a:ext cx="13" cy="527063"/>
           </a:xfrm>
           <a:prstGeom prst="line">
             <a:avLst/>
@@ -15220,14 +15018,7 @@
           <a:bodyPr lIns="45718" tIns="45718" rIns="45718" bIns="45718"/>
           <a:lstStyle/>
           <a:p>
-            <a:pPr>
-              <a:defRPr sz="1600">
-                <a:latin typeface="나눔고딕"/>
-                <a:ea typeface="나눔고딕"/>
-                <a:cs typeface="나눔고딕"/>
-                <a:sym typeface="나눔고딕"/>
-              </a:defRPr>
-            </a:pPr>
+            <a:pPr/>
           </a:p>
         </p:txBody>
       </p:sp>
@@ -15261,9 +15052,9 @@
           <a:lstStyle>
             <a:lvl1pPr>
               <a:defRPr sz="1500">
-                <a:latin typeface="+mj-lt"/>
-                <a:ea typeface="+mj-ea"/>
-                <a:cs typeface="+mj-cs"/>
+                <a:latin typeface="+mn-lt"/>
+                <a:ea typeface="+mn-ea"/>
+                <a:cs typeface="+mn-cs"/>
                 <a:sym typeface="Helvetica"/>
               </a:defRPr>
             </a:lvl1pPr>
@@ -15285,7 +15076,7 @@
         <p:spPr>
           <a:xfrm flipV="1">
             <a:off x="5155736" y="1312217"/>
-            <a:ext cx="1428582" cy="960439"/>
+            <a:ext cx="1428583" cy="960439"/>
           </a:xfrm>
           <a:prstGeom prst="line">
             <a:avLst/>
@@ -15305,14 +15096,7 @@
           <a:bodyPr lIns="45718" tIns="45718" rIns="45718" bIns="45718"/>
           <a:lstStyle/>
           <a:p>
-            <a:pPr>
-              <a:defRPr sz="1600">
-                <a:latin typeface="나눔고딕"/>
-                <a:ea typeface="나눔고딕"/>
-                <a:cs typeface="나눔고딕"/>
-                <a:sym typeface="나눔고딕"/>
-              </a:defRPr>
-            </a:pPr>
+            <a:pPr/>
           </a:p>
         </p:txBody>
       </p:sp>
@@ -15325,7 +15109,7 @@
         <p:spPr>
           <a:xfrm>
             <a:off x="5154910" y="2270030"/>
-            <a:ext cx="1429361" cy="806505"/>
+            <a:ext cx="1429362" cy="806506"/>
           </a:xfrm>
           <a:prstGeom prst="line">
             <a:avLst/>
@@ -15341,14 +15125,7 @@
           <a:bodyPr lIns="45718" tIns="45718" rIns="45718" bIns="45718"/>
           <a:lstStyle/>
           <a:p>
-            <a:pPr>
-              <a:defRPr sz="1600">
-                <a:latin typeface="나눔고딕"/>
-                <a:ea typeface="나눔고딕"/>
-                <a:cs typeface="나눔고딕"/>
-                <a:sym typeface="나눔고딕"/>
-              </a:defRPr>
-            </a:pPr>
+            <a:pPr/>
           </a:p>
         </p:txBody>
       </p:sp>
@@ -15385,9 +15162,9 @@
                 <a:solidFill>
                   <a:schemeClr val="accent2"/>
                 </a:solidFill>
-                <a:latin typeface="+mj-lt"/>
-                <a:ea typeface="+mj-ea"/>
-                <a:cs typeface="+mj-cs"/>
+                <a:latin typeface="+mn-lt"/>
+                <a:ea typeface="+mn-ea"/>
+                <a:cs typeface="+mn-cs"/>
                 <a:sym typeface="Helvetica"/>
               </a:defRPr>
             </a:lvl1pPr>
@@ -15435,9 +15212,9 @@
         <p:grpSpPr>
           <a:xfrm>
             <a:off x="4096594" y="1109368"/>
-            <a:ext cx="5468604" cy="1404636"/>
+            <a:ext cx="5468606" cy="1404637"/>
             <a:chOff x="0" y="25400"/>
-            <a:chExt cx="5468603" cy="1404635"/>
+            <a:chExt cx="5468605" cy="1404636"/>
           </a:xfrm>
         </p:grpSpPr>
         <p:graphicFrame>
@@ -15448,7 +15225,7 @@
           </p:nvGraphicFramePr>
           <p:xfrm>
             <a:off x="3136235" y="25400"/>
-            <a:ext cx="2332369" cy="1404636"/>
+            <a:ext cx="2332371" cy="1404637"/>
           </p:xfrm>
           <a:graphic xmlns:a="http://schemas.openxmlformats.org/drawingml/2006/main">
             <a:graphicData uri="http://schemas.openxmlformats.org/drawingml/2006/table">
@@ -15741,7 +15518,7 @@
           </p:nvGraphicFramePr>
           <p:xfrm>
             <a:off x="1996213" y="147019"/>
-            <a:ext cx="757274" cy="307350"/>
+            <a:ext cx="757275" cy="307351"/>
           </p:xfrm>
           <a:graphic xmlns:a="http://schemas.openxmlformats.org/drawingml/2006/main">
             <a:graphicData uri="http://schemas.openxmlformats.org/drawingml/2006/table">
@@ -15840,8 +15617,8 @@
           </p:nvSpPr>
           <p:spPr>
             <a:xfrm>
-              <a:off x="2622306" y="300689"/>
-              <a:ext cx="507150" cy="11"/>
+              <a:off x="2635006" y="300689"/>
+              <a:ext cx="494451" cy="12"/>
             </a:xfrm>
             <a:prstGeom prst="line">
               <a:avLst/>
@@ -15864,14 +15641,7 @@
             </a:bodyPr>
             <a:lstStyle/>
             <a:p>
-              <a:pPr>
-                <a:defRPr sz="1600">
-                  <a:latin typeface="나눔고딕"/>
-                  <a:ea typeface="나눔고딕"/>
-                  <a:cs typeface="나눔고딕"/>
-                  <a:sym typeface="나눔고딕"/>
-                </a:defRPr>
-              </a:pPr>
+              <a:pPr/>
             </a:p>
           </p:txBody>
         </p:sp>
@@ -15884,7 +15654,7 @@
           <p:spPr>
             <a:xfrm>
               <a:off x="3159762" y="746178"/>
-              <a:ext cx="891797" cy="380493"/>
+              <a:ext cx="891799" cy="380495"/>
             </a:xfrm>
             <a:prstGeom prst="ellipse">
               <a:avLst/>
@@ -15924,10 +15694,10 @@
           </p:nvGrpSpPr>
           <p:grpSpPr>
             <a:xfrm>
-              <a:off x="12686" y="461573"/>
-              <a:ext cx="1600783" cy="532286"/>
-              <a:chOff x="-1" y="-1"/>
-              <a:chExt cx="1600781" cy="532285"/>
+              <a:off x="12685" y="461572"/>
+              <a:ext cx="1600786" cy="532288"/>
+              <a:chOff x="0" y="0"/>
+              <a:chExt cx="1600785" cy="532286"/>
             </a:xfrm>
           </p:grpSpPr>
           <p:sp>
@@ -15938,8 +15708,8 @@
             </p:nvSpPr>
             <p:spPr>
               <a:xfrm>
-                <a:off x="-2" y="-2"/>
-                <a:ext cx="1600783" cy="532286"/>
+                <a:off x="-1" y="-1"/>
+                <a:ext cx="1600786" cy="532288"/>
               </a:xfrm>
               <a:prstGeom prst="rect">
                 <a:avLst/>
@@ -15981,8 +15751,8 @@
             </p:nvSpPr>
             <p:spPr>
               <a:xfrm>
-                <a:off x="-2" y="42616"/>
-                <a:ext cx="1600783" cy="447037"/>
+                <a:off x="-1" y="42617"/>
+                <a:ext cx="1600786" cy="447037"/>
               </a:xfrm>
               <a:prstGeom prst="rect">
                 <a:avLst/>
@@ -16095,7 +15865,7 @@
           <p:spPr>
             <a:xfrm>
               <a:off x="697488" y="796983"/>
-              <a:ext cx="2439040" cy="138777"/>
+              <a:ext cx="2439041" cy="138778"/>
             </a:xfrm>
             <a:prstGeom prst="line">
               <a:avLst/>
@@ -16117,14 +15887,7 @@
             </a:bodyPr>
             <a:lstStyle/>
             <a:p>
-              <a:pPr>
-                <a:defRPr sz="1600">
-                  <a:latin typeface="나눔고딕"/>
-                  <a:ea typeface="나눔고딕"/>
-                  <a:cs typeface="나눔고딕"/>
-                  <a:sym typeface="나눔고딕"/>
-                </a:defRPr>
-              </a:pPr>
+              <a:pPr/>
             </a:p>
           </p:txBody>
         </p:sp>
@@ -16444,7 +16207,7 @@
         </p:nvGraphicFramePr>
         <p:xfrm>
           <a:off x="6118030" y="3090234"/>
-          <a:ext cx="757272" cy="307350"/>
+          <a:ext cx="757273" cy="307351"/>
         </p:xfrm>
         <a:graphic xmlns:a="http://schemas.openxmlformats.org/drawingml/2006/main">
           <a:graphicData uri="http://schemas.openxmlformats.org/drawingml/2006/table">
@@ -16543,8 +16306,8 @@
         </p:nvSpPr>
         <p:spPr>
           <a:xfrm>
-            <a:off x="6744123" y="3243903"/>
-            <a:ext cx="507150" cy="2"/>
+            <a:off x="6756823" y="3243903"/>
+            <a:ext cx="494451" cy="2"/>
           </a:xfrm>
           <a:prstGeom prst="line">
             <a:avLst/>
@@ -16561,14 +16324,7 @@
           <a:bodyPr lIns="45718" tIns="45718" rIns="45718" bIns="45718"/>
           <a:lstStyle/>
           <a:p>
-            <a:pPr>
-              <a:defRPr sz="1600">
-                <a:latin typeface="나눔고딕"/>
-                <a:ea typeface="나눔고딕"/>
-                <a:cs typeface="나눔고딕"/>
-                <a:sym typeface="나눔고딕"/>
-              </a:defRPr>
-            </a:pPr>
+            <a:pPr/>
           </a:p>
         </p:txBody>
       </p:sp>
@@ -16581,7 +16337,7 @@
         <p:spPr>
           <a:xfrm>
             <a:off x="7281577" y="3689391"/>
-            <a:ext cx="891777" cy="380493"/>
+            <a:ext cx="891777" cy="380495"/>
           </a:xfrm>
           <a:prstGeom prst="ellipse">
             <a:avLst/>
@@ -16615,10 +16371,10 @@
         </p:nvGrpSpPr>
         <p:grpSpPr>
           <a:xfrm>
-            <a:off x="4134502" y="3404779"/>
-            <a:ext cx="1600782" cy="532280"/>
-            <a:chOff x="0" y="0"/>
-            <a:chExt cx="1600780" cy="532278"/>
+            <a:off x="4134500" y="3404777"/>
+            <a:ext cx="1600784" cy="532283"/>
+            <a:chOff x="-1" y="-1"/>
+            <a:chExt cx="1600783" cy="532281"/>
           </a:xfrm>
         </p:grpSpPr>
         <p:sp>
@@ -16629,8 +16385,8 @@
           </p:nvSpPr>
           <p:spPr>
             <a:xfrm>
-              <a:off x="-1" y="-1"/>
-              <a:ext cx="1600781" cy="532279"/>
+              <a:off x="-2" y="-2"/>
+              <a:ext cx="1600784" cy="532283"/>
             </a:xfrm>
             <a:prstGeom prst="rect">
               <a:avLst/>
@@ -16672,8 +16428,8 @@
           </p:nvSpPr>
           <p:spPr>
             <a:xfrm>
-              <a:off x="-1" y="42615"/>
-              <a:ext cx="1600781" cy="447037"/>
+              <a:off x="-2" y="42615"/>
+              <a:ext cx="1600784" cy="447037"/>
             </a:xfrm>
             <a:prstGeom prst="rect">
               <a:avLst/>
@@ -16783,7 +16539,7 @@
         <p:spPr>
           <a:xfrm flipV="1">
             <a:off x="4819303" y="3480450"/>
-            <a:ext cx="2436828" cy="259750"/>
+            <a:ext cx="2436829" cy="259750"/>
           </a:xfrm>
           <a:prstGeom prst="line">
             <a:avLst/>
@@ -16799,14 +16555,7 @@
           <a:bodyPr lIns="45718" tIns="45718" rIns="45718" bIns="45718"/>
           <a:lstStyle/>
           <a:p>
-            <a:pPr>
-              <a:defRPr sz="1600">
-                <a:latin typeface="나눔고딕"/>
-                <a:ea typeface="나눔고딕"/>
-                <a:cs typeface="나눔고딕"/>
-                <a:sym typeface="나눔고딕"/>
-              </a:defRPr>
-            </a:pPr>
+            <a:pPr/>
           </a:p>
         </p:txBody>
       </p:sp>
@@ -16858,8 +16607,8 @@
         </p:nvSpPr>
         <p:spPr>
           <a:xfrm>
-            <a:off x="7883727" y="3364205"/>
-            <a:ext cx="289858" cy="352491"/>
+            <a:off x="7883727" y="3364212"/>
+            <a:ext cx="289860" cy="352485"/>
           </a:xfrm>
           <a:custGeom>
             <a:avLst/>
@@ -16952,7 +16701,7 @@
         <p:spPr>
           <a:xfrm>
             <a:off x="4433068" y="3525637"/>
-            <a:ext cx="917669" cy="424303"/>
+            <a:ext cx="917670" cy="424304"/>
           </a:xfrm>
           <a:prstGeom prst="rightArrow">
             <a:avLst>
@@ -16993,7 +16742,7 @@
         <p:spPr>
           <a:xfrm>
             <a:off x="3674509" y="2821880"/>
-            <a:ext cx="1676227" cy="424303"/>
+            <a:ext cx="1676227" cy="424304"/>
           </a:xfrm>
           <a:prstGeom prst="rightArrow">
             <a:avLst>
@@ -17033,7 +16782,7 @@
         </p:nvGraphicFramePr>
         <p:xfrm>
           <a:off x="7306467" y="2273300"/>
-          <a:ext cx="4371982" cy="2303971"/>
+          <a:ext cx="4371983" cy="2303971"/>
         </p:xfrm>
         <a:graphic xmlns:a="http://schemas.openxmlformats.org/drawingml/2006/main">
           <a:graphicData uri="http://schemas.openxmlformats.org/drawingml/2006/table">
@@ -18374,8 +18123,8 @@
         </p:nvSpPr>
         <p:spPr>
           <a:xfrm>
-            <a:off x="7823517" y="3618403"/>
-            <a:ext cx="770347" cy="7"/>
+            <a:off x="7836217" y="3618403"/>
+            <a:ext cx="757648" cy="8"/>
           </a:xfrm>
           <a:prstGeom prst="line">
             <a:avLst/>
@@ -18392,14 +18141,7 @@
           <a:bodyPr lIns="45718" tIns="45718" rIns="45718" bIns="45718"/>
           <a:lstStyle/>
           <a:p>
-            <a:pPr>
-              <a:defRPr sz="1600">
-                <a:latin typeface="나눔고딕"/>
-                <a:ea typeface="나눔고딕"/>
-                <a:cs typeface="나눔고딕"/>
-                <a:sym typeface="나눔고딕"/>
-              </a:defRPr>
-            </a:pPr>
+            <a:pPr/>
           </a:p>
         </p:txBody>
       </p:sp>
@@ -18411,8 +18153,8 @@
         </p:nvSpPr>
         <p:spPr>
           <a:xfrm>
-            <a:off x="7823517" y="4378235"/>
-            <a:ext cx="770347" cy="7"/>
+            <a:off x="7836217" y="4378235"/>
+            <a:ext cx="757648" cy="8"/>
           </a:xfrm>
           <a:prstGeom prst="line">
             <a:avLst/>
@@ -18429,14 +18171,7 @@
           <a:bodyPr lIns="45718" tIns="45718" rIns="45718" bIns="45718"/>
           <a:lstStyle/>
           <a:p>
-            <a:pPr>
-              <a:defRPr sz="1600">
-                <a:latin typeface="나눔고딕"/>
-                <a:ea typeface="나눔고딕"/>
-                <a:cs typeface="나눔고딕"/>
-                <a:sym typeface="나눔고딕"/>
-              </a:defRPr>
-            </a:pPr>
+            <a:pPr/>
           </a:p>
         </p:txBody>
       </p:sp>
@@ -18448,8 +18183,8 @@
         </p:nvSpPr>
         <p:spPr>
           <a:xfrm>
-            <a:off x="7823517" y="2858573"/>
-            <a:ext cx="770347" cy="2"/>
+            <a:off x="7836217" y="2858573"/>
+            <a:ext cx="757648" cy="2"/>
           </a:xfrm>
           <a:prstGeom prst="line">
             <a:avLst/>
@@ -18466,14 +18201,7 @@
           <a:bodyPr lIns="45718" tIns="45718" rIns="45718" bIns="45718"/>
           <a:lstStyle/>
           <a:p>
-            <a:pPr>
-              <a:defRPr sz="1600">
-                <a:latin typeface="나눔고딕"/>
-                <a:ea typeface="나눔고딕"/>
-                <a:cs typeface="나눔고딕"/>
-                <a:sym typeface="나눔고딕"/>
-              </a:defRPr>
-            </a:pPr>
+            <a:pPr/>
           </a:p>
         </p:txBody>
       </p:sp>
@@ -18485,8 +18213,8 @@
         </p:nvSpPr>
         <p:spPr>
           <a:xfrm>
-            <a:off x="10244845" y="3618403"/>
-            <a:ext cx="770347" cy="7"/>
+            <a:off x="10257545" y="3618403"/>
+            <a:ext cx="757648" cy="8"/>
           </a:xfrm>
           <a:prstGeom prst="line">
             <a:avLst/>
@@ -18503,14 +18231,7 @@
           <a:bodyPr lIns="45718" tIns="45718" rIns="45718" bIns="45718"/>
           <a:lstStyle/>
           <a:p>
-            <a:pPr>
-              <a:defRPr sz="1600">
-                <a:latin typeface="나눔고딕"/>
-                <a:ea typeface="나눔고딕"/>
-                <a:cs typeface="나눔고딕"/>
-                <a:sym typeface="나눔고딕"/>
-              </a:defRPr>
-            </a:pPr>
+            <a:pPr/>
           </a:p>
         </p:txBody>
       </p:sp>
@@ -18522,8 +18243,8 @@
         </p:nvSpPr>
         <p:spPr>
           <a:xfrm>
-            <a:off x="10244845" y="4378235"/>
-            <a:ext cx="770347" cy="7"/>
+            <a:off x="10257545" y="4378235"/>
+            <a:ext cx="757648" cy="8"/>
           </a:xfrm>
           <a:prstGeom prst="line">
             <a:avLst/>
@@ -18540,14 +18261,7 @@
           <a:bodyPr lIns="45718" tIns="45718" rIns="45718" bIns="45718"/>
           <a:lstStyle/>
           <a:p>
-            <a:pPr>
-              <a:defRPr sz="1600">
-                <a:latin typeface="나눔고딕"/>
-                <a:ea typeface="나눔고딕"/>
-                <a:cs typeface="나눔고딕"/>
-                <a:sym typeface="나눔고딕"/>
-              </a:defRPr>
-            </a:pPr>
+            <a:pPr/>
           </a:p>
         </p:txBody>
       </p:sp>
@@ -18559,8 +18273,8 @@
         </p:nvSpPr>
         <p:spPr>
           <a:xfrm>
-            <a:off x="10244845" y="2858573"/>
-            <a:ext cx="770347" cy="2"/>
+            <a:off x="10257545" y="2858573"/>
+            <a:ext cx="757648" cy="2"/>
           </a:xfrm>
           <a:prstGeom prst="line">
             <a:avLst/>
@@ -18577,14 +18291,7 @@
           <a:bodyPr lIns="45718" tIns="45718" rIns="45718" bIns="45718"/>
           <a:lstStyle/>
           <a:p>
-            <a:pPr>
-              <a:defRPr sz="1600">
-                <a:latin typeface="나눔고딕"/>
-                <a:ea typeface="나눔고딕"/>
-                <a:cs typeface="나눔고딕"/>
-                <a:sym typeface="나눔고딕"/>
-              </a:defRPr>
-            </a:pPr>
+            <a:pPr/>
           </a:p>
         </p:txBody>
       </p:sp>
@@ -18633,10 +18340,10 @@
         </p:nvGrpSpPr>
         <p:grpSpPr>
           <a:xfrm>
-            <a:off x="5461000" y="2858077"/>
-            <a:ext cx="1270000" cy="382067"/>
+            <a:off x="5461000" y="2858076"/>
+            <a:ext cx="1270000" cy="382069"/>
             <a:chOff x="0" y="0"/>
-            <a:chExt cx="1270000" cy="382065"/>
+            <a:chExt cx="1270000" cy="382068"/>
           </a:xfrm>
         </p:grpSpPr>
         <p:sp>
@@ -18648,7 +18355,7 @@
           <p:spPr>
             <a:xfrm>
               <a:off x="0" y="-1"/>
-              <a:ext cx="1270000" cy="382067"/>
+              <a:ext cx="1270000" cy="382069"/>
             </a:xfrm>
             <a:prstGeom prst="rect">
               <a:avLst/>
@@ -18734,10 +18441,10 @@
         </p:nvGrpSpPr>
         <p:grpSpPr>
           <a:xfrm>
-            <a:off x="5461000" y="3561833"/>
-            <a:ext cx="1270000" cy="382067"/>
+            <a:off x="5461000" y="3561831"/>
+            <a:ext cx="1270000" cy="382069"/>
             <a:chOff x="0" y="0"/>
-            <a:chExt cx="1270000" cy="382065"/>
+            <a:chExt cx="1270000" cy="382068"/>
           </a:xfrm>
         </p:grpSpPr>
         <p:sp>
@@ -18749,7 +18456,7 @@
           <p:spPr>
             <a:xfrm>
               <a:off x="0" y="-1"/>
-              <a:ext cx="1270000" cy="382067"/>
+              <a:ext cx="1270000" cy="382069"/>
             </a:xfrm>
             <a:prstGeom prst="rect">
               <a:avLst/>
@@ -18836,7 +18543,7 @@
         <p:spPr>
           <a:xfrm>
             <a:off x="6039229" y="3120443"/>
-            <a:ext cx="1640959" cy="466379"/>
+            <a:ext cx="1640959" cy="466380"/>
           </a:xfrm>
           <a:custGeom>
             <a:avLst/>
@@ -18901,7 +18608,7 @@
         <p:spPr>
           <a:xfrm>
             <a:off x="6390523" y="3162004"/>
-            <a:ext cx="3754511" cy="433805"/>
+            <a:ext cx="3754502" cy="433806"/>
           </a:xfrm>
           <a:custGeom>
             <a:avLst/>
@@ -18966,7 +18673,7 @@
         <p:spPr>
           <a:xfrm>
             <a:off x="6206273" y="3578930"/>
-            <a:ext cx="1446864" cy="86439"/>
+            <a:ext cx="1446865" cy="86439"/>
           </a:xfrm>
           <a:custGeom>
             <a:avLst/>
@@ -19031,7 +18738,7 @@
         <p:spPr>
           <a:xfrm>
             <a:off x="5659630" y="3666283"/>
-            <a:ext cx="4497883" cy="541321"/>
+            <a:ext cx="4497883" cy="541322"/>
           </a:xfrm>
           <a:custGeom>
             <a:avLst/>
@@ -19095,10 +18802,10 @@
         </p:nvGrpSpPr>
         <p:grpSpPr>
           <a:xfrm>
-            <a:off x="5003775" y="4051945"/>
-            <a:ext cx="728480" cy="634763"/>
+            <a:off x="5003773" y="4051944"/>
+            <a:ext cx="728482" cy="634764"/>
             <a:chOff x="0" y="0"/>
-            <a:chExt cx="728479" cy="634761"/>
+            <a:chExt cx="728480" cy="634763"/>
           </a:xfrm>
         </p:grpSpPr>
         <p:sp>
@@ -19110,7 +18817,7 @@
           <p:spPr>
             <a:xfrm rot="10043166">
               <a:off x="47931" y="62933"/>
-              <a:ext cx="632616" cy="508894"/>
+              <a:ext cx="632617" cy="508896"/>
             </a:xfrm>
             <a:prstGeom prst="rightArrow">
               <a:avLst>
@@ -19156,7 +18863,7 @@
           <p:spPr>
             <a:xfrm rot="20809704">
               <a:off x="182757" y="168808"/>
-              <a:ext cx="471882" cy="281937"/>
+              <a:ext cx="471883" cy="281937"/>
             </a:xfrm>
             <a:prstGeom prst="rect">
               <a:avLst/>
@@ -19199,7 +18906,7 @@
         </p:nvGraphicFramePr>
         <p:xfrm>
           <a:off x="3621037" y="2534523"/>
-          <a:ext cx="1408994" cy="2092737"/>
+          <a:ext cx="1408995" cy="2092737"/>
         </p:xfrm>
         <a:graphic xmlns:a="http://schemas.openxmlformats.org/drawingml/2006/main">
           <a:graphicData uri="http://schemas.openxmlformats.org/drawingml/2006/table">
@@ -19868,7 +19575,7 @@
         <p:spPr>
           <a:xfrm>
             <a:off x="4393015" y="3107239"/>
-            <a:ext cx="917670" cy="424303"/>
+            <a:ext cx="917671" cy="424303"/>
           </a:xfrm>
           <a:prstGeom prst="rightArrow">
             <a:avLst>
@@ -19909,7 +19616,7 @@
         <p:spPr>
           <a:xfrm>
             <a:off x="4393015" y="2403485"/>
-            <a:ext cx="917670" cy="424303"/>
+            <a:ext cx="917671" cy="424304"/>
           </a:xfrm>
           <a:prstGeom prst="rightArrow">
             <a:avLst>
@@ -19949,7 +19656,7 @@
         </p:nvGraphicFramePr>
         <p:xfrm>
           <a:off x="7112537" y="2424227"/>
-          <a:ext cx="1711330" cy="1535984"/>
+          <a:ext cx="1711331" cy="1535984"/>
         </p:xfrm>
         <a:graphic xmlns:a="http://schemas.openxmlformats.org/drawingml/2006/main">
           <a:graphicData uri="http://schemas.openxmlformats.org/drawingml/2006/table">
@@ -20365,10 +20072,10 @@
         </p:nvGrpSpPr>
         <p:grpSpPr>
           <a:xfrm>
-            <a:off x="5420939" y="2439682"/>
-            <a:ext cx="1270015" cy="382067"/>
+            <a:off x="5420937" y="2439681"/>
+            <a:ext cx="1270017" cy="382069"/>
             <a:chOff x="0" y="0"/>
-            <a:chExt cx="1270013" cy="382065"/>
+            <a:chExt cx="1270015" cy="382068"/>
           </a:xfrm>
         </p:grpSpPr>
         <p:sp>
@@ -20380,7 +20087,7 @@
           <p:spPr>
             <a:xfrm>
               <a:off x="-1" y="-1"/>
-              <a:ext cx="1270014" cy="382067"/>
+              <a:ext cx="1270017" cy="382069"/>
             </a:xfrm>
             <a:prstGeom prst="rect">
               <a:avLst/>
@@ -20423,7 +20130,7 @@
           <p:spPr>
             <a:xfrm>
               <a:off x="-1" y="56410"/>
-              <a:ext cx="1270014" cy="269237"/>
+              <a:ext cx="1270017" cy="269237"/>
             </a:xfrm>
             <a:prstGeom prst="rect">
               <a:avLst/>
@@ -20466,10 +20173,10 @@
         </p:nvGrpSpPr>
         <p:grpSpPr>
           <a:xfrm>
-            <a:off x="5420939" y="3143438"/>
-            <a:ext cx="1270015" cy="382067"/>
+            <a:off x="5420937" y="3143436"/>
+            <a:ext cx="1270017" cy="382069"/>
             <a:chOff x="0" y="0"/>
-            <a:chExt cx="1270013" cy="382065"/>
+            <a:chExt cx="1270015" cy="382068"/>
           </a:xfrm>
         </p:grpSpPr>
         <p:sp>
@@ -20481,7 +20188,7 @@
           <p:spPr>
             <a:xfrm>
               <a:off x="-1" y="-1"/>
-              <a:ext cx="1270014" cy="382067"/>
+              <a:ext cx="1270017" cy="382069"/>
             </a:xfrm>
             <a:prstGeom prst="rect">
               <a:avLst/>
@@ -20524,7 +20231,7 @@
           <p:spPr>
             <a:xfrm>
               <a:off x="-1" y="56410"/>
-              <a:ext cx="1270014" cy="269237"/>
+              <a:ext cx="1270017" cy="269237"/>
             </a:xfrm>
             <a:prstGeom prst="rect">
               <a:avLst/>
@@ -20567,10 +20274,10 @@
         </p:nvGrpSpPr>
         <p:grpSpPr>
           <a:xfrm>
-            <a:off x="4963723" y="3633552"/>
-            <a:ext cx="728481" cy="634762"/>
-            <a:chOff x="0" y="0"/>
-            <a:chExt cx="728480" cy="634761"/>
+            <a:off x="4963722" y="3633550"/>
+            <a:ext cx="728482" cy="634764"/>
+            <a:chOff x="0" y="-1"/>
+            <a:chExt cx="728481" cy="634763"/>
           </a:xfrm>
         </p:grpSpPr>
         <p:sp>
@@ -20582,7 +20289,7 @@
           <p:spPr>
             <a:xfrm rot="10043166">
               <a:off x="47931" y="62933"/>
-              <a:ext cx="632617" cy="508894"/>
+              <a:ext cx="632618" cy="508895"/>
             </a:xfrm>
             <a:prstGeom prst="rightArrow">
               <a:avLst>
@@ -20628,7 +20335,7 @@
           <p:spPr>
             <a:xfrm rot="20809704">
               <a:off x="182757" y="175158"/>
-              <a:ext cx="471883" cy="269237"/>
+              <a:ext cx="471884" cy="269237"/>
             </a:xfrm>
             <a:prstGeom prst="rect">
               <a:avLst/>
@@ -20671,7 +20378,7 @@
         </p:nvGraphicFramePr>
         <p:xfrm>
           <a:off x="4358004" y="2116128"/>
-          <a:ext cx="635005" cy="2092736"/>
+          <a:ext cx="635006" cy="2092737"/>
         </p:xfrm>
         <a:graphic xmlns:a="http://schemas.openxmlformats.org/drawingml/2006/main">
           <a:graphicData uri="http://schemas.openxmlformats.org/drawingml/2006/table">
@@ -20969,7 +20676,7 @@
         </p:nvGraphicFramePr>
         <p:xfrm>
           <a:off x="5671146" y="4457041"/>
-          <a:ext cx="3870329" cy="767995"/>
+          <a:ext cx="3870329" cy="767996"/>
         </p:xfrm>
         <a:graphic xmlns:a="http://schemas.openxmlformats.org/drawingml/2006/main">
           <a:graphicData uri="http://schemas.openxmlformats.org/drawingml/2006/table">
@@ -21475,7 +21182,7 @@
         <p:spPr>
           <a:xfrm>
             <a:off x="6302102" y="4592358"/>
-            <a:ext cx="443462" cy="6"/>
+            <a:ext cx="443462" cy="7"/>
           </a:xfrm>
           <a:prstGeom prst="line">
             <a:avLst/>
@@ -21491,14 +21198,7 @@
           <a:bodyPr lIns="45718" tIns="45718" rIns="45718" bIns="45718"/>
           <a:lstStyle/>
           <a:p>
-            <a:pPr>
-              <a:defRPr sz="1600">
-                <a:latin typeface="나눔고딕"/>
-                <a:ea typeface="나눔고딕"/>
-                <a:cs typeface="나눔고딕"/>
-                <a:sym typeface="나눔고딕"/>
-              </a:defRPr>
-            </a:pPr>
+            <a:pPr/>
           </a:p>
         </p:txBody>
       </p:sp>
@@ -21511,7 +21211,7 @@
         <p:spPr>
           <a:xfrm>
             <a:off x="7384580" y="4592358"/>
-            <a:ext cx="443462" cy="6"/>
+            <a:ext cx="443462" cy="7"/>
           </a:xfrm>
           <a:prstGeom prst="line">
             <a:avLst/>
@@ -21527,14 +21227,7 @@
           <a:bodyPr lIns="45718" tIns="45718" rIns="45718" bIns="45718"/>
           <a:lstStyle/>
           <a:p>
-            <a:pPr>
-              <a:defRPr sz="1600">
-                <a:latin typeface="나눔고딕"/>
-                <a:ea typeface="나눔고딕"/>
-                <a:cs typeface="나눔고딕"/>
-                <a:sym typeface="나눔고딕"/>
-              </a:defRPr>
-            </a:pPr>
+            <a:pPr/>
           </a:p>
         </p:txBody>
       </p:sp>
@@ -21547,7 +21240,7 @@
         <p:spPr>
           <a:xfrm>
             <a:off x="8467056" y="4592358"/>
-            <a:ext cx="443462" cy="6"/>
+            <a:ext cx="443462" cy="7"/>
           </a:xfrm>
           <a:prstGeom prst="line">
             <a:avLst/>
@@ -21563,14 +21256,7 @@
           <a:bodyPr lIns="45718" tIns="45718" rIns="45718" bIns="45718"/>
           <a:lstStyle/>
           <a:p>
-            <a:pPr>
-              <a:defRPr sz="1600">
-                <a:latin typeface="나눔고딕"/>
-                <a:ea typeface="나눔고딕"/>
-                <a:cs typeface="나눔고딕"/>
-                <a:sym typeface="나눔고딕"/>
-              </a:defRPr>
-            </a:pPr>
+            <a:pPr/>
           </a:p>
         </p:txBody>
       </p:sp>
@@ -21583,7 +21269,7 @@
         <p:spPr>
           <a:xfrm>
             <a:off x="8467056" y="4727368"/>
-            <a:ext cx="443462" cy="6"/>
+            <a:ext cx="443462" cy="7"/>
           </a:xfrm>
           <a:prstGeom prst="line">
             <a:avLst/>
@@ -21599,14 +21285,7 @@
           <a:bodyPr lIns="45718" tIns="45718" rIns="45718" bIns="45718"/>
           <a:lstStyle/>
           <a:p>
-            <a:pPr>
-              <a:defRPr sz="1600">
-                <a:latin typeface="나눔고딕"/>
-                <a:ea typeface="나눔고딕"/>
-                <a:cs typeface="나눔고딕"/>
-                <a:sym typeface="나눔고딕"/>
-              </a:defRPr>
-            </a:pPr>
+            <a:pPr/>
           </a:p>
         </p:txBody>
       </p:sp>
@@ -21619,7 +21298,7 @@
         <p:spPr>
           <a:xfrm>
             <a:off x="7384580" y="4727368"/>
-            <a:ext cx="443462" cy="6"/>
+            <a:ext cx="443462" cy="7"/>
           </a:xfrm>
           <a:prstGeom prst="line">
             <a:avLst/>
@@ -21635,14 +21314,7 @@
           <a:bodyPr lIns="45718" tIns="45718" rIns="45718" bIns="45718"/>
           <a:lstStyle/>
           <a:p>
-            <a:pPr>
-              <a:defRPr sz="1600">
-                <a:latin typeface="나눔고딕"/>
-                <a:ea typeface="나눔고딕"/>
-                <a:cs typeface="나눔고딕"/>
-                <a:sym typeface="나눔고딕"/>
-              </a:defRPr>
-            </a:pPr>
+            <a:pPr/>
           </a:p>
         </p:txBody>
       </p:sp>
@@ -21655,7 +21327,7 @@
         <p:spPr>
           <a:xfrm>
             <a:off x="6302102" y="4727368"/>
-            <a:ext cx="443462" cy="6"/>
+            <a:ext cx="443462" cy="7"/>
           </a:xfrm>
           <a:prstGeom prst="line">
             <a:avLst/>
@@ -21671,14 +21343,7 @@
           <a:bodyPr lIns="45718" tIns="45718" rIns="45718" bIns="45718"/>
           <a:lstStyle/>
           <a:p>
-            <a:pPr>
-              <a:defRPr sz="1600">
-                <a:latin typeface="나눔고딕"/>
-                <a:ea typeface="나눔고딕"/>
-                <a:cs typeface="나눔고딕"/>
-                <a:sym typeface="나눔고딕"/>
-              </a:defRPr>
-            </a:pPr>
+            <a:pPr/>
           </a:p>
         </p:txBody>
       </p:sp>
@@ -21690,8 +21355,8 @@
         </p:nvSpPr>
         <p:spPr>
           <a:xfrm>
-            <a:off x="8513328" y="3054089"/>
-            <a:ext cx="841220" cy="1430436"/>
+            <a:off x="8519765" y="3065036"/>
+            <a:ext cx="834783" cy="1419489"/>
           </a:xfrm>
           <a:prstGeom prst="line">
             <a:avLst/>
@@ -21708,14 +21373,7 @@
           <a:bodyPr lIns="45718" tIns="45718" rIns="45718" bIns="45718"/>
           <a:lstStyle/>
           <a:p>
-            <a:pPr>
-              <a:defRPr sz="1600">
-                <a:latin typeface="나눔고딕"/>
-                <a:ea typeface="나눔고딕"/>
-                <a:cs typeface="나눔고딕"/>
-                <a:sym typeface="나눔고딕"/>
-              </a:defRPr>
-            </a:pPr>
+            <a:pPr/>
           </a:p>
         </p:txBody>
       </p:sp>
@@ -21727,8 +21385,8 @@
         </p:nvSpPr>
         <p:spPr>
           <a:xfrm flipH="1">
-            <a:off x="5968973" y="3060382"/>
-            <a:ext cx="1409910" cy="1409910"/>
+            <a:off x="5968972" y="3069362"/>
+            <a:ext cx="1400931" cy="1400931"/>
           </a:xfrm>
           <a:prstGeom prst="line">
             <a:avLst/>
@@ -21745,14 +21403,7 @@
           <a:bodyPr lIns="45718" tIns="45718" rIns="45718" bIns="45718"/>
           <a:lstStyle/>
           <a:p>
-            <a:pPr>
-              <a:defRPr sz="1600">
-                <a:latin typeface="나눔고딕"/>
-                <a:ea typeface="나눔고딕"/>
-                <a:cs typeface="나눔고딕"/>
-                <a:sym typeface="나눔고딕"/>
-              </a:defRPr>
-            </a:pPr>
+            <a:pPr/>
           </a:p>
         </p:txBody>
       </p:sp>
@@ -21790,10 +21441,10 @@
         </p:nvGrpSpPr>
         <p:grpSpPr>
           <a:xfrm>
-            <a:off x="1269991" y="126991"/>
-            <a:ext cx="3682671" cy="4540505"/>
-            <a:chOff x="-1" y="-2"/>
-            <a:chExt cx="3682670" cy="4540503"/>
+            <a:off x="1269988" y="126988"/>
+            <a:ext cx="3682675" cy="4540510"/>
+            <a:chOff x="-2" y="-2"/>
+            <a:chExt cx="3682673" cy="4540509"/>
           </a:xfrm>
         </p:grpSpPr>
         <p:grpSp>
@@ -21804,10 +21455,10 @@
           </p:nvGrpSpPr>
           <p:grpSpPr>
             <a:xfrm>
-              <a:off x="-2" y="-3"/>
-              <a:ext cx="1269331" cy="323798"/>
-              <a:chOff x="-1" y="-1"/>
-              <a:chExt cx="1269329" cy="323796"/>
+              <a:off x="-3" y="-3"/>
+              <a:ext cx="1269334" cy="323801"/>
+              <a:chOff x="-1" y="0"/>
+              <a:chExt cx="1269332" cy="323800"/>
             </a:xfrm>
           </p:grpSpPr>
           <p:sp>
@@ -21818,8 +21469,8 @@
             </p:nvSpPr>
             <p:spPr>
               <a:xfrm>
-                <a:off x="-2" y="-2"/>
-                <a:ext cx="1269331" cy="323798"/>
+                <a:off x="-2" y="-1"/>
+                <a:ext cx="1269334" cy="323801"/>
               </a:xfrm>
               <a:prstGeom prst="rect">
                 <a:avLst/>
@@ -21863,8 +21514,8 @@
             </p:nvSpPr>
             <p:spPr>
               <a:xfrm>
-                <a:off x="-2" y="27277"/>
-                <a:ext cx="1269331" cy="269237"/>
+                <a:off x="-2" y="27278"/>
+                <a:ext cx="1269334" cy="269237"/>
               </a:xfrm>
               <a:prstGeom prst="rect">
                 <a:avLst/>
@@ -21888,9 +21539,9 @@
               <a:lstStyle>
                 <a:lvl1pPr algn="ctr">
                   <a:defRPr sz="1200">
-                    <a:latin typeface="+mj-lt"/>
-                    <a:ea typeface="+mj-ea"/>
-                    <a:cs typeface="+mj-cs"/>
+                    <a:latin typeface="+mn-lt"/>
+                    <a:ea typeface="+mn-ea"/>
+                    <a:cs typeface="+mn-cs"/>
                     <a:sym typeface="Helvetica"/>
                   </a:defRPr>
                 </a:lvl1pPr>
@@ -21912,10 +21563,10 @@
           </p:nvGrpSpPr>
           <p:grpSpPr>
             <a:xfrm>
-              <a:off x="960092" y="383337"/>
-              <a:ext cx="1777335" cy="323798"/>
-              <a:chOff x="0" y="-1"/>
-              <a:chExt cx="1777333" cy="323796"/>
+              <a:off x="960092" y="383338"/>
+              <a:ext cx="1777337" cy="323801"/>
+              <a:chOff x="-1" y="0"/>
+              <a:chExt cx="1777336" cy="323800"/>
             </a:xfrm>
           </p:grpSpPr>
           <p:sp>
@@ -21926,8 +21577,8 @@
             </p:nvSpPr>
             <p:spPr>
               <a:xfrm>
-                <a:off x="-1" y="-2"/>
-                <a:ext cx="1777334" cy="323798"/>
+                <a:off x="-2" y="-1"/>
+                <a:ext cx="1777338" cy="323801"/>
               </a:xfrm>
               <a:prstGeom prst="rect">
                 <a:avLst/>
@@ -21971,8 +21622,8 @@
             </p:nvSpPr>
             <p:spPr>
               <a:xfrm>
-                <a:off x="-1" y="27277"/>
-                <a:ext cx="1777334" cy="269237"/>
+                <a:off x="-2" y="27278"/>
+                <a:ext cx="1777338" cy="269237"/>
               </a:xfrm>
               <a:prstGeom prst="rect">
                 <a:avLst/>
@@ -21996,9 +21647,9 @@
               <a:lstStyle>
                 <a:lvl1pPr algn="ctr">
                   <a:defRPr sz="1200">
-                    <a:latin typeface="+mj-lt"/>
-                    <a:ea typeface="+mj-ea"/>
-                    <a:cs typeface="+mj-cs"/>
+                    <a:latin typeface="+mn-lt"/>
+                    <a:ea typeface="+mn-ea"/>
+                    <a:cs typeface="+mn-cs"/>
                     <a:sym typeface="Helvetica"/>
                   </a:defRPr>
                 </a:lvl1pPr>
@@ -22020,10 +21671,10 @@
           </p:nvGrpSpPr>
           <p:grpSpPr>
             <a:xfrm>
-              <a:off x="960092" y="766672"/>
-              <a:ext cx="1777335" cy="323801"/>
-              <a:chOff x="0" y="-1"/>
-              <a:chExt cx="1777333" cy="323800"/>
+              <a:off x="960092" y="766673"/>
+              <a:ext cx="1777337" cy="323803"/>
+              <a:chOff x="-1" y="-1"/>
+              <a:chExt cx="1777336" cy="323802"/>
             </a:xfrm>
           </p:grpSpPr>
           <p:sp>
@@ -22034,8 +21685,8 @@
             </p:nvSpPr>
             <p:spPr>
               <a:xfrm>
-                <a:off x="-1" y="-2"/>
-                <a:ext cx="1777334" cy="323801"/>
+                <a:off x="-2" y="-2"/>
+                <a:ext cx="1777338" cy="323803"/>
               </a:xfrm>
               <a:prstGeom prst="rect">
                 <a:avLst/>
@@ -22079,8 +21730,8 @@
             </p:nvSpPr>
             <p:spPr>
               <a:xfrm>
-                <a:off x="-1" y="27278"/>
-                <a:ext cx="1777334" cy="269237"/>
+                <a:off x="-2" y="27279"/>
+                <a:ext cx="1777338" cy="269237"/>
               </a:xfrm>
               <a:prstGeom prst="rect">
                 <a:avLst/>
@@ -22104,9 +21755,9 @@
               <a:lstStyle>
                 <a:lvl1pPr algn="ctr">
                   <a:defRPr sz="1200">
-                    <a:latin typeface="+mj-lt"/>
-                    <a:ea typeface="+mj-ea"/>
-                    <a:cs typeface="+mj-cs"/>
+                    <a:latin typeface="+mn-lt"/>
+                    <a:ea typeface="+mn-ea"/>
+                    <a:cs typeface="+mn-cs"/>
                     <a:sym typeface="Helvetica"/>
                   </a:defRPr>
                 </a:lvl1pPr>
@@ -22128,10 +21779,10 @@
           </p:nvGrpSpPr>
           <p:grpSpPr>
             <a:xfrm>
-              <a:off x="1905333" y="1150010"/>
-              <a:ext cx="1777336" cy="323798"/>
-              <a:chOff x="-1" y="-1"/>
-              <a:chExt cx="1777335" cy="323796"/>
+              <a:off x="1905333" y="1150011"/>
+              <a:ext cx="1777339" cy="323801"/>
+              <a:chOff x="0" y="0"/>
+              <a:chExt cx="1777338" cy="323800"/>
             </a:xfrm>
           </p:grpSpPr>
           <p:sp>
@@ -22142,8 +21793,8 @@
             </p:nvSpPr>
             <p:spPr>
               <a:xfrm>
-                <a:off x="-2" y="-2"/>
-                <a:ext cx="1777337" cy="323798"/>
+                <a:off x="-1" y="-1"/>
+                <a:ext cx="1777339" cy="323801"/>
               </a:xfrm>
               <a:prstGeom prst="rect">
                 <a:avLst/>
@@ -22187,8 +21838,8 @@
             </p:nvSpPr>
             <p:spPr>
               <a:xfrm>
-                <a:off x="-2" y="27277"/>
-                <a:ext cx="1777337" cy="269237"/>
+                <a:off x="-1" y="27278"/>
+                <a:ext cx="1777339" cy="269237"/>
               </a:xfrm>
               <a:prstGeom prst="rect">
                 <a:avLst/>
@@ -22212,9 +21863,9 @@
               <a:lstStyle>
                 <a:lvl1pPr algn="ctr">
                   <a:defRPr sz="1200">
-                    <a:latin typeface="+mj-lt"/>
-                    <a:ea typeface="+mj-ea"/>
-                    <a:cs typeface="+mj-cs"/>
+                    <a:latin typeface="+mn-lt"/>
+                    <a:ea typeface="+mn-ea"/>
+                    <a:cs typeface="+mn-cs"/>
                     <a:sym typeface="Helvetica"/>
                   </a:defRPr>
                 </a:lvl1pPr>
@@ -22236,10 +21887,10 @@
           </p:nvGrpSpPr>
           <p:grpSpPr>
             <a:xfrm>
-              <a:off x="1905333" y="1533345"/>
-              <a:ext cx="1777336" cy="323801"/>
-              <a:chOff x="-1" y="-1"/>
-              <a:chExt cx="1777335" cy="323800"/>
+              <a:off x="1905333" y="1533346"/>
+              <a:ext cx="1777339" cy="323803"/>
+              <a:chOff x="0" y="-1"/>
+              <a:chExt cx="1777338" cy="323802"/>
             </a:xfrm>
           </p:grpSpPr>
           <p:sp>
@@ -22250,8 +21901,8 @@
             </p:nvSpPr>
             <p:spPr>
               <a:xfrm>
-                <a:off x="-2" y="-2"/>
-                <a:ext cx="1777337" cy="323801"/>
+                <a:off x="-1" y="-2"/>
+                <a:ext cx="1777339" cy="323803"/>
               </a:xfrm>
               <a:prstGeom prst="rect">
                 <a:avLst/>
@@ -22295,8 +21946,8 @@
             </p:nvSpPr>
             <p:spPr>
               <a:xfrm>
-                <a:off x="-2" y="27278"/>
-                <a:ext cx="1777337" cy="269237"/>
+                <a:off x="-1" y="27279"/>
+                <a:ext cx="1777339" cy="269237"/>
               </a:xfrm>
               <a:prstGeom prst="rect">
                 <a:avLst/>
@@ -22320,9 +21971,9 @@
               <a:lstStyle>
                 <a:lvl1pPr algn="ctr">
                   <a:defRPr sz="1200">
-                    <a:latin typeface="+mj-lt"/>
-                    <a:ea typeface="+mj-ea"/>
-                    <a:cs typeface="+mj-cs"/>
+                    <a:latin typeface="+mn-lt"/>
+                    <a:ea typeface="+mn-ea"/>
+                    <a:cs typeface="+mn-cs"/>
                     <a:sym typeface="Helvetica"/>
                   </a:defRPr>
                 </a:lvl1pPr>
@@ -22344,10 +21995,10 @@
           </p:nvGrpSpPr>
           <p:grpSpPr>
             <a:xfrm>
-              <a:off x="1905333" y="1916683"/>
-              <a:ext cx="1777336" cy="323798"/>
-              <a:chOff x="-1" y="-1"/>
-              <a:chExt cx="1777335" cy="323796"/>
+              <a:off x="1905333" y="1916684"/>
+              <a:ext cx="1777339" cy="323801"/>
+              <a:chOff x="0" y="0"/>
+              <a:chExt cx="1777338" cy="323800"/>
             </a:xfrm>
           </p:grpSpPr>
           <p:sp>
@@ -22358,8 +22009,8 @@
             </p:nvSpPr>
             <p:spPr>
               <a:xfrm>
-                <a:off x="-2" y="-2"/>
-                <a:ext cx="1777337" cy="323798"/>
+                <a:off x="-1" y="-1"/>
+                <a:ext cx="1777339" cy="323801"/>
               </a:xfrm>
               <a:prstGeom prst="rect">
                 <a:avLst/>
@@ -22403,8 +22054,8 @@
             </p:nvSpPr>
             <p:spPr>
               <a:xfrm>
-                <a:off x="-2" y="27277"/>
-                <a:ext cx="1777337" cy="269237"/>
+                <a:off x="-1" y="27278"/>
+                <a:ext cx="1777339" cy="269237"/>
               </a:xfrm>
               <a:prstGeom prst="rect">
                 <a:avLst/>
@@ -22428,9 +22079,9 @@
               <a:lstStyle>
                 <a:lvl1pPr algn="ctr">
                   <a:defRPr sz="1200">
-                    <a:latin typeface="+mj-lt"/>
-                    <a:ea typeface="+mj-ea"/>
-                    <a:cs typeface="+mj-cs"/>
+                    <a:latin typeface="+mn-lt"/>
+                    <a:ea typeface="+mn-ea"/>
+                    <a:cs typeface="+mn-cs"/>
                     <a:sym typeface="Helvetica"/>
                   </a:defRPr>
                 </a:lvl1pPr>
@@ -22452,10 +22103,10 @@
           </p:nvGrpSpPr>
           <p:grpSpPr>
             <a:xfrm>
-              <a:off x="1905333" y="2300021"/>
-              <a:ext cx="1777336" cy="323798"/>
-              <a:chOff x="-1" y="-1"/>
-              <a:chExt cx="1777335" cy="323796"/>
+              <a:off x="1905333" y="2300023"/>
+              <a:ext cx="1777339" cy="323801"/>
+              <a:chOff x="0" y="0"/>
+              <a:chExt cx="1777338" cy="323800"/>
             </a:xfrm>
           </p:grpSpPr>
           <p:sp>
@@ -22466,8 +22117,8 @@
             </p:nvSpPr>
             <p:spPr>
               <a:xfrm>
-                <a:off x="-2" y="-2"/>
-                <a:ext cx="1777337" cy="323798"/>
+                <a:off x="-1" y="-1"/>
+                <a:ext cx="1777339" cy="323801"/>
               </a:xfrm>
               <a:prstGeom prst="rect">
                 <a:avLst/>
@@ -22511,8 +22162,8 @@
             </p:nvSpPr>
             <p:spPr>
               <a:xfrm>
-                <a:off x="-2" y="27277"/>
-                <a:ext cx="1777337" cy="269237"/>
+                <a:off x="-1" y="27278"/>
+                <a:ext cx="1777339" cy="269237"/>
               </a:xfrm>
               <a:prstGeom prst="rect">
                 <a:avLst/>
@@ -22536,9 +22187,9 @@
               <a:lstStyle>
                 <a:lvl1pPr algn="ctr">
                   <a:defRPr sz="1200">
-                    <a:latin typeface="+mj-lt"/>
-                    <a:ea typeface="+mj-ea"/>
-                    <a:cs typeface="+mj-cs"/>
+                    <a:latin typeface="+mn-lt"/>
+                    <a:ea typeface="+mn-ea"/>
+                    <a:cs typeface="+mn-cs"/>
                     <a:sym typeface="Helvetica"/>
                   </a:defRPr>
                 </a:lvl1pPr>
@@ -22560,10 +22211,10 @@
           </p:nvGrpSpPr>
           <p:grpSpPr>
             <a:xfrm>
-              <a:off x="960092" y="2683356"/>
-              <a:ext cx="1777335" cy="323801"/>
-              <a:chOff x="0" y="-1"/>
-              <a:chExt cx="1777333" cy="323800"/>
+              <a:off x="960092" y="2683358"/>
+              <a:ext cx="1777337" cy="323803"/>
+              <a:chOff x="-1" y="-1"/>
+              <a:chExt cx="1777336" cy="323802"/>
             </a:xfrm>
           </p:grpSpPr>
           <p:sp>
@@ -22574,8 +22225,8 @@
             </p:nvSpPr>
             <p:spPr>
               <a:xfrm>
-                <a:off x="-1" y="-2"/>
-                <a:ext cx="1777334" cy="323801"/>
+                <a:off x="-2" y="-2"/>
+                <a:ext cx="1777338" cy="323803"/>
               </a:xfrm>
               <a:prstGeom prst="rect">
                 <a:avLst/>
@@ -22619,8 +22270,8 @@
             </p:nvSpPr>
             <p:spPr>
               <a:xfrm>
-                <a:off x="-1" y="27278"/>
-                <a:ext cx="1777334" cy="269237"/>
+                <a:off x="-2" y="27279"/>
+                <a:ext cx="1777338" cy="269237"/>
               </a:xfrm>
               <a:prstGeom prst="rect">
                 <a:avLst/>
@@ -22644,9 +22295,9 @@
               <a:lstStyle>
                 <a:lvl1pPr algn="ctr">
                   <a:defRPr sz="1200">
-                    <a:latin typeface="+mj-lt"/>
-                    <a:ea typeface="+mj-ea"/>
-                    <a:cs typeface="+mj-cs"/>
+                    <a:latin typeface="+mn-lt"/>
+                    <a:ea typeface="+mn-ea"/>
+                    <a:cs typeface="+mn-cs"/>
                     <a:sym typeface="Helvetica"/>
                   </a:defRPr>
                 </a:lvl1pPr>
@@ -22668,10 +22319,10 @@
           </p:nvGrpSpPr>
           <p:grpSpPr>
             <a:xfrm>
-              <a:off x="960092" y="3066694"/>
-              <a:ext cx="1777335" cy="323798"/>
-              <a:chOff x="0" y="-1"/>
-              <a:chExt cx="1777333" cy="323796"/>
+              <a:off x="960092" y="3066696"/>
+              <a:ext cx="1777337" cy="323801"/>
+              <a:chOff x="-1" y="0"/>
+              <a:chExt cx="1777336" cy="323800"/>
             </a:xfrm>
           </p:grpSpPr>
           <p:sp>
@@ -22682,8 +22333,8 @@
             </p:nvSpPr>
             <p:spPr>
               <a:xfrm>
-                <a:off x="-1" y="-2"/>
-                <a:ext cx="1777334" cy="323798"/>
+                <a:off x="-2" y="-1"/>
+                <a:ext cx="1777338" cy="323801"/>
               </a:xfrm>
               <a:prstGeom prst="rect">
                 <a:avLst/>
@@ -22727,8 +22378,8 @@
             </p:nvSpPr>
             <p:spPr>
               <a:xfrm>
-                <a:off x="-1" y="27277"/>
-                <a:ext cx="1777334" cy="269237"/>
+                <a:off x="-2" y="27278"/>
+                <a:ext cx="1777338" cy="269237"/>
               </a:xfrm>
               <a:prstGeom prst="rect">
                 <a:avLst/>
@@ -22752,9 +22403,9 @@
               <a:lstStyle>
                 <a:lvl1pPr algn="ctr">
                   <a:defRPr sz="1200">
-                    <a:latin typeface="+mj-lt"/>
-                    <a:ea typeface="+mj-ea"/>
-                    <a:cs typeface="+mj-cs"/>
+                    <a:latin typeface="+mn-lt"/>
+                    <a:ea typeface="+mn-ea"/>
+                    <a:cs typeface="+mn-cs"/>
                     <a:sym typeface="Helvetica"/>
                   </a:defRPr>
                 </a:lvl1pPr>
@@ -22776,10 +22427,10 @@
           </p:nvGrpSpPr>
           <p:grpSpPr>
             <a:xfrm>
-              <a:off x="960092" y="3450030"/>
-              <a:ext cx="1777335" cy="323798"/>
-              <a:chOff x="0" y="-1"/>
-              <a:chExt cx="1777333" cy="323796"/>
+              <a:off x="960092" y="3450032"/>
+              <a:ext cx="1777337" cy="323801"/>
+              <a:chOff x="-1" y="0"/>
+              <a:chExt cx="1777336" cy="323800"/>
             </a:xfrm>
           </p:grpSpPr>
           <p:sp>
@@ -22790,8 +22441,8 @@
             </p:nvSpPr>
             <p:spPr>
               <a:xfrm>
-                <a:off x="-1" y="-2"/>
-                <a:ext cx="1777334" cy="323798"/>
+                <a:off x="-2" y="-1"/>
+                <a:ext cx="1777338" cy="323801"/>
               </a:xfrm>
               <a:prstGeom prst="rect">
                 <a:avLst/>
@@ -22835,8 +22486,8 @@
             </p:nvSpPr>
             <p:spPr>
               <a:xfrm>
-                <a:off x="-1" y="27277"/>
-                <a:ext cx="1777334" cy="269237"/>
+                <a:off x="-2" y="27278"/>
+                <a:ext cx="1777338" cy="269237"/>
               </a:xfrm>
               <a:prstGeom prst="rect">
                 <a:avLst/>
@@ -22860,9 +22511,9 @@
               <a:lstStyle>
                 <a:lvl1pPr algn="ctr">
                   <a:defRPr sz="1200">
-                    <a:latin typeface="+mj-lt"/>
-                    <a:ea typeface="+mj-ea"/>
-                    <a:cs typeface="+mj-cs"/>
+                    <a:latin typeface="+mn-lt"/>
+                    <a:ea typeface="+mn-ea"/>
+                    <a:cs typeface="+mn-cs"/>
                     <a:sym typeface="Helvetica"/>
                   </a:defRPr>
                 </a:lvl1pPr>
@@ -22884,10 +22535,10 @@
           </p:nvGrpSpPr>
           <p:grpSpPr>
             <a:xfrm>
-              <a:off x="960092" y="3833366"/>
-              <a:ext cx="1777335" cy="323801"/>
-              <a:chOff x="0" y="-1"/>
-              <a:chExt cx="1777333" cy="323800"/>
+              <a:off x="960092" y="3833368"/>
+              <a:ext cx="1777337" cy="323803"/>
+              <a:chOff x="-1" y="-1"/>
+              <a:chExt cx="1777336" cy="323802"/>
             </a:xfrm>
           </p:grpSpPr>
           <p:sp>
@@ -22898,8 +22549,8 @@
             </p:nvSpPr>
             <p:spPr>
               <a:xfrm>
-                <a:off x="-1" y="-2"/>
-                <a:ext cx="1777334" cy="323801"/>
+                <a:off x="-2" y="-2"/>
+                <a:ext cx="1777338" cy="323803"/>
               </a:xfrm>
               <a:prstGeom prst="rect">
                 <a:avLst/>
@@ -22943,8 +22594,8 @@
             </p:nvSpPr>
             <p:spPr>
               <a:xfrm>
-                <a:off x="-1" y="27278"/>
-                <a:ext cx="1777334" cy="269237"/>
+                <a:off x="-2" y="27279"/>
+                <a:ext cx="1777338" cy="269237"/>
               </a:xfrm>
               <a:prstGeom prst="rect">
                 <a:avLst/>
@@ -22968,9 +22619,9 @@
               <a:lstStyle>
                 <a:lvl1pPr algn="ctr">
                   <a:defRPr sz="1200">
-                    <a:latin typeface="+mj-lt"/>
-                    <a:ea typeface="+mj-ea"/>
-                    <a:cs typeface="+mj-cs"/>
+                    <a:latin typeface="+mn-lt"/>
+                    <a:ea typeface="+mn-ea"/>
+                    <a:cs typeface="+mn-cs"/>
                     <a:sym typeface="Helvetica"/>
                   </a:defRPr>
                 </a:lvl1pPr>
@@ -22992,10 +22643,10 @@
           </p:nvGrpSpPr>
           <p:grpSpPr>
             <a:xfrm>
-              <a:off x="960092" y="4216704"/>
-              <a:ext cx="1777335" cy="323798"/>
-              <a:chOff x="0" y="-1"/>
-              <a:chExt cx="1777333" cy="323796"/>
+              <a:off x="960092" y="4216706"/>
+              <a:ext cx="1777337" cy="323801"/>
+              <a:chOff x="-1" y="0"/>
+              <a:chExt cx="1777336" cy="323800"/>
             </a:xfrm>
           </p:grpSpPr>
           <p:sp>
@@ -23006,8 +22657,8 @@
             </p:nvSpPr>
             <p:spPr>
               <a:xfrm>
-                <a:off x="-1" y="-2"/>
-                <a:ext cx="1777334" cy="323798"/>
+                <a:off x="-2" y="-1"/>
+                <a:ext cx="1777338" cy="323801"/>
               </a:xfrm>
               <a:prstGeom prst="rect">
                 <a:avLst/>
@@ -23051,8 +22702,8 @@
             </p:nvSpPr>
             <p:spPr>
               <a:xfrm>
-                <a:off x="-1" y="27277"/>
-                <a:ext cx="1777334" cy="269237"/>
+                <a:off x="-2" y="27278"/>
+                <a:ext cx="1777338" cy="269237"/>
               </a:xfrm>
               <a:prstGeom prst="rect">
                 <a:avLst/>
@@ -23076,9 +22727,9 @@
               <a:lstStyle>
                 <a:lvl1pPr algn="ctr">
                   <a:defRPr sz="1200">
-                    <a:latin typeface="+mj-lt"/>
-                    <a:ea typeface="+mj-ea"/>
-                    <a:cs typeface="+mj-cs"/>
+                    <a:latin typeface="+mn-lt"/>
+                    <a:ea typeface="+mn-ea"/>
+                    <a:cs typeface="+mn-cs"/>
                     <a:sym typeface="Helvetica"/>
                   </a:defRPr>
                 </a:lvl1pPr>
@@ -23100,8 +22751,8 @@
           </p:nvSpPr>
           <p:spPr>
             <a:xfrm flipV="1">
-              <a:off x="597436" y="370639"/>
-              <a:ext cx="5" cy="575707"/>
+              <a:off x="597437" y="370641"/>
+              <a:ext cx="6" cy="575708"/>
             </a:xfrm>
             <a:prstGeom prst="line">
               <a:avLst/>
@@ -23123,14 +22774,7 @@
             </a:bodyPr>
             <a:lstStyle/>
             <a:p>
-              <a:pPr>
-                <a:defRPr sz="1600">
-                  <a:latin typeface="나눔고딕"/>
-                  <a:ea typeface="나눔고딕"/>
-                  <a:cs typeface="나눔고딕"/>
-                  <a:sym typeface="나눔고딕"/>
-                </a:defRPr>
-              </a:pPr>
+              <a:pPr/>
             </a:p>
           </p:txBody>
         </p:sp>
@@ -23142,8 +22786,8 @@
           </p:nvSpPr>
           <p:spPr>
             <a:xfrm flipV="1">
-              <a:off x="1511710" y="1132240"/>
-              <a:ext cx="5" cy="575708"/>
+              <a:off x="1511711" y="1132242"/>
+              <a:ext cx="6" cy="575709"/>
             </a:xfrm>
             <a:prstGeom prst="line">
               <a:avLst/>
@@ -23165,14 +22809,7 @@
             </a:bodyPr>
             <a:lstStyle/>
             <a:p>
-              <a:pPr>
-                <a:defRPr sz="1600">
-                  <a:latin typeface="나눔고딕"/>
-                  <a:ea typeface="나눔고딕"/>
-                  <a:cs typeface="나눔고딕"/>
-                  <a:sym typeface="나눔고딕"/>
-                </a:defRPr>
-              </a:pPr>
+              <a:pPr/>
             </a:p>
           </p:txBody>
         </p:sp>
@@ -23184,8 +22821,8 @@
           </p:nvSpPr>
           <p:spPr>
             <a:xfrm>
-              <a:off x="584470" y="944993"/>
-              <a:ext cx="368036" cy="5"/>
+              <a:off x="584471" y="944995"/>
+              <a:ext cx="368037" cy="6"/>
             </a:xfrm>
             <a:prstGeom prst="line">
               <a:avLst/>
@@ -23206,14 +22843,7 @@
             </a:bodyPr>
             <a:lstStyle/>
             <a:p>
-              <a:pPr>
-                <a:defRPr sz="1600">
-                  <a:latin typeface="나눔고딕"/>
-                  <a:ea typeface="나눔고딕"/>
-                  <a:cs typeface="나눔고딕"/>
-                  <a:sym typeface="나눔고딕"/>
-                </a:defRPr>
-              </a:pPr>
+              <a:pPr/>
             </a:p>
           </p:txBody>
         </p:sp>
@@ -23225,8 +22855,8 @@
           </p:nvSpPr>
           <p:spPr>
             <a:xfrm>
-              <a:off x="773962" y="545234"/>
-              <a:ext cx="178545" cy="5"/>
+              <a:off x="773963" y="545236"/>
+              <a:ext cx="178546" cy="6"/>
             </a:xfrm>
             <a:prstGeom prst="line">
               <a:avLst/>
@@ -23247,14 +22877,7 @@
             </a:bodyPr>
             <a:lstStyle/>
             <a:p>
-              <a:pPr>
-                <a:defRPr sz="1600">
-                  <a:latin typeface="나눔고딕"/>
-                  <a:ea typeface="나눔고딕"/>
-                  <a:cs typeface="나눔고딕"/>
-                  <a:sym typeface="나눔고딕"/>
-                </a:defRPr>
-              </a:pPr>
+              <a:pPr/>
             </a:p>
           </p:txBody>
         </p:sp>
@@ -23266,8 +22889,8 @@
           </p:nvSpPr>
           <p:spPr>
             <a:xfrm>
-              <a:off x="1704237" y="1311906"/>
-              <a:ext cx="193433" cy="5"/>
+              <a:off x="1704238" y="1311908"/>
+              <a:ext cx="193434" cy="6"/>
             </a:xfrm>
             <a:prstGeom prst="line">
               <a:avLst/>
@@ -23288,14 +22911,7 @@
             </a:bodyPr>
             <a:lstStyle/>
             <a:p>
-              <a:pPr>
-                <a:defRPr sz="1600">
-                  <a:latin typeface="나눔고딕"/>
-                  <a:ea typeface="나눔고딕"/>
-                  <a:cs typeface="나눔고딕"/>
-                  <a:sym typeface="나눔고딕"/>
-                </a:defRPr>
-              </a:pPr>
+              <a:pPr/>
             </a:p>
           </p:txBody>
         </p:sp>
@@ -23307,8 +22923,8 @@
           </p:nvSpPr>
           <p:spPr>
             <a:xfrm>
-              <a:off x="1514745" y="1695243"/>
-              <a:ext cx="382925" cy="5"/>
+              <a:off x="1514746" y="1695245"/>
+              <a:ext cx="382926" cy="6"/>
             </a:xfrm>
             <a:prstGeom prst="line">
               <a:avLst/>
@@ -23329,14 +22945,7 @@
             </a:bodyPr>
             <a:lstStyle/>
             <a:p>
-              <a:pPr>
-                <a:defRPr sz="1600">
-                  <a:latin typeface="나눔고딕"/>
-                  <a:ea typeface="나눔고딕"/>
-                  <a:cs typeface="나눔고딕"/>
-                  <a:sym typeface="나눔고딕"/>
-                </a:defRPr>
-              </a:pPr>
+              <a:pPr/>
             </a:p>
           </p:txBody>
         </p:sp>
@@ -23348,8 +22957,8 @@
           </p:nvSpPr>
           <p:spPr>
             <a:xfrm>
-              <a:off x="1704237" y="2078579"/>
-              <a:ext cx="193433" cy="5"/>
+              <a:off x="1704238" y="2078581"/>
+              <a:ext cx="193434" cy="6"/>
             </a:xfrm>
             <a:prstGeom prst="line">
               <a:avLst/>
@@ -23370,14 +22979,7 @@
             </a:bodyPr>
             <a:lstStyle/>
             <a:p>
-              <a:pPr>
-                <a:defRPr sz="1600">
-                  <a:latin typeface="나눔고딕"/>
-                  <a:ea typeface="나눔고딕"/>
-                  <a:cs typeface="나눔고딕"/>
-                  <a:sym typeface="나눔고딕"/>
-                </a:defRPr>
-              </a:pPr>
+              <a:pPr/>
             </a:p>
           </p:txBody>
         </p:sp>
@@ -23389,8 +22991,8 @@
           </p:nvSpPr>
           <p:spPr>
             <a:xfrm>
-              <a:off x="1704237" y="2461918"/>
-              <a:ext cx="193433" cy="5"/>
+              <a:off x="1704238" y="2461921"/>
+              <a:ext cx="193434" cy="6"/>
             </a:xfrm>
             <a:prstGeom prst="line">
               <a:avLst/>
@@ -23411,14 +23013,7 @@
             </a:bodyPr>
             <a:lstStyle/>
             <a:p>
-              <a:pPr>
-                <a:defRPr sz="1600">
-                  <a:latin typeface="나눔고딕"/>
-                  <a:ea typeface="나눔고딕"/>
-                  <a:cs typeface="나눔고딕"/>
-                  <a:sym typeface="나눔고딕"/>
-                </a:defRPr>
-              </a:pPr>
+              <a:pPr/>
             </a:p>
           </p:txBody>
         </p:sp>
@@ -23430,8 +23025,8 @@
           </p:nvSpPr>
           <p:spPr>
             <a:xfrm flipV="1">
-              <a:off x="1706205" y="1299208"/>
-              <a:ext cx="5" cy="1172350"/>
+              <a:off x="1706206" y="1299211"/>
+              <a:ext cx="6" cy="1172351"/>
             </a:xfrm>
             <a:prstGeom prst="line">
               <a:avLst/>
@@ -23452,14 +23047,7 @@
             </a:bodyPr>
             <a:lstStyle/>
             <a:p>
-              <a:pPr>
-                <a:defRPr sz="1600">
-                  <a:latin typeface="나눔고딕"/>
-                  <a:ea typeface="나눔고딕"/>
-                  <a:cs typeface="나눔고딕"/>
-                  <a:sym typeface="나눔고딕"/>
-                </a:defRPr>
-              </a:pPr>
+              <a:pPr/>
             </a:p>
           </p:txBody>
         </p:sp>
@@ -23471,8 +23059,8 @@
           </p:nvSpPr>
           <p:spPr>
             <a:xfrm flipV="1">
-              <a:off x="775930" y="532533"/>
-              <a:ext cx="5" cy="3858773"/>
+              <a:off x="775931" y="532534"/>
+              <a:ext cx="6" cy="3858777"/>
             </a:xfrm>
             <a:prstGeom prst="line">
               <a:avLst/>
@@ -23493,14 +23081,7 @@
             </a:bodyPr>
             <a:lstStyle/>
             <a:p>
-              <a:pPr>
-                <a:defRPr sz="1600">
-                  <a:latin typeface="나눔고딕"/>
-                  <a:ea typeface="나눔고딕"/>
-                  <a:cs typeface="나눔고딕"/>
-                  <a:sym typeface="나눔고딕"/>
-                </a:defRPr>
-              </a:pPr>
+              <a:pPr/>
             </a:p>
           </p:txBody>
         </p:sp>
@@ -23512,8 +23093,8 @@
           </p:nvSpPr>
           <p:spPr>
             <a:xfrm>
-              <a:off x="762002" y="3228590"/>
-              <a:ext cx="190504" cy="5"/>
+              <a:off x="762003" y="3228593"/>
+              <a:ext cx="190505" cy="6"/>
             </a:xfrm>
             <a:prstGeom prst="line">
               <a:avLst/>
@@ -23534,14 +23115,7 @@
             </a:bodyPr>
             <a:lstStyle/>
             <a:p>
-              <a:pPr>
-                <a:defRPr sz="1600">
-                  <a:latin typeface="나눔고딕"/>
-                  <a:ea typeface="나눔고딕"/>
-                  <a:cs typeface="나눔고딕"/>
-                  <a:sym typeface="나눔고딕"/>
-                </a:defRPr>
-              </a:pPr>
+              <a:pPr/>
             </a:p>
           </p:txBody>
         </p:sp>
@@ -23553,8 +23127,8 @@
           </p:nvSpPr>
           <p:spPr>
             <a:xfrm>
-              <a:off x="762002" y="3611927"/>
-              <a:ext cx="190505" cy="5"/>
+              <a:off x="762003" y="3611930"/>
+              <a:ext cx="190506" cy="6"/>
             </a:xfrm>
             <a:prstGeom prst="line">
               <a:avLst/>
@@ -23575,14 +23149,7 @@
             </a:bodyPr>
             <a:lstStyle/>
             <a:p>
-              <a:pPr>
-                <a:defRPr sz="1600">
-                  <a:latin typeface="나눔고딕"/>
-                  <a:ea typeface="나눔고딕"/>
-                  <a:cs typeface="나눔고딕"/>
-                  <a:sym typeface="나눔고딕"/>
-                </a:defRPr>
-              </a:pPr>
+              <a:pPr/>
             </a:p>
           </p:txBody>
         </p:sp>
@@ -23594,8 +23161,8 @@
           </p:nvSpPr>
           <p:spPr>
             <a:xfrm>
-              <a:off x="762002" y="3995264"/>
-              <a:ext cx="190504" cy="5"/>
+              <a:off x="762003" y="3995267"/>
+              <a:ext cx="190505" cy="6"/>
             </a:xfrm>
             <a:prstGeom prst="line">
               <a:avLst/>
@@ -23616,14 +23183,7 @@
             </a:bodyPr>
             <a:lstStyle/>
             <a:p>
-              <a:pPr>
-                <a:defRPr sz="1600">
-                  <a:latin typeface="나눔고딕"/>
-                  <a:ea typeface="나눔고딕"/>
-                  <a:cs typeface="나눔고딕"/>
-                  <a:sym typeface="나눔고딕"/>
-                </a:defRPr>
-              </a:pPr>
+              <a:pPr/>
             </a:p>
           </p:txBody>
         </p:sp>
@@ -23635,8 +23195,8 @@
           </p:nvSpPr>
           <p:spPr>
             <a:xfrm>
-              <a:off x="762002" y="4378602"/>
-              <a:ext cx="190505" cy="5"/>
+              <a:off x="762003" y="4378606"/>
+              <a:ext cx="190506" cy="6"/>
             </a:xfrm>
             <a:prstGeom prst="line">
               <a:avLst/>
@@ -23657,14 +23217,7 @@
             </a:bodyPr>
             <a:lstStyle/>
             <a:p>
-              <a:pPr>
-                <a:defRPr sz="1600">
-                  <a:latin typeface="나눔고딕"/>
-                  <a:ea typeface="나눔고딕"/>
-                  <a:cs typeface="나눔고딕"/>
-                  <a:sym typeface="나눔고딕"/>
-                </a:defRPr>
-              </a:pPr>
+              <a:pPr/>
             </a:p>
           </p:txBody>
         </p:sp>
@@ -23676,8 +23229,8 @@
           </p:nvSpPr>
           <p:spPr>
             <a:xfrm>
-              <a:off x="762002" y="2845254"/>
-              <a:ext cx="190504" cy="5"/>
+              <a:off x="762003" y="2845257"/>
+              <a:ext cx="190505" cy="6"/>
             </a:xfrm>
             <a:prstGeom prst="line">
               <a:avLst/>
@@ -23698,14 +23251,7 @@
             </a:bodyPr>
             <a:lstStyle/>
             <a:p>
-              <a:pPr>
-                <a:defRPr sz="1600">
-                  <a:latin typeface="나눔고딕"/>
-                  <a:ea typeface="나눔고딕"/>
-                  <a:cs typeface="나눔고딕"/>
-                  <a:sym typeface="나눔고딕"/>
-                </a:defRPr>
-              </a:pPr>
+              <a:pPr/>
             </a:p>
           </p:txBody>
         </p:sp>
@@ -23718,10 +23264,10 @@
         </p:nvGrpSpPr>
         <p:grpSpPr>
           <a:xfrm>
-            <a:off x="5208977" y="126995"/>
-            <a:ext cx="1269331" cy="323800"/>
+            <a:off x="5208976" y="126993"/>
+            <a:ext cx="1269333" cy="323803"/>
             <a:chOff x="0" y="-1"/>
-            <a:chExt cx="1269329" cy="323798"/>
+            <a:chExt cx="1269332" cy="323802"/>
           </a:xfrm>
         </p:grpSpPr>
         <p:sp>
@@ -23733,7 +23279,7 @@
           <p:spPr>
             <a:xfrm>
               <a:off x="-1" y="-2"/>
-              <a:ext cx="1269331" cy="323800"/>
+              <a:ext cx="1269333" cy="323804"/>
             </a:xfrm>
             <a:prstGeom prst="rect">
               <a:avLst/>
@@ -23777,8 +23323,8 @@
           </p:nvSpPr>
           <p:spPr>
             <a:xfrm>
-              <a:off x="-1" y="27278"/>
-              <a:ext cx="1269331" cy="269237"/>
+              <a:off x="-1" y="27279"/>
+              <a:ext cx="1269333" cy="269237"/>
             </a:xfrm>
             <a:prstGeom prst="rect">
               <a:avLst/>
@@ -23802,9 +23348,9 @@
             <a:lstStyle>
               <a:lvl1pPr algn="ctr">
                 <a:defRPr sz="1200">
-                  <a:latin typeface="+mj-lt"/>
-                  <a:ea typeface="+mj-ea"/>
-                  <a:cs typeface="+mj-cs"/>
+                  <a:latin typeface="+mn-lt"/>
+                  <a:ea typeface="+mn-ea"/>
+                  <a:cs typeface="+mn-cs"/>
                   <a:sym typeface="Helvetica"/>
                 </a:defRPr>
               </a:lvl1pPr>
@@ -23826,10 +23372,10 @@
         </p:nvGrpSpPr>
         <p:grpSpPr>
           <a:xfrm>
-            <a:off x="6169074" y="510334"/>
-            <a:ext cx="1777328" cy="323795"/>
-            <a:chOff x="0" y="0"/>
-            <a:chExt cx="1777327" cy="323794"/>
+            <a:off x="6169072" y="510333"/>
+            <a:ext cx="1777329" cy="323796"/>
+            <a:chOff x="0" y="-1"/>
+            <a:chExt cx="1777327" cy="323795"/>
           </a:xfrm>
         </p:grpSpPr>
         <p:sp>
@@ -23840,8 +23386,8 @@
           </p:nvSpPr>
           <p:spPr>
             <a:xfrm>
-              <a:off x="-1" y="-1"/>
-              <a:ext cx="1777328" cy="323795"/>
+              <a:off x="-1" y="-2"/>
+              <a:ext cx="1777328" cy="323797"/>
             </a:xfrm>
             <a:prstGeom prst="rect">
               <a:avLst/>
@@ -23910,9 +23456,9 @@
             <a:lstStyle>
               <a:lvl1pPr algn="ctr">
                 <a:defRPr sz="1200">
-                  <a:latin typeface="+mj-lt"/>
-                  <a:ea typeface="+mj-ea"/>
-                  <a:cs typeface="+mj-cs"/>
+                  <a:latin typeface="+mn-lt"/>
+                  <a:ea typeface="+mn-ea"/>
+                  <a:cs typeface="+mn-cs"/>
                   <a:sym typeface="Helvetica"/>
                 </a:defRPr>
               </a:lvl1pPr>
@@ -23934,10 +23480,10 @@
         </p:nvGrpSpPr>
         <p:grpSpPr>
           <a:xfrm>
-            <a:off x="6169074" y="893667"/>
-            <a:ext cx="1777328" cy="323802"/>
-            <a:chOff x="0" y="0"/>
-            <a:chExt cx="1777327" cy="323800"/>
+            <a:off x="6169072" y="893665"/>
+            <a:ext cx="1777329" cy="323803"/>
+            <a:chOff x="0" y="-1"/>
+            <a:chExt cx="1777327" cy="323802"/>
           </a:xfrm>
         </p:grpSpPr>
         <p:sp>
@@ -23948,8 +23494,8 @@
           </p:nvSpPr>
           <p:spPr>
             <a:xfrm>
-              <a:off x="-1" y="-1"/>
-              <a:ext cx="1777328" cy="323801"/>
+              <a:off x="-1" y="-2"/>
+              <a:ext cx="1777328" cy="323804"/>
             </a:xfrm>
             <a:prstGeom prst="rect">
               <a:avLst/>
@@ -24018,9 +23564,9 @@
             <a:lstStyle>
               <a:lvl1pPr algn="ctr">
                 <a:defRPr sz="1200">
-                  <a:latin typeface="+mj-lt"/>
-                  <a:ea typeface="+mj-ea"/>
-                  <a:cs typeface="+mj-cs"/>
+                  <a:latin typeface="+mn-lt"/>
+                  <a:ea typeface="+mn-ea"/>
+                  <a:cs typeface="+mn-cs"/>
                   <a:sym typeface="Helvetica"/>
                 </a:defRPr>
               </a:lvl1pPr>
@@ -24042,10 +23588,10 @@
         </p:nvGrpSpPr>
         <p:grpSpPr>
           <a:xfrm>
-            <a:off x="7114314" y="1277006"/>
-            <a:ext cx="1777329" cy="323796"/>
-            <a:chOff x="0" y="0"/>
-            <a:chExt cx="1777327" cy="323794"/>
+            <a:off x="7114312" y="1277004"/>
+            <a:ext cx="1777331" cy="323798"/>
+            <a:chOff x="-1" y="0"/>
+            <a:chExt cx="1777330" cy="323796"/>
           </a:xfrm>
         </p:grpSpPr>
         <p:sp>
@@ -24056,8 +23602,8 @@
           </p:nvSpPr>
           <p:spPr>
             <a:xfrm>
-              <a:off x="-1" y="-1"/>
-              <a:ext cx="1777328" cy="323795"/>
+              <a:off x="-2" y="-1"/>
+              <a:ext cx="1777331" cy="323798"/>
             </a:xfrm>
             <a:prstGeom prst="rect">
               <a:avLst/>
@@ -24101,8 +23647,8 @@
           </p:nvSpPr>
           <p:spPr>
             <a:xfrm>
-              <a:off x="-1" y="27277"/>
-              <a:ext cx="1777328" cy="269237"/>
+              <a:off x="-2" y="27277"/>
+              <a:ext cx="1777331" cy="269237"/>
             </a:xfrm>
             <a:prstGeom prst="rect">
               <a:avLst/>
@@ -24126,9 +23672,9 @@
             <a:lstStyle>
               <a:lvl1pPr algn="ctr">
                 <a:defRPr sz="1200">
-                  <a:latin typeface="+mj-lt"/>
-                  <a:ea typeface="+mj-ea"/>
-                  <a:cs typeface="+mj-cs"/>
+                  <a:latin typeface="+mn-lt"/>
+                  <a:ea typeface="+mn-ea"/>
+                  <a:cs typeface="+mn-cs"/>
                   <a:sym typeface="Helvetica"/>
                 </a:defRPr>
               </a:lvl1pPr>
@@ -24150,10 +23696,10 @@
         </p:nvGrpSpPr>
         <p:grpSpPr>
           <a:xfrm>
-            <a:off x="7114314" y="1660341"/>
-            <a:ext cx="1777329" cy="323798"/>
-            <a:chOff x="0" y="0"/>
-            <a:chExt cx="1777327" cy="323796"/>
+            <a:off x="7114312" y="1660340"/>
+            <a:ext cx="1777331" cy="323800"/>
+            <a:chOff x="-1" y="0"/>
+            <a:chExt cx="1777330" cy="323799"/>
           </a:xfrm>
         </p:grpSpPr>
         <p:sp>
@@ -24164,8 +23710,8 @@
           </p:nvSpPr>
           <p:spPr>
             <a:xfrm>
-              <a:off x="-1" y="-1"/>
-              <a:ext cx="1777328" cy="323798"/>
+              <a:off x="-2" y="-1"/>
+              <a:ext cx="1777331" cy="323800"/>
             </a:xfrm>
             <a:prstGeom prst="rect">
               <a:avLst/>
@@ -24209,8 +23755,8 @@
           </p:nvSpPr>
           <p:spPr>
             <a:xfrm>
-              <a:off x="-1" y="27277"/>
-              <a:ext cx="1777328" cy="269237"/>
+              <a:off x="-2" y="27277"/>
+              <a:ext cx="1777331" cy="269237"/>
             </a:xfrm>
             <a:prstGeom prst="rect">
               <a:avLst/>
@@ -24234,9 +23780,9 @@
             <a:lstStyle>
               <a:lvl1pPr algn="ctr">
                 <a:defRPr sz="1200">
-                  <a:latin typeface="+mj-lt"/>
-                  <a:ea typeface="+mj-ea"/>
-                  <a:cs typeface="+mj-cs"/>
+                  <a:latin typeface="+mn-lt"/>
+                  <a:ea typeface="+mn-ea"/>
+                  <a:cs typeface="+mn-cs"/>
                   <a:sym typeface="Helvetica"/>
                 </a:defRPr>
               </a:lvl1pPr>
@@ -24258,10 +23804,10 @@
         </p:nvGrpSpPr>
         <p:grpSpPr>
           <a:xfrm>
-            <a:off x="7114314" y="2043682"/>
-            <a:ext cx="1777329" cy="323796"/>
-            <a:chOff x="0" y="0"/>
-            <a:chExt cx="1777327" cy="323795"/>
+            <a:off x="7114312" y="2043681"/>
+            <a:ext cx="1777331" cy="323799"/>
+            <a:chOff x="-1" y="-1"/>
+            <a:chExt cx="1777330" cy="323798"/>
           </a:xfrm>
         </p:grpSpPr>
         <p:sp>
@@ -24272,8 +23818,8 @@
           </p:nvSpPr>
           <p:spPr>
             <a:xfrm>
-              <a:off x="-1" y="-1"/>
-              <a:ext cx="1777328" cy="323797"/>
+              <a:off x="-2" y="-2"/>
+              <a:ext cx="1777331" cy="323800"/>
             </a:xfrm>
             <a:prstGeom prst="rect">
               <a:avLst/>
@@ -24317,8 +23863,8 @@
           </p:nvSpPr>
           <p:spPr>
             <a:xfrm>
-              <a:off x="-1" y="27277"/>
-              <a:ext cx="1777328" cy="269237"/>
+              <a:off x="-2" y="27277"/>
+              <a:ext cx="1777331" cy="269237"/>
             </a:xfrm>
             <a:prstGeom prst="rect">
               <a:avLst/>
@@ -24342,9 +23888,9 @@
             <a:lstStyle>
               <a:lvl1pPr algn="ctr">
                 <a:defRPr sz="1200">
-                  <a:latin typeface="+mj-lt"/>
-                  <a:ea typeface="+mj-ea"/>
-                  <a:cs typeface="+mj-cs"/>
+                  <a:latin typeface="+mn-lt"/>
+                  <a:ea typeface="+mn-ea"/>
+                  <a:cs typeface="+mn-cs"/>
                   <a:sym typeface="Helvetica"/>
                 </a:defRPr>
               </a:lvl1pPr>
@@ -24366,10 +23912,10 @@
         </p:nvGrpSpPr>
         <p:grpSpPr>
           <a:xfrm>
-            <a:off x="6169074" y="2427013"/>
-            <a:ext cx="1777328" cy="323799"/>
-            <a:chOff x="0" y="-1"/>
-            <a:chExt cx="1777327" cy="323798"/>
+            <a:off x="6169072" y="2427011"/>
+            <a:ext cx="1777329" cy="323802"/>
+            <a:chOff x="0" y="0"/>
+            <a:chExt cx="1777327" cy="323800"/>
           </a:xfrm>
         </p:grpSpPr>
         <p:sp>
@@ -24380,8 +23926,8 @@
           </p:nvSpPr>
           <p:spPr>
             <a:xfrm>
-              <a:off x="-1" y="-2"/>
-              <a:ext cx="1777328" cy="323800"/>
+              <a:off x="-1" y="-1"/>
+              <a:ext cx="1777328" cy="323801"/>
             </a:xfrm>
             <a:prstGeom prst="rect">
               <a:avLst/>
@@ -24425,7 +23971,7 @@
           </p:nvSpPr>
           <p:spPr>
             <a:xfrm>
-              <a:off x="-1" y="27278"/>
+              <a:off x="-1" y="27279"/>
               <a:ext cx="1777328" cy="269237"/>
             </a:xfrm>
             <a:prstGeom prst="rect">
@@ -24450,9 +23996,9 @@
             <a:lstStyle>
               <a:lvl1pPr algn="ctr">
                 <a:defRPr sz="1200">
-                  <a:latin typeface="+mj-lt"/>
-                  <a:ea typeface="+mj-ea"/>
-                  <a:cs typeface="+mj-cs"/>
+                  <a:latin typeface="+mn-lt"/>
+                  <a:ea typeface="+mn-ea"/>
+                  <a:cs typeface="+mn-cs"/>
                   <a:sym typeface="Helvetica"/>
                 </a:defRPr>
               </a:lvl1pPr>
@@ -24474,10 +24020,10 @@
         </p:nvGrpSpPr>
         <p:grpSpPr>
           <a:xfrm>
-            <a:off x="6169074" y="2810355"/>
-            <a:ext cx="1777328" cy="323795"/>
+            <a:off x="6169072" y="2810355"/>
+            <a:ext cx="1777329" cy="323796"/>
             <a:chOff x="0" y="0"/>
-            <a:chExt cx="1777327" cy="323794"/>
+            <a:chExt cx="1777327" cy="323795"/>
           </a:xfrm>
         </p:grpSpPr>
         <p:sp>
@@ -24488,8 +24034,8 @@
           </p:nvSpPr>
           <p:spPr>
             <a:xfrm>
-              <a:off x="-1" y="0"/>
-              <a:ext cx="1777328" cy="323795"/>
+              <a:off x="-1" y="-1"/>
+              <a:ext cx="1777328" cy="323797"/>
             </a:xfrm>
             <a:prstGeom prst="rect">
               <a:avLst/>
@@ -24558,9 +24104,9 @@
             <a:lstStyle>
               <a:lvl1pPr algn="ctr">
                 <a:defRPr sz="1200">
-                  <a:latin typeface="+mj-lt"/>
-                  <a:ea typeface="+mj-ea"/>
-                  <a:cs typeface="+mj-cs"/>
+                  <a:latin typeface="+mn-lt"/>
+                  <a:ea typeface="+mn-ea"/>
+                  <a:cs typeface="+mn-cs"/>
                   <a:sym typeface="Helvetica"/>
                 </a:defRPr>
               </a:lvl1pPr>
@@ -24582,10 +24128,10 @@
         </p:nvGrpSpPr>
         <p:grpSpPr>
           <a:xfrm>
-            <a:off x="6169074" y="3193688"/>
-            <a:ext cx="1777328" cy="323796"/>
-            <a:chOff x="0" y="0"/>
-            <a:chExt cx="1777327" cy="323795"/>
+            <a:off x="6169072" y="3193687"/>
+            <a:ext cx="1777329" cy="323799"/>
+            <a:chOff x="0" y="-1"/>
+            <a:chExt cx="1777327" cy="323798"/>
           </a:xfrm>
         </p:grpSpPr>
         <p:sp>
@@ -24596,8 +24142,8 @@
           </p:nvSpPr>
           <p:spPr>
             <a:xfrm>
-              <a:off x="-1" y="-1"/>
-              <a:ext cx="1777328" cy="323797"/>
+              <a:off x="-1" y="-2"/>
+              <a:ext cx="1777328" cy="323800"/>
             </a:xfrm>
             <a:prstGeom prst="rect">
               <a:avLst/>
@@ -24666,9 +24212,9 @@
             <a:lstStyle>
               <a:lvl1pPr algn="ctr">
                 <a:defRPr sz="1200">
-                  <a:latin typeface="+mj-lt"/>
-                  <a:ea typeface="+mj-ea"/>
-                  <a:cs typeface="+mj-cs"/>
+                  <a:latin typeface="+mn-lt"/>
+                  <a:ea typeface="+mn-ea"/>
+                  <a:cs typeface="+mn-cs"/>
                   <a:sym typeface="Helvetica"/>
                 </a:defRPr>
               </a:lvl1pPr>
@@ -24691,7 +24237,7 @@
         <p:spPr>
           <a:xfrm flipH="1" flipV="1">
             <a:off x="5745233" y="503986"/>
-            <a:ext cx="5" cy="575705"/>
+            <a:ext cx="6" cy="575705"/>
           </a:xfrm>
           <a:prstGeom prst="line">
             <a:avLst/>
@@ -24707,14 +24253,7 @@
           <a:bodyPr lIns="45718" tIns="45718" rIns="45718" bIns="45718"/>
           <a:lstStyle/>
           <a:p>
-            <a:pPr>
-              <a:defRPr sz="1600">
-                <a:latin typeface="나눔고딕"/>
-                <a:ea typeface="나눔고딕"/>
-                <a:cs typeface="나눔고딕"/>
-                <a:sym typeface="나눔고딕"/>
-              </a:defRPr>
-            </a:pPr>
+            <a:pPr/>
           </a:p>
         </p:txBody>
       </p:sp>
@@ -24727,7 +24266,7 @@
         <p:spPr>
           <a:xfrm flipV="1">
             <a:off x="6720692" y="1259236"/>
-            <a:ext cx="5" cy="575708"/>
+            <a:ext cx="6" cy="575708"/>
           </a:xfrm>
           <a:prstGeom prst="line">
             <a:avLst/>
@@ -24743,14 +24282,7 @@
           <a:bodyPr lIns="45718" tIns="45718" rIns="45718" bIns="45718"/>
           <a:lstStyle/>
           <a:p>
-            <a:pPr>
-              <a:defRPr sz="1600">
-                <a:latin typeface="나눔고딕"/>
-                <a:ea typeface="나눔고딕"/>
-                <a:cs typeface="나눔고딕"/>
-                <a:sym typeface="나눔고딕"/>
-              </a:defRPr>
-            </a:pPr>
+            <a:pPr/>
           </a:p>
         </p:txBody>
       </p:sp>
@@ -24763,7 +24295,7 @@
         <p:spPr>
           <a:xfrm>
             <a:off x="5740400" y="1071989"/>
-            <a:ext cx="419101" cy="5"/>
+            <a:ext cx="419101" cy="6"/>
           </a:xfrm>
           <a:prstGeom prst="line">
             <a:avLst/>
@@ -24778,14 +24310,7 @@
           <a:bodyPr lIns="45718" tIns="45718" rIns="45718" bIns="45718"/>
           <a:lstStyle/>
           <a:p>
-            <a:pPr>
-              <a:defRPr sz="1600">
-                <a:latin typeface="나눔고딕"/>
-                <a:ea typeface="나눔고딕"/>
-                <a:cs typeface="나눔고딕"/>
-                <a:sym typeface="나눔고딕"/>
-              </a:defRPr>
-            </a:pPr>
+            <a:pPr/>
           </a:p>
         </p:txBody>
       </p:sp>
@@ -24798,7 +24323,7 @@
         <p:spPr>
           <a:xfrm>
             <a:off x="5968998" y="672231"/>
-            <a:ext cx="190506" cy="5"/>
+            <a:ext cx="190507" cy="6"/>
           </a:xfrm>
           <a:prstGeom prst="line">
             <a:avLst/>
@@ -24813,14 +24338,7 @@
           <a:bodyPr lIns="45718" tIns="45718" rIns="45718" bIns="45718"/>
           <a:lstStyle/>
           <a:p>
-            <a:pPr>
-              <a:defRPr sz="1600">
-                <a:latin typeface="나눔고딕"/>
-                <a:ea typeface="나눔고딕"/>
-                <a:cs typeface="나눔고딕"/>
-                <a:sym typeface="나눔고딕"/>
-              </a:defRPr>
-            </a:pPr>
+            <a:pPr/>
           </a:p>
         </p:txBody>
       </p:sp>
@@ -24833,7 +24351,7 @@
         <p:spPr>
           <a:xfrm>
             <a:off x="6913219" y="1438901"/>
-            <a:ext cx="193433" cy="5"/>
+            <a:ext cx="193434" cy="6"/>
           </a:xfrm>
           <a:prstGeom prst="line">
             <a:avLst/>
@@ -24848,14 +24366,7 @@
           <a:bodyPr lIns="45718" tIns="45718" rIns="45718" bIns="45718"/>
           <a:lstStyle/>
           <a:p>
-            <a:pPr>
-              <a:defRPr sz="1600">
-                <a:latin typeface="나눔고딕"/>
-                <a:ea typeface="나눔고딕"/>
-                <a:cs typeface="나눔고딕"/>
-                <a:sym typeface="나눔고딕"/>
-              </a:defRPr>
-            </a:pPr>
+            <a:pPr/>
           </a:p>
         </p:txBody>
       </p:sp>
@@ -24868,7 +24379,7 @@
         <p:spPr>
           <a:xfrm>
             <a:off x="6723726" y="1822237"/>
-            <a:ext cx="382925" cy="5"/>
+            <a:ext cx="382926" cy="6"/>
           </a:xfrm>
           <a:prstGeom prst="line">
             <a:avLst/>
@@ -24883,14 +24394,7 @@
           <a:bodyPr lIns="45718" tIns="45718" rIns="45718" bIns="45718"/>
           <a:lstStyle/>
           <a:p>
-            <a:pPr>
-              <a:defRPr sz="1600">
-                <a:latin typeface="나눔고딕"/>
-                <a:ea typeface="나눔고딕"/>
-                <a:cs typeface="나눔고딕"/>
-                <a:sym typeface="나눔고딕"/>
-              </a:defRPr>
-            </a:pPr>
+            <a:pPr/>
           </a:p>
         </p:txBody>
       </p:sp>
@@ -24903,7 +24407,7 @@
         <p:spPr>
           <a:xfrm>
             <a:off x="6913219" y="2205576"/>
-            <a:ext cx="193433" cy="5"/>
+            <a:ext cx="193434" cy="6"/>
           </a:xfrm>
           <a:prstGeom prst="line">
             <a:avLst/>
@@ -24918,14 +24422,7 @@
           <a:bodyPr lIns="45718" tIns="45718" rIns="45718" bIns="45718"/>
           <a:lstStyle/>
           <a:p>
-            <a:pPr>
-              <a:defRPr sz="1600">
-                <a:latin typeface="나눔고딕"/>
-                <a:ea typeface="나눔고딕"/>
-                <a:cs typeface="나눔고딕"/>
-                <a:sym typeface="나눔고딕"/>
-              </a:defRPr>
-            </a:pPr>
+            <a:pPr/>
           </a:p>
         </p:txBody>
       </p:sp>
@@ -24938,7 +24435,7 @@
         <p:spPr>
           <a:xfrm flipV="1">
             <a:off x="6915187" y="1426201"/>
-            <a:ext cx="5" cy="792079"/>
+            <a:ext cx="6" cy="792080"/>
           </a:xfrm>
           <a:prstGeom prst="line">
             <a:avLst/>
@@ -24953,14 +24450,7 @@
           <a:bodyPr lIns="45718" tIns="45718" rIns="45718" bIns="45718"/>
           <a:lstStyle/>
           <a:p>
-            <a:pPr>
-              <a:defRPr sz="1600">
-                <a:latin typeface="나눔고딕"/>
-                <a:ea typeface="나눔고딕"/>
-                <a:cs typeface="나눔고딕"/>
-                <a:sym typeface="나눔고딕"/>
-              </a:defRPr>
-            </a:pPr>
+            <a:pPr/>
           </a:p>
         </p:txBody>
       </p:sp>
@@ -24973,7 +24463,7 @@
         <p:spPr>
           <a:xfrm flipV="1">
             <a:off x="5972211" y="659528"/>
-            <a:ext cx="5" cy="2705696"/>
+            <a:ext cx="6" cy="2705697"/>
           </a:xfrm>
           <a:prstGeom prst="line">
             <a:avLst/>
@@ -24988,14 +24478,7 @@
           <a:bodyPr lIns="45718" tIns="45718" rIns="45718" bIns="45718"/>
           <a:lstStyle/>
           <a:p>
-            <a:pPr>
-              <a:defRPr sz="1600">
-                <a:latin typeface="나눔고딕"/>
-                <a:ea typeface="나눔고딕"/>
-                <a:cs typeface="나눔고딕"/>
-                <a:sym typeface="나눔고딕"/>
-              </a:defRPr>
-            </a:pPr>
+            <a:pPr/>
           </a:p>
         </p:txBody>
       </p:sp>
@@ -25008,7 +24491,7 @@
         <p:spPr>
           <a:xfrm>
             <a:off x="5968998" y="3355585"/>
-            <a:ext cx="190506" cy="5"/>
+            <a:ext cx="190507" cy="6"/>
           </a:xfrm>
           <a:prstGeom prst="line">
             <a:avLst/>
@@ -25023,14 +24506,7 @@
           <a:bodyPr lIns="45718" tIns="45718" rIns="45718" bIns="45718"/>
           <a:lstStyle/>
           <a:p>
-            <a:pPr>
-              <a:defRPr sz="1600">
-                <a:latin typeface="나눔고딕"/>
-                <a:ea typeface="나눔고딕"/>
-                <a:cs typeface="나눔고딕"/>
-                <a:sym typeface="나눔고딕"/>
-              </a:defRPr>
-            </a:pPr>
+            <a:pPr/>
           </a:p>
         </p:txBody>
       </p:sp>
@@ -25043,7 +24519,7 @@
         <p:spPr>
           <a:xfrm>
             <a:off x="5968998" y="2588909"/>
-            <a:ext cx="190506" cy="5"/>
+            <a:ext cx="190507" cy="6"/>
           </a:xfrm>
           <a:prstGeom prst="line">
             <a:avLst/>
@@ -25058,14 +24534,7 @@
           <a:bodyPr lIns="45718" tIns="45718" rIns="45718" bIns="45718"/>
           <a:lstStyle/>
           <a:p>
-            <a:pPr>
-              <a:defRPr sz="1600">
-                <a:latin typeface="나눔고딕"/>
-                <a:ea typeface="나눔고딕"/>
-                <a:cs typeface="나눔고딕"/>
-                <a:sym typeface="나눔고딕"/>
-              </a:defRPr>
-            </a:pPr>
+            <a:pPr/>
           </a:p>
         </p:txBody>
       </p:sp>
@@ -25078,7 +24547,7 @@
         <p:spPr>
           <a:xfrm>
             <a:off x="5968998" y="2972249"/>
-            <a:ext cx="190506" cy="5"/>
+            <a:ext cx="190507" cy="6"/>
           </a:xfrm>
           <a:prstGeom prst="line">
             <a:avLst/>
@@ -25093,14 +24562,7 @@
           <a:bodyPr lIns="45718" tIns="45718" rIns="45718" bIns="45718"/>
           <a:lstStyle/>
           <a:p>
-            <a:pPr>
-              <a:defRPr sz="1600">
-                <a:latin typeface="나눔고딕"/>
-                <a:ea typeface="나눔고딕"/>
-                <a:cs typeface="나눔고딕"/>
-                <a:sym typeface="나눔고딕"/>
-              </a:defRPr>
-            </a:pPr>
+            <a:pPr/>
           </a:p>
         </p:txBody>
       </p:sp>
@@ -25134,9 +24596,9 @@
           <a:lstStyle>
             <a:lvl1pPr>
               <a:defRPr sz="1200">
-                <a:latin typeface="+mj-lt"/>
-                <a:ea typeface="+mj-ea"/>
-                <a:cs typeface="+mj-cs"/>
+                <a:latin typeface="+mn-lt"/>
+                <a:ea typeface="+mn-ea"/>
+                <a:cs typeface="+mn-cs"/>
                 <a:sym typeface="Helvetica"/>
               </a:defRPr>
             </a:lvl1pPr>
@@ -25205,9 +24667,9 @@
           <a:lstStyle>
             <a:lvl1pPr>
               <a:defRPr sz="1200">
-                <a:latin typeface="+mj-lt"/>
-                <a:ea typeface="+mj-ea"/>
-                <a:cs typeface="+mj-cs"/>
+                <a:latin typeface="+mn-lt"/>
+                <a:ea typeface="+mn-ea"/>
+                <a:cs typeface="+mn-cs"/>
                 <a:sym typeface="Helvetica"/>
               </a:defRPr>
             </a:lvl1pPr>
@@ -25228,10 +24690,10 @@
         </p:nvGrpSpPr>
         <p:grpSpPr>
           <a:xfrm>
-            <a:off x="1269991" y="126993"/>
-            <a:ext cx="3682671" cy="3773829"/>
-            <a:chOff x="-1" y="-1"/>
-            <a:chExt cx="3682670" cy="3773828"/>
+            <a:off x="1269988" y="126990"/>
+            <a:ext cx="3682675" cy="3773833"/>
+            <a:chOff x="-2" y="-2"/>
+            <a:chExt cx="3682673" cy="3773832"/>
           </a:xfrm>
         </p:grpSpPr>
         <p:grpSp>
@@ -25242,10 +24704,10 @@
           </p:nvGrpSpPr>
           <p:grpSpPr>
             <a:xfrm>
-              <a:off x="-2" y="-2"/>
-              <a:ext cx="1269331" cy="323798"/>
+              <a:off x="-3" y="-3"/>
+              <a:ext cx="1269334" cy="323801"/>
               <a:chOff x="-1" y="-1"/>
-              <a:chExt cx="1269329" cy="323796"/>
+              <a:chExt cx="1269332" cy="323800"/>
             </a:xfrm>
           </p:grpSpPr>
           <p:sp>
@@ -25257,7 +24719,7 @@
             <p:spPr>
               <a:xfrm>
                 <a:off x="-2" y="-2"/>
-                <a:ext cx="1269331" cy="323798"/>
+                <a:ext cx="1269334" cy="323801"/>
               </a:xfrm>
               <a:prstGeom prst="rect">
                 <a:avLst/>
@@ -25301,8 +24763,8 @@
             </p:nvSpPr>
             <p:spPr>
               <a:xfrm>
-                <a:off x="-2" y="27277"/>
-                <a:ext cx="1269331" cy="269237"/>
+                <a:off x="-2" y="27278"/>
+                <a:ext cx="1269334" cy="269237"/>
               </a:xfrm>
               <a:prstGeom prst="rect">
                 <a:avLst/>
@@ -25326,9 +24788,9 @@
               <a:lstStyle>
                 <a:lvl1pPr algn="ctr">
                   <a:defRPr sz="1200">
-                    <a:latin typeface="+mj-lt"/>
-                    <a:ea typeface="+mj-ea"/>
-                    <a:cs typeface="+mj-cs"/>
+                    <a:latin typeface="+mn-lt"/>
+                    <a:ea typeface="+mn-ea"/>
+                    <a:cs typeface="+mn-cs"/>
                     <a:sym typeface="Helvetica"/>
                   </a:defRPr>
                 </a:lvl1pPr>
@@ -25351,9 +24813,9 @@
           <p:grpSpPr>
             <a:xfrm>
               <a:off x="960092" y="393459"/>
-              <a:ext cx="1777335" cy="323801"/>
-              <a:chOff x="0" y="0"/>
-              <a:chExt cx="1777333" cy="323800"/>
+              <a:ext cx="1777337" cy="323803"/>
+              <a:chOff x="-1" y="-1"/>
+              <a:chExt cx="1777336" cy="323802"/>
             </a:xfrm>
           </p:grpSpPr>
           <p:sp>
@@ -25364,8 +24826,8 @@
             </p:nvSpPr>
             <p:spPr>
               <a:xfrm>
-                <a:off x="-1" y="-1"/>
-                <a:ext cx="1777334" cy="323801"/>
+                <a:off x="-2" y="-2"/>
+                <a:ext cx="1777338" cy="323804"/>
               </a:xfrm>
               <a:prstGeom prst="rect">
                 <a:avLst/>
@@ -25409,8 +24871,8 @@
             </p:nvSpPr>
             <p:spPr>
               <a:xfrm>
-                <a:off x="-1" y="27278"/>
-                <a:ext cx="1777334" cy="269237"/>
+                <a:off x="-2" y="27278"/>
+                <a:ext cx="1777338" cy="269237"/>
               </a:xfrm>
               <a:prstGeom prst="rect">
                 <a:avLst/>
@@ -25434,9 +24896,9 @@
               <a:lstStyle>
                 <a:lvl1pPr algn="ctr">
                   <a:defRPr sz="1200">
-                    <a:latin typeface="+mj-lt"/>
-                    <a:ea typeface="+mj-ea"/>
-                    <a:cs typeface="+mj-cs"/>
+                    <a:latin typeface="+mn-lt"/>
+                    <a:ea typeface="+mn-ea"/>
+                    <a:cs typeface="+mn-cs"/>
                     <a:sym typeface="Helvetica"/>
                   </a:defRPr>
                 </a:lvl1pPr>
@@ -25459,9 +24921,9 @@
           <p:grpSpPr>
             <a:xfrm>
               <a:off x="1905333" y="766671"/>
-              <a:ext cx="1777336" cy="323801"/>
-              <a:chOff x="-1" y="0"/>
-              <a:chExt cx="1777335" cy="323800"/>
+              <a:ext cx="1777339" cy="323803"/>
+              <a:chOff x="0" y="-1"/>
+              <a:chExt cx="1777338" cy="323802"/>
             </a:xfrm>
           </p:grpSpPr>
           <p:sp>
@@ -25472,8 +24934,8 @@
             </p:nvSpPr>
             <p:spPr>
               <a:xfrm>
-                <a:off x="-2" y="-1"/>
-                <a:ext cx="1777337" cy="323801"/>
+                <a:off x="-1" y="-2"/>
+                <a:ext cx="1777339" cy="323804"/>
               </a:xfrm>
               <a:prstGeom prst="rect">
                 <a:avLst/>
@@ -25517,8 +24979,8 @@
             </p:nvSpPr>
             <p:spPr>
               <a:xfrm>
-                <a:off x="-2" y="27278"/>
-                <a:ext cx="1777337" cy="269237"/>
+                <a:off x="-1" y="27278"/>
+                <a:ext cx="1777339" cy="269237"/>
               </a:xfrm>
               <a:prstGeom prst="rect">
                 <a:avLst/>
@@ -25542,9 +25004,9 @@
               <a:lstStyle>
                 <a:lvl1pPr algn="ctr">
                   <a:defRPr sz="1200">
-                    <a:latin typeface="+mj-lt"/>
-                    <a:ea typeface="+mj-ea"/>
-                    <a:cs typeface="+mj-cs"/>
+                    <a:latin typeface="+mn-lt"/>
+                    <a:ea typeface="+mn-ea"/>
+                    <a:cs typeface="+mn-cs"/>
                     <a:sym typeface="Helvetica"/>
                   </a:defRPr>
                 </a:lvl1pPr>
@@ -25567,9 +25029,9 @@
           <p:grpSpPr>
             <a:xfrm>
               <a:off x="960092" y="1139883"/>
-              <a:ext cx="1777335" cy="323801"/>
-              <a:chOff x="0" y="0"/>
-              <a:chExt cx="1777333" cy="323800"/>
+              <a:ext cx="1777337" cy="323803"/>
+              <a:chOff x="-1" y="-1"/>
+              <a:chExt cx="1777336" cy="323802"/>
             </a:xfrm>
           </p:grpSpPr>
           <p:sp>
@@ -25580,8 +25042,8 @@
             </p:nvSpPr>
             <p:spPr>
               <a:xfrm>
-                <a:off x="-1" y="-1"/>
-                <a:ext cx="1777334" cy="323801"/>
+                <a:off x="-2" y="-2"/>
+                <a:ext cx="1777338" cy="323804"/>
               </a:xfrm>
               <a:prstGeom prst="rect">
                 <a:avLst/>
@@ -25625,8 +25087,8 @@
             </p:nvSpPr>
             <p:spPr>
               <a:xfrm>
-                <a:off x="-1" y="27278"/>
-                <a:ext cx="1777334" cy="269237"/>
+                <a:off x="-2" y="27278"/>
+                <a:ext cx="1777338" cy="269237"/>
               </a:xfrm>
               <a:prstGeom prst="rect">
                 <a:avLst/>
@@ -25650,9 +25112,9 @@
               <a:lstStyle>
                 <a:lvl1pPr algn="ctr">
                   <a:defRPr sz="1200">
-                    <a:latin typeface="+mj-lt"/>
-                    <a:ea typeface="+mj-ea"/>
-                    <a:cs typeface="+mj-cs"/>
+                    <a:latin typeface="+mn-lt"/>
+                    <a:ea typeface="+mn-ea"/>
+                    <a:cs typeface="+mn-cs"/>
                     <a:sym typeface="Helvetica"/>
                   </a:defRPr>
                 </a:lvl1pPr>
@@ -25675,9 +25137,9 @@
           <p:grpSpPr>
             <a:xfrm>
               <a:off x="1905333" y="1523219"/>
-              <a:ext cx="1777336" cy="323801"/>
-              <a:chOff x="-1" y="0"/>
-              <a:chExt cx="1777335" cy="323800"/>
+              <a:ext cx="1777339" cy="323803"/>
+              <a:chOff x="0" y="-1"/>
+              <a:chExt cx="1777338" cy="323802"/>
             </a:xfrm>
           </p:grpSpPr>
           <p:sp>
@@ -25688,8 +25150,8 @@
             </p:nvSpPr>
             <p:spPr>
               <a:xfrm>
-                <a:off x="-2" y="-1"/>
-                <a:ext cx="1777337" cy="323801"/>
+                <a:off x="-1" y="-2"/>
+                <a:ext cx="1777339" cy="323804"/>
               </a:xfrm>
               <a:prstGeom prst="rect">
                 <a:avLst/>
@@ -25733,8 +25195,8 @@
             </p:nvSpPr>
             <p:spPr>
               <a:xfrm>
-                <a:off x="-2" y="27278"/>
-                <a:ext cx="1777337" cy="269237"/>
+                <a:off x="-1" y="27278"/>
+                <a:ext cx="1777339" cy="269237"/>
               </a:xfrm>
               <a:prstGeom prst="rect">
                 <a:avLst/>
@@ -25758,9 +25220,9 @@
               <a:lstStyle>
                 <a:lvl1pPr algn="ctr">
                   <a:defRPr sz="1200">
-                    <a:latin typeface="+mj-lt"/>
-                    <a:ea typeface="+mj-ea"/>
-                    <a:cs typeface="+mj-cs"/>
+                    <a:latin typeface="+mn-lt"/>
+                    <a:ea typeface="+mn-ea"/>
+                    <a:cs typeface="+mn-cs"/>
                     <a:sym typeface="Helvetica"/>
                   </a:defRPr>
                 </a:lvl1pPr>
@@ -25783,9 +25245,9 @@
           <p:grpSpPr>
             <a:xfrm>
               <a:off x="1905333" y="2286002"/>
-              <a:ext cx="1777336" cy="323798"/>
-              <a:chOff x="-1" y="-1"/>
-              <a:chExt cx="1777335" cy="323796"/>
+              <a:ext cx="1777339" cy="323801"/>
+              <a:chOff x="0" y="-1"/>
+              <a:chExt cx="1777338" cy="323800"/>
             </a:xfrm>
           </p:grpSpPr>
           <p:sp>
@@ -25796,8 +25258,8 @@
             </p:nvSpPr>
             <p:spPr>
               <a:xfrm>
-                <a:off x="-2" y="-2"/>
-                <a:ext cx="1777337" cy="323798"/>
+                <a:off x="-1" y="-2"/>
+                <a:ext cx="1777339" cy="323801"/>
               </a:xfrm>
               <a:prstGeom prst="rect">
                 <a:avLst/>
@@ -25841,8 +25303,8 @@
             </p:nvSpPr>
             <p:spPr>
               <a:xfrm>
-                <a:off x="-2" y="27277"/>
-                <a:ext cx="1777337" cy="269237"/>
+                <a:off x="-1" y="27278"/>
+                <a:ext cx="1777339" cy="269237"/>
               </a:xfrm>
               <a:prstGeom prst="rect">
                 <a:avLst/>
@@ -25866,9 +25328,9 @@
               <a:lstStyle>
                 <a:lvl1pPr algn="ctr">
                   <a:defRPr sz="1200">
-                    <a:latin typeface="+mj-lt"/>
-                    <a:ea typeface="+mj-ea"/>
-                    <a:cs typeface="+mj-cs"/>
+                    <a:latin typeface="+mn-lt"/>
+                    <a:ea typeface="+mn-ea"/>
+                    <a:cs typeface="+mn-cs"/>
                     <a:sym typeface="Helvetica"/>
                   </a:defRPr>
                 </a:lvl1pPr>
@@ -25891,9 +25353,9 @@
           <p:grpSpPr>
             <a:xfrm>
               <a:off x="960092" y="2683355"/>
-              <a:ext cx="1777335" cy="323801"/>
-              <a:chOff x="0" y="0"/>
-              <a:chExt cx="1777333" cy="323800"/>
+              <a:ext cx="1777337" cy="323803"/>
+              <a:chOff x="-1" y="-1"/>
+              <a:chExt cx="1777336" cy="323802"/>
             </a:xfrm>
           </p:grpSpPr>
           <p:sp>
@@ -25904,8 +25366,8 @@
             </p:nvSpPr>
             <p:spPr>
               <a:xfrm>
-                <a:off x="-1" y="-1"/>
-                <a:ext cx="1777334" cy="323801"/>
+                <a:off x="-2" y="-2"/>
+                <a:ext cx="1777338" cy="323804"/>
               </a:xfrm>
               <a:prstGeom prst="rect">
                 <a:avLst/>
@@ -25949,8 +25411,8 @@
             </p:nvSpPr>
             <p:spPr>
               <a:xfrm>
-                <a:off x="-1" y="27278"/>
-                <a:ext cx="1777334" cy="269237"/>
+                <a:off x="-2" y="27278"/>
+                <a:ext cx="1777338" cy="269237"/>
               </a:xfrm>
               <a:prstGeom prst="rect">
                 <a:avLst/>
@@ -25974,9 +25436,9 @@
               <a:lstStyle>
                 <a:lvl1pPr algn="ctr">
                   <a:defRPr sz="1200">
-                    <a:latin typeface="+mj-lt"/>
-                    <a:ea typeface="+mj-ea"/>
-                    <a:cs typeface="+mj-cs"/>
+                    <a:latin typeface="+mn-lt"/>
+                    <a:ea typeface="+mn-ea"/>
+                    <a:cs typeface="+mn-cs"/>
                     <a:sym typeface="Helvetica"/>
                   </a:defRPr>
                 </a:lvl1pPr>
@@ -25999,9 +25461,9 @@
           <p:grpSpPr>
             <a:xfrm>
               <a:off x="960092" y="3066693"/>
-              <a:ext cx="1777335" cy="323798"/>
-              <a:chOff x="0" y="-1"/>
-              <a:chExt cx="1777333" cy="323796"/>
+              <a:ext cx="1777337" cy="323801"/>
+              <a:chOff x="-1" y="-1"/>
+              <a:chExt cx="1777336" cy="323800"/>
             </a:xfrm>
           </p:grpSpPr>
           <p:sp>
@@ -26012,8 +25474,8 @@
             </p:nvSpPr>
             <p:spPr>
               <a:xfrm>
-                <a:off x="-1" y="-2"/>
-                <a:ext cx="1777334" cy="323798"/>
+                <a:off x="-2" y="-2"/>
+                <a:ext cx="1777338" cy="323801"/>
               </a:xfrm>
               <a:prstGeom prst="rect">
                 <a:avLst/>
@@ -26057,8 +25519,8 @@
             </p:nvSpPr>
             <p:spPr>
               <a:xfrm>
-                <a:off x="-1" y="27277"/>
-                <a:ext cx="1777334" cy="269237"/>
+                <a:off x="-2" y="27278"/>
+                <a:ext cx="1777338" cy="269237"/>
               </a:xfrm>
               <a:prstGeom prst="rect">
                 <a:avLst/>
@@ -26082,9 +25544,9 @@
               <a:lstStyle>
                 <a:lvl1pPr algn="ctr">
                   <a:defRPr sz="1200">
-                    <a:latin typeface="+mj-lt"/>
-                    <a:ea typeface="+mj-ea"/>
-                    <a:cs typeface="+mj-cs"/>
+                    <a:latin typeface="+mn-lt"/>
+                    <a:ea typeface="+mn-ea"/>
+                    <a:cs typeface="+mn-cs"/>
                     <a:sym typeface="Helvetica"/>
                   </a:defRPr>
                 </a:lvl1pPr>
@@ -26107,9 +25569,9 @@
           <p:grpSpPr>
             <a:xfrm>
               <a:off x="960092" y="3450029"/>
-              <a:ext cx="1777335" cy="323798"/>
-              <a:chOff x="0" y="-1"/>
-              <a:chExt cx="1777333" cy="323796"/>
+              <a:ext cx="1777337" cy="323801"/>
+              <a:chOff x="-1" y="-1"/>
+              <a:chExt cx="1777336" cy="323800"/>
             </a:xfrm>
           </p:grpSpPr>
           <p:sp>
@@ -26120,8 +25582,8 @@
             </p:nvSpPr>
             <p:spPr>
               <a:xfrm>
-                <a:off x="-1" y="-2"/>
-                <a:ext cx="1777334" cy="323798"/>
+                <a:off x="-2" y="-2"/>
+                <a:ext cx="1777338" cy="323801"/>
               </a:xfrm>
               <a:prstGeom prst="rect">
                 <a:avLst/>
@@ -26165,8 +25627,8 @@
             </p:nvSpPr>
             <p:spPr>
               <a:xfrm>
-                <a:off x="-1" y="27277"/>
-                <a:ext cx="1777334" cy="269237"/>
+                <a:off x="-2" y="27278"/>
+                <a:ext cx="1777338" cy="269237"/>
               </a:xfrm>
               <a:prstGeom prst="rect">
                 <a:avLst/>
@@ -26190,9 +25652,9 @@
               <a:lstStyle>
                 <a:lvl1pPr algn="ctr">
                   <a:defRPr sz="1200">
-                    <a:latin typeface="+mj-lt"/>
-                    <a:ea typeface="+mj-ea"/>
-                    <a:cs typeface="+mj-cs"/>
+                    <a:latin typeface="+mn-lt"/>
+                    <a:ea typeface="+mn-ea"/>
+                    <a:cs typeface="+mn-cs"/>
                     <a:sym typeface="Helvetica"/>
                   </a:defRPr>
                 </a:lvl1pPr>
@@ -26214,8 +25676,8 @@
           </p:nvSpPr>
           <p:spPr>
             <a:xfrm flipV="1">
-              <a:off x="597436" y="381003"/>
-              <a:ext cx="5" cy="1651005"/>
+              <a:off x="597437" y="381004"/>
+              <a:ext cx="6" cy="1651006"/>
             </a:xfrm>
             <a:prstGeom prst="line">
               <a:avLst/>
@@ -26237,14 +25699,7 @@
             </a:bodyPr>
             <a:lstStyle/>
             <a:p>
-              <a:pPr>
-                <a:defRPr sz="1600">
-                  <a:latin typeface="나눔고딕"/>
-                  <a:ea typeface="나눔고딕"/>
-                  <a:cs typeface="나눔고딕"/>
-                  <a:sym typeface="나눔고딕"/>
-                </a:defRPr>
-              </a:pPr>
+              <a:pPr/>
             </a:p>
           </p:txBody>
         </p:sp>
@@ -26256,8 +25711,8 @@
           </p:nvSpPr>
           <p:spPr>
             <a:xfrm flipV="1">
-              <a:off x="584470" y="2032002"/>
-              <a:ext cx="382925" cy="6"/>
+              <a:off x="584471" y="2032003"/>
+              <a:ext cx="382926" cy="7"/>
             </a:xfrm>
             <a:prstGeom prst="line">
               <a:avLst/>
@@ -26278,14 +25733,7 @@
             </a:bodyPr>
             <a:lstStyle/>
             <a:p>
-              <a:pPr>
-                <a:defRPr sz="1600">
-                  <a:latin typeface="나눔고딕"/>
-                  <a:ea typeface="나눔고딕"/>
-                  <a:cs typeface="나눔고딕"/>
-                  <a:sym typeface="나눔고딕"/>
-                </a:defRPr>
-              </a:pPr>
+              <a:pPr/>
             </a:p>
           </p:txBody>
         </p:sp>
@@ -26297,8 +25745,8 @@
           </p:nvSpPr>
           <p:spPr>
             <a:xfrm>
-              <a:off x="762002" y="545233"/>
-              <a:ext cx="190505" cy="5"/>
+              <a:off x="762003" y="545234"/>
+              <a:ext cx="190506" cy="6"/>
             </a:xfrm>
             <a:prstGeom prst="line">
               <a:avLst/>
@@ -26319,14 +25767,7 @@
             </a:bodyPr>
             <a:lstStyle/>
             <a:p>
-              <a:pPr>
-                <a:defRPr sz="1600">
-                  <a:latin typeface="나눔고딕"/>
-                  <a:ea typeface="나눔고딕"/>
-                  <a:cs typeface="나눔고딕"/>
-                  <a:sym typeface="나눔고딕"/>
-                </a:defRPr>
-              </a:pPr>
+              <a:pPr/>
             </a:p>
           </p:txBody>
         </p:sp>
@@ -26338,8 +25779,8 @@
           </p:nvSpPr>
           <p:spPr>
             <a:xfrm flipV="1">
-              <a:off x="775930" y="532534"/>
-              <a:ext cx="5" cy="3086975"/>
+              <a:off x="775931" y="532534"/>
+              <a:ext cx="6" cy="3086978"/>
             </a:xfrm>
             <a:prstGeom prst="line">
               <a:avLst/>
@@ -26360,14 +25801,7 @@
             </a:bodyPr>
             <a:lstStyle/>
             <a:p>
-              <a:pPr>
-                <a:defRPr sz="1600">
-                  <a:latin typeface="나눔고딕"/>
-                  <a:ea typeface="나눔고딕"/>
-                  <a:cs typeface="나눔고딕"/>
-                  <a:sym typeface="나눔고딕"/>
-                </a:defRPr>
-              </a:pPr>
+              <a:pPr/>
             </a:p>
           </p:txBody>
         </p:sp>
@@ -26379,8 +25813,8 @@
           </p:nvSpPr>
           <p:spPr>
             <a:xfrm>
-              <a:off x="762002" y="3228589"/>
-              <a:ext cx="190505" cy="5"/>
+              <a:off x="762003" y="3228590"/>
+              <a:ext cx="190506" cy="6"/>
             </a:xfrm>
             <a:prstGeom prst="line">
               <a:avLst/>
@@ -26401,14 +25835,7 @@
             </a:bodyPr>
             <a:lstStyle/>
             <a:p>
-              <a:pPr>
-                <a:defRPr sz="1600">
-                  <a:latin typeface="나눔고딕"/>
-                  <a:ea typeface="나눔고딕"/>
-                  <a:cs typeface="나눔고딕"/>
-                  <a:sym typeface="나눔고딕"/>
-                </a:defRPr>
-              </a:pPr>
+              <a:pPr/>
             </a:p>
           </p:txBody>
         </p:sp>
@@ -26420,8 +25847,8 @@
           </p:nvSpPr>
           <p:spPr>
             <a:xfrm>
-              <a:off x="762002" y="3611927"/>
-              <a:ext cx="190505" cy="5"/>
+              <a:off x="762003" y="3611928"/>
+              <a:ext cx="190506" cy="6"/>
             </a:xfrm>
             <a:prstGeom prst="line">
               <a:avLst/>
@@ -26442,14 +25869,7 @@
             </a:bodyPr>
             <a:lstStyle/>
             <a:p>
-              <a:pPr>
-                <a:defRPr sz="1600">
-                  <a:latin typeface="나눔고딕"/>
-                  <a:ea typeface="나눔고딕"/>
-                  <a:cs typeface="나눔고딕"/>
-                  <a:sym typeface="나눔고딕"/>
-                </a:defRPr>
-              </a:pPr>
+              <a:pPr/>
             </a:p>
           </p:txBody>
         </p:sp>
@@ -26461,8 +25881,8 @@
           </p:nvSpPr>
           <p:spPr>
             <a:xfrm>
-              <a:off x="762002" y="2845253"/>
-              <a:ext cx="190505" cy="5"/>
+              <a:off x="762003" y="2845254"/>
+              <a:ext cx="190506" cy="6"/>
             </a:xfrm>
             <a:prstGeom prst="line">
               <a:avLst/>
@@ -26483,14 +25903,7 @@
             </a:bodyPr>
             <a:lstStyle/>
             <a:p>
-              <a:pPr>
-                <a:defRPr sz="1600">
-                  <a:latin typeface="나눔고딕"/>
-                  <a:ea typeface="나눔고딕"/>
-                  <a:cs typeface="나눔고딕"/>
-                  <a:sym typeface="나눔고딕"/>
-                </a:defRPr>
-              </a:pPr>
+              <a:pPr/>
             </a:p>
           </p:txBody>
         </p:sp>
@@ -26503,9 +25916,9 @@
           <p:grpSpPr>
             <a:xfrm>
               <a:off x="960092" y="1903442"/>
-              <a:ext cx="1777335" cy="323801"/>
-              <a:chOff x="0" y="0"/>
-              <a:chExt cx="1777333" cy="323800"/>
+              <a:ext cx="1777337" cy="323803"/>
+              <a:chOff x="-1" y="-1"/>
+              <a:chExt cx="1777336" cy="323802"/>
             </a:xfrm>
           </p:grpSpPr>
           <p:sp>
@@ -26516,8 +25929,8 @@
             </p:nvSpPr>
             <p:spPr>
               <a:xfrm>
-                <a:off x="-1" y="-1"/>
-                <a:ext cx="1777334" cy="323801"/>
+                <a:off x="-2" y="-2"/>
+                <a:ext cx="1777338" cy="323804"/>
               </a:xfrm>
               <a:prstGeom prst="rect">
                 <a:avLst/>
@@ -26561,8 +25974,8 @@
             </p:nvSpPr>
             <p:spPr>
               <a:xfrm>
-                <a:off x="-1" y="27278"/>
-                <a:ext cx="1777334" cy="269237"/>
+                <a:off x="-2" y="27278"/>
+                <a:ext cx="1777338" cy="269237"/>
               </a:xfrm>
               <a:prstGeom prst="rect">
                 <a:avLst/>
@@ -26586,9 +25999,9 @@
               <a:lstStyle>
                 <a:lvl1pPr algn="ctr">
                   <a:defRPr sz="1200">
-                    <a:latin typeface="+mj-lt"/>
-                    <a:ea typeface="+mj-ea"/>
-                    <a:cs typeface="+mj-cs"/>
+                    <a:latin typeface="+mn-lt"/>
+                    <a:ea typeface="+mn-ea"/>
+                    <a:cs typeface="+mn-cs"/>
                     <a:sym typeface="Helvetica"/>
                   </a:defRPr>
                 </a:lvl1pPr>
@@ -26610,8 +26023,8 @@
           </p:nvSpPr>
           <p:spPr>
             <a:xfrm>
-              <a:off x="762002" y="1301781"/>
-              <a:ext cx="190505" cy="5"/>
+              <a:off x="762003" y="1301782"/>
+              <a:ext cx="190506" cy="6"/>
             </a:xfrm>
             <a:prstGeom prst="line">
               <a:avLst/>
@@ -26632,14 +26045,7 @@
             </a:bodyPr>
             <a:lstStyle/>
             <a:p>
-              <a:pPr>
-                <a:defRPr sz="1600">
-                  <a:latin typeface="나눔고딕"/>
-                  <a:ea typeface="나눔고딕"/>
-                  <a:cs typeface="나눔고딕"/>
-                  <a:sym typeface="나눔고딕"/>
-                </a:defRPr>
-              </a:pPr>
+              <a:pPr/>
             </a:p>
           </p:txBody>
         </p:sp>
@@ -26651,10 +26057,10 @@
           </p:nvGrpSpPr>
           <p:grpSpPr>
             <a:xfrm>
-              <a:off x="1522080" y="762002"/>
-              <a:ext cx="382931" cy="179278"/>
+              <a:off x="1522080" y="762003"/>
+              <a:ext cx="382934" cy="179280"/>
               <a:chOff x="0" y="0"/>
-              <a:chExt cx="382929" cy="179277"/>
+              <a:chExt cx="382932" cy="179279"/>
             </a:xfrm>
           </p:grpSpPr>
           <p:sp>
@@ -26666,7 +26072,7 @@
             <p:spPr>
               <a:xfrm>
                 <a:off x="-1" y="166571"/>
-                <a:ext cx="382931" cy="5"/>
+                <a:ext cx="382934" cy="6"/>
               </a:xfrm>
               <a:prstGeom prst="line">
                 <a:avLst/>
@@ -26687,14 +26093,7 @@
               </a:bodyPr>
               <a:lstStyle/>
               <a:p>
-                <a:pPr>
-                  <a:defRPr sz="1600">
-                    <a:latin typeface="나눔고딕"/>
-                    <a:ea typeface="나눔고딕"/>
-                    <a:cs typeface="나눔고딕"/>
-                    <a:sym typeface="나눔고딕"/>
-                  </a:defRPr>
-                </a:pPr>
+                <a:pPr/>
               </a:p>
             </p:txBody>
           </p:sp>
@@ -26707,7 +26106,7 @@
             <p:spPr>
               <a:xfrm flipV="1">
                 <a:off x="4236" y="0"/>
-                <a:ext cx="5" cy="179278"/>
+                <a:ext cx="6" cy="179280"/>
               </a:xfrm>
               <a:prstGeom prst="line">
                 <a:avLst/>
@@ -26729,14 +26128,7 @@
               </a:bodyPr>
               <a:lstStyle/>
               <a:p>
-                <a:pPr>
-                  <a:defRPr sz="1600">
-                    <a:latin typeface="나눔고딕"/>
-                    <a:ea typeface="나눔고딕"/>
-                    <a:cs typeface="나눔고딕"/>
-                    <a:sym typeface="나눔고딕"/>
-                  </a:defRPr>
-                </a:pPr>
+                <a:pPr/>
               </a:p>
             </p:txBody>
           </p:sp>
@@ -26749,10 +26141,10 @@
           </p:nvGrpSpPr>
           <p:grpSpPr>
             <a:xfrm>
-              <a:off x="1522080" y="1519149"/>
-              <a:ext cx="382931" cy="179278"/>
+              <a:off x="1522080" y="1519150"/>
+              <a:ext cx="382934" cy="179280"/>
               <a:chOff x="0" y="0"/>
-              <a:chExt cx="382929" cy="179277"/>
+              <a:chExt cx="382932" cy="179279"/>
             </a:xfrm>
           </p:grpSpPr>
           <p:sp>
@@ -26764,7 +26156,7 @@
             <p:spPr>
               <a:xfrm>
                 <a:off x="-1" y="166571"/>
-                <a:ext cx="382931" cy="5"/>
+                <a:ext cx="382934" cy="6"/>
               </a:xfrm>
               <a:prstGeom prst="line">
                 <a:avLst/>
@@ -26785,14 +26177,7 @@
               </a:bodyPr>
               <a:lstStyle/>
               <a:p>
-                <a:pPr>
-                  <a:defRPr sz="1600">
-                    <a:latin typeface="나눔고딕"/>
-                    <a:ea typeface="나눔고딕"/>
-                    <a:cs typeface="나눔고딕"/>
-                    <a:sym typeface="나눔고딕"/>
-                  </a:defRPr>
-                </a:pPr>
+                <a:pPr/>
               </a:p>
             </p:txBody>
           </p:sp>
@@ -26805,7 +26190,7 @@
             <p:spPr>
               <a:xfrm flipV="1">
                 <a:off x="4236" y="0"/>
-                <a:ext cx="5" cy="179278"/>
+                <a:ext cx="6" cy="179280"/>
               </a:xfrm>
               <a:prstGeom prst="line">
                 <a:avLst/>
@@ -26827,14 +26212,7 @@
               </a:bodyPr>
               <a:lstStyle/>
               <a:p>
-                <a:pPr>
-                  <a:defRPr sz="1600">
-                    <a:latin typeface="나눔고딕"/>
-                    <a:ea typeface="나눔고딕"/>
-                    <a:cs typeface="나눔고딕"/>
-                    <a:sym typeface="나눔고딕"/>
-                  </a:defRPr>
-                </a:pPr>
+                <a:pPr/>
               </a:p>
             </p:txBody>
           </p:sp>
@@ -26847,10 +26225,10 @@
           </p:nvGrpSpPr>
           <p:grpSpPr>
             <a:xfrm>
-              <a:off x="1522080" y="2289748"/>
-              <a:ext cx="382931" cy="179278"/>
+              <a:off x="1522080" y="2289749"/>
+              <a:ext cx="382934" cy="179280"/>
               <a:chOff x="0" y="0"/>
-              <a:chExt cx="382929" cy="179277"/>
+              <a:chExt cx="382932" cy="179279"/>
             </a:xfrm>
           </p:grpSpPr>
           <p:sp>
@@ -26862,7 +26240,7 @@
             <p:spPr>
               <a:xfrm>
                 <a:off x="-1" y="166571"/>
-                <a:ext cx="382931" cy="5"/>
+                <a:ext cx="382934" cy="6"/>
               </a:xfrm>
               <a:prstGeom prst="line">
                 <a:avLst/>
@@ -26883,14 +26261,7 @@
               </a:bodyPr>
               <a:lstStyle/>
               <a:p>
-                <a:pPr>
-                  <a:defRPr sz="1600">
-                    <a:latin typeface="나눔고딕"/>
-                    <a:ea typeface="나눔고딕"/>
-                    <a:cs typeface="나눔고딕"/>
-                    <a:sym typeface="나눔고딕"/>
-                  </a:defRPr>
-                </a:pPr>
+                <a:pPr/>
               </a:p>
             </p:txBody>
           </p:sp>
@@ -26903,7 +26274,7 @@
             <p:spPr>
               <a:xfrm flipV="1">
                 <a:off x="4236" y="0"/>
-                <a:ext cx="5" cy="179278"/>
+                <a:ext cx="6" cy="179280"/>
               </a:xfrm>
               <a:prstGeom prst="line">
                 <a:avLst/>
@@ -26925,14 +26296,7 @@
               </a:bodyPr>
               <a:lstStyle/>
               <a:p>
-                <a:pPr>
-                  <a:defRPr sz="1600">
-                    <a:latin typeface="나눔고딕"/>
-                    <a:ea typeface="나눔고딕"/>
-                    <a:cs typeface="나눔고딕"/>
-                    <a:sym typeface="나눔고딕"/>
-                  </a:defRPr>
-                </a:pPr>
+                <a:pPr/>
               </a:p>
             </p:txBody>
           </p:sp>
@@ -26946,10 +26310,10 @@
         </p:nvGrpSpPr>
         <p:grpSpPr>
           <a:xfrm>
-            <a:off x="5206992" y="126995"/>
-            <a:ext cx="3682670" cy="3368147"/>
+            <a:off x="5206989" y="126992"/>
+            <a:ext cx="3682675" cy="3368151"/>
             <a:chOff x="-1" y="-1"/>
-            <a:chExt cx="3682668" cy="3368146"/>
+            <a:chExt cx="3682674" cy="3368148"/>
           </a:xfrm>
         </p:grpSpPr>
         <p:grpSp>
@@ -26961,9 +26325,9 @@
           <p:grpSpPr>
             <a:xfrm>
               <a:off x="-2" y="-2"/>
-              <a:ext cx="1269331" cy="323797"/>
-              <a:chOff x="0" y="0"/>
-              <a:chExt cx="1269329" cy="323795"/>
+              <a:ext cx="1269333" cy="323799"/>
+              <a:chOff x="0" y="-1"/>
+              <a:chExt cx="1269331" cy="323798"/>
             </a:xfrm>
           </p:grpSpPr>
           <p:sp>
@@ -26974,8 +26338,8 @@
             </p:nvSpPr>
             <p:spPr>
               <a:xfrm>
-                <a:off x="-1" y="-1"/>
-                <a:ext cx="1269330" cy="323796"/>
+                <a:off x="-1" y="-2"/>
+                <a:ext cx="1269332" cy="323800"/>
               </a:xfrm>
               <a:prstGeom prst="rect">
                 <a:avLst/>
@@ -27020,7 +26384,7 @@
             <p:spPr>
               <a:xfrm>
                 <a:off x="-1" y="27277"/>
-                <a:ext cx="1269330" cy="269237"/>
+                <a:ext cx="1269332" cy="269237"/>
               </a:xfrm>
               <a:prstGeom prst="rect">
                 <a:avLst/>
@@ -27044,9 +26408,9 @@
               <a:lstStyle>
                 <a:lvl1pPr algn="ctr">
                   <a:defRPr sz="1200">
-                    <a:latin typeface="+mj-lt"/>
-                    <a:ea typeface="+mj-ea"/>
-                    <a:cs typeface="+mj-cs"/>
+                    <a:latin typeface="+mn-lt"/>
+                    <a:ea typeface="+mn-ea"/>
+                    <a:cs typeface="+mn-cs"/>
                     <a:sym typeface="Helvetica"/>
                   </a:defRPr>
                 </a:lvl1pPr>
@@ -27069,9 +26433,9 @@
           <p:grpSpPr>
             <a:xfrm>
               <a:off x="960092" y="393457"/>
-              <a:ext cx="1777334" cy="323801"/>
-              <a:chOff x="0" y="-1"/>
-              <a:chExt cx="1777332" cy="323800"/>
+              <a:ext cx="1777338" cy="323803"/>
+              <a:chOff x="-1" y="-1"/>
+              <a:chExt cx="1777337" cy="323802"/>
             </a:xfrm>
           </p:grpSpPr>
           <p:sp>
@@ -27082,8 +26446,8 @@
             </p:nvSpPr>
             <p:spPr>
               <a:xfrm>
-                <a:off x="-1" y="-2"/>
-                <a:ext cx="1777334" cy="323801"/>
+                <a:off x="-2" y="-2"/>
+                <a:ext cx="1777338" cy="323804"/>
               </a:xfrm>
               <a:prstGeom prst="rect">
                 <a:avLst/>
@@ -27127,8 +26491,8 @@
             </p:nvSpPr>
             <p:spPr>
               <a:xfrm>
-                <a:off x="-1" y="27278"/>
-                <a:ext cx="1777334" cy="269237"/>
+                <a:off x="-2" y="27279"/>
+                <a:ext cx="1777338" cy="269237"/>
               </a:xfrm>
               <a:prstGeom prst="rect">
                 <a:avLst/>
@@ -27152,9 +26516,9 @@
               <a:lstStyle>
                 <a:lvl1pPr algn="ctr">
                   <a:defRPr sz="1200">
-                    <a:latin typeface="+mj-lt"/>
-                    <a:ea typeface="+mj-ea"/>
-                    <a:cs typeface="+mj-cs"/>
+                    <a:latin typeface="+mn-lt"/>
+                    <a:ea typeface="+mn-ea"/>
+                    <a:cs typeface="+mn-cs"/>
                     <a:sym typeface="Helvetica"/>
                   </a:defRPr>
                 </a:lvl1pPr>
@@ -27176,10 +26540,10 @@
           </p:nvGrpSpPr>
           <p:grpSpPr>
             <a:xfrm>
-              <a:off x="1905334" y="766669"/>
-              <a:ext cx="1777334" cy="323801"/>
-              <a:chOff x="0" y="-1"/>
-              <a:chExt cx="1777332" cy="323800"/>
+              <a:off x="1905335" y="766669"/>
+              <a:ext cx="1777338" cy="323803"/>
+              <a:chOff x="-1" y="-1"/>
+              <a:chExt cx="1777337" cy="323802"/>
             </a:xfrm>
           </p:grpSpPr>
           <p:sp>
@@ -27190,8 +26554,8 @@
             </p:nvSpPr>
             <p:spPr>
               <a:xfrm>
-                <a:off x="-1" y="-2"/>
-                <a:ext cx="1777334" cy="323801"/>
+                <a:off x="-2" y="-2"/>
+                <a:ext cx="1777338" cy="323804"/>
               </a:xfrm>
               <a:prstGeom prst="rect">
                 <a:avLst/>
@@ -27235,8 +26599,8 @@
             </p:nvSpPr>
             <p:spPr>
               <a:xfrm>
-                <a:off x="-1" y="27278"/>
-                <a:ext cx="1777334" cy="269237"/>
+                <a:off x="-2" y="27279"/>
+                <a:ext cx="1777338" cy="269237"/>
               </a:xfrm>
               <a:prstGeom prst="rect">
                 <a:avLst/>
@@ -27260,9 +26624,9 @@
               <a:lstStyle>
                 <a:lvl1pPr algn="ctr">
                   <a:defRPr sz="1200">
-                    <a:latin typeface="+mj-lt"/>
-                    <a:ea typeface="+mj-ea"/>
-                    <a:cs typeface="+mj-cs"/>
+                    <a:latin typeface="+mn-lt"/>
+                    <a:ea typeface="+mn-ea"/>
+                    <a:cs typeface="+mn-cs"/>
                     <a:sym typeface="Helvetica"/>
                   </a:defRPr>
                 </a:lvl1pPr>
@@ -27285,9 +26649,9 @@
           <p:grpSpPr>
             <a:xfrm>
               <a:off x="960092" y="1139881"/>
-              <a:ext cx="1777334" cy="323801"/>
-              <a:chOff x="0" y="-1"/>
-              <a:chExt cx="1777332" cy="323800"/>
+              <a:ext cx="1777338" cy="323803"/>
+              <a:chOff x="-1" y="-1"/>
+              <a:chExt cx="1777337" cy="323802"/>
             </a:xfrm>
           </p:grpSpPr>
           <p:sp>
@@ -27298,8 +26662,8 @@
             </p:nvSpPr>
             <p:spPr>
               <a:xfrm>
-                <a:off x="-1" y="-2"/>
-                <a:ext cx="1777334" cy="323801"/>
+                <a:off x="-2" y="-2"/>
+                <a:ext cx="1777338" cy="323804"/>
               </a:xfrm>
               <a:prstGeom prst="rect">
                 <a:avLst/>
@@ -27343,8 +26707,8 @@
             </p:nvSpPr>
             <p:spPr>
               <a:xfrm>
-                <a:off x="-1" y="27278"/>
-                <a:ext cx="1777334" cy="269237"/>
+                <a:off x="-2" y="27279"/>
+                <a:ext cx="1777338" cy="269237"/>
               </a:xfrm>
               <a:prstGeom prst="rect">
                 <a:avLst/>
@@ -27368,9 +26732,9 @@
               <a:lstStyle>
                 <a:lvl1pPr algn="ctr">
                   <a:defRPr sz="1200">
-                    <a:latin typeface="+mj-lt"/>
-                    <a:ea typeface="+mj-ea"/>
-                    <a:cs typeface="+mj-cs"/>
+                    <a:latin typeface="+mn-lt"/>
+                    <a:ea typeface="+mn-ea"/>
+                    <a:cs typeface="+mn-cs"/>
                     <a:sym typeface="Helvetica"/>
                   </a:defRPr>
                 </a:lvl1pPr>
@@ -27393,9 +26757,9 @@
           <p:grpSpPr>
             <a:xfrm>
               <a:off x="960092" y="2280697"/>
-              <a:ext cx="1777334" cy="323801"/>
-              <a:chOff x="0" y="-1"/>
-              <a:chExt cx="1777332" cy="323800"/>
+              <a:ext cx="1777338" cy="323803"/>
+              <a:chOff x="-1" y="-1"/>
+              <a:chExt cx="1777337" cy="323802"/>
             </a:xfrm>
           </p:grpSpPr>
           <p:sp>
@@ -27406,8 +26770,8 @@
             </p:nvSpPr>
             <p:spPr>
               <a:xfrm>
-                <a:off x="-1" y="-2"/>
-                <a:ext cx="1777334" cy="323801"/>
+                <a:off x="-2" y="-2"/>
+                <a:ext cx="1777338" cy="323804"/>
               </a:xfrm>
               <a:prstGeom prst="rect">
                 <a:avLst/>
@@ -27451,8 +26815,8 @@
             </p:nvSpPr>
             <p:spPr>
               <a:xfrm>
-                <a:off x="-1" y="27278"/>
-                <a:ext cx="1777334" cy="269237"/>
+                <a:off x="-2" y="27279"/>
+                <a:ext cx="1777338" cy="269237"/>
               </a:xfrm>
               <a:prstGeom prst="rect">
                 <a:avLst/>
@@ -27476,9 +26840,9 @@
               <a:lstStyle>
                 <a:lvl1pPr algn="ctr">
                   <a:defRPr sz="1200">
-                    <a:latin typeface="+mj-lt"/>
-                    <a:ea typeface="+mj-ea"/>
-                    <a:cs typeface="+mj-cs"/>
+                    <a:latin typeface="+mn-lt"/>
+                    <a:ea typeface="+mn-ea"/>
+                    <a:cs typeface="+mn-cs"/>
                     <a:sym typeface="Helvetica"/>
                   </a:defRPr>
                 </a:lvl1pPr>
@@ -27500,8 +26864,8 @@
           </p:nvSpPr>
           <p:spPr>
             <a:xfrm flipV="1">
-              <a:off x="597436" y="381001"/>
-              <a:ext cx="5" cy="1651005"/>
+              <a:off x="597437" y="381002"/>
+              <a:ext cx="6" cy="1651006"/>
             </a:xfrm>
             <a:prstGeom prst="line">
               <a:avLst/>
@@ -27523,14 +26887,7 @@
             </a:bodyPr>
             <a:lstStyle/>
             <a:p>
-              <a:pPr>
-                <a:defRPr sz="1600">
-                  <a:latin typeface="나눔고딕"/>
-                  <a:ea typeface="나눔고딕"/>
-                  <a:cs typeface="나눔고딕"/>
-                  <a:sym typeface="나눔고딕"/>
-                </a:defRPr>
-              </a:pPr>
+              <a:pPr/>
             </a:p>
           </p:txBody>
         </p:sp>
@@ -27542,8 +26899,8 @@
           </p:nvSpPr>
           <p:spPr>
             <a:xfrm flipV="1">
-              <a:off x="584470" y="2032001"/>
-              <a:ext cx="382925" cy="6"/>
+              <a:off x="584471" y="2032002"/>
+              <a:ext cx="382926" cy="7"/>
             </a:xfrm>
             <a:prstGeom prst="line">
               <a:avLst/>
@@ -27564,14 +26921,7 @@
             </a:bodyPr>
             <a:lstStyle/>
             <a:p>
-              <a:pPr>
-                <a:defRPr sz="1600">
-                  <a:latin typeface="나눔고딕"/>
-                  <a:ea typeface="나눔고딕"/>
-                  <a:cs typeface="나눔고딕"/>
-                  <a:sym typeface="나눔고딕"/>
-                </a:defRPr>
-              </a:pPr>
+              <a:pPr/>
             </a:p>
           </p:txBody>
         </p:sp>
@@ -27583,8 +26933,8 @@
           </p:nvSpPr>
           <p:spPr>
             <a:xfrm>
-              <a:off x="774702" y="545231"/>
-              <a:ext cx="177804" cy="5"/>
+              <a:off x="774703" y="545232"/>
+              <a:ext cx="177805" cy="6"/>
             </a:xfrm>
             <a:prstGeom prst="line">
               <a:avLst/>
@@ -27605,14 +26955,7 @@
             </a:bodyPr>
             <a:lstStyle/>
             <a:p>
-              <a:pPr>
-                <a:defRPr sz="1600">
-                  <a:latin typeface="나눔고딕"/>
-                  <a:ea typeface="나눔고딕"/>
-                  <a:cs typeface="나눔고딕"/>
-                  <a:sym typeface="나눔고딕"/>
-                </a:defRPr>
-              </a:pPr>
+              <a:pPr/>
             </a:p>
           </p:txBody>
         </p:sp>
@@ -27624,8 +26967,8 @@
           </p:nvSpPr>
           <p:spPr>
             <a:xfrm flipV="1">
-              <a:off x="775930" y="528756"/>
-              <a:ext cx="5" cy="2690822"/>
+              <a:off x="775931" y="528757"/>
+              <a:ext cx="6" cy="2690824"/>
             </a:xfrm>
             <a:prstGeom prst="line">
               <a:avLst/>
@@ -27646,14 +26989,7 @@
             </a:bodyPr>
             <a:lstStyle/>
             <a:p>
-              <a:pPr>
-                <a:defRPr sz="1600">
-                  <a:latin typeface="나눔고딕"/>
-                  <a:ea typeface="나눔고딕"/>
-                  <a:cs typeface="나눔고딕"/>
-                  <a:sym typeface="나눔고딕"/>
-                </a:defRPr>
-              </a:pPr>
+              <a:pPr/>
             </a:p>
           </p:txBody>
         </p:sp>
@@ -27665,8 +27001,8 @@
           </p:nvSpPr>
           <p:spPr>
             <a:xfrm>
-              <a:off x="762001" y="2455295"/>
-              <a:ext cx="203205" cy="5"/>
+              <a:off x="762002" y="2455296"/>
+              <a:ext cx="203206" cy="6"/>
             </a:xfrm>
             <a:prstGeom prst="line">
               <a:avLst/>
@@ -27687,14 +27023,7 @@
             </a:bodyPr>
             <a:lstStyle/>
             <a:p>
-              <a:pPr>
-                <a:defRPr sz="1600">
-                  <a:latin typeface="나눔고딕"/>
-                  <a:ea typeface="나눔고딕"/>
-                  <a:cs typeface="나눔고딕"/>
-                  <a:sym typeface="나눔고딕"/>
-                </a:defRPr>
-              </a:pPr>
+              <a:pPr/>
             </a:p>
           </p:txBody>
         </p:sp>
@@ -27707,9 +27036,9 @@
           <p:grpSpPr>
             <a:xfrm>
               <a:off x="960092" y="1903441"/>
-              <a:ext cx="1777334" cy="323801"/>
-              <a:chOff x="0" y="-1"/>
-              <a:chExt cx="1777332" cy="323800"/>
+              <a:ext cx="1777338" cy="323803"/>
+              <a:chOff x="-1" y="-1"/>
+              <a:chExt cx="1777337" cy="323802"/>
             </a:xfrm>
           </p:grpSpPr>
           <p:sp>
@@ -27720,8 +27049,8 @@
             </p:nvSpPr>
             <p:spPr>
               <a:xfrm>
-                <a:off x="-1" y="-2"/>
-                <a:ext cx="1777334" cy="323801"/>
+                <a:off x="-2" y="-2"/>
+                <a:ext cx="1777338" cy="323804"/>
               </a:xfrm>
               <a:prstGeom prst="rect">
                 <a:avLst/>
@@ -27765,8 +27094,8 @@
             </p:nvSpPr>
             <p:spPr>
               <a:xfrm>
-                <a:off x="-1" y="27278"/>
-                <a:ext cx="1777334" cy="269237"/>
+                <a:off x="-2" y="27279"/>
+                <a:ext cx="1777338" cy="269237"/>
               </a:xfrm>
               <a:prstGeom prst="rect">
                 <a:avLst/>
@@ -27790,9 +27119,9 @@
               <a:lstStyle>
                 <a:lvl1pPr algn="ctr">
                   <a:defRPr sz="1200">
-                    <a:latin typeface="+mj-lt"/>
-                    <a:ea typeface="+mj-ea"/>
-                    <a:cs typeface="+mj-cs"/>
+                    <a:latin typeface="+mn-lt"/>
+                    <a:ea typeface="+mn-ea"/>
+                    <a:cs typeface="+mn-cs"/>
                     <a:sym typeface="Helvetica"/>
                   </a:defRPr>
                 </a:lvl1pPr>
@@ -27814,8 +27143,8 @@
           </p:nvSpPr>
           <p:spPr>
             <a:xfrm>
-              <a:off x="774702" y="1301779"/>
-              <a:ext cx="177804" cy="5"/>
+              <a:off x="774703" y="1301780"/>
+              <a:ext cx="177805" cy="6"/>
             </a:xfrm>
             <a:prstGeom prst="line">
               <a:avLst/>
@@ -27836,14 +27165,7 @@
             </a:bodyPr>
             <a:lstStyle/>
             <a:p>
-              <a:pPr>
-                <a:defRPr sz="1600">
-                  <a:latin typeface="나눔고딕"/>
-                  <a:ea typeface="나눔고딕"/>
-                  <a:cs typeface="나눔고딕"/>
-                  <a:sym typeface="나눔고딕"/>
-                </a:defRPr>
-              </a:pPr>
+              <a:pPr/>
             </a:p>
           </p:txBody>
         </p:sp>
@@ -27855,10 +27177,10 @@
           </p:nvGrpSpPr>
           <p:grpSpPr>
             <a:xfrm>
-              <a:off x="1522081" y="762000"/>
-              <a:ext cx="382930" cy="179278"/>
+              <a:off x="1522082" y="762001"/>
+              <a:ext cx="382932" cy="179280"/>
               <a:chOff x="0" y="0"/>
-              <a:chExt cx="382929" cy="179277"/>
+              <a:chExt cx="382930" cy="179279"/>
             </a:xfrm>
           </p:grpSpPr>
           <p:sp>
@@ -27870,7 +27192,7 @@
             <p:spPr>
               <a:xfrm>
                 <a:off x="0" y="166571"/>
-                <a:ext cx="382930" cy="5"/>
+                <a:ext cx="382931" cy="6"/>
               </a:xfrm>
               <a:prstGeom prst="line">
                 <a:avLst/>
@@ -27891,14 +27213,7 @@
               </a:bodyPr>
               <a:lstStyle/>
               <a:p>
-                <a:pPr>
-                  <a:defRPr sz="1600">
-                    <a:latin typeface="나눔고딕"/>
-                    <a:ea typeface="나눔고딕"/>
-                    <a:cs typeface="나눔고딕"/>
-                    <a:sym typeface="나눔고딕"/>
-                  </a:defRPr>
-                </a:pPr>
+                <a:pPr/>
               </a:p>
             </p:txBody>
           </p:sp>
@@ -27911,7 +27226,7 @@
             <p:spPr>
               <a:xfrm flipV="1">
                 <a:off x="4236" y="0"/>
-                <a:ext cx="5" cy="179278"/>
+                <a:ext cx="6" cy="179280"/>
               </a:xfrm>
               <a:prstGeom prst="line">
                 <a:avLst/>
@@ -27933,14 +27248,7 @@
               </a:bodyPr>
               <a:lstStyle/>
               <a:p>
-                <a:pPr>
-                  <a:defRPr sz="1600">
-                    <a:latin typeface="나눔고딕"/>
-                    <a:ea typeface="나눔고딕"/>
-                    <a:cs typeface="나눔고딕"/>
-                    <a:sym typeface="나눔고딕"/>
-                  </a:defRPr>
-                </a:pPr>
+                <a:pPr/>
               </a:p>
             </p:txBody>
           </p:sp>
@@ -27954,9 +27262,9 @@
           <p:grpSpPr>
             <a:xfrm>
               <a:off x="963139" y="1521660"/>
-              <a:ext cx="1777334" cy="323801"/>
-              <a:chOff x="0" y="-1"/>
-              <a:chExt cx="1777332" cy="323800"/>
+              <a:ext cx="1777338" cy="323803"/>
+              <a:chOff x="-1" y="-1"/>
+              <a:chExt cx="1777337" cy="323802"/>
             </a:xfrm>
           </p:grpSpPr>
           <p:sp>
@@ -27967,8 +27275,8 @@
             </p:nvSpPr>
             <p:spPr>
               <a:xfrm>
-                <a:off x="-1" y="-2"/>
-                <a:ext cx="1777334" cy="323801"/>
+                <a:off x="-2" y="-2"/>
+                <a:ext cx="1777338" cy="323804"/>
               </a:xfrm>
               <a:prstGeom prst="rect">
                 <a:avLst/>
@@ -28012,8 +27320,8 @@
             </p:nvSpPr>
             <p:spPr>
               <a:xfrm>
-                <a:off x="-1" y="27278"/>
-                <a:ext cx="1777334" cy="269237"/>
+                <a:off x="-2" y="27279"/>
+                <a:ext cx="1777338" cy="269237"/>
               </a:xfrm>
               <a:prstGeom prst="rect">
                 <a:avLst/>
@@ -28037,9 +27345,9 @@
               <a:lstStyle>
                 <a:lvl1pPr algn="ctr">
                   <a:defRPr sz="1200">
-                    <a:latin typeface="+mj-lt"/>
-                    <a:ea typeface="+mj-ea"/>
-                    <a:cs typeface="+mj-cs"/>
+                    <a:latin typeface="+mn-lt"/>
+                    <a:ea typeface="+mn-ea"/>
+                    <a:cs typeface="+mn-cs"/>
                     <a:sym typeface="Helvetica"/>
                   </a:defRPr>
                 </a:lvl1pPr>
@@ -28061,8 +27369,8 @@
           </p:nvSpPr>
           <p:spPr>
             <a:xfrm>
-              <a:off x="772642" y="1683559"/>
-              <a:ext cx="190505" cy="5"/>
+              <a:off x="772643" y="1683560"/>
+              <a:ext cx="190506" cy="6"/>
             </a:xfrm>
             <a:prstGeom prst="line">
               <a:avLst/>
@@ -28083,14 +27391,7 @@
             </a:bodyPr>
             <a:lstStyle/>
             <a:p>
-              <a:pPr>
-                <a:defRPr sz="1600">
-                  <a:latin typeface="나눔고딕"/>
-                  <a:ea typeface="나눔고딕"/>
-                  <a:cs typeface="나눔고딕"/>
-                  <a:sym typeface="나눔고딕"/>
-                </a:defRPr>
-              </a:pPr>
+              <a:pPr/>
             </a:p>
           </p:txBody>
         </p:sp>
@@ -28103,9 +27404,9 @@
           <p:grpSpPr>
             <a:xfrm>
               <a:off x="958976" y="2662565"/>
-              <a:ext cx="1777334" cy="323801"/>
-              <a:chOff x="0" y="-1"/>
-              <a:chExt cx="1777332" cy="323800"/>
+              <a:ext cx="1777338" cy="323803"/>
+              <a:chOff x="-1" y="-1"/>
+              <a:chExt cx="1777337" cy="323802"/>
             </a:xfrm>
           </p:grpSpPr>
           <p:sp>
@@ -28116,8 +27417,8 @@
             </p:nvSpPr>
             <p:spPr>
               <a:xfrm>
-                <a:off x="-1" y="-2"/>
-                <a:ext cx="1777334" cy="323801"/>
+                <a:off x="-2" y="-2"/>
+                <a:ext cx="1777338" cy="323804"/>
               </a:xfrm>
               <a:prstGeom prst="rect">
                 <a:avLst/>
@@ -28161,8 +27462,8 @@
             </p:nvSpPr>
             <p:spPr>
               <a:xfrm>
-                <a:off x="-1" y="27278"/>
-                <a:ext cx="1777334" cy="269237"/>
+                <a:off x="-2" y="27279"/>
+                <a:ext cx="1777338" cy="269237"/>
               </a:xfrm>
               <a:prstGeom prst="rect">
                 <a:avLst/>
@@ -28186,9 +27487,9 @@
               <a:lstStyle>
                 <a:lvl1pPr algn="ctr">
                   <a:defRPr sz="1200">
-                    <a:latin typeface="+mj-lt"/>
-                    <a:ea typeface="+mj-ea"/>
-                    <a:cs typeface="+mj-cs"/>
+                    <a:latin typeface="+mn-lt"/>
+                    <a:ea typeface="+mn-ea"/>
+                    <a:cs typeface="+mn-cs"/>
                     <a:sym typeface="Helvetica"/>
                   </a:defRPr>
                 </a:lvl1pPr>
@@ -28210,8 +27511,8 @@
           </p:nvSpPr>
           <p:spPr>
             <a:xfrm>
-              <a:off x="781051" y="2821887"/>
-              <a:ext cx="177805" cy="5"/>
+              <a:off x="781052" y="2821888"/>
+              <a:ext cx="177806" cy="6"/>
             </a:xfrm>
             <a:prstGeom prst="line">
               <a:avLst/>
@@ -28232,14 +27533,7 @@
             </a:bodyPr>
             <a:lstStyle/>
             <a:p>
-              <a:pPr>
-                <a:defRPr sz="1600">
-                  <a:latin typeface="나눔고딕"/>
-                  <a:ea typeface="나눔고딕"/>
-                  <a:cs typeface="나눔고딕"/>
-                  <a:sym typeface="나눔고딕"/>
-                </a:defRPr>
-              </a:pPr>
+              <a:pPr/>
             </a:p>
           </p:txBody>
         </p:sp>
@@ -28252,9 +27546,9 @@
           <p:grpSpPr>
             <a:xfrm>
               <a:off x="958976" y="3044344"/>
-              <a:ext cx="1777334" cy="323801"/>
-              <a:chOff x="0" y="-1"/>
-              <a:chExt cx="1777332" cy="323800"/>
+              <a:ext cx="1777338" cy="323803"/>
+              <a:chOff x="-1" y="-1"/>
+              <a:chExt cx="1777337" cy="323802"/>
             </a:xfrm>
           </p:grpSpPr>
           <p:sp>
@@ -28265,8 +27559,8 @@
             </p:nvSpPr>
             <p:spPr>
               <a:xfrm>
-                <a:off x="-1" y="-2"/>
-                <a:ext cx="1777334" cy="323801"/>
+                <a:off x="-2" y="-2"/>
+                <a:ext cx="1777338" cy="323804"/>
               </a:xfrm>
               <a:prstGeom prst="rect">
                 <a:avLst/>
@@ -28310,8 +27604,8 @@
             </p:nvSpPr>
             <p:spPr>
               <a:xfrm>
-                <a:off x="-1" y="27278"/>
-                <a:ext cx="1777334" cy="269237"/>
+                <a:off x="-2" y="27279"/>
+                <a:ext cx="1777338" cy="269237"/>
               </a:xfrm>
               <a:prstGeom prst="rect">
                 <a:avLst/>
@@ -28335,9 +27629,9 @@
               <a:lstStyle>
                 <a:lvl1pPr algn="ctr">
                   <a:defRPr sz="1200">
-                    <a:latin typeface="+mj-lt"/>
-                    <a:ea typeface="+mj-ea"/>
-                    <a:cs typeface="+mj-cs"/>
+                    <a:latin typeface="+mn-lt"/>
+                    <a:ea typeface="+mn-ea"/>
+                    <a:cs typeface="+mn-cs"/>
                     <a:sym typeface="Helvetica"/>
                   </a:defRPr>
                 </a:lvl1pPr>
@@ -28359,8 +27653,8 @@
           </p:nvSpPr>
           <p:spPr>
             <a:xfrm>
-              <a:off x="781051" y="3203666"/>
-              <a:ext cx="177805" cy="5"/>
+              <a:off x="781052" y="3203668"/>
+              <a:ext cx="177806" cy="6"/>
             </a:xfrm>
             <a:prstGeom prst="line">
               <a:avLst/>
@@ -28381,14 +27675,7 @@
             </a:bodyPr>
             <a:lstStyle/>
             <a:p>
-              <a:pPr>
-                <a:defRPr sz="1600">
-                  <a:latin typeface="나눔고딕"/>
-                  <a:ea typeface="나눔고딕"/>
-                  <a:cs typeface="나눔고딕"/>
-                  <a:sym typeface="나눔고딕"/>
-                </a:defRPr>
-              </a:pPr>
+              <a:pPr/>
             </a:p>
           </p:txBody>
         </p:sp>
@@ -29108,10 +28395,10 @@
         </p:nvGrpSpPr>
         <p:grpSpPr>
           <a:xfrm>
-            <a:off x="6858584" y="1560337"/>
-            <a:ext cx="2254213" cy="867325"/>
-            <a:chOff x="-1" y="0"/>
-            <a:chExt cx="2254212" cy="867323"/>
+            <a:off x="6858582" y="1560336"/>
+            <a:ext cx="2254215" cy="867327"/>
+            <a:chOff x="0" y="0"/>
+            <a:chExt cx="2254213" cy="867326"/>
           </a:xfrm>
         </p:grpSpPr>
         <p:sp>
@@ -29122,8 +28409,8 @@
           </p:nvSpPr>
           <p:spPr>
             <a:xfrm>
-              <a:off x="-2" y="-1"/>
-              <a:ext cx="2254213" cy="867325"/>
+              <a:off x="-1" y="-1"/>
+              <a:ext cx="2254214" cy="867327"/>
             </a:xfrm>
             <a:prstGeom prst="rect">
               <a:avLst/>
@@ -29165,8 +28452,8 @@
           </p:nvSpPr>
           <p:spPr>
             <a:xfrm>
-              <a:off x="-2" y="32339"/>
-              <a:ext cx="2254213" cy="802637"/>
+              <a:off x="-1" y="32339"/>
+              <a:ext cx="2254214" cy="802637"/>
             </a:xfrm>
             <a:prstGeom prst="rect">
               <a:avLst/>
@@ -29304,7 +28591,7 @@
         <p:spPr>
           <a:xfrm>
             <a:off x="5402653" y="2580675"/>
-            <a:ext cx="1431927" cy="479750"/>
+            <a:ext cx="1431928" cy="479750"/>
           </a:xfrm>
           <a:prstGeom prst="line">
             <a:avLst/>
@@ -29320,14 +28607,7 @@
           <a:bodyPr lIns="45718" tIns="45718" rIns="45718" bIns="45718"/>
           <a:lstStyle/>
           <a:p>
-            <a:pPr>
-              <a:defRPr sz="1600">
-                <a:latin typeface="나눔고딕"/>
-                <a:ea typeface="나눔고딕"/>
-                <a:cs typeface="나눔고딕"/>
-                <a:sym typeface="나눔고딕"/>
-              </a:defRPr>
-            </a:pPr>
+            <a:pPr/>
           </a:p>
         </p:txBody>
       </p:sp>
@@ -29340,7 +28620,7 @@
         <p:spPr>
           <a:xfrm>
             <a:off x="9301063" y="2007408"/>
-            <a:ext cx="891777" cy="380493"/>
+            <a:ext cx="891777" cy="380495"/>
           </a:xfrm>
           <a:prstGeom prst="ellipse">
             <a:avLst/>
@@ -29415,7 +28695,7 @@
         <p:spPr>
           <a:xfrm flipV="1">
             <a:off x="5412080" y="2009761"/>
-            <a:ext cx="1413510" cy="526711"/>
+            <a:ext cx="1413511" cy="526712"/>
           </a:xfrm>
           <a:prstGeom prst="line">
             <a:avLst/>
@@ -29431,14 +28711,7 @@
           <a:bodyPr lIns="45718" tIns="45718" rIns="45718" bIns="45718"/>
           <a:lstStyle/>
           <a:p>
-            <a:pPr>
-              <a:defRPr sz="1600">
-                <a:latin typeface="나눔고딕"/>
-                <a:ea typeface="나눔고딕"/>
-                <a:cs typeface="나눔고딕"/>
-                <a:sym typeface="나눔고딕"/>
-              </a:defRPr>
-            </a:pPr>
+            <a:pPr/>
           </a:p>
         </p:txBody>
       </p:sp>
@@ -29450,10 +28723,10 @@
         </p:nvGrpSpPr>
         <p:grpSpPr>
           <a:xfrm>
-            <a:off x="3293473" y="1922351"/>
-            <a:ext cx="2081261" cy="1238768"/>
-            <a:chOff x="0" y="-1"/>
-            <a:chExt cx="2081259" cy="1238766"/>
+            <a:off x="3293471" y="1922350"/>
+            <a:ext cx="2081264" cy="1238770"/>
+            <a:chOff x="-1" y="0"/>
+            <a:chExt cx="2081262" cy="1238769"/>
           </a:xfrm>
         </p:grpSpPr>
         <p:sp>
@@ -29464,8 +28737,8 @@
           </p:nvSpPr>
           <p:spPr>
             <a:xfrm>
-              <a:off x="-1" y="-2"/>
-              <a:ext cx="2081261" cy="1238768"/>
+              <a:off x="-2" y="-1"/>
+              <a:ext cx="2081264" cy="1238770"/>
             </a:xfrm>
             <a:prstGeom prst="rect">
               <a:avLst/>
@@ -29507,8 +28780,8 @@
           </p:nvSpPr>
           <p:spPr>
             <a:xfrm>
-              <a:off x="-1" y="40257"/>
-              <a:ext cx="2081261" cy="1158237"/>
+              <a:off x="-2" y="40258"/>
+              <a:ext cx="2081264" cy="1158237"/>
             </a:xfrm>
             <a:prstGeom prst="rect">
               <a:avLst/>
@@ -29612,10 +28885,10 @@
         </p:nvGrpSpPr>
         <p:grpSpPr>
           <a:xfrm>
-            <a:off x="6858584" y="2655800"/>
-            <a:ext cx="2254213" cy="867332"/>
-            <a:chOff x="-1" y="0"/>
-            <a:chExt cx="2254212" cy="867330"/>
+            <a:off x="6858582" y="2655798"/>
+            <a:ext cx="2254215" cy="867335"/>
+            <a:chOff x="0" y="0"/>
+            <a:chExt cx="2254213" cy="867333"/>
           </a:xfrm>
         </p:grpSpPr>
         <p:sp>
@@ -29626,8 +28899,8 @@
           </p:nvSpPr>
           <p:spPr>
             <a:xfrm>
-              <a:off x="-2" y="-1"/>
-              <a:ext cx="2254213" cy="867332"/>
+              <a:off x="-1" y="-1"/>
+              <a:ext cx="2254214" cy="867335"/>
             </a:xfrm>
             <a:prstGeom prst="rect">
               <a:avLst/>
@@ -29669,8 +28942,8 @@
           </p:nvSpPr>
           <p:spPr>
             <a:xfrm>
-              <a:off x="-2" y="32343"/>
-              <a:ext cx="2254213" cy="802637"/>
+              <a:off x="-1" y="32343"/>
+              <a:ext cx="2254214" cy="802637"/>
             </a:xfrm>
             <a:prstGeom prst="rect">
               <a:avLst/>
@@ -29896,7 +29169,7 @@
         <p:spPr>
           <a:xfrm flipV="1">
             <a:off x="9296613" y="1311979"/>
-            <a:ext cx="8" cy="867316"/>
+            <a:ext cx="9" cy="867316"/>
           </a:xfrm>
           <a:prstGeom prst="line">
             <a:avLst/>
@@ -29911,14 +29184,7 @@
           <a:bodyPr lIns="45718" tIns="45718" rIns="45718" bIns="45718"/>
           <a:lstStyle/>
           <a:p>
-            <a:pPr>
-              <a:defRPr sz="1600">
-                <a:latin typeface="나눔고딕"/>
-                <a:ea typeface="나눔고딕"/>
-                <a:cs typeface="나눔고딕"/>
-                <a:sym typeface="나눔고딕"/>
-              </a:defRPr>
-            </a:pPr>
+            <a:pPr/>
           </a:p>
         </p:txBody>
       </p:sp>
@@ -29931,7 +29197,7 @@
         <p:spPr>
           <a:xfrm flipV="1">
             <a:off x="10197072" y="1311979"/>
-            <a:ext cx="8" cy="867316"/>
+            <a:ext cx="9" cy="867316"/>
           </a:xfrm>
           <a:prstGeom prst="line">
             <a:avLst/>
@@ -29946,14 +29212,7 @@
           <a:bodyPr lIns="45718" tIns="45718" rIns="45718" bIns="45718"/>
           <a:lstStyle/>
           <a:p>
-            <a:pPr>
-              <a:defRPr sz="1600">
-                <a:latin typeface="나눔고딕"/>
-                <a:ea typeface="나눔고딕"/>
-                <a:cs typeface="나눔고딕"/>
-                <a:sym typeface="나눔고딕"/>
-              </a:defRPr>
-            </a:pPr>
+            <a:pPr/>
           </a:p>
         </p:txBody>
       </p:sp>
@@ -29965,10 +29224,10 @@
         </p:nvGrpSpPr>
         <p:grpSpPr>
           <a:xfrm>
-            <a:off x="9301057" y="1948563"/>
-            <a:ext cx="891803" cy="380497"/>
-            <a:chOff x="-1" y="0"/>
-            <a:chExt cx="891802" cy="380496"/>
+            <a:off x="9301056" y="1948562"/>
+            <a:ext cx="891805" cy="380499"/>
+            <a:chOff x="0" y="0"/>
+            <a:chExt cx="891803" cy="380497"/>
           </a:xfrm>
         </p:grpSpPr>
         <p:sp>
@@ -29979,8 +29238,8 @@
           </p:nvSpPr>
           <p:spPr>
             <a:xfrm>
-              <a:off x="-2" y="-1"/>
-              <a:ext cx="891804" cy="380497"/>
+              <a:off x="-1" y="-1"/>
+              <a:ext cx="891805" cy="380499"/>
             </a:xfrm>
             <a:prstGeom prst="ellipse">
               <a:avLst/>
@@ -30022,8 +29281,8 @@
           </p:nvSpPr>
           <p:spPr>
             <a:xfrm>
-              <a:off x="130601" y="81022"/>
-              <a:ext cx="630594" cy="218437"/>
+              <a:off x="130602" y="81022"/>
+              <a:ext cx="630595" cy="218437"/>
             </a:xfrm>
             <a:prstGeom prst="rect">
               <a:avLst/>
@@ -30066,10 +29325,10 @@
         </p:nvGrpSpPr>
         <p:grpSpPr>
           <a:xfrm>
-            <a:off x="9301057" y="1727552"/>
-            <a:ext cx="891803" cy="380497"/>
-            <a:chOff x="-1" y="0"/>
-            <a:chExt cx="891802" cy="380496"/>
+            <a:off x="9301056" y="1727550"/>
+            <a:ext cx="891805" cy="380499"/>
+            <a:chOff x="0" y="0"/>
+            <a:chExt cx="891803" cy="380497"/>
           </a:xfrm>
         </p:grpSpPr>
         <p:sp>
@@ -30080,8 +29339,8 @@
           </p:nvSpPr>
           <p:spPr>
             <a:xfrm>
-              <a:off x="-2" y="-1"/>
-              <a:ext cx="891804" cy="380497"/>
+              <a:off x="-1" y="-1"/>
+              <a:ext cx="891805" cy="380499"/>
             </a:xfrm>
             <a:prstGeom prst="ellipse">
               <a:avLst/>
@@ -30123,8 +29382,8 @@
           </p:nvSpPr>
           <p:spPr>
             <a:xfrm>
-              <a:off x="130601" y="81022"/>
-              <a:ext cx="630594" cy="218437"/>
+              <a:off x="130602" y="81022"/>
+              <a:ext cx="630595" cy="218437"/>
             </a:xfrm>
             <a:prstGeom prst="rect">
               <a:avLst/>
@@ -30167,10 +29426,10 @@
         </p:nvGrpSpPr>
         <p:grpSpPr>
           <a:xfrm>
-            <a:off x="9301057" y="1483297"/>
-            <a:ext cx="891803" cy="380497"/>
-            <a:chOff x="-1" y="0"/>
-            <a:chExt cx="891802" cy="380496"/>
+            <a:off x="9301056" y="1483295"/>
+            <a:ext cx="891805" cy="380499"/>
+            <a:chOff x="0" y="0"/>
+            <a:chExt cx="891803" cy="380497"/>
           </a:xfrm>
         </p:grpSpPr>
         <p:sp>
@@ -30181,8 +29440,8 @@
           </p:nvSpPr>
           <p:spPr>
             <a:xfrm>
-              <a:off x="-2" y="-1"/>
-              <a:ext cx="891804" cy="380497"/>
+              <a:off x="-1" y="-1"/>
+              <a:ext cx="891805" cy="380499"/>
             </a:xfrm>
             <a:prstGeom prst="ellipse">
               <a:avLst/>
@@ -30224,8 +29483,8 @@
           </p:nvSpPr>
           <p:spPr>
             <a:xfrm>
-              <a:off x="130601" y="81022"/>
-              <a:ext cx="630594" cy="218437"/>
+              <a:off x="130602" y="81022"/>
+              <a:ext cx="630595" cy="218437"/>
             </a:xfrm>
             <a:prstGeom prst="rect">
               <a:avLst/>
@@ -30269,7 +29528,7 @@
         <p:spPr>
           <a:xfrm>
             <a:off x="9301063" y="1129385"/>
-            <a:ext cx="891797" cy="380493"/>
+            <a:ext cx="891799" cy="380495"/>
           </a:xfrm>
           <a:prstGeom prst="ellipse">
             <a:avLst/>
@@ -30307,7 +29566,7 @@
         <p:spPr>
           <a:xfrm>
             <a:off x="9301171" y="3566497"/>
-            <a:ext cx="891777" cy="380493"/>
+            <a:ext cx="891777" cy="380495"/>
           </a:xfrm>
           <a:prstGeom prst="ellipse">
             <a:avLst/>
@@ -30342,7 +29601,7 @@
         <p:spPr>
           <a:xfrm flipV="1">
             <a:off x="9296723" y="2871069"/>
-            <a:ext cx="8" cy="867316"/>
+            <a:ext cx="9" cy="867316"/>
           </a:xfrm>
           <a:prstGeom prst="line">
             <a:avLst/>
@@ -30357,14 +29616,7 @@
           <a:bodyPr lIns="45718" tIns="45718" rIns="45718" bIns="45718"/>
           <a:lstStyle/>
           <a:p>
-            <a:pPr>
-              <a:defRPr sz="1600">
-                <a:latin typeface="나눔고딕"/>
-                <a:ea typeface="나눔고딕"/>
-                <a:cs typeface="나눔고딕"/>
-                <a:sym typeface="나눔고딕"/>
-              </a:defRPr>
-            </a:pPr>
+            <a:pPr/>
           </a:p>
         </p:txBody>
       </p:sp>
@@ -30377,7 +29629,7 @@
         <p:spPr>
           <a:xfrm flipV="1">
             <a:off x="10197179" y="2871069"/>
-            <a:ext cx="8" cy="867316"/>
+            <a:ext cx="9" cy="867316"/>
           </a:xfrm>
           <a:prstGeom prst="line">
             <a:avLst/>
@@ -30392,14 +29644,7 @@
           <a:bodyPr lIns="45718" tIns="45718" rIns="45718" bIns="45718"/>
           <a:lstStyle/>
           <a:p>
-            <a:pPr>
-              <a:defRPr sz="1600">
-                <a:latin typeface="나눔고딕"/>
-                <a:ea typeface="나눔고딕"/>
-                <a:cs typeface="나눔고딕"/>
-                <a:sym typeface="나눔고딕"/>
-              </a:defRPr>
-            </a:pPr>
+            <a:pPr/>
           </a:p>
         </p:txBody>
       </p:sp>
@@ -30411,10 +29656,10 @@
         </p:nvGrpSpPr>
         <p:grpSpPr>
           <a:xfrm>
-            <a:off x="9301165" y="3507651"/>
-            <a:ext cx="891803" cy="380497"/>
-            <a:chOff x="-1" y="0"/>
-            <a:chExt cx="891802" cy="380496"/>
+            <a:off x="9301163" y="3507650"/>
+            <a:ext cx="891805" cy="380499"/>
+            <a:chOff x="0" y="0"/>
+            <a:chExt cx="891803" cy="380497"/>
           </a:xfrm>
         </p:grpSpPr>
         <p:sp>
@@ -30425,8 +29670,8 @@
           </p:nvSpPr>
           <p:spPr>
             <a:xfrm>
-              <a:off x="-2" y="-1"/>
-              <a:ext cx="891804" cy="380497"/>
+              <a:off x="-1" y="-1"/>
+              <a:ext cx="891805" cy="380499"/>
             </a:xfrm>
             <a:prstGeom prst="ellipse">
               <a:avLst/>
@@ -30468,8 +29713,8 @@
           </p:nvSpPr>
           <p:spPr>
             <a:xfrm>
-              <a:off x="130601" y="81022"/>
-              <a:ext cx="630594" cy="218437"/>
+              <a:off x="130602" y="81022"/>
+              <a:ext cx="630595" cy="218437"/>
             </a:xfrm>
             <a:prstGeom prst="rect">
               <a:avLst/>
@@ -30512,10 +29757,10 @@
         </p:nvGrpSpPr>
         <p:grpSpPr>
           <a:xfrm>
-            <a:off x="9301165" y="3286639"/>
-            <a:ext cx="891803" cy="380499"/>
-            <a:chOff x="-1" y="0"/>
-            <a:chExt cx="891802" cy="380497"/>
+            <a:off x="9301163" y="3286637"/>
+            <a:ext cx="891805" cy="380501"/>
+            <a:chOff x="0" y="0"/>
+            <a:chExt cx="891803" cy="380500"/>
           </a:xfrm>
         </p:grpSpPr>
         <p:sp>
@@ -30526,8 +29771,8 @@
           </p:nvSpPr>
           <p:spPr>
             <a:xfrm>
-              <a:off x="-2" y="-1"/>
-              <a:ext cx="891804" cy="380499"/>
+              <a:off x="-1" y="-1"/>
+              <a:ext cx="891805" cy="380501"/>
             </a:xfrm>
             <a:prstGeom prst="ellipse">
               <a:avLst/>
@@ -30569,8 +29814,8 @@
           </p:nvSpPr>
           <p:spPr>
             <a:xfrm>
-              <a:off x="130601" y="81024"/>
-              <a:ext cx="630594" cy="218437"/>
+              <a:off x="130602" y="81024"/>
+              <a:ext cx="630595" cy="218437"/>
             </a:xfrm>
             <a:prstGeom prst="rect">
               <a:avLst/>
@@ -30613,10 +29858,10 @@
         </p:nvGrpSpPr>
         <p:grpSpPr>
           <a:xfrm>
-            <a:off x="9301165" y="3042385"/>
-            <a:ext cx="891803" cy="380497"/>
-            <a:chOff x="-1" y="0"/>
-            <a:chExt cx="891802" cy="380496"/>
+            <a:off x="9301163" y="3042384"/>
+            <a:ext cx="891805" cy="380499"/>
+            <a:chOff x="0" y="0"/>
+            <a:chExt cx="891803" cy="380497"/>
           </a:xfrm>
         </p:grpSpPr>
         <p:sp>
@@ -30627,8 +29872,8 @@
           </p:nvSpPr>
           <p:spPr>
             <a:xfrm>
-              <a:off x="-2" y="-1"/>
-              <a:ext cx="891804" cy="380497"/>
+              <a:off x="-1" y="-1"/>
+              <a:ext cx="891805" cy="380499"/>
             </a:xfrm>
             <a:prstGeom prst="ellipse">
               <a:avLst/>
@@ -30670,8 +29915,8 @@
           </p:nvSpPr>
           <p:spPr>
             <a:xfrm>
-              <a:off x="130601" y="81022"/>
-              <a:ext cx="630594" cy="218437"/>
+              <a:off x="130602" y="81022"/>
+              <a:ext cx="630595" cy="218437"/>
             </a:xfrm>
             <a:prstGeom prst="rect">
               <a:avLst/>
@@ -30715,7 +29960,7 @@
         <p:spPr>
           <a:xfrm>
             <a:off x="9301171" y="2688475"/>
-            <a:ext cx="891795" cy="380493"/>
+            <a:ext cx="891797" cy="380495"/>
           </a:xfrm>
           <a:prstGeom prst="ellipse">
             <a:avLst/>
@@ -30778,10 +30023,10 @@
         </p:nvGrpSpPr>
         <p:grpSpPr>
           <a:xfrm>
-            <a:off x="2095500" y="1279985"/>
-            <a:ext cx="1270000" cy="322925"/>
-            <a:chOff x="0" y="-1"/>
-            <a:chExt cx="1270000" cy="322924"/>
+            <a:off x="2095500" y="1279983"/>
+            <a:ext cx="1270000" cy="322928"/>
+            <a:chOff x="0" y="0"/>
+            <a:chExt cx="1270000" cy="322926"/>
           </a:xfrm>
         </p:grpSpPr>
         <p:sp>
@@ -30792,8 +30037,8 @@
           </p:nvSpPr>
           <p:spPr>
             <a:xfrm>
-              <a:off x="0" y="-2"/>
-              <a:ext cx="1270000" cy="322926"/>
+              <a:off x="0" y="-1"/>
+              <a:ext cx="1270000" cy="322927"/>
             </a:xfrm>
             <a:prstGeom prst="rect">
               <a:avLst/>
@@ -30835,7 +30080,7 @@
           </p:nvSpPr>
           <p:spPr>
             <a:xfrm>
-              <a:off x="0" y="26837"/>
+              <a:off x="0" y="26838"/>
               <a:ext cx="1270000" cy="269237"/>
             </a:xfrm>
             <a:prstGeom prst="rect">
@@ -30879,10 +30124,10 @@
         </p:nvGrpSpPr>
         <p:grpSpPr>
           <a:xfrm>
-            <a:off x="2095500" y="1955791"/>
-            <a:ext cx="1270000" cy="322925"/>
-            <a:chOff x="0" y="-1"/>
-            <a:chExt cx="1270000" cy="322924"/>
+            <a:off x="2095500" y="1955790"/>
+            <a:ext cx="1270000" cy="322928"/>
+            <a:chOff x="0" y="0"/>
+            <a:chExt cx="1270000" cy="322926"/>
           </a:xfrm>
         </p:grpSpPr>
         <p:sp>
@@ -30893,8 +30138,8 @@
           </p:nvSpPr>
           <p:spPr>
             <a:xfrm>
-              <a:off x="0" y="-2"/>
-              <a:ext cx="1270000" cy="322926"/>
+              <a:off x="0" y="-1"/>
+              <a:ext cx="1270000" cy="322927"/>
             </a:xfrm>
             <a:prstGeom prst="rect">
               <a:avLst/>
@@ -30936,7 +30181,7 @@
           </p:nvSpPr>
           <p:spPr>
             <a:xfrm>
-              <a:off x="0" y="26838"/>
+              <a:off x="0" y="26839"/>
               <a:ext cx="1270000" cy="269237"/>
             </a:xfrm>
             <a:prstGeom prst="rect">
@@ -30980,10 +30225,10 @@
         </p:nvGrpSpPr>
         <p:grpSpPr>
           <a:xfrm>
-            <a:off x="3975100" y="1955791"/>
-            <a:ext cx="1270000" cy="322925"/>
-            <a:chOff x="0" y="-1"/>
-            <a:chExt cx="1270000" cy="322924"/>
+            <a:off x="3975100" y="1955790"/>
+            <a:ext cx="1270000" cy="322928"/>
+            <a:chOff x="0" y="0"/>
+            <a:chExt cx="1270000" cy="322926"/>
           </a:xfrm>
         </p:grpSpPr>
         <p:sp>
@@ -30994,8 +30239,8 @@
           </p:nvSpPr>
           <p:spPr>
             <a:xfrm>
-              <a:off x="0" y="-2"/>
-              <a:ext cx="1270000" cy="322926"/>
+              <a:off x="0" y="-1"/>
+              <a:ext cx="1270000" cy="322927"/>
             </a:xfrm>
             <a:prstGeom prst="rect">
               <a:avLst/>
@@ -31037,7 +30282,7 @@
           </p:nvSpPr>
           <p:spPr>
             <a:xfrm>
-              <a:off x="0" y="26838"/>
+              <a:off x="0" y="26839"/>
               <a:ext cx="1270000" cy="269237"/>
             </a:xfrm>
             <a:prstGeom prst="rect">
@@ -31081,10 +30326,10 @@
         </p:nvGrpSpPr>
         <p:grpSpPr>
           <a:xfrm>
-            <a:off x="215900" y="1955791"/>
-            <a:ext cx="1270000" cy="322925"/>
-            <a:chOff x="0" y="-1"/>
-            <a:chExt cx="1270000" cy="322924"/>
+            <a:off x="215900" y="1955790"/>
+            <a:ext cx="1270000" cy="322928"/>
+            <a:chOff x="0" y="0"/>
+            <a:chExt cx="1270000" cy="322926"/>
           </a:xfrm>
         </p:grpSpPr>
         <p:sp>
@@ -31095,8 +30340,8 @@
           </p:nvSpPr>
           <p:spPr>
             <a:xfrm>
-              <a:off x="0" y="-2"/>
-              <a:ext cx="1270000" cy="322926"/>
+              <a:off x="0" y="-1"/>
+              <a:ext cx="1270000" cy="322927"/>
             </a:xfrm>
             <a:prstGeom prst="rect">
               <a:avLst/>
@@ -31138,7 +30383,7 @@
           </p:nvSpPr>
           <p:spPr>
             <a:xfrm>
-              <a:off x="0" y="26838"/>
+              <a:off x="0" y="26839"/>
               <a:ext cx="1270000" cy="269237"/>
             </a:xfrm>
             <a:prstGeom prst="rect">
@@ -31182,10 +30427,10 @@
         </p:nvGrpSpPr>
         <p:grpSpPr>
           <a:xfrm>
-            <a:off x="6210300" y="1279985"/>
-            <a:ext cx="1270000" cy="322925"/>
-            <a:chOff x="0" y="-1"/>
-            <a:chExt cx="1270000" cy="322924"/>
+            <a:off x="6210300" y="1279983"/>
+            <a:ext cx="1270000" cy="322928"/>
+            <a:chOff x="0" y="0"/>
+            <a:chExt cx="1270000" cy="322926"/>
           </a:xfrm>
         </p:grpSpPr>
         <p:sp>
@@ -31196,8 +30441,8 @@
           </p:nvSpPr>
           <p:spPr>
             <a:xfrm>
-              <a:off x="0" y="-2"/>
-              <a:ext cx="1270000" cy="322926"/>
+              <a:off x="0" y="-1"/>
+              <a:ext cx="1270000" cy="322927"/>
             </a:xfrm>
             <a:prstGeom prst="rect">
               <a:avLst/>
@@ -31239,7 +30484,7 @@
           </p:nvSpPr>
           <p:spPr>
             <a:xfrm>
-              <a:off x="0" y="26837"/>
+              <a:off x="0" y="26838"/>
               <a:ext cx="1270000" cy="269237"/>
             </a:xfrm>
             <a:prstGeom prst="rect">
@@ -31283,10 +30528,10 @@
         </p:nvGrpSpPr>
         <p:grpSpPr>
           <a:xfrm>
-            <a:off x="215900" y="2984491"/>
-            <a:ext cx="1270000" cy="322925"/>
-            <a:chOff x="0" y="-1"/>
-            <a:chExt cx="1270000" cy="322924"/>
+            <a:off x="215900" y="2984490"/>
+            <a:ext cx="1270000" cy="322928"/>
+            <a:chOff x="0" y="0"/>
+            <a:chExt cx="1270000" cy="322926"/>
           </a:xfrm>
         </p:grpSpPr>
         <p:sp>
@@ -31297,8 +30542,8 @@
           </p:nvSpPr>
           <p:spPr>
             <a:xfrm>
-              <a:off x="0" y="-2"/>
-              <a:ext cx="1270000" cy="322926"/>
+              <a:off x="0" y="-1"/>
+              <a:ext cx="1270000" cy="322927"/>
             </a:xfrm>
             <a:prstGeom prst="rect">
               <a:avLst/>
@@ -31340,7 +30585,7 @@
           </p:nvSpPr>
           <p:spPr>
             <a:xfrm>
-              <a:off x="0" y="26838"/>
+              <a:off x="0" y="26839"/>
               <a:ext cx="1270000" cy="269237"/>
             </a:xfrm>
             <a:prstGeom prst="rect">
@@ -31384,10 +30629,10 @@
         </p:nvGrpSpPr>
         <p:grpSpPr>
           <a:xfrm>
-            <a:off x="1625600" y="2984491"/>
-            <a:ext cx="1270000" cy="322925"/>
-            <a:chOff x="0" y="-1"/>
-            <a:chExt cx="1270000" cy="322924"/>
+            <a:off x="1625600" y="2984490"/>
+            <a:ext cx="1270000" cy="322928"/>
+            <a:chOff x="0" y="0"/>
+            <a:chExt cx="1270000" cy="322926"/>
           </a:xfrm>
         </p:grpSpPr>
         <p:sp>
@@ -31398,8 +30643,8 @@
           </p:nvSpPr>
           <p:spPr>
             <a:xfrm>
-              <a:off x="0" y="-2"/>
-              <a:ext cx="1270000" cy="322926"/>
+              <a:off x="0" y="-1"/>
+              <a:ext cx="1270000" cy="322927"/>
             </a:xfrm>
             <a:prstGeom prst="rect">
               <a:avLst/>
@@ -31441,7 +30686,7 @@
           </p:nvSpPr>
           <p:spPr>
             <a:xfrm>
-              <a:off x="0" y="26838"/>
+              <a:off x="0" y="26839"/>
               <a:ext cx="1270000" cy="269237"/>
             </a:xfrm>
             <a:prstGeom prst="rect">
@@ -31485,10 +30730,10 @@
         </p:nvGrpSpPr>
         <p:grpSpPr>
           <a:xfrm>
-            <a:off x="3035300" y="2984491"/>
-            <a:ext cx="1270000" cy="322925"/>
-            <a:chOff x="0" y="-1"/>
-            <a:chExt cx="1270000" cy="322924"/>
+            <a:off x="3035300" y="2984490"/>
+            <a:ext cx="1270000" cy="322928"/>
+            <a:chOff x="0" y="0"/>
+            <a:chExt cx="1270000" cy="322926"/>
           </a:xfrm>
         </p:grpSpPr>
         <p:sp>
@@ -31499,8 +30744,8 @@
           </p:nvSpPr>
           <p:spPr>
             <a:xfrm>
-              <a:off x="0" y="-2"/>
-              <a:ext cx="1270000" cy="322926"/>
+              <a:off x="0" y="-1"/>
+              <a:ext cx="1270000" cy="322927"/>
             </a:xfrm>
             <a:prstGeom prst="rect">
               <a:avLst/>
@@ -31542,7 +30787,7 @@
           </p:nvSpPr>
           <p:spPr>
             <a:xfrm>
-              <a:off x="0" y="26838"/>
+              <a:off x="0" y="26839"/>
               <a:ext cx="1270000" cy="269237"/>
             </a:xfrm>
             <a:prstGeom prst="rect">
@@ -31586,10 +30831,10 @@
         </p:nvGrpSpPr>
         <p:grpSpPr>
           <a:xfrm>
-            <a:off x="4445000" y="2984491"/>
-            <a:ext cx="1270000" cy="322925"/>
-            <a:chOff x="0" y="-1"/>
-            <a:chExt cx="1270000" cy="322924"/>
+            <a:off x="4445000" y="2984490"/>
+            <a:ext cx="1270000" cy="322928"/>
+            <a:chOff x="0" y="0"/>
+            <a:chExt cx="1270000" cy="322926"/>
           </a:xfrm>
         </p:grpSpPr>
         <p:sp>
@@ -31600,8 +30845,8 @@
           </p:nvSpPr>
           <p:spPr>
             <a:xfrm>
-              <a:off x="0" y="-2"/>
-              <a:ext cx="1270000" cy="322926"/>
+              <a:off x="0" y="-1"/>
+              <a:ext cx="1270000" cy="322927"/>
             </a:xfrm>
             <a:prstGeom prst="rect">
               <a:avLst/>
@@ -31643,7 +30888,7 @@
           </p:nvSpPr>
           <p:spPr>
             <a:xfrm>
-              <a:off x="0" y="26838"/>
+              <a:off x="0" y="2